--- a/2.7 and 2.8 Documentation Template.pptx
+++ b/2.7 and 2.8 Documentation Template.pptx
@@ -15,8 +15,8 @@
     <p:sldId id="260" r:id="rId8"/>
     <p:sldId id="268" r:id="rId9"/>
     <p:sldId id="269" r:id="rId10"/>
-    <p:sldId id="273" r:id="rId11"/>
-    <p:sldId id="274" r:id="rId12"/>
+    <p:sldId id="274" r:id="rId11"/>
+    <p:sldId id="273" r:id="rId12"/>
     <p:sldId id="263" r:id="rId13"/>
     <p:sldId id="270" r:id="rId14"/>
     <p:sldId id="261" r:id="rId15"/>
@@ -255,7 +255,7 @@
           <a:p>
             <a:fld id="{F37D28C0-BEB6-42B0-A203-EEE1023219C4}" type="datetimeFigureOut">
               <a:rPr lang="en-NZ" smtClean="0"/>
-              <a:t>8/05/2023</a:t>
+              <a:t>10/05/2023</a:t>
             </a:fld>
             <a:endParaRPr lang="en-NZ"/>
           </a:p>
@@ -1215,25 +1215,22 @@
           <a:bodyPr/>
           <a:lstStyle/>
           <a:p>
-            <a:r>
-              <a:rPr lang="en-NZ" i="1" dirty="0"/>
-              <a:t>NOTE: Trialling needs to happen for </a:t>
-            </a:r>
-            <a:r>
-              <a:rPr lang="en-NZ" b="1" i="1" dirty="0"/>
-              <a:t>at least 2 </a:t>
-            </a:r>
-            <a:r>
-              <a:rPr lang="en-NZ" i="1" dirty="0"/>
-              <a:t>of your components but is not necessary for ALL components.</a:t>
-            </a:r>
-          </a:p>
-          <a:p>
-            <a:r>
-              <a:rPr lang="en" i="1" dirty="0"/>
-              <a:t>Trialling is not the same as testing. Trialling is about finding different ways of building the same component. Show evidence of  your trialling  here. Select one of your trials for further development and give reasons for your choice. </a:t>
-            </a:r>
-            <a:endParaRPr lang="en-NZ" dirty="0"/>
+            <a:pPr>
+              <a:lnSpc>
+                <a:spcPct val="115000"/>
+              </a:lnSpc>
+            </a:pPr>
+            <a:r>
+              <a:rPr lang="en-NZ" i="1" dirty="0">
+                <a:latin typeface="Arial" panose="020B0604020202020204" pitchFamily="34" charset="0"/>
+                <a:ea typeface="Arial" panose="020B0604020202020204" pitchFamily="34" charset="0"/>
+              </a:rPr>
+              <a:t>You must show the results of testing. For each component, include a screenshot proving it works.  You can also include notes about each test. </a:t>
+            </a:r>
+            <a:endParaRPr lang="en-NZ" dirty="0">
+              <a:latin typeface="Arial" panose="020B0604020202020204" pitchFamily="34" charset="0"/>
+              <a:ea typeface="Arial" panose="020B0604020202020204" pitchFamily="34" charset="0"/>
+            </a:endParaRPr>
           </a:p>
         </p:txBody>
       </p:sp>
@@ -1263,7 +1260,7 @@
     </p:spTree>
     <p:extLst>
       <p:ext uri="{BB962C8B-B14F-4D97-AF65-F5344CB8AC3E}">
-        <p14:creationId xmlns:p14="http://schemas.microsoft.com/office/powerpoint/2010/main" val="120689959"/>
+        <p14:creationId xmlns:p14="http://schemas.microsoft.com/office/powerpoint/2010/main" val="3683133660"/>
       </p:ext>
     </p:extLst>
   </p:cSld>
@@ -1317,22 +1314,25 @@
           <a:bodyPr/>
           <a:lstStyle/>
           <a:p>
-            <a:pPr>
-              <a:lnSpc>
-                <a:spcPct val="115000"/>
-              </a:lnSpc>
-            </a:pPr>
-            <a:r>
-              <a:rPr lang="en-NZ" i="1" dirty="0">
-                <a:latin typeface="Arial" panose="020B0604020202020204" pitchFamily="34" charset="0"/>
-                <a:ea typeface="Arial" panose="020B0604020202020204" pitchFamily="34" charset="0"/>
-              </a:rPr>
-              <a:t>You must show the results of testing. For each component, include a screenshot proving it works.  You can also include notes about each test. </a:t>
-            </a:r>
-            <a:endParaRPr lang="en-NZ" dirty="0">
-              <a:latin typeface="Arial" panose="020B0604020202020204" pitchFamily="34" charset="0"/>
-              <a:ea typeface="Arial" panose="020B0604020202020204" pitchFamily="34" charset="0"/>
-            </a:endParaRPr>
+            <a:r>
+              <a:rPr lang="en-NZ" i="1" dirty="0"/>
+              <a:t>NOTE: Trialling needs to happen for </a:t>
+            </a:r>
+            <a:r>
+              <a:rPr lang="en-NZ" b="1" i="1" dirty="0"/>
+              <a:t>at least 2 </a:t>
+            </a:r>
+            <a:r>
+              <a:rPr lang="en-NZ" i="1" dirty="0"/>
+              <a:t>of your components but is not necessary for ALL components.</a:t>
+            </a:r>
+          </a:p>
+          <a:p>
+            <a:r>
+              <a:rPr lang="en" i="1" dirty="0"/>
+              <a:t>Trialling is not the same as testing. Trialling is about finding different ways of building the same component. Show evidence of  your trialling  here. Select one of your trials for further development and give reasons for your choice. </a:t>
+            </a:r>
+            <a:endParaRPr lang="en-NZ" dirty="0"/>
           </a:p>
         </p:txBody>
       </p:sp>
@@ -1362,7 +1362,7 @@
     </p:spTree>
     <p:extLst>
       <p:ext uri="{BB962C8B-B14F-4D97-AF65-F5344CB8AC3E}">
-        <p14:creationId xmlns:p14="http://schemas.microsoft.com/office/powerpoint/2010/main" val="3683133660"/>
+        <p14:creationId xmlns:p14="http://schemas.microsoft.com/office/powerpoint/2010/main" val="120689959"/>
       </p:ext>
     </p:extLst>
   </p:cSld>
@@ -1743,7 +1743,7 @@
           <a:p>
             <a:fld id="{9C4A4F43-1C06-40E6-8F87-8B286982E50E}" type="datetimeFigureOut">
               <a:rPr lang="en-NZ" smtClean="0"/>
-              <a:t>8/05/2023</a:t>
+              <a:t>10/05/2023</a:t>
             </a:fld>
             <a:endParaRPr lang="en-NZ" dirty="0"/>
           </a:p>
@@ -1943,7 +1943,7 @@
           <a:p>
             <a:fld id="{9C4A4F43-1C06-40E6-8F87-8B286982E50E}" type="datetimeFigureOut">
               <a:rPr lang="en-NZ" smtClean="0"/>
-              <a:t>8/05/2023</a:t>
+              <a:t>10/05/2023</a:t>
             </a:fld>
             <a:endParaRPr lang="en-NZ" dirty="0"/>
           </a:p>
@@ -2153,7 +2153,7 @@
           <a:p>
             <a:fld id="{9C4A4F43-1C06-40E6-8F87-8B286982E50E}" type="datetimeFigureOut">
               <a:rPr lang="en-NZ" smtClean="0"/>
-              <a:t>8/05/2023</a:t>
+              <a:t>10/05/2023</a:t>
             </a:fld>
             <a:endParaRPr lang="en-NZ" dirty="0"/>
           </a:p>
@@ -2712,7 +2712,7 @@
           <a:p>
             <a:fld id="{9C4A4F43-1C06-40E6-8F87-8B286982E50E}" type="datetimeFigureOut">
               <a:rPr lang="en-NZ" smtClean="0"/>
-              <a:t>8/05/2023</a:t>
+              <a:t>10/05/2023</a:t>
             </a:fld>
             <a:endParaRPr lang="en-NZ" dirty="0"/>
           </a:p>
@@ -2988,7 +2988,7 @@
           <a:p>
             <a:fld id="{9C4A4F43-1C06-40E6-8F87-8B286982E50E}" type="datetimeFigureOut">
               <a:rPr lang="en-NZ" smtClean="0"/>
-              <a:t>8/05/2023</a:t>
+              <a:t>10/05/2023</a:t>
             </a:fld>
             <a:endParaRPr lang="en-NZ" dirty="0"/>
           </a:p>
@@ -3256,7 +3256,7 @@
           <a:p>
             <a:fld id="{9C4A4F43-1C06-40E6-8F87-8B286982E50E}" type="datetimeFigureOut">
               <a:rPr lang="en-NZ" smtClean="0"/>
-              <a:t>8/05/2023</a:t>
+              <a:t>10/05/2023</a:t>
             </a:fld>
             <a:endParaRPr lang="en-NZ" dirty="0"/>
           </a:p>
@@ -3671,7 +3671,7 @@
           <a:p>
             <a:fld id="{9C4A4F43-1C06-40E6-8F87-8B286982E50E}" type="datetimeFigureOut">
               <a:rPr lang="en-NZ" smtClean="0"/>
-              <a:t>8/05/2023</a:t>
+              <a:t>10/05/2023</a:t>
             </a:fld>
             <a:endParaRPr lang="en-NZ" dirty="0"/>
           </a:p>
@@ -3813,7 +3813,7 @@
           <a:p>
             <a:fld id="{9C4A4F43-1C06-40E6-8F87-8B286982E50E}" type="datetimeFigureOut">
               <a:rPr lang="en-NZ" smtClean="0"/>
-              <a:t>8/05/2023</a:t>
+              <a:t>10/05/2023</a:t>
             </a:fld>
             <a:endParaRPr lang="en-NZ" dirty="0"/>
           </a:p>
@@ -3926,7 +3926,7 @@
           <a:p>
             <a:fld id="{9C4A4F43-1C06-40E6-8F87-8B286982E50E}" type="datetimeFigureOut">
               <a:rPr lang="en-NZ" smtClean="0"/>
-              <a:t>8/05/2023</a:t>
+              <a:t>10/05/2023</a:t>
             </a:fld>
             <a:endParaRPr lang="en-NZ" dirty="0"/>
           </a:p>
@@ -4239,7 +4239,7 @@
           <a:p>
             <a:fld id="{9C4A4F43-1C06-40E6-8F87-8B286982E50E}" type="datetimeFigureOut">
               <a:rPr lang="en-NZ" smtClean="0"/>
-              <a:t>8/05/2023</a:t>
+              <a:t>10/05/2023</a:t>
             </a:fld>
             <a:endParaRPr lang="en-NZ" dirty="0"/>
           </a:p>
@@ -4528,7 +4528,7 @@
           <a:p>
             <a:fld id="{9C4A4F43-1C06-40E6-8F87-8B286982E50E}" type="datetimeFigureOut">
               <a:rPr lang="en-NZ" smtClean="0"/>
-              <a:t>8/05/2023</a:t>
+              <a:t>10/05/2023</a:t>
             </a:fld>
             <a:endParaRPr lang="en-NZ" dirty="0"/>
           </a:p>
@@ -4771,7 +4771,7 @@
           <a:p>
             <a:fld id="{9C4A4F43-1C06-40E6-8F87-8B286982E50E}" type="datetimeFigureOut">
               <a:rPr lang="en-NZ" smtClean="0"/>
-              <a:t>8/05/2023</a:t>
+              <a:t>10/05/2023</a:t>
             </a:fld>
             <a:endParaRPr lang="en-NZ" dirty="0"/>
           </a:p>
@@ -7241,12 +7241,42 @@
           <a:p>
             <a:r>
               <a:rPr lang="en" sz="4000" dirty="0"/>
-              <a:t>[Component name] (Trello screenshot)</a:t>
+              <a:t>Component 1 (Add Creature)</a:t>
             </a:r>
             <a:endParaRPr sz="4000" dirty="0"/>
           </a:p>
         </p:txBody>
       </p:sp>
+      <p:pic>
+        <p:nvPicPr>
+          <p:cNvPr id="3" name="Picture 2">
+            <a:extLst>
+              <a:ext uri="{FF2B5EF4-FFF2-40B4-BE49-F238E27FC236}">
+                <a16:creationId xmlns:a16="http://schemas.microsoft.com/office/drawing/2014/main" id="{E6DBC2DF-D9D8-FB3C-5E87-A70519F5897F}"/>
+              </a:ext>
+            </a:extLst>
+          </p:cNvPr>
+          <p:cNvPicPr>
+            <a:picLocks noChangeAspect="1"/>
+          </p:cNvPicPr>
+          <p:nvPr/>
+        </p:nvPicPr>
+        <p:blipFill>
+          <a:blip r:embed="rId3"/>
+          <a:stretch>
+            <a:fillRect/>
+          </a:stretch>
+        </p:blipFill>
+        <p:spPr>
+          <a:xfrm>
+            <a:off x="4453044" y="1274851"/>
+            <a:ext cx="2619741" cy="5163271"/>
+          </a:xfrm>
+          <a:prstGeom prst="rect">
+            <a:avLst/>
+          </a:prstGeom>
+        </p:spPr>
+      </p:pic>
     </p:spTree>
   </p:cSld>
   <p:clrMapOvr>
@@ -7299,7 +7329,7 @@
           <a:p>
             <a:r>
               <a:rPr lang="en" sz="4000" dirty="0"/>
-              <a:t>[Component name] - Test Plan</a:t>
+              <a:t>Add Creature - Test Plan (1/?) FINISH THIS</a:t>
             </a:r>
             <a:endParaRPr sz="4000" dirty="0"/>
           </a:p>
@@ -7312,14 +7342,14 @@
           <p:nvPr>
             <p:extLst>
               <p:ext uri="{D42A27DB-BD31-4B8C-83A1-F6EECF244321}">
-                <p14:modId xmlns:p14="http://schemas.microsoft.com/office/powerpoint/2010/main" val="2698883836"/>
+                <p14:modId xmlns:p14="http://schemas.microsoft.com/office/powerpoint/2010/main" val="3215797310"/>
               </p:ext>
             </p:extLst>
           </p:nvPr>
         </p:nvGraphicFramePr>
         <p:xfrm>
           <a:off x="509967" y="1690300"/>
-          <a:ext cx="11360800" cy="1219120"/>
+          <a:ext cx="11360799" cy="2925960"/>
         </p:xfrm>
         <a:graphic>
           <a:graphicData uri="http://schemas.openxmlformats.org/drawingml/2006/table">
@@ -7328,14 +7358,21 @@
                 <a:noFill/>
               </a:tblPr>
               <a:tblGrid>
-                <a:gridCol w="5680400">
+                <a:gridCol w="3786933">
+                  <a:extLst>
+                    <a:ext uri="{9D8B030D-6E8A-4147-A177-3AD203B41FA5}">
+                      <a16:colId xmlns:a16="http://schemas.microsoft.com/office/drawing/2014/main" val="3053296164"/>
+                    </a:ext>
+                  </a:extLst>
+                </a:gridCol>
+                <a:gridCol w="3786933">
                   <a:extLst>
                     <a:ext uri="{9D8B030D-6E8A-4147-A177-3AD203B41FA5}">
                       <a16:colId xmlns:a16="http://schemas.microsoft.com/office/drawing/2014/main" val="20000"/>
                     </a:ext>
                   </a:extLst>
                 </a:gridCol>
-                <a:gridCol w="5680400">
+                <a:gridCol w="3786933">
                   <a:extLst>
                     <a:ext uri="{9D8B030D-6E8A-4147-A177-3AD203B41FA5}">
                       <a16:colId xmlns:a16="http://schemas.microsoft.com/office/drawing/2014/main" val="20001"/>
@@ -7344,6 +7381,33 @@
                 </a:gridCol>
               </a:tblGrid>
               <a:tr h="609560">
+                <a:tc>
+                  <a:txBody>
+                    <a:bodyPr/>
+                    <a:lstStyle/>
+                    <a:p>
+                      <a:pPr marL="0" lvl="0" indent="0" algn="l" rtl="0">
+                        <a:spcBef>
+                          <a:spcPts val="0"/>
+                        </a:spcBef>
+                        <a:spcAft>
+                          <a:spcPts val="0"/>
+                        </a:spcAft>
+                        <a:buNone/>
+                      </a:pPr>
+                      <a:r>
+                        <a:rPr lang="en-NZ" sz="2400" b="1" dirty="0"/>
+                        <a:t>What Program Should Ask</a:t>
+                      </a:r>
+                      <a:endParaRPr sz="2400" b="1" dirty="0"/>
+                    </a:p>
+                  </a:txBody>
+                  <a:tcPr marL="121900" marR="121900" marT="121900" marB="121900">
+                    <a:solidFill>
+                      <a:srgbClr val="CCCCCC"/>
+                    </a:solidFill>
+                  </a:tcPr>
+                </a:tc>
                 <a:tc>
                   <a:txBody>
                     <a:bodyPr/>
@@ -7419,6 +7483,10 @@
                         </a:spcAft>
                         <a:buNone/>
                       </a:pPr>
+                      <a:r>
+                        <a:rPr lang="en-NZ" sz="2400" dirty="0"/>
+                        <a:t>Enter the name of the creature you want to add:</a:t>
+                      </a:r>
                       <a:endParaRPr sz="2400" dirty="0"/>
                     </a:p>
                   </a:txBody>
@@ -7438,6 +7506,33 @@
                         </a:spcAft>
                         <a:buNone/>
                       </a:pPr>
+                      <a:r>
+                        <a:rPr lang="en-NZ" sz="2400" dirty="0"/>
+                        <a:t>Joe</a:t>
+                      </a:r>
+                      <a:endParaRPr sz="2400" dirty="0"/>
+                    </a:p>
+                  </a:txBody>
+                  <a:tcPr marL="121900" marR="121900" marT="121900" marB="121900"/>
+                </a:tc>
+                <a:tc>
+                  <a:txBody>
+                    <a:bodyPr/>
+                    <a:lstStyle/>
+                    <a:p>
+                      <a:pPr marL="0" lvl="0" indent="0" algn="l" rtl="0">
+                        <a:spcBef>
+                          <a:spcPts val="0"/>
+                        </a:spcBef>
+                        <a:spcAft>
+                          <a:spcPts val="0"/>
+                        </a:spcAft>
+                        <a:buNone/>
+                      </a:pPr>
+                      <a:r>
+                        <a:rPr lang="en-NZ" sz="2400" dirty="0"/>
+                        <a:t>Moves Forward in the program (Asks for strength)</a:t>
+                      </a:r>
                       <a:endParaRPr sz="2400" dirty="0"/>
                     </a:p>
                   </a:txBody>
@@ -7446,6 +7541,101 @@
                 <a:extLst>
                   <a:ext uri="{0D108BD9-81ED-4DB2-BD59-A6C34878D82A}">
                     <a16:rowId xmlns:a16="http://schemas.microsoft.com/office/drawing/2014/main" val="10001"/>
+                  </a:ext>
+                </a:extLst>
+              </a:tr>
+              <a:tr h="609560">
+                <a:tc>
+                  <a:txBody>
+                    <a:bodyPr/>
+                    <a:lstStyle/>
+                    <a:p>
+                      <a:pPr marL="0" lvl="0" indent="0" algn="l" rtl="0">
+                        <a:spcBef>
+                          <a:spcPts val="0"/>
+                        </a:spcBef>
+                        <a:spcAft>
+                          <a:spcPts val="0"/>
+                        </a:spcAft>
+                        <a:buNone/>
+                      </a:pPr>
+                      <a:r>
+                        <a:rPr lang="en-NZ" sz="2400" dirty="0"/>
+                        <a:t>Enter the strength of the creature</a:t>
+                      </a:r>
+                      <a:endParaRPr sz="2400" dirty="0"/>
+                    </a:p>
+                  </a:txBody>
+                  <a:tcPr marL="121900" marR="121900" marT="121900" marB="121900"/>
+                </a:tc>
+                <a:tc>
+                  <a:txBody>
+                    <a:bodyPr/>
+                    <a:lstStyle/>
+                    <a:p>
+                      <a:pPr marL="0" lvl="0" indent="0" algn="l" rtl="0">
+                        <a:spcBef>
+                          <a:spcPts val="0"/>
+                        </a:spcBef>
+                        <a:spcAft>
+                          <a:spcPts val="0"/>
+                        </a:spcAft>
+                        <a:buNone/>
+                      </a:pPr>
+                      <a:r>
+                        <a:rPr lang="en-NZ" sz="2400" dirty="0"/>
+                        <a:t>10</a:t>
+                      </a:r>
+                      <a:endParaRPr sz="2400" dirty="0"/>
+                    </a:p>
+                  </a:txBody>
+                  <a:tcPr marL="121900" marR="121900" marT="121900" marB="121900"/>
+                </a:tc>
+                <a:tc>
+                  <a:txBody>
+                    <a:bodyPr/>
+                    <a:lstStyle/>
+                    <a:p>
+                      <a:pPr marL="0" marR="0" lvl="0" indent="0" algn="l" defTabSz="914400" rtl="0" eaLnBrk="1" fontAlgn="auto" latinLnBrk="0" hangingPunct="1">
+                        <a:lnSpc>
+                          <a:spcPct val="100000"/>
+                        </a:lnSpc>
+                        <a:spcBef>
+                          <a:spcPts val="0"/>
+                        </a:spcBef>
+                        <a:spcAft>
+                          <a:spcPts val="0"/>
+                        </a:spcAft>
+                        <a:buClrTx/>
+                        <a:buSzTx/>
+                        <a:buFontTx/>
+                        <a:buNone/>
+                        <a:tabLst/>
+                        <a:defRPr/>
+                      </a:pPr>
+                      <a:r>
+                        <a:rPr lang="en-GB" sz="2400" dirty="0"/>
+                        <a:t>Moves Forward in the program (Asks for Speed)</a:t>
+                      </a:r>
+                    </a:p>
+                    <a:p>
+                      <a:pPr marL="0" lvl="0" indent="0" algn="l" rtl="0">
+                        <a:spcBef>
+                          <a:spcPts val="0"/>
+                        </a:spcBef>
+                        <a:spcAft>
+                          <a:spcPts val="0"/>
+                        </a:spcAft>
+                        <a:buNone/>
+                      </a:pPr>
+                      <a:endParaRPr sz="2400" dirty="0"/>
+                    </a:p>
+                  </a:txBody>
+                  <a:tcPr marL="121900" marR="121900" marT="121900" marB="121900"/>
+                </a:tc>
+                <a:extLst>
+                  <a:ext uri="{0D108BD9-81ED-4DB2-BD59-A6C34878D82A}">
+                    <a16:rowId xmlns:a16="http://schemas.microsoft.com/office/drawing/2014/main" val="14414870"/>
                   </a:ext>
                 </a:extLst>
               </a:tr>
@@ -7547,19 +7737,19 @@
         </p:nvSpPr>
         <p:spPr>
           <a:xfrm>
-            <a:off x="749300" y="223520"/>
-            <a:ext cx="10515600" cy="806768"/>
+            <a:off x="838200" y="518160"/>
+            <a:ext cx="10515600" cy="562928"/>
           </a:xfrm>
         </p:spPr>
         <p:txBody>
           <a:bodyPr>
-            <a:normAutofit/>
+            <a:normAutofit fontScale="90000"/>
           </a:bodyPr>
           <a:lstStyle/>
           <a:p>
             <a:r>
-              <a:rPr lang="en-NZ" sz="4000" dirty="0"/>
-              <a:t>[Component name]: Trialling </a:t>
+              <a:rPr lang="en-NZ" dirty="0"/>
+              <a:t>[FORMAT THIS name]: Testing </a:t>
             </a:r>
           </a:p>
         </p:txBody>
@@ -7578,8 +7768,8 @@
         </p:nvSpPr>
         <p:spPr>
           <a:xfrm>
-            <a:off x="660400" y="1030288"/>
-            <a:ext cx="10693400" cy="923330"/>
+            <a:off x="749300" y="1081088"/>
+            <a:ext cx="10693400" cy="646331"/>
           </a:xfrm>
           <a:prstGeom prst="rect">
             <a:avLst/>
@@ -7594,30 +7784,345 @@
           <a:p>
             <a:r>
               <a:rPr lang="en-NZ" i="1" dirty="0"/>
-              <a:t>NOTE: Trialling needs to happen for </a:t>
-            </a:r>
-            <a:r>
-              <a:rPr lang="en-NZ" b="1" i="1" dirty="0"/>
-              <a:t>at least 2 </a:t>
-            </a:r>
-            <a:r>
-              <a:rPr lang="en-NZ" i="1" dirty="0"/>
-              <a:t>of your components but is not necessary for ALL components.</a:t>
-            </a:r>
-          </a:p>
-          <a:p>
-            <a:r>
-              <a:rPr lang="en" i="1" dirty="0"/>
-              <a:t>Trialling is not the same as testing. Trialling is about finding different ways of building the same component. Show evidence of  your trialling  here. Select one of your trials for further development and give reasons for your choice. </a:t>
-            </a:r>
-            <a:endParaRPr lang="en-NZ" dirty="0"/>
-          </a:p>
-        </p:txBody>
-      </p:sp>
+              <a:t>You must show the results of testing. For each component, include a screenshot proving it works.  You can also include notes about each test. </a:t>
+            </a:r>
+          </a:p>
+        </p:txBody>
+      </p:sp>
+      <p:pic>
+        <p:nvPicPr>
+          <p:cNvPr id="5" name="Picture 4">
+            <a:extLst>
+              <a:ext uri="{FF2B5EF4-FFF2-40B4-BE49-F238E27FC236}">
+                <a16:creationId xmlns:a16="http://schemas.microsoft.com/office/drawing/2014/main" id="{0EF5634E-474E-FDB9-22D1-CA8CA7007C58}"/>
+              </a:ext>
+            </a:extLst>
+          </p:cNvPr>
+          <p:cNvPicPr>
+            <a:picLocks noChangeAspect="1"/>
+          </p:cNvPicPr>
+          <p:nvPr/>
+        </p:nvPicPr>
+        <p:blipFill>
+          <a:blip r:embed="rId3"/>
+          <a:stretch>
+            <a:fillRect/>
+          </a:stretch>
+        </p:blipFill>
+        <p:spPr>
+          <a:xfrm>
+            <a:off x="7021354" y="-34564"/>
+            <a:ext cx="3715268" cy="1524213"/>
+          </a:xfrm>
+          <a:prstGeom prst="rect">
+            <a:avLst/>
+          </a:prstGeom>
+        </p:spPr>
+      </p:pic>
+      <p:pic>
+        <p:nvPicPr>
+          <p:cNvPr id="7" name="Picture 6">
+            <a:extLst>
+              <a:ext uri="{FF2B5EF4-FFF2-40B4-BE49-F238E27FC236}">
+                <a16:creationId xmlns:a16="http://schemas.microsoft.com/office/drawing/2014/main" id="{FEA6EE45-EECC-399E-8BA7-C3F4BAEA463A}"/>
+              </a:ext>
+            </a:extLst>
+          </p:cNvPr>
+          <p:cNvPicPr>
+            <a:picLocks noChangeAspect="1"/>
+          </p:cNvPicPr>
+          <p:nvPr/>
+        </p:nvPicPr>
+        <p:blipFill>
+          <a:blip r:embed="rId4"/>
+          <a:stretch>
+            <a:fillRect/>
+          </a:stretch>
+        </p:blipFill>
+        <p:spPr>
+          <a:xfrm>
+            <a:off x="6785818" y="1423591"/>
+            <a:ext cx="3705742" cy="1438476"/>
+          </a:xfrm>
+          <a:prstGeom prst="rect">
+            <a:avLst/>
+          </a:prstGeom>
+        </p:spPr>
+      </p:pic>
+      <p:pic>
+        <p:nvPicPr>
+          <p:cNvPr id="9" name="Picture 8">
+            <a:extLst>
+              <a:ext uri="{FF2B5EF4-FFF2-40B4-BE49-F238E27FC236}">
+                <a16:creationId xmlns:a16="http://schemas.microsoft.com/office/drawing/2014/main" id="{D08E27D3-4133-1451-0339-903CC7B1007E}"/>
+              </a:ext>
+            </a:extLst>
+          </p:cNvPr>
+          <p:cNvPicPr>
+            <a:picLocks noChangeAspect="1"/>
+          </p:cNvPicPr>
+          <p:nvPr/>
+        </p:nvPicPr>
+        <p:blipFill>
+          <a:blip r:embed="rId5"/>
+          <a:stretch>
+            <a:fillRect/>
+          </a:stretch>
+        </p:blipFill>
+        <p:spPr>
+          <a:xfrm>
+            <a:off x="6823923" y="2628058"/>
+            <a:ext cx="3667637" cy="1495634"/>
+          </a:xfrm>
+          <a:prstGeom prst="rect">
+            <a:avLst/>
+          </a:prstGeom>
+        </p:spPr>
+      </p:pic>
+      <p:pic>
+        <p:nvPicPr>
+          <p:cNvPr id="11" name="Picture 10">
+            <a:extLst>
+              <a:ext uri="{FF2B5EF4-FFF2-40B4-BE49-F238E27FC236}">
+                <a16:creationId xmlns:a16="http://schemas.microsoft.com/office/drawing/2014/main" id="{723BF66B-4A13-04B3-4B21-6936A906A90E}"/>
+              </a:ext>
+            </a:extLst>
+          </p:cNvPr>
+          <p:cNvPicPr>
+            <a:picLocks noChangeAspect="1"/>
+          </p:cNvPicPr>
+          <p:nvPr/>
+        </p:nvPicPr>
+        <p:blipFill>
+          <a:blip r:embed="rId6"/>
+          <a:stretch>
+            <a:fillRect/>
+          </a:stretch>
+        </p:blipFill>
+        <p:spPr>
+          <a:xfrm>
+            <a:off x="6785818" y="3929249"/>
+            <a:ext cx="3696216" cy="1505160"/>
+          </a:xfrm>
+          <a:prstGeom prst="rect">
+            <a:avLst/>
+          </a:prstGeom>
+        </p:spPr>
+      </p:pic>
+      <p:pic>
+        <p:nvPicPr>
+          <p:cNvPr id="15" name="Picture 14">
+            <a:extLst>
+              <a:ext uri="{FF2B5EF4-FFF2-40B4-BE49-F238E27FC236}">
+                <a16:creationId xmlns:a16="http://schemas.microsoft.com/office/drawing/2014/main" id="{DF6045B2-5C9F-FC12-87B7-713B10F9EF0A}"/>
+              </a:ext>
+            </a:extLst>
+          </p:cNvPr>
+          <p:cNvPicPr>
+            <a:picLocks noChangeAspect="1"/>
+          </p:cNvPicPr>
+          <p:nvPr/>
+        </p:nvPicPr>
+        <p:blipFill>
+          <a:blip r:embed="rId7"/>
+          <a:stretch>
+            <a:fillRect/>
+          </a:stretch>
+        </p:blipFill>
+        <p:spPr>
+          <a:xfrm>
+            <a:off x="-464705" y="1404253"/>
+            <a:ext cx="6420746" cy="2181529"/>
+          </a:xfrm>
+          <a:prstGeom prst="rect">
+            <a:avLst/>
+          </a:prstGeom>
+        </p:spPr>
+      </p:pic>
+      <p:pic>
+        <p:nvPicPr>
+          <p:cNvPr id="17" name="Picture 16">
+            <a:extLst>
+              <a:ext uri="{FF2B5EF4-FFF2-40B4-BE49-F238E27FC236}">
+                <a16:creationId xmlns:a16="http://schemas.microsoft.com/office/drawing/2014/main" id="{14494820-F1DE-4886-7ED1-344DD5EE52CA}"/>
+              </a:ext>
+            </a:extLst>
+          </p:cNvPr>
+          <p:cNvPicPr>
+            <a:picLocks noChangeAspect="1"/>
+          </p:cNvPicPr>
+          <p:nvPr/>
+        </p:nvPicPr>
+        <p:blipFill>
+          <a:blip r:embed="rId8"/>
+          <a:stretch>
+            <a:fillRect/>
+          </a:stretch>
+        </p:blipFill>
+        <p:spPr>
+          <a:xfrm>
+            <a:off x="-3112604" y="47044"/>
+            <a:ext cx="3705742" cy="1505160"/>
+          </a:xfrm>
+          <a:prstGeom prst="rect">
+            <a:avLst/>
+          </a:prstGeom>
+        </p:spPr>
+      </p:pic>
+      <p:pic>
+        <p:nvPicPr>
+          <p:cNvPr id="19" name="Picture 18">
+            <a:extLst>
+              <a:ext uri="{FF2B5EF4-FFF2-40B4-BE49-F238E27FC236}">
+                <a16:creationId xmlns:a16="http://schemas.microsoft.com/office/drawing/2014/main" id="{0E3EDA80-8C82-EC83-477A-3DBFC25B9830}"/>
+              </a:ext>
+            </a:extLst>
+          </p:cNvPr>
+          <p:cNvPicPr>
+            <a:picLocks noChangeAspect="1"/>
+          </p:cNvPicPr>
+          <p:nvPr/>
+        </p:nvPicPr>
+        <p:blipFill>
+          <a:blip r:embed="rId9"/>
+          <a:stretch>
+            <a:fillRect/>
+          </a:stretch>
+        </p:blipFill>
+        <p:spPr>
+          <a:xfrm>
+            <a:off x="389586" y="3585782"/>
+            <a:ext cx="3648584" cy="1400370"/>
+          </a:xfrm>
+          <a:prstGeom prst="rect">
+            <a:avLst/>
+          </a:prstGeom>
+        </p:spPr>
+      </p:pic>
+      <p:pic>
+        <p:nvPicPr>
+          <p:cNvPr id="21" name="Picture 20">
+            <a:extLst>
+              <a:ext uri="{FF2B5EF4-FFF2-40B4-BE49-F238E27FC236}">
+                <a16:creationId xmlns:a16="http://schemas.microsoft.com/office/drawing/2014/main" id="{D375D8B9-B848-E9ED-1FBD-752888760D16}"/>
+              </a:ext>
+            </a:extLst>
+          </p:cNvPr>
+          <p:cNvPicPr>
+            <a:picLocks noChangeAspect="1"/>
+          </p:cNvPicPr>
+          <p:nvPr/>
+        </p:nvPicPr>
+        <p:blipFill>
+          <a:blip r:embed="rId10"/>
+          <a:stretch>
+            <a:fillRect/>
+          </a:stretch>
+        </p:blipFill>
+        <p:spPr>
+          <a:xfrm>
+            <a:off x="235149" y="4433791"/>
+            <a:ext cx="4014616" cy="1906049"/>
+          </a:xfrm>
+          <a:prstGeom prst="rect">
+            <a:avLst/>
+          </a:prstGeom>
+        </p:spPr>
+      </p:pic>
+      <p:pic>
+        <p:nvPicPr>
+          <p:cNvPr id="23" name="Picture 22">
+            <a:extLst>
+              <a:ext uri="{FF2B5EF4-FFF2-40B4-BE49-F238E27FC236}">
+                <a16:creationId xmlns:a16="http://schemas.microsoft.com/office/drawing/2014/main" id="{B45277E7-80CB-7B41-2BDF-7237C276D675}"/>
+              </a:ext>
+            </a:extLst>
+          </p:cNvPr>
+          <p:cNvPicPr>
+            <a:picLocks noChangeAspect="1"/>
+          </p:cNvPicPr>
+          <p:nvPr/>
+        </p:nvPicPr>
+        <p:blipFill>
+          <a:blip r:embed="rId11"/>
+          <a:stretch>
+            <a:fillRect/>
+          </a:stretch>
+        </p:blipFill>
+        <p:spPr>
+          <a:xfrm>
+            <a:off x="0" y="5130582"/>
+            <a:ext cx="6401693" cy="2152950"/>
+          </a:xfrm>
+          <a:prstGeom prst="rect">
+            <a:avLst/>
+          </a:prstGeom>
+        </p:spPr>
+      </p:pic>
+      <p:pic>
+        <p:nvPicPr>
+          <p:cNvPr id="25" name="Picture 24">
+            <a:extLst>
+              <a:ext uri="{FF2B5EF4-FFF2-40B4-BE49-F238E27FC236}">
+                <a16:creationId xmlns:a16="http://schemas.microsoft.com/office/drawing/2014/main" id="{D3C17B07-F9AE-502E-8858-52CF2572FB89}"/>
+              </a:ext>
+            </a:extLst>
+          </p:cNvPr>
+          <p:cNvPicPr>
+            <a:picLocks noChangeAspect="1"/>
+          </p:cNvPicPr>
+          <p:nvPr/>
+        </p:nvPicPr>
+        <p:blipFill>
+          <a:blip r:embed="rId12"/>
+          <a:stretch>
+            <a:fillRect/>
+          </a:stretch>
+        </p:blipFill>
+        <p:spPr>
+          <a:xfrm>
+            <a:off x="-171453" y="6532321"/>
+            <a:ext cx="3667637" cy="1448002"/>
+          </a:xfrm>
+          <a:prstGeom prst="rect">
+            <a:avLst/>
+          </a:prstGeom>
+        </p:spPr>
+      </p:pic>
+      <p:pic>
+        <p:nvPicPr>
+          <p:cNvPr id="27" name="Picture 26">
+            <a:extLst>
+              <a:ext uri="{FF2B5EF4-FFF2-40B4-BE49-F238E27FC236}">
+                <a16:creationId xmlns:a16="http://schemas.microsoft.com/office/drawing/2014/main" id="{EF961DCB-2719-07B3-CBE0-FD05E6FC51D6}"/>
+              </a:ext>
+            </a:extLst>
+          </p:cNvPr>
+          <p:cNvPicPr>
+            <a:picLocks noChangeAspect="1"/>
+          </p:cNvPicPr>
+          <p:nvPr/>
+        </p:nvPicPr>
+        <p:blipFill>
+          <a:blip r:embed="rId13"/>
+          <a:stretch>
+            <a:fillRect/>
+          </a:stretch>
+        </p:blipFill>
+        <p:spPr>
+          <a:xfrm>
+            <a:off x="-400957" y="7636028"/>
+            <a:ext cx="6496957" cy="3019846"/>
+          </a:xfrm>
+          <a:prstGeom prst="rect">
+            <a:avLst/>
+          </a:prstGeom>
+        </p:spPr>
+      </p:pic>
     </p:spTree>
     <p:extLst>
       <p:ext uri="{BB962C8B-B14F-4D97-AF65-F5344CB8AC3E}">
-        <p14:creationId xmlns:p14="http://schemas.microsoft.com/office/powerpoint/2010/main" val="270828811"/>
+        <p14:creationId xmlns:p14="http://schemas.microsoft.com/office/powerpoint/2010/main" val="89592267"/>
       </p:ext>
     </p:extLst>
   </p:cSld>
@@ -7662,19 +8167,19 @@
         </p:nvSpPr>
         <p:spPr>
           <a:xfrm>
-            <a:off x="838200" y="518160"/>
-            <a:ext cx="10515600" cy="562928"/>
+            <a:off x="749300" y="223520"/>
+            <a:ext cx="10515600" cy="806768"/>
           </a:xfrm>
         </p:spPr>
         <p:txBody>
           <a:bodyPr>
-            <a:normAutofit fontScale="90000"/>
+            <a:normAutofit/>
           </a:bodyPr>
           <a:lstStyle/>
           <a:p>
             <a:r>
-              <a:rPr lang="en-NZ" dirty="0"/>
-              <a:t>[Component name]: Testing </a:t>
+              <a:rPr lang="en-NZ" sz="4000" dirty="0"/>
+              <a:t>[Component name]: Trialling </a:t>
             </a:r>
           </a:p>
         </p:txBody>
@@ -7693,8 +8198,8 @@
         </p:nvSpPr>
         <p:spPr>
           <a:xfrm>
-            <a:off x="749300" y="1081088"/>
-            <a:ext cx="10693400" cy="646331"/>
+            <a:off x="660400" y="1030288"/>
+            <a:ext cx="10693400" cy="923330"/>
           </a:xfrm>
           <a:prstGeom prst="rect">
             <a:avLst/>
@@ -7709,15 +8214,30 @@
           <a:p>
             <a:r>
               <a:rPr lang="en-NZ" i="1" dirty="0"/>
-              <a:t>You must show the results of testing. For each component, include a screenshot proving it works.  You can also include notes about each test. </a:t>
-            </a:r>
+              <a:t>NOTE: Trialling needs to happen for </a:t>
+            </a:r>
+            <a:r>
+              <a:rPr lang="en-NZ" b="1" i="1" dirty="0"/>
+              <a:t>at least 2 </a:t>
+            </a:r>
+            <a:r>
+              <a:rPr lang="en-NZ" i="1" dirty="0"/>
+              <a:t>of your components but is not necessary for ALL components.</a:t>
+            </a:r>
+          </a:p>
+          <a:p>
+            <a:r>
+              <a:rPr lang="en" i="1" dirty="0"/>
+              <a:t>Trialling is not the same as testing. Trialling is about finding different ways of building the same component. Show evidence of  your trialling  here. Select one of your trials for further development and give reasons for your choice. </a:t>
+            </a:r>
+            <a:endParaRPr lang="en-NZ" dirty="0"/>
           </a:p>
         </p:txBody>
       </p:sp>
     </p:spTree>
     <p:extLst>
       <p:ext uri="{BB962C8B-B14F-4D97-AF65-F5344CB8AC3E}">
-        <p14:creationId xmlns:p14="http://schemas.microsoft.com/office/powerpoint/2010/main" val="89592267"/>
+        <p14:creationId xmlns:p14="http://schemas.microsoft.com/office/powerpoint/2010/main" val="270828811"/>
       </p:ext>
     </p:extLst>
   </p:cSld>
@@ -8318,6 +8838,15 @@
 </file>
 
 <file path=customXml/item1.xml><?xml version="1.0" encoding="utf-8"?>
+<?mso-contentType ?>
+<FormTemplates xmlns="http://schemas.microsoft.com/sharepoint/v3/contenttype/forms">
+  <Display>DocumentLibraryForm</Display>
+  <Edit>DocumentLibraryForm</Edit>
+  <New>DocumentLibraryForm</New>
+</FormTemplates>
+</file>
+
+<file path=customXml/item2.xml><?xml version="1.0" encoding="utf-8"?>
 <ct:contentTypeSchema xmlns:ct="http://schemas.microsoft.com/office/2006/metadata/contentType" xmlns:ma="http://schemas.microsoft.com/office/2006/metadata/properties/metaAttributes" ct:_="" ma:_="" ma:contentTypeName="Document" ma:contentTypeID="0x010100B37AA4149E3FCE42B2F0D36F55263BE7" ma:contentTypeVersion="3" ma:contentTypeDescription="Create a new document." ma:contentTypeScope="" ma:versionID="f7f1c092f231b6630c24ec1f654af881">
   <xsd:schema xmlns:xsd="http://www.w3.org/2001/XMLSchema" xmlns:xs="http://www.w3.org/2001/XMLSchema" xmlns:p="http://schemas.microsoft.com/office/2006/metadata/properties" xmlns:ns2="205ad105-7c38-4030-89bf-bb8828f957ce" targetNamespace="http://schemas.microsoft.com/office/2006/metadata/properties" ma:root="true" ma:fieldsID="4b98ef4347ca2c9d6ddeb86b863b8840" ns2:_="">
     <xsd:import namespace="205ad105-7c38-4030-89bf-bb8828f957ce"/>
@@ -8455,16 +8984,15 @@
 </ct:contentTypeSchema>
 </file>
 
-<file path=customXml/item2.xml><?xml version="1.0" encoding="utf-8"?>
-<?mso-contentType ?>
-<FormTemplates xmlns="http://schemas.microsoft.com/sharepoint/v3/contenttype/forms">
-  <Display>DocumentLibraryForm</Display>
-  <Edit>DocumentLibraryForm</Edit>
-  <New>DocumentLibraryForm</New>
-</FormTemplates>
+<file path=customXml/itemProps1.xml><?xml version="1.0" encoding="utf-8"?>
+<ds:datastoreItem xmlns:ds="http://schemas.openxmlformats.org/officeDocument/2006/customXml" ds:itemID="{2025CDDF-CD31-423A-BEB8-DE00B73966BF}">
+  <ds:schemaRefs>
+    <ds:schemaRef ds:uri="http://schemas.microsoft.com/sharepoint/v3/contenttype/forms"/>
+  </ds:schemaRefs>
+</ds:datastoreItem>
 </file>
 
-<file path=customXml/itemProps1.xml><?xml version="1.0" encoding="utf-8"?>
+<file path=customXml/itemProps2.xml><?xml version="1.0" encoding="utf-8"?>
 <ds:datastoreItem xmlns:ds="http://schemas.openxmlformats.org/officeDocument/2006/customXml" ds:itemID="{F118AE1B-89AB-4E8D-A474-F3B1187AE7D6}">
   <ds:schemaRefs>
     <ds:schemaRef ds:uri="http://schemas.microsoft.com/office/2006/metadata/contentType"/>
@@ -8480,12 +9008,4 @@
     <ds:schemaRef ds:uri="http://schemas.microsoft.com/internal/obd"/>
   </ds:schemaRefs>
 </ds:datastoreItem>
-</file>
-
-<file path=customXml/itemProps2.xml><?xml version="1.0" encoding="utf-8"?>
-<ds:datastoreItem xmlns:ds="http://schemas.openxmlformats.org/officeDocument/2006/customXml" ds:itemID="{2025CDDF-CD31-423A-BEB8-DE00B73966BF}">
-  <ds:schemaRefs>
-    <ds:schemaRef ds:uri="http://schemas.microsoft.com/sharepoint/v3/contenttype/forms"/>
-  </ds:schemaRefs>
-</ds:datastoreItem>
 </file>
--- a/2.7 and 2.8 Documentation Template.pptx
+++ b/2.7 and 2.8 Documentation Template.pptx
@@ -5,7 +5,7 @@
     <p:sldMasterId id="2147483648" r:id="rId3"/>
   </p:sldMasterIdLst>
   <p:notesMasterIdLst>
-    <p:notesMasterId r:id="rId17"/>
+    <p:notesMasterId r:id="rId20"/>
   </p:notesMasterIdLst>
   <p:sldIdLst>
     <p:sldId id="256" r:id="rId4"/>
@@ -15,12 +15,15 @@
     <p:sldId id="260" r:id="rId8"/>
     <p:sldId id="268" r:id="rId9"/>
     <p:sldId id="269" r:id="rId10"/>
-    <p:sldId id="274" r:id="rId11"/>
-    <p:sldId id="273" r:id="rId12"/>
-    <p:sldId id="263" r:id="rId13"/>
-    <p:sldId id="270" r:id="rId14"/>
-    <p:sldId id="261" r:id="rId15"/>
-    <p:sldId id="266" r:id="rId16"/>
+    <p:sldId id="276" r:id="rId11"/>
+    <p:sldId id="274" r:id="rId12"/>
+    <p:sldId id="277" r:id="rId13"/>
+    <p:sldId id="278" r:id="rId14"/>
+    <p:sldId id="273" r:id="rId15"/>
+    <p:sldId id="263" r:id="rId16"/>
+    <p:sldId id="270" r:id="rId17"/>
+    <p:sldId id="261" r:id="rId18"/>
+    <p:sldId id="266" r:id="rId19"/>
   </p:sldIdLst>
   <p:sldSz cx="12192000" cy="6858000"/>
   <p:notesSz cx="6858000" cy="9144000"/>
@@ -130,14 +133,736 @@
 <file path=ppt/revisionInfo.xml><?xml version="1.0" encoding="utf-8"?>
 <p1510:revInfo xmlns:a="http://schemas.openxmlformats.org/drawingml/2006/main" xmlns:r="http://schemas.openxmlformats.org/officeDocument/2006/relationships" xmlns:p1510="http://schemas.microsoft.com/office/powerpoint/2015/10/main">
   <p1510:revLst>
-    <p1510:client id="{9B30284F-08EF-417B-ACB9-6F3D85F58B58}" v="7" dt="2021-11-12T20:49:21.998"/>
-    <p1510:client id="{E8D5478E-048D-4D5E-BB76-1A1E9710BD82}" v="1" dt="2021-11-12T21:42:47.501"/>
+    <p1510:client id="{3280C464-2C29-43A4-BF5A-CE909B5BB16A}" v="24" dt="2023-05-11T03:14:45.745"/>
   </p1510:revLst>
 </p1510:revInfo>
 </file>
 
 <file path=ppt/changesInfos/changesInfo1.xml><?xml version="1.0" encoding="utf-8"?>
 <pc:chgInfo xmlns:a="http://schemas.openxmlformats.org/drawingml/2006/main" xmlns:r="http://schemas.openxmlformats.org/officeDocument/2006/relationships" xmlns:ac="http://schemas.microsoft.com/office/drawing/2013/main/command" xmlns:pc="http://schemas.microsoft.com/office/powerpoint/2013/main/command">
+  <pc:docChgLst>
+    <pc:chgData name="Jack Percy" userId="b9a97963-9b08-4684-92e4-b02ce1d032f1" providerId="ADAL" clId="{3280C464-2C29-43A4-BF5A-CE909B5BB16A}"/>
+    <pc:docChg chg="undo custSel addSld delSld modSld sldOrd">
+      <pc:chgData name="Jack Percy" userId="b9a97963-9b08-4684-92e4-b02ce1d032f1" providerId="ADAL" clId="{3280C464-2C29-43A4-BF5A-CE909B5BB16A}" dt="2023-05-11T03:14:47.114" v="981" actId="20577"/>
+      <pc:docMkLst>
+        <pc:docMk/>
+      </pc:docMkLst>
+      <pc:sldChg chg="delSp modSp mod">
+        <pc:chgData name="Jack Percy" userId="b9a97963-9b08-4684-92e4-b02ce1d032f1" providerId="ADAL" clId="{3280C464-2C29-43A4-BF5A-CE909B5BB16A}" dt="2023-05-11T03:04:02.301" v="838" actId="20577"/>
+        <pc:sldMkLst>
+          <pc:docMk/>
+          <pc:sldMk cId="0" sldId="269"/>
+        </pc:sldMkLst>
+        <pc:spChg chg="del">
+          <ac:chgData name="Jack Percy" userId="b9a97963-9b08-4684-92e4-b02ce1d032f1" providerId="ADAL" clId="{3280C464-2C29-43A4-BF5A-CE909B5BB16A}" dt="2023-05-11T02:32:19.723" v="37" actId="478"/>
+          <ac:spMkLst>
+            <pc:docMk/>
+            <pc:sldMk cId="0" sldId="269"/>
+            <ac:spMk id="4" creationId="{518343B6-2201-4ACD-B907-770BC22E8B26}"/>
+          </ac:spMkLst>
+        </pc:spChg>
+        <pc:spChg chg="mod">
+          <ac:chgData name="Jack Percy" userId="b9a97963-9b08-4684-92e4-b02ce1d032f1" providerId="ADAL" clId="{3280C464-2C29-43A4-BF5A-CE909B5BB16A}" dt="2023-05-11T03:04:02.301" v="838" actId="20577"/>
+          <ac:spMkLst>
+            <pc:docMk/>
+            <pc:sldMk cId="0" sldId="269"/>
+            <ac:spMk id="91" creationId="{00000000-0000-0000-0000-000000000000}"/>
+          </ac:spMkLst>
+        </pc:spChg>
+        <pc:graphicFrameChg chg="mod modGraphic">
+          <ac:chgData name="Jack Percy" userId="b9a97963-9b08-4684-92e4-b02ce1d032f1" providerId="ADAL" clId="{3280C464-2C29-43A4-BF5A-CE909B5BB16A}" dt="2023-05-11T02:36:12.889" v="196" actId="2164"/>
+          <ac:graphicFrameMkLst>
+            <pc:docMk/>
+            <pc:sldMk cId="0" sldId="269"/>
+            <ac:graphicFrameMk id="92" creationId="{00000000-0000-0000-0000-000000000000}"/>
+          </ac:graphicFrameMkLst>
+        </pc:graphicFrameChg>
+      </pc:sldChg>
+      <pc:sldChg chg="addSp delSp modSp mod">
+        <pc:chgData name="Jack Percy" userId="b9a97963-9b08-4684-92e4-b02ce1d032f1" providerId="ADAL" clId="{3280C464-2C29-43A4-BF5A-CE909B5BB16A}" dt="2023-05-11T02:58:34.929" v="732" actId="1076"/>
+        <pc:sldMkLst>
+          <pc:docMk/>
+          <pc:sldMk cId="89592267" sldId="274"/>
+        </pc:sldMkLst>
+        <pc:picChg chg="add mod">
+          <ac:chgData name="Jack Percy" userId="b9a97963-9b08-4684-92e4-b02ce1d032f1" providerId="ADAL" clId="{3280C464-2C29-43A4-BF5A-CE909B5BB16A}" dt="2023-05-11T02:48:10.177" v="593" actId="1076"/>
+          <ac:picMkLst>
+            <pc:docMk/>
+            <pc:sldMk cId="89592267" sldId="274"/>
+            <ac:picMk id="6" creationId="{B1C85093-D5D2-F55C-186A-6CEB349F9F20}"/>
+          </ac:picMkLst>
+        </pc:picChg>
+        <pc:picChg chg="add mod">
+          <ac:chgData name="Jack Percy" userId="b9a97963-9b08-4684-92e4-b02ce1d032f1" providerId="ADAL" clId="{3280C464-2C29-43A4-BF5A-CE909B5BB16A}" dt="2023-05-11T02:48:30.079" v="595" actId="1076"/>
+          <ac:picMkLst>
+            <pc:docMk/>
+            <pc:sldMk cId="89592267" sldId="274"/>
+            <ac:picMk id="10" creationId="{A056DC45-CFC4-F055-65B4-AD649F111114}"/>
+          </ac:picMkLst>
+        </pc:picChg>
+        <pc:picChg chg="add mod">
+          <ac:chgData name="Jack Percy" userId="b9a97963-9b08-4684-92e4-b02ce1d032f1" providerId="ADAL" clId="{3280C464-2C29-43A4-BF5A-CE909B5BB16A}" dt="2023-05-11T02:55:57.063" v="598" actId="1076"/>
+          <ac:picMkLst>
+            <pc:docMk/>
+            <pc:sldMk cId="89592267" sldId="274"/>
+            <ac:picMk id="13" creationId="{9371C743-97A5-15FA-7DB9-174A1BF7ABC7}"/>
+          </ac:picMkLst>
+        </pc:picChg>
+        <pc:picChg chg="del">
+          <ac:chgData name="Jack Percy" userId="b9a97963-9b08-4684-92e4-b02ce1d032f1" providerId="ADAL" clId="{3280C464-2C29-43A4-BF5A-CE909B5BB16A}" dt="2023-05-11T02:48:08.557" v="592" actId="478"/>
+          <ac:picMkLst>
+            <pc:docMk/>
+            <pc:sldMk cId="89592267" sldId="274"/>
+            <ac:picMk id="15" creationId="{DF6045B2-5C9F-FC12-87B7-713B10F9EF0A}"/>
+          </ac:picMkLst>
+        </pc:picChg>
+        <pc:picChg chg="add mod">
+          <ac:chgData name="Jack Percy" userId="b9a97963-9b08-4684-92e4-b02ce1d032f1" providerId="ADAL" clId="{3280C464-2C29-43A4-BF5A-CE909B5BB16A}" dt="2023-05-11T02:56:03.053" v="601" actId="1076"/>
+          <ac:picMkLst>
+            <pc:docMk/>
+            <pc:sldMk cId="89592267" sldId="274"/>
+            <ac:picMk id="16" creationId="{CCDEE18D-2AAD-5112-D196-54AFBBA1E98C}"/>
+          </ac:picMkLst>
+        </pc:picChg>
+        <pc:picChg chg="del mod">
+          <ac:chgData name="Jack Percy" userId="b9a97963-9b08-4684-92e4-b02ce1d032f1" providerId="ADAL" clId="{3280C464-2C29-43A4-BF5A-CE909B5BB16A}" dt="2023-05-11T02:48:07.213" v="591" actId="478"/>
+          <ac:picMkLst>
+            <pc:docMk/>
+            <pc:sldMk cId="89592267" sldId="274"/>
+            <ac:picMk id="17" creationId="{14494820-F1DE-4886-7ED1-344DD5EE52CA}"/>
+          </ac:picMkLst>
+        </pc:picChg>
+        <pc:picChg chg="del">
+          <ac:chgData name="Jack Percy" userId="b9a97963-9b08-4684-92e4-b02ce1d032f1" providerId="ADAL" clId="{3280C464-2C29-43A4-BF5A-CE909B5BB16A}" dt="2023-05-11T02:46:47.284" v="589" actId="478"/>
+          <ac:picMkLst>
+            <pc:docMk/>
+            <pc:sldMk cId="89592267" sldId="274"/>
+            <ac:picMk id="19" creationId="{0E3EDA80-8C82-EC83-477A-3DBFC25B9830}"/>
+          </ac:picMkLst>
+        </pc:picChg>
+        <pc:picChg chg="add mod">
+          <ac:chgData name="Jack Percy" userId="b9a97963-9b08-4684-92e4-b02ce1d032f1" providerId="ADAL" clId="{3280C464-2C29-43A4-BF5A-CE909B5BB16A}" dt="2023-05-11T02:58:34.929" v="732" actId="1076"/>
+          <ac:picMkLst>
+            <pc:docMk/>
+            <pc:sldMk cId="89592267" sldId="274"/>
+            <ac:picMk id="20" creationId="{8E9840A2-B4C5-53A9-67D2-01ADED5356EB}"/>
+          </ac:picMkLst>
+        </pc:picChg>
+        <pc:picChg chg="del mod">
+          <ac:chgData name="Jack Percy" userId="b9a97963-9b08-4684-92e4-b02ce1d032f1" providerId="ADAL" clId="{3280C464-2C29-43A4-BF5A-CE909B5BB16A}" dt="2023-05-11T02:46:46.791" v="588" actId="478"/>
+          <ac:picMkLst>
+            <pc:docMk/>
+            <pc:sldMk cId="89592267" sldId="274"/>
+            <ac:picMk id="21" creationId="{D375D8B9-B848-E9ED-1FBD-752888760D16}"/>
+          </ac:picMkLst>
+        </pc:picChg>
+        <pc:picChg chg="del">
+          <ac:chgData name="Jack Percy" userId="b9a97963-9b08-4684-92e4-b02ce1d032f1" providerId="ADAL" clId="{3280C464-2C29-43A4-BF5A-CE909B5BB16A}" dt="2023-05-11T02:46:45.723" v="586" actId="478"/>
+          <ac:picMkLst>
+            <pc:docMk/>
+            <pc:sldMk cId="89592267" sldId="274"/>
+            <ac:picMk id="23" creationId="{B45277E7-80CB-7B41-2BDF-7237C276D675}"/>
+          </ac:picMkLst>
+        </pc:picChg>
+        <pc:picChg chg="del">
+          <ac:chgData name="Jack Percy" userId="b9a97963-9b08-4684-92e4-b02ce1d032f1" providerId="ADAL" clId="{3280C464-2C29-43A4-BF5A-CE909B5BB16A}" dt="2023-05-11T02:46:46.280" v="587" actId="478"/>
+          <ac:picMkLst>
+            <pc:docMk/>
+            <pc:sldMk cId="89592267" sldId="274"/>
+            <ac:picMk id="25" creationId="{D3C17B07-F9AE-502E-8858-52CF2572FB89}"/>
+          </ac:picMkLst>
+        </pc:picChg>
+      </pc:sldChg>
+      <pc:sldChg chg="modSp add mod">
+        <pc:chgData name="Jack Percy" userId="b9a97963-9b08-4684-92e4-b02ce1d032f1" providerId="ADAL" clId="{3280C464-2C29-43A4-BF5A-CE909B5BB16A}" dt="2023-05-11T03:03:56.016" v="835" actId="20577"/>
+        <pc:sldMkLst>
+          <pc:docMk/>
+          <pc:sldMk cId="342142547" sldId="276"/>
+        </pc:sldMkLst>
+        <pc:spChg chg="mod">
+          <ac:chgData name="Jack Percy" userId="b9a97963-9b08-4684-92e4-b02ce1d032f1" providerId="ADAL" clId="{3280C464-2C29-43A4-BF5A-CE909B5BB16A}" dt="2023-05-11T03:03:56.016" v="835" actId="20577"/>
+          <ac:spMkLst>
+            <pc:docMk/>
+            <pc:sldMk cId="342142547" sldId="276"/>
+            <ac:spMk id="91" creationId="{00000000-0000-0000-0000-000000000000}"/>
+          </ac:spMkLst>
+        </pc:spChg>
+        <pc:graphicFrameChg chg="mod modGraphic">
+          <ac:chgData name="Jack Percy" userId="b9a97963-9b08-4684-92e4-b02ce1d032f1" providerId="ADAL" clId="{3280C464-2C29-43A4-BF5A-CE909B5BB16A}" dt="2023-05-11T03:03:44.864" v="831" actId="5793"/>
+          <ac:graphicFrameMkLst>
+            <pc:docMk/>
+            <pc:sldMk cId="342142547" sldId="276"/>
+            <ac:graphicFrameMk id="92" creationId="{00000000-0000-0000-0000-000000000000}"/>
+          </ac:graphicFrameMkLst>
+        </pc:graphicFrameChg>
+      </pc:sldChg>
+      <pc:sldChg chg="new del">
+        <pc:chgData name="Jack Percy" userId="b9a97963-9b08-4684-92e4-b02ce1d032f1" providerId="ADAL" clId="{3280C464-2C29-43A4-BF5A-CE909B5BB16A}" dt="2023-05-11T02:31:29.593" v="4" actId="680"/>
+        <pc:sldMkLst>
+          <pc:docMk/>
+          <pc:sldMk cId="4253943075" sldId="276"/>
+        </pc:sldMkLst>
+      </pc:sldChg>
+      <pc:sldChg chg="addSp delSp modSp add mod">
+        <pc:chgData name="Jack Percy" userId="b9a97963-9b08-4684-92e4-b02ce1d032f1" providerId="ADAL" clId="{3280C464-2C29-43A4-BF5A-CE909B5BB16A}" dt="2023-05-11T03:14:47.114" v="981" actId="20577"/>
+        <pc:sldMkLst>
+          <pc:docMk/>
+          <pc:sldMk cId="354424765" sldId="277"/>
+        </pc:sldMkLst>
+        <pc:spChg chg="mod">
+          <ac:chgData name="Jack Percy" userId="b9a97963-9b08-4684-92e4-b02ce1d032f1" providerId="ADAL" clId="{3280C464-2C29-43A4-BF5A-CE909B5BB16A}" dt="2023-05-11T03:14:07.420" v="963" actId="20577"/>
+          <ac:spMkLst>
+            <pc:docMk/>
+            <pc:sldMk cId="354424765" sldId="277"/>
+            <ac:spMk id="2" creationId="{1CC5D32F-7C18-4D00-8D54-2FB046F0A206}"/>
+          </ac:spMkLst>
+        </pc:spChg>
+        <pc:spChg chg="del">
+          <ac:chgData name="Jack Percy" userId="b9a97963-9b08-4684-92e4-b02ce1d032f1" providerId="ADAL" clId="{3280C464-2C29-43A4-BF5A-CE909B5BB16A}" dt="2023-05-11T03:06:27.484" v="897" actId="478"/>
+          <ac:spMkLst>
+            <pc:docMk/>
+            <pc:sldMk cId="354424765" sldId="277"/>
+            <ac:spMk id="4" creationId="{8CD07A82-A944-4A9B-9A52-515DAC30878A}"/>
+          </ac:spMkLst>
+        </pc:spChg>
+        <pc:spChg chg="add mod">
+          <ac:chgData name="Jack Percy" userId="b9a97963-9b08-4684-92e4-b02ce1d032f1" providerId="ADAL" clId="{3280C464-2C29-43A4-BF5A-CE909B5BB16A}" dt="2023-05-11T03:14:47.114" v="981" actId="20577"/>
+          <ac:spMkLst>
+            <pc:docMk/>
+            <pc:sldMk cId="354424765" sldId="277"/>
+            <ac:spMk id="62" creationId="{8A26B8D7-F54C-9582-9932-8BDDF1036C20}"/>
+          </ac:spMkLst>
+        </pc:spChg>
+        <pc:grpChg chg="del mod">
+          <ac:chgData name="Jack Percy" userId="b9a97963-9b08-4684-92e4-b02ce1d032f1" providerId="ADAL" clId="{3280C464-2C29-43A4-BF5A-CE909B5BB16A}" dt="2023-05-11T03:07:13.927" v="909"/>
+          <ac:grpSpMkLst>
+            <pc:docMk/>
+            <pc:sldMk cId="354424765" sldId="277"/>
+            <ac:grpSpMk id="19" creationId="{C65BFD03-B5CD-FE29-D851-42B0008FC117}"/>
+          </ac:grpSpMkLst>
+        </pc:grpChg>
+        <pc:grpChg chg="mod">
+          <ac:chgData name="Jack Percy" userId="b9a97963-9b08-4684-92e4-b02ce1d032f1" providerId="ADAL" clId="{3280C464-2C29-43A4-BF5A-CE909B5BB16A}" dt="2023-05-11T03:07:13.927" v="909"/>
+          <ac:grpSpMkLst>
+            <pc:docMk/>
+            <pc:sldMk cId="354424765" sldId="277"/>
+            <ac:grpSpMk id="22" creationId="{E676812A-DB13-9F23-63BC-1434B1BB5A18}"/>
+          </ac:grpSpMkLst>
+        </pc:grpChg>
+        <pc:grpChg chg="mod">
+          <ac:chgData name="Jack Percy" userId="b9a97963-9b08-4684-92e4-b02ce1d032f1" providerId="ADAL" clId="{3280C464-2C29-43A4-BF5A-CE909B5BB16A}" dt="2023-05-11T03:09:23.706" v="931"/>
+          <ac:grpSpMkLst>
+            <pc:docMk/>
+            <pc:sldMk cId="354424765" sldId="277"/>
+            <ac:grpSpMk id="36" creationId="{E66AD07B-8A36-4C4E-611E-A3D059B13804}"/>
+          </ac:grpSpMkLst>
+        </pc:grpChg>
+        <pc:grpChg chg="del mod">
+          <ac:chgData name="Jack Percy" userId="b9a97963-9b08-4684-92e4-b02ce1d032f1" providerId="ADAL" clId="{3280C464-2C29-43A4-BF5A-CE909B5BB16A}" dt="2023-05-11T03:11:17.949" v="940"/>
+          <ac:grpSpMkLst>
+            <pc:docMk/>
+            <pc:sldMk cId="354424765" sldId="277"/>
+            <ac:grpSpMk id="41" creationId="{0382CDE8-8F51-1890-9A68-1E202D6282E4}"/>
+          </ac:grpSpMkLst>
+        </pc:grpChg>
+        <pc:grpChg chg="mod">
+          <ac:chgData name="Jack Percy" userId="b9a97963-9b08-4684-92e4-b02ce1d032f1" providerId="ADAL" clId="{3280C464-2C29-43A4-BF5A-CE909B5BB16A}" dt="2023-05-11T03:11:17.949" v="940"/>
+          <ac:grpSpMkLst>
+            <pc:docMk/>
+            <pc:sldMk cId="354424765" sldId="277"/>
+            <ac:grpSpMk id="43" creationId="{46127BAC-F2FA-22C2-EDF2-97C344DB1B7F}"/>
+          </ac:grpSpMkLst>
+        </pc:grpChg>
+        <pc:grpChg chg="mod">
+          <ac:chgData name="Jack Percy" userId="b9a97963-9b08-4684-92e4-b02ce1d032f1" providerId="ADAL" clId="{3280C464-2C29-43A4-BF5A-CE909B5BB16A}" dt="2023-05-11T03:13:47.565" v="956"/>
+          <ac:grpSpMkLst>
+            <pc:docMk/>
+            <pc:sldMk cId="354424765" sldId="277"/>
+            <ac:grpSpMk id="56" creationId="{A4D5C42A-9684-FBAE-6643-3715B05FC949}"/>
+          </ac:grpSpMkLst>
+        </pc:grpChg>
+        <pc:grpChg chg="mod">
+          <ac:chgData name="Jack Percy" userId="b9a97963-9b08-4684-92e4-b02ce1d032f1" providerId="ADAL" clId="{3280C464-2C29-43A4-BF5A-CE909B5BB16A}" dt="2023-05-11T03:13:58.870" v="960"/>
+          <ac:grpSpMkLst>
+            <pc:docMk/>
+            <pc:sldMk cId="354424765" sldId="277"/>
+            <ac:grpSpMk id="60" creationId="{F14E855E-D0D6-2596-74BE-13E050F03699}"/>
+          </ac:grpSpMkLst>
+        </pc:grpChg>
+        <pc:picChg chg="del">
+          <ac:chgData name="Jack Percy" userId="b9a97963-9b08-4684-92e4-b02ce1d032f1" providerId="ADAL" clId="{3280C464-2C29-43A4-BF5A-CE909B5BB16A}" dt="2023-05-11T03:04:38.553" v="845" actId="478"/>
+          <ac:picMkLst>
+            <pc:docMk/>
+            <pc:sldMk cId="354424765" sldId="277"/>
+            <ac:picMk id="5" creationId="{0EF5634E-474E-FDB9-22D1-CA8CA7007C58}"/>
+          </ac:picMkLst>
+        </pc:picChg>
+        <pc:picChg chg="del">
+          <ac:chgData name="Jack Percy" userId="b9a97963-9b08-4684-92e4-b02ce1d032f1" providerId="ADAL" clId="{3280C464-2C29-43A4-BF5A-CE909B5BB16A}" dt="2023-05-11T03:04:40.307" v="848" actId="478"/>
+          <ac:picMkLst>
+            <pc:docMk/>
+            <pc:sldMk cId="354424765" sldId="277"/>
+            <ac:picMk id="6" creationId="{B1C85093-D5D2-F55C-186A-6CEB349F9F20}"/>
+          </ac:picMkLst>
+        </pc:picChg>
+        <pc:picChg chg="del">
+          <ac:chgData name="Jack Percy" userId="b9a97963-9b08-4684-92e4-b02ce1d032f1" providerId="ADAL" clId="{3280C464-2C29-43A4-BF5A-CE909B5BB16A}" dt="2023-05-11T03:04:37.866" v="844" actId="478"/>
+          <ac:picMkLst>
+            <pc:docMk/>
+            <pc:sldMk cId="354424765" sldId="277"/>
+            <ac:picMk id="7" creationId="{FEA6EE45-EECC-399E-8BA7-C3F4BAEA463A}"/>
+          </ac:picMkLst>
+        </pc:picChg>
+        <pc:picChg chg="add mod">
+          <ac:chgData name="Jack Percy" userId="b9a97963-9b08-4684-92e4-b02ce1d032f1" providerId="ADAL" clId="{3280C464-2C29-43A4-BF5A-CE909B5BB16A}" dt="2023-05-11T03:06:34.170" v="899" actId="1076"/>
+          <ac:picMkLst>
+            <pc:docMk/>
+            <pc:sldMk cId="354424765" sldId="277"/>
+            <ac:picMk id="8" creationId="{9FAFDF65-E665-23AC-DC29-D7BBDA132C38}"/>
+          </ac:picMkLst>
+        </pc:picChg>
+        <pc:picChg chg="del">
+          <ac:chgData name="Jack Percy" userId="b9a97963-9b08-4684-92e4-b02ce1d032f1" providerId="ADAL" clId="{3280C464-2C29-43A4-BF5A-CE909B5BB16A}" dt="2023-05-11T03:04:39.151" v="846" actId="478"/>
+          <ac:picMkLst>
+            <pc:docMk/>
+            <pc:sldMk cId="354424765" sldId="277"/>
+            <ac:picMk id="9" creationId="{D08E27D3-4133-1451-0339-903CC7B1007E}"/>
+          </ac:picMkLst>
+        </pc:picChg>
+        <pc:picChg chg="del">
+          <ac:chgData name="Jack Percy" userId="b9a97963-9b08-4684-92e4-b02ce1d032f1" providerId="ADAL" clId="{3280C464-2C29-43A4-BF5A-CE909B5BB16A}" dt="2023-05-11T03:04:36.749" v="843" actId="478"/>
+          <ac:picMkLst>
+            <pc:docMk/>
+            <pc:sldMk cId="354424765" sldId="277"/>
+            <ac:picMk id="10" creationId="{A056DC45-CFC4-F055-65B4-AD649F111114}"/>
+          </ac:picMkLst>
+        </pc:picChg>
+        <pc:picChg chg="del">
+          <ac:chgData name="Jack Percy" userId="b9a97963-9b08-4684-92e4-b02ce1d032f1" providerId="ADAL" clId="{3280C464-2C29-43A4-BF5A-CE909B5BB16A}" dt="2023-05-11T03:04:39.630" v="847" actId="478"/>
+          <ac:picMkLst>
+            <pc:docMk/>
+            <pc:sldMk cId="354424765" sldId="277"/>
+            <ac:picMk id="11" creationId="{723BF66B-4A13-04B3-4B21-6936A906A90E}"/>
+          </ac:picMkLst>
+        </pc:picChg>
+        <pc:picChg chg="add mod">
+          <ac:chgData name="Jack Percy" userId="b9a97963-9b08-4684-92e4-b02ce1d032f1" providerId="ADAL" clId="{3280C464-2C29-43A4-BF5A-CE909B5BB16A}" dt="2023-05-11T03:06:39.193" v="902" actId="1076"/>
+          <ac:picMkLst>
+            <pc:docMk/>
+            <pc:sldMk cId="354424765" sldId="277"/>
+            <ac:picMk id="12" creationId="{683816EB-F5DD-15E3-5D46-62516785C9D0}"/>
+          </ac:picMkLst>
+        </pc:picChg>
+        <pc:picChg chg="del">
+          <ac:chgData name="Jack Percy" userId="b9a97963-9b08-4684-92e4-b02ce1d032f1" providerId="ADAL" clId="{3280C464-2C29-43A4-BF5A-CE909B5BB16A}" dt="2023-05-11T03:04:34.497" v="840" actId="478"/>
+          <ac:picMkLst>
+            <pc:docMk/>
+            <pc:sldMk cId="354424765" sldId="277"/>
+            <ac:picMk id="13" creationId="{9371C743-97A5-15FA-7DB9-174A1BF7ABC7}"/>
+          </ac:picMkLst>
+        </pc:picChg>
+        <pc:picChg chg="del">
+          <ac:chgData name="Jack Percy" userId="b9a97963-9b08-4684-92e4-b02ce1d032f1" providerId="ADAL" clId="{3280C464-2C29-43A4-BF5A-CE909B5BB16A}" dt="2023-05-11T03:04:35.664" v="841" actId="478"/>
+          <ac:picMkLst>
+            <pc:docMk/>
+            <pc:sldMk cId="354424765" sldId="277"/>
+            <ac:picMk id="16" creationId="{CCDEE18D-2AAD-5112-D196-54AFBBA1E98C}"/>
+          </ac:picMkLst>
+        </pc:picChg>
+        <pc:picChg chg="del">
+          <ac:chgData name="Jack Percy" userId="b9a97963-9b08-4684-92e4-b02ce1d032f1" providerId="ADAL" clId="{3280C464-2C29-43A4-BF5A-CE909B5BB16A}" dt="2023-05-11T03:04:36.258" v="842" actId="478"/>
+          <ac:picMkLst>
+            <pc:docMk/>
+            <pc:sldMk cId="354424765" sldId="277"/>
+            <ac:picMk id="20" creationId="{8E9840A2-B4C5-53A9-67D2-01ADED5356EB}"/>
+          </ac:picMkLst>
+        </pc:picChg>
+        <pc:picChg chg="add mod">
+          <ac:chgData name="Jack Percy" userId="b9a97963-9b08-4684-92e4-b02ce1d032f1" providerId="ADAL" clId="{3280C464-2C29-43A4-BF5A-CE909B5BB16A}" dt="2023-05-11T03:07:59.788" v="919" actId="1076"/>
+          <ac:picMkLst>
+            <pc:docMk/>
+            <pc:sldMk cId="354424765" sldId="277"/>
+            <ac:picMk id="26" creationId="{0900FA41-AB0E-30CD-CB0E-7025DDAF372B}"/>
+          </ac:picMkLst>
+        </pc:picChg>
+        <pc:picChg chg="add mod">
+          <ac:chgData name="Jack Percy" userId="b9a97963-9b08-4684-92e4-b02ce1d032f1" providerId="ADAL" clId="{3280C464-2C29-43A4-BF5A-CE909B5BB16A}" dt="2023-05-11T03:08:41.859" v="922" actId="1076"/>
+          <ac:picMkLst>
+            <pc:docMk/>
+            <pc:sldMk cId="354424765" sldId="277"/>
+            <ac:picMk id="28" creationId="{654562D8-C08A-DAF7-B890-46FC59B75C28}"/>
+          </ac:picMkLst>
+        </pc:picChg>
+        <pc:picChg chg="add mod">
+          <ac:chgData name="Jack Percy" userId="b9a97963-9b08-4684-92e4-b02ce1d032f1" providerId="ADAL" clId="{3280C464-2C29-43A4-BF5A-CE909B5BB16A}" dt="2023-05-11T03:11:03.521" v="935" actId="1076"/>
+          <ac:picMkLst>
+            <pc:docMk/>
+            <pc:sldMk cId="354424765" sldId="277"/>
+            <ac:picMk id="38" creationId="{6E4AC159-B47D-9953-95B7-EF332545D866}"/>
+          </ac:picMkLst>
+        </pc:picChg>
+        <pc:picChg chg="add mod">
+          <ac:chgData name="Jack Percy" userId="b9a97963-9b08-4684-92e4-b02ce1d032f1" providerId="ADAL" clId="{3280C464-2C29-43A4-BF5A-CE909B5BB16A}" dt="2023-05-11T03:13:40.528" v="953" actId="14100"/>
+          <ac:picMkLst>
+            <pc:docMk/>
+            <pc:sldMk cId="354424765" sldId="277"/>
+            <ac:picMk id="53" creationId="{75C03E23-5E35-3046-6BE6-E3FC7099F893}"/>
+          </ac:picMkLst>
+        </pc:picChg>
+        <pc:inkChg chg="add">
+          <ac:chgData name="Jack Percy" userId="b9a97963-9b08-4684-92e4-b02ce1d032f1" providerId="ADAL" clId="{3280C464-2C29-43A4-BF5A-CE909B5BB16A}" dt="2023-05-11T03:06:56.577" v="903" actId="9405"/>
+          <ac:inkMkLst>
+            <pc:docMk/>
+            <pc:sldMk cId="354424765" sldId="277"/>
+            <ac:inkMk id="14" creationId="{9FC42E96-E1DF-B274-E9E0-6064137F7DF5}"/>
+          </ac:inkMkLst>
+        </pc:inkChg>
+        <pc:inkChg chg="add">
+          <ac:chgData name="Jack Percy" userId="b9a97963-9b08-4684-92e4-b02ce1d032f1" providerId="ADAL" clId="{3280C464-2C29-43A4-BF5A-CE909B5BB16A}" dt="2023-05-11T03:07:02.714" v="904" actId="9405"/>
+          <ac:inkMkLst>
+            <pc:docMk/>
+            <pc:sldMk cId="354424765" sldId="277"/>
+            <ac:inkMk id="15" creationId="{27E19BB3-B34D-4D05-C7B8-EFBAA2A47C3B}"/>
+          </ac:inkMkLst>
+        </pc:inkChg>
+        <pc:inkChg chg="add mod">
+          <ac:chgData name="Jack Percy" userId="b9a97963-9b08-4684-92e4-b02ce1d032f1" providerId="ADAL" clId="{3280C464-2C29-43A4-BF5A-CE909B5BB16A}" dt="2023-05-11T03:07:13.927" v="909"/>
+          <ac:inkMkLst>
+            <pc:docMk/>
+            <pc:sldMk cId="354424765" sldId="277"/>
+            <ac:inkMk id="17" creationId="{6C158B5C-FEA4-EE04-46DF-00C075873F6B}"/>
+          </ac:inkMkLst>
+        </pc:inkChg>
+        <pc:inkChg chg="add mod">
+          <ac:chgData name="Jack Percy" userId="b9a97963-9b08-4684-92e4-b02ce1d032f1" providerId="ADAL" clId="{3280C464-2C29-43A4-BF5A-CE909B5BB16A}" dt="2023-05-11T03:07:13.927" v="909"/>
+          <ac:inkMkLst>
+            <pc:docMk/>
+            <pc:sldMk cId="354424765" sldId="277"/>
+            <ac:inkMk id="18" creationId="{F93BC358-732D-8389-AFA1-8AE4D4427DEB}"/>
+          </ac:inkMkLst>
+        </pc:inkChg>
+        <pc:inkChg chg="add mod">
+          <ac:chgData name="Jack Percy" userId="b9a97963-9b08-4684-92e4-b02ce1d032f1" providerId="ADAL" clId="{3280C464-2C29-43A4-BF5A-CE909B5BB16A}" dt="2023-05-11T03:07:13.927" v="909"/>
+          <ac:inkMkLst>
+            <pc:docMk/>
+            <pc:sldMk cId="354424765" sldId="277"/>
+            <ac:inkMk id="21" creationId="{000FC02A-E828-841A-A5C4-5DA2A3CEDCFD}"/>
+          </ac:inkMkLst>
+        </pc:inkChg>
+        <pc:inkChg chg="add">
+          <ac:chgData name="Jack Percy" userId="b9a97963-9b08-4684-92e4-b02ce1d032f1" providerId="ADAL" clId="{3280C464-2C29-43A4-BF5A-CE909B5BB16A}" dt="2023-05-11T03:07:15.531" v="910" actId="9405"/>
+          <ac:inkMkLst>
+            <pc:docMk/>
+            <pc:sldMk cId="354424765" sldId="277"/>
+            <ac:inkMk id="23" creationId="{87493201-8636-3BD1-3691-B67B531A9E39}"/>
+          </ac:inkMkLst>
+        </pc:inkChg>
+        <pc:inkChg chg="add del">
+          <ac:chgData name="Jack Percy" userId="b9a97963-9b08-4684-92e4-b02ce1d032f1" providerId="ADAL" clId="{3280C464-2C29-43A4-BF5A-CE909B5BB16A}" dt="2023-05-11T03:07:19.887" v="912" actId="9405"/>
+          <ac:inkMkLst>
+            <pc:docMk/>
+            <pc:sldMk cId="354424765" sldId="277"/>
+            <ac:inkMk id="24" creationId="{F405CD1F-650A-EF17-F0A4-366250BFA020}"/>
+          </ac:inkMkLst>
+        </pc:inkChg>
+        <pc:inkChg chg="add">
+          <ac:chgData name="Jack Percy" userId="b9a97963-9b08-4684-92e4-b02ce1d032f1" providerId="ADAL" clId="{3280C464-2C29-43A4-BF5A-CE909B5BB16A}" dt="2023-05-11T03:07:23.588" v="913" actId="9405"/>
+          <ac:inkMkLst>
+            <pc:docMk/>
+            <pc:sldMk cId="354424765" sldId="277"/>
+            <ac:inkMk id="25" creationId="{E374683D-DAD4-68D5-6182-402D1691BD4E}"/>
+          </ac:inkMkLst>
+        </pc:inkChg>
+        <pc:inkChg chg="add">
+          <ac:chgData name="Jack Percy" userId="b9a97963-9b08-4684-92e4-b02ce1d032f1" providerId="ADAL" clId="{3280C464-2C29-43A4-BF5A-CE909B5BB16A}" dt="2023-05-11T03:08:46.876" v="923" actId="9405"/>
+          <ac:inkMkLst>
+            <pc:docMk/>
+            <pc:sldMk cId="354424765" sldId="277"/>
+            <ac:inkMk id="29" creationId="{21DF0ED1-C66F-E29F-7F88-B57A55D8587B}"/>
+          </ac:inkMkLst>
+        </pc:inkChg>
+        <pc:inkChg chg="add">
+          <ac:chgData name="Jack Percy" userId="b9a97963-9b08-4684-92e4-b02ce1d032f1" providerId="ADAL" clId="{3280C464-2C29-43A4-BF5A-CE909B5BB16A}" dt="2023-05-11T03:08:50.022" v="924" actId="9405"/>
+          <ac:inkMkLst>
+            <pc:docMk/>
+            <pc:sldMk cId="354424765" sldId="277"/>
+            <ac:inkMk id="30" creationId="{94E9FA58-031E-BF1B-6A27-3D06534DCDEE}"/>
+          </ac:inkMkLst>
+        </pc:inkChg>
+        <pc:inkChg chg="add">
+          <ac:chgData name="Jack Percy" userId="b9a97963-9b08-4684-92e4-b02ce1d032f1" providerId="ADAL" clId="{3280C464-2C29-43A4-BF5A-CE909B5BB16A}" dt="2023-05-11T03:08:52.469" v="925" actId="9405"/>
+          <ac:inkMkLst>
+            <pc:docMk/>
+            <pc:sldMk cId="354424765" sldId="277"/>
+            <ac:inkMk id="31" creationId="{F9F12F50-3EB9-1719-CD45-32C9DBAC5B0D}"/>
+          </ac:inkMkLst>
+        </pc:inkChg>
+        <pc:inkChg chg="add">
+          <ac:chgData name="Jack Percy" userId="b9a97963-9b08-4684-92e4-b02ce1d032f1" providerId="ADAL" clId="{3280C464-2C29-43A4-BF5A-CE909B5BB16A}" dt="2023-05-11T03:08:57.708" v="926" actId="9405"/>
+          <ac:inkMkLst>
+            <pc:docMk/>
+            <pc:sldMk cId="354424765" sldId="277"/>
+            <ac:inkMk id="32" creationId="{1C2BE5D8-3C05-ED57-9B1C-1AFCD91CABCA}"/>
+          </ac:inkMkLst>
+        </pc:inkChg>
+        <pc:inkChg chg="add del">
+          <ac:chgData name="Jack Percy" userId="b9a97963-9b08-4684-92e4-b02ce1d032f1" providerId="ADAL" clId="{3280C464-2C29-43A4-BF5A-CE909B5BB16A}" dt="2023-05-11T03:09:00.058" v="928" actId="9405"/>
+          <ac:inkMkLst>
+            <pc:docMk/>
+            <pc:sldMk cId="354424765" sldId="277"/>
+            <ac:inkMk id="33" creationId="{931EF644-4542-8283-14AF-8D08E8255B86}"/>
+          </ac:inkMkLst>
+        </pc:inkChg>
+        <pc:inkChg chg="add mod">
+          <ac:chgData name="Jack Percy" userId="b9a97963-9b08-4684-92e4-b02ce1d032f1" providerId="ADAL" clId="{3280C464-2C29-43A4-BF5A-CE909B5BB16A}" dt="2023-05-11T03:09:23.706" v="931"/>
+          <ac:inkMkLst>
+            <pc:docMk/>
+            <pc:sldMk cId="354424765" sldId="277"/>
+            <ac:inkMk id="34" creationId="{121D9BFF-8863-3EF8-EF21-D2A6BBBA681A}"/>
+          </ac:inkMkLst>
+        </pc:inkChg>
+        <pc:inkChg chg="add mod">
+          <ac:chgData name="Jack Percy" userId="b9a97963-9b08-4684-92e4-b02ce1d032f1" providerId="ADAL" clId="{3280C464-2C29-43A4-BF5A-CE909B5BB16A}" dt="2023-05-11T03:09:23.706" v="931"/>
+          <ac:inkMkLst>
+            <pc:docMk/>
+            <pc:sldMk cId="354424765" sldId="277"/>
+            <ac:inkMk id="35" creationId="{EF7ADAA2-3F03-D57D-1D96-A4A9731C5603}"/>
+          </ac:inkMkLst>
+        </pc:inkChg>
+        <pc:inkChg chg="add">
+          <ac:chgData name="Jack Percy" userId="b9a97963-9b08-4684-92e4-b02ce1d032f1" providerId="ADAL" clId="{3280C464-2C29-43A4-BF5A-CE909B5BB16A}" dt="2023-05-11T03:09:27.177" v="932" actId="9405"/>
+          <ac:inkMkLst>
+            <pc:docMk/>
+            <pc:sldMk cId="354424765" sldId="277"/>
+            <ac:inkMk id="37" creationId="{1FCA837B-A185-C031-1180-41D3D7585ADB}"/>
+          </ac:inkMkLst>
+        </pc:inkChg>
+        <pc:inkChg chg="add mod">
+          <ac:chgData name="Jack Percy" userId="b9a97963-9b08-4684-92e4-b02ce1d032f1" providerId="ADAL" clId="{3280C464-2C29-43A4-BF5A-CE909B5BB16A}" dt="2023-05-11T03:11:17.949" v="940"/>
+          <ac:inkMkLst>
+            <pc:docMk/>
+            <pc:sldMk cId="354424765" sldId="277"/>
+            <ac:inkMk id="39" creationId="{0E40CF0C-616C-46B6-4EDC-23AD0C483003}"/>
+          </ac:inkMkLst>
+        </pc:inkChg>
+        <pc:inkChg chg="add mod">
+          <ac:chgData name="Jack Percy" userId="b9a97963-9b08-4684-92e4-b02ce1d032f1" providerId="ADAL" clId="{3280C464-2C29-43A4-BF5A-CE909B5BB16A}" dt="2023-05-11T03:11:17.949" v="940"/>
+          <ac:inkMkLst>
+            <pc:docMk/>
+            <pc:sldMk cId="354424765" sldId="277"/>
+            <ac:inkMk id="40" creationId="{35DB4F7C-F4CA-8EE1-1337-1CB22AFFF7B6}"/>
+          </ac:inkMkLst>
+        </pc:inkChg>
+        <pc:inkChg chg="add mod">
+          <ac:chgData name="Jack Percy" userId="b9a97963-9b08-4684-92e4-b02ce1d032f1" providerId="ADAL" clId="{3280C464-2C29-43A4-BF5A-CE909B5BB16A}" dt="2023-05-11T03:11:17.949" v="940"/>
+          <ac:inkMkLst>
+            <pc:docMk/>
+            <pc:sldMk cId="354424765" sldId="277"/>
+            <ac:inkMk id="42" creationId="{A6FE6650-CE2B-68F0-87B5-535783CF7159}"/>
+          </ac:inkMkLst>
+        </pc:inkChg>
+        <pc:inkChg chg="add">
+          <ac:chgData name="Jack Percy" userId="b9a97963-9b08-4684-92e4-b02ce1d032f1" providerId="ADAL" clId="{3280C464-2C29-43A4-BF5A-CE909B5BB16A}" dt="2023-05-11T03:11:24.461" v="941" actId="9405"/>
+          <ac:inkMkLst>
+            <pc:docMk/>
+            <pc:sldMk cId="354424765" sldId="277"/>
+            <ac:inkMk id="44" creationId="{BC54F37F-F77D-6876-BB14-4E71F6C159E8}"/>
+          </ac:inkMkLst>
+        </pc:inkChg>
+        <pc:inkChg chg="add">
+          <ac:chgData name="Jack Percy" userId="b9a97963-9b08-4684-92e4-b02ce1d032f1" providerId="ADAL" clId="{3280C464-2C29-43A4-BF5A-CE909B5BB16A}" dt="2023-05-11T03:11:29.016" v="942" actId="9405"/>
+          <ac:inkMkLst>
+            <pc:docMk/>
+            <pc:sldMk cId="354424765" sldId="277"/>
+            <ac:inkMk id="45" creationId="{7B3B2972-AEB3-0355-B393-CBA7E8029F9F}"/>
+          </ac:inkMkLst>
+        </pc:inkChg>
+        <pc:inkChg chg="add">
+          <ac:chgData name="Jack Percy" userId="b9a97963-9b08-4684-92e4-b02ce1d032f1" providerId="ADAL" clId="{3280C464-2C29-43A4-BF5A-CE909B5BB16A}" dt="2023-05-11T03:11:31.710" v="943" actId="9405"/>
+          <ac:inkMkLst>
+            <pc:docMk/>
+            <pc:sldMk cId="354424765" sldId="277"/>
+            <ac:inkMk id="46" creationId="{6490E571-829D-3C04-F66F-F6E721B5B59E}"/>
+          </ac:inkMkLst>
+        </pc:inkChg>
+        <pc:inkChg chg="add">
+          <ac:chgData name="Jack Percy" userId="b9a97963-9b08-4684-92e4-b02ce1d032f1" providerId="ADAL" clId="{3280C464-2C29-43A4-BF5A-CE909B5BB16A}" dt="2023-05-11T03:11:34.130" v="944" actId="9405"/>
+          <ac:inkMkLst>
+            <pc:docMk/>
+            <pc:sldMk cId="354424765" sldId="277"/>
+            <ac:inkMk id="47" creationId="{7881245F-E1ED-7C22-5C86-DD12E7B80DB4}"/>
+          </ac:inkMkLst>
+        </pc:inkChg>
+        <pc:inkChg chg="add">
+          <ac:chgData name="Jack Percy" userId="b9a97963-9b08-4684-92e4-b02ce1d032f1" providerId="ADAL" clId="{3280C464-2C29-43A4-BF5A-CE909B5BB16A}" dt="2023-05-11T03:11:36.698" v="945" actId="9405"/>
+          <ac:inkMkLst>
+            <pc:docMk/>
+            <pc:sldMk cId="354424765" sldId="277"/>
+            <ac:inkMk id="48" creationId="{7FF803C9-AD92-7976-12E4-E2C57380F037}"/>
+          </ac:inkMkLst>
+        </pc:inkChg>
+        <pc:inkChg chg="add">
+          <ac:chgData name="Jack Percy" userId="b9a97963-9b08-4684-92e4-b02ce1d032f1" providerId="ADAL" clId="{3280C464-2C29-43A4-BF5A-CE909B5BB16A}" dt="2023-05-11T03:13:09.091" v="946" actId="9405"/>
+          <ac:inkMkLst>
+            <pc:docMk/>
+            <pc:sldMk cId="354424765" sldId="277"/>
+            <ac:inkMk id="49" creationId="{3DB4C132-F61C-658F-BA8F-37DD65DFB3EC}"/>
+          </ac:inkMkLst>
+        </pc:inkChg>
+        <pc:inkChg chg="add">
+          <ac:chgData name="Jack Percy" userId="b9a97963-9b08-4684-92e4-b02ce1d032f1" providerId="ADAL" clId="{3280C464-2C29-43A4-BF5A-CE909B5BB16A}" dt="2023-05-11T03:13:12.644" v="947" actId="9405"/>
+          <ac:inkMkLst>
+            <pc:docMk/>
+            <pc:sldMk cId="354424765" sldId="277"/>
+            <ac:inkMk id="50" creationId="{3A8AE495-EFC1-07A3-D025-3407B993807E}"/>
+          </ac:inkMkLst>
+        </pc:inkChg>
+        <pc:inkChg chg="add">
+          <ac:chgData name="Jack Percy" userId="b9a97963-9b08-4684-92e4-b02ce1d032f1" providerId="ADAL" clId="{3280C464-2C29-43A4-BF5A-CE909B5BB16A}" dt="2023-05-11T03:13:15.750" v="948" actId="9405"/>
+          <ac:inkMkLst>
+            <pc:docMk/>
+            <pc:sldMk cId="354424765" sldId="277"/>
+            <ac:inkMk id="51" creationId="{B91CBB7C-673D-7B3A-7F5C-8D19B8669C36}"/>
+          </ac:inkMkLst>
+        </pc:inkChg>
+        <pc:inkChg chg="add">
+          <ac:chgData name="Jack Percy" userId="b9a97963-9b08-4684-92e4-b02ce1d032f1" providerId="ADAL" clId="{3280C464-2C29-43A4-BF5A-CE909B5BB16A}" dt="2023-05-11T03:13:21.033" v="949" actId="9405"/>
+          <ac:inkMkLst>
+            <pc:docMk/>
+            <pc:sldMk cId="354424765" sldId="277"/>
+            <ac:inkMk id="52" creationId="{657DAD6D-8313-CCA5-E4AF-37B4DB094163}"/>
+          </ac:inkMkLst>
+        </pc:inkChg>
+        <pc:inkChg chg="add mod">
+          <ac:chgData name="Jack Percy" userId="b9a97963-9b08-4684-92e4-b02ce1d032f1" providerId="ADAL" clId="{3280C464-2C29-43A4-BF5A-CE909B5BB16A}" dt="2023-05-11T03:13:47.565" v="956"/>
+          <ac:inkMkLst>
+            <pc:docMk/>
+            <pc:sldMk cId="354424765" sldId="277"/>
+            <ac:inkMk id="54" creationId="{40D8EF06-9803-2FEB-5A02-593F1CDF9496}"/>
+          </ac:inkMkLst>
+        </pc:inkChg>
+        <pc:inkChg chg="add mod">
+          <ac:chgData name="Jack Percy" userId="b9a97963-9b08-4684-92e4-b02ce1d032f1" providerId="ADAL" clId="{3280C464-2C29-43A4-BF5A-CE909B5BB16A}" dt="2023-05-11T03:13:47.565" v="956"/>
+          <ac:inkMkLst>
+            <pc:docMk/>
+            <pc:sldMk cId="354424765" sldId="277"/>
+            <ac:inkMk id="55" creationId="{3F7C4EF7-7F86-170A-894A-8C48BBD942B2}"/>
+          </ac:inkMkLst>
+        </pc:inkChg>
+        <pc:inkChg chg="add">
+          <ac:chgData name="Jack Percy" userId="b9a97963-9b08-4684-92e4-b02ce1d032f1" providerId="ADAL" clId="{3280C464-2C29-43A4-BF5A-CE909B5BB16A}" dt="2023-05-11T03:13:49.778" v="957" actId="9405"/>
+          <ac:inkMkLst>
+            <pc:docMk/>
+            <pc:sldMk cId="354424765" sldId="277"/>
+            <ac:inkMk id="57" creationId="{41FD4E18-6C2B-1DA2-2C16-A408BD519D5D}"/>
+          </ac:inkMkLst>
+        </pc:inkChg>
+        <pc:inkChg chg="add mod">
+          <ac:chgData name="Jack Percy" userId="b9a97963-9b08-4684-92e4-b02ce1d032f1" providerId="ADAL" clId="{3280C464-2C29-43A4-BF5A-CE909B5BB16A}" dt="2023-05-11T03:13:58.870" v="960"/>
+          <ac:inkMkLst>
+            <pc:docMk/>
+            <pc:sldMk cId="354424765" sldId="277"/>
+            <ac:inkMk id="58" creationId="{49667A16-FCED-2E3E-9BA9-D0410CA26B3F}"/>
+          </ac:inkMkLst>
+        </pc:inkChg>
+        <pc:inkChg chg="add mod">
+          <ac:chgData name="Jack Percy" userId="b9a97963-9b08-4684-92e4-b02ce1d032f1" providerId="ADAL" clId="{3280C464-2C29-43A4-BF5A-CE909B5BB16A}" dt="2023-05-11T03:13:58.870" v="960"/>
+          <ac:inkMkLst>
+            <pc:docMk/>
+            <pc:sldMk cId="354424765" sldId="277"/>
+            <ac:inkMk id="59" creationId="{BEA6C31B-D5D5-1095-3272-C588FCDCD883}"/>
+          </ac:inkMkLst>
+        </pc:inkChg>
+        <pc:inkChg chg="add">
+          <ac:chgData name="Jack Percy" userId="b9a97963-9b08-4684-92e4-b02ce1d032f1" providerId="ADAL" clId="{3280C464-2C29-43A4-BF5A-CE909B5BB16A}" dt="2023-05-11T03:14:03.076" v="961" actId="9405"/>
+          <ac:inkMkLst>
+            <pc:docMk/>
+            <pc:sldMk cId="354424765" sldId="277"/>
+            <ac:inkMk id="61" creationId="{3D5A74B2-E5F6-E775-0CB0-5B7C8660B9C3}"/>
+          </ac:inkMkLst>
+        </pc:inkChg>
+      </pc:sldChg>
+      <pc:sldChg chg="delSp add mod ord">
+        <pc:chgData name="Jack Percy" userId="b9a97963-9b08-4684-92e4-b02ce1d032f1" providerId="ADAL" clId="{3280C464-2C29-43A4-BF5A-CE909B5BB16A}" dt="2023-05-11T03:14:37.393" v="975" actId="478"/>
+        <pc:sldMkLst>
+          <pc:docMk/>
+          <pc:sldMk cId="2400330469" sldId="278"/>
+        </pc:sldMkLst>
+        <pc:picChg chg="del">
+          <ac:chgData name="Jack Percy" userId="b9a97963-9b08-4684-92e4-b02ce1d032f1" providerId="ADAL" clId="{3280C464-2C29-43A4-BF5A-CE909B5BB16A}" dt="2023-05-11T03:14:33.510" v="971" actId="478"/>
+          <ac:picMkLst>
+            <pc:docMk/>
+            <pc:sldMk cId="2400330469" sldId="278"/>
+            <ac:picMk id="5" creationId="{0EF5634E-474E-FDB9-22D1-CA8CA7007C58}"/>
+          </ac:picMkLst>
+        </pc:picChg>
+        <pc:picChg chg="del">
+          <ac:chgData name="Jack Percy" userId="b9a97963-9b08-4684-92e4-b02ce1d032f1" providerId="ADAL" clId="{3280C464-2C29-43A4-BF5A-CE909B5BB16A}" dt="2023-05-11T03:14:37.393" v="975" actId="478"/>
+          <ac:picMkLst>
+            <pc:docMk/>
+            <pc:sldMk cId="2400330469" sldId="278"/>
+            <ac:picMk id="6" creationId="{B1C85093-D5D2-F55C-186A-6CEB349F9F20}"/>
+          </ac:picMkLst>
+        </pc:picChg>
+        <pc:picChg chg="del">
+          <ac:chgData name="Jack Percy" userId="b9a97963-9b08-4684-92e4-b02ce1d032f1" providerId="ADAL" clId="{3280C464-2C29-43A4-BF5A-CE909B5BB16A}" dt="2023-05-11T03:14:34.084" v="972" actId="478"/>
+          <ac:picMkLst>
+            <pc:docMk/>
+            <pc:sldMk cId="2400330469" sldId="278"/>
+            <ac:picMk id="7" creationId="{FEA6EE45-EECC-399E-8BA7-C3F4BAEA463A}"/>
+          </ac:picMkLst>
+        </pc:picChg>
+        <pc:picChg chg="del">
+          <ac:chgData name="Jack Percy" userId="b9a97963-9b08-4684-92e4-b02ce1d032f1" providerId="ADAL" clId="{3280C464-2C29-43A4-BF5A-CE909B5BB16A}" dt="2023-05-11T03:14:34.679" v="973" actId="478"/>
+          <ac:picMkLst>
+            <pc:docMk/>
+            <pc:sldMk cId="2400330469" sldId="278"/>
+            <ac:picMk id="9" creationId="{D08E27D3-4133-1451-0339-903CC7B1007E}"/>
+          </ac:picMkLst>
+        </pc:picChg>
+        <pc:picChg chg="del">
+          <ac:chgData name="Jack Percy" userId="b9a97963-9b08-4684-92e4-b02ce1d032f1" providerId="ADAL" clId="{3280C464-2C29-43A4-BF5A-CE909B5BB16A}" dt="2023-05-11T03:14:31.973" v="969" actId="478"/>
+          <ac:picMkLst>
+            <pc:docMk/>
+            <pc:sldMk cId="2400330469" sldId="278"/>
+            <ac:picMk id="10" creationId="{A056DC45-CFC4-F055-65B4-AD649F111114}"/>
+          </ac:picMkLst>
+        </pc:picChg>
+        <pc:picChg chg="del">
+          <ac:chgData name="Jack Percy" userId="b9a97963-9b08-4684-92e4-b02ce1d032f1" providerId="ADAL" clId="{3280C464-2C29-43A4-BF5A-CE909B5BB16A}" dt="2023-05-11T03:14:35.995" v="974" actId="478"/>
+          <ac:picMkLst>
+            <pc:docMk/>
+            <pc:sldMk cId="2400330469" sldId="278"/>
+            <ac:picMk id="11" creationId="{723BF66B-4A13-04B3-4B21-6936A906A90E}"/>
+          </ac:picMkLst>
+        </pc:picChg>
+        <pc:picChg chg="del">
+          <ac:chgData name="Jack Percy" userId="b9a97963-9b08-4684-92e4-b02ce1d032f1" providerId="ADAL" clId="{3280C464-2C29-43A4-BF5A-CE909B5BB16A}" dt="2023-05-11T03:14:21.219" v="967" actId="478"/>
+          <ac:picMkLst>
+            <pc:docMk/>
+            <pc:sldMk cId="2400330469" sldId="278"/>
+            <ac:picMk id="13" creationId="{9371C743-97A5-15FA-7DB9-174A1BF7ABC7}"/>
+          </ac:picMkLst>
+        </pc:picChg>
+        <pc:picChg chg="del">
+          <ac:chgData name="Jack Percy" userId="b9a97963-9b08-4684-92e4-b02ce1d032f1" providerId="ADAL" clId="{3280C464-2C29-43A4-BF5A-CE909B5BB16A}" dt="2023-05-11T03:14:22.359" v="968" actId="478"/>
+          <ac:picMkLst>
+            <pc:docMk/>
+            <pc:sldMk cId="2400330469" sldId="278"/>
+            <ac:picMk id="16" creationId="{CCDEE18D-2AAD-5112-D196-54AFBBA1E98C}"/>
+          </ac:picMkLst>
+        </pc:picChg>
+        <pc:picChg chg="del">
+          <ac:chgData name="Jack Percy" userId="b9a97963-9b08-4684-92e4-b02ce1d032f1" providerId="ADAL" clId="{3280C464-2C29-43A4-BF5A-CE909B5BB16A}" dt="2023-05-11T03:14:32.762" v="970" actId="478"/>
+          <ac:picMkLst>
+            <pc:docMk/>
+            <pc:sldMk cId="2400330469" sldId="278"/>
+            <ac:picMk id="20" creationId="{8E9840A2-B4C5-53A9-67D2-01ADED5356EB}"/>
+          </ac:picMkLst>
+        </pc:picChg>
+      </pc:sldChg>
+    </pc:docChg>
+  </pc:docChgLst>
   <pc:docChgLst>
     <pc:chgData name="Patrick Baker" userId="dbad0e87-82bb-43bf-9a70-a6d8fad31ef1" providerId="ADAL" clId="{E8D5478E-048D-4D5E-BB76-1A1E9710BD82}"/>
     <pc:docChg chg="modSld">
@@ -171,6 +896,902 @@
     </pc:docChg>
   </pc:docChgLst>
 </pc:chgInfo>
+</file>
+
+<file path=ppt/ink/ink1.xml><?xml version="1.0" encoding="utf-8"?>
+<inkml:ink xmlns:inkml="http://www.w3.org/2003/InkML">
+  <inkml:definitions>
+    <inkml:context xml:id="ctx0">
+      <inkml:inkSource xml:id="inkSrc0">
+        <inkml:traceFormat>
+          <inkml:channel name="X" type="integer" min="-2.14748E9" max="2.14748E9" units="cm"/>
+          <inkml:channel name="Y" type="integer" min="-2.14748E9" max="2.14748E9" units="cm"/>
+          <inkml:channel name="F" type="integer" max="32767" units="dev"/>
+        </inkml:traceFormat>
+        <inkml:channelProperties>
+          <inkml:channelProperty channel="X" name="resolution" value="1000" units="1/cm"/>
+          <inkml:channelProperty channel="Y" name="resolution" value="1000" units="1/cm"/>
+          <inkml:channelProperty channel="F" name="resolution" value="0" units="1/dev"/>
+        </inkml:channelProperties>
+      </inkml:inkSource>
+      <inkml:timestamp xml:id="ts0" timeString="2023-05-11T03:06:56.574"/>
+    </inkml:context>
+    <inkml:brush xml:id="br0">
+      <inkml:brushProperty name="width" value="0.05" units="cm"/>
+      <inkml:brushProperty name="height" value="0.05" units="cm"/>
+      <inkml:brushProperty name="color" value="#E71224"/>
+    </inkml:brush>
+  </inkml:definitions>
+  <inkml:trace contextRef="#ctx0" brushRef="#br0">1 50 24575,'1589'0'0,"-1414"12"0,-13 1 0,188-26 0,-23 0 0,-271 11 0,60-10 0,-44 3 0,-13 2 0,199-11 0,173 19-1365,-411-1-5461</inkml:trace>
+</inkml:ink>
+</file>
+
+<file path=ppt/ink/ink10.xml><?xml version="1.0" encoding="utf-8"?>
+<inkml:ink xmlns:inkml="http://www.w3.org/2003/InkML">
+  <inkml:definitions>
+    <inkml:context xml:id="ctx0">
+      <inkml:inkSource xml:id="inkSrc0">
+        <inkml:traceFormat>
+          <inkml:channel name="X" type="integer" min="-2.14748E9" max="2.14748E9" units="cm"/>
+          <inkml:channel name="Y" type="integer" min="-2.14748E9" max="2.14748E9" units="cm"/>
+          <inkml:channel name="F" type="integer" max="32767" units="dev"/>
+        </inkml:traceFormat>
+        <inkml:channelProperties>
+          <inkml:channelProperty channel="X" name="resolution" value="1000" units="1/cm"/>
+          <inkml:channelProperty channel="Y" name="resolution" value="1000" units="1/cm"/>
+          <inkml:channelProperty channel="F" name="resolution" value="0" units="1/dev"/>
+        </inkml:channelProperties>
+      </inkml:inkSource>
+      <inkml:timestamp xml:id="ts0" timeString="2023-05-11T03:08:52.469"/>
+    </inkml:context>
+    <inkml:brush xml:id="br0">
+      <inkml:brushProperty name="width" value="0.05" units="cm"/>
+      <inkml:brushProperty name="height" value="0.05" units="cm"/>
+      <inkml:brushProperty name="color" value="#E71224"/>
+    </inkml:brush>
+  </inkml:definitions>
+  <inkml:trace contextRef="#ctx0" brushRef="#br0">0 1 24575,'0'4'0,"0"5"0,0 6 0,0 4 0,0 3 0,0 1 0,4 2 0,2 0 0,-1 0 0,-1 0 0,3 0 0,0-1 0,0-12 0,-7-25 0,-6-22 0,-3-5-8191</inkml:trace>
+</inkml:ink>
+</file>
+
+<file path=ppt/ink/ink11.xml><?xml version="1.0" encoding="utf-8"?>
+<inkml:ink xmlns:inkml="http://www.w3.org/2003/InkML">
+  <inkml:definitions>
+    <inkml:context xml:id="ctx0">
+      <inkml:inkSource xml:id="inkSrc0">
+        <inkml:traceFormat>
+          <inkml:channel name="X" type="integer" min="-2.14748E9" max="2.14748E9" units="cm"/>
+          <inkml:channel name="Y" type="integer" min="-2.14748E9" max="2.14748E9" units="cm"/>
+          <inkml:channel name="F" type="integer" max="32767" units="dev"/>
+        </inkml:traceFormat>
+        <inkml:channelProperties>
+          <inkml:channelProperty channel="X" name="resolution" value="1000" units="1/cm"/>
+          <inkml:channelProperty channel="Y" name="resolution" value="1000" units="1/cm"/>
+          <inkml:channelProperty channel="F" name="resolution" value="0" units="1/dev"/>
+        </inkml:channelProperties>
+      </inkml:inkSource>
+      <inkml:timestamp xml:id="ts0" timeString="2023-05-11T03:08:57.708"/>
+    </inkml:context>
+    <inkml:brush xml:id="br0">
+      <inkml:brushProperty name="width" value="0.05" units="cm"/>
+      <inkml:brushProperty name="height" value="0.05" units="cm"/>
+      <inkml:brushProperty name="color" value="#E71224"/>
+    </inkml:brush>
+  </inkml:definitions>
+  <inkml:trace contextRef="#ctx0" brushRef="#br0">1 1 24575,'479'0'-1365,"-458"0"-5461</inkml:trace>
+</inkml:ink>
+</file>
+
+<file path=ppt/ink/ink12.xml><?xml version="1.0" encoding="utf-8"?>
+<inkml:ink xmlns:inkml="http://www.w3.org/2003/InkML">
+  <inkml:definitions>
+    <inkml:context xml:id="ctx0">
+      <inkml:inkSource xml:id="inkSrc0">
+        <inkml:traceFormat>
+          <inkml:channel name="X" type="integer" min="-2.14748E9" max="2.14748E9" units="cm"/>
+          <inkml:channel name="Y" type="integer" min="-2.14748E9" max="2.14748E9" units="cm"/>
+          <inkml:channel name="F" type="integer" max="32767" units="dev"/>
+        </inkml:traceFormat>
+        <inkml:channelProperties>
+          <inkml:channelProperty channel="X" name="resolution" value="1000" units="1/cm"/>
+          <inkml:channelProperty channel="Y" name="resolution" value="1000" units="1/cm"/>
+          <inkml:channelProperty channel="F" name="resolution" value="0" units="1/dev"/>
+        </inkml:channelProperties>
+      </inkml:inkSource>
+      <inkml:timestamp xml:id="ts0" timeString="2023-05-11T03:09:20.260"/>
+    </inkml:context>
+    <inkml:brush xml:id="br0">
+      <inkml:brushProperty name="width" value="0.05" units="cm"/>
+      <inkml:brushProperty name="height" value="0.05" units="cm"/>
+      <inkml:brushProperty name="color" value="#E71224"/>
+    </inkml:brush>
+  </inkml:definitions>
+  <inkml:trace contextRef="#ctx0" brushRef="#br0">363 56 24575,'8'2'0,"0"0"0,-1 1 0,1 1 0,-1-1 0,1 1 0,-1 0 0,10 9 0,4 5 0,-1 0 0,-1 1 0,23 29 0,24 25 0,46 34 0,-107-102 0,0 0 0,0 0 0,0 0 0,-1 1 0,1 0 0,-1 0 0,0 0 0,-1 0 0,0 0 0,0 1 0,0 0 0,-1-1 0,0 1 0,2 12 0,-3-15 0,-1 0 0,1 0 0,-1 0 0,0 0 0,-1 1 0,1-1 0,-1 0 0,1 0 0,-1 0 0,0 0 0,-1-1 0,1 1 0,-1 0 0,1 0 0,-1-1 0,0 1 0,-1-1 0,1 0 0,-1 1 0,1-1 0,-1 0 0,0 0 0,0-1 0,0 1 0,0-1 0,-5 3 0,-9 7 0,-1-2 0,0 0 0,0-2 0,0 0 0,-1 0 0,0-2 0,-1-1 0,0 0 0,1-1 0,-38 2 0,33-5 0,-1 0 0,0-2 0,0-1 0,1-1 0,-1-1 0,1-1 0,0-1 0,-46-19 0,34 8 0,14 9 0,2-2 0,0-1 0,-37-25 0,51 32 0,1-1 0,1 1 0,-1-1 0,1 0 0,0 0 0,0 0 0,0-1 0,0 1 0,1-1 0,0 0 0,1 0 0,-1 0 0,1 0 0,0 0 0,1-1 0,-1 1 0,1-1 0,0-8 0,1-12 0,2-1 0,10-52 0,-7 49 0,4-58 0,-9 77 0,0 1 0,0-1 0,1 1 0,1-1 0,0 1 0,7-21 0,-7 28 0,-1 1 0,1 0 0,0-1 0,0 1 0,1 0 0,-1 0 0,1 0 0,-1 1 0,1-1 0,0 1 0,0-1 0,0 1 0,0 0 0,1 0 0,-1 0 0,0 1 0,1-1 0,0 1 0,-1 0 0,1 0 0,0 0 0,-1 0 0,1 1 0,6-1 0,22-2 0,0 1 0,0 2 0,0 1 0,53 9 0,-81-9 8,0 0 0,0 1 0,-1-1 0,1 1 0,-1 0 0,1 0 0,-1 1 0,0-1 0,0 1 0,0-1 0,0 1 0,0 0 0,0 0 0,2 4 0,26 49-1493,-23-38-5341</inkml:trace>
+</inkml:ink>
+</file>
+
+<file path=ppt/ink/ink13.xml><?xml version="1.0" encoding="utf-8"?>
+<inkml:ink xmlns:inkml="http://www.w3.org/2003/InkML">
+  <inkml:definitions>
+    <inkml:context xml:id="ctx0">
+      <inkml:inkSource xml:id="inkSrc0">
+        <inkml:traceFormat>
+          <inkml:channel name="X" type="integer" min="-2.14748E9" max="2.14748E9" units="cm"/>
+          <inkml:channel name="Y" type="integer" min="-2.14748E9" max="2.14748E9" units="cm"/>
+          <inkml:channel name="F" type="integer" max="32767" units="dev"/>
+        </inkml:traceFormat>
+        <inkml:channelProperties>
+          <inkml:channelProperty channel="X" name="resolution" value="1000" units="1/cm"/>
+          <inkml:channelProperty channel="Y" name="resolution" value="1000" units="1/cm"/>
+          <inkml:channelProperty channel="F" name="resolution" value="0" units="1/dev"/>
+        </inkml:channelProperties>
+      </inkml:inkSource>
+      <inkml:timestamp xml:id="ts0" timeString="2023-05-11T03:09:23.185"/>
+    </inkml:context>
+    <inkml:brush xml:id="br0">
+      <inkml:brushProperty name="width" value="0.05" units="cm"/>
+      <inkml:brushProperty name="height" value="0.05" units="cm"/>
+      <inkml:brushProperty name="color" value="#E71224"/>
+    </inkml:brush>
+  </inkml:definitions>
+  <inkml:trace contextRef="#ctx0" brushRef="#br0">0 146 24575,'74'-2'0,"93"-14"0,30-4 0,59-30 0,-185 32 0,0 4 0,1 2 0,90-2 0,-36 15 0,214 29 0,-198-15 0,0-5 0,168-12 0,-101-1 0,-136 7 0,-1 3 0,139 33 0,39 5 0,-190-38 0,183 10 0,1039-17 0,-1280 0 5,0 0 0,-1 0 0,1 0 0,0 0 0,-1 0 1,1 0-1,-1 0 0,1-1 0,0 1 0,-1 0 0,1-1 0,-1 0 0,1 1 0,-1-1 0,1 0 0,-1 0 0,0 1 0,1-1 0,-1 0 0,0 0 0,0-1 0,2-1 0,-2 1-79,-1 1 0,0-1 0,1 0 0,-1 0 0,0 0 0,0 0 0,0 0 0,0 0 0,0 0 0,-1 0 0,1 1 0,-1-1-1,1 0 1,-1 0 0,1 0 0,-1 1 0,0-1 0,0 0 0,-1-2 0,-12-20-6752</inkml:trace>
+</inkml:ink>
+</file>
+
+<file path=ppt/ink/ink14.xml><?xml version="1.0" encoding="utf-8"?>
+<inkml:ink xmlns:inkml="http://www.w3.org/2003/InkML">
+  <inkml:definitions>
+    <inkml:context xml:id="ctx0">
+      <inkml:inkSource xml:id="inkSrc0">
+        <inkml:traceFormat>
+          <inkml:channel name="X" type="integer" min="-2.14748E9" max="2.14748E9" units="cm"/>
+          <inkml:channel name="Y" type="integer" min="-2.14748E9" max="2.14748E9" units="cm"/>
+          <inkml:channel name="F" type="integer" max="32767" units="dev"/>
+        </inkml:traceFormat>
+        <inkml:channelProperties>
+          <inkml:channelProperty channel="X" name="resolution" value="1000" units="1/cm"/>
+          <inkml:channelProperty channel="Y" name="resolution" value="1000" units="1/cm"/>
+          <inkml:channelProperty channel="F" name="resolution" value="0" units="1/dev"/>
+        </inkml:channelProperties>
+      </inkml:inkSource>
+      <inkml:timestamp xml:id="ts0" timeString="2023-05-11T03:09:27.177"/>
+    </inkml:context>
+    <inkml:brush xml:id="br0">
+      <inkml:brushProperty name="width" value="0.05" units="cm"/>
+      <inkml:brushProperty name="height" value="0.05" units="cm"/>
+      <inkml:brushProperty name="color" value="#E71224"/>
+    </inkml:brush>
+  </inkml:definitions>
+  <inkml:trace contextRef="#ctx0" brushRef="#br0">0 3 24575,'257'-2'0,"274"4"0,-455 5 0,106 24 0,-110-17 0,192 56 0,-139-32 0,-82-27 0,86 11 0,-63-11 0,-42-7 0,0 0 0,29 0 0,-30-4-1365,-2 0-5461</inkml:trace>
+</inkml:ink>
+</file>
+
+<file path=ppt/ink/ink15.xml><?xml version="1.0" encoding="utf-8"?>
+<inkml:ink xmlns:inkml="http://www.w3.org/2003/InkML">
+  <inkml:definitions>
+    <inkml:context xml:id="ctx0">
+      <inkml:inkSource xml:id="inkSrc0">
+        <inkml:traceFormat>
+          <inkml:channel name="X" type="integer" min="-2.14748E9" max="2.14748E9" units="cm"/>
+          <inkml:channel name="Y" type="integer" min="-2.14748E9" max="2.14748E9" units="cm"/>
+          <inkml:channel name="F" type="integer" max="32767" units="dev"/>
+        </inkml:traceFormat>
+        <inkml:channelProperties>
+          <inkml:channelProperty channel="X" name="resolution" value="1000" units="1/cm"/>
+          <inkml:channelProperty channel="Y" name="resolution" value="1000" units="1/cm"/>
+          <inkml:channelProperty channel="F" name="resolution" value="0" units="1/dev"/>
+        </inkml:channelProperties>
+      </inkml:inkSource>
+      <inkml:timestamp xml:id="ts0" timeString="2023-05-11T03:11:11.881"/>
+    </inkml:context>
+    <inkml:brush xml:id="br0">
+      <inkml:brushProperty name="width" value="0.05" units="cm"/>
+      <inkml:brushProperty name="height" value="0.05" units="cm"/>
+      <inkml:brushProperty name="color" value="#E71224"/>
+    </inkml:brush>
+  </inkml:definitions>
+  <inkml:trace contextRef="#ctx0" brushRef="#br0">0 9 24575,'768'0'0,"-725"-4"-1365,-28-1-5461</inkml:trace>
+</inkml:ink>
+</file>
+
+<file path=ppt/ink/ink16.xml><?xml version="1.0" encoding="utf-8"?>
+<inkml:ink xmlns:inkml="http://www.w3.org/2003/InkML">
+  <inkml:definitions>
+    <inkml:context xml:id="ctx0">
+      <inkml:inkSource xml:id="inkSrc0">
+        <inkml:traceFormat>
+          <inkml:channel name="X" type="integer" min="-2.14748E9" max="2.14748E9" units="cm"/>
+          <inkml:channel name="Y" type="integer" min="-2.14748E9" max="2.14748E9" units="cm"/>
+          <inkml:channel name="F" type="integer" max="32767" units="dev"/>
+        </inkml:traceFormat>
+        <inkml:channelProperties>
+          <inkml:channelProperty channel="X" name="resolution" value="1000" units="1/cm"/>
+          <inkml:channelProperty channel="Y" name="resolution" value="1000" units="1/cm"/>
+          <inkml:channelProperty channel="F" name="resolution" value="0" units="1/dev"/>
+        </inkml:channelProperties>
+      </inkml:inkSource>
+      <inkml:timestamp xml:id="ts0" timeString="2023-05-11T03:11:14.623"/>
+    </inkml:context>
+    <inkml:brush xml:id="br0">
+      <inkml:brushProperty name="width" value="0.05" units="cm"/>
+      <inkml:brushProperty name="height" value="0.05" units="cm"/>
+      <inkml:brushProperty name="color" value="#E71224"/>
+    </inkml:brush>
+  </inkml:definitions>
+  <inkml:trace contextRef="#ctx0" brushRef="#br0">100 52 24575,'9'1'0,"1"0"0,-1 1 0,0 0 0,13 5 0,14 3 0,-11-4 0,0 2 0,0 1 0,39 19 0,-33-13 0,45 14 0,-63-23 0,0 1 0,0 0 0,0 1 0,-1 0 0,0 1 0,13 14 0,-11-11 0,0-1 0,-1 2 0,-1 0 0,0 0 0,-1 1 0,0 0 0,-1 1 0,8 16 0,-14-24 0,0 0 0,-1 1 0,0 0 0,0-1 0,-1 1 0,0 0 0,0 0 0,-1 0 0,0 1 0,-1-1 0,0 0 0,0 0 0,0 0 0,-1 1 0,0-1 0,-1 0 0,-3 12 0,1-14 0,1-1 0,-1 1 0,0-1 0,0 0 0,0 0 0,-1 0 0,0 0 0,0-1 0,0 0 0,0 0 0,-1 0 0,1 0 0,-1-1 0,-11 5 0,-10 3 0,-55 15 0,49-20 0,-1-1 0,0-1 0,0-2 0,-1-1 0,-58-7 0,83 5 0,0 0 0,0-1 0,0 0 0,0 0 0,1-1 0,-1 0 0,1-1 0,0 0 0,0-1 0,0 0 0,1 0 0,-1-1 0,1 0 0,1 0 0,-13-13 0,13 10 0,0 0 0,1-1 0,0 1 0,1-1 0,0-1 0,1 1 0,0 0 0,0-1 0,1 0 0,1 0 0,0 0 0,0 0 0,0-21 0,2 24 0,-1-6 0,0 1 0,0-1 0,2 0 0,-1 0 0,2 1 0,0-1 0,1 1 0,0-1 0,1 1 0,0 0 0,10-19 0,27-57 0,-10 16 0,-29 70-50,-1-1-1,1 0 1,0 1-1,0-1 0,0 1 1,1 0-1,-1 0 1,1-1-1,0 2 1,0-1-1,0 0 0,0 1 1,0-1-1,1 1 1,-1 0-1,1 0 1,-1 0-1,1 1 0,0-1 1,0 1-1,0 0 1,0 0-1,0 0 1,0 0-1,0 1 1,6 0-1,9-1-6775</inkml:trace>
+</inkml:ink>
+</file>
+
+<file path=ppt/ink/ink17.xml><?xml version="1.0" encoding="utf-8"?>
+<inkml:ink xmlns:inkml="http://www.w3.org/2003/InkML">
+  <inkml:definitions>
+    <inkml:context xml:id="ctx0">
+      <inkml:inkSource xml:id="inkSrc0">
+        <inkml:traceFormat>
+          <inkml:channel name="X" type="integer" min="-2.14748E9" max="2.14748E9" units="cm"/>
+          <inkml:channel name="Y" type="integer" min="-2.14748E9" max="2.14748E9" units="cm"/>
+          <inkml:channel name="F" type="integer" max="32767" units="dev"/>
+        </inkml:traceFormat>
+        <inkml:channelProperties>
+          <inkml:channelProperty channel="X" name="resolution" value="1000" units="1/cm"/>
+          <inkml:channelProperty channel="Y" name="resolution" value="1000" units="1/cm"/>
+          <inkml:channelProperty channel="F" name="resolution" value="0" units="1/dev"/>
+        </inkml:channelProperties>
+      </inkml:inkSource>
+      <inkml:timestamp xml:id="ts0" timeString="2023-05-11T03:11:16.996"/>
+    </inkml:context>
+    <inkml:brush xml:id="br0">
+      <inkml:brushProperty name="width" value="0.05" units="cm"/>
+      <inkml:brushProperty name="height" value="0.05" units="cm"/>
+      <inkml:brushProperty name="color" value="#E71224"/>
+    </inkml:brush>
+  </inkml:definitions>
+  <inkml:trace contextRef="#ctx0" brushRef="#br0">1 2 24575,'170'-1'0,"321"9"0,-397-1 0,-1 4 0,0 5 0,110 32 0,176 47 0,-103-29 0,-229-53 0,22 7 0,1-3 0,1-2 0,1-4 0,79 2 0,730-17 0,-861 2 0,-1 0 0,1-1 0,0-1 0,-1-1 0,36-14 0,-30 9 0,1 2 0,38-7 0,57-5 0,84-11 0,-35 7 0,30-3 0,-78 19 0,193-7 0,-298 14 0,0 0 0,-1-2 0,18-3 0,43-6 0,-67 12-90,-5 0 114,0 0 0,0 0 1,0-1-1,0 1 0,0-1 1,0 0-1,-1 0 0,8-3 1,-11 3-72,0 0 0,0 0 1,0 0-1,0-1 0,0 1 1,0 0-1,0-1 0,0 1 0,0 0 1,-1-1-1,1 1 0,-1-1 1,1 1-1,-1-1 0,1 1 1,-1-1-1,0 1 0,0-1 1,0 1-1,0-1 0,0 1 1,0-1-1,0 0 0,-1 1 1,1-1-1,0 1 0,-1-1 1,1 1-1,-1 0 0,0-1 1,0-1-1,-14-38-6779</inkml:trace>
+</inkml:ink>
+</file>
+
+<file path=ppt/ink/ink18.xml><?xml version="1.0" encoding="utf-8"?>
+<inkml:ink xmlns:inkml="http://www.w3.org/2003/InkML">
+  <inkml:definitions>
+    <inkml:context xml:id="ctx0">
+      <inkml:inkSource xml:id="inkSrc0">
+        <inkml:traceFormat>
+          <inkml:channel name="X" type="integer" min="-2.14748E9" max="2.14748E9" units="cm"/>
+          <inkml:channel name="Y" type="integer" min="-2.14748E9" max="2.14748E9" units="cm"/>
+          <inkml:channel name="F" type="integer" max="32767" units="dev"/>
+        </inkml:traceFormat>
+        <inkml:channelProperties>
+          <inkml:channelProperty channel="X" name="resolution" value="1000" units="1/cm"/>
+          <inkml:channelProperty channel="Y" name="resolution" value="1000" units="1/cm"/>
+          <inkml:channelProperty channel="F" name="resolution" value="0" units="1/dev"/>
+        </inkml:channelProperties>
+      </inkml:inkSource>
+      <inkml:timestamp xml:id="ts0" timeString="2023-05-11T03:11:24.461"/>
+    </inkml:context>
+    <inkml:brush xml:id="br0">
+      <inkml:brushProperty name="width" value="0.05" units="cm"/>
+      <inkml:brushProperty name="height" value="0.05" units="cm"/>
+      <inkml:brushProperty name="color" value="#E71224"/>
+    </inkml:brush>
+  </inkml:definitions>
+  <inkml:trace contextRef="#ctx0" brushRef="#br0">0 0 24575,'457'0'0,"-434"2"0,0 1 0,0 2 0,0 0 0,0 1 0,-1 1 0,31 14 0,20 5 0,30 17 0,-71-28 0,44 15 0,-35-15 0,0 2 0,72 42 0,29 14 0,-118-62 0,41 27 0,-11-6 0,7 6 0,-45-27 0,0 0 0,2-1 0,18 8 0,-20-10 0,-1 0 0,1 1 0,21 17 0,18 11 0,-14-10 0,-1 1 0,-1 3 0,52 51 0,-65-57 0,158 162 0,-166-162 0,-1 0 0,23 48 0,-4-8 0,-32-57 13,0 1 1,-1-1-1,1 1 0,-2 0 0,0 0 1,0 0-1,0 1 0,0 14 0,8 37-1497,-6-45-5342</inkml:trace>
+</inkml:ink>
+</file>
+
+<file path=ppt/ink/ink19.xml><?xml version="1.0" encoding="utf-8"?>
+<inkml:ink xmlns:inkml="http://www.w3.org/2003/InkML">
+  <inkml:definitions>
+    <inkml:context xml:id="ctx0">
+      <inkml:inkSource xml:id="inkSrc0">
+        <inkml:traceFormat>
+          <inkml:channel name="X" type="integer" min="-2.14748E9" max="2.14748E9" units="cm"/>
+          <inkml:channel name="Y" type="integer" min="-2.14748E9" max="2.14748E9" units="cm"/>
+          <inkml:channel name="F" type="integer" max="32767" units="dev"/>
+        </inkml:traceFormat>
+        <inkml:channelProperties>
+          <inkml:channelProperty channel="X" name="resolution" value="1000" units="1/cm"/>
+          <inkml:channelProperty channel="Y" name="resolution" value="1000" units="1/cm"/>
+          <inkml:channelProperty channel="F" name="resolution" value="0" units="1/dev"/>
+        </inkml:channelProperties>
+      </inkml:inkSource>
+      <inkml:timestamp xml:id="ts0" timeString="2023-05-11T03:11:29.016"/>
+    </inkml:context>
+    <inkml:brush xml:id="br0">
+      <inkml:brushProperty name="width" value="0.05" units="cm"/>
+      <inkml:brushProperty name="height" value="0.05" units="cm"/>
+      <inkml:brushProperty name="color" value="#E71224"/>
+    </inkml:brush>
+  </inkml:definitions>
+  <inkml:trace contextRef="#ctx0" brushRef="#br0">1 0 24575,'0'376'-1365,"0"-366"-5461</inkml:trace>
+</inkml:ink>
+</file>
+
+<file path=ppt/ink/ink2.xml><?xml version="1.0" encoding="utf-8"?>
+<inkml:ink xmlns:inkml="http://www.w3.org/2003/InkML">
+  <inkml:definitions>
+    <inkml:context xml:id="ctx0">
+      <inkml:inkSource xml:id="inkSrc0">
+        <inkml:traceFormat>
+          <inkml:channel name="X" type="integer" min="-2.14748E9" max="2.14748E9" units="cm"/>
+          <inkml:channel name="Y" type="integer" min="-2.14748E9" max="2.14748E9" units="cm"/>
+          <inkml:channel name="F" type="integer" max="32767" units="dev"/>
+        </inkml:traceFormat>
+        <inkml:channelProperties>
+          <inkml:channelProperty channel="X" name="resolution" value="1000" units="1/cm"/>
+          <inkml:channelProperty channel="Y" name="resolution" value="1000" units="1/cm"/>
+          <inkml:channelProperty channel="F" name="resolution" value="0" units="1/dev"/>
+        </inkml:channelProperties>
+      </inkml:inkSource>
+      <inkml:timestamp xml:id="ts0" timeString="2023-05-11T03:07:02.714"/>
+    </inkml:context>
+    <inkml:brush xml:id="br0">
+      <inkml:brushProperty name="width" value="0.05" units="cm"/>
+      <inkml:brushProperty name="height" value="0.05" units="cm"/>
+      <inkml:brushProperty name="color" value="#E71224"/>
+    </inkml:brush>
+  </inkml:definitions>
+  <inkml:trace contextRef="#ctx0" brushRef="#br0">771 26 24575,'-85'-2'0,"-93"-15"0,105 11 0,-114 5 0,84 3 0,91-2 0,1 0 0,0 1 0,-1 0 0,1 1 0,-21 6 0,29-7 0,0 0 0,0 0 0,0 1 0,0-1 0,0 1 0,0 0 0,0 0 0,0 0 0,1 0 0,-1 1 0,1-1 0,0 1 0,-1 0 0,1-1 0,0 1 0,1 0 0,-1 0 0,0 0 0,1 0 0,0 0 0,0 1 0,0-1 0,-1 6 0,1 4 0,0 1 0,2-1 0,-1 0 0,2 0 0,-1 0 0,2 0 0,0-1 0,1 1 0,8 20 0,-6-16 0,-1 0 0,0 0 0,-1 0 0,3 27 0,-6-33 0,1 0 0,1 0 0,0 0 0,1-1 0,0 1 0,1-1 0,0 0 0,0 0 0,1 0 0,0-1 0,1 0 0,0 0 0,0-1 0,1 0 0,13 11 0,-17-16 0,0 1 0,1-1 0,-1-1 0,1 1 0,0-1 0,0 1 0,0-1 0,0-1 0,0 1 0,1-1 0,-1 0 0,0 0 0,10 0 0,80-3 0,-51-1 0,-27 2 0,0 1 0,-1 0 0,1 1 0,-1 1 0,1 1 0,-1 0 0,1 1 0,-1 0 0,21 10 0,-27-9 0,1-2 0,1 1 0,-1-1 0,0-1 0,1 0 0,19 1 0,76-6 0,-42 1 0,-60 2 0,-1 0 0,1 0 0,0 0 0,-1-1 0,1 0 0,-1 0 0,1 0 0,-1 0 0,1-1 0,-1 0 0,0 0 0,0 0 0,0 0 0,0 0 0,0-1 0,0 0 0,-1 0 0,5-4 0,-4 1 0,1-1 0,-1 1 0,-1-1 0,1 0 0,-1 0 0,0 0 0,-1-1 0,0 1 0,0 0 0,1-11 0,2-10 0,-1 14 0,-2-1 0,0 0 0,0-29 0,-2 38 0,-1-1 0,0 1 0,0 0 0,-1 0 0,0 0 0,0 0 0,-1 0 0,1 0 0,-1 1 0,-1-1 0,1 1 0,-8-10 0,2 5 0,1-1 0,0-1 0,1 1 0,1-2 0,-1 1 0,-7-24 0,10 29 0,0-1 0,-1 1 0,0 1 0,0-1 0,0 1 0,-1 0 0,0 0 0,0 0 0,-1 1 0,0 0 0,0 0 0,0 1 0,0 0 0,-1 0 0,-10-3 0,-8-7 0,-9 1-1365,18 9-5461</inkml:trace>
+</inkml:ink>
+</file>
+
+<file path=ppt/ink/ink20.xml><?xml version="1.0" encoding="utf-8"?>
+<inkml:ink xmlns:inkml="http://www.w3.org/2003/InkML">
+  <inkml:definitions>
+    <inkml:context xml:id="ctx0">
+      <inkml:inkSource xml:id="inkSrc0">
+        <inkml:traceFormat>
+          <inkml:channel name="X" type="integer" min="-2.14748E9" max="2.14748E9" units="cm"/>
+          <inkml:channel name="Y" type="integer" min="-2.14748E9" max="2.14748E9" units="cm"/>
+          <inkml:channel name="F" type="integer" max="32767" units="dev"/>
+        </inkml:traceFormat>
+        <inkml:channelProperties>
+          <inkml:channelProperty channel="X" name="resolution" value="1000" units="1/cm"/>
+          <inkml:channelProperty channel="Y" name="resolution" value="1000" units="1/cm"/>
+          <inkml:channelProperty channel="F" name="resolution" value="0" units="1/dev"/>
+        </inkml:channelProperties>
+      </inkml:inkSource>
+      <inkml:timestamp xml:id="ts0" timeString="2023-05-11T03:11:31.710"/>
+    </inkml:context>
+    <inkml:brush xml:id="br0">
+      <inkml:brushProperty name="width" value="0.05" units="cm"/>
+      <inkml:brushProperty name="height" value="0.05" units="cm"/>
+      <inkml:brushProperty name="color" value="#E71224"/>
+    </inkml:brush>
+  </inkml:definitions>
+  <inkml:trace contextRef="#ctx0" brushRef="#br0">1 132 24575,'3'1'0,"0"-1"0,-1 1 0,1 0 0,0 0 0,0 0 0,-1 0 0,1 0 0,-1 1 0,1-1 0,-1 1 0,1-1 0,-1 1 0,3 4 0,31 32 0,-23-23 0,1-1 0,0 1 0,-1 1 0,-1 0 0,-1 1 0,0 0 0,15 35 0,-19-37 0,0-1 0,1 0 0,0 0 0,1 0 0,1-1 0,16 17 0,-25-29 0,0 0 0,-1 0 0,1 0 0,0-1 0,0 1 0,0 0 0,0 0 0,0-1 0,0 1 0,0-1 0,0 1 0,0-1 0,0 0 0,1 1 0,-1-1 0,0 0 0,0 0 0,0 0 0,0 0 0,1 0 0,-1 0 0,0 0 0,0 0 0,0 0 0,2-1 0,-1 0 0,0 0 0,0 0 0,-1 0 0,1-1 0,0 1 0,-1-1 0,1 1 0,-1-1 0,0 1 0,1-1 0,-1 0 0,0 0 0,1-2 0,2-5 0,0 0 0,-1 0 0,1-1 0,2-18 0,0-14 0,0 3 0,0 0 0,3 0 0,17-47 0,-7 22 120,-19 60-226,1 0 0,0-1 0,-1 1 0,0 0 0,0 0 0,0 0-1,-1-1 1,1 1 0,-1 0 0,0 0 0,0 0 0,-1 0 0,-1-5 0,-8-6-6720</inkml:trace>
+</inkml:ink>
+</file>
+
+<file path=ppt/ink/ink21.xml><?xml version="1.0" encoding="utf-8"?>
+<inkml:ink xmlns:inkml="http://www.w3.org/2003/InkML">
+  <inkml:definitions>
+    <inkml:context xml:id="ctx0">
+      <inkml:inkSource xml:id="inkSrc0">
+        <inkml:traceFormat>
+          <inkml:channel name="X" type="integer" min="-2.14748E9" max="2.14748E9" units="cm"/>
+          <inkml:channel name="Y" type="integer" min="-2.14748E9" max="2.14748E9" units="cm"/>
+          <inkml:channel name="F" type="integer" max="32767" units="dev"/>
+        </inkml:traceFormat>
+        <inkml:channelProperties>
+          <inkml:channelProperty channel="X" name="resolution" value="1000" units="1/cm"/>
+          <inkml:channelProperty channel="Y" name="resolution" value="1000" units="1/cm"/>
+          <inkml:channelProperty channel="F" name="resolution" value="0" units="1/dev"/>
+        </inkml:channelProperties>
+      </inkml:inkSource>
+      <inkml:timestamp xml:id="ts0" timeString="2023-05-11T03:11:34.130"/>
+    </inkml:context>
+    <inkml:brush xml:id="br0">
+      <inkml:brushProperty name="width" value="0.05" units="cm"/>
+      <inkml:brushProperty name="height" value="0.05" units="cm"/>
+      <inkml:brushProperty name="color" value="#E71224"/>
+    </inkml:brush>
+  </inkml:definitions>
+  <inkml:trace contextRef="#ctx0" brushRef="#br0">0 1 24575,'2'0'0,"-1"1"0,0-1 0,0 1 0,0 0 0,0-1 0,0 1 0,0 0 0,0 0 0,-1-1 0,1 1 0,0 0 0,0 0 0,0 0 0,-1 0 0,1 0 0,-1 0 0,1 0 0,-1 0 0,1 2 0,12 29 0,-10-23 0,7 23 0,-1 0 0,-1 1 0,3 36 0,6 28 0,-12-49 0,-5-40 0,0-1 0,0 0 0,1 0 0,0 0 0,0 0 0,1 0 0,0 0 0,0 0 0,1-1 0,4 9 0,-6-18 0,1-1 0,-1 1 0,0-1 0,0 1 0,0-1 0,0 0 0,-1 1 0,0-1 0,1-6 0,-1-10 0,2 1 0,1-1 0,0 1 0,1-1 0,1 1 0,1 0 0,1 1 0,0-1 0,17-27 0,-5 7 0,-13 26 0,1-1 0,0 1 0,1 0 0,0 1 0,14-16 0,1-1 120,-23 29-166,1-1-1,0 0 1,-1 1-1,1-1 1,-1 0 0,1 0-1,-1 1 1,1-1-1,-1 0 1,1 0 0,-1 0-1,0 0 1,1 0-1,-1 0 1,0 1-1,0-1 1,0 0 0,0 0-1,0 0 1,0 0-1,0 0 1,0 0 0,0 0-1,0 0 1,0 0-1,-1 0 1,1 0 0,0 1-1,-1-1 1,1 0-1,-1-1 1,-10-3-6780</inkml:trace>
+</inkml:ink>
+</file>
+
+<file path=ppt/ink/ink22.xml><?xml version="1.0" encoding="utf-8"?>
+<inkml:ink xmlns:inkml="http://www.w3.org/2003/InkML">
+  <inkml:definitions>
+    <inkml:context xml:id="ctx0">
+      <inkml:inkSource xml:id="inkSrc0">
+        <inkml:traceFormat>
+          <inkml:channel name="X" type="integer" min="-2.14748E9" max="2.14748E9" units="cm"/>
+          <inkml:channel name="Y" type="integer" min="-2.14748E9" max="2.14748E9" units="cm"/>
+          <inkml:channel name="F" type="integer" max="32767" units="dev"/>
+        </inkml:traceFormat>
+        <inkml:channelProperties>
+          <inkml:channelProperty channel="X" name="resolution" value="1000" units="1/cm"/>
+          <inkml:channelProperty channel="Y" name="resolution" value="1000" units="1/cm"/>
+          <inkml:channelProperty channel="F" name="resolution" value="0" units="1/dev"/>
+        </inkml:channelProperties>
+      </inkml:inkSource>
+      <inkml:timestamp xml:id="ts0" timeString="2023-05-11T03:11:36.698"/>
+    </inkml:context>
+    <inkml:brush xml:id="br0">
+      <inkml:brushProperty name="width" value="0.05" units="cm"/>
+      <inkml:brushProperty name="height" value="0.05" units="cm"/>
+      <inkml:brushProperty name="color" value="#E71224"/>
+    </inkml:brush>
+  </inkml:definitions>
+  <inkml:trace contextRef="#ctx0" brushRef="#br0">1 56 24575,'2'7'0,"0"0"0,0 0 0,1 0 0,0 0 0,0-1 0,6 9 0,-2-1 0,22 49 0,-18-36 0,1-2 0,1 0 0,21 30 0,-21-34 0,0 0 0,-2 1 0,0 1 0,-2 0 0,0 1 0,-2-1 0,6 29 0,-14-61 0,0 0 0,1 0 0,1 0 0,-1 0 0,1 1 0,1-1 0,0 0 0,5-15 0,31-78 0,-31 85 0,5-8 0,2 0 0,1 2 0,0-1 0,2 2 0,1 0 0,0 2 0,2 0 0,0 1 0,1 0 0,39-25 0,-40 35-50,-18 8-7,0 1 0,0-1 0,0 1-1,1-1 1,-1 0 0,0 0 0,0 0 0,0-1-1,0 1 1,0 0 0,-1-1 0,1 1 0,0-1 0,-1 1-1,1-1 1,-1 0 0,1 0 0,-1 0 0,0 0 0,0 0-1,0 0 1,1-2 0,-2-5-6769</inkml:trace>
+</inkml:ink>
+</file>
+
+<file path=ppt/ink/ink23.xml><?xml version="1.0" encoding="utf-8"?>
+<inkml:ink xmlns:inkml="http://www.w3.org/2003/InkML">
+  <inkml:definitions>
+    <inkml:context xml:id="ctx0">
+      <inkml:inkSource xml:id="inkSrc0">
+        <inkml:traceFormat>
+          <inkml:channel name="X" type="integer" min="-2.14748E9" max="2.14748E9" units="cm"/>
+          <inkml:channel name="Y" type="integer" min="-2.14748E9" max="2.14748E9" units="cm"/>
+          <inkml:channel name="F" type="integer" max="32767" units="dev"/>
+        </inkml:traceFormat>
+        <inkml:channelProperties>
+          <inkml:channelProperty channel="X" name="resolution" value="1000" units="1/cm"/>
+          <inkml:channelProperty channel="Y" name="resolution" value="1000" units="1/cm"/>
+          <inkml:channelProperty channel="F" name="resolution" value="0" units="1/dev"/>
+        </inkml:channelProperties>
+      </inkml:inkSource>
+      <inkml:timestamp xml:id="ts0" timeString="2023-05-11T03:13:09.091"/>
+    </inkml:context>
+    <inkml:brush xml:id="br0">
+      <inkml:brushProperty name="width" value="0.05" units="cm"/>
+      <inkml:brushProperty name="height" value="0.05" units="cm"/>
+      <inkml:brushProperty name="color" value="#E71224"/>
+    </inkml:brush>
+  </inkml:definitions>
+  <inkml:trace contextRef="#ctx0" brushRef="#br0">0 3 24575,'101'-2'0,"111"4"0,-173 7 54,-34-7-211,0-1-1,1 1 0,-1-1 1,1 0-1,-1-1 0,1 1 0,0-1 1,5 0-1,2-4-6668</inkml:trace>
+</inkml:ink>
+</file>
+
+<file path=ppt/ink/ink24.xml><?xml version="1.0" encoding="utf-8"?>
+<inkml:ink xmlns:inkml="http://www.w3.org/2003/InkML">
+  <inkml:definitions>
+    <inkml:context xml:id="ctx0">
+      <inkml:inkSource xml:id="inkSrc0">
+        <inkml:traceFormat>
+          <inkml:channel name="X" type="integer" min="-2.14748E9" max="2.14748E9" units="cm"/>
+          <inkml:channel name="Y" type="integer" min="-2.14748E9" max="2.14748E9" units="cm"/>
+          <inkml:channel name="F" type="integer" max="32767" units="dev"/>
+        </inkml:traceFormat>
+        <inkml:channelProperties>
+          <inkml:channelProperty channel="X" name="resolution" value="1000" units="1/cm"/>
+          <inkml:channelProperty channel="Y" name="resolution" value="1000" units="1/cm"/>
+          <inkml:channelProperty channel="F" name="resolution" value="0" units="1/dev"/>
+        </inkml:channelProperties>
+      </inkml:inkSource>
+      <inkml:timestamp xml:id="ts0" timeString="2023-05-11T03:13:12.644"/>
+    </inkml:context>
+    <inkml:brush xml:id="br0">
+      <inkml:brushProperty name="width" value="0.05" units="cm"/>
+      <inkml:brushProperty name="height" value="0.05" units="cm"/>
+      <inkml:brushProperty name="color" value="#E71224"/>
+    </inkml:brush>
+  </inkml:definitions>
+  <inkml:trace contextRef="#ctx0" brushRef="#br0">511 126 24575,'3'4'0,"0"0"0,-1 0 0,1 0 0,-1 1 0,0-1 0,0 0 0,-1 1 0,1 0 0,-1-1 0,0 1 0,0 0 0,0 7 0,0 66 0,-2-53 0,2 19 0,0-20 0,-1 1 0,-1-1 0,-1 0 0,-6 27 0,6-44 0,0 1 0,-1-1 0,0 1 0,0-1 0,-1 0 0,0 0 0,0-1 0,0 1 0,-1-1 0,0 0 0,0 0 0,-1 0 0,0-1 0,0 0 0,0 0 0,-13 8 0,-18 6 0,0-1 0,-1-2 0,-62 17 0,89-29 0,-1-2 0,1 1 0,0-1 0,-1-1 0,1 0 0,-1-1 0,1 0 0,-1-1 0,-17-3 0,25 3 0,-1 0 0,0-1 0,1 0 0,0 0 0,-1 0 0,1 0 0,0 0 0,0-1 0,0 0 0,0 0 0,1 0 0,-1 0 0,1-1 0,0 1 0,0-1 0,0 0 0,0 0 0,1 0 0,-1 0 0,1-1 0,0 1 0,0 0 0,1-1 0,-1 0 0,0-6 0,-3-22 0,2 0 0,1 0 0,6-67 0,-1 10 0,0 70 0,0-1 0,1 1 0,1 0 0,0 1 0,2-1 0,0 1 0,2 1 0,0-1 0,1 1 0,0 1 0,16-20 0,-21 31 0,1 0 0,0 1 0,0-1 0,0 1 0,1 0 0,0 1 0,0 0 0,0 0 0,0 0 0,1 1 0,-1 0 0,1 0 0,0 1 0,0 0 0,0 0 0,13 0 0,9 0 0,0 1 0,0 2 0,35 5 0,-57-5 0,0 1 0,0 1 0,0-1 0,-1 1 0,1 0 0,-1 1 0,1 0 0,-1 0 0,-1 0 0,1 1 0,0 0 0,-1 1 0,0-1 0,6 9 0,0 0 0,0 0 0,-1 1 0,-1 1 0,-1-1 0,10 21 0,-17-24-1365</inkml:trace>
+</inkml:ink>
+</file>
+
+<file path=ppt/ink/ink25.xml><?xml version="1.0" encoding="utf-8"?>
+<inkml:ink xmlns:inkml="http://www.w3.org/2003/InkML">
+  <inkml:definitions>
+    <inkml:context xml:id="ctx0">
+      <inkml:inkSource xml:id="inkSrc0">
+        <inkml:traceFormat>
+          <inkml:channel name="X" type="integer" min="-2.14748E9" max="2.14748E9" units="cm"/>
+          <inkml:channel name="Y" type="integer" min="-2.14748E9" max="2.14748E9" units="cm"/>
+          <inkml:channel name="F" type="integer" max="32767" units="dev"/>
+        </inkml:traceFormat>
+        <inkml:channelProperties>
+          <inkml:channelProperty channel="X" name="resolution" value="1000" units="1/cm"/>
+          <inkml:channelProperty channel="Y" name="resolution" value="1000" units="1/cm"/>
+          <inkml:channelProperty channel="F" name="resolution" value="0" units="1/dev"/>
+        </inkml:channelProperties>
+      </inkml:inkSource>
+      <inkml:timestamp xml:id="ts0" timeString="2023-05-11T03:13:15.747"/>
+    </inkml:context>
+    <inkml:brush xml:id="br0">
+      <inkml:brushProperty name="width" value="0.05" units="cm"/>
+      <inkml:brushProperty name="height" value="0.05" units="cm"/>
+      <inkml:brushProperty name="color" value="#E71224"/>
+    </inkml:brush>
+  </inkml:definitions>
+  <inkml:trace contextRef="#ctx0" brushRef="#br0">0 1 24575,'54'2'0,"89"17"0,-8-1 0,876 14 0,-913-28 0,0 5 0,142 31 0,24-12 0,-122-16 0,1 3 0,-1-6 0,224-15 0,414-11 0,-510 19 0,234-2 0,-487-1 0,0-1 0,0 0 0,17-5 0,45-6 0,-72 13-120,-5 1 68,-1-1 0,1 0 0,0 0 1,0 0-1,0 0 0,-1 0 0,1 0 0,0 0 0,0 0 0,-1-1 0,1 1 1,0-1-1,0 1 0,-1-1 0,1 0 0,0 0 0,-1 0 0,1 1 0,-1-1 1,1-1-1,-1 1 0,0 0 0,3-3 0,-4-6-6774</inkml:trace>
+</inkml:ink>
+</file>
+
+<file path=ppt/ink/ink26.xml><?xml version="1.0" encoding="utf-8"?>
+<inkml:ink xmlns:inkml="http://www.w3.org/2003/InkML">
+  <inkml:definitions>
+    <inkml:context xml:id="ctx0">
+      <inkml:inkSource xml:id="inkSrc0">
+        <inkml:traceFormat>
+          <inkml:channel name="X" type="integer" min="-2.14748E9" max="2.14748E9" units="cm"/>
+          <inkml:channel name="Y" type="integer" min="-2.14748E9" max="2.14748E9" units="cm"/>
+          <inkml:channel name="F" type="integer" max="32767" units="dev"/>
+        </inkml:traceFormat>
+        <inkml:channelProperties>
+          <inkml:channelProperty channel="X" name="resolution" value="1000" units="1/cm"/>
+          <inkml:channelProperty channel="Y" name="resolution" value="1000" units="1/cm"/>
+          <inkml:channelProperty channel="F" name="resolution" value="0" units="1/dev"/>
+        </inkml:channelProperties>
+      </inkml:inkSource>
+      <inkml:timestamp xml:id="ts0" timeString="2023-05-11T03:13:21.033"/>
+    </inkml:context>
+    <inkml:brush xml:id="br0">
+      <inkml:brushProperty name="width" value="0.05" units="cm"/>
+      <inkml:brushProperty name="height" value="0.05" units="cm"/>
+      <inkml:brushProperty name="color" value="#E71224"/>
+    </inkml:brush>
+  </inkml:definitions>
+  <inkml:trace contextRef="#ctx0" brushRef="#br0">0 0 24575,'10'1'0,"0"0"0,0 0 0,-1 1 0,1 0 0,-1 1 0,1 0 0,-1 0 0,0 1 0,0 1 0,12 6 0,10 10 0,42 37 0,-47-37 0,47 31 0,-38-33 0,64 22 0,-62-27 0,59 31 0,0 1 0,-73-37 0,-1 1 0,1 1 0,-2 1 0,23 16 0,-5 2 0,0 2 0,-2 1 0,-2 2 0,59 75 0,-83-91 0,-1 1 0,-1 0 0,0 1 0,6 26 0,7 17 0,-16-45 0,0 0 0,4 36 0,-1-9 0,-1-2 0,-5-26 0,1-1 0,0 0 0,1 1 0,8 17 0,22 55 0,-24-57 0,25 51 0,102 238 0,-124-286 0,3 10 0,-3 1 0,-2 1 0,-1-1 0,-3 2 0,-2-1 0,-1 94 0,-3-90 0,13 84 0,-14-132 0,2 75 0,-3-59 0,0 0 0,6 38 0,-5-52 0,0-1 0,1 0 0,-1 1 0,1-1 0,1 0 0,-1 0 0,0-1 0,1 1 0,0 0 0,0-1 0,1 0 0,-1 0 0,1 0 0,0 0 0,5 4 0,106 77 0,-111-83-76,0 1 1,0-1-1,0 0 0,1 0 0,-1 0 0,1-1 0,0 0 0,-1 1 1,1-2-1,0 1 0,0-1 0,0 1 0,-1-1 0,1 0 1,0-1-1,0 1 0,5-2 0,0-4-6750</inkml:trace>
+</inkml:ink>
+</file>
+
+<file path=ppt/ink/ink27.xml><?xml version="1.0" encoding="utf-8"?>
+<inkml:ink xmlns:inkml="http://www.w3.org/2003/InkML">
+  <inkml:definitions>
+    <inkml:context xml:id="ctx0">
+      <inkml:inkSource xml:id="inkSrc0">
+        <inkml:traceFormat>
+          <inkml:channel name="X" type="integer" min="-2.14748E9" max="2.14748E9" units="cm"/>
+          <inkml:channel name="Y" type="integer" min="-2.14748E9" max="2.14748E9" units="cm"/>
+          <inkml:channel name="F" type="integer" max="32767" units="dev"/>
+        </inkml:traceFormat>
+        <inkml:channelProperties>
+          <inkml:channelProperty channel="X" name="resolution" value="1000" units="1/cm"/>
+          <inkml:channelProperty channel="Y" name="resolution" value="1000" units="1/cm"/>
+          <inkml:channelProperty channel="F" name="resolution" value="0" units="1/dev"/>
+        </inkml:channelProperties>
+      </inkml:inkSource>
+      <inkml:timestamp xml:id="ts0" timeString="2023-05-11T03:13:44.556"/>
+    </inkml:context>
+    <inkml:brush xml:id="br0">
+      <inkml:brushProperty name="width" value="0.05" units="cm"/>
+      <inkml:brushProperty name="height" value="0.05" units="cm"/>
+      <inkml:brushProperty name="color" value="#E71224"/>
+    </inkml:brush>
+  </inkml:definitions>
+  <inkml:trace contextRef="#ctx0" brushRef="#br0">0 0 24575,'4'56'0,"2"0"0,3 0 0,26 90 0,-18-79 0,8 29 0,-7-31 0,13 93 0,12 107 0,-37-195-1365,-6-50-5461</inkml:trace>
+</inkml:ink>
+</file>
+
+<file path=ppt/ink/ink28.xml><?xml version="1.0" encoding="utf-8"?>
+<inkml:ink xmlns:inkml="http://www.w3.org/2003/InkML">
+  <inkml:definitions>
+    <inkml:context xml:id="ctx0">
+      <inkml:inkSource xml:id="inkSrc0">
+        <inkml:traceFormat>
+          <inkml:channel name="X" type="integer" min="-2.14748E9" max="2.14748E9" units="cm"/>
+          <inkml:channel name="Y" type="integer" min="-2.14748E9" max="2.14748E9" units="cm"/>
+          <inkml:channel name="F" type="integer" max="32767" units="dev"/>
+        </inkml:traceFormat>
+        <inkml:channelProperties>
+          <inkml:channelProperty channel="X" name="resolution" value="1000" units="1/cm"/>
+          <inkml:channelProperty channel="Y" name="resolution" value="1000" units="1/cm"/>
+          <inkml:channelProperty channel="F" name="resolution" value="0" units="1/dev"/>
+        </inkml:channelProperties>
+      </inkml:inkSource>
+      <inkml:timestamp xml:id="ts0" timeString="2023-05-11T03:13:46.567"/>
+    </inkml:context>
+    <inkml:brush xml:id="br0">
+      <inkml:brushProperty name="width" value="0.05" units="cm"/>
+      <inkml:brushProperty name="height" value="0.05" units="cm"/>
+      <inkml:brushProperty name="color" value="#E71224"/>
+    </inkml:brush>
+  </inkml:definitions>
+  <inkml:trace contextRef="#ctx0" brushRef="#br0">0 24 24575,'15'18'0,"0"0"0,-2 1 0,-1 0 0,20 40 0,9 15 0,8 0 0,-27-43 0,-1 2 0,-1 0 0,-2 1 0,23 58 0,-36-75 0,-4-11 0,1 0 0,0 0 0,0 0 0,1 0 0,-1 0 0,1 0 0,7 9 0,-9-15 0,-1 0 0,1-1 0,-1 1 0,1-1 0,-1 1 0,1-1 0,-1 1 0,1-1 0,-1 1 0,0-1 0,1 1 0,-1-1 0,0 0 0,1 1 0,-1-1 0,0 1 0,0-1 0,0 0 0,0 1 0,1-1 0,-1 0 0,0 1 0,0-1 0,0 0 0,0 1 0,-1-1 0,1 0 0,0 0 0,2-26 0,-2-7 0,-1 16 0,1 1 0,0-1 0,2 1 0,0-1 0,1 1 0,0 0 0,10-27 0,70-172 0,-61 172 13,-14 30-357,-1 0-1,0-1 1,6-22-1,-9 20-6481</inkml:trace>
+</inkml:ink>
+</file>
+
+<file path=ppt/ink/ink29.xml><?xml version="1.0" encoding="utf-8"?>
+<inkml:ink xmlns:inkml="http://www.w3.org/2003/InkML">
+  <inkml:definitions>
+    <inkml:context xml:id="ctx0">
+      <inkml:inkSource xml:id="inkSrc0">
+        <inkml:traceFormat>
+          <inkml:channel name="X" type="integer" min="-2.14748E9" max="2.14748E9" units="cm"/>
+          <inkml:channel name="Y" type="integer" min="-2.14748E9" max="2.14748E9" units="cm"/>
+          <inkml:channel name="F" type="integer" max="32767" units="dev"/>
+        </inkml:traceFormat>
+        <inkml:channelProperties>
+          <inkml:channelProperty channel="X" name="resolution" value="1000" units="1/cm"/>
+          <inkml:channelProperty channel="Y" name="resolution" value="1000" units="1/cm"/>
+          <inkml:channelProperty channel="F" name="resolution" value="0" units="1/dev"/>
+        </inkml:channelProperties>
+      </inkml:inkSource>
+      <inkml:timestamp xml:id="ts0" timeString="2023-05-11T03:13:49.778"/>
+    </inkml:context>
+    <inkml:brush xml:id="br0">
+      <inkml:brushProperty name="width" value="0.05" units="cm"/>
+      <inkml:brushProperty name="height" value="0.05" units="cm"/>
+      <inkml:brushProperty name="color" value="#E71224"/>
+    </inkml:brush>
+  </inkml:definitions>
+  <inkml:trace contextRef="#ctx0" brushRef="#br0">1 0 24575,'480'0'-1365,"-460"0"-5461</inkml:trace>
+</inkml:ink>
+</file>
+
+<file path=ppt/ink/ink3.xml><?xml version="1.0" encoding="utf-8"?>
+<inkml:ink xmlns:inkml="http://www.w3.org/2003/InkML">
+  <inkml:definitions>
+    <inkml:context xml:id="ctx0">
+      <inkml:inkSource xml:id="inkSrc0">
+        <inkml:traceFormat>
+          <inkml:channel name="X" type="integer" min="-2.14748E9" max="2.14748E9" units="cm"/>
+          <inkml:channel name="Y" type="integer" min="-2.14748E9" max="2.14748E9" units="cm"/>
+          <inkml:channel name="F" type="integer" max="32767" units="dev"/>
+        </inkml:traceFormat>
+        <inkml:channelProperties>
+          <inkml:channelProperty channel="X" name="resolution" value="1000" units="1/cm"/>
+          <inkml:channelProperty channel="Y" name="resolution" value="1000" units="1/cm"/>
+          <inkml:channelProperty channel="F" name="resolution" value="0" units="1/dev"/>
+        </inkml:channelProperties>
+      </inkml:inkSource>
+      <inkml:timestamp xml:id="ts0" timeString="2023-05-11T03:07:07.560"/>
+    </inkml:context>
+    <inkml:brush xml:id="br0">
+      <inkml:brushProperty name="width" value="0.05" units="cm"/>
+      <inkml:brushProperty name="height" value="0.05" units="cm"/>
+      <inkml:brushProperty name="color" value="#E71224"/>
+    </inkml:brush>
+  </inkml:definitions>
+  <inkml:trace contextRef="#ctx0" brushRef="#br0">198 749 24575,'0'-5'0,"-1"1"0,-1 0 0,1 0 0,0 0 0,-1 0 0,0 0 0,0 0 0,0 1 0,-5-6 0,-11-26 0,-60-301 0,63 309 0,-1-3 0,16 29 0,0 0 0,-1 0 0,1 0 0,0 0 0,0 0 0,0 0 0,0 0 0,0 0 0,0 0 0,0 0 0,0 0 0,1 0 0,-1 0 0,0 0 0,1 0 0,-1 0 0,0 0 0,1 0 0,-1 1 0,1-1 0,-1 0 0,1 0 0,0 0 0,-1 1 0,1-1 0,0 0 0,0 1 0,1-2 0,0 0 0,1 1 0,-1-1 0,0 0 0,0 0 0,0 0 0,0 0 0,0 0 0,0-1 0,0 1 0,-1-1 0,1 1 0,-1-1 0,0 1 0,0-1 0,0 0 0,0 0 0,0 1 0,-1-1 0,1 0 0,-1 0 0,1-5 0,-2-1 0,-1 0 0,1-1 0,-2 1 0,1 0 0,-6-12 0,5 14 0,0 1 0,1-1 0,0 0 0,0 0 0,1 0 0,-1-1 0,1 1 0,1 0 0,0 0 0,1-13 0,-1 18 0,1 0 0,-1 1 0,1-1 0,0 0 0,0 0 0,0 1 0,0-1 0,0 0 0,1 1 0,-1-1 0,0 1 0,1 0 0,-1-1 0,1 1 0,-1 0 0,1 0 0,-1 0 0,1 0 0,0 0 0,0 0 0,0 0 0,-1 1 0,1-1 0,0 1 0,0-1 0,0 1 0,0 0 0,0-1 0,0 1 0,0 0 0,0 0 0,0 1 0,3 0 0,8 0 0,0 2 0,0-1 0,23 9 0,-24-7 0,45 16 0,-38-13 0,1 0 0,0-1 0,0-1 0,1-1 0,25 2 0,128-7 0,-103-2 0,78 7 0,-128-1 0,1 0 0,-1 2 0,0 0 0,0 1 0,0 1 0,23 12 0,-40-15 0,1-1 0,-1 1 0,-1 0 0,1 0 0,0 0 0,-1 0 0,0 1 0,0-1 0,0 1 0,-1 0 0,0 0 0,0 0 0,0 0 0,0 0 0,-1 1 0,0-1 0,0 0 0,0 1 0,-1-1 0,1 1 0,-1-1 0,-2 11 0,2-3 0,-2 0 0,1 0 0,-2 0 0,0 0 0,0 0 0,-1 0 0,-1-1 0,-8 17 0,7-19 0,-1-1 0,0 0 0,-1 0 0,0-1 0,0 0 0,0 0 0,-1 0 0,0-2 0,-1 1 0,0-1 0,0 0 0,0-1 0,0 0 0,-1-1 0,0 0 0,0-1 0,-23 4 0,-10 0 0,-2-3 0,1-2 0,-58-4 0,27 0 0,-321 21 0,322-13-1365,64-6-5461</inkml:trace>
+</inkml:ink>
+</file>
+
+<file path=ppt/ink/ink30.xml><?xml version="1.0" encoding="utf-8"?>
+<inkml:ink xmlns:inkml="http://www.w3.org/2003/InkML">
+  <inkml:definitions>
+    <inkml:context xml:id="ctx0">
+      <inkml:inkSource xml:id="inkSrc0">
+        <inkml:traceFormat>
+          <inkml:channel name="X" type="integer" min="-2.14748E9" max="2.14748E9" units="cm"/>
+          <inkml:channel name="Y" type="integer" min="-2.14748E9" max="2.14748E9" units="cm"/>
+          <inkml:channel name="F" type="integer" max="32767" units="dev"/>
+        </inkml:traceFormat>
+        <inkml:channelProperties>
+          <inkml:channelProperty channel="X" name="resolution" value="1000" units="1/cm"/>
+          <inkml:channelProperty channel="Y" name="resolution" value="1000" units="1/cm"/>
+          <inkml:channelProperty channel="F" name="resolution" value="0" units="1/dev"/>
+        </inkml:channelProperties>
+      </inkml:inkSource>
+      <inkml:timestamp xml:id="ts0" timeString="2023-05-11T03:13:54.947"/>
+    </inkml:context>
+    <inkml:brush xml:id="br0">
+      <inkml:brushProperty name="width" value="0.05" units="cm"/>
+      <inkml:brushProperty name="height" value="0.05" units="cm"/>
+      <inkml:brushProperty name="color" value="#E71224"/>
+    </inkml:brush>
+  </inkml:definitions>
+  <inkml:trace contextRef="#ctx0" brushRef="#br0">26 309 24575,'0'-29'0,"4"-103"0,-3 120 0,1-1 0,0 2 0,1-1 0,1 0 0,-1 0 0,2 1 0,0 0 0,9-16 0,-14 26 0,1-1 0,0 0 0,1 0 0,-1 1 0,0-1 0,0 1 0,1-1 0,-1 1 0,1-1 0,-1 1 0,1 0 0,0 0 0,0 0 0,-1 0 0,1 0 0,0 0 0,0 0 0,0 0 0,0 1 0,0-1 0,0 1 0,0 0 0,0-1 0,0 1 0,0 0 0,0 0 0,0 0 0,4 1 0,1 2 0,0 0 0,0 0 0,0 0 0,-1 1 0,1 0 0,9 8 0,-11-8 0,0 0 0,1 0 0,-1 0 0,1-1 0,0 0 0,1 0 0,-1 0 0,12 2 0,-4-4 0,1-2 0,-1 1 0,1-2 0,26-6 0,28-2 0,-61 9 0,1 0 0,-1 1 0,0-1 0,0 2 0,0-1 0,0 1 0,0 1 0,1-1 0,-2 1 0,1 1 0,0-1 0,0 1 0,-1 1 0,0-1 0,1 1 0,-1 1 0,-1-1 0,1 1 0,-1 0 0,0 1 0,10 10 0,-7-7 0,0 0 0,0 1 0,-1 0 0,-1 0 0,0 1 0,0 0 0,-1 0 0,0 1 0,-1 0 0,0 0 0,5 24 0,0 25 0,-2 1 0,-2 102 0,-6-145 0,0 1 0,0 1 0,-6 30 0,5-45 0,-1 1 0,0 0 0,0-1 0,-1 1 0,1-1 0,-1 0 0,-1 0 0,1 0 0,-1 0 0,0-1 0,-7 8 0,7-10 0,0 0 0,0 0 0,0 0 0,0-1 0,0 0 0,0 0 0,-1 0 0,1-1 0,-1 1 0,1-1 0,-1 0 0,0 0 0,0 0 0,-5-1 0,-76-2 0,49 0 0,-2 2 0,15 0 0,1-1 0,-1 0 0,-33-8 0,49 7 0,0 0 0,1-1 0,-1 0 0,0 0 0,1-1 0,0 0 0,0 0 0,0-1 0,0 0 0,1 0 0,0-1 0,0 1 0,-9-12 0,-22-22 0,28 30 0,0 1 0,1-1 0,0 0 0,-7-12 0,-4-10 0,2-1 0,-16-40 0,27 59 0,1-1 0,1 0 0,1-1 0,0 1 0,0-1 0,1 1 0,1-1 0,1-18 0,0 31-57,1 0 0,-1 0 1,0-1-1,1 1 0,-1 0 0,1 0 0,0 0 0,0 0 0,-1 0 0,1 0 0,0 0 1,1 0-1,-1 1 0,0-1 0,1 0 0,-1 1 0,1-1 0,-1 1 0,1-1 1,0 1-1,-1 0 0,1 0 0,3-2 0,10-3-6769</inkml:trace>
+</inkml:ink>
+</file>
+
+<file path=ppt/ink/ink31.xml><?xml version="1.0" encoding="utf-8"?>
+<inkml:ink xmlns:inkml="http://www.w3.org/2003/InkML">
+  <inkml:definitions>
+    <inkml:context xml:id="ctx0">
+      <inkml:inkSource xml:id="inkSrc0">
+        <inkml:traceFormat>
+          <inkml:channel name="X" type="integer" min="-2.14748E9" max="2.14748E9" units="cm"/>
+          <inkml:channel name="Y" type="integer" min="-2.14748E9" max="2.14748E9" units="cm"/>
+          <inkml:channel name="F" type="integer" max="32767" units="dev"/>
+        </inkml:traceFormat>
+        <inkml:channelProperties>
+          <inkml:channelProperty channel="X" name="resolution" value="1000" units="1/cm"/>
+          <inkml:channelProperty channel="Y" name="resolution" value="1000" units="1/cm"/>
+          <inkml:channelProperty channel="F" name="resolution" value="0" units="1/dev"/>
+        </inkml:channelProperties>
+      </inkml:inkSource>
+      <inkml:timestamp xml:id="ts0" timeString="2023-05-11T03:13:57.876"/>
+    </inkml:context>
+    <inkml:brush xml:id="br0">
+      <inkml:brushProperty name="width" value="0.05" units="cm"/>
+      <inkml:brushProperty name="height" value="0.05" units="cm"/>
+      <inkml:brushProperty name="color" value="#E71224"/>
+    </inkml:brush>
+  </inkml:definitions>
+  <inkml:trace contextRef="#ctx0" brushRef="#br0">1 171 24575,'342'2'0,"374"-5"0,-572-7 0,189-39 0,-264 35 0,-33 6 0,0 2 0,62-4 0,711 10 0,-342 2 0,-385-6 0,150-27 0,-42 3 0,264 17 0,-292 12 0,-144 0 0,0 1 0,32 8 0,32 2 0,-39-8 0,0 1 0,0 1 0,45 14 0,120 47 0,-179-55 0,-22-8 0,0-1 0,0 1 0,1-1 0,-1-1 0,1 0 0,0 0 0,0 0 0,0-1 0,-1 0 0,13 0 0,-14-7-1365,-8-4-5461</inkml:trace>
+</inkml:ink>
+</file>
+
+<file path=ppt/ink/ink32.xml><?xml version="1.0" encoding="utf-8"?>
+<inkml:ink xmlns:inkml="http://www.w3.org/2003/InkML">
+  <inkml:definitions>
+    <inkml:context xml:id="ctx0">
+      <inkml:inkSource xml:id="inkSrc0">
+        <inkml:traceFormat>
+          <inkml:channel name="X" type="integer" min="-2.14748E9" max="2.14748E9" units="cm"/>
+          <inkml:channel name="Y" type="integer" min="-2.14748E9" max="2.14748E9" units="cm"/>
+          <inkml:channel name="F" type="integer" max="32767" units="dev"/>
+        </inkml:traceFormat>
+        <inkml:channelProperties>
+          <inkml:channelProperty channel="X" name="resolution" value="1000" units="1/cm"/>
+          <inkml:channelProperty channel="Y" name="resolution" value="1000" units="1/cm"/>
+          <inkml:channelProperty channel="F" name="resolution" value="0" units="1/dev"/>
+        </inkml:channelProperties>
+      </inkml:inkSource>
+      <inkml:timestamp xml:id="ts0" timeString="2023-05-11T03:14:03.076"/>
+    </inkml:context>
+    <inkml:brush xml:id="br0">
+      <inkml:brushProperty name="width" value="0.05" units="cm"/>
+      <inkml:brushProperty name="height" value="0.05" units="cm"/>
+      <inkml:brushProperty name="color" value="#E71224"/>
+    </inkml:brush>
+  </inkml:definitions>
+  <inkml:trace contextRef="#ctx0" brushRef="#br0">1 1 24575,'15'2'0,"1"0"0,0 2 0,0-1 0,-1 2 0,19 8 0,-5-3 0,48 18 0,-37-13 0,1 0 0,1-3 0,0-2 0,47 6 0,-87-16 0,1 0 0,-1 0 0,1 0 0,-1 0 0,1 1 0,-1-1 0,0 1 0,1 0 0,-1-1 0,0 1 0,1 0 0,-1 1 0,0-1 0,0 0 0,0 0 0,0 1 0,0-1 0,0 1 0,0 0 0,-1 0 0,1-1 0,0 1 0,-1 0 0,0 1 0,2 2 0,-1 2 0,0 1 0,-1-1 0,0 0 0,-1 1 0,1-1 0,-1 1 0,-2 9 0,2 12 0,1 0 0,1 0 0,2 0 0,1 0 0,12 37 0,-12-51 0,2 0 0,0-1 0,0 0 0,19 25 0,-17-26 0,0 1 0,-1 0 0,0 0 0,-1 0 0,6 20 0,67 173 0,-11-35 0,53 190 0,-91-298 0,-23-51 0,-1 1 0,-1 0 0,9 26 0,-8-14 0,-1 1 0,-1-1 0,-1 1 0,0 35 0,-3-41 0,1-1 0,1 1 0,1-1 0,7 21 0,9 48 0,4 57 0,-12-85 0,7 123 0,-7-47 0,0 12 0,-11-111 0,9 49 0,2 28 0,-14 94 0,4 81 0,21-99 0,1-4 0,79 678 0,-93-792 0,4 5 0,4-1 0,2-1 0,4-1 0,37 79 0,39 98 0,-49-106 0,-2-3 0,-47-139 0,1 0 0,-1 0 0,1 0 0,0-1 0,1 1 0,-1-1 0,0 0 0,1 0 0,0 0 0,0 0 0,-1-1 0,2 1 0,-1-1 0,0 0 0,0 0 0,1-1 0,-1 1 0,1-1 0,-1 0 0,1 0 0,8 0 0,40 16 0,-48-15-97,43 20 326,-47-22-263,0 1 0,0-1 0,0 0 0,0 1 0,0-1 0,-1 0 0,1 1 0,0-1 0,0 0 0,0 0 0,0 0 0,0 0 0,0 1 0,0-2 0,0 1 0,0 0 0,0 0 0,0 0 0,0 0 0,0 0 0,0-1 0,-1 1 0,1-1 0,0 1 0,0 0 0,0-1 0,0 1 0,-1-1-1,1 0 1,0 1 0,0-1 0,-1 0 0,1 1 0,-1-1 0,1 0 0,0 0 0,-1 1 0,0-1 0,1 0 0,-1 0 0,1 0 0,-1 0 0,1-1 0,-1-12-6792</inkml:trace>
+</inkml:ink>
+</file>
+
+<file path=ppt/ink/ink4.xml><?xml version="1.0" encoding="utf-8"?>
+<inkml:ink xmlns:inkml="http://www.w3.org/2003/InkML">
+  <inkml:definitions>
+    <inkml:context xml:id="ctx0">
+      <inkml:inkSource xml:id="inkSrc0">
+        <inkml:traceFormat>
+          <inkml:channel name="X" type="integer" min="-2.14748E9" max="2.14748E9" units="cm"/>
+          <inkml:channel name="Y" type="integer" min="-2.14748E9" max="2.14748E9" units="cm"/>
+          <inkml:channel name="F" type="integer" max="32767" units="dev"/>
+        </inkml:traceFormat>
+        <inkml:channelProperties>
+          <inkml:channelProperty channel="X" name="resolution" value="1000" units="1/cm"/>
+          <inkml:channelProperty channel="Y" name="resolution" value="1000" units="1/cm"/>
+          <inkml:channelProperty channel="F" name="resolution" value="0" units="1/dev"/>
+        </inkml:channelProperties>
+      </inkml:inkSource>
+      <inkml:timestamp xml:id="ts0" timeString="2023-05-11T03:07:10.549"/>
+    </inkml:context>
+    <inkml:brush xml:id="br0">
+      <inkml:brushProperty name="width" value="0.05" units="cm"/>
+      <inkml:brushProperty name="height" value="0.05" units="cm"/>
+      <inkml:brushProperty name="color" value="#E71224"/>
+    </inkml:brush>
+  </inkml:definitions>
+  <inkml:trace contextRef="#ctx0" brushRef="#br0">0 1 24575,'25'2'0,"0"1"0,0 1 0,-1 1 0,38 13 0,12 2 0,310 56 0,-89-35 0,-74-14 0,-97-13 0,245-5 0,-249-11 0,-1 4 0,142 22 0,63 17 0,-163-23 0,-14-7 0,183-10 0,-147-4 0,-49 4 0,416-16 0,-416 9 0,29-3 0,-151 8 0,1-1 0,-1 0 0,0-1 0,0-1 0,0 0 0,0 0 0,-1-1 0,21-13 0,-30 17-49,-1-1 1,0 1-1,0-1 0,-1 0 0,1 0 0,0 1 0,0-1 1,-1 0-1,1 0 0,-1 0 0,0 0 0,0 0 0,0 0 1,1 1-1,-2-1 0,1 0 0,0 0 0,0 0 0,-1 0 1,1 0-1,-1 0 0,1 0 0,-1 1 0,0-1 0,-1-3 0,1 4-46,-14-36-6731</inkml:trace>
+</inkml:ink>
+</file>
+
+<file path=ppt/ink/ink5.xml><?xml version="1.0" encoding="utf-8"?>
+<inkml:ink xmlns:inkml="http://www.w3.org/2003/InkML">
+  <inkml:definitions>
+    <inkml:context xml:id="ctx0">
+      <inkml:inkSource xml:id="inkSrc0">
+        <inkml:traceFormat>
+          <inkml:channel name="X" type="integer" min="-2.14748E9" max="2.14748E9" units="cm"/>
+          <inkml:channel name="Y" type="integer" min="-2.14748E9" max="2.14748E9" units="cm"/>
+          <inkml:channel name="F" type="integer" max="32767" units="dev"/>
+        </inkml:traceFormat>
+        <inkml:channelProperties>
+          <inkml:channelProperty channel="X" name="resolution" value="1000" units="1/cm"/>
+          <inkml:channelProperty channel="Y" name="resolution" value="1000" units="1/cm"/>
+          <inkml:channelProperty channel="F" name="resolution" value="0" units="1/dev"/>
+        </inkml:channelProperties>
+      </inkml:inkSource>
+      <inkml:timestamp xml:id="ts0" timeString="2023-05-11T03:07:12.937"/>
+    </inkml:context>
+    <inkml:brush xml:id="br0">
+      <inkml:brushProperty name="width" value="0.05" units="cm"/>
+      <inkml:brushProperty name="height" value="0.05" units="cm"/>
+      <inkml:brushProperty name="color" value="#E71224"/>
+    </inkml:brush>
+  </inkml:definitions>
+  <inkml:trace contextRef="#ctx0" brushRef="#br0">1 0 24575</inkml:trace>
+</inkml:ink>
+</file>
+
+<file path=ppt/ink/ink6.xml><?xml version="1.0" encoding="utf-8"?>
+<inkml:ink xmlns:inkml="http://www.w3.org/2003/InkML">
+  <inkml:definitions>
+    <inkml:context xml:id="ctx0">
+      <inkml:inkSource xml:id="inkSrc0">
+        <inkml:traceFormat>
+          <inkml:channel name="X" type="integer" min="-2.14748E9" max="2.14748E9" units="cm"/>
+          <inkml:channel name="Y" type="integer" min="-2.14748E9" max="2.14748E9" units="cm"/>
+          <inkml:channel name="F" type="integer" max="32767" units="dev"/>
+        </inkml:traceFormat>
+        <inkml:channelProperties>
+          <inkml:channelProperty channel="X" name="resolution" value="1000" units="1/cm"/>
+          <inkml:channelProperty channel="Y" name="resolution" value="1000" units="1/cm"/>
+          <inkml:channelProperty channel="F" name="resolution" value="0" units="1/dev"/>
+        </inkml:channelProperties>
+      </inkml:inkSource>
+      <inkml:timestamp xml:id="ts0" timeString="2023-05-11T03:07:15.531"/>
+    </inkml:context>
+    <inkml:brush xml:id="br0">
+      <inkml:brushProperty name="width" value="0.05" units="cm"/>
+      <inkml:brushProperty name="height" value="0.05" units="cm"/>
+      <inkml:brushProperty name="color" value="#E71224"/>
+    </inkml:brush>
+  </inkml:definitions>
+  <inkml:trace contextRef="#ctx0" brushRef="#br0">0 1463 24575,'28'-1'0,"0"-1"0,0-1 0,0-2 0,49-15 0,103-48 0,-23 8 0,320-123 0,-215 58 0,-80 34 0,-77 42 0,160-102 0,-240 134 0,-1-2 0,0 0 0,-2-2 0,0 0 0,-1-2 0,20-29 0,-38 47 0,0-1 0,0 0 0,-1 0 0,0 1 0,0-1 0,0-1 0,-1 1 0,0 0 0,0 0 0,-1 0 0,0-10 0,0 8 0,0 0 0,1 0 0,0 0 0,0 1 0,1-1 0,0 0 0,4-10 0,10-11 2,1 1-1,26-34 1,-21 32 26,29-52 1,-46 71-172,0 1 0,0-2 1,-1 1-1,-1 0 0,0-1 1,0 1-1,-1-1 0,-1 0 1,1-13-1,-3 5-6683</inkml:trace>
+</inkml:ink>
+</file>
+
+<file path=ppt/ink/ink7.xml><?xml version="1.0" encoding="utf-8"?>
+<inkml:ink xmlns:inkml="http://www.w3.org/2003/InkML">
+  <inkml:definitions>
+    <inkml:context xml:id="ctx0">
+      <inkml:inkSource xml:id="inkSrc0">
+        <inkml:traceFormat>
+          <inkml:channel name="X" type="integer" min="-2.14748E9" max="2.14748E9" units="cm"/>
+          <inkml:channel name="Y" type="integer" min="-2.14748E9" max="2.14748E9" units="cm"/>
+          <inkml:channel name="F" type="integer" max="32767" units="dev"/>
+        </inkml:traceFormat>
+        <inkml:channelProperties>
+          <inkml:channelProperty channel="X" name="resolution" value="1000" units="1/cm"/>
+          <inkml:channelProperty channel="Y" name="resolution" value="1000" units="1/cm"/>
+          <inkml:channelProperty channel="F" name="resolution" value="0" units="1/dev"/>
+        </inkml:channelProperties>
+      </inkml:inkSource>
+      <inkml:timestamp xml:id="ts0" timeString="2023-05-11T03:07:23.588"/>
+    </inkml:context>
+    <inkml:brush xml:id="br0">
+      <inkml:brushProperty name="width" value="0.05" units="cm"/>
+      <inkml:brushProperty name="height" value="0.05" units="cm"/>
+      <inkml:brushProperty name="color" value="#E71224"/>
+    </inkml:brush>
+  </inkml:definitions>
+  <inkml:trace contextRef="#ctx0" brushRef="#br0">6 1 24575,'-3'77'0,"1"-41"0,2-1 0,1 0 0,7 47 0,-6-73 0,1 0 0,1 0 0,0 0 0,0-1 0,0 1 0,11 13 0,12 26 0,-23-39-1365</inkml:trace>
+</inkml:ink>
+</file>
+
+<file path=ppt/ink/ink8.xml><?xml version="1.0" encoding="utf-8"?>
+<inkml:ink xmlns:inkml="http://www.w3.org/2003/InkML">
+  <inkml:definitions>
+    <inkml:context xml:id="ctx0">
+      <inkml:inkSource xml:id="inkSrc0">
+        <inkml:traceFormat>
+          <inkml:channel name="X" type="integer" min="-2.14748E9" max="2.14748E9" units="cm"/>
+          <inkml:channel name="Y" type="integer" min="-2.14748E9" max="2.14748E9" units="cm"/>
+          <inkml:channel name="F" type="integer" max="32767" units="dev"/>
+        </inkml:traceFormat>
+        <inkml:channelProperties>
+          <inkml:channelProperty channel="X" name="resolution" value="1000" units="1/cm"/>
+          <inkml:channelProperty channel="Y" name="resolution" value="1000" units="1/cm"/>
+          <inkml:channelProperty channel="F" name="resolution" value="0" units="1/dev"/>
+        </inkml:channelProperties>
+      </inkml:inkSource>
+      <inkml:timestamp xml:id="ts0" timeString="2023-05-11T03:08:46.876"/>
+    </inkml:context>
+    <inkml:brush xml:id="br0">
+      <inkml:brushProperty name="width" value="0.05" units="cm"/>
+      <inkml:brushProperty name="height" value="0.05" units="cm"/>
+      <inkml:brushProperty name="color" value="#E71224"/>
+    </inkml:brush>
+  </inkml:definitions>
+  <inkml:trace contextRef="#ctx0" brushRef="#br0">0 1 24575</inkml:trace>
+</inkml:ink>
+</file>
+
+<file path=ppt/ink/ink9.xml><?xml version="1.0" encoding="utf-8"?>
+<inkml:ink xmlns:inkml="http://www.w3.org/2003/InkML">
+  <inkml:definitions>
+    <inkml:context xml:id="ctx0">
+      <inkml:inkSource xml:id="inkSrc0">
+        <inkml:traceFormat>
+          <inkml:channel name="X" type="integer" min="-2.14748E9" max="2.14748E9" units="cm"/>
+          <inkml:channel name="Y" type="integer" min="-2.14748E9" max="2.14748E9" units="cm"/>
+          <inkml:channel name="F" type="integer" max="32767" units="dev"/>
+        </inkml:traceFormat>
+        <inkml:channelProperties>
+          <inkml:channelProperty channel="X" name="resolution" value="1000" units="1/cm"/>
+          <inkml:channelProperty channel="Y" name="resolution" value="1000" units="1/cm"/>
+          <inkml:channelProperty channel="F" name="resolution" value="0" units="1/dev"/>
+        </inkml:channelProperties>
+      </inkml:inkSource>
+      <inkml:timestamp xml:id="ts0" timeString="2023-05-11T03:08:50.022"/>
+    </inkml:context>
+    <inkml:brush xml:id="br0">
+      <inkml:brushProperty name="width" value="0.05" units="cm"/>
+      <inkml:brushProperty name="height" value="0.05" units="cm"/>
+      <inkml:brushProperty name="color" value="#E71224"/>
+    </inkml:brush>
+  </inkml:definitions>
+  <inkml:trace contextRef="#ctx0" brushRef="#br0">411 77 24575,'2'5'0,"0"0"0,0-1 0,1 1 0,-1-1 0,1 0 0,0 0 0,0 0 0,0 0 0,0 0 0,1 0 0,0-1 0,0 0 0,7 5 0,11 13 0,23 34 0,-2 2 0,62 112 0,-36-42 0,-60-113 0,-1 2 0,-1-1 0,-1 1 0,0 0 0,6 26 0,-10-33 0,0-1 0,-1 1 0,0 0 0,0 0 0,-1 0 0,0 0 0,-1 0 0,0 0 0,0 0 0,-1-1 0,0 1 0,-4 10 0,4-16 0,0 0 0,0 0 0,0-1 0,0 1 0,-1-1 0,1 0 0,-1 1 0,0-1 0,1 0 0,-1 0 0,0-1 0,0 1 0,0-1 0,-1 1 0,1-1 0,0 0 0,0 0 0,-1 0 0,1-1 0,0 1 0,-6-1 0,-12 2 0,1-2 0,-31-3 0,21 2 0,-19-1 0,-10 2 0,1-2 0,-1-3 0,-96-22 0,103 16 0,38 8 0,-1 0 0,0-1 0,1 0 0,0-1 0,-17-8 0,26 10 0,1 0 0,0 0 0,0 0 0,0 0 0,0-1 0,1 1 0,0-1 0,-1 0 0,1 0 0,0 0 0,1 0 0,-1-1 0,1 1 0,0-1 0,0 0 0,0 1 0,1-1 0,0 0 0,0 0 0,-1-5 0,1-13 0,0 1 0,1-1 0,2 1 0,0-1 0,8-31 0,-4 23 0,3-60 0,-12 24 0,1 45 0,1-1 0,2 0 0,0 1 0,6-34 0,-5 49 0,1-1 0,1 1 0,-1 0 0,1 0 0,1 0 0,-1 1 0,1 0 0,0-1 0,1 2 0,-1-1 0,1 1 0,0-1 0,12-6 0,30-31 0,-44 39 0,0 1 0,0 0 0,0 0 0,0 0 0,0 0 0,1 1 0,-1-1 0,1 1 0,-1 1 0,1-1 0,0 0 0,0 1 0,0 0 0,10-1 0,6 1 0,2 0 0,25 4 0,-10-1 0,-27-1 0,0 0 0,0 1 0,0 0 0,-1 1 0,1 0 0,18 8 0,-23-8 0,0 0 0,0 0 0,0 0 0,0 1 0,0 0 0,-1 0 0,1 1 0,-1-1 0,-1 1 0,1 0 0,7 11 0,-10-8-1365</inkml:trace>
+</inkml:ink>
 </file>
 
 <file path=ppt/notesMasters/notesMaster1.xml><?xml version="1.0" encoding="utf-8"?>
@@ -255,7 +1876,7 @@
           <a:p>
             <a:fld id="{F37D28C0-BEB6-42B0-A203-EEE1023219C4}" type="datetimeFigureOut">
               <a:rPr lang="en-NZ" smtClean="0"/>
-              <a:t>10/05/2023</a:t>
+              <a:t>11/05/2023</a:t>
             </a:fld>
             <a:endParaRPr lang="en-NZ"/>
           </a:p>
@@ -654,6 +2275,330 @@
           <a:bodyPr/>
           <a:lstStyle/>
           <a:p>
+            <a:r>
+              <a:rPr lang="en-NZ" i="1" dirty="0"/>
+              <a:t>NOTE: Trialling needs to happen for </a:t>
+            </a:r>
+            <a:r>
+              <a:rPr lang="en-NZ" b="1" i="1" dirty="0"/>
+              <a:t>at least 2 </a:t>
+            </a:r>
+            <a:r>
+              <a:rPr lang="en-NZ" i="1" dirty="0"/>
+              <a:t>of your components but is not necessary for ALL components.</a:t>
+            </a:r>
+          </a:p>
+          <a:p>
+            <a:r>
+              <a:rPr lang="en" i="1" dirty="0"/>
+              <a:t>Trialling is not the same as testing. Trialling is about finding different ways of building the same component. Show evidence of  your trialling  here. Select one of your trials for further development and give reasons for your choice. </a:t>
+            </a:r>
+            <a:endParaRPr lang="en-NZ" dirty="0"/>
+          </a:p>
+        </p:txBody>
+      </p:sp>
+      <p:sp>
+        <p:nvSpPr>
+          <p:cNvPr id="4" name="Slide Number Placeholder 3"/>
+          <p:cNvSpPr>
+            <a:spLocks noGrp="1"/>
+          </p:cNvSpPr>
+          <p:nvPr>
+            <p:ph type="sldNum" sz="quarter" idx="5"/>
+          </p:nvPr>
+        </p:nvSpPr>
+        <p:spPr/>
+        <p:txBody>
+          <a:bodyPr/>
+          <a:lstStyle/>
+          <a:p>
+            <a:fld id="{D89B2B17-F4B1-4A14-AF99-5A366D45E74A}" type="slidenum">
+              <a:rPr lang="en-NZ" smtClean="0"/>
+              <a:t>12</a:t>
+            </a:fld>
+            <a:endParaRPr lang="en-NZ"/>
+          </a:p>
+        </p:txBody>
+      </p:sp>
+    </p:spTree>
+    <p:extLst>
+      <p:ext uri="{BB962C8B-B14F-4D97-AF65-F5344CB8AC3E}">
+        <p14:creationId xmlns:p14="http://schemas.microsoft.com/office/powerpoint/2010/main" val="120689959"/>
+      </p:ext>
+    </p:extLst>
+  </p:cSld>
+  <p:clrMapOvr>
+    <a:masterClrMapping/>
+  </p:clrMapOvr>
+</p:notes>
+</file>
+
+<file path=ppt/notesSlides/notesSlide11.xml><?xml version="1.0" encoding="utf-8"?>
+<p:notes xmlns:a="http://schemas.openxmlformats.org/drawingml/2006/main" xmlns:r="http://schemas.openxmlformats.org/officeDocument/2006/relationships" xmlns:p="http://schemas.openxmlformats.org/presentationml/2006/main">
+  <p:cSld>
+    <p:spTree>
+      <p:nvGrpSpPr>
+        <p:cNvPr id="1" name=""/>
+        <p:cNvGrpSpPr/>
+        <p:nvPr/>
+      </p:nvGrpSpPr>
+      <p:grpSpPr>
+        <a:xfrm>
+          <a:off x="0" y="0"/>
+          <a:ext cx="0" cy="0"/>
+          <a:chOff x="0" y="0"/>
+          <a:chExt cx="0" cy="0"/>
+        </a:xfrm>
+      </p:grpSpPr>
+      <p:sp>
+        <p:nvSpPr>
+          <p:cNvPr id="2" name="Slide Image Placeholder 1"/>
+          <p:cNvSpPr>
+            <a:spLocks noGrp="1" noRot="1" noChangeAspect="1"/>
+          </p:cNvSpPr>
+          <p:nvPr>
+            <p:ph type="sldImg"/>
+          </p:nvPr>
+        </p:nvSpPr>
+        <p:spPr/>
+      </p:sp>
+      <p:sp>
+        <p:nvSpPr>
+          <p:cNvPr id="3" name="Notes Placeholder 2"/>
+          <p:cNvSpPr>
+            <a:spLocks noGrp="1"/>
+          </p:cNvSpPr>
+          <p:nvPr>
+            <p:ph type="body" idx="1"/>
+          </p:nvPr>
+        </p:nvSpPr>
+        <p:spPr/>
+        <p:txBody>
+          <a:bodyPr/>
+          <a:lstStyle/>
+          <a:p>
+            <a:pPr marL="0" marR="0" lvl="0" indent="0" algn="l" defTabSz="914400" rtl="0" eaLnBrk="1" fontAlgn="auto" latinLnBrk="0" hangingPunct="1">
+              <a:lnSpc>
+                <a:spcPct val="100000"/>
+              </a:lnSpc>
+              <a:spcBef>
+                <a:spcPts val="0"/>
+              </a:spcBef>
+              <a:spcAft>
+                <a:spcPts val="0"/>
+              </a:spcAft>
+              <a:buClrTx/>
+              <a:buSzTx/>
+              <a:buFontTx/>
+              <a:buNone/>
+              <a:tabLst/>
+              <a:defRPr/>
+            </a:pPr>
+            <a:r>
+              <a:rPr lang="en-NZ" i="1" dirty="0">
+                <a:latin typeface="Arial" panose="020B0604020202020204" pitchFamily="34" charset="0"/>
+                <a:ea typeface="Arial" panose="020B0604020202020204" pitchFamily="34" charset="0"/>
+              </a:rPr>
+              <a:t>Show testing for your assembled outcome below.  This should include a test plan followed by screenshot proof.  </a:t>
+            </a:r>
+            <a:endParaRPr lang="en-NZ" dirty="0"/>
+          </a:p>
+        </p:txBody>
+      </p:sp>
+      <p:sp>
+        <p:nvSpPr>
+          <p:cNvPr id="4" name="Slide Number Placeholder 3"/>
+          <p:cNvSpPr>
+            <a:spLocks noGrp="1"/>
+          </p:cNvSpPr>
+          <p:nvPr>
+            <p:ph type="sldNum" sz="quarter" idx="5"/>
+          </p:nvPr>
+        </p:nvSpPr>
+        <p:spPr/>
+        <p:txBody>
+          <a:bodyPr/>
+          <a:lstStyle/>
+          <a:p>
+            <a:fld id="{D89B2B17-F4B1-4A14-AF99-5A366D45E74A}" type="slidenum">
+              <a:rPr lang="en-NZ" smtClean="0"/>
+              <a:t>13</a:t>
+            </a:fld>
+            <a:endParaRPr lang="en-NZ"/>
+          </a:p>
+        </p:txBody>
+      </p:sp>
+    </p:spTree>
+    <p:extLst>
+      <p:ext uri="{BB962C8B-B14F-4D97-AF65-F5344CB8AC3E}">
+        <p14:creationId xmlns:p14="http://schemas.microsoft.com/office/powerpoint/2010/main" val="234755665"/>
+      </p:ext>
+    </p:extLst>
+  </p:cSld>
+  <p:clrMapOvr>
+    <a:masterClrMapping/>
+  </p:clrMapOvr>
+</p:notes>
+</file>
+
+<file path=ppt/notesSlides/notesSlide12.xml><?xml version="1.0" encoding="utf-8"?>
+<p:notes xmlns:a="http://schemas.openxmlformats.org/drawingml/2006/main" xmlns:r="http://schemas.openxmlformats.org/officeDocument/2006/relationships" xmlns:p="http://schemas.openxmlformats.org/presentationml/2006/main">
+  <p:cSld>
+    <p:spTree>
+      <p:nvGrpSpPr>
+        <p:cNvPr id="1" name=""/>
+        <p:cNvGrpSpPr/>
+        <p:nvPr/>
+      </p:nvGrpSpPr>
+      <p:grpSpPr>
+        <a:xfrm>
+          <a:off x="0" y="0"/>
+          <a:ext cx="0" cy="0"/>
+          <a:chOff x="0" y="0"/>
+          <a:chExt cx="0" cy="0"/>
+        </a:xfrm>
+      </p:grpSpPr>
+      <p:sp>
+        <p:nvSpPr>
+          <p:cNvPr id="2" name="Slide Image Placeholder 1"/>
+          <p:cNvSpPr>
+            <a:spLocks noGrp="1" noRot="1" noChangeAspect="1"/>
+          </p:cNvSpPr>
+          <p:nvPr>
+            <p:ph type="sldImg"/>
+          </p:nvPr>
+        </p:nvSpPr>
+        <p:spPr/>
+      </p:sp>
+      <p:sp>
+        <p:nvSpPr>
+          <p:cNvPr id="3" name="Notes Placeholder 2"/>
+          <p:cNvSpPr>
+            <a:spLocks noGrp="1"/>
+          </p:cNvSpPr>
+          <p:nvPr>
+            <p:ph type="body" idx="1"/>
+          </p:nvPr>
+        </p:nvSpPr>
+        <p:spPr/>
+        <p:txBody>
+          <a:bodyPr/>
+          <a:lstStyle/>
+          <a:p>
+            <a:pPr marL="0" marR="0" lvl="0" indent="0" algn="l" defTabSz="914400" rtl="0" eaLnBrk="1" fontAlgn="auto" latinLnBrk="0" hangingPunct="1">
+              <a:lnSpc>
+                <a:spcPct val="100000"/>
+              </a:lnSpc>
+              <a:spcBef>
+                <a:spcPts val="0"/>
+              </a:spcBef>
+              <a:spcAft>
+                <a:spcPts val="0"/>
+              </a:spcAft>
+              <a:buClrTx/>
+              <a:buSzTx/>
+              <a:buFontTx/>
+              <a:buNone/>
+              <a:tabLst/>
+              <a:defRPr/>
+            </a:pPr>
+            <a:r>
+              <a:rPr lang="en-NZ" i="1" dirty="0">
+                <a:latin typeface="Arial" panose="020B0604020202020204" pitchFamily="34" charset="0"/>
+                <a:ea typeface="Arial" panose="020B0604020202020204" pitchFamily="34" charset="0"/>
+              </a:rPr>
+              <a:t>Your version control evidence should go here.  This could be in the form of screenshots (both of your GitHub repository as well as your local project folder) as evidence of your incremental development.</a:t>
+            </a:r>
+            <a:endParaRPr lang="en-NZ" dirty="0">
+              <a:latin typeface="Arial" panose="020B0604020202020204" pitchFamily="34" charset="0"/>
+              <a:ea typeface="Arial" panose="020B0604020202020204" pitchFamily="34" charset="0"/>
+            </a:endParaRPr>
+          </a:p>
+          <a:p>
+            <a:endParaRPr lang="en-NZ" dirty="0"/>
+          </a:p>
+        </p:txBody>
+      </p:sp>
+      <p:sp>
+        <p:nvSpPr>
+          <p:cNvPr id="4" name="Slide Number Placeholder 3"/>
+          <p:cNvSpPr>
+            <a:spLocks noGrp="1"/>
+          </p:cNvSpPr>
+          <p:nvPr>
+            <p:ph type="sldNum" sz="quarter" idx="5"/>
+          </p:nvPr>
+        </p:nvSpPr>
+        <p:spPr/>
+        <p:txBody>
+          <a:bodyPr/>
+          <a:lstStyle/>
+          <a:p>
+            <a:fld id="{D89B2B17-F4B1-4A14-AF99-5A366D45E74A}" type="slidenum">
+              <a:rPr lang="en-NZ" smtClean="0"/>
+              <a:t>15</a:t>
+            </a:fld>
+            <a:endParaRPr lang="en-NZ"/>
+          </a:p>
+        </p:txBody>
+      </p:sp>
+    </p:spTree>
+    <p:extLst>
+      <p:ext uri="{BB962C8B-B14F-4D97-AF65-F5344CB8AC3E}">
+        <p14:creationId xmlns:p14="http://schemas.microsoft.com/office/powerpoint/2010/main" val="1431557508"/>
+      </p:ext>
+    </p:extLst>
+  </p:cSld>
+  <p:clrMapOvr>
+    <a:masterClrMapping/>
+  </p:clrMapOvr>
+</p:notes>
+</file>
+
+<file path=ppt/notesSlides/notesSlide13.xml><?xml version="1.0" encoding="utf-8"?>
+<p:notes xmlns:a="http://schemas.openxmlformats.org/drawingml/2006/main" xmlns:r="http://schemas.openxmlformats.org/officeDocument/2006/relationships" xmlns:p="http://schemas.openxmlformats.org/presentationml/2006/main">
+  <p:cSld>
+    <p:spTree>
+      <p:nvGrpSpPr>
+        <p:cNvPr id="1" name=""/>
+        <p:cNvGrpSpPr/>
+        <p:nvPr/>
+      </p:nvGrpSpPr>
+      <p:grpSpPr>
+        <a:xfrm>
+          <a:off x="0" y="0"/>
+          <a:ext cx="0" cy="0"/>
+          <a:chOff x="0" y="0"/>
+          <a:chExt cx="0" cy="0"/>
+        </a:xfrm>
+      </p:grpSpPr>
+      <p:sp>
+        <p:nvSpPr>
+          <p:cNvPr id="2" name="Slide Image Placeholder 1"/>
+          <p:cNvSpPr>
+            <a:spLocks noGrp="1" noRot="1" noChangeAspect="1"/>
+          </p:cNvSpPr>
+          <p:nvPr>
+            <p:ph type="sldImg"/>
+          </p:nvPr>
+        </p:nvSpPr>
+        <p:spPr/>
+      </p:sp>
+      <p:sp>
+        <p:nvSpPr>
+          <p:cNvPr id="3" name="Notes Placeholder 2"/>
+          <p:cNvSpPr>
+            <a:spLocks noGrp="1"/>
+          </p:cNvSpPr>
+          <p:nvPr>
+            <p:ph type="body" idx="1"/>
+          </p:nvPr>
+        </p:nvSpPr>
+        <p:spPr/>
+        <p:txBody>
+          <a:bodyPr/>
+          <a:lstStyle/>
+          <a:p>
             <a:pPr marL="0" marR="0" lvl="0" indent="0" algn="l" defTabSz="914400" rtl="0" eaLnBrk="1" fontAlgn="auto" latinLnBrk="0" hangingPunct="1">
               <a:lnSpc>
                 <a:spcPct val="100000"/>
@@ -700,7 +2645,7 @@
           <a:p>
             <a:fld id="{D89B2B17-F4B1-4A14-AF99-5A366D45E74A}" type="slidenum">
               <a:rPr lang="en-NZ" smtClean="0"/>
-              <a:t>13</a:t>
+              <a:t>16</a:t>
             </a:fld>
             <a:endParaRPr lang="en-NZ"/>
           </a:p>
@@ -1172,11 +3117,11 @@
 </file>
 
 <file path=ppt/notesSlides/notesSlide6.xml><?xml version="1.0" encoding="utf-8"?>
-<p:notes xmlns:a="http://schemas.openxmlformats.org/drawingml/2006/main" xmlns:r="http://schemas.openxmlformats.org/officeDocument/2006/relationships" xmlns:p="http://schemas.openxmlformats.org/presentationml/2006/main">
+<p:notes xmlns:a="http://schemas.openxmlformats.org/drawingml/2006/main" xmlns:r="http://schemas.openxmlformats.org/officeDocument/2006/relationships" xmlns:p="http://schemas.openxmlformats.org/presentationml/2006/main" showMasterSp="0" showMasterPhAnim="0">
   <p:cSld>
     <p:spTree>
       <p:nvGrpSpPr>
-        <p:cNvPr id="1" name=""/>
+        <p:cNvPr id="1" name="Shape 87"/>
         <p:cNvGrpSpPr/>
         <p:nvPr/>
       </p:nvGrpSpPr>
@@ -1190,77 +3135,110 @@
       </p:grpSpPr>
       <p:sp>
         <p:nvSpPr>
-          <p:cNvPr id="2" name="Slide Image Placeholder 1"/>
+          <p:cNvPr id="88" name="Google Shape;88;g5f5670a123_0_30:notes"/>
           <p:cNvSpPr>
             <a:spLocks noGrp="1" noRot="1" noChangeAspect="1"/>
           </p:cNvSpPr>
           <p:nvPr>
-            <p:ph type="sldImg"/>
+            <p:ph type="sldImg" idx="2"/>
           </p:nvPr>
         </p:nvSpPr>
-        <p:spPr/>
+        <p:spPr>
+          <a:xfrm>
+            <a:off x="381000" y="685800"/>
+            <a:ext cx="6096000" cy="3429000"/>
+          </a:xfrm>
+          <a:custGeom>
+            <a:avLst/>
+            <a:gdLst/>
+            <a:ahLst/>
+            <a:cxnLst/>
+            <a:rect l="l" t="t" r="r" b="b"/>
+            <a:pathLst>
+              <a:path w="120000" h="120000" extrusionOk="0">
+                <a:moveTo>
+                  <a:pt x="0" y="0"/>
+                </a:moveTo>
+                <a:lnTo>
+                  <a:pt x="120000" y="0"/>
+                </a:lnTo>
+                <a:lnTo>
+                  <a:pt x="120000" y="120000"/>
+                </a:lnTo>
+                <a:lnTo>
+                  <a:pt x="0" y="120000"/>
+                </a:lnTo>
+                <a:close/>
+              </a:path>
+            </a:pathLst>
+          </a:custGeom>
+        </p:spPr>
       </p:sp>
       <p:sp>
         <p:nvSpPr>
-          <p:cNvPr id="3" name="Notes Placeholder 2"/>
-          <p:cNvSpPr>
+          <p:cNvPr id="89" name="Google Shape;89;g5f5670a123_0_30:notes"/>
+          <p:cNvSpPr txBox="1">
             <a:spLocks noGrp="1"/>
           </p:cNvSpPr>
           <p:nvPr>
             <p:ph type="body" idx="1"/>
           </p:nvPr>
         </p:nvSpPr>
-        <p:spPr/>
+        <p:spPr>
+          <a:xfrm>
+            <a:off x="685800" y="4343400"/>
+            <a:ext cx="5486400" cy="4114800"/>
+          </a:xfrm>
+          <a:prstGeom prst="rect">
+            <a:avLst/>
+          </a:prstGeom>
+        </p:spPr>
         <p:txBody>
-          <a:bodyPr/>
+          <a:bodyPr spcFirstLastPara="1" wrap="square" lIns="91425" tIns="91425" rIns="91425" bIns="91425" anchor="t" anchorCtr="0">
+            <a:noAutofit/>
+          </a:bodyPr>
           <a:lstStyle/>
           <a:p>
-            <a:pPr>
+            <a:pPr marL="0" marR="0" lvl="0" indent="0" algn="l" defTabSz="914400" rtl="0" eaLnBrk="1" fontAlgn="auto" latinLnBrk="0" hangingPunct="1">
               <a:lnSpc>
-                <a:spcPct val="115000"/>
+                <a:spcPct val="100000"/>
               </a:lnSpc>
+              <a:spcBef>
+                <a:spcPts val="0"/>
+              </a:spcBef>
+              <a:spcAft>
+                <a:spcPts val="0"/>
+              </a:spcAft>
+              <a:buClrTx/>
+              <a:buSzTx/>
+              <a:buFontTx/>
+              <a:buNone/>
+              <a:tabLst/>
+              <a:defRPr/>
             </a:pPr>
             <a:r>
-              <a:rPr lang="en-NZ" i="1" dirty="0">
-                <a:latin typeface="Arial" panose="020B0604020202020204" pitchFamily="34" charset="0"/>
-                <a:ea typeface="Arial" panose="020B0604020202020204" pitchFamily="34" charset="0"/>
-              </a:rPr>
-              <a:t>You must show the results of testing. For each component, include a screenshot proving it works.  You can also include notes about each test. </a:t>
+              <a:rPr lang="en-NZ" dirty="0"/>
+              <a:t>Additional rows can be added by clicking in the last cell and then using the Tab key </a:t>
             </a:r>
-            <a:endParaRPr lang="en-NZ" dirty="0">
-              <a:latin typeface="Arial" panose="020B0604020202020204" pitchFamily="34" charset="0"/>
-              <a:ea typeface="Arial" panose="020B0604020202020204" pitchFamily="34" charset="0"/>
-            </a:endParaRPr>
-          </a:p>
-        </p:txBody>
-      </p:sp>
-      <p:sp>
-        <p:nvSpPr>
-          <p:cNvPr id="4" name="Slide Number Placeholder 3"/>
-          <p:cNvSpPr>
-            <a:spLocks noGrp="1"/>
-          </p:cNvSpPr>
-          <p:nvPr>
-            <p:ph type="sldNum" sz="quarter" idx="5"/>
-          </p:nvPr>
-        </p:nvSpPr>
-        <p:spPr/>
-        <p:txBody>
-          <a:bodyPr/>
-          <a:lstStyle/>
-          <a:p>
-            <a:fld id="{D89B2B17-F4B1-4A14-AF99-5A366D45E74A}" type="slidenum">
-              <a:rPr lang="en-NZ" smtClean="0"/>
-              <a:t>8</a:t>
-            </a:fld>
-            <a:endParaRPr lang="en-NZ"/>
+          </a:p>
+          <a:p>
+            <a:pPr marL="0" lvl="0" indent="0" algn="l" rtl="0">
+              <a:spcBef>
+                <a:spcPts val="0"/>
+              </a:spcBef>
+              <a:spcAft>
+                <a:spcPts val="0"/>
+              </a:spcAft>
+              <a:buNone/>
+            </a:pPr>
+            <a:endParaRPr dirty="0"/>
           </a:p>
         </p:txBody>
       </p:sp>
     </p:spTree>
     <p:extLst>
       <p:ext uri="{BB962C8B-B14F-4D97-AF65-F5344CB8AC3E}">
-        <p14:creationId xmlns:p14="http://schemas.microsoft.com/office/powerpoint/2010/main" val="3683133660"/>
+        <p14:creationId xmlns:p14="http://schemas.microsoft.com/office/powerpoint/2010/main" val="478093875"/>
       </p:ext>
     </p:extLst>
   </p:cSld>
@@ -1314,25 +3292,22 @@
           <a:bodyPr/>
           <a:lstStyle/>
           <a:p>
+            <a:pPr>
+              <a:lnSpc>
+                <a:spcPct val="115000"/>
+              </a:lnSpc>
+            </a:pPr>
             <a:r>
-              <a:rPr lang="en-NZ" i="1" dirty="0"/>
-              <a:t>NOTE: Trialling needs to happen for </a:t>
+              <a:rPr lang="en-NZ" i="1" dirty="0">
+                <a:latin typeface="Arial" panose="020B0604020202020204" pitchFamily="34" charset="0"/>
+                <a:ea typeface="Arial" panose="020B0604020202020204" pitchFamily="34" charset="0"/>
+              </a:rPr>
+              <a:t>You must show the results of testing. For each component, include a screenshot proving it works.  You can also include notes about each test. </a:t>
             </a:r>
-            <a:r>
-              <a:rPr lang="en-NZ" b="1" i="1" dirty="0"/>
-              <a:t>at least 2 </a:t>
-            </a:r>
-            <a:r>
-              <a:rPr lang="en-NZ" i="1" dirty="0"/>
-              <a:t>of your components but is not necessary for ALL components.</a:t>
-            </a:r>
-          </a:p>
-          <a:p>
-            <a:r>
-              <a:rPr lang="en" i="1" dirty="0"/>
-              <a:t>Trialling is not the same as testing. Trialling is about finding different ways of building the same component. Show evidence of  your trialling  here. Select one of your trials for further development and give reasons for your choice. </a:t>
-            </a:r>
-            <a:endParaRPr lang="en-NZ" dirty="0"/>
+            <a:endParaRPr lang="en-NZ" dirty="0">
+              <a:latin typeface="Arial" panose="020B0604020202020204" pitchFamily="34" charset="0"/>
+              <a:ea typeface="Arial" panose="020B0604020202020204" pitchFamily="34" charset="0"/>
+            </a:endParaRPr>
           </a:p>
         </p:txBody>
       </p:sp>
@@ -1362,7 +3337,7 @@
     </p:spTree>
     <p:extLst>
       <p:ext uri="{BB962C8B-B14F-4D97-AF65-F5344CB8AC3E}">
-        <p14:creationId xmlns:p14="http://schemas.microsoft.com/office/powerpoint/2010/main" val="120689959"/>
+        <p14:creationId xmlns:p14="http://schemas.microsoft.com/office/powerpoint/2010/main" val="3683133660"/>
       </p:ext>
     </p:extLst>
   </p:cSld>
@@ -1416,31 +3391,22 @@
           <a:bodyPr/>
           <a:lstStyle/>
           <a:p>
-            <a:pPr marL="0" marR="0" lvl="0" indent="0" algn="l" defTabSz="914400" rtl="0" eaLnBrk="1" fontAlgn="auto" latinLnBrk="0" hangingPunct="1">
+            <a:pPr>
               <a:lnSpc>
-                <a:spcPct val="100000"/>
+                <a:spcPct val="115000"/>
               </a:lnSpc>
-              <a:spcBef>
-                <a:spcPts val="0"/>
-              </a:spcBef>
-              <a:spcAft>
-                <a:spcPts val="0"/>
-              </a:spcAft>
-              <a:buClrTx/>
-              <a:buSzTx/>
-              <a:buFontTx/>
-              <a:buNone/>
-              <a:tabLst/>
-              <a:defRPr/>
             </a:pPr>
             <a:r>
               <a:rPr lang="en-NZ" i="1" dirty="0">
                 <a:latin typeface="Arial" panose="020B0604020202020204" pitchFamily="34" charset="0"/>
                 <a:ea typeface="Arial" panose="020B0604020202020204" pitchFamily="34" charset="0"/>
               </a:rPr>
-              <a:t>Show testing for your assembled outcome below.  This should include a test plan followed by screenshot proof.  </a:t>
+              <a:t>You must show the results of testing. For each component, include a screenshot proving it works.  You can also include notes about each test. </a:t>
             </a:r>
-            <a:endParaRPr lang="en-NZ" dirty="0"/>
+            <a:endParaRPr lang="en-NZ" dirty="0">
+              <a:latin typeface="Arial" panose="020B0604020202020204" pitchFamily="34" charset="0"/>
+              <a:ea typeface="Arial" panose="020B0604020202020204" pitchFamily="34" charset="0"/>
+            </a:endParaRPr>
           </a:p>
         </p:txBody>
       </p:sp>
@@ -1470,7 +3436,7 @@
     </p:spTree>
     <p:extLst>
       <p:ext uri="{BB962C8B-B14F-4D97-AF65-F5344CB8AC3E}">
-        <p14:creationId xmlns:p14="http://schemas.microsoft.com/office/powerpoint/2010/main" val="234755665"/>
+        <p14:creationId xmlns:p14="http://schemas.microsoft.com/office/powerpoint/2010/main" val="70040487"/>
       </p:ext>
     </p:extLst>
   </p:cSld>
@@ -1524,37 +3490,22 @@
           <a:bodyPr/>
           <a:lstStyle/>
           <a:p>
-            <a:pPr marL="0" marR="0" lvl="0" indent="0" algn="l" defTabSz="914400" rtl="0" eaLnBrk="1" fontAlgn="auto" latinLnBrk="0" hangingPunct="1">
+            <a:pPr>
               <a:lnSpc>
-                <a:spcPct val="100000"/>
+                <a:spcPct val="115000"/>
               </a:lnSpc>
-              <a:spcBef>
-                <a:spcPts val="0"/>
-              </a:spcBef>
-              <a:spcAft>
-                <a:spcPts val="0"/>
-              </a:spcAft>
-              <a:buClrTx/>
-              <a:buSzTx/>
-              <a:buFontTx/>
-              <a:buNone/>
-              <a:tabLst/>
-              <a:defRPr/>
             </a:pPr>
             <a:r>
               <a:rPr lang="en-NZ" i="1" dirty="0">
                 <a:latin typeface="Arial" panose="020B0604020202020204" pitchFamily="34" charset="0"/>
                 <a:ea typeface="Arial" panose="020B0604020202020204" pitchFamily="34" charset="0"/>
               </a:rPr>
-              <a:t>Your version control evidence should go here.  This could be in the form of screenshots (both of your GitHub repository as well as your local project folder) as evidence of your incremental development.</a:t>
+              <a:t>You must show the results of testing. For each component, include a screenshot proving it works.  You can also include notes about each test. </a:t>
             </a:r>
             <a:endParaRPr lang="en-NZ" dirty="0">
               <a:latin typeface="Arial" panose="020B0604020202020204" pitchFamily="34" charset="0"/>
               <a:ea typeface="Arial" panose="020B0604020202020204" pitchFamily="34" charset="0"/>
             </a:endParaRPr>
-          </a:p>
-          <a:p>
-            <a:endParaRPr lang="en-NZ" dirty="0"/>
           </a:p>
         </p:txBody>
       </p:sp>
@@ -1575,7 +3526,7 @@
           <a:p>
             <a:fld id="{D89B2B17-F4B1-4A14-AF99-5A366D45E74A}" type="slidenum">
               <a:rPr lang="en-NZ" smtClean="0"/>
-              <a:t>12</a:t>
+              <a:t>11</a:t>
             </a:fld>
             <a:endParaRPr lang="en-NZ"/>
           </a:p>
@@ -1584,7 +3535,7 @@
     </p:spTree>
     <p:extLst>
       <p:ext uri="{BB962C8B-B14F-4D97-AF65-F5344CB8AC3E}">
-        <p14:creationId xmlns:p14="http://schemas.microsoft.com/office/powerpoint/2010/main" val="1431557508"/>
+        <p14:creationId xmlns:p14="http://schemas.microsoft.com/office/powerpoint/2010/main" val="652209768"/>
       </p:ext>
     </p:extLst>
   </p:cSld>
@@ -1743,7 +3694,7 @@
           <a:p>
             <a:fld id="{9C4A4F43-1C06-40E6-8F87-8B286982E50E}" type="datetimeFigureOut">
               <a:rPr lang="en-NZ" smtClean="0"/>
-              <a:t>10/05/2023</a:t>
+              <a:t>11/05/2023</a:t>
             </a:fld>
             <a:endParaRPr lang="en-NZ" dirty="0"/>
           </a:p>
@@ -1943,7 +3894,7 @@
           <a:p>
             <a:fld id="{9C4A4F43-1C06-40E6-8F87-8B286982E50E}" type="datetimeFigureOut">
               <a:rPr lang="en-NZ" smtClean="0"/>
-              <a:t>10/05/2023</a:t>
+              <a:t>11/05/2023</a:t>
             </a:fld>
             <a:endParaRPr lang="en-NZ" dirty="0"/>
           </a:p>
@@ -2153,7 +4104,7 @@
           <a:p>
             <a:fld id="{9C4A4F43-1C06-40E6-8F87-8B286982E50E}" type="datetimeFigureOut">
               <a:rPr lang="en-NZ" smtClean="0"/>
-              <a:t>10/05/2023</a:t>
+              <a:t>11/05/2023</a:t>
             </a:fld>
             <a:endParaRPr lang="en-NZ" dirty="0"/>
           </a:p>
@@ -2712,7 +4663,7 @@
           <a:p>
             <a:fld id="{9C4A4F43-1C06-40E6-8F87-8B286982E50E}" type="datetimeFigureOut">
               <a:rPr lang="en-NZ" smtClean="0"/>
-              <a:t>10/05/2023</a:t>
+              <a:t>11/05/2023</a:t>
             </a:fld>
             <a:endParaRPr lang="en-NZ" dirty="0"/>
           </a:p>
@@ -2988,7 +4939,7 @@
           <a:p>
             <a:fld id="{9C4A4F43-1C06-40E6-8F87-8B286982E50E}" type="datetimeFigureOut">
               <a:rPr lang="en-NZ" smtClean="0"/>
-              <a:t>10/05/2023</a:t>
+              <a:t>11/05/2023</a:t>
             </a:fld>
             <a:endParaRPr lang="en-NZ" dirty="0"/>
           </a:p>
@@ -3256,7 +5207,7 @@
           <a:p>
             <a:fld id="{9C4A4F43-1C06-40E6-8F87-8B286982E50E}" type="datetimeFigureOut">
               <a:rPr lang="en-NZ" smtClean="0"/>
-              <a:t>10/05/2023</a:t>
+              <a:t>11/05/2023</a:t>
             </a:fld>
             <a:endParaRPr lang="en-NZ" dirty="0"/>
           </a:p>
@@ -3671,7 +5622,7 @@
           <a:p>
             <a:fld id="{9C4A4F43-1C06-40E6-8F87-8B286982E50E}" type="datetimeFigureOut">
               <a:rPr lang="en-NZ" smtClean="0"/>
-              <a:t>10/05/2023</a:t>
+              <a:t>11/05/2023</a:t>
             </a:fld>
             <a:endParaRPr lang="en-NZ" dirty="0"/>
           </a:p>
@@ -3813,7 +5764,7 @@
           <a:p>
             <a:fld id="{9C4A4F43-1C06-40E6-8F87-8B286982E50E}" type="datetimeFigureOut">
               <a:rPr lang="en-NZ" smtClean="0"/>
-              <a:t>10/05/2023</a:t>
+              <a:t>11/05/2023</a:t>
             </a:fld>
             <a:endParaRPr lang="en-NZ" dirty="0"/>
           </a:p>
@@ -3926,7 +5877,7 @@
           <a:p>
             <a:fld id="{9C4A4F43-1C06-40E6-8F87-8B286982E50E}" type="datetimeFigureOut">
               <a:rPr lang="en-NZ" smtClean="0"/>
-              <a:t>10/05/2023</a:t>
+              <a:t>11/05/2023</a:t>
             </a:fld>
             <a:endParaRPr lang="en-NZ" dirty="0"/>
           </a:p>
@@ -4239,7 +6190,7 @@
           <a:p>
             <a:fld id="{9C4A4F43-1C06-40E6-8F87-8B286982E50E}" type="datetimeFigureOut">
               <a:rPr lang="en-NZ" smtClean="0"/>
-              <a:t>10/05/2023</a:t>
+              <a:t>11/05/2023</a:t>
             </a:fld>
             <a:endParaRPr lang="en-NZ" dirty="0"/>
           </a:p>
@@ -4528,7 +6479,7 @@
           <a:p>
             <a:fld id="{9C4A4F43-1C06-40E6-8F87-8B286982E50E}" type="datetimeFigureOut">
               <a:rPr lang="en-NZ" smtClean="0"/>
-              <a:t>10/05/2023</a:t>
+              <a:t>11/05/2023</a:t>
             </a:fld>
             <a:endParaRPr lang="en-NZ" dirty="0"/>
           </a:p>
@@ -4771,7 +6722,7 @@
           <a:p>
             <a:fld id="{9C4A4F43-1C06-40E6-8F87-8B286982E50E}" type="datetimeFigureOut">
               <a:rPr lang="en-NZ" smtClean="0"/>
-              <a:t>10/05/2023</a:t>
+              <a:t>11/05/2023</a:t>
             </a:fld>
             <a:endParaRPr lang="en-NZ" dirty="0"/>
           </a:p>
@@ -5297,6 +7248,2298 @@
           <p:cNvPr id="2" name="Title 1">
             <a:extLst>
               <a:ext uri="{FF2B5EF4-FFF2-40B4-BE49-F238E27FC236}">
+                <a16:creationId xmlns:a16="http://schemas.microsoft.com/office/drawing/2014/main" id="{1CC5D32F-7C18-4D00-8D54-2FB046F0A206}"/>
+              </a:ext>
+            </a:extLst>
+          </p:cNvPr>
+          <p:cNvSpPr>
+            <a:spLocks noGrp="1"/>
+          </p:cNvSpPr>
+          <p:nvPr>
+            <p:ph type="title"/>
+          </p:nvPr>
+        </p:nvSpPr>
+        <p:spPr>
+          <a:xfrm>
+            <a:off x="96328" y="112718"/>
+            <a:ext cx="10515600" cy="562928"/>
+          </a:xfrm>
+        </p:spPr>
+        <p:txBody>
+          <a:bodyPr>
+            <a:normAutofit fontScale="90000"/>
+          </a:bodyPr>
+          <a:lstStyle/>
+          <a:p>
+            <a:r>
+              <a:rPr lang="en-NZ" dirty="0"/>
+              <a:t>Add Creature: Testing (1/2)</a:t>
+            </a:r>
+          </a:p>
+        </p:txBody>
+      </p:sp>
+      <p:pic>
+        <p:nvPicPr>
+          <p:cNvPr id="27" name="Picture 26">
+            <a:extLst>
+              <a:ext uri="{FF2B5EF4-FFF2-40B4-BE49-F238E27FC236}">
+                <a16:creationId xmlns:a16="http://schemas.microsoft.com/office/drawing/2014/main" id="{EF961DCB-2719-07B3-CBE0-FD05E6FC51D6}"/>
+              </a:ext>
+            </a:extLst>
+          </p:cNvPr>
+          <p:cNvPicPr>
+            <a:picLocks noChangeAspect="1"/>
+          </p:cNvPicPr>
+          <p:nvPr/>
+        </p:nvPicPr>
+        <p:blipFill>
+          <a:blip r:embed="rId3"/>
+          <a:stretch>
+            <a:fillRect/>
+          </a:stretch>
+        </p:blipFill>
+        <p:spPr>
+          <a:xfrm>
+            <a:off x="-400957" y="7636028"/>
+            <a:ext cx="6496957" cy="3019846"/>
+          </a:xfrm>
+          <a:prstGeom prst="rect">
+            <a:avLst/>
+          </a:prstGeom>
+        </p:spPr>
+      </p:pic>
+      <p:pic>
+        <p:nvPicPr>
+          <p:cNvPr id="8" name="Picture 7">
+            <a:extLst>
+              <a:ext uri="{FF2B5EF4-FFF2-40B4-BE49-F238E27FC236}">
+                <a16:creationId xmlns:a16="http://schemas.microsoft.com/office/drawing/2014/main" id="{9FAFDF65-E665-23AC-DC29-D7BBDA132C38}"/>
+              </a:ext>
+            </a:extLst>
+          </p:cNvPr>
+          <p:cNvPicPr>
+            <a:picLocks noChangeAspect="1"/>
+          </p:cNvPicPr>
+          <p:nvPr/>
+        </p:nvPicPr>
+        <p:blipFill>
+          <a:blip r:embed="rId4"/>
+          <a:stretch>
+            <a:fillRect/>
+          </a:stretch>
+        </p:blipFill>
+        <p:spPr>
+          <a:xfrm>
+            <a:off x="96328" y="675646"/>
+            <a:ext cx="5998233" cy="2698749"/>
+          </a:xfrm>
+          <a:prstGeom prst="rect">
+            <a:avLst/>
+          </a:prstGeom>
+        </p:spPr>
+      </p:pic>
+      <p:pic>
+        <p:nvPicPr>
+          <p:cNvPr id="12" name="Picture 11">
+            <a:extLst>
+              <a:ext uri="{FF2B5EF4-FFF2-40B4-BE49-F238E27FC236}">
+                <a16:creationId xmlns:a16="http://schemas.microsoft.com/office/drawing/2014/main" id="{683816EB-F5DD-15E3-5D46-62516785C9D0}"/>
+              </a:ext>
+            </a:extLst>
+          </p:cNvPr>
+          <p:cNvPicPr>
+            <a:picLocks noChangeAspect="1"/>
+          </p:cNvPicPr>
+          <p:nvPr/>
+        </p:nvPicPr>
+        <p:blipFill>
+          <a:blip r:embed="rId5"/>
+          <a:stretch>
+            <a:fillRect/>
+          </a:stretch>
+        </p:blipFill>
+        <p:spPr>
+          <a:xfrm>
+            <a:off x="6788988" y="112718"/>
+            <a:ext cx="2364880" cy="970207"/>
+          </a:xfrm>
+          <a:prstGeom prst="rect">
+            <a:avLst/>
+          </a:prstGeom>
+        </p:spPr>
+      </p:pic>
+      <mc:AlternateContent xmlns:mc="http://schemas.openxmlformats.org/markup-compatibility/2006">
+        <mc:Choice xmlns:p14="http://schemas.microsoft.com/office/powerpoint/2010/main" Requires="p14">
+          <p:contentPart p14:bwMode="auto" r:id="rId6">
+            <p14:nvContentPartPr>
+              <p14:cNvPr id="14" name="Ink 13">
+                <a:extLst>
+                  <a:ext uri="{FF2B5EF4-FFF2-40B4-BE49-F238E27FC236}">
+                    <a16:creationId xmlns:a16="http://schemas.microsoft.com/office/drawing/2014/main" id="{9FC42E96-E1DF-B274-E9E0-6064137F7DF5}"/>
+                  </a:ext>
+                </a:extLst>
+              </p14:cNvPr>
+              <p14:cNvContentPartPr/>
+              <p14:nvPr/>
+            </p14:nvContentPartPr>
+            <p14:xfrm>
+              <a:off x="870969" y="1276017"/>
+              <a:ext cx="1302120" cy="27000"/>
+            </p14:xfrm>
+          </p:contentPart>
+        </mc:Choice>
+        <mc:Fallback>
+          <p:pic>
+            <p:nvPicPr>
+              <p:cNvPr id="14" name="Ink 13">
+                <a:extLst>
+                  <a:ext uri="{FF2B5EF4-FFF2-40B4-BE49-F238E27FC236}">
+                    <a16:creationId xmlns:a16="http://schemas.microsoft.com/office/drawing/2014/main" id="{9FC42E96-E1DF-B274-E9E0-6064137F7DF5}"/>
+                  </a:ext>
+                </a:extLst>
+              </p:cNvPr>
+              <p:cNvPicPr/>
+              <p:nvPr/>
+            </p:nvPicPr>
+            <p:blipFill>
+              <a:blip r:embed="rId7"/>
+              <a:stretch>
+                <a:fillRect/>
+              </a:stretch>
+            </p:blipFill>
+            <p:spPr>
+              <a:xfrm>
+                <a:off x="862329" y="1267377"/>
+                <a:ext cx="1319760" cy="44640"/>
+              </a:xfrm>
+              <a:prstGeom prst="rect">
+                <a:avLst/>
+              </a:prstGeom>
+            </p:spPr>
+          </p:pic>
+        </mc:Fallback>
+      </mc:AlternateContent>
+      <mc:AlternateContent xmlns:mc="http://schemas.openxmlformats.org/markup-compatibility/2006">
+        <mc:Choice xmlns:p14="http://schemas.microsoft.com/office/powerpoint/2010/main" Requires="p14">
+          <p:contentPart p14:bwMode="auto" r:id="rId8">
+            <p14:nvContentPartPr>
+              <p14:cNvPr id="15" name="Ink 14">
+                <a:extLst>
+                  <a:ext uri="{FF2B5EF4-FFF2-40B4-BE49-F238E27FC236}">
+                    <a16:creationId xmlns:a16="http://schemas.microsoft.com/office/drawing/2014/main" id="{27E19BB3-B34D-4D05-C7B8-EFBAA2A47C3B}"/>
+                  </a:ext>
+                </a:extLst>
+              </p14:cNvPr>
+              <p14:cNvContentPartPr/>
+              <p14:nvPr/>
+            </p14:nvContentPartPr>
+            <p14:xfrm>
+              <a:off x="6778929" y="542697"/>
+              <a:ext cx="344160" cy="209520"/>
+            </p14:xfrm>
+          </p:contentPart>
+        </mc:Choice>
+        <mc:Fallback>
+          <p:pic>
+            <p:nvPicPr>
+              <p:cNvPr id="15" name="Ink 14">
+                <a:extLst>
+                  <a:ext uri="{FF2B5EF4-FFF2-40B4-BE49-F238E27FC236}">
+                    <a16:creationId xmlns:a16="http://schemas.microsoft.com/office/drawing/2014/main" id="{27E19BB3-B34D-4D05-C7B8-EFBAA2A47C3B}"/>
+                  </a:ext>
+                </a:extLst>
+              </p:cNvPr>
+              <p:cNvPicPr/>
+              <p:nvPr/>
+            </p:nvPicPr>
+            <p:blipFill>
+              <a:blip r:embed="rId9"/>
+              <a:stretch>
+                <a:fillRect/>
+              </a:stretch>
+            </p:blipFill>
+            <p:spPr>
+              <a:xfrm>
+                <a:off x="6769929" y="533697"/>
+                <a:ext cx="361800" cy="227160"/>
+              </a:xfrm>
+              <a:prstGeom prst="rect">
+                <a:avLst/>
+              </a:prstGeom>
+            </p:spPr>
+          </p:pic>
+        </mc:Fallback>
+      </mc:AlternateContent>
+      <p:grpSp>
+        <p:nvGrpSpPr>
+          <p:cNvPr id="22" name="Group 21">
+            <a:extLst>
+              <a:ext uri="{FF2B5EF4-FFF2-40B4-BE49-F238E27FC236}">
+                <a16:creationId xmlns:a16="http://schemas.microsoft.com/office/drawing/2014/main" id="{E676812A-DB13-9F23-63BC-1434B1BB5A18}"/>
+              </a:ext>
+            </a:extLst>
+          </p:cNvPr>
+          <p:cNvGrpSpPr/>
+          <p:nvPr/>
+        </p:nvGrpSpPr>
+        <p:grpSpPr>
+          <a:xfrm>
+            <a:off x="2093889" y="1024377"/>
+            <a:ext cx="1928520" cy="269640"/>
+            <a:chOff x="2093889" y="1024377"/>
+            <a:chExt cx="1928520" cy="269640"/>
+          </a:xfrm>
+        </p:grpSpPr>
+        <mc:AlternateContent xmlns:mc="http://schemas.openxmlformats.org/markup-compatibility/2006">
+          <mc:Choice xmlns:p14="http://schemas.microsoft.com/office/powerpoint/2010/main" Requires="p14">
+            <p:contentPart p14:bwMode="auto" r:id="rId10">
+              <p14:nvContentPartPr>
+                <p14:cNvPr id="17" name="Ink 16">
+                  <a:extLst>
+                    <a:ext uri="{FF2B5EF4-FFF2-40B4-BE49-F238E27FC236}">
+                      <a16:creationId xmlns:a16="http://schemas.microsoft.com/office/drawing/2014/main" id="{6C158B5C-FEA4-EE04-46DF-00C075873F6B}"/>
+                    </a:ext>
+                  </a:extLst>
+                </p14:cNvPr>
+                <p14:cNvContentPartPr/>
+                <p14:nvPr/>
+              </p14:nvContentPartPr>
+              <p14:xfrm>
+                <a:off x="2093889" y="1024377"/>
+                <a:ext cx="367560" cy="269640"/>
+              </p14:xfrm>
+            </p:contentPart>
+          </mc:Choice>
+          <mc:Fallback>
+            <p:pic>
+              <p:nvPicPr>
+                <p:cNvPr id="17" name="Ink 16">
+                  <a:extLst>
+                    <a:ext uri="{FF2B5EF4-FFF2-40B4-BE49-F238E27FC236}">
+                      <a16:creationId xmlns:a16="http://schemas.microsoft.com/office/drawing/2014/main" id="{6C158B5C-FEA4-EE04-46DF-00C075873F6B}"/>
+                    </a:ext>
+                  </a:extLst>
+                </p:cNvPr>
+                <p:cNvPicPr/>
+                <p:nvPr/>
+              </p:nvPicPr>
+              <p:blipFill>
+                <a:blip r:embed="rId11"/>
+                <a:stretch>
+                  <a:fillRect/>
+                </a:stretch>
+              </p:blipFill>
+              <p:spPr>
+                <a:xfrm>
+                  <a:off x="2085249" y="1015377"/>
+                  <a:ext cx="385200" cy="287280"/>
+                </a:xfrm>
+                <a:prstGeom prst="rect">
+                  <a:avLst/>
+                </a:prstGeom>
+              </p:spPr>
+            </p:pic>
+          </mc:Fallback>
+        </mc:AlternateContent>
+        <mc:AlternateContent xmlns:mc="http://schemas.openxmlformats.org/markup-compatibility/2006">
+          <mc:Choice xmlns:p14="http://schemas.microsoft.com/office/powerpoint/2010/main" Requires="p14">
+            <p:contentPart p14:bwMode="auto" r:id="rId12">
+              <p14:nvContentPartPr>
+                <p14:cNvPr id="18" name="Ink 17">
+                  <a:extLst>
+                    <a:ext uri="{FF2B5EF4-FFF2-40B4-BE49-F238E27FC236}">
+                      <a16:creationId xmlns:a16="http://schemas.microsoft.com/office/drawing/2014/main" id="{F93BC358-732D-8389-AFA1-8AE4D4427DEB}"/>
+                    </a:ext>
+                  </a:extLst>
+                </p14:cNvPr>
+                <p14:cNvContentPartPr/>
+                <p14:nvPr/>
+              </p14:nvContentPartPr>
+              <p14:xfrm>
+                <a:off x="2441289" y="1129857"/>
+                <a:ext cx="1581120" cy="113400"/>
+              </p14:xfrm>
+            </p:contentPart>
+          </mc:Choice>
+          <mc:Fallback>
+            <p:pic>
+              <p:nvPicPr>
+                <p:cNvPr id="18" name="Ink 17">
+                  <a:extLst>
+                    <a:ext uri="{FF2B5EF4-FFF2-40B4-BE49-F238E27FC236}">
+                      <a16:creationId xmlns:a16="http://schemas.microsoft.com/office/drawing/2014/main" id="{F93BC358-732D-8389-AFA1-8AE4D4427DEB}"/>
+                    </a:ext>
+                  </a:extLst>
+                </p:cNvPr>
+                <p:cNvPicPr/>
+                <p:nvPr/>
+              </p:nvPicPr>
+              <p:blipFill>
+                <a:blip r:embed="rId13"/>
+                <a:stretch>
+                  <a:fillRect/>
+                </a:stretch>
+              </p:blipFill>
+              <p:spPr>
+                <a:xfrm>
+                  <a:off x="2432289" y="1121217"/>
+                  <a:ext cx="1598760" cy="131040"/>
+                </a:xfrm>
+                <a:prstGeom prst="rect">
+                  <a:avLst/>
+                </a:prstGeom>
+              </p:spPr>
+            </p:pic>
+          </mc:Fallback>
+        </mc:AlternateContent>
+        <mc:AlternateContent xmlns:mc="http://schemas.openxmlformats.org/markup-compatibility/2006">
+          <mc:Choice xmlns:p14="http://schemas.microsoft.com/office/powerpoint/2010/main" Requires="p14">
+            <p:contentPart p14:bwMode="auto" r:id="rId14">
+              <p14:nvContentPartPr>
+                <p14:cNvPr id="21" name="Ink 20">
+                  <a:extLst>
+                    <a:ext uri="{FF2B5EF4-FFF2-40B4-BE49-F238E27FC236}">
+                      <a16:creationId xmlns:a16="http://schemas.microsoft.com/office/drawing/2014/main" id="{000FC02A-E828-841A-A5C4-5DA2A3CEDCFD}"/>
+                    </a:ext>
+                  </a:extLst>
+                </p14:cNvPr>
+                <p14:cNvContentPartPr/>
+                <p14:nvPr/>
+              </p14:nvContentPartPr>
+              <p14:xfrm>
+                <a:off x="4019529" y="1190337"/>
+                <a:ext cx="360" cy="360"/>
+              </p14:xfrm>
+            </p:contentPart>
+          </mc:Choice>
+          <mc:Fallback>
+            <p:pic>
+              <p:nvPicPr>
+                <p:cNvPr id="21" name="Ink 20">
+                  <a:extLst>
+                    <a:ext uri="{FF2B5EF4-FFF2-40B4-BE49-F238E27FC236}">
+                      <a16:creationId xmlns:a16="http://schemas.microsoft.com/office/drawing/2014/main" id="{000FC02A-E828-841A-A5C4-5DA2A3CEDCFD}"/>
+                    </a:ext>
+                  </a:extLst>
+                </p:cNvPr>
+                <p:cNvPicPr/>
+                <p:nvPr/>
+              </p:nvPicPr>
+              <p:blipFill>
+                <a:blip r:embed="rId15"/>
+                <a:stretch>
+                  <a:fillRect/>
+                </a:stretch>
+              </p:blipFill>
+              <p:spPr>
+                <a:xfrm>
+                  <a:off x="4010889" y="1181337"/>
+                  <a:ext cx="18000" cy="18000"/>
+                </a:xfrm>
+                <a:prstGeom prst="rect">
+                  <a:avLst/>
+                </a:prstGeom>
+              </p:spPr>
+            </p:pic>
+          </mc:Fallback>
+        </mc:AlternateContent>
+      </p:grpSp>
+      <mc:AlternateContent xmlns:mc="http://schemas.openxmlformats.org/markup-compatibility/2006">
+        <mc:Choice xmlns:p14="http://schemas.microsoft.com/office/powerpoint/2010/main" Requires="p14">
+          <p:contentPart p14:bwMode="auto" r:id="rId16">
+            <p14:nvContentPartPr>
+              <p14:cNvPr id="23" name="Ink 22">
+                <a:extLst>
+                  <a:ext uri="{FF2B5EF4-FFF2-40B4-BE49-F238E27FC236}">
+                    <a16:creationId xmlns:a16="http://schemas.microsoft.com/office/drawing/2014/main" id="{87493201-8636-3BD1-3691-B67B531A9E39}"/>
+                  </a:ext>
+                </a:extLst>
+              </p14:cNvPr>
+              <p14:cNvContentPartPr/>
+              <p14:nvPr/>
+            </p14:nvContentPartPr>
+            <p14:xfrm>
+              <a:off x="6064329" y="680937"/>
+              <a:ext cx="796320" cy="527040"/>
+            </p14:xfrm>
+          </p:contentPart>
+        </mc:Choice>
+        <mc:Fallback>
+          <p:pic>
+            <p:nvPicPr>
+              <p:cNvPr id="23" name="Ink 22">
+                <a:extLst>
+                  <a:ext uri="{FF2B5EF4-FFF2-40B4-BE49-F238E27FC236}">
+                    <a16:creationId xmlns:a16="http://schemas.microsoft.com/office/drawing/2014/main" id="{87493201-8636-3BD1-3691-B67B531A9E39}"/>
+                  </a:ext>
+                </a:extLst>
+              </p:cNvPr>
+              <p:cNvPicPr/>
+              <p:nvPr/>
+            </p:nvPicPr>
+            <p:blipFill>
+              <a:blip r:embed="rId17"/>
+              <a:stretch>
+                <a:fillRect/>
+              </a:stretch>
+            </p:blipFill>
+            <p:spPr>
+              <a:xfrm>
+                <a:off x="6055329" y="672297"/>
+                <a:ext cx="813960" cy="544680"/>
+              </a:xfrm>
+              <a:prstGeom prst="rect">
+                <a:avLst/>
+              </a:prstGeom>
+            </p:spPr>
+          </p:pic>
+        </mc:Fallback>
+      </mc:AlternateContent>
+      <mc:AlternateContent xmlns:mc="http://schemas.openxmlformats.org/markup-compatibility/2006">
+        <mc:Choice xmlns:p14="http://schemas.microsoft.com/office/powerpoint/2010/main" Requires="p14">
+          <p:contentPart p14:bwMode="auto" r:id="rId18">
+            <p14:nvContentPartPr>
+              <p14:cNvPr id="25" name="Ink 24">
+                <a:extLst>
+                  <a:ext uri="{FF2B5EF4-FFF2-40B4-BE49-F238E27FC236}">
+                    <a16:creationId xmlns:a16="http://schemas.microsoft.com/office/drawing/2014/main" id="{E374683D-DAD4-68D5-6182-402D1691BD4E}"/>
+                  </a:ext>
+                </a:extLst>
+              </p14:cNvPr>
+              <p14:cNvContentPartPr/>
+              <p14:nvPr/>
+            </p14:nvContentPartPr>
+            <p14:xfrm>
+              <a:off x="8003289" y="1095297"/>
+              <a:ext cx="27720" cy="143280"/>
+            </p14:xfrm>
+          </p:contentPart>
+        </mc:Choice>
+        <mc:Fallback>
+          <p:pic>
+            <p:nvPicPr>
+              <p:cNvPr id="25" name="Ink 24">
+                <a:extLst>
+                  <a:ext uri="{FF2B5EF4-FFF2-40B4-BE49-F238E27FC236}">
+                    <a16:creationId xmlns:a16="http://schemas.microsoft.com/office/drawing/2014/main" id="{E374683D-DAD4-68D5-6182-402D1691BD4E}"/>
+                  </a:ext>
+                </a:extLst>
+              </p:cNvPr>
+              <p:cNvPicPr/>
+              <p:nvPr/>
+            </p:nvPicPr>
+            <p:blipFill>
+              <a:blip r:embed="rId19"/>
+              <a:stretch>
+                <a:fillRect/>
+              </a:stretch>
+            </p:blipFill>
+            <p:spPr>
+              <a:xfrm>
+                <a:off x="7994649" y="1086657"/>
+                <a:ext cx="45360" cy="160920"/>
+              </a:xfrm>
+              <a:prstGeom prst="rect">
+                <a:avLst/>
+              </a:prstGeom>
+            </p:spPr>
+          </p:pic>
+        </mc:Fallback>
+      </mc:AlternateContent>
+      <p:pic>
+        <p:nvPicPr>
+          <p:cNvPr id="26" name="Picture 25">
+            <a:extLst>
+              <a:ext uri="{FF2B5EF4-FFF2-40B4-BE49-F238E27FC236}">
+                <a16:creationId xmlns:a16="http://schemas.microsoft.com/office/drawing/2014/main" id="{0900FA41-AB0E-30CD-CB0E-7025DDAF372B}"/>
+              </a:ext>
+            </a:extLst>
+          </p:cNvPr>
+          <p:cNvPicPr>
+            <a:picLocks noChangeAspect="1"/>
+          </p:cNvPicPr>
+          <p:nvPr/>
+        </p:nvPicPr>
+        <p:blipFill>
+          <a:blip r:embed="rId20"/>
+          <a:stretch>
+            <a:fillRect/>
+          </a:stretch>
+        </p:blipFill>
+        <p:spPr>
+          <a:xfrm>
+            <a:off x="6778929" y="1238577"/>
+            <a:ext cx="2364880" cy="917987"/>
+          </a:xfrm>
+          <a:prstGeom prst="rect">
+            <a:avLst/>
+          </a:prstGeom>
+        </p:spPr>
+      </p:pic>
+      <p:pic>
+        <p:nvPicPr>
+          <p:cNvPr id="28" name="Picture 27">
+            <a:extLst>
+              <a:ext uri="{FF2B5EF4-FFF2-40B4-BE49-F238E27FC236}">
+                <a16:creationId xmlns:a16="http://schemas.microsoft.com/office/drawing/2014/main" id="{654562D8-C08A-DAF7-B890-46FC59B75C28}"/>
+              </a:ext>
+            </a:extLst>
+          </p:cNvPr>
+          <p:cNvPicPr>
+            <a:picLocks noChangeAspect="1"/>
+          </p:cNvPicPr>
+          <p:nvPr/>
+        </p:nvPicPr>
+        <p:blipFill>
+          <a:blip r:embed="rId21"/>
+          <a:stretch>
+            <a:fillRect/>
+          </a:stretch>
+        </p:blipFill>
+        <p:spPr>
+          <a:xfrm>
+            <a:off x="6778929" y="2299844"/>
+            <a:ext cx="2251114" cy="917987"/>
+          </a:xfrm>
+          <a:prstGeom prst="rect">
+            <a:avLst/>
+          </a:prstGeom>
+        </p:spPr>
+      </p:pic>
+      <mc:AlternateContent xmlns:mc="http://schemas.openxmlformats.org/markup-compatibility/2006">
+        <mc:Choice xmlns:p14="http://schemas.microsoft.com/office/powerpoint/2010/main" Requires="p14">
+          <p:contentPart p14:bwMode="auto" r:id="rId22">
+            <p14:nvContentPartPr>
+              <p14:cNvPr id="29" name="Ink 28">
+                <a:extLst>
+                  <a:ext uri="{FF2B5EF4-FFF2-40B4-BE49-F238E27FC236}">
+                    <a16:creationId xmlns:a16="http://schemas.microsoft.com/office/drawing/2014/main" id="{21DF0ED1-C66F-E29F-7F88-B57A55D8587B}"/>
+                  </a:ext>
+                </a:extLst>
+              </p14:cNvPr>
+              <p14:cNvContentPartPr/>
+              <p14:nvPr/>
+            </p14:nvContentPartPr>
+            <p14:xfrm>
+              <a:off x="6996009" y="1707657"/>
+              <a:ext cx="360" cy="360"/>
+            </p14:xfrm>
+          </p:contentPart>
+        </mc:Choice>
+        <mc:Fallback>
+          <p:pic>
+            <p:nvPicPr>
+              <p:cNvPr id="29" name="Ink 28">
+                <a:extLst>
+                  <a:ext uri="{FF2B5EF4-FFF2-40B4-BE49-F238E27FC236}">
+                    <a16:creationId xmlns:a16="http://schemas.microsoft.com/office/drawing/2014/main" id="{21DF0ED1-C66F-E29F-7F88-B57A55D8587B}"/>
+                  </a:ext>
+                </a:extLst>
+              </p:cNvPr>
+              <p:cNvPicPr/>
+              <p:nvPr/>
+            </p:nvPicPr>
+            <p:blipFill>
+              <a:blip r:embed="rId15"/>
+              <a:stretch>
+                <a:fillRect/>
+              </a:stretch>
+            </p:blipFill>
+            <p:spPr>
+              <a:xfrm>
+                <a:off x="6987009" y="1699017"/>
+                <a:ext cx="18000" cy="18000"/>
+              </a:xfrm>
+              <a:prstGeom prst="rect">
+                <a:avLst/>
+              </a:prstGeom>
+            </p:spPr>
+          </p:pic>
+        </mc:Fallback>
+      </mc:AlternateContent>
+      <mc:AlternateContent xmlns:mc="http://schemas.openxmlformats.org/markup-compatibility/2006">
+        <mc:Choice xmlns:p14="http://schemas.microsoft.com/office/powerpoint/2010/main" Requires="p14">
+          <p:contentPart p14:bwMode="auto" r:id="rId23">
+            <p14:nvContentPartPr>
+              <p14:cNvPr id="30" name="Ink 29">
+                <a:extLst>
+                  <a:ext uri="{FF2B5EF4-FFF2-40B4-BE49-F238E27FC236}">
+                    <a16:creationId xmlns:a16="http://schemas.microsoft.com/office/drawing/2014/main" id="{94E9FA58-031E-BF1B-6A27-3D06534DCDEE}"/>
+                  </a:ext>
+                </a:extLst>
+              </p14:cNvPr>
+              <p14:cNvContentPartPr/>
+              <p14:nvPr/>
+            </p14:nvContentPartPr>
+            <p14:xfrm>
+              <a:off x="6778929" y="1602537"/>
+              <a:ext cx="287640" cy="306720"/>
+            </p14:xfrm>
+          </p:contentPart>
+        </mc:Choice>
+        <mc:Fallback>
+          <p:pic>
+            <p:nvPicPr>
+              <p:cNvPr id="30" name="Ink 29">
+                <a:extLst>
+                  <a:ext uri="{FF2B5EF4-FFF2-40B4-BE49-F238E27FC236}">
+                    <a16:creationId xmlns:a16="http://schemas.microsoft.com/office/drawing/2014/main" id="{94E9FA58-031E-BF1B-6A27-3D06534DCDEE}"/>
+                  </a:ext>
+                </a:extLst>
+              </p:cNvPr>
+              <p:cNvPicPr/>
+              <p:nvPr/>
+            </p:nvPicPr>
+            <p:blipFill>
+              <a:blip r:embed="rId24"/>
+              <a:stretch>
+                <a:fillRect/>
+              </a:stretch>
+            </p:blipFill>
+            <p:spPr>
+              <a:xfrm>
+                <a:off x="6770289" y="1593537"/>
+                <a:ext cx="305280" cy="324360"/>
+              </a:xfrm>
+              <a:prstGeom prst="rect">
+                <a:avLst/>
+              </a:prstGeom>
+            </p:spPr>
+          </p:pic>
+        </mc:Fallback>
+      </mc:AlternateContent>
+      <mc:AlternateContent xmlns:mc="http://schemas.openxmlformats.org/markup-compatibility/2006">
+        <mc:Choice xmlns:p14="http://schemas.microsoft.com/office/powerpoint/2010/main" Requires="p14">
+          <p:contentPart p14:bwMode="auto" r:id="rId25">
+            <p14:nvContentPartPr>
+              <p14:cNvPr id="31" name="Ink 30">
+                <a:extLst>
+                  <a:ext uri="{FF2B5EF4-FFF2-40B4-BE49-F238E27FC236}">
+                    <a16:creationId xmlns:a16="http://schemas.microsoft.com/office/drawing/2014/main" id="{F9F12F50-3EB9-1719-CD45-32C9DBAC5B0D}"/>
+                  </a:ext>
+                </a:extLst>
+              </p14:cNvPr>
+              <p14:cNvContentPartPr/>
+              <p14:nvPr/>
+            </p14:nvContentPartPr>
+            <p14:xfrm>
+              <a:off x="7901769" y="2190777"/>
+              <a:ext cx="14760" cy="91440"/>
+            </p14:xfrm>
+          </p:contentPart>
+        </mc:Choice>
+        <mc:Fallback>
+          <p:pic>
+            <p:nvPicPr>
+              <p:cNvPr id="31" name="Ink 30">
+                <a:extLst>
+                  <a:ext uri="{FF2B5EF4-FFF2-40B4-BE49-F238E27FC236}">
+                    <a16:creationId xmlns:a16="http://schemas.microsoft.com/office/drawing/2014/main" id="{F9F12F50-3EB9-1719-CD45-32C9DBAC5B0D}"/>
+                  </a:ext>
+                </a:extLst>
+              </p:cNvPr>
+              <p:cNvPicPr/>
+              <p:nvPr/>
+            </p:nvPicPr>
+            <p:blipFill>
+              <a:blip r:embed="rId26"/>
+              <a:stretch>
+                <a:fillRect/>
+              </a:stretch>
+            </p:blipFill>
+            <p:spPr>
+              <a:xfrm>
+                <a:off x="7892769" y="2182137"/>
+                <a:ext cx="32400" cy="109080"/>
+              </a:xfrm>
+              <a:prstGeom prst="rect">
+                <a:avLst/>
+              </a:prstGeom>
+            </p:spPr>
+          </p:pic>
+        </mc:Fallback>
+      </mc:AlternateContent>
+      <mc:AlternateContent xmlns:mc="http://schemas.openxmlformats.org/markup-compatibility/2006">
+        <mc:Choice xmlns:p14="http://schemas.microsoft.com/office/powerpoint/2010/main" Requires="p14">
+          <p:contentPart p14:bwMode="auto" r:id="rId27">
+            <p14:nvContentPartPr>
+              <p14:cNvPr id="32" name="Ink 31">
+                <a:extLst>
+                  <a:ext uri="{FF2B5EF4-FFF2-40B4-BE49-F238E27FC236}">
+                    <a16:creationId xmlns:a16="http://schemas.microsoft.com/office/drawing/2014/main" id="{1C2BE5D8-3C05-ED57-9B1C-1AFCD91CABCA}"/>
+                  </a:ext>
+                </a:extLst>
+              </p14:cNvPr>
+              <p14:cNvContentPartPr/>
+              <p14:nvPr/>
+            </p14:nvContentPartPr>
+            <p14:xfrm>
+              <a:off x="1897689" y="1569777"/>
+              <a:ext cx="180360" cy="360"/>
+            </p14:xfrm>
+          </p:contentPart>
+        </mc:Choice>
+        <mc:Fallback>
+          <p:pic>
+            <p:nvPicPr>
+              <p:cNvPr id="32" name="Ink 31">
+                <a:extLst>
+                  <a:ext uri="{FF2B5EF4-FFF2-40B4-BE49-F238E27FC236}">
+                    <a16:creationId xmlns:a16="http://schemas.microsoft.com/office/drawing/2014/main" id="{1C2BE5D8-3C05-ED57-9B1C-1AFCD91CABCA}"/>
+                  </a:ext>
+                </a:extLst>
+              </p:cNvPr>
+              <p:cNvPicPr/>
+              <p:nvPr/>
+            </p:nvPicPr>
+            <p:blipFill>
+              <a:blip r:embed="rId28"/>
+              <a:stretch>
+                <a:fillRect/>
+              </a:stretch>
+            </p:blipFill>
+            <p:spPr>
+              <a:xfrm>
+                <a:off x="1889049" y="1561137"/>
+                <a:ext cx="198000" cy="18000"/>
+              </a:xfrm>
+              <a:prstGeom prst="rect">
+                <a:avLst/>
+              </a:prstGeom>
+            </p:spPr>
+          </p:pic>
+        </mc:Fallback>
+      </mc:AlternateContent>
+      <p:grpSp>
+        <p:nvGrpSpPr>
+          <p:cNvPr id="36" name="Group 35">
+            <a:extLst>
+              <a:ext uri="{FF2B5EF4-FFF2-40B4-BE49-F238E27FC236}">
+                <a16:creationId xmlns:a16="http://schemas.microsoft.com/office/drawing/2014/main" id="{E66AD07B-8A36-4C4E-611E-A3D059B13804}"/>
+              </a:ext>
+            </a:extLst>
+          </p:cNvPr>
+          <p:cNvGrpSpPr/>
+          <p:nvPr/>
+        </p:nvGrpSpPr>
+        <p:grpSpPr>
+          <a:xfrm>
+            <a:off x="2077689" y="1429377"/>
+            <a:ext cx="1939320" cy="236880"/>
+            <a:chOff x="2077689" y="1429377"/>
+            <a:chExt cx="1939320" cy="236880"/>
+          </a:xfrm>
+        </p:grpSpPr>
+        <mc:AlternateContent xmlns:mc="http://schemas.openxmlformats.org/markup-compatibility/2006">
+          <mc:Choice xmlns:p14="http://schemas.microsoft.com/office/powerpoint/2010/main" Requires="p14">
+            <p:contentPart p14:bwMode="auto" r:id="rId29">
+              <p14:nvContentPartPr>
+                <p14:cNvPr id="34" name="Ink 33">
+                  <a:extLst>
+                    <a:ext uri="{FF2B5EF4-FFF2-40B4-BE49-F238E27FC236}">
+                      <a16:creationId xmlns:a16="http://schemas.microsoft.com/office/drawing/2014/main" id="{121D9BFF-8863-3EF8-EF21-D2A6BBBA681A}"/>
+                    </a:ext>
+                  </a:extLst>
+                </p14:cNvPr>
+                <p14:cNvContentPartPr/>
+                <p14:nvPr/>
+              </p14:nvContentPartPr>
+              <p14:xfrm>
+                <a:off x="2077689" y="1429377"/>
+                <a:ext cx="277920" cy="236880"/>
+              </p14:xfrm>
+            </p:contentPart>
+          </mc:Choice>
+          <mc:Fallback>
+            <p:pic>
+              <p:nvPicPr>
+                <p:cNvPr id="34" name="Ink 33">
+                  <a:extLst>
+                    <a:ext uri="{FF2B5EF4-FFF2-40B4-BE49-F238E27FC236}">
+                      <a16:creationId xmlns:a16="http://schemas.microsoft.com/office/drawing/2014/main" id="{121D9BFF-8863-3EF8-EF21-D2A6BBBA681A}"/>
+                    </a:ext>
+                  </a:extLst>
+                </p:cNvPr>
+                <p:cNvPicPr/>
+                <p:nvPr/>
+              </p:nvPicPr>
+              <p:blipFill>
+                <a:blip r:embed="rId30"/>
+                <a:stretch>
+                  <a:fillRect/>
+                </a:stretch>
+              </p:blipFill>
+              <p:spPr>
+                <a:xfrm>
+                  <a:off x="2069049" y="1420737"/>
+                  <a:ext cx="295560" cy="254520"/>
+                </a:xfrm>
+                <a:prstGeom prst="rect">
+                  <a:avLst/>
+                </a:prstGeom>
+              </p:spPr>
+            </p:pic>
+          </mc:Fallback>
+        </mc:AlternateContent>
+        <mc:AlternateContent xmlns:mc="http://schemas.openxmlformats.org/markup-compatibility/2006">
+          <mc:Choice xmlns:p14="http://schemas.microsoft.com/office/powerpoint/2010/main" Requires="p14">
+            <p:contentPart p14:bwMode="auto" r:id="rId31">
+              <p14:nvContentPartPr>
+                <p14:cNvPr id="35" name="Ink 34">
+                  <a:extLst>
+                    <a:ext uri="{FF2B5EF4-FFF2-40B4-BE49-F238E27FC236}">
+                      <a16:creationId xmlns:a16="http://schemas.microsoft.com/office/drawing/2014/main" id="{EF7ADAA2-3F03-D57D-1D96-A4A9731C5603}"/>
+                    </a:ext>
+                  </a:extLst>
+                </p14:cNvPr>
+                <p14:cNvContentPartPr/>
+                <p14:nvPr/>
+              </p14:nvContentPartPr>
+              <p14:xfrm>
+                <a:off x="2372169" y="1525857"/>
+                <a:ext cx="1644840" cy="61920"/>
+              </p14:xfrm>
+            </p:contentPart>
+          </mc:Choice>
+          <mc:Fallback>
+            <p:pic>
+              <p:nvPicPr>
+                <p:cNvPr id="35" name="Ink 34">
+                  <a:extLst>
+                    <a:ext uri="{FF2B5EF4-FFF2-40B4-BE49-F238E27FC236}">
+                      <a16:creationId xmlns:a16="http://schemas.microsoft.com/office/drawing/2014/main" id="{EF7ADAA2-3F03-D57D-1D96-A4A9731C5603}"/>
+                    </a:ext>
+                  </a:extLst>
+                </p:cNvPr>
+                <p:cNvPicPr/>
+                <p:nvPr/>
+              </p:nvPicPr>
+              <p:blipFill>
+                <a:blip r:embed="rId32"/>
+                <a:stretch>
+                  <a:fillRect/>
+                </a:stretch>
+              </p:blipFill>
+              <p:spPr>
+                <a:xfrm>
+                  <a:off x="2363169" y="1516857"/>
+                  <a:ext cx="1662480" cy="79560"/>
+                </a:xfrm>
+                <a:prstGeom prst="rect">
+                  <a:avLst/>
+                </a:prstGeom>
+              </p:spPr>
+            </p:pic>
+          </mc:Fallback>
+        </mc:AlternateContent>
+      </p:grpSp>
+      <mc:AlternateContent xmlns:mc="http://schemas.openxmlformats.org/markup-compatibility/2006">
+        <mc:Choice xmlns:p14="http://schemas.microsoft.com/office/powerpoint/2010/main" Requires="p14">
+          <p:contentPart p14:bwMode="auto" r:id="rId33">
+            <p14:nvContentPartPr>
+              <p14:cNvPr id="37" name="Ink 36">
+                <a:extLst>
+                  <a:ext uri="{FF2B5EF4-FFF2-40B4-BE49-F238E27FC236}">
+                    <a16:creationId xmlns:a16="http://schemas.microsoft.com/office/drawing/2014/main" id="{1FCA837B-A185-C031-1180-41D3D7585ADB}"/>
+                  </a:ext>
+                </a:extLst>
+              </p14:cNvPr>
+              <p14:cNvContentPartPr/>
+              <p14:nvPr/>
+            </p14:nvContentPartPr>
+            <p14:xfrm>
+              <a:off x="6029769" y="1655457"/>
+              <a:ext cx="680760" cy="79200"/>
+            </p14:xfrm>
+          </p:contentPart>
+        </mc:Choice>
+        <mc:Fallback>
+          <p:pic>
+            <p:nvPicPr>
+              <p:cNvPr id="37" name="Ink 36">
+                <a:extLst>
+                  <a:ext uri="{FF2B5EF4-FFF2-40B4-BE49-F238E27FC236}">
+                    <a16:creationId xmlns:a16="http://schemas.microsoft.com/office/drawing/2014/main" id="{1FCA837B-A185-C031-1180-41D3D7585ADB}"/>
+                  </a:ext>
+                </a:extLst>
+              </p:cNvPr>
+              <p:cNvPicPr/>
+              <p:nvPr/>
+            </p:nvPicPr>
+            <p:blipFill>
+              <a:blip r:embed="rId34"/>
+              <a:stretch>
+                <a:fillRect/>
+              </a:stretch>
+            </p:blipFill>
+            <p:spPr>
+              <a:xfrm>
+                <a:off x="6020769" y="1646817"/>
+                <a:ext cx="698400" cy="96840"/>
+              </a:xfrm>
+              <a:prstGeom prst="rect">
+                <a:avLst/>
+              </a:prstGeom>
+            </p:spPr>
+          </p:pic>
+        </mc:Fallback>
+      </mc:AlternateContent>
+      <p:pic>
+        <p:nvPicPr>
+          <p:cNvPr id="38" name="Picture 37">
+            <a:extLst>
+              <a:ext uri="{FF2B5EF4-FFF2-40B4-BE49-F238E27FC236}">
+                <a16:creationId xmlns:a16="http://schemas.microsoft.com/office/drawing/2014/main" id="{6E4AC159-B47D-9953-95B7-EF332545D866}"/>
+              </a:ext>
+            </a:extLst>
+          </p:cNvPr>
+          <p:cNvPicPr>
+            <a:picLocks noChangeAspect="1"/>
+          </p:cNvPicPr>
+          <p:nvPr/>
+        </p:nvPicPr>
+        <p:blipFill>
+          <a:blip r:embed="rId35"/>
+          <a:stretch>
+            <a:fillRect/>
+          </a:stretch>
+        </p:blipFill>
+        <p:spPr>
+          <a:xfrm>
+            <a:off x="6676256" y="3377282"/>
+            <a:ext cx="2451025" cy="998098"/>
+          </a:xfrm>
+          <a:prstGeom prst="rect">
+            <a:avLst/>
+          </a:prstGeom>
+        </p:spPr>
+      </p:pic>
+      <p:grpSp>
+        <p:nvGrpSpPr>
+          <p:cNvPr id="43" name="Group 42">
+            <a:extLst>
+              <a:ext uri="{FF2B5EF4-FFF2-40B4-BE49-F238E27FC236}">
+                <a16:creationId xmlns:a16="http://schemas.microsoft.com/office/drawing/2014/main" id="{46127BAC-F2FA-22C2-EDF2-97C344DB1B7F}"/>
+              </a:ext>
+            </a:extLst>
+          </p:cNvPr>
+          <p:cNvGrpSpPr/>
+          <p:nvPr/>
+        </p:nvGrpSpPr>
+        <p:grpSpPr>
+          <a:xfrm>
+            <a:off x="1768449" y="1853137"/>
+            <a:ext cx="2304360" cy="296280"/>
+            <a:chOff x="1768449" y="1853137"/>
+            <a:chExt cx="2304360" cy="296280"/>
+          </a:xfrm>
+        </p:grpSpPr>
+        <mc:AlternateContent xmlns:mc="http://schemas.openxmlformats.org/markup-compatibility/2006">
+          <mc:Choice xmlns:p14="http://schemas.microsoft.com/office/powerpoint/2010/main" Requires="p14">
+            <p:contentPart p14:bwMode="auto" r:id="rId36">
+              <p14:nvContentPartPr>
+                <p14:cNvPr id="39" name="Ink 38">
+                  <a:extLst>
+                    <a:ext uri="{FF2B5EF4-FFF2-40B4-BE49-F238E27FC236}">
+                      <a16:creationId xmlns:a16="http://schemas.microsoft.com/office/drawing/2014/main" id="{0E40CF0C-616C-46B6-4EDC-23AD0C483003}"/>
+                    </a:ext>
+                  </a:extLst>
+                </p14:cNvPr>
+                <p14:cNvContentPartPr/>
+                <p14:nvPr/>
+              </p14:nvContentPartPr>
+              <p14:xfrm>
+                <a:off x="1768449" y="2015137"/>
+                <a:ext cx="297720" cy="3600"/>
+              </p14:xfrm>
+            </p:contentPart>
+          </mc:Choice>
+          <mc:Fallback>
+            <p:pic>
+              <p:nvPicPr>
+                <p:cNvPr id="39" name="Ink 38">
+                  <a:extLst>
+                    <a:ext uri="{FF2B5EF4-FFF2-40B4-BE49-F238E27FC236}">
+                      <a16:creationId xmlns:a16="http://schemas.microsoft.com/office/drawing/2014/main" id="{0E40CF0C-616C-46B6-4EDC-23AD0C483003}"/>
+                    </a:ext>
+                  </a:extLst>
+                </p:cNvPr>
+                <p:cNvPicPr/>
+                <p:nvPr/>
+              </p:nvPicPr>
+              <p:blipFill>
+                <a:blip r:embed="rId37"/>
+                <a:stretch>
+                  <a:fillRect/>
+                </a:stretch>
+              </p:blipFill>
+              <p:spPr>
+                <a:xfrm>
+                  <a:off x="1759449" y="2006137"/>
+                  <a:ext cx="315360" cy="21240"/>
+                </a:xfrm>
+                <a:prstGeom prst="rect">
+                  <a:avLst/>
+                </a:prstGeom>
+              </p:spPr>
+            </p:pic>
+          </mc:Fallback>
+        </mc:AlternateContent>
+        <mc:AlternateContent xmlns:mc="http://schemas.openxmlformats.org/markup-compatibility/2006">
+          <mc:Choice xmlns:p14="http://schemas.microsoft.com/office/powerpoint/2010/main" Requires="p14">
+            <p:contentPart p14:bwMode="auto" r:id="rId38">
+              <p14:nvContentPartPr>
+                <p14:cNvPr id="40" name="Ink 39">
+                  <a:extLst>
+                    <a:ext uri="{FF2B5EF4-FFF2-40B4-BE49-F238E27FC236}">
+                      <a16:creationId xmlns:a16="http://schemas.microsoft.com/office/drawing/2014/main" id="{35DB4F7C-F4CA-8EE1-1337-1CB22AFFF7B6}"/>
+                    </a:ext>
+                  </a:extLst>
+                </p14:cNvPr>
+                <p14:cNvContentPartPr/>
+                <p14:nvPr/>
+              </p14:nvContentPartPr>
+              <p14:xfrm>
+                <a:off x="2103249" y="1853137"/>
+                <a:ext cx="245880" cy="236880"/>
+              </p14:xfrm>
+            </p:contentPart>
+          </mc:Choice>
+          <mc:Fallback>
+            <p:pic>
+              <p:nvPicPr>
+                <p:cNvPr id="40" name="Ink 39">
+                  <a:extLst>
+                    <a:ext uri="{FF2B5EF4-FFF2-40B4-BE49-F238E27FC236}">
+                      <a16:creationId xmlns:a16="http://schemas.microsoft.com/office/drawing/2014/main" id="{35DB4F7C-F4CA-8EE1-1337-1CB22AFFF7B6}"/>
+                    </a:ext>
+                  </a:extLst>
+                </p:cNvPr>
+                <p:cNvPicPr/>
+                <p:nvPr/>
+              </p:nvPicPr>
+              <p:blipFill>
+                <a:blip r:embed="rId39"/>
+                <a:stretch>
+                  <a:fillRect/>
+                </a:stretch>
+              </p:blipFill>
+              <p:spPr>
+                <a:xfrm>
+                  <a:off x="2094249" y="1844137"/>
+                  <a:ext cx="263520" cy="254520"/>
+                </a:xfrm>
+                <a:prstGeom prst="rect">
+                  <a:avLst/>
+                </a:prstGeom>
+              </p:spPr>
+            </p:pic>
+          </mc:Fallback>
+        </mc:AlternateContent>
+        <mc:AlternateContent xmlns:mc="http://schemas.openxmlformats.org/markup-compatibility/2006">
+          <mc:Choice xmlns:p14="http://schemas.microsoft.com/office/powerpoint/2010/main" Requires="p14">
+            <p:contentPart p14:bwMode="auto" r:id="rId40">
+              <p14:nvContentPartPr>
+                <p14:cNvPr id="42" name="Ink 41">
+                  <a:extLst>
+                    <a:ext uri="{FF2B5EF4-FFF2-40B4-BE49-F238E27FC236}">
+                      <a16:creationId xmlns:a16="http://schemas.microsoft.com/office/drawing/2014/main" id="{A6FE6650-CE2B-68F0-87B5-535783CF7159}"/>
+                    </a:ext>
+                  </a:extLst>
+                </p14:cNvPr>
+                <p14:cNvContentPartPr/>
+                <p14:nvPr/>
+              </p14:nvContentPartPr>
+              <p14:xfrm>
+                <a:off x="2345889" y="2026657"/>
+                <a:ext cx="1726920" cy="122760"/>
+              </p14:xfrm>
+            </p:contentPart>
+          </mc:Choice>
+          <mc:Fallback>
+            <p:pic>
+              <p:nvPicPr>
+                <p:cNvPr id="42" name="Ink 41">
+                  <a:extLst>
+                    <a:ext uri="{FF2B5EF4-FFF2-40B4-BE49-F238E27FC236}">
+                      <a16:creationId xmlns:a16="http://schemas.microsoft.com/office/drawing/2014/main" id="{A6FE6650-CE2B-68F0-87B5-535783CF7159}"/>
+                    </a:ext>
+                  </a:extLst>
+                </p:cNvPr>
+                <p:cNvPicPr/>
+                <p:nvPr/>
+              </p:nvPicPr>
+              <p:blipFill>
+                <a:blip r:embed="rId41"/>
+                <a:stretch>
+                  <a:fillRect/>
+                </a:stretch>
+              </p:blipFill>
+              <p:spPr>
+                <a:xfrm>
+                  <a:off x="2337249" y="2018017"/>
+                  <a:ext cx="1744560" cy="140400"/>
+                </a:xfrm>
+                <a:prstGeom prst="rect">
+                  <a:avLst/>
+                </a:prstGeom>
+              </p:spPr>
+            </p:pic>
+          </mc:Fallback>
+        </mc:AlternateContent>
+      </p:grpSp>
+      <mc:AlternateContent xmlns:mc="http://schemas.openxmlformats.org/markup-compatibility/2006">
+        <mc:Choice xmlns:p14="http://schemas.microsoft.com/office/powerpoint/2010/main" Requires="p14">
+          <p:contentPart p14:bwMode="auto" r:id="rId42">
+            <p14:nvContentPartPr>
+              <p14:cNvPr id="44" name="Ink 43">
+                <a:extLst>
+                  <a:ext uri="{FF2B5EF4-FFF2-40B4-BE49-F238E27FC236}">
+                    <a16:creationId xmlns:a16="http://schemas.microsoft.com/office/drawing/2014/main" id="{BC54F37F-F77D-6876-BB14-4E71F6C159E8}"/>
+                  </a:ext>
+                </a:extLst>
+              </p14:cNvPr>
+              <p14:cNvContentPartPr/>
+              <p14:nvPr/>
+            </p14:nvContentPartPr>
+            <p14:xfrm>
+              <a:off x="5848689" y="2122057"/>
+              <a:ext cx="816840" cy="476640"/>
+            </p14:xfrm>
+          </p:contentPart>
+        </mc:Choice>
+        <mc:Fallback>
+          <p:pic>
+            <p:nvPicPr>
+              <p:cNvPr id="44" name="Ink 43">
+                <a:extLst>
+                  <a:ext uri="{FF2B5EF4-FFF2-40B4-BE49-F238E27FC236}">
+                    <a16:creationId xmlns:a16="http://schemas.microsoft.com/office/drawing/2014/main" id="{BC54F37F-F77D-6876-BB14-4E71F6C159E8}"/>
+                  </a:ext>
+                </a:extLst>
+              </p:cNvPr>
+              <p:cNvPicPr/>
+              <p:nvPr/>
+            </p:nvPicPr>
+            <p:blipFill>
+              <a:blip r:embed="rId43"/>
+              <a:stretch>
+                <a:fillRect/>
+              </a:stretch>
+            </p:blipFill>
+            <p:spPr>
+              <a:xfrm>
+                <a:off x="5839689" y="2113057"/>
+                <a:ext cx="834480" cy="494280"/>
+              </a:xfrm>
+              <a:prstGeom prst="rect">
+                <a:avLst/>
+              </a:prstGeom>
+            </p:spPr>
+          </p:pic>
+        </mc:Fallback>
+      </mc:AlternateContent>
+      <mc:AlternateContent xmlns:mc="http://schemas.openxmlformats.org/markup-compatibility/2006">
+        <mc:Choice xmlns:p14="http://schemas.microsoft.com/office/powerpoint/2010/main" Requires="p14">
+          <p:contentPart p14:bwMode="auto" r:id="rId44">
+            <p14:nvContentPartPr>
+              <p14:cNvPr id="45" name="Ink 44">
+                <a:extLst>
+                  <a:ext uri="{FF2B5EF4-FFF2-40B4-BE49-F238E27FC236}">
+                    <a16:creationId xmlns:a16="http://schemas.microsoft.com/office/drawing/2014/main" id="{7B3B2972-AEB3-0355-B393-CBA7E8029F9F}"/>
+                  </a:ext>
+                </a:extLst>
+              </p14:cNvPr>
+              <p14:cNvContentPartPr/>
+              <p14:nvPr/>
+            </p14:nvContentPartPr>
+            <p14:xfrm>
+              <a:off x="7858209" y="3217537"/>
+              <a:ext cx="360" cy="139320"/>
+            </p14:xfrm>
+          </p:contentPart>
+        </mc:Choice>
+        <mc:Fallback>
+          <p:pic>
+            <p:nvPicPr>
+              <p:cNvPr id="45" name="Ink 44">
+                <a:extLst>
+                  <a:ext uri="{FF2B5EF4-FFF2-40B4-BE49-F238E27FC236}">
+                    <a16:creationId xmlns:a16="http://schemas.microsoft.com/office/drawing/2014/main" id="{7B3B2972-AEB3-0355-B393-CBA7E8029F9F}"/>
+                  </a:ext>
+                </a:extLst>
+              </p:cNvPr>
+              <p:cNvPicPr/>
+              <p:nvPr/>
+            </p:nvPicPr>
+            <p:blipFill>
+              <a:blip r:embed="rId45"/>
+              <a:stretch>
+                <a:fillRect/>
+              </a:stretch>
+            </p:blipFill>
+            <p:spPr>
+              <a:xfrm>
+                <a:off x="7849569" y="3208537"/>
+                <a:ext cx="18000" cy="156960"/>
+              </a:xfrm>
+              <a:prstGeom prst="rect">
+                <a:avLst/>
+              </a:prstGeom>
+            </p:spPr>
+          </p:pic>
+        </mc:Fallback>
+      </mc:AlternateContent>
+      <mc:AlternateContent xmlns:mc="http://schemas.openxmlformats.org/markup-compatibility/2006">
+        <mc:Choice xmlns:p14="http://schemas.microsoft.com/office/powerpoint/2010/main" Requires="p14">
+          <p:contentPart p14:bwMode="auto" r:id="rId46">
+            <p14:nvContentPartPr>
+              <p14:cNvPr id="46" name="Ink 45">
+                <a:extLst>
+                  <a:ext uri="{FF2B5EF4-FFF2-40B4-BE49-F238E27FC236}">
+                    <a16:creationId xmlns:a16="http://schemas.microsoft.com/office/drawing/2014/main" id="{6490E571-829D-3C04-F66F-F6E721B5B59E}"/>
+                  </a:ext>
+                </a:extLst>
+              </p14:cNvPr>
+              <p14:cNvContentPartPr/>
+              <p14:nvPr/>
+            </p14:nvContentPartPr>
+            <p14:xfrm>
+              <a:off x="7944609" y="1177417"/>
+              <a:ext cx="147960" cy="172080"/>
+            </p14:xfrm>
+          </p:contentPart>
+        </mc:Choice>
+        <mc:Fallback>
+          <p:pic>
+            <p:nvPicPr>
+              <p:cNvPr id="46" name="Ink 45">
+                <a:extLst>
+                  <a:ext uri="{FF2B5EF4-FFF2-40B4-BE49-F238E27FC236}">
+                    <a16:creationId xmlns:a16="http://schemas.microsoft.com/office/drawing/2014/main" id="{6490E571-829D-3C04-F66F-F6E721B5B59E}"/>
+                  </a:ext>
+                </a:extLst>
+              </p:cNvPr>
+              <p:cNvPicPr/>
+              <p:nvPr/>
+            </p:nvPicPr>
+            <p:blipFill>
+              <a:blip r:embed="rId47"/>
+              <a:stretch>
+                <a:fillRect/>
+              </a:stretch>
+            </p:blipFill>
+            <p:spPr>
+              <a:xfrm>
+                <a:off x="7935969" y="1168777"/>
+                <a:ext cx="165600" cy="189720"/>
+              </a:xfrm>
+              <a:prstGeom prst="rect">
+                <a:avLst/>
+              </a:prstGeom>
+            </p:spPr>
+          </p:pic>
+        </mc:Fallback>
+      </mc:AlternateContent>
+      <mc:AlternateContent xmlns:mc="http://schemas.openxmlformats.org/markup-compatibility/2006">
+        <mc:Choice xmlns:p14="http://schemas.microsoft.com/office/powerpoint/2010/main" Requires="p14">
+          <p:contentPart p14:bwMode="auto" r:id="rId48">
+            <p14:nvContentPartPr>
+              <p14:cNvPr id="47" name="Ink 46">
+                <a:extLst>
+                  <a:ext uri="{FF2B5EF4-FFF2-40B4-BE49-F238E27FC236}">
+                    <a16:creationId xmlns:a16="http://schemas.microsoft.com/office/drawing/2014/main" id="{7881245F-E1ED-7C22-5C86-DD12E7B80DB4}"/>
+                  </a:ext>
+                </a:extLst>
+              </p14:cNvPr>
+              <p14:cNvContentPartPr/>
+              <p14:nvPr/>
+            </p14:nvContentPartPr>
+            <p14:xfrm>
+              <a:off x="7867209" y="2234017"/>
+              <a:ext cx="104400" cy="164160"/>
+            </p14:xfrm>
+          </p:contentPart>
+        </mc:Choice>
+        <mc:Fallback>
+          <p:pic>
+            <p:nvPicPr>
+              <p:cNvPr id="47" name="Ink 46">
+                <a:extLst>
+                  <a:ext uri="{FF2B5EF4-FFF2-40B4-BE49-F238E27FC236}">
+                    <a16:creationId xmlns:a16="http://schemas.microsoft.com/office/drawing/2014/main" id="{7881245F-E1ED-7C22-5C86-DD12E7B80DB4}"/>
+                  </a:ext>
+                </a:extLst>
+              </p:cNvPr>
+              <p:cNvPicPr/>
+              <p:nvPr/>
+            </p:nvPicPr>
+            <p:blipFill>
+              <a:blip r:embed="rId49"/>
+              <a:stretch>
+                <a:fillRect/>
+              </a:stretch>
+            </p:blipFill>
+            <p:spPr>
+              <a:xfrm>
+                <a:off x="7858209" y="2225377"/>
+                <a:ext cx="122040" cy="181800"/>
+              </a:xfrm>
+              <a:prstGeom prst="rect">
+                <a:avLst/>
+              </a:prstGeom>
+            </p:spPr>
+          </p:pic>
+        </mc:Fallback>
+      </mc:AlternateContent>
+      <mc:AlternateContent xmlns:mc="http://schemas.openxmlformats.org/markup-compatibility/2006">
+        <mc:Choice xmlns:p14="http://schemas.microsoft.com/office/powerpoint/2010/main" Requires="p14">
+          <p:contentPart p14:bwMode="auto" r:id="rId50">
+            <p14:nvContentPartPr>
+              <p14:cNvPr id="48" name="Ink 47">
+                <a:extLst>
+                  <a:ext uri="{FF2B5EF4-FFF2-40B4-BE49-F238E27FC236}">
+                    <a16:creationId xmlns:a16="http://schemas.microsoft.com/office/drawing/2014/main" id="{7FF803C9-AD92-7976-12E4-E2C57380F037}"/>
+                  </a:ext>
+                </a:extLst>
+              </p14:cNvPr>
+              <p14:cNvContentPartPr/>
+              <p14:nvPr/>
+            </p14:nvContentPartPr>
+            <p14:xfrm>
+              <a:off x="7789449" y="3309697"/>
+              <a:ext cx="202680" cy="190800"/>
+            </p14:xfrm>
+          </p:contentPart>
+        </mc:Choice>
+        <mc:Fallback>
+          <p:pic>
+            <p:nvPicPr>
+              <p:cNvPr id="48" name="Ink 47">
+                <a:extLst>
+                  <a:ext uri="{FF2B5EF4-FFF2-40B4-BE49-F238E27FC236}">
+                    <a16:creationId xmlns:a16="http://schemas.microsoft.com/office/drawing/2014/main" id="{7FF803C9-AD92-7976-12E4-E2C57380F037}"/>
+                  </a:ext>
+                </a:extLst>
+              </p:cNvPr>
+              <p:cNvPicPr/>
+              <p:nvPr/>
+            </p:nvPicPr>
+            <p:blipFill>
+              <a:blip r:embed="rId51"/>
+              <a:stretch>
+                <a:fillRect/>
+              </a:stretch>
+            </p:blipFill>
+            <p:spPr>
+              <a:xfrm>
+                <a:off x="7780809" y="3301057"/>
+                <a:ext cx="220320" cy="208440"/>
+              </a:xfrm>
+              <a:prstGeom prst="rect">
+                <a:avLst/>
+              </a:prstGeom>
+            </p:spPr>
+          </p:pic>
+        </mc:Fallback>
+      </mc:AlternateContent>
+      <mc:AlternateContent xmlns:mc="http://schemas.openxmlformats.org/markup-compatibility/2006">
+        <mc:Choice xmlns:p14="http://schemas.microsoft.com/office/powerpoint/2010/main" Requires="p14">
+          <p:contentPart p14:bwMode="auto" r:id="rId52">
+            <p14:nvContentPartPr>
+              <p14:cNvPr id="49" name="Ink 48">
+                <a:extLst>
+                  <a:ext uri="{FF2B5EF4-FFF2-40B4-BE49-F238E27FC236}">
+                    <a16:creationId xmlns:a16="http://schemas.microsoft.com/office/drawing/2014/main" id="{3DB4C132-F61C-658F-BA8F-37DD65DFB3EC}"/>
+                  </a:ext>
+                </a:extLst>
+              </p14:cNvPr>
+              <p14:cNvContentPartPr/>
+              <p14:nvPr/>
+            </p14:nvContentPartPr>
+            <p14:xfrm>
+              <a:off x="1871769" y="2552617"/>
+              <a:ext cx="151560" cy="7200"/>
+            </p14:xfrm>
+          </p:contentPart>
+        </mc:Choice>
+        <mc:Fallback>
+          <p:pic>
+            <p:nvPicPr>
+              <p:cNvPr id="49" name="Ink 48">
+                <a:extLst>
+                  <a:ext uri="{FF2B5EF4-FFF2-40B4-BE49-F238E27FC236}">
+                    <a16:creationId xmlns:a16="http://schemas.microsoft.com/office/drawing/2014/main" id="{3DB4C132-F61C-658F-BA8F-37DD65DFB3EC}"/>
+                  </a:ext>
+                </a:extLst>
+              </p:cNvPr>
+              <p:cNvPicPr/>
+              <p:nvPr/>
+            </p:nvPicPr>
+            <p:blipFill>
+              <a:blip r:embed="rId53"/>
+              <a:stretch>
+                <a:fillRect/>
+              </a:stretch>
+            </p:blipFill>
+            <p:spPr>
+              <a:xfrm>
+                <a:off x="1862769" y="2543977"/>
+                <a:ext cx="169200" cy="24840"/>
+              </a:xfrm>
+              <a:prstGeom prst="rect">
+                <a:avLst/>
+              </a:prstGeom>
+            </p:spPr>
+          </p:pic>
+        </mc:Fallback>
+      </mc:AlternateContent>
+      <mc:AlternateContent xmlns:mc="http://schemas.openxmlformats.org/markup-compatibility/2006">
+        <mc:Choice xmlns:p14="http://schemas.microsoft.com/office/powerpoint/2010/main" Requires="p14">
+          <p:contentPart p14:bwMode="auto" r:id="rId54">
+            <p14:nvContentPartPr>
+              <p14:cNvPr id="50" name="Ink 49">
+                <a:extLst>
+                  <a:ext uri="{FF2B5EF4-FFF2-40B4-BE49-F238E27FC236}">
+                    <a16:creationId xmlns:a16="http://schemas.microsoft.com/office/drawing/2014/main" id="{3A8AE495-EFC1-07A3-D025-3407B993807E}"/>
+                  </a:ext>
+                </a:extLst>
+              </p14:cNvPr>
+              <p14:cNvContentPartPr/>
+              <p14:nvPr/>
+            </p14:nvContentPartPr>
+            <p14:xfrm>
+              <a:off x="2093529" y="2430217"/>
+              <a:ext cx="209160" cy="252720"/>
+            </p14:xfrm>
+          </p:contentPart>
+        </mc:Choice>
+        <mc:Fallback>
+          <p:pic>
+            <p:nvPicPr>
+              <p:cNvPr id="50" name="Ink 49">
+                <a:extLst>
+                  <a:ext uri="{FF2B5EF4-FFF2-40B4-BE49-F238E27FC236}">
+                    <a16:creationId xmlns:a16="http://schemas.microsoft.com/office/drawing/2014/main" id="{3A8AE495-EFC1-07A3-D025-3407B993807E}"/>
+                  </a:ext>
+                </a:extLst>
+              </p:cNvPr>
+              <p:cNvPicPr/>
+              <p:nvPr/>
+            </p:nvPicPr>
+            <p:blipFill>
+              <a:blip r:embed="rId55"/>
+              <a:stretch>
+                <a:fillRect/>
+              </a:stretch>
+            </p:blipFill>
+            <p:spPr>
+              <a:xfrm>
+                <a:off x="2084529" y="2421217"/>
+                <a:ext cx="226800" cy="270360"/>
+              </a:xfrm>
+              <a:prstGeom prst="rect">
+                <a:avLst/>
+              </a:prstGeom>
+            </p:spPr>
+          </p:pic>
+        </mc:Fallback>
+      </mc:AlternateContent>
+      <mc:AlternateContent xmlns:mc="http://schemas.openxmlformats.org/markup-compatibility/2006">
+        <mc:Choice xmlns:p14="http://schemas.microsoft.com/office/powerpoint/2010/main" Requires="p14">
+          <p:contentPart p14:bwMode="auto" r:id="rId56">
+            <p14:nvContentPartPr>
+              <p14:cNvPr id="51" name="Ink 50">
+                <a:extLst>
+                  <a:ext uri="{FF2B5EF4-FFF2-40B4-BE49-F238E27FC236}">
+                    <a16:creationId xmlns:a16="http://schemas.microsoft.com/office/drawing/2014/main" id="{B91CBB7C-673D-7B3A-7F5C-8D19B8669C36}"/>
+                  </a:ext>
+                </a:extLst>
+              </p14:cNvPr>
+              <p14:cNvContentPartPr/>
+              <p14:nvPr/>
+            </p14:nvContentPartPr>
+            <p14:xfrm>
+              <a:off x="2303049" y="2570617"/>
+              <a:ext cx="1657440" cy="68040"/>
+            </p14:xfrm>
+          </p:contentPart>
+        </mc:Choice>
+        <mc:Fallback>
+          <p:pic>
+            <p:nvPicPr>
+              <p:cNvPr id="51" name="Ink 50">
+                <a:extLst>
+                  <a:ext uri="{FF2B5EF4-FFF2-40B4-BE49-F238E27FC236}">
+                    <a16:creationId xmlns:a16="http://schemas.microsoft.com/office/drawing/2014/main" id="{B91CBB7C-673D-7B3A-7F5C-8D19B8669C36}"/>
+                  </a:ext>
+                </a:extLst>
+              </p:cNvPr>
+              <p:cNvPicPr/>
+              <p:nvPr/>
+            </p:nvPicPr>
+            <p:blipFill>
+              <a:blip r:embed="rId57"/>
+              <a:stretch>
+                <a:fillRect/>
+              </a:stretch>
+            </p:blipFill>
+            <p:spPr>
+              <a:xfrm>
+                <a:off x="2294049" y="2561977"/>
+                <a:ext cx="1675080" cy="85680"/>
+              </a:xfrm>
+              <a:prstGeom prst="rect">
+                <a:avLst/>
+              </a:prstGeom>
+            </p:spPr>
+          </p:pic>
+        </mc:Fallback>
+      </mc:AlternateContent>
+      <mc:AlternateContent xmlns:mc="http://schemas.openxmlformats.org/markup-compatibility/2006">
+        <mc:Choice xmlns:p14="http://schemas.microsoft.com/office/powerpoint/2010/main" Requires="p14">
+          <p:contentPart p14:bwMode="auto" r:id="rId58">
+            <p14:nvContentPartPr>
+              <p14:cNvPr id="52" name="Ink 51">
+                <a:extLst>
+                  <a:ext uri="{FF2B5EF4-FFF2-40B4-BE49-F238E27FC236}">
+                    <a16:creationId xmlns:a16="http://schemas.microsoft.com/office/drawing/2014/main" id="{657DAD6D-8313-CCA5-E4AF-37B4DB094163}"/>
+                  </a:ext>
+                </a:extLst>
+              </p14:cNvPr>
+              <p14:cNvContentPartPr/>
+              <p14:nvPr/>
+            </p14:nvContentPartPr>
+            <p14:xfrm>
+              <a:off x="6064329" y="2717137"/>
+              <a:ext cx="647280" cy="967320"/>
+            </p14:xfrm>
+          </p:contentPart>
+        </mc:Choice>
+        <mc:Fallback>
+          <p:pic>
+            <p:nvPicPr>
+              <p:cNvPr id="52" name="Ink 51">
+                <a:extLst>
+                  <a:ext uri="{FF2B5EF4-FFF2-40B4-BE49-F238E27FC236}">
+                    <a16:creationId xmlns:a16="http://schemas.microsoft.com/office/drawing/2014/main" id="{657DAD6D-8313-CCA5-E4AF-37B4DB094163}"/>
+                  </a:ext>
+                </a:extLst>
+              </p:cNvPr>
+              <p:cNvPicPr/>
+              <p:nvPr/>
+            </p:nvPicPr>
+            <p:blipFill>
+              <a:blip r:embed="rId59"/>
+              <a:stretch>
+                <a:fillRect/>
+              </a:stretch>
+            </p:blipFill>
+            <p:spPr>
+              <a:xfrm>
+                <a:off x="6055329" y="2708137"/>
+                <a:ext cx="664920" cy="984960"/>
+              </a:xfrm>
+              <a:prstGeom prst="rect">
+                <a:avLst/>
+              </a:prstGeom>
+            </p:spPr>
+          </p:pic>
+        </mc:Fallback>
+      </mc:AlternateContent>
+      <p:pic>
+        <p:nvPicPr>
+          <p:cNvPr id="53" name="Picture 52">
+            <a:extLst>
+              <a:ext uri="{FF2B5EF4-FFF2-40B4-BE49-F238E27FC236}">
+                <a16:creationId xmlns:a16="http://schemas.microsoft.com/office/drawing/2014/main" id="{75C03E23-5E35-3046-6BE6-E3FC7099F893}"/>
+              </a:ext>
+            </a:extLst>
+          </p:cNvPr>
+          <p:cNvPicPr>
+            <a:picLocks noChangeAspect="1"/>
+          </p:cNvPicPr>
+          <p:nvPr/>
+        </p:nvPicPr>
+        <p:blipFill>
+          <a:blip r:embed="rId60"/>
+          <a:stretch>
+            <a:fillRect/>
+          </a:stretch>
+        </p:blipFill>
+        <p:spPr>
+          <a:xfrm>
+            <a:off x="6682554" y="4666937"/>
+            <a:ext cx="2557304" cy="1013646"/>
+          </a:xfrm>
+          <a:prstGeom prst="rect">
+            <a:avLst/>
+          </a:prstGeom>
+        </p:spPr>
+      </p:pic>
+      <p:grpSp>
+        <p:nvGrpSpPr>
+          <p:cNvPr id="56" name="Group 55">
+            <a:extLst>
+              <a:ext uri="{FF2B5EF4-FFF2-40B4-BE49-F238E27FC236}">
+                <a16:creationId xmlns:a16="http://schemas.microsoft.com/office/drawing/2014/main" id="{A4D5C42A-9684-FBAE-6643-3715B05FC949}"/>
+              </a:ext>
+            </a:extLst>
+          </p:cNvPr>
+          <p:cNvGrpSpPr/>
+          <p:nvPr/>
+        </p:nvGrpSpPr>
+        <p:grpSpPr>
+          <a:xfrm>
+            <a:off x="7763529" y="4261177"/>
+            <a:ext cx="181440" cy="579600"/>
+            <a:chOff x="7763529" y="4261177"/>
+            <a:chExt cx="181440" cy="579600"/>
+          </a:xfrm>
+        </p:grpSpPr>
+        <mc:AlternateContent xmlns:mc="http://schemas.openxmlformats.org/markup-compatibility/2006">
+          <mc:Choice xmlns:p14="http://schemas.microsoft.com/office/powerpoint/2010/main" Requires="p14">
+            <p:contentPart p14:bwMode="auto" r:id="rId61">
+              <p14:nvContentPartPr>
+                <p14:cNvPr id="54" name="Ink 53">
+                  <a:extLst>
+                    <a:ext uri="{FF2B5EF4-FFF2-40B4-BE49-F238E27FC236}">
+                      <a16:creationId xmlns:a16="http://schemas.microsoft.com/office/drawing/2014/main" id="{40D8EF06-9803-2FEB-5A02-593F1CDF9496}"/>
+                    </a:ext>
+                  </a:extLst>
+                </p14:cNvPr>
+                <p14:cNvContentPartPr/>
+                <p14:nvPr/>
+              </p14:nvContentPartPr>
+              <p14:xfrm>
+                <a:off x="7780809" y="4261177"/>
+                <a:ext cx="70200" cy="379800"/>
+              </p14:xfrm>
+            </p:contentPart>
+          </mc:Choice>
+          <mc:Fallback>
+            <p:pic>
+              <p:nvPicPr>
+                <p:cNvPr id="54" name="Ink 53">
+                  <a:extLst>
+                    <a:ext uri="{FF2B5EF4-FFF2-40B4-BE49-F238E27FC236}">
+                      <a16:creationId xmlns:a16="http://schemas.microsoft.com/office/drawing/2014/main" id="{40D8EF06-9803-2FEB-5A02-593F1CDF9496}"/>
+                    </a:ext>
+                  </a:extLst>
+                </p:cNvPr>
+                <p:cNvPicPr/>
+                <p:nvPr/>
+              </p:nvPicPr>
+              <p:blipFill>
+                <a:blip r:embed="rId62"/>
+                <a:stretch>
+                  <a:fillRect/>
+                </a:stretch>
+              </p:blipFill>
+              <p:spPr>
+                <a:xfrm>
+                  <a:off x="7771809" y="4252177"/>
+                  <a:ext cx="87840" cy="397440"/>
+                </a:xfrm>
+                <a:prstGeom prst="rect">
+                  <a:avLst/>
+                </a:prstGeom>
+              </p:spPr>
+            </p:pic>
+          </mc:Fallback>
+        </mc:AlternateContent>
+        <mc:AlternateContent xmlns:mc="http://schemas.openxmlformats.org/markup-compatibility/2006">
+          <mc:Choice xmlns:p14="http://schemas.microsoft.com/office/powerpoint/2010/main" Requires="p14">
+            <p:contentPart p14:bwMode="auto" r:id="rId63">
+              <p14:nvContentPartPr>
+                <p14:cNvPr id="55" name="Ink 54">
+                  <a:extLst>
+                    <a:ext uri="{FF2B5EF4-FFF2-40B4-BE49-F238E27FC236}">
+                      <a16:creationId xmlns:a16="http://schemas.microsoft.com/office/drawing/2014/main" id="{3F7C4EF7-7F86-170A-894A-8C48BBD942B2}"/>
+                    </a:ext>
+                  </a:extLst>
+                </p14:cNvPr>
+                <p14:cNvContentPartPr/>
+                <p14:nvPr/>
+              </p14:nvContentPartPr>
+              <p14:xfrm>
+                <a:off x="7763529" y="4623697"/>
+                <a:ext cx="181440" cy="217080"/>
+              </p14:xfrm>
+            </p:contentPart>
+          </mc:Choice>
+          <mc:Fallback>
+            <p:pic>
+              <p:nvPicPr>
+                <p:cNvPr id="55" name="Ink 54">
+                  <a:extLst>
+                    <a:ext uri="{FF2B5EF4-FFF2-40B4-BE49-F238E27FC236}">
+                      <a16:creationId xmlns:a16="http://schemas.microsoft.com/office/drawing/2014/main" id="{3F7C4EF7-7F86-170A-894A-8C48BBD942B2}"/>
+                    </a:ext>
+                  </a:extLst>
+                </p:cNvPr>
+                <p:cNvPicPr/>
+                <p:nvPr/>
+              </p:nvPicPr>
+              <p:blipFill>
+                <a:blip r:embed="rId64"/>
+                <a:stretch>
+                  <a:fillRect/>
+                </a:stretch>
+              </p:blipFill>
+              <p:spPr>
+                <a:xfrm>
+                  <a:off x="7754529" y="4615057"/>
+                  <a:ext cx="199080" cy="234720"/>
+                </a:xfrm>
+                <a:prstGeom prst="rect">
+                  <a:avLst/>
+                </a:prstGeom>
+              </p:spPr>
+            </p:pic>
+          </mc:Fallback>
+        </mc:AlternateContent>
+      </p:grpSp>
+      <mc:AlternateContent xmlns:mc="http://schemas.openxmlformats.org/markup-compatibility/2006">
+        <mc:Choice xmlns:p14="http://schemas.microsoft.com/office/powerpoint/2010/main" Requires="p14">
+          <p:contentPart p14:bwMode="auto" r:id="rId65">
+            <p14:nvContentPartPr>
+              <p14:cNvPr id="57" name="Ink 56">
+                <a:extLst>
+                  <a:ext uri="{FF2B5EF4-FFF2-40B4-BE49-F238E27FC236}">
+                    <a16:creationId xmlns:a16="http://schemas.microsoft.com/office/drawing/2014/main" id="{41FD4E18-6C2B-1DA2-2C16-A408BD519D5D}"/>
+                  </a:ext>
+                </a:extLst>
+              </p14:cNvPr>
+              <p14:cNvContentPartPr/>
+              <p14:nvPr/>
+            </p14:nvContentPartPr>
+            <p14:xfrm>
+              <a:off x="1863129" y="3079657"/>
+              <a:ext cx="180360" cy="360"/>
+            </p14:xfrm>
+          </p:contentPart>
+        </mc:Choice>
+        <mc:Fallback>
+          <p:pic>
+            <p:nvPicPr>
+              <p:cNvPr id="57" name="Ink 56">
+                <a:extLst>
+                  <a:ext uri="{FF2B5EF4-FFF2-40B4-BE49-F238E27FC236}">
+                    <a16:creationId xmlns:a16="http://schemas.microsoft.com/office/drawing/2014/main" id="{41FD4E18-6C2B-1DA2-2C16-A408BD519D5D}"/>
+                  </a:ext>
+                </a:extLst>
+              </p:cNvPr>
+              <p:cNvPicPr/>
+              <p:nvPr/>
+            </p:nvPicPr>
+            <p:blipFill>
+              <a:blip r:embed="rId66"/>
+              <a:stretch>
+                <a:fillRect/>
+              </a:stretch>
+            </p:blipFill>
+            <p:spPr>
+              <a:xfrm>
+                <a:off x="1854489" y="3070657"/>
+                <a:ext cx="198000" cy="18000"/>
+              </a:xfrm>
+              <a:prstGeom prst="rect">
+                <a:avLst/>
+              </a:prstGeom>
+            </p:spPr>
+          </p:pic>
+        </mc:Fallback>
+      </mc:AlternateContent>
+      <p:grpSp>
+        <p:nvGrpSpPr>
+          <p:cNvPr id="60" name="Group 59">
+            <a:extLst>
+              <a:ext uri="{FF2B5EF4-FFF2-40B4-BE49-F238E27FC236}">
+                <a16:creationId xmlns:a16="http://schemas.microsoft.com/office/drawing/2014/main" id="{F14E855E-D0D6-2596-74BE-13E050F03699}"/>
+              </a:ext>
+            </a:extLst>
+          </p:cNvPr>
+          <p:cNvGrpSpPr/>
+          <p:nvPr/>
+        </p:nvGrpSpPr>
+        <p:grpSpPr>
+          <a:xfrm>
+            <a:off x="2078409" y="2968417"/>
+            <a:ext cx="2012400" cy="277200"/>
+            <a:chOff x="2078409" y="2968417"/>
+            <a:chExt cx="2012400" cy="277200"/>
+          </a:xfrm>
+        </p:grpSpPr>
+        <mc:AlternateContent xmlns:mc="http://schemas.openxmlformats.org/markup-compatibility/2006">
+          <mc:Choice xmlns:p14="http://schemas.microsoft.com/office/powerpoint/2010/main" Requires="p14">
+            <p:contentPart p14:bwMode="auto" r:id="rId67">
+              <p14:nvContentPartPr>
+                <p14:cNvPr id="58" name="Ink 57">
+                  <a:extLst>
+                    <a:ext uri="{FF2B5EF4-FFF2-40B4-BE49-F238E27FC236}">
+                      <a16:creationId xmlns:a16="http://schemas.microsoft.com/office/drawing/2014/main" id="{49667A16-FCED-2E3E-9BA9-D0410CA26B3F}"/>
+                    </a:ext>
+                  </a:extLst>
+                </p14:cNvPr>
+                <p14:cNvContentPartPr/>
+                <p14:nvPr/>
+              </p14:nvContentPartPr>
+              <p14:xfrm>
+                <a:off x="2078409" y="2968417"/>
+                <a:ext cx="251280" cy="277200"/>
+              </p14:xfrm>
+            </p:contentPart>
+          </mc:Choice>
+          <mc:Fallback>
+            <p:pic>
+              <p:nvPicPr>
+                <p:cNvPr id="58" name="Ink 57">
+                  <a:extLst>
+                    <a:ext uri="{FF2B5EF4-FFF2-40B4-BE49-F238E27FC236}">
+                      <a16:creationId xmlns:a16="http://schemas.microsoft.com/office/drawing/2014/main" id="{49667A16-FCED-2E3E-9BA9-D0410CA26B3F}"/>
+                    </a:ext>
+                  </a:extLst>
+                </p:cNvPr>
+                <p:cNvPicPr/>
+                <p:nvPr/>
+              </p:nvPicPr>
+              <p:blipFill>
+                <a:blip r:embed="rId68"/>
+                <a:stretch>
+                  <a:fillRect/>
+                </a:stretch>
+              </p:blipFill>
+              <p:spPr>
+                <a:xfrm>
+                  <a:off x="2069409" y="2959417"/>
+                  <a:ext cx="268920" cy="294840"/>
+                </a:xfrm>
+                <a:prstGeom prst="rect">
+                  <a:avLst/>
+                </a:prstGeom>
+              </p:spPr>
+            </p:pic>
+          </mc:Fallback>
+        </mc:AlternateContent>
+        <mc:AlternateContent xmlns:mc="http://schemas.openxmlformats.org/markup-compatibility/2006">
+          <mc:Choice xmlns:p14="http://schemas.microsoft.com/office/powerpoint/2010/main" Requires="p14">
+            <p:contentPart p14:bwMode="auto" r:id="rId69">
+              <p14:nvContentPartPr>
+                <p14:cNvPr id="59" name="Ink 58">
+                  <a:extLst>
+                    <a:ext uri="{FF2B5EF4-FFF2-40B4-BE49-F238E27FC236}">
+                      <a16:creationId xmlns:a16="http://schemas.microsoft.com/office/drawing/2014/main" id="{BEA6C31B-D5D5-1095-3272-C588FCDCD883}"/>
+                    </a:ext>
+                  </a:extLst>
+                </p14:cNvPr>
+                <p14:cNvContentPartPr/>
+                <p14:nvPr/>
+              </p14:nvContentPartPr>
+              <p14:xfrm>
+                <a:off x="2328969" y="3095857"/>
+                <a:ext cx="1761840" cy="62280"/>
+              </p14:xfrm>
+            </p:contentPart>
+          </mc:Choice>
+          <mc:Fallback>
+            <p:pic>
+              <p:nvPicPr>
+                <p:cNvPr id="59" name="Ink 58">
+                  <a:extLst>
+                    <a:ext uri="{FF2B5EF4-FFF2-40B4-BE49-F238E27FC236}">
+                      <a16:creationId xmlns:a16="http://schemas.microsoft.com/office/drawing/2014/main" id="{BEA6C31B-D5D5-1095-3272-C588FCDCD883}"/>
+                    </a:ext>
+                  </a:extLst>
+                </p:cNvPr>
+                <p:cNvPicPr/>
+                <p:nvPr/>
+              </p:nvPicPr>
+              <p:blipFill>
+                <a:blip r:embed="rId70"/>
+                <a:stretch>
+                  <a:fillRect/>
+                </a:stretch>
+              </p:blipFill>
+              <p:spPr>
+                <a:xfrm>
+                  <a:off x="2320329" y="3087217"/>
+                  <a:ext cx="1779480" cy="79920"/>
+                </a:xfrm>
+                <a:prstGeom prst="rect">
+                  <a:avLst/>
+                </a:prstGeom>
+              </p:spPr>
+            </p:pic>
+          </mc:Fallback>
+        </mc:AlternateContent>
+      </p:grpSp>
+      <mc:AlternateContent xmlns:mc="http://schemas.openxmlformats.org/markup-compatibility/2006">
+        <mc:Choice xmlns:p14="http://schemas.microsoft.com/office/powerpoint/2010/main" Requires="p14">
+          <p:contentPart p14:bwMode="auto" r:id="rId71">
+            <p14:nvContentPartPr>
+              <p14:cNvPr id="61" name="Ink 60">
+                <a:extLst>
+                  <a:ext uri="{FF2B5EF4-FFF2-40B4-BE49-F238E27FC236}">
+                    <a16:creationId xmlns:a16="http://schemas.microsoft.com/office/drawing/2014/main" id="{3D5A74B2-E5F6-E775-0CB0-5B7C8660B9C3}"/>
+                  </a:ext>
+                </a:extLst>
+              </p14:cNvPr>
+              <p14:cNvContentPartPr/>
+              <p14:nvPr/>
+            </p14:nvContentPartPr>
+            <p14:xfrm>
+              <a:off x="6021129" y="3174337"/>
+              <a:ext cx="685440" cy="2069280"/>
+            </p14:xfrm>
+          </p:contentPart>
+        </mc:Choice>
+        <mc:Fallback>
+          <p:pic>
+            <p:nvPicPr>
+              <p:cNvPr id="61" name="Ink 60">
+                <a:extLst>
+                  <a:ext uri="{FF2B5EF4-FFF2-40B4-BE49-F238E27FC236}">
+                    <a16:creationId xmlns:a16="http://schemas.microsoft.com/office/drawing/2014/main" id="{3D5A74B2-E5F6-E775-0CB0-5B7C8660B9C3}"/>
+                  </a:ext>
+                </a:extLst>
+              </p:cNvPr>
+              <p:cNvPicPr/>
+              <p:nvPr/>
+            </p:nvPicPr>
+            <p:blipFill>
+              <a:blip r:embed="rId72"/>
+              <a:stretch>
+                <a:fillRect/>
+              </a:stretch>
+            </p:blipFill>
+            <p:spPr>
+              <a:xfrm>
+                <a:off x="6012489" y="3165697"/>
+                <a:ext cx="703080" cy="2086920"/>
+              </a:xfrm>
+              <a:prstGeom prst="rect">
+                <a:avLst/>
+              </a:prstGeom>
+            </p:spPr>
+          </p:pic>
+        </mc:Fallback>
+      </mc:AlternateContent>
+      <p:sp>
+        <p:nvSpPr>
+          <p:cNvPr id="62" name="TextBox 61">
+            <a:extLst>
+              <a:ext uri="{FF2B5EF4-FFF2-40B4-BE49-F238E27FC236}">
+                <a16:creationId xmlns:a16="http://schemas.microsoft.com/office/drawing/2014/main" id="{8A26B8D7-F54C-9582-9932-8BDDF1036C20}"/>
+              </a:ext>
+            </a:extLst>
+          </p:cNvPr>
+          <p:cNvSpPr txBox="1"/>
+          <p:nvPr/>
+        </p:nvSpPr>
+        <p:spPr>
+          <a:xfrm>
+            <a:off x="1449238" y="4537494"/>
+            <a:ext cx="2242868" cy="369332"/>
+          </a:xfrm>
+          <a:prstGeom prst="rect">
+            <a:avLst/>
+          </a:prstGeom>
+          <a:noFill/>
+        </p:spPr>
+        <p:txBody>
+          <a:bodyPr wrap="square" rtlCol="0">
+            <a:spAutoFit/>
+          </a:bodyPr>
+          <a:lstStyle/>
+          <a:p>
+            <a:r>
+              <a:rPr lang="en-NZ" dirty="0"/>
+              <a:t>After</a:t>
+            </a:r>
+          </a:p>
+        </p:txBody>
+      </p:sp>
+    </p:spTree>
+    <p:extLst>
+      <p:ext uri="{BB962C8B-B14F-4D97-AF65-F5344CB8AC3E}">
+        <p14:creationId xmlns:p14="http://schemas.microsoft.com/office/powerpoint/2010/main" val="354424765"/>
+      </p:ext>
+    </p:extLst>
+  </p:cSld>
+  <p:clrMapOvr>
+    <a:masterClrMapping/>
+  </p:clrMapOvr>
+</p:sld>
+</file>
+
+<file path=ppt/slides/slide11.xml><?xml version="1.0" encoding="utf-8"?>
+<p:sld xmlns:a="http://schemas.openxmlformats.org/drawingml/2006/main" xmlns:r="http://schemas.openxmlformats.org/officeDocument/2006/relationships" xmlns:p="http://schemas.openxmlformats.org/presentationml/2006/main">
+  <p:cSld>
+    <p:spTree>
+      <p:nvGrpSpPr>
+        <p:cNvPr id="1" name=""/>
+        <p:cNvGrpSpPr/>
+        <p:nvPr/>
+      </p:nvGrpSpPr>
+      <p:grpSpPr>
+        <a:xfrm>
+          <a:off x="0" y="0"/>
+          <a:ext cx="0" cy="0"/>
+          <a:chOff x="0" y="0"/>
+          <a:chExt cx="0" cy="0"/>
+        </a:xfrm>
+      </p:grpSpPr>
+      <p:sp>
+        <p:nvSpPr>
+          <p:cNvPr id="2" name="Title 1">
+            <a:extLst>
+              <a:ext uri="{FF2B5EF4-FFF2-40B4-BE49-F238E27FC236}">
+                <a16:creationId xmlns:a16="http://schemas.microsoft.com/office/drawing/2014/main" id="{1CC5D32F-7C18-4D00-8D54-2FB046F0A206}"/>
+              </a:ext>
+            </a:extLst>
+          </p:cNvPr>
+          <p:cNvSpPr>
+            <a:spLocks noGrp="1"/>
+          </p:cNvSpPr>
+          <p:nvPr>
+            <p:ph type="title"/>
+          </p:nvPr>
+        </p:nvSpPr>
+        <p:spPr>
+          <a:xfrm>
+            <a:off x="838200" y="518160"/>
+            <a:ext cx="10515600" cy="562928"/>
+          </a:xfrm>
+        </p:spPr>
+        <p:txBody>
+          <a:bodyPr>
+            <a:normAutofit fontScale="90000"/>
+          </a:bodyPr>
+          <a:lstStyle/>
+          <a:p>
+            <a:r>
+              <a:rPr lang="en-NZ" dirty="0"/>
+              <a:t>[FORMAT THIS name]: Testing </a:t>
+            </a:r>
+          </a:p>
+        </p:txBody>
+      </p:sp>
+      <p:sp>
+        <p:nvSpPr>
+          <p:cNvPr id="4" name="TextBox 3">
+            <a:extLst>
+              <a:ext uri="{FF2B5EF4-FFF2-40B4-BE49-F238E27FC236}">
+                <a16:creationId xmlns:a16="http://schemas.microsoft.com/office/drawing/2014/main" id="{8CD07A82-A944-4A9B-9A52-515DAC30878A}"/>
+              </a:ext>
+            </a:extLst>
+          </p:cNvPr>
+          <p:cNvSpPr txBox="1"/>
+          <p:nvPr/>
+        </p:nvSpPr>
+        <p:spPr>
+          <a:xfrm>
+            <a:off x="749300" y="1081088"/>
+            <a:ext cx="10693400" cy="646331"/>
+          </a:xfrm>
+          <a:prstGeom prst="rect">
+            <a:avLst/>
+          </a:prstGeom>
+          <a:noFill/>
+        </p:spPr>
+        <p:txBody>
+          <a:bodyPr wrap="square">
+            <a:spAutoFit/>
+          </a:bodyPr>
+          <a:lstStyle/>
+          <a:p>
+            <a:r>
+              <a:rPr lang="en-NZ" i="1" dirty="0"/>
+              <a:t>You must show the results of testing. For each component, include a screenshot proving it works.  You can also include notes about each test. </a:t>
+            </a:r>
+          </a:p>
+        </p:txBody>
+      </p:sp>
+      <p:pic>
+        <p:nvPicPr>
+          <p:cNvPr id="27" name="Picture 26">
+            <a:extLst>
+              <a:ext uri="{FF2B5EF4-FFF2-40B4-BE49-F238E27FC236}">
+                <a16:creationId xmlns:a16="http://schemas.microsoft.com/office/drawing/2014/main" id="{EF961DCB-2719-07B3-CBE0-FD05E6FC51D6}"/>
+              </a:ext>
+            </a:extLst>
+          </p:cNvPr>
+          <p:cNvPicPr>
+            <a:picLocks noChangeAspect="1"/>
+          </p:cNvPicPr>
+          <p:nvPr/>
+        </p:nvPicPr>
+        <p:blipFill>
+          <a:blip r:embed="rId3"/>
+          <a:stretch>
+            <a:fillRect/>
+          </a:stretch>
+        </p:blipFill>
+        <p:spPr>
+          <a:xfrm>
+            <a:off x="-400957" y="7636028"/>
+            <a:ext cx="6496957" cy="3019846"/>
+          </a:xfrm>
+          <a:prstGeom prst="rect">
+            <a:avLst/>
+          </a:prstGeom>
+        </p:spPr>
+      </p:pic>
+    </p:spTree>
+    <p:extLst>
+      <p:ext uri="{BB962C8B-B14F-4D97-AF65-F5344CB8AC3E}">
+        <p14:creationId xmlns:p14="http://schemas.microsoft.com/office/powerpoint/2010/main" val="2400330469"/>
+      </p:ext>
+    </p:extLst>
+  </p:cSld>
+  <p:clrMapOvr>
+    <a:masterClrMapping/>
+  </p:clrMapOvr>
+</p:sld>
+</file>
+
+<file path=ppt/slides/slide12.xml><?xml version="1.0" encoding="utf-8"?>
+<p:sld xmlns:a="http://schemas.openxmlformats.org/drawingml/2006/main" xmlns:r="http://schemas.openxmlformats.org/officeDocument/2006/relationships" xmlns:p="http://schemas.openxmlformats.org/presentationml/2006/main">
+  <p:cSld>
+    <p:spTree>
+      <p:nvGrpSpPr>
+        <p:cNvPr id="1" name=""/>
+        <p:cNvGrpSpPr/>
+        <p:nvPr/>
+      </p:nvGrpSpPr>
+      <p:grpSpPr>
+        <a:xfrm>
+          <a:off x="0" y="0"/>
+          <a:ext cx="0" cy="0"/>
+          <a:chOff x="0" y="0"/>
+          <a:chExt cx="0" cy="0"/>
+        </a:xfrm>
+      </p:grpSpPr>
+      <p:sp>
+        <p:nvSpPr>
+          <p:cNvPr id="2" name="Title 1">
+            <a:extLst>
+              <a:ext uri="{FF2B5EF4-FFF2-40B4-BE49-F238E27FC236}">
+                <a16:creationId xmlns:a16="http://schemas.microsoft.com/office/drawing/2014/main" id="{1CC5D32F-7C18-4D00-8D54-2FB046F0A206}"/>
+              </a:ext>
+            </a:extLst>
+          </p:cNvPr>
+          <p:cNvSpPr>
+            <a:spLocks noGrp="1"/>
+          </p:cNvSpPr>
+          <p:nvPr>
+            <p:ph type="title"/>
+          </p:nvPr>
+        </p:nvSpPr>
+        <p:spPr>
+          <a:xfrm>
+            <a:off x="749300" y="223520"/>
+            <a:ext cx="10515600" cy="806768"/>
+          </a:xfrm>
+        </p:spPr>
+        <p:txBody>
+          <a:bodyPr>
+            <a:normAutofit/>
+          </a:bodyPr>
+          <a:lstStyle/>
+          <a:p>
+            <a:r>
+              <a:rPr lang="en-NZ" sz="4000" dirty="0"/>
+              <a:t>[Component name]: Trialling </a:t>
+            </a:r>
+          </a:p>
+        </p:txBody>
+      </p:sp>
+      <p:sp>
+        <p:nvSpPr>
+          <p:cNvPr id="4" name="TextBox 3">
+            <a:extLst>
+              <a:ext uri="{FF2B5EF4-FFF2-40B4-BE49-F238E27FC236}">
+                <a16:creationId xmlns:a16="http://schemas.microsoft.com/office/drawing/2014/main" id="{8CD07A82-A944-4A9B-9A52-515DAC30878A}"/>
+              </a:ext>
+            </a:extLst>
+          </p:cNvPr>
+          <p:cNvSpPr txBox="1"/>
+          <p:nvPr/>
+        </p:nvSpPr>
+        <p:spPr>
+          <a:xfrm>
+            <a:off x="660400" y="1030288"/>
+            <a:ext cx="10693400" cy="923330"/>
+          </a:xfrm>
+          <a:prstGeom prst="rect">
+            <a:avLst/>
+          </a:prstGeom>
+          <a:noFill/>
+        </p:spPr>
+        <p:txBody>
+          <a:bodyPr wrap="square">
+            <a:spAutoFit/>
+          </a:bodyPr>
+          <a:lstStyle/>
+          <a:p>
+            <a:r>
+              <a:rPr lang="en-NZ" i="1" dirty="0"/>
+              <a:t>NOTE: Trialling needs to happen for </a:t>
+            </a:r>
+            <a:r>
+              <a:rPr lang="en-NZ" b="1" i="1" dirty="0"/>
+              <a:t>at least 2 </a:t>
+            </a:r>
+            <a:r>
+              <a:rPr lang="en-NZ" i="1" dirty="0"/>
+              <a:t>of your components but is not necessary for ALL components.</a:t>
+            </a:r>
+          </a:p>
+          <a:p>
+            <a:r>
+              <a:rPr lang="en" i="1" dirty="0"/>
+              <a:t>Trialling is not the same as testing. Trialling is about finding different ways of building the same component. Show evidence of  your trialling  here. Select one of your trials for further development and give reasons for your choice. </a:t>
+            </a:r>
+            <a:endParaRPr lang="en-NZ" dirty="0"/>
+          </a:p>
+        </p:txBody>
+      </p:sp>
+    </p:spTree>
+    <p:extLst>
+      <p:ext uri="{BB962C8B-B14F-4D97-AF65-F5344CB8AC3E}">
+        <p14:creationId xmlns:p14="http://schemas.microsoft.com/office/powerpoint/2010/main" val="270828811"/>
+      </p:ext>
+    </p:extLst>
+  </p:cSld>
+  <p:clrMapOvr>
+    <a:masterClrMapping/>
+  </p:clrMapOvr>
+</p:sld>
+</file>
+
+<file path=ppt/slides/slide13.xml><?xml version="1.0" encoding="utf-8"?>
+<p:sld xmlns:a="http://schemas.openxmlformats.org/drawingml/2006/main" xmlns:r="http://schemas.openxmlformats.org/officeDocument/2006/relationships" xmlns:p="http://schemas.openxmlformats.org/presentationml/2006/main">
+  <p:cSld>
+    <p:spTree>
+      <p:nvGrpSpPr>
+        <p:cNvPr id="1" name=""/>
+        <p:cNvGrpSpPr/>
+        <p:nvPr/>
+      </p:nvGrpSpPr>
+      <p:grpSpPr>
+        <a:xfrm>
+          <a:off x="0" y="0"/>
+          <a:ext cx="0" cy="0"/>
+          <a:chOff x="0" y="0"/>
+          <a:chExt cx="0" cy="0"/>
+        </a:xfrm>
+      </p:grpSpPr>
+      <p:sp>
+        <p:nvSpPr>
+          <p:cNvPr id="2" name="Title 1">
+            <a:extLst>
+              <a:ext uri="{FF2B5EF4-FFF2-40B4-BE49-F238E27FC236}">
                 <a16:creationId xmlns:a16="http://schemas.microsoft.com/office/drawing/2014/main" id="{183CAE4A-E189-4CAA-B3F5-7E97BC5188E3}"/>
               </a:ext>
             </a:extLst>
@@ -5389,7 +9632,7 @@
 </p:sld>
 </file>
 
-<file path=ppt/slides/slide11.xml><?xml version="1.0" encoding="utf-8"?>
+<file path=ppt/slides/slide14.xml><?xml version="1.0" encoding="utf-8"?>
 <p:sld xmlns:a="http://schemas.openxmlformats.org/drawingml/2006/main" xmlns:r="http://schemas.openxmlformats.org/officeDocument/2006/relationships" xmlns:p="http://schemas.openxmlformats.org/presentationml/2006/main">
   <p:cSld>
     <p:spTree>
@@ -5700,7 +9943,7 @@
 </p:sld>
 </file>
 
-<file path=ppt/slides/slide12.xml><?xml version="1.0" encoding="utf-8"?>
+<file path=ppt/slides/slide15.xml><?xml version="1.0" encoding="utf-8"?>
 <p:sld xmlns:a="http://schemas.openxmlformats.org/drawingml/2006/main" xmlns:r="http://schemas.openxmlformats.org/officeDocument/2006/relationships" xmlns:p="http://schemas.openxmlformats.org/presentationml/2006/main">
   <p:cSld>
     <p:spTree>
@@ -5814,7 +10057,7 @@
 </p:sld>
 </file>
 
-<file path=ppt/slides/slide13.xml><?xml version="1.0" encoding="utf-8"?>
+<file path=ppt/slides/slide16.xml><?xml version="1.0" encoding="utf-8"?>
 <p:sld xmlns:a="http://schemas.openxmlformats.org/drawingml/2006/main" xmlns:r="http://schemas.openxmlformats.org/officeDocument/2006/relationships" xmlns:p="http://schemas.openxmlformats.org/presentationml/2006/main">
   <p:cSld>
     <p:spTree>
@@ -7329,7 +11572,7 @@
           <a:p>
             <a:r>
               <a:rPr lang="en" sz="4000" dirty="0"/>
-              <a:t>Add Creature - Test Plan (1/?) FINISH THIS</a:t>
+              <a:t>Add Creature - Test Plan (1/2)</a:t>
             </a:r>
             <a:endParaRPr sz="4000" dirty="0"/>
           </a:p>
@@ -7342,14 +11585,14 @@
           <p:nvPr>
             <p:extLst>
               <p:ext uri="{D42A27DB-BD31-4B8C-83A1-F6EECF244321}">
-                <p14:modId xmlns:p14="http://schemas.microsoft.com/office/powerpoint/2010/main" val="3215797310"/>
+                <p14:modId xmlns:p14="http://schemas.microsoft.com/office/powerpoint/2010/main" val="3182409376"/>
               </p:ext>
             </p:extLst>
           </p:nvPr>
         </p:nvGraphicFramePr>
         <p:xfrm>
-          <a:off x="509967" y="1690300"/>
-          <a:ext cx="11360799" cy="2925960"/>
+          <a:off x="527220" y="807820"/>
+          <a:ext cx="11360799" cy="5120400"/>
         </p:xfrm>
         <a:graphic>
           <a:graphicData uri="http://schemas.openxmlformats.org/drawingml/2006/table">
@@ -7396,10 +11639,10 @@
                         <a:buNone/>
                       </a:pPr>
                       <a:r>
-                        <a:rPr lang="en-NZ" sz="2400" b="1" dirty="0"/>
+                        <a:rPr lang="en-NZ" sz="1800" b="1" dirty="0"/>
                         <a:t>What Program Should Ask</a:t>
                       </a:r>
-                      <a:endParaRPr sz="2400" b="1" dirty="0"/>
+                      <a:endParaRPr sz="1800" b="1" dirty="0"/>
                     </a:p>
                   </a:txBody>
                   <a:tcPr marL="121900" marR="121900" marT="121900" marB="121900">
@@ -7423,10 +11666,10 @@
                         <a:buNone/>
                       </a:pPr>
                       <a:r>
-                        <a:rPr lang="en" sz="2400" b="1" dirty="0"/>
+                        <a:rPr lang="en" sz="1800" b="1" dirty="0"/>
                         <a:t>Test Cases - input</a:t>
                       </a:r>
-                      <a:endParaRPr sz="2400" b="1" dirty="0"/>
+                      <a:endParaRPr sz="1800" b="1" dirty="0"/>
                     </a:p>
                   </a:txBody>
                   <a:tcPr marL="121900" marR="121900" marT="121900" marB="121900">
@@ -7450,10 +11693,10 @@
                         <a:buNone/>
                       </a:pPr>
                       <a:r>
-                        <a:rPr lang="en" sz="2400" b="1" dirty="0"/>
+                        <a:rPr lang="en" sz="1800" b="1" dirty="0"/>
                         <a:t>Expected output</a:t>
                       </a:r>
-                      <a:endParaRPr sz="2400" b="1" dirty="0"/>
+                      <a:endParaRPr sz="1800" b="1" dirty="0"/>
                     </a:p>
                   </a:txBody>
                   <a:tcPr marL="121900" marR="121900" marT="121900" marB="121900">
@@ -7484,10 +11727,10 @@
                         <a:buNone/>
                       </a:pPr>
                       <a:r>
-                        <a:rPr lang="en-NZ" sz="2400" dirty="0"/>
+                        <a:rPr lang="en-NZ" sz="1800" dirty="0"/>
                         <a:t>Enter the name of the creature you want to add:</a:t>
                       </a:r>
-                      <a:endParaRPr sz="2400" dirty="0"/>
+                      <a:endParaRPr sz="1800" dirty="0"/>
                     </a:p>
                   </a:txBody>
                   <a:tcPr marL="121900" marR="121900" marT="121900" marB="121900"/>
@@ -7507,10 +11750,10 @@
                         <a:buNone/>
                       </a:pPr>
                       <a:r>
-                        <a:rPr lang="en-NZ" sz="2400" dirty="0"/>
+                        <a:rPr lang="en-NZ" sz="1800" dirty="0"/>
                         <a:t>Joe</a:t>
                       </a:r>
-                      <a:endParaRPr sz="2400" dirty="0"/>
+                      <a:endParaRPr sz="1800" dirty="0"/>
                     </a:p>
                   </a:txBody>
                   <a:tcPr marL="121900" marR="121900" marT="121900" marB="121900"/>
@@ -7530,10 +11773,10 @@
                         <a:buNone/>
                       </a:pPr>
                       <a:r>
-                        <a:rPr lang="en-NZ" sz="2400" dirty="0"/>
+                        <a:rPr lang="en-NZ" sz="1800" dirty="0"/>
                         <a:t>Moves Forward in the program (Asks for strength)</a:t>
                       </a:r>
-                      <a:endParaRPr sz="2400" dirty="0"/>
+                      <a:endParaRPr sz="1800" dirty="0"/>
                     </a:p>
                   </a:txBody>
                   <a:tcPr marL="121900" marR="121900" marT="121900" marB="121900"/>
@@ -7560,10 +11803,10 @@
                         <a:buNone/>
                       </a:pPr>
                       <a:r>
-                        <a:rPr lang="en-NZ" sz="2400" dirty="0"/>
+                        <a:rPr lang="en-NZ" sz="1800" dirty="0"/>
                         <a:t>Enter the strength of the creature</a:t>
                       </a:r>
-                      <a:endParaRPr sz="2400" dirty="0"/>
+                      <a:endParaRPr sz="1800" dirty="0"/>
                     </a:p>
                   </a:txBody>
                   <a:tcPr marL="121900" marR="121900" marT="121900" marB="121900"/>
@@ -7583,10 +11826,10 @@
                         <a:buNone/>
                       </a:pPr>
                       <a:r>
-                        <a:rPr lang="en-NZ" sz="2400" dirty="0"/>
+                        <a:rPr lang="en-NZ" sz="1800" dirty="0"/>
                         <a:t>10</a:t>
                       </a:r>
-                      <a:endParaRPr sz="2400" dirty="0"/>
+                      <a:endParaRPr sz="1800" dirty="0"/>
                     </a:p>
                   </a:txBody>
                   <a:tcPr marL="121900" marR="121900" marT="121900" marB="121900"/>
@@ -7614,8 +11857,45 @@
                         <a:defRPr/>
                       </a:pPr>
                       <a:r>
-                        <a:rPr lang="en-GB" sz="2400" dirty="0"/>
+                        <a:rPr lang="en-GB" sz="1800" dirty="0"/>
                         <a:t>Moves Forward in the program (Asks for Speed)</a:t>
+                      </a:r>
+                    </a:p>
+                  </a:txBody>
+                  <a:tcPr marL="121900" marR="121900" marT="121900" marB="121900"/>
+                </a:tc>
+                <a:extLst>
+                  <a:ext uri="{0D108BD9-81ED-4DB2-BD59-A6C34878D82A}">
+                    <a16:rowId xmlns:a16="http://schemas.microsoft.com/office/drawing/2014/main" val="14414870"/>
+                  </a:ext>
+                </a:extLst>
+              </a:tr>
+              <a:tr h="609560">
+                <a:tc>
+                  <a:txBody>
+                    <a:bodyPr/>
+                    <a:lstStyle/>
+                    <a:p>
+                      <a:pPr marL="0" marR="0" lvl="0" indent="0" algn="l" defTabSz="914400" rtl="0" eaLnBrk="1" fontAlgn="auto" latinLnBrk="0" hangingPunct="1">
+                        <a:lnSpc>
+                          <a:spcPct val="100000"/>
+                        </a:lnSpc>
+                        <a:spcBef>
+                          <a:spcPts val="0"/>
+                        </a:spcBef>
+                        <a:spcAft>
+                          <a:spcPts val="0"/>
+                        </a:spcAft>
+                        <a:buClrTx/>
+                        <a:buSzTx/>
+                        <a:buFontTx/>
+                        <a:buNone/>
+                        <a:tabLst/>
+                        <a:defRPr/>
+                      </a:pPr>
+                      <a:r>
+                        <a:rPr lang="en-GB" sz="1800" dirty="0"/>
+                        <a:t>Enter the speed of the creature</a:t>
                       </a:r>
                     </a:p>
                     <a:p>
@@ -7628,7 +11908,657 @@
                         </a:spcAft>
                         <a:buNone/>
                       </a:pPr>
-                      <a:endParaRPr sz="2400" dirty="0"/>
+                      <a:endParaRPr sz="1800" dirty="0"/>
+                    </a:p>
+                  </a:txBody>
+                  <a:tcPr marL="121900" marR="121900" marT="121900" marB="121900"/>
+                </a:tc>
+                <a:tc>
+                  <a:txBody>
+                    <a:bodyPr/>
+                    <a:lstStyle/>
+                    <a:p>
+                      <a:pPr marL="0" lvl="0" indent="0" algn="l" rtl="0">
+                        <a:spcBef>
+                          <a:spcPts val="0"/>
+                        </a:spcBef>
+                        <a:spcAft>
+                          <a:spcPts val="0"/>
+                        </a:spcAft>
+                        <a:buNone/>
+                      </a:pPr>
+                      <a:r>
+                        <a:rPr lang="en-NZ" sz="1800" dirty="0"/>
+                        <a:t>10</a:t>
+                      </a:r>
+                      <a:endParaRPr sz="1800" dirty="0"/>
+                    </a:p>
+                  </a:txBody>
+                  <a:tcPr marL="121900" marR="121900" marT="121900" marB="121900"/>
+                </a:tc>
+                <a:tc>
+                  <a:txBody>
+                    <a:bodyPr/>
+                    <a:lstStyle/>
+                    <a:p>
+                      <a:pPr marL="0" marR="0" lvl="0" indent="0" algn="l" defTabSz="914400" rtl="0" eaLnBrk="1" fontAlgn="auto" latinLnBrk="0" hangingPunct="1">
+                        <a:lnSpc>
+                          <a:spcPct val="100000"/>
+                        </a:lnSpc>
+                        <a:spcBef>
+                          <a:spcPts val="0"/>
+                        </a:spcBef>
+                        <a:spcAft>
+                          <a:spcPts val="0"/>
+                        </a:spcAft>
+                        <a:buClrTx/>
+                        <a:buSzTx/>
+                        <a:buFontTx/>
+                        <a:buNone/>
+                        <a:tabLst/>
+                        <a:defRPr/>
+                      </a:pPr>
+                      <a:r>
+                        <a:rPr lang="en-GB" sz="1800" dirty="0"/>
+                        <a:t>Moves Forward in the program (Asks for Stealth)</a:t>
+                      </a:r>
+                    </a:p>
+                    <a:p>
+                      <a:pPr marL="0" marR="0" lvl="0" indent="0" algn="l" defTabSz="914400" rtl="0" eaLnBrk="1" fontAlgn="auto" latinLnBrk="0" hangingPunct="1">
+                        <a:lnSpc>
+                          <a:spcPct val="100000"/>
+                        </a:lnSpc>
+                        <a:spcBef>
+                          <a:spcPts val="0"/>
+                        </a:spcBef>
+                        <a:spcAft>
+                          <a:spcPts val="0"/>
+                        </a:spcAft>
+                        <a:buClrTx/>
+                        <a:buSzTx/>
+                        <a:buFontTx/>
+                        <a:buNone/>
+                        <a:tabLst/>
+                        <a:defRPr/>
+                      </a:pPr>
+                      <a:endParaRPr lang="en-GB" sz="1800" dirty="0"/>
+                    </a:p>
+                  </a:txBody>
+                  <a:tcPr marL="121900" marR="121900" marT="121900" marB="121900"/>
+                </a:tc>
+                <a:extLst>
+                  <a:ext uri="{0D108BD9-81ED-4DB2-BD59-A6C34878D82A}">
+                    <a16:rowId xmlns:a16="http://schemas.microsoft.com/office/drawing/2014/main" val="3777057556"/>
+                  </a:ext>
+                </a:extLst>
+              </a:tr>
+              <a:tr h="609560">
+                <a:tc>
+                  <a:txBody>
+                    <a:bodyPr/>
+                    <a:lstStyle/>
+                    <a:p>
+                      <a:pPr marL="0" marR="0" lvl="0" indent="0" algn="l" defTabSz="914400" rtl="0" eaLnBrk="1" fontAlgn="auto" latinLnBrk="0" hangingPunct="1">
+                        <a:lnSpc>
+                          <a:spcPct val="100000"/>
+                        </a:lnSpc>
+                        <a:spcBef>
+                          <a:spcPts val="0"/>
+                        </a:spcBef>
+                        <a:spcAft>
+                          <a:spcPts val="0"/>
+                        </a:spcAft>
+                        <a:buClrTx/>
+                        <a:buSzTx/>
+                        <a:buFontTx/>
+                        <a:buNone/>
+                        <a:tabLst/>
+                        <a:defRPr/>
+                      </a:pPr>
+                      <a:r>
+                        <a:rPr lang="en-GB" sz="1800" dirty="0"/>
+                        <a:t>Enter the stealth of the creature</a:t>
+                      </a:r>
+                    </a:p>
+                    <a:p>
+                      <a:pPr marL="0" lvl="0" indent="0" algn="l" rtl="0">
+                        <a:spcBef>
+                          <a:spcPts val="0"/>
+                        </a:spcBef>
+                        <a:spcAft>
+                          <a:spcPts val="0"/>
+                        </a:spcAft>
+                        <a:buNone/>
+                      </a:pPr>
+                      <a:endParaRPr sz="1800" dirty="0"/>
+                    </a:p>
+                  </a:txBody>
+                  <a:tcPr marL="121900" marR="121900" marT="121900" marB="121900"/>
+                </a:tc>
+                <a:tc>
+                  <a:txBody>
+                    <a:bodyPr/>
+                    <a:lstStyle/>
+                    <a:p>
+                      <a:pPr marL="0" lvl="0" indent="0" algn="l" rtl="0">
+                        <a:spcBef>
+                          <a:spcPts val="0"/>
+                        </a:spcBef>
+                        <a:spcAft>
+                          <a:spcPts val="0"/>
+                        </a:spcAft>
+                        <a:buNone/>
+                      </a:pPr>
+                      <a:r>
+                        <a:rPr lang="en-NZ" sz="1800" dirty="0"/>
+                        <a:t>10</a:t>
+                      </a:r>
+                      <a:endParaRPr sz="1800" dirty="0"/>
+                    </a:p>
+                  </a:txBody>
+                  <a:tcPr marL="121900" marR="121900" marT="121900" marB="121900"/>
+                </a:tc>
+                <a:tc>
+                  <a:txBody>
+                    <a:bodyPr/>
+                    <a:lstStyle/>
+                    <a:p>
+                      <a:pPr marL="0" marR="0" lvl="0" indent="0" algn="l" defTabSz="914400" rtl="0" eaLnBrk="1" fontAlgn="auto" latinLnBrk="0" hangingPunct="1">
+                        <a:lnSpc>
+                          <a:spcPct val="100000"/>
+                        </a:lnSpc>
+                        <a:spcBef>
+                          <a:spcPts val="0"/>
+                        </a:spcBef>
+                        <a:spcAft>
+                          <a:spcPts val="0"/>
+                        </a:spcAft>
+                        <a:buClrTx/>
+                        <a:buSzTx/>
+                        <a:buFontTx/>
+                        <a:buNone/>
+                        <a:tabLst/>
+                        <a:defRPr/>
+                      </a:pPr>
+                      <a:r>
+                        <a:rPr lang="en-GB" sz="1800" dirty="0"/>
+                        <a:t>Moves Forward in the program (Asks for Cunning)</a:t>
+                      </a:r>
+                    </a:p>
+                    <a:p>
+                      <a:pPr marL="0" marR="0" lvl="0" indent="0" algn="l" defTabSz="914400" rtl="0" eaLnBrk="1" fontAlgn="auto" latinLnBrk="0" hangingPunct="1">
+                        <a:lnSpc>
+                          <a:spcPct val="100000"/>
+                        </a:lnSpc>
+                        <a:spcBef>
+                          <a:spcPts val="0"/>
+                        </a:spcBef>
+                        <a:spcAft>
+                          <a:spcPts val="0"/>
+                        </a:spcAft>
+                        <a:buClrTx/>
+                        <a:buSzTx/>
+                        <a:buFontTx/>
+                        <a:buNone/>
+                        <a:tabLst/>
+                        <a:defRPr/>
+                      </a:pPr>
+                      <a:endParaRPr lang="en-GB" sz="1800" dirty="0"/>
+                    </a:p>
+                  </a:txBody>
+                  <a:tcPr marL="121900" marR="121900" marT="121900" marB="121900"/>
+                </a:tc>
+                <a:extLst>
+                  <a:ext uri="{0D108BD9-81ED-4DB2-BD59-A6C34878D82A}">
+                    <a16:rowId xmlns:a16="http://schemas.microsoft.com/office/drawing/2014/main" val="2795522127"/>
+                  </a:ext>
+                </a:extLst>
+              </a:tr>
+              <a:tr h="609560">
+                <a:tc>
+                  <a:txBody>
+                    <a:bodyPr/>
+                    <a:lstStyle/>
+                    <a:p>
+                      <a:pPr marL="0" marR="0" lvl="0" indent="0" algn="l" defTabSz="914400" rtl="0" eaLnBrk="1" fontAlgn="auto" latinLnBrk="0" hangingPunct="1">
+                        <a:lnSpc>
+                          <a:spcPct val="100000"/>
+                        </a:lnSpc>
+                        <a:spcBef>
+                          <a:spcPts val="0"/>
+                        </a:spcBef>
+                        <a:spcAft>
+                          <a:spcPts val="0"/>
+                        </a:spcAft>
+                        <a:buClrTx/>
+                        <a:buSzTx/>
+                        <a:buFontTx/>
+                        <a:buNone/>
+                        <a:tabLst/>
+                        <a:defRPr/>
+                      </a:pPr>
+                      <a:r>
+                        <a:rPr lang="en-GB" sz="1800" dirty="0"/>
+                        <a:t>Enter the cunning of the creature</a:t>
+                      </a:r>
+                    </a:p>
+                    <a:p>
+                      <a:pPr marL="0" lvl="0" indent="0" algn="l" rtl="0">
+                        <a:spcBef>
+                          <a:spcPts val="0"/>
+                        </a:spcBef>
+                        <a:spcAft>
+                          <a:spcPts val="0"/>
+                        </a:spcAft>
+                        <a:buNone/>
+                      </a:pPr>
+                      <a:endParaRPr sz="1800" dirty="0"/>
+                    </a:p>
+                  </a:txBody>
+                  <a:tcPr marL="121900" marR="121900" marT="121900" marB="121900"/>
+                </a:tc>
+                <a:tc>
+                  <a:txBody>
+                    <a:bodyPr/>
+                    <a:lstStyle/>
+                    <a:p>
+                      <a:pPr marL="0" lvl="0" indent="0" algn="l" rtl="0">
+                        <a:spcBef>
+                          <a:spcPts val="0"/>
+                        </a:spcBef>
+                        <a:spcAft>
+                          <a:spcPts val="0"/>
+                        </a:spcAft>
+                        <a:buNone/>
+                      </a:pPr>
+                      <a:r>
+                        <a:rPr lang="en-NZ" sz="1800" dirty="0"/>
+                        <a:t>10</a:t>
+                      </a:r>
+                      <a:endParaRPr sz="1800" dirty="0"/>
+                    </a:p>
+                  </a:txBody>
+                  <a:tcPr marL="121900" marR="121900" marT="121900" marB="121900"/>
+                </a:tc>
+                <a:tc>
+                  <a:txBody>
+                    <a:bodyPr/>
+                    <a:lstStyle/>
+                    <a:p>
+                      <a:pPr marL="0" marR="0" lvl="0" indent="0" algn="l" defTabSz="914400" rtl="0" eaLnBrk="1" fontAlgn="auto" latinLnBrk="0" hangingPunct="1">
+                        <a:lnSpc>
+                          <a:spcPct val="100000"/>
+                        </a:lnSpc>
+                        <a:spcBef>
+                          <a:spcPts val="0"/>
+                        </a:spcBef>
+                        <a:spcAft>
+                          <a:spcPts val="0"/>
+                        </a:spcAft>
+                        <a:buClrTx/>
+                        <a:buSzTx/>
+                        <a:buFontTx/>
+                        <a:buNone/>
+                        <a:tabLst/>
+                        <a:defRPr/>
+                      </a:pPr>
+                      <a:r>
+                        <a:rPr lang="en-GB" sz="1800" dirty="0"/>
+                        <a:t>Moves forward in the program. (Shows confirmation screen)</a:t>
+                      </a:r>
+                    </a:p>
+                  </a:txBody>
+                  <a:tcPr marL="121900" marR="121900" marT="121900" marB="121900"/>
+                </a:tc>
+                <a:extLst>
+                  <a:ext uri="{0D108BD9-81ED-4DB2-BD59-A6C34878D82A}">
+                    <a16:rowId xmlns:a16="http://schemas.microsoft.com/office/drawing/2014/main" val="3051400142"/>
+                  </a:ext>
+                </a:extLst>
+              </a:tr>
+            </a:tbl>
+          </a:graphicData>
+        </a:graphic>
+      </p:graphicFrame>
+    </p:spTree>
+  </p:cSld>
+  <p:clrMapOvr>
+    <a:masterClrMapping/>
+  </p:clrMapOvr>
+</p:sld>
+</file>
+
+<file path=ppt/slides/slide8.xml><?xml version="1.0" encoding="utf-8"?>
+<p:sld xmlns:a="http://schemas.openxmlformats.org/drawingml/2006/main" xmlns:r="http://schemas.openxmlformats.org/officeDocument/2006/relationships" xmlns:p="http://schemas.openxmlformats.org/presentationml/2006/main">
+  <p:cSld>
+    <p:spTree>
+      <p:nvGrpSpPr>
+        <p:cNvPr id="1" name="Shape 90"/>
+        <p:cNvGrpSpPr/>
+        <p:nvPr/>
+      </p:nvGrpSpPr>
+      <p:grpSpPr>
+        <a:xfrm>
+          <a:off x="0" y="0"/>
+          <a:ext cx="0" cy="0"/>
+          <a:chOff x="0" y="0"/>
+          <a:chExt cx="0" cy="0"/>
+        </a:xfrm>
+      </p:grpSpPr>
+      <p:sp>
+        <p:nvSpPr>
+          <p:cNvPr id="91" name="Google Shape;91;p19"/>
+          <p:cNvSpPr txBox="1">
+            <a:spLocks noGrp="1"/>
+          </p:cNvSpPr>
+          <p:nvPr>
+            <p:ph type="title"/>
+          </p:nvPr>
+        </p:nvSpPr>
+        <p:spPr>
+          <a:xfrm>
+            <a:off x="415600" y="106820"/>
+            <a:ext cx="11360800" cy="763600"/>
+          </a:xfrm>
+          <a:prstGeom prst="rect">
+            <a:avLst/>
+          </a:prstGeom>
+        </p:spPr>
+        <p:txBody>
+          <a:bodyPr spcFirstLastPara="1" vert="horz" wrap="square" lIns="121900" tIns="121900" rIns="121900" bIns="121900" rtlCol="0" anchor="t" anchorCtr="0">
+            <a:noAutofit/>
+          </a:bodyPr>
+          <a:lstStyle/>
+          <a:p>
+            <a:r>
+              <a:rPr lang="en" sz="4000" dirty="0"/>
+              <a:t>Add Creature - Test Plan (2/2)</a:t>
+            </a:r>
+            <a:endParaRPr sz="4000" dirty="0"/>
+          </a:p>
+        </p:txBody>
+      </p:sp>
+      <p:graphicFrame>
+        <p:nvGraphicFramePr>
+          <p:cNvPr id="92" name="Google Shape;92;p19"/>
+          <p:cNvGraphicFramePr/>
+          <p:nvPr>
+            <p:extLst>
+              <p:ext uri="{D42A27DB-BD31-4B8C-83A1-F6EECF244321}">
+                <p14:modId xmlns:p14="http://schemas.microsoft.com/office/powerpoint/2010/main" val="976359287"/>
+              </p:ext>
+            </p:extLst>
+          </p:nvPr>
+        </p:nvGraphicFramePr>
+        <p:xfrm>
+          <a:off x="527220" y="807820"/>
+          <a:ext cx="11360799" cy="5943360"/>
+        </p:xfrm>
+        <a:graphic>
+          <a:graphicData uri="http://schemas.openxmlformats.org/drawingml/2006/table">
+            <a:tbl>
+              <a:tblPr>
+                <a:noFill/>
+              </a:tblPr>
+              <a:tblGrid>
+                <a:gridCol w="3786933">
+                  <a:extLst>
+                    <a:ext uri="{9D8B030D-6E8A-4147-A177-3AD203B41FA5}">
+                      <a16:colId xmlns:a16="http://schemas.microsoft.com/office/drawing/2014/main" val="3053296164"/>
+                    </a:ext>
+                  </a:extLst>
+                </a:gridCol>
+                <a:gridCol w="3786933">
+                  <a:extLst>
+                    <a:ext uri="{9D8B030D-6E8A-4147-A177-3AD203B41FA5}">
+                      <a16:colId xmlns:a16="http://schemas.microsoft.com/office/drawing/2014/main" val="20000"/>
+                    </a:ext>
+                  </a:extLst>
+                </a:gridCol>
+                <a:gridCol w="3786933">
+                  <a:extLst>
+                    <a:ext uri="{9D8B030D-6E8A-4147-A177-3AD203B41FA5}">
+                      <a16:colId xmlns:a16="http://schemas.microsoft.com/office/drawing/2014/main" val="20001"/>
+                    </a:ext>
+                  </a:extLst>
+                </a:gridCol>
+              </a:tblGrid>
+              <a:tr h="609560">
+                <a:tc>
+                  <a:txBody>
+                    <a:bodyPr/>
+                    <a:lstStyle/>
+                    <a:p>
+                      <a:pPr marL="0" lvl="0" indent="0" algn="l" rtl="0">
+                        <a:spcBef>
+                          <a:spcPts val="0"/>
+                        </a:spcBef>
+                        <a:spcAft>
+                          <a:spcPts val="0"/>
+                        </a:spcAft>
+                        <a:buNone/>
+                      </a:pPr>
+                      <a:r>
+                        <a:rPr lang="en-NZ" sz="1800" b="1" dirty="0"/>
+                        <a:t>What Program Should Ask</a:t>
+                      </a:r>
+                      <a:endParaRPr sz="1800" b="1" dirty="0"/>
+                    </a:p>
+                  </a:txBody>
+                  <a:tcPr marL="121900" marR="121900" marT="121900" marB="121900">
+                    <a:solidFill>
+                      <a:srgbClr val="CCCCCC"/>
+                    </a:solidFill>
+                  </a:tcPr>
+                </a:tc>
+                <a:tc>
+                  <a:txBody>
+                    <a:bodyPr/>
+                    <a:lstStyle/>
+                    <a:p>
+                      <a:pPr marL="0" lvl="0" indent="0" algn="l" rtl="0">
+                        <a:spcBef>
+                          <a:spcPts val="0"/>
+                        </a:spcBef>
+                        <a:spcAft>
+                          <a:spcPts val="0"/>
+                        </a:spcAft>
+                        <a:buNone/>
+                      </a:pPr>
+                      <a:r>
+                        <a:rPr lang="en" sz="1800" b="1" dirty="0"/>
+                        <a:t>Test Cases - input</a:t>
+                      </a:r>
+                      <a:endParaRPr sz="1800" b="1" dirty="0"/>
+                    </a:p>
+                  </a:txBody>
+                  <a:tcPr marL="121900" marR="121900" marT="121900" marB="121900">
+                    <a:solidFill>
+                      <a:srgbClr val="CCCCCC"/>
+                    </a:solidFill>
+                  </a:tcPr>
+                </a:tc>
+                <a:tc>
+                  <a:txBody>
+                    <a:bodyPr/>
+                    <a:lstStyle/>
+                    <a:p>
+                      <a:pPr marL="0" lvl="0" indent="0" algn="l" rtl="0">
+                        <a:spcBef>
+                          <a:spcPts val="0"/>
+                        </a:spcBef>
+                        <a:spcAft>
+                          <a:spcPts val="0"/>
+                        </a:spcAft>
+                        <a:buNone/>
+                      </a:pPr>
+                      <a:r>
+                        <a:rPr lang="en" sz="1800" b="1" dirty="0"/>
+                        <a:t>Expected output</a:t>
+                      </a:r>
+                      <a:endParaRPr sz="1800" b="1" dirty="0"/>
+                    </a:p>
+                  </a:txBody>
+                  <a:tcPr marL="121900" marR="121900" marT="121900" marB="121900">
+                    <a:solidFill>
+                      <a:srgbClr val="CCCCCC"/>
+                    </a:solidFill>
+                  </a:tcPr>
+                </a:tc>
+                <a:extLst>
+                  <a:ext uri="{0D108BD9-81ED-4DB2-BD59-A6C34878D82A}">
+                    <a16:rowId xmlns:a16="http://schemas.microsoft.com/office/drawing/2014/main" val="10000"/>
+                  </a:ext>
+                </a:extLst>
+              </a:tr>
+              <a:tr h="609560">
+                <a:tc>
+                  <a:txBody>
+                    <a:bodyPr/>
+                    <a:lstStyle/>
+                    <a:p>
+                      <a:pPr marL="0" lvl="0" indent="0" algn="l" rtl="0">
+                        <a:spcBef>
+                          <a:spcPts val="0"/>
+                        </a:spcBef>
+                        <a:spcAft>
+                          <a:spcPts val="0"/>
+                        </a:spcAft>
+                        <a:buNone/>
+                      </a:pPr>
+                      <a:r>
+                        <a:rPr lang="en-NZ" sz="1800" dirty="0"/>
+                        <a:t>(Confirmation Screen) “Are these details correct?”</a:t>
+                      </a:r>
+                      <a:endParaRPr sz="1800" dirty="0"/>
+                    </a:p>
+                  </a:txBody>
+                  <a:tcPr marL="121900" marR="121900" marT="121900" marB="121900"/>
+                </a:tc>
+                <a:tc>
+                  <a:txBody>
+                    <a:bodyPr/>
+                    <a:lstStyle/>
+                    <a:p>
+                      <a:pPr marL="0" lvl="0" indent="0" algn="l" rtl="0">
+                        <a:spcBef>
+                          <a:spcPts val="0"/>
+                        </a:spcBef>
+                        <a:spcAft>
+                          <a:spcPts val="0"/>
+                        </a:spcAft>
+                        <a:buNone/>
+                      </a:pPr>
+                      <a:r>
+                        <a:rPr lang="en-NZ" sz="1800" dirty="0"/>
+                        <a:t>No</a:t>
+                      </a:r>
+                      <a:endParaRPr sz="1800" dirty="0"/>
+                    </a:p>
+                  </a:txBody>
+                  <a:tcPr marL="121900" marR="121900" marT="121900" marB="121900"/>
+                </a:tc>
+                <a:tc>
+                  <a:txBody>
+                    <a:bodyPr/>
+                    <a:lstStyle/>
+                    <a:p>
+                      <a:pPr marL="0" lvl="0" indent="0" algn="l" rtl="0">
+                        <a:spcBef>
+                          <a:spcPts val="0"/>
+                        </a:spcBef>
+                        <a:spcAft>
+                          <a:spcPts val="0"/>
+                        </a:spcAft>
+                        <a:buNone/>
+                      </a:pPr>
+                      <a:r>
+                        <a:rPr lang="en-NZ" sz="1800" dirty="0"/>
+                        <a:t>(Pop-up Screen) Which Field would you like to change? (Buttons) Strength, Speed, Stealth, Cunning</a:t>
+                      </a:r>
+                      <a:endParaRPr sz="1800" dirty="0"/>
+                    </a:p>
+                  </a:txBody>
+                  <a:tcPr marL="121900" marR="121900" marT="121900" marB="121900"/>
+                </a:tc>
+                <a:extLst>
+                  <a:ext uri="{0D108BD9-81ED-4DB2-BD59-A6C34878D82A}">
+                    <a16:rowId xmlns:a16="http://schemas.microsoft.com/office/drawing/2014/main" val="10001"/>
+                  </a:ext>
+                </a:extLst>
+              </a:tr>
+              <a:tr h="609560">
+                <a:tc>
+                  <a:txBody>
+                    <a:bodyPr/>
+                    <a:lstStyle/>
+                    <a:p>
+                      <a:pPr marL="0" lvl="0" indent="0" algn="l" rtl="0">
+                        <a:spcBef>
+                          <a:spcPts val="0"/>
+                        </a:spcBef>
+                        <a:spcAft>
+                          <a:spcPts val="0"/>
+                        </a:spcAft>
+                        <a:buNone/>
+                      </a:pPr>
+                      <a:r>
+                        <a:rPr lang="en-GB" sz="1800" dirty="0"/>
+                        <a:t>(Pop-up Screen) Which Field would you like to change? (Buttons) Strength, Speed, Stealth, Cunning</a:t>
+                      </a:r>
+                    </a:p>
+                  </a:txBody>
+                  <a:tcPr marL="121900" marR="121900" marT="121900" marB="121900"/>
+                </a:tc>
+                <a:tc>
+                  <a:txBody>
+                    <a:bodyPr/>
+                    <a:lstStyle/>
+                    <a:p>
+                      <a:pPr marL="0" lvl="0" indent="0" algn="l" rtl="0">
+                        <a:spcBef>
+                          <a:spcPts val="0"/>
+                        </a:spcBef>
+                        <a:spcAft>
+                          <a:spcPts val="0"/>
+                        </a:spcAft>
+                        <a:buNone/>
+                      </a:pPr>
+                      <a:r>
+                        <a:rPr lang="en-NZ" sz="1800" dirty="0"/>
+                        <a:t>Cunning</a:t>
+                      </a:r>
+                      <a:endParaRPr sz="1800" dirty="0"/>
+                    </a:p>
+                  </a:txBody>
+                  <a:tcPr marL="121900" marR="121900" marT="121900" marB="121900"/>
+                </a:tc>
+                <a:tc>
+                  <a:txBody>
+                    <a:bodyPr/>
+                    <a:lstStyle/>
+                    <a:p>
+                      <a:pPr marL="0" marR="0" lvl="0" indent="0" algn="l" defTabSz="914400" rtl="0" eaLnBrk="1" fontAlgn="auto" latinLnBrk="0" hangingPunct="1">
+                        <a:lnSpc>
+                          <a:spcPct val="100000"/>
+                        </a:lnSpc>
+                        <a:spcBef>
+                          <a:spcPts val="0"/>
+                        </a:spcBef>
+                        <a:spcAft>
+                          <a:spcPts val="0"/>
+                        </a:spcAft>
+                        <a:buClrTx/>
+                        <a:buSzTx/>
+                        <a:buFontTx/>
+                        <a:buNone/>
+                        <a:tabLst/>
+                        <a:defRPr/>
+                      </a:pPr>
+                      <a:r>
+                        <a:rPr lang="en-GB" sz="1800" dirty="0"/>
+                        <a:t>Enter the new value for Cunning</a:t>
+                      </a:r>
                     </a:p>
                   </a:txBody>
                   <a:tcPr marL="121900" marR="121900" marT="121900" marB="121900"/>
@@ -7639,62 +12569,362 @@
                   </a:ext>
                 </a:extLst>
               </a:tr>
+              <a:tr h="609560">
+                <a:tc>
+                  <a:txBody>
+                    <a:bodyPr/>
+                    <a:lstStyle/>
+                    <a:p>
+                      <a:pPr marL="0" marR="0" lvl="0" indent="0" algn="l" defTabSz="914400" rtl="0" eaLnBrk="1" fontAlgn="auto" latinLnBrk="0" hangingPunct="1">
+                        <a:lnSpc>
+                          <a:spcPct val="100000"/>
+                        </a:lnSpc>
+                        <a:spcBef>
+                          <a:spcPts val="0"/>
+                        </a:spcBef>
+                        <a:spcAft>
+                          <a:spcPts val="0"/>
+                        </a:spcAft>
+                        <a:buClrTx/>
+                        <a:buSzTx/>
+                        <a:buFontTx/>
+                        <a:buNone/>
+                        <a:tabLst/>
+                        <a:defRPr/>
+                      </a:pPr>
+                      <a:r>
+                        <a:rPr lang="en-GB" sz="1800" dirty="0"/>
+                        <a:t>Enter the new value for Cunning</a:t>
+                      </a:r>
+                    </a:p>
+                    <a:p>
+                      <a:pPr marL="0" lvl="0" indent="0" algn="l" rtl="0">
+                        <a:spcBef>
+                          <a:spcPts val="0"/>
+                        </a:spcBef>
+                        <a:spcAft>
+                          <a:spcPts val="0"/>
+                        </a:spcAft>
+                        <a:buNone/>
+                      </a:pPr>
+                      <a:endParaRPr sz="1800" dirty="0"/>
+                    </a:p>
+                  </a:txBody>
+                  <a:tcPr marL="121900" marR="121900" marT="121900" marB="121900"/>
+                </a:tc>
+                <a:tc>
+                  <a:txBody>
+                    <a:bodyPr/>
+                    <a:lstStyle/>
+                    <a:p>
+                      <a:pPr marL="0" lvl="0" indent="0" algn="l" rtl="0">
+                        <a:spcBef>
+                          <a:spcPts val="0"/>
+                        </a:spcBef>
+                        <a:spcAft>
+                          <a:spcPts val="0"/>
+                        </a:spcAft>
+                        <a:buNone/>
+                      </a:pPr>
+                      <a:r>
+                        <a:rPr lang="en-NZ" sz="1800" dirty="0"/>
+                        <a:t>26</a:t>
+                      </a:r>
+                      <a:endParaRPr sz="1800" dirty="0"/>
+                    </a:p>
+                  </a:txBody>
+                  <a:tcPr marL="121900" marR="121900" marT="121900" marB="121900"/>
+                </a:tc>
+                <a:tc>
+                  <a:txBody>
+                    <a:bodyPr/>
+                    <a:lstStyle/>
+                    <a:p>
+                      <a:pPr marL="0" marR="0" lvl="0" indent="0" algn="l" defTabSz="914400" rtl="0" eaLnBrk="1" fontAlgn="auto" latinLnBrk="0" hangingPunct="1">
+                        <a:lnSpc>
+                          <a:spcPct val="100000"/>
+                        </a:lnSpc>
+                        <a:spcBef>
+                          <a:spcPts val="0"/>
+                        </a:spcBef>
+                        <a:spcAft>
+                          <a:spcPts val="0"/>
+                        </a:spcAft>
+                        <a:buClrTx/>
+                        <a:buSzTx/>
+                        <a:buFontTx/>
+                        <a:buNone/>
+                        <a:tabLst/>
+                        <a:defRPr/>
+                      </a:pPr>
+                      <a:r>
+                        <a:rPr lang="en-GB" sz="1800" dirty="0"/>
+                        <a:t>ERROR: The value you entered is greater than the upper bound of 26. (Allows the user to reinput the value for cunning)</a:t>
+                      </a:r>
+                    </a:p>
+                    <a:p>
+                      <a:pPr marL="0" marR="0" lvl="0" indent="0" algn="l" defTabSz="914400" rtl="0" eaLnBrk="1" fontAlgn="auto" latinLnBrk="0" hangingPunct="1">
+                        <a:lnSpc>
+                          <a:spcPct val="100000"/>
+                        </a:lnSpc>
+                        <a:spcBef>
+                          <a:spcPts val="0"/>
+                        </a:spcBef>
+                        <a:spcAft>
+                          <a:spcPts val="0"/>
+                        </a:spcAft>
+                        <a:buClrTx/>
+                        <a:buSzTx/>
+                        <a:buFontTx/>
+                        <a:buNone/>
+                        <a:tabLst/>
+                        <a:defRPr/>
+                      </a:pPr>
+                      <a:endParaRPr lang="en-GB" sz="1800" dirty="0"/>
+                    </a:p>
+                  </a:txBody>
+                  <a:tcPr marL="121900" marR="121900" marT="121900" marB="121900"/>
+                </a:tc>
+                <a:extLst>
+                  <a:ext uri="{0D108BD9-81ED-4DB2-BD59-A6C34878D82A}">
+                    <a16:rowId xmlns:a16="http://schemas.microsoft.com/office/drawing/2014/main" val="3777057556"/>
+                  </a:ext>
+                </a:extLst>
+              </a:tr>
+              <a:tr h="609560">
+                <a:tc>
+                  <a:txBody>
+                    <a:bodyPr/>
+                    <a:lstStyle/>
+                    <a:p>
+                      <a:pPr marL="0" marR="0" lvl="0" indent="0" algn="l" defTabSz="914400" rtl="0" eaLnBrk="1" fontAlgn="auto" latinLnBrk="0" hangingPunct="1">
+                        <a:lnSpc>
+                          <a:spcPct val="100000"/>
+                        </a:lnSpc>
+                        <a:spcBef>
+                          <a:spcPts val="0"/>
+                        </a:spcBef>
+                        <a:spcAft>
+                          <a:spcPts val="0"/>
+                        </a:spcAft>
+                        <a:buClrTx/>
+                        <a:buSzTx/>
+                        <a:buFontTx/>
+                        <a:buNone/>
+                        <a:tabLst/>
+                        <a:defRPr/>
+                      </a:pPr>
+                      <a:r>
+                        <a:rPr lang="en-GB" sz="1800" dirty="0"/>
+                        <a:t>Enter the new value for cunning</a:t>
+                      </a:r>
+                    </a:p>
+                    <a:p>
+                      <a:pPr marL="0" lvl="0" indent="0" algn="l" rtl="0">
+                        <a:spcBef>
+                          <a:spcPts val="0"/>
+                        </a:spcBef>
+                        <a:spcAft>
+                          <a:spcPts val="0"/>
+                        </a:spcAft>
+                        <a:buNone/>
+                      </a:pPr>
+                      <a:endParaRPr sz="1800" dirty="0"/>
+                    </a:p>
+                  </a:txBody>
+                  <a:tcPr marL="121900" marR="121900" marT="121900" marB="121900"/>
+                </a:tc>
+                <a:tc>
+                  <a:txBody>
+                    <a:bodyPr/>
+                    <a:lstStyle/>
+                    <a:p>
+                      <a:pPr marL="0" lvl="0" indent="0" algn="l" rtl="0">
+                        <a:spcBef>
+                          <a:spcPts val="0"/>
+                        </a:spcBef>
+                        <a:spcAft>
+                          <a:spcPts val="0"/>
+                        </a:spcAft>
+                        <a:buNone/>
+                      </a:pPr>
+                      <a:r>
+                        <a:rPr lang="en-NZ" sz="1800" dirty="0"/>
+                        <a:t>11</a:t>
+                      </a:r>
+                      <a:endParaRPr sz="1800" dirty="0"/>
+                    </a:p>
+                  </a:txBody>
+                  <a:tcPr marL="121900" marR="121900" marT="121900" marB="121900"/>
+                </a:tc>
+                <a:tc>
+                  <a:txBody>
+                    <a:bodyPr/>
+                    <a:lstStyle/>
+                    <a:p>
+                      <a:pPr marL="0" marR="0" lvl="0" indent="0" algn="l" defTabSz="914400" rtl="0" eaLnBrk="1" fontAlgn="auto" latinLnBrk="0" hangingPunct="1">
+                        <a:lnSpc>
+                          <a:spcPct val="100000"/>
+                        </a:lnSpc>
+                        <a:spcBef>
+                          <a:spcPts val="0"/>
+                        </a:spcBef>
+                        <a:spcAft>
+                          <a:spcPts val="0"/>
+                        </a:spcAft>
+                        <a:buClrTx/>
+                        <a:buSzTx/>
+                        <a:buFontTx/>
+                        <a:buNone/>
+                        <a:tabLst/>
+                        <a:defRPr/>
+                      </a:pPr>
+                      <a:r>
+                        <a:rPr lang="en-GB" sz="1800" dirty="0"/>
+                        <a:t>(Pop-up) Confirmation Screen</a:t>
+                      </a:r>
+                    </a:p>
+                    <a:p>
+                      <a:pPr marL="0" marR="0" lvl="0" indent="0" algn="l" defTabSz="914400" rtl="0" eaLnBrk="1" fontAlgn="auto" latinLnBrk="0" hangingPunct="1">
+                        <a:lnSpc>
+                          <a:spcPct val="100000"/>
+                        </a:lnSpc>
+                        <a:spcBef>
+                          <a:spcPts val="0"/>
+                        </a:spcBef>
+                        <a:spcAft>
+                          <a:spcPts val="0"/>
+                        </a:spcAft>
+                        <a:buClrTx/>
+                        <a:buSzTx/>
+                        <a:buFontTx/>
+                        <a:buNone/>
+                        <a:tabLst/>
+                        <a:defRPr/>
+                      </a:pPr>
+                      <a:endParaRPr lang="en-GB" sz="1800" dirty="0"/>
+                    </a:p>
+                  </a:txBody>
+                  <a:tcPr marL="121900" marR="121900" marT="121900" marB="121900"/>
+                </a:tc>
+                <a:extLst>
+                  <a:ext uri="{0D108BD9-81ED-4DB2-BD59-A6C34878D82A}">
+                    <a16:rowId xmlns:a16="http://schemas.microsoft.com/office/drawing/2014/main" val="2795522127"/>
+                  </a:ext>
+                </a:extLst>
+              </a:tr>
+              <a:tr h="609560">
+                <a:tc>
+                  <a:txBody>
+                    <a:bodyPr/>
+                    <a:lstStyle/>
+                    <a:p>
+                      <a:pPr marL="0" marR="0" lvl="0" indent="0" algn="l" defTabSz="914400" rtl="0" eaLnBrk="1" fontAlgn="auto" latinLnBrk="0" hangingPunct="1">
+                        <a:lnSpc>
+                          <a:spcPct val="100000"/>
+                        </a:lnSpc>
+                        <a:spcBef>
+                          <a:spcPts val="0"/>
+                        </a:spcBef>
+                        <a:spcAft>
+                          <a:spcPts val="0"/>
+                        </a:spcAft>
+                        <a:buClrTx/>
+                        <a:buSzTx/>
+                        <a:buFontTx/>
+                        <a:buNone/>
+                        <a:tabLst/>
+                        <a:defRPr/>
+                      </a:pPr>
+                      <a:r>
+                        <a:rPr lang="en-GB" sz="1800" dirty="0"/>
+                        <a:t>Are these details correct?</a:t>
+                      </a:r>
+                    </a:p>
+                    <a:p>
+                      <a:pPr marL="0" lvl="0" indent="0" algn="l" rtl="0">
+                        <a:spcBef>
+                          <a:spcPts val="0"/>
+                        </a:spcBef>
+                        <a:spcAft>
+                          <a:spcPts val="0"/>
+                        </a:spcAft>
+                        <a:buNone/>
+                      </a:pPr>
+                      <a:endParaRPr sz="1800" dirty="0"/>
+                    </a:p>
+                  </a:txBody>
+                  <a:tcPr marL="121900" marR="121900" marT="121900" marB="121900"/>
+                </a:tc>
+                <a:tc>
+                  <a:txBody>
+                    <a:bodyPr/>
+                    <a:lstStyle/>
+                    <a:p>
+                      <a:pPr marL="0" lvl="0" indent="0" algn="l" rtl="0">
+                        <a:spcBef>
+                          <a:spcPts val="0"/>
+                        </a:spcBef>
+                        <a:spcAft>
+                          <a:spcPts val="0"/>
+                        </a:spcAft>
+                        <a:buNone/>
+                      </a:pPr>
+                      <a:r>
+                        <a:rPr lang="en-NZ" sz="1800" dirty="0"/>
+                        <a:t>Yes</a:t>
+                      </a:r>
+                      <a:endParaRPr sz="1800" dirty="0"/>
+                    </a:p>
+                  </a:txBody>
+                  <a:tcPr marL="121900" marR="121900" marT="121900" marB="121900"/>
+                </a:tc>
+                <a:tc>
+                  <a:txBody>
+                    <a:bodyPr/>
+                    <a:lstStyle/>
+                    <a:p>
+                      <a:pPr marL="0" marR="0" lvl="0" indent="0" algn="l" defTabSz="914400" rtl="0" eaLnBrk="1" fontAlgn="auto" latinLnBrk="0" hangingPunct="1">
+                        <a:lnSpc>
+                          <a:spcPct val="100000"/>
+                        </a:lnSpc>
+                        <a:spcBef>
+                          <a:spcPts val="0"/>
+                        </a:spcBef>
+                        <a:spcAft>
+                          <a:spcPts val="0"/>
+                        </a:spcAft>
+                        <a:buClrTx/>
+                        <a:buSzTx/>
+                        <a:buFontTx/>
+                        <a:buNone/>
+                        <a:tabLst/>
+                        <a:defRPr/>
+                      </a:pPr>
+                      <a:r>
+                        <a:rPr lang="en-GB" sz="1800" dirty="0"/>
+                        <a:t>Creature added successfully!</a:t>
+                      </a:r>
+                    </a:p>
+                  </a:txBody>
+                  <a:tcPr marL="121900" marR="121900" marT="121900" marB="121900"/>
+                </a:tc>
+                <a:extLst>
+                  <a:ext uri="{0D108BD9-81ED-4DB2-BD59-A6C34878D82A}">
+                    <a16:rowId xmlns:a16="http://schemas.microsoft.com/office/drawing/2014/main" val="3051400142"/>
+                  </a:ext>
+                </a:extLst>
+              </a:tr>
             </a:tbl>
           </a:graphicData>
         </a:graphic>
       </p:graphicFrame>
-      <p:sp>
-        <p:nvSpPr>
-          <p:cNvPr id="4" name="Rectangle 3">
-            <a:extLst>
-              <a:ext uri="{FF2B5EF4-FFF2-40B4-BE49-F238E27FC236}">
-                <a16:creationId xmlns:a16="http://schemas.microsoft.com/office/drawing/2014/main" id="{518343B6-2201-4ACD-B907-770BC22E8B26}"/>
-              </a:ext>
-            </a:extLst>
-          </p:cNvPr>
-          <p:cNvSpPr/>
-          <p:nvPr/>
-        </p:nvSpPr>
-        <p:spPr>
-          <a:xfrm>
-            <a:off x="645160" y="1151007"/>
-            <a:ext cx="9999846" cy="369332"/>
-          </a:xfrm>
-          <a:prstGeom prst="rect">
-            <a:avLst/>
-          </a:prstGeom>
-        </p:spPr>
-        <p:txBody>
-          <a:bodyPr wrap="square">
-            <a:spAutoFit/>
-          </a:bodyPr>
-          <a:lstStyle/>
-          <a:p>
-            <a:pPr marL="0" marR="0" lvl="0" indent="0" algn="l" defTabSz="914400" rtl="0" eaLnBrk="1" fontAlgn="auto" latinLnBrk="0" hangingPunct="1">
-              <a:lnSpc>
-                <a:spcPct val="100000"/>
-              </a:lnSpc>
-              <a:spcBef>
-                <a:spcPts val="0"/>
-              </a:spcBef>
-              <a:spcAft>
-                <a:spcPts val="0"/>
-              </a:spcAft>
-              <a:buClrTx/>
-              <a:buSzTx/>
-              <a:buFontTx/>
-              <a:buNone/>
-              <a:tabLst/>
-              <a:defRPr/>
-            </a:pPr>
-            <a:r>
-              <a:rPr lang="en-NZ" i="1" dirty="0"/>
-              <a:t>Additional rows can be added by clicking in the last cell and then using the Tab key </a:t>
-            </a:r>
-          </a:p>
-        </p:txBody>
-      </p:sp>
     </p:spTree>
+    <p:extLst>
+      <p:ext uri="{BB962C8B-B14F-4D97-AF65-F5344CB8AC3E}">
+        <p14:creationId xmlns:p14="http://schemas.microsoft.com/office/powerpoint/2010/main" val="342142547"/>
+      </p:ext>
+    </p:extLst>
   </p:cSld>
   <p:clrMapOvr>
     <a:masterClrMapping/>
@@ -7702,7 +12932,7 @@
 </p:sld>
 </file>
 
-<file path=ppt/slides/slide8.xml><?xml version="1.0" encoding="utf-8"?>
+<file path=ppt/slides/slide9.xml><?xml version="1.0" encoding="utf-8"?>
 <p:sld xmlns:a="http://schemas.openxmlformats.org/drawingml/2006/main" xmlns:r="http://schemas.openxmlformats.org/officeDocument/2006/relationships" xmlns:p="http://schemas.openxmlformats.org/presentationml/2006/main">
   <p:cSld>
     <p:spTree>
@@ -7911,10 +13141,10 @@
       </p:pic>
       <p:pic>
         <p:nvPicPr>
-          <p:cNvPr id="15" name="Picture 14">
+          <p:cNvPr id="27" name="Picture 26">
             <a:extLst>
               <a:ext uri="{FF2B5EF4-FFF2-40B4-BE49-F238E27FC236}">
-                <a16:creationId xmlns:a16="http://schemas.microsoft.com/office/drawing/2014/main" id="{DF6045B2-5C9F-FC12-87B7-713B10F9EF0A}"/>
+                <a16:creationId xmlns:a16="http://schemas.microsoft.com/office/drawing/2014/main" id="{EF961DCB-2719-07B3-CBE0-FD05E6FC51D6}"/>
               </a:ext>
             </a:extLst>
           </p:cNvPr>
@@ -7931,8 +13161,8 @@
         </p:blipFill>
         <p:spPr>
           <a:xfrm>
-            <a:off x="-464705" y="1404253"/>
-            <a:ext cx="6420746" cy="2181529"/>
+            <a:off x="-400957" y="7636028"/>
+            <a:ext cx="6496957" cy="3019846"/>
           </a:xfrm>
           <a:prstGeom prst="rect">
             <a:avLst/>
@@ -7941,10 +13171,10 @@
       </p:pic>
       <p:pic>
         <p:nvPicPr>
-          <p:cNvPr id="17" name="Picture 16">
+          <p:cNvPr id="6" name="Picture 5">
             <a:extLst>
               <a:ext uri="{FF2B5EF4-FFF2-40B4-BE49-F238E27FC236}">
-                <a16:creationId xmlns:a16="http://schemas.microsoft.com/office/drawing/2014/main" id="{14494820-F1DE-4886-7ED1-344DD5EE52CA}"/>
+                <a16:creationId xmlns:a16="http://schemas.microsoft.com/office/drawing/2014/main" id="{B1C85093-D5D2-F55C-186A-6CEB349F9F20}"/>
               </a:ext>
             </a:extLst>
           </p:cNvPr>
@@ -7961,8 +13191,8 @@
         </p:blipFill>
         <p:spPr>
           <a:xfrm>
-            <a:off x="-3112604" y="47044"/>
-            <a:ext cx="3705742" cy="1505160"/>
+            <a:off x="6776292" y="5400472"/>
+            <a:ext cx="3677163" cy="1457528"/>
           </a:xfrm>
           <a:prstGeom prst="rect">
             <a:avLst/>
@@ -7971,10 +13201,10 @@
       </p:pic>
       <p:pic>
         <p:nvPicPr>
-          <p:cNvPr id="19" name="Picture 18">
+          <p:cNvPr id="10" name="Picture 9">
             <a:extLst>
               <a:ext uri="{FF2B5EF4-FFF2-40B4-BE49-F238E27FC236}">
-                <a16:creationId xmlns:a16="http://schemas.microsoft.com/office/drawing/2014/main" id="{0E3EDA80-8C82-EC83-477A-3DBFC25B9830}"/>
+                <a16:creationId xmlns:a16="http://schemas.microsoft.com/office/drawing/2014/main" id="{A056DC45-CFC4-F055-65B4-AD649F111114}"/>
               </a:ext>
             </a:extLst>
           </p:cNvPr>
@@ -7991,8 +13221,8 @@
         </p:blipFill>
         <p:spPr>
           <a:xfrm>
-            <a:off x="389586" y="3585782"/>
-            <a:ext cx="3648584" cy="1400370"/>
+            <a:off x="-95944" y="70060"/>
+            <a:ext cx="6411220" cy="2991267"/>
           </a:xfrm>
           <a:prstGeom prst="rect">
             <a:avLst/>
@@ -8001,10 +13231,10 @@
       </p:pic>
       <p:pic>
         <p:nvPicPr>
-          <p:cNvPr id="21" name="Picture 20">
+          <p:cNvPr id="13" name="Picture 12">
             <a:extLst>
               <a:ext uri="{FF2B5EF4-FFF2-40B4-BE49-F238E27FC236}">
-                <a16:creationId xmlns:a16="http://schemas.microsoft.com/office/drawing/2014/main" id="{D375D8B9-B848-E9ED-1FBD-752888760D16}"/>
+                <a16:creationId xmlns:a16="http://schemas.microsoft.com/office/drawing/2014/main" id="{9371C743-97A5-15FA-7DB9-174A1BF7ABC7}"/>
               </a:ext>
             </a:extLst>
           </p:cNvPr>
@@ -8021,8 +13251,8 @@
         </p:blipFill>
         <p:spPr>
           <a:xfrm>
-            <a:off x="235149" y="4433791"/>
-            <a:ext cx="4014616" cy="1906049"/>
+            <a:off x="-184844" y="898850"/>
+            <a:ext cx="6430272" cy="2162477"/>
           </a:xfrm>
           <a:prstGeom prst="rect">
             <a:avLst/>
@@ -8031,10 +13261,10 @@
       </p:pic>
       <p:pic>
         <p:nvPicPr>
-          <p:cNvPr id="23" name="Picture 22">
+          <p:cNvPr id="16" name="Picture 15">
             <a:extLst>
               <a:ext uri="{FF2B5EF4-FFF2-40B4-BE49-F238E27FC236}">
-                <a16:creationId xmlns:a16="http://schemas.microsoft.com/office/drawing/2014/main" id="{B45277E7-80CB-7B41-2BDF-7237C276D675}"/>
+                <a16:creationId xmlns:a16="http://schemas.microsoft.com/office/drawing/2014/main" id="{CCDEE18D-2AAD-5112-D196-54AFBBA1E98C}"/>
               </a:ext>
             </a:extLst>
           </p:cNvPr>
@@ -8051,8 +13281,8 @@
         </p:blipFill>
         <p:spPr>
           <a:xfrm>
-            <a:off x="0" y="5130582"/>
-            <a:ext cx="6401693" cy="2152950"/>
+            <a:off x="-203897" y="2366814"/>
+            <a:ext cx="6449325" cy="2124371"/>
           </a:xfrm>
           <a:prstGeom prst="rect">
             <a:avLst/>
@@ -8061,10 +13291,10 @@
       </p:pic>
       <p:pic>
         <p:nvPicPr>
-          <p:cNvPr id="25" name="Picture 24">
+          <p:cNvPr id="20" name="Picture 19">
             <a:extLst>
               <a:ext uri="{FF2B5EF4-FFF2-40B4-BE49-F238E27FC236}">
-                <a16:creationId xmlns:a16="http://schemas.microsoft.com/office/drawing/2014/main" id="{D3C17B07-F9AE-502E-8858-52CF2572FB89}"/>
+                <a16:creationId xmlns:a16="http://schemas.microsoft.com/office/drawing/2014/main" id="{8E9840A2-B4C5-53A9-67D2-01ADED5356EB}"/>
               </a:ext>
             </a:extLst>
           </p:cNvPr>
@@ -8081,38 +13311,8 @@
         </p:blipFill>
         <p:spPr>
           <a:xfrm>
-            <a:off x="-171453" y="6532321"/>
-            <a:ext cx="3667637" cy="1448002"/>
-          </a:xfrm>
-          <a:prstGeom prst="rect">
-            <a:avLst/>
-          </a:prstGeom>
-        </p:spPr>
-      </p:pic>
-      <p:pic>
-        <p:nvPicPr>
-          <p:cNvPr id="27" name="Picture 26">
-            <a:extLst>
-              <a:ext uri="{FF2B5EF4-FFF2-40B4-BE49-F238E27FC236}">
-                <a16:creationId xmlns:a16="http://schemas.microsoft.com/office/drawing/2014/main" id="{EF961DCB-2719-07B3-CBE0-FD05E6FC51D6}"/>
-              </a:ext>
-            </a:extLst>
-          </p:cNvPr>
-          <p:cNvPicPr>
-            <a:picLocks noChangeAspect="1"/>
-          </p:cNvPicPr>
-          <p:nvPr/>
-        </p:nvPicPr>
-        <p:blipFill>
-          <a:blip r:embed="rId13"/>
-          <a:stretch>
-            <a:fillRect/>
-          </a:stretch>
-        </p:blipFill>
-        <p:spPr>
-          <a:xfrm>
-            <a:off x="-400957" y="7636028"/>
-            <a:ext cx="6496957" cy="3019846"/>
+            <a:off x="94877" y="3509427"/>
+            <a:ext cx="6411220" cy="3057952"/>
           </a:xfrm>
           <a:prstGeom prst="rect">
             <a:avLst/>
@@ -8123,121 +13323,6 @@
     <p:extLst>
       <p:ext uri="{BB962C8B-B14F-4D97-AF65-F5344CB8AC3E}">
         <p14:creationId xmlns:p14="http://schemas.microsoft.com/office/powerpoint/2010/main" val="89592267"/>
-      </p:ext>
-    </p:extLst>
-  </p:cSld>
-  <p:clrMapOvr>
-    <a:masterClrMapping/>
-  </p:clrMapOvr>
-</p:sld>
-</file>
-
-<file path=ppt/slides/slide9.xml><?xml version="1.0" encoding="utf-8"?>
-<p:sld xmlns:a="http://schemas.openxmlformats.org/drawingml/2006/main" xmlns:r="http://schemas.openxmlformats.org/officeDocument/2006/relationships" xmlns:p="http://schemas.openxmlformats.org/presentationml/2006/main">
-  <p:cSld>
-    <p:spTree>
-      <p:nvGrpSpPr>
-        <p:cNvPr id="1" name=""/>
-        <p:cNvGrpSpPr/>
-        <p:nvPr/>
-      </p:nvGrpSpPr>
-      <p:grpSpPr>
-        <a:xfrm>
-          <a:off x="0" y="0"/>
-          <a:ext cx="0" cy="0"/>
-          <a:chOff x="0" y="0"/>
-          <a:chExt cx="0" cy="0"/>
-        </a:xfrm>
-      </p:grpSpPr>
-      <p:sp>
-        <p:nvSpPr>
-          <p:cNvPr id="2" name="Title 1">
-            <a:extLst>
-              <a:ext uri="{FF2B5EF4-FFF2-40B4-BE49-F238E27FC236}">
-                <a16:creationId xmlns:a16="http://schemas.microsoft.com/office/drawing/2014/main" id="{1CC5D32F-7C18-4D00-8D54-2FB046F0A206}"/>
-              </a:ext>
-            </a:extLst>
-          </p:cNvPr>
-          <p:cNvSpPr>
-            <a:spLocks noGrp="1"/>
-          </p:cNvSpPr>
-          <p:nvPr>
-            <p:ph type="title"/>
-          </p:nvPr>
-        </p:nvSpPr>
-        <p:spPr>
-          <a:xfrm>
-            <a:off x="749300" y="223520"/>
-            <a:ext cx="10515600" cy="806768"/>
-          </a:xfrm>
-        </p:spPr>
-        <p:txBody>
-          <a:bodyPr>
-            <a:normAutofit/>
-          </a:bodyPr>
-          <a:lstStyle/>
-          <a:p>
-            <a:r>
-              <a:rPr lang="en-NZ" sz="4000" dirty="0"/>
-              <a:t>[Component name]: Trialling </a:t>
-            </a:r>
-          </a:p>
-        </p:txBody>
-      </p:sp>
-      <p:sp>
-        <p:nvSpPr>
-          <p:cNvPr id="4" name="TextBox 3">
-            <a:extLst>
-              <a:ext uri="{FF2B5EF4-FFF2-40B4-BE49-F238E27FC236}">
-                <a16:creationId xmlns:a16="http://schemas.microsoft.com/office/drawing/2014/main" id="{8CD07A82-A944-4A9B-9A52-515DAC30878A}"/>
-              </a:ext>
-            </a:extLst>
-          </p:cNvPr>
-          <p:cNvSpPr txBox="1"/>
-          <p:nvPr/>
-        </p:nvSpPr>
-        <p:spPr>
-          <a:xfrm>
-            <a:off x="660400" y="1030288"/>
-            <a:ext cx="10693400" cy="923330"/>
-          </a:xfrm>
-          <a:prstGeom prst="rect">
-            <a:avLst/>
-          </a:prstGeom>
-          <a:noFill/>
-        </p:spPr>
-        <p:txBody>
-          <a:bodyPr wrap="square">
-            <a:spAutoFit/>
-          </a:bodyPr>
-          <a:lstStyle/>
-          <a:p>
-            <a:r>
-              <a:rPr lang="en-NZ" i="1" dirty="0"/>
-              <a:t>NOTE: Trialling needs to happen for </a:t>
-            </a:r>
-            <a:r>
-              <a:rPr lang="en-NZ" b="1" i="1" dirty="0"/>
-              <a:t>at least 2 </a:t>
-            </a:r>
-            <a:r>
-              <a:rPr lang="en-NZ" i="1" dirty="0"/>
-              <a:t>of your components but is not necessary for ALL components.</a:t>
-            </a:r>
-          </a:p>
-          <a:p>
-            <a:r>
-              <a:rPr lang="en" i="1" dirty="0"/>
-              <a:t>Trialling is not the same as testing. Trialling is about finding different ways of building the same component. Show evidence of  your trialling  here. Select one of your trials for further development and give reasons for your choice. </a:t>
-            </a:r>
-            <a:endParaRPr lang="en-NZ" dirty="0"/>
-          </a:p>
-        </p:txBody>
-      </p:sp>
-    </p:spTree>
-    <p:extLst>
-      <p:ext uri="{BB962C8B-B14F-4D97-AF65-F5344CB8AC3E}">
-        <p14:creationId xmlns:p14="http://schemas.microsoft.com/office/powerpoint/2010/main" val="270828811"/>
       </p:ext>
     </p:extLst>
   </p:cSld>
@@ -8838,15 +13923,6 @@
 </file>
 
 <file path=customXml/item1.xml><?xml version="1.0" encoding="utf-8"?>
-<?mso-contentType ?>
-<FormTemplates xmlns="http://schemas.microsoft.com/sharepoint/v3/contenttype/forms">
-  <Display>DocumentLibraryForm</Display>
-  <Edit>DocumentLibraryForm</Edit>
-  <New>DocumentLibraryForm</New>
-</FormTemplates>
-</file>
-
-<file path=customXml/item2.xml><?xml version="1.0" encoding="utf-8"?>
 <ct:contentTypeSchema xmlns:ct="http://schemas.microsoft.com/office/2006/metadata/contentType" xmlns:ma="http://schemas.microsoft.com/office/2006/metadata/properties/metaAttributes" ct:_="" ma:_="" ma:contentTypeName="Document" ma:contentTypeID="0x010100B37AA4149E3FCE42B2F0D36F55263BE7" ma:contentTypeVersion="3" ma:contentTypeDescription="Create a new document." ma:contentTypeScope="" ma:versionID="f7f1c092f231b6630c24ec1f654af881">
   <xsd:schema xmlns:xsd="http://www.w3.org/2001/XMLSchema" xmlns:xs="http://www.w3.org/2001/XMLSchema" xmlns:p="http://schemas.microsoft.com/office/2006/metadata/properties" xmlns:ns2="205ad105-7c38-4030-89bf-bb8828f957ce" targetNamespace="http://schemas.microsoft.com/office/2006/metadata/properties" ma:root="true" ma:fieldsID="4b98ef4347ca2c9d6ddeb86b863b8840" ns2:_="">
     <xsd:import namespace="205ad105-7c38-4030-89bf-bb8828f957ce"/>
@@ -8984,15 +14060,16 @@
 </ct:contentTypeSchema>
 </file>
 
-<file path=customXml/itemProps1.xml><?xml version="1.0" encoding="utf-8"?>
-<ds:datastoreItem xmlns:ds="http://schemas.openxmlformats.org/officeDocument/2006/customXml" ds:itemID="{2025CDDF-CD31-423A-BEB8-DE00B73966BF}">
-  <ds:schemaRefs>
-    <ds:schemaRef ds:uri="http://schemas.microsoft.com/sharepoint/v3/contenttype/forms"/>
-  </ds:schemaRefs>
-</ds:datastoreItem>
+<file path=customXml/item2.xml><?xml version="1.0" encoding="utf-8"?>
+<?mso-contentType ?>
+<FormTemplates xmlns="http://schemas.microsoft.com/sharepoint/v3/contenttype/forms">
+  <Display>DocumentLibraryForm</Display>
+  <Edit>DocumentLibraryForm</Edit>
+  <New>DocumentLibraryForm</New>
+</FormTemplates>
 </file>
 
-<file path=customXml/itemProps2.xml><?xml version="1.0" encoding="utf-8"?>
+<file path=customXml/itemProps1.xml><?xml version="1.0" encoding="utf-8"?>
 <ds:datastoreItem xmlns:ds="http://schemas.openxmlformats.org/officeDocument/2006/customXml" ds:itemID="{F118AE1B-89AB-4E8D-A474-F3B1187AE7D6}">
   <ds:schemaRefs>
     <ds:schemaRef ds:uri="http://schemas.microsoft.com/office/2006/metadata/contentType"/>
@@ -9008,4 +14085,12 @@
     <ds:schemaRef ds:uri="http://schemas.microsoft.com/internal/obd"/>
   </ds:schemaRefs>
 </ds:datastoreItem>
+</file>
+
+<file path=customXml/itemProps2.xml><?xml version="1.0" encoding="utf-8"?>
+<ds:datastoreItem xmlns:ds="http://schemas.openxmlformats.org/officeDocument/2006/customXml" ds:itemID="{2025CDDF-CD31-423A-BEB8-DE00B73966BF}">
+  <ds:schemaRefs>
+    <ds:schemaRef ds:uri="http://schemas.microsoft.com/sharepoint/v3/contenttype/forms"/>
+  </ds:schemaRefs>
+</ds:datastoreItem>
 </file>
--- a/2.7 and 2.8 Documentation Template.pptx
+++ b/2.7 and 2.8 Documentation Template.pptx
@@ -5,7 +5,7 @@
     <p:sldMasterId id="2147483648" r:id="rId3"/>
   </p:sldMasterIdLst>
   <p:notesMasterIdLst>
-    <p:notesMasterId r:id="rId20"/>
+    <p:notesMasterId r:id="rId22"/>
   </p:notesMasterIdLst>
   <p:sldIdLst>
     <p:sldId id="256" r:id="rId4"/>
@@ -16,14 +16,16 @@
     <p:sldId id="268" r:id="rId9"/>
     <p:sldId id="269" r:id="rId10"/>
     <p:sldId id="276" r:id="rId11"/>
-    <p:sldId id="274" r:id="rId12"/>
-    <p:sldId id="277" r:id="rId13"/>
-    <p:sldId id="278" r:id="rId14"/>
-    <p:sldId id="273" r:id="rId15"/>
-    <p:sldId id="263" r:id="rId16"/>
-    <p:sldId id="270" r:id="rId17"/>
-    <p:sldId id="261" r:id="rId18"/>
-    <p:sldId id="266" r:id="rId19"/>
+    <p:sldId id="277" r:id="rId12"/>
+    <p:sldId id="279" r:id="rId13"/>
+    <p:sldId id="280" r:id="rId14"/>
+    <p:sldId id="281" r:id="rId15"/>
+    <p:sldId id="278" r:id="rId16"/>
+    <p:sldId id="273" r:id="rId17"/>
+    <p:sldId id="263" r:id="rId18"/>
+    <p:sldId id="270" r:id="rId19"/>
+    <p:sldId id="261" r:id="rId20"/>
+    <p:sldId id="266" r:id="rId21"/>
   </p:sldIdLst>
   <p:sldSz cx="12192000" cy="6858000"/>
   <p:notesSz cx="6858000" cy="9144000"/>
@@ -133,7 +135,7 @@
 <file path=ppt/revisionInfo.xml><?xml version="1.0" encoding="utf-8"?>
 <p1510:revInfo xmlns:a="http://schemas.openxmlformats.org/drawingml/2006/main" xmlns:r="http://schemas.openxmlformats.org/officeDocument/2006/relationships" xmlns:p1510="http://schemas.microsoft.com/office/powerpoint/2015/10/main">
   <p1510:revLst>
-    <p1510:client id="{3280C464-2C29-43A4-BF5A-CE909B5BB16A}" v="24" dt="2023-05-11T03:14:45.745"/>
+    <p1510:client id="{3280C464-2C29-43A4-BF5A-CE909B5BB16A}" v="56" dt="2023-05-14T21:48:09.428"/>
   </p1510:revLst>
 </p1510:revInfo>
 </file>
@@ -143,10 +145,25 @@
   <pc:docChgLst>
     <pc:chgData name="Jack Percy" userId="b9a97963-9b08-4684-92e4-b02ce1d032f1" providerId="ADAL" clId="{3280C464-2C29-43A4-BF5A-CE909B5BB16A}"/>
     <pc:docChg chg="undo custSel addSld delSld modSld sldOrd">
-      <pc:chgData name="Jack Percy" userId="b9a97963-9b08-4684-92e4-b02ce1d032f1" providerId="ADAL" clId="{3280C464-2C29-43A4-BF5A-CE909B5BB16A}" dt="2023-05-11T03:14:47.114" v="981" actId="20577"/>
+      <pc:chgData name="Jack Percy" userId="b9a97963-9b08-4684-92e4-b02ce1d032f1" providerId="ADAL" clId="{3280C464-2C29-43A4-BF5A-CE909B5BB16A}" dt="2023-05-14T21:52:37.115" v="2232" actId="22"/>
       <pc:docMkLst>
         <pc:docMk/>
       </pc:docMkLst>
+      <pc:sldChg chg="modSp mod">
+        <pc:chgData name="Jack Percy" userId="b9a97963-9b08-4684-92e4-b02ce1d032f1" providerId="ADAL" clId="{3280C464-2C29-43A4-BF5A-CE909B5BB16A}" dt="2023-05-14T21:33:25.661" v="1208" actId="20577"/>
+        <pc:sldMkLst>
+          <pc:docMk/>
+          <pc:sldMk cId="3838895173" sldId="258"/>
+        </pc:sldMkLst>
+        <pc:spChg chg="mod">
+          <ac:chgData name="Jack Percy" userId="b9a97963-9b08-4684-92e4-b02ce1d032f1" providerId="ADAL" clId="{3280C464-2C29-43A4-BF5A-CE909B5BB16A}" dt="2023-05-14T21:33:25.661" v="1208" actId="20577"/>
+          <ac:spMkLst>
+            <pc:docMk/>
+            <pc:sldMk cId="3838895173" sldId="258"/>
+            <ac:spMk id="4" creationId="{F7FB308A-232B-4B31-A59D-BD561ECFBE8B}"/>
+          </ac:spMkLst>
+        </pc:spChg>
+      </pc:sldChg>
       <pc:sldChg chg="delSp modSp mod">
         <pc:chgData name="Jack Percy" userId="b9a97963-9b08-4684-92e4-b02ce1d032f1" providerId="ADAL" clId="{3280C464-2C29-43A4-BF5A-CE909B5BB16A}" dt="2023-05-11T03:04:02.301" v="838" actId="20577"/>
         <pc:sldMkLst>
@@ -178,8 +195,15 @@
           </ac:graphicFrameMkLst>
         </pc:graphicFrameChg>
       </pc:sldChg>
-      <pc:sldChg chg="addSp delSp modSp mod">
-        <pc:chgData name="Jack Percy" userId="b9a97963-9b08-4684-92e4-b02ce1d032f1" providerId="ADAL" clId="{3280C464-2C29-43A4-BF5A-CE909B5BB16A}" dt="2023-05-11T02:58:34.929" v="732" actId="1076"/>
+      <pc:sldChg chg="ord">
+        <pc:chgData name="Jack Percy" userId="b9a97963-9b08-4684-92e4-b02ce1d032f1" providerId="ADAL" clId="{3280C464-2C29-43A4-BF5A-CE909B5BB16A}" dt="2023-05-14T21:35:54.718" v="1214"/>
+        <pc:sldMkLst>
+          <pc:docMk/>
+          <pc:sldMk cId="270828811" sldId="273"/>
+        </pc:sldMkLst>
+      </pc:sldChg>
+      <pc:sldChg chg="addSp delSp modSp del mod">
+        <pc:chgData name="Jack Percy" userId="b9a97963-9b08-4684-92e4-b02ce1d032f1" providerId="ADAL" clId="{3280C464-2C29-43A4-BF5A-CE909B5BB16A}" dt="2023-05-14T21:31:15.389" v="1206" actId="47"/>
         <pc:sldMkLst>
           <pc:docMk/>
           <pc:sldMk cId="89592267" sldId="274"/>
@@ -193,7 +217,7 @@
           </ac:picMkLst>
         </pc:picChg>
         <pc:picChg chg="add mod">
-          <ac:chgData name="Jack Percy" userId="b9a97963-9b08-4684-92e4-b02ce1d032f1" providerId="ADAL" clId="{3280C464-2C29-43A4-BF5A-CE909B5BB16A}" dt="2023-05-11T02:48:30.079" v="595" actId="1076"/>
+          <ac:chgData name="Jack Percy" userId="b9a97963-9b08-4684-92e4-b02ce1d032f1" providerId="ADAL" clId="{3280C464-2C29-43A4-BF5A-CE909B5BB16A}" dt="2023-05-14T21:31:13.048" v="1205" actId="1076"/>
           <ac:picMkLst>
             <pc:docMk/>
             <pc:sldMk cId="89592267" sldId="274"/>
@@ -201,7 +225,7 @@
           </ac:picMkLst>
         </pc:picChg>
         <pc:picChg chg="add mod">
-          <ac:chgData name="Jack Percy" userId="b9a97963-9b08-4684-92e4-b02ce1d032f1" providerId="ADAL" clId="{3280C464-2C29-43A4-BF5A-CE909B5BB16A}" dt="2023-05-11T02:55:57.063" v="598" actId="1076"/>
+          <ac:chgData name="Jack Percy" userId="b9a97963-9b08-4684-92e4-b02ce1d032f1" providerId="ADAL" clId="{3280C464-2C29-43A4-BF5A-CE909B5BB16A}" dt="2023-05-14T21:25:17.630" v="1129" actId="1076"/>
           <ac:picMkLst>
             <pc:docMk/>
             <pc:sldMk cId="89592267" sldId="274"/>
@@ -217,7 +241,7 @@
           </ac:picMkLst>
         </pc:picChg>
         <pc:picChg chg="add mod">
-          <ac:chgData name="Jack Percy" userId="b9a97963-9b08-4684-92e4-b02ce1d032f1" providerId="ADAL" clId="{3280C464-2C29-43A4-BF5A-CE909B5BB16A}" dt="2023-05-11T02:56:03.053" v="601" actId="1076"/>
+          <ac:chgData name="Jack Percy" userId="b9a97963-9b08-4684-92e4-b02ce1d032f1" providerId="ADAL" clId="{3280C464-2C29-43A4-BF5A-CE909B5BB16A}" dt="2023-05-14T21:25:12.061" v="1126" actId="1076"/>
           <ac:picMkLst>
             <pc:docMk/>
             <pc:sldMk cId="89592267" sldId="274"/>
@@ -241,7 +265,7 @@
           </ac:picMkLst>
         </pc:picChg>
         <pc:picChg chg="add mod">
-          <ac:chgData name="Jack Percy" userId="b9a97963-9b08-4684-92e4-b02ce1d032f1" providerId="ADAL" clId="{3280C464-2C29-43A4-BF5A-CE909B5BB16A}" dt="2023-05-11T02:58:34.929" v="732" actId="1076"/>
+          <ac:chgData name="Jack Percy" userId="b9a97963-9b08-4684-92e4-b02ce1d032f1" providerId="ADAL" clId="{3280C464-2C29-43A4-BF5A-CE909B5BB16A}" dt="2023-05-14T21:30:07.790" v="1185" actId="1076"/>
           <ac:picMkLst>
             <pc:docMk/>
             <pc:sldMk cId="89592267" sldId="274"/>
@@ -272,6 +296,14 @@
             <ac:picMk id="25" creationId="{D3C17B07-F9AE-502E-8858-52CF2572FB89}"/>
           </ac:picMkLst>
         </pc:picChg>
+        <pc:inkChg chg="add del">
+          <ac:chgData name="Jack Percy" userId="b9a97963-9b08-4684-92e4-b02ce1d032f1" providerId="ADAL" clId="{3280C464-2C29-43A4-BF5A-CE909B5BB16A}" dt="2023-05-14T21:27:28.503" v="1150" actId="9405"/>
+          <ac:inkMkLst>
+            <pc:docMk/>
+            <pc:sldMk cId="89592267" sldId="274"/>
+            <ac:inkMk id="3" creationId="{0E173D35-8E17-B425-A5CA-FEAA87D7C731}"/>
+          </ac:inkMkLst>
+        </pc:inkChg>
       </pc:sldChg>
       <pc:sldChg chg="modSp add mod">
         <pc:chgData name="Jack Percy" userId="b9a97963-9b08-4684-92e4-b02ce1d032f1" providerId="ADAL" clId="{3280C464-2C29-43A4-BF5A-CE909B5BB16A}" dt="2023-05-11T03:03:56.016" v="835" actId="20577"/>
@@ -304,7 +336,7 @@
         </pc:sldMkLst>
       </pc:sldChg>
       <pc:sldChg chg="addSp delSp modSp add mod">
-        <pc:chgData name="Jack Percy" userId="b9a97963-9b08-4684-92e4-b02ce1d032f1" providerId="ADAL" clId="{3280C464-2C29-43A4-BF5A-CE909B5BB16A}" dt="2023-05-11T03:14:47.114" v="981" actId="20577"/>
+        <pc:chgData name="Jack Percy" userId="b9a97963-9b08-4684-92e4-b02ce1d032f1" providerId="ADAL" clId="{3280C464-2C29-43A4-BF5A-CE909B5BB16A}" dt="2023-05-14T21:22:51.962" v="1095"/>
         <pc:sldMkLst>
           <pc:docMk/>
           <pc:sldMk cId="354424765" sldId="277"/>
@@ -326,13 +358,37 @@
           </ac:spMkLst>
         </pc:spChg>
         <pc:spChg chg="add mod">
-          <ac:chgData name="Jack Percy" userId="b9a97963-9b08-4684-92e4-b02ce1d032f1" providerId="ADAL" clId="{3280C464-2C29-43A4-BF5A-CE909B5BB16A}" dt="2023-05-11T03:14:47.114" v="981" actId="20577"/>
+          <ac:chgData name="Jack Percy" userId="b9a97963-9b08-4684-92e4-b02ce1d032f1" providerId="ADAL" clId="{3280C464-2C29-43A4-BF5A-CE909B5BB16A}" dt="2023-05-14T21:22:37.677" v="1087" actId="1076"/>
           <ac:spMkLst>
             <pc:docMk/>
             <pc:sldMk cId="354424765" sldId="277"/>
             <ac:spMk id="62" creationId="{8A26B8D7-F54C-9582-9932-8BDDF1036C20}"/>
           </ac:spMkLst>
         </pc:spChg>
+        <pc:grpChg chg="del mod">
+          <ac:chgData name="Jack Percy" userId="b9a97963-9b08-4684-92e4-b02ce1d032f1" providerId="ADAL" clId="{3280C464-2C29-43A4-BF5A-CE909B5BB16A}" dt="2023-05-14T21:22:49.361" v="1093"/>
+          <ac:grpSpMkLst>
+            <pc:docMk/>
+            <pc:sldMk cId="354424765" sldId="277"/>
+            <ac:grpSpMk id="6" creationId="{43FF12FE-AB54-439A-3FD6-2ED02124EA83}"/>
+          </ac:grpSpMkLst>
+        </pc:grpChg>
+        <pc:grpChg chg="del mod">
+          <ac:chgData name="Jack Percy" userId="b9a97963-9b08-4684-92e4-b02ce1d032f1" providerId="ADAL" clId="{3280C464-2C29-43A4-BF5A-CE909B5BB16A}" dt="2023-05-14T21:22:51.962" v="1095"/>
+          <ac:grpSpMkLst>
+            <pc:docMk/>
+            <pc:sldMk cId="354424765" sldId="277"/>
+            <ac:grpSpMk id="9" creationId="{AE45044C-F31D-C0CD-EE4C-0A297C07C895}"/>
+          </ac:grpSpMkLst>
+        </pc:grpChg>
+        <pc:grpChg chg="mod">
+          <ac:chgData name="Jack Percy" userId="b9a97963-9b08-4684-92e4-b02ce1d032f1" providerId="ADAL" clId="{3280C464-2C29-43A4-BF5A-CE909B5BB16A}" dt="2023-05-14T21:22:51.962" v="1095"/>
+          <ac:grpSpMkLst>
+            <pc:docMk/>
+            <pc:sldMk cId="354424765" sldId="277"/>
+            <ac:grpSpMk id="11" creationId="{DE102BC0-1212-FDDE-385C-EF4E4FFC88C3}"/>
+          </ac:grpSpMkLst>
+        </pc:grpChg>
         <pc:grpChg chg="del mod">
           <ac:chgData name="Jack Percy" userId="b9a97963-9b08-4684-92e4-b02ce1d032f1" providerId="ADAL" clId="{3280C464-2C29-43A4-BF5A-CE909B5BB16A}" dt="2023-05-11T03:07:13.927" v="909"/>
           <ac:grpSpMkLst>
@@ -389,6 +445,14 @@
             <ac:grpSpMk id="60" creationId="{F14E855E-D0D6-2596-74BE-13E050F03699}"/>
           </ac:grpSpMkLst>
         </pc:grpChg>
+        <pc:picChg chg="add mod">
+          <ac:chgData name="Jack Percy" userId="b9a97963-9b08-4684-92e4-b02ce1d032f1" providerId="ADAL" clId="{3280C464-2C29-43A4-BF5A-CE909B5BB16A}" dt="2023-05-14T21:22:40.220" v="1088" actId="1076"/>
+          <ac:picMkLst>
+            <pc:docMk/>
+            <pc:sldMk cId="354424765" sldId="277"/>
+            <ac:picMk id="3" creationId="{37203FE8-4C34-AC7B-05F0-359B146B5EFB}"/>
+          </ac:picMkLst>
+        </pc:picChg>
         <pc:picChg chg="del">
           <ac:chgData name="Jack Percy" userId="b9a97963-9b08-4684-92e4-b02ce1d032f1" providerId="ADAL" clId="{3280C464-2C29-43A4-BF5A-CE909B5BB16A}" dt="2023-05-11T03:04:38.553" v="845" actId="478"/>
           <ac:picMkLst>
@@ -509,6 +573,38 @@
             <ac:picMk id="53" creationId="{75C03E23-5E35-3046-6BE6-E3FC7099F893}"/>
           </ac:picMkLst>
         </pc:picChg>
+        <pc:inkChg chg="add mod">
+          <ac:chgData name="Jack Percy" userId="b9a97963-9b08-4684-92e4-b02ce1d032f1" providerId="ADAL" clId="{3280C464-2C29-43A4-BF5A-CE909B5BB16A}" dt="2023-05-14T21:22:51.962" v="1095"/>
+          <ac:inkMkLst>
+            <pc:docMk/>
+            <pc:sldMk cId="354424765" sldId="277"/>
+            <ac:inkMk id="4" creationId="{95A5DE84-DA66-189F-59F6-132F6442F2D6}"/>
+          </ac:inkMkLst>
+        </pc:inkChg>
+        <pc:inkChg chg="add mod">
+          <ac:chgData name="Jack Percy" userId="b9a97963-9b08-4684-92e4-b02ce1d032f1" providerId="ADAL" clId="{3280C464-2C29-43A4-BF5A-CE909B5BB16A}" dt="2023-05-14T21:22:51.962" v="1095"/>
+          <ac:inkMkLst>
+            <pc:docMk/>
+            <pc:sldMk cId="354424765" sldId="277"/>
+            <ac:inkMk id="5" creationId="{B627FC33-884E-621F-45E9-484C10080984}"/>
+          </ac:inkMkLst>
+        </pc:inkChg>
+        <pc:inkChg chg="add mod">
+          <ac:chgData name="Jack Percy" userId="b9a97963-9b08-4684-92e4-b02ce1d032f1" providerId="ADAL" clId="{3280C464-2C29-43A4-BF5A-CE909B5BB16A}" dt="2023-05-14T21:22:51.962" v="1095"/>
+          <ac:inkMkLst>
+            <pc:docMk/>
+            <pc:sldMk cId="354424765" sldId="277"/>
+            <ac:inkMk id="7" creationId="{1E3ABE79-84BB-5404-D0F7-2C2CDEA30579}"/>
+          </ac:inkMkLst>
+        </pc:inkChg>
+        <pc:inkChg chg="add mod">
+          <ac:chgData name="Jack Percy" userId="b9a97963-9b08-4684-92e4-b02ce1d032f1" providerId="ADAL" clId="{3280C464-2C29-43A4-BF5A-CE909B5BB16A}" dt="2023-05-14T21:22:51.962" v="1095"/>
+          <ac:inkMkLst>
+            <pc:docMk/>
+            <pc:sldMk cId="354424765" sldId="277"/>
+            <ac:inkMk id="10" creationId="{45C5D1AD-3346-1196-E2A8-A006DE5E62C7}"/>
+          </ac:inkMkLst>
+        </pc:inkChg>
         <pc:inkChg chg="add">
           <ac:chgData name="Jack Percy" userId="b9a97963-9b08-4684-92e4-b02ce1d032f1" providerId="ADAL" clId="{3280C464-2C29-43A4-BF5A-CE909B5BB16A}" dt="2023-05-11T03:06:56.577" v="903" actId="9405"/>
           <ac:inkMkLst>
@@ -782,12 +878,20 @@
           </ac:inkMkLst>
         </pc:inkChg>
       </pc:sldChg>
-      <pc:sldChg chg="delSp add mod ord">
-        <pc:chgData name="Jack Percy" userId="b9a97963-9b08-4684-92e4-b02ce1d032f1" providerId="ADAL" clId="{3280C464-2C29-43A4-BF5A-CE909B5BB16A}" dt="2023-05-11T03:14:37.393" v="975" actId="478"/>
+      <pc:sldChg chg="delSp modSp add mod ord">
+        <pc:chgData name="Jack Percy" userId="b9a97963-9b08-4684-92e4-b02ce1d032f1" providerId="ADAL" clId="{3280C464-2C29-43A4-BF5A-CE909B5BB16A}" dt="2023-05-14T21:52:22.167" v="2229"/>
         <pc:sldMkLst>
           <pc:docMk/>
           <pc:sldMk cId="2400330469" sldId="278"/>
         </pc:sldMkLst>
+        <pc:spChg chg="mod">
+          <ac:chgData name="Jack Percy" userId="b9a97963-9b08-4684-92e4-b02ce1d032f1" providerId="ADAL" clId="{3280C464-2C29-43A4-BF5A-CE909B5BB16A}" dt="2023-05-14T21:35:50.283" v="1212" actId="20577"/>
+          <ac:spMkLst>
+            <pc:docMk/>
+            <pc:sldMk cId="2400330469" sldId="278"/>
+            <ac:spMk id="2" creationId="{1CC5D32F-7C18-4D00-8D54-2FB046F0A206}"/>
+          </ac:spMkLst>
+        </pc:spChg>
         <pc:picChg chg="del">
           <ac:chgData name="Jack Percy" userId="b9a97963-9b08-4684-92e4-b02ce1d032f1" providerId="ADAL" clId="{3280C464-2C29-43A4-BF5A-CE909B5BB16A}" dt="2023-05-11T03:14:33.510" v="971" actId="478"/>
           <ac:picMkLst>
@@ -858,6 +962,875 @@
             <pc:docMk/>
             <pc:sldMk cId="2400330469" sldId="278"/>
             <ac:picMk id="20" creationId="{8E9840A2-B4C5-53A9-67D2-01ADED5356EB}"/>
+          </ac:picMkLst>
+        </pc:picChg>
+      </pc:sldChg>
+      <pc:sldChg chg="addSp delSp modSp add mod">
+        <pc:chgData name="Jack Percy" userId="b9a97963-9b08-4684-92e4-b02ce1d032f1" providerId="ADAL" clId="{3280C464-2C29-43A4-BF5A-CE909B5BB16A}" dt="2023-05-14T21:31:03.194" v="1204"/>
+        <pc:sldMkLst>
+          <pc:docMk/>
+          <pc:sldMk cId="4064415223" sldId="279"/>
+        </pc:sldMkLst>
+        <pc:spChg chg="mod">
+          <ac:chgData name="Jack Percy" userId="b9a97963-9b08-4684-92e4-b02ce1d032f1" providerId="ADAL" clId="{3280C464-2C29-43A4-BF5A-CE909B5BB16A}" dt="2023-05-14T21:20:57.807" v="1063" actId="20577"/>
+          <ac:spMkLst>
+            <pc:docMk/>
+            <pc:sldMk cId="4064415223" sldId="279"/>
+            <ac:spMk id="2" creationId="{1CC5D32F-7C18-4D00-8D54-2FB046F0A206}"/>
+          </ac:spMkLst>
+        </pc:spChg>
+        <pc:spChg chg="mod">
+          <ac:chgData name="Jack Percy" userId="b9a97963-9b08-4684-92e4-b02ce1d032f1" providerId="ADAL" clId="{3280C464-2C29-43A4-BF5A-CE909B5BB16A}" dt="2023-05-14T21:30:33.114" v="1192" actId="20577"/>
+          <ac:spMkLst>
+            <pc:docMk/>
+            <pc:sldMk cId="4064415223" sldId="279"/>
+            <ac:spMk id="62" creationId="{8A26B8D7-F54C-9582-9932-8BDDF1036C20}"/>
+          </ac:spMkLst>
+        </pc:spChg>
+        <pc:grpChg chg="del">
+          <ac:chgData name="Jack Percy" userId="b9a97963-9b08-4684-92e4-b02ce1d032f1" providerId="ADAL" clId="{3280C464-2C29-43A4-BF5A-CE909B5BB16A}" dt="2023-05-14T21:21:08.379" v="1065" actId="478"/>
+          <ac:grpSpMkLst>
+            <pc:docMk/>
+            <pc:sldMk cId="4064415223" sldId="279"/>
+            <ac:grpSpMk id="22" creationId="{E676812A-DB13-9F23-63BC-1434B1BB5A18}"/>
+          </ac:grpSpMkLst>
+        </pc:grpChg>
+        <pc:grpChg chg="del mod">
+          <ac:chgData name="Jack Percy" userId="b9a97963-9b08-4684-92e4-b02ce1d032f1" providerId="ADAL" clId="{3280C464-2C29-43A4-BF5A-CE909B5BB16A}" dt="2023-05-14T21:24:23.164" v="1122"/>
+          <ac:grpSpMkLst>
+            <pc:docMk/>
+            <pc:sldMk cId="4064415223" sldId="279"/>
+            <ac:grpSpMk id="24" creationId="{35DFCD83-E6E3-B79F-3883-F2833D2C592B}"/>
+          </ac:grpSpMkLst>
+        </pc:grpChg>
+        <pc:grpChg chg="del">
+          <ac:chgData name="Jack Percy" userId="b9a97963-9b08-4684-92e4-b02ce1d032f1" providerId="ADAL" clId="{3280C464-2C29-43A4-BF5A-CE909B5BB16A}" dt="2023-05-14T21:21:08.379" v="1065" actId="478"/>
+          <ac:grpSpMkLst>
+            <pc:docMk/>
+            <pc:sldMk cId="4064415223" sldId="279"/>
+            <ac:grpSpMk id="36" creationId="{E66AD07B-8A36-4C4E-611E-A3D059B13804}"/>
+          </ac:grpSpMkLst>
+        </pc:grpChg>
+        <pc:grpChg chg="del">
+          <ac:chgData name="Jack Percy" userId="b9a97963-9b08-4684-92e4-b02ce1d032f1" providerId="ADAL" clId="{3280C464-2C29-43A4-BF5A-CE909B5BB16A}" dt="2023-05-14T21:21:08.379" v="1065" actId="478"/>
+          <ac:grpSpMkLst>
+            <pc:docMk/>
+            <pc:sldMk cId="4064415223" sldId="279"/>
+            <ac:grpSpMk id="43" creationId="{46127BAC-F2FA-22C2-EDF2-97C344DB1B7F}"/>
+          </ac:grpSpMkLst>
+        </pc:grpChg>
+        <pc:grpChg chg="del">
+          <ac:chgData name="Jack Percy" userId="b9a97963-9b08-4684-92e4-b02ce1d032f1" providerId="ADAL" clId="{3280C464-2C29-43A4-BF5A-CE909B5BB16A}" dt="2023-05-14T21:21:04.087" v="1064" actId="478"/>
+          <ac:grpSpMkLst>
+            <pc:docMk/>
+            <pc:sldMk cId="4064415223" sldId="279"/>
+            <ac:grpSpMk id="56" creationId="{A4D5C42A-9684-FBAE-6643-3715B05FC949}"/>
+          </ac:grpSpMkLst>
+        </pc:grpChg>
+        <pc:grpChg chg="del">
+          <ac:chgData name="Jack Percy" userId="b9a97963-9b08-4684-92e4-b02ce1d032f1" providerId="ADAL" clId="{3280C464-2C29-43A4-BF5A-CE909B5BB16A}" dt="2023-05-14T21:21:08.379" v="1065" actId="478"/>
+          <ac:grpSpMkLst>
+            <pc:docMk/>
+            <pc:sldMk cId="4064415223" sldId="279"/>
+            <ac:grpSpMk id="60" creationId="{F14E855E-D0D6-2596-74BE-13E050F03699}"/>
+          </ac:grpSpMkLst>
+        </pc:grpChg>
+        <pc:grpChg chg="mod">
+          <ac:chgData name="Jack Percy" userId="b9a97963-9b08-4684-92e4-b02ce1d032f1" providerId="ADAL" clId="{3280C464-2C29-43A4-BF5A-CE909B5BB16A}" dt="2023-05-14T21:24:23.164" v="1122"/>
+          <ac:grpSpMkLst>
+            <pc:docMk/>
+            <pc:sldMk cId="4064415223" sldId="279"/>
+            <ac:grpSpMk id="63" creationId="{F4B23EA1-799D-266B-70D5-85A6EE0501E0}"/>
+          </ac:grpSpMkLst>
+        </pc:grpChg>
+        <pc:grpChg chg="del mod">
+          <ac:chgData name="Jack Percy" userId="b9a97963-9b08-4684-92e4-b02ce1d032f1" providerId="ADAL" clId="{3280C464-2C29-43A4-BF5A-CE909B5BB16A}" dt="2023-05-14T21:28:02.270" v="1159"/>
+          <ac:grpSpMkLst>
+            <pc:docMk/>
+            <pc:sldMk cId="4064415223" sldId="279"/>
+            <ac:grpSpMk id="66" creationId="{70F2C4DE-0BD5-AFAD-52FB-5AB5EE527C52}"/>
+          </ac:grpSpMkLst>
+        </pc:grpChg>
+        <pc:grpChg chg="del mod">
+          <ac:chgData name="Jack Percy" userId="b9a97963-9b08-4684-92e4-b02ce1d032f1" providerId="ADAL" clId="{3280C464-2C29-43A4-BF5A-CE909B5BB16A}" dt="2023-05-14T21:27:19.167" v="1145"/>
+          <ac:grpSpMkLst>
+            <pc:docMk/>
+            <pc:sldMk cId="4064415223" sldId="279"/>
+            <ac:grpSpMk id="75" creationId="{89698A5F-5018-A186-EB2A-E8CE34804389}"/>
+          </ac:grpSpMkLst>
+        </pc:grpChg>
+        <pc:grpChg chg="del mod">
+          <ac:chgData name="Jack Percy" userId="b9a97963-9b08-4684-92e4-b02ce1d032f1" providerId="ADAL" clId="{3280C464-2C29-43A4-BF5A-CE909B5BB16A}" dt="2023-05-14T21:27:24.427" v="1148"/>
+          <ac:grpSpMkLst>
+            <pc:docMk/>
+            <pc:sldMk cId="4064415223" sldId="279"/>
+            <ac:grpSpMk id="79" creationId="{F53C9C97-E1F5-9928-33CE-4630505496D7}"/>
+          </ac:grpSpMkLst>
+        </pc:grpChg>
+        <pc:grpChg chg="del mod">
+          <ac:chgData name="Jack Percy" userId="b9a97963-9b08-4684-92e4-b02ce1d032f1" providerId="ADAL" clId="{3280C464-2C29-43A4-BF5A-CE909B5BB16A}" dt="2023-05-14T21:28:02.270" v="1159"/>
+          <ac:grpSpMkLst>
+            <pc:docMk/>
+            <pc:sldMk cId="4064415223" sldId="279"/>
+            <ac:grpSpMk id="82" creationId="{D6436D0F-AE5F-C04B-928D-C6BA3977DBB0}"/>
+          </ac:grpSpMkLst>
+        </pc:grpChg>
+        <pc:grpChg chg="del mod">
+          <ac:chgData name="Jack Percy" userId="b9a97963-9b08-4684-92e4-b02ce1d032f1" providerId="ADAL" clId="{3280C464-2C29-43A4-BF5A-CE909B5BB16A}" dt="2023-05-14T21:29:07.752" v="1174"/>
+          <ac:grpSpMkLst>
+            <pc:docMk/>
+            <pc:sldMk cId="4064415223" sldId="279"/>
+            <ac:grpSpMk id="85" creationId="{49AEFF37-6F9F-90A0-2577-AF2C8325C1A7}"/>
+          </ac:grpSpMkLst>
+        </pc:grpChg>
+        <pc:grpChg chg="del mod">
+          <ac:chgData name="Jack Percy" userId="b9a97963-9b08-4684-92e4-b02ce1d032f1" providerId="ADAL" clId="{3280C464-2C29-43A4-BF5A-CE909B5BB16A}" dt="2023-05-14T21:29:34.001" v="1182"/>
+          <ac:grpSpMkLst>
+            <pc:docMk/>
+            <pc:sldMk cId="4064415223" sldId="279"/>
+            <ac:grpSpMk id="89" creationId="{07456A00-7B10-6678-6B91-52CE215CD9E5}"/>
+          </ac:grpSpMkLst>
+        </pc:grpChg>
+        <pc:grpChg chg="del mod">
+          <ac:chgData name="Jack Percy" userId="b9a97963-9b08-4684-92e4-b02ce1d032f1" providerId="ADAL" clId="{3280C464-2C29-43A4-BF5A-CE909B5BB16A}" dt="2023-05-14T21:29:14.187" v="1177"/>
+          <ac:grpSpMkLst>
+            <pc:docMk/>
+            <pc:sldMk cId="4064415223" sldId="279"/>
+            <ac:grpSpMk id="96" creationId="{989F73B7-81EE-182A-E8B9-DCD59451124E}"/>
+          </ac:grpSpMkLst>
+        </pc:grpChg>
+        <pc:grpChg chg="mod">
+          <ac:chgData name="Jack Percy" userId="b9a97963-9b08-4684-92e4-b02ce1d032f1" providerId="ADAL" clId="{3280C464-2C29-43A4-BF5A-CE909B5BB16A}" dt="2023-05-14T21:29:07.752" v="1174"/>
+          <ac:grpSpMkLst>
+            <pc:docMk/>
+            <pc:sldMk cId="4064415223" sldId="279"/>
+            <ac:grpSpMk id="97" creationId="{CBAB72CF-1894-B93D-F33D-29F60B0314CC}"/>
+          </ac:grpSpMkLst>
+        </pc:grpChg>
+        <pc:grpChg chg="del mod">
+          <ac:chgData name="Jack Percy" userId="b9a97963-9b08-4684-92e4-b02ce1d032f1" providerId="ADAL" clId="{3280C464-2C29-43A4-BF5A-CE909B5BB16A}" dt="2023-05-14T21:29:34.001" v="1182"/>
+          <ac:grpSpMkLst>
+            <pc:docMk/>
+            <pc:sldMk cId="4064415223" sldId="279"/>
+            <ac:grpSpMk id="100" creationId="{0203D525-8533-A8F8-7BE0-2181C42F5E84}"/>
+          </ac:grpSpMkLst>
+        </pc:grpChg>
+        <pc:grpChg chg="del mod">
+          <ac:chgData name="Jack Percy" userId="b9a97963-9b08-4684-92e4-b02ce1d032f1" providerId="ADAL" clId="{3280C464-2C29-43A4-BF5A-CE909B5BB16A}" dt="2023-05-14T21:30:59.612" v="1201"/>
+          <ac:grpSpMkLst>
+            <pc:docMk/>
+            <pc:sldMk cId="4064415223" sldId="279"/>
+            <ac:grpSpMk id="103" creationId="{ACCB47F5-CBB2-49FE-B73B-C18B58B14CC6}"/>
+          </ac:grpSpMkLst>
+        </pc:grpChg>
+        <pc:grpChg chg="mod">
+          <ac:chgData name="Jack Percy" userId="b9a97963-9b08-4684-92e4-b02ce1d032f1" providerId="ADAL" clId="{3280C464-2C29-43A4-BF5A-CE909B5BB16A}" dt="2023-05-14T21:30:45.952" v="1196"/>
+          <ac:grpSpMkLst>
+            <pc:docMk/>
+            <pc:sldMk cId="4064415223" sldId="279"/>
+            <ac:grpSpMk id="109" creationId="{08EA4227-6F7A-26C8-7076-77F9DC9AD1AB}"/>
+          </ac:grpSpMkLst>
+        </pc:grpChg>
+        <pc:grpChg chg="del mod">
+          <ac:chgData name="Jack Percy" userId="b9a97963-9b08-4684-92e4-b02ce1d032f1" providerId="ADAL" clId="{3280C464-2C29-43A4-BF5A-CE909B5BB16A}" dt="2023-05-14T21:31:03.194" v="1204"/>
+          <ac:grpSpMkLst>
+            <pc:docMk/>
+            <pc:sldMk cId="4064415223" sldId="279"/>
+            <ac:grpSpMk id="114" creationId="{1A1A1ACA-7840-C455-D94D-B6D98323DB8A}"/>
+          </ac:grpSpMkLst>
+        </pc:grpChg>
+        <pc:grpChg chg="mod">
+          <ac:chgData name="Jack Percy" userId="b9a97963-9b08-4684-92e4-b02ce1d032f1" providerId="ADAL" clId="{3280C464-2C29-43A4-BF5A-CE909B5BB16A}" dt="2023-05-14T21:30:59.612" v="1201"/>
+          <ac:grpSpMkLst>
+            <pc:docMk/>
+            <pc:sldMk cId="4064415223" sldId="279"/>
+            <ac:grpSpMk id="115" creationId="{7BABEF3C-C36E-CAE8-3CAE-47F1706A14FA}"/>
+          </ac:grpSpMkLst>
+        </pc:grpChg>
+        <pc:grpChg chg="mod">
+          <ac:chgData name="Jack Percy" userId="b9a97963-9b08-4684-92e4-b02ce1d032f1" providerId="ADAL" clId="{3280C464-2C29-43A4-BF5A-CE909B5BB16A}" dt="2023-05-14T21:31:03.194" v="1204"/>
+          <ac:grpSpMkLst>
+            <pc:docMk/>
+            <pc:sldMk cId="4064415223" sldId="279"/>
+            <ac:grpSpMk id="118" creationId="{02420665-B79C-88AA-A6FE-4627D1DAAB4A}"/>
+          </ac:grpSpMkLst>
+        </pc:grpChg>
+        <pc:picChg chg="add mod">
+          <ac:chgData name="Jack Percy" userId="b9a97963-9b08-4684-92e4-b02ce1d032f1" providerId="ADAL" clId="{3280C464-2C29-43A4-BF5A-CE909B5BB16A}" dt="2023-05-14T21:21:33.671" v="1073" actId="1076"/>
+          <ac:picMkLst>
+            <pc:docMk/>
+            <pc:sldMk cId="4064415223" sldId="279"/>
+            <ac:picMk id="4" creationId="{07051198-B452-5E11-A087-A9807E66B7F2}"/>
+          </ac:picMkLst>
+        </pc:picChg>
+        <pc:picChg chg="add del mod">
+          <ac:chgData name="Jack Percy" userId="b9a97963-9b08-4684-92e4-b02ce1d032f1" providerId="ADAL" clId="{3280C464-2C29-43A4-BF5A-CE909B5BB16A}" dt="2023-05-14T21:22:58.053" v="1096" actId="478"/>
+          <ac:picMkLst>
+            <pc:docMk/>
+            <pc:sldMk cId="4064415223" sldId="279"/>
+            <ac:picMk id="5" creationId="{E6EC6DED-1F92-8F18-2D6B-0DF3D631336A}"/>
+          </ac:picMkLst>
+        </pc:picChg>
+        <pc:picChg chg="add mod">
+          <ac:chgData name="Jack Percy" userId="b9a97963-9b08-4684-92e4-b02ce1d032f1" providerId="ADAL" clId="{3280C464-2C29-43A4-BF5A-CE909B5BB16A}" dt="2023-05-14T21:23:51.503" v="1112" actId="1076"/>
+          <ac:picMkLst>
+            <pc:docMk/>
+            <pc:sldMk cId="4064415223" sldId="279"/>
+            <ac:picMk id="6" creationId="{5BE0FDA2-5DD8-42F8-E3A5-EEF4DFA3224C}"/>
+          </ac:picMkLst>
+        </pc:picChg>
+        <pc:picChg chg="del">
+          <ac:chgData name="Jack Percy" userId="b9a97963-9b08-4684-92e4-b02ce1d032f1" providerId="ADAL" clId="{3280C464-2C29-43A4-BF5A-CE909B5BB16A}" dt="2023-05-14T21:21:11.607" v="1066" actId="478"/>
+          <ac:picMkLst>
+            <pc:docMk/>
+            <pc:sldMk cId="4064415223" sldId="279"/>
+            <ac:picMk id="8" creationId="{9FAFDF65-E665-23AC-DC29-D7BBDA132C38}"/>
+          </ac:picMkLst>
+        </pc:picChg>
+        <pc:picChg chg="add mod">
+          <ac:chgData name="Jack Percy" userId="b9a97963-9b08-4684-92e4-b02ce1d032f1" providerId="ADAL" clId="{3280C464-2C29-43A4-BF5A-CE909B5BB16A}" dt="2023-05-14T21:23:47.573" v="1110" actId="1076"/>
+          <ac:picMkLst>
+            <pc:docMk/>
+            <pc:sldMk cId="4064415223" sldId="279"/>
+            <ac:picMk id="10" creationId="{0F13F288-4C70-B4F5-6F8F-219B7CE7E9A0}"/>
+          </ac:picMkLst>
+        </pc:picChg>
+        <pc:picChg chg="del">
+          <ac:chgData name="Jack Percy" userId="b9a97963-9b08-4684-92e4-b02ce1d032f1" providerId="ADAL" clId="{3280C464-2C29-43A4-BF5A-CE909B5BB16A}" dt="2023-05-14T21:21:17.651" v="1069" actId="478"/>
+          <ac:picMkLst>
+            <pc:docMk/>
+            <pc:sldMk cId="4064415223" sldId="279"/>
+            <ac:picMk id="12" creationId="{683816EB-F5DD-15E3-5D46-62516785C9D0}"/>
+          </ac:picMkLst>
+        </pc:picChg>
+        <pc:picChg chg="del">
+          <ac:chgData name="Jack Percy" userId="b9a97963-9b08-4684-92e4-b02ce1d032f1" providerId="ADAL" clId="{3280C464-2C29-43A4-BF5A-CE909B5BB16A}" dt="2023-05-14T21:21:04.087" v="1064" actId="478"/>
+          <ac:picMkLst>
+            <pc:docMk/>
+            <pc:sldMk cId="4064415223" sldId="279"/>
+            <ac:picMk id="26" creationId="{0900FA41-AB0E-30CD-CB0E-7025DDAF372B}"/>
+          </ac:picMkLst>
+        </pc:picChg>
+        <pc:picChg chg="del">
+          <ac:chgData name="Jack Percy" userId="b9a97963-9b08-4684-92e4-b02ce1d032f1" providerId="ADAL" clId="{3280C464-2C29-43A4-BF5A-CE909B5BB16A}" dt="2023-05-14T21:21:04.087" v="1064" actId="478"/>
+          <ac:picMkLst>
+            <pc:docMk/>
+            <pc:sldMk cId="4064415223" sldId="279"/>
+            <ac:picMk id="28" creationId="{654562D8-C08A-DAF7-B890-46FC59B75C28}"/>
+          </ac:picMkLst>
+        </pc:picChg>
+        <pc:picChg chg="del">
+          <ac:chgData name="Jack Percy" userId="b9a97963-9b08-4684-92e4-b02ce1d032f1" providerId="ADAL" clId="{3280C464-2C29-43A4-BF5A-CE909B5BB16A}" dt="2023-05-14T21:21:04.087" v="1064" actId="478"/>
+          <ac:picMkLst>
+            <pc:docMk/>
+            <pc:sldMk cId="4064415223" sldId="279"/>
+            <ac:picMk id="38" creationId="{6E4AC159-B47D-9953-95B7-EF332545D866}"/>
+          </ac:picMkLst>
+        </pc:picChg>
+        <pc:picChg chg="del">
+          <ac:chgData name="Jack Percy" userId="b9a97963-9b08-4684-92e4-b02ce1d032f1" providerId="ADAL" clId="{3280C464-2C29-43A4-BF5A-CE909B5BB16A}" dt="2023-05-14T21:21:04.087" v="1064" actId="478"/>
+          <ac:picMkLst>
+            <pc:docMk/>
+            <pc:sldMk cId="4064415223" sldId="279"/>
+            <ac:picMk id="53" creationId="{75C03E23-5E35-3046-6BE6-E3FC7099F893}"/>
+          </ac:picMkLst>
+        </pc:picChg>
+        <pc:picChg chg="add mod">
+          <ac:chgData name="Jack Percy" userId="b9a97963-9b08-4684-92e4-b02ce1d032f1" providerId="ADAL" clId="{3280C464-2C29-43A4-BF5A-CE909B5BB16A}" dt="2023-05-14T21:26:34.306" v="1134" actId="1076"/>
+          <ac:picMkLst>
+            <pc:docMk/>
+            <pc:sldMk cId="4064415223" sldId="279"/>
+            <ac:picMk id="68" creationId="{D8C78C60-7BEF-CA94-94E7-13FDAC376224}"/>
+          </ac:picMkLst>
+        </pc:picChg>
+        <pc:picChg chg="add mod">
+          <ac:chgData name="Jack Percy" userId="b9a97963-9b08-4684-92e4-b02ce1d032f1" providerId="ADAL" clId="{3280C464-2C29-43A4-BF5A-CE909B5BB16A}" dt="2023-05-14T21:27:53.455" v="1157" actId="1076"/>
+          <ac:picMkLst>
+            <pc:docMk/>
+            <pc:sldMk cId="4064415223" sldId="279"/>
+            <ac:picMk id="83" creationId="{9E0BDB2B-38F4-338C-83AE-0C9F0A16DF32}"/>
+          </ac:picMkLst>
+        </pc:picChg>
+        <pc:picChg chg="add mod">
+          <ac:chgData name="Jack Percy" userId="b9a97963-9b08-4684-92e4-b02ce1d032f1" providerId="ADAL" clId="{3280C464-2C29-43A4-BF5A-CE909B5BB16A}" dt="2023-05-14T21:28:50.744" v="1169" actId="1076"/>
+          <ac:picMkLst>
+            <pc:docMk/>
+            <pc:sldMk cId="4064415223" sldId="279"/>
+            <ac:picMk id="91" creationId="{4C860F21-6715-E21A-21BA-D7A38147D937}"/>
+          </ac:picMkLst>
+        </pc:picChg>
+        <pc:picChg chg="add mod">
+          <ac:chgData name="Jack Percy" userId="b9a97963-9b08-4684-92e4-b02ce1d032f1" providerId="ADAL" clId="{3280C464-2C29-43A4-BF5A-CE909B5BB16A}" dt="2023-05-14T21:29:27.820" v="1180" actId="1076"/>
+          <ac:picMkLst>
+            <pc:docMk/>
+            <pc:sldMk cId="4064415223" sldId="279"/>
+            <ac:picMk id="101" creationId="{1F2EB74C-0ABD-4D7D-B872-8C2461568752}"/>
+          </ac:picMkLst>
+        </pc:picChg>
+        <pc:picChg chg="add mod">
+          <ac:chgData name="Jack Percy" userId="b9a97963-9b08-4684-92e4-b02ce1d032f1" providerId="ADAL" clId="{3280C464-2C29-43A4-BF5A-CE909B5BB16A}" dt="2023-05-14T21:30:36.245" v="1193" actId="1076"/>
+          <ac:picMkLst>
+            <pc:docMk/>
+            <pc:sldMk cId="4064415223" sldId="279"/>
+            <ac:picMk id="106" creationId="{00D1912C-4DDA-E957-6980-44AB937AE9BC}"/>
+          </ac:picMkLst>
+        </pc:picChg>
+        <pc:inkChg chg="add">
+          <ac:chgData name="Jack Percy" userId="b9a97963-9b08-4684-92e4-b02ce1d032f1" providerId="ADAL" clId="{3280C464-2C29-43A4-BF5A-CE909B5BB16A}" dt="2023-05-14T21:23:17.209" v="1101" actId="9405"/>
+          <ac:inkMkLst>
+            <pc:docMk/>
+            <pc:sldMk cId="4064415223" sldId="279"/>
+            <ac:inkMk id="7" creationId="{05444F92-291B-56D8-0A02-216D1E1E222B}"/>
+          </ac:inkMkLst>
+        </pc:inkChg>
+        <pc:inkChg chg="add del">
+          <ac:chgData name="Jack Percy" userId="b9a97963-9b08-4684-92e4-b02ce1d032f1" providerId="ADAL" clId="{3280C464-2C29-43A4-BF5A-CE909B5BB16A}" dt="2023-05-14T21:23:26.122" v="1103" actId="9405"/>
+          <ac:inkMkLst>
+            <pc:docMk/>
+            <pc:sldMk cId="4064415223" sldId="279"/>
+            <ac:inkMk id="9" creationId="{3158191B-D614-0EE6-F3CB-DD06144E28B2}"/>
+          </ac:inkMkLst>
+        </pc:inkChg>
+        <pc:inkChg chg="add">
+          <ac:chgData name="Jack Percy" userId="b9a97963-9b08-4684-92e4-b02ce1d032f1" providerId="ADAL" clId="{3280C464-2C29-43A4-BF5A-CE909B5BB16A}" dt="2023-05-14T21:23:57.991" v="1113" actId="9405"/>
+          <ac:inkMkLst>
+            <pc:docMk/>
+            <pc:sldMk cId="4064415223" sldId="279"/>
+            <ac:inkMk id="11" creationId="{9BBDF9EF-399C-880F-5FCF-982F78C3ED50}"/>
+          </ac:inkMkLst>
+        </pc:inkChg>
+        <pc:inkChg chg="add">
+          <ac:chgData name="Jack Percy" userId="b9a97963-9b08-4684-92e4-b02ce1d032f1" providerId="ADAL" clId="{3280C464-2C29-43A4-BF5A-CE909B5BB16A}" dt="2023-05-14T21:24:03.210" v="1114" actId="9405"/>
+          <ac:inkMkLst>
+            <pc:docMk/>
+            <pc:sldMk cId="4064415223" sldId="279"/>
+            <ac:inkMk id="13" creationId="{9C5BD6C1-F92F-67DB-501D-2A3489655167}"/>
+          </ac:inkMkLst>
+        </pc:inkChg>
+        <pc:inkChg chg="del">
+          <ac:chgData name="Jack Percy" userId="b9a97963-9b08-4684-92e4-b02ce1d032f1" providerId="ADAL" clId="{3280C464-2C29-43A4-BF5A-CE909B5BB16A}" dt="2023-05-14T21:21:14.220" v="1067" actId="478"/>
+          <ac:inkMkLst>
+            <pc:docMk/>
+            <pc:sldMk cId="4064415223" sldId="279"/>
+            <ac:inkMk id="14" creationId="{9FC42E96-E1DF-B274-E9E0-6064137F7DF5}"/>
+          </ac:inkMkLst>
+        </pc:inkChg>
+        <pc:inkChg chg="del">
+          <ac:chgData name="Jack Percy" userId="b9a97963-9b08-4684-92e4-b02ce1d032f1" providerId="ADAL" clId="{3280C464-2C29-43A4-BF5A-CE909B5BB16A}" dt="2023-05-14T21:21:16.442" v="1068" actId="478"/>
+          <ac:inkMkLst>
+            <pc:docMk/>
+            <pc:sldMk cId="4064415223" sldId="279"/>
+            <ac:inkMk id="15" creationId="{27E19BB3-B34D-4D05-C7B8-EFBAA2A47C3B}"/>
+          </ac:inkMkLst>
+        </pc:inkChg>
+        <pc:inkChg chg="add del">
+          <ac:chgData name="Jack Percy" userId="b9a97963-9b08-4684-92e4-b02ce1d032f1" providerId="ADAL" clId="{3280C464-2C29-43A4-BF5A-CE909B5BB16A}" dt="2023-05-14T21:24:08.370" v="1116" actId="9405"/>
+          <ac:inkMkLst>
+            <pc:docMk/>
+            <pc:sldMk cId="4064415223" sldId="279"/>
+            <ac:inkMk id="16" creationId="{4AA7896D-A53F-8F60-A666-B023DDC3D669}"/>
+          </ac:inkMkLst>
+        </pc:inkChg>
+        <pc:inkChg chg="add mod">
+          <ac:chgData name="Jack Percy" userId="b9a97963-9b08-4684-92e4-b02ce1d032f1" providerId="ADAL" clId="{3280C464-2C29-43A4-BF5A-CE909B5BB16A}" dt="2023-05-14T21:24:23.164" v="1122"/>
+          <ac:inkMkLst>
+            <pc:docMk/>
+            <pc:sldMk cId="4064415223" sldId="279"/>
+            <ac:inkMk id="19" creationId="{9A33D1EA-8A60-3D10-A7B9-35577EEED53C}"/>
+          </ac:inkMkLst>
+        </pc:inkChg>
+        <pc:inkChg chg="add mod">
+          <ac:chgData name="Jack Percy" userId="b9a97963-9b08-4684-92e4-b02ce1d032f1" providerId="ADAL" clId="{3280C464-2C29-43A4-BF5A-CE909B5BB16A}" dt="2023-05-14T21:24:23.164" v="1122"/>
+          <ac:inkMkLst>
+            <pc:docMk/>
+            <pc:sldMk cId="4064415223" sldId="279"/>
+            <ac:inkMk id="20" creationId="{BF2046A1-C0CF-F56E-294B-9C7BF052C15D}"/>
+          </ac:inkMkLst>
+        </pc:inkChg>
+        <pc:inkChg chg="del">
+          <ac:chgData name="Jack Percy" userId="b9a97963-9b08-4684-92e4-b02ce1d032f1" providerId="ADAL" clId="{3280C464-2C29-43A4-BF5A-CE909B5BB16A}" dt="2023-05-14T21:21:19.431" v="1070" actId="478"/>
+          <ac:inkMkLst>
+            <pc:docMk/>
+            <pc:sldMk cId="4064415223" sldId="279"/>
+            <ac:inkMk id="23" creationId="{87493201-8636-3BD1-3691-B67B531A9E39}"/>
+          </ac:inkMkLst>
+        </pc:inkChg>
+        <pc:inkChg chg="del">
+          <ac:chgData name="Jack Percy" userId="b9a97963-9b08-4684-92e4-b02ce1d032f1" providerId="ADAL" clId="{3280C464-2C29-43A4-BF5A-CE909B5BB16A}" dt="2023-05-14T21:21:04.087" v="1064" actId="478"/>
+          <ac:inkMkLst>
+            <pc:docMk/>
+            <pc:sldMk cId="4064415223" sldId="279"/>
+            <ac:inkMk id="25" creationId="{E374683D-DAD4-68D5-6182-402D1691BD4E}"/>
+          </ac:inkMkLst>
+        </pc:inkChg>
+        <pc:inkChg chg="del">
+          <ac:chgData name="Jack Percy" userId="b9a97963-9b08-4684-92e4-b02ce1d032f1" providerId="ADAL" clId="{3280C464-2C29-43A4-BF5A-CE909B5BB16A}" dt="2023-05-14T21:21:04.087" v="1064" actId="478"/>
+          <ac:inkMkLst>
+            <pc:docMk/>
+            <pc:sldMk cId="4064415223" sldId="279"/>
+            <ac:inkMk id="29" creationId="{21DF0ED1-C66F-E29F-7F88-B57A55D8587B}"/>
+          </ac:inkMkLst>
+        </pc:inkChg>
+        <pc:inkChg chg="del">
+          <ac:chgData name="Jack Percy" userId="b9a97963-9b08-4684-92e4-b02ce1d032f1" providerId="ADAL" clId="{3280C464-2C29-43A4-BF5A-CE909B5BB16A}" dt="2023-05-14T21:21:04.087" v="1064" actId="478"/>
+          <ac:inkMkLst>
+            <pc:docMk/>
+            <pc:sldMk cId="4064415223" sldId="279"/>
+            <ac:inkMk id="30" creationId="{94E9FA58-031E-BF1B-6A27-3D06534DCDEE}"/>
+          </ac:inkMkLst>
+        </pc:inkChg>
+        <pc:inkChg chg="del">
+          <ac:chgData name="Jack Percy" userId="b9a97963-9b08-4684-92e4-b02ce1d032f1" providerId="ADAL" clId="{3280C464-2C29-43A4-BF5A-CE909B5BB16A}" dt="2023-05-14T21:21:04.087" v="1064" actId="478"/>
+          <ac:inkMkLst>
+            <pc:docMk/>
+            <pc:sldMk cId="4064415223" sldId="279"/>
+            <ac:inkMk id="31" creationId="{F9F12F50-3EB9-1719-CD45-32C9DBAC5B0D}"/>
+          </ac:inkMkLst>
+        </pc:inkChg>
+        <pc:inkChg chg="del">
+          <ac:chgData name="Jack Percy" userId="b9a97963-9b08-4684-92e4-b02ce1d032f1" providerId="ADAL" clId="{3280C464-2C29-43A4-BF5A-CE909B5BB16A}" dt="2023-05-14T21:21:08.379" v="1065" actId="478"/>
+          <ac:inkMkLst>
+            <pc:docMk/>
+            <pc:sldMk cId="4064415223" sldId="279"/>
+            <ac:inkMk id="32" creationId="{1C2BE5D8-3C05-ED57-9B1C-1AFCD91CABCA}"/>
+          </ac:inkMkLst>
+        </pc:inkChg>
+        <pc:inkChg chg="add mod">
+          <ac:chgData name="Jack Percy" userId="b9a97963-9b08-4684-92e4-b02ce1d032f1" providerId="ADAL" clId="{3280C464-2C29-43A4-BF5A-CE909B5BB16A}" dt="2023-05-14T21:24:23.164" v="1122"/>
+          <ac:inkMkLst>
+            <pc:docMk/>
+            <pc:sldMk cId="4064415223" sldId="279"/>
+            <ac:inkMk id="33" creationId="{38AD4E31-17DB-F847-D978-C1DD17CDC301}"/>
+          </ac:inkMkLst>
+        </pc:inkChg>
+        <pc:inkChg chg="del">
+          <ac:chgData name="Jack Percy" userId="b9a97963-9b08-4684-92e4-b02ce1d032f1" providerId="ADAL" clId="{3280C464-2C29-43A4-BF5A-CE909B5BB16A}" dt="2023-05-14T21:21:04.087" v="1064" actId="478"/>
+          <ac:inkMkLst>
+            <pc:docMk/>
+            <pc:sldMk cId="4064415223" sldId="279"/>
+            <ac:inkMk id="37" creationId="{1FCA837B-A185-C031-1180-41D3D7585ADB}"/>
+          </ac:inkMkLst>
+        </pc:inkChg>
+        <pc:inkChg chg="add mod">
+          <ac:chgData name="Jack Percy" userId="b9a97963-9b08-4684-92e4-b02ce1d032f1" providerId="ADAL" clId="{3280C464-2C29-43A4-BF5A-CE909B5BB16A}" dt="2023-05-14T21:24:23.164" v="1122"/>
+          <ac:inkMkLst>
+            <pc:docMk/>
+            <pc:sldMk cId="4064415223" sldId="279"/>
+            <ac:inkMk id="41" creationId="{20ABD932-FD4E-68CC-191E-BCF072BCB577}"/>
+          </ac:inkMkLst>
+        </pc:inkChg>
+        <pc:inkChg chg="del">
+          <ac:chgData name="Jack Percy" userId="b9a97963-9b08-4684-92e4-b02ce1d032f1" providerId="ADAL" clId="{3280C464-2C29-43A4-BF5A-CE909B5BB16A}" dt="2023-05-14T21:21:04.087" v="1064" actId="478"/>
+          <ac:inkMkLst>
+            <pc:docMk/>
+            <pc:sldMk cId="4064415223" sldId="279"/>
+            <ac:inkMk id="44" creationId="{BC54F37F-F77D-6876-BB14-4E71F6C159E8}"/>
+          </ac:inkMkLst>
+        </pc:inkChg>
+        <pc:inkChg chg="del">
+          <ac:chgData name="Jack Percy" userId="b9a97963-9b08-4684-92e4-b02ce1d032f1" providerId="ADAL" clId="{3280C464-2C29-43A4-BF5A-CE909B5BB16A}" dt="2023-05-14T21:21:04.087" v="1064" actId="478"/>
+          <ac:inkMkLst>
+            <pc:docMk/>
+            <pc:sldMk cId="4064415223" sldId="279"/>
+            <ac:inkMk id="45" creationId="{7B3B2972-AEB3-0355-B393-CBA7E8029F9F}"/>
+          </ac:inkMkLst>
+        </pc:inkChg>
+        <pc:inkChg chg="del">
+          <ac:chgData name="Jack Percy" userId="b9a97963-9b08-4684-92e4-b02ce1d032f1" providerId="ADAL" clId="{3280C464-2C29-43A4-BF5A-CE909B5BB16A}" dt="2023-05-14T21:21:04.087" v="1064" actId="478"/>
+          <ac:inkMkLst>
+            <pc:docMk/>
+            <pc:sldMk cId="4064415223" sldId="279"/>
+            <ac:inkMk id="46" creationId="{6490E571-829D-3C04-F66F-F6E721B5B59E}"/>
+          </ac:inkMkLst>
+        </pc:inkChg>
+        <pc:inkChg chg="del">
+          <ac:chgData name="Jack Percy" userId="b9a97963-9b08-4684-92e4-b02ce1d032f1" providerId="ADAL" clId="{3280C464-2C29-43A4-BF5A-CE909B5BB16A}" dt="2023-05-14T21:21:04.087" v="1064" actId="478"/>
+          <ac:inkMkLst>
+            <pc:docMk/>
+            <pc:sldMk cId="4064415223" sldId="279"/>
+            <ac:inkMk id="47" creationId="{7881245F-E1ED-7C22-5C86-DD12E7B80DB4}"/>
+          </ac:inkMkLst>
+        </pc:inkChg>
+        <pc:inkChg chg="del">
+          <ac:chgData name="Jack Percy" userId="b9a97963-9b08-4684-92e4-b02ce1d032f1" providerId="ADAL" clId="{3280C464-2C29-43A4-BF5A-CE909B5BB16A}" dt="2023-05-14T21:21:04.087" v="1064" actId="478"/>
+          <ac:inkMkLst>
+            <pc:docMk/>
+            <pc:sldMk cId="4064415223" sldId="279"/>
+            <ac:inkMk id="48" creationId="{7FF803C9-AD92-7976-12E4-E2C57380F037}"/>
+          </ac:inkMkLst>
+        </pc:inkChg>
+        <pc:inkChg chg="del">
+          <ac:chgData name="Jack Percy" userId="b9a97963-9b08-4684-92e4-b02ce1d032f1" providerId="ADAL" clId="{3280C464-2C29-43A4-BF5A-CE909B5BB16A}" dt="2023-05-14T21:21:08.379" v="1065" actId="478"/>
+          <ac:inkMkLst>
+            <pc:docMk/>
+            <pc:sldMk cId="4064415223" sldId="279"/>
+            <ac:inkMk id="49" creationId="{3DB4C132-F61C-658F-BA8F-37DD65DFB3EC}"/>
+          </ac:inkMkLst>
+        </pc:inkChg>
+        <pc:inkChg chg="del">
+          <ac:chgData name="Jack Percy" userId="b9a97963-9b08-4684-92e4-b02ce1d032f1" providerId="ADAL" clId="{3280C464-2C29-43A4-BF5A-CE909B5BB16A}" dt="2023-05-14T21:21:08.379" v="1065" actId="478"/>
+          <ac:inkMkLst>
+            <pc:docMk/>
+            <pc:sldMk cId="4064415223" sldId="279"/>
+            <ac:inkMk id="50" creationId="{3A8AE495-EFC1-07A3-D025-3407B993807E}"/>
+          </ac:inkMkLst>
+        </pc:inkChg>
+        <pc:inkChg chg="del">
+          <ac:chgData name="Jack Percy" userId="b9a97963-9b08-4684-92e4-b02ce1d032f1" providerId="ADAL" clId="{3280C464-2C29-43A4-BF5A-CE909B5BB16A}" dt="2023-05-14T21:21:08.379" v="1065" actId="478"/>
+          <ac:inkMkLst>
+            <pc:docMk/>
+            <pc:sldMk cId="4064415223" sldId="279"/>
+            <ac:inkMk id="51" creationId="{B91CBB7C-673D-7B3A-7F5C-8D19B8669C36}"/>
+          </ac:inkMkLst>
+        </pc:inkChg>
+        <pc:inkChg chg="del">
+          <ac:chgData name="Jack Percy" userId="b9a97963-9b08-4684-92e4-b02ce1d032f1" providerId="ADAL" clId="{3280C464-2C29-43A4-BF5A-CE909B5BB16A}" dt="2023-05-14T21:21:04.087" v="1064" actId="478"/>
+          <ac:inkMkLst>
+            <pc:docMk/>
+            <pc:sldMk cId="4064415223" sldId="279"/>
+            <ac:inkMk id="52" creationId="{657DAD6D-8313-CCA5-E4AF-37B4DB094163}"/>
+          </ac:inkMkLst>
+        </pc:inkChg>
+        <pc:inkChg chg="del">
+          <ac:chgData name="Jack Percy" userId="b9a97963-9b08-4684-92e4-b02ce1d032f1" providerId="ADAL" clId="{3280C464-2C29-43A4-BF5A-CE909B5BB16A}" dt="2023-05-14T21:21:08.379" v="1065" actId="478"/>
+          <ac:inkMkLst>
+            <pc:docMk/>
+            <pc:sldMk cId="4064415223" sldId="279"/>
+            <ac:inkMk id="57" creationId="{41FD4E18-6C2B-1DA2-2C16-A408BD519D5D}"/>
+          </ac:inkMkLst>
+        </pc:inkChg>
+        <pc:inkChg chg="del">
+          <ac:chgData name="Jack Percy" userId="b9a97963-9b08-4684-92e4-b02ce1d032f1" providerId="ADAL" clId="{3280C464-2C29-43A4-BF5A-CE909B5BB16A}" dt="2023-05-14T21:21:04.087" v="1064" actId="478"/>
+          <ac:inkMkLst>
+            <pc:docMk/>
+            <pc:sldMk cId="4064415223" sldId="279"/>
+            <ac:inkMk id="61" creationId="{3D5A74B2-E5F6-E775-0CB0-5B7C8660B9C3}"/>
+          </ac:inkMkLst>
+        </pc:inkChg>
+        <pc:inkChg chg="add mod">
+          <ac:chgData name="Jack Percy" userId="b9a97963-9b08-4684-92e4-b02ce1d032f1" providerId="ADAL" clId="{3280C464-2C29-43A4-BF5A-CE909B5BB16A}" dt="2023-05-14T21:30:59.612" v="1201"/>
+          <ac:inkMkLst>
+            <pc:docMk/>
+            <pc:sldMk cId="4064415223" sldId="279"/>
+            <ac:inkMk id="64" creationId="{81700A73-1C3E-86D5-B7AC-7C54939882C4}"/>
+          </ac:inkMkLst>
+        </pc:inkChg>
+        <pc:inkChg chg="add mod">
+          <ac:chgData name="Jack Percy" userId="b9a97963-9b08-4684-92e4-b02ce1d032f1" providerId="ADAL" clId="{3280C464-2C29-43A4-BF5A-CE909B5BB16A}" dt="2023-05-14T21:30:59.612" v="1201"/>
+          <ac:inkMkLst>
+            <pc:docMk/>
+            <pc:sldMk cId="4064415223" sldId="279"/>
+            <ac:inkMk id="65" creationId="{B51F6BE0-D6BE-6EE6-DD34-E2C4898A96FF}"/>
+          </ac:inkMkLst>
+        </pc:inkChg>
+        <pc:inkChg chg="add">
+          <ac:chgData name="Jack Percy" userId="b9a97963-9b08-4684-92e4-b02ce1d032f1" providerId="ADAL" clId="{3280C464-2C29-43A4-BF5A-CE909B5BB16A}" dt="2023-05-14T21:26:43.259" v="1135" actId="9405"/>
+          <ac:inkMkLst>
+            <pc:docMk/>
+            <pc:sldMk cId="4064415223" sldId="279"/>
+            <ac:inkMk id="69" creationId="{A9F04AF4-F368-A70A-4D24-B112CB425327}"/>
+          </ac:inkMkLst>
+        </pc:inkChg>
+        <pc:inkChg chg="add">
+          <ac:chgData name="Jack Percy" userId="b9a97963-9b08-4684-92e4-b02ce1d032f1" providerId="ADAL" clId="{3280C464-2C29-43A4-BF5A-CE909B5BB16A}" dt="2023-05-14T21:26:47.285" v="1136" actId="9405"/>
+          <ac:inkMkLst>
+            <pc:docMk/>
+            <pc:sldMk cId="4064415223" sldId="279"/>
+            <ac:inkMk id="70" creationId="{3A060E65-743A-0652-1A2B-727EFEADA39B}"/>
+          </ac:inkMkLst>
+        </pc:inkChg>
+        <pc:inkChg chg="add">
+          <ac:chgData name="Jack Percy" userId="b9a97963-9b08-4684-92e4-b02ce1d032f1" providerId="ADAL" clId="{3280C464-2C29-43A4-BF5A-CE909B5BB16A}" dt="2023-05-14T21:26:54.530" v="1137" actId="9405"/>
+          <ac:inkMkLst>
+            <pc:docMk/>
+            <pc:sldMk cId="4064415223" sldId="279"/>
+            <ac:inkMk id="71" creationId="{9BFB8618-66E1-F9A5-999A-01C656859BE3}"/>
+          </ac:inkMkLst>
+        </pc:inkChg>
+        <pc:inkChg chg="add">
+          <ac:chgData name="Jack Percy" userId="b9a97963-9b08-4684-92e4-b02ce1d032f1" providerId="ADAL" clId="{3280C464-2C29-43A4-BF5A-CE909B5BB16A}" dt="2023-05-14T21:26:58.230" v="1138" actId="9405"/>
+          <ac:inkMkLst>
+            <pc:docMk/>
+            <pc:sldMk cId="4064415223" sldId="279"/>
+            <ac:inkMk id="72" creationId="{7A4B2C9A-8A41-E125-BF89-B9E6AFBFE5F6}"/>
+          </ac:inkMkLst>
+        </pc:inkChg>
+        <pc:inkChg chg="add mod">
+          <ac:chgData name="Jack Percy" userId="b9a97963-9b08-4684-92e4-b02ce1d032f1" providerId="ADAL" clId="{3280C464-2C29-43A4-BF5A-CE909B5BB16A}" dt="2023-05-14T21:31:03.194" v="1204"/>
+          <ac:inkMkLst>
+            <pc:docMk/>
+            <pc:sldMk cId="4064415223" sldId="279"/>
+            <ac:inkMk id="73" creationId="{B11A8974-49E5-4A1B-C51C-73204415D24E}"/>
+          </ac:inkMkLst>
+        </pc:inkChg>
+        <pc:inkChg chg="add mod">
+          <ac:chgData name="Jack Percy" userId="b9a97963-9b08-4684-92e4-b02ce1d032f1" providerId="ADAL" clId="{3280C464-2C29-43A4-BF5A-CE909B5BB16A}" dt="2023-05-14T21:31:03.194" v="1204"/>
+          <ac:inkMkLst>
+            <pc:docMk/>
+            <pc:sldMk cId="4064415223" sldId="279"/>
+            <ac:inkMk id="74" creationId="{BEC96413-1EA6-A778-2BB1-5152112B96BA}"/>
+          </ac:inkMkLst>
+        </pc:inkChg>
+        <pc:inkChg chg="add">
+          <ac:chgData name="Jack Percy" userId="b9a97963-9b08-4684-92e4-b02ce1d032f1" providerId="ADAL" clId="{3280C464-2C29-43A4-BF5A-CE909B5BB16A}" dt="2023-05-14T21:27:10.144" v="1142" actId="9405"/>
+          <ac:inkMkLst>
+            <pc:docMk/>
+            <pc:sldMk cId="4064415223" sldId="279"/>
+            <ac:inkMk id="76" creationId="{F79266C2-1256-1FDD-D48B-6B649ED43C64}"/>
+          </ac:inkMkLst>
+        </pc:inkChg>
+        <pc:inkChg chg="add">
+          <ac:chgData name="Jack Percy" userId="b9a97963-9b08-4684-92e4-b02ce1d032f1" providerId="ADAL" clId="{3280C464-2C29-43A4-BF5A-CE909B5BB16A}" dt="2023-05-14T21:27:13.217" v="1143" actId="9405"/>
+          <ac:inkMkLst>
+            <pc:docMk/>
+            <pc:sldMk cId="4064415223" sldId="279"/>
+            <ac:inkMk id="77" creationId="{3E702678-FA4A-BDE5-04CC-826FEE4E729C}"/>
+          </ac:inkMkLst>
+        </pc:inkChg>
+        <pc:inkChg chg="add mod">
+          <ac:chgData name="Jack Percy" userId="b9a97963-9b08-4684-92e4-b02ce1d032f1" providerId="ADAL" clId="{3280C464-2C29-43A4-BF5A-CE909B5BB16A}" dt="2023-05-14T21:31:03.194" v="1204"/>
+          <ac:inkMkLst>
+            <pc:docMk/>
+            <pc:sldMk cId="4064415223" sldId="279"/>
+            <ac:inkMk id="78" creationId="{174E77E8-6873-763F-1A8B-38BC9C1D520A}"/>
+          </ac:inkMkLst>
+        </pc:inkChg>
+        <pc:inkChg chg="add mod">
+          <ac:chgData name="Jack Percy" userId="b9a97963-9b08-4684-92e4-b02ce1d032f1" providerId="ADAL" clId="{3280C464-2C29-43A4-BF5A-CE909B5BB16A}" dt="2023-05-14T21:31:03.194" v="1204"/>
+          <ac:inkMkLst>
+            <pc:docMk/>
+            <pc:sldMk cId="4064415223" sldId="279"/>
+            <ac:inkMk id="80" creationId="{06E38C41-3031-C255-709A-5E3F5DCCA3EA}"/>
+          </ac:inkMkLst>
+        </pc:inkChg>
+        <pc:inkChg chg="add mod">
+          <ac:chgData name="Jack Percy" userId="b9a97963-9b08-4684-92e4-b02ce1d032f1" providerId="ADAL" clId="{3280C464-2C29-43A4-BF5A-CE909B5BB16A}" dt="2023-05-14T21:31:03.194" v="1204"/>
+          <ac:inkMkLst>
+            <pc:docMk/>
+            <pc:sldMk cId="4064415223" sldId="279"/>
+            <ac:inkMk id="81" creationId="{4920497B-8BCF-893A-DB41-8E10EDC9CFFA}"/>
+          </ac:inkMkLst>
+        </pc:inkChg>
+        <pc:inkChg chg="add mod">
+          <ac:chgData name="Jack Percy" userId="b9a97963-9b08-4684-92e4-b02ce1d032f1" providerId="ADAL" clId="{3280C464-2C29-43A4-BF5A-CE909B5BB16A}" dt="2023-05-14T21:29:07.752" v="1174"/>
+          <ac:inkMkLst>
+            <pc:docMk/>
+            <pc:sldMk cId="4064415223" sldId="279"/>
+            <ac:inkMk id="84" creationId="{069EC2A6-4B4E-3687-489F-397903F19BC9}"/>
+          </ac:inkMkLst>
+        </pc:inkChg>
+        <pc:inkChg chg="add del">
+          <ac:chgData name="Jack Percy" userId="b9a97963-9b08-4684-92e4-b02ce1d032f1" providerId="ADAL" clId="{3280C464-2C29-43A4-BF5A-CE909B5BB16A}" dt="2023-05-14T21:28:09.475" v="1161" actId="9405"/>
+          <ac:inkMkLst>
+            <pc:docMk/>
+            <pc:sldMk cId="4064415223" sldId="279"/>
+            <ac:inkMk id="86" creationId="{A582DE49-850B-819B-81E5-DB654065967D}"/>
+          </ac:inkMkLst>
+        </pc:inkChg>
+        <pc:inkChg chg="add mod">
+          <ac:chgData name="Jack Percy" userId="b9a97963-9b08-4684-92e4-b02ce1d032f1" providerId="ADAL" clId="{3280C464-2C29-43A4-BF5A-CE909B5BB16A}" dt="2023-05-14T21:30:59.612" v="1201"/>
+          <ac:inkMkLst>
+            <pc:docMk/>
+            <pc:sldMk cId="4064415223" sldId="279"/>
+            <ac:inkMk id="87" creationId="{5EDF5C89-3340-AD49-BFB7-B6DB6261356C}"/>
+          </ac:inkMkLst>
+        </pc:inkChg>
+        <pc:inkChg chg="add mod">
+          <ac:chgData name="Jack Percy" userId="b9a97963-9b08-4684-92e4-b02ce1d032f1" providerId="ADAL" clId="{3280C464-2C29-43A4-BF5A-CE909B5BB16A}" dt="2023-05-14T21:30:59.612" v="1201"/>
+          <ac:inkMkLst>
+            <pc:docMk/>
+            <pc:sldMk cId="4064415223" sldId="279"/>
+            <ac:inkMk id="88" creationId="{AF10C215-7D7E-BFD6-34EC-7D3159CFDD7C}"/>
+          </ac:inkMkLst>
+        </pc:inkChg>
+        <pc:inkChg chg="add">
+          <ac:chgData name="Jack Percy" userId="b9a97963-9b08-4684-92e4-b02ce1d032f1" providerId="ADAL" clId="{3280C464-2C29-43A4-BF5A-CE909B5BB16A}" dt="2023-05-14T21:28:56.038" v="1170" actId="9405"/>
+          <ac:inkMkLst>
+            <pc:docMk/>
+            <pc:sldMk cId="4064415223" sldId="279"/>
+            <ac:inkMk id="92" creationId="{825AD885-3D86-5E23-82FB-3871E6761798}"/>
+          </ac:inkMkLst>
+        </pc:inkChg>
+        <pc:inkChg chg="add mod">
+          <ac:chgData name="Jack Percy" userId="b9a97963-9b08-4684-92e4-b02ce1d032f1" providerId="ADAL" clId="{3280C464-2C29-43A4-BF5A-CE909B5BB16A}" dt="2023-05-14T21:29:07.752" v="1174"/>
+          <ac:inkMkLst>
+            <pc:docMk/>
+            <pc:sldMk cId="4064415223" sldId="279"/>
+            <ac:inkMk id="93" creationId="{7FC13676-724D-02B1-B28C-60744F88C7AD}"/>
+          </ac:inkMkLst>
+        </pc:inkChg>
+        <pc:inkChg chg="add mod">
+          <ac:chgData name="Jack Percy" userId="b9a97963-9b08-4684-92e4-b02ce1d032f1" providerId="ADAL" clId="{3280C464-2C29-43A4-BF5A-CE909B5BB16A}" dt="2023-05-14T21:29:07.752" v="1174"/>
+          <ac:inkMkLst>
+            <pc:docMk/>
+            <pc:sldMk cId="4064415223" sldId="279"/>
+            <ac:inkMk id="94" creationId="{4E71AA2C-AD7E-55C4-AAF1-F1F5EE1D2D22}"/>
+          </ac:inkMkLst>
+        </pc:inkChg>
+        <pc:inkChg chg="add mod">
+          <ac:chgData name="Jack Percy" userId="b9a97963-9b08-4684-92e4-b02ce1d032f1" providerId="ADAL" clId="{3280C464-2C29-43A4-BF5A-CE909B5BB16A}" dt="2023-05-14T21:29:14.187" v="1177"/>
+          <ac:inkMkLst>
+            <pc:docMk/>
+            <pc:sldMk cId="4064415223" sldId="279"/>
+            <ac:inkMk id="95" creationId="{441776F7-0584-96B0-02F2-F2CC31C4B2D3}"/>
+          </ac:inkMkLst>
+        </pc:inkChg>
+        <pc:inkChg chg="add mod">
+          <ac:chgData name="Jack Percy" userId="b9a97963-9b08-4684-92e4-b02ce1d032f1" providerId="ADAL" clId="{3280C464-2C29-43A4-BF5A-CE909B5BB16A}" dt="2023-05-14T21:31:03.194" v="1204"/>
+          <ac:inkMkLst>
+            <pc:docMk/>
+            <pc:sldMk cId="4064415223" sldId="279"/>
+            <ac:inkMk id="98" creationId="{07E6490C-7D7A-95D9-0287-A07A4FA08CF2}"/>
+          </ac:inkMkLst>
+        </pc:inkChg>
+        <pc:inkChg chg="add mod">
+          <ac:chgData name="Jack Percy" userId="b9a97963-9b08-4684-92e4-b02ce1d032f1" providerId="ADAL" clId="{3280C464-2C29-43A4-BF5A-CE909B5BB16A}" dt="2023-05-14T21:31:03.194" v="1204"/>
+          <ac:inkMkLst>
+            <pc:docMk/>
+            <pc:sldMk cId="4064415223" sldId="279"/>
+            <ac:inkMk id="99" creationId="{2E0CE110-FEA8-89A6-2C99-E8C2C1C706DA}"/>
+          </ac:inkMkLst>
+        </pc:inkChg>
+        <pc:inkChg chg="add mod">
+          <ac:chgData name="Jack Percy" userId="b9a97963-9b08-4684-92e4-b02ce1d032f1" providerId="ADAL" clId="{3280C464-2C29-43A4-BF5A-CE909B5BB16A}" dt="2023-05-14T21:30:59.612" v="1201"/>
+          <ac:inkMkLst>
+            <pc:docMk/>
+            <pc:sldMk cId="4064415223" sldId="279"/>
+            <ac:inkMk id="102" creationId="{A772BF07-BDC1-BB00-FFE2-0733D15A90F0}"/>
+          </ac:inkMkLst>
+        </pc:inkChg>
+        <pc:inkChg chg="add">
+          <ac:chgData name="Jack Percy" userId="b9a97963-9b08-4684-92e4-b02ce1d032f1" providerId="ADAL" clId="{3280C464-2C29-43A4-BF5A-CE909B5BB16A}" dt="2023-05-14T21:29:39.813" v="1183" actId="9405"/>
+          <ac:inkMkLst>
+            <pc:docMk/>
+            <pc:sldMk cId="4064415223" sldId="279"/>
+            <ac:inkMk id="104" creationId="{E80B808C-A6E5-F304-0D6D-2C963374664D}"/>
+          </ac:inkMkLst>
+        </pc:inkChg>
+        <pc:inkChg chg="add mod">
+          <ac:chgData name="Jack Percy" userId="b9a97963-9b08-4684-92e4-b02ce1d032f1" providerId="ADAL" clId="{3280C464-2C29-43A4-BF5A-CE909B5BB16A}" dt="2023-05-14T21:30:45.952" v="1196"/>
+          <ac:inkMkLst>
+            <pc:docMk/>
+            <pc:sldMk cId="4064415223" sldId="279"/>
+            <ac:inkMk id="107" creationId="{38AB971E-58CF-19CA-56D2-8237F1653478}"/>
+          </ac:inkMkLst>
+        </pc:inkChg>
+        <pc:inkChg chg="add mod">
+          <ac:chgData name="Jack Percy" userId="b9a97963-9b08-4684-92e4-b02ce1d032f1" providerId="ADAL" clId="{3280C464-2C29-43A4-BF5A-CE909B5BB16A}" dt="2023-05-14T21:30:45.952" v="1196"/>
+          <ac:inkMkLst>
+            <pc:docMk/>
+            <pc:sldMk cId="4064415223" sldId="279"/>
+            <ac:inkMk id="108" creationId="{4EC46C5E-E732-1D73-D8E1-A5E74B852F54}"/>
+          </ac:inkMkLst>
+        </pc:inkChg>
+        <pc:inkChg chg="add">
+          <ac:chgData name="Jack Percy" userId="b9a97963-9b08-4684-92e4-b02ce1d032f1" providerId="ADAL" clId="{3280C464-2C29-43A4-BF5A-CE909B5BB16A}" dt="2023-05-14T21:30:48.436" v="1197" actId="9405"/>
+          <ac:inkMkLst>
+            <pc:docMk/>
+            <pc:sldMk cId="4064415223" sldId="279"/>
+            <ac:inkMk id="110" creationId="{A50AC505-DD49-6A38-CC4E-DC339A42F1A2}"/>
+          </ac:inkMkLst>
+        </pc:inkChg>
+        <pc:inkChg chg="add mod">
+          <ac:chgData name="Jack Percy" userId="b9a97963-9b08-4684-92e4-b02ce1d032f1" providerId="ADAL" clId="{3280C464-2C29-43A4-BF5A-CE909B5BB16A}" dt="2023-05-14T21:30:59.612" v="1201"/>
+          <ac:inkMkLst>
+            <pc:docMk/>
+            <pc:sldMk cId="4064415223" sldId="279"/>
+            <ac:inkMk id="111" creationId="{379DBDB8-9938-6E2D-E332-E151066F2718}"/>
+          </ac:inkMkLst>
+        </pc:inkChg>
+        <pc:inkChg chg="add mod">
+          <ac:chgData name="Jack Percy" userId="b9a97963-9b08-4684-92e4-b02ce1d032f1" providerId="ADAL" clId="{3280C464-2C29-43A4-BF5A-CE909B5BB16A}" dt="2023-05-14T21:30:59.612" v="1201"/>
+          <ac:inkMkLst>
+            <pc:docMk/>
+            <pc:sldMk cId="4064415223" sldId="279"/>
+            <ac:inkMk id="112" creationId="{46B08753-D24E-081F-6EB7-47D5D25052A0}"/>
+          </ac:inkMkLst>
+        </pc:inkChg>
+        <pc:inkChg chg="add mod">
+          <ac:chgData name="Jack Percy" userId="b9a97963-9b08-4684-92e4-b02ce1d032f1" providerId="ADAL" clId="{3280C464-2C29-43A4-BF5A-CE909B5BB16A}" dt="2023-05-14T21:31:03.194" v="1204"/>
+          <ac:inkMkLst>
+            <pc:docMk/>
+            <pc:sldMk cId="4064415223" sldId="279"/>
+            <ac:inkMk id="113" creationId="{39A7F1FA-F063-AAA8-6A9E-2D2EED2CE366}"/>
+          </ac:inkMkLst>
+        </pc:inkChg>
+        <pc:inkChg chg="add mod">
+          <ac:chgData name="Jack Percy" userId="b9a97963-9b08-4684-92e4-b02ce1d032f1" providerId="ADAL" clId="{3280C464-2C29-43A4-BF5A-CE909B5BB16A}" dt="2023-05-14T21:31:03.194" v="1204"/>
+          <ac:inkMkLst>
+            <pc:docMk/>
+            <pc:sldMk cId="4064415223" sldId="279"/>
+            <ac:inkMk id="116" creationId="{FBCDE2A0-203D-0E03-1CEE-DB59376CC2AE}"/>
+          </ac:inkMkLst>
+        </pc:inkChg>
+        <pc:inkChg chg="add mod">
+          <ac:chgData name="Jack Percy" userId="b9a97963-9b08-4684-92e4-b02ce1d032f1" providerId="ADAL" clId="{3280C464-2C29-43A4-BF5A-CE909B5BB16A}" dt="2023-05-14T21:31:03.194" v="1204"/>
+          <ac:inkMkLst>
+            <pc:docMk/>
+            <pc:sldMk cId="4064415223" sldId="279"/>
+            <ac:inkMk id="117" creationId="{F97B7798-51BE-9CA7-9E0B-A1CF381F7A58}"/>
+          </ac:inkMkLst>
+        </pc:inkChg>
+      </pc:sldChg>
+      <pc:sldChg chg="addSp modSp add mod ord">
+        <pc:chgData name="Jack Percy" userId="b9a97963-9b08-4684-92e4-b02ce1d032f1" providerId="ADAL" clId="{3280C464-2C29-43A4-BF5A-CE909B5BB16A}" dt="2023-05-14T21:52:28.964" v="2231"/>
+        <pc:sldMkLst>
+          <pc:docMk/>
+          <pc:sldMk cId="3798808607" sldId="280"/>
+        </pc:sldMkLst>
+        <pc:spChg chg="mod">
+          <ac:chgData name="Jack Percy" userId="b9a97963-9b08-4684-92e4-b02ce1d032f1" providerId="ADAL" clId="{3280C464-2C29-43A4-BF5A-CE909B5BB16A}" dt="2023-05-14T21:36:07.068" v="1231" actId="20577"/>
+          <ac:spMkLst>
+            <pc:docMk/>
+            <pc:sldMk cId="3798808607" sldId="280"/>
+            <ac:spMk id="2" creationId="{1CC5D32F-7C18-4D00-8D54-2FB046F0A206}"/>
+          </ac:spMkLst>
+        </pc:spChg>
+        <pc:graphicFrameChg chg="add mod modGraphic">
+          <ac:chgData name="Jack Percy" userId="b9a97963-9b08-4684-92e4-b02ce1d032f1" providerId="ADAL" clId="{3280C464-2C29-43A4-BF5A-CE909B5BB16A}" dt="2023-05-14T21:45:25.044" v="2170" actId="20577"/>
+          <ac:graphicFrameMkLst>
+            <pc:docMk/>
+            <pc:sldMk cId="3798808607" sldId="280"/>
+            <ac:graphicFrameMk id="3" creationId="{5B0807D8-1857-A2B4-82CA-F64FBDF2B197}"/>
+          </ac:graphicFrameMkLst>
+        </pc:graphicFrameChg>
+      </pc:sldChg>
+      <pc:sldChg chg="addSp delSp modSp add mod">
+        <pc:chgData name="Jack Percy" userId="b9a97963-9b08-4684-92e4-b02ce1d032f1" providerId="ADAL" clId="{3280C464-2C29-43A4-BF5A-CE909B5BB16A}" dt="2023-05-14T21:52:37.115" v="2232" actId="22"/>
+        <pc:sldMkLst>
+          <pc:docMk/>
+          <pc:sldMk cId="2849764773" sldId="281"/>
+        </pc:sldMkLst>
+        <pc:spChg chg="mod">
+          <ac:chgData name="Jack Percy" userId="b9a97963-9b08-4684-92e4-b02ce1d032f1" providerId="ADAL" clId="{3280C464-2C29-43A4-BF5A-CE909B5BB16A}" dt="2023-05-14T21:48:30.660" v="2224" actId="20577"/>
+          <ac:spMkLst>
+            <pc:docMk/>
+            <pc:sldMk cId="2849764773" sldId="281"/>
+            <ac:spMk id="86" creationId="{00000000-0000-0000-0000-000000000000}"/>
+          </ac:spMkLst>
+        </pc:spChg>
+        <pc:picChg chg="del">
+          <ac:chgData name="Jack Percy" userId="b9a97963-9b08-4684-92e4-b02ce1d032f1" providerId="ADAL" clId="{3280C464-2C29-43A4-BF5A-CE909B5BB16A}" dt="2023-05-14T21:48:32.577" v="2225" actId="478"/>
+          <ac:picMkLst>
+            <pc:docMk/>
+            <pc:sldMk cId="2849764773" sldId="281"/>
+            <ac:picMk id="3" creationId="{E6DBC2DF-D9D8-FB3C-5E87-A70519F5897F}"/>
+          </ac:picMkLst>
+        </pc:picChg>
+        <pc:picChg chg="add del">
+          <ac:chgData name="Jack Percy" userId="b9a97963-9b08-4684-92e4-b02ce1d032f1" providerId="ADAL" clId="{3280C464-2C29-43A4-BF5A-CE909B5BB16A}" dt="2023-05-14T21:52:19.345" v="2227" actId="478"/>
+          <ac:picMkLst>
+            <pc:docMk/>
+            <pc:sldMk cId="2849764773" sldId="281"/>
+            <ac:picMk id="4" creationId="{5F570ACF-BA70-BE05-EE60-87DD98111282}"/>
+          </ac:picMkLst>
+        </pc:picChg>
+        <pc:picChg chg="add">
+          <ac:chgData name="Jack Percy" userId="b9a97963-9b08-4684-92e4-b02ce1d032f1" providerId="ADAL" clId="{3280C464-2C29-43A4-BF5A-CE909B5BB16A}" dt="2023-05-14T21:52:37.115" v="2232" actId="22"/>
+          <ac:picMkLst>
+            <pc:docMk/>
+            <pc:sldMk cId="2849764773" sldId="281"/>
+            <ac:picMk id="6" creationId="{75842563-8568-FE74-8FD5-D2214F0C447B}"/>
           </ac:picMkLst>
         </pc:picChg>
       </pc:sldChg>
@@ -1626,6 +2599,202 @@
 </inkml:ink>
 </file>
 
+<file path=ppt/ink/ink33.xml><?xml version="1.0" encoding="utf-8"?>
+<inkml:ink xmlns:inkml="http://www.w3.org/2003/InkML">
+  <inkml:definitions>
+    <inkml:context xml:id="ctx0">
+      <inkml:inkSource xml:id="inkSrc0">
+        <inkml:traceFormat>
+          <inkml:channel name="X" type="integer" min="-2.14748E9" max="2.14748E9" units="cm"/>
+          <inkml:channel name="Y" type="integer" min="-2.14748E9" max="2.14748E9" units="cm"/>
+          <inkml:channel name="F" type="integer" max="32767" units="dev"/>
+        </inkml:traceFormat>
+        <inkml:channelProperties>
+          <inkml:channelProperty channel="X" name="resolution" value="1000" units="1/cm"/>
+          <inkml:channelProperty channel="Y" name="resolution" value="1000" units="1/cm"/>
+          <inkml:channelProperty channel="F" name="resolution" value="0" units="1/dev"/>
+        </inkml:channelProperties>
+      </inkml:inkSource>
+      <inkml:timestamp xml:id="ts0" timeString="2023-05-14T21:22:43.680"/>
+    </inkml:context>
+    <inkml:brush xml:id="br0">
+      <inkml:brushProperty name="width" value="0.05" units="cm"/>
+      <inkml:brushProperty name="height" value="0.05" units="cm"/>
+      <inkml:brushProperty name="color" value="#E71224"/>
+    </inkml:brush>
+  </inkml:definitions>
+  <inkml:trace contextRef="#ctx0" brushRef="#br0">0 0 24575</inkml:trace>
+</inkml:ink>
+</file>
+
+<file path=ppt/ink/ink34.xml><?xml version="1.0" encoding="utf-8"?>
+<inkml:ink xmlns:inkml="http://www.w3.org/2003/InkML">
+  <inkml:definitions>
+    <inkml:context xml:id="ctx0">
+      <inkml:inkSource xml:id="inkSrc0">
+        <inkml:traceFormat>
+          <inkml:channel name="X" type="integer" min="-2.14748E9" max="2.14748E9" units="cm"/>
+          <inkml:channel name="Y" type="integer" min="-2.14748E9" max="2.14748E9" units="cm"/>
+          <inkml:channel name="F" type="integer" max="32767" units="dev"/>
+        </inkml:traceFormat>
+        <inkml:channelProperties>
+          <inkml:channelProperty channel="X" name="resolution" value="1000" units="1/cm"/>
+          <inkml:channelProperty channel="Y" name="resolution" value="1000" units="1/cm"/>
+          <inkml:channelProperty channel="F" name="resolution" value="0" units="1/dev"/>
+        </inkml:channelProperties>
+      </inkml:inkSource>
+      <inkml:timestamp xml:id="ts0" timeString="2023-05-14T21:22:45.621"/>
+    </inkml:context>
+    <inkml:brush xml:id="br0">
+      <inkml:brushProperty name="width" value="0.05" units="cm"/>
+      <inkml:brushProperty name="height" value="0.05" units="cm"/>
+      <inkml:brushProperty name="color" value="#E71224"/>
+    </inkml:brush>
+  </inkml:definitions>
+  <inkml:trace contextRef="#ctx0" brushRef="#br0">2563 0 24575,'-41'3'0,"0"2"0,-1 2 0,2 1 0,-77 27 0,-17 3 0,48-16 0,33-8 0,0-1 0,-1-3 0,-89 4 0,66-9 0,-94 17 0,166-21 0,-27 4 0,-223 42 0,59-12 0,4-3 0,19-4 0,44-1 0,-138 11 0,182-28 7,34-3-693,-54-1 0,85-6-6140</inkml:trace>
+</inkml:ink>
+</file>
+
+<file path=ppt/ink/ink35.xml><?xml version="1.0" encoding="utf-8"?>
+<inkml:ink xmlns:inkml="http://www.w3.org/2003/InkML">
+  <inkml:definitions>
+    <inkml:context xml:id="ctx0">
+      <inkml:inkSource xml:id="inkSrc0">
+        <inkml:traceFormat>
+          <inkml:channel name="X" type="integer" min="-2.14748E9" max="2.14748E9" units="cm"/>
+          <inkml:channel name="Y" type="integer" min="-2.14748E9" max="2.14748E9" units="cm"/>
+          <inkml:channel name="F" type="integer" max="32767" units="dev"/>
+        </inkml:traceFormat>
+        <inkml:channelProperties>
+          <inkml:channelProperty channel="X" name="resolution" value="1000" units="1/cm"/>
+          <inkml:channelProperty channel="Y" name="resolution" value="1000" units="1/cm"/>
+          <inkml:channelProperty channel="F" name="resolution" value="0" units="1/dev"/>
+        </inkml:channelProperties>
+      </inkml:inkSource>
+      <inkml:timestamp xml:id="ts0" timeString="2023-05-14T21:22:48.414"/>
+    </inkml:context>
+    <inkml:brush xml:id="br0">
+      <inkml:brushProperty name="width" value="0.05" units="cm"/>
+      <inkml:brushProperty name="height" value="0.05" units="cm"/>
+      <inkml:brushProperty name="color" value="#E71224"/>
+    </inkml:brush>
+  </inkml:definitions>
+  <inkml:trace contextRef="#ctx0" brushRef="#br0">797 70 24575,'-9'6'0,"0"-1"0,0 1 0,0-1 0,-1-1 0,0 0 0,0 0 0,0-1 0,-15 3 0,-4 2 0,-9 2 0,-1-1 0,0-3 0,-62 3 0,27-3 0,13-1 0,36-4 0,0 1 0,0 1 0,1 1 0,-44 14 0,50-11 0,-17 5 0,-46 24 0,81-36 0,-1 1 0,0-1 0,0 0 0,1 1 0,-1-1 0,0 1 0,0-1 0,1 1 0,-1-1 0,0 1 0,1-1 0,-1 1 0,1 0 0,-1-1 0,1 1 0,-1 0 0,1-1 0,-1 1 0,1 0 0,0 0 0,-1 0 0,1-1 0,0 1 0,0 0 0,0 0 0,-1 0 0,1-1 0,0 1 0,0 0 0,0 0 0,0 0 0,1 0 0,-1 1 0,1 0 0,1 1 0,-1-1 0,1 0 0,-1 0 0,1 0 0,0 0 0,0 0 0,0 0 0,0 0 0,0 0 0,3 1 0,66 34 0,-70-36 0,214 83 0,-44-18 0,44 4 0,-52-20 0,-162-50 0,1 1 0,-1 0 0,0 0 0,1-1 0,-1 1 0,1-1 0,-1 1 0,0-1 0,1 0 0,-1 1 0,1-1 0,-1 0 0,1 0 0,-1 0 0,1 0 0,-1 0 0,1-1 0,-1 1 0,1 0 0,-1-1 0,1 1 0,-1-1 0,0 1 0,1-1 0,-1 0 0,0 1 0,1-1 0,-1 0 0,0 0 0,0 0 0,2-1 0,-3-1 0,1 1 0,-1-1 0,0 1 0,1-1 0,-1 1 0,0-1 0,0 1 0,-1-1 0,1 1 0,0-1 0,-1 1 0,0 0 0,1-1 0,-1 1 0,0 0 0,0-1 0,-1 1 0,-1-3 0,-7-15 0,2 0 0,0 0 0,1-1 0,1 1 0,1-2 0,0 1 0,2 0 0,-1-38 0,-18-127 0,20 178 13,0 0 0,0 0-1,-1 0 1,0 0 0,-1 0-1,0 1 1,0-1 0,-6-7 0,-15-30-1493,18 26-5346</inkml:trace>
+</inkml:ink>
+</file>
+
+<file path=ppt/ink/ink36.xml><?xml version="1.0" encoding="utf-8"?>
+<inkml:ink xmlns:inkml="http://www.w3.org/2003/InkML">
+  <inkml:definitions>
+    <inkml:context xml:id="ctx0">
+      <inkml:inkSource xml:id="inkSrc0">
+        <inkml:traceFormat>
+          <inkml:channel name="X" type="integer" min="-2.14748E9" max="2.14748E9" units="cm"/>
+          <inkml:channel name="Y" type="integer" min="-2.14748E9" max="2.14748E9" units="cm"/>
+          <inkml:channel name="F" type="integer" max="32767" units="dev"/>
+        </inkml:traceFormat>
+        <inkml:channelProperties>
+          <inkml:channelProperty channel="X" name="resolution" value="1000" units="1/cm"/>
+          <inkml:channelProperty channel="Y" name="resolution" value="1000" units="1/cm"/>
+          <inkml:channelProperty channel="F" name="resolution" value="0" units="1/dev"/>
+        </inkml:channelProperties>
+      </inkml:inkSource>
+      <inkml:timestamp xml:id="ts0" timeString="2023-05-14T21:22:50.969"/>
+    </inkml:context>
+    <inkml:brush xml:id="br0">
+      <inkml:brushProperty name="width" value="0.05" units="cm"/>
+      <inkml:brushProperty name="height" value="0.05" units="cm"/>
+      <inkml:brushProperty name="color" value="#E71224"/>
+    </inkml:brush>
+  </inkml:definitions>
+  <inkml:trace contextRef="#ctx0" brushRef="#br0">0 26 24575,'166'-12'0,"6"0"0,47 10 0,161 5 0,-139 22 0,-171-12-1365,-50-8-5461</inkml:trace>
+</inkml:ink>
+</file>
+
+<file path=ppt/ink/ink37.xml><?xml version="1.0" encoding="utf-8"?>
+<inkml:ink xmlns:inkml="http://www.w3.org/2003/InkML">
+  <inkml:definitions>
+    <inkml:context xml:id="ctx0">
+      <inkml:inkSource xml:id="inkSrc0">
+        <inkml:traceFormat>
+          <inkml:channel name="X" type="integer" min="-2.14748E9" max="2.14748E9" units="cm"/>
+          <inkml:channel name="Y" type="integer" min="-2.14748E9" max="2.14748E9" units="cm"/>
+          <inkml:channel name="F" type="integer" max="32767" units="dev"/>
+        </inkml:traceFormat>
+        <inkml:channelProperties>
+          <inkml:channelProperty channel="X" name="resolution" value="1000" units="1/cm"/>
+          <inkml:channelProperty channel="Y" name="resolution" value="1000" units="1/cm"/>
+          <inkml:channelProperty channel="F" name="resolution" value="0" units="1/dev"/>
+        </inkml:channelProperties>
+      </inkml:inkSource>
+      <inkml:timestamp xml:id="ts0" timeString="2023-05-14T21:23:17.208"/>
+    </inkml:context>
+    <inkml:brush xml:id="br0">
+      <inkml:brushProperty name="width" value="0.05" units="cm"/>
+      <inkml:brushProperty name="height" value="0.05" units="cm"/>
+      <inkml:brushProperty name="color" value="#E71224"/>
+    </inkml:brush>
+  </inkml:definitions>
+  <inkml:trace contextRef="#ctx0" brushRef="#br0">1 1 24575</inkml:trace>
+</inkml:ink>
+</file>
+
+<file path=ppt/ink/ink38.xml><?xml version="1.0" encoding="utf-8"?>
+<inkml:ink xmlns:inkml="http://www.w3.org/2003/InkML">
+  <inkml:definitions>
+    <inkml:context xml:id="ctx0">
+      <inkml:inkSource xml:id="inkSrc0">
+        <inkml:traceFormat>
+          <inkml:channel name="X" type="integer" min="-2.14748E9" max="2.14748E9" units="cm"/>
+          <inkml:channel name="Y" type="integer" min="-2.14748E9" max="2.14748E9" units="cm"/>
+          <inkml:channel name="F" type="integer" max="32767" units="dev"/>
+        </inkml:traceFormat>
+        <inkml:channelProperties>
+          <inkml:channelProperty channel="X" name="resolution" value="1000" units="1/cm"/>
+          <inkml:channelProperty channel="Y" name="resolution" value="1000" units="1/cm"/>
+          <inkml:channelProperty channel="F" name="resolution" value="0" units="1/dev"/>
+        </inkml:channelProperties>
+      </inkml:inkSource>
+      <inkml:timestamp xml:id="ts0" timeString="2023-05-14T21:23:57.989"/>
+    </inkml:context>
+    <inkml:brush xml:id="br0">
+      <inkml:brushProperty name="width" value="0.05" units="cm"/>
+      <inkml:brushProperty name="height" value="0.05" units="cm"/>
+      <inkml:brushProperty name="color" value="#E71224"/>
+    </inkml:brush>
+  </inkml:definitions>
+  <inkml:trace contextRef="#ctx0" brushRef="#br0">887 42 24575,'-83'1'0,"-30"0"0,-137-17 0,93 8 0,114 8 0,1-1 0,-74-13 0,111 12 0,-1 1 0,1 1 0,0-1 0,-1 1 0,1 0 0,0 0 0,-1 0 0,1 1 0,-7 1 0,10-1 0,1-1 0,0 1 0,0 0 0,-1-1 0,1 1 0,0 0 0,0-1 0,0 1 0,0 0 0,0 0 0,0 0 0,0 0 0,0 0 0,0 0 0,1 0 0,-1 1 0,0-1 0,1 0 0,-1 0 0,1 1 0,-1-1 0,1 0 0,-1 1 0,1-1 0,0 0 0,0 1 0,0-1 0,0 0 0,0 1 0,0-1 0,0 0 0,0 1 0,0-1 0,1 0 0,-1 1 0,0-1 0,1 0 0,-1 1 0,1-1 0,0 0 0,1 2 0,2 6 0,1-1 0,0 0 0,0-1 0,1 1 0,0-1 0,14 13 0,-12-12 0,0 0 0,-1 1 0,1 0 0,9 16 0,-7-9 0,1-1 0,0-1 0,1 1 0,1-2 0,0 0 0,18 13 0,12 14 0,-20-17 0,-1 0 0,2-1 0,0 0 0,1-2 0,47 29 0,-5-3 0,-51-34 0,0 0 0,29 15 0,-34-21 0,0-2 0,0 1 0,1-2 0,-1 1 0,1-1 0,0-1 0,-1 0 0,1-1 0,16 0 0,-24-1 0,1-1 0,-1 1 0,1-1 0,-1 0 0,1 0 0,-1 0 0,1-1 0,-1 0 0,0 0 0,0 0 0,0 0 0,0 0 0,0-1 0,-1 0 0,1 1 0,-1-2 0,0 1 0,1 0 0,-1-1 0,-1 1 0,1-1 0,0 0 0,-1 0 0,0 0 0,0 0 0,3-8 0,-3 6 0,1 0 0,1 0 0,-1 0 0,1 0 0,0 1 0,0 0 0,6-7 0,-6 8 0,0 0 0,-1 0 0,1 0 0,-1 0 0,0-1 0,0 0 0,-1 1 0,1-1 0,-1 0 0,0 0 0,0 0 0,1-9 0,-1 3 0,-2 0 0,1 0 0,-1 0 0,0 0 0,-1 0 0,-1 1 0,0-1 0,-4-15 0,-1 8 0,0 0 0,-2 0 0,-18-30 0,3 6 0,16 27 0,0 0 0,-1 1 0,-1 0 0,-11-13 0,17 23 5,1-1 0,-1 0 0,1 0 0,1 0 0,-1 0 0,-2-7 0,-4-7-1405,2 6-5426</inkml:trace>
+</inkml:ink>
+</file>
+
+<file path=ppt/ink/ink39.xml><?xml version="1.0" encoding="utf-8"?>
+<inkml:ink xmlns:inkml="http://www.w3.org/2003/InkML">
+  <inkml:definitions>
+    <inkml:context xml:id="ctx0">
+      <inkml:inkSource xml:id="inkSrc0">
+        <inkml:traceFormat>
+          <inkml:channel name="X" type="integer" min="-2.14748E9" max="2.14748E9" units="cm"/>
+          <inkml:channel name="Y" type="integer" min="-2.14748E9" max="2.14748E9" units="cm"/>
+          <inkml:channel name="F" type="integer" max="32767" units="dev"/>
+        </inkml:traceFormat>
+        <inkml:channelProperties>
+          <inkml:channelProperty channel="X" name="resolution" value="1000" units="1/cm"/>
+          <inkml:channelProperty channel="Y" name="resolution" value="1000" units="1/cm"/>
+          <inkml:channelProperty channel="F" name="resolution" value="0" units="1/dev"/>
+        </inkml:channelProperties>
+      </inkml:inkSource>
+      <inkml:timestamp xml:id="ts0" timeString="2023-05-14T21:24:03.207"/>
+    </inkml:context>
+    <inkml:brush xml:id="br0">
+      <inkml:brushProperty name="width" value="0.05" units="cm"/>
+      <inkml:brushProperty name="height" value="0.05" units="cm"/>
+      <inkml:brushProperty name="color" value="#E71224"/>
+    </inkml:brush>
+  </inkml:definitions>
+  <inkml:trace contextRef="#ctx0" brushRef="#br0">1 74 24575,'295'25'0,"-196"-12"0,107-1 0,-4-1 0,-16 1 0,-67-6 0,223 44 0,-336-49 0,37 7 0,407 60 0,-432-67 0,0-1 0,1-1 0,-1 0 0,0-2 0,0 0 0,0-1 0,27-9 0,-15 6 0,0 2 0,0 1 0,46-1 0,28-3 0,-19-4 0,54-9 0,184-4 0,-249 22 0,98-18 0,-99 10 0,104-2 0,-136 13 0,7 1 0,1-2 0,73-12 0,252-49 0,-303 41 0,-58 16 0,1 0 0,0 2 0,0-1 0,0 1 0,22-1 0,13 3 0,289 5 0,-279 3 0,85 21 0,-95-16 0,1-2 0,93 5 0,-7-6 0,197 37 0,-260-33-88,-25-3-338,1-2 1,88 2-1,-117-10-6400</inkml:trace>
+</inkml:ink>
+</file>
+
 <file path=ppt/ink/ink4.xml><?xml version="1.0" encoding="utf-8"?>
 <inkml:ink xmlns:inkml="http://www.w3.org/2003/InkML">
   <inkml:definitions>
@@ -1651,6 +2820,286 @@
     </inkml:brush>
   </inkml:definitions>
   <inkml:trace contextRef="#ctx0" brushRef="#br0">0 1 24575,'25'2'0,"0"1"0,0 1 0,-1 1 0,38 13 0,12 2 0,310 56 0,-89-35 0,-74-14 0,-97-13 0,245-5 0,-249-11 0,-1 4 0,142 22 0,63 17 0,-163-23 0,-14-7 0,183-10 0,-147-4 0,-49 4 0,416-16 0,-416 9 0,29-3 0,-151 8 0,1-1 0,-1 0 0,0-1 0,0-1 0,0 0 0,0 0 0,-1-1 0,21-13 0,-30 17-49,-1-1 1,0 1-1,0-1 0,-1 0 0,1 0 0,0 1 0,0-1 1,-1 0-1,1 0 0,-1 0 0,0 0 0,0 0 0,0 0 1,1 1-1,-2-1 0,1 0 0,0 0 0,0 0 0,-1 0 1,1 0-1,-1 0 0,1 0 0,-1 1 0,0-1 0,-1-3 0,1 4-46,-14-36-6731</inkml:trace>
+</inkml:ink>
+</file>
+
+<file path=ppt/ink/ink40.xml><?xml version="1.0" encoding="utf-8"?>
+<inkml:ink xmlns:inkml="http://www.w3.org/2003/InkML">
+  <inkml:definitions>
+    <inkml:context xml:id="ctx0">
+      <inkml:inkSource xml:id="inkSrc0">
+        <inkml:traceFormat>
+          <inkml:channel name="X" type="integer" min="-2.14748E9" max="2.14748E9" units="cm"/>
+          <inkml:channel name="Y" type="integer" min="-2.14748E9" max="2.14748E9" units="cm"/>
+          <inkml:channel name="F" type="integer" max="32767" units="dev"/>
+        </inkml:traceFormat>
+        <inkml:channelProperties>
+          <inkml:channelProperty channel="X" name="resolution" value="1000" units="1/cm"/>
+          <inkml:channelProperty channel="Y" name="resolution" value="1000" units="1/cm"/>
+          <inkml:channelProperty channel="F" name="resolution" value="0" units="1/dev"/>
+        </inkml:channelProperties>
+      </inkml:inkSource>
+      <inkml:timestamp xml:id="ts0" timeString="2023-05-14T21:24:15.921"/>
+    </inkml:context>
+    <inkml:brush xml:id="br0">
+      <inkml:brushProperty name="width" value="0.05" units="cm"/>
+      <inkml:brushProperty name="height" value="0.05" units="cm"/>
+      <inkml:brushProperty name="color" value="#E71224"/>
+    </inkml:brush>
+  </inkml:definitions>
+  <inkml:trace contextRef="#ctx0" brushRef="#br0">315 673 24575,'1'-12'0,"0"1"0,0-1 0,1 1 0,1-1 0,0 1 0,1 0 0,8-18 0,46-76 0,-8 15 0,-2-56 0,-43 138 0,1 0 0,1 1 0,-1 0 0,1 0 0,1 1 0,-1 0 0,1 0 0,13-7 0,-1-1 0,7-2 0,1 2 0,0 0 0,1 2 0,0 1 0,39-9 0,-28 8 0,2 0 0,0 2 0,1 2 0,78-4 0,134 12 0,-109 3 0,-117-1 0,0 1 0,0 1 0,31 10 0,40 5 0,135 19 0,-66-9 0,174 11 0,-266-32 0,337 6 0,-40-3 0,-68 33 0,-149-17 0,-91-18 0,111 22 0,-140-24 0,0-1 0,0-2 0,1-1 0,-1-2 0,1-1 0,73-12 0,-61 3 0,0-3 0,-1-1 0,-1-3 0,74-35 0,-96 40 0,0 1 0,0 2 0,0 1 0,1 0 0,0 2 0,30-1 0,169 1 0,-185 5 0,31-1 0,73 4 0,-127-1 0,0 1 0,0 0 0,-1 1 0,1 1 0,-1 1 0,18 8 0,39 18 0,89 25 0,-27-11 0,-108-33 0,-1 2 0,-1 1 0,-1 1 0,0 1 0,44 42 0,-62-54 0,26 23 0,-1 2 0,-1 1 0,47 63 0,-68-80 0,-1 1 0,0 0 0,-1 1 0,-1-1 0,0 1 0,-1 1 0,-1-1 0,-1 1 0,0 0 0,-1 0 0,0 35 0,-3-23 0,1-6 0,-1 0 0,-7 41 0,6-57 0,-1 0 0,0-1 0,0 1 0,-1-1 0,0 1 0,-1-1 0,0 0 0,0-1 0,0 1 0,-1-1 0,0 1 0,-8 7 0,-46 40 0,40-39 0,1 0 0,0 1 0,2 1 0,0 1 0,0 1 0,2 0 0,1 1 0,-16 28 0,8 6 0,8-20 0,-1 0 0,-20 32 0,30-61 0,0 0 0,-1 0 0,1 0 0,-1-1 0,0 1 0,-1-1 0,1-1 0,-1 1 0,1-1 0,-11 5 0,7-4 0,1 1 0,-1 0 0,1 0 0,-10 9 0,-4 9 0,-34 46 0,7-8 0,42-56 0,1 0 0,-1 0 0,1-1 0,-1 0 0,-1-1 0,1 0 0,0 0 0,-1 0 0,0-1 0,1 0 0,-12 1 0,-21 8 0,-45 19 0,38-11 0,0-3 0,-2-1 0,0-3 0,-89 11 0,98-18 0,0 2 0,1 1 0,-41 15 0,1-1 0,69-20 0,-21 7 0,-1-2 0,1-1 0,-1-2 0,-33 1 0,28-4 0,-48 9 0,-27 1 0,-365-10 0,226-2 0,156-5 0,0-3 0,-99-24 0,164 28 0,-50-14 0,1-3 0,-81-35 0,-70-20 0,-16 28 0,127 37 0,-12-2 0,70 7 0,0 2 0,-1 2 0,-64 7 0,6-2 0,96-1 0,1 0 0,0 2 0,-1 0 0,1 2 0,-32 11 0,3-4 0,0-2 0,-71 5 0,102-12 0,-357 3 0,214-8 0,139 2 0,0 2 0,1 1 0,-1 1 0,1 1 0,0 1 0,-26 10 0,26-11 0,-1 0 0,0-1 0,0-2 0,-1 0 0,1-2 0,-34-4 0,-11 2 0,53 1 0,-1 0 0,1-1 0,0-1 0,0-1 0,1 0 0,-1-1 0,1-1 0,0-1 0,0 0 0,1-1 0,0 0 0,0-2 0,1 1 0,0-2 0,1 0 0,-16-16 0,-6-8 0,27 28 0,1 0 0,-1 0 0,1-1 0,0 0 0,1-1 0,0 1 0,0-1 0,-6-13 0,-10-27 0,14 34 0,0 1 0,2-1 0,0-1 0,1 1 0,0-1 0,1 0 0,1 0 0,-2-25 0,5-21 0,13-116 0,-7 148 0,0 1 0,1 0 0,2 1 0,1 0 0,2 0 0,14-26 0,-19 39 0,0 1 0,1 0 0,0 1 0,1 0 0,1 0 0,0 1 0,0 1 0,1-1 0,1 2 0,0-1 0,0 2 0,17-11 0,-24 17 9,1-1-1,-1 0 1,0-1-1,0 1 1,-1-1 0,1 0-1,-1 0 1,0 0-1,-1-1 1,1 1-1,-1-1 1,0 0-1,3-10 1,-1 3-257,-1-1 1,-1 1-1,0-1 1,-1 0-1,0-20 1,-1 14-6579</inkml:trace>
+</inkml:ink>
+</file>
+
+<file path=ppt/ink/ink41.xml><?xml version="1.0" encoding="utf-8"?>
+<inkml:ink xmlns:inkml="http://www.w3.org/2003/InkML">
+  <inkml:definitions>
+    <inkml:context xml:id="ctx0">
+      <inkml:inkSource xml:id="inkSrc0">
+        <inkml:traceFormat>
+          <inkml:channel name="X" type="integer" min="-2.14748E9" max="2.14748E9" units="cm"/>
+          <inkml:channel name="Y" type="integer" min="-2.14748E9" max="2.14748E9" units="cm"/>
+          <inkml:channel name="F" type="integer" max="32767" units="dev"/>
+        </inkml:traceFormat>
+        <inkml:channelProperties>
+          <inkml:channelProperty channel="X" name="resolution" value="1000" units="1/cm"/>
+          <inkml:channelProperty channel="Y" name="resolution" value="1000" units="1/cm"/>
+          <inkml:channelProperty channel="F" name="resolution" value="0" units="1/dev"/>
+        </inkml:channelProperties>
+      </inkml:inkSource>
+      <inkml:timestamp xml:id="ts0" timeString="2023-05-14T21:24:18.298"/>
+    </inkml:context>
+    <inkml:brush xml:id="br0">
+      <inkml:brushProperty name="width" value="0.05" units="cm"/>
+      <inkml:brushProperty name="height" value="0.05" units="cm"/>
+      <inkml:brushProperty name="color" value="#E71224"/>
+    </inkml:brush>
+  </inkml:definitions>
+  <inkml:trace contextRef="#ctx0" brushRef="#br0">0 48 24575,'2277'0'0,"-2276"0"-16,55-5 154,-32-4-347,-23 8 170,-1 1 1,1-1-1,-1 1 0,0-1 0,1 1 1,-1-1-1,0 1 0,1-1 0,-1 1 1,0-1-1,0 1 0,1-1 1,-1 0-1,0 1 0,0-1 0,0 1 1,0-1-1,0 0 0,0 1 0,0-1 1,0 1-1,0-1 0,0 0 1,0 1-1,0-1 0,-1 1 0,1-1 1,0 0-1,0 1 0,0-1 0,-1 1 1,0-2-1,-10-11-6787</inkml:trace>
+</inkml:ink>
+</file>
+
+<file path=ppt/ink/ink42.xml><?xml version="1.0" encoding="utf-8"?>
+<inkml:ink xmlns:inkml="http://www.w3.org/2003/InkML">
+  <inkml:definitions>
+    <inkml:context xml:id="ctx0">
+      <inkml:inkSource xml:id="inkSrc0">
+        <inkml:traceFormat>
+          <inkml:channel name="X" type="integer" min="-2.14748E9" max="2.14748E9" units="cm"/>
+          <inkml:channel name="Y" type="integer" min="-2.14748E9" max="2.14748E9" units="cm"/>
+          <inkml:channel name="F" type="integer" max="32767" units="dev"/>
+        </inkml:traceFormat>
+        <inkml:channelProperties>
+          <inkml:channelProperty channel="X" name="resolution" value="1000" units="1/cm"/>
+          <inkml:channelProperty channel="Y" name="resolution" value="1000" units="1/cm"/>
+          <inkml:channelProperty channel="F" name="resolution" value="0" units="1/dev"/>
+        </inkml:channelProperties>
+      </inkml:inkSource>
+      <inkml:timestamp xml:id="ts0" timeString="2023-05-14T21:24:20.723"/>
+    </inkml:context>
+    <inkml:brush xml:id="br0">
+      <inkml:brushProperty name="width" value="0.05" units="cm"/>
+      <inkml:brushProperty name="height" value="0.05" units="cm"/>
+      <inkml:brushProperty name="color" value="#E71224"/>
+    </inkml:brush>
+  </inkml:definitions>
+  <inkml:trace contextRef="#ctx0" brushRef="#br0">422 244 24575,'-12'-2'0,"0"-1"0,0 0 0,1 0 0,-1-2 0,1 1 0,0-2 0,0 1 0,-13-10 0,7 6 0,-68-47 0,63 39 0,-1 2 0,-50-25 0,63 35-227,0 0-1,0-1 1,1 0-1,-1 0 1,-14-14-1,11 7-6598</inkml:trace>
+</inkml:ink>
+</file>
+
+<file path=ppt/ink/ink43.xml><?xml version="1.0" encoding="utf-8"?>
+<inkml:ink xmlns:inkml="http://www.w3.org/2003/InkML">
+  <inkml:definitions>
+    <inkml:context xml:id="ctx0">
+      <inkml:inkSource xml:id="inkSrc0">
+        <inkml:traceFormat>
+          <inkml:channel name="X" type="integer" min="-2.14748E9" max="2.14748E9" units="cm"/>
+          <inkml:channel name="Y" type="integer" min="-2.14748E9" max="2.14748E9" units="cm"/>
+          <inkml:channel name="F" type="integer" max="32767" units="dev"/>
+        </inkml:traceFormat>
+        <inkml:channelProperties>
+          <inkml:channelProperty channel="X" name="resolution" value="1000" units="1/cm"/>
+          <inkml:channelProperty channel="Y" name="resolution" value="1000" units="1/cm"/>
+          <inkml:channelProperty channel="F" name="resolution" value="0" units="1/dev"/>
+        </inkml:channelProperties>
+      </inkml:inkSource>
+      <inkml:timestamp xml:id="ts0" timeString="2023-05-14T21:24:22.316"/>
+    </inkml:context>
+    <inkml:brush xml:id="br0">
+      <inkml:brushProperty name="width" value="0.05" units="cm"/>
+      <inkml:brushProperty name="height" value="0.05" units="cm"/>
+      <inkml:brushProperty name="color" value="#E71224"/>
+    </inkml:brush>
+  </inkml:definitions>
+  <inkml:trace contextRef="#ctx0" brushRef="#br0">373 1 24575,'-2'3'0,"1"1"0,-1 0 0,0-1 0,0 1 0,0-1 0,-1 1 0,1-1 0,-1 0 0,0 0 0,0 0 0,0 0 0,0-1 0,0 1 0,0-1 0,-1 0 0,-5 3 0,-10 9 0,9-5 0,-25 21 0,2 1 0,-39 48 0,61-66 0,0 0 0,-1-1 0,0 0 0,-1-1 0,-1 0 0,0-1 0,-23 13 0,21-19-1365,3-4-5461</inkml:trace>
+</inkml:ink>
+</file>
+
+<file path=ppt/ink/ink44.xml><?xml version="1.0" encoding="utf-8"?>
+<inkml:ink xmlns:inkml="http://www.w3.org/2003/InkML">
+  <inkml:definitions>
+    <inkml:context xml:id="ctx0">
+      <inkml:inkSource xml:id="inkSrc0">
+        <inkml:traceFormat>
+          <inkml:channel name="X" type="integer" min="-2.14748E9" max="2.14748E9" units="cm"/>
+          <inkml:channel name="Y" type="integer" min="-2.14748E9" max="2.14748E9" units="cm"/>
+          <inkml:channel name="F" type="integer" max="32767" units="dev"/>
+        </inkml:traceFormat>
+        <inkml:channelProperties>
+          <inkml:channelProperty channel="X" name="resolution" value="1000" units="1/cm"/>
+          <inkml:channelProperty channel="Y" name="resolution" value="1000" units="1/cm"/>
+          <inkml:channelProperty channel="F" name="resolution" value="0" units="1/dev"/>
+        </inkml:channelProperties>
+      </inkml:inkSource>
+      <inkml:timestamp xml:id="ts0" timeString="2023-05-14T21:26:43.254"/>
+    </inkml:context>
+    <inkml:brush xml:id="br0">
+      <inkml:brushProperty name="width" value="0.05" units="cm"/>
+      <inkml:brushProperty name="height" value="0.05" units="cm"/>
+      <inkml:brushProperty name="color" value="#E71224"/>
+    </inkml:brush>
+  </inkml:definitions>
+  <inkml:trace contextRef="#ctx0" brushRef="#br0">1635 169 24575,'21'22'0,"0"1"0,-2 0 0,-1 2 0,-1 0 0,-1 0 0,23 52 0,-17-23 0,-3 1 0,21 92 0,-8-28 0,8 39 0,-36-135 0,-1 1 0,-1-1 0,-1 1 0,-3 42 0,2-64 0,-1 1 0,0-1 0,0 1 0,0 0 0,0-1 0,0 0 0,0 1 0,-1-1 0,1 0 0,-1 0 0,1 1 0,-1-1 0,0 0 0,0-1 0,0 1 0,0 0 0,0-1 0,-1 1 0,1-1 0,0 1 0,-1-1 0,1 0 0,-1 0 0,1 0 0,-1-1 0,0 1 0,1 0 0,-1-1 0,-5 0 0,-11 2 0,0-1 0,0-1 0,-25-3 0,14 1 0,-559-1 0,386 3 0,186 0 0,-1-2 0,1 0 0,0-1 0,-1-1 0,2-1 0,-19-7 0,-99-48 0,68 28 0,-207-105 0,243 122 0,0-1 0,2-2 0,0 0 0,1-2 0,-35-34 0,36 28 0,8 11 0,2-2 0,0 0 0,0-1 0,-18-30 0,31 44 0,0-1 0,1 0 0,0 1 0,0-1 0,0 0 0,0 0 0,1 0 0,0-1 0,0 1 0,0 0 0,1 0 0,0-1 0,0 1 0,0 0 0,0-1 0,1 1 0,0 0 0,0 0 0,0 0 0,1 0 0,0 0 0,0 0 0,0 0 0,1 0 0,4-6 0,-2 2 0,-1 1 0,1-1 0,-2 0 0,5-12 0,-8 16 0,2 1 0,-1-1 0,1 0 0,0 0 0,0 1 0,0-1 0,0 1 0,1 0 0,0 0 0,-1 0 0,2 0 0,-1 0 0,0 0 0,1 1 0,0 0 0,0-1 0,0 2 0,6-5 0,370-144 0,-301 119 0,1 3 0,1 3 0,1 4 0,1 4 0,1 3 0,0 4 0,90 0 0,23 16 0,-169-2 0,0 1 0,0 1 0,0 2 0,50 18 0,-41-11-227,-1 2-1,0 1 1,-1 2-1,-2 1 1,48 36-1,-69-45-6598</inkml:trace>
+</inkml:ink>
+</file>
+
+<file path=ppt/ink/ink45.xml><?xml version="1.0" encoding="utf-8"?>
+<inkml:ink xmlns:inkml="http://www.w3.org/2003/InkML">
+  <inkml:definitions>
+    <inkml:context xml:id="ctx0">
+      <inkml:inkSource xml:id="inkSrc0">
+        <inkml:traceFormat>
+          <inkml:channel name="X" type="integer" min="-2.14748E9" max="2.14748E9" units="cm"/>
+          <inkml:channel name="Y" type="integer" min="-2.14748E9" max="2.14748E9" units="cm"/>
+          <inkml:channel name="F" type="integer" max="32767" units="dev"/>
+        </inkml:traceFormat>
+        <inkml:channelProperties>
+          <inkml:channelProperty channel="X" name="resolution" value="1000" units="1/cm"/>
+          <inkml:channelProperty channel="Y" name="resolution" value="1000" units="1/cm"/>
+          <inkml:channelProperty channel="F" name="resolution" value="0" units="1/dev"/>
+        </inkml:channelProperties>
+      </inkml:inkSource>
+      <inkml:timestamp xml:id="ts0" timeString="2023-05-14T21:26:47.283"/>
+    </inkml:context>
+    <inkml:brush xml:id="br0">
+      <inkml:brushProperty name="width" value="0.05" units="cm"/>
+      <inkml:brushProperty name="height" value="0.05" units="cm"/>
+      <inkml:brushProperty name="color" value="#E71224"/>
+    </inkml:brush>
+  </inkml:definitions>
+  <inkml:trace contextRef="#ctx0" brushRef="#br0">0 94 24575,'34'-2'0,"-1"-2"0,0-1 0,62-18 0,33-6 0,-23 19 0,202 9 0,-139 4 0,-69-3 0,73-2 0,284 35 0,-144 13 0,-244-37 0,0-2 0,-1-3 0,2-3 0,-1-4 0,75-11 0,95 0 0,-85 8 0,283-27 0,177 26 0,-351 9 0,-257-2-3,0 0 0,0-1 0,1 0 0,-1 0 0,0-1 0,-1 1 0,1-1 0,0 0 0,0 0 0,-1-1 0,1 1 0,6-6 0,13-7-1323,-14 10-5500</inkml:trace>
+</inkml:ink>
+</file>
+
+<file path=ppt/ink/ink46.xml><?xml version="1.0" encoding="utf-8"?>
+<inkml:ink xmlns:inkml="http://www.w3.org/2003/InkML">
+  <inkml:definitions>
+    <inkml:context xml:id="ctx0">
+      <inkml:inkSource xml:id="inkSrc0">
+        <inkml:traceFormat>
+          <inkml:channel name="X" type="integer" min="-2.14748E9" max="2.14748E9" units="cm"/>
+          <inkml:channel name="Y" type="integer" min="-2.14748E9" max="2.14748E9" units="cm"/>
+          <inkml:channel name="F" type="integer" max="32767" units="dev"/>
+        </inkml:traceFormat>
+        <inkml:channelProperties>
+          <inkml:channelProperty channel="X" name="resolution" value="1000" units="1/cm"/>
+          <inkml:channelProperty channel="Y" name="resolution" value="1000" units="1/cm"/>
+          <inkml:channelProperty channel="F" name="resolution" value="0" units="1/dev"/>
+        </inkml:channelProperties>
+      </inkml:inkSource>
+      <inkml:timestamp xml:id="ts0" timeString="2023-05-14T21:26:54.523"/>
+    </inkml:context>
+    <inkml:brush xml:id="br0">
+      <inkml:brushProperty name="width" value="0.05" units="cm"/>
+      <inkml:brushProperty name="height" value="0.05" units="cm"/>
+      <inkml:brushProperty name="color" value="#E71224"/>
+    </inkml:brush>
+  </inkml:definitions>
+  <inkml:trace contextRef="#ctx0" brushRef="#br0">232 794 24575,'1'-15'0,"1"0"0,0 0 0,5-17 0,4-35 0,5-46 0,-6 57 0,-8 47 0,1-1 0,0 1 0,0 0 0,1 0 0,0 0 0,1 1 0,11-17 0,45-50 0,5 21 0,-59 49 0,0 0 0,1 1 0,-1 0 0,1 0 0,0 1 0,0 0 0,1 1 0,9-3 0,71-6 0,452 9 0,-265 5 0,-242-1 0,1 1 0,0 3 0,-1 0 0,65 22 0,-39-10 0,6 0 0,0-3 0,116 10 0,-156-22 0,-1 2 0,39 11 0,-43-10 0,1 0 0,1-2 0,-1 0 0,26 0 0,382-6 0,-411 1 0,0-1 0,0-1 0,-1-1 0,32-10 0,-30 7 0,0 2 0,0 0 0,33-2 0,-7 3 0,0-2 0,52-13 0,220-87 0,-112 32 0,-112 42 0,-28 9 0,99-22 0,-86 33 0,-1 3 0,123 3 0,-115 5 0,-20 0 0,0 3 0,93 13 0,147 57 0,-156-34 0,73 22 0,-203-53 0,0 1 0,28 14 0,11 5 0,-1-2 0,-35-15 0,1 0 0,28 8 0,-3-3 0,-1 3 0,-1 2 0,84 48 0,-126-64 0,0 0 0,0 0 0,0 1 0,0-1 0,-1 1 0,0 0 0,0 0 0,0 0 0,-1 1 0,1-1 0,-1 1 0,-1 0 0,1 0 0,-1 0 0,0 0 0,0 0 0,-1 1 0,1-1 0,-2 1 0,1-1 0,-1 11 0,0 4 0,0-1 0,-2 0 0,-1 0 0,0 1 0,-11 33 0,12-48 0,-1-1 0,1 1 0,-1-1 0,0 0 0,-1 0 0,1 0 0,-1-1 0,0 1 0,0-1 0,0 0 0,-1 0 0,0 0 0,1-1 0,-1 1 0,0-1 0,-1-1 0,1 1 0,-1-1 0,1 1 0,-1-2 0,1 1 0,-1 0 0,-6 0 0,-17 2 0,1-1 0,-1-1 0,-43-2 0,42-1 0,-34 1 0,0 2 0,0 2 0,-88 19 0,73-7 0,-96 7 0,66-11 0,-94 3 0,-1147-16 0,1252-3 0,-98-18 0,-32-2 0,-199-24 0,400 44 0,-137-10 0,-261 8 0,237 9 0,108 0 0,-1 3 0,1 5 0,-151 38 0,63-17 0,-17 4 0,143-25 0,-1-2 0,0-3 0,-63 3 0,-136-11 0,89-1 0,121 3 40,0-2 0,-43-7 0,64 7-175,1 0 0,-1-1 0,1 0 0,-1-1 0,1 0 0,0 0 0,1-1 0,-1-1 0,1 1 0,-15-13 0,14 7-6691</inkml:trace>
+</inkml:ink>
+</file>
+
+<file path=ppt/ink/ink47.xml><?xml version="1.0" encoding="utf-8"?>
+<inkml:ink xmlns:inkml="http://www.w3.org/2003/InkML">
+  <inkml:definitions>
+    <inkml:context xml:id="ctx0">
+      <inkml:inkSource xml:id="inkSrc0">
+        <inkml:traceFormat>
+          <inkml:channel name="X" type="integer" min="-2.14748E9" max="2.14748E9" units="cm"/>
+          <inkml:channel name="Y" type="integer" min="-2.14748E9" max="2.14748E9" units="cm"/>
+          <inkml:channel name="F" type="integer" max="32767" units="dev"/>
+        </inkml:traceFormat>
+        <inkml:channelProperties>
+          <inkml:channelProperty channel="X" name="resolution" value="1000" units="1/cm"/>
+          <inkml:channelProperty channel="Y" name="resolution" value="1000" units="1/cm"/>
+          <inkml:channelProperty channel="F" name="resolution" value="0" units="1/dev"/>
+        </inkml:channelProperties>
+      </inkml:inkSource>
+      <inkml:timestamp xml:id="ts0" timeString="2023-05-14T21:26:58.229"/>
+    </inkml:context>
+    <inkml:brush xml:id="br0">
+      <inkml:brushProperty name="width" value="0.05" units="cm"/>
+      <inkml:brushProperty name="height" value="0.05" units="cm"/>
+      <inkml:brushProperty name="color" value="#E71224"/>
+    </inkml:brush>
+  </inkml:definitions>
+  <inkml:trace contextRef="#ctx0" brushRef="#br0">1 1 24575,'6'1'0,"1"1"0,0-1 0,-1 1 0,0 1 0,1-1 0,-1 1 0,0 0 0,-1 1 0,9 5 0,12 7 0,23 10 0,-2 3 0,-2 1 0,64 56 0,3 27 0,-77-74 0,56 48 0,-55-55 0,-3 2 0,47 59 0,-43-48 0,46 43 0,-1-9 0,110 137 0,-5 35 0,-123-164 0,-4 3 0,94 189 0,-117-205 0,70 157 0,-85-179 0,23 65 0,15 32 0,-30-77 0,40 140 0,-15-34 0,-49-163 0,11 29 0,-3 1 0,17 82 0,-29-119 0,0-1 0,0 0 0,1 1 0,0-1 0,0 0 0,1 0 0,4 6 0,-4-6 0,-1-1 0,1 0 0,-1 1 0,0 0 0,3 13 0,4 21 0,-7-34-97,0 1-1,0 0 1,1-1-1,0 0 1,0 0-1,1 0 1,0-1-1,0 1 1,0-1-1,1 0 1,0-1-1,0 1 0,8 4 1,-6-3-6729</inkml:trace>
+</inkml:ink>
+</file>
+
+<file path=ppt/ink/ink48.xml><?xml version="1.0" encoding="utf-8"?>
+<inkml:ink xmlns:inkml="http://www.w3.org/2003/InkML">
+  <inkml:definitions>
+    <inkml:context xml:id="ctx0">
+      <inkml:inkSource xml:id="inkSrc0">
+        <inkml:traceFormat>
+          <inkml:channel name="X" type="integer" min="-2.14748E9" max="2.14748E9" units="cm"/>
+          <inkml:channel name="Y" type="integer" min="-2.14748E9" max="2.14748E9" units="cm"/>
+          <inkml:channel name="F" type="integer" max="32767" units="dev"/>
+        </inkml:traceFormat>
+        <inkml:channelProperties>
+          <inkml:channelProperty channel="X" name="resolution" value="1000" units="1/cm"/>
+          <inkml:channelProperty channel="Y" name="resolution" value="1000" units="1/cm"/>
+          <inkml:channelProperty channel="F" name="resolution" value="0" units="1/dev"/>
+        </inkml:channelProperties>
+      </inkml:inkSource>
+      <inkml:timestamp xml:id="ts0" timeString="2023-05-14T21:27:10.142"/>
+    </inkml:context>
+    <inkml:brush xml:id="br0">
+      <inkml:brushProperty name="width" value="0.05" units="cm"/>
+      <inkml:brushProperty name="height" value="0.05" units="cm"/>
+      <inkml:brushProperty name="color" value="#E71224"/>
+    </inkml:brush>
+  </inkml:definitions>
+  <inkml:trace contextRef="#ctx0" brushRef="#br0">144 56 24575,'99'-2'0,"110"4"0,-190 1 0,0 1 0,0 1 0,0 1 0,-1 1 0,0 0 0,0 1 0,18 11 0,41 18 0,-59-30 0,-1 1 0,0 0 0,0 2 0,-1 0 0,0 0 0,-1 2 0,0 0 0,-1 0 0,-1 2 0,23 27 0,-22-23 0,8 9 0,-2 2 0,28 49 0,-45-71 0,0-1 0,-1 1 0,0 0 0,0 0 0,0 0 0,-1 0 0,0 0 0,-1 0 0,0 0 0,-1 14 0,1-18 0,-1 1 0,1-1 0,-1 1 0,0-1 0,0 0 0,0 0 0,-1 0 0,1 1 0,-1-1 0,0 0 0,0-1 0,0 1 0,0 0 0,0-1 0,-1 1 0,1-1 0,-1 1 0,1-1 0,-1 0 0,0 0 0,0-1 0,0 1 0,0 0 0,-4 0 0,-113 35 0,-154 26 0,246-57 0,8-2 0,-1 0 0,1-2 0,0 0 0,-41-2 0,50-2 0,0 0 0,0 0 0,0-1 0,0 0 0,1-1 0,-1 0 0,1-1 0,0 0 0,0-1 0,-15-11 0,1-3 0,0-1 0,1-1 0,1-1 0,1-1 0,1-1 0,-31-51 0,42 59 0,2 0 0,0-1 0,-5-18 0,-12-32 0,21 63 0,1-1 0,0 1 0,0-1 0,0 0 0,0 0 0,1 0 0,0 0 0,0 0 0,1 0 0,0 0 0,0 0 0,0 0 0,1 0 0,0 0 0,0 0 0,0 0 0,1 0 0,0 0 0,0 1 0,0-1 0,1 0 0,0 1 0,0 0 0,0 0 0,0 0 0,1 0 0,0 0 0,0 1 0,1 0 0,-1 0 0,1 0 0,0 0 0,0 1 0,0-1 0,7-2 0,0-2-9,0 0-1,0-1 0,-1 0 1,0-1-1,14-17 0,1 1-1297,-14 13-5519</inkml:trace>
+</inkml:ink>
+</file>
+
+<file path=ppt/ink/ink49.xml><?xml version="1.0" encoding="utf-8"?>
+<inkml:ink xmlns:inkml="http://www.w3.org/2003/InkML">
+  <inkml:definitions>
+    <inkml:context xml:id="ctx0">
+      <inkml:inkSource xml:id="inkSrc0">
+        <inkml:traceFormat>
+          <inkml:channel name="X" type="integer" min="-2.14748E9" max="2.14748E9" units="cm"/>
+          <inkml:channel name="Y" type="integer" min="-2.14748E9" max="2.14748E9" units="cm"/>
+          <inkml:channel name="F" type="integer" max="32767" units="dev"/>
+        </inkml:traceFormat>
+        <inkml:channelProperties>
+          <inkml:channelProperty channel="X" name="resolution" value="1000" units="1/cm"/>
+          <inkml:channelProperty channel="Y" name="resolution" value="1000" units="1/cm"/>
+          <inkml:channelProperty channel="F" name="resolution" value="0" units="1/dev"/>
+        </inkml:channelProperties>
+      </inkml:inkSource>
+      <inkml:timestamp xml:id="ts0" timeString="2023-05-14T21:27:13.213"/>
+    </inkml:context>
+    <inkml:brush xml:id="br0">
+      <inkml:brushProperty name="width" value="0.05" units="cm"/>
+      <inkml:brushProperty name="height" value="0.05" units="cm"/>
+      <inkml:brushProperty name="color" value="#E71224"/>
+    </inkml:brush>
+  </inkml:definitions>
+  <inkml:trace contextRef="#ctx0" brushRef="#br0">1 96 24575,'188'-13'0,"-93"4"0,143-27 0,-157 21 0,119-7 0,501 22 0,-306 33 0,-193-12 0,57 6 0,218 14 0,-160-9 0,-69-4 0,-224-28 0,0-1 0,-1-1 0,0-1 0,1-1 0,22-7 0,-22 5 0,0 1 0,1 1 0,0 1 0,28 0 0,3 7 0,81 18 0,-86-13 0,1-1 0,56 1 0,246 9 0,-56-12-109,-205-7-1147,-73 1-5570</inkml:trace>
 </inkml:ink>
 </file>
 
@@ -1682,6 +3131,286 @@
 </inkml:ink>
 </file>
 
+<file path=ppt/ink/ink50.xml><?xml version="1.0" encoding="utf-8"?>
+<inkml:ink xmlns:inkml="http://www.w3.org/2003/InkML">
+  <inkml:definitions>
+    <inkml:context xml:id="ctx0">
+      <inkml:inkSource xml:id="inkSrc0">
+        <inkml:traceFormat>
+          <inkml:channel name="X" type="integer" min="-2.14748E9" max="2.14748E9" units="cm"/>
+          <inkml:channel name="Y" type="integer" min="-2.14748E9" max="2.14748E9" units="cm"/>
+          <inkml:channel name="F" type="integer" max="32767" units="dev"/>
+        </inkml:traceFormat>
+        <inkml:channelProperties>
+          <inkml:channelProperty channel="X" name="resolution" value="1000" units="1/cm"/>
+          <inkml:channelProperty channel="Y" name="resolution" value="1000" units="1/cm"/>
+          <inkml:channelProperty channel="F" name="resolution" value="0" units="1/dev"/>
+        </inkml:channelProperties>
+      </inkml:inkSource>
+      <inkml:timestamp xml:id="ts0" timeString="2023-05-14T21:28:01.262"/>
+    </inkml:context>
+    <inkml:brush xml:id="br0">
+      <inkml:brushProperty name="width" value="0.05" units="cm"/>
+      <inkml:brushProperty name="height" value="0.05" units="cm"/>
+      <inkml:brushProperty name="color" value="#E71224"/>
+    </inkml:brush>
+  </inkml:definitions>
+  <inkml:trace contextRef="#ctx0" brushRef="#br0">1 481 24575,'16'0'0,"58"1"0,1-4 0,88-14 0,158-12 0,-4 1 0,-235 11 0,-44 8 0,2 2 0,41-3 0,309 9 0,-231 5 0,0-7 0,170-25 0,-303 24 0,-1-1 0,27-9 0,-43 10 0,0 1 0,-1-1 0,1-1 0,-1 1 0,0-1 0,0-1 0,-1 1 0,0-1 0,7-8 0,-9 10 0,1-1 0,-1 1 0,1 0 0,-1 0 0,1 1 0,0-1 0,1 1 0,-1 1 0,11-4 0,66-12 0,-7 2 0,4-7 0,0 4 0,2 3 0,0 3 0,1 4 0,97 2 0,-134 5 0,0-2 0,69-14 0,12-2 0,14-3 0,-86 13 0,93-7 0,209 17 0,-162 1 0,-137 2 0,61 10 0,-51-4 0,-26-2 0,0 2 0,-1 2 0,48 20 0,-48-16 0,0-2 0,0-2 0,47 7 0,-65-14 0,0 2 0,1 0 0,37 16 0,-43-14 0,1-1 0,0-1 0,0-1 0,0 0 0,1-2 0,27 3 0,-36-6-120,-7 1 55,-1-1-1,0 0 1,1 1-1,-1-1 1,0 0-1,1 0 0,-1-1 1,0 1-1,1-1 1,-1 0-1,0 0 1,0 0-1,0 0 1,1 0-1,-1-1 1,0 1-1,-1-1 1,6-4-1,-3-4-6760</inkml:trace>
+</inkml:ink>
+</file>
+
+<file path=ppt/ink/ink51.xml><?xml version="1.0" encoding="utf-8"?>
+<inkml:ink xmlns:inkml="http://www.w3.org/2003/InkML">
+  <inkml:definitions>
+    <inkml:context xml:id="ctx0">
+      <inkml:inkSource xml:id="inkSrc0">
+        <inkml:traceFormat>
+          <inkml:channel name="X" type="integer" min="-2.14748E9" max="2.14748E9" units="cm"/>
+          <inkml:channel name="Y" type="integer" min="-2.14748E9" max="2.14748E9" units="cm"/>
+          <inkml:channel name="F" type="integer" max="32767" units="dev"/>
+        </inkml:traceFormat>
+        <inkml:channelProperties>
+          <inkml:channelProperty channel="X" name="resolution" value="1000" units="1/cm"/>
+          <inkml:channelProperty channel="Y" name="resolution" value="1000" units="1/cm"/>
+          <inkml:channelProperty channel="F" name="resolution" value="0" units="1/dev"/>
+        </inkml:channelProperties>
+      </inkml:inkSource>
+      <inkml:timestamp xml:id="ts0" timeString="2023-05-14T21:28:56.034"/>
+    </inkml:context>
+    <inkml:brush xml:id="br0">
+      <inkml:brushProperty name="width" value="0.05" units="cm"/>
+      <inkml:brushProperty name="height" value="0.05" units="cm"/>
+      <inkml:brushProperty name="color" value="#E71224"/>
+    </inkml:brush>
+  </inkml:definitions>
+  <inkml:trace contextRef="#ctx0" brushRef="#br0">0 1 24575</inkml:trace>
+</inkml:ink>
+</file>
+
+<file path=ppt/ink/ink52.xml><?xml version="1.0" encoding="utf-8"?>
+<inkml:ink xmlns:inkml="http://www.w3.org/2003/InkML">
+  <inkml:definitions>
+    <inkml:context xml:id="ctx0">
+      <inkml:inkSource xml:id="inkSrc0">
+        <inkml:traceFormat>
+          <inkml:channel name="X" type="integer" min="-2.14748E9" max="2.14748E9" units="cm"/>
+          <inkml:channel name="Y" type="integer" min="-2.14748E9" max="2.14748E9" units="cm"/>
+          <inkml:channel name="F" type="integer" max="32767" units="dev"/>
+        </inkml:traceFormat>
+        <inkml:channelProperties>
+          <inkml:channelProperty channel="X" name="resolution" value="1000" units="1/cm"/>
+          <inkml:channelProperty channel="Y" name="resolution" value="1000" units="1/cm"/>
+          <inkml:channelProperty channel="F" name="resolution" value="0" units="1/dev"/>
+        </inkml:channelProperties>
+      </inkml:inkSource>
+      <inkml:timestamp xml:id="ts0" timeString="2023-05-14T21:29:00.061"/>
+    </inkml:context>
+    <inkml:brush xml:id="br0">
+      <inkml:brushProperty name="width" value="0.05" units="cm"/>
+      <inkml:brushProperty name="height" value="0.05" units="cm"/>
+      <inkml:brushProperty name="color" value="#E71224"/>
+    </inkml:brush>
+  </inkml:definitions>
+  <inkml:trace contextRef="#ctx0" brushRef="#br0">845 170 24575,'-766'0'0,"762"0"0,0 0 0,1 0 0,-1 0 0,0 1 0,1-1 0,-1 1 0,0 0 0,1 0 0,-1 0 0,1 1 0,0-1 0,-1 1 0,1 0 0,0-1 0,0 1 0,-5 5 0,6-4 0,0-1 0,1 0 0,-1 1 0,1 0 0,0-1 0,0 1 0,0 0 0,0 0 0,0 0 0,1 0 0,-1-1 0,1 1 0,0 0 0,-1 0 0,1 0 0,1 0 0,-1 0 0,0 0 0,1 0 0,0 0 0,1 5 0,5 12 0,1 0 0,0-1 0,2 0 0,0 0 0,1-1 0,1 0 0,0-1 0,1 0 0,19 17 0,2 0 0,2-2 0,1-2 0,41 26 0,-22-22 0,115 48 0,-127-62 0,-3-4 0,85 20 0,-30-10 0,-82-22 0,0-1 0,0-1 0,0 0 0,1-1 0,-1 0 0,0-1 0,1-1 0,-1 0 0,0-1 0,1 0 0,22-8 0,-8 0 0,-1-1 0,0-1 0,-1-2 0,39-26 0,-62 38 0,-1-1 0,0-1 0,0 1 0,0 0 0,0-1 0,0 1 0,-1-1 0,0 0 0,0 0 0,0 0 0,0 0 0,0 0 0,-1 0 0,0 0 0,0-1 0,0 1 0,0 0 0,-1-6 0,2-14 0,-2 1 0,-3-31 0,1 14 0,1-15 0,1 4 0,-7-53 0,5 88 0,-1 1 0,0-1 0,-1 1 0,-1 0 0,0 1 0,-1-1 0,-15-24 0,16 31 0,-1 0 0,-1 0 0,0 1 0,0 0 0,0 1 0,-1-1 0,0 1 0,0 1 0,-1 0 0,1 0 0,-16-6 0,-10-2 0,-64-16 0,68 21 0,7 2 0,-68-15 0,84 20 0,0 0 0,0 1 0,0-1 0,0 2 0,0-1 0,0 1 0,0 0 0,0 0 0,0 1 0,-10 3 0,15-4-68,0 0 0,0 1-1,0-1 1,0 0 0,0 1 0,0 0-1,1-1 1,-1 1 0,0 0 0,1 0-1,0 0 1,-1 0 0,1 0 0,0 0-1,0 0 1,0 1 0,0-1 0,0 0-1,0 4 1,-2 11-6758</inkml:trace>
+</inkml:ink>
+</file>
+
+<file path=ppt/ink/ink53.xml><?xml version="1.0" encoding="utf-8"?>
+<inkml:ink xmlns:inkml="http://www.w3.org/2003/InkML">
+  <inkml:definitions>
+    <inkml:context xml:id="ctx0">
+      <inkml:inkSource xml:id="inkSrc0">
+        <inkml:traceFormat>
+          <inkml:channel name="X" type="integer" min="-2.14748E9" max="2.14748E9" units="cm"/>
+          <inkml:channel name="Y" type="integer" min="-2.14748E9" max="2.14748E9" units="cm"/>
+          <inkml:channel name="F" type="integer" max="32767" units="dev"/>
+        </inkml:traceFormat>
+        <inkml:channelProperties>
+          <inkml:channelProperty channel="X" name="resolution" value="1000" units="1/cm"/>
+          <inkml:channelProperty channel="Y" name="resolution" value="1000" units="1/cm"/>
+          <inkml:channelProperty channel="F" name="resolution" value="0" units="1/dev"/>
+        </inkml:channelProperties>
+      </inkml:inkSource>
+      <inkml:timestamp xml:id="ts0" timeString="2023-05-14T21:29:02.788"/>
+    </inkml:context>
+    <inkml:brush xml:id="br0">
+      <inkml:brushProperty name="width" value="0.05" units="cm"/>
+      <inkml:brushProperty name="height" value="0.05" units="cm"/>
+      <inkml:brushProperty name="color" value="#E71224"/>
+    </inkml:brush>
+  </inkml:definitions>
+  <inkml:trace contextRef="#ctx0" brushRef="#br0">0 240 24575,'920'-19'0,"-167"-85"0,-330 35 0,-246 45 0,1 8 0,1 8 0,185 15 0,-189 5 0,-40-4 0,186 33 0,351 113 0,-582-141 0,1-4 0,1-4 0,127-10 0,-45 1 0,-16-9 0,-1 1 0,-117 7-1365,-25 1-5461</inkml:trace>
+</inkml:ink>
+</file>
+
+<file path=ppt/ink/ink54.xml><?xml version="1.0" encoding="utf-8"?>
+<inkml:ink xmlns:inkml="http://www.w3.org/2003/InkML">
+  <inkml:definitions>
+    <inkml:context xml:id="ctx0">
+      <inkml:inkSource xml:id="inkSrc0">
+        <inkml:traceFormat>
+          <inkml:channel name="X" type="integer" min="-2.14748E9" max="2.14748E9" units="cm"/>
+          <inkml:channel name="Y" type="integer" min="-2.14748E9" max="2.14748E9" units="cm"/>
+          <inkml:channel name="F" type="integer" max="32767" units="dev"/>
+        </inkml:traceFormat>
+        <inkml:channelProperties>
+          <inkml:channelProperty channel="X" name="resolution" value="1000" units="1/cm"/>
+          <inkml:channelProperty channel="Y" name="resolution" value="1000" units="1/cm"/>
+          <inkml:channelProperty channel="F" name="resolution" value="0" units="1/dev"/>
+        </inkml:channelProperties>
+      </inkml:inkSource>
+      <inkml:timestamp xml:id="ts0" timeString="2023-05-14T21:29:07.173"/>
+    </inkml:context>
+    <inkml:brush xml:id="br0">
+      <inkml:brushProperty name="width" value="0.05" units="cm"/>
+      <inkml:brushProperty name="height" value="0.05" units="cm"/>
+      <inkml:brushProperty name="color" value="#E71224"/>
+    </inkml:brush>
+  </inkml:definitions>
+  <inkml:trace contextRef="#ctx0" brushRef="#br0">172 507 24575,'2'-7'0,"0"0"0,1 1 0,0-1 0,0 1 0,0 0 0,1 0 0,0 0 0,0 0 0,0 1 0,1-1 0,-1 1 0,1 0 0,6-4 0,12-16 0,-13 15 0,1-1 0,0 2 0,23-17 0,19-16 0,-38 26 0,0 2 0,1-1 0,1 2 0,0 0 0,1 2 0,0-1 0,1 2 0,0 1 0,0 0 0,1 1 0,1 2 0,33-8 0,-12 6 0,62-19 0,-72 17 0,1 2 0,0 0 0,52-3 0,48-1 0,41-1 0,-141 12 0,0-2 0,1-2 0,35-10 0,-36 7 0,1 2 0,-1 1 0,36 0 0,12 4 0,124 4 0,-181 1 0,0 0 0,35 12 0,-38-10 0,0 0 0,1-1 0,32 2 0,188 20 0,-219-23 0,89 7 0,212-7 0,-8-2 0,-247 6 0,-1 4 0,71 21 0,-116-28 0,372 84 0,-190-40 0,211 82 0,23 7 0,-237-72 0,2-1 0,-182-59 0,0 0 0,0 2 0,-1 0 0,0 1 0,-1 1 0,33 22 0,-46-22 0,-19-8 0,-36-8 0,30 3 0,-330-5 0,244 9 0,84 1 0,1 1 0,-1 0 0,1 2 0,0 1 0,0 0 0,0 1 0,-29 17 0,-27 8 0,20-14 0,-1-2 0,-1-2 0,0-4 0,-75 6 0,-234-6 0,316-10 0,-47 0 0,-255 10 0,-223 2 0,354-14 0,94 3 0,-142-3 0,225-3 0,-61-15 0,-26-4 0,61 17 0,-155-10 0,68 19 0,-311-4 0,409-3 0,0-3 0,-68-18 0,-25-4 0,-60-17 0,138 27 0,-98-12 0,156 30 0,0-1 0,1 0 0,-1-1 0,1-1 0,0 0 0,0-1 0,0 0 0,1-2 0,0 0 0,-14-10 0,24 15 0,-1 0 0,1-1 0,1 1 0,-1-1 0,0 0 0,1 0 0,0 0 0,0-1 0,0 1 0,0-1 0,1 0 0,0 0 0,0 1 0,0-1 0,1-1 0,-1 1 0,1 0 0,0 0 0,1 0 0,-1-1 0,1 1 0,0 0 0,1 0 0,-1-1 0,1 1 0,0 0 0,0 0 0,1 0 0,-1-1 0,1 2 0,0-1 0,0 0 0,5-6 0,-5 7-114,0 0 1,0 0-1,1 1 0,-1-1 0,1 1 1,0 0-1,0-1 0,0 1 0,0 1 1,1-1-1,5-4 0,7 0-6712</inkml:trace>
+</inkml:ink>
+</file>
+
+<file path=ppt/ink/ink55.xml><?xml version="1.0" encoding="utf-8"?>
+<inkml:ink xmlns:inkml="http://www.w3.org/2003/InkML">
+  <inkml:definitions>
+    <inkml:context xml:id="ctx0">
+      <inkml:inkSource xml:id="inkSrc0">
+        <inkml:traceFormat>
+          <inkml:channel name="X" type="integer" min="-2.14748E9" max="2.14748E9" units="cm"/>
+          <inkml:channel name="Y" type="integer" min="-2.14748E9" max="2.14748E9" units="cm"/>
+          <inkml:channel name="F" type="integer" max="32767" units="dev"/>
+        </inkml:traceFormat>
+        <inkml:channelProperties>
+          <inkml:channelProperty channel="X" name="resolution" value="1000" units="1/cm"/>
+          <inkml:channelProperty channel="Y" name="resolution" value="1000" units="1/cm"/>
+          <inkml:channelProperty channel="F" name="resolution" value="0" units="1/dev"/>
+        </inkml:channelProperties>
+      </inkml:inkSource>
+      <inkml:timestamp xml:id="ts0" timeString="2023-05-14T21:24:25.535"/>
+    </inkml:context>
+    <inkml:brush xml:id="br0">
+      <inkml:brushProperty name="width" value="0.05" units="cm"/>
+      <inkml:brushProperty name="height" value="0.05" units="cm"/>
+      <inkml:brushProperty name="color" value="#E71224"/>
+    </inkml:brush>
+  </inkml:definitions>
+  <inkml:trace contextRef="#ctx0" brushRef="#br0">0 172 24575,'23'-19'0,"0"2"0,2 0 0,0 1 0,0 2 0,1 0 0,1 2 0,51-16 0,-48 19 0,0 1 0,1 2 0,-1 1 0,45-2 0,128 8 0,-98 2 0,-73-4 0,0 2 0,0 2 0,-1 1 0,1 1 0,-1 1 0,0 2 0,0 1 0,-1 2 0,43 21 0,-31-10 0,-2 2 0,0 2 0,-2 2 0,-1 1 0,41 43 0,-68-59 0,-1 1 0,0 0 0,-1 1 0,-1 0 0,0 0 0,-1 1 0,-1 0 0,6 27 0,0-4 0,-2 2 0,-3 0 0,-1 0 0,-2 1 0,-2-1 0,-8 83 0,4-87 0,-2-1 0,-2 0 0,-1 0 0,-2 0 0,-2-1 0,-1-1 0,-34 65 0,33-72-109,-59 99 352,63-111-457,0-2-1,0 1 1,-1-2 0,-1 1 0,-1-2 0,-17 15 0,11-14-6612</inkml:trace>
+</inkml:ink>
+</file>
+
+<file path=ppt/ink/ink56.xml><?xml version="1.0" encoding="utf-8"?>
+<inkml:ink xmlns:inkml="http://www.w3.org/2003/InkML">
+  <inkml:definitions>
+    <inkml:context xml:id="ctx0">
+      <inkml:inkSource xml:id="inkSrc0">
+        <inkml:traceFormat>
+          <inkml:channel name="X" type="integer" min="-2.14748E9" max="2.14748E9" units="cm"/>
+          <inkml:channel name="Y" type="integer" min="-2.14748E9" max="2.14748E9" units="cm"/>
+          <inkml:channel name="F" type="integer" max="32767" units="dev"/>
+        </inkml:traceFormat>
+        <inkml:channelProperties>
+          <inkml:channelProperty channel="X" name="resolution" value="1000" units="1/cm"/>
+          <inkml:channelProperty channel="Y" name="resolution" value="1000" units="1/cm"/>
+          <inkml:channelProperty channel="F" name="resolution" value="0" units="1/dev"/>
+        </inkml:channelProperties>
+      </inkml:inkSource>
+      <inkml:timestamp xml:id="ts0" timeString="2023-05-14T21:24:27.678"/>
+    </inkml:context>
+    <inkml:brush xml:id="br0">
+      <inkml:brushProperty name="width" value="0.05" units="cm"/>
+      <inkml:brushProperty name="height" value="0.05" units="cm"/>
+      <inkml:brushProperty name="color" value="#E71224"/>
+    </inkml:brush>
+  </inkml:definitions>
+  <inkml:trace contextRef="#ctx0" brushRef="#br0">1 0 24575,'0'615'0,"6"-620"0,-1 1 0,0-1 0,0-1 0,0 1 0,7-11 0,6-8 0,1 1 0,2 1 0,41-36 0,-19 20 0,-33 27 0,1 1 0,0 1 0,0 0 0,1 1 0,24-14 0,-22 14 0,0-1 0,0 0 0,-1-2 0,0 1 0,15-17 0,5-3 0,-4 4-1365,-16 17-5461</inkml:trace>
+</inkml:ink>
+</file>
+
+<file path=ppt/ink/ink57.xml><?xml version="1.0" encoding="utf-8"?>
+<inkml:ink xmlns:inkml="http://www.w3.org/2003/InkML">
+  <inkml:definitions>
+    <inkml:context xml:id="ctx0">
+      <inkml:inkSource xml:id="inkSrc0">
+        <inkml:traceFormat>
+          <inkml:channel name="X" type="integer" min="-2.14748E9" max="2.14748E9" units="cm"/>
+          <inkml:channel name="Y" type="integer" min="-2.14748E9" max="2.14748E9" units="cm"/>
+          <inkml:channel name="F" type="integer" max="32767" units="dev"/>
+        </inkml:traceFormat>
+        <inkml:channelProperties>
+          <inkml:channelProperty channel="X" name="resolution" value="1000" units="1/cm"/>
+          <inkml:channelProperty channel="Y" name="resolution" value="1000" units="1/cm"/>
+          <inkml:channelProperty channel="F" name="resolution" value="0" units="1/dev"/>
+        </inkml:channelProperties>
+      </inkml:inkSource>
+      <inkml:timestamp xml:id="ts0" timeString="2023-05-14T21:28:16.952"/>
+    </inkml:context>
+    <inkml:brush xml:id="br0">
+      <inkml:brushProperty name="width" value="0.05" units="cm"/>
+      <inkml:brushProperty name="height" value="0.05" units="cm"/>
+      <inkml:brushProperty name="color" value="#E71224"/>
+    </inkml:brush>
+  </inkml:definitions>
+  <inkml:trace contextRef="#ctx0" brushRef="#br0">0 332 24575,'0'-332'0,"3"338"0,-1 0 0,1 0 0,0 0 0,0-1 0,0 1 0,1-1 0,0 0 0,0 0 0,0 0 0,1-1 0,7 7 0,12 14 0,-18-17 0,1 0 0,0 0 0,1-1 0,-1 0 0,2 0 0,-1-1 0,1 0 0,-1-1 0,2 1 0,-1-2 0,0 1 0,1-2 0,0 1 0,0-1 0,0 0 0,20 2 0,-10 0 0,0 1 0,0 1 0,-1 0 0,21 13 0,-22-11 0,0-1 0,1 0 0,0-1 0,32 7 0,-40-12 0,1 1 0,-1 1 0,0 0 0,0 1 0,0 0 0,-1 1 0,16 10 0,-23-14 0,1 0 0,-1 0 0,0 0 0,0 1 0,0-1 0,0 1 0,0 0 0,0 0 0,-1 0 0,1 0 0,-1 1 0,0-1 0,0 1 0,0-1 0,-1 1 0,1 0 0,-1 0 0,0-1 0,0 1 0,0 0 0,0 0 0,-1 0 0,0 0 0,0 0 0,0 7 0,-1-9 0,0 0 0,-1 1 0,1-1 0,0 0 0,-1 0 0,1 0 0,-1 0 0,0 0 0,0 0 0,0 0 0,1-1 0,-2 1 0,1-1 0,0 1 0,0-1 0,0 0 0,-1 0 0,1 0 0,-1 0 0,1 0 0,-1-1 0,1 1 0,-1-1 0,1 1 0,-5-1 0,-10 2 0,-1-2 0,-29-1 0,28 0 0,-154 2 0,-87-5 0,241 0 120,19 4-158,-1 0 0,1 0 0,0 0 0,-1 0 0,1 0 0,-1 0-1,1 0 1,0 0 0,-1 0 0,1 0 0,-1-1 0,1 1 0,0 0 0,-1 0 0,1 0 0,0-1 0,-1 1 0,1 0 0,0 0-1,-1-1 1,1 1 0,0 0 0,-1-1 0,1 1 0,0 0 0,0-1 0,0 1 0,-1 0 0,1-1 0,0 1 0,0-1 0,0 1-1,0 0 1,0-1 0,0 1 0,0-1 0,0 1 0,0-1 0</inkml:trace>
+</inkml:ink>
+</file>
+
+<file path=ppt/ink/ink58.xml><?xml version="1.0" encoding="utf-8"?>
+<inkml:ink xmlns:inkml="http://www.w3.org/2003/InkML">
+  <inkml:definitions>
+    <inkml:context xml:id="ctx0">
+      <inkml:inkSource xml:id="inkSrc0">
+        <inkml:traceFormat>
+          <inkml:channel name="X" type="integer" min="-2.14748E9" max="2.14748E9" units="cm"/>
+          <inkml:channel name="Y" type="integer" min="-2.14748E9" max="2.14748E9" units="cm"/>
+          <inkml:channel name="F" type="integer" max="32767" units="dev"/>
+        </inkml:traceFormat>
+        <inkml:channelProperties>
+          <inkml:channelProperty channel="X" name="resolution" value="1000" units="1/cm"/>
+          <inkml:channelProperty channel="Y" name="resolution" value="1000" units="1/cm"/>
+          <inkml:channelProperty channel="F" name="resolution" value="0" units="1/dev"/>
+        </inkml:channelProperties>
+      </inkml:inkSource>
+      <inkml:timestamp xml:id="ts0" timeString="2023-05-14T21:28:19.741"/>
+    </inkml:context>
+    <inkml:brush xml:id="br0">
+      <inkml:brushProperty name="width" value="0.05" units="cm"/>
+      <inkml:brushProperty name="height" value="0.05" units="cm"/>
+      <inkml:brushProperty name="color" value="#E71224"/>
+    </inkml:brush>
+  </inkml:definitions>
+  <inkml:trace contextRef="#ctx0" brushRef="#br0">870 257 24575,'-62'-1'0,"38"-1"0,1 1 0,-1 1 0,1 1 0,-1 1 0,1 1 0,0 1 0,0 1 0,-32 12 0,23-5 0,-1-1 0,0-2 0,0-2 0,-46 6 0,-55 12 0,40-7 0,85-17 0,0 0 0,0-1 0,0 0 0,0 0 0,0-1 0,0 0 0,0-1 0,-12-3 0,19 4 0,0 0 0,0 0 0,0 0 0,0 0 0,0 0 0,0 0 0,1-1 0,-1 1 0,0-1 0,1 1 0,-1-1 0,1 1 0,0-1 0,-1 0 0,1 0 0,0 0 0,0 1 0,0-1 0,0 0 0,1 0 0,-1-1 0,0 1 0,1 0 0,-1 0 0,1 0 0,0 0 0,0 0 0,0-1 0,0 1 0,0 0 0,0 0 0,2-4 0,1-7 0,1 1 0,0 0 0,1 1 0,10-19 0,0-1 0,-7 6 0,-1 1 0,-1-1 0,-1 0 0,2-38 0,-7 62-54,0-1-1,0 0 0,0 0 1,0 0-1,0 0 1,1 1-1,-1-1 0,1 0 1,-1 0-1,1 1 1,0-1-1,0 0 0,0 1 1,0-1-1,0 1 0,0-1 1,0 1-1,0 0 1,0-1-1,1 1 0,-1 0 1,1 0-1,-1 0 1,3-2-1,6 3-6771</inkml:trace>
+</inkml:ink>
+</file>
+
+<file path=ppt/ink/ink59.xml><?xml version="1.0" encoding="utf-8"?>
+<inkml:ink xmlns:inkml="http://www.w3.org/2003/InkML">
+  <inkml:definitions>
+    <inkml:context xml:id="ctx0">
+      <inkml:inkSource xml:id="inkSrc0">
+        <inkml:traceFormat>
+          <inkml:channel name="X" type="integer" min="-2.14748E9" max="2.14748E9" units="cm"/>
+          <inkml:channel name="Y" type="integer" min="-2.14748E9" max="2.14748E9" units="cm"/>
+          <inkml:channel name="F" type="integer" max="32767" units="dev"/>
+        </inkml:traceFormat>
+        <inkml:channelProperties>
+          <inkml:channelProperty channel="X" name="resolution" value="1000" units="1/cm"/>
+          <inkml:channelProperty channel="Y" name="resolution" value="1000" units="1/cm"/>
+          <inkml:channelProperty channel="F" name="resolution" value="0" units="1/dev"/>
+        </inkml:channelProperties>
+      </inkml:inkSource>
+      <inkml:timestamp xml:id="ts0" timeString="2023-05-14T21:29:33.455"/>
+    </inkml:context>
+    <inkml:brush xml:id="br0">
+      <inkml:brushProperty name="width" value="0.05" units="cm"/>
+      <inkml:brushProperty name="height" value="0.05" units="cm"/>
+      <inkml:brushProperty name="color" value="#E71224"/>
+    </inkml:brush>
+  </inkml:definitions>
+  <inkml:trace contextRef="#ctx0" brushRef="#br0">0 151 24575,'2962'0'0,"-2720"-15"0,-121 4 0,120-23 0,-164 19 0,144-8 0,-186 23 0,0-2 0,-1-1 0,1-2 0,44-11 0,-29 6 0,1 2 0,0 3 0,-1 1 0,101 8 0,-31-1 0,-78 1 0,-1 1 0,1 3 0,-1 1 0,74 27 0,-109-33 0,59 19 0,-34-10 0,1-1 0,0-1 0,1-2 0,0-1 0,52 3 0,-60-8 0,44 8 0,-45-5 0,49 2 0,-62-6 0,0 0 0,-1 1 0,1 0 0,-1 1 0,1 0 0,18 9 0,-16-6 0,1-1 0,-1-1 0,23 5 0,-3-3-38,-21-3-227,0-1-1,0 0 1,0-1-1,15-1 1,-8-2-6561</inkml:trace>
+</inkml:ink>
+</file>
+
 <file path=ppt/ink/ink6.xml><?xml version="1.0" encoding="utf-8"?>
 <inkml:ink xmlns:inkml="http://www.w3.org/2003/InkML">
   <inkml:definitions>
@@ -1710,6 +3439,286 @@
 </inkml:ink>
 </file>
 
+<file path=ppt/ink/ink60.xml><?xml version="1.0" encoding="utf-8"?>
+<inkml:ink xmlns:inkml="http://www.w3.org/2003/InkML">
+  <inkml:definitions>
+    <inkml:context xml:id="ctx0">
+      <inkml:inkSource xml:id="inkSrc0">
+        <inkml:traceFormat>
+          <inkml:channel name="X" type="integer" min="-2.14748E9" max="2.14748E9" units="cm"/>
+          <inkml:channel name="Y" type="integer" min="-2.14748E9" max="2.14748E9" units="cm"/>
+          <inkml:channel name="F" type="integer" max="32767" units="dev"/>
+        </inkml:traceFormat>
+        <inkml:channelProperties>
+          <inkml:channelProperty channel="X" name="resolution" value="1000" units="1/cm"/>
+          <inkml:channelProperty channel="Y" name="resolution" value="1000" units="1/cm"/>
+          <inkml:channelProperty channel="F" name="resolution" value="0" units="1/dev"/>
+        </inkml:channelProperties>
+      </inkml:inkSource>
+      <inkml:timestamp xml:id="ts0" timeString="2023-05-14T21:29:39.812"/>
+    </inkml:context>
+    <inkml:brush xml:id="br0">
+      <inkml:brushProperty name="width" value="0.05" units="cm"/>
+      <inkml:brushProperty name="height" value="0.05" units="cm"/>
+      <inkml:brushProperty name="color" value="#E71224"/>
+    </inkml:brush>
+  </inkml:definitions>
+  <inkml:trace contextRef="#ctx0" brushRef="#br0">271 365 24575,'1'-11'0,"1"-1"0,0 0 0,1 1 0,4-13 0,1-5 0,27-82 0,3-12 0,-38 120 0,0 1 0,1 0 0,-1-1 0,1 1 0,0 0 0,0 0 0,-1 0 0,1-1 0,1 1 0,-1 0 0,0 0 0,2-2 0,-2 4 0,-1 0 0,0 0 0,1 0 0,-1 0 0,1 0 0,-1 0 0,1 0 0,-1 0 0,0 0 0,1 0 0,-1 0 0,1 0 0,-1 0 0,1 1 0,-1-1 0,0 0 0,1 0 0,-1 0 0,0 1 0,1-1 0,-1 0 0,0 0 0,1 1 0,-1-1 0,0 0 0,1 1 0,-1-1 0,0 0 0,0 1 0,1-1 0,-1 0 0,0 1 0,0-1 0,0 1 0,0-1 0,1 1 0,20 63 0,-16-45 0,-4-16 0,7 22 0,1 0 0,1 0 0,1 0 0,19 28 0,41 57 0,-65-102 0,0 1 0,0 0 0,-1 0 0,-1 0 0,1 0 0,-2 1 0,1 0 0,2 13 0,-6-21 0,1 0 0,-1 1 0,0-1 0,0 0 0,0 0 0,0 0 0,0 0 0,-1 0 0,1 0 0,-1 0 0,1 0 0,-1 1 0,0-2 0,0 1 0,0 0 0,0 0 0,0 0 0,-2 2 0,1-2 0,-1 0 0,1 0 0,-1 0 0,0-1 0,1 0 0,-1 1 0,0-1 0,0 0 0,0 0 0,0-1 0,0 1 0,0 0 0,0-1 0,0 0 0,0 0 0,0 0 0,-3 0 0,-18-2 0,1-1 0,-32-8 0,9 1 0,-48-10 0,56 11 0,0 1 0,-75-4 0,20 11 0,92 1 0,1 1 0,-1-1 0,0 0 0,1 0 0,-1 0 0,1 0 0,-1 0 0,1-1 0,-1 1 0,1 0 0,-1 0 0,1 0 0,-1 0 0,1-1 0,-1 1 0,1 0 0,0 0 0,-1-1 0,1 1 0,-1 0 0,1-1 0,0 1 0,-1 0 0,1-1 0,0 1 0,-1-1 0,1 1 0,0 0 0,-1-1 0,1 1 0,0-1 0,0 1 0,0-1 0,0 1 0,-1-1 0,1 0 0,13-16 0,26-10 0,-18 17-114,1-1 196,0-1 1,24-17 0,-41 26-183,0-1 0,0 0 0,-1 0 0,0-1 0,1 1 0,-1-1 0,-1 0 1,1 0-1,-1 0 0,1 0 0,-2-1 0,1 1 0,-1-1 0,3-6 0,-2-5-6726</inkml:trace>
+</inkml:ink>
+</file>
+
+<file path=ppt/ink/ink61.xml><?xml version="1.0" encoding="utf-8"?>
+<inkml:ink xmlns:inkml="http://www.w3.org/2003/InkML">
+  <inkml:definitions>
+    <inkml:context xml:id="ctx0">
+      <inkml:inkSource xml:id="inkSrc0">
+        <inkml:traceFormat>
+          <inkml:channel name="X" type="integer" min="-2.14748E9" max="2.14748E9" units="cm"/>
+          <inkml:channel name="Y" type="integer" min="-2.14748E9" max="2.14748E9" units="cm"/>
+          <inkml:channel name="F" type="integer" max="32767" units="dev"/>
+        </inkml:traceFormat>
+        <inkml:channelProperties>
+          <inkml:channelProperty channel="X" name="resolution" value="1000" units="1/cm"/>
+          <inkml:channelProperty channel="Y" name="resolution" value="1000" units="1/cm"/>
+          <inkml:channelProperty channel="F" name="resolution" value="0" units="1/dev"/>
+        </inkml:channelProperties>
+      </inkml:inkSource>
+      <inkml:timestamp xml:id="ts0" timeString="2023-05-14T21:30:43.452"/>
+    </inkml:context>
+    <inkml:brush xml:id="br0">
+      <inkml:brushProperty name="width" value="0.05" units="cm"/>
+      <inkml:brushProperty name="height" value="0.05" units="cm"/>
+      <inkml:brushProperty name="color" value="#E71224"/>
+    </inkml:brush>
+  </inkml:definitions>
+  <inkml:trace contextRef="#ctx0" brushRef="#br0">245 0 24575,'1'3'0,"0"-1"0,1 0 0,-1 0 0,1 0 0,0 0 0,0-1 0,-1 1 0,1 0 0,0-1 0,0 1 0,1-1 0,-1 0 0,0 0 0,0 1 0,3-1 0,10 8 0,10 11 0,-1 1 0,-1 1 0,-1 1 0,21 29 0,-25-23 0,-1 1 0,15 35 0,23 41 0,5 14 0,-52-104 0,4 6 0,-1 2 0,-1 0 0,10 35 0,-18-54 0,-1 0 0,1 0 0,-1 0 0,-1 0 0,1 0 0,-1 0 0,0 0 0,0 0 0,0 0 0,-1 0 0,0 0 0,0 0 0,0 0 0,0 0 0,-1 0 0,0 0 0,0-1 0,0 1 0,-1-1 0,1 1 0,-1-1 0,0 0 0,0 0 0,-5 4 0,0-3 0,0-1 0,-1 1 0,0-1 0,0-1 0,-1 0 0,1 0 0,0-1 0,-1 0 0,0-1 0,1 0 0,-11 0 0,-29 6 0,25-2 0,-18 4 0,1-2 0,-84 3 0,108-10 0,0 0 0,-1 0 0,1-2 0,-22-3 0,33 3 0,-1 0 0,1 0 0,0-1 0,0 1 0,-1-1 0,2-1 0,-1 1 0,0-1 0,1 0 0,0-1 0,-9-7 0,9 6 0,0 0 0,0 0 0,1 0 0,0 0 0,0 0 0,0-1 0,1 0 0,0 0 0,0 0 0,0 0 0,-1-9 0,1-3 0,1 0 0,1 0 0,2-25 0,-2-22 0,-1 42 0,2-1 0,1 0 0,7-48 0,-1 53 0,1-1 0,1 1 0,1 1 0,0 0 0,2 0 0,0 1 0,1 1 0,1 0 0,16-15 0,-10 10 0,-2-1 0,0-1 0,-1 0 0,14-28 0,-14 20-1365,-11 18-5461</inkml:trace>
+</inkml:ink>
+</file>
+
+<file path=ppt/ink/ink62.xml><?xml version="1.0" encoding="utf-8"?>
+<inkml:ink xmlns:inkml="http://www.w3.org/2003/InkML">
+  <inkml:definitions>
+    <inkml:context xml:id="ctx0">
+      <inkml:inkSource xml:id="inkSrc0">
+        <inkml:traceFormat>
+          <inkml:channel name="X" type="integer" min="-2.14748E9" max="2.14748E9" units="cm"/>
+          <inkml:channel name="Y" type="integer" min="-2.14748E9" max="2.14748E9" units="cm"/>
+          <inkml:channel name="F" type="integer" max="32767" units="dev"/>
+        </inkml:traceFormat>
+        <inkml:channelProperties>
+          <inkml:channelProperty channel="X" name="resolution" value="1000" units="1/cm"/>
+          <inkml:channelProperty channel="Y" name="resolution" value="1000" units="1/cm"/>
+          <inkml:channelProperty channel="F" name="resolution" value="0" units="1/dev"/>
+        </inkml:channelProperties>
+      </inkml:inkSource>
+      <inkml:timestamp xml:id="ts0" timeString="2023-05-14T21:30:45.228"/>
+    </inkml:context>
+    <inkml:brush xml:id="br0">
+      <inkml:brushProperty name="width" value="0.05" units="cm"/>
+      <inkml:brushProperty name="height" value="0.05" units="cm"/>
+      <inkml:brushProperty name="color" value="#E71224"/>
+    </inkml:brush>
+  </inkml:definitions>
+  <inkml:trace contextRef="#ctx0" brushRef="#br0">6315 1 24575,'0'3'0,"-1"0"0,1-1 0,-1 1 0,0 0 0,0 0 0,0 0 0,0 0 0,-1-1 0,1 1 0,-1 0 0,1-1 0,-1 0 0,0 1 0,0-1 0,-2 2 0,-43 34 0,-12-3 0,-102 44 0,-73 17-194,-5-9 0,-307 68 0,-516 56-387,448-118 1744,551-81-1163,1 3 0,0 2 0,-103 45 0,-39 13 0,169-65 0,0-2 0,-1-1 0,0-1 0,-37 0 0,-62-4 0,-139 8 0,149 2 0,-188 11 0,-1211-24 0,1509 1-124,1-1 0,-1 0 0,0-1 0,1 0 0,-1-1 0,1-1-1,0 0 1,0-1 0,0-1 0,-16-9 0,15 5-6702</inkml:trace>
+</inkml:ink>
+</file>
+
+<file path=ppt/ink/ink63.xml><?xml version="1.0" encoding="utf-8"?>
+<inkml:ink xmlns:inkml="http://www.w3.org/2003/InkML">
+  <inkml:definitions>
+    <inkml:context xml:id="ctx0">
+      <inkml:inkSource xml:id="inkSrc0">
+        <inkml:traceFormat>
+          <inkml:channel name="X" type="integer" min="-2.14748E9" max="2.14748E9" units="cm"/>
+          <inkml:channel name="Y" type="integer" min="-2.14748E9" max="2.14748E9" units="cm"/>
+          <inkml:channel name="F" type="integer" max="32767" units="dev"/>
+        </inkml:traceFormat>
+        <inkml:channelProperties>
+          <inkml:channelProperty channel="X" name="resolution" value="1000" units="1/cm"/>
+          <inkml:channelProperty channel="Y" name="resolution" value="1000" units="1/cm"/>
+          <inkml:channelProperty channel="F" name="resolution" value="0" units="1/dev"/>
+        </inkml:channelProperties>
+      </inkml:inkSource>
+      <inkml:timestamp xml:id="ts0" timeString="2023-05-14T21:30:48.432"/>
+    </inkml:context>
+    <inkml:brush xml:id="br0">
+      <inkml:brushProperty name="width" value="0.05" units="cm"/>
+      <inkml:brushProperty name="height" value="0.05" units="cm"/>
+      <inkml:brushProperty name="color" value="#E71224"/>
+    </inkml:brush>
+  </inkml:definitions>
+  <inkml:trace contextRef="#ctx0" brushRef="#br0">726 174 24575,'-16'1'0,"1"1"0,0 1 0,-18 5 0,-3 0 0,18-3 0,1 0 0,0 2 0,1 0 0,0 0 0,-17 12 0,-26 11 0,-150 64 0,63-23 0,99-41 0,44-28 0,0 0 0,0 1 0,0-1 0,1 1 0,-1 0 0,1-1 0,-1 1 0,1 0 0,0 1 0,0-1 0,1 0 0,-3 6 0,4-7 0,1 0 0,-1-1 0,0 1 0,1 0 0,-1 0 0,1 0 0,0 0 0,0-1 0,0 1 0,0 0 0,0-1 0,0 1 0,0 0 0,0-1 0,0 0 0,1 1 0,-1-1 0,1 0 0,-1 1 0,1-1 0,0 0 0,-1 0 0,1 0 0,0-1 0,3 2 0,52 21 0,-52-21 0,246 106 0,-12-3 0,-96-41 0,-70-29 0,-51-22 0,-17-10 0,0 1 0,1-1 0,0-1 0,-1 1 0,1-1 0,7 2 0,-12-4 0,0 1 0,0-1 0,0 0 0,0 0 0,1-1 0,-1 1 0,0 0 0,0 0 0,0 0 0,0-1 0,0 1 0,0-1 0,0 1 0,0-1 0,0 1 0,0-1 0,-1 1 0,1-1 0,0 0 0,0 1 0,0-1 0,-1 0 0,1 0 0,0 0 0,-1 1 0,1-1 0,-1 0 0,1 0 0,-1 0 0,1 0 0,-1 0 0,0 0 0,1 0 0,-1 0 0,0 0 0,0-1 0,0 1 0,0 0 0,0 0 0,0 0 0,0-1 0,3-39 0,-2 0 0,-7-72 0,-5 28 0,-3-48 0,14 50 0,2 46 0,-2 1 0,-2 0 0,-1-1 0,-2 1 0,-10-37 0,10 55-111,1 4 172,0 0 0,-1 0 1,-11-21-1,14 31-140,0 1 0,0 0 0,-1 0 0,1 0 0,0 0 1,-1 0-1,0 1 0,0-1 0,0 1 0,0 0 0,0-1 0,0 1 0,0 1 0,-1-1 1,1 0-1,-1 1 0,1 0 0,-8-2 0,-8 1-6747</inkml:trace>
+</inkml:ink>
+</file>
+
+<file path=ppt/ink/ink64.xml><?xml version="1.0" encoding="utf-8"?>
+<inkml:ink xmlns:inkml="http://www.w3.org/2003/InkML">
+  <inkml:definitions>
+    <inkml:context xml:id="ctx0">
+      <inkml:inkSource xml:id="inkSrc0">
+        <inkml:traceFormat>
+          <inkml:channel name="X" type="integer" min="-2.14748E9" max="2.14748E9" units="cm"/>
+          <inkml:channel name="Y" type="integer" min="-2.14748E9" max="2.14748E9" units="cm"/>
+          <inkml:channel name="F" type="integer" max="32767" units="dev"/>
+        </inkml:traceFormat>
+        <inkml:channelProperties>
+          <inkml:channelProperty channel="X" name="resolution" value="1000" units="1/cm"/>
+          <inkml:channelProperty channel="Y" name="resolution" value="1000" units="1/cm"/>
+          <inkml:channelProperty channel="F" name="resolution" value="0" units="1/dev"/>
+        </inkml:channelProperties>
+      </inkml:inkSource>
+      <inkml:timestamp xml:id="ts0" timeString="2023-05-14T21:30:52.650"/>
+    </inkml:context>
+    <inkml:brush xml:id="br0">
+      <inkml:brushProperty name="width" value="0.05" units="cm"/>
+      <inkml:brushProperty name="height" value="0.05" units="cm"/>
+      <inkml:brushProperty name="color" value="#E71224"/>
+    </inkml:brush>
+  </inkml:definitions>
+  <inkml:trace contextRef="#ctx0" brushRef="#br0">701 131 24575,'25'10'0,"0"0"0,0-1 0,47 8 0,-48-12 0,0 1 0,-1 1 0,0 0 0,44 23 0,-46-20 0,0 2 0,-1 1 0,0 0 0,-1 1 0,-1 2 0,0-1 0,-1 2 0,24 30 0,-29-32 0,-1 0 0,-1 0 0,-1 1 0,0 1 0,-1 0 0,0 0 0,-2 0 0,0 1 0,-1 0 0,0 0 0,-2 0 0,0 1 0,0 31 0,-3-26 0,1-12 0,-1-1 0,-1 0 0,0 1 0,0-1 0,-5 19 0,5-27 0,-1 1 0,0-1 0,1 0 0,-1 1 0,0-1 0,-1 0 0,1 0 0,0 0 0,-1 0 0,0-1 0,0 1 0,1-1 0,-1 1 0,-1-1 0,1 0 0,0 0 0,-1-1 0,1 1 0,-1-1 0,1 1 0,-5 0 0,-122 41 0,-45 13 0,146-48 0,-2-2 0,1-2 0,-1 0 0,-32-2 0,-122-11 0,159 6 0,0-2 0,0-1 0,0-1 0,-47-19 0,53 19 0,-1 0 0,0 1 0,-44-6 0,43 9 0,0-1 0,-39-14 0,52 15 0,1-1 0,0 0 0,0-1 0,0 0 0,0 0 0,1-1 0,0 0 0,0 0 0,0 0 0,-8-12 0,8 9 0,1-1 0,0 0 0,0 0 0,1 0 0,1-1 0,0 1 0,0-1 0,1 0 0,0 0 0,-1-19 0,2 3 0,1 0 0,1 0 0,5-37 0,-3 52 0,0 1 0,1 0 0,0 0 0,1 0 0,1 0 0,-1 1 0,2-1 0,-1 1 0,11-13 0,8-9 0,40-40 0,-12 14 0,-27 27 0,-10 12 0,33-33 0,-43 47 0,1 0 0,0 1 0,-1 0 0,2 0 0,-1 0 0,0 1 0,1 0 0,-1 0 0,1 0 0,14-2 0,184-45 0,-181 44-1365,-5 0-5461</inkml:trace>
+</inkml:ink>
+</file>
+
+<file path=ppt/ink/ink65.xml><?xml version="1.0" encoding="utf-8"?>
+<inkml:ink xmlns:inkml="http://www.w3.org/2003/InkML">
+  <inkml:definitions>
+    <inkml:context xml:id="ctx0">
+      <inkml:inkSource xml:id="inkSrc0">
+        <inkml:traceFormat>
+          <inkml:channel name="X" type="integer" min="-2.14748E9" max="2.14748E9" units="cm"/>
+          <inkml:channel name="Y" type="integer" min="-2.14748E9" max="2.14748E9" units="cm"/>
+          <inkml:channel name="F" type="integer" max="32767" units="dev"/>
+        </inkml:traceFormat>
+        <inkml:channelProperties>
+          <inkml:channelProperty channel="X" name="resolution" value="1000" units="1/cm"/>
+          <inkml:channelProperty channel="Y" name="resolution" value="1000" units="1/cm"/>
+          <inkml:channelProperty channel="F" name="resolution" value="0" units="1/dev"/>
+        </inkml:channelProperties>
+      </inkml:inkSource>
+      <inkml:timestamp xml:id="ts0" timeString="2023-05-14T21:30:55.262"/>
+    </inkml:context>
+    <inkml:brush xml:id="br0">
+      <inkml:brushProperty name="width" value="0.05" units="cm"/>
+      <inkml:brushProperty name="height" value="0.05" units="cm"/>
+      <inkml:brushProperty name="color" value="#E71224"/>
+    </inkml:brush>
+  </inkml:definitions>
+  <inkml:trace contextRef="#ctx0" brushRef="#br0">0 112 24575,'1135'0'0,"-1068"4"0,102 18 0,-112-13 0,144 20 0,321 4 0,1546-34 0,-2044 3 0,1 0 0,24 6 0,40 3 0,270-9 0,-186-3 0,-159 0 0,-1 0 0,1-1 0,-1-1 0,1 0 0,-1 0 0,14-7 0,79-38 0,-47 20 0,-34 16-273,-1 0 0,-1-1 0,0-2 0,37-30 0,-22 10-6553</inkml:trace>
+</inkml:ink>
+</file>
+
+<file path=ppt/ink/ink66.xml><?xml version="1.0" encoding="utf-8"?>
+<inkml:ink xmlns:inkml="http://www.w3.org/2003/InkML">
+  <inkml:definitions>
+    <inkml:context xml:id="ctx0">
+      <inkml:inkSource xml:id="inkSrc0">
+        <inkml:traceFormat>
+          <inkml:channel name="X" type="integer" min="-2.14748E9" max="2.14748E9" units="cm"/>
+          <inkml:channel name="Y" type="integer" min="-2.14748E9" max="2.14748E9" units="cm"/>
+          <inkml:channel name="F" type="integer" max="32767" units="dev"/>
+        </inkml:traceFormat>
+        <inkml:channelProperties>
+          <inkml:channelProperty channel="X" name="resolution" value="1000" units="1/cm"/>
+          <inkml:channelProperty channel="Y" name="resolution" value="1000" units="1/cm"/>
+          <inkml:channelProperty channel="F" name="resolution" value="0" units="1/dev"/>
+        </inkml:channelProperties>
+      </inkml:inkSource>
+      <inkml:timestamp xml:id="ts0" timeString="2023-05-14T21:29:11.203"/>
+    </inkml:context>
+    <inkml:brush xml:id="br0">
+      <inkml:brushProperty name="width" value="0.05" units="cm"/>
+      <inkml:brushProperty name="height" value="0.05" units="cm"/>
+      <inkml:brushProperty name="color" value="#E71224"/>
+    </inkml:brush>
+  </inkml:definitions>
+  <inkml:trace contextRef="#ctx0" brushRef="#br0">1 0 24575,'0'14'0,"0"0"0,1 1 0,0-1 0,1 0 0,1 0 0,0 0 0,1-1 0,1 1 0,0-1 0,8 16 0,47 115 0,-42-96 0,31 61 0,-34-76 0,-1 1 0,-2 1 0,14 66 0,-14-24 0,-9-54 0,1 1 0,10 35 0,24 39 0,67 122 0,-20-47 0,-63-131 0,2-1 0,2-1 0,46 55 0,4 6 0,-17-21 0,31 48 0,-81-112 0,0-1 0,1 0 0,1 0 0,1-1 0,0 0 0,0-1 0,1-1 0,17 12 0,32 21 0,102 92 0,-155-127 0,-1 0 0,0 1 0,0 0 0,-1 0 0,0 1 0,8 21 0,24 83 0,-2-6 0,-16-53 0,-3 0 0,-2 1 0,-3 1 0,-2 0 0,-3 1 0,0 66 0,-9 117 0,1-240-105,-1-1 0,1 1 0,-1-1 0,1 1 0,-1-1 0,0 1 0,0-1 0,0 0 0,0 1 0,0-1 0,-1 0 0,-1 3 0,-8 5-6721</inkml:trace>
+</inkml:ink>
+</file>
+
+<file path=ppt/ink/ink67.xml><?xml version="1.0" encoding="utf-8"?>
+<inkml:ink xmlns:inkml="http://www.w3.org/2003/InkML">
+  <inkml:definitions>
+    <inkml:context xml:id="ctx0">
+      <inkml:inkSource xml:id="inkSrc0">
+        <inkml:traceFormat>
+          <inkml:channel name="X" type="integer" min="-2.14748E9" max="2.14748E9" units="cm"/>
+          <inkml:channel name="Y" type="integer" min="-2.14748E9" max="2.14748E9" units="cm"/>
+          <inkml:channel name="F" type="integer" max="32767" units="dev"/>
+        </inkml:traceFormat>
+        <inkml:channelProperties>
+          <inkml:channelProperty channel="X" name="resolution" value="1000" units="1/cm"/>
+          <inkml:channelProperty channel="Y" name="resolution" value="1000" units="1/cm"/>
+          <inkml:channelProperty channel="F" name="resolution" value="0" units="1/dev"/>
+        </inkml:channelProperties>
+      </inkml:inkSource>
+      <inkml:timestamp xml:id="ts0" timeString="2023-05-14T21:29:13.578"/>
+    </inkml:context>
+    <inkml:brush xml:id="br0">
+      <inkml:brushProperty name="width" value="0.05" units="cm"/>
+      <inkml:brushProperty name="height" value="0.05" units="cm"/>
+      <inkml:brushProperty name="color" value="#E71224"/>
+    </inkml:brush>
+  </inkml:definitions>
+  <inkml:trace contextRef="#ctx0" brushRef="#br0">866 171 24575,'-768'0'0,"764"0"0,0 0 0,0 0 0,0 0 0,0 0 0,0 1 0,0 0 0,0-1 0,0 1 0,1 1 0,-1-1 0,0 1 0,1-1 0,-1 1 0,1 0 0,0 0 0,-1 1 0,1-1 0,-5 6 0,5-4 0,0 1 0,0 0 0,1 0 0,0 1 0,0-1 0,0 0 0,0 1 0,1-1 0,0 1 0,0 0 0,0-1 0,1 11 0,5 313 0,-5-324 0,1 0 0,-1-1 0,1 1 0,0 0 0,0 0 0,1-1 0,-1 1 0,1 0 0,0-1 0,0 0 0,1 1 0,-1-1 0,1 0 0,0 0 0,0-1 0,0 1 0,1 0 0,-1-1 0,1 0 0,0 0 0,0 0 0,0-1 0,0 1 0,1-1 0,-1 0 0,1 0 0,5 2 0,10 0 0,1 0 0,-1-1 0,1-1 0,0-1 0,26-1 0,-24-1 0,0 1 0,36 6 0,134 23 0,-18-3 0,-118-12 0,-39-9 0,0 0 0,0-2 0,36 3 0,-30-5 0,0-2 0,-1 0 0,1-1 0,40-10 0,-59 11 0,1 0 0,-1-1 0,0 0 0,0 0 0,0 0 0,-1 0 0,1-1 0,0 0 0,-1 0 0,0 0 0,0 0 0,0-1 0,0 0 0,0 0 0,-1 0 0,1 0 0,-1 0 0,0-1 0,-1 1 0,1-1 0,-1 0 0,0 0 0,0 0 0,0 0 0,-1 0 0,1 0 0,-1-7 0,2-16 0,-2 0 0,-1 0 0,-7-56 0,5 71 0,-1 0 0,0 0 0,-1 0 0,-1 0 0,0 1 0,0-1 0,-1 1 0,-1 1 0,0-1 0,-12-14 0,4 5 0,0 0 0,2-2 0,0 0 0,2 0 0,0-1 0,2 0 0,0 0 0,-5-31 0,-10-25 0,23 77 4,0 0 1,0 0-1,0-1 0,-1 1 0,1 0 0,-1 0 0,0 0 0,1 1 0,-1-1 1,-1 0-1,1 1 0,0-1 0,-1 1 0,1 0 0,-1-1 0,0 1 0,1 1 1,-1-1-1,0 0 0,0 1 0,0-1 0,-1 1 0,1 0 0,0 0 0,0 0 1,-1 1-1,1-1 0,-7 0 0,1 2-153,1 0 1,-1 1-1,0-1 1,1 2-1,-1-1 1,1 1-1,0 1 1,0-1-1,-15 10 1,9-5-6678</inkml:trace>
+</inkml:ink>
+</file>
+
+<file path=ppt/ink/ink68.xml><?xml version="1.0" encoding="utf-8"?>
+<inkml:ink xmlns:inkml="http://www.w3.org/2003/InkML">
+  <inkml:definitions>
+    <inkml:context xml:id="ctx0">
+      <inkml:inkSource xml:id="inkSrc0">
+        <inkml:traceFormat>
+          <inkml:channel name="X" type="integer" min="-2.14748E9" max="2.14748E9" units="cm"/>
+          <inkml:channel name="Y" type="integer" min="-2.14748E9" max="2.14748E9" units="cm"/>
+          <inkml:channel name="F" type="integer" max="32767" units="dev"/>
+        </inkml:traceFormat>
+        <inkml:channelProperties>
+          <inkml:channelProperty channel="X" name="resolution" value="1000" units="1/cm"/>
+          <inkml:channelProperty channel="Y" name="resolution" value="1000" units="1/cm"/>
+          <inkml:channelProperty channel="F" name="resolution" value="0" units="1/dev"/>
+        </inkml:channelProperties>
+      </inkml:inkSource>
+      <inkml:timestamp xml:id="ts0" timeString="2023-05-14T21:27:04.754"/>
+    </inkml:context>
+    <inkml:brush xml:id="br0">
+      <inkml:brushProperty name="width" value="0.05" units="cm"/>
+      <inkml:brushProperty name="height" value="0.05" units="cm"/>
+      <inkml:brushProperty name="color" value="#E71224"/>
+    </inkml:brush>
+  </inkml:definitions>
+  <inkml:trace contextRef="#ctx0" brushRef="#br0">0 1 24575,'0'4'0,"0"6"0,4 0 0,1 4 0,5-2 0,-1 2 0,4-1 0,2-4 0,-5-2 0</inkml:trace>
+</inkml:ink>
+</file>
+
+<file path=ppt/ink/ink69.xml><?xml version="1.0" encoding="utf-8"?>
+<inkml:ink xmlns:inkml="http://www.w3.org/2003/InkML">
+  <inkml:definitions>
+    <inkml:context xml:id="ctx0">
+      <inkml:inkSource xml:id="inkSrc0">
+        <inkml:traceFormat>
+          <inkml:channel name="X" type="integer" min="-2.14748E9" max="2.14748E9" units="cm"/>
+          <inkml:channel name="Y" type="integer" min="-2.14748E9" max="2.14748E9" units="cm"/>
+          <inkml:channel name="F" type="integer" max="32767" units="dev"/>
+        </inkml:traceFormat>
+        <inkml:channelProperties>
+          <inkml:channelProperty channel="X" name="resolution" value="1000" units="1/cm"/>
+          <inkml:channelProperty channel="Y" name="resolution" value="1000" units="1/cm"/>
+          <inkml:channelProperty channel="F" name="resolution" value="0" units="1/dev"/>
+        </inkml:channelProperties>
+      </inkml:inkSource>
+      <inkml:timestamp xml:id="ts0" timeString="2023-05-14T21:27:06.960"/>
+    </inkml:context>
+    <inkml:brush xml:id="br0">
+      <inkml:brushProperty name="width" value="0.05" units="cm"/>
+      <inkml:brushProperty name="height" value="0.05" units="cm"/>
+      <inkml:brushProperty name="color" value="#E71224"/>
+    </inkml:brush>
+  </inkml:definitions>
+  <inkml:trace contextRef="#ctx0" brushRef="#br0">300 81 24575,'1'18'0,"1"-1"0,1 0 0,1 0 0,1 0 0,8 20 0,3 14 0,76 234 0,-17-105 0,-56-251 0,-5 38 0,11-42 0,-15 41 0,19-40 0,-16 49 0,2 2 0,0 0 0,1 1 0,2 0 0,21-20 0,35-44 0,-72 83 0,1 0 0,-1-1 0,0 1 0,0 0 0,0-1 0,0 1 0,-1-1 0,1 1 0,-1-1 0,0 0 0,0 0 0,0 1 0,0-1 0,-1 0 0,0 0 0,0 0 0,0 0 0,0 0 0,0 0 0,-1 0 0,0 0 0,0 1 0,-2-7 0,1 5 0,-1 1 0,0 0 0,0 0 0,-1 0 0,1 1 0,-1-1 0,1 1 0,-1 0 0,0 0 0,-1 0 0,1 0 0,0 1 0,-1 0 0,1 0 0,-1 0 0,0 0 0,0 1 0,-5-2 0,-43-8 0,0 2 0,-96-4 0,-111 14 0,98 2 0,120-8-1365,26 0-5461</inkml:trace>
+</inkml:ink>
+</file>
+
 <file path=ppt/ink/ink7.xml><?xml version="1.0" encoding="utf-8"?>
 <inkml:ink xmlns:inkml="http://www.w3.org/2003/InkML">
   <inkml:definitions>
@@ -1735,6 +3744,174 @@
     </inkml:brush>
   </inkml:definitions>
   <inkml:trace contextRef="#ctx0" brushRef="#br0">6 1 24575,'-3'77'0,"1"-41"0,2-1 0,1 0 0,7 47 0,-6-73 0,1 0 0,1 0 0,0 0 0,0-1 0,0 1 0,11 13 0,12 26 0,-23-39-1365</inkml:trace>
+</inkml:ink>
+</file>
+
+<file path=ppt/ink/ink70.xml><?xml version="1.0" encoding="utf-8"?>
+<inkml:ink xmlns:inkml="http://www.w3.org/2003/InkML">
+  <inkml:definitions>
+    <inkml:context xml:id="ctx0">
+      <inkml:inkSource xml:id="inkSrc0">
+        <inkml:traceFormat>
+          <inkml:channel name="X" type="integer" min="-2.14748E9" max="2.14748E9" units="cm"/>
+          <inkml:channel name="Y" type="integer" min="-2.14748E9" max="2.14748E9" units="cm"/>
+          <inkml:channel name="F" type="integer" max="32767" units="dev"/>
+        </inkml:traceFormat>
+        <inkml:channelProperties>
+          <inkml:channelProperty channel="X" name="resolution" value="1000" units="1/cm"/>
+          <inkml:channelProperty channel="Y" name="resolution" value="1000" units="1/cm"/>
+          <inkml:channelProperty channel="F" name="resolution" value="0" units="1/dev"/>
+        </inkml:channelProperties>
+      </inkml:inkSource>
+      <inkml:timestamp xml:id="ts0" timeString="2023-05-14T21:27:18.546"/>
+    </inkml:context>
+    <inkml:brush xml:id="br0">
+      <inkml:brushProperty name="width" value="0.05" units="cm"/>
+      <inkml:brushProperty name="height" value="0.05" units="cm"/>
+      <inkml:brushProperty name="color" value="#E71224"/>
+    </inkml:brush>
+  </inkml:definitions>
+  <inkml:trace contextRef="#ctx0" brushRef="#br0">98 768 24575,'4'-3'0,"1"0"0,-1-1 0,0 0 0,0 0 0,0 0 0,-1 0 0,1 0 0,-1-1 0,4-6 0,-1 2 0,45-61 0,71-90 0,-71 98 0,-36 42 0,0 0 0,1 2 0,1-1 0,1 2 0,1 1 0,0 0 0,1 1 0,24-14 0,31-14 0,-47 26 0,43-19 0,-1 10 0,2 4 0,1 3 0,1 3 0,104-8 0,-117 13 0,27-2 0,79 2 0,54-2 0,-90 15 0,174 25 0,-223-16 0,-30-5 0,-1 2 0,57 17 0,-64-14 0,84 9 0,-17-3 0,-33-1 0,2-4 0,116 4 0,12-31 0,-125 6 0,293 4 0,-201 8 0,-56-5 0,135 5 0,-77 20 0,203 34 0,-72-9 0,-248-37 0,-1 2 0,-1 3 0,70 29 0,574 230 0,-598-234 0,-73-30 0,0 1 0,-1 1 0,0 1 0,35 24 0,-56-30 0,1 0 0,-1 1 0,0 1 0,-1-1 0,0 1 0,8 15 0,38 71 0,-43-75 0,2 4 0,-1 1 0,-1-1 0,-1 2 0,-2 0 0,0 0 0,-2 0 0,-1 1 0,-1-1 0,-2 1 0,0 0 0,-4 38 0,-1-51 0,0-1 0,-2 1 0,1-1 0,-2 0 0,0 0 0,0-1 0,-12 17 0,7-10 0,1 1 0,-9 23 0,-45 186 0,55-201 0,-2-1 0,0 0 0,-2 0 0,-1-1 0,-1-1 0,-1 0 0,-2-1 0,0-1 0,-1-1 0,-2 0 0,0-2 0,-2 0 0,-42 30 0,17-17 0,-1-2 0,-2-3 0,-1-1 0,-2-3 0,0-3 0,-79 23 0,-180 21 0,-126 32 0,106-11 0,233-62 0,-110 13 0,-18 3 0,188-34 0,-1-2 0,1-1 0,-48-3 0,-15 2 0,-64 20 0,111-13 0,-78 4 0,-388-15 0,359-21 0,29 2 0,-254-46 0,93 10 0,241 46 0,1-3 0,-63-24 0,32 10 0,-328-139 0,291 112 0,-74-22 0,-63-31 0,207 80 0,2-3 0,1-2 0,1-2 0,3-2 0,0-1 0,3-3 0,1-1 0,2-3 0,2 0 0,1-3 0,-30-55 0,32 45 0,3 0 0,2-2 0,3-1 0,-24-85 0,40 105 0,2-1 0,2 1 0,1-1 0,2-50 0,1 80 0,1 1 0,0-1 0,1 1 0,0-1 0,1 1 0,0 0 0,1-1 0,0 1 0,0 0 0,1 1 0,0-1 0,1 1 0,9-15 0,5-5-100,-17 24 33,1 0 1,-1 0-1,2 0 0,-1 0 1,0 1-1,1-1 1,0 1-1,0 0 1,0 0-1,1 0 0,-1 1 1,1 0-1,0-1 1,0 2-1,0-1 1,0 0-1,0 1 1,6-2-1,9 0-6759</inkml:trace>
+</inkml:ink>
+</file>
+
+<file path=ppt/ink/ink71.xml><?xml version="1.0" encoding="utf-8"?>
+<inkml:ink xmlns:inkml="http://www.w3.org/2003/InkML">
+  <inkml:definitions>
+    <inkml:context xml:id="ctx0">
+      <inkml:inkSource xml:id="inkSrc0">
+        <inkml:traceFormat>
+          <inkml:channel name="X" type="integer" min="-2.14748E9" max="2.14748E9" units="cm"/>
+          <inkml:channel name="Y" type="integer" min="-2.14748E9" max="2.14748E9" units="cm"/>
+          <inkml:channel name="F" type="integer" max="32767" units="dev"/>
+        </inkml:traceFormat>
+        <inkml:channelProperties>
+          <inkml:channelProperty channel="X" name="resolution" value="1000" units="1/cm"/>
+          <inkml:channelProperty channel="Y" name="resolution" value="1000" units="1/cm"/>
+          <inkml:channelProperty channel="F" name="resolution" value="0" units="1/dev"/>
+        </inkml:channelProperties>
+      </inkml:inkSource>
+      <inkml:timestamp xml:id="ts0" timeString="2023-05-14T21:27:20.900"/>
+    </inkml:context>
+    <inkml:brush xml:id="br0">
+      <inkml:brushProperty name="width" value="0.05" units="cm"/>
+      <inkml:brushProperty name="height" value="0.05" units="cm"/>
+      <inkml:brushProperty name="color" value="#E71224"/>
+    </inkml:brush>
+  </inkml:definitions>
+  <inkml:trace contextRef="#ctx0" brushRef="#br0">1 1 24575,'41'37'0,"3"-1"0,65 41 0,104 49 0,-150-91 0,-59-33 0,391 237 0,-350-207 0,-2 1 0,76 77 0,75 120 0,-153-176 0,84 118 0,-116-157 0,-1 0 0,-1 0 0,6 18 0,-12-33 1,-1 0 0,0 0 0,0 1 0,0-1 0,0 0 0,1 0 0,-1 0 0,0 0 0,0 1 0,0-1 0,0 0 0,1 0 0,-1 0 0,0 0 0,0 1 0,0-1 0,0 0 0,0 0 0,0 1 0,0-1 0,0 0 0,0 0 0,0 0 0,0 1 0,0-1 0,0 0 0,0 0 0,0 1 0,0-1 0,0 0 0,0 0 0,0 0 0,0 1 0,0-1 0,0 0 0,0 0 0,0 0 0,-1 1 0,1-1 0,0 0 0,0 0 0,0 0 0,0 0 0,0 1 0,-1-1 0,1 0 0,0 0 0,0 0 0,0 0 0,-1 0 0,1 0 0,0 1 0,0-1 0,0 0 0,-1 0 0,1 0 0,0 0 0,0 0 0,0 0 0,-1 0 0,1 0 0,0 0 0,-13-8-1429,0-2-5398</inkml:trace>
+</inkml:ink>
+</file>
+
+<file path=ppt/ink/ink72.xml><?xml version="1.0" encoding="utf-8"?>
+<inkml:ink xmlns:inkml="http://www.w3.org/2003/InkML">
+  <inkml:definitions>
+    <inkml:context xml:id="ctx0">
+      <inkml:inkSource xml:id="inkSrc0">
+        <inkml:traceFormat>
+          <inkml:channel name="X" type="integer" min="-2.14748E9" max="2.14748E9" units="cm"/>
+          <inkml:channel name="Y" type="integer" min="-2.14748E9" max="2.14748E9" units="cm"/>
+          <inkml:channel name="F" type="integer" max="32767" units="dev"/>
+        </inkml:traceFormat>
+        <inkml:channelProperties>
+          <inkml:channelProperty channel="X" name="resolution" value="1000" units="1/cm"/>
+          <inkml:channelProperty channel="Y" name="resolution" value="1000" units="1/cm"/>
+          <inkml:channelProperty channel="F" name="resolution" value="0" units="1/dev"/>
+        </inkml:channelProperties>
+      </inkml:inkSource>
+      <inkml:timestamp xml:id="ts0" timeString="2023-05-14T21:27:23.423"/>
+    </inkml:context>
+    <inkml:brush xml:id="br0">
+      <inkml:brushProperty name="width" value="0.05" units="cm"/>
+      <inkml:brushProperty name="height" value="0.05" units="cm"/>
+      <inkml:brushProperty name="color" value="#E71224"/>
+    </inkml:brush>
+  </inkml:definitions>
+  <inkml:trace contextRef="#ctx0" brushRef="#br0">865 28 24575,'-50'-11'0,"7"0"0,-312 6 0,190 8 0,122-4 0,24-1 0,0 1 0,0 2 0,0 0 0,0 0 0,-19 6 0,34-6 0,0 0 0,0 0 0,0 0 0,0 1 0,1 0 0,-1 0 0,0 0 0,1 0 0,0 0 0,0 1 0,-1 0 0,1-1 0,1 1 0,-1 0 0,0 1 0,1-1 0,-1 0 0,1 1 0,0-1 0,0 1 0,1 0 0,-1-1 0,1 1 0,0 0 0,0 0 0,0 0 0,0 0 0,0 7 0,1 5 0,0-1 0,1 0 0,0 1 0,1-1 0,1 0 0,0 0 0,1 0 0,10 23 0,0-6 0,2-1 0,33 50 0,-44-75 0,1 1 0,0-1 0,0-1 0,1 1 0,-1-1 0,1 0 0,0-1 0,14 7 0,33 25 0,1 11 0,-29-26 0,-1 2 0,32 35 0,-44-46 0,1-1 0,0 0 0,0-1 0,1-1 0,0 0 0,1-1 0,0-1 0,0 0 0,18 4 0,-6-5 0,-1-2 0,1-1 0,0-1 0,0-2 0,0-1 0,36-5 0,-42 2 0,0-1 0,0-2 0,-1 0 0,39-19 0,-39 17 0,-13 5 0,0 0 0,-1-1 0,0 1 0,1-1 0,-2-1 0,1 1 0,-1-1 0,1-1 0,-2 1 0,1-1 0,-1 0 0,0 0 0,0 0 0,-1-1 0,0 0 0,-1 0 0,1 0 0,-1 0 0,-1 0 0,0-1 0,0 1 0,1-12 0,-1-1 0,-1 1 0,-1-1 0,-1 0 0,-1 0 0,0 1 0,-2 0 0,0-1 0,-10-26 0,-1-14 0,12 47 0,0 0 0,-1 0 0,0 0 0,-1 1 0,-8-17 0,11 28 6,0 0-1,1-1 0,-1 1 1,-1 0-1,1 0 0,0 0 1,0 0-1,-1 1 0,1-1 1,-1 0-1,1 1 0,-1 0 1,0 0-1,1 0 1,-1 0-1,0 0 0,0 0 1,-3 0-1,-54-1-993,53 2 509,-15 1-6347</inkml:trace>
+</inkml:ink>
+</file>
+
+<file path=ppt/ink/ink73.xml><?xml version="1.0" encoding="utf-8"?>
+<inkml:ink xmlns:inkml="http://www.w3.org/2003/InkML">
+  <inkml:definitions>
+    <inkml:context xml:id="ctx0">
+      <inkml:inkSource xml:id="inkSrc0">
+        <inkml:traceFormat>
+          <inkml:channel name="X" type="integer" min="-2.14748E9" max="2.14748E9" units="cm"/>
+          <inkml:channel name="Y" type="integer" min="-2.14748E9" max="2.14748E9" units="cm"/>
+          <inkml:channel name="F" type="integer" max="32767" units="dev"/>
+        </inkml:traceFormat>
+        <inkml:channelProperties>
+          <inkml:channelProperty channel="X" name="resolution" value="1000" units="1/cm"/>
+          <inkml:channelProperty channel="Y" name="resolution" value="1000" units="1/cm"/>
+          <inkml:channelProperty channel="F" name="resolution" value="0" units="1/dev"/>
+        </inkml:channelProperties>
+      </inkml:inkSource>
+      <inkml:timestamp xml:id="ts0" timeString="2023-05-14T21:30:58.965"/>
+    </inkml:context>
+    <inkml:brush xml:id="br0">
+      <inkml:brushProperty name="width" value="0.05" units="cm"/>
+      <inkml:brushProperty name="height" value="0.05" units="cm"/>
+      <inkml:brushProperty name="color" value="#E71224"/>
+    </inkml:brush>
+  </inkml:definitions>
+  <inkml:trace contextRef="#ctx0" brushRef="#br0">385 989 24575,'-2'-5'0,"1"-1"0,-1 1 0,0 0 0,-1-1 0,0 1 0,1 0 0,-1 0 0,-1 1 0,1-1 0,-6-5 0,-5-8 0,2 0 0,-27-38 0,3-1 0,-32-71 0,-71-159 0,131 269 0,1 0 0,1 0 0,0-1 0,1 0 0,1 0 0,1 0 0,1 0 0,0-1 0,2-24 0,1 40 0,0 1 0,1-1 0,-1 1 0,1-1 0,-1 1 0,1 0 0,0-1 0,0 1 0,1 0 0,-1 1 0,1-1 0,-1 0 0,1 1 0,0-1 0,0 1 0,0 0 0,0 0 0,1 0 0,-1 0 0,0 0 0,1 1 0,-1 0 0,6-2 0,12-3 0,1 0 0,35-5 0,-53 10 0,61-8 0,98-20 0,-114 20 0,0 2 0,1 2 0,-1 2 0,1 2 0,62 8 0,-73-2 0,-1 2 0,0 1 0,49 17 0,-36-9 0,13-2 0,0-2 0,1-4 0,84 1 0,-31-2 0,44 4 0,275-17 0,-424 5 0,92-10 0,0 6 0,163 11 0,-223-1 0,200 28 0,-167-20 0,134 3 0,85-18 0,-108-1 0,114-21 0,17-1 0,-279 25 0,469 24 0,-491-20 0,0 1 0,-1 0 0,0 2 0,26 12 0,-5-2 0,-4 0 0,-2 2 0,0 1 0,-1 1 0,-1 2 0,46 43 0,-51-41 0,0 0 0,22 32 0,-38-43 0,-1 0 0,0 0 0,-1 1 0,-1 0 0,0 0 0,8 30 0,3 17 0,17 72 0,-32-118 0,-1-1 0,-1 1 0,0-1 0,-1 1 0,-1 0 0,-4 25 0,5-38 0,-1 0 0,-1 0 0,1 0 0,0-1 0,-1 1 0,1 0 0,-1-1 0,0 1 0,0-1 0,0 0 0,0 0 0,0 0 0,0 0 0,-1 0 0,1 0 0,-1 0 0,-4 2 0,-55 20 0,54-21 0,-184 50 0,-301 42 0,84-54 0,324-39 0,0-5 0,-148-22 0,66 3 0,-206-2 0,221 16 0,65 1 0,1 5 0,-1 2 0,-89 14 0,-136 58 0,12-2 0,218-57 0,-300 41 0,304-48 0,0-3 0,-150-14 0,152-2 0,1-4 0,-110-40 0,67 19 0,54 20 0,0-3 0,2-3 0,-81-43 0,86 38 0,40 22 0,1-1 0,0-1 0,0 0 0,-16-14 0,11 8 19,17 13-216,0-1-1,0 0 0,0 0 0,0 0 0,0-1 1,-5-6-1,1-2-6628</inkml:trace>
+</inkml:ink>
+</file>
+
+<file path=ppt/ink/ink74.xml><?xml version="1.0" encoding="utf-8"?>
+<inkml:ink xmlns:inkml="http://www.w3.org/2003/InkML">
+  <inkml:definitions>
+    <inkml:context xml:id="ctx0">
+      <inkml:inkSource xml:id="inkSrc0">
+        <inkml:traceFormat>
+          <inkml:channel name="X" type="integer" min="-2.14748E9" max="2.14748E9" units="cm"/>
+          <inkml:channel name="Y" type="integer" min="-2.14748E9" max="2.14748E9" units="cm"/>
+          <inkml:channel name="F" type="integer" max="32767" units="dev"/>
+        </inkml:traceFormat>
+        <inkml:channelProperties>
+          <inkml:channelProperty channel="X" name="resolution" value="1000" units="1/cm"/>
+          <inkml:channelProperty channel="Y" name="resolution" value="1000" units="1/cm"/>
+          <inkml:channelProperty channel="F" name="resolution" value="0" units="1/dev"/>
+        </inkml:channelProperties>
+      </inkml:inkSource>
+      <inkml:timestamp xml:id="ts0" timeString="2023-05-14T21:31:00.710"/>
+    </inkml:context>
+    <inkml:brush xml:id="br0">
+      <inkml:brushProperty name="width" value="0.05" units="cm"/>
+      <inkml:brushProperty name="height" value="0.05" units="cm"/>
+      <inkml:brushProperty name="color" value="#E71224"/>
+    </inkml:brush>
+  </inkml:definitions>
+  <inkml:trace contextRef="#ctx0" brushRef="#br0">0 0 24575</inkml:trace>
+</inkml:ink>
+</file>
+
+<file path=ppt/ink/ink75.xml><?xml version="1.0" encoding="utf-8"?>
+<inkml:ink xmlns:inkml="http://www.w3.org/2003/InkML">
+  <inkml:definitions>
+    <inkml:context xml:id="ctx0">
+      <inkml:inkSource xml:id="inkSrc0">
+        <inkml:traceFormat>
+          <inkml:channel name="X" type="integer" min="-2.14748E9" max="2.14748E9" units="cm"/>
+          <inkml:channel name="Y" type="integer" min="-2.14748E9" max="2.14748E9" units="cm"/>
+          <inkml:channel name="F" type="integer" max="32767" units="dev"/>
+        </inkml:traceFormat>
+        <inkml:channelProperties>
+          <inkml:channelProperty channel="X" name="resolution" value="1000" units="1/cm"/>
+          <inkml:channelProperty channel="Y" name="resolution" value="1000" units="1/cm"/>
+          <inkml:channelProperty channel="F" name="resolution" value="0" units="1/dev"/>
+        </inkml:channelProperties>
+      </inkml:inkSource>
+      <inkml:timestamp xml:id="ts0" timeString="2023-05-14T21:31:02.291"/>
+    </inkml:context>
+    <inkml:brush xml:id="br0">
+      <inkml:brushProperty name="width" value="0.05" units="cm"/>
+      <inkml:brushProperty name="height" value="0.05" units="cm"/>
+      <inkml:brushProperty name="color" value="#E71224"/>
+    </inkml:brush>
+  </inkml:definitions>
+  <inkml:trace contextRef="#ctx0" brushRef="#br0">0 1 24575,'0'1285'0,"1"-1237"0,2-1 0,3 1 0,20 86 0,-18-94 0,4 79 0,-4-34 0,24 225 0,50 335 0,-62-554 0,43 114 0,-36-127 0,-4 0 0,15 92 0,25 249 0,-55-384 0,2 0 0,2 0 0,1-1 0,1 0 0,23 37 0,-18-35 0,-2 0 0,-1 1 0,19 68 0,-27-51-1365,-7-32-5461</inkml:trace>
 </inkml:ink>
 </file>
 
@@ -1876,7 +4053,7 @@
           <a:p>
             <a:fld id="{F37D28C0-BEB6-42B0-A203-EEE1023219C4}" type="datetimeFigureOut">
               <a:rPr lang="en-NZ" smtClean="0"/>
-              <a:t>11/05/2023</a:t>
+              <a:t>15/05/2023</a:t>
             </a:fld>
             <a:endParaRPr lang="en-NZ"/>
           </a:p>
@@ -2232,6 +4409,214 @@
 </file>
 
 <file path=ppt/notesSlides/notesSlide10.xml><?xml version="1.0" encoding="utf-8"?>
+<p:notes xmlns:a="http://schemas.openxmlformats.org/drawingml/2006/main" xmlns:r="http://schemas.openxmlformats.org/officeDocument/2006/relationships" xmlns:p="http://schemas.openxmlformats.org/presentationml/2006/main" showMasterSp="0" showMasterPhAnim="0">
+  <p:cSld>
+    <p:spTree>
+      <p:nvGrpSpPr>
+        <p:cNvPr id="1" name="Shape 82"/>
+        <p:cNvGrpSpPr/>
+        <p:nvPr/>
+      </p:nvGrpSpPr>
+      <p:grpSpPr>
+        <a:xfrm>
+          <a:off x="0" y="0"/>
+          <a:ext cx="0" cy="0"/>
+          <a:chOff x="0" y="0"/>
+          <a:chExt cx="0" cy="0"/>
+        </a:xfrm>
+      </p:grpSpPr>
+      <p:sp>
+        <p:nvSpPr>
+          <p:cNvPr id="83" name="Google Shape;83;g5f5670a123_0_13:notes"/>
+          <p:cNvSpPr>
+            <a:spLocks noGrp="1" noRot="1" noChangeAspect="1"/>
+          </p:cNvSpPr>
+          <p:nvPr>
+            <p:ph type="sldImg" idx="2"/>
+          </p:nvPr>
+        </p:nvSpPr>
+        <p:spPr>
+          <a:xfrm>
+            <a:off x="381000" y="685800"/>
+            <a:ext cx="6096000" cy="3429000"/>
+          </a:xfrm>
+          <a:custGeom>
+            <a:avLst/>
+            <a:gdLst/>
+            <a:ahLst/>
+            <a:cxnLst/>
+            <a:rect l="l" t="t" r="r" b="b"/>
+            <a:pathLst>
+              <a:path w="120000" h="120000" extrusionOk="0">
+                <a:moveTo>
+                  <a:pt x="0" y="0"/>
+                </a:moveTo>
+                <a:lnTo>
+                  <a:pt x="120000" y="0"/>
+                </a:lnTo>
+                <a:lnTo>
+                  <a:pt x="120000" y="120000"/>
+                </a:lnTo>
+                <a:lnTo>
+                  <a:pt x="0" y="120000"/>
+                </a:lnTo>
+                <a:close/>
+              </a:path>
+            </a:pathLst>
+          </a:custGeom>
+        </p:spPr>
+      </p:sp>
+      <p:sp>
+        <p:nvSpPr>
+          <p:cNvPr id="84" name="Google Shape;84;g5f5670a123_0_13:notes"/>
+          <p:cNvSpPr txBox="1">
+            <a:spLocks noGrp="1"/>
+          </p:cNvSpPr>
+          <p:nvPr>
+            <p:ph type="body" idx="1"/>
+          </p:nvPr>
+        </p:nvSpPr>
+        <p:spPr>
+          <a:xfrm>
+            <a:off x="685800" y="4343400"/>
+            <a:ext cx="5486400" cy="4114800"/>
+          </a:xfrm>
+          <a:prstGeom prst="rect">
+            <a:avLst/>
+          </a:prstGeom>
+        </p:spPr>
+        <p:txBody>
+          <a:bodyPr spcFirstLastPara="1" wrap="square" lIns="91425" tIns="91425" rIns="91425" bIns="91425" anchor="t" anchorCtr="0">
+            <a:noAutofit/>
+          </a:bodyPr>
+          <a:lstStyle/>
+          <a:p>
+            <a:pPr marL="0" lvl="0" indent="0" algn="l" rtl="0">
+              <a:spcBef>
+                <a:spcPts val="0"/>
+              </a:spcBef>
+              <a:spcAft>
+                <a:spcPts val="0"/>
+              </a:spcAft>
+              <a:buNone/>
+            </a:pPr>
+            <a:endParaRPr/>
+          </a:p>
+        </p:txBody>
+      </p:sp>
+    </p:spTree>
+    <p:extLst>
+      <p:ext uri="{BB962C8B-B14F-4D97-AF65-F5344CB8AC3E}">
+        <p14:creationId xmlns:p14="http://schemas.microsoft.com/office/powerpoint/2010/main" val="1581459060"/>
+      </p:ext>
+    </p:extLst>
+  </p:cSld>
+  <p:clrMapOvr>
+    <a:masterClrMapping/>
+  </p:clrMapOvr>
+</p:notes>
+</file>
+
+<file path=ppt/notesSlides/notesSlide11.xml><?xml version="1.0" encoding="utf-8"?>
+<p:notes xmlns:a="http://schemas.openxmlformats.org/drawingml/2006/main" xmlns:r="http://schemas.openxmlformats.org/officeDocument/2006/relationships" xmlns:p="http://schemas.openxmlformats.org/presentationml/2006/main">
+  <p:cSld>
+    <p:spTree>
+      <p:nvGrpSpPr>
+        <p:cNvPr id="1" name=""/>
+        <p:cNvGrpSpPr/>
+        <p:nvPr/>
+      </p:nvGrpSpPr>
+      <p:grpSpPr>
+        <a:xfrm>
+          <a:off x="0" y="0"/>
+          <a:ext cx="0" cy="0"/>
+          <a:chOff x="0" y="0"/>
+          <a:chExt cx="0" cy="0"/>
+        </a:xfrm>
+      </p:grpSpPr>
+      <p:sp>
+        <p:nvSpPr>
+          <p:cNvPr id="2" name="Slide Image Placeholder 1"/>
+          <p:cNvSpPr>
+            <a:spLocks noGrp="1" noRot="1" noChangeAspect="1"/>
+          </p:cNvSpPr>
+          <p:nvPr>
+            <p:ph type="sldImg"/>
+          </p:nvPr>
+        </p:nvSpPr>
+        <p:spPr/>
+      </p:sp>
+      <p:sp>
+        <p:nvSpPr>
+          <p:cNvPr id="3" name="Notes Placeholder 2"/>
+          <p:cNvSpPr>
+            <a:spLocks noGrp="1"/>
+          </p:cNvSpPr>
+          <p:nvPr>
+            <p:ph type="body" idx="1"/>
+          </p:nvPr>
+        </p:nvSpPr>
+        <p:spPr/>
+        <p:txBody>
+          <a:bodyPr/>
+          <a:lstStyle/>
+          <a:p>
+            <a:pPr>
+              <a:lnSpc>
+                <a:spcPct val="115000"/>
+              </a:lnSpc>
+            </a:pPr>
+            <a:r>
+              <a:rPr lang="en-NZ" i="1" dirty="0">
+                <a:latin typeface="Arial" panose="020B0604020202020204" pitchFamily="34" charset="0"/>
+                <a:ea typeface="Arial" panose="020B0604020202020204" pitchFamily="34" charset="0"/>
+              </a:rPr>
+              <a:t>You must show the results of testing. For each component, include a screenshot proving it works.  You can also include notes about each test. </a:t>
+            </a:r>
+            <a:endParaRPr lang="en-NZ" dirty="0">
+              <a:latin typeface="Arial" panose="020B0604020202020204" pitchFamily="34" charset="0"/>
+              <a:ea typeface="Arial" panose="020B0604020202020204" pitchFamily="34" charset="0"/>
+            </a:endParaRPr>
+          </a:p>
+        </p:txBody>
+      </p:sp>
+      <p:sp>
+        <p:nvSpPr>
+          <p:cNvPr id="4" name="Slide Number Placeholder 3"/>
+          <p:cNvSpPr>
+            <a:spLocks noGrp="1"/>
+          </p:cNvSpPr>
+          <p:nvPr>
+            <p:ph type="sldNum" sz="quarter" idx="5"/>
+          </p:nvPr>
+        </p:nvSpPr>
+        <p:spPr/>
+        <p:txBody>
+          <a:bodyPr/>
+          <a:lstStyle/>
+          <a:p>
+            <a:fld id="{D89B2B17-F4B1-4A14-AF99-5A366D45E74A}" type="slidenum">
+              <a:rPr lang="en-NZ" smtClean="0"/>
+              <a:t>13</a:t>
+            </a:fld>
+            <a:endParaRPr lang="en-NZ"/>
+          </a:p>
+        </p:txBody>
+      </p:sp>
+    </p:spTree>
+    <p:extLst>
+      <p:ext uri="{BB962C8B-B14F-4D97-AF65-F5344CB8AC3E}">
+        <p14:creationId xmlns:p14="http://schemas.microsoft.com/office/powerpoint/2010/main" val="652209768"/>
+      </p:ext>
+    </p:extLst>
+  </p:cSld>
+  <p:clrMapOvr>
+    <a:masterClrMapping/>
+  </p:clrMapOvr>
+</p:notes>
+</file>
+
+<file path=ppt/notesSlides/notesSlide12.xml><?xml version="1.0" encoding="utf-8"?>
 <p:notes xmlns:a="http://schemas.openxmlformats.org/drawingml/2006/main" xmlns:r="http://schemas.openxmlformats.org/officeDocument/2006/relationships" xmlns:p="http://schemas.openxmlformats.org/presentationml/2006/main">
   <p:cSld>
     <p:spTree>
@@ -2314,7 +4699,7 @@
           <a:p>
             <a:fld id="{D89B2B17-F4B1-4A14-AF99-5A366D45E74A}" type="slidenum">
               <a:rPr lang="en-NZ" smtClean="0"/>
-              <a:t>12</a:t>
+              <a:t>14</a:t>
             </a:fld>
             <a:endParaRPr lang="en-NZ"/>
           </a:p>
@@ -2333,7 +4718,7 @@
 </p:notes>
 </file>
 
-<file path=ppt/notesSlides/notesSlide11.xml><?xml version="1.0" encoding="utf-8"?>
+<file path=ppt/notesSlides/notesSlide13.xml><?xml version="1.0" encoding="utf-8"?>
 <p:notes xmlns:a="http://schemas.openxmlformats.org/drawingml/2006/main" xmlns:r="http://schemas.openxmlformats.org/officeDocument/2006/relationships" xmlns:p="http://schemas.openxmlformats.org/presentationml/2006/main">
   <p:cSld>
     <p:spTree>
@@ -2422,7 +4807,7 @@
           <a:p>
             <a:fld id="{D89B2B17-F4B1-4A14-AF99-5A366D45E74A}" type="slidenum">
               <a:rPr lang="en-NZ" smtClean="0"/>
-              <a:t>13</a:t>
+              <a:t>15</a:t>
             </a:fld>
             <a:endParaRPr lang="en-NZ"/>
           </a:p>
@@ -2441,7 +4826,7 @@
 </p:notes>
 </file>
 
-<file path=ppt/notesSlides/notesSlide12.xml><?xml version="1.0" encoding="utf-8"?>
+<file path=ppt/notesSlides/notesSlide14.xml><?xml version="1.0" encoding="utf-8"?>
 <p:notes xmlns:a="http://schemas.openxmlformats.org/drawingml/2006/main" xmlns:r="http://schemas.openxmlformats.org/officeDocument/2006/relationships" xmlns:p="http://schemas.openxmlformats.org/presentationml/2006/main">
   <p:cSld>
     <p:spTree>
@@ -2536,7 +4921,7 @@
           <a:p>
             <a:fld id="{D89B2B17-F4B1-4A14-AF99-5A366D45E74A}" type="slidenum">
               <a:rPr lang="en-NZ" smtClean="0"/>
-              <a:t>15</a:t>
+              <a:t>17</a:t>
             </a:fld>
             <a:endParaRPr lang="en-NZ"/>
           </a:p>
@@ -2555,7 +4940,7 @@
 </p:notes>
 </file>
 
-<file path=ppt/notesSlides/notesSlide13.xml><?xml version="1.0" encoding="utf-8"?>
+<file path=ppt/notesSlides/notesSlide15.xml><?xml version="1.0" encoding="utf-8"?>
 <p:notes xmlns:a="http://schemas.openxmlformats.org/drawingml/2006/main" xmlns:r="http://schemas.openxmlformats.org/officeDocument/2006/relationships" xmlns:p="http://schemas.openxmlformats.org/presentationml/2006/main">
   <p:cSld>
     <p:spTree>
@@ -2645,7 +5030,7 @@
           <a:p>
             <a:fld id="{D89B2B17-F4B1-4A14-AF99-5A366D45E74A}" type="slidenum">
               <a:rPr lang="en-NZ" smtClean="0"/>
-              <a:t>16</a:t>
+              <a:t>18</a:t>
             </a:fld>
             <a:endParaRPr lang="en-NZ"/>
           </a:p>
@@ -3337,7 +5722,7 @@
     </p:spTree>
     <p:extLst>
       <p:ext uri="{BB962C8B-B14F-4D97-AF65-F5344CB8AC3E}">
-        <p14:creationId xmlns:p14="http://schemas.microsoft.com/office/powerpoint/2010/main" val="3683133660"/>
+        <p14:creationId xmlns:p14="http://schemas.microsoft.com/office/powerpoint/2010/main" val="70040487"/>
       </p:ext>
     </p:extLst>
   </p:cSld>
@@ -3436,7 +5821,7 @@
     </p:spTree>
     <p:extLst>
       <p:ext uri="{BB962C8B-B14F-4D97-AF65-F5344CB8AC3E}">
-        <p14:creationId xmlns:p14="http://schemas.microsoft.com/office/powerpoint/2010/main" val="70040487"/>
+        <p14:creationId xmlns:p14="http://schemas.microsoft.com/office/powerpoint/2010/main" val="2965389748"/>
       </p:ext>
     </p:extLst>
   </p:cSld>
@@ -3490,22 +5875,25 @@
           <a:bodyPr/>
           <a:lstStyle/>
           <a:p>
-            <a:pPr>
-              <a:lnSpc>
-                <a:spcPct val="115000"/>
-              </a:lnSpc>
-            </a:pPr>
             <a:r>
-              <a:rPr lang="en-NZ" i="1" dirty="0">
-                <a:latin typeface="Arial" panose="020B0604020202020204" pitchFamily="34" charset="0"/>
-                <a:ea typeface="Arial" panose="020B0604020202020204" pitchFamily="34" charset="0"/>
-              </a:rPr>
-              <a:t>You must show the results of testing. For each component, include a screenshot proving it works.  You can also include notes about each test. </a:t>
+              <a:rPr lang="en-NZ" i="1" dirty="0"/>
+              <a:t>NOTE: Trialling needs to happen for </a:t>
             </a:r>
-            <a:endParaRPr lang="en-NZ" dirty="0">
-              <a:latin typeface="Arial" panose="020B0604020202020204" pitchFamily="34" charset="0"/>
-              <a:ea typeface="Arial" panose="020B0604020202020204" pitchFamily="34" charset="0"/>
-            </a:endParaRPr>
+            <a:r>
+              <a:rPr lang="en-NZ" b="1" i="1" dirty="0"/>
+              <a:t>at least 2 </a:t>
+            </a:r>
+            <a:r>
+              <a:rPr lang="en-NZ" i="1" dirty="0"/>
+              <a:t>of your components but is not necessary for ALL components.</a:t>
+            </a:r>
+          </a:p>
+          <a:p>
+            <a:r>
+              <a:rPr lang="en" i="1" dirty="0"/>
+              <a:t>Trialling is not the same as testing. Trialling is about finding different ways of building the same component. Show evidence of  your trialling  here. Select one of your trials for further development and give reasons for your choice. </a:t>
+            </a:r>
+            <a:endParaRPr lang="en-NZ" dirty="0"/>
           </a:p>
         </p:txBody>
       </p:sp>
@@ -3535,7 +5923,7 @@
     </p:spTree>
     <p:extLst>
       <p:ext uri="{BB962C8B-B14F-4D97-AF65-F5344CB8AC3E}">
-        <p14:creationId xmlns:p14="http://schemas.microsoft.com/office/powerpoint/2010/main" val="652209768"/>
+        <p14:creationId xmlns:p14="http://schemas.microsoft.com/office/powerpoint/2010/main" val="1549929623"/>
       </p:ext>
     </p:extLst>
   </p:cSld>
@@ -3694,7 +6082,7 @@
           <a:p>
             <a:fld id="{9C4A4F43-1C06-40E6-8F87-8B286982E50E}" type="datetimeFigureOut">
               <a:rPr lang="en-NZ" smtClean="0"/>
-              <a:t>11/05/2023</a:t>
+              <a:t>15/05/2023</a:t>
             </a:fld>
             <a:endParaRPr lang="en-NZ" dirty="0"/>
           </a:p>
@@ -3894,7 +6282,7 @@
           <a:p>
             <a:fld id="{9C4A4F43-1C06-40E6-8F87-8B286982E50E}" type="datetimeFigureOut">
               <a:rPr lang="en-NZ" smtClean="0"/>
-              <a:t>11/05/2023</a:t>
+              <a:t>15/05/2023</a:t>
             </a:fld>
             <a:endParaRPr lang="en-NZ" dirty="0"/>
           </a:p>
@@ -4104,7 +6492,7 @@
           <a:p>
             <a:fld id="{9C4A4F43-1C06-40E6-8F87-8B286982E50E}" type="datetimeFigureOut">
               <a:rPr lang="en-NZ" smtClean="0"/>
-              <a:t>11/05/2023</a:t>
+              <a:t>15/05/2023</a:t>
             </a:fld>
             <a:endParaRPr lang="en-NZ" dirty="0"/>
           </a:p>
@@ -4663,7 +7051,7 @@
           <a:p>
             <a:fld id="{9C4A4F43-1C06-40E6-8F87-8B286982E50E}" type="datetimeFigureOut">
               <a:rPr lang="en-NZ" smtClean="0"/>
-              <a:t>11/05/2023</a:t>
+              <a:t>15/05/2023</a:t>
             </a:fld>
             <a:endParaRPr lang="en-NZ" dirty="0"/>
           </a:p>
@@ -4939,7 +7327,7 @@
           <a:p>
             <a:fld id="{9C4A4F43-1C06-40E6-8F87-8B286982E50E}" type="datetimeFigureOut">
               <a:rPr lang="en-NZ" smtClean="0"/>
-              <a:t>11/05/2023</a:t>
+              <a:t>15/05/2023</a:t>
             </a:fld>
             <a:endParaRPr lang="en-NZ" dirty="0"/>
           </a:p>
@@ -5207,7 +7595,7 @@
           <a:p>
             <a:fld id="{9C4A4F43-1C06-40E6-8F87-8B286982E50E}" type="datetimeFigureOut">
               <a:rPr lang="en-NZ" smtClean="0"/>
-              <a:t>11/05/2023</a:t>
+              <a:t>15/05/2023</a:t>
             </a:fld>
             <a:endParaRPr lang="en-NZ" dirty="0"/>
           </a:p>
@@ -5622,7 +8010,7 @@
           <a:p>
             <a:fld id="{9C4A4F43-1C06-40E6-8F87-8B286982E50E}" type="datetimeFigureOut">
               <a:rPr lang="en-NZ" smtClean="0"/>
-              <a:t>11/05/2023</a:t>
+              <a:t>15/05/2023</a:t>
             </a:fld>
             <a:endParaRPr lang="en-NZ" dirty="0"/>
           </a:p>
@@ -5764,7 +8152,7 @@
           <a:p>
             <a:fld id="{9C4A4F43-1C06-40E6-8F87-8B286982E50E}" type="datetimeFigureOut">
               <a:rPr lang="en-NZ" smtClean="0"/>
-              <a:t>11/05/2023</a:t>
+              <a:t>15/05/2023</a:t>
             </a:fld>
             <a:endParaRPr lang="en-NZ" dirty="0"/>
           </a:p>
@@ -5877,7 +8265,7 @@
           <a:p>
             <a:fld id="{9C4A4F43-1C06-40E6-8F87-8B286982E50E}" type="datetimeFigureOut">
               <a:rPr lang="en-NZ" smtClean="0"/>
-              <a:t>11/05/2023</a:t>
+              <a:t>15/05/2023</a:t>
             </a:fld>
             <a:endParaRPr lang="en-NZ" dirty="0"/>
           </a:p>
@@ -6190,7 +8578,7 @@
           <a:p>
             <a:fld id="{9C4A4F43-1C06-40E6-8F87-8B286982E50E}" type="datetimeFigureOut">
               <a:rPr lang="en-NZ" smtClean="0"/>
-              <a:t>11/05/2023</a:t>
+              <a:t>15/05/2023</a:t>
             </a:fld>
             <a:endParaRPr lang="en-NZ" dirty="0"/>
           </a:p>
@@ -6479,7 +8867,7 @@
           <a:p>
             <a:fld id="{9C4A4F43-1C06-40E6-8F87-8B286982E50E}" type="datetimeFigureOut">
               <a:rPr lang="en-NZ" smtClean="0"/>
-              <a:t>11/05/2023</a:t>
+              <a:t>15/05/2023</a:t>
             </a:fld>
             <a:endParaRPr lang="en-NZ" dirty="0"/>
           </a:p>
@@ -6722,7 +9110,7 @@
           <a:p>
             <a:fld id="{9C4A4F43-1C06-40E6-8F87-8B286982E50E}" type="datetimeFigureOut">
               <a:rPr lang="en-NZ" smtClean="0"/>
-              <a:t>11/05/2023</a:t>
+              <a:t>15/05/2023</a:t>
             </a:fld>
             <a:endParaRPr lang="en-NZ" dirty="0"/>
           </a:p>
@@ -7273,7 +9661,7 @@
           <a:p>
             <a:r>
               <a:rPr lang="en-NZ" dirty="0"/>
-              <a:t>Add Creature: Testing (1/2)</a:t>
+              <a:t>Add Creature: Testing (2/2)</a:t>
             </a:r>
           </a:p>
         </p:txBody>
@@ -7308,12 +9696,47 @@
           </a:prstGeom>
         </p:spPr>
       </p:pic>
+      <p:sp>
+        <p:nvSpPr>
+          <p:cNvPr id="62" name="TextBox 61">
+            <a:extLst>
+              <a:ext uri="{FF2B5EF4-FFF2-40B4-BE49-F238E27FC236}">
+                <a16:creationId xmlns:a16="http://schemas.microsoft.com/office/drawing/2014/main" id="{8A26B8D7-F54C-9582-9932-8BDDF1036C20}"/>
+              </a:ext>
+            </a:extLst>
+          </p:cNvPr>
+          <p:cNvSpPr txBox="1"/>
+          <p:nvPr/>
+        </p:nvSpPr>
+        <p:spPr>
+          <a:xfrm>
+            <a:off x="61" y="4157868"/>
+            <a:ext cx="2242868" cy="1477328"/>
+          </a:xfrm>
+          <a:prstGeom prst="rect">
+            <a:avLst/>
+          </a:prstGeom>
+          <a:noFill/>
+        </p:spPr>
+        <p:txBody>
+          <a:bodyPr wrap="square" rtlCol="0">
+            <a:spAutoFit/>
+          </a:bodyPr>
+          <a:lstStyle/>
+          <a:p>
+            <a:r>
+              <a:rPr lang="en-NZ" dirty="0"/>
+              <a:t>After each input, the program reacts as expected and moves forward in the program.</a:t>
+            </a:r>
+          </a:p>
+        </p:txBody>
+      </p:sp>
       <p:pic>
         <p:nvPicPr>
-          <p:cNvPr id="8" name="Picture 7">
+          <p:cNvPr id="4" name="Picture 3">
             <a:extLst>
               <a:ext uri="{FF2B5EF4-FFF2-40B4-BE49-F238E27FC236}">
-                <a16:creationId xmlns:a16="http://schemas.microsoft.com/office/drawing/2014/main" id="{9FAFDF65-E665-23AC-DC29-D7BBDA132C38}"/>
+                <a16:creationId xmlns:a16="http://schemas.microsoft.com/office/drawing/2014/main" id="{07051198-B452-5E11-A087-A9807E66B7F2}"/>
               </a:ext>
             </a:extLst>
           </p:cNvPr>
@@ -7330,8 +9753,8 @@
         </p:blipFill>
         <p:spPr>
           <a:xfrm>
-            <a:off x="96328" y="675646"/>
-            <a:ext cx="5998233" cy="2698749"/>
+            <a:off x="0" y="569756"/>
+            <a:ext cx="6702725" cy="3501500"/>
           </a:xfrm>
           <a:prstGeom prst="rect">
             <a:avLst/>
@@ -7340,10 +9763,10 @@
       </p:pic>
       <p:pic>
         <p:nvPicPr>
-          <p:cNvPr id="12" name="Picture 11">
+          <p:cNvPr id="6" name="Picture 5">
             <a:extLst>
               <a:ext uri="{FF2B5EF4-FFF2-40B4-BE49-F238E27FC236}">
-                <a16:creationId xmlns:a16="http://schemas.microsoft.com/office/drawing/2014/main" id="{683816EB-F5DD-15E3-5D46-62516785C9D0}"/>
+                <a16:creationId xmlns:a16="http://schemas.microsoft.com/office/drawing/2014/main" id="{5BE0FDA2-5DD8-42F8-E3A5-EEF4DFA3224C}"/>
               </a:ext>
             </a:extLst>
           </p:cNvPr>
@@ -7360,8 +9783,8 @@
         </p:blipFill>
         <p:spPr>
           <a:xfrm>
-            <a:off x="6788988" y="112718"/>
-            <a:ext cx="2364880" cy="970207"/>
+            <a:off x="6702725" y="1652621"/>
+            <a:ext cx="3972001" cy="1335770"/>
           </a:xfrm>
           <a:prstGeom prst="rect">
             <a:avLst/>
@@ -7372,10 +9795,10 @@
         <mc:Choice xmlns:p14="http://schemas.microsoft.com/office/powerpoint/2010/main" Requires="p14">
           <p:contentPart p14:bwMode="auto" r:id="rId6">
             <p14:nvContentPartPr>
-              <p14:cNvPr id="14" name="Ink 13">
+              <p14:cNvPr id="7" name="Ink 6">
                 <a:extLst>
                   <a:ext uri="{FF2B5EF4-FFF2-40B4-BE49-F238E27FC236}">
-                    <a16:creationId xmlns:a16="http://schemas.microsoft.com/office/drawing/2014/main" id="{9FC42E96-E1DF-B274-E9E0-6064137F7DF5}"/>
+                    <a16:creationId xmlns:a16="http://schemas.microsoft.com/office/drawing/2014/main" id="{05444F92-291B-56D8-0A02-216D1E1E222B}"/>
                   </a:ext>
                 </a:extLst>
               </p14:cNvPr>
@@ -7383,18 +9806,18 @@
               <p14:nvPr/>
             </p14:nvContentPartPr>
             <p14:xfrm>
-              <a:off x="870969" y="1276017"/>
-              <a:ext cx="1302120" cy="27000"/>
+              <a:off x="2475489" y="1017605"/>
+              <a:ext cx="360" cy="360"/>
             </p14:xfrm>
           </p:contentPart>
         </mc:Choice>
         <mc:Fallback>
           <p:pic>
             <p:nvPicPr>
-              <p:cNvPr id="14" name="Ink 13">
+              <p:cNvPr id="7" name="Ink 6">
                 <a:extLst>
                   <a:ext uri="{FF2B5EF4-FFF2-40B4-BE49-F238E27FC236}">
-                    <a16:creationId xmlns:a16="http://schemas.microsoft.com/office/drawing/2014/main" id="{9FC42E96-E1DF-B274-E9E0-6064137F7DF5}"/>
+                    <a16:creationId xmlns:a16="http://schemas.microsoft.com/office/drawing/2014/main" id="{05444F92-291B-56D8-0A02-216D1E1E222B}"/>
                   </a:ext>
                 </a:extLst>
               </p:cNvPr>
@@ -7409,8 +9832,89 @@
             </p:blipFill>
             <p:spPr>
               <a:xfrm>
-                <a:off x="862329" y="1267377"/>
-                <a:ext cx="1319760" cy="44640"/>
+                <a:off x="2466849" y="1008965"/>
+                <a:ext cx="18000" cy="18000"/>
+              </a:xfrm>
+              <a:prstGeom prst="rect">
+                <a:avLst/>
+              </a:prstGeom>
+            </p:spPr>
+          </p:pic>
+        </mc:Fallback>
+      </mc:AlternateContent>
+      <p:pic>
+        <p:nvPicPr>
+          <p:cNvPr id="10" name="Picture 9">
+            <a:extLst>
+              <a:ext uri="{FF2B5EF4-FFF2-40B4-BE49-F238E27FC236}">
+                <a16:creationId xmlns:a16="http://schemas.microsoft.com/office/drawing/2014/main" id="{0F13F288-4C70-B4F5-6F8F-219B7CE7E9A0}"/>
+              </a:ext>
+            </a:extLst>
+          </p:cNvPr>
+          <p:cNvPicPr>
+            <a:picLocks noChangeAspect="1"/>
+          </p:cNvPicPr>
+          <p:nvPr/>
+        </p:nvPicPr>
+        <p:blipFill>
+          <a:blip r:embed="rId8"/>
+          <a:stretch>
+            <a:fillRect/>
+          </a:stretch>
+        </p:blipFill>
+        <p:spPr>
+          <a:xfrm>
+            <a:off x="6702725" y="0"/>
+            <a:ext cx="3584634" cy="1672474"/>
+          </a:xfrm>
+          <a:prstGeom prst="rect">
+            <a:avLst/>
+          </a:prstGeom>
+        </p:spPr>
+      </p:pic>
+      <mc:AlternateContent xmlns:mc="http://schemas.openxmlformats.org/markup-compatibility/2006">
+        <mc:Choice xmlns:p14="http://schemas.microsoft.com/office/powerpoint/2010/main" Requires="p14">
+          <p:contentPart p14:bwMode="auto" r:id="rId9">
+            <p14:nvContentPartPr>
+              <p14:cNvPr id="11" name="Ink 10">
+                <a:extLst>
+                  <a:ext uri="{FF2B5EF4-FFF2-40B4-BE49-F238E27FC236}">
+                    <a16:creationId xmlns:a16="http://schemas.microsoft.com/office/drawing/2014/main" id="{9BBDF9EF-399C-880F-5FCF-982F78C3ED50}"/>
+                  </a:ext>
+                </a:extLst>
+              </p14:cNvPr>
+              <p14:cNvContentPartPr/>
+              <p14:nvPr/>
+            </p14:nvContentPartPr>
+            <p14:xfrm>
+              <a:off x="2173809" y="993845"/>
+              <a:ext cx="320040" cy="222480"/>
+            </p14:xfrm>
+          </p:contentPart>
+        </mc:Choice>
+        <mc:Fallback>
+          <p:pic>
+            <p:nvPicPr>
+              <p:cNvPr id="11" name="Ink 10">
+                <a:extLst>
+                  <a:ext uri="{FF2B5EF4-FFF2-40B4-BE49-F238E27FC236}">
+                    <a16:creationId xmlns:a16="http://schemas.microsoft.com/office/drawing/2014/main" id="{9BBDF9EF-399C-880F-5FCF-982F78C3ED50}"/>
+                  </a:ext>
+                </a:extLst>
+              </p:cNvPr>
+              <p:cNvPicPr/>
+              <p:nvPr/>
+            </p:nvPicPr>
+            <p:blipFill>
+              <a:blip r:embed="rId10"/>
+              <a:stretch>
+                <a:fillRect/>
+              </a:stretch>
+            </p:blipFill>
+            <p:spPr>
+              <a:xfrm>
+                <a:off x="2165169" y="985205"/>
+                <a:ext cx="337680" cy="240120"/>
               </a:xfrm>
               <a:prstGeom prst="rect">
                 <a:avLst/>
@@ -7421,12 +9925,12 @@
       </mc:AlternateContent>
       <mc:AlternateContent xmlns:mc="http://schemas.openxmlformats.org/markup-compatibility/2006">
         <mc:Choice xmlns:p14="http://schemas.microsoft.com/office/powerpoint/2010/main" Requires="p14">
-          <p:contentPart p14:bwMode="auto" r:id="rId8">
+          <p:contentPart p14:bwMode="auto" r:id="rId11">
             <p14:nvContentPartPr>
-              <p14:cNvPr id="15" name="Ink 14">
+              <p14:cNvPr id="13" name="Ink 12">
                 <a:extLst>
                   <a:ext uri="{FF2B5EF4-FFF2-40B4-BE49-F238E27FC236}">
-                    <a16:creationId xmlns:a16="http://schemas.microsoft.com/office/drawing/2014/main" id="{27E19BB3-B34D-4D05-C7B8-EFBAA2A47C3B}"/>
+                    <a16:creationId xmlns:a16="http://schemas.microsoft.com/office/drawing/2014/main" id="{9C5BD6C1-F92F-67DB-501D-2A3489655167}"/>
                   </a:ext>
                 </a:extLst>
               </p14:cNvPr>
@@ -7434,18 +9938,18 @@
               <p14:nvPr/>
             </p14:nvContentPartPr>
             <p14:xfrm>
-              <a:off x="6778929" y="542697"/>
-              <a:ext cx="344160" cy="209520"/>
+              <a:off x="2466849" y="1068725"/>
+              <a:ext cx="2113920" cy="101520"/>
             </p14:xfrm>
           </p:contentPart>
         </mc:Choice>
         <mc:Fallback>
           <p:pic>
             <p:nvPicPr>
-              <p:cNvPr id="15" name="Ink 14">
+              <p:cNvPr id="13" name="Ink 12">
                 <a:extLst>
                   <a:ext uri="{FF2B5EF4-FFF2-40B4-BE49-F238E27FC236}">
-                    <a16:creationId xmlns:a16="http://schemas.microsoft.com/office/drawing/2014/main" id="{27E19BB3-B34D-4D05-C7B8-EFBAA2A47C3B}"/>
+                    <a16:creationId xmlns:a16="http://schemas.microsoft.com/office/drawing/2014/main" id="{9C5BD6C1-F92F-67DB-501D-2A3489655167}"/>
                   </a:ext>
                 </a:extLst>
               </p:cNvPr>
@@ -7453,15 +9957,15 @@
               <p:nvPr/>
             </p:nvPicPr>
             <p:blipFill>
-              <a:blip r:embed="rId9"/>
+              <a:blip r:embed="rId12"/>
               <a:stretch>
                 <a:fillRect/>
               </a:stretch>
             </p:blipFill>
             <p:spPr>
               <a:xfrm>
-                <a:off x="6769929" y="533697"/>
-                <a:ext cx="361800" cy="227160"/>
+                <a:off x="2458209" y="1059725"/>
+                <a:ext cx="2131560" cy="119160"/>
               </a:xfrm>
               <a:prstGeom prst="rect">
                 <a:avLst/>
@@ -7472,10 +9976,10 @@
       </mc:AlternateContent>
       <p:grpSp>
         <p:nvGrpSpPr>
-          <p:cNvPr id="22" name="Group 21">
+          <p:cNvPr id="63" name="Group 62">
             <a:extLst>
               <a:ext uri="{FF2B5EF4-FFF2-40B4-BE49-F238E27FC236}">
-                <a16:creationId xmlns:a16="http://schemas.microsoft.com/office/drawing/2014/main" id="{E676812A-DB13-9F23-63BC-1434B1BB5A18}"/>
+                <a16:creationId xmlns:a16="http://schemas.microsoft.com/office/drawing/2014/main" id="{F4B23EA1-799D-266B-70D5-85A6EE0501E0}"/>
               </a:ext>
             </a:extLst>
           </p:cNvPr>
@@ -7484,20 +9988,20 @@
         </p:nvGrpSpPr>
         <p:grpSpPr>
           <a:xfrm>
-            <a:off x="2093889" y="1024377"/>
-            <a:ext cx="1928520" cy="269640"/>
-            <a:chOff x="2093889" y="1024377"/>
-            <a:chExt cx="1928520" cy="269640"/>
+            <a:off x="4406889" y="896285"/>
+            <a:ext cx="3063960" cy="752040"/>
+            <a:chOff x="4406889" y="896285"/>
+            <a:chExt cx="3063960" cy="752040"/>
           </a:xfrm>
         </p:grpSpPr>
         <mc:AlternateContent xmlns:mc="http://schemas.openxmlformats.org/markup-compatibility/2006">
           <mc:Choice xmlns:p14="http://schemas.microsoft.com/office/powerpoint/2010/main" Requires="p14">
-            <p:contentPart p14:bwMode="auto" r:id="rId10">
+            <p:contentPart p14:bwMode="auto" r:id="rId13">
               <p14:nvContentPartPr>
-                <p14:cNvPr id="17" name="Ink 16">
+                <p14:cNvPr id="19" name="Ink 18">
                   <a:extLst>
                     <a:ext uri="{FF2B5EF4-FFF2-40B4-BE49-F238E27FC236}">
-                      <a16:creationId xmlns:a16="http://schemas.microsoft.com/office/drawing/2014/main" id="{6C158B5C-FEA4-EE04-46DF-00C075873F6B}"/>
+                      <a16:creationId xmlns:a16="http://schemas.microsoft.com/office/drawing/2014/main" id="{9A33D1EA-8A60-3D10-A7B9-35577EEED53C}"/>
                     </a:ext>
                   </a:extLst>
                 </p14:cNvPr>
@@ -7505,18 +10009,18 @@
                 <p14:nvPr/>
               </p14:nvContentPartPr>
               <p14:xfrm>
-                <a:off x="2093889" y="1024377"/>
-                <a:ext cx="367560" cy="269640"/>
+                <a:off x="4406889" y="896285"/>
+                <a:ext cx="2296800" cy="752040"/>
               </p14:xfrm>
             </p:contentPart>
           </mc:Choice>
           <mc:Fallback>
             <p:pic>
               <p:nvPicPr>
-                <p:cNvPr id="17" name="Ink 16">
+                <p:cNvPr id="19" name="Ink 18">
                   <a:extLst>
                     <a:ext uri="{FF2B5EF4-FFF2-40B4-BE49-F238E27FC236}">
-                      <a16:creationId xmlns:a16="http://schemas.microsoft.com/office/drawing/2014/main" id="{6C158B5C-FEA4-EE04-46DF-00C075873F6B}"/>
+                      <a16:creationId xmlns:a16="http://schemas.microsoft.com/office/drawing/2014/main" id="{9A33D1EA-8A60-3D10-A7B9-35577EEED53C}"/>
                     </a:ext>
                   </a:extLst>
                 </p:cNvPr>
@@ -7524,15 +10028,15 @@
                 <p:nvPr/>
               </p:nvPicPr>
               <p:blipFill>
-                <a:blip r:embed="rId11"/>
+                <a:blip r:embed="rId14"/>
                 <a:stretch>
                   <a:fillRect/>
                 </a:stretch>
               </p:blipFill>
               <p:spPr>
                 <a:xfrm>
-                  <a:off x="2085249" y="1015377"/>
-                  <a:ext cx="385200" cy="287280"/>
+                  <a:off x="4398249" y="887285"/>
+                  <a:ext cx="2314440" cy="769680"/>
                 </a:xfrm>
                 <a:prstGeom prst="rect">
                   <a:avLst/>
@@ -7543,12 +10047,12 @@
         </mc:AlternateContent>
         <mc:AlternateContent xmlns:mc="http://schemas.openxmlformats.org/markup-compatibility/2006">
           <mc:Choice xmlns:p14="http://schemas.microsoft.com/office/powerpoint/2010/main" Requires="p14">
-            <p:contentPart p14:bwMode="auto" r:id="rId12">
+            <p:contentPart p14:bwMode="auto" r:id="rId15">
               <p14:nvContentPartPr>
-                <p14:cNvPr id="18" name="Ink 17">
+                <p14:cNvPr id="20" name="Ink 19">
                   <a:extLst>
                     <a:ext uri="{FF2B5EF4-FFF2-40B4-BE49-F238E27FC236}">
-                      <a16:creationId xmlns:a16="http://schemas.microsoft.com/office/drawing/2014/main" id="{F93BC358-732D-8389-AFA1-8AE4D4427DEB}"/>
+                      <a16:creationId xmlns:a16="http://schemas.microsoft.com/office/drawing/2014/main" id="{BF2046A1-C0CF-F56E-294B-9C7BF052C15D}"/>
                     </a:ext>
                   </a:extLst>
                 </p14:cNvPr>
@@ -7556,18 +10060,18 @@
                 <p14:nvPr/>
               </p14:nvContentPartPr>
               <p14:xfrm>
-                <a:off x="2441289" y="1129857"/>
-                <a:ext cx="1581120" cy="113400"/>
+                <a:off x="6616209" y="1320005"/>
+                <a:ext cx="851040" cy="17280"/>
               </p14:xfrm>
             </p:contentPart>
           </mc:Choice>
           <mc:Fallback>
             <p:pic>
               <p:nvPicPr>
-                <p:cNvPr id="18" name="Ink 17">
+                <p:cNvPr id="20" name="Ink 19">
                   <a:extLst>
                     <a:ext uri="{FF2B5EF4-FFF2-40B4-BE49-F238E27FC236}">
-                      <a16:creationId xmlns:a16="http://schemas.microsoft.com/office/drawing/2014/main" id="{F93BC358-732D-8389-AFA1-8AE4D4427DEB}"/>
+                      <a16:creationId xmlns:a16="http://schemas.microsoft.com/office/drawing/2014/main" id="{BF2046A1-C0CF-F56E-294B-9C7BF052C15D}"/>
                     </a:ext>
                   </a:extLst>
                 </p:cNvPr>
@@ -7575,15 +10079,15 @@
                 <p:nvPr/>
               </p:nvPicPr>
               <p:blipFill>
-                <a:blip r:embed="rId13"/>
+                <a:blip r:embed="rId16"/>
                 <a:stretch>
                   <a:fillRect/>
                 </a:stretch>
               </p:blipFill>
               <p:spPr>
                 <a:xfrm>
-                  <a:off x="2432289" y="1121217"/>
-                  <a:ext cx="1598760" cy="131040"/>
+                  <a:off x="6607209" y="1311365"/>
+                  <a:ext cx="868680" cy="34920"/>
                 </a:xfrm>
                 <a:prstGeom prst="rect">
                   <a:avLst/>
@@ -7594,12 +10098,12 @@
         </mc:AlternateContent>
         <mc:AlternateContent xmlns:mc="http://schemas.openxmlformats.org/markup-compatibility/2006">
           <mc:Choice xmlns:p14="http://schemas.microsoft.com/office/powerpoint/2010/main" Requires="p14">
-            <p:contentPart p14:bwMode="auto" r:id="rId14">
+            <p:contentPart p14:bwMode="auto" r:id="rId17">
               <p14:nvContentPartPr>
-                <p14:cNvPr id="21" name="Ink 20">
+                <p14:cNvPr id="33" name="Ink 32">
                   <a:extLst>
                     <a:ext uri="{FF2B5EF4-FFF2-40B4-BE49-F238E27FC236}">
-                      <a16:creationId xmlns:a16="http://schemas.microsoft.com/office/drawing/2014/main" id="{000FC02A-E828-841A-A5C4-5DA2A3CEDCFD}"/>
+                      <a16:creationId xmlns:a16="http://schemas.microsoft.com/office/drawing/2014/main" id="{38AD4E31-17DB-F847-D978-C1DD17CDC301}"/>
                     </a:ext>
                   </a:extLst>
                 </p14:cNvPr>
@@ -7607,18 +10111,18 @@
                 <p14:nvPr/>
               </p14:nvContentPartPr>
               <p14:xfrm>
-                <a:off x="4019529" y="1190337"/>
-                <a:ext cx="360" cy="360"/>
+                <a:off x="7318569" y="1240445"/>
+                <a:ext cx="152280" cy="88200"/>
               </p14:xfrm>
             </p:contentPart>
           </mc:Choice>
           <mc:Fallback>
             <p:pic>
               <p:nvPicPr>
-                <p:cNvPr id="21" name="Ink 20">
+                <p:cNvPr id="33" name="Ink 32">
                   <a:extLst>
                     <a:ext uri="{FF2B5EF4-FFF2-40B4-BE49-F238E27FC236}">
-                      <a16:creationId xmlns:a16="http://schemas.microsoft.com/office/drawing/2014/main" id="{000FC02A-E828-841A-A5C4-5DA2A3CEDCFD}"/>
+                      <a16:creationId xmlns:a16="http://schemas.microsoft.com/office/drawing/2014/main" id="{38AD4E31-17DB-F847-D978-C1DD17CDC301}"/>
                     </a:ext>
                   </a:extLst>
                 </p:cNvPr>
@@ -7626,15 +10130,66 @@
                 <p:nvPr/>
               </p:nvPicPr>
               <p:blipFill>
-                <a:blip r:embed="rId15"/>
+                <a:blip r:embed="rId18"/>
                 <a:stretch>
                   <a:fillRect/>
                 </a:stretch>
               </p:blipFill>
               <p:spPr>
                 <a:xfrm>
-                  <a:off x="4010889" y="1181337"/>
-                  <a:ext cx="18000" cy="18000"/>
+                  <a:off x="7309569" y="1231445"/>
+                  <a:ext cx="169920" cy="105840"/>
+                </a:xfrm>
+                <a:prstGeom prst="rect">
+                  <a:avLst/>
+                </a:prstGeom>
+              </p:spPr>
+            </p:pic>
+          </mc:Fallback>
+        </mc:AlternateContent>
+        <mc:AlternateContent xmlns:mc="http://schemas.openxmlformats.org/markup-compatibility/2006">
+          <mc:Choice xmlns:p14="http://schemas.microsoft.com/office/powerpoint/2010/main" Requires="p14">
+            <p:contentPart p14:bwMode="auto" r:id="rId19">
+              <p14:nvContentPartPr>
+                <p14:cNvPr id="41" name="Ink 40">
+                  <a:extLst>
+                    <a:ext uri="{FF2B5EF4-FFF2-40B4-BE49-F238E27FC236}">
+                      <a16:creationId xmlns:a16="http://schemas.microsoft.com/office/drawing/2014/main" id="{20ABD932-FD4E-68CC-191E-BCF072BCB577}"/>
+                    </a:ext>
+                  </a:extLst>
+                </p14:cNvPr>
+                <p14:cNvContentPartPr/>
+                <p14:nvPr/>
+              </p14:nvContentPartPr>
+              <p14:xfrm>
+                <a:off x="7327569" y="1336925"/>
+                <a:ext cx="134280" cy="117720"/>
+              </p14:xfrm>
+            </p:contentPart>
+          </mc:Choice>
+          <mc:Fallback>
+            <p:pic>
+              <p:nvPicPr>
+                <p:cNvPr id="41" name="Ink 40">
+                  <a:extLst>
+                    <a:ext uri="{FF2B5EF4-FFF2-40B4-BE49-F238E27FC236}">
+                      <a16:creationId xmlns:a16="http://schemas.microsoft.com/office/drawing/2014/main" id="{20ABD932-FD4E-68CC-191E-BCF072BCB577}"/>
+                    </a:ext>
+                  </a:extLst>
+                </p:cNvPr>
+                <p:cNvPicPr/>
+                <p:nvPr/>
+              </p:nvPicPr>
+              <p:blipFill>
+                <a:blip r:embed="rId20"/>
+                <a:stretch>
+                  <a:fillRect/>
+                </a:stretch>
+              </p:blipFill>
+              <p:spPr>
+                <a:xfrm>
+                  <a:off x="7318929" y="1328285"/>
+                  <a:ext cx="151920" cy="135360"/>
                 </a:xfrm>
                 <a:prstGeom prst="rect">
                   <a:avLst/>
@@ -7644,144 +10199,12 @@
           </mc:Fallback>
         </mc:AlternateContent>
       </p:grpSp>
-      <mc:AlternateContent xmlns:mc="http://schemas.openxmlformats.org/markup-compatibility/2006">
-        <mc:Choice xmlns:p14="http://schemas.microsoft.com/office/powerpoint/2010/main" Requires="p14">
-          <p:contentPart p14:bwMode="auto" r:id="rId16">
-            <p14:nvContentPartPr>
-              <p14:cNvPr id="23" name="Ink 22">
-                <a:extLst>
-                  <a:ext uri="{FF2B5EF4-FFF2-40B4-BE49-F238E27FC236}">
-                    <a16:creationId xmlns:a16="http://schemas.microsoft.com/office/drawing/2014/main" id="{87493201-8636-3BD1-3691-B67B531A9E39}"/>
-                  </a:ext>
-                </a:extLst>
-              </p14:cNvPr>
-              <p14:cNvContentPartPr/>
-              <p14:nvPr/>
-            </p14:nvContentPartPr>
-            <p14:xfrm>
-              <a:off x="6064329" y="680937"/>
-              <a:ext cx="796320" cy="527040"/>
-            </p14:xfrm>
-          </p:contentPart>
-        </mc:Choice>
-        <mc:Fallback>
-          <p:pic>
-            <p:nvPicPr>
-              <p:cNvPr id="23" name="Ink 22">
-                <a:extLst>
-                  <a:ext uri="{FF2B5EF4-FFF2-40B4-BE49-F238E27FC236}">
-                    <a16:creationId xmlns:a16="http://schemas.microsoft.com/office/drawing/2014/main" id="{87493201-8636-3BD1-3691-B67B531A9E39}"/>
-                  </a:ext>
-                </a:extLst>
-              </p:cNvPr>
-              <p:cNvPicPr/>
-              <p:nvPr/>
-            </p:nvPicPr>
-            <p:blipFill>
-              <a:blip r:embed="rId17"/>
-              <a:stretch>
-                <a:fillRect/>
-              </a:stretch>
-            </p:blipFill>
-            <p:spPr>
-              <a:xfrm>
-                <a:off x="6055329" y="672297"/>
-                <a:ext cx="813960" cy="544680"/>
-              </a:xfrm>
-              <a:prstGeom prst="rect">
-                <a:avLst/>
-              </a:prstGeom>
-            </p:spPr>
-          </p:pic>
-        </mc:Fallback>
-      </mc:AlternateContent>
-      <mc:AlternateContent xmlns:mc="http://schemas.openxmlformats.org/markup-compatibility/2006">
-        <mc:Choice xmlns:p14="http://schemas.microsoft.com/office/powerpoint/2010/main" Requires="p14">
-          <p:contentPart p14:bwMode="auto" r:id="rId18">
-            <p14:nvContentPartPr>
-              <p14:cNvPr id="25" name="Ink 24">
-                <a:extLst>
-                  <a:ext uri="{FF2B5EF4-FFF2-40B4-BE49-F238E27FC236}">
-                    <a16:creationId xmlns:a16="http://schemas.microsoft.com/office/drawing/2014/main" id="{E374683D-DAD4-68D5-6182-402D1691BD4E}"/>
-                  </a:ext>
-                </a:extLst>
-              </p14:cNvPr>
-              <p14:cNvContentPartPr/>
-              <p14:nvPr/>
-            </p14:nvContentPartPr>
-            <p14:xfrm>
-              <a:off x="8003289" y="1095297"/>
-              <a:ext cx="27720" cy="143280"/>
-            </p14:xfrm>
-          </p:contentPart>
-        </mc:Choice>
-        <mc:Fallback>
-          <p:pic>
-            <p:nvPicPr>
-              <p:cNvPr id="25" name="Ink 24">
-                <a:extLst>
-                  <a:ext uri="{FF2B5EF4-FFF2-40B4-BE49-F238E27FC236}">
-                    <a16:creationId xmlns:a16="http://schemas.microsoft.com/office/drawing/2014/main" id="{E374683D-DAD4-68D5-6182-402D1691BD4E}"/>
-                  </a:ext>
-                </a:extLst>
-              </p:cNvPr>
-              <p:cNvPicPr/>
-              <p:nvPr/>
-            </p:nvPicPr>
-            <p:blipFill>
-              <a:blip r:embed="rId19"/>
-              <a:stretch>
-                <a:fillRect/>
-              </a:stretch>
-            </p:blipFill>
-            <p:spPr>
-              <a:xfrm>
-                <a:off x="7994649" y="1086657"/>
-                <a:ext cx="45360" cy="160920"/>
-              </a:xfrm>
-              <a:prstGeom prst="rect">
-                <a:avLst/>
-              </a:prstGeom>
-            </p:spPr>
-          </p:pic>
-        </mc:Fallback>
-      </mc:AlternateContent>
       <p:pic>
         <p:nvPicPr>
-          <p:cNvPr id="26" name="Picture 25">
+          <p:cNvPr id="68" name="Picture 67">
             <a:extLst>
               <a:ext uri="{FF2B5EF4-FFF2-40B4-BE49-F238E27FC236}">
-                <a16:creationId xmlns:a16="http://schemas.microsoft.com/office/drawing/2014/main" id="{0900FA41-AB0E-30CD-CB0E-7025DDAF372B}"/>
-              </a:ext>
-            </a:extLst>
-          </p:cNvPr>
-          <p:cNvPicPr>
-            <a:picLocks noChangeAspect="1"/>
-          </p:cNvPicPr>
-          <p:nvPr/>
-        </p:nvPicPr>
-        <p:blipFill>
-          <a:blip r:embed="rId20"/>
-          <a:stretch>
-            <a:fillRect/>
-          </a:stretch>
-        </p:blipFill>
-        <p:spPr>
-          <a:xfrm>
-            <a:off x="6778929" y="1238577"/>
-            <a:ext cx="2364880" cy="917987"/>
-          </a:xfrm>
-          <a:prstGeom prst="rect">
-            <a:avLst/>
-          </a:prstGeom>
-        </p:spPr>
-      </p:pic>
-      <p:pic>
-        <p:nvPicPr>
-          <p:cNvPr id="28" name="Picture 27">
-            <a:extLst>
-              <a:ext uri="{FF2B5EF4-FFF2-40B4-BE49-F238E27FC236}">
-                <a16:creationId xmlns:a16="http://schemas.microsoft.com/office/drawing/2014/main" id="{654562D8-C08A-DAF7-B890-46FC59B75C28}"/>
+                <a16:creationId xmlns:a16="http://schemas.microsoft.com/office/drawing/2014/main" id="{D8C78C60-7BEF-CA94-94E7-13FDAC376224}"/>
               </a:ext>
             </a:extLst>
           </p:cNvPr>
@@ -7798,8 +10221,8 @@
         </p:blipFill>
         <p:spPr>
           <a:xfrm>
-            <a:off x="6778929" y="2299844"/>
-            <a:ext cx="2251114" cy="917987"/>
+            <a:off x="6702725" y="2988391"/>
+            <a:ext cx="2337452" cy="938568"/>
           </a:xfrm>
           <a:prstGeom prst="rect">
             <a:avLst/>
@@ -7810,10 +10233,10 @@
         <mc:Choice xmlns:p14="http://schemas.microsoft.com/office/powerpoint/2010/main" Requires="p14">
           <p:contentPart p14:bwMode="auto" r:id="rId22">
             <p14:nvContentPartPr>
-              <p14:cNvPr id="29" name="Ink 28">
+              <p14:cNvPr id="69" name="Ink 68">
                 <a:extLst>
                   <a:ext uri="{FF2B5EF4-FFF2-40B4-BE49-F238E27FC236}">
-                    <a16:creationId xmlns:a16="http://schemas.microsoft.com/office/drawing/2014/main" id="{21DF0ED1-C66F-E29F-7F88-B57A55D8587B}"/>
+                    <a16:creationId xmlns:a16="http://schemas.microsoft.com/office/drawing/2014/main" id="{A9F04AF4-F368-A70A-4D24-B112CB425327}"/>
                   </a:ext>
                 </a:extLst>
               </p14:cNvPr>
@@ -7821,18 +10244,18 @@
               <p14:nvPr/>
             </p14:nvContentPartPr>
             <p14:xfrm>
-              <a:off x="6996009" y="1707657"/>
-              <a:ext cx="360" cy="360"/>
+              <a:off x="2188929" y="1560845"/>
+              <a:ext cx="702000" cy="408960"/>
             </p14:xfrm>
           </p:contentPart>
         </mc:Choice>
         <mc:Fallback>
           <p:pic>
             <p:nvPicPr>
-              <p:cNvPr id="29" name="Ink 28">
+              <p:cNvPr id="69" name="Ink 68">
                 <a:extLst>
                   <a:ext uri="{FF2B5EF4-FFF2-40B4-BE49-F238E27FC236}">
-                    <a16:creationId xmlns:a16="http://schemas.microsoft.com/office/drawing/2014/main" id="{21DF0ED1-C66F-E29F-7F88-B57A55D8587B}"/>
+                    <a16:creationId xmlns:a16="http://schemas.microsoft.com/office/drawing/2014/main" id="{A9F04AF4-F368-A70A-4D24-B112CB425327}"/>
                   </a:ext>
                 </a:extLst>
               </p:cNvPr>
@@ -7840,15 +10263,15 @@
               <p:nvPr/>
             </p:nvPicPr>
             <p:blipFill>
-              <a:blip r:embed="rId15"/>
+              <a:blip r:embed="rId23"/>
               <a:stretch>
                 <a:fillRect/>
               </a:stretch>
             </p:blipFill>
             <p:spPr>
               <a:xfrm>
-                <a:off x="6987009" y="1699017"/>
-                <a:ext cx="18000" cy="18000"/>
+                <a:off x="2180289" y="1551845"/>
+                <a:ext cx="719640" cy="426600"/>
               </a:xfrm>
               <a:prstGeom prst="rect">
                 <a:avLst/>
@@ -7859,12 +10282,12 @@
       </mc:AlternateContent>
       <mc:AlternateContent xmlns:mc="http://schemas.openxmlformats.org/markup-compatibility/2006">
         <mc:Choice xmlns:p14="http://schemas.microsoft.com/office/powerpoint/2010/main" Requires="p14">
-          <p:contentPart p14:bwMode="auto" r:id="rId23">
+          <p:contentPart p14:bwMode="auto" r:id="rId24">
             <p14:nvContentPartPr>
-              <p14:cNvPr id="30" name="Ink 29">
+              <p14:cNvPr id="70" name="Ink 69">
                 <a:extLst>
                   <a:ext uri="{FF2B5EF4-FFF2-40B4-BE49-F238E27FC236}">
-                    <a16:creationId xmlns:a16="http://schemas.microsoft.com/office/drawing/2014/main" id="{94E9FA58-031E-BF1B-6A27-3D06534DCDEE}"/>
+                    <a16:creationId xmlns:a16="http://schemas.microsoft.com/office/drawing/2014/main" id="{3A060E65-743A-0652-1A2B-727EFEADA39B}"/>
                   </a:ext>
                 </a:extLst>
               </p14:cNvPr>
@@ -7872,18 +10295,18 @@
               <p14:nvPr/>
             </p14:nvContentPartPr>
             <p14:xfrm>
-              <a:off x="6778929" y="1602537"/>
-              <a:ext cx="287640" cy="306720"/>
+              <a:off x="2881209" y="1794845"/>
+              <a:ext cx="1523520" cy="43560"/>
             </p14:xfrm>
           </p:contentPart>
         </mc:Choice>
         <mc:Fallback>
           <p:pic>
             <p:nvPicPr>
-              <p:cNvPr id="30" name="Ink 29">
+              <p:cNvPr id="70" name="Ink 69">
                 <a:extLst>
                   <a:ext uri="{FF2B5EF4-FFF2-40B4-BE49-F238E27FC236}">
-                    <a16:creationId xmlns:a16="http://schemas.microsoft.com/office/drawing/2014/main" id="{94E9FA58-031E-BF1B-6A27-3D06534DCDEE}"/>
+                    <a16:creationId xmlns:a16="http://schemas.microsoft.com/office/drawing/2014/main" id="{3A060E65-743A-0652-1A2B-727EFEADA39B}"/>
                   </a:ext>
                 </a:extLst>
               </p:cNvPr>
@@ -7891,15 +10314,15 @@
               <p:nvPr/>
             </p:nvPicPr>
             <p:blipFill>
-              <a:blip r:embed="rId24"/>
+              <a:blip r:embed="rId25"/>
               <a:stretch>
                 <a:fillRect/>
               </a:stretch>
             </p:blipFill>
             <p:spPr>
               <a:xfrm>
-                <a:off x="6770289" y="1593537"/>
-                <a:ext cx="305280" cy="324360"/>
+                <a:off x="2872209" y="1786205"/>
+                <a:ext cx="1541160" cy="61200"/>
               </a:xfrm>
               <a:prstGeom prst="rect">
                 <a:avLst/>
@@ -7910,12 +10333,12 @@
       </mc:AlternateContent>
       <mc:AlternateContent xmlns:mc="http://schemas.openxmlformats.org/markup-compatibility/2006">
         <mc:Choice xmlns:p14="http://schemas.microsoft.com/office/powerpoint/2010/main" Requires="p14">
-          <p:contentPart p14:bwMode="auto" r:id="rId25">
+          <p:contentPart p14:bwMode="auto" r:id="rId26">
             <p14:nvContentPartPr>
-              <p14:cNvPr id="31" name="Ink 30">
+              <p14:cNvPr id="71" name="Ink 70">
                 <a:extLst>
                   <a:ext uri="{FF2B5EF4-FFF2-40B4-BE49-F238E27FC236}">
-                    <a16:creationId xmlns:a16="http://schemas.microsoft.com/office/drawing/2014/main" id="{F9F12F50-3EB9-1719-CD45-32C9DBAC5B0D}"/>
+                    <a16:creationId xmlns:a16="http://schemas.microsoft.com/office/drawing/2014/main" id="{9BFB8618-66E1-F9A5-999A-01C656859BE3}"/>
                   </a:ext>
                 </a:extLst>
               </p14:cNvPr>
@@ -7923,18 +10346,18 @@
               <p14:nvPr/>
             </p14:nvContentPartPr>
             <p14:xfrm>
-              <a:off x="7901769" y="2190777"/>
-              <a:ext cx="14760" cy="91440"/>
+              <a:off x="4324449" y="1534565"/>
+              <a:ext cx="2182680" cy="348120"/>
             </p14:xfrm>
           </p:contentPart>
         </mc:Choice>
         <mc:Fallback>
           <p:pic>
             <p:nvPicPr>
-              <p:cNvPr id="31" name="Ink 30">
+              <p:cNvPr id="71" name="Ink 70">
                 <a:extLst>
                   <a:ext uri="{FF2B5EF4-FFF2-40B4-BE49-F238E27FC236}">
-                    <a16:creationId xmlns:a16="http://schemas.microsoft.com/office/drawing/2014/main" id="{F9F12F50-3EB9-1719-CD45-32C9DBAC5B0D}"/>
+                    <a16:creationId xmlns:a16="http://schemas.microsoft.com/office/drawing/2014/main" id="{9BFB8618-66E1-F9A5-999A-01C656859BE3}"/>
                   </a:ext>
                 </a:extLst>
               </p:cNvPr>
@@ -7942,15 +10365,15 @@
               <p:nvPr/>
             </p:nvPicPr>
             <p:blipFill>
-              <a:blip r:embed="rId26"/>
+              <a:blip r:embed="rId27"/>
               <a:stretch>
                 <a:fillRect/>
               </a:stretch>
             </p:blipFill>
             <p:spPr>
               <a:xfrm>
-                <a:off x="7892769" y="2182137"/>
-                <a:ext cx="32400" cy="109080"/>
+                <a:off x="4315449" y="1525565"/>
+                <a:ext cx="2200320" cy="365760"/>
               </a:xfrm>
               <a:prstGeom prst="rect">
                 <a:avLst/>
@@ -7961,12 +10384,12 @@
       </mc:AlternateContent>
       <mc:AlternateContent xmlns:mc="http://schemas.openxmlformats.org/markup-compatibility/2006">
         <mc:Choice xmlns:p14="http://schemas.microsoft.com/office/powerpoint/2010/main" Requires="p14">
-          <p:contentPart p14:bwMode="auto" r:id="rId27">
+          <p:contentPart p14:bwMode="auto" r:id="rId28">
             <p14:nvContentPartPr>
-              <p14:cNvPr id="32" name="Ink 31">
+              <p14:cNvPr id="72" name="Ink 71">
                 <a:extLst>
                   <a:ext uri="{FF2B5EF4-FFF2-40B4-BE49-F238E27FC236}">
-                    <a16:creationId xmlns:a16="http://schemas.microsoft.com/office/drawing/2014/main" id="{1C2BE5D8-3C05-ED57-9B1C-1AFCD91CABCA}"/>
+                    <a16:creationId xmlns:a16="http://schemas.microsoft.com/office/drawing/2014/main" id="{7A4B2C9A-8A41-E125-BF89-B9E6AFBFE5F6}"/>
                   </a:ext>
                 </a:extLst>
               </p14:cNvPr>
@@ -7974,18 +10397,18 @@
               <p14:nvPr/>
             </p14:nvContentPartPr>
             <p14:xfrm>
-              <a:off x="1897689" y="1569777"/>
-              <a:ext cx="180360" cy="360"/>
+              <a:off x="6452409" y="1802765"/>
+              <a:ext cx="802080" cy="1198440"/>
             </p14:xfrm>
           </p:contentPart>
         </mc:Choice>
         <mc:Fallback>
           <p:pic>
             <p:nvPicPr>
-              <p:cNvPr id="32" name="Ink 31">
+              <p:cNvPr id="72" name="Ink 71">
                 <a:extLst>
                   <a:ext uri="{FF2B5EF4-FFF2-40B4-BE49-F238E27FC236}">
-                    <a16:creationId xmlns:a16="http://schemas.microsoft.com/office/drawing/2014/main" id="{1C2BE5D8-3C05-ED57-9B1C-1AFCD91CABCA}"/>
+                    <a16:creationId xmlns:a16="http://schemas.microsoft.com/office/drawing/2014/main" id="{7A4B2C9A-8A41-E125-BF89-B9E6AFBFE5F6}"/>
                   </a:ext>
                 </a:extLst>
               </p:cNvPr>
@@ -7993,15 +10416,279 @@
               <p:nvPr/>
             </p:nvPicPr>
             <p:blipFill>
-              <a:blip r:embed="rId28"/>
+              <a:blip r:embed="rId29"/>
               <a:stretch>
                 <a:fillRect/>
               </a:stretch>
             </p:blipFill>
             <p:spPr>
               <a:xfrm>
-                <a:off x="1889049" y="1561137"/>
-                <a:ext cx="198000" cy="18000"/>
+                <a:off x="6443769" y="1794125"/>
+                <a:ext cx="819720" cy="1216080"/>
+              </a:xfrm>
+              <a:prstGeom prst="rect">
+                <a:avLst/>
+              </a:prstGeom>
+            </p:spPr>
+          </p:pic>
+        </mc:Fallback>
+      </mc:AlternateContent>
+      <mc:AlternateContent xmlns:mc="http://schemas.openxmlformats.org/markup-compatibility/2006">
+        <mc:Choice xmlns:p14="http://schemas.microsoft.com/office/powerpoint/2010/main" Requires="p14">
+          <p:contentPart p14:bwMode="auto" r:id="rId30">
+            <p14:nvContentPartPr>
+              <p14:cNvPr id="76" name="Ink 75">
+                <a:extLst>
+                  <a:ext uri="{FF2B5EF4-FFF2-40B4-BE49-F238E27FC236}">
+                    <a16:creationId xmlns:a16="http://schemas.microsoft.com/office/drawing/2014/main" id="{F79266C2-1256-1FDD-D48B-6B649ED43C64}"/>
+                  </a:ext>
+                </a:extLst>
+              </p14:cNvPr>
+              <p14:cNvContentPartPr/>
+              <p14:nvPr/>
+            </p14:nvContentPartPr>
+            <p14:xfrm>
+              <a:off x="2242929" y="2257445"/>
+              <a:ext cx="363600" cy="260280"/>
+            </p14:xfrm>
+          </p:contentPart>
+        </mc:Choice>
+        <mc:Fallback>
+          <p:pic>
+            <p:nvPicPr>
+              <p:cNvPr id="76" name="Ink 75">
+                <a:extLst>
+                  <a:ext uri="{FF2B5EF4-FFF2-40B4-BE49-F238E27FC236}">
+                    <a16:creationId xmlns:a16="http://schemas.microsoft.com/office/drawing/2014/main" id="{F79266C2-1256-1FDD-D48B-6B649ED43C64}"/>
+                  </a:ext>
+                </a:extLst>
+              </p:cNvPr>
+              <p:cNvPicPr/>
+              <p:nvPr/>
+            </p:nvPicPr>
+            <p:blipFill>
+              <a:blip r:embed="rId31"/>
+              <a:stretch>
+                <a:fillRect/>
+              </a:stretch>
+            </p:blipFill>
+            <p:spPr>
+              <a:xfrm>
+                <a:off x="2234289" y="2248805"/>
+                <a:ext cx="381240" cy="277920"/>
+              </a:xfrm>
+              <a:prstGeom prst="rect">
+                <a:avLst/>
+              </a:prstGeom>
+            </p:spPr>
+          </p:pic>
+        </mc:Fallback>
+      </mc:AlternateContent>
+      <mc:AlternateContent xmlns:mc="http://schemas.openxmlformats.org/markup-compatibility/2006">
+        <mc:Choice xmlns:p14="http://schemas.microsoft.com/office/powerpoint/2010/main" Requires="p14">
+          <p:contentPart p14:bwMode="auto" r:id="rId32">
+            <p14:nvContentPartPr>
+              <p14:cNvPr id="77" name="Ink 76">
+                <a:extLst>
+                  <a:ext uri="{FF2B5EF4-FFF2-40B4-BE49-F238E27FC236}">
+                    <a16:creationId xmlns:a16="http://schemas.microsoft.com/office/drawing/2014/main" id="{3E702678-FA4A-BDE5-04CC-826FEE4E729C}"/>
+                  </a:ext>
+                </a:extLst>
+              </p14:cNvPr>
+              <p14:cNvContentPartPr/>
+              <p14:nvPr/>
+            </p14:nvContentPartPr>
+            <p14:xfrm>
+              <a:off x="2579169" y="2346365"/>
+              <a:ext cx="1759320" cy="78120"/>
+            </p14:xfrm>
+          </p:contentPart>
+        </mc:Choice>
+        <mc:Fallback>
+          <p:pic>
+            <p:nvPicPr>
+              <p:cNvPr id="77" name="Ink 76">
+                <a:extLst>
+                  <a:ext uri="{FF2B5EF4-FFF2-40B4-BE49-F238E27FC236}">
+                    <a16:creationId xmlns:a16="http://schemas.microsoft.com/office/drawing/2014/main" id="{3E702678-FA4A-BDE5-04CC-826FEE4E729C}"/>
+                  </a:ext>
+                </a:extLst>
+              </p:cNvPr>
+              <p:cNvPicPr/>
+              <p:nvPr/>
+            </p:nvPicPr>
+            <p:blipFill>
+              <a:blip r:embed="rId33"/>
+              <a:stretch>
+                <a:fillRect/>
+              </a:stretch>
+            </p:blipFill>
+            <p:spPr>
+              <a:xfrm>
+                <a:off x="2570529" y="2337725"/>
+                <a:ext cx="1776960" cy="95760"/>
+              </a:xfrm>
+              <a:prstGeom prst="rect">
+                <a:avLst/>
+              </a:prstGeom>
+            </p:spPr>
+          </p:pic>
+        </mc:Fallback>
+      </mc:AlternateContent>
+      <p:pic>
+        <p:nvPicPr>
+          <p:cNvPr id="83" name="Picture 82">
+            <a:extLst>
+              <a:ext uri="{FF2B5EF4-FFF2-40B4-BE49-F238E27FC236}">
+                <a16:creationId xmlns:a16="http://schemas.microsoft.com/office/drawing/2014/main" id="{9E0BDB2B-38F4-338C-83AE-0C9F0A16DF32}"/>
+              </a:ext>
+            </a:extLst>
+          </p:cNvPr>
+          <p:cNvPicPr>
+            <a:picLocks noChangeAspect="1"/>
+          </p:cNvPicPr>
+          <p:nvPr/>
+        </p:nvPicPr>
+        <p:blipFill>
+          <a:blip r:embed="rId34"/>
+          <a:stretch>
+            <a:fillRect/>
+          </a:stretch>
+        </p:blipFill>
+        <p:spPr>
+          <a:xfrm>
+            <a:off x="9005588" y="2982948"/>
+            <a:ext cx="3391788" cy="1117236"/>
+          </a:xfrm>
+          <a:prstGeom prst="rect">
+            <a:avLst/>
+          </a:prstGeom>
+        </p:spPr>
+      </p:pic>
+      <mc:AlternateContent xmlns:mc="http://schemas.openxmlformats.org/markup-compatibility/2006">
+        <mc:Choice xmlns:p14="http://schemas.microsoft.com/office/powerpoint/2010/main" Requires="p14">
+          <p:contentPart p14:bwMode="auto" r:id="rId35">
+            <p14:nvContentPartPr>
+              <p14:cNvPr id="84" name="Ink 83">
+                <a:extLst>
+                  <a:ext uri="{FF2B5EF4-FFF2-40B4-BE49-F238E27FC236}">
+                    <a16:creationId xmlns:a16="http://schemas.microsoft.com/office/drawing/2014/main" id="{069EC2A6-4B4E-3687-489F-397903F19BC9}"/>
+                  </a:ext>
+                </a:extLst>
+              </p14:cNvPr>
+              <p14:cNvContentPartPr/>
+              <p14:nvPr/>
+            </p14:nvContentPartPr>
+            <p14:xfrm>
+              <a:off x="7064769" y="3363725"/>
+              <a:ext cx="1988640" cy="173520"/>
+            </p14:xfrm>
+          </p:contentPart>
+        </mc:Choice>
+        <mc:Fallback>
+          <p:pic>
+            <p:nvPicPr>
+              <p:cNvPr id="84" name="Ink 83">
+                <a:extLst>
+                  <a:ext uri="{FF2B5EF4-FFF2-40B4-BE49-F238E27FC236}">
+                    <a16:creationId xmlns:a16="http://schemas.microsoft.com/office/drawing/2014/main" id="{069EC2A6-4B4E-3687-489F-397903F19BC9}"/>
+                  </a:ext>
+                </a:extLst>
+              </p:cNvPr>
+              <p:cNvPicPr/>
+              <p:nvPr/>
+            </p:nvPicPr>
+            <p:blipFill>
+              <a:blip r:embed="rId36"/>
+              <a:stretch>
+                <a:fillRect/>
+              </a:stretch>
+            </p:blipFill>
+            <p:spPr>
+              <a:xfrm>
+                <a:off x="7056129" y="3355085"/>
+                <a:ext cx="2006280" cy="191160"/>
+              </a:xfrm>
+              <a:prstGeom prst="rect">
+                <a:avLst/>
+              </a:prstGeom>
+            </p:spPr>
+          </p:pic>
+        </mc:Fallback>
+      </mc:AlternateContent>
+      <p:pic>
+        <p:nvPicPr>
+          <p:cNvPr id="91" name="Picture 90">
+            <a:extLst>
+              <a:ext uri="{FF2B5EF4-FFF2-40B4-BE49-F238E27FC236}">
+                <a16:creationId xmlns:a16="http://schemas.microsoft.com/office/drawing/2014/main" id="{4C860F21-6715-E21A-21BA-D7A38147D937}"/>
+              </a:ext>
+            </a:extLst>
+          </p:cNvPr>
+          <p:cNvPicPr>
+            <a:picLocks noChangeAspect="1"/>
+          </p:cNvPicPr>
+          <p:nvPr/>
+        </p:nvPicPr>
+        <p:blipFill>
+          <a:blip r:embed="rId37"/>
+          <a:stretch>
+            <a:fillRect/>
+          </a:stretch>
+        </p:blipFill>
+        <p:spPr>
+          <a:xfrm>
+            <a:off x="6621386" y="4157868"/>
+            <a:ext cx="2364703" cy="938568"/>
+          </a:xfrm>
+          <a:prstGeom prst="rect">
+            <a:avLst/>
+          </a:prstGeom>
+        </p:spPr>
+      </p:pic>
+      <mc:AlternateContent xmlns:mc="http://schemas.openxmlformats.org/markup-compatibility/2006">
+        <mc:Choice xmlns:p14="http://schemas.microsoft.com/office/powerpoint/2010/main" Requires="p14">
+          <p:contentPart p14:bwMode="auto" r:id="rId38">
+            <p14:nvContentPartPr>
+              <p14:cNvPr id="92" name="Ink 91">
+                <a:extLst>
+                  <a:ext uri="{FF2B5EF4-FFF2-40B4-BE49-F238E27FC236}">
+                    <a16:creationId xmlns:a16="http://schemas.microsoft.com/office/drawing/2014/main" id="{825AD885-3D86-5E23-82FB-3871E6761798}"/>
+                  </a:ext>
+                </a:extLst>
+              </p14:cNvPr>
+              <p14:cNvContentPartPr/>
+              <p14:nvPr/>
+            </p14:nvContentPartPr>
+            <p14:xfrm>
+              <a:off x="2389449" y="3243125"/>
+              <a:ext cx="360" cy="360"/>
+            </p14:xfrm>
+          </p:contentPart>
+        </mc:Choice>
+        <mc:Fallback>
+          <p:pic>
+            <p:nvPicPr>
+              <p:cNvPr id="92" name="Ink 91">
+                <a:extLst>
+                  <a:ext uri="{FF2B5EF4-FFF2-40B4-BE49-F238E27FC236}">
+                    <a16:creationId xmlns:a16="http://schemas.microsoft.com/office/drawing/2014/main" id="{825AD885-3D86-5E23-82FB-3871E6761798}"/>
+                  </a:ext>
+                </a:extLst>
+              </p:cNvPr>
+              <p:cNvPicPr/>
+              <p:nvPr/>
+            </p:nvPicPr>
+            <p:blipFill>
+              <a:blip r:embed="rId7"/>
+              <a:stretch>
+                <a:fillRect/>
+              </a:stretch>
+            </p:blipFill>
+            <p:spPr>
+              <a:xfrm>
+                <a:off x="2380449" y="3234485"/>
+                <a:ext cx="18000" cy="18000"/>
               </a:xfrm>
               <a:prstGeom prst="rect">
                 <a:avLst/>
@@ -8012,10 +10699,10 @@
       </mc:AlternateContent>
       <p:grpSp>
         <p:nvGrpSpPr>
-          <p:cNvPr id="36" name="Group 35">
+          <p:cNvPr id="97" name="Group 96">
             <a:extLst>
               <a:ext uri="{FF2B5EF4-FFF2-40B4-BE49-F238E27FC236}">
-                <a16:creationId xmlns:a16="http://schemas.microsoft.com/office/drawing/2014/main" id="{E66AD07B-8A36-4C4E-611E-A3D059B13804}"/>
+                <a16:creationId xmlns:a16="http://schemas.microsoft.com/office/drawing/2014/main" id="{CBAB72CF-1894-B93D-F33D-29F60B0314CC}"/>
               </a:ext>
             </a:extLst>
           </p:cNvPr>
@@ -8024,20 +10711,20 @@
         </p:nvGrpSpPr>
         <p:grpSpPr>
           <a:xfrm>
-            <a:off x="2077689" y="1429377"/>
-            <a:ext cx="1939320" cy="236880"/>
-            <a:chOff x="2077689" y="1429377"/>
-            <a:chExt cx="1939320" cy="236880"/>
+            <a:off x="2145729" y="3173645"/>
+            <a:ext cx="2345040" cy="302400"/>
+            <a:chOff x="2145729" y="3173645"/>
+            <a:chExt cx="2345040" cy="302400"/>
           </a:xfrm>
         </p:grpSpPr>
         <mc:AlternateContent xmlns:mc="http://schemas.openxmlformats.org/markup-compatibility/2006">
           <mc:Choice xmlns:p14="http://schemas.microsoft.com/office/powerpoint/2010/main" Requires="p14">
-            <p:contentPart p14:bwMode="auto" r:id="rId29">
+            <p:contentPart p14:bwMode="auto" r:id="rId39">
               <p14:nvContentPartPr>
-                <p14:cNvPr id="34" name="Ink 33">
+                <p14:cNvPr id="93" name="Ink 92">
                   <a:extLst>
                     <a:ext uri="{FF2B5EF4-FFF2-40B4-BE49-F238E27FC236}">
-                      <a16:creationId xmlns:a16="http://schemas.microsoft.com/office/drawing/2014/main" id="{121D9BFF-8863-3EF8-EF21-D2A6BBBA681A}"/>
+                      <a16:creationId xmlns:a16="http://schemas.microsoft.com/office/drawing/2014/main" id="{7FC13676-724D-02B1-B28C-60744F88C7AD}"/>
                     </a:ext>
                   </a:extLst>
                 </p14:cNvPr>
@@ -8045,18 +10732,18 @@
                 <p14:nvPr/>
               </p14:nvContentPartPr>
               <p14:xfrm>
-                <a:off x="2077689" y="1429377"/>
-                <a:ext cx="277920" cy="236880"/>
+                <a:off x="2145729" y="3173645"/>
+                <a:ext cx="453960" cy="302400"/>
               </p14:xfrm>
             </p:contentPart>
           </mc:Choice>
           <mc:Fallback>
             <p:pic>
               <p:nvPicPr>
-                <p:cNvPr id="34" name="Ink 33">
+                <p:cNvPr id="93" name="Ink 92">
                   <a:extLst>
                     <a:ext uri="{FF2B5EF4-FFF2-40B4-BE49-F238E27FC236}">
-                      <a16:creationId xmlns:a16="http://schemas.microsoft.com/office/drawing/2014/main" id="{121D9BFF-8863-3EF8-EF21-D2A6BBBA681A}"/>
+                      <a16:creationId xmlns:a16="http://schemas.microsoft.com/office/drawing/2014/main" id="{7FC13676-724D-02B1-B28C-60744F88C7AD}"/>
                     </a:ext>
                   </a:extLst>
                 </p:cNvPr>
@@ -8064,15 +10751,15 @@
                 <p:nvPr/>
               </p:nvPicPr>
               <p:blipFill>
-                <a:blip r:embed="rId30"/>
+                <a:blip r:embed="rId40"/>
                 <a:stretch>
                   <a:fillRect/>
                 </a:stretch>
               </p:blipFill>
               <p:spPr>
                 <a:xfrm>
-                  <a:off x="2069049" y="1420737"/>
-                  <a:ext cx="295560" cy="254520"/>
+                  <a:off x="2136729" y="3164645"/>
+                  <a:ext cx="471600" cy="320040"/>
                 </a:xfrm>
                 <a:prstGeom prst="rect">
                   <a:avLst/>
@@ -8083,12 +10770,12 @@
         </mc:AlternateContent>
         <mc:AlternateContent xmlns:mc="http://schemas.openxmlformats.org/markup-compatibility/2006">
           <mc:Choice xmlns:p14="http://schemas.microsoft.com/office/powerpoint/2010/main" Requires="p14">
-            <p:contentPart p14:bwMode="auto" r:id="rId31">
+            <p:contentPart p14:bwMode="auto" r:id="rId41">
               <p14:nvContentPartPr>
-                <p14:cNvPr id="35" name="Ink 34">
+                <p14:cNvPr id="94" name="Ink 93">
                   <a:extLst>
                     <a:ext uri="{FF2B5EF4-FFF2-40B4-BE49-F238E27FC236}">
-                      <a16:creationId xmlns:a16="http://schemas.microsoft.com/office/drawing/2014/main" id="{EF7ADAA2-3F03-D57D-1D96-A4A9731C5603}"/>
+                      <a16:creationId xmlns:a16="http://schemas.microsoft.com/office/drawing/2014/main" id="{4E71AA2C-AD7E-55C4-AAF1-F1F5EE1D2D22}"/>
                     </a:ext>
                   </a:extLst>
                 </p14:cNvPr>
@@ -8096,18 +10783,18 @@
                 <p14:nvPr/>
               </p14:nvContentPartPr>
               <p14:xfrm>
-                <a:off x="2372169" y="1525857"/>
-                <a:ext cx="1644840" cy="61920"/>
+                <a:off x="2570529" y="3226205"/>
+                <a:ext cx="1920240" cy="90000"/>
               </p14:xfrm>
             </p:contentPart>
           </mc:Choice>
           <mc:Fallback>
             <p:pic>
               <p:nvPicPr>
-                <p:cNvPr id="35" name="Ink 34">
+                <p:cNvPr id="94" name="Ink 93">
                   <a:extLst>
                     <a:ext uri="{FF2B5EF4-FFF2-40B4-BE49-F238E27FC236}">
-                      <a16:creationId xmlns:a16="http://schemas.microsoft.com/office/drawing/2014/main" id="{EF7ADAA2-3F03-D57D-1D96-A4A9731C5603}"/>
+                      <a16:creationId xmlns:a16="http://schemas.microsoft.com/office/drawing/2014/main" id="{4E71AA2C-AD7E-55C4-AAF1-F1F5EE1D2D22}"/>
                     </a:ext>
                   </a:extLst>
                 </p:cNvPr>
@@ -8115,15 +10802,15 @@
                 <p:nvPr/>
               </p:nvPicPr>
               <p:blipFill>
-                <a:blip r:embed="rId32"/>
+                <a:blip r:embed="rId42"/>
                 <a:stretch>
                   <a:fillRect/>
                 </a:stretch>
               </p:blipFill>
               <p:spPr>
                 <a:xfrm>
-                  <a:off x="2363169" y="1516857"/>
-                  <a:ext cx="1662480" cy="79560"/>
+                  <a:off x="2561529" y="3217205"/>
+                  <a:ext cx="1937880" cy="107640"/>
                 </a:xfrm>
                 <a:prstGeom prst="rect">
                   <a:avLst/>
@@ -8135,12 +10822,12 @@
       </p:grpSp>
       <mc:AlternateContent xmlns:mc="http://schemas.openxmlformats.org/markup-compatibility/2006">
         <mc:Choice xmlns:p14="http://schemas.microsoft.com/office/powerpoint/2010/main" Requires="p14">
-          <p:contentPart p14:bwMode="auto" r:id="rId33">
+          <p:contentPart p14:bwMode="auto" r:id="rId43">
             <p14:nvContentPartPr>
-              <p14:cNvPr id="37" name="Ink 36">
+              <p14:cNvPr id="95" name="Ink 94">
                 <a:extLst>
                   <a:ext uri="{FF2B5EF4-FFF2-40B4-BE49-F238E27FC236}">
-                    <a16:creationId xmlns:a16="http://schemas.microsoft.com/office/drawing/2014/main" id="{1FCA837B-A185-C031-1180-41D3D7585ADB}"/>
+                    <a16:creationId xmlns:a16="http://schemas.microsoft.com/office/drawing/2014/main" id="{441776F7-0584-96B0-02F2-F2CC31C4B2D3}"/>
                   </a:ext>
                 </a:extLst>
               </p14:cNvPr>
@@ -8148,18 +10835,18 @@
               <p14:nvPr/>
             </p14:nvContentPartPr>
             <p14:xfrm>
-              <a:off x="6029769" y="1655457"/>
-              <a:ext cx="680760" cy="79200"/>
+              <a:off x="4432449" y="3112805"/>
+              <a:ext cx="1976040" cy="347400"/>
             </p14:xfrm>
           </p:contentPart>
         </mc:Choice>
         <mc:Fallback>
           <p:pic>
             <p:nvPicPr>
-              <p:cNvPr id="37" name="Ink 36">
+              <p:cNvPr id="95" name="Ink 94">
                 <a:extLst>
                   <a:ext uri="{FF2B5EF4-FFF2-40B4-BE49-F238E27FC236}">
-                    <a16:creationId xmlns:a16="http://schemas.microsoft.com/office/drawing/2014/main" id="{1FCA837B-A185-C031-1180-41D3D7585ADB}"/>
+                    <a16:creationId xmlns:a16="http://schemas.microsoft.com/office/drawing/2014/main" id="{441776F7-0584-96B0-02F2-F2CC31C4B2D3}"/>
                   </a:ext>
                 </a:extLst>
               </p:cNvPr>
@@ -8167,15 +10854,15 @@
               <p:nvPr/>
             </p:nvPicPr>
             <p:blipFill>
-              <a:blip r:embed="rId34"/>
+              <a:blip r:embed="rId44"/>
               <a:stretch>
                 <a:fillRect/>
               </a:stretch>
             </p:blipFill>
             <p:spPr>
               <a:xfrm>
-                <a:off x="6020769" y="1646817"/>
-                <a:ext cx="698400" cy="96840"/>
+                <a:off x="4423449" y="3104165"/>
+                <a:ext cx="1993680" cy="365040"/>
               </a:xfrm>
               <a:prstGeom prst="rect">
                 <a:avLst/>
@@ -8186,10 +10873,10 @@
       </mc:AlternateContent>
       <p:pic>
         <p:nvPicPr>
-          <p:cNvPr id="38" name="Picture 37">
+          <p:cNvPr id="101" name="Picture 100">
             <a:extLst>
               <a:ext uri="{FF2B5EF4-FFF2-40B4-BE49-F238E27FC236}">
-                <a16:creationId xmlns:a16="http://schemas.microsoft.com/office/drawing/2014/main" id="{6E4AC159-B47D-9953-95B7-EF332545D866}"/>
+                <a16:creationId xmlns:a16="http://schemas.microsoft.com/office/drawing/2014/main" id="{1F2EB74C-0ABD-4D7D-B872-8C2461568752}"/>
               </a:ext>
             </a:extLst>
           </p:cNvPr>
@@ -8199,203 +10886,29 @@
           <p:nvPr/>
         </p:nvPicPr>
         <p:blipFill>
-          <a:blip r:embed="rId35"/>
+          <a:blip r:embed="rId45"/>
           <a:stretch>
             <a:fillRect/>
           </a:stretch>
         </p:blipFill>
         <p:spPr>
           <a:xfrm>
-            <a:off x="6676256" y="3377282"/>
-            <a:ext cx="2451025" cy="998098"/>
+            <a:off x="8986089" y="4082625"/>
+            <a:ext cx="3714274" cy="1771593"/>
           </a:xfrm>
           <a:prstGeom prst="rect">
             <a:avLst/>
           </a:prstGeom>
         </p:spPr>
       </p:pic>
-      <p:grpSp>
-        <p:nvGrpSpPr>
-          <p:cNvPr id="43" name="Group 42">
-            <a:extLst>
-              <a:ext uri="{FF2B5EF4-FFF2-40B4-BE49-F238E27FC236}">
-                <a16:creationId xmlns:a16="http://schemas.microsoft.com/office/drawing/2014/main" id="{46127BAC-F2FA-22C2-EDF2-97C344DB1B7F}"/>
-              </a:ext>
-            </a:extLst>
-          </p:cNvPr>
-          <p:cNvGrpSpPr/>
-          <p:nvPr/>
-        </p:nvGrpSpPr>
-        <p:grpSpPr>
-          <a:xfrm>
-            <a:off x="1768449" y="1853137"/>
-            <a:ext cx="2304360" cy="296280"/>
-            <a:chOff x="1768449" y="1853137"/>
-            <a:chExt cx="2304360" cy="296280"/>
-          </a:xfrm>
-        </p:grpSpPr>
-        <mc:AlternateContent xmlns:mc="http://schemas.openxmlformats.org/markup-compatibility/2006">
-          <mc:Choice xmlns:p14="http://schemas.microsoft.com/office/powerpoint/2010/main" Requires="p14">
-            <p:contentPart p14:bwMode="auto" r:id="rId36">
-              <p14:nvContentPartPr>
-                <p14:cNvPr id="39" name="Ink 38">
-                  <a:extLst>
-                    <a:ext uri="{FF2B5EF4-FFF2-40B4-BE49-F238E27FC236}">
-                      <a16:creationId xmlns:a16="http://schemas.microsoft.com/office/drawing/2014/main" id="{0E40CF0C-616C-46B6-4EDC-23AD0C483003}"/>
-                    </a:ext>
-                  </a:extLst>
-                </p14:cNvPr>
-                <p14:cNvContentPartPr/>
-                <p14:nvPr/>
-              </p14:nvContentPartPr>
-              <p14:xfrm>
-                <a:off x="1768449" y="2015137"/>
-                <a:ext cx="297720" cy="3600"/>
-              </p14:xfrm>
-            </p:contentPart>
-          </mc:Choice>
-          <mc:Fallback>
-            <p:pic>
-              <p:nvPicPr>
-                <p:cNvPr id="39" name="Ink 38">
-                  <a:extLst>
-                    <a:ext uri="{FF2B5EF4-FFF2-40B4-BE49-F238E27FC236}">
-                      <a16:creationId xmlns:a16="http://schemas.microsoft.com/office/drawing/2014/main" id="{0E40CF0C-616C-46B6-4EDC-23AD0C483003}"/>
-                    </a:ext>
-                  </a:extLst>
-                </p:cNvPr>
-                <p:cNvPicPr/>
-                <p:nvPr/>
-              </p:nvPicPr>
-              <p:blipFill>
-                <a:blip r:embed="rId37"/>
-                <a:stretch>
-                  <a:fillRect/>
-                </a:stretch>
-              </p:blipFill>
-              <p:spPr>
-                <a:xfrm>
-                  <a:off x="1759449" y="2006137"/>
-                  <a:ext cx="315360" cy="21240"/>
-                </a:xfrm>
-                <a:prstGeom prst="rect">
-                  <a:avLst/>
-                </a:prstGeom>
-              </p:spPr>
-            </p:pic>
-          </mc:Fallback>
-        </mc:AlternateContent>
-        <mc:AlternateContent xmlns:mc="http://schemas.openxmlformats.org/markup-compatibility/2006">
-          <mc:Choice xmlns:p14="http://schemas.microsoft.com/office/powerpoint/2010/main" Requires="p14">
-            <p:contentPart p14:bwMode="auto" r:id="rId38">
-              <p14:nvContentPartPr>
-                <p14:cNvPr id="40" name="Ink 39">
-                  <a:extLst>
-                    <a:ext uri="{FF2B5EF4-FFF2-40B4-BE49-F238E27FC236}">
-                      <a16:creationId xmlns:a16="http://schemas.microsoft.com/office/drawing/2014/main" id="{35DB4F7C-F4CA-8EE1-1337-1CB22AFFF7B6}"/>
-                    </a:ext>
-                  </a:extLst>
-                </p14:cNvPr>
-                <p14:cNvContentPartPr/>
-                <p14:nvPr/>
-              </p14:nvContentPartPr>
-              <p14:xfrm>
-                <a:off x="2103249" y="1853137"/>
-                <a:ext cx="245880" cy="236880"/>
-              </p14:xfrm>
-            </p:contentPart>
-          </mc:Choice>
-          <mc:Fallback>
-            <p:pic>
-              <p:nvPicPr>
-                <p:cNvPr id="40" name="Ink 39">
-                  <a:extLst>
-                    <a:ext uri="{FF2B5EF4-FFF2-40B4-BE49-F238E27FC236}">
-                      <a16:creationId xmlns:a16="http://schemas.microsoft.com/office/drawing/2014/main" id="{35DB4F7C-F4CA-8EE1-1337-1CB22AFFF7B6}"/>
-                    </a:ext>
-                  </a:extLst>
-                </p:cNvPr>
-                <p:cNvPicPr/>
-                <p:nvPr/>
-              </p:nvPicPr>
-              <p:blipFill>
-                <a:blip r:embed="rId39"/>
-                <a:stretch>
-                  <a:fillRect/>
-                </a:stretch>
-              </p:blipFill>
-              <p:spPr>
-                <a:xfrm>
-                  <a:off x="2094249" y="1844137"/>
-                  <a:ext cx="263520" cy="254520"/>
-                </a:xfrm>
-                <a:prstGeom prst="rect">
-                  <a:avLst/>
-                </a:prstGeom>
-              </p:spPr>
-            </p:pic>
-          </mc:Fallback>
-        </mc:AlternateContent>
-        <mc:AlternateContent xmlns:mc="http://schemas.openxmlformats.org/markup-compatibility/2006">
-          <mc:Choice xmlns:p14="http://schemas.microsoft.com/office/powerpoint/2010/main" Requires="p14">
-            <p:contentPart p14:bwMode="auto" r:id="rId40">
-              <p14:nvContentPartPr>
-                <p14:cNvPr id="42" name="Ink 41">
-                  <a:extLst>
-                    <a:ext uri="{FF2B5EF4-FFF2-40B4-BE49-F238E27FC236}">
-                      <a16:creationId xmlns:a16="http://schemas.microsoft.com/office/drawing/2014/main" id="{A6FE6650-CE2B-68F0-87B5-535783CF7159}"/>
-                    </a:ext>
-                  </a:extLst>
-                </p14:cNvPr>
-                <p14:cNvContentPartPr/>
-                <p14:nvPr/>
-              </p14:nvContentPartPr>
-              <p14:xfrm>
-                <a:off x="2345889" y="2026657"/>
-                <a:ext cx="1726920" cy="122760"/>
-              </p14:xfrm>
-            </p:contentPart>
-          </mc:Choice>
-          <mc:Fallback>
-            <p:pic>
-              <p:nvPicPr>
-                <p:cNvPr id="42" name="Ink 41">
-                  <a:extLst>
-                    <a:ext uri="{FF2B5EF4-FFF2-40B4-BE49-F238E27FC236}">
-                      <a16:creationId xmlns:a16="http://schemas.microsoft.com/office/drawing/2014/main" id="{A6FE6650-CE2B-68F0-87B5-535783CF7159}"/>
-                    </a:ext>
-                  </a:extLst>
-                </p:cNvPr>
-                <p:cNvPicPr/>
-                <p:nvPr/>
-              </p:nvPicPr>
-              <p:blipFill>
-                <a:blip r:embed="rId41"/>
-                <a:stretch>
-                  <a:fillRect/>
-                </a:stretch>
-              </p:blipFill>
-              <p:spPr>
-                <a:xfrm>
-                  <a:off x="2337249" y="2018017"/>
-                  <a:ext cx="1744560" cy="140400"/>
-                </a:xfrm>
-                <a:prstGeom prst="rect">
-                  <a:avLst/>
-                </a:prstGeom>
-              </p:spPr>
-            </p:pic>
-          </mc:Fallback>
-        </mc:AlternateContent>
-      </p:grpSp>
       <mc:AlternateContent xmlns:mc="http://schemas.openxmlformats.org/markup-compatibility/2006">
         <mc:Choice xmlns:p14="http://schemas.microsoft.com/office/powerpoint/2010/main" Requires="p14">
-          <p:contentPart p14:bwMode="auto" r:id="rId42">
+          <p:contentPart p14:bwMode="auto" r:id="rId46">
             <p14:nvContentPartPr>
-              <p14:cNvPr id="44" name="Ink 43">
+              <p14:cNvPr id="64" name="Ink 63">
                 <a:extLst>
                   <a:ext uri="{FF2B5EF4-FFF2-40B4-BE49-F238E27FC236}">
-                    <a16:creationId xmlns:a16="http://schemas.microsoft.com/office/drawing/2014/main" id="{BC54F37F-F77D-6876-BB14-4E71F6C159E8}"/>
+                    <a16:creationId xmlns:a16="http://schemas.microsoft.com/office/drawing/2014/main" id="{81700A73-1C3E-86D5-B7AC-7C54939882C4}"/>
                   </a:ext>
                 </a:extLst>
               </p14:cNvPr>
@@ -8403,120 +10916,18 @@
               <p14:nvPr/>
             </p14:nvContentPartPr>
             <p14:xfrm>
-              <a:off x="5848689" y="2122057"/>
-              <a:ext cx="816840" cy="476640"/>
+              <a:off x="8721129" y="1542485"/>
+              <a:ext cx="537840" cy="515520"/>
             </p14:xfrm>
           </p:contentPart>
         </mc:Choice>
         <mc:Fallback>
           <p:pic>
             <p:nvPicPr>
-              <p:cNvPr id="44" name="Ink 43">
+              <p:cNvPr id="64" name="Ink 63">
                 <a:extLst>
                   <a:ext uri="{FF2B5EF4-FFF2-40B4-BE49-F238E27FC236}">
-                    <a16:creationId xmlns:a16="http://schemas.microsoft.com/office/drawing/2014/main" id="{BC54F37F-F77D-6876-BB14-4E71F6C159E8}"/>
-                  </a:ext>
-                </a:extLst>
-              </p:cNvPr>
-              <p:cNvPicPr/>
-              <p:nvPr/>
-            </p:nvPicPr>
-            <p:blipFill>
-              <a:blip r:embed="rId43"/>
-              <a:stretch>
-                <a:fillRect/>
-              </a:stretch>
-            </p:blipFill>
-            <p:spPr>
-              <a:xfrm>
-                <a:off x="5839689" y="2113057"/>
-                <a:ext cx="834480" cy="494280"/>
-              </a:xfrm>
-              <a:prstGeom prst="rect">
-                <a:avLst/>
-              </a:prstGeom>
-            </p:spPr>
-          </p:pic>
-        </mc:Fallback>
-      </mc:AlternateContent>
-      <mc:AlternateContent xmlns:mc="http://schemas.openxmlformats.org/markup-compatibility/2006">
-        <mc:Choice xmlns:p14="http://schemas.microsoft.com/office/powerpoint/2010/main" Requires="p14">
-          <p:contentPart p14:bwMode="auto" r:id="rId44">
-            <p14:nvContentPartPr>
-              <p14:cNvPr id="45" name="Ink 44">
-                <a:extLst>
-                  <a:ext uri="{FF2B5EF4-FFF2-40B4-BE49-F238E27FC236}">
-                    <a16:creationId xmlns:a16="http://schemas.microsoft.com/office/drawing/2014/main" id="{7B3B2972-AEB3-0355-B393-CBA7E8029F9F}"/>
-                  </a:ext>
-                </a:extLst>
-              </p14:cNvPr>
-              <p14:cNvContentPartPr/>
-              <p14:nvPr/>
-            </p14:nvContentPartPr>
-            <p14:xfrm>
-              <a:off x="7858209" y="3217537"/>
-              <a:ext cx="360" cy="139320"/>
-            </p14:xfrm>
-          </p:contentPart>
-        </mc:Choice>
-        <mc:Fallback>
-          <p:pic>
-            <p:nvPicPr>
-              <p:cNvPr id="45" name="Ink 44">
-                <a:extLst>
-                  <a:ext uri="{FF2B5EF4-FFF2-40B4-BE49-F238E27FC236}">
-                    <a16:creationId xmlns:a16="http://schemas.microsoft.com/office/drawing/2014/main" id="{7B3B2972-AEB3-0355-B393-CBA7E8029F9F}"/>
-                  </a:ext>
-                </a:extLst>
-              </p:cNvPr>
-              <p:cNvPicPr/>
-              <p:nvPr/>
-            </p:nvPicPr>
-            <p:blipFill>
-              <a:blip r:embed="rId45"/>
-              <a:stretch>
-                <a:fillRect/>
-              </a:stretch>
-            </p:blipFill>
-            <p:spPr>
-              <a:xfrm>
-                <a:off x="7849569" y="3208537"/>
-                <a:ext cx="18000" cy="156960"/>
-              </a:xfrm>
-              <a:prstGeom prst="rect">
-                <a:avLst/>
-              </a:prstGeom>
-            </p:spPr>
-          </p:pic>
-        </mc:Fallback>
-      </mc:AlternateContent>
-      <mc:AlternateContent xmlns:mc="http://schemas.openxmlformats.org/markup-compatibility/2006">
-        <mc:Choice xmlns:p14="http://schemas.microsoft.com/office/powerpoint/2010/main" Requires="p14">
-          <p:contentPart p14:bwMode="auto" r:id="rId46">
-            <p14:nvContentPartPr>
-              <p14:cNvPr id="46" name="Ink 45">
-                <a:extLst>
-                  <a:ext uri="{FF2B5EF4-FFF2-40B4-BE49-F238E27FC236}">
-                    <a16:creationId xmlns:a16="http://schemas.microsoft.com/office/drawing/2014/main" id="{6490E571-829D-3C04-F66F-F6E721B5B59E}"/>
-                  </a:ext>
-                </a:extLst>
-              </p14:cNvPr>
-              <p14:cNvContentPartPr/>
-              <p14:nvPr/>
-            </p14:nvContentPartPr>
-            <p14:xfrm>
-              <a:off x="7944609" y="1177417"/>
-              <a:ext cx="147960" cy="172080"/>
-            </p14:xfrm>
-          </p:contentPart>
-        </mc:Choice>
-        <mc:Fallback>
-          <p:pic>
-            <p:nvPicPr>
-              <p:cNvPr id="46" name="Ink 45">
-                <a:extLst>
-                  <a:ext uri="{FF2B5EF4-FFF2-40B4-BE49-F238E27FC236}">
-                    <a16:creationId xmlns:a16="http://schemas.microsoft.com/office/drawing/2014/main" id="{6490E571-829D-3C04-F66F-F6E721B5B59E}"/>
+                    <a16:creationId xmlns:a16="http://schemas.microsoft.com/office/drawing/2014/main" id="{81700A73-1C3E-86D5-B7AC-7C54939882C4}"/>
                   </a:ext>
                 </a:extLst>
               </p:cNvPr>
@@ -8531,8 +10942,8 @@
             </p:blipFill>
             <p:spPr>
               <a:xfrm>
-                <a:off x="7935969" y="1168777"/>
-                <a:ext cx="165600" cy="189720"/>
+                <a:off x="8712129" y="1533485"/>
+                <a:ext cx="555480" cy="533160"/>
               </a:xfrm>
               <a:prstGeom prst="rect">
                 <a:avLst/>
@@ -8545,10 +10956,10 @@
         <mc:Choice xmlns:p14="http://schemas.microsoft.com/office/powerpoint/2010/main" Requires="p14">
           <p:contentPart p14:bwMode="auto" r:id="rId48">
             <p14:nvContentPartPr>
-              <p14:cNvPr id="47" name="Ink 46">
+              <p14:cNvPr id="65" name="Ink 64">
                 <a:extLst>
                   <a:ext uri="{FF2B5EF4-FFF2-40B4-BE49-F238E27FC236}">
-                    <a16:creationId xmlns:a16="http://schemas.microsoft.com/office/drawing/2014/main" id="{7881245F-E1ED-7C22-5C86-DD12E7B80DB4}"/>
+                    <a16:creationId xmlns:a16="http://schemas.microsoft.com/office/drawing/2014/main" id="{B51F6BE0-D6BE-6EE6-DD34-E2C4898A96FF}"/>
                   </a:ext>
                 </a:extLst>
               </p14:cNvPr>
@@ -8556,18 +10967,18 @@
               <p14:nvPr/>
             </p14:nvContentPartPr>
             <p14:xfrm>
-              <a:off x="7867209" y="2234017"/>
-              <a:ext cx="104400" cy="164160"/>
+              <a:off x="9074649" y="2018405"/>
+              <a:ext cx="167040" cy="221760"/>
             </p14:xfrm>
           </p:contentPart>
         </mc:Choice>
         <mc:Fallback>
           <p:pic>
             <p:nvPicPr>
-              <p:cNvPr id="47" name="Ink 46">
+              <p:cNvPr id="65" name="Ink 64">
                 <a:extLst>
                   <a:ext uri="{FF2B5EF4-FFF2-40B4-BE49-F238E27FC236}">
-                    <a16:creationId xmlns:a16="http://schemas.microsoft.com/office/drawing/2014/main" id="{7881245F-E1ED-7C22-5C86-DD12E7B80DB4}"/>
+                    <a16:creationId xmlns:a16="http://schemas.microsoft.com/office/drawing/2014/main" id="{B51F6BE0-D6BE-6EE6-DD34-E2C4898A96FF}"/>
                   </a:ext>
                 </a:extLst>
               </p:cNvPr>
@@ -8582,8 +10993,8 @@
             </p:blipFill>
             <p:spPr>
               <a:xfrm>
-                <a:off x="7858209" y="2225377"/>
-                <a:ext cx="122040" cy="181800"/>
+                <a:off x="9066009" y="2009405"/>
+                <a:ext cx="184680" cy="239400"/>
               </a:xfrm>
               <a:prstGeom prst="rect">
                 <a:avLst/>
@@ -8596,10 +11007,10 @@
         <mc:Choice xmlns:p14="http://schemas.microsoft.com/office/powerpoint/2010/main" Requires="p14">
           <p:contentPart p14:bwMode="auto" r:id="rId50">
             <p14:nvContentPartPr>
-              <p14:cNvPr id="48" name="Ink 47">
+              <p14:cNvPr id="87" name="Ink 86">
                 <a:extLst>
                   <a:ext uri="{FF2B5EF4-FFF2-40B4-BE49-F238E27FC236}">
-                    <a16:creationId xmlns:a16="http://schemas.microsoft.com/office/drawing/2014/main" id="{7FF803C9-AD92-7976-12E4-E2C57380F037}"/>
+                    <a16:creationId xmlns:a16="http://schemas.microsoft.com/office/drawing/2014/main" id="{5EDF5C89-3340-AD49-BFB7-B6DB6261356C}"/>
                   </a:ext>
                 </a:extLst>
               </p14:cNvPr>
@@ -8607,18 +11018,18 @@
               <p14:nvPr/>
             </p14:nvContentPartPr>
             <p14:xfrm>
-              <a:off x="7789449" y="3309697"/>
-              <a:ext cx="202680" cy="190800"/>
+              <a:off x="9049089" y="3313685"/>
+              <a:ext cx="229680" cy="164880"/>
             </p14:xfrm>
           </p:contentPart>
         </mc:Choice>
         <mc:Fallback>
           <p:pic>
             <p:nvPicPr>
-              <p:cNvPr id="48" name="Ink 47">
+              <p:cNvPr id="87" name="Ink 86">
                 <a:extLst>
                   <a:ext uri="{FF2B5EF4-FFF2-40B4-BE49-F238E27FC236}">
-                    <a16:creationId xmlns:a16="http://schemas.microsoft.com/office/drawing/2014/main" id="{7FF803C9-AD92-7976-12E4-E2C57380F037}"/>
+                    <a16:creationId xmlns:a16="http://schemas.microsoft.com/office/drawing/2014/main" id="{5EDF5C89-3340-AD49-BFB7-B6DB6261356C}"/>
                   </a:ext>
                 </a:extLst>
               </p:cNvPr>
@@ -8633,8 +11044,8 @@
             </p:blipFill>
             <p:spPr>
               <a:xfrm>
-                <a:off x="7780809" y="3301057"/>
-                <a:ext cx="220320" cy="208440"/>
+                <a:off x="9040089" y="3304685"/>
+                <a:ext cx="247320" cy="182520"/>
               </a:xfrm>
               <a:prstGeom prst="rect">
                 <a:avLst/>
@@ -8647,10 +11058,10 @@
         <mc:Choice xmlns:p14="http://schemas.microsoft.com/office/powerpoint/2010/main" Requires="p14">
           <p:contentPart p14:bwMode="auto" r:id="rId52">
             <p14:nvContentPartPr>
-              <p14:cNvPr id="49" name="Ink 48">
+              <p14:cNvPr id="88" name="Ink 87">
                 <a:extLst>
                   <a:ext uri="{FF2B5EF4-FFF2-40B4-BE49-F238E27FC236}">
-                    <a16:creationId xmlns:a16="http://schemas.microsoft.com/office/drawing/2014/main" id="{3DB4C132-F61C-658F-BA8F-37DD65DFB3EC}"/>
+                    <a16:creationId xmlns:a16="http://schemas.microsoft.com/office/drawing/2014/main" id="{AF10C215-7D7E-BFD6-34EC-7D3159CFDD7C}"/>
                   </a:ext>
                 </a:extLst>
               </p14:cNvPr>
@@ -8658,18 +11069,18 @@
               <p14:nvPr/>
             </p14:nvContentPartPr>
             <p14:xfrm>
-              <a:off x="1871769" y="2552617"/>
-              <a:ext cx="151560" cy="7200"/>
+              <a:off x="8986089" y="3392525"/>
+              <a:ext cx="313200" cy="137880"/>
             </p14:xfrm>
           </p:contentPart>
         </mc:Choice>
         <mc:Fallback>
           <p:pic>
             <p:nvPicPr>
-              <p:cNvPr id="49" name="Ink 48">
+              <p:cNvPr id="88" name="Ink 87">
                 <a:extLst>
                   <a:ext uri="{FF2B5EF4-FFF2-40B4-BE49-F238E27FC236}">
-                    <a16:creationId xmlns:a16="http://schemas.microsoft.com/office/drawing/2014/main" id="{3DB4C132-F61C-658F-BA8F-37DD65DFB3EC}"/>
+                    <a16:creationId xmlns:a16="http://schemas.microsoft.com/office/drawing/2014/main" id="{AF10C215-7D7E-BFD6-34EC-7D3159CFDD7C}"/>
                   </a:ext>
                 </a:extLst>
               </p:cNvPr>
@@ -8684,8 +11095,8 @@
             </p:blipFill>
             <p:spPr>
               <a:xfrm>
-                <a:off x="1862769" y="2543977"/>
-                <a:ext cx="169200" cy="24840"/>
+                <a:off x="8977449" y="3383885"/>
+                <a:ext cx="330840" cy="155520"/>
               </a:xfrm>
               <a:prstGeom prst="rect">
                 <a:avLst/>
@@ -8698,10 +11109,10 @@
         <mc:Choice xmlns:p14="http://schemas.microsoft.com/office/powerpoint/2010/main" Requires="p14">
           <p:contentPart p14:bwMode="auto" r:id="rId54">
             <p14:nvContentPartPr>
-              <p14:cNvPr id="50" name="Ink 49">
+              <p14:cNvPr id="102" name="Ink 101">
                 <a:extLst>
                   <a:ext uri="{FF2B5EF4-FFF2-40B4-BE49-F238E27FC236}">
-                    <a16:creationId xmlns:a16="http://schemas.microsoft.com/office/drawing/2014/main" id="{3A8AE495-EFC1-07A3-D025-3407B993807E}"/>
+                    <a16:creationId xmlns:a16="http://schemas.microsoft.com/office/drawing/2014/main" id="{A772BF07-BDC1-BB00-FFE2-0733D15A90F0}"/>
                   </a:ext>
                 </a:extLst>
               </p14:cNvPr>
@@ -8709,18 +11120,18 @@
               <p14:nvPr/>
             </p14:nvContentPartPr>
             <p14:xfrm>
-              <a:off x="2093529" y="2430217"/>
-              <a:ext cx="209160" cy="252720"/>
+              <a:off x="6952809" y="4638485"/>
+              <a:ext cx="2030760" cy="86040"/>
             </p14:xfrm>
           </p:contentPart>
         </mc:Choice>
         <mc:Fallback>
           <p:pic>
             <p:nvPicPr>
-              <p:cNvPr id="50" name="Ink 49">
+              <p:cNvPr id="102" name="Ink 101">
                 <a:extLst>
                   <a:ext uri="{FF2B5EF4-FFF2-40B4-BE49-F238E27FC236}">
-                    <a16:creationId xmlns:a16="http://schemas.microsoft.com/office/drawing/2014/main" id="{3A8AE495-EFC1-07A3-D025-3407B993807E}"/>
+                    <a16:creationId xmlns:a16="http://schemas.microsoft.com/office/drawing/2014/main" id="{A772BF07-BDC1-BB00-FFE2-0733D15A90F0}"/>
                   </a:ext>
                 </a:extLst>
               </p:cNvPr>
@@ -8735,8 +11146,8 @@
             </p:blipFill>
             <p:spPr>
               <a:xfrm>
-                <a:off x="2084529" y="2421217"/>
-                <a:ext cx="226800" cy="270360"/>
+                <a:off x="6943809" y="4629485"/>
+                <a:ext cx="2048400" cy="103680"/>
               </a:xfrm>
               <a:prstGeom prst="rect">
                 <a:avLst/>
@@ -8749,10 +11160,10 @@
         <mc:Choice xmlns:p14="http://schemas.microsoft.com/office/powerpoint/2010/main" Requires="p14">
           <p:contentPart p14:bwMode="auto" r:id="rId56">
             <p14:nvContentPartPr>
-              <p14:cNvPr id="51" name="Ink 50">
+              <p14:cNvPr id="104" name="Ink 103">
                 <a:extLst>
                   <a:ext uri="{FF2B5EF4-FFF2-40B4-BE49-F238E27FC236}">
-                    <a16:creationId xmlns:a16="http://schemas.microsoft.com/office/drawing/2014/main" id="{B91CBB7C-673D-7B3A-7F5C-8D19B8669C36}"/>
+                    <a16:creationId xmlns:a16="http://schemas.microsoft.com/office/drawing/2014/main" id="{E80B808C-A6E5-F304-0D6D-2C963374664D}"/>
                   </a:ext>
                 </a:extLst>
               </p14:cNvPr>
@@ -8760,18 +11171,18 @@
               <p14:nvPr/>
             </p14:nvContentPartPr>
             <p14:xfrm>
-              <a:off x="2303049" y="2570617"/>
-              <a:ext cx="1657440" cy="68040"/>
+              <a:off x="8891049" y="4621565"/>
+              <a:ext cx="217800" cy="184320"/>
             </p14:xfrm>
           </p:contentPart>
         </mc:Choice>
         <mc:Fallback>
           <p:pic>
             <p:nvPicPr>
-              <p:cNvPr id="51" name="Ink 50">
+              <p:cNvPr id="104" name="Ink 103">
                 <a:extLst>
                   <a:ext uri="{FF2B5EF4-FFF2-40B4-BE49-F238E27FC236}">
-                    <a16:creationId xmlns:a16="http://schemas.microsoft.com/office/drawing/2014/main" id="{B91CBB7C-673D-7B3A-7F5C-8D19B8669C36}"/>
+                    <a16:creationId xmlns:a16="http://schemas.microsoft.com/office/drawing/2014/main" id="{E80B808C-A6E5-F304-0D6D-2C963374664D}"/>
                   </a:ext>
                 </a:extLst>
               </p:cNvPr>
@@ -8786,59 +11197,8 @@
             </p:blipFill>
             <p:spPr>
               <a:xfrm>
-                <a:off x="2294049" y="2561977"/>
-                <a:ext cx="1675080" cy="85680"/>
-              </a:xfrm>
-              <a:prstGeom prst="rect">
-                <a:avLst/>
-              </a:prstGeom>
-            </p:spPr>
-          </p:pic>
-        </mc:Fallback>
-      </mc:AlternateContent>
-      <mc:AlternateContent xmlns:mc="http://schemas.openxmlformats.org/markup-compatibility/2006">
-        <mc:Choice xmlns:p14="http://schemas.microsoft.com/office/powerpoint/2010/main" Requires="p14">
-          <p:contentPart p14:bwMode="auto" r:id="rId58">
-            <p14:nvContentPartPr>
-              <p14:cNvPr id="52" name="Ink 51">
-                <a:extLst>
-                  <a:ext uri="{FF2B5EF4-FFF2-40B4-BE49-F238E27FC236}">
-                    <a16:creationId xmlns:a16="http://schemas.microsoft.com/office/drawing/2014/main" id="{657DAD6D-8313-CCA5-E4AF-37B4DB094163}"/>
-                  </a:ext>
-                </a:extLst>
-              </p14:cNvPr>
-              <p14:cNvContentPartPr/>
-              <p14:nvPr/>
-            </p14:nvContentPartPr>
-            <p14:xfrm>
-              <a:off x="6064329" y="2717137"/>
-              <a:ext cx="647280" cy="967320"/>
-            </p14:xfrm>
-          </p:contentPart>
-        </mc:Choice>
-        <mc:Fallback>
-          <p:pic>
-            <p:nvPicPr>
-              <p:cNvPr id="52" name="Ink 51">
-                <a:extLst>
-                  <a:ext uri="{FF2B5EF4-FFF2-40B4-BE49-F238E27FC236}">
-                    <a16:creationId xmlns:a16="http://schemas.microsoft.com/office/drawing/2014/main" id="{657DAD6D-8313-CCA5-E4AF-37B4DB094163}"/>
-                  </a:ext>
-                </a:extLst>
-              </p:cNvPr>
-              <p:cNvPicPr/>
-              <p:nvPr/>
-            </p:nvPicPr>
-            <p:blipFill>
-              <a:blip r:embed="rId59"/>
-              <a:stretch>
-                <a:fillRect/>
-              </a:stretch>
-            </p:blipFill>
-            <p:spPr>
-              <a:xfrm>
-                <a:off x="6055329" y="2708137"/>
-                <a:ext cx="664920" cy="984960"/>
+                <a:off x="8882049" y="4612925"/>
+                <a:ext cx="235440" cy="201960"/>
               </a:xfrm>
               <a:prstGeom prst="rect">
                 <a:avLst/>
@@ -8849,10 +11209,10 @@
       </mc:AlternateContent>
       <p:pic>
         <p:nvPicPr>
-          <p:cNvPr id="53" name="Picture 52">
+          <p:cNvPr id="106" name="Picture 105">
             <a:extLst>
               <a:ext uri="{FF2B5EF4-FFF2-40B4-BE49-F238E27FC236}">
-                <a16:creationId xmlns:a16="http://schemas.microsoft.com/office/drawing/2014/main" id="{75C03E23-5E35-3046-6BE6-E3FC7099F893}"/>
+                <a16:creationId xmlns:a16="http://schemas.microsoft.com/office/drawing/2014/main" id="{00D1912C-4DDA-E957-6980-44AB937AE9BC}"/>
               </a:ext>
             </a:extLst>
           </p:cNvPr>
@@ -8862,15 +11222,15 @@
           <p:nvPr/>
         </p:nvPicPr>
         <p:blipFill>
-          <a:blip r:embed="rId60"/>
+          <a:blip r:embed="rId58"/>
           <a:stretch>
             <a:fillRect/>
           </a:stretch>
         </p:blipFill>
         <p:spPr>
           <a:xfrm>
-            <a:off x="6682554" y="4666937"/>
-            <a:ext cx="2557304" cy="1013646"/>
+            <a:off x="4950272" y="5334566"/>
+            <a:ext cx="3840913" cy="1301046"/>
           </a:xfrm>
           <a:prstGeom prst="rect">
             <a:avLst/>
@@ -8879,10 +11239,10 @@
       </p:pic>
       <p:grpSp>
         <p:nvGrpSpPr>
-          <p:cNvPr id="56" name="Group 55">
+          <p:cNvPr id="109" name="Group 108">
             <a:extLst>
               <a:ext uri="{FF2B5EF4-FFF2-40B4-BE49-F238E27FC236}">
-                <a16:creationId xmlns:a16="http://schemas.microsoft.com/office/drawing/2014/main" id="{A4D5C42A-9684-FBAE-6643-3715B05FC949}"/>
+                <a16:creationId xmlns:a16="http://schemas.microsoft.com/office/drawing/2014/main" id="{08EA4227-6F7A-26C8-7076-77F9DC9AD1AB}"/>
               </a:ext>
             </a:extLst>
           </p:cNvPr>
@@ -8891,20 +11251,20 @@
         </p:nvGrpSpPr>
         <p:grpSpPr>
           <a:xfrm>
-            <a:off x="7763529" y="4261177"/>
-            <a:ext cx="181440" cy="579600"/>
-            <a:chOff x="7763529" y="4261177"/>
-            <a:chExt cx="181440" cy="579600"/>
+            <a:off x="8345649" y="5546765"/>
+            <a:ext cx="2472840" cy="552600"/>
+            <a:chOff x="8345649" y="5546765"/>
+            <a:chExt cx="2472840" cy="552600"/>
           </a:xfrm>
         </p:grpSpPr>
         <mc:AlternateContent xmlns:mc="http://schemas.openxmlformats.org/markup-compatibility/2006">
           <mc:Choice xmlns:p14="http://schemas.microsoft.com/office/powerpoint/2010/main" Requires="p14">
-            <p:contentPart p14:bwMode="auto" r:id="rId61">
+            <p:contentPart p14:bwMode="auto" r:id="rId59">
               <p14:nvContentPartPr>
-                <p14:cNvPr id="54" name="Ink 53">
+                <p14:cNvPr id="107" name="Ink 106">
                   <a:extLst>
                     <a:ext uri="{FF2B5EF4-FFF2-40B4-BE49-F238E27FC236}">
-                      <a16:creationId xmlns:a16="http://schemas.microsoft.com/office/drawing/2014/main" id="{40D8EF06-9803-2FEB-5A02-593F1CDF9496}"/>
+                      <a16:creationId xmlns:a16="http://schemas.microsoft.com/office/drawing/2014/main" id="{38AB971E-58CF-19CA-56D2-8237F1653478}"/>
                     </a:ext>
                   </a:extLst>
                 </p14:cNvPr>
@@ -8912,18 +11272,69 @@
                 <p14:nvPr/>
               </p14:nvContentPartPr>
               <p14:xfrm>
-                <a:off x="7780809" y="4261177"/>
-                <a:ext cx="70200" cy="379800"/>
+                <a:off x="10574049" y="5546765"/>
+                <a:ext cx="244440" cy="311400"/>
               </p14:xfrm>
             </p:contentPart>
           </mc:Choice>
           <mc:Fallback>
             <p:pic>
               <p:nvPicPr>
-                <p:cNvPr id="54" name="Ink 53">
+                <p:cNvPr id="107" name="Ink 106">
                   <a:extLst>
                     <a:ext uri="{FF2B5EF4-FFF2-40B4-BE49-F238E27FC236}">
-                      <a16:creationId xmlns:a16="http://schemas.microsoft.com/office/drawing/2014/main" id="{40D8EF06-9803-2FEB-5A02-593F1CDF9496}"/>
+                      <a16:creationId xmlns:a16="http://schemas.microsoft.com/office/drawing/2014/main" id="{38AB971E-58CF-19CA-56D2-8237F1653478}"/>
+                    </a:ext>
+                  </a:extLst>
+                </p:cNvPr>
+                <p:cNvPicPr/>
+                <p:nvPr/>
+              </p:nvPicPr>
+              <p:blipFill>
+                <a:blip r:embed="rId60"/>
+                <a:stretch>
+                  <a:fillRect/>
+                </a:stretch>
+              </p:blipFill>
+              <p:spPr>
+                <a:xfrm>
+                  <a:off x="10565409" y="5537765"/>
+                  <a:ext cx="262080" cy="329040"/>
+                </a:xfrm>
+                <a:prstGeom prst="rect">
+                  <a:avLst/>
+                </a:prstGeom>
+              </p:spPr>
+            </p:pic>
+          </mc:Fallback>
+        </mc:AlternateContent>
+        <mc:AlternateContent xmlns:mc="http://schemas.openxmlformats.org/markup-compatibility/2006">
+          <mc:Choice xmlns:p14="http://schemas.microsoft.com/office/powerpoint/2010/main" Requires="p14">
+            <p:contentPart p14:bwMode="auto" r:id="rId61">
+              <p14:nvContentPartPr>
+                <p14:cNvPr id="108" name="Ink 107">
+                  <a:extLst>
+                    <a:ext uri="{FF2B5EF4-FFF2-40B4-BE49-F238E27FC236}">
+                      <a16:creationId xmlns:a16="http://schemas.microsoft.com/office/drawing/2014/main" id="{4EC46C5E-E732-1D73-D8E1-A5E74B852F54}"/>
+                    </a:ext>
+                  </a:extLst>
+                </p14:cNvPr>
+                <p14:cNvContentPartPr/>
+                <p14:nvPr/>
+              </p14:nvContentPartPr>
+              <p14:xfrm>
+                <a:off x="8345649" y="5701925"/>
+                <a:ext cx="2273760" cy="397440"/>
+              </p14:xfrm>
+            </p:contentPart>
+          </mc:Choice>
+          <mc:Fallback>
+            <p:pic>
+              <p:nvPicPr>
+                <p:cNvPr id="108" name="Ink 107">
+                  <a:extLst>
+                    <a:ext uri="{FF2B5EF4-FFF2-40B4-BE49-F238E27FC236}">
+                      <a16:creationId xmlns:a16="http://schemas.microsoft.com/office/drawing/2014/main" id="{4EC46C5E-E732-1D73-D8E1-A5E74B852F54}"/>
                     </a:ext>
                   </a:extLst>
                 </p:cNvPr>
@@ -8938,59 +11349,8 @@
               </p:blipFill>
               <p:spPr>
                 <a:xfrm>
-                  <a:off x="7771809" y="4252177"/>
-                  <a:ext cx="87840" cy="397440"/>
-                </a:xfrm>
-                <a:prstGeom prst="rect">
-                  <a:avLst/>
-                </a:prstGeom>
-              </p:spPr>
-            </p:pic>
-          </mc:Fallback>
-        </mc:AlternateContent>
-        <mc:AlternateContent xmlns:mc="http://schemas.openxmlformats.org/markup-compatibility/2006">
-          <mc:Choice xmlns:p14="http://schemas.microsoft.com/office/powerpoint/2010/main" Requires="p14">
-            <p:contentPart p14:bwMode="auto" r:id="rId63">
-              <p14:nvContentPartPr>
-                <p14:cNvPr id="55" name="Ink 54">
-                  <a:extLst>
-                    <a:ext uri="{FF2B5EF4-FFF2-40B4-BE49-F238E27FC236}">
-                      <a16:creationId xmlns:a16="http://schemas.microsoft.com/office/drawing/2014/main" id="{3F7C4EF7-7F86-170A-894A-8C48BBD942B2}"/>
-                    </a:ext>
-                  </a:extLst>
-                </p14:cNvPr>
-                <p14:cNvContentPartPr/>
-                <p14:nvPr/>
-              </p14:nvContentPartPr>
-              <p14:xfrm>
-                <a:off x="7763529" y="4623697"/>
-                <a:ext cx="181440" cy="217080"/>
-              </p14:xfrm>
-            </p:contentPart>
-          </mc:Choice>
-          <mc:Fallback>
-            <p:pic>
-              <p:nvPicPr>
-                <p:cNvPr id="55" name="Ink 54">
-                  <a:extLst>
-                    <a:ext uri="{FF2B5EF4-FFF2-40B4-BE49-F238E27FC236}">
-                      <a16:creationId xmlns:a16="http://schemas.microsoft.com/office/drawing/2014/main" id="{3F7C4EF7-7F86-170A-894A-8C48BBD942B2}"/>
-                    </a:ext>
-                  </a:extLst>
-                </p:cNvPr>
-                <p:cNvPicPr/>
-                <p:nvPr/>
-              </p:nvPicPr>
-              <p:blipFill>
-                <a:blip r:embed="rId64"/>
-                <a:stretch>
-                  <a:fillRect/>
-                </a:stretch>
-              </p:blipFill>
-              <p:spPr>
-                <a:xfrm>
-                  <a:off x="7754529" y="4615057"/>
-                  <a:ext cx="199080" cy="234720"/>
+                  <a:off x="8336649" y="5693285"/>
+                  <a:ext cx="2291400" cy="415080"/>
                 </a:xfrm>
                 <a:prstGeom prst="rect">
                   <a:avLst/>
@@ -9002,12 +11362,12 @@
       </p:grpSp>
       <mc:AlternateContent xmlns:mc="http://schemas.openxmlformats.org/markup-compatibility/2006">
         <mc:Choice xmlns:p14="http://schemas.microsoft.com/office/powerpoint/2010/main" Requires="p14">
-          <p:contentPart p14:bwMode="auto" r:id="rId65">
+          <p:contentPart p14:bwMode="auto" r:id="rId63">
             <p14:nvContentPartPr>
-              <p14:cNvPr id="57" name="Ink 56">
+              <p14:cNvPr id="110" name="Ink 109">
                 <a:extLst>
                   <a:ext uri="{FF2B5EF4-FFF2-40B4-BE49-F238E27FC236}">
-                    <a16:creationId xmlns:a16="http://schemas.microsoft.com/office/drawing/2014/main" id="{41FD4E18-6C2B-1DA2-2C16-A408BD519D5D}"/>
+                    <a16:creationId xmlns:a16="http://schemas.microsoft.com/office/drawing/2014/main" id="{A50AC505-DD49-6A38-CC4E-DC339A42F1A2}"/>
                   </a:ext>
                 </a:extLst>
               </p14:cNvPr>
@@ -9015,18 +11375,18 @@
               <p14:nvPr/>
             </p14:nvContentPartPr>
             <p14:xfrm>
-              <a:off x="1863129" y="3079657"/>
-              <a:ext cx="180360" cy="360"/>
+              <a:off x="8123529" y="5924045"/>
+              <a:ext cx="324360" cy="332640"/>
             </p14:xfrm>
           </p:contentPart>
         </mc:Choice>
         <mc:Fallback>
           <p:pic>
             <p:nvPicPr>
-              <p:cNvPr id="57" name="Ink 56">
+              <p:cNvPr id="110" name="Ink 109">
                 <a:extLst>
                   <a:ext uri="{FF2B5EF4-FFF2-40B4-BE49-F238E27FC236}">
-                    <a16:creationId xmlns:a16="http://schemas.microsoft.com/office/drawing/2014/main" id="{41FD4E18-6C2B-1DA2-2C16-A408BD519D5D}"/>
+                    <a16:creationId xmlns:a16="http://schemas.microsoft.com/office/drawing/2014/main" id="{A50AC505-DD49-6A38-CC4E-DC339A42F1A2}"/>
                   </a:ext>
                 </a:extLst>
               </p:cNvPr>
@@ -9034,15 +11394,15 @@
               <p:nvPr/>
             </p:nvPicPr>
             <p:blipFill>
-              <a:blip r:embed="rId66"/>
+              <a:blip r:embed="rId64"/>
               <a:stretch>
                 <a:fillRect/>
               </a:stretch>
             </p:blipFill>
             <p:spPr>
               <a:xfrm>
-                <a:off x="1854489" y="3070657"/>
-                <a:ext cx="198000" cy="18000"/>
+                <a:off x="8114529" y="5915405"/>
+                <a:ext cx="342000" cy="350280"/>
               </a:xfrm>
               <a:prstGeom prst="rect">
                 <a:avLst/>
@@ -9053,10 +11413,10 @@
       </mc:AlternateContent>
       <p:grpSp>
         <p:nvGrpSpPr>
-          <p:cNvPr id="60" name="Group 59">
+          <p:cNvPr id="115" name="Group 114">
             <a:extLst>
               <a:ext uri="{FF2B5EF4-FFF2-40B4-BE49-F238E27FC236}">
-                <a16:creationId xmlns:a16="http://schemas.microsoft.com/office/drawing/2014/main" id="{F14E855E-D0D6-2596-74BE-13E050F03699}"/>
+                <a16:creationId xmlns:a16="http://schemas.microsoft.com/office/drawing/2014/main" id="{7BABEF3C-C36E-CAE8-3CAE-47F1706A14FA}"/>
               </a:ext>
             </a:extLst>
           </p:cNvPr>
@@ -9065,20 +11425,20 @@
         </p:nvGrpSpPr>
         <p:grpSpPr>
           <a:xfrm>
-            <a:off x="2078409" y="2968417"/>
-            <a:ext cx="2012400" cy="277200"/>
-            <a:chOff x="2078409" y="2968417"/>
-            <a:chExt cx="2012400" cy="277200"/>
+            <a:off x="2171649" y="3670805"/>
+            <a:ext cx="2413800" cy="342000"/>
+            <a:chOff x="2171649" y="3670805"/>
+            <a:chExt cx="2413800" cy="342000"/>
           </a:xfrm>
         </p:grpSpPr>
         <mc:AlternateContent xmlns:mc="http://schemas.openxmlformats.org/markup-compatibility/2006">
           <mc:Choice xmlns:p14="http://schemas.microsoft.com/office/powerpoint/2010/main" Requires="p14">
-            <p:contentPart p14:bwMode="auto" r:id="rId67">
+            <p:contentPart p14:bwMode="auto" r:id="rId65">
               <p14:nvContentPartPr>
-                <p14:cNvPr id="58" name="Ink 57">
+                <p14:cNvPr id="111" name="Ink 110">
                   <a:extLst>
                     <a:ext uri="{FF2B5EF4-FFF2-40B4-BE49-F238E27FC236}">
-                      <a16:creationId xmlns:a16="http://schemas.microsoft.com/office/drawing/2014/main" id="{49667A16-FCED-2E3E-9BA9-D0410CA26B3F}"/>
+                      <a16:creationId xmlns:a16="http://schemas.microsoft.com/office/drawing/2014/main" id="{379DBDB8-9938-6E2D-E332-E151066F2718}"/>
                     </a:ext>
                   </a:extLst>
                 </p14:cNvPr>
@@ -9086,18 +11446,69 @@
                 <p14:nvPr/>
               </p14:nvContentPartPr>
               <p14:xfrm>
-                <a:off x="2078409" y="2968417"/>
-                <a:ext cx="251280" cy="277200"/>
+                <a:off x="2171649" y="3670805"/>
+                <a:ext cx="469080" cy="342000"/>
               </p14:xfrm>
             </p:contentPart>
           </mc:Choice>
           <mc:Fallback>
             <p:pic>
               <p:nvPicPr>
-                <p:cNvPr id="58" name="Ink 57">
+                <p:cNvPr id="111" name="Ink 110">
                   <a:extLst>
                     <a:ext uri="{FF2B5EF4-FFF2-40B4-BE49-F238E27FC236}">
-                      <a16:creationId xmlns:a16="http://schemas.microsoft.com/office/drawing/2014/main" id="{49667A16-FCED-2E3E-9BA9-D0410CA26B3F}"/>
+                      <a16:creationId xmlns:a16="http://schemas.microsoft.com/office/drawing/2014/main" id="{379DBDB8-9938-6E2D-E332-E151066F2718}"/>
+                    </a:ext>
+                  </a:extLst>
+                </p:cNvPr>
+                <p:cNvPicPr/>
+                <p:nvPr/>
+              </p:nvPicPr>
+              <p:blipFill>
+                <a:blip r:embed="rId66"/>
+                <a:stretch>
+                  <a:fillRect/>
+                </a:stretch>
+              </p:blipFill>
+              <p:spPr>
+                <a:xfrm>
+                  <a:off x="2163009" y="3661805"/>
+                  <a:ext cx="486720" cy="359640"/>
+                </a:xfrm>
+                <a:prstGeom prst="rect">
+                  <a:avLst/>
+                </a:prstGeom>
+              </p:spPr>
+            </p:pic>
+          </mc:Fallback>
+        </mc:AlternateContent>
+        <mc:AlternateContent xmlns:mc="http://schemas.openxmlformats.org/markup-compatibility/2006">
+          <mc:Choice xmlns:p14="http://schemas.microsoft.com/office/powerpoint/2010/main" Requires="p14">
+            <p:contentPart p14:bwMode="auto" r:id="rId67">
+              <p14:nvContentPartPr>
+                <p14:cNvPr id="112" name="Ink 111">
+                  <a:extLst>
+                    <a:ext uri="{FF2B5EF4-FFF2-40B4-BE49-F238E27FC236}">
+                      <a16:creationId xmlns:a16="http://schemas.microsoft.com/office/drawing/2014/main" id="{46B08753-D24E-081F-6EB7-47D5D25052A0}"/>
+                    </a:ext>
+                  </a:extLst>
+                </p14:cNvPr>
+                <p14:cNvContentPartPr/>
+                <p14:nvPr/>
+              </p14:nvContentPartPr>
+              <p14:xfrm>
+                <a:off x="2639649" y="3841445"/>
+                <a:ext cx="1945800" cy="83880"/>
+              </p14:xfrm>
+            </p:contentPart>
+          </mc:Choice>
+          <mc:Fallback>
+            <p:pic>
+              <p:nvPicPr>
+                <p:cNvPr id="112" name="Ink 111">
+                  <a:extLst>
+                    <a:ext uri="{FF2B5EF4-FFF2-40B4-BE49-F238E27FC236}">
+                      <a16:creationId xmlns:a16="http://schemas.microsoft.com/office/drawing/2014/main" id="{46B08753-D24E-081F-6EB7-47D5D25052A0}"/>
                     </a:ext>
                   </a:extLst>
                 </p:cNvPr>
@@ -9112,8 +11523,8 @@
               </p:blipFill>
               <p:spPr>
                 <a:xfrm>
-                  <a:off x="2069409" y="2959417"/>
-                  <a:ext cx="268920" cy="294840"/>
+                  <a:off x="2630649" y="3832805"/>
+                  <a:ext cx="1963440" cy="101520"/>
                 </a:xfrm>
                 <a:prstGeom prst="rect">
                   <a:avLst/>
@@ -9122,14 +11533,35 @@
             </p:pic>
           </mc:Fallback>
         </mc:AlternateContent>
+      </p:grpSp>
+      <p:grpSp>
+        <p:nvGrpSpPr>
+          <p:cNvPr id="118" name="Group 117">
+            <a:extLst>
+              <a:ext uri="{FF2B5EF4-FFF2-40B4-BE49-F238E27FC236}">
+                <a16:creationId xmlns:a16="http://schemas.microsoft.com/office/drawing/2014/main" id="{02420665-B79C-88AA-A6FE-4627D1DAAB4A}"/>
+              </a:ext>
+            </a:extLst>
+          </p:cNvPr>
+          <p:cNvGrpSpPr/>
+          <p:nvPr/>
+        </p:nvGrpSpPr>
+        <p:grpSpPr>
+          <a:xfrm>
+            <a:off x="4312569" y="2147645"/>
+            <a:ext cx="3044160" cy="3390120"/>
+            <a:chOff x="4312569" y="2147645"/>
+            <a:chExt cx="3044160" cy="3390120"/>
+          </a:xfrm>
+        </p:grpSpPr>
         <mc:AlternateContent xmlns:mc="http://schemas.openxmlformats.org/markup-compatibility/2006">
           <mc:Choice xmlns:p14="http://schemas.microsoft.com/office/powerpoint/2010/main" Requires="p14">
             <p:contentPart p14:bwMode="auto" r:id="rId69">
               <p14:nvContentPartPr>
-                <p14:cNvPr id="59" name="Ink 58">
+                <p14:cNvPr id="98" name="Ink 97">
                   <a:extLst>
                     <a:ext uri="{FF2B5EF4-FFF2-40B4-BE49-F238E27FC236}">
-                      <a16:creationId xmlns:a16="http://schemas.microsoft.com/office/drawing/2014/main" id="{BEA6C31B-D5D5-1095-3272-C588FCDCD883}"/>
+                      <a16:creationId xmlns:a16="http://schemas.microsoft.com/office/drawing/2014/main" id="{07E6490C-7D7A-95D9-0287-A07A4FA08CF2}"/>
                     </a:ext>
                   </a:extLst>
                 </p14:cNvPr>
@@ -9137,18 +11569,18 @@
                 <p14:nvPr/>
               </p14:nvContentPartPr>
               <p14:xfrm>
-                <a:off x="2328969" y="3095857"/>
-                <a:ext cx="1761840" cy="62280"/>
+                <a:off x="6374649" y="3398645"/>
+                <a:ext cx="518400" cy="1181160"/>
               </p14:xfrm>
             </p:contentPart>
           </mc:Choice>
           <mc:Fallback>
             <p:pic>
               <p:nvPicPr>
-                <p:cNvPr id="59" name="Ink 58">
+                <p:cNvPr id="98" name="Ink 97">
                   <a:extLst>
                     <a:ext uri="{FF2B5EF4-FFF2-40B4-BE49-F238E27FC236}">
-                      <a16:creationId xmlns:a16="http://schemas.microsoft.com/office/drawing/2014/main" id="{BEA6C31B-D5D5-1095-3272-C588FCDCD883}"/>
+                      <a16:creationId xmlns:a16="http://schemas.microsoft.com/office/drawing/2014/main" id="{07E6490C-7D7A-95D9-0287-A07A4FA08CF2}"/>
                     </a:ext>
                   </a:extLst>
                 </p:cNvPr>
@@ -9163,8 +11595,467 @@
               </p:blipFill>
               <p:spPr>
                 <a:xfrm>
-                  <a:off x="2320329" y="3087217"/>
-                  <a:ext cx="1779480" cy="79920"/>
+                  <a:off x="6366009" y="3389645"/>
+                  <a:ext cx="536040" cy="1198800"/>
+                </a:xfrm>
+                <a:prstGeom prst="rect">
+                  <a:avLst/>
+                </a:prstGeom>
+              </p:spPr>
+            </p:pic>
+          </mc:Fallback>
+        </mc:AlternateContent>
+        <mc:AlternateContent xmlns:mc="http://schemas.openxmlformats.org/markup-compatibility/2006">
+          <mc:Choice xmlns:p14="http://schemas.microsoft.com/office/powerpoint/2010/main" Requires="p14">
+            <p:contentPart p14:bwMode="auto" r:id="rId71">
+              <p14:nvContentPartPr>
+                <p14:cNvPr id="99" name="Ink 98">
+                  <a:extLst>
+                    <a:ext uri="{FF2B5EF4-FFF2-40B4-BE49-F238E27FC236}">
+                      <a16:creationId xmlns:a16="http://schemas.microsoft.com/office/drawing/2014/main" id="{2E0CE110-FEA8-89A6-2C99-E8C2C1C706DA}"/>
+                    </a:ext>
+                  </a:extLst>
+                </p14:cNvPr>
+                <p14:cNvContentPartPr/>
+                <p14:nvPr/>
+              </p14:nvContentPartPr>
+              <p14:xfrm>
+                <a:off x="6563289" y="4518965"/>
+                <a:ext cx="409320" cy="295560"/>
+              </p14:xfrm>
+            </p:contentPart>
+          </mc:Choice>
+          <mc:Fallback>
+            <p:pic>
+              <p:nvPicPr>
+                <p:cNvPr id="99" name="Ink 98">
+                  <a:extLst>
+                    <a:ext uri="{FF2B5EF4-FFF2-40B4-BE49-F238E27FC236}">
+                      <a16:creationId xmlns:a16="http://schemas.microsoft.com/office/drawing/2014/main" id="{2E0CE110-FEA8-89A6-2C99-E8C2C1C706DA}"/>
+                    </a:ext>
+                  </a:extLst>
+                </p:cNvPr>
+                <p:cNvPicPr/>
+                <p:nvPr/>
+              </p:nvPicPr>
+              <p:blipFill>
+                <a:blip r:embed="rId72"/>
+                <a:stretch>
+                  <a:fillRect/>
+                </a:stretch>
+              </p:blipFill>
+              <p:spPr>
+                <a:xfrm>
+                  <a:off x="6554289" y="4509965"/>
+                  <a:ext cx="426960" cy="313200"/>
+                </a:xfrm>
+                <a:prstGeom prst="rect">
+                  <a:avLst/>
+                </a:prstGeom>
+              </p:spPr>
+            </p:pic>
+          </mc:Fallback>
+        </mc:AlternateContent>
+        <mc:AlternateContent xmlns:mc="http://schemas.openxmlformats.org/markup-compatibility/2006">
+          <mc:Choice xmlns:p14="http://schemas.microsoft.com/office/powerpoint/2010/main" Requires="p14">
+            <p:contentPart p14:bwMode="auto" r:id="rId73">
+              <p14:nvContentPartPr>
+                <p14:cNvPr id="73" name="Ink 72">
+                  <a:extLst>
+                    <a:ext uri="{FF2B5EF4-FFF2-40B4-BE49-F238E27FC236}">
+                      <a16:creationId xmlns:a16="http://schemas.microsoft.com/office/drawing/2014/main" id="{B11A8974-49E5-4A1B-C51C-73204415D24E}"/>
+                    </a:ext>
+                  </a:extLst>
+                </p14:cNvPr>
+                <p14:cNvContentPartPr/>
+                <p14:nvPr/>
+              </p14:nvContentPartPr>
+              <p14:xfrm>
+                <a:off x="7246209" y="3001565"/>
+                <a:ext cx="24120" cy="33840"/>
+              </p14:xfrm>
+            </p:contentPart>
+          </mc:Choice>
+          <mc:Fallback>
+            <p:pic>
+              <p:nvPicPr>
+                <p:cNvPr id="73" name="Ink 72">
+                  <a:extLst>
+                    <a:ext uri="{FF2B5EF4-FFF2-40B4-BE49-F238E27FC236}">
+                      <a16:creationId xmlns:a16="http://schemas.microsoft.com/office/drawing/2014/main" id="{B11A8974-49E5-4A1B-C51C-73204415D24E}"/>
+                    </a:ext>
+                  </a:extLst>
+                </p:cNvPr>
+                <p:cNvPicPr/>
+                <p:nvPr/>
+              </p:nvPicPr>
+              <p:blipFill>
+                <a:blip r:embed="rId74"/>
+                <a:stretch>
+                  <a:fillRect/>
+                </a:stretch>
+              </p:blipFill>
+              <p:spPr>
+                <a:xfrm>
+                  <a:off x="7237209" y="2992925"/>
+                  <a:ext cx="41760" cy="51480"/>
+                </a:xfrm>
+                <a:prstGeom prst="rect">
+                  <a:avLst/>
+                </a:prstGeom>
+              </p:spPr>
+            </p:pic>
+          </mc:Fallback>
+        </mc:AlternateContent>
+        <mc:AlternateContent xmlns:mc="http://schemas.openxmlformats.org/markup-compatibility/2006">
+          <mc:Choice xmlns:p14="http://schemas.microsoft.com/office/powerpoint/2010/main" Requires="p14">
+            <p:contentPart p14:bwMode="auto" r:id="rId75">
+              <p14:nvContentPartPr>
+                <p14:cNvPr id="74" name="Ink 73">
+                  <a:extLst>
+                    <a:ext uri="{FF2B5EF4-FFF2-40B4-BE49-F238E27FC236}">
+                      <a16:creationId xmlns:a16="http://schemas.microsoft.com/office/drawing/2014/main" id="{BEC96413-1EA6-A778-2BB1-5152112B96BA}"/>
+                    </a:ext>
+                  </a:extLst>
+                </p14:cNvPr>
+                <p14:cNvContentPartPr/>
+                <p14:nvPr/>
+              </p14:nvContentPartPr>
+              <p14:xfrm>
+                <a:off x="7060809" y="2912285"/>
+                <a:ext cx="295920" cy="259560"/>
+              </p14:xfrm>
+            </p:contentPart>
+          </mc:Choice>
+          <mc:Fallback>
+            <p:pic>
+              <p:nvPicPr>
+                <p:cNvPr id="74" name="Ink 73">
+                  <a:extLst>
+                    <a:ext uri="{FF2B5EF4-FFF2-40B4-BE49-F238E27FC236}">
+                      <a16:creationId xmlns:a16="http://schemas.microsoft.com/office/drawing/2014/main" id="{BEC96413-1EA6-A778-2BB1-5152112B96BA}"/>
+                    </a:ext>
+                  </a:extLst>
+                </p:cNvPr>
+                <p:cNvPicPr/>
+                <p:nvPr/>
+              </p:nvPicPr>
+              <p:blipFill>
+                <a:blip r:embed="rId76"/>
+                <a:stretch>
+                  <a:fillRect/>
+                </a:stretch>
+              </p:blipFill>
+              <p:spPr>
+                <a:xfrm>
+                  <a:off x="7051809" y="2903285"/>
+                  <a:ext cx="313560" cy="277200"/>
+                </a:xfrm>
+                <a:prstGeom prst="rect">
+                  <a:avLst/>
+                </a:prstGeom>
+              </p:spPr>
+            </p:pic>
+          </mc:Fallback>
+        </mc:AlternateContent>
+        <mc:AlternateContent xmlns:mc="http://schemas.openxmlformats.org/markup-compatibility/2006">
+          <mc:Choice xmlns:p14="http://schemas.microsoft.com/office/powerpoint/2010/main" Requires="p14">
+            <p:contentPart p14:bwMode="auto" r:id="rId77">
+              <p14:nvContentPartPr>
+                <p14:cNvPr id="78" name="Ink 77">
+                  <a:extLst>
+                    <a:ext uri="{FF2B5EF4-FFF2-40B4-BE49-F238E27FC236}">
+                      <a16:creationId xmlns:a16="http://schemas.microsoft.com/office/drawing/2014/main" id="{174E77E8-6873-763F-1A8B-38BC9C1D520A}"/>
+                    </a:ext>
+                  </a:extLst>
+                </p14:cNvPr>
+                <p14:cNvContentPartPr/>
+                <p14:nvPr/>
+              </p14:nvContentPartPr>
+              <p14:xfrm>
+                <a:off x="4312569" y="2147645"/>
+                <a:ext cx="2408400" cy="1001520"/>
+              </p14:xfrm>
+            </p:contentPart>
+          </mc:Choice>
+          <mc:Fallback>
+            <p:pic>
+              <p:nvPicPr>
+                <p:cNvPr id="78" name="Ink 77">
+                  <a:extLst>
+                    <a:ext uri="{FF2B5EF4-FFF2-40B4-BE49-F238E27FC236}">
+                      <a16:creationId xmlns:a16="http://schemas.microsoft.com/office/drawing/2014/main" id="{174E77E8-6873-763F-1A8B-38BC9C1D520A}"/>
+                    </a:ext>
+                  </a:extLst>
+                </p:cNvPr>
+                <p:cNvPicPr/>
+                <p:nvPr/>
+              </p:nvPicPr>
+              <p:blipFill>
+                <a:blip r:embed="rId78"/>
+                <a:stretch>
+                  <a:fillRect/>
+                </a:stretch>
+              </p:blipFill>
+              <p:spPr>
+                <a:xfrm>
+                  <a:off x="4303569" y="2138645"/>
+                  <a:ext cx="2426040" cy="1019160"/>
+                </a:xfrm>
+                <a:prstGeom prst="rect">
+                  <a:avLst/>
+                </a:prstGeom>
+              </p:spPr>
+            </p:pic>
+          </mc:Fallback>
+        </mc:AlternateContent>
+        <mc:AlternateContent xmlns:mc="http://schemas.openxmlformats.org/markup-compatibility/2006">
+          <mc:Choice xmlns:p14="http://schemas.microsoft.com/office/powerpoint/2010/main" Requires="p14">
+            <p:contentPart p14:bwMode="auto" r:id="rId79">
+              <p14:nvContentPartPr>
+                <p14:cNvPr id="80" name="Ink 79">
+                  <a:extLst>
+                    <a:ext uri="{FF2B5EF4-FFF2-40B4-BE49-F238E27FC236}">
+                      <a16:creationId xmlns:a16="http://schemas.microsoft.com/office/drawing/2014/main" id="{06E38C41-3031-C255-709A-5E3F5DCCA3EA}"/>
+                    </a:ext>
+                  </a:extLst>
+                </p14:cNvPr>
+                <p14:cNvContentPartPr/>
+                <p14:nvPr/>
+              </p14:nvContentPartPr>
+              <p14:xfrm>
+                <a:off x="6486609" y="2950085"/>
+                <a:ext cx="531720" cy="457920"/>
+              </p14:xfrm>
+            </p:contentPart>
+          </mc:Choice>
+          <mc:Fallback>
+            <p:pic>
+              <p:nvPicPr>
+                <p:cNvPr id="80" name="Ink 79">
+                  <a:extLst>
+                    <a:ext uri="{FF2B5EF4-FFF2-40B4-BE49-F238E27FC236}">
+                      <a16:creationId xmlns:a16="http://schemas.microsoft.com/office/drawing/2014/main" id="{06E38C41-3031-C255-709A-5E3F5DCCA3EA}"/>
+                    </a:ext>
+                  </a:extLst>
+                </p:cNvPr>
+                <p:cNvPicPr/>
+                <p:nvPr/>
+              </p:nvPicPr>
+              <p:blipFill>
+                <a:blip r:embed="rId80"/>
+                <a:stretch>
+                  <a:fillRect/>
+                </a:stretch>
+              </p:blipFill>
+              <p:spPr>
+                <a:xfrm>
+                  <a:off x="6477969" y="2941445"/>
+                  <a:ext cx="549360" cy="475560"/>
+                </a:xfrm>
+                <a:prstGeom prst="rect">
+                  <a:avLst/>
+                </a:prstGeom>
+              </p:spPr>
+            </p:pic>
+          </mc:Fallback>
+        </mc:AlternateContent>
+        <mc:AlternateContent xmlns:mc="http://schemas.openxmlformats.org/markup-compatibility/2006">
+          <mc:Choice xmlns:p14="http://schemas.microsoft.com/office/powerpoint/2010/main" Requires="p14">
+            <p:contentPart p14:bwMode="auto" r:id="rId81">
+              <p14:nvContentPartPr>
+                <p14:cNvPr id="81" name="Ink 80">
+                  <a:extLst>
+                    <a:ext uri="{FF2B5EF4-FFF2-40B4-BE49-F238E27FC236}">
+                      <a16:creationId xmlns:a16="http://schemas.microsoft.com/office/drawing/2014/main" id="{4920497B-8BCF-893A-DB41-8E10EDC9CFFA}"/>
+                    </a:ext>
+                  </a:extLst>
+                </p14:cNvPr>
+                <p14:cNvContentPartPr/>
+                <p14:nvPr/>
+              </p14:nvContentPartPr>
+              <p14:xfrm>
+                <a:off x="6675969" y="3380285"/>
+                <a:ext cx="389520" cy="271440"/>
+              </p14:xfrm>
+            </p:contentPart>
+          </mc:Choice>
+          <mc:Fallback>
+            <p:pic>
+              <p:nvPicPr>
+                <p:cNvPr id="81" name="Ink 80">
+                  <a:extLst>
+                    <a:ext uri="{FF2B5EF4-FFF2-40B4-BE49-F238E27FC236}">
+                      <a16:creationId xmlns:a16="http://schemas.microsoft.com/office/drawing/2014/main" id="{4920497B-8BCF-893A-DB41-8E10EDC9CFFA}"/>
+                    </a:ext>
+                  </a:extLst>
+                </p:cNvPr>
+                <p:cNvPicPr/>
+                <p:nvPr/>
+              </p:nvPicPr>
+              <p:blipFill>
+                <a:blip r:embed="rId82"/>
+                <a:stretch>
+                  <a:fillRect/>
+                </a:stretch>
+              </p:blipFill>
+              <p:spPr>
+                <a:xfrm>
+                  <a:off x="6667329" y="3371285"/>
+                  <a:ext cx="407160" cy="289080"/>
+                </a:xfrm>
+                <a:prstGeom prst="rect">
+                  <a:avLst/>
+                </a:prstGeom>
+              </p:spPr>
+            </p:pic>
+          </mc:Fallback>
+        </mc:AlternateContent>
+        <mc:AlternateContent xmlns:mc="http://schemas.openxmlformats.org/markup-compatibility/2006">
+          <mc:Choice xmlns:p14="http://schemas.microsoft.com/office/powerpoint/2010/main" Requires="p14">
+            <p:contentPart p14:bwMode="auto" r:id="rId83">
+              <p14:nvContentPartPr>
+                <p14:cNvPr id="113" name="Ink 112">
+                  <a:extLst>
+                    <a:ext uri="{FF2B5EF4-FFF2-40B4-BE49-F238E27FC236}">
+                      <a16:creationId xmlns:a16="http://schemas.microsoft.com/office/drawing/2014/main" id="{39A7F1FA-F063-AAA8-6A9E-2D2EED2CE366}"/>
+                    </a:ext>
+                  </a:extLst>
+                </p14:cNvPr>
+                <p14:cNvContentPartPr/>
+                <p14:nvPr/>
+              </p14:nvContentPartPr>
+              <p14:xfrm>
+                <a:off x="4433529" y="3543005"/>
+                <a:ext cx="1952280" cy="484920"/>
+              </p14:xfrm>
+            </p:contentPart>
+          </mc:Choice>
+          <mc:Fallback>
+            <p:pic>
+              <p:nvPicPr>
+                <p:cNvPr id="113" name="Ink 112">
+                  <a:extLst>
+                    <a:ext uri="{FF2B5EF4-FFF2-40B4-BE49-F238E27FC236}">
+                      <a16:creationId xmlns:a16="http://schemas.microsoft.com/office/drawing/2014/main" id="{39A7F1FA-F063-AAA8-6A9E-2D2EED2CE366}"/>
+                    </a:ext>
+                  </a:extLst>
+                </p:cNvPr>
+                <p:cNvPicPr/>
+                <p:nvPr/>
+              </p:nvPicPr>
+              <p:blipFill>
+                <a:blip r:embed="rId84"/>
+                <a:stretch>
+                  <a:fillRect/>
+                </a:stretch>
+              </p:blipFill>
+              <p:spPr>
+                <a:xfrm>
+                  <a:off x="4424529" y="3534005"/>
+                  <a:ext cx="1969920" cy="502560"/>
+                </a:xfrm>
+                <a:prstGeom prst="rect">
+                  <a:avLst/>
+                </a:prstGeom>
+              </p:spPr>
+            </p:pic>
+          </mc:Fallback>
+        </mc:AlternateContent>
+        <mc:AlternateContent xmlns:mc="http://schemas.openxmlformats.org/markup-compatibility/2006">
+          <mc:Choice xmlns:p14="http://schemas.microsoft.com/office/powerpoint/2010/main" Requires="p14">
+            <p:contentPart p14:bwMode="auto" r:id="rId85">
+              <p14:nvContentPartPr>
+                <p14:cNvPr id="116" name="Ink 115">
+                  <a:extLst>
+                    <a:ext uri="{FF2B5EF4-FFF2-40B4-BE49-F238E27FC236}">
+                      <a16:creationId xmlns:a16="http://schemas.microsoft.com/office/drawing/2014/main" id="{FBCDE2A0-203D-0E03-1CEE-DB59376CC2AE}"/>
+                    </a:ext>
+                  </a:extLst>
+                </p14:cNvPr>
+                <p14:cNvContentPartPr/>
+                <p14:nvPr/>
+              </p14:nvContentPartPr>
+              <p14:xfrm>
+                <a:off x="6098889" y="4036925"/>
+                <a:ext cx="360" cy="360"/>
+              </p14:xfrm>
+            </p:contentPart>
+          </mc:Choice>
+          <mc:Fallback>
+            <p:pic>
+              <p:nvPicPr>
+                <p:cNvPr id="116" name="Ink 115">
+                  <a:extLst>
+                    <a:ext uri="{FF2B5EF4-FFF2-40B4-BE49-F238E27FC236}">
+                      <a16:creationId xmlns:a16="http://schemas.microsoft.com/office/drawing/2014/main" id="{FBCDE2A0-203D-0E03-1CEE-DB59376CC2AE}"/>
+                    </a:ext>
+                  </a:extLst>
+                </p:cNvPr>
+                <p:cNvPicPr/>
+                <p:nvPr/>
+              </p:nvPicPr>
+              <p:blipFill>
+                <a:blip r:embed="rId7"/>
+                <a:stretch>
+                  <a:fillRect/>
+                </a:stretch>
+              </p:blipFill>
+              <p:spPr>
+                <a:xfrm>
+                  <a:off x="6089889" y="4027925"/>
+                  <a:ext cx="18000" cy="18000"/>
+                </a:xfrm>
+                <a:prstGeom prst="rect">
+                  <a:avLst/>
+                </a:prstGeom>
+              </p:spPr>
+            </p:pic>
+          </mc:Fallback>
+        </mc:AlternateContent>
+        <mc:AlternateContent xmlns:mc="http://schemas.openxmlformats.org/markup-compatibility/2006">
+          <mc:Choice xmlns:p14="http://schemas.microsoft.com/office/powerpoint/2010/main" Requires="p14">
+            <p:contentPart p14:bwMode="auto" r:id="rId86">
+              <p14:nvContentPartPr>
+                <p14:cNvPr id="117" name="Ink 116">
+                  <a:extLst>
+                    <a:ext uri="{FF2B5EF4-FFF2-40B4-BE49-F238E27FC236}">
+                      <a16:creationId xmlns:a16="http://schemas.microsoft.com/office/drawing/2014/main" id="{F97B7798-51BE-9CA7-9E0B-A1CF381F7A58}"/>
+                    </a:ext>
+                  </a:extLst>
+                </p14:cNvPr>
+                <p14:cNvContentPartPr/>
+                <p14:nvPr/>
+              </p14:nvContentPartPr>
+              <p14:xfrm>
+                <a:off x="6098889" y="3976445"/>
+                <a:ext cx="217080" cy="1561320"/>
+              </p14:xfrm>
+            </p:contentPart>
+          </mc:Choice>
+          <mc:Fallback>
+            <p:pic>
+              <p:nvPicPr>
+                <p:cNvPr id="117" name="Ink 116">
+                  <a:extLst>
+                    <a:ext uri="{FF2B5EF4-FFF2-40B4-BE49-F238E27FC236}">
+                      <a16:creationId xmlns:a16="http://schemas.microsoft.com/office/drawing/2014/main" id="{F97B7798-51BE-9CA7-9E0B-A1CF381F7A58}"/>
+                    </a:ext>
+                  </a:extLst>
+                </p:cNvPr>
+                <p:cNvPicPr/>
+                <p:nvPr/>
+              </p:nvPicPr>
+              <p:blipFill>
+                <a:blip r:embed="rId87"/>
+                <a:stretch>
+                  <a:fillRect/>
+                </a:stretch>
+              </p:blipFill>
+              <p:spPr>
+                <a:xfrm>
+                  <a:off x="6089889" y="3967805"/>
+                  <a:ext cx="234720" cy="1578960"/>
                 </a:xfrm>
                 <a:prstGeom prst="rect">
                   <a:avLst/>
@@ -9174,96 +12065,10 @@
           </mc:Fallback>
         </mc:AlternateContent>
       </p:grpSp>
-      <mc:AlternateContent xmlns:mc="http://schemas.openxmlformats.org/markup-compatibility/2006">
-        <mc:Choice xmlns:p14="http://schemas.microsoft.com/office/powerpoint/2010/main" Requires="p14">
-          <p:contentPart p14:bwMode="auto" r:id="rId71">
-            <p14:nvContentPartPr>
-              <p14:cNvPr id="61" name="Ink 60">
-                <a:extLst>
-                  <a:ext uri="{FF2B5EF4-FFF2-40B4-BE49-F238E27FC236}">
-                    <a16:creationId xmlns:a16="http://schemas.microsoft.com/office/drawing/2014/main" id="{3D5A74B2-E5F6-E775-0CB0-5B7C8660B9C3}"/>
-                  </a:ext>
-                </a:extLst>
-              </p14:cNvPr>
-              <p14:cNvContentPartPr/>
-              <p14:nvPr/>
-            </p14:nvContentPartPr>
-            <p14:xfrm>
-              <a:off x="6021129" y="3174337"/>
-              <a:ext cx="685440" cy="2069280"/>
-            </p14:xfrm>
-          </p:contentPart>
-        </mc:Choice>
-        <mc:Fallback>
-          <p:pic>
-            <p:nvPicPr>
-              <p:cNvPr id="61" name="Ink 60">
-                <a:extLst>
-                  <a:ext uri="{FF2B5EF4-FFF2-40B4-BE49-F238E27FC236}">
-                    <a16:creationId xmlns:a16="http://schemas.microsoft.com/office/drawing/2014/main" id="{3D5A74B2-E5F6-E775-0CB0-5B7C8660B9C3}"/>
-                  </a:ext>
-                </a:extLst>
-              </p:cNvPr>
-              <p:cNvPicPr/>
-              <p:nvPr/>
-            </p:nvPicPr>
-            <p:blipFill>
-              <a:blip r:embed="rId72"/>
-              <a:stretch>
-                <a:fillRect/>
-              </a:stretch>
-            </p:blipFill>
-            <p:spPr>
-              <a:xfrm>
-                <a:off x="6012489" y="3165697"/>
-                <a:ext cx="703080" cy="2086920"/>
-              </a:xfrm>
-              <a:prstGeom prst="rect">
-                <a:avLst/>
-              </a:prstGeom>
-            </p:spPr>
-          </p:pic>
-        </mc:Fallback>
-      </mc:AlternateContent>
-      <p:sp>
-        <p:nvSpPr>
-          <p:cNvPr id="62" name="TextBox 61">
-            <a:extLst>
-              <a:ext uri="{FF2B5EF4-FFF2-40B4-BE49-F238E27FC236}">
-                <a16:creationId xmlns:a16="http://schemas.microsoft.com/office/drawing/2014/main" id="{8A26B8D7-F54C-9582-9932-8BDDF1036C20}"/>
-              </a:ext>
-            </a:extLst>
-          </p:cNvPr>
-          <p:cNvSpPr txBox="1"/>
-          <p:nvPr/>
-        </p:nvSpPr>
-        <p:spPr>
-          <a:xfrm>
-            <a:off x="1449238" y="4537494"/>
-            <a:ext cx="2242868" cy="369332"/>
-          </a:xfrm>
-          <a:prstGeom prst="rect">
-            <a:avLst/>
-          </a:prstGeom>
-          <a:noFill/>
-        </p:spPr>
-        <p:txBody>
-          <a:bodyPr wrap="square" rtlCol="0">
-            <a:spAutoFit/>
-          </a:bodyPr>
-          <a:lstStyle/>
-          <a:p>
-            <a:r>
-              <a:rPr lang="en-NZ" dirty="0"/>
-              <a:t>After</a:t>
-            </a:r>
-          </a:p>
-        </p:txBody>
-      </p:sp>
     </p:spTree>
     <p:extLst>
       <p:ext uri="{BB962C8B-B14F-4D97-AF65-F5344CB8AC3E}">
-        <p14:creationId xmlns:p14="http://schemas.microsoft.com/office/powerpoint/2010/main" val="354424765"/>
+        <p14:creationId xmlns:p14="http://schemas.microsoft.com/office/powerpoint/2010/main" val="4064415223"/>
       </p:ext>
     </p:extLst>
   </p:cSld>
@@ -9274,6 +12079,410 @@
 </file>
 
 <file path=ppt/slides/slide11.xml><?xml version="1.0" encoding="utf-8"?>
+<p:sld xmlns:a="http://schemas.openxmlformats.org/drawingml/2006/main" xmlns:r="http://schemas.openxmlformats.org/officeDocument/2006/relationships" xmlns:p="http://schemas.openxmlformats.org/presentationml/2006/main">
+  <p:cSld>
+    <p:spTree>
+      <p:nvGrpSpPr>
+        <p:cNvPr id="1" name=""/>
+        <p:cNvGrpSpPr/>
+        <p:nvPr/>
+      </p:nvGrpSpPr>
+      <p:grpSpPr>
+        <a:xfrm>
+          <a:off x="0" y="0"/>
+          <a:ext cx="0" cy="0"/>
+          <a:chOff x="0" y="0"/>
+          <a:chExt cx="0" cy="0"/>
+        </a:xfrm>
+      </p:grpSpPr>
+      <p:sp>
+        <p:nvSpPr>
+          <p:cNvPr id="2" name="Title 1">
+            <a:extLst>
+              <a:ext uri="{FF2B5EF4-FFF2-40B4-BE49-F238E27FC236}">
+                <a16:creationId xmlns:a16="http://schemas.microsoft.com/office/drawing/2014/main" id="{1CC5D32F-7C18-4D00-8D54-2FB046F0A206}"/>
+              </a:ext>
+            </a:extLst>
+          </p:cNvPr>
+          <p:cNvSpPr>
+            <a:spLocks noGrp="1"/>
+          </p:cNvSpPr>
+          <p:nvPr>
+            <p:ph type="title"/>
+          </p:nvPr>
+        </p:nvSpPr>
+        <p:spPr>
+          <a:xfrm>
+            <a:off x="749300" y="223520"/>
+            <a:ext cx="10515600" cy="806768"/>
+          </a:xfrm>
+        </p:spPr>
+        <p:txBody>
+          <a:bodyPr>
+            <a:normAutofit/>
+          </a:bodyPr>
+          <a:lstStyle/>
+          <a:p>
+            <a:r>
+              <a:rPr lang="en-NZ" sz="4000" dirty="0"/>
+              <a:t>Add Creature: Trialling </a:t>
+            </a:r>
+          </a:p>
+        </p:txBody>
+      </p:sp>
+      <p:sp>
+        <p:nvSpPr>
+          <p:cNvPr id="4" name="TextBox 3">
+            <a:extLst>
+              <a:ext uri="{FF2B5EF4-FFF2-40B4-BE49-F238E27FC236}">
+                <a16:creationId xmlns:a16="http://schemas.microsoft.com/office/drawing/2014/main" id="{8CD07A82-A944-4A9B-9A52-515DAC30878A}"/>
+              </a:ext>
+            </a:extLst>
+          </p:cNvPr>
+          <p:cNvSpPr txBox="1"/>
+          <p:nvPr/>
+        </p:nvSpPr>
+        <p:spPr>
+          <a:xfrm>
+            <a:off x="660400" y="1030288"/>
+            <a:ext cx="10693400" cy="923330"/>
+          </a:xfrm>
+          <a:prstGeom prst="rect">
+            <a:avLst/>
+          </a:prstGeom>
+          <a:noFill/>
+        </p:spPr>
+        <p:txBody>
+          <a:bodyPr wrap="square">
+            <a:spAutoFit/>
+          </a:bodyPr>
+          <a:lstStyle/>
+          <a:p>
+            <a:r>
+              <a:rPr lang="en-NZ" i="1" dirty="0"/>
+              <a:t>NOTE: Trialling needs to happen for </a:t>
+            </a:r>
+            <a:r>
+              <a:rPr lang="en-NZ" b="1" i="1" dirty="0"/>
+              <a:t>at least 2 </a:t>
+            </a:r>
+            <a:r>
+              <a:rPr lang="en-NZ" i="1" dirty="0"/>
+              <a:t>of your components but is not necessary for ALL components.</a:t>
+            </a:r>
+          </a:p>
+          <a:p>
+            <a:r>
+              <a:rPr lang="en" i="1" dirty="0"/>
+              <a:t>Trialling is not the same as testing. Trialling is about finding different ways of building the same component. Show evidence of  your trialling  here. Select one of your trials for further development and give reasons for your choice. </a:t>
+            </a:r>
+            <a:endParaRPr lang="en-NZ" dirty="0"/>
+          </a:p>
+        </p:txBody>
+      </p:sp>
+      <p:graphicFrame>
+        <p:nvGraphicFramePr>
+          <p:cNvPr id="3" name="Table 4">
+            <a:extLst>
+              <a:ext uri="{FF2B5EF4-FFF2-40B4-BE49-F238E27FC236}">
+                <a16:creationId xmlns:a16="http://schemas.microsoft.com/office/drawing/2014/main" id="{5B0807D8-1857-A2B4-82CA-F64FBDF2B197}"/>
+              </a:ext>
+            </a:extLst>
+          </p:cNvPr>
+          <p:cNvGraphicFramePr>
+            <a:graphicFrameLocks noGrp="1"/>
+          </p:cNvGraphicFramePr>
+          <p:nvPr>
+            <p:extLst>
+              <p:ext uri="{D42A27DB-BD31-4B8C-83A1-F6EECF244321}">
+                <p14:modId xmlns:p14="http://schemas.microsoft.com/office/powerpoint/2010/main" val="1414174113"/>
+              </p:ext>
+            </p:extLst>
+          </p:nvPr>
+        </p:nvGraphicFramePr>
+        <p:xfrm>
+          <a:off x="749300" y="2020989"/>
+          <a:ext cx="10515600" cy="4231758"/>
+        </p:xfrm>
+        <a:graphic>
+          <a:graphicData uri="http://schemas.openxmlformats.org/drawingml/2006/table">
+            <a:tbl>
+              <a:tblPr firstRow="1" bandRow="1"/>
+              <a:tblGrid>
+                <a:gridCol w="2908300">
+                  <a:extLst>
+                    <a:ext uri="{9D8B030D-6E8A-4147-A177-3AD203B41FA5}">
+                      <a16:colId xmlns:a16="http://schemas.microsoft.com/office/drawing/2014/main" val="1051656647"/>
+                    </a:ext>
+                  </a:extLst>
+                </a:gridCol>
+                <a:gridCol w="7607300">
+                  <a:extLst>
+                    <a:ext uri="{9D8B030D-6E8A-4147-A177-3AD203B41FA5}">
+                      <a16:colId xmlns:a16="http://schemas.microsoft.com/office/drawing/2014/main" val="4060832193"/>
+                    </a:ext>
+                  </a:extLst>
+                </a:gridCol>
+              </a:tblGrid>
+              <a:tr h="1410586">
+                <a:tc>
+                  <a:txBody>
+                    <a:bodyPr/>
+                    <a:lstStyle/>
+                    <a:p>
+                      <a:r>
+                        <a:rPr lang="en-NZ" b="1" dirty="0"/>
+                        <a:t>Trial 1</a:t>
+                      </a:r>
+                    </a:p>
+                    <a:p>
+                      <a:r>
+                        <a:rPr lang="en-NZ" dirty="0"/>
+                        <a:t>04_addCreature_v1.py</a:t>
+                      </a:r>
+                    </a:p>
+                  </a:txBody>
+                  <a:tcPr/>
+                </a:tc>
+                <a:tc>
+                  <a:txBody>
+                    <a:bodyPr/>
+                    <a:lstStyle/>
+                    <a:p>
+                      <a:r>
+                        <a:rPr lang="en-GB" dirty="0"/>
+                        <a:t>The program works but is very basic and lacks features that would benefit the end-user, such as no ability to confirm the character’s stats before adding it to the program. Also, the </a:t>
+                      </a:r>
+                      <a:r>
+                        <a:rPr lang="en-GB" dirty="0" err="1"/>
+                        <a:t>upperbound</a:t>
+                      </a:r>
+                      <a:r>
+                        <a:rPr lang="en-GB" dirty="0"/>
+                        <a:t> doesn’t match the program and project brief. (v2 fixes this problem but remains the same)</a:t>
+                      </a:r>
+                      <a:endParaRPr lang="en-NZ" dirty="0"/>
+                    </a:p>
+                  </a:txBody>
+                  <a:tcPr/>
+                </a:tc>
+                <a:extLst>
+                  <a:ext uri="{0D108BD9-81ED-4DB2-BD59-A6C34878D82A}">
+                    <a16:rowId xmlns:a16="http://schemas.microsoft.com/office/drawing/2014/main" val="3856236611"/>
+                  </a:ext>
+                </a:extLst>
+              </a:tr>
+              <a:tr h="1410586">
+                <a:tc>
+                  <a:txBody>
+                    <a:bodyPr/>
+                    <a:lstStyle/>
+                    <a:p>
+                      <a:r>
+                        <a:rPr lang="en-NZ" b="1" dirty="0"/>
+                        <a:t>Trial 2</a:t>
+                      </a:r>
+                    </a:p>
+                    <a:p>
+                      <a:r>
+                        <a:rPr lang="en-NZ" dirty="0"/>
+                        <a:t>04_addCreature_v3</a:t>
+                      </a:r>
+                      <a:r>
+                        <a:rPr lang="en-NZ" b="0" dirty="0"/>
+                        <a:t>.py</a:t>
+                      </a:r>
+                    </a:p>
+                  </a:txBody>
+                  <a:tcPr/>
+                </a:tc>
+                <a:tc>
+                  <a:txBody>
+                    <a:bodyPr/>
+                    <a:lstStyle/>
+                    <a:p>
+                      <a:r>
+                        <a:rPr lang="en-GB" dirty="0"/>
+                        <a:t>V3 adds to v1/v2 and adds the ability to confirm the characters stats before adding it to the ‘system’ it also allows the user to change stats on the confirmation screen if they made a mistake which fits with the usability relevant implication. (v4 fixes PEP8 issues)</a:t>
+                      </a:r>
+                      <a:endParaRPr lang="en-NZ" dirty="0"/>
+                    </a:p>
+                  </a:txBody>
+                  <a:tcPr/>
+                </a:tc>
+                <a:extLst>
+                  <a:ext uri="{0D108BD9-81ED-4DB2-BD59-A6C34878D82A}">
+                    <a16:rowId xmlns:a16="http://schemas.microsoft.com/office/drawing/2014/main" val="3463052991"/>
+                  </a:ext>
+                </a:extLst>
+              </a:tr>
+              <a:tr h="1410586">
+                <a:tc>
+                  <a:txBody>
+                    <a:bodyPr/>
+                    <a:lstStyle/>
+                    <a:p>
+                      <a:r>
+                        <a:rPr lang="en-NZ" b="1" dirty="0"/>
+                        <a:t>Trial 3</a:t>
+                      </a:r>
+                    </a:p>
+                    <a:p>
+                      <a:r>
+                        <a:rPr lang="en-NZ" dirty="0"/>
+                        <a:t>04_addCreature_v5</a:t>
+                      </a:r>
+                      <a:r>
+                        <a:rPr lang="en-NZ" b="0" dirty="0"/>
+                        <a:t>.py</a:t>
+                      </a:r>
+                    </a:p>
+                  </a:txBody>
+                  <a:tcPr/>
+                </a:tc>
+                <a:tc>
+                  <a:txBody>
+                    <a:bodyPr/>
+                    <a:lstStyle/>
+                    <a:p>
+                      <a:r>
+                        <a:rPr lang="en-GB" dirty="0"/>
+                        <a:t>The code is based off of v4 the only change in v4 is it fixes PEP8 issues. In this final version, I </a:t>
+                      </a:r>
+                      <a:r>
+                        <a:rPr lang="en-GB" sz="1800" i="1" kern="1200" dirty="0">
+                          <a:solidFill>
+                            <a:schemeClr val="tx1"/>
+                          </a:solidFill>
+                          <a:effectLst/>
+                          <a:latin typeface="+mn-lt"/>
+                          <a:ea typeface="+mn-ea"/>
+                          <a:cs typeface="+mn-cs"/>
+                        </a:rPr>
+                        <a:t>Make the language used in the message boxes more general and cool. This will be used in the final program.</a:t>
+                      </a:r>
+                      <a:endParaRPr lang="en-NZ" dirty="0"/>
+                    </a:p>
+                  </a:txBody>
+                  <a:tcPr/>
+                </a:tc>
+                <a:extLst>
+                  <a:ext uri="{0D108BD9-81ED-4DB2-BD59-A6C34878D82A}">
+                    <a16:rowId xmlns:a16="http://schemas.microsoft.com/office/drawing/2014/main" val="4181147965"/>
+                  </a:ext>
+                </a:extLst>
+              </a:tr>
+            </a:tbl>
+          </a:graphicData>
+        </a:graphic>
+      </p:graphicFrame>
+    </p:spTree>
+    <p:extLst>
+      <p:ext uri="{BB962C8B-B14F-4D97-AF65-F5344CB8AC3E}">
+        <p14:creationId xmlns:p14="http://schemas.microsoft.com/office/powerpoint/2010/main" val="3798808607"/>
+      </p:ext>
+    </p:extLst>
+  </p:cSld>
+  <p:clrMapOvr>
+    <a:masterClrMapping/>
+  </p:clrMapOvr>
+</p:sld>
+</file>
+
+<file path=ppt/slides/slide12.xml><?xml version="1.0" encoding="utf-8"?>
+<p:sld xmlns:a="http://schemas.openxmlformats.org/drawingml/2006/main" xmlns:r="http://schemas.openxmlformats.org/officeDocument/2006/relationships" xmlns:p="http://schemas.openxmlformats.org/presentationml/2006/main">
+  <p:cSld>
+    <p:spTree>
+      <p:nvGrpSpPr>
+        <p:cNvPr id="1" name="Shape 85"/>
+        <p:cNvGrpSpPr/>
+        <p:nvPr/>
+      </p:nvGrpSpPr>
+      <p:grpSpPr>
+        <a:xfrm>
+          <a:off x="0" y="0"/>
+          <a:ext cx="0" cy="0"/>
+          <a:chOff x="0" y="0"/>
+          <a:chExt cx="0" cy="0"/>
+        </a:xfrm>
+      </p:grpSpPr>
+      <p:sp>
+        <p:nvSpPr>
+          <p:cNvPr id="86" name="Google Shape;86;p18"/>
+          <p:cNvSpPr txBox="1">
+            <a:spLocks noGrp="1"/>
+          </p:cNvSpPr>
+          <p:nvPr>
+            <p:ph type="title"/>
+          </p:nvPr>
+        </p:nvSpPr>
+        <p:spPr>
+          <a:xfrm>
+            <a:off x="415600" y="349527"/>
+            <a:ext cx="11360800" cy="763600"/>
+          </a:xfrm>
+          <a:prstGeom prst="rect">
+            <a:avLst/>
+          </a:prstGeom>
+        </p:spPr>
+        <p:txBody>
+          <a:bodyPr spcFirstLastPara="1" vert="horz" wrap="square" lIns="121900" tIns="121900" rIns="121900" bIns="121900" rtlCol="0" anchor="t" anchorCtr="0">
+            <a:noAutofit/>
+          </a:bodyPr>
+          <a:lstStyle/>
+          <a:p>
+            <a:r>
+              <a:rPr lang="en" sz="4000" dirty="0"/>
+              <a:t>Component 2 (Search Creature [03_searchMenuFunction])</a:t>
+            </a:r>
+            <a:endParaRPr sz="4000" dirty="0"/>
+          </a:p>
+        </p:txBody>
+      </p:sp>
+      <p:pic>
+        <p:nvPicPr>
+          <p:cNvPr id="6" name="Picture 5">
+            <a:extLst>
+              <a:ext uri="{FF2B5EF4-FFF2-40B4-BE49-F238E27FC236}">
+                <a16:creationId xmlns:a16="http://schemas.microsoft.com/office/drawing/2014/main" id="{75842563-8568-FE74-8FD5-D2214F0C447B}"/>
+              </a:ext>
+            </a:extLst>
+          </p:cNvPr>
+          <p:cNvPicPr>
+            <a:picLocks noChangeAspect="1"/>
+          </p:cNvPicPr>
+          <p:nvPr/>
+        </p:nvPicPr>
+        <p:blipFill>
+          <a:blip r:embed="rId3"/>
+          <a:stretch>
+            <a:fillRect/>
+          </a:stretch>
+        </p:blipFill>
+        <p:spPr>
+          <a:xfrm>
+            <a:off x="4790893" y="1861919"/>
+            <a:ext cx="2610214" cy="3134162"/>
+          </a:xfrm>
+          <a:prstGeom prst="rect">
+            <a:avLst/>
+          </a:prstGeom>
+        </p:spPr>
+      </p:pic>
+    </p:spTree>
+    <p:extLst>
+      <p:ext uri="{BB962C8B-B14F-4D97-AF65-F5344CB8AC3E}">
+        <p14:creationId xmlns:p14="http://schemas.microsoft.com/office/powerpoint/2010/main" val="2849764773"/>
+      </p:ext>
+    </p:extLst>
+  </p:cSld>
+  <p:clrMapOvr>
+    <a:masterClrMapping/>
+  </p:clrMapOvr>
+</p:sld>
+</file>
+
+<file path=ppt/slides/slide13.xml><?xml version="1.0" encoding="utf-8"?>
 <p:sld xmlns:a="http://schemas.openxmlformats.org/drawingml/2006/main" xmlns:r="http://schemas.openxmlformats.org/officeDocument/2006/relationships" xmlns:p="http://schemas.openxmlformats.org/presentationml/2006/main">
   <p:cSld>
     <p:spTree>
@@ -9403,7 +12612,7 @@
 </p:sld>
 </file>
 
-<file path=ppt/slides/slide12.xml><?xml version="1.0" encoding="utf-8"?>
+<file path=ppt/slides/slide14.xml><?xml version="1.0" encoding="utf-8"?>
 <p:sld xmlns:a="http://schemas.openxmlformats.org/drawingml/2006/main" xmlns:r="http://schemas.openxmlformats.org/officeDocument/2006/relationships" xmlns:p="http://schemas.openxmlformats.org/presentationml/2006/main">
   <p:cSld>
     <p:spTree>
@@ -9518,7 +12727,7 @@
 </p:sld>
 </file>
 
-<file path=ppt/slides/slide13.xml><?xml version="1.0" encoding="utf-8"?>
+<file path=ppt/slides/slide15.xml><?xml version="1.0" encoding="utf-8"?>
 <p:sld xmlns:a="http://schemas.openxmlformats.org/drawingml/2006/main" xmlns:r="http://schemas.openxmlformats.org/officeDocument/2006/relationships" xmlns:p="http://schemas.openxmlformats.org/presentationml/2006/main">
   <p:cSld>
     <p:spTree>
@@ -9632,7 +12841,7 @@
 </p:sld>
 </file>
 
-<file path=ppt/slides/slide14.xml><?xml version="1.0" encoding="utf-8"?>
+<file path=ppt/slides/slide16.xml><?xml version="1.0" encoding="utf-8"?>
 <p:sld xmlns:a="http://schemas.openxmlformats.org/drawingml/2006/main" xmlns:r="http://schemas.openxmlformats.org/officeDocument/2006/relationships" xmlns:p="http://schemas.openxmlformats.org/presentationml/2006/main">
   <p:cSld>
     <p:spTree>
@@ -9943,7 +13152,7 @@
 </p:sld>
 </file>
 
-<file path=ppt/slides/slide15.xml><?xml version="1.0" encoding="utf-8"?>
+<file path=ppt/slides/slide17.xml><?xml version="1.0" encoding="utf-8"?>
 <p:sld xmlns:a="http://schemas.openxmlformats.org/drawingml/2006/main" xmlns:r="http://schemas.openxmlformats.org/officeDocument/2006/relationships" xmlns:p="http://schemas.openxmlformats.org/presentationml/2006/main">
   <p:cSld>
     <p:spTree>
@@ -10057,7 +13266,7 @@
 </p:sld>
 </file>
 
-<file path=ppt/slides/slide16.xml><?xml version="1.0" encoding="utf-8"?>
+<file path=ppt/slides/slide18.xml><?xml version="1.0" encoding="utf-8"?>
 <p:sld xmlns:a="http://schemas.openxmlformats.org/drawingml/2006/main" xmlns:r="http://schemas.openxmlformats.org/officeDocument/2006/relationships" xmlns:p="http://schemas.openxmlformats.org/presentationml/2006/main">
   <p:cSld>
     <p:spTree>
@@ -10437,29 +13646,16 @@
                 </a:solidFill>
                 <a:hlinkClick r:id="rId2"/>
               </a:rPr>
-              <a:t>https://github.com/Jaxku</a:t>
+              <a:t>https://github.com/Jaxku/Assessment---Monster-Cards</a:t>
             </a:r>
-            <a:endParaRPr lang="en-NZ" sz="2000" b="1" dirty="0">
-              <a:solidFill>
-                <a:srgbClr val="274E13"/>
-              </a:solidFill>
-            </a:endParaRPr>
-          </a:p>
-          <a:p>
-            <a:pPr marL="0" indent="0">
-              <a:lnSpc>
-                <a:spcPct val="100000"/>
-              </a:lnSpc>
-              <a:spcBef>
-                <a:spcPts val="0"/>
-              </a:spcBef>
-              <a:buClr>
-                <a:schemeClr val="dk1"/>
-              </a:buClr>
-              <a:buSzPts val="1100"/>
-              <a:buFont typeface="Arial"/>
-              <a:buNone/>
-            </a:pPr>
+            <a:r>
+              <a:rPr lang="en-NZ" sz="2000" b="1" dirty="0">
+                <a:solidFill>
+                  <a:srgbClr val="274E13"/>
+                </a:solidFill>
+              </a:rPr>
+              <a:t> </a:t>
+            </a:r>
             <a:endParaRPr lang="en-NZ" sz="2000" dirty="0">
               <a:solidFill>
                 <a:srgbClr val="274E13"/>
@@ -12967,7 +16163,7 @@
         </p:nvSpPr>
         <p:spPr>
           <a:xfrm>
-            <a:off x="838200" y="518160"/>
+            <a:off x="96328" y="112718"/>
             <a:ext cx="10515600" cy="562928"/>
           </a:xfrm>
         </p:spPr>
@@ -12979,52 +16175,17 @@
           <a:p>
             <a:r>
               <a:rPr lang="en-NZ" dirty="0"/>
-              <a:t>[FORMAT THIS name]: Testing </a:t>
-            </a:r>
-          </a:p>
-        </p:txBody>
-      </p:sp>
-      <p:sp>
-        <p:nvSpPr>
-          <p:cNvPr id="4" name="TextBox 3">
-            <a:extLst>
-              <a:ext uri="{FF2B5EF4-FFF2-40B4-BE49-F238E27FC236}">
-                <a16:creationId xmlns:a16="http://schemas.microsoft.com/office/drawing/2014/main" id="{8CD07A82-A944-4A9B-9A52-515DAC30878A}"/>
-              </a:ext>
-            </a:extLst>
-          </p:cNvPr>
-          <p:cNvSpPr txBox="1"/>
-          <p:nvPr/>
-        </p:nvSpPr>
-        <p:spPr>
-          <a:xfrm>
-            <a:off x="749300" y="1081088"/>
-            <a:ext cx="10693400" cy="646331"/>
-          </a:xfrm>
-          <a:prstGeom prst="rect">
-            <a:avLst/>
-          </a:prstGeom>
-          <a:noFill/>
-        </p:spPr>
-        <p:txBody>
-          <a:bodyPr wrap="square">
-            <a:spAutoFit/>
-          </a:bodyPr>
-          <a:lstStyle/>
-          <a:p>
-            <a:r>
-              <a:rPr lang="en-NZ" i="1" dirty="0"/>
-              <a:t>You must show the results of testing. For each component, include a screenshot proving it works.  You can also include notes about each test. </a:t>
+              <a:t>Add Creature: Testing (1/2)</a:t>
             </a:r>
           </a:p>
         </p:txBody>
       </p:sp>
       <p:pic>
         <p:nvPicPr>
-          <p:cNvPr id="5" name="Picture 4">
+          <p:cNvPr id="27" name="Picture 26">
             <a:extLst>
               <a:ext uri="{FF2B5EF4-FFF2-40B4-BE49-F238E27FC236}">
-                <a16:creationId xmlns:a16="http://schemas.microsoft.com/office/drawing/2014/main" id="{0EF5634E-474E-FDB9-22D1-CA8CA7007C58}"/>
+                <a16:creationId xmlns:a16="http://schemas.microsoft.com/office/drawing/2014/main" id="{EF961DCB-2719-07B3-CBE0-FD05E6FC51D6}"/>
               </a:ext>
             </a:extLst>
           </p:cNvPr>
@@ -13041,8 +16202,8 @@
         </p:blipFill>
         <p:spPr>
           <a:xfrm>
-            <a:off x="7021354" y="-34564"/>
-            <a:ext cx="3715268" cy="1524213"/>
+            <a:off x="-400957" y="7636028"/>
+            <a:ext cx="6496957" cy="3019846"/>
           </a:xfrm>
           <a:prstGeom prst="rect">
             <a:avLst/>
@@ -13051,10 +16212,10 @@
       </p:pic>
       <p:pic>
         <p:nvPicPr>
-          <p:cNvPr id="7" name="Picture 6">
+          <p:cNvPr id="8" name="Picture 7">
             <a:extLst>
               <a:ext uri="{FF2B5EF4-FFF2-40B4-BE49-F238E27FC236}">
-                <a16:creationId xmlns:a16="http://schemas.microsoft.com/office/drawing/2014/main" id="{FEA6EE45-EECC-399E-8BA7-C3F4BAEA463A}"/>
+                <a16:creationId xmlns:a16="http://schemas.microsoft.com/office/drawing/2014/main" id="{9FAFDF65-E665-23AC-DC29-D7BBDA132C38}"/>
               </a:ext>
             </a:extLst>
           </p:cNvPr>
@@ -13071,8 +16232,8 @@
         </p:blipFill>
         <p:spPr>
           <a:xfrm>
-            <a:off x="6785818" y="1423591"/>
-            <a:ext cx="3705742" cy="1438476"/>
+            <a:off x="96328" y="675646"/>
+            <a:ext cx="5998233" cy="2698749"/>
           </a:xfrm>
           <a:prstGeom prst="rect">
             <a:avLst/>
@@ -13081,10 +16242,10 @@
       </p:pic>
       <p:pic>
         <p:nvPicPr>
-          <p:cNvPr id="9" name="Picture 8">
+          <p:cNvPr id="12" name="Picture 11">
             <a:extLst>
               <a:ext uri="{FF2B5EF4-FFF2-40B4-BE49-F238E27FC236}">
-                <a16:creationId xmlns:a16="http://schemas.microsoft.com/office/drawing/2014/main" id="{D08E27D3-4133-1451-0339-903CC7B1007E}"/>
+                <a16:creationId xmlns:a16="http://schemas.microsoft.com/office/drawing/2014/main" id="{683816EB-F5DD-15E3-5D46-62516785C9D0}"/>
               </a:ext>
             </a:extLst>
           </p:cNvPr>
@@ -13101,20 +16262,398 @@
         </p:blipFill>
         <p:spPr>
           <a:xfrm>
-            <a:off x="6823923" y="2628058"/>
-            <a:ext cx="3667637" cy="1495634"/>
+            <a:off x="6788988" y="112718"/>
+            <a:ext cx="2364880" cy="970207"/>
           </a:xfrm>
           <a:prstGeom prst="rect">
             <a:avLst/>
           </a:prstGeom>
         </p:spPr>
       </p:pic>
+      <mc:AlternateContent xmlns:mc="http://schemas.openxmlformats.org/markup-compatibility/2006" xmlns:p14="http://schemas.microsoft.com/office/powerpoint/2010/main">
+        <mc:Choice Requires="p14">
+          <p:contentPart p14:bwMode="auto" r:id="rId6">
+            <p14:nvContentPartPr>
+              <p14:cNvPr id="14" name="Ink 13">
+                <a:extLst>
+                  <a:ext uri="{FF2B5EF4-FFF2-40B4-BE49-F238E27FC236}">
+                    <a16:creationId xmlns:a16="http://schemas.microsoft.com/office/drawing/2014/main" id="{9FC42E96-E1DF-B274-E9E0-6064137F7DF5}"/>
+                  </a:ext>
+                </a:extLst>
+              </p14:cNvPr>
+              <p14:cNvContentPartPr/>
+              <p14:nvPr/>
+            </p14:nvContentPartPr>
+            <p14:xfrm>
+              <a:off x="870969" y="1276017"/>
+              <a:ext cx="1302120" cy="27000"/>
+            </p14:xfrm>
+          </p:contentPart>
+        </mc:Choice>
+        <mc:Fallback xmlns="">
+          <p:pic>
+            <p:nvPicPr>
+              <p:cNvPr id="14" name="Ink 13">
+                <a:extLst>
+                  <a:ext uri="{FF2B5EF4-FFF2-40B4-BE49-F238E27FC236}">
+                    <a16:creationId xmlns:a16="http://schemas.microsoft.com/office/drawing/2014/main" id="{9FC42E96-E1DF-B274-E9E0-6064137F7DF5}"/>
+                  </a:ext>
+                </a:extLst>
+              </p:cNvPr>
+              <p:cNvPicPr/>
+              <p:nvPr/>
+            </p:nvPicPr>
+            <p:blipFill>
+              <a:blip r:embed="rId7"/>
+              <a:stretch>
+                <a:fillRect/>
+              </a:stretch>
+            </p:blipFill>
+            <p:spPr>
+              <a:xfrm>
+                <a:off x="862329" y="1267377"/>
+                <a:ext cx="1319760" cy="44640"/>
+              </a:xfrm>
+              <a:prstGeom prst="rect">
+                <a:avLst/>
+              </a:prstGeom>
+            </p:spPr>
+          </p:pic>
+        </mc:Fallback>
+      </mc:AlternateContent>
+      <mc:AlternateContent xmlns:mc="http://schemas.openxmlformats.org/markup-compatibility/2006" xmlns:p14="http://schemas.microsoft.com/office/powerpoint/2010/main">
+        <mc:Choice Requires="p14">
+          <p:contentPart p14:bwMode="auto" r:id="rId8">
+            <p14:nvContentPartPr>
+              <p14:cNvPr id="15" name="Ink 14">
+                <a:extLst>
+                  <a:ext uri="{FF2B5EF4-FFF2-40B4-BE49-F238E27FC236}">
+                    <a16:creationId xmlns:a16="http://schemas.microsoft.com/office/drawing/2014/main" id="{27E19BB3-B34D-4D05-C7B8-EFBAA2A47C3B}"/>
+                  </a:ext>
+                </a:extLst>
+              </p14:cNvPr>
+              <p14:cNvContentPartPr/>
+              <p14:nvPr/>
+            </p14:nvContentPartPr>
+            <p14:xfrm>
+              <a:off x="6778929" y="542697"/>
+              <a:ext cx="344160" cy="209520"/>
+            </p14:xfrm>
+          </p:contentPart>
+        </mc:Choice>
+        <mc:Fallback xmlns="">
+          <p:pic>
+            <p:nvPicPr>
+              <p:cNvPr id="15" name="Ink 14">
+                <a:extLst>
+                  <a:ext uri="{FF2B5EF4-FFF2-40B4-BE49-F238E27FC236}">
+                    <a16:creationId xmlns:a16="http://schemas.microsoft.com/office/drawing/2014/main" id="{27E19BB3-B34D-4D05-C7B8-EFBAA2A47C3B}"/>
+                  </a:ext>
+                </a:extLst>
+              </p:cNvPr>
+              <p:cNvPicPr/>
+              <p:nvPr/>
+            </p:nvPicPr>
+            <p:blipFill>
+              <a:blip r:embed="rId9"/>
+              <a:stretch>
+                <a:fillRect/>
+              </a:stretch>
+            </p:blipFill>
+            <p:spPr>
+              <a:xfrm>
+                <a:off x="6769929" y="533697"/>
+                <a:ext cx="361800" cy="227160"/>
+              </a:xfrm>
+              <a:prstGeom prst="rect">
+                <a:avLst/>
+              </a:prstGeom>
+            </p:spPr>
+          </p:pic>
+        </mc:Fallback>
+      </mc:AlternateContent>
+      <p:grpSp>
+        <p:nvGrpSpPr>
+          <p:cNvPr id="22" name="Group 21">
+            <a:extLst>
+              <a:ext uri="{FF2B5EF4-FFF2-40B4-BE49-F238E27FC236}">
+                <a16:creationId xmlns:a16="http://schemas.microsoft.com/office/drawing/2014/main" id="{E676812A-DB13-9F23-63BC-1434B1BB5A18}"/>
+              </a:ext>
+            </a:extLst>
+          </p:cNvPr>
+          <p:cNvGrpSpPr/>
+          <p:nvPr/>
+        </p:nvGrpSpPr>
+        <p:grpSpPr>
+          <a:xfrm>
+            <a:off x="2093889" y="1024377"/>
+            <a:ext cx="1928520" cy="269640"/>
+            <a:chOff x="2093889" y="1024377"/>
+            <a:chExt cx="1928520" cy="269640"/>
+          </a:xfrm>
+        </p:grpSpPr>
+        <mc:AlternateContent xmlns:mc="http://schemas.openxmlformats.org/markup-compatibility/2006" xmlns:p14="http://schemas.microsoft.com/office/powerpoint/2010/main">
+          <mc:Choice Requires="p14">
+            <p:contentPart p14:bwMode="auto" r:id="rId10">
+              <p14:nvContentPartPr>
+                <p14:cNvPr id="17" name="Ink 16">
+                  <a:extLst>
+                    <a:ext uri="{FF2B5EF4-FFF2-40B4-BE49-F238E27FC236}">
+                      <a16:creationId xmlns:a16="http://schemas.microsoft.com/office/drawing/2014/main" id="{6C158B5C-FEA4-EE04-46DF-00C075873F6B}"/>
+                    </a:ext>
+                  </a:extLst>
+                </p14:cNvPr>
+                <p14:cNvContentPartPr/>
+                <p14:nvPr/>
+              </p14:nvContentPartPr>
+              <p14:xfrm>
+                <a:off x="2093889" y="1024377"/>
+                <a:ext cx="367560" cy="269640"/>
+              </p14:xfrm>
+            </p:contentPart>
+          </mc:Choice>
+          <mc:Fallback xmlns="">
+            <p:pic>
+              <p:nvPicPr>
+                <p:cNvPr id="17" name="Ink 16">
+                  <a:extLst>
+                    <a:ext uri="{FF2B5EF4-FFF2-40B4-BE49-F238E27FC236}">
+                      <a16:creationId xmlns:a16="http://schemas.microsoft.com/office/drawing/2014/main" id="{6C158B5C-FEA4-EE04-46DF-00C075873F6B}"/>
+                    </a:ext>
+                  </a:extLst>
+                </p:cNvPr>
+                <p:cNvPicPr/>
+                <p:nvPr/>
+              </p:nvPicPr>
+              <p:blipFill>
+                <a:blip r:embed="rId11"/>
+                <a:stretch>
+                  <a:fillRect/>
+                </a:stretch>
+              </p:blipFill>
+              <p:spPr>
+                <a:xfrm>
+                  <a:off x="2085249" y="1015377"/>
+                  <a:ext cx="385200" cy="287280"/>
+                </a:xfrm>
+                <a:prstGeom prst="rect">
+                  <a:avLst/>
+                </a:prstGeom>
+              </p:spPr>
+            </p:pic>
+          </mc:Fallback>
+        </mc:AlternateContent>
+        <mc:AlternateContent xmlns:mc="http://schemas.openxmlformats.org/markup-compatibility/2006" xmlns:p14="http://schemas.microsoft.com/office/powerpoint/2010/main">
+          <mc:Choice Requires="p14">
+            <p:contentPart p14:bwMode="auto" r:id="rId12">
+              <p14:nvContentPartPr>
+                <p14:cNvPr id="18" name="Ink 17">
+                  <a:extLst>
+                    <a:ext uri="{FF2B5EF4-FFF2-40B4-BE49-F238E27FC236}">
+                      <a16:creationId xmlns:a16="http://schemas.microsoft.com/office/drawing/2014/main" id="{F93BC358-732D-8389-AFA1-8AE4D4427DEB}"/>
+                    </a:ext>
+                  </a:extLst>
+                </p14:cNvPr>
+                <p14:cNvContentPartPr/>
+                <p14:nvPr/>
+              </p14:nvContentPartPr>
+              <p14:xfrm>
+                <a:off x="2441289" y="1129857"/>
+                <a:ext cx="1581120" cy="113400"/>
+              </p14:xfrm>
+            </p:contentPart>
+          </mc:Choice>
+          <mc:Fallback xmlns="">
+            <p:pic>
+              <p:nvPicPr>
+                <p:cNvPr id="18" name="Ink 17">
+                  <a:extLst>
+                    <a:ext uri="{FF2B5EF4-FFF2-40B4-BE49-F238E27FC236}">
+                      <a16:creationId xmlns:a16="http://schemas.microsoft.com/office/drawing/2014/main" id="{F93BC358-732D-8389-AFA1-8AE4D4427DEB}"/>
+                    </a:ext>
+                  </a:extLst>
+                </p:cNvPr>
+                <p:cNvPicPr/>
+                <p:nvPr/>
+              </p:nvPicPr>
+              <p:blipFill>
+                <a:blip r:embed="rId13"/>
+                <a:stretch>
+                  <a:fillRect/>
+                </a:stretch>
+              </p:blipFill>
+              <p:spPr>
+                <a:xfrm>
+                  <a:off x="2432289" y="1121217"/>
+                  <a:ext cx="1598760" cy="131040"/>
+                </a:xfrm>
+                <a:prstGeom prst="rect">
+                  <a:avLst/>
+                </a:prstGeom>
+              </p:spPr>
+            </p:pic>
+          </mc:Fallback>
+        </mc:AlternateContent>
+        <mc:AlternateContent xmlns:mc="http://schemas.openxmlformats.org/markup-compatibility/2006" xmlns:p14="http://schemas.microsoft.com/office/powerpoint/2010/main">
+          <mc:Choice Requires="p14">
+            <p:contentPart p14:bwMode="auto" r:id="rId14">
+              <p14:nvContentPartPr>
+                <p14:cNvPr id="21" name="Ink 20">
+                  <a:extLst>
+                    <a:ext uri="{FF2B5EF4-FFF2-40B4-BE49-F238E27FC236}">
+                      <a16:creationId xmlns:a16="http://schemas.microsoft.com/office/drawing/2014/main" id="{000FC02A-E828-841A-A5C4-5DA2A3CEDCFD}"/>
+                    </a:ext>
+                  </a:extLst>
+                </p14:cNvPr>
+                <p14:cNvContentPartPr/>
+                <p14:nvPr/>
+              </p14:nvContentPartPr>
+              <p14:xfrm>
+                <a:off x="4019529" y="1190337"/>
+                <a:ext cx="360" cy="360"/>
+              </p14:xfrm>
+            </p:contentPart>
+          </mc:Choice>
+          <mc:Fallback xmlns="">
+            <p:pic>
+              <p:nvPicPr>
+                <p:cNvPr id="21" name="Ink 20">
+                  <a:extLst>
+                    <a:ext uri="{FF2B5EF4-FFF2-40B4-BE49-F238E27FC236}">
+                      <a16:creationId xmlns:a16="http://schemas.microsoft.com/office/drawing/2014/main" id="{000FC02A-E828-841A-A5C4-5DA2A3CEDCFD}"/>
+                    </a:ext>
+                  </a:extLst>
+                </p:cNvPr>
+                <p:cNvPicPr/>
+                <p:nvPr/>
+              </p:nvPicPr>
+              <p:blipFill>
+                <a:blip r:embed="rId15"/>
+                <a:stretch>
+                  <a:fillRect/>
+                </a:stretch>
+              </p:blipFill>
+              <p:spPr>
+                <a:xfrm>
+                  <a:off x="4010889" y="1181337"/>
+                  <a:ext cx="18000" cy="18000"/>
+                </a:xfrm>
+                <a:prstGeom prst="rect">
+                  <a:avLst/>
+                </a:prstGeom>
+              </p:spPr>
+            </p:pic>
+          </mc:Fallback>
+        </mc:AlternateContent>
+      </p:grpSp>
+      <mc:AlternateContent xmlns:mc="http://schemas.openxmlformats.org/markup-compatibility/2006" xmlns:p14="http://schemas.microsoft.com/office/powerpoint/2010/main">
+        <mc:Choice Requires="p14">
+          <p:contentPart p14:bwMode="auto" r:id="rId16">
+            <p14:nvContentPartPr>
+              <p14:cNvPr id="23" name="Ink 22">
+                <a:extLst>
+                  <a:ext uri="{FF2B5EF4-FFF2-40B4-BE49-F238E27FC236}">
+                    <a16:creationId xmlns:a16="http://schemas.microsoft.com/office/drawing/2014/main" id="{87493201-8636-3BD1-3691-B67B531A9E39}"/>
+                  </a:ext>
+                </a:extLst>
+              </p14:cNvPr>
+              <p14:cNvContentPartPr/>
+              <p14:nvPr/>
+            </p14:nvContentPartPr>
+            <p14:xfrm>
+              <a:off x="6064329" y="680937"/>
+              <a:ext cx="796320" cy="527040"/>
+            </p14:xfrm>
+          </p:contentPart>
+        </mc:Choice>
+        <mc:Fallback xmlns="">
+          <p:pic>
+            <p:nvPicPr>
+              <p:cNvPr id="23" name="Ink 22">
+                <a:extLst>
+                  <a:ext uri="{FF2B5EF4-FFF2-40B4-BE49-F238E27FC236}">
+                    <a16:creationId xmlns:a16="http://schemas.microsoft.com/office/drawing/2014/main" id="{87493201-8636-3BD1-3691-B67B531A9E39}"/>
+                  </a:ext>
+                </a:extLst>
+              </p:cNvPr>
+              <p:cNvPicPr/>
+              <p:nvPr/>
+            </p:nvPicPr>
+            <p:blipFill>
+              <a:blip r:embed="rId17"/>
+              <a:stretch>
+                <a:fillRect/>
+              </a:stretch>
+            </p:blipFill>
+            <p:spPr>
+              <a:xfrm>
+                <a:off x="6055329" y="672297"/>
+                <a:ext cx="813960" cy="544680"/>
+              </a:xfrm>
+              <a:prstGeom prst="rect">
+                <a:avLst/>
+              </a:prstGeom>
+            </p:spPr>
+          </p:pic>
+        </mc:Fallback>
+      </mc:AlternateContent>
+      <mc:AlternateContent xmlns:mc="http://schemas.openxmlformats.org/markup-compatibility/2006" xmlns:p14="http://schemas.microsoft.com/office/powerpoint/2010/main">
+        <mc:Choice Requires="p14">
+          <p:contentPart p14:bwMode="auto" r:id="rId18">
+            <p14:nvContentPartPr>
+              <p14:cNvPr id="25" name="Ink 24">
+                <a:extLst>
+                  <a:ext uri="{FF2B5EF4-FFF2-40B4-BE49-F238E27FC236}">
+                    <a16:creationId xmlns:a16="http://schemas.microsoft.com/office/drawing/2014/main" id="{E374683D-DAD4-68D5-6182-402D1691BD4E}"/>
+                  </a:ext>
+                </a:extLst>
+              </p14:cNvPr>
+              <p14:cNvContentPartPr/>
+              <p14:nvPr/>
+            </p14:nvContentPartPr>
+            <p14:xfrm>
+              <a:off x="8003289" y="1095297"/>
+              <a:ext cx="27720" cy="143280"/>
+            </p14:xfrm>
+          </p:contentPart>
+        </mc:Choice>
+        <mc:Fallback xmlns="">
+          <p:pic>
+            <p:nvPicPr>
+              <p:cNvPr id="25" name="Ink 24">
+                <a:extLst>
+                  <a:ext uri="{FF2B5EF4-FFF2-40B4-BE49-F238E27FC236}">
+                    <a16:creationId xmlns:a16="http://schemas.microsoft.com/office/drawing/2014/main" id="{E374683D-DAD4-68D5-6182-402D1691BD4E}"/>
+                  </a:ext>
+                </a:extLst>
+              </p:cNvPr>
+              <p:cNvPicPr/>
+              <p:nvPr/>
+            </p:nvPicPr>
+            <p:blipFill>
+              <a:blip r:embed="rId19"/>
+              <a:stretch>
+                <a:fillRect/>
+              </a:stretch>
+            </p:blipFill>
+            <p:spPr>
+              <a:xfrm>
+                <a:off x="7994649" y="1086657"/>
+                <a:ext cx="45360" cy="160920"/>
+              </a:xfrm>
+              <a:prstGeom prst="rect">
+                <a:avLst/>
+              </a:prstGeom>
+            </p:spPr>
+          </p:pic>
+        </mc:Fallback>
+      </mc:AlternateContent>
       <p:pic>
         <p:nvPicPr>
-          <p:cNvPr id="11" name="Picture 10">
+          <p:cNvPr id="26" name="Picture 25">
             <a:extLst>
               <a:ext uri="{FF2B5EF4-FFF2-40B4-BE49-F238E27FC236}">
-                <a16:creationId xmlns:a16="http://schemas.microsoft.com/office/drawing/2014/main" id="{723BF66B-4A13-04B3-4B21-6936A906A90E}"/>
+                <a16:creationId xmlns:a16="http://schemas.microsoft.com/office/drawing/2014/main" id="{0900FA41-AB0E-30CD-CB0E-7025DDAF372B}"/>
               </a:ext>
             </a:extLst>
           </p:cNvPr>
@@ -13124,15 +16663,15 @@
           <p:nvPr/>
         </p:nvPicPr>
         <p:blipFill>
-          <a:blip r:embed="rId6"/>
+          <a:blip r:embed="rId20"/>
           <a:stretch>
             <a:fillRect/>
           </a:stretch>
         </p:blipFill>
         <p:spPr>
           <a:xfrm>
-            <a:off x="6785818" y="3929249"/>
-            <a:ext cx="3696216" cy="1505160"/>
+            <a:off x="6778929" y="1238577"/>
+            <a:ext cx="2364880" cy="917987"/>
           </a:xfrm>
           <a:prstGeom prst="rect">
             <a:avLst/>
@@ -13141,10 +16680,10 @@
       </p:pic>
       <p:pic>
         <p:nvPicPr>
-          <p:cNvPr id="27" name="Picture 26">
+          <p:cNvPr id="28" name="Picture 27">
             <a:extLst>
               <a:ext uri="{FF2B5EF4-FFF2-40B4-BE49-F238E27FC236}">
-                <a16:creationId xmlns:a16="http://schemas.microsoft.com/office/drawing/2014/main" id="{EF961DCB-2719-07B3-CBE0-FD05E6FC51D6}"/>
+                <a16:creationId xmlns:a16="http://schemas.microsoft.com/office/drawing/2014/main" id="{654562D8-C08A-DAF7-B890-46FC59B75C28}"/>
               </a:ext>
             </a:extLst>
           </p:cNvPr>
@@ -13154,27 +16693,405 @@
           <p:nvPr/>
         </p:nvPicPr>
         <p:blipFill>
-          <a:blip r:embed="rId7"/>
+          <a:blip r:embed="rId21"/>
           <a:stretch>
             <a:fillRect/>
           </a:stretch>
         </p:blipFill>
         <p:spPr>
           <a:xfrm>
-            <a:off x="-400957" y="7636028"/>
-            <a:ext cx="6496957" cy="3019846"/>
+            <a:off x="6778929" y="2299844"/>
+            <a:ext cx="2251114" cy="917987"/>
           </a:xfrm>
           <a:prstGeom prst="rect">
             <a:avLst/>
           </a:prstGeom>
         </p:spPr>
       </p:pic>
+      <mc:AlternateContent xmlns:mc="http://schemas.openxmlformats.org/markup-compatibility/2006" xmlns:p14="http://schemas.microsoft.com/office/powerpoint/2010/main">
+        <mc:Choice Requires="p14">
+          <p:contentPart p14:bwMode="auto" r:id="rId22">
+            <p14:nvContentPartPr>
+              <p14:cNvPr id="29" name="Ink 28">
+                <a:extLst>
+                  <a:ext uri="{FF2B5EF4-FFF2-40B4-BE49-F238E27FC236}">
+                    <a16:creationId xmlns:a16="http://schemas.microsoft.com/office/drawing/2014/main" id="{21DF0ED1-C66F-E29F-7F88-B57A55D8587B}"/>
+                  </a:ext>
+                </a:extLst>
+              </p14:cNvPr>
+              <p14:cNvContentPartPr/>
+              <p14:nvPr/>
+            </p14:nvContentPartPr>
+            <p14:xfrm>
+              <a:off x="6996009" y="1707657"/>
+              <a:ext cx="360" cy="360"/>
+            </p14:xfrm>
+          </p:contentPart>
+        </mc:Choice>
+        <mc:Fallback xmlns="">
+          <p:pic>
+            <p:nvPicPr>
+              <p:cNvPr id="29" name="Ink 28">
+                <a:extLst>
+                  <a:ext uri="{FF2B5EF4-FFF2-40B4-BE49-F238E27FC236}">
+                    <a16:creationId xmlns:a16="http://schemas.microsoft.com/office/drawing/2014/main" id="{21DF0ED1-C66F-E29F-7F88-B57A55D8587B}"/>
+                  </a:ext>
+                </a:extLst>
+              </p:cNvPr>
+              <p:cNvPicPr/>
+              <p:nvPr/>
+            </p:nvPicPr>
+            <p:blipFill>
+              <a:blip r:embed="rId15"/>
+              <a:stretch>
+                <a:fillRect/>
+              </a:stretch>
+            </p:blipFill>
+            <p:spPr>
+              <a:xfrm>
+                <a:off x="6987009" y="1699017"/>
+                <a:ext cx="18000" cy="18000"/>
+              </a:xfrm>
+              <a:prstGeom prst="rect">
+                <a:avLst/>
+              </a:prstGeom>
+            </p:spPr>
+          </p:pic>
+        </mc:Fallback>
+      </mc:AlternateContent>
+      <mc:AlternateContent xmlns:mc="http://schemas.openxmlformats.org/markup-compatibility/2006" xmlns:p14="http://schemas.microsoft.com/office/powerpoint/2010/main">
+        <mc:Choice Requires="p14">
+          <p:contentPart p14:bwMode="auto" r:id="rId23">
+            <p14:nvContentPartPr>
+              <p14:cNvPr id="30" name="Ink 29">
+                <a:extLst>
+                  <a:ext uri="{FF2B5EF4-FFF2-40B4-BE49-F238E27FC236}">
+                    <a16:creationId xmlns:a16="http://schemas.microsoft.com/office/drawing/2014/main" id="{94E9FA58-031E-BF1B-6A27-3D06534DCDEE}"/>
+                  </a:ext>
+                </a:extLst>
+              </p14:cNvPr>
+              <p14:cNvContentPartPr/>
+              <p14:nvPr/>
+            </p14:nvContentPartPr>
+            <p14:xfrm>
+              <a:off x="6778929" y="1602537"/>
+              <a:ext cx="287640" cy="306720"/>
+            </p14:xfrm>
+          </p:contentPart>
+        </mc:Choice>
+        <mc:Fallback xmlns="">
+          <p:pic>
+            <p:nvPicPr>
+              <p:cNvPr id="30" name="Ink 29">
+                <a:extLst>
+                  <a:ext uri="{FF2B5EF4-FFF2-40B4-BE49-F238E27FC236}">
+                    <a16:creationId xmlns:a16="http://schemas.microsoft.com/office/drawing/2014/main" id="{94E9FA58-031E-BF1B-6A27-3D06534DCDEE}"/>
+                  </a:ext>
+                </a:extLst>
+              </p:cNvPr>
+              <p:cNvPicPr/>
+              <p:nvPr/>
+            </p:nvPicPr>
+            <p:blipFill>
+              <a:blip r:embed="rId24"/>
+              <a:stretch>
+                <a:fillRect/>
+              </a:stretch>
+            </p:blipFill>
+            <p:spPr>
+              <a:xfrm>
+                <a:off x="6770289" y="1593537"/>
+                <a:ext cx="305280" cy="324360"/>
+              </a:xfrm>
+              <a:prstGeom prst="rect">
+                <a:avLst/>
+              </a:prstGeom>
+            </p:spPr>
+          </p:pic>
+        </mc:Fallback>
+      </mc:AlternateContent>
+      <mc:AlternateContent xmlns:mc="http://schemas.openxmlformats.org/markup-compatibility/2006" xmlns:p14="http://schemas.microsoft.com/office/powerpoint/2010/main">
+        <mc:Choice Requires="p14">
+          <p:contentPart p14:bwMode="auto" r:id="rId25">
+            <p14:nvContentPartPr>
+              <p14:cNvPr id="31" name="Ink 30">
+                <a:extLst>
+                  <a:ext uri="{FF2B5EF4-FFF2-40B4-BE49-F238E27FC236}">
+                    <a16:creationId xmlns:a16="http://schemas.microsoft.com/office/drawing/2014/main" id="{F9F12F50-3EB9-1719-CD45-32C9DBAC5B0D}"/>
+                  </a:ext>
+                </a:extLst>
+              </p14:cNvPr>
+              <p14:cNvContentPartPr/>
+              <p14:nvPr/>
+            </p14:nvContentPartPr>
+            <p14:xfrm>
+              <a:off x="7901769" y="2190777"/>
+              <a:ext cx="14760" cy="91440"/>
+            </p14:xfrm>
+          </p:contentPart>
+        </mc:Choice>
+        <mc:Fallback xmlns="">
+          <p:pic>
+            <p:nvPicPr>
+              <p:cNvPr id="31" name="Ink 30">
+                <a:extLst>
+                  <a:ext uri="{FF2B5EF4-FFF2-40B4-BE49-F238E27FC236}">
+                    <a16:creationId xmlns:a16="http://schemas.microsoft.com/office/drawing/2014/main" id="{F9F12F50-3EB9-1719-CD45-32C9DBAC5B0D}"/>
+                  </a:ext>
+                </a:extLst>
+              </p:cNvPr>
+              <p:cNvPicPr/>
+              <p:nvPr/>
+            </p:nvPicPr>
+            <p:blipFill>
+              <a:blip r:embed="rId26"/>
+              <a:stretch>
+                <a:fillRect/>
+              </a:stretch>
+            </p:blipFill>
+            <p:spPr>
+              <a:xfrm>
+                <a:off x="7892769" y="2182137"/>
+                <a:ext cx="32400" cy="109080"/>
+              </a:xfrm>
+              <a:prstGeom prst="rect">
+                <a:avLst/>
+              </a:prstGeom>
+            </p:spPr>
+          </p:pic>
+        </mc:Fallback>
+      </mc:AlternateContent>
+      <mc:AlternateContent xmlns:mc="http://schemas.openxmlformats.org/markup-compatibility/2006" xmlns:p14="http://schemas.microsoft.com/office/powerpoint/2010/main">
+        <mc:Choice Requires="p14">
+          <p:contentPart p14:bwMode="auto" r:id="rId27">
+            <p14:nvContentPartPr>
+              <p14:cNvPr id="32" name="Ink 31">
+                <a:extLst>
+                  <a:ext uri="{FF2B5EF4-FFF2-40B4-BE49-F238E27FC236}">
+                    <a16:creationId xmlns:a16="http://schemas.microsoft.com/office/drawing/2014/main" id="{1C2BE5D8-3C05-ED57-9B1C-1AFCD91CABCA}"/>
+                  </a:ext>
+                </a:extLst>
+              </p14:cNvPr>
+              <p14:cNvContentPartPr/>
+              <p14:nvPr/>
+            </p14:nvContentPartPr>
+            <p14:xfrm>
+              <a:off x="1897689" y="1569777"/>
+              <a:ext cx="180360" cy="360"/>
+            </p14:xfrm>
+          </p:contentPart>
+        </mc:Choice>
+        <mc:Fallback xmlns="">
+          <p:pic>
+            <p:nvPicPr>
+              <p:cNvPr id="32" name="Ink 31">
+                <a:extLst>
+                  <a:ext uri="{FF2B5EF4-FFF2-40B4-BE49-F238E27FC236}">
+                    <a16:creationId xmlns:a16="http://schemas.microsoft.com/office/drawing/2014/main" id="{1C2BE5D8-3C05-ED57-9B1C-1AFCD91CABCA}"/>
+                  </a:ext>
+                </a:extLst>
+              </p:cNvPr>
+              <p:cNvPicPr/>
+              <p:nvPr/>
+            </p:nvPicPr>
+            <p:blipFill>
+              <a:blip r:embed="rId28"/>
+              <a:stretch>
+                <a:fillRect/>
+              </a:stretch>
+            </p:blipFill>
+            <p:spPr>
+              <a:xfrm>
+                <a:off x="1889049" y="1561137"/>
+                <a:ext cx="198000" cy="18000"/>
+              </a:xfrm>
+              <a:prstGeom prst="rect">
+                <a:avLst/>
+              </a:prstGeom>
+            </p:spPr>
+          </p:pic>
+        </mc:Fallback>
+      </mc:AlternateContent>
+      <p:grpSp>
+        <p:nvGrpSpPr>
+          <p:cNvPr id="36" name="Group 35">
+            <a:extLst>
+              <a:ext uri="{FF2B5EF4-FFF2-40B4-BE49-F238E27FC236}">
+                <a16:creationId xmlns:a16="http://schemas.microsoft.com/office/drawing/2014/main" id="{E66AD07B-8A36-4C4E-611E-A3D059B13804}"/>
+              </a:ext>
+            </a:extLst>
+          </p:cNvPr>
+          <p:cNvGrpSpPr/>
+          <p:nvPr/>
+        </p:nvGrpSpPr>
+        <p:grpSpPr>
+          <a:xfrm>
+            <a:off x="2077689" y="1429377"/>
+            <a:ext cx="1939320" cy="236880"/>
+            <a:chOff x="2077689" y="1429377"/>
+            <a:chExt cx="1939320" cy="236880"/>
+          </a:xfrm>
+        </p:grpSpPr>
+        <mc:AlternateContent xmlns:mc="http://schemas.openxmlformats.org/markup-compatibility/2006" xmlns:p14="http://schemas.microsoft.com/office/powerpoint/2010/main">
+          <mc:Choice Requires="p14">
+            <p:contentPart p14:bwMode="auto" r:id="rId29">
+              <p14:nvContentPartPr>
+                <p14:cNvPr id="34" name="Ink 33">
+                  <a:extLst>
+                    <a:ext uri="{FF2B5EF4-FFF2-40B4-BE49-F238E27FC236}">
+                      <a16:creationId xmlns:a16="http://schemas.microsoft.com/office/drawing/2014/main" id="{121D9BFF-8863-3EF8-EF21-D2A6BBBA681A}"/>
+                    </a:ext>
+                  </a:extLst>
+                </p14:cNvPr>
+                <p14:cNvContentPartPr/>
+                <p14:nvPr/>
+              </p14:nvContentPartPr>
+              <p14:xfrm>
+                <a:off x="2077689" y="1429377"/>
+                <a:ext cx="277920" cy="236880"/>
+              </p14:xfrm>
+            </p:contentPart>
+          </mc:Choice>
+          <mc:Fallback xmlns="">
+            <p:pic>
+              <p:nvPicPr>
+                <p:cNvPr id="34" name="Ink 33">
+                  <a:extLst>
+                    <a:ext uri="{FF2B5EF4-FFF2-40B4-BE49-F238E27FC236}">
+                      <a16:creationId xmlns:a16="http://schemas.microsoft.com/office/drawing/2014/main" id="{121D9BFF-8863-3EF8-EF21-D2A6BBBA681A}"/>
+                    </a:ext>
+                  </a:extLst>
+                </p:cNvPr>
+                <p:cNvPicPr/>
+                <p:nvPr/>
+              </p:nvPicPr>
+              <p:blipFill>
+                <a:blip r:embed="rId30"/>
+                <a:stretch>
+                  <a:fillRect/>
+                </a:stretch>
+              </p:blipFill>
+              <p:spPr>
+                <a:xfrm>
+                  <a:off x="2069049" y="1420737"/>
+                  <a:ext cx="295560" cy="254520"/>
+                </a:xfrm>
+                <a:prstGeom prst="rect">
+                  <a:avLst/>
+                </a:prstGeom>
+              </p:spPr>
+            </p:pic>
+          </mc:Fallback>
+        </mc:AlternateContent>
+        <mc:AlternateContent xmlns:mc="http://schemas.openxmlformats.org/markup-compatibility/2006" xmlns:p14="http://schemas.microsoft.com/office/powerpoint/2010/main">
+          <mc:Choice Requires="p14">
+            <p:contentPart p14:bwMode="auto" r:id="rId31">
+              <p14:nvContentPartPr>
+                <p14:cNvPr id="35" name="Ink 34">
+                  <a:extLst>
+                    <a:ext uri="{FF2B5EF4-FFF2-40B4-BE49-F238E27FC236}">
+                      <a16:creationId xmlns:a16="http://schemas.microsoft.com/office/drawing/2014/main" id="{EF7ADAA2-3F03-D57D-1D96-A4A9731C5603}"/>
+                    </a:ext>
+                  </a:extLst>
+                </p14:cNvPr>
+                <p14:cNvContentPartPr/>
+                <p14:nvPr/>
+              </p14:nvContentPartPr>
+              <p14:xfrm>
+                <a:off x="2372169" y="1525857"/>
+                <a:ext cx="1644840" cy="61920"/>
+              </p14:xfrm>
+            </p:contentPart>
+          </mc:Choice>
+          <mc:Fallback xmlns="">
+            <p:pic>
+              <p:nvPicPr>
+                <p:cNvPr id="35" name="Ink 34">
+                  <a:extLst>
+                    <a:ext uri="{FF2B5EF4-FFF2-40B4-BE49-F238E27FC236}">
+                      <a16:creationId xmlns:a16="http://schemas.microsoft.com/office/drawing/2014/main" id="{EF7ADAA2-3F03-D57D-1D96-A4A9731C5603}"/>
+                    </a:ext>
+                  </a:extLst>
+                </p:cNvPr>
+                <p:cNvPicPr/>
+                <p:nvPr/>
+              </p:nvPicPr>
+              <p:blipFill>
+                <a:blip r:embed="rId32"/>
+                <a:stretch>
+                  <a:fillRect/>
+                </a:stretch>
+              </p:blipFill>
+              <p:spPr>
+                <a:xfrm>
+                  <a:off x="2363169" y="1516857"/>
+                  <a:ext cx="1662480" cy="79560"/>
+                </a:xfrm>
+                <a:prstGeom prst="rect">
+                  <a:avLst/>
+                </a:prstGeom>
+              </p:spPr>
+            </p:pic>
+          </mc:Fallback>
+        </mc:AlternateContent>
+      </p:grpSp>
+      <mc:AlternateContent xmlns:mc="http://schemas.openxmlformats.org/markup-compatibility/2006" xmlns:p14="http://schemas.microsoft.com/office/powerpoint/2010/main">
+        <mc:Choice Requires="p14">
+          <p:contentPart p14:bwMode="auto" r:id="rId33">
+            <p14:nvContentPartPr>
+              <p14:cNvPr id="37" name="Ink 36">
+                <a:extLst>
+                  <a:ext uri="{FF2B5EF4-FFF2-40B4-BE49-F238E27FC236}">
+                    <a16:creationId xmlns:a16="http://schemas.microsoft.com/office/drawing/2014/main" id="{1FCA837B-A185-C031-1180-41D3D7585ADB}"/>
+                  </a:ext>
+                </a:extLst>
+              </p14:cNvPr>
+              <p14:cNvContentPartPr/>
+              <p14:nvPr/>
+            </p14:nvContentPartPr>
+            <p14:xfrm>
+              <a:off x="6029769" y="1655457"/>
+              <a:ext cx="680760" cy="79200"/>
+            </p14:xfrm>
+          </p:contentPart>
+        </mc:Choice>
+        <mc:Fallback xmlns="">
+          <p:pic>
+            <p:nvPicPr>
+              <p:cNvPr id="37" name="Ink 36">
+                <a:extLst>
+                  <a:ext uri="{FF2B5EF4-FFF2-40B4-BE49-F238E27FC236}">
+                    <a16:creationId xmlns:a16="http://schemas.microsoft.com/office/drawing/2014/main" id="{1FCA837B-A185-C031-1180-41D3D7585ADB}"/>
+                  </a:ext>
+                </a:extLst>
+              </p:cNvPr>
+              <p:cNvPicPr/>
+              <p:nvPr/>
+            </p:nvPicPr>
+            <p:blipFill>
+              <a:blip r:embed="rId34"/>
+              <a:stretch>
+                <a:fillRect/>
+              </a:stretch>
+            </p:blipFill>
+            <p:spPr>
+              <a:xfrm>
+                <a:off x="6020769" y="1646817"/>
+                <a:ext cx="698400" cy="96840"/>
+              </a:xfrm>
+              <a:prstGeom prst="rect">
+                <a:avLst/>
+              </a:prstGeom>
+            </p:spPr>
+          </p:pic>
+        </mc:Fallback>
+      </mc:AlternateContent>
       <p:pic>
         <p:nvPicPr>
-          <p:cNvPr id="6" name="Picture 5">
+          <p:cNvPr id="38" name="Picture 37">
             <a:extLst>
               <a:ext uri="{FF2B5EF4-FFF2-40B4-BE49-F238E27FC236}">
-                <a16:creationId xmlns:a16="http://schemas.microsoft.com/office/drawing/2014/main" id="{B1C85093-D5D2-F55C-186A-6CEB349F9F20}"/>
+                <a16:creationId xmlns:a16="http://schemas.microsoft.com/office/drawing/2014/main" id="{6E4AC159-B47D-9953-95B7-EF332545D866}"/>
               </a:ext>
             </a:extLst>
           </p:cNvPr>
@@ -13184,27 +17101,660 @@
           <p:nvPr/>
         </p:nvPicPr>
         <p:blipFill>
-          <a:blip r:embed="rId8"/>
+          <a:blip r:embed="rId35"/>
           <a:stretch>
             <a:fillRect/>
           </a:stretch>
         </p:blipFill>
         <p:spPr>
           <a:xfrm>
-            <a:off x="6776292" y="5400472"/>
-            <a:ext cx="3677163" cy="1457528"/>
+            <a:off x="6676256" y="3377282"/>
+            <a:ext cx="2451025" cy="998098"/>
           </a:xfrm>
           <a:prstGeom prst="rect">
             <a:avLst/>
           </a:prstGeom>
         </p:spPr>
       </p:pic>
+      <p:grpSp>
+        <p:nvGrpSpPr>
+          <p:cNvPr id="43" name="Group 42">
+            <a:extLst>
+              <a:ext uri="{FF2B5EF4-FFF2-40B4-BE49-F238E27FC236}">
+                <a16:creationId xmlns:a16="http://schemas.microsoft.com/office/drawing/2014/main" id="{46127BAC-F2FA-22C2-EDF2-97C344DB1B7F}"/>
+              </a:ext>
+            </a:extLst>
+          </p:cNvPr>
+          <p:cNvGrpSpPr/>
+          <p:nvPr/>
+        </p:nvGrpSpPr>
+        <p:grpSpPr>
+          <a:xfrm>
+            <a:off x="1768449" y="1853137"/>
+            <a:ext cx="2304360" cy="296280"/>
+            <a:chOff x="1768449" y="1853137"/>
+            <a:chExt cx="2304360" cy="296280"/>
+          </a:xfrm>
+        </p:grpSpPr>
+        <mc:AlternateContent xmlns:mc="http://schemas.openxmlformats.org/markup-compatibility/2006" xmlns:p14="http://schemas.microsoft.com/office/powerpoint/2010/main">
+          <mc:Choice Requires="p14">
+            <p:contentPart p14:bwMode="auto" r:id="rId36">
+              <p14:nvContentPartPr>
+                <p14:cNvPr id="39" name="Ink 38">
+                  <a:extLst>
+                    <a:ext uri="{FF2B5EF4-FFF2-40B4-BE49-F238E27FC236}">
+                      <a16:creationId xmlns:a16="http://schemas.microsoft.com/office/drawing/2014/main" id="{0E40CF0C-616C-46B6-4EDC-23AD0C483003}"/>
+                    </a:ext>
+                  </a:extLst>
+                </p14:cNvPr>
+                <p14:cNvContentPartPr/>
+                <p14:nvPr/>
+              </p14:nvContentPartPr>
+              <p14:xfrm>
+                <a:off x="1768449" y="2015137"/>
+                <a:ext cx="297720" cy="3600"/>
+              </p14:xfrm>
+            </p:contentPart>
+          </mc:Choice>
+          <mc:Fallback xmlns="">
+            <p:pic>
+              <p:nvPicPr>
+                <p:cNvPr id="39" name="Ink 38">
+                  <a:extLst>
+                    <a:ext uri="{FF2B5EF4-FFF2-40B4-BE49-F238E27FC236}">
+                      <a16:creationId xmlns:a16="http://schemas.microsoft.com/office/drawing/2014/main" id="{0E40CF0C-616C-46B6-4EDC-23AD0C483003}"/>
+                    </a:ext>
+                  </a:extLst>
+                </p:cNvPr>
+                <p:cNvPicPr/>
+                <p:nvPr/>
+              </p:nvPicPr>
+              <p:blipFill>
+                <a:blip r:embed="rId37"/>
+                <a:stretch>
+                  <a:fillRect/>
+                </a:stretch>
+              </p:blipFill>
+              <p:spPr>
+                <a:xfrm>
+                  <a:off x="1759449" y="2006137"/>
+                  <a:ext cx="315360" cy="21240"/>
+                </a:xfrm>
+                <a:prstGeom prst="rect">
+                  <a:avLst/>
+                </a:prstGeom>
+              </p:spPr>
+            </p:pic>
+          </mc:Fallback>
+        </mc:AlternateContent>
+        <mc:AlternateContent xmlns:mc="http://schemas.openxmlformats.org/markup-compatibility/2006" xmlns:p14="http://schemas.microsoft.com/office/powerpoint/2010/main">
+          <mc:Choice Requires="p14">
+            <p:contentPart p14:bwMode="auto" r:id="rId38">
+              <p14:nvContentPartPr>
+                <p14:cNvPr id="40" name="Ink 39">
+                  <a:extLst>
+                    <a:ext uri="{FF2B5EF4-FFF2-40B4-BE49-F238E27FC236}">
+                      <a16:creationId xmlns:a16="http://schemas.microsoft.com/office/drawing/2014/main" id="{35DB4F7C-F4CA-8EE1-1337-1CB22AFFF7B6}"/>
+                    </a:ext>
+                  </a:extLst>
+                </p14:cNvPr>
+                <p14:cNvContentPartPr/>
+                <p14:nvPr/>
+              </p14:nvContentPartPr>
+              <p14:xfrm>
+                <a:off x="2103249" y="1853137"/>
+                <a:ext cx="245880" cy="236880"/>
+              </p14:xfrm>
+            </p:contentPart>
+          </mc:Choice>
+          <mc:Fallback xmlns="">
+            <p:pic>
+              <p:nvPicPr>
+                <p:cNvPr id="40" name="Ink 39">
+                  <a:extLst>
+                    <a:ext uri="{FF2B5EF4-FFF2-40B4-BE49-F238E27FC236}">
+                      <a16:creationId xmlns:a16="http://schemas.microsoft.com/office/drawing/2014/main" id="{35DB4F7C-F4CA-8EE1-1337-1CB22AFFF7B6}"/>
+                    </a:ext>
+                  </a:extLst>
+                </p:cNvPr>
+                <p:cNvPicPr/>
+                <p:nvPr/>
+              </p:nvPicPr>
+              <p:blipFill>
+                <a:blip r:embed="rId39"/>
+                <a:stretch>
+                  <a:fillRect/>
+                </a:stretch>
+              </p:blipFill>
+              <p:spPr>
+                <a:xfrm>
+                  <a:off x="2094249" y="1844137"/>
+                  <a:ext cx="263520" cy="254520"/>
+                </a:xfrm>
+                <a:prstGeom prst="rect">
+                  <a:avLst/>
+                </a:prstGeom>
+              </p:spPr>
+            </p:pic>
+          </mc:Fallback>
+        </mc:AlternateContent>
+        <mc:AlternateContent xmlns:mc="http://schemas.openxmlformats.org/markup-compatibility/2006" xmlns:p14="http://schemas.microsoft.com/office/powerpoint/2010/main">
+          <mc:Choice Requires="p14">
+            <p:contentPart p14:bwMode="auto" r:id="rId40">
+              <p14:nvContentPartPr>
+                <p14:cNvPr id="42" name="Ink 41">
+                  <a:extLst>
+                    <a:ext uri="{FF2B5EF4-FFF2-40B4-BE49-F238E27FC236}">
+                      <a16:creationId xmlns:a16="http://schemas.microsoft.com/office/drawing/2014/main" id="{A6FE6650-CE2B-68F0-87B5-535783CF7159}"/>
+                    </a:ext>
+                  </a:extLst>
+                </p14:cNvPr>
+                <p14:cNvContentPartPr/>
+                <p14:nvPr/>
+              </p14:nvContentPartPr>
+              <p14:xfrm>
+                <a:off x="2345889" y="2026657"/>
+                <a:ext cx="1726920" cy="122760"/>
+              </p14:xfrm>
+            </p:contentPart>
+          </mc:Choice>
+          <mc:Fallback xmlns="">
+            <p:pic>
+              <p:nvPicPr>
+                <p:cNvPr id="42" name="Ink 41">
+                  <a:extLst>
+                    <a:ext uri="{FF2B5EF4-FFF2-40B4-BE49-F238E27FC236}">
+                      <a16:creationId xmlns:a16="http://schemas.microsoft.com/office/drawing/2014/main" id="{A6FE6650-CE2B-68F0-87B5-535783CF7159}"/>
+                    </a:ext>
+                  </a:extLst>
+                </p:cNvPr>
+                <p:cNvPicPr/>
+                <p:nvPr/>
+              </p:nvPicPr>
+              <p:blipFill>
+                <a:blip r:embed="rId41"/>
+                <a:stretch>
+                  <a:fillRect/>
+                </a:stretch>
+              </p:blipFill>
+              <p:spPr>
+                <a:xfrm>
+                  <a:off x="2337249" y="2018017"/>
+                  <a:ext cx="1744560" cy="140400"/>
+                </a:xfrm>
+                <a:prstGeom prst="rect">
+                  <a:avLst/>
+                </a:prstGeom>
+              </p:spPr>
+            </p:pic>
+          </mc:Fallback>
+        </mc:AlternateContent>
+      </p:grpSp>
+      <mc:AlternateContent xmlns:mc="http://schemas.openxmlformats.org/markup-compatibility/2006" xmlns:p14="http://schemas.microsoft.com/office/powerpoint/2010/main">
+        <mc:Choice Requires="p14">
+          <p:contentPart p14:bwMode="auto" r:id="rId42">
+            <p14:nvContentPartPr>
+              <p14:cNvPr id="44" name="Ink 43">
+                <a:extLst>
+                  <a:ext uri="{FF2B5EF4-FFF2-40B4-BE49-F238E27FC236}">
+                    <a16:creationId xmlns:a16="http://schemas.microsoft.com/office/drawing/2014/main" id="{BC54F37F-F77D-6876-BB14-4E71F6C159E8}"/>
+                  </a:ext>
+                </a:extLst>
+              </p14:cNvPr>
+              <p14:cNvContentPartPr/>
+              <p14:nvPr/>
+            </p14:nvContentPartPr>
+            <p14:xfrm>
+              <a:off x="5848689" y="2122057"/>
+              <a:ext cx="816840" cy="476640"/>
+            </p14:xfrm>
+          </p:contentPart>
+        </mc:Choice>
+        <mc:Fallback xmlns="">
+          <p:pic>
+            <p:nvPicPr>
+              <p:cNvPr id="44" name="Ink 43">
+                <a:extLst>
+                  <a:ext uri="{FF2B5EF4-FFF2-40B4-BE49-F238E27FC236}">
+                    <a16:creationId xmlns:a16="http://schemas.microsoft.com/office/drawing/2014/main" id="{BC54F37F-F77D-6876-BB14-4E71F6C159E8}"/>
+                  </a:ext>
+                </a:extLst>
+              </p:cNvPr>
+              <p:cNvPicPr/>
+              <p:nvPr/>
+            </p:nvPicPr>
+            <p:blipFill>
+              <a:blip r:embed="rId43"/>
+              <a:stretch>
+                <a:fillRect/>
+              </a:stretch>
+            </p:blipFill>
+            <p:spPr>
+              <a:xfrm>
+                <a:off x="5839689" y="2113057"/>
+                <a:ext cx="834480" cy="494280"/>
+              </a:xfrm>
+              <a:prstGeom prst="rect">
+                <a:avLst/>
+              </a:prstGeom>
+            </p:spPr>
+          </p:pic>
+        </mc:Fallback>
+      </mc:AlternateContent>
+      <mc:AlternateContent xmlns:mc="http://schemas.openxmlformats.org/markup-compatibility/2006" xmlns:p14="http://schemas.microsoft.com/office/powerpoint/2010/main">
+        <mc:Choice Requires="p14">
+          <p:contentPart p14:bwMode="auto" r:id="rId44">
+            <p14:nvContentPartPr>
+              <p14:cNvPr id="45" name="Ink 44">
+                <a:extLst>
+                  <a:ext uri="{FF2B5EF4-FFF2-40B4-BE49-F238E27FC236}">
+                    <a16:creationId xmlns:a16="http://schemas.microsoft.com/office/drawing/2014/main" id="{7B3B2972-AEB3-0355-B393-CBA7E8029F9F}"/>
+                  </a:ext>
+                </a:extLst>
+              </p14:cNvPr>
+              <p14:cNvContentPartPr/>
+              <p14:nvPr/>
+            </p14:nvContentPartPr>
+            <p14:xfrm>
+              <a:off x="7858209" y="3217537"/>
+              <a:ext cx="360" cy="139320"/>
+            </p14:xfrm>
+          </p:contentPart>
+        </mc:Choice>
+        <mc:Fallback xmlns="">
+          <p:pic>
+            <p:nvPicPr>
+              <p:cNvPr id="45" name="Ink 44">
+                <a:extLst>
+                  <a:ext uri="{FF2B5EF4-FFF2-40B4-BE49-F238E27FC236}">
+                    <a16:creationId xmlns:a16="http://schemas.microsoft.com/office/drawing/2014/main" id="{7B3B2972-AEB3-0355-B393-CBA7E8029F9F}"/>
+                  </a:ext>
+                </a:extLst>
+              </p:cNvPr>
+              <p:cNvPicPr/>
+              <p:nvPr/>
+            </p:nvPicPr>
+            <p:blipFill>
+              <a:blip r:embed="rId45"/>
+              <a:stretch>
+                <a:fillRect/>
+              </a:stretch>
+            </p:blipFill>
+            <p:spPr>
+              <a:xfrm>
+                <a:off x="7849569" y="3208537"/>
+                <a:ext cx="18000" cy="156960"/>
+              </a:xfrm>
+              <a:prstGeom prst="rect">
+                <a:avLst/>
+              </a:prstGeom>
+            </p:spPr>
+          </p:pic>
+        </mc:Fallback>
+      </mc:AlternateContent>
+      <mc:AlternateContent xmlns:mc="http://schemas.openxmlformats.org/markup-compatibility/2006" xmlns:p14="http://schemas.microsoft.com/office/powerpoint/2010/main">
+        <mc:Choice Requires="p14">
+          <p:contentPart p14:bwMode="auto" r:id="rId46">
+            <p14:nvContentPartPr>
+              <p14:cNvPr id="46" name="Ink 45">
+                <a:extLst>
+                  <a:ext uri="{FF2B5EF4-FFF2-40B4-BE49-F238E27FC236}">
+                    <a16:creationId xmlns:a16="http://schemas.microsoft.com/office/drawing/2014/main" id="{6490E571-829D-3C04-F66F-F6E721B5B59E}"/>
+                  </a:ext>
+                </a:extLst>
+              </p14:cNvPr>
+              <p14:cNvContentPartPr/>
+              <p14:nvPr/>
+            </p14:nvContentPartPr>
+            <p14:xfrm>
+              <a:off x="7944609" y="1177417"/>
+              <a:ext cx="147960" cy="172080"/>
+            </p14:xfrm>
+          </p:contentPart>
+        </mc:Choice>
+        <mc:Fallback xmlns="">
+          <p:pic>
+            <p:nvPicPr>
+              <p:cNvPr id="46" name="Ink 45">
+                <a:extLst>
+                  <a:ext uri="{FF2B5EF4-FFF2-40B4-BE49-F238E27FC236}">
+                    <a16:creationId xmlns:a16="http://schemas.microsoft.com/office/drawing/2014/main" id="{6490E571-829D-3C04-F66F-F6E721B5B59E}"/>
+                  </a:ext>
+                </a:extLst>
+              </p:cNvPr>
+              <p:cNvPicPr/>
+              <p:nvPr/>
+            </p:nvPicPr>
+            <p:blipFill>
+              <a:blip r:embed="rId47"/>
+              <a:stretch>
+                <a:fillRect/>
+              </a:stretch>
+            </p:blipFill>
+            <p:spPr>
+              <a:xfrm>
+                <a:off x="7935969" y="1168777"/>
+                <a:ext cx="165600" cy="189720"/>
+              </a:xfrm>
+              <a:prstGeom prst="rect">
+                <a:avLst/>
+              </a:prstGeom>
+            </p:spPr>
+          </p:pic>
+        </mc:Fallback>
+      </mc:AlternateContent>
+      <mc:AlternateContent xmlns:mc="http://schemas.openxmlformats.org/markup-compatibility/2006" xmlns:p14="http://schemas.microsoft.com/office/powerpoint/2010/main">
+        <mc:Choice Requires="p14">
+          <p:contentPart p14:bwMode="auto" r:id="rId48">
+            <p14:nvContentPartPr>
+              <p14:cNvPr id="47" name="Ink 46">
+                <a:extLst>
+                  <a:ext uri="{FF2B5EF4-FFF2-40B4-BE49-F238E27FC236}">
+                    <a16:creationId xmlns:a16="http://schemas.microsoft.com/office/drawing/2014/main" id="{7881245F-E1ED-7C22-5C86-DD12E7B80DB4}"/>
+                  </a:ext>
+                </a:extLst>
+              </p14:cNvPr>
+              <p14:cNvContentPartPr/>
+              <p14:nvPr/>
+            </p14:nvContentPartPr>
+            <p14:xfrm>
+              <a:off x="7867209" y="2234017"/>
+              <a:ext cx="104400" cy="164160"/>
+            </p14:xfrm>
+          </p:contentPart>
+        </mc:Choice>
+        <mc:Fallback xmlns="">
+          <p:pic>
+            <p:nvPicPr>
+              <p:cNvPr id="47" name="Ink 46">
+                <a:extLst>
+                  <a:ext uri="{FF2B5EF4-FFF2-40B4-BE49-F238E27FC236}">
+                    <a16:creationId xmlns:a16="http://schemas.microsoft.com/office/drawing/2014/main" id="{7881245F-E1ED-7C22-5C86-DD12E7B80DB4}"/>
+                  </a:ext>
+                </a:extLst>
+              </p:cNvPr>
+              <p:cNvPicPr/>
+              <p:nvPr/>
+            </p:nvPicPr>
+            <p:blipFill>
+              <a:blip r:embed="rId49"/>
+              <a:stretch>
+                <a:fillRect/>
+              </a:stretch>
+            </p:blipFill>
+            <p:spPr>
+              <a:xfrm>
+                <a:off x="7858209" y="2225377"/>
+                <a:ext cx="122040" cy="181800"/>
+              </a:xfrm>
+              <a:prstGeom prst="rect">
+                <a:avLst/>
+              </a:prstGeom>
+            </p:spPr>
+          </p:pic>
+        </mc:Fallback>
+      </mc:AlternateContent>
+      <mc:AlternateContent xmlns:mc="http://schemas.openxmlformats.org/markup-compatibility/2006" xmlns:p14="http://schemas.microsoft.com/office/powerpoint/2010/main">
+        <mc:Choice Requires="p14">
+          <p:contentPart p14:bwMode="auto" r:id="rId50">
+            <p14:nvContentPartPr>
+              <p14:cNvPr id="48" name="Ink 47">
+                <a:extLst>
+                  <a:ext uri="{FF2B5EF4-FFF2-40B4-BE49-F238E27FC236}">
+                    <a16:creationId xmlns:a16="http://schemas.microsoft.com/office/drawing/2014/main" id="{7FF803C9-AD92-7976-12E4-E2C57380F037}"/>
+                  </a:ext>
+                </a:extLst>
+              </p14:cNvPr>
+              <p14:cNvContentPartPr/>
+              <p14:nvPr/>
+            </p14:nvContentPartPr>
+            <p14:xfrm>
+              <a:off x="7789449" y="3309697"/>
+              <a:ext cx="202680" cy="190800"/>
+            </p14:xfrm>
+          </p:contentPart>
+        </mc:Choice>
+        <mc:Fallback xmlns="">
+          <p:pic>
+            <p:nvPicPr>
+              <p:cNvPr id="48" name="Ink 47">
+                <a:extLst>
+                  <a:ext uri="{FF2B5EF4-FFF2-40B4-BE49-F238E27FC236}">
+                    <a16:creationId xmlns:a16="http://schemas.microsoft.com/office/drawing/2014/main" id="{7FF803C9-AD92-7976-12E4-E2C57380F037}"/>
+                  </a:ext>
+                </a:extLst>
+              </p:cNvPr>
+              <p:cNvPicPr/>
+              <p:nvPr/>
+            </p:nvPicPr>
+            <p:blipFill>
+              <a:blip r:embed="rId51"/>
+              <a:stretch>
+                <a:fillRect/>
+              </a:stretch>
+            </p:blipFill>
+            <p:spPr>
+              <a:xfrm>
+                <a:off x="7780809" y="3301057"/>
+                <a:ext cx="220320" cy="208440"/>
+              </a:xfrm>
+              <a:prstGeom prst="rect">
+                <a:avLst/>
+              </a:prstGeom>
+            </p:spPr>
+          </p:pic>
+        </mc:Fallback>
+      </mc:AlternateContent>
+      <mc:AlternateContent xmlns:mc="http://schemas.openxmlformats.org/markup-compatibility/2006" xmlns:p14="http://schemas.microsoft.com/office/powerpoint/2010/main">
+        <mc:Choice Requires="p14">
+          <p:contentPart p14:bwMode="auto" r:id="rId52">
+            <p14:nvContentPartPr>
+              <p14:cNvPr id="49" name="Ink 48">
+                <a:extLst>
+                  <a:ext uri="{FF2B5EF4-FFF2-40B4-BE49-F238E27FC236}">
+                    <a16:creationId xmlns:a16="http://schemas.microsoft.com/office/drawing/2014/main" id="{3DB4C132-F61C-658F-BA8F-37DD65DFB3EC}"/>
+                  </a:ext>
+                </a:extLst>
+              </p14:cNvPr>
+              <p14:cNvContentPartPr/>
+              <p14:nvPr/>
+            </p14:nvContentPartPr>
+            <p14:xfrm>
+              <a:off x="1871769" y="2552617"/>
+              <a:ext cx="151560" cy="7200"/>
+            </p14:xfrm>
+          </p:contentPart>
+        </mc:Choice>
+        <mc:Fallback xmlns="">
+          <p:pic>
+            <p:nvPicPr>
+              <p:cNvPr id="49" name="Ink 48">
+                <a:extLst>
+                  <a:ext uri="{FF2B5EF4-FFF2-40B4-BE49-F238E27FC236}">
+                    <a16:creationId xmlns:a16="http://schemas.microsoft.com/office/drawing/2014/main" id="{3DB4C132-F61C-658F-BA8F-37DD65DFB3EC}"/>
+                  </a:ext>
+                </a:extLst>
+              </p:cNvPr>
+              <p:cNvPicPr/>
+              <p:nvPr/>
+            </p:nvPicPr>
+            <p:blipFill>
+              <a:blip r:embed="rId53"/>
+              <a:stretch>
+                <a:fillRect/>
+              </a:stretch>
+            </p:blipFill>
+            <p:spPr>
+              <a:xfrm>
+                <a:off x="1862769" y="2543977"/>
+                <a:ext cx="169200" cy="24840"/>
+              </a:xfrm>
+              <a:prstGeom prst="rect">
+                <a:avLst/>
+              </a:prstGeom>
+            </p:spPr>
+          </p:pic>
+        </mc:Fallback>
+      </mc:AlternateContent>
+      <mc:AlternateContent xmlns:mc="http://schemas.openxmlformats.org/markup-compatibility/2006" xmlns:p14="http://schemas.microsoft.com/office/powerpoint/2010/main">
+        <mc:Choice Requires="p14">
+          <p:contentPart p14:bwMode="auto" r:id="rId54">
+            <p14:nvContentPartPr>
+              <p14:cNvPr id="50" name="Ink 49">
+                <a:extLst>
+                  <a:ext uri="{FF2B5EF4-FFF2-40B4-BE49-F238E27FC236}">
+                    <a16:creationId xmlns:a16="http://schemas.microsoft.com/office/drawing/2014/main" id="{3A8AE495-EFC1-07A3-D025-3407B993807E}"/>
+                  </a:ext>
+                </a:extLst>
+              </p14:cNvPr>
+              <p14:cNvContentPartPr/>
+              <p14:nvPr/>
+            </p14:nvContentPartPr>
+            <p14:xfrm>
+              <a:off x="2093529" y="2430217"/>
+              <a:ext cx="209160" cy="252720"/>
+            </p14:xfrm>
+          </p:contentPart>
+        </mc:Choice>
+        <mc:Fallback xmlns="">
+          <p:pic>
+            <p:nvPicPr>
+              <p:cNvPr id="50" name="Ink 49">
+                <a:extLst>
+                  <a:ext uri="{FF2B5EF4-FFF2-40B4-BE49-F238E27FC236}">
+                    <a16:creationId xmlns:a16="http://schemas.microsoft.com/office/drawing/2014/main" id="{3A8AE495-EFC1-07A3-D025-3407B993807E}"/>
+                  </a:ext>
+                </a:extLst>
+              </p:cNvPr>
+              <p:cNvPicPr/>
+              <p:nvPr/>
+            </p:nvPicPr>
+            <p:blipFill>
+              <a:blip r:embed="rId55"/>
+              <a:stretch>
+                <a:fillRect/>
+              </a:stretch>
+            </p:blipFill>
+            <p:spPr>
+              <a:xfrm>
+                <a:off x="2084529" y="2421217"/>
+                <a:ext cx="226800" cy="270360"/>
+              </a:xfrm>
+              <a:prstGeom prst="rect">
+                <a:avLst/>
+              </a:prstGeom>
+            </p:spPr>
+          </p:pic>
+        </mc:Fallback>
+      </mc:AlternateContent>
+      <mc:AlternateContent xmlns:mc="http://schemas.openxmlformats.org/markup-compatibility/2006" xmlns:p14="http://schemas.microsoft.com/office/powerpoint/2010/main">
+        <mc:Choice Requires="p14">
+          <p:contentPart p14:bwMode="auto" r:id="rId56">
+            <p14:nvContentPartPr>
+              <p14:cNvPr id="51" name="Ink 50">
+                <a:extLst>
+                  <a:ext uri="{FF2B5EF4-FFF2-40B4-BE49-F238E27FC236}">
+                    <a16:creationId xmlns:a16="http://schemas.microsoft.com/office/drawing/2014/main" id="{B91CBB7C-673D-7B3A-7F5C-8D19B8669C36}"/>
+                  </a:ext>
+                </a:extLst>
+              </p14:cNvPr>
+              <p14:cNvContentPartPr/>
+              <p14:nvPr/>
+            </p14:nvContentPartPr>
+            <p14:xfrm>
+              <a:off x="2303049" y="2570617"/>
+              <a:ext cx="1657440" cy="68040"/>
+            </p14:xfrm>
+          </p:contentPart>
+        </mc:Choice>
+        <mc:Fallback xmlns="">
+          <p:pic>
+            <p:nvPicPr>
+              <p:cNvPr id="51" name="Ink 50">
+                <a:extLst>
+                  <a:ext uri="{FF2B5EF4-FFF2-40B4-BE49-F238E27FC236}">
+                    <a16:creationId xmlns:a16="http://schemas.microsoft.com/office/drawing/2014/main" id="{B91CBB7C-673D-7B3A-7F5C-8D19B8669C36}"/>
+                  </a:ext>
+                </a:extLst>
+              </p:cNvPr>
+              <p:cNvPicPr/>
+              <p:nvPr/>
+            </p:nvPicPr>
+            <p:blipFill>
+              <a:blip r:embed="rId57"/>
+              <a:stretch>
+                <a:fillRect/>
+              </a:stretch>
+            </p:blipFill>
+            <p:spPr>
+              <a:xfrm>
+                <a:off x="2294049" y="2561977"/>
+                <a:ext cx="1675080" cy="85680"/>
+              </a:xfrm>
+              <a:prstGeom prst="rect">
+                <a:avLst/>
+              </a:prstGeom>
+            </p:spPr>
+          </p:pic>
+        </mc:Fallback>
+      </mc:AlternateContent>
+      <mc:AlternateContent xmlns:mc="http://schemas.openxmlformats.org/markup-compatibility/2006" xmlns:p14="http://schemas.microsoft.com/office/powerpoint/2010/main">
+        <mc:Choice Requires="p14">
+          <p:contentPart p14:bwMode="auto" r:id="rId58">
+            <p14:nvContentPartPr>
+              <p14:cNvPr id="52" name="Ink 51">
+                <a:extLst>
+                  <a:ext uri="{FF2B5EF4-FFF2-40B4-BE49-F238E27FC236}">
+                    <a16:creationId xmlns:a16="http://schemas.microsoft.com/office/drawing/2014/main" id="{657DAD6D-8313-CCA5-E4AF-37B4DB094163}"/>
+                  </a:ext>
+                </a:extLst>
+              </p14:cNvPr>
+              <p14:cNvContentPartPr/>
+              <p14:nvPr/>
+            </p14:nvContentPartPr>
+            <p14:xfrm>
+              <a:off x="6064329" y="2717137"/>
+              <a:ext cx="647280" cy="967320"/>
+            </p14:xfrm>
+          </p:contentPart>
+        </mc:Choice>
+        <mc:Fallback xmlns="">
+          <p:pic>
+            <p:nvPicPr>
+              <p:cNvPr id="52" name="Ink 51">
+                <a:extLst>
+                  <a:ext uri="{FF2B5EF4-FFF2-40B4-BE49-F238E27FC236}">
+                    <a16:creationId xmlns:a16="http://schemas.microsoft.com/office/drawing/2014/main" id="{657DAD6D-8313-CCA5-E4AF-37B4DB094163}"/>
+                  </a:ext>
+                </a:extLst>
+              </p:cNvPr>
+              <p:cNvPicPr/>
+              <p:nvPr/>
+            </p:nvPicPr>
+            <p:blipFill>
+              <a:blip r:embed="rId59"/>
+              <a:stretch>
+                <a:fillRect/>
+              </a:stretch>
+            </p:blipFill>
+            <p:spPr>
+              <a:xfrm>
+                <a:off x="6055329" y="2708137"/>
+                <a:ext cx="664920" cy="984960"/>
+              </a:xfrm>
+              <a:prstGeom prst="rect">
+                <a:avLst/>
+              </a:prstGeom>
+            </p:spPr>
+          </p:pic>
+        </mc:Fallback>
+      </mc:AlternateContent>
       <p:pic>
         <p:nvPicPr>
-          <p:cNvPr id="10" name="Picture 9">
+          <p:cNvPr id="53" name="Picture 52">
             <a:extLst>
               <a:ext uri="{FF2B5EF4-FFF2-40B4-BE49-F238E27FC236}">
-                <a16:creationId xmlns:a16="http://schemas.microsoft.com/office/drawing/2014/main" id="{A056DC45-CFC4-F055-65B4-AD649F111114}"/>
+                <a16:creationId xmlns:a16="http://schemas.microsoft.com/office/drawing/2014/main" id="{75C03E23-5E35-3046-6BE6-E3FC7099F893}"/>
               </a:ext>
             </a:extLst>
           </p:cNvPr>
@@ -13214,27 +17764,410 @@
           <p:nvPr/>
         </p:nvPicPr>
         <p:blipFill>
-          <a:blip r:embed="rId9"/>
+          <a:blip r:embed="rId60"/>
           <a:stretch>
             <a:fillRect/>
           </a:stretch>
         </p:blipFill>
         <p:spPr>
           <a:xfrm>
-            <a:off x="-95944" y="70060"/>
-            <a:ext cx="6411220" cy="2991267"/>
+            <a:off x="6682554" y="4666937"/>
+            <a:ext cx="2557304" cy="1013646"/>
           </a:xfrm>
           <a:prstGeom prst="rect">
             <a:avLst/>
           </a:prstGeom>
         </p:spPr>
       </p:pic>
+      <p:grpSp>
+        <p:nvGrpSpPr>
+          <p:cNvPr id="56" name="Group 55">
+            <a:extLst>
+              <a:ext uri="{FF2B5EF4-FFF2-40B4-BE49-F238E27FC236}">
+                <a16:creationId xmlns:a16="http://schemas.microsoft.com/office/drawing/2014/main" id="{A4D5C42A-9684-FBAE-6643-3715B05FC949}"/>
+              </a:ext>
+            </a:extLst>
+          </p:cNvPr>
+          <p:cNvGrpSpPr/>
+          <p:nvPr/>
+        </p:nvGrpSpPr>
+        <p:grpSpPr>
+          <a:xfrm>
+            <a:off x="7763529" y="4261177"/>
+            <a:ext cx="181440" cy="579600"/>
+            <a:chOff x="7763529" y="4261177"/>
+            <a:chExt cx="181440" cy="579600"/>
+          </a:xfrm>
+        </p:grpSpPr>
+        <mc:AlternateContent xmlns:mc="http://schemas.openxmlformats.org/markup-compatibility/2006" xmlns:p14="http://schemas.microsoft.com/office/powerpoint/2010/main">
+          <mc:Choice Requires="p14">
+            <p:contentPart p14:bwMode="auto" r:id="rId61">
+              <p14:nvContentPartPr>
+                <p14:cNvPr id="54" name="Ink 53">
+                  <a:extLst>
+                    <a:ext uri="{FF2B5EF4-FFF2-40B4-BE49-F238E27FC236}">
+                      <a16:creationId xmlns:a16="http://schemas.microsoft.com/office/drawing/2014/main" id="{40D8EF06-9803-2FEB-5A02-593F1CDF9496}"/>
+                    </a:ext>
+                  </a:extLst>
+                </p14:cNvPr>
+                <p14:cNvContentPartPr/>
+                <p14:nvPr/>
+              </p14:nvContentPartPr>
+              <p14:xfrm>
+                <a:off x="7780809" y="4261177"/>
+                <a:ext cx="70200" cy="379800"/>
+              </p14:xfrm>
+            </p:contentPart>
+          </mc:Choice>
+          <mc:Fallback xmlns="">
+            <p:pic>
+              <p:nvPicPr>
+                <p:cNvPr id="54" name="Ink 53">
+                  <a:extLst>
+                    <a:ext uri="{FF2B5EF4-FFF2-40B4-BE49-F238E27FC236}">
+                      <a16:creationId xmlns:a16="http://schemas.microsoft.com/office/drawing/2014/main" id="{40D8EF06-9803-2FEB-5A02-593F1CDF9496}"/>
+                    </a:ext>
+                  </a:extLst>
+                </p:cNvPr>
+                <p:cNvPicPr/>
+                <p:nvPr/>
+              </p:nvPicPr>
+              <p:blipFill>
+                <a:blip r:embed="rId62"/>
+                <a:stretch>
+                  <a:fillRect/>
+                </a:stretch>
+              </p:blipFill>
+              <p:spPr>
+                <a:xfrm>
+                  <a:off x="7771809" y="4252177"/>
+                  <a:ext cx="87840" cy="397440"/>
+                </a:xfrm>
+                <a:prstGeom prst="rect">
+                  <a:avLst/>
+                </a:prstGeom>
+              </p:spPr>
+            </p:pic>
+          </mc:Fallback>
+        </mc:AlternateContent>
+        <mc:AlternateContent xmlns:mc="http://schemas.openxmlformats.org/markup-compatibility/2006" xmlns:p14="http://schemas.microsoft.com/office/powerpoint/2010/main">
+          <mc:Choice Requires="p14">
+            <p:contentPart p14:bwMode="auto" r:id="rId63">
+              <p14:nvContentPartPr>
+                <p14:cNvPr id="55" name="Ink 54">
+                  <a:extLst>
+                    <a:ext uri="{FF2B5EF4-FFF2-40B4-BE49-F238E27FC236}">
+                      <a16:creationId xmlns:a16="http://schemas.microsoft.com/office/drawing/2014/main" id="{3F7C4EF7-7F86-170A-894A-8C48BBD942B2}"/>
+                    </a:ext>
+                  </a:extLst>
+                </p14:cNvPr>
+                <p14:cNvContentPartPr/>
+                <p14:nvPr/>
+              </p14:nvContentPartPr>
+              <p14:xfrm>
+                <a:off x="7763529" y="4623697"/>
+                <a:ext cx="181440" cy="217080"/>
+              </p14:xfrm>
+            </p:contentPart>
+          </mc:Choice>
+          <mc:Fallback xmlns="">
+            <p:pic>
+              <p:nvPicPr>
+                <p:cNvPr id="55" name="Ink 54">
+                  <a:extLst>
+                    <a:ext uri="{FF2B5EF4-FFF2-40B4-BE49-F238E27FC236}">
+                      <a16:creationId xmlns:a16="http://schemas.microsoft.com/office/drawing/2014/main" id="{3F7C4EF7-7F86-170A-894A-8C48BBD942B2}"/>
+                    </a:ext>
+                  </a:extLst>
+                </p:cNvPr>
+                <p:cNvPicPr/>
+                <p:nvPr/>
+              </p:nvPicPr>
+              <p:blipFill>
+                <a:blip r:embed="rId64"/>
+                <a:stretch>
+                  <a:fillRect/>
+                </a:stretch>
+              </p:blipFill>
+              <p:spPr>
+                <a:xfrm>
+                  <a:off x="7754529" y="4615057"/>
+                  <a:ext cx="199080" cy="234720"/>
+                </a:xfrm>
+                <a:prstGeom prst="rect">
+                  <a:avLst/>
+                </a:prstGeom>
+              </p:spPr>
+            </p:pic>
+          </mc:Fallback>
+        </mc:AlternateContent>
+      </p:grpSp>
+      <mc:AlternateContent xmlns:mc="http://schemas.openxmlformats.org/markup-compatibility/2006" xmlns:p14="http://schemas.microsoft.com/office/powerpoint/2010/main">
+        <mc:Choice Requires="p14">
+          <p:contentPart p14:bwMode="auto" r:id="rId65">
+            <p14:nvContentPartPr>
+              <p14:cNvPr id="57" name="Ink 56">
+                <a:extLst>
+                  <a:ext uri="{FF2B5EF4-FFF2-40B4-BE49-F238E27FC236}">
+                    <a16:creationId xmlns:a16="http://schemas.microsoft.com/office/drawing/2014/main" id="{41FD4E18-6C2B-1DA2-2C16-A408BD519D5D}"/>
+                  </a:ext>
+                </a:extLst>
+              </p14:cNvPr>
+              <p14:cNvContentPartPr/>
+              <p14:nvPr/>
+            </p14:nvContentPartPr>
+            <p14:xfrm>
+              <a:off x="1863129" y="3079657"/>
+              <a:ext cx="180360" cy="360"/>
+            </p14:xfrm>
+          </p:contentPart>
+        </mc:Choice>
+        <mc:Fallback xmlns="">
+          <p:pic>
+            <p:nvPicPr>
+              <p:cNvPr id="57" name="Ink 56">
+                <a:extLst>
+                  <a:ext uri="{FF2B5EF4-FFF2-40B4-BE49-F238E27FC236}">
+                    <a16:creationId xmlns:a16="http://schemas.microsoft.com/office/drawing/2014/main" id="{41FD4E18-6C2B-1DA2-2C16-A408BD519D5D}"/>
+                  </a:ext>
+                </a:extLst>
+              </p:cNvPr>
+              <p:cNvPicPr/>
+              <p:nvPr/>
+            </p:nvPicPr>
+            <p:blipFill>
+              <a:blip r:embed="rId66"/>
+              <a:stretch>
+                <a:fillRect/>
+              </a:stretch>
+            </p:blipFill>
+            <p:spPr>
+              <a:xfrm>
+                <a:off x="1854489" y="3070657"/>
+                <a:ext cx="198000" cy="18000"/>
+              </a:xfrm>
+              <a:prstGeom prst="rect">
+                <a:avLst/>
+              </a:prstGeom>
+            </p:spPr>
+          </p:pic>
+        </mc:Fallback>
+      </mc:AlternateContent>
+      <p:grpSp>
+        <p:nvGrpSpPr>
+          <p:cNvPr id="60" name="Group 59">
+            <a:extLst>
+              <a:ext uri="{FF2B5EF4-FFF2-40B4-BE49-F238E27FC236}">
+                <a16:creationId xmlns:a16="http://schemas.microsoft.com/office/drawing/2014/main" id="{F14E855E-D0D6-2596-74BE-13E050F03699}"/>
+              </a:ext>
+            </a:extLst>
+          </p:cNvPr>
+          <p:cNvGrpSpPr/>
+          <p:nvPr/>
+        </p:nvGrpSpPr>
+        <p:grpSpPr>
+          <a:xfrm>
+            <a:off x="2078409" y="2968417"/>
+            <a:ext cx="2012400" cy="277200"/>
+            <a:chOff x="2078409" y="2968417"/>
+            <a:chExt cx="2012400" cy="277200"/>
+          </a:xfrm>
+        </p:grpSpPr>
+        <mc:AlternateContent xmlns:mc="http://schemas.openxmlformats.org/markup-compatibility/2006" xmlns:p14="http://schemas.microsoft.com/office/powerpoint/2010/main">
+          <mc:Choice Requires="p14">
+            <p:contentPart p14:bwMode="auto" r:id="rId67">
+              <p14:nvContentPartPr>
+                <p14:cNvPr id="58" name="Ink 57">
+                  <a:extLst>
+                    <a:ext uri="{FF2B5EF4-FFF2-40B4-BE49-F238E27FC236}">
+                      <a16:creationId xmlns:a16="http://schemas.microsoft.com/office/drawing/2014/main" id="{49667A16-FCED-2E3E-9BA9-D0410CA26B3F}"/>
+                    </a:ext>
+                  </a:extLst>
+                </p14:cNvPr>
+                <p14:cNvContentPartPr/>
+                <p14:nvPr/>
+              </p14:nvContentPartPr>
+              <p14:xfrm>
+                <a:off x="2078409" y="2968417"/>
+                <a:ext cx="251280" cy="277200"/>
+              </p14:xfrm>
+            </p:contentPart>
+          </mc:Choice>
+          <mc:Fallback xmlns="">
+            <p:pic>
+              <p:nvPicPr>
+                <p:cNvPr id="58" name="Ink 57">
+                  <a:extLst>
+                    <a:ext uri="{FF2B5EF4-FFF2-40B4-BE49-F238E27FC236}">
+                      <a16:creationId xmlns:a16="http://schemas.microsoft.com/office/drawing/2014/main" id="{49667A16-FCED-2E3E-9BA9-D0410CA26B3F}"/>
+                    </a:ext>
+                  </a:extLst>
+                </p:cNvPr>
+                <p:cNvPicPr/>
+                <p:nvPr/>
+              </p:nvPicPr>
+              <p:blipFill>
+                <a:blip r:embed="rId68"/>
+                <a:stretch>
+                  <a:fillRect/>
+                </a:stretch>
+              </p:blipFill>
+              <p:spPr>
+                <a:xfrm>
+                  <a:off x="2069409" y="2959417"/>
+                  <a:ext cx="268920" cy="294840"/>
+                </a:xfrm>
+                <a:prstGeom prst="rect">
+                  <a:avLst/>
+                </a:prstGeom>
+              </p:spPr>
+            </p:pic>
+          </mc:Fallback>
+        </mc:AlternateContent>
+        <mc:AlternateContent xmlns:mc="http://schemas.openxmlformats.org/markup-compatibility/2006" xmlns:p14="http://schemas.microsoft.com/office/powerpoint/2010/main">
+          <mc:Choice Requires="p14">
+            <p:contentPart p14:bwMode="auto" r:id="rId69">
+              <p14:nvContentPartPr>
+                <p14:cNvPr id="59" name="Ink 58">
+                  <a:extLst>
+                    <a:ext uri="{FF2B5EF4-FFF2-40B4-BE49-F238E27FC236}">
+                      <a16:creationId xmlns:a16="http://schemas.microsoft.com/office/drawing/2014/main" id="{BEA6C31B-D5D5-1095-3272-C588FCDCD883}"/>
+                    </a:ext>
+                  </a:extLst>
+                </p14:cNvPr>
+                <p14:cNvContentPartPr/>
+                <p14:nvPr/>
+              </p14:nvContentPartPr>
+              <p14:xfrm>
+                <a:off x="2328969" y="3095857"/>
+                <a:ext cx="1761840" cy="62280"/>
+              </p14:xfrm>
+            </p:contentPart>
+          </mc:Choice>
+          <mc:Fallback xmlns="">
+            <p:pic>
+              <p:nvPicPr>
+                <p:cNvPr id="59" name="Ink 58">
+                  <a:extLst>
+                    <a:ext uri="{FF2B5EF4-FFF2-40B4-BE49-F238E27FC236}">
+                      <a16:creationId xmlns:a16="http://schemas.microsoft.com/office/drawing/2014/main" id="{BEA6C31B-D5D5-1095-3272-C588FCDCD883}"/>
+                    </a:ext>
+                  </a:extLst>
+                </p:cNvPr>
+                <p:cNvPicPr/>
+                <p:nvPr/>
+              </p:nvPicPr>
+              <p:blipFill>
+                <a:blip r:embed="rId70"/>
+                <a:stretch>
+                  <a:fillRect/>
+                </a:stretch>
+              </p:blipFill>
+              <p:spPr>
+                <a:xfrm>
+                  <a:off x="2320329" y="3087217"/>
+                  <a:ext cx="1779480" cy="79920"/>
+                </a:xfrm>
+                <a:prstGeom prst="rect">
+                  <a:avLst/>
+                </a:prstGeom>
+              </p:spPr>
+            </p:pic>
+          </mc:Fallback>
+        </mc:AlternateContent>
+      </p:grpSp>
+      <mc:AlternateContent xmlns:mc="http://schemas.openxmlformats.org/markup-compatibility/2006" xmlns:p14="http://schemas.microsoft.com/office/powerpoint/2010/main">
+        <mc:Choice Requires="p14">
+          <p:contentPart p14:bwMode="auto" r:id="rId71">
+            <p14:nvContentPartPr>
+              <p14:cNvPr id="61" name="Ink 60">
+                <a:extLst>
+                  <a:ext uri="{FF2B5EF4-FFF2-40B4-BE49-F238E27FC236}">
+                    <a16:creationId xmlns:a16="http://schemas.microsoft.com/office/drawing/2014/main" id="{3D5A74B2-E5F6-E775-0CB0-5B7C8660B9C3}"/>
+                  </a:ext>
+                </a:extLst>
+              </p14:cNvPr>
+              <p14:cNvContentPartPr/>
+              <p14:nvPr/>
+            </p14:nvContentPartPr>
+            <p14:xfrm>
+              <a:off x="6021129" y="3174337"/>
+              <a:ext cx="685440" cy="2069280"/>
+            </p14:xfrm>
+          </p:contentPart>
+        </mc:Choice>
+        <mc:Fallback xmlns="">
+          <p:pic>
+            <p:nvPicPr>
+              <p:cNvPr id="61" name="Ink 60">
+                <a:extLst>
+                  <a:ext uri="{FF2B5EF4-FFF2-40B4-BE49-F238E27FC236}">
+                    <a16:creationId xmlns:a16="http://schemas.microsoft.com/office/drawing/2014/main" id="{3D5A74B2-E5F6-E775-0CB0-5B7C8660B9C3}"/>
+                  </a:ext>
+                </a:extLst>
+              </p:cNvPr>
+              <p:cNvPicPr/>
+              <p:nvPr/>
+            </p:nvPicPr>
+            <p:blipFill>
+              <a:blip r:embed="rId72"/>
+              <a:stretch>
+                <a:fillRect/>
+              </a:stretch>
+            </p:blipFill>
+            <p:spPr>
+              <a:xfrm>
+                <a:off x="6012489" y="3165697"/>
+                <a:ext cx="703080" cy="2086920"/>
+              </a:xfrm>
+              <a:prstGeom prst="rect">
+                <a:avLst/>
+              </a:prstGeom>
+            </p:spPr>
+          </p:pic>
+        </mc:Fallback>
+      </mc:AlternateContent>
+      <p:sp>
+        <p:nvSpPr>
+          <p:cNvPr id="62" name="TextBox 61">
+            <a:extLst>
+              <a:ext uri="{FF2B5EF4-FFF2-40B4-BE49-F238E27FC236}">
+                <a16:creationId xmlns:a16="http://schemas.microsoft.com/office/drawing/2014/main" id="{8A26B8D7-F54C-9582-9932-8BDDF1036C20}"/>
+              </a:ext>
+            </a:extLst>
+          </p:cNvPr>
+          <p:cNvSpPr txBox="1"/>
+          <p:nvPr/>
+        </p:nvSpPr>
+        <p:spPr>
+          <a:xfrm>
+            <a:off x="138223" y="3406075"/>
+            <a:ext cx="2242868" cy="1477328"/>
+          </a:xfrm>
+          <a:prstGeom prst="rect">
+            <a:avLst/>
+          </a:prstGeom>
+          <a:noFill/>
+        </p:spPr>
+        <p:txBody>
+          <a:bodyPr wrap="square" rtlCol="0">
+            <a:spAutoFit/>
+          </a:bodyPr>
+          <a:lstStyle/>
+          <a:p>
+            <a:r>
+              <a:rPr lang="en-NZ" dirty="0"/>
+              <a:t>After each input, the program reacts as expected and moves forward in the program.</a:t>
+            </a:r>
+          </a:p>
+        </p:txBody>
+      </p:sp>
       <p:pic>
         <p:nvPicPr>
-          <p:cNvPr id="13" name="Picture 12">
+          <p:cNvPr id="3" name="Picture 2">
             <a:extLst>
               <a:ext uri="{FF2B5EF4-FFF2-40B4-BE49-F238E27FC236}">
-                <a16:creationId xmlns:a16="http://schemas.microsoft.com/office/drawing/2014/main" id="{9371C743-97A5-15FA-7DB9-174A1BF7ABC7}"/>
+                <a16:creationId xmlns:a16="http://schemas.microsoft.com/office/drawing/2014/main" id="{37203FE8-4C34-AC7B-05F0-359B146B5EFB}"/>
               </a:ext>
             </a:extLst>
           </p:cNvPr>
@@ -13244,85 +18177,250 @@
           <p:nvPr/>
         </p:nvPicPr>
         <p:blipFill>
-          <a:blip r:embed="rId10"/>
+          <a:blip r:embed="rId73"/>
           <a:stretch>
             <a:fillRect/>
           </a:stretch>
         </p:blipFill>
         <p:spPr>
           <a:xfrm>
-            <a:off x="-184844" y="898850"/>
-            <a:ext cx="6430272" cy="2162477"/>
+            <a:off x="2488406" y="4783491"/>
+            <a:ext cx="3537865" cy="1650653"/>
           </a:xfrm>
           <a:prstGeom prst="rect">
             <a:avLst/>
           </a:prstGeom>
         </p:spPr>
       </p:pic>
-      <p:pic>
-        <p:nvPicPr>
-          <p:cNvPr id="16" name="Picture 15">
+      <p:grpSp>
+        <p:nvGrpSpPr>
+          <p:cNvPr id="11" name="Group 10">
             <a:extLst>
               <a:ext uri="{FF2B5EF4-FFF2-40B4-BE49-F238E27FC236}">
-                <a16:creationId xmlns:a16="http://schemas.microsoft.com/office/drawing/2014/main" id="{CCDEE18D-2AAD-5112-D196-54AFBBA1E98C}"/>
+                <a16:creationId xmlns:a16="http://schemas.microsoft.com/office/drawing/2014/main" id="{DE102BC0-1212-FDDE-385C-EF4E4FFC88C3}"/>
               </a:ext>
             </a:extLst>
           </p:cNvPr>
-          <p:cNvPicPr>
-            <a:picLocks noChangeAspect="1"/>
-          </p:cNvPicPr>
+          <p:cNvGrpSpPr/>
           <p:nvPr/>
-        </p:nvPicPr>
-        <p:blipFill>
-          <a:blip r:embed="rId11"/>
-          <a:stretch>
-            <a:fillRect/>
-          </a:stretch>
-        </p:blipFill>
-        <p:spPr>
+        </p:nvGrpSpPr>
+        <p:grpSpPr>
           <a:xfrm>
-            <a:off x="-203897" y="2366814"/>
-            <a:ext cx="6449325" cy="2124371"/>
+            <a:off x="5579049" y="5520845"/>
+            <a:ext cx="1614960" cy="273240"/>
+            <a:chOff x="5579049" y="5520845"/>
+            <a:chExt cx="1614960" cy="273240"/>
           </a:xfrm>
-          <a:prstGeom prst="rect">
-            <a:avLst/>
-          </a:prstGeom>
-        </p:spPr>
-      </p:pic>
-      <p:pic>
-        <p:nvPicPr>
-          <p:cNvPr id="20" name="Picture 19">
-            <a:extLst>
-              <a:ext uri="{FF2B5EF4-FFF2-40B4-BE49-F238E27FC236}">
-                <a16:creationId xmlns:a16="http://schemas.microsoft.com/office/drawing/2014/main" id="{8E9840A2-B4C5-53A9-67D2-01ADED5356EB}"/>
-              </a:ext>
-            </a:extLst>
-          </p:cNvPr>
-          <p:cNvPicPr>
-            <a:picLocks noChangeAspect="1"/>
-          </p:cNvPicPr>
-          <p:nvPr/>
-        </p:nvPicPr>
-        <p:blipFill>
-          <a:blip r:embed="rId12"/>
-          <a:stretch>
-            <a:fillRect/>
-          </a:stretch>
-        </p:blipFill>
-        <p:spPr>
-          <a:xfrm>
-            <a:off x="94877" y="3509427"/>
-            <a:ext cx="6411220" cy="3057952"/>
-          </a:xfrm>
-          <a:prstGeom prst="rect">
-            <a:avLst/>
-          </a:prstGeom>
-        </p:spPr>
-      </p:pic>
+        </p:grpSpPr>
+        <mc:AlternateContent xmlns:mc="http://schemas.openxmlformats.org/markup-compatibility/2006">
+          <mc:Choice xmlns:p14="http://schemas.microsoft.com/office/powerpoint/2010/main" Requires="p14">
+            <p:contentPart p14:bwMode="auto" r:id="rId74">
+              <p14:nvContentPartPr>
+                <p14:cNvPr id="4" name="Ink 3">
+                  <a:extLst>
+                    <a:ext uri="{FF2B5EF4-FFF2-40B4-BE49-F238E27FC236}">
+                      <a16:creationId xmlns:a16="http://schemas.microsoft.com/office/drawing/2014/main" id="{95A5DE84-DA66-189F-59F6-132F6442F2D6}"/>
+                    </a:ext>
+                  </a:extLst>
+                </p14:cNvPr>
+                <p14:cNvContentPartPr/>
+                <p14:nvPr/>
+              </p14:nvContentPartPr>
+              <p14:xfrm>
+                <a:off x="6702609" y="5520845"/>
+                <a:ext cx="360" cy="360"/>
+              </p14:xfrm>
+            </p:contentPart>
+          </mc:Choice>
+          <mc:Fallback>
+            <p:pic>
+              <p:nvPicPr>
+                <p:cNvPr id="4" name="Ink 3">
+                  <a:extLst>
+                    <a:ext uri="{FF2B5EF4-FFF2-40B4-BE49-F238E27FC236}">
+                      <a16:creationId xmlns:a16="http://schemas.microsoft.com/office/drawing/2014/main" id="{95A5DE84-DA66-189F-59F6-132F6442F2D6}"/>
+                    </a:ext>
+                  </a:extLst>
+                </p:cNvPr>
+                <p:cNvPicPr/>
+                <p:nvPr/>
+              </p:nvPicPr>
+              <p:blipFill>
+                <a:blip r:embed="rId75"/>
+                <a:stretch>
+                  <a:fillRect/>
+                </a:stretch>
+              </p:blipFill>
+              <p:spPr>
+                <a:xfrm>
+                  <a:off x="6693609" y="5511845"/>
+                  <a:ext cx="18000" cy="18000"/>
+                </a:xfrm>
+                <a:prstGeom prst="rect">
+                  <a:avLst/>
+                </a:prstGeom>
+              </p:spPr>
+            </p:pic>
+          </mc:Fallback>
+        </mc:AlternateContent>
+        <mc:AlternateContent xmlns:mc="http://schemas.openxmlformats.org/markup-compatibility/2006">
+          <mc:Choice xmlns:p14="http://schemas.microsoft.com/office/powerpoint/2010/main" Requires="p14">
+            <p:contentPart p14:bwMode="auto" r:id="rId76">
+              <p14:nvContentPartPr>
+                <p14:cNvPr id="5" name="Ink 4">
+                  <a:extLst>
+                    <a:ext uri="{FF2B5EF4-FFF2-40B4-BE49-F238E27FC236}">
+                      <a16:creationId xmlns:a16="http://schemas.microsoft.com/office/drawing/2014/main" id="{B627FC33-884E-621F-45E9-484C10080984}"/>
+                    </a:ext>
+                  </a:extLst>
+                </p14:cNvPr>
+                <p14:cNvContentPartPr/>
+                <p14:nvPr/>
+              </p14:nvContentPartPr>
+              <p14:xfrm>
+                <a:off x="5849049" y="5520845"/>
+                <a:ext cx="923040" cy="155880"/>
+              </p14:xfrm>
+            </p:contentPart>
+          </mc:Choice>
+          <mc:Fallback>
+            <p:pic>
+              <p:nvPicPr>
+                <p:cNvPr id="5" name="Ink 4">
+                  <a:extLst>
+                    <a:ext uri="{FF2B5EF4-FFF2-40B4-BE49-F238E27FC236}">
+                      <a16:creationId xmlns:a16="http://schemas.microsoft.com/office/drawing/2014/main" id="{B627FC33-884E-621F-45E9-484C10080984}"/>
+                    </a:ext>
+                  </a:extLst>
+                </p:cNvPr>
+                <p:cNvPicPr/>
+                <p:nvPr/>
+              </p:nvPicPr>
+              <p:blipFill>
+                <a:blip r:embed="rId77"/>
+                <a:stretch>
+                  <a:fillRect/>
+                </a:stretch>
+              </p:blipFill>
+              <p:spPr>
+                <a:xfrm>
+                  <a:off x="5840409" y="5511845"/>
+                  <a:ext cx="940680" cy="173520"/>
+                </a:xfrm>
+                <a:prstGeom prst="rect">
+                  <a:avLst/>
+                </a:prstGeom>
+              </p:spPr>
+            </p:pic>
+          </mc:Fallback>
+        </mc:AlternateContent>
+        <mc:AlternateContent xmlns:mc="http://schemas.openxmlformats.org/markup-compatibility/2006">
+          <mc:Choice xmlns:p14="http://schemas.microsoft.com/office/powerpoint/2010/main" Requires="p14">
+            <p:contentPart p14:bwMode="auto" r:id="rId78">
+              <p14:nvContentPartPr>
+                <p14:cNvPr id="7" name="Ink 6">
+                  <a:extLst>
+                    <a:ext uri="{FF2B5EF4-FFF2-40B4-BE49-F238E27FC236}">
+                      <a16:creationId xmlns:a16="http://schemas.microsoft.com/office/drawing/2014/main" id="{1E3ABE79-84BB-5404-D0F7-2C2CDEA30579}"/>
+                    </a:ext>
+                  </a:extLst>
+                </p14:cNvPr>
+                <p14:cNvContentPartPr/>
+                <p14:nvPr/>
+              </p14:nvContentPartPr>
+              <p14:xfrm>
+                <a:off x="5579049" y="5573405"/>
+                <a:ext cx="327240" cy="220680"/>
+              </p14:xfrm>
+            </p:contentPart>
+          </mc:Choice>
+          <mc:Fallback>
+            <p:pic>
+              <p:nvPicPr>
+                <p:cNvPr id="7" name="Ink 6">
+                  <a:extLst>
+                    <a:ext uri="{FF2B5EF4-FFF2-40B4-BE49-F238E27FC236}">
+                      <a16:creationId xmlns:a16="http://schemas.microsoft.com/office/drawing/2014/main" id="{1E3ABE79-84BB-5404-D0F7-2C2CDEA30579}"/>
+                    </a:ext>
+                  </a:extLst>
+                </p:cNvPr>
+                <p:cNvPicPr/>
+                <p:nvPr/>
+              </p:nvPicPr>
+              <p:blipFill>
+                <a:blip r:embed="rId79"/>
+                <a:stretch>
+                  <a:fillRect/>
+                </a:stretch>
+              </p:blipFill>
+              <p:spPr>
+                <a:xfrm>
+                  <a:off x="5570049" y="5564765"/>
+                  <a:ext cx="344880" cy="238320"/>
+                </a:xfrm>
+                <a:prstGeom prst="rect">
+                  <a:avLst/>
+                </a:prstGeom>
+              </p:spPr>
+            </p:pic>
+          </mc:Fallback>
+        </mc:AlternateContent>
+        <mc:AlternateContent xmlns:mc="http://schemas.openxmlformats.org/markup-compatibility/2006">
+          <mc:Choice xmlns:p14="http://schemas.microsoft.com/office/powerpoint/2010/main" Requires="p14">
+            <p:contentPart p14:bwMode="auto" r:id="rId80">
+              <p14:nvContentPartPr>
+                <p14:cNvPr id="10" name="Ink 9">
+                  <a:extLst>
+                    <a:ext uri="{FF2B5EF4-FFF2-40B4-BE49-F238E27FC236}">
+                      <a16:creationId xmlns:a16="http://schemas.microsoft.com/office/drawing/2014/main" id="{45C5D1AD-3346-1196-E2A8-A006DE5E62C7}"/>
+                    </a:ext>
+                  </a:extLst>
+                </p14:cNvPr>
+                <p14:cNvContentPartPr/>
+                <p14:nvPr/>
+              </p14:nvContentPartPr>
+              <p14:xfrm>
+                <a:off x="6737169" y="5528765"/>
+                <a:ext cx="456840" cy="16920"/>
+              </p14:xfrm>
+            </p:contentPart>
+          </mc:Choice>
+          <mc:Fallback>
+            <p:pic>
+              <p:nvPicPr>
+                <p:cNvPr id="10" name="Ink 9">
+                  <a:extLst>
+                    <a:ext uri="{FF2B5EF4-FFF2-40B4-BE49-F238E27FC236}">
+                      <a16:creationId xmlns:a16="http://schemas.microsoft.com/office/drawing/2014/main" id="{45C5D1AD-3346-1196-E2A8-A006DE5E62C7}"/>
+                    </a:ext>
+                  </a:extLst>
+                </p:cNvPr>
+                <p:cNvPicPr/>
+                <p:nvPr/>
+              </p:nvPicPr>
+              <p:blipFill>
+                <a:blip r:embed="rId81"/>
+                <a:stretch>
+                  <a:fillRect/>
+                </a:stretch>
+              </p:blipFill>
+              <p:spPr>
+                <a:xfrm>
+                  <a:off x="6728169" y="5519765"/>
+                  <a:ext cx="474480" cy="34560"/>
+                </a:xfrm>
+                <a:prstGeom prst="rect">
+                  <a:avLst/>
+                </a:prstGeom>
+              </p:spPr>
+            </p:pic>
+          </mc:Fallback>
+        </mc:AlternateContent>
+      </p:grpSp>
     </p:spTree>
     <p:extLst>
       <p:ext uri="{BB962C8B-B14F-4D97-AF65-F5344CB8AC3E}">
-        <p14:creationId xmlns:p14="http://schemas.microsoft.com/office/powerpoint/2010/main" val="89592267"/>
+        <p14:creationId xmlns:p14="http://schemas.microsoft.com/office/powerpoint/2010/main" val="354424765"/>
       </p:ext>
     </p:extLst>
   </p:cSld>
@@ -13923,6 +19021,15 @@
 </file>
 
 <file path=customXml/item1.xml><?xml version="1.0" encoding="utf-8"?>
+<?mso-contentType ?>
+<FormTemplates xmlns="http://schemas.microsoft.com/sharepoint/v3/contenttype/forms">
+  <Display>DocumentLibraryForm</Display>
+  <Edit>DocumentLibraryForm</Edit>
+  <New>DocumentLibraryForm</New>
+</FormTemplates>
+</file>
+
+<file path=customXml/item2.xml><?xml version="1.0" encoding="utf-8"?>
 <ct:contentTypeSchema xmlns:ct="http://schemas.microsoft.com/office/2006/metadata/contentType" xmlns:ma="http://schemas.microsoft.com/office/2006/metadata/properties/metaAttributes" ct:_="" ma:_="" ma:contentTypeName="Document" ma:contentTypeID="0x010100B37AA4149E3FCE42B2F0D36F55263BE7" ma:contentTypeVersion="3" ma:contentTypeDescription="Create a new document." ma:contentTypeScope="" ma:versionID="f7f1c092f231b6630c24ec1f654af881">
   <xsd:schema xmlns:xsd="http://www.w3.org/2001/XMLSchema" xmlns:xs="http://www.w3.org/2001/XMLSchema" xmlns:p="http://schemas.microsoft.com/office/2006/metadata/properties" xmlns:ns2="205ad105-7c38-4030-89bf-bb8828f957ce" targetNamespace="http://schemas.microsoft.com/office/2006/metadata/properties" ma:root="true" ma:fieldsID="4b98ef4347ca2c9d6ddeb86b863b8840" ns2:_="">
     <xsd:import namespace="205ad105-7c38-4030-89bf-bb8828f957ce"/>
@@ -14060,16 +19167,15 @@
 </ct:contentTypeSchema>
 </file>
 
-<file path=customXml/item2.xml><?xml version="1.0" encoding="utf-8"?>
-<?mso-contentType ?>
-<FormTemplates xmlns="http://schemas.microsoft.com/sharepoint/v3/contenttype/forms">
-  <Display>DocumentLibraryForm</Display>
-  <Edit>DocumentLibraryForm</Edit>
-  <New>DocumentLibraryForm</New>
-</FormTemplates>
+<file path=customXml/itemProps1.xml><?xml version="1.0" encoding="utf-8"?>
+<ds:datastoreItem xmlns:ds="http://schemas.openxmlformats.org/officeDocument/2006/customXml" ds:itemID="{2025CDDF-CD31-423A-BEB8-DE00B73966BF}">
+  <ds:schemaRefs>
+    <ds:schemaRef ds:uri="http://schemas.microsoft.com/sharepoint/v3/contenttype/forms"/>
+  </ds:schemaRefs>
+</ds:datastoreItem>
 </file>
 
-<file path=customXml/itemProps1.xml><?xml version="1.0" encoding="utf-8"?>
+<file path=customXml/itemProps2.xml><?xml version="1.0" encoding="utf-8"?>
 <ds:datastoreItem xmlns:ds="http://schemas.openxmlformats.org/officeDocument/2006/customXml" ds:itemID="{F118AE1B-89AB-4E8D-A474-F3B1187AE7D6}">
   <ds:schemaRefs>
     <ds:schemaRef ds:uri="http://schemas.microsoft.com/office/2006/metadata/contentType"/>
@@ -14085,12 +19191,4 @@
     <ds:schemaRef ds:uri="http://schemas.microsoft.com/internal/obd"/>
   </ds:schemaRefs>
 </ds:datastoreItem>
-</file>
-
-<file path=customXml/itemProps2.xml><?xml version="1.0" encoding="utf-8"?>
-<ds:datastoreItem xmlns:ds="http://schemas.openxmlformats.org/officeDocument/2006/customXml" ds:itemID="{2025CDDF-CD31-423A-BEB8-DE00B73966BF}">
-  <ds:schemaRefs>
-    <ds:schemaRef ds:uri="http://schemas.microsoft.com/sharepoint/v3/contenttype/forms"/>
-  </ds:schemaRefs>
-</ds:datastoreItem>
 </file>
--- a/2.7 and 2.8 Documentation Template.pptx
+++ b/2.7 and 2.8 Documentation Template.pptx
@@ -5,7 +5,7 @@
     <p:sldMasterId id="2147483648" r:id="rId3"/>
   </p:sldMasterIdLst>
   <p:notesMasterIdLst>
-    <p:notesMasterId r:id="rId28"/>
+    <p:notesMasterId r:id="rId33"/>
   </p:notesMasterIdLst>
   <p:sldIdLst>
     <p:sldId id="256" r:id="rId4"/>
@@ -28,10 +28,15 @@
     <p:sldId id="286" r:id="rId21"/>
     <p:sldId id="287" r:id="rId22"/>
     <p:sldId id="288" r:id="rId23"/>
-    <p:sldId id="263" r:id="rId24"/>
-    <p:sldId id="270" r:id="rId25"/>
-    <p:sldId id="261" r:id="rId26"/>
-    <p:sldId id="266" r:id="rId27"/>
+    <p:sldId id="289" r:id="rId24"/>
+    <p:sldId id="291" r:id="rId25"/>
+    <p:sldId id="292" r:id="rId26"/>
+    <p:sldId id="293" r:id="rId27"/>
+    <p:sldId id="294" r:id="rId28"/>
+    <p:sldId id="263" r:id="rId29"/>
+    <p:sldId id="270" r:id="rId30"/>
+    <p:sldId id="261" r:id="rId31"/>
+    <p:sldId id="266" r:id="rId32"/>
   </p:sldIdLst>
   <p:sldSz cx="12192000" cy="6858000"/>
   <p:notesSz cx="6858000" cy="9144000"/>
@@ -141,7 +146,7 @@
 <file path=ppt/revisionInfo.xml><?xml version="1.0" encoding="utf-8"?>
 <p1510:revInfo xmlns:a="http://schemas.openxmlformats.org/drawingml/2006/main" xmlns:r="http://schemas.openxmlformats.org/officeDocument/2006/relationships" xmlns:p1510="http://schemas.microsoft.com/office/powerpoint/2015/10/main">
   <p1510:revLst>
-    <p1510:client id="{3280C464-2C29-43A4-BF5A-CE909B5BB16A}" v="97" dt="2023-05-23T10:33:22.219"/>
+    <p1510:client id="{3280C464-2C29-43A4-BF5A-CE909B5BB16A}" v="114" dt="2023-05-25T02:50:37.337"/>
   </p1510:revLst>
 </p1510:revInfo>
 </file>
@@ -151,7 +156,7 @@
   <pc:docChgLst>
     <pc:chgData name="Jack Percy" userId="b9a97963-9b08-4684-92e4-b02ce1d032f1" providerId="ADAL" clId="{3280C464-2C29-43A4-BF5A-CE909B5BB16A}"/>
     <pc:docChg chg="undo custSel addSld delSld modSld sldOrd">
-      <pc:chgData name="Jack Percy" userId="b9a97963-9b08-4684-92e4-b02ce1d032f1" providerId="ADAL" clId="{3280C464-2C29-43A4-BF5A-CE909B5BB16A}" dt="2023-05-23T10:33:26.873" v="5272" actId="20577"/>
+      <pc:chgData name="Jack Percy" userId="b9a97963-9b08-4684-92e4-b02ce1d032f1" providerId="ADAL" clId="{3280C464-2C29-43A4-BF5A-CE909B5BB16A}" dt="2023-05-25T03:04:39.118" v="6633" actId="20577"/>
       <pc:docMkLst>
         <pc:docMk/>
       </pc:docMkLst>
@@ -381,7 +386,7 @@
         </pc:sldMkLst>
       </pc:sldChg>
       <pc:sldChg chg="addSp delSp modSp add mod">
-        <pc:chgData name="Jack Percy" userId="b9a97963-9b08-4684-92e4-b02ce1d032f1" providerId="ADAL" clId="{3280C464-2C29-43A4-BF5A-CE909B5BB16A}" dt="2023-05-14T21:22:51.962" v="1095"/>
+        <pc:chgData name="Jack Percy" userId="b9a97963-9b08-4684-92e4-b02ce1d032f1" providerId="ADAL" clId="{3280C464-2C29-43A4-BF5A-CE909B5BB16A}" dt="2023-05-25T02:34:48.663" v="6179" actId="478"/>
         <pc:sldMkLst>
           <pc:docMk/>
           <pc:sldMk cId="354424765" sldId="277"/>
@@ -592,6 +597,14 @@
             <pc:docMk/>
             <pc:sldMk cId="354424765" sldId="277"/>
             <ac:picMk id="26" creationId="{0900FA41-AB0E-30CD-CB0E-7025DDAF372B}"/>
+          </ac:picMkLst>
+        </pc:picChg>
+        <pc:picChg chg="del">
+          <ac:chgData name="Jack Percy" userId="b9a97963-9b08-4684-92e4-b02ce1d032f1" providerId="ADAL" clId="{3280C464-2C29-43A4-BF5A-CE909B5BB16A}" dt="2023-05-25T02:34:48.663" v="6179" actId="478"/>
+          <ac:picMkLst>
+            <pc:docMk/>
+            <pc:sldMk cId="354424765" sldId="277"/>
+            <ac:picMk id="27" creationId="{EF961DCB-2719-07B3-CBE0-FD05E6FC51D6}"/>
           </ac:picMkLst>
         </pc:picChg>
         <pc:picChg chg="add mod">
@@ -3240,19 +3253,11 @@
         </pc:picChg>
       </pc:sldChg>
       <pc:sldChg chg="addSp delSp modSp add mod ord">
-        <pc:chgData name="Jack Percy" userId="b9a97963-9b08-4684-92e4-b02ce1d032f1" providerId="ADAL" clId="{3280C464-2C29-43A4-BF5A-CE909B5BB16A}" dt="2023-05-23T10:33:26.873" v="5272" actId="20577"/>
+        <pc:chgData name="Jack Percy" userId="b9a97963-9b08-4684-92e4-b02ce1d032f1" providerId="ADAL" clId="{3280C464-2C29-43A4-BF5A-CE909B5BB16A}" dt="2023-05-23T10:33:07.801" v="5248" actId="22"/>
         <pc:sldMkLst>
           <pc:docMk/>
           <pc:sldMk cId="2158505148" sldId="288"/>
         </pc:sldMkLst>
-        <pc:spChg chg="add mod">
-          <ac:chgData name="Jack Percy" userId="b9a97963-9b08-4684-92e4-b02ce1d032f1" providerId="ADAL" clId="{3280C464-2C29-43A4-BF5A-CE909B5BB16A}" dt="2023-05-23T10:33:26.873" v="5272" actId="20577"/>
-          <ac:spMkLst>
-            <pc:docMk/>
-            <pc:sldMk cId="2158505148" sldId="288"/>
-            <ac:spMk id="5" creationId="{A0BFCE5A-B65A-DC08-1497-B7A9DDD1CDB2}"/>
-          </ac:spMkLst>
-        </pc:spChg>
         <pc:spChg chg="mod">
           <ac:chgData name="Jack Percy" userId="b9a97963-9b08-4684-92e4-b02ce1d032f1" providerId="ADAL" clId="{3280C464-2C29-43A4-BF5A-CE909B5BB16A}" dt="2023-05-23T10:32:52.926" v="5246" actId="20577"/>
           <ac:spMkLst>
@@ -3277,6 +3282,608 @@
             <ac:picMk id="4" creationId="{B9B1DEF7-86B0-C0E1-A952-DA7AA8F595BA}"/>
           </ac:picMkLst>
         </pc:picChg>
+      </pc:sldChg>
+      <pc:sldChg chg="modSp add mod ord">
+        <pc:chgData name="Jack Percy" userId="b9a97963-9b08-4684-92e4-b02ce1d032f1" providerId="ADAL" clId="{3280C464-2C29-43A4-BF5A-CE909B5BB16A}" dt="2023-05-23T21:48:32.030" v="5817" actId="20577"/>
+        <pc:sldMkLst>
+          <pc:docMk/>
+          <pc:sldMk cId="1198325329" sldId="289"/>
+        </pc:sldMkLst>
+        <pc:spChg chg="mod">
+          <ac:chgData name="Jack Percy" userId="b9a97963-9b08-4684-92e4-b02ce1d032f1" providerId="ADAL" clId="{3280C464-2C29-43A4-BF5A-CE909B5BB16A}" dt="2023-05-23T20:47:45.577" v="5260" actId="20577"/>
+          <ac:spMkLst>
+            <pc:docMk/>
+            <pc:sldMk cId="1198325329" sldId="289"/>
+            <ac:spMk id="2" creationId="{1CC5D32F-7C18-4D00-8D54-2FB046F0A206}"/>
+          </ac:spMkLst>
+        </pc:spChg>
+        <pc:graphicFrameChg chg="mod modGraphic">
+          <ac:chgData name="Jack Percy" userId="b9a97963-9b08-4684-92e4-b02ce1d032f1" providerId="ADAL" clId="{3280C464-2C29-43A4-BF5A-CE909B5BB16A}" dt="2023-05-23T21:48:32.030" v="5817" actId="20577"/>
+          <ac:graphicFrameMkLst>
+            <pc:docMk/>
+            <pc:sldMk cId="1198325329" sldId="289"/>
+            <ac:graphicFrameMk id="6" creationId="{A956953F-8BB8-0D4B-F53B-F22A4BD99317}"/>
+          </ac:graphicFrameMkLst>
+        </pc:graphicFrameChg>
+      </pc:sldChg>
+      <pc:sldChg chg="addSp delSp modSp add del mod ord">
+        <pc:chgData name="Jack Percy" userId="b9a97963-9b08-4684-92e4-b02ce1d032f1" providerId="ADAL" clId="{3280C464-2C29-43A4-BF5A-CE909B5BB16A}" dt="2023-05-23T22:03:48.933" v="5840" actId="2696"/>
+        <pc:sldMkLst>
+          <pc:docMk/>
+          <pc:sldMk cId="4195936522" sldId="290"/>
+        </pc:sldMkLst>
+        <pc:spChg chg="mod">
+          <ac:chgData name="Jack Percy" userId="b9a97963-9b08-4684-92e4-b02ce1d032f1" providerId="ADAL" clId="{3280C464-2C29-43A4-BF5A-CE909B5BB16A}" dt="2023-05-23T20:56:02.681" v="5718" actId="1076"/>
+          <ac:spMkLst>
+            <pc:docMk/>
+            <pc:sldMk cId="4195936522" sldId="290"/>
+            <ac:spMk id="86" creationId="{00000000-0000-0000-0000-000000000000}"/>
+          </ac:spMkLst>
+        </pc:spChg>
+        <pc:picChg chg="add del mod">
+          <ac:chgData name="Jack Percy" userId="b9a97963-9b08-4684-92e4-b02ce1d032f1" providerId="ADAL" clId="{3280C464-2C29-43A4-BF5A-CE909B5BB16A}" dt="2023-05-23T21:44:23.915" v="5754" actId="478"/>
+          <ac:picMkLst>
+            <pc:docMk/>
+            <pc:sldMk cId="4195936522" sldId="290"/>
+            <ac:picMk id="3" creationId="{2755A4A4-1DD8-20DC-B994-434A71FB107A}"/>
+          </ac:picMkLst>
+        </pc:picChg>
+        <pc:picChg chg="del">
+          <ac:chgData name="Jack Percy" userId="b9a97963-9b08-4684-92e4-b02ce1d032f1" providerId="ADAL" clId="{3280C464-2C29-43A4-BF5A-CE909B5BB16A}" dt="2023-05-23T20:56:03.783" v="5719" actId="478"/>
+          <ac:picMkLst>
+            <pc:docMk/>
+            <pc:sldMk cId="4195936522" sldId="290"/>
+            <ac:picMk id="4" creationId="{B9B1DEF7-86B0-C0E1-A952-DA7AA8F595BA}"/>
+          </ac:picMkLst>
+        </pc:picChg>
+        <pc:picChg chg="add del mod">
+          <ac:chgData name="Jack Percy" userId="b9a97963-9b08-4684-92e4-b02ce1d032f1" providerId="ADAL" clId="{3280C464-2C29-43A4-BF5A-CE909B5BB16A}" dt="2023-05-23T21:45:58.673" v="5777" actId="478"/>
+          <ac:picMkLst>
+            <pc:docMk/>
+            <pc:sldMk cId="4195936522" sldId="290"/>
+            <ac:picMk id="6" creationId="{D4B3765D-0139-EEBA-84B0-3CA02CDE909C}"/>
+          </ac:picMkLst>
+        </pc:picChg>
+        <pc:picChg chg="add del mod">
+          <ac:chgData name="Jack Percy" userId="b9a97963-9b08-4684-92e4-b02ce1d032f1" providerId="ADAL" clId="{3280C464-2C29-43A4-BF5A-CE909B5BB16A}" dt="2023-05-23T21:47:32.619" v="5799" actId="478"/>
+          <ac:picMkLst>
+            <pc:docMk/>
+            <pc:sldMk cId="4195936522" sldId="290"/>
+            <ac:picMk id="8" creationId="{E5D0CB54-1C31-273C-43F6-6306EBB09234}"/>
+          </ac:picMkLst>
+        </pc:picChg>
+        <pc:picChg chg="add del">
+          <ac:chgData name="Jack Percy" userId="b9a97963-9b08-4684-92e4-b02ce1d032f1" providerId="ADAL" clId="{3280C464-2C29-43A4-BF5A-CE909B5BB16A}" dt="2023-05-23T21:48:07.667" v="5810" actId="478"/>
+          <ac:picMkLst>
+            <pc:docMk/>
+            <pc:sldMk cId="4195936522" sldId="290"/>
+            <ac:picMk id="10" creationId="{CA5913EE-50FB-AC29-CEE8-4981B0EE31B1}"/>
+          </ac:picMkLst>
+        </pc:picChg>
+        <pc:picChg chg="add mod">
+          <ac:chgData name="Jack Percy" userId="b9a97963-9b08-4684-92e4-b02ce1d032f1" providerId="ADAL" clId="{3280C464-2C29-43A4-BF5A-CE909B5BB16A}" dt="2023-05-23T20:59:55.261" v="5741" actId="1076"/>
+          <ac:picMkLst>
+            <pc:docMk/>
+            <pc:sldMk cId="4195936522" sldId="290"/>
+            <ac:picMk id="12" creationId="{143825DA-9979-275A-7331-A297FD3B3BC3}"/>
+          </ac:picMkLst>
+        </pc:picChg>
+        <pc:picChg chg="add mod">
+          <ac:chgData name="Jack Percy" userId="b9a97963-9b08-4684-92e4-b02ce1d032f1" providerId="ADAL" clId="{3280C464-2C29-43A4-BF5A-CE909B5BB16A}" dt="2023-05-23T21:00:06.700" v="5743" actId="1076"/>
+          <ac:picMkLst>
+            <pc:docMk/>
+            <pc:sldMk cId="4195936522" sldId="290"/>
+            <ac:picMk id="14" creationId="{E7BE270D-1874-7FBD-C73A-A02E68A84BF5}"/>
+          </ac:picMkLst>
+        </pc:picChg>
+      </pc:sldChg>
+      <pc:sldChg chg="addSp delSp modSp add mod ord">
+        <pc:chgData name="Jack Percy" userId="b9a97963-9b08-4684-92e4-b02ce1d032f1" providerId="ADAL" clId="{3280C464-2C29-43A4-BF5A-CE909B5BB16A}" dt="2023-05-23T22:09:35.939" v="5992" actId="1076"/>
+        <pc:sldMkLst>
+          <pc:docMk/>
+          <pc:sldMk cId="4125113511" sldId="291"/>
+        </pc:sldMkLst>
+        <pc:spChg chg="add mod">
+          <ac:chgData name="Jack Percy" userId="b9a97963-9b08-4684-92e4-b02ce1d032f1" providerId="ADAL" clId="{3280C464-2C29-43A4-BF5A-CE909B5BB16A}" dt="2023-05-23T22:09:35.939" v="5992" actId="1076"/>
+          <ac:spMkLst>
+            <pc:docMk/>
+            <pc:sldMk cId="4125113511" sldId="291"/>
+            <ac:spMk id="74" creationId="{285C6300-BFDF-E667-4FF5-0E989B5BFD5A}"/>
+          </ac:spMkLst>
+        </pc:spChg>
+        <pc:grpChg chg="del mod">
+          <ac:chgData name="Jack Percy" userId="b9a97963-9b08-4684-92e4-b02ce1d032f1" providerId="ADAL" clId="{3280C464-2C29-43A4-BF5A-CE909B5BB16A}" dt="2023-05-23T21:47:56.648" v="5808"/>
+          <ac:grpSpMkLst>
+            <pc:docMk/>
+            <pc:sldMk cId="4125113511" sldId="291"/>
+            <ac:grpSpMk id="22" creationId="{6841F414-160E-BBC4-9FF2-6E3749C2580C}"/>
+          </ac:grpSpMkLst>
+        </pc:grpChg>
+        <pc:grpChg chg="mod">
+          <ac:chgData name="Jack Percy" userId="b9a97963-9b08-4684-92e4-b02ce1d032f1" providerId="ADAL" clId="{3280C464-2C29-43A4-BF5A-CE909B5BB16A}" dt="2023-05-23T21:48:14.322" v="5811" actId="1076"/>
+          <ac:grpSpMkLst>
+            <pc:docMk/>
+            <pc:sldMk cId="4125113511" sldId="291"/>
+            <ac:grpSpMk id="26" creationId="{03E0ED48-7C0D-B62E-24E1-67F6BF56537E}"/>
+          </ac:grpSpMkLst>
+        </pc:grpChg>
+        <pc:grpChg chg="mod">
+          <ac:chgData name="Jack Percy" userId="b9a97963-9b08-4684-92e4-b02ce1d032f1" providerId="ADAL" clId="{3280C464-2C29-43A4-BF5A-CE909B5BB16A}" dt="2023-05-23T21:56:37.140" v="5828"/>
+          <ac:grpSpMkLst>
+            <pc:docMk/>
+            <pc:sldMk cId="4125113511" sldId="291"/>
+            <ac:grpSpMk id="64" creationId="{69D8FF71-01FC-6AAE-DFF6-0641BE946304}"/>
+          </ac:grpSpMkLst>
+        </pc:grpChg>
+        <pc:grpChg chg="mod">
+          <ac:chgData name="Jack Percy" userId="b9a97963-9b08-4684-92e4-b02ce1d032f1" providerId="ADAL" clId="{3280C464-2C29-43A4-BF5A-CE909B5BB16A}" dt="2023-05-23T21:56:42.332" v="5831"/>
+          <ac:grpSpMkLst>
+            <pc:docMk/>
+            <pc:sldMk cId="4125113511" sldId="291"/>
+            <ac:grpSpMk id="67" creationId="{66CC20DF-82C8-597E-C716-0606545209E7}"/>
+          </ac:grpSpMkLst>
+        </pc:grpChg>
+        <pc:grpChg chg="mod">
+          <ac:chgData name="Jack Percy" userId="b9a97963-9b08-4684-92e4-b02ce1d032f1" providerId="ADAL" clId="{3280C464-2C29-43A4-BF5A-CE909B5BB16A}" dt="2023-05-23T21:58:33.918" v="5837"/>
+          <ac:grpSpMkLst>
+            <pc:docMk/>
+            <pc:sldMk cId="4125113511" sldId="291"/>
+            <ac:grpSpMk id="71" creationId="{ACF87B1B-BCDA-0D06-2E35-19D0913E7A22}"/>
+          </ac:grpSpMkLst>
+        </pc:grpChg>
+        <pc:picChg chg="add mod">
+          <ac:chgData name="Jack Percy" userId="b9a97963-9b08-4684-92e4-b02ce1d032f1" providerId="ADAL" clId="{3280C464-2C29-43A4-BF5A-CE909B5BB16A}" dt="2023-05-23T21:45:17.054" v="5768" actId="14100"/>
+          <ac:picMkLst>
+            <pc:docMk/>
+            <pc:sldMk cId="4125113511" sldId="291"/>
+            <ac:picMk id="2" creationId="{41789987-157B-6AF1-73A5-E97CF463F41E}"/>
+          </ac:picMkLst>
+        </pc:picChg>
+        <pc:picChg chg="del">
+          <ac:chgData name="Jack Percy" userId="b9a97963-9b08-4684-92e4-b02ce1d032f1" providerId="ADAL" clId="{3280C464-2C29-43A4-BF5A-CE909B5BB16A}" dt="2023-05-23T21:00:30.005" v="5752" actId="478"/>
+          <ac:picMkLst>
+            <pc:docMk/>
+            <pc:sldMk cId="4125113511" sldId="291"/>
+            <ac:picMk id="3" creationId="{2755A4A4-1DD8-20DC-B994-434A71FB107A}"/>
+          </ac:picMkLst>
+        </pc:picChg>
+        <pc:picChg chg="add mod">
+          <ac:chgData name="Jack Percy" userId="b9a97963-9b08-4684-92e4-b02ce1d032f1" providerId="ADAL" clId="{3280C464-2C29-43A4-BF5A-CE909B5BB16A}" dt="2023-05-23T21:46:29.327" v="5787" actId="14100"/>
+          <ac:picMkLst>
+            <pc:docMk/>
+            <pc:sldMk cId="4125113511" sldId="291"/>
+            <ac:picMk id="4" creationId="{29566F9D-854F-7602-6808-9F98EA02D3B8}"/>
+          </ac:picMkLst>
+        </pc:picChg>
+        <pc:picChg chg="del">
+          <ac:chgData name="Jack Percy" userId="b9a97963-9b08-4684-92e4-b02ce1d032f1" providerId="ADAL" clId="{3280C464-2C29-43A4-BF5A-CE909B5BB16A}" dt="2023-05-23T21:00:26.021" v="5751" actId="478"/>
+          <ac:picMkLst>
+            <pc:docMk/>
+            <pc:sldMk cId="4125113511" sldId="291"/>
+            <ac:picMk id="6" creationId="{D4B3765D-0139-EEBA-84B0-3CA02CDE909C}"/>
+          </ac:picMkLst>
+        </pc:picChg>
+        <pc:picChg chg="add mod">
+          <ac:chgData name="Jack Percy" userId="b9a97963-9b08-4684-92e4-b02ce1d032f1" providerId="ADAL" clId="{3280C464-2C29-43A4-BF5A-CE909B5BB16A}" dt="2023-05-23T21:45:09.540" v="5765" actId="14100"/>
+          <ac:picMkLst>
+            <pc:docMk/>
+            <pc:sldMk cId="4125113511" sldId="291"/>
+            <ac:picMk id="7" creationId="{850DC503-7918-CDF1-23CA-9B704A02981B}"/>
+          </ac:picMkLst>
+        </pc:picChg>
+        <pc:picChg chg="del">
+          <ac:chgData name="Jack Percy" userId="b9a97963-9b08-4684-92e4-b02ce1d032f1" providerId="ADAL" clId="{3280C464-2C29-43A4-BF5A-CE909B5BB16A}" dt="2023-05-23T21:00:24.021" v="5750" actId="478"/>
+          <ac:picMkLst>
+            <pc:docMk/>
+            <pc:sldMk cId="4125113511" sldId="291"/>
+            <ac:picMk id="8" creationId="{E5D0CB54-1C31-273C-43F6-6306EBB09234}"/>
+          </ac:picMkLst>
+        </pc:picChg>
+        <pc:picChg chg="del">
+          <ac:chgData name="Jack Percy" userId="b9a97963-9b08-4684-92e4-b02ce1d032f1" providerId="ADAL" clId="{3280C464-2C29-43A4-BF5A-CE909B5BB16A}" dt="2023-05-23T21:00:20.252" v="5748" actId="478"/>
+          <ac:picMkLst>
+            <pc:docMk/>
+            <pc:sldMk cId="4125113511" sldId="291"/>
+            <ac:picMk id="10" creationId="{CA5913EE-50FB-AC29-CEE8-4981B0EE31B1}"/>
+          </ac:picMkLst>
+        </pc:picChg>
+        <pc:picChg chg="del">
+          <ac:chgData name="Jack Percy" userId="b9a97963-9b08-4684-92e4-b02ce1d032f1" providerId="ADAL" clId="{3280C464-2C29-43A4-BF5A-CE909B5BB16A}" dt="2023-05-23T21:00:21.665" v="5749" actId="478"/>
+          <ac:picMkLst>
+            <pc:docMk/>
+            <pc:sldMk cId="4125113511" sldId="291"/>
+            <ac:picMk id="12" creationId="{143825DA-9979-275A-7331-A297FD3B3BC3}"/>
+          </ac:picMkLst>
+        </pc:picChg>
+        <pc:picChg chg="del">
+          <ac:chgData name="Jack Percy" userId="b9a97963-9b08-4684-92e4-b02ce1d032f1" providerId="ADAL" clId="{3280C464-2C29-43A4-BF5A-CE909B5BB16A}" dt="2023-05-23T21:00:17.630" v="5747" actId="478"/>
+          <ac:picMkLst>
+            <pc:docMk/>
+            <pc:sldMk cId="4125113511" sldId="291"/>
+            <ac:picMk id="14" creationId="{E7BE270D-1874-7FBD-C73A-A02E68A84BF5}"/>
+          </ac:picMkLst>
+        </pc:picChg>
+        <pc:picChg chg="add mod">
+          <ac:chgData name="Jack Percy" userId="b9a97963-9b08-4684-92e4-b02ce1d032f1" providerId="ADAL" clId="{3280C464-2C29-43A4-BF5A-CE909B5BB16A}" dt="2023-05-23T21:46:51.347" v="5793" actId="14100"/>
+          <ac:picMkLst>
+            <pc:docMk/>
+            <pc:sldMk cId="4125113511" sldId="291"/>
+            <ac:picMk id="16" creationId="{5E60C2F5-52A2-55FF-F2FC-3A3F52351A87}"/>
+          </ac:picMkLst>
+        </pc:picChg>
+        <pc:picChg chg="add mod">
+          <ac:chgData name="Jack Percy" userId="b9a97963-9b08-4684-92e4-b02ce1d032f1" providerId="ADAL" clId="{3280C464-2C29-43A4-BF5A-CE909B5BB16A}" dt="2023-05-23T21:47:47.399" v="5805" actId="1076"/>
+          <ac:picMkLst>
+            <pc:docMk/>
+            <pc:sldMk cId="4125113511" sldId="291"/>
+            <ac:picMk id="23" creationId="{9D244030-C499-B0EF-AF7A-EF9A8D924B24}"/>
+          </ac:picMkLst>
+        </pc:picChg>
+        <pc:picChg chg="add mod">
+          <ac:chgData name="Jack Percy" userId="b9a97963-9b08-4684-92e4-b02ce1d032f1" providerId="ADAL" clId="{3280C464-2C29-43A4-BF5A-CE909B5BB16A}" dt="2023-05-23T21:48:58.313" v="5822" actId="1076"/>
+          <ac:picMkLst>
+            <pc:docMk/>
+            <pc:sldMk cId="4125113511" sldId="291"/>
+            <ac:picMk id="28" creationId="{A93ED419-BB04-E1D7-D136-9DDE462A8B17}"/>
+          </ac:picMkLst>
+        </pc:picChg>
+        <pc:picChg chg="add mod">
+          <ac:chgData name="Jack Percy" userId="b9a97963-9b08-4684-92e4-b02ce1d032f1" providerId="ADAL" clId="{3280C464-2C29-43A4-BF5A-CE909B5BB16A}" dt="2023-05-23T21:56:29.505" v="5825" actId="1076"/>
+          <ac:picMkLst>
+            <pc:docMk/>
+            <pc:sldMk cId="4125113511" sldId="291"/>
+            <ac:picMk id="29" creationId="{72D391EB-4FDA-3CD9-4598-E420A380353B}"/>
+          </ac:picMkLst>
+        </pc:picChg>
+        <pc:picChg chg="add mod">
+          <ac:chgData name="Jack Percy" userId="b9a97963-9b08-4684-92e4-b02ce1d032f1" providerId="ADAL" clId="{3280C464-2C29-43A4-BF5A-CE909B5BB16A}" dt="2023-05-23T21:58:25.526" v="5834" actId="1076"/>
+          <ac:picMkLst>
+            <pc:docMk/>
+            <pc:sldMk cId="4125113511" sldId="291"/>
+            <ac:picMk id="68" creationId="{9874341D-1E19-A9BB-5B2B-8193B6098760}"/>
+          </ac:picMkLst>
+        </pc:picChg>
+        <pc:inkChg chg="add">
+          <ac:chgData name="Jack Percy" userId="b9a97963-9b08-4684-92e4-b02ce1d032f1" providerId="ADAL" clId="{3280C464-2C29-43A4-BF5A-CE909B5BB16A}" dt="2023-05-23T21:45:35.438" v="5773" actId="9405"/>
+          <ac:inkMkLst>
+            <pc:docMk/>
+            <pc:sldMk cId="4125113511" sldId="291"/>
+            <ac:inkMk id="9" creationId="{1C43E47F-5D7F-F560-0BE3-A45B01701D73}"/>
+          </ac:inkMkLst>
+        </pc:inkChg>
+        <pc:inkChg chg="add">
+          <ac:chgData name="Jack Percy" userId="b9a97963-9b08-4684-92e4-b02ce1d032f1" providerId="ADAL" clId="{3280C464-2C29-43A4-BF5A-CE909B5BB16A}" dt="2023-05-23T21:45:39.432" v="5774" actId="9405"/>
+          <ac:inkMkLst>
+            <pc:docMk/>
+            <pc:sldMk cId="4125113511" sldId="291"/>
+            <ac:inkMk id="11" creationId="{74F22D87-0951-ADE4-CD55-082C106562D9}"/>
+          </ac:inkMkLst>
+        </pc:inkChg>
+        <pc:inkChg chg="add">
+          <ac:chgData name="Jack Percy" userId="b9a97963-9b08-4684-92e4-b02ce1d032f1" providerId="ADAL" clId="{3280C464-2C29-43A4-BF5A-CE909B5BB16A}" dt="2023-05-23T21:45:43.203" v="5775" actId="9405"/>
+          <ac:inkMkLst>
+            <pc:docMk/>
+            <pc:sldMk cId="4125113511" sldId="291"/>
+            <ac:inkMk id="13" creationId="{B186D217-053A-218C-E92A-C74DEE2ED14E}"/>
+          </ac:inkMkLst>
+        </pc:inkChg>
+        <pc:inkChg chg="add del">
+          <ac:chgData name="Jack Percy" userId="b9a97963-9b08-4684-92e4-b02ce1d032f1" providerId="ADAL" clId="{3280C464-2C29-43A4-BF5A-CE909B5BB16A}" dt="2023-05-23T21:46:31.406" v="5788" actId="478"/>
+          <ac:inkMkLst>
+            <pc:docMk/>
+            <pc:sldMk cId="4125113511" sldId="291"/>
+            <ac:inkMk id="15" creationId="{46C87B3D-1A6D-F96C-1235-0732BF22F834}"/>
+          </ac:inkMkLst>
+        </pc:inkChg>
+        <pc:inkChg chg="add">
+          <ac:chgData name="Jack Percy" userId="b9a97963-9b08-4684-92e4-b02ce1d032f1" providerId="ADAL" clId="{3280C464-2C29-43A4-BF5A-CE909B5BB16A}" dt="2023-05-23T21:46:38.559" v="5789" actId="9405"/>
+          <ac:inkMkLst>
+            <pc:docMk/>
+            <pc:sldMk cId="4125113511" sldId="291"/>
+            <ac:inkMk id="17" creationId="{5522B931-E59C-E071-26B6-FE3711C50ACD}"/>
+          </ac:inkMkLst>
+        </pc:inkChg>
+        <pc:inkChg chg="add">
+          <ac:chgData name="Jack Percy" userId="b9a97963-9b08-4684-92e4-b02ce1d032f1" providerId="ADAL" clId="{3280C464-2C29-43A4-BF5A-CE909B5BB16A}" dt="2023-05-23T21:46:58.163" v="5794" actId="9405"/>
+          <ac:inkMkLst>
+            <pc:docMk/>
+            <pc:sldMk cId="4125113511" sldId="291"/>
+            <ac:inkMk id="18" creationId="{8CE95F20-5791-317C-6E17-2BFA214D98BA}"/>
+          </ac:inkMkLst>
+        </pc:inkChg>
+        <pc:inkChg chg="add mod">
+          <ac:chgData name="Jack Percy" userId="b9a97963-9b08-4684-92e4-b02ce1d032f1" providerId="ADAL" clId="{3280C464-2C29-43A4-BF5A-CE909B5BB16A}" dt="2023-05-23T21:47:56.648" v="5808"/>
+          <ac:inkMkLst>
+            <pc:docMk/>
+            <pc:sldMk cId="4125113511" sldId="291"/>
+            <ac:inkMk id="19" creationId="{2404B17E-E066-9AEE-0852-39B0C46F77FE}"/>
+          </ac:inkMkLst>
+        </pc:inkChg>
+        <pc:inkChg chg="add mod">
+          <ac:chgData name="Jack Percy" userId="b9a97963-9b08-4684-92e4-b02ce1d032f1" providerId="ADAL" clId="{3280C464-2C29-43A4-BF5A-CE909B5BB16A}" dt="2023-05-23T21:47:56.648" v="5808"/>
+          <ac:inkMkLst>
+            <pc:docMk/>
+            <pc:sldMk cId="4125113511" sldId="291"/>
+            <ac:inkMk id="20" creationId="{23B4A3EE-CC8C-1C5F-7EA6-3E0321789EDF}"/>
+          </ac:inkMkLst>
+        </pc:inkChg>
+        <pc:inkChg chg="add mod">
+          <ac:chgData name="Jack Percy" userId="b9a97963-9b08-4684-92e4-b02ce1d032f1" providerId="ADAL" clId="{3280C464-2C29-43A4-BF5A-CE909B5BB16A}" dt="2023-05-23T21:47:56.648" v="5808"/>
+          <ac:inkMkLst>
+            <pc:docMk/>
+            <pc:sldMk cId="4125113511" sldId="291"/>
+            <ac:inkMk id="21" creationId="{A878525C-E76B-25E1-F8B4-DBA14DCD4564}"/>
+          </ac:inkMkLst>
+        </pc:inkChg>
+        <pc:inkChg chg="add mod">
+          <ac:chgData name="Jack Percy" userId="b9a97963-9b08-4684-92e4-b02ce1d032f1" providerId="ADAL" clId="{3280C464-2C29-43A4-BF5A-CE909B5BB16A}" dt="2023-05-23T21:47:56.648" v="5808"/>
+          <ac:inkMkLst>
+            <pc:docMk/>
+            <pc:sldMk cId="4125113511" sldId="291"/>
+            <ac:inkMk id="24" creationId="{A11F8004-75FA-1F61-046F-86FECF604D73}"/>
+          </ac:inkMkLst>
+        </pc:inkChg>
+        <pc:inkChg chg="add mod">
+          <ac:chgData name="Jack Percy" userId="b9a97963-9b08-4684-92e4-b02ce1d032f1" providerId="ADAL" clId="{3280C464-2C29-43A4-BF5A-CE909B5BB16A}" dt="2023-05-23T21:47:56.648" v="5808"/>
+          <ac:inkMkLst>
+            <pc:docMk/>
+            <pc:sldMk cId="4125113511" sldId="291"/>
+            <ac:inkMk id="25" creationId="{60FAF760-2DF7-5D9B-A647-4820CF93ABBE}"/>
+          </ac:inkMkLst>
+        </pc:inkChg>
+        <pc:inkChg chg="add mod">
+          <ac:chgData name="Jack Percy" userId="b9a97963-9b08-4684-92e4-b02ce1d032f1" providerId="ADAL" clId="{3280C464-2C29-43A4-BF5A-CE909B5BB16A}" dt="2023-05-23T21:56:37.140" v="5828"/>
+          <ac:inkMkLst>
+            <pc:docMk/>
+            <pc:sldMk cId="4125113511" sldId="291"/>
+            <ac:inkMk id="30" creationId="{9624C1BB-7F08-BBD2-78AD-867F7811B50F}"/>
+          </ac:inkMkLst>
+        </pc:inkChg>
+        <pc:inkChg chg="add mod">
+          <ac:chgData name="Jack Percy" userId="b9a97963-9b08-4684-92e4-b02ce1d032f1" providerId="ADAL" clId="{3280C464-2C29-43A4-BF5A-CE909B5BB16A}" dt="2023-05-23T21:56:37.140" v="5828"/>
+          <ac:inkMkLst>
+            <pc:docMk/>
+            <pc:sldMk cId="4125113511" sldId="291"/>
+            <ac:inkMk id="31" creationId="{4A64D418-6CB4-927D-ED54-E1329CC90AC5}"/>
+          </ac:inkMkLst>
+        </pc:inkChg>
+        <pc:inkChg chg="add mod">
+          <ac:chgData name="Jack Percy" userId="b9a97963-9b08-4684-92e4-b02ce1d032f1" providerId="ADAL" clId="{3280C464-2C29-43A4-BF5A-CE909B5BB16A}" dt="2023-05-23T21:56:42.332" v="5831"/>
+          <ac:inkMkLst>
+            <pc:docMk/>
+            <pc:sldMk cId="4125113511" sldId="291"/>
+            <ac:inkMk id="65" creationId="{657FC78D-A285-FCDF-B722-B8D9453036DF}"/>
+          </ac:inkMkLst>
+        </pc:inkChg>
+        <pc:inkChg chg="add mod">
+          <ac:chgData name="Jack Percy" userId="b9a97963-9b08-4684-92e4-b02ce1d032f1" providerId="ADAL" clId="{3280C464-2C29-43A4-BF5A-CE909B5BB16A}" dt="2023-05-23T21:56:42.332" v="5831"/>
+          <ac:inkMkLst>
+            <pc:docMk/>
+            <pc:sldMk cId="4125113511" sldId="291"/>
+            <ac:inkMk id="66" creationId="{37539E64-4EE1-0EDF-2EE5-946F417CFA29}"/>
+          </ac:inkMkLst>
+        </pc:inkChg>
+        <pc:inkChg chg="add mod">
+          <ac:chgData name="Jack Percy" userId="b9a97963-9b08-4684-92e4-b02ce1d032f1" providerId="ADAL" clId="{3280C464-2C29-43A4-BF5A-CE909B5BB16A}" dt="2023-05-23T21:58:33.918" v="5837"/>
+          <ac:inkMkLst>
+            <pc:docMk/>
+            <pc:sldMk cId="4125113511" sldId="291"/>
+            <ac:inkMk id="69" creationId="{7C77CD20-A553-A7E9-E6AF-E28B7B6C00F0}"/>
+          </ac:inkMkLst>
+        </pc:inkChg>
+        <pc:inkChg chg="add mod">
+          <ac:chgData name="Jack Percy" userId="b9a97963-9b08-4684-92e4-b02ce1d032f1" providerId="ADAL" clId="{3280C464-2C29-43A4-BF5A-CE909B5BB16A}" dt="2023-05-23T21:58:33.918" v="5837"/>
+          <ac:inkMkLst>
+            <pc:docMk/>
+            <pc:sldMk cId="4125113511" sldId="291"/>
+            <ac:inkMk id="70" creationId="{5CA11E03-81B3-F75D-BA5C-2350E7EFE6FA}"/>
+          </ac:inkMkLst>
+        </pc:inkChg>
+        <pc:inkChg chg="add">
+          <ac:chgData name="Jack Percy" userId="b9a97963-9b08-4684-92e4-b02ce1d032f1" providerId="ADAL" clId="{3280C464-2C29-43A4-BF5A-CE909B5BB16A}" dt="2023-05-23T21:58:35.347" v="5838" actId="9405"/>
+          <ac:inkMkLst>
+            <pc:docMk/>
+            <pc:sldMk cId="4125113511" sldId="291"/>
+            <ac:inkMk id="72" creationId="{4A17B973-445D-F070-B99C-52A1F4CF73E5}"/>
+          </ac:inkMkLst>
+        </pc:inkChg>
+        <pc:inkChg chg="add">
+          <ac:chgData name="Jack Percy" userId="b9a97963-9b08-4684-92e4-b02ce1d032f1" providerId="ADAL" clId="{3280C464-2C29-43A4-BF5A-CE909B5BB16A}" dt="2023-05-23T21:58:39.426" v="5839" actId="9405"/>
+          <ac:inkMkLst>
+            <pc:docMk/>
+            <pc:sldMk cId="4125113511" sldId="291"/>
+            <ac:inkMk id="73" creationId="{2616B738-3C03-DD8F-9043-2F8AFA683E29}"/>
+          </ac:inkMkLst>
+        </pc:inkChg>
+      </pc:sldChg>
+      <pc:sldChg chg="addSp delSp modSp add mod ord">
+        <pc:chgData name="Jack Percy" userId="b9a97963-9b08-4684-92e4-b02ce1d032f1" providerId="ADAL" clId="{3280C464-2C29-43A4-BF5A-CE909B5BB16A}" dt="2023-05-23T22:18:36.667" v="6052" actId="22"/>
+        <pc:sldMkLst>
+          <pc:docMk/>
+          <pc:sldMk cId="3895723187" sldId="292"/>
+        </pc:sldMkLst>
+        <pc:spChg chg="mod">
+          <ac:chgData name="Jack Percy" userId="b9a97963-9b08-4684-92e4-b02ce1d032f1" providerId="ADAL" clId="{3280C464-2C29-43A4-BF5A-CE909B5BB16A}" dt="2023-05-23T22:10:07.899" v="6050" actId="20577"/>
+          <ac:spMkLst>
+            <pc:docMk/>
+            <pc:sldMk cId="3895723187" sldId="292"/>
+            <ac:spMk id="86" creationId="{00000000-0000-0000-0000-000000000000}"/>
+          </ac:spMkLst>
+        </pc:spChg>
+        <pc:picChg chg="add">
+          <ac:chgData name="Jack Percy" userId="b9a97963-9b08-4684-92e4-b02ce1d032f1" providerId="ADAL" clId="{3280C464-2C29-43A4-BF5A-CE909B5BB16A}" dt="2023-05-23T22:18:36.667" v="6052" actId="22"/>
+          <ac:picMkLst>
+            <pc:docMk/>
+            <pc:sldMk cId="3895723187" sldId="292"/>
+            <ac:picMk id="3" creationId="{F07C0BE9-58E5-21E8-2D2D-AF5E119D97FC}"/>
+          </ac:picMkLst>
+        </pc:picChg>
+        <pc:picChg chg="del">
+          <ac:chgData name="Jack Percy" userId="b9a97963-9b08-4684-92e4-b02ce1d032f1" providerId="ADAL" clId="{3280C464-2C29-43A4-BF5A-CE909B5BB16A}" dt="2023-05-23T22:18:36.446" v="6051" actId="478"/>
+          <ac:picMkLst>
+            <pc:docMk/>
+            <pc:sldMk cId="3895723187" sldId="292"/>
+            <ac:picMk id="4" creationId="{B9B1DEF7-86B0-C0E1-A952-DA7AA8F595BA}"/>
+          </ac:picMkLst>
+        </pc:picChg>
+      </pc:sldChg>
+      <pc:sldChg chg="modSp add mod ord">
+        <pc:chgData name="Jack Percy" userId="b9a97963-9b08-4684-92e4-b02ce1d032f1" providerId="ADAL" clId="{3280C464-2C29-43A4-BF5A-CE909B5BB16A}" dt="2023-05-25T02:42:34.649" v="6287" actId="2164"/>
+        <pc:sldMkLst>
+          <pc:docMk/>
+          <pc:sldMk cId="3946387443" sldId="293"/>
+        </pc:sldMkLst>
+        <pc:spChg chg="mod">
+          <ac:chgData name="Jack Percy" userId="b9a97963-9b08-4684-92e4-b02ce1d032f1" providerId="ADAL" clId="{3280C464-2C29-43A4-BF5A-CE909B5BB16A}" dt="2023-05-23T22:20:28.246" v="6082" actId="20577"/>
+          <ac:spMkLst>
+            <pc:docMk/>
+            <pc:sldMk cId="3946387443" sldId="293"/>
+            <ac:spMk id="2" creationId="{1CC5D32F-7C18-4D00-8D54-2FB046F0A206}"/>
+          </ac:spMkLst>
+        </pc:spChg>
+        <pc:graphicFrameChg chg="modGraphic">
+          <ac:chgData name="Jack Percy" userId="b9a97963-9b08-4684-92e4-b02ce1d032f1" providerId="ADAL" clId="{3280C464-2C29-43A4-BF5A-CE909B5BB16A}" dt="2023-05-25T02:42:34.649" v="6287" actId="2164"/>
+          <ac:graphicFrameMkLst>
+            <pc:docMk/>
+            <pc:sldMk cId="3946387443" sldId="293"/>
+            <ac:graphicFrameMk id="6" creationId="{A956953F-8BB8-0D4B-F53B-F22A4BD99317}"/>
+          </ac:graphicFrameMkLst>
+        </pc:graphicFrameChg>
+      </pc:sldChg>
+      <pc:sldChg chg="addSp delSp modSp add mod ord">
+        <pc:chgData name="Jack Percy" userId="b9a97963-9b08-4684-92e4-b02ce1d032f1" providerId="ADAL" clId="{3280C464-2C29-43A4-BF5A-CE909B5BB16A}" dt="2023-05-25T03:04:39.118" v="6633" actId="20577"/>
+        <pc:sldMkLst>
+          <pc:docMk/>
+          <pc:sldMk cId="915973975" sldId="294"/>
+        </pc:sldMkLst>
+        <pc:spChg chg="add mod">
+          <ac:chgData name="Jack Percy" userId="b9a97963-9b08-4684-92e4-b02ce1d032f1" providerId="ADAL" clId="{3280C464-2C29-43A4-BF5A-CE909B5BB16A}" dt="2023-05-25T03:04:39.118" v="6633" actId="20577"/>
+          <ac:spMkLst>
+            <pc:docMk/>
+            <pc:sldMk cId="915973975" sldId="294"/>
+            <ac:spMk id="19" creationId="{D132C8DF-93B5-A451-2F88-FD1AC6A9B175}"/>
+          </ac:spMkLst>
+        </pc:spChg>
+        <pc:spChg chg="mod">
+          <ac:chgData name="Jack Percy" userId="b9a97963-9b08-4684-92e4-b02ce1d032f1" providerId="ADAL" clId="{3280C464-2C29-43A4-BF5A-CE909B5BB16A}" dt="2023-05-25T02:42:56.483" v="6305" actId="1076"/>
+          <ac:spMkLst>
+            <pc:docMk/>
+            <pc:sldMk cId="915973975" sldId="294"/>
+            <ac:spMk id="86" creationId="{00000000-0000-0000-0000-000000000000}"/>
+          </ac:spMkLst>
+        </pc:spChg>
+        <pc:grpChg chg="mod">
+          <ac:chgData name="Jack Percy" userId="b9a97963-9b08-4684-92e4-b02ce1d032f1" providerId="ADAL" clId="{3280C464-2C29-43A4-BF5A-CE909B5BB16A}" dt="2023-05-25T02:50:06.961" v="6326"/>
+          <ac:grpSpMkLst>
+            <pc:docMk/>
+            <pc:sldMk cId="915973975" sldId="294"/>
+            <ac:grpSpMk id="13" creationId="{D4147743-6550-62B2-111F-D416CB3DB53B}"/>
+          </ac:grpSpMkLst>
+        </pc:grpChg>
+        <pc:grpChg chg="mod">
+          <ac:chgData name="Jack Percy" userId="b9a97963-9b08-4684-92e4-b02ce1d032f1" providerId="ADAL" clId="{3280C464-2C29-43A4-BF5A-CE909B5BB16A}" dt="2023-05-25T02:50:33.775" v="6331"/>
+          <ac:grpSpMkLst>
+            <pc:docMk/>
+            <pc:sldMk cId="915973975" sldId="294"/>
+            <ac:grpSpMk id="18" creationId="{B869E95C-8E59-C63E-9FD9-E79979C8A300}"/>
+          </ac:grpSpMkLst>
+        </pc:grpChg>
+        <pc:picChg chg="del">
+          <ac:chgData name="Jack Percy" userId="b9a97963-9b08-4684-92e4-b02ce1d032f1" providerId="ADAL" clId="{3280C464-2C29-43A4-BF5A-CE909B5BB16A}" dt="2023-05-25T02:42:43.848" v="6291" actId="478"/>
+          <ac:picMkLst>
+            <pc:docMk/>
+            <pc:sldMk cId="915973975" sldId="294"/>
+            <ac:picMk id="3" creationId="{F07C0BE9-58E5-21E8-2D2D-AF5E119D97FC}"/>
+          </ac:picMkLst>
+        </pc:picChg>
+        <pc:picChg chg="add mod">
+          <ac:chgData name="Jack Percy" userId="b9a97963-9b08-4684-92e4-b02ce1d032f1" providerId="ADAL" clId="{3280C464-2C29-43A4-BF5A-CE909B5BB16A}" dt="2023-05-25T02:46:41.297" v="6320" actId="1076"/>
+          <ac:picMkLst>
+            <pc:docMk/>
+            <pc:sldMk cId="915973975" sldId="294"/>
+            <ac:picMk id="4" creationId="{D0331189-0AE6-53E3-7526-C1E9A2D42752}"/>
+          </ac:picMkLst>
+        </pc:picChg>
+        <pc:picChg chg="add mod">
+          <ac:chgData name="Jack Percy" userId="b9a97963-9b08-4684-92e4-b02ce1d032f1" providerId="ADAL" clId="{3280C464-2C29-43A4-BF5A-CE909B5BB16A}" dt="2023-05-25T02:46:43.229" v="6321" actId="1076"/>
+          <ac:picMkLst>
+            <pc:docMk/>
+            <pc:sldMk cId="915973975" sldId="294"/>
+            <ac:picMk id="6" creationId="{E0E51E4D-4AB9-91DF-AAB8-BCEF141EB541}"/>
+          </ac:picMkLst>
+        </pc:picChg>
+        <pc:picChg chg="add mod">
+          <ac:chgData name="Jack Percy" userId="b9a97963-9b08-4684-92e4-b02ce1d032f1" providerId="ADAL" clId="{3280C464-2C29-43A4-BF5A-CE909B5BB16A}" dt="2023-05-25T02:46:32.203" v="6315" actId="14100"/>
+          <ac:picMkLst>
+            <pc:docMk/>
+            <pc:sldMk cId="915973975" sldId="294"/>
+            <ac:picMk id="8" creationId="{0FE98856-8338-86B6-1C63-192AF01CFF89}"/>
+          </ac:picMkLst>
+        </pc:picChg>
+        <pc:inkChg chg="add">
+          <ac:chgData name="Jack Percy" userId="b9a97963-9b08-4684-92e4-b02ce1d032f1" providerId="ADAL" clId="{3280C464-2C29-43A4-BF5A-CE909B5BB16A}" dt="2023-05-25T02:49:52.035" v="6322" actId="9405"/>
+          <ac:inkMkLst>
+            <pc:docMk/>
+            <pc:sldMk cId="915973975" sldId="294"/>
+            <ac:inkMk id="9" creationId="{FE047E98-BA55-7470-C39C-3AFDF5DFE6C8}"/>
+          </ac:inkMkLst>
+        </pc:inkChg>
+        <pc:inkChg chg="add">
+          <ac:chgData name="Jack Percy" userId="b9a97963-9b08-4684-92e4-b02ce1d032f1" providerId="ADAL" clId="{3280C464-2C29-43A4-BF5A-CE909B5BB16A}" dt="2023-05-25T02:49:56.635" v="6323" actId="9405"/>
+          <ac:inkMkLst>
+            <pc:docMk/>
+            <pc:sldMk cId="915973975" sldId="294"/>
+            <ac:inkMk id="10" creationId="{DCE1E3C1-5FCE-8C4A-00E7-5271BCDD6652}"/>
+          </ac:inkMkLst>
+        </pc:inkChg>
+        <pc:inkChg chg="add mod">
+          <ac:chgData name="Jack Percy" userId="b9a97963-9b08-4684-92e4-b02ce1d032f1" providerId="ADAL" clId="{3280C464-2C29-43A4-BF5A-CE909B5BB16A}" dt="2023-05-25T02:50:06.961" v="6326"/>
+          <ac:inkMkLst>
+            <pc:docMk/>
+            <pc:sldMk cId="915973975" sldId="294"/>
+            <ac:inkMk id="11" creationId="{3811FDBA-4E64-2BDF-7D11-61E2D2197624}"/>
+          </ac:inkMkLst>
+        </pc:inkChg>
+        <pc:inkChg chg="add mod">
+          <ac:chgData name="Jack Percy" userId="b9a97963-9b08-4684-92e4-b02ce1d032f1" providerId="ADAL" clId="{3280C464-2C29-43A4-BF5A-CE909B5BB16A}" dt="2023-05-25T02:50:06.961" v="6326"/>
+          <ac:inkMkLst>
+            <pc:docMk/>
+            <pc:sldMk cId="915973975" sldId="294"/>
+            <ac:inkMk id="12" creationId="{539D30D9-6EB5-0660-3D7B-0516AC707CE5}"/>
+          </ac:inkMkLst>
+        </pc:inkChg>
+        <pc:inkChg chg="add">
+          <ac:chgData name="Jack Percy" userId="b9a97963-9b08-4684-92e4-b02ce1d032f1" providerId="ADAL" clId="{3280C464-2C29-43A4-BF5A-CE909B5BB16A}" dt="2023-05-25T02:50:14.237" v="6327" actId="9405"/>
+          <ac:inkMkLst>
+            <pc:docMk/>
+            <pc:sldMk cId="915973975" sldId="294"/>
+            <ac:inkMk id="14" creationId="{D1882B94-3328-6829-D05C-2762E11D9525}"/>
+          </ac:inkMkLst>
+        </pc:inkChg>
+        <pc:inkChg chg="add">
+          <ac:chgData name="Jack Percy" userId="b9a97963-9b08-4684-92e4-b02ce1d032f1" providerId="ADAL" clId="{3280C464-2C29-43A4-BF5A-CE909B5BB16A}" dt="2023-05-25T02:50:23.323" v="6328" actId="9405"/>
+          <ac:inkMkLst>
+            <pc:docMk/>
+            <pc:sldMk cId="915973975" sldId="294"/>
+            <ac:inkMk id="15" creationId="{89C5805B-137A-0CAF-DA6B-4ACF7D509E81}"/>
+          </ac:inkMkLst>
+        </pc:inkChg>
+        <pc:inkChg chg="add mod">
+          <ac:chgData name="Jack Percy" userId="b9a97963-9b08-4684-92e4-b02ce1d032f1" providerId="ADAL" clId="{3280C464-2C29-43A4-BF5A-CE909B5BB16A}" dt="2023-05-25T02:50:33.775" v="6331"/>
+          <ac:inkMkLst>
+            <pc:docMk/>
+            <pc:sldMk cId="915973975" sldId="294"/>
+            <ac:inkMk id="16" creationId="{6721E170-1A55-C808-1A61-B6BE0B8D585B}"/>
+          </ac:inkMkLst>
+        </pc:inkChg>
+        <pc:inkChg chg="add mod">
+          <ac:chgData name="Jack Percy" userId="b9a97963-9b08-4684-92e4-b02ce1d032f1" providerId="ADAL" clId="{3280C464-2C29-43A4-BF5A-CE909B5BB16A}" dt="2023-05-25T02:50:33.775" v="6331"/>
+          <ac:inkMkLst>
+            <pc:docMk/>
+            <pc:sldMk cId="915973975" sldId="294"/>
+            <ac:inkMk id="17" creationId="{06780DBF-0057-CCDA-4502-308A8BFB2A6E}"/>
+          </ac:inkMkLst>
+        </pc:inkChg>
       </pc:sldChg>
     </pc:docChg>
   </pc:docChgLst>
@@ -4071,6 +4678,202 @@
 </inkml:ink>
 </file>
 
+<file path=ppt/ink/ink123.xml><?xml version="1.0" encoding="utf-8"?>
+<inkml:ink xmlns:inkml="http://www.w3.org/2003/InkML">
+  <inkml:definitions>
+    <inkml:context xml:id="ctx0">
+      <inkml:inkSource xml:id="inkSrc0">
+        <inkml:traceFormat>
+          <inkml:channel name="X" type="integer" min="-2.14748E9" max="2.14748E9" units="cm"/>
+          <inkml:channel name="Y" type="integer" min="-2.14748E9" max="2.14748E9" units="cm"/>
+          <inkml:channel name="F" type="integer" max="32767" units="dev"/>
+        </inkml:traceFormat>
+        <inkml:channelProperties>
+          <inkml:channelProperty channel="X" name="resolution" value="1000" units="1/cm"/>
+          <inkml:channelProperty channel="Y" name="resolution" value="1000" units="1/cm"/>
+          <inkml:channelProperty channel="F" name="resolution" value="0" units="1/dev"/>
+        </inkml:channelProperties>
+      </inkml:inkSource>
+      <inkml:timestamp xml:id="ts0" timeString="2023-05-23T21:45:35.438"/>
+    </inkml:context>
+    <inkml:brush xml:id="br0">
+      <inkml:brushProperty name="width" value="0.05" units="cm"/>
+      <inkml:brushProperty name="height" value="0.05" units="cm"/>
+      <inkml:brushProperty name="color" value="#E71224"/>
+    </inkml:brush>
+  </inkml:definitions>
+  <inkml:trace contextRef="#ctx0" brushRef="#br0">0 55 24575,'11'-1'0,"0"0"0,0-1 0,0 0 0,17-6 0,17-3 0,73-4 0,123 1 0,125 15 0,-126 2 0,101 17 0,-255-14-1365,-65-5-5461</inkml:trace>
+</inkml:ink>
+</file>
+
+<file path=ppt/ink/ink124.xml><?xml version="1.0" encoding="utf-8"?>
+<inkml:ink xmlns:inkml="http://www.w3.org/2003/InkML">
+  <inkml:definitions>
+    <inkml:context xml:id="ctx0">
+      <inkml:inkSource xml:id="inkSrc0">
+        <inkml:traceFormat>
+          <inkml:channel name="X" type="integer" min="-2.14748E9" max="2.14748E9" units="cm"/>
+          <inkml:channel name="Y" type="integer" min="-2.14748E9" max="2.14748E9" units="cm"/>
+          <inkml:channel name="F" type="integer" max="32767" units="dev"/>
+        </inkml:traceFormat>
+        <inkml:channelProperties>
+          <inkml:channelProperty channel="X" name="resolution" value="1000" units="1/cm"/>
+          <inkml:channelProperty channel="Y" name="resolution" value="1000" units="1/cm"/>
+          <inkml:channelProperty channel="F" name="resolution" value="0" units="1/dev"/>
+        </inkml:channelProperties>
+      </inkml:inkSource>
+      <inkml:timestamp xml:id="ts0" timeString="2023-05-23T21:45:39.432"/>
+    </inkml:context>
+    <inkml:brush xml:id="br0">
+      <inkml:brushProperty name="width" value="0.05" units="cm"/>
+      <inkml:brushProperty name="height" value="0.05" units="cm"/>
+      <inkml:brushProperty name="color" value="#E71224"/>
+    </inkml:brush>
+  </inkml:definitions>
+  <inkml:trace contextRef="#ctx0" brushRef="#br0">590 247 24575,'0'-2'0,"1"0"0,-1 0 0,1 0 0,0 0 0,-1 0 0,1 0 0,0 0 0,0 1 0,0-1 0,0 0 0,1 0 0,-1 1 0,0-1 0,1 1 0,-1-1 0,1 1 0,0 0 0,-1 0 0,1-1 0,0 1 0,0 0 0,0 1 0,-1-1 0,1 0 0,0 0 0,0 1 0,0-1 0,3 1 0,61-10 0,-63 10 0,36-1 0,1 2 0,0 1 0,-1 2 0,0 2 0,54 15 0,-39-11 0,0-3 0,1-2 0,91-4 0,38 3 0,-57 5 0,125 13 0,-212-15 0,0 1 0,0 2 0,-1 1 0,47 22 0,-66-24 0,-1 0 0,0 2 0,0 0 0,-1 2 0,-1-1 0,0 2 0,20 21 0,-32-30 0,-1 0 0,1 1 0,-1-1 0,0 1 0,0 0 0,-1 0 0,1 1 0,-1-1 0,-1 1 0,1-1 0,-1 1 0,-1 0 0,1 0 0,-1 0 0,0 0 0,0 0 0,-1 0 0,0 0 0,-1 0 0,1 0 0,-1 0 0,-1 0 0,1 0 0,-1 0 0,0-1 0,-5 10 0,5-13 0,1 0 0,-1 0 0,-1 0 0,1-1 0,0 0 0,0 1 0,-1-1 0,0 0 0,1 0 0,-1 0 0,0 0 0,0-1 0,0 1 0,0-1 0,0 1 0,0-1 0,-1 0 0,1-1 0,0 1 0,-7 0 0,-9 1 0,1-1 0,-32-3 0,24 1 0,-581-2 0,588 4 0,1 2 0,0 0 0,0 2 0,0 0 0,0 0 0,-26 14 0,-24 6 0,34-13 0,-47 25 0,50-22 0,-56 20 0,-67 8 0,-232 36 0,366-76 0,0-1 0,-1-1 0,0-1 0,1 0 0,-40-7 0,46 3 0,0 0 0,0-1 0,0 0 0,0-1 0,1 0 0,0-1 0,1-1 0,-1 0 0,-10-10 0,-14-11 0,5 5 0,-57-55 0,82 72 0,1 0 0,0-1 0,0 0 0,0 0 0,1 0 0,0 0 0,1-1 0,0 0 0,0 1 0,1-2 0,0 1 0,1 0 0,-3-16 0,6 21 0,-1-1 0,0 1 0,1-1 0,0 1 0,0-1 0,0 1 0,1-1 0,0 1 0,-1 0 0,1 0 0,1 0 0,-1 0 0,1 0 0,-1 0 0,1 1 0,0-1 0,0 1 0,1 0 0,6-5 0,9-6 0,0 0 0,37-18 0,-21 13 0,3-5 0,180-96 0,-151 84 0,-2-2 0,-2-3 0,73-63 0,-108 86 0,0 1 0,2 1 0,-1 2 0,57-20 0,-77 31-124,0 0 0,0 0 0,-1 1 0,2 0 0,-1 1 0,0 0-1,0 0 1,0 1 0,1 0 0,16 3 0,-10 3-6702</inkml:trace>
+</inkml:ink>
+</file>
+
+<file path=ppt/ink/ink125.xml><?xml version="1.0" encoding="utf-8"?>
+<inkml:ink xmlns:inkml="http://www.w3.org/2003/InkML">
+  <inkml:definitions>
+    <inkml:context xml:id="ctx0">
+      <inkml:inkSource xml:id="inkSrc0">
+        <inkml:traceFormat>
+          <inkml:channel name="X" type="integer" min="-2.14748E9" max="2.14748E9" units="cm"/>
+          <inkml:channel name="Y" type="integer" min="-2.14748E9" max="2.14748E9" units="cm"/>
+          <inkml:channel name="F" type="integer" max="32767" units="dev"/>
+        </inkml:traceFormat>
+        <inkml:channelProperties>
+          <inkml:channelProperty channel="X" name="resolution" value="1000" units="1/cm"/>
+          <inkml:channelProperty channel="Y" name="resolution" value="1000" units="1/cm"/>
+          <inkml:channelProperty channel="F" name="resolution" value="0" units="1/dev"/>
+        </inkml:channelProperties>
+      </inkml:inkSource>
+      <inkml:timestamp xml:id="ts0" timeString="2023-05-23T21:45:43.203"/>
+    </inkml:context>
+    <inkml:brush xml:id="br0">
+      <inkml:brushProperty name="width" value="0.05" units="cm"/>
+      <inkml:brushProperty name="height" value="0.05" units="cm"/>
+      <inkml:brushProperty name="color" value="#E71224"/>
+    </inkml:brush>
+  </inkml:definitions>
+  <inkml:trace contextRef="#ctx0" brushRef="#br0">247 32 24575,'-4'0'0,"-1"0"0,1 1 0,0 0 0,0-1 0,0 1 0,0 1 0,0-1 0,0 1 0,1-1 0,-1 1 0,0 0 0,1 0 0,-1 1 0,1-1 0,0 1 0,-4 3 0,-4 6 0,1 0 0,1 0 0,-10 17 0,14-20 0,-1 0 0,0 0 0,-1 0 0,0-1 0,0 0 0,-1 0 0,-11 9 0,14-14 0,-1 0 0,1 1 0,0 0 0,1 0 0,-1 0 0,1 0 0,0 1 0,0 0 0,0 0 0,0 0 0,-2 7 0,4-8 0,0 1 0,1 0 0,0-1 0,0 1 0,0 0 0,0 0 0,1 0 0,0 0 0,0 0 0,0-1 0,1 1 0,0 0 0,0 0 0,3 9 0,8 51 0,-10-52 0,0 0 0,0-1 0,1 1 0,1-1 0,7 18 0,-9-26 0,0 0 0,1-1 0,-1 0 0,1 1 0,0-1 0,0 0 0,0 0 0,0-1 0,0 1 0,0-1 0,1 1 0,-1-1 0,1 0 0,0 0 0,-1-1 0,1 1 0,0-1 0,0 0 0,0 0 0,0 0 0,7 0 0,43 10 0,-43-7 0,0-1 0,0-1 0,0 0 0,0 0 0,0-1 0,1-1 0,-1 0 0,0 0 0,0-1 0,18-4 0,-23 2 0,0-1 0,-1-1 0,0 1 0,0-1 0,0 0 0,0 0 0,-1 0 0,0 0 0,0-1 0,0 0 0,-1 0 0,0 0 0,0 0 0,-1-1 0,3-7 0,19-34 0,-16 37 0,0-1 0,-2 0 0,1 0 0,-1 0 0,-1 0 0,0-1 0,-1 0 0,-1 0 0,0 0 0,0 0 0,-1-1 0,-1 1 0,0-24 0,-2 21 0,0 0 0,-1 0 0,0 0 0,-1 0 0,-1 1 0,-10-26 0,12 36 0,0-1 0,-1 1 0,1 0 0,-1 0 0,0 0 0,0 1 0,-1-1 0,0 1 0,1-1 0,-2 1 0,1 0 0,0 1 0,-1-1 0,1 1 0,-1 0 0,0 0 0,0 0 0,-1 1 0,1 0 0,0 0 0,-10-3 0,-68-1 120,77 6-234,1 0 0,-1 0-1,1 0 1,-1 1 0,1 0 0,-1 0-1,1 1 1,0-1 0,0 1 0,0 0-1,0 1 1,-8 4 0,2 4-6712</inkml:trace>
+</inkml:ink>
+</file>
+
+<file path=ppt/ink/ink126.xml><?xml version="1.0" encoding="utf-8"?>
+<inkml:ink xmlns:inkml="http://www.w3.org/2003/InkML">
+  <inkml:definitions>
+    <inkml:context xml:id="ctx0">
+      <inkml:inkSource xml:id="inkSrc0">
+        <inkml:traceFormat>
+          <inkml:channel name="X" type="integer" min="-2.14748E9" max="2.14748E9" units="cm"/>
+          <inkml:channel name="Y" type="integer" min="-2.14748E9" max="2.14748E9" units="cm"/>
+          <inkml:channel name="F" type="integer" max="32767" units="dev"/>
+        </inkml:traceFormat>
+        <inkml:channelProperties>
+          <inkml:channelProperty channel="X" name="resolution" value="1000" units="1/cm"/>
+          <inkml:channelProperty channel="Y" name="resolution" value="1000" units="1/cm"/>
+          <inkml:channelProperty channel="F" name="resolution" value="0" units="1/dev"/>
+        </inkml:channelProperties>
+      </inkml:inkSource>
+      <inkml:timestamp xml:id="ts0" timeString="2023-05-23T21:46:38.559"/>
+    </inkml:context>
+    <inkml:brush xml:id="br0">
+      <inkml:brushProperty name="width" value="0.05" units="cm"/>
+      <inkml:brushProperty name="height" value="0.05" units="cm"/>
+      <inkml:brushProperty name="color" value="#E71224"/>
+    </inkml:brush>
+  </inkml:definitions>
+  <inkml:trace contextRef="#ctx0" brushRef="#br0">0 791 24575,'114'0'0,"224"-4"0,-230-1 0,120-24 0,-98 7 0,230-48 0,-283 51 0,-1-4 0,118-52 0,-171 66 0,0 1 0,1 2 0,0 0 0,36-4 0,-5 1 0,80-10 0,173-4 0,-259 21 0,97-7 0,89-3 0,-46 12 0,277-14 0,-311 3 0,60-7 0,-60 1 0,192 5 0,-27 0 0,5-1 0,-319 13 0,-1 1 0,1 0 0,0 0 0,0 0 0,-1 0 0,1 1 0,-1 0 0,1 1 0,8 4 0,9 4 0,-28-14 0,1-1 0,-1 0 0,0 0 0,1 0 0,0-1 0,0 1 0,0-1 0,1 0 0,-1 0 0,1 0 0,-3-8 0,-39-82 0,27 55 0,7 17 0,2 0 0,0 0 0,-9-43 0,18 65 0,-1 0 0,1 0 0,0 0 0,0 0 0,0-1 0,0 1 0,0 0 0,0 0 0,0 0 0,0 0 0,1 0 0,-1 0 0,0 0 0,1 0 0,-1 0 0,1 0 0,-1 0 0,1 0 0,-1 0 0,1 0 0,0 0 0,-1 0 0,1 0 0,0 1 0,0-1 0,0 0 0,-1 0 0,1 1 0,0-1 0,0 1 0,0-1 0,0 1 0,0-1 0,0 1 0,0 0 0,0-1 0,1 1 0,-1 0 0,0 0 0,0 0 0,0 0 0,0 0 0,0 0 0,0 0 0,0 0 0,0 0 0,1 0 0,0 1 0,12 1 0,-1 0 0,0 1 0,16 4 0,-15-3 0,49 8 0,110 7 0,-138-15 0,58 15 0,-64-12 0,0-1 0,0-1 0,41 1 0,-57-5 0,-1 1 0,1 1 0,-1 0 0,0 0 0,0 1 0,0 1 0,0 0 0,-1 1 0,19 12 0,43 18 0,-71-35 0,1-1 0,-1 1 0,0 0 0,0 0 0,1 0 0,-1 0 0,0 1 0,0-1 0,0 0 0,0 1 0,0 0 0,0-1 0,-1 1 0,1 0 0,-1 0 0,1 0 0,-1 0 0,0 0 0,1 0 0,-1 0 0,0 1 0,0-1 0,1 4 0,-2-2 0,-1 0 0,1-1 0,0 1 0,-1 0 0,0-1 0,0 1 0,0-1 0,0 1 0,0-1 0,-1 1 0,1-1 0,-1 0 0,0 0 0,-3 4 0,-9 10 0,-1 0 0,-1 0 0,-34 27 0,47-42 0,-14 13 0,-1-1 0,-1-1 0,-35 19 0,41-27 0,1 0 0,-1-1 0,0 0 0,0-1 0,0 0 0,-1-1 0,-23 1 0,3-1 0,1 2 0,-1 2 0,-49 14 0,79-20 0,0 1 0,-1 1 0,1-1 0,0 1 0,0-1 0,0 1 0,0 0 0,1 1 0,-1-1 0,0 1 0,1-1 0,0 1 0,-1 0 0,1 0 0,0 1 0,1-1 0,-1 0 0,0 1 0,1 0 0,0 0 0,0 0 0,0 0 0,1 0 0,-1 0 0,1 0 0,-2 8 0,3-10 0,0 0 0,-1 0 0,1 0 0,-1 0 0,0 0 0,0 0 0,1 0 0,-1 0 0,0 0 0,-1-1 0,1 1 0,0 0 0,0-1 0,-1 1 0,1-1 0,-1 1 0,1-1 0,-1 0 0,0 1 0,1-1 0,-1 0 0,0 0 0,0-1 0,-4 3 0,5-3 0,-1-1 0,1 1 0,-1 0 0,1 0 0,-1-1 0,1 1 0,0-1 0,-1 1 0,1-1 0,-1 0 0,1 1 0,0-1 0,0 0 0,-1 0 0,1 0 0,0 0 0,0 0 0,0 0 0,0 0 0,0 0 0,0-1 0,0 1 0,1 0 0,-1 0 0,0-1 0,1 1 0,-1-1 0,1 1 0,-1-1 0,1 1 0,0 0 0,0-1 0,-1 1 0,1-3 0,-3-19 0,0 1 0,2-1 0,0 0 0,2 0 0,0 1 0,2-1 0,0 1 0,2-1 0,0 1 0,15-36 0,-5-1-1365,-13 41-5461</inkml:trace>
+</inkml:ink>
+</file>
+
+<file path=ppt/ink/ink127.xml><?xml version="1.0" encoding="utf-8"?>
+<inkml:ink xmlns:inkml="http://www.w3.org/2003/InkML">
+  <inkml:definitions>
+    <inkml:context xml:id="ctx0">
+      <inkml:inkSource xml:id="inkSrc0">
+        <inkml:traceFormat>
+          <inkml:channel name="X" type="integer" min="-2.14748E9" max="2.14748E9" units="cm"/>
+          <inkml:channel name="Y" type="integer" min="-2.14748E9" max="2.14748E9" units="cm"/>
+          <inkml:channel name="F" type="integer" max="32767" units="dev"/>
+        </inkml:traceFormat>
+        <inkml:channelProperties>
+          <inkml:channelProperty channel="X" name="resolution" value="1000" units="1/cm"/>
+          <inkml:channelProperty channel="Y" name="resolution" value="1000" units="1/cm"/>
+          <inkml:channelProperty channel="F" name="resolution" value="0" units="1/dev"/>
+        </inkml:channelProperties>
+      </inkml:inkSource>
+      <inkml:timestamp xml:id="ts0" timeString="2023-05-23T21:46:58.163"/>
+    </inkml:context>
+    <inkml:brush xml:id="br0">
+      <inkml:brushProperty name="width" value="0.05" units="cm"/>
+      <inkml:brushProperty name="height" value="0.05" units="cm"/>
+      <inkml:brushProperty name="color" value="#E71224"/>
+    </inkml:brush>
+  </inkml:definitions>
+  <inkml:trace contextRef="#ctx0" brushRef="#br0">0 0 24575,'49'2'0,"-1"2"0,84 17 0,90 37 0,-189-49 0,63 26 0,5 1 0,-86-36 116,-19-14-1597,-3 5-5345</inkml:trace>
+</inkml:ink>
+</file>
+
+<file path=ppt/ink/ink128.xml><?xml version="1.0" encoding="utf-8"?>
+<inkml:ink xmlns:inkml="http://www.w3.org/2003/InkML">
+  <inkml:definitions>
+    <inkml:context xml:id="ctx0">
+      <inkml:inkSource xml:id="inkSrc0">
+        <inkml:traceFormat>
+          <inkml:channel name="X" type="integer" min="-2.14748E9" max="2.14748E9" units="cm"/>
+          <inkml:channel name="Y" type="integer" min="-2.14748E9" max="2.14748E9" units="cm"/>
+          <inkml:channel name="F" type="integer" max="32767" units="dev"/>
+        </inkml:traceFormat>
+        <inkml:channelProperties>
+          <inkml:channelProperty channel="X" name="resolution" value="1000" units="1/cm"/>
+          <inkml:channelProperty channel="Y" name="resolution" value="1000" units="1/cm"/>
+          <inkml:channelProperty channel="F" name="resolution" value="0" units="1/dev"/>
+        </inkml:channelProperties>
+      </inkml:inkSource>
+      <inkml:timestamp xml:id="ts0" timeString="2023-05-23T21:47:07.559"/>
+    </inkml:context>
+    <inkml:brush xml:id="br0">
+      <inkml:brushProperty name="width" value="0.05" units="cm"/>
+      <inkml:brushProperty name="height" value="0.05" units="cm"/>
+      <inkml:brushProperty name="color" value="#E71224"/>
+    </inkml:brush>
+  </inkml:definitions>
+  <inkml:trace contextRef="#ctx0" brushRef="#br0">630 7 24575,'4'2'0,"0"0"0,-1 1 0,1-1 0,-1 1 0,0 0 0,0 0 0,0 0 0,0 0 0,0 0 0,0 1 0,-1-1 0,2 5 0,11 10 0,20 22 0,58 86 0,-39-48 0,-44-64 0,-1 0 0,-1 1 0,0 0 0,-1 0 0,0 1 0,-2 0 0,0 0 0,5 28 0,-6-17 0,-2 1 0,0 0 0,-2 0 0,-5 40 0,5-62 0,-1-1 0,0 1 0,0-1 0,0 0 0,-1 1 0,0-1 0,0 0 0,0 0 0,-1 0 0,1 0 0,-1-1 0,0 1 0,-1-1 0,1 1 0,-1-1 0,0 0 0,0 0 0,0-1 0,0 1 0,-1-1 0,-5 3 0,3-3 0,-1 0 0,1 0 0,-1-1 0,0 0 0,0 0 0,0-1 0,0 0 0,0 0 0,0-1 0,0 0 0,0 0 0,0-1 0,0 0 0,-8-2 0,-86-26 0,66 18 0,0 1 0,-44-6 0,56 15 0,0 1 0,1 1 0,-40 6 0,35-3 0,-48 0 0,66-4 0,-1-1 0,1 0 0,0-1 0,0 0 0,0-1 0,0 0 0,0 0 0,-13-7 0,6 1 0,2 2 0,1 0 0,0-1 0,-21-17 0,30 21 0,1-1 0,-1 1 0,1-1 0,0 0 0,1-1 0,-1 1 0,1 0 0,0-1 0,0 0 0,1 0 0,-1 0 0,-1-11 0,-1-13 0,2-1 0,1 0 0,1 0 0,2 0 0,4-34 0,-2 49 0,1 0 0,0 0 0,1 0 0,0 0 0,13-22 0,11-35 0,-26 61 0,1 1 0,0 0 0,1 0 0,0 0 0,0 1 0,1 0 0,12-15 0,-14 21 0,0 0 0,0 0 0,0 0 0,0 1 0,1 0 0,-1-1 0,1 2 0,0-1 0,0 0 0,0 1 0,0 0 0,1 0 0,-1 1 0,1-1 0,-1 1 0,1 0 0,9 0 0,10 0 0,-1 0 0,1 1 0,0 2 0,-1 0 0,1 2 0,-1 1 0,0 0 0,27 11 0,-40-11-136,0-1-1,1-1 1,-1 0-1,1 0 1,-1-1-1,1-1 1,0 0-1,0 0 0,17-2 1</inkml:trace>
+</inkml:ink>
+</file>
+
+<file path=ppt/ink/ink129.xml><?xml version="1.0" encoding="utf-8"?>
+<inkml:ink xmlns:inkml="http://www.w3.org/2003/InkML">
+  <inkml:definitions>
+    <inkml:context xml:id="ctx0">
+      <inkml:inkSource xml:id="inkSrc0">
+        <inkml:traceFormat>
+          <inkml:channel name="X" type="integer" min="-2.14748E9" max="2.14748E9" units="cm"/>
+          <inkml:channel name="Y" type="integer" min="-2.14748E9" max="2.14748E9" units="cm"/>
+          <inkml:channel name="F" type="integer" max="32767" units="dev"/>
+        </inkml:traceFormat>
+        <inkml:channelProperties>
+          <inkml:channelProperty channel="X" name="resolution" value="1000" units="1/cm"/>
+          <inkml:channelProperty channel="Y" name="resolution" value="1000" units="1/cm"/>
+          <inkml:channelProperty channel="F" name="resolution" value="0" units="1/dev"/>
+        </inkml:channelProperties>
+      </inkml:inkSource>
+      <inkml:timestamp xml:id="ts0" timeString="2023-05-23T21:47:01.632"/>
+    </inkml:context>
+    <inkml:brush xml:id="br0">
+      <inkml:brushProperty name="width" value="0.05" units="cm"/>
+      <inkml:brushProperty name="height" value="0.05" units="cm"/>
+      <inkml:brushProperty name="color" value="#E71224"/>
+    </inkml:brush>
+  </inkml:definitions>
+  <inkml:trace contextRef="#ctx0" brushRef="#br0">2 1 24575,'303'18'0,"-255"-12"0,21 1 0,117 30 0,-172-33 0,-1 2 0,0 0 0,15 9 0,20 9 0,11 0 0,-18-9 0,-1 2 0,0 2 0,-1 1 0,42 31 0,-67-40 0,-1 0 0,-1 0 0,0 1 0,0 1 0,-2 0 0,1 1 0,-2 0 0,0 0 0,10 21 0,-17-32 0,-1 1 0,1 0 0,-1 0 0,0 0 0,0 0 0,0 0 0,-1 0 0,1 0 0,-1 0 0,0 0 0,0 1 0,-1-1 0,1 0 0,-1 0 0,0 0 0,0 0 0,0 0 0,0 0 0,-1-1 0,0 1 0,0 0 0,0-1 0,0 1 0,0-1 0,-1 1 0,1-1 0,-1 0 0,0 0 0,0 0 0,0-1 0,0 1 0,-1-1 0,1 0 0,-1 0 0,-3 2 0,-11 6 0,1 1 0,1 1 0,-25 22 0,29-23 0,0 0 0,-1-1 0,0-1 0,0 0 0,-1-1 0,-28 12 0,13-11 0,0-2 0,0-1 0,-1-2 0,0 0 0,0-2 0,1-2 0,-53-4 0,18-7 0,-17-1 0,-31 12 0,-43-1 0,148 0 0,0 0 0,0 0 0,0-1 0,0 0 0,0 0 0,1 0 0,-1-1 0,1 0 0,-1 0 0,1-1 0,0 1 0,0-2 0,0 1 0,1 0 0,0-1 0,0 0 0,0-1 0,0 1 0,-4-7 0,4 2 0,-1 1 0,1-1 0,1 0 0,0 0 0,0-1 0,1 1 0,1-1 0,0 0 0,0 0 0,1 0 0,0-17 0,-1-17 0,-8-46 0,5 57 0,2 1 0,1-1 0,3-42 0,-1 71 5,1 0-1,0 0 0,0 0 0,0 0 1,1 0-1,-1 0 0,1 0 0,0 1 1,1-1-1,-1 0 0,1 1 1,0 0-1,0 0 0,0 0 0,1 0 1,-1 0-1,1 1 0,0-1 0,0 1 1,1 0-1,-1 0 0,0 1 1,1-1-1,0 1 0,-1 0 0,1 0 1,6-1-1,8-1-252,1 0 1,0 1-1,1 1 1,-1 1-1,29 2 1,-28 0-6579</inkml:trace>
+</inkml:ink>
+</file>
+
 <file path=ppt/ink/ink13.xml><?xml version="1.0" encoding="utf-8"?>
 <inkml:ink xmlns:inkml="http://www.w3.org/2003/InkML">
   <inkml:definitions>
@@ -4099,6 +4902,286 @@
 </inkml:ink>
 </file>
 
+<file path=ppt/ink/ink130.xml><?xml version="1.0" encoding="utf-8"?>
+<inkml:ink xmlns:inkml="http://www.w3.org/2003/InkML">
+  <inkml:definitions>
+    <inkml:context xml:id="ctx0">
+      <inkml:inkSource xml:id="inkSrc0">
+        <inkml:traceFormat>
+          <inkml:channel name="X" type="integer" min="-2.14748E9" max="2.14748E9" units="cm"/>
+          <inkml:channel name="Y" type="integer" min="-2.14748E9" max="2.14748E9" units="cm"/>
+          <inkml:channel name="F" type="integer" max="32767" units="dev"/>
+        </inkml:traceFormat>
+        <inkml:channelProperties>
+          <inkml:channelProperty channel="X" name="resolution" value="1000" units="1/cm"/>
+          <inkml:channelProperty channel="Y" name="resolution" value="1000" units="1/cm"/>
+          <inkml:channelProperty channel="F" name="resolution" value="0" units="1/dev"/>
+        </inkml:channelProperties>
+      </inkml:inkSource>
+      <inkml:timestamp xml:id="ts0" timeString="2023-05-23T21:47:03.897"/>
+    </inkml:context>
+    <inkml:brush xml:id="br0">
+      <inkml:brushProperty name="width" value="0.05" units="cm"/>
+      <inkml:brushProperty name="height" value="0.05" units="cm"/>
+      <inkml:brushProperty name="color" value="#E71224"/>
+    </inkml:brush>
+  </inkml:definitions>
+  <inkml:trace contextRef="#ctx0" brushRef="#br0">1 0 24575,'20'2'0,"1"1"0,0 0 0,-1 2 0,0 0 0,33 14 0,-26-9 0,56 12 0,-41-13 0,-1 2 0,51 21 0,45 13 0,-1-4 0,-98-27 0,1-2 0,0-1 0,1-3 0,54 6 0,-81-12 0,1 0 0,-1 1 0,0 0 0,0 1 0,0 1 0,19 9 0,25 10 0,-19-10 0,41 22 0,-42-17 0,46 14 0,-12 0-1365,-51-23-5461</inkml:trace>
+</inkml:ink>
+</file>
+
+<file path=ppt/ink/ink131.xml><?xml version="1.0" encoding="utf-8"?>
+<inkml:ink xmlns:inkml="http://www.w3.org/2003/InkML">
+  <inkml:definitions>
+    <inkml:context xml:id="ctx0">
+      <inkml:inkSource xml:id="inkSrc0">
+        <inkml:traceFormat>
+          <inkml:channel name="X" type="integer" min="-2.14748E9" max="2.14748E9" units="cm"/>
+          <inkml:channel name="Y" type="integer" min="-2.14748E9" max="2.14748E9" units="cm"/>
+          <inkml:channel name="F" type="integer" max="32767" units="dev"/>
+        </inkml:traceFormat>
+        <inkml:channelProperties>
+          <inkml:channelProperty channel="X" name="resolution" value="1000" units="1/cm"/>
+          <inkml:channelProperty channel="Y" name="resolution" value="1000" units="1/cm"/>
+          <inkml:channelProperty channel="F" name="resolution" value="0" units="1/dev"/>
+        </inkml:channelProperties>
+      </inkml:inkSource>
+      <inkml:timestamp xml:id="ts0" timeString="2023-05-23T21:47:53.197"/>
+    </inkml:context>
+    <inkml:brush xml:id="br0">
+      <inkml:brushProperty name="width" value="0.05" units="cm"/>
+      <inkml:brushProperty name="height" value="0.05" units="cm"/>
+      <inkml:brushProperty name="color" value="#E71224"/>
+    </inkml:brush>
+  </inkml:definitions>
+  <inkml:trace contextRef="#ctx0" brushRef="#br0">1 480 24575,'116'2'0,"129"-5"0,-54-22 0,-164 20 0,0-2 0,0 0 0,-1-2 0,0-1 0,24-14 0,21-7 0,220-95 0,-259 112 0,1 2 0,41-9 0,-11 3 0,357-89 0,-322 90 0,0 4 0,137 1 0,-208 12 0,691-11 0,-652 8 0,410-3 0,-458 9 0,0 1 0,0 0 0,0 1 0,0 2 0,31 15 0,22 7 0,20-1 0,-39-13 0,-1 2 0,59 28 0,-107-43 0,1 0 0,-1 0 0,0 0 0,0 0 0,0 1 0,0-1 0,0 1 0,0 0 0,-1 0 0,1 0 0,-1 0 0,0 1 0,0-1 0,0 0 0,0 1 0,-1 0 0,1-1 0,-1 1 0,0 0 0,0 0 0,0-1 0,0 8 0,11 33 0,-10-40 0,0 0 0,1-1 0,-1 1 0,1 0 0,0-1 0,0 0 0,0 0 0,1 0 0,-1 0 0,1 0 0,-1-1 0,1 1 0,6 2 0,62 24 0,-37-16 0,169 70-1365,-188-78-5461</inkml:trace>
+</inkml:ink>
+</file>
+
+<file path=ppt/ink/ink132.xml><?xml version="1.0" encoding="utf-8"?>
+<inkml:ink xmlns:inkml="http://www.w3.org/2003/InkML">
+  <inkml:definitions>
+    <inkml:context xml:id="ctx0">
+      <inkml:inkSource xml:id="inkSrc0">
+        <inkml:traceFormat>
+          <inkml:channel name="X" type="integer" min="-2.14748E9" max="2.14748E9" units="cm"/>
+          <inkml:channel name="Y" type="integer" min="-2.14748E9" max="2.14748E9" units="cm"/>
+          <inkml:channel name="F" type="integer" max="32767" units="dev"/>
+        </inkml:traceFormat>
+        <inkml:channelProperties>
+          <inkml:channelProperty channel="X" name="resolution" value="1000" units="1/cm"/>
+          <inkml:channelProperty channel="Y" name="resolution" value="1000" units="1/cm"/>
+          <inkml:channelProperty channel="F" name="resolution" value="0" units="1/dev"/>
+        </inkml:channelProperties>
+      </inkml:inkSource>
+      <inkml:timestamp xml:id="ts0" timeString="2023-05-23T21:47:55.685"/>
+    </inkml:context>
+    <inkml:brush xml:id="br0">
+      <inkml:brushProperty name="width" value="0.05" units="cm"/>
+      <inkml:brushProperty name="height" value="0.05" units="cm"/>
+      <inkml:brushProperty name="color" value="#E71224"/>
+    </inkml:brush>
+  </inkml:definitions>
+  <inkml:trace contextRef="#ctx0" brushRef="#br0">256 26 24575,'1'26'0,"-2"0"0,0 0 0,-2 0 0,-1 0 0,-12 45 0,-96 280 0,66-206 0,-24 92 0,69-235 0,1 1 0,-1-1 0,1 0 0,-1 0 0,1 0 0,0 0 0,0 0 0,0 0 0,0 1 0,0-1 0,1 0 0,-1 0 0,0 0 0,1 0 0,1 3 0,-2-4 0,1-1 0,-1 1 0,1-1 0,0 1 0,-1-1 0,1 1 0,-1-1 0,1 0 0,0 1 0,-1-1 0,1 0 0,0 1 0,-1-1 0,1 0 0,0 0 0,0 1 0,-1-1 0,1 0 0,0 0 0,0 0 0,-1 0 0,1 0 0,0 0 0,0 0 0,-1-1 0,1 1 0,0 0 0,0 0 0,3-2 0,0 1 0,-1-1 0,0 0 0,1 0 0,-1 0 0,0 0 0,0-1 0,0 1 0,0-1 0,-1 0 0,1 0 0,-1 0 0,1 0 0,-1 0 0,2-4 0,4-10 0,1 0 0,0 1 0,1 0 0,1 0 0,0 2 0,1-1 0,0 1 0,2 1 0,-1 0 0,2 1 0,-1 1 0,2 0 0,-1 1 0,2 0 0,25-10 0,42-10 0,2 4 0,154-26 0,188-2 0,-375 49 0,921-60 0,-962 65 0,26 1 0,-37-1 0,1 0 0,-1 0 0,1 0 0,-1-1 0,1 1 0,-1 0 0,0 0 0,1-1 0,-1 1 0,0-1 0,1 1 0,-1-1 0,0 0 0,1 0 0,-1 1 0,0-1 0,2-2 0,-3 2 0,0 0 0,0 1 0,0-1 0,-1 0 0,1 0 0,0 1 0,0-1 0,-1 0 0,1 0 0,0 1 0,-1-1 0,1 0 0,-1 1 0,1-1 0,-1 0 0,1 1 0,-1-1 0,1 1 0,-1-1 0,0 1 0,1-1 0,-1 1 0,0-1 0,1 1 0,-1 0 0,0-1 0,0 1 0,-1 0 0,-24-12 0,-41-10 0,-97-17 0,55 15 0,-189-46 0,-292-75 0,502 118 0,44 12 0,0 3 0,-52-8 0,-72-2 0,-224-35 0,328 48-1365,42 7-5461</inkml:trace>
+</inkml:ink>
+</file>
+
+<file path=ppt/ink/ink133.xml><?xml version="1.0" encoding="utf-8"?>
+<inkml:ink xmlns:inkml="http://www.w3.org/2003/InkML">
+  <inkml:definitions>
+    <inkml:context xml:id="ctx0">
+      <inkml:inkSource xml:id="inkSrc0">
+        <inkml:traceFormat>
+          <inkml:channel name="X" type="integer" min="-2.14748E9" max="2.14748E9" units="cm"/>
+          <inkml:channel name="Y" type="integer" min="-2.14748E9" max="2.14748E9" units="cm"/>
+          <inkml:channel name="F" type="integer" max="32767" units="dev"/>
+        </inkml:traceFormat>
+        <inkml:channelProperties>
+          <inkml:channelProperty channel="X" name="resolution" value="1000" units="1/cm"/>
+          <inkml:channelProperty channel="Y" name="resolution" value="1000" units="1/cm"/>
+          <inkml:channelProperty channel="F" name="resolution" value="0" units="1/dev"/>
+        </inkml:channelProperties>
+      </inkml:inkSource>
+      <inkml:timestamp xml:id="ts0" timeString="2023-05-23T21:56:34.193"/>
+    </inkml:context>
+    <inkml:brush xml:id="br0">
+      <inkml:brushProperty name="width" value="0.05" units="cm"/>
+      <inkml:brushProperty name="height" value="0.05" units="cm"/>
+      <inkml:brushProperty name="color" value="#E71224"/>
+    </inkml:brush>
+  </inkml:definitions>
+  <inkml:trace contextRef="#ctx0" brushRef="#br0">1 1 24575,'43'141'0,"30"80"0,52 57 0,36 89 0,-149-341 0,2 0 0,0-1 0,30 38 0,-7-9 0,38 65 0,75 110 0,-133-209-1365,-4-8-5461</inkml:trace>
+</inkml:ink>
+</file>
+
+<file path=ppt/ink/ink134.xml><?xml version="1.0" encoding="utf-8"?>
+<inkml:ink xmlns:inkml="http://www.w3.org/2003/InkML">
+  <inkml:definitions>
+    <inkml:context xml:id="ctx0">
+      <inkml:inkSource xml:id="inkSrc0">
+        <inkml:traceFormat>
+          <inkml:channel name="X" type="integer" min="-2.14748E9" max="2.14748E9" units="cm"/>
+          <inkml:channel name="Y" type="integer" min="-2.14748E9" max="2.14748E9" units="cm"/>
+          <inkml:channel name="F" type="integer" max="32767" units="dev"/>
+        </inkml:traceFormat>
+        <inkml:channelProperties>
+          <inkml:channelProperty channel="X" name="resolution" value="1000" units="1/cm"/>
+          <inkml:channelProperty channel="Y" name="resolution" value="1000" units="1/cm"/>
+          <inkml:channelProperty channel="F" name="resolution" value="0" units="1/dev"/>
+        </inkml:channelProperties>
+      </inkml:inkSource>
+      <inkml:timestamp xml:id="ts0" timeString="2023-05-23T21:56:36.394"/>
+    </inkml:context>
+    <inkml:brush xml:id="br0">
+      <inkml:brushProperty name="width" value="0.05" units="cm"/>
+      <inkml:brushProperty name="height" value="0.05" units="cm"/>
+      <inkml:brushProperty name="color" value="#E71224"/>
+    </inkml:brush>
+  </inkml:definitions>
+  <inkml:trace contextRef="#ctx0" brushRef="#br0">99 266 24575,'0'2'0,"1"0"0,0 0 0,0 0 0,0 0 0,1 0 0,-1-1 0,0 1 0,1 0 0,-1-1 0,1 1 0,-1 0 0,1-1 0,0 0 0,0 1 0,1 0 0,32 20 0,-33-21 0,178 91 0,38 56 0,-153-102 0,-65-46 0,1 1 0,-1 0 0,1-1 0,-1 1 0,1-1 0,0 1 0,-1-1 0,1 1 0,0-1 0,-1 0 0,1 1 0,0-1 0,0 0 0,0 0 0,-1 0 0,1 1 0,0-1 0,0 0 0,0 0 0,-1 0 0,1 0 0,0 0 0,1-1 0,-3-15 0,-24-35 0,20 41 0,-60-121 0,-55-120 0,103 202 0,15 40 0,0-1 0,-1 1 0,0 0 0,-1 0 0,0 1 0,-1-1 0,-6-9 0,9 16 0,0 0 0,0 1 0,0-1 0,0 0 0,0 1 0,-1 0 0,1-1 0,0 1 0,-1 0 0,1 0 0,-1 0 0,0 1 0,1-1 0,-1 1 0,1-1 0,-1 1 0,0 0 0,0 0 0,1 0 0,-1 0 0,0 0 0,1 1 0,-1-1 0,1 1 0,-1 0 0,0 0 0,1 0 0,-1 0 0,1 0 0,0 0 0,-3 2 0,-34 19 0,0 1 0,-43 33 0,-1 2 0,79-56-59,0 1 0,1 0-1,0-1 1,-1 1-1,1 0 1,0 1 0,1-1-1,-1 0 1,0 1 0,1 0-1,0 0 1,0-1 0,0 1-1,0 0 1,1 0-1,0 1 1,0-1 0,0 0-1,0 0 1,0 1 0,1-1-1,0 6 1</inkml:trace>
+</inkml:ink>
+</file>
+
+<file path=ppt/ink/ink135.xml><?xml version="1.0" encoding="utf-8"?>
+<inkml:ink xmlns:inkml="http://www.w3.org/2003/InkML">
+  <inkml:definitions>
+    <inkml:context xml:id="ctx0">
+      <inkml:inkSource xml:id="inkSrc0">
+        <inkml:traceFormat>
+          <inkml:channel name="X" type="integer" min="-2.14748E9" max="2.14748E9" units="cm"/>
+          <inkml:channel name="Y" type="integer" min="-2.14748E9" max="2.14748E9" units="cm"/>
+          <inkml:channel name="F" type="integer" max="32767" units="dev"/>
+        </inkml:traceFormat>
+        <inkml:channelProperties>
+          <inkml:channelProperty channel="X" name="resolution" value="1000" units="1/cm"/>
+          <inkml:channelProperty channel="Y" name="resolution" value="1000" units="1/cm"/>
+          <inkml:channelProperty channel="F" name="resolution" value="0" units="1/dev"/>
+        </inkml:channelProperties>
+      </inkml:inkSource>
+      <inkml:timestamp xml:id="ts0" timeString="2023-05-23T21:56:40.372"/>
+    </inkml:context>
+    <inkml:brush xml:id="br0">
+      <inkml:brushProperty name="width" value="0.05" units="cm"/>
+      <inkml:brushProperty name="height" value="0.05" units="cm"/>
+      <inkml:brushProperty name="color" value="#E71224"/>
+    </inkml:brush>
+  </inkml:definitions>
+  <inkml:trace contextRef="#ctx0" brushRef="#br0">1496 75 24575,'13'180'0,"-6"-126"0,-3 0 0,-4 78 0,-2-121 0,0 1 0,-1-1 0,0 1 0,-1-1 0,0 0 0,0 0 0,-2-1 0,1 1 0,-1-1 0,-1-1 0,1 1 0,-16 16 0,16-23 0,1 1 0,0-1 0,-1 0 0,0-1 0,1 1 0,-1-1 0,0 0 0,-1-1 0,1 1 0,0-1 0,0-1 0,-8 1 0,-34 8 0,-48 21 0,-96 27 0,157-49 0,0-2 0,0-1 0,-60 0 0,0-5 0,-96-4 0,101-8 0,56 7 0,-44-2 0,19 8 0,31 0 0,0-1 0,-1-1 0,-31-5 0,53 5 0,0 0 0,1-1 0,-1 0 0,1 0 0,-1-1 0,1 1 0,0-2 0,0 1 0,0 0 0,0-1 0,1 0 0,0-1 0,-1 1 0,2-1 0,-1 0 0,0 0 0,1 0 0,-4-7 0,4 4 0,1 0 0,0 1 0,0-1 0,1 0 0,0-1 0,0 1 0,1 0 0,0 0 0,1-1 0,0 1 0,0-1 0,1 1 0,1-9 0,4-17 0,20-61 0,-13 51 0,-5 13 0,-3 10 0,1 0 0,1 1 0,13-27 0,-17 40 0,1 1 0,0 0 0,0 0 0,1 0 0,0 1 0,0-1 0,0 1 0,0 0 0,1 1 0,0-1 0,0 1 0,0 1 0,13-7 0,31-14 0,77-49 0,-109 62 0,0 1 0,0 1 0,1 1 0,0 0 0,0 1 0,1 2 0,23-5 0,0 4 0,0 2 0,60 3 0,60-1 0,129 6 0,-264-2 0,0 1 0,-1 1 0,1 1 0,-1 2 0,-1 1 0,1 1 0,-2 1 0,1 1 0,-1 1 0,-1 2 0,34 23 0,-16-5 0,-23-20 0,0 2 0,-1 0 0,-1 1 0,-1 1 0,0 1 0,15 20 0,-16-15-1365</inkml:trace>
+</inkml:ink>
+</file>
+
+<file path=ppt/ink/ink136.xml><?xml version="1.0" encoding="utf-8"?>
+<inkml:ink xmlns:inkml="http://www.w3.org/2003/InkML">
+  <inkml:definitions>
+    <inkml:context xml:id="ctx0">
+      <inkml:inkSource xml:id="inkSrc0">
+        <inkml:traceFormat>
+          <inkml:channel name="X" type="integer" min="-2.14748E9" max="2.14748E9" units="cm"/>
+          <inkml:channel name="Y" type="integer" min="-2.14748E9" max="2.14748E9" units="cm"/>
+          <inkml:channel name="F" type="integer" max="32767" units="dev"/>
+        </inkml:traceFormat>
+        <inkml:channelProperties>
+          <inkml:channelProperty channel="X" name="resolution" value="1000" units="1/cm"/>
+          <inkml:channelProperty channel="Y" name="resolution" value="1000" units="1/cm"/>
+          <inkml:channelProperty channel="F" name="resolution" value="0" units="1/dev"/>
+        </inkml:channelProperties>
+      </inkml:inkSource>
+      <inkml:timestamp xml:id="ts0" timeString="2023-05-23T21:56:41.762"/>
+    </inkml:context>
+    <inkml:brush xml:id="br0">
+      <inkml:brushProperty name="width" value="0.05" units="cm"/>
+      <inkml:brushProperty name="height" value="0.05" units="cm"/>
+      <inkml:brushProperty name="color" value="#E71224"/>
+    </inkml:brush>
+  </inkml:definitions>
+  <inkml:trace contextRef="#ctx0" brushRef="#br0">1 146 24575,'169'-7'0,"199"-35"0,-199 18 0,193-1 0,187 28 0,341-4 0,-587-25 132,-80 4-1629,-202 20-5329</inkml:trace>
+</inkml:ink>
+</file>
+
+<file path=ppt/ink/ink137.xml><?xml version="1.0" encoding="utf-8"?>
+<inkml:ink xmlns:inkml="http://www.w3.org/2003/InkML">
+  <inkml:definitions>
+    <inkml:context xml:id="ctx0">
+      <inkml:inkSource xml:id="inkSrc0">
+        <inkml:traceFormat>
+          <inkml:channel name="X" type="integer" min="-2.14748E9" max="2.14748E9" units="cm"/>
+          <inkml:channel name="Y" type="integer" min="-2.14748E9" max="2.14748E9" units="cm"/>
+          <inkml:channel name="F" type="integer" max="32767" units="dev"/>
+        </inkml:traceFormat>
+        <inkml:channelProperties>
+          <inkml:channelProperty channel="X" name="resolution" value="1000" units="1/cm"/>
+          <inkml:channelProperty channel="Y" name="resolution" value="1000" units="1/cm"/>
+          <inkml:channelProperty channel="F" name="resolution" value="0" units="1/dev"/>
+        </inkml:channelProperties>
+      </inkml:inkSource>
+      <inkml:timestamp xml:id="ts0" timeString="2023-05-23T21:58:30.420"/>
+    </inkml:context>
+    <inkml:brush xml:id="br0">
+      <inkml:brushProperty name="width" value="0.05" units="cm"/>
+      <inkml:brushProperty name="height" value="0.05" units="cm"/>
+      <inkml:brushProperty name="color" value="#E71224"/>
+    </inkml:brush>
+  </inkml:definitions>
+  <inkml:trace contextRef="#ctx0" brushRef="#br0">0 1 24575,'38'1'0,"48"10"0,29 1 0,390-13-1365,-485 1-5461</inkml:trace>
+</inkml:ink>
+</file>
+
+<file path=ppt/ink/ink138.xml><?xml version="1.0" encoding="utf-8"?>
+<inkml:ink xmlns:inkml="http://www.w3.org/2003/InkML">
+  <inkml:definitions>
+    <inkml:context xml:id="ctx0">
+      <inkml:inkSource xml:id="inkSrc0">
+        <inkml:traceFormat>
+          <inkml:channel name="X" type="integer" min="-2.14748E9" max="2.14748E9" units="cm"/>
+          <inkml:channel name="Y" type="integer" min="-2.14748E9" max="2.14748E9" units="cm"/>
+          <inkml:channel name="F" type="integer" max="32767" units="dev"/>
+        </inkml:traceFormat>
+        <inkml:channelProperties>
+          <inkml:channelProperty channel="X" name="resolution" value="1000" units="1/cm"/>
+          <inkml:channelProperty channel="Y" name="resolution" value="1000" units="1/cm"/>
+          <inkml:channelProperty channel="F" name="resolution" value="0" units="1/dev"/>
+        </inkml:channelProperties>
+      </inkml:inkSource>
+      <inkml:timestamp xml:id="ts0" timeString="2023-05-23T21:58:33.013"/>
+    </inkml:context>
+    <inkml:brush xml:id="br0">
+      <inkml:brushProperty name="width" value="0.05" units="cm"/>
+      <inkml:brushProperty name="height" value="0.05" units="cm"/>
+      <inkml:brushProperty name="color" value="#E71224"/>
+    </inkml:brush>
+  </inkml:definitions>
+  <inkml:trace contextRef="#ctx0" brushRef="#br0">173 39 24575,'4'1'0,"0"1"0,-1 0 0,1 0 0,-1 0 0,0 1 0,0-1 0,0 1 0,0 0 0,0 0 0,4 5 0,4 4 0,18 12 0,1-1 0,65 35 0,-46-28 0,0 1 0,-30-17 0,1-2 0,0 0 0,35 14 0,-34-19 0,-12-4 0,0-1 0,0 2 0,0-1 0,0 1 0,0 1 0,-1 0 0,0 0 0,0 0 0,9 9 0,-17-14 0,0 1 0,1-1 0,-1 1 0,0 0 0,0-1 0,1 1 0,-1-1 0,0 1 0,0 0 0,0-1 0,0 1 0,0 0 0,0-1 0,0 1 0,0-1 0,0 1 0,0 0 0,0-1 0,0 1 0,-1 0 0,1-1 0,0 1 0,0-1 0,0 1 0,-1 0 0,1-1 0,0 1 0,-1-1 0,1 1 0,-1-1 0,1 1 0,-1-1 0,1 0 0,-1 1 0,1-1 0,-1 1 0,1-1 0,-1 0 0,1 1 0,-1-1 0,0 0 0,1 0 0,-1 0 0,1 1 0,-1-1 0,0 0 0,1 0 0,-1 0 0,0 0 0,1 0 0,-1 0 0,0 0 0,-40 6 0,40-6 0,-35 1 0,0-2 0,-69-11 0,-24-1 0,83 12 0,-152 3 0,115 24 0,82-26 0,0-1 0,0 1 0,0-1 0,0 1 0,0-1 0,1 0 0,-1 0 0,0 1 0,0-1 0,1 0 0,-1 0 0,0 0 0,1 0 0,-1 1 0,1-1 0,-1 0 0,1 0 0,-1 0 0,1 0 0,0 0 0,-1-1 0,1 1 0,0 0 0,0 0 0,0 0 0,0 0 0,0 0 0,0 0 0,0 0 0,0 0 0,1-1 0,0-38 0,3 13 0,0 0 0,2 1 0,1-1 0,1 1 0,1 1 0,14-30 0,2 20 0,6-11 0,-31 44 0,1 0 0,-1 0 0,1 0 0,0 0 0,0 1 0,0-1 0,0 0 0,0 0 0,0 1 0,0-1 0,0 1 0,1-1 0,-1 1 0,1-1 0,-1 1 0,1 0 0,0 0 0,-1 0 0,1 0 0,0 0 0,0 0 0,-1 0 0,1 1 0,0-1 0,0 1 0,0-1 0,0 1 0,0 0 0,0-1 0,0 1 0,0 0 0,0 1 0,0-1 0,0 0 0,0 0 0,0 1 0,0-1 0,0 1 0,0 0 0,2 1 0,8 5 0,-1 0 0,0 1 0,0 0 0,-1 0 0,12 14 0,13 9 0,-18-19-1365,-4-1-5461</inkml:trace>
+</inkml:ink>
+</file>
+
+<file path=ppt/ink/ink139.xml><?xml version="1.0" encoding="utf-8"?>
+<inkml:ink xmlns:inkml="http://www.w3.org/2003/InkML">
+  <inkml:definitions>
+    <inkml:context xml:id="ctx0">
+      <inkml:inkSource xml:id="inkSrc0">
+        <inkml:traceFormat>
+          <inkml:channel name="X" type="integer" min="-2.14748E9" max="2.14748E9" units="cm"/>
+          <inkml:channel name="Y" type="integer" min="-2.14748E9" max="2.14748E9" units="cm"/>
+          <inkml:channel name="F" type="integer" max="32767" units="dev"/>
+        </inkml:traceFormat>
+        <inkml:channelProperties>
+          <inkml:channelProperty channel="X" name="resolution" value="1000" units="1/cm"/>
+          <inkml:channelProperty channel="Y" name="resolution" value="1000" units="1/cm"/>
+          <inkml:channelProperty channel="F" name="resolution" value="0" units="1/dev"/>
+        </inkml:channelProperties>
+      </inkml:inkSource>
+      <inkml:timestamp xml:id="ts0" timeString="2023-05-23T21:58:35.347"/>
+    </inkml:context>
+    <inkml:brush xml:id="br0">
+      <inkml:brushProperty name="width" value="0.05" units="cm"/>
+      <inkml:brushProperty name="height" value="0.05" units="cm"/>
+      <inkml:brushProperty name="color" value="#E71224"/>
+    </inkml:brush>
+  </inkml:definitions>
+  <inkml:trace contextRef="#ctx0" brushRef="#br0">0 1 24575,'189'171'0,"-20"-19"0,358 421 0,-518-562 0,24 26 0,2-1 0,1-1 0,81 58 0,13 0 0,90 60 0,-216-150 0,1 0 0,-1-1 0,1 0 0,-1 0 0,1 0 0,-1 0 0,6 0 0,-9-2 0,0 1 0,0-1 0,-1 0 0,1 0 0,0-1 0,0 1 0,0 0 0,0 0 0,-1 0 0,1-1 0,0 1 0,0 0 0,0-1 0,-1 1 0,1 0 0,0-1 0,-1 1 0,1-1 0,0 1 0,-1-1 0,1 0 0,0 1 0,-1-1 0,1 0 0,-1 1 0,1-1 0,-1 0 0,0 0 0,1 1 0,-1-1 0,0 0 0,0 0 0,1 0 0,-1 1 0,0-1 0,0 0 0,0 0 0,0 0 0,0 0 0,0 1 0,0-1 0,0 0 0,0 0 0,0 0 0,-1 0 0,1 1 0,-1-2 0,-13-68-1365,5 33-5461</inkml:trace>
+</inkml:ink>
+</file>
+
 <file path=ppt/ink/ink14.xml><?xml version="1.0" encoding="utf-8"?>
 <inkml:ink xmlns:inkml="http://www.w3.org/2003/InkML">
   <inkml:definitions>
@@ -4124,6 +5207,259 @@
     </inkml:brush>
   </inkml:definitions>
   <inkml:trace contextRef="#ctx0" brushRef="#br0">0 3 24575,'257'-2'0,"274"4"0,-455 5 0,106 24 0,-110-17 0,192 56 0,-139-32 0,-82-27 0,86 11 0,-63-11 0,-42-7 0,0 0 0,29 0 0,-30-4-1365,-2 0-5461</inkml:trace>
+</inkml:ink>
+</file>
+
+<file path=ppt/ink/ink140.xml><?xml version="1.0" encoding="utf-8"?>
+<inkml:ink xmlns:inkml="http://www.w3.org/2003/InkML">
+  <inkml:definitions>
+    <inkml:context xml:id="ctx0">
+      <inkml:inkSource xml:id="inkSrc0">
+        <inkml:traceFormat>
+          <inkml:channel name="X" type="integer" min="-2.14748E9" max="2.14748E9" units="cm"/>
+          <inkml:channel name="Y" type="integer" min="-2.14748E9" max="2.14748E9" units="cm"/>
+          <inkml:channel name="F" type="integer" max="32767" units="dev"/>
+        </inkml:traceFormat>
+        <inkml:channelProperties>
+          <inkml:channelProperty channel="X" name="resolution" value="1000" units="1/cm"/>
+          <inkml:channelProperty channel="Y" name="resolution" value="1000" units="1/cm"/>
+          <inkml:channelProperty channel="F" name="resolution" value="0" units="1/dev"/>
+        </inkml:channelProperties>
+      </inkml:inkSource>
+      <inkml:timestamp xml:id="ts0" timeString="2023-05-23T21:58:39.426"/>
+    </inkml:context>
+    <inkml:brush xml:id="br0">
+      <inkml:brushProperty name="width" value="0.05" units="cm"/>
+      <inkml:brushProperty name="height" value="0.05" units="cm"/>
+      <inkml:brushProperty name="color" value="#E71224"/>
+    </inkml:brush>
+  </inkml:definitions>
+  <inkml:trace contextRef="#ctx0" brushRef="#br0">626 412 24575,'-2'-1'0,"0"1"0,0-1 0,-1 1 0,1-1 0,0 0 0,0 0 0,0 0 0,0 0 0,0 0 0,1 0 0,-1 0 0,0-1 0,0 1 0,1-1 0,-1 1 0,1-1 0,-1 0 0,1 0 0,-2-2 0,-23-43 0,19 32 0,-2-6 0,2 0 0,0 0 0,1-1 0,2 1 0,0-1 0,-1-23 0,2 18 0,1 13 0,2 7 0,-1-1 0,0 0 0,0 0 0,-1 0 0,1 1 0,-2-1 0,1 1 0,-1-1 0,-1 1 0,1 0 0,-1 0 0,-9-12 0,48 64 0,-2 2 0,31 57 0,-45-72 0,-11-14 0,0 1 0,-1 0 0,-2 0 0,1 0 0,-2 1 0,-1 0 0,2 26 0,-2-18 0,-2-17 0,2 11 0,-1 0 0,-1 25 0,0-43 0,-1 0 0,-1 0 0,1 0 0,-1 0 0,1 0 0,-1 0 0,0 0 0,0 0 0,-1-1 0,1 1 0,-1 0 0,0-1 0,0 0 0,0 1 0,0-1 0,-1 0 0,1 0 0,-1 0 0,-3 3 0,4-5 0,0 0 0,0 0 0,0-1 0,0 1 0,-1-1 0,1 1 0,0-1 0,0 0 0,0 1 0,-1-1 0,1 0 0,0 0 0,0-1 0,0 1 0,-1 0 0,1-1 0,0 0 0,0 1 0,0-1 0,0 0 0,-4-2 0,-48-32 0,18 11 0,24 19 0,0 0 0,-1 1 0,0 1 0,-22-3 0,25 5 0,-1-1 0,1 0 0,0 0 0,0-1 0,0 0 0,0-1 0,0 0 0,-14-9 0,9 3 0,-1 2 0,0 0 0,0 1 0,0 0 0,-22-4 0,17 4 0,1 0 0,-35-18 0,21 11 0,29 13 0,0-1 0,-1 0 0,1 0 0,1 0 0,-1-1 0,0 1 0,1-1 0,-1 0 0,1 0 0,0-1 0,0 1 0,-7-9 0,11 12 1,0 0 1,0 0-1,0-1 0,0 1 0,0 0 1,0-1-1,0 1 0,0 0 0,0-1 1,0 1-1,0 0 0,0 0 0,0-1 1,0 1-1,0 0 0,0 0 0,0-1 1,1 1-1,-1 0 0,0-1 0,0 1 1,0 0-1,0 0 0,1 0 0,-1-1 1,0 1-1,0 0 0,1 0 0,-1 0 0,0 0 1,0-1-1,1 1 0,-1 0 0,0 0 1,0 0-1,1 0 0,-1 0 0,0 0 1,0 0-1,1 0 0,-1 0 0,0 0 1,1 0-1,15-3-1019,-15 3 616,15-1-6424</inkml:trace>
+</inkml:ink>
+</file>
+
+<file path=ppt/ink/ink141.xml><?xml version="1.0" encoding="utf-8"?>
+<inkml:ink xmlns:inkml="http://www.w3.org/2003/InkML">
+  <inkml:definitions>
+    <inkml:context xml:id="ctx0">
+      <inkml:inkSource xml:id="inkSrc0">
+        <inkml:traceFormat>
+          <inkml:channel name="X" type="integer" min="-2.14748E9" max="2.14748E9" units="cm"/>
+          <inkml:channel name="Y" type="integer" min="-2.14748E9" max="2.14748E9" units="cm"/>
+          <inkml:channel name="F" type="integer" max="32767" units="dev"/>
+        </inkml:traceFormat>
+        <inkml:channelProperties>
+          <inkml:channelProperty channel="X" name="resolution" value="1000" units="1/cm"/>
+          <inkml:channelProperty channel="Y" name="resolution" value="1000" units="1/cm"/>
+          <inkml:channelProperty channel="F" name="resolution" value="0" units="1/dev"/>
+        </inkml:channelProperties>
+      </inkml:inkSource>
+      <inkml:timestamp xml:id="ts0" timeString="2023-05-25T02:49:52.033"/>
+    </inkml:context>
+    <inkml:brush xml:id="br0">
+      <inkml:brushProperty name="width" value="0.05" units="cm"/>
+      <inkml:brushProperty name="height" value="0.05" units="cm"/>
+      <inkml:brushProperty name="color" value="#E71224"/>
+    </inkml:brush>
+  </inkml:definitions>
+  <inkml:trace contextRef="#ctx0" brushRef="#br0">0 1 24575,'115'277'0,"-43"-96"0,21 47 0,97 212 0,145 257 0,-228-397 0,-51-127 0,-43-144 0,-10-24 0,0 1 0,-1-1 0,0 1 0,0 0 0,3 10 0,-5-16 1,0 1 0,0-1 0,0 0 0,0 0 0,0 0 0,0 0 0,0 1-1,0-1 1,0 0 0,0 0 0,0 0 0,0 0 0,0 1 0,0-1 0,0 0 0,0 0-1,0 0 1,0 0 0,-1 1 0,1-1 0,0 0 0,0 0 0,0 0 0,0 0 0,0 0 0,0 1-1,0-1 1,-1 0 0,1 0 0,0 0 0,0 0 0,0 0 0,0 0 0,0 0 0,-1 0-1,1 1 1,0-1 0,0 0 0,0 0 0,0 0 0,-1 0 0,1 0 0,0 0 0,0 0 0,0 0-1,0 0 1,-1 0 0,1 0 0,0 0 0,0 0 0,0 0 0,0 0 0,-1-1 0,1 1-1,0 0 1,0 0 0,0 0 0,0 0 0,0 0 0,-1 0 0,1 0 0,0 0 0,0 0 0,0-1-1,-10-6-1423,2-2-5403</inkml:trace>
+</inkml:ink>
+</file>
+
+<file path=ppt/ink/ink142.xml><?xml version="1.0" encoding="utf-8"?>
+<inkml:ink xmlns:inkml="http://www.w3.org/2003/InkML">
+  <inkml:definitions>
+    <inkml:context xml:id="ctx0">
+      <inkml:inkSource xml:id="inkSrc0">
+        <inkml:traceFormat>
+          <inkml:channel name="X" type="integer" min="-2.14748E9" max="2.14748E9" units="cm"/>
+          <inkml:channel name="Y" type="integer" min="-2.14748E9" max="2.14748E9" units="cm"/>
+          <inkml:channel name="F" type="integer" max="32767" units="dev"/>
+        </inkml:traceFormat>
+        <inkml:channelProperties>
+          <inkml:channelProperty channel="X" name="resolution" value="1000" units="1/cm"/>
+          <inkml:channelProperty channel="Y" name="resolution" value="1000" units="1/cm"/>
+          <inkml:channelProperty channel="F" name="resolution" value="0" units="1/dev"/>
+        </inkml:channelProperties>
+      </inkml:inkSource>
+      <inkml:timestamp xml:id="ts0" timeString="2023-05-25T02:49:56.634"/>
+    </inkml:context>
+    <inkml:brush xml:id="br0">
+      <inkml:brushProperty name="width" value="0.05" units="cm"/>
+      <inkml:brushProperty name="height" value="0.05" units="cm"/>
+      <inkml:brushProperty name="color" value="#E71224"/>
+    </inkml:brush>
+  </inkml:definitions>
+  <inkml:trace contextRef="#ctx0" brushRef="#br0">361 511 24575,'-11'-9'0,"0"1"0,-1 0 0,0 0 0,-20-8 0,-16-11 0,11 0 0,-43-41 0,-2-1 0,79 67 0,0 0 0,1 1 0,0-1 0,-1 0 0,1 0 0,0 0 0,0-1 0,0 1 0,0 0 0,0-1 0,1 0 0,-1 1 0,1-1 0,-1 0 0,1 1 0,0-1 0,0 0 0,1 0 0,-2-6 0,3 7 0,0-1 0,0 0 0,0 1 0,0-1 0,0 0 0,1 1 0,-1-1 0,1 1 0,0 0 0,-1 0 0,1-1 0,0 1 0,0 0 0,1 1 0,-1-1 0,0 0 0,1 1 0,-1-1 0,1 1 0,-1 0 0,5-2 0,15-7 0,45-13 0,-47 17 0,0-1 0,0-1 0,21-11 0,-1-2 0,52-18 0,-27 12 0,-63 25 0,0 1 0,1 0 0,0 0 0,-1 0 0,1 0 0,-1 0 0,1 1 0,0-1 0,0 1 0,-1 0 0,1 0 0,0 0 0,0 0 0,-1 0 0,1 0 0,0 1 0,0-1 0,-1 1 0,6 2 0,-7-2 0,1 1 0,-1-1 0,0 1 0,0-1 0,0 1 0,0 0 0,0 0 0,-1-1 0,1 1 0,0 0 0,-1 0 0,1 0 0,-1 0 0,0 0 0,1 0 0,-1 0 0,0-1 0,0 1 0,0 0 0,-1 0 0,1 0 0,0 0 0,-1 0 0,1 0 0,-1 0 0,0-1 0,0 1 0,1 0 0,-3 2 0,-11 35 0,1 1 0,2 1 0,-8 56 0,10-34 0,1-17 0,-1 79 0,9-121 0,0 1 0,0-1 0,0 1 0,-1-1 0,1 0 0,-1 1 0,0-1 0,-3 8 0,3-11 0,1-1 0,0 1 0,0-1 0,-1 0 0,1 1 0,0-1 0,-1 0 0,1 0 0,0 1 0,-1-1 0,1 0 0,0 0 0,-1 1 0,1-1 0,-1 0 0,1 0 0,-1 0 0,1 1 0,0-1 0,-1 0 0,1 0 0,-1 0 0,1 0 0,-1 0 0,1 0 0,-1 0 0,1 0 0,0 0 0,-1 0 0,1-1 0,-1 1 0,-21-18 0,5-5 0,-27-48 0,35 53 0,-1 1 0,-1 0 0,-1 1 0,0 0 0,-1 0 0,-17-15 0,26 28 0,1 1 0,-1-1 0,1 0 0,0 0 0,0-1 0,0 1 0,0-1 0,1 1 0,0-1 0,-1 0 0,1 0 0,1 0 0,-1 0 0,-2-8 0,4 9 0,1 0 0,-1 0 0,0 0 0,1 1 0,0-1 0,0 0 0,-1 1 0,1-1 0,1 1 0,-1-1 0,0 1 0,1-1 0,-1 1 0,1 0 0,0 0 0,0 0 0,0 0 0,0 0 0,0 0 0,0 0 0,0 1 0,1-1 0,-1 1 0,5-3 0,67-34 0,-58 32 0,0-2 0,-1 0 0,0 0 0,0-2 0,-1 0 0,0 0 0,18-19 0,6-7 0,-38 36 0,0-1 0,0 1 0,0 0 0,0 0 0,1 0 0,-1 0 0,0 0 0,0 0 0,0 0 0,0 0 0,0 0 0,0 0 0,1 0 0,-1 0 0,0 0 0,0 0 0,0 0 0,0 0 0,0 0 0,1 0 0,-1 0 0,0 0 0,0 0 0,0 0 0,0 0 0,0 0 0,1 0 0,-1 0 0,0 0 0,0 0 0,0 0 0,0 0 0,0 0 0,0 0 0,1 0 0,-1 1 0,0-1 0,0 0 0,0 0 0,0 0 0,0 0 0,0 0 0,0 0 0,0 1 0,0-1 0,0 0 0,1 0 0,-1 0 0,0 0 0,0 0 0,0 1 0,0-1 0,0 0 0,0 0 0,0 0 0,0 0 0,0 0 0,0 1 0,0-1 0,0 0 0,0 0 0,-1 0 0,1 0 0,0 0 0,0 1 0,0-1 0,0 0 0,0 0 0,-12 30 0,12-29 0,-18 34 0,2 0 0,1 1 0,2 1 0,-16 76 0,29-111-52,0 0-1,0 1 1,-1-1-1,1 0 1,0 1-1,-1-1 1,1 0-1,-1 0 1,0 0-1,0 1 1,0-1-1,0 0 1,0 0-1,0 0 1,0 0-1,-1 0 1,1-1-1,-1 1 1,0 0-1,1-1 0,-1 1 1,0-1-1,0 1 1,0-1-1,-3 2 1,-11-3-6774</inkml:trace>
+</inkml:ink>
+</file>
+
+<file path=ppt/ink/ink143.xml><?xml version="1.0" encoding="utf-8"?>
+<inkml:ink xmlns:inkml="http://www.w3.org/2003/InkML">
+  <inkml:definitions>
+    <inkml:context xml:id="ctx0">
+      <inkml:inkSource xml:id="inkSrc0">
+        <inkml:traceFormat>
+          <inkml:channel name="X" type="integer" min="-2.14748E9" max="2.14748E9" units="cm"/>
+          <inkml:channel name="Y" type="integer" min="-2.14748E9" max="2.14748E9" units="cm"/>
+          <inkml:channel name="F" type="integer" max="32767" units="dev"/>
+        </inkml:traceFormat>
+        <inkml:channelProperties>
+          <inkml:channelProperty channel="X" name="resolution" value="1000" units="1/cm"/>
+          <inkml:channelProperty channel="Y" name="resolution" value="1000" units="1/cm"/>
+          <inkml:channelProperty channel="F" name="resolution" value="0" units="1/dev"/>
+        </inkml:channelProperties>
+      </inkml:inkSource>
+      <inkml:timestamp xml:id="ts0" timeString="2023-05-25T02:50:04"/>
+    </inkml:context>
+    <inkml:brush xml:id="br0">
+      <inkml:brushProperty name="width" value="0.05" units="cm"/>
+      <inkml:brushProperty name="height" value="0.05" units="cm"/>
+      <inkml:brushProperty name="color" value="#E71224"/>
+    </inkml:brush>
+  </inkml:definitions>
+  <inkml:trace contextRef="#ctx0" brushRef="#br0">937 160 24575,'67'2'0,"-1"3"0,126 26 0,122 53 0,-296-79 0,1 3 0,-1 1 0,0 1 0,0 0 0,-1 1 0,-1 1 0,0 0 0,0 2 0,25 27 0,6 4 0,18 14 0,-3 3 0,-2 3 0,76 109 0,-123-155 0,-1 2 0,-1 0 0,-1 0 0,-1 1 0,-1 0 0,-1 0 0,-1 1 0,-1 0 0,3 30 0,-8-50 0,0 1 0,-1-1 0,1 0 0,-1 1 0,1-1 0,-1 0 0,0 1 0,-1-1 0,1 0 0,0 0 0,-1 0 0,0 0 0,0 0 0,1 0 0,-2-1 0,1 1 0,0 0 0,-1-1 0,1 0 0,-1 0 0,1 1 0,-1-2 0,0 1 0,0 0 0,0 0 0,0-1 0,0 0 0,-6 2 0,-9 3 0,0-2 0,0 0 0,0-1 0,-20 1 0,30-3 0,-143 8 0,-36 5 0,-512 62 0,687-75 0,-250 12 0,230-14 0,-1-2 0,1 0 0,0-3 0,0 0 0,1-2 0,-33-13 0,7-1 0,-100-54 0,139 64 0,0 0 0,0-1 0,1-1 0,0 0 0,1-2 0,1 0 0,1 0 0,-21-32 0,20 26 0,2 0 0,1-1 0,0-1 0,2 0 0,1 0 0,1-1 0,1 0 0,1 0 0,1-1 0,1 0 0,1 0 0,2-31 0,1-18 0,-1 13 0,3-1 0,2 1 0,22-109 0,-24 166 0,-1 1 0,1 0 0,0 0 0,0 0 0,1 1 0,-1-1 0,1 0 0,-1 1 0,1-1 0,0 1 0,1 0 0,-1 0 0,0 0 0,1 1 0,0-1 0,-1 1 0,1 0 0,0 0 0,0 0 0,0 0 0,7-1 0,9-2 0,1 0 0,0 1 0,28-1 0,-16 2 0,215-29 0,294-29 0,-521 60-119,-8-1 170,0 1-1,-1 1 1,1 0-1,12 2 1,-22-2-119,0 1 0,0 0-1,0-1 1,0 1 0,0 0 0,0 0 0,-1 1 0,1-1 0,0 1 0,-1-1-1,1 1 1,-1 0 0,0 0 0,0 0 0,0 0 0,0 0 0,0 0-1,0 1 1,0-1 0,0 1 0,2 5 0,1 6-6758</inkml:trace>
+</inkml:ink>
+</file>
+
+<file path=ppt/ink/ink144.xml><?xml version="1.0" encoding="utf-8"?>
+<inkml:ink xmlns:inkml="http://www.w3.org/2003/InkML">
+  <inkml:definitions>
+    <inkml:context xml:id="ctx0">
+      <inkml:inkSource xml:id="inkSrc0">
+        <inkml:traceFormat>
+          <inkml:channel name="X" type="integer" min="-2.14748E9" max="2.14748E9" units="cm"/>
+          <inkml:channel name="Y" type="integer" min="-2.14748E9" max="2.14748E9" units="cm"/>
+          <inkml:channel name="F" type="integer" max="32767" units="dev"/>
+        </inkml:traceFormat>
+        <inkml:channelProperties>
+          <inkml:channelProperty channel="X" name="resolution" value="1000" units="1/cm"/>
+          <inkml:channelProperty channel="Y" name="resolution" value="1000" units="1/cm"/>
+          <inkml:channelProperty channel="F" name="resolution" value="0" units="1/dev"/>
+        </inkml:channelProperties>
+      </inkml:inkSource>
+      <inkml:timestamp xml:id="ts0" timeString="2023-05-25T02:50:06.290"/>
+    </inkml:context>
+    <inkml:brush xml:id="br0">
+      <inkml:brushProperty name="width" value="0.05" units="cm"/>
+      <inkml:brushProperty name="height" value="0.05" units="cm"/>
+      <inkml:brushProperty name="color" value="#E71224"/>
+    </inkml:brush>
+  </inkml:definitions>
+  <inkml:trace contextRef="#ctx0" brushRef="#br0">0 51 24575,'381'0'-4955,"1"0"4389,866 0 8137,-714 0-9621,-287-21 2050,-84 3 0,1034 7 0,-818 28-476,-1 16 0,535 118 0,-828-130 476,87 31 0,-132-36 0,-2 1 0,1 2 0,-2 1 0,36 27 0,-55-35 254,1-1 0,1-1 0,0 0 0,0-1 0,33 9 0,110 17-395,-25-6 186,3 0-45,22 6 0,-29 5-1365,-118-34-5461</inkml:trace>
+</inkml:ink>
+</file>
+
+<file path=ppt/ink/ink145.xml><?xml version="1.0" encoding="utf-8"?>
+<inkml:ink xmlns:inkml="http://www.w3.org/2003/InkML">
+  <inkml:definitions>
+    <inkml:context xml:id="ctx0">
+      <inkml:inkSource xml:id="inkSrc0">
+        <inkml:traceFormat>
+          <inkml:channel name="X" type="integer" min="-2.14748E9" max="2.14748E9" units="cm"/>
+          <inkml:channel name="Y" type="integer" min="-2.14748E9" max="2.14748E9" units="cm"/>
+          <inkml:channel name="F" type="integer" max="32767" units="dev"/>
+        </inkml:traceFormat>
+        <inkml:channelProperties>
+          <inkml:channelProperty channel="X" name="resolution" value="1000" units="1/cm"/>
+          <inkml:channelProperty channel="Y" name="resolution" value="1000" units="1/cm"/>
+          <inkml:channelProperty channel="F" name="resolution" value="0" units="1/dev"/>
+        </inkml:channelProperties>
+      </inkml:inkSource>
+      <inkml:timestamp xml:id="ts0" timeString="2023-05-25T02:50:14.236"/>
+    </inkml:context>
+    <inkml:brush xml:id="br0">
+      <inkml:brushProperty name="width" value="0.05" units="cm"/>
+      <inkml:brushProperty name="height" value="0.05" units="cm"/>
+      <inkml:brushProperty name="color" value="#E71224"/>
+    </inkml:brush>
+  </inkml:definitions>
+  <inkml:trace contextRef="#ctx0" brushRef="#br0">623 0 24575,'0'8'0,"1"-1"0,0 0 0,1 0 0,-1 0 0,1 0 0,1-1 0,-1 1 0,1 0 0,1-1 0,4 9 0,49 60 0,-35-48 0,325 451 0,-290-400 0,-36-53 0,-2 2 0,22 39 0,-40-66 0,0 1 0,-1 0 0,1 0 0,0 0 0,-1-1 0,1 1 0,-1 0 0,1 0 0,-1 0 0,0 0 0,1 0 0,-1 0 0,0 0 0,0 0 0,0 0 0,1 0 0,-1 0 0,0 0 0,0 0 0,-1 0 0,1 0 0,0 0 0,0 0 0,0 0 0,-1 0 0,1 0 0,0 0 0,-1 0 0,1 0 0,-1 0 0,1 0 0,-1 0 0,0 0 0,1-1 0,-1 1 0,0 0 0,0 0 0,1-1 0,-1 1 0,0-1 0,0 1 0,0-1 0,0 1 0,0-1 0,0 1 0,0-1 0,0 0 0,0 1 0,0-1 0,-1 0 0,-4 1 0,0-1 0,0 0 0,0 0 0,1 0 0,-1-1 0,0 0 0,-10-3 0,-25-11 0,2-1 0,-43-25 0,-51-22 0,-145-28 0,155 54 0,-162-73 0,226 75 0,47 27 0,0 1 0,-1-1 0,1 2 0,-22-8 0,33 14-3,0 0 0,1 0 0,-1 0 0,0 0 0,0-1 0,0 1 0,0 0-1,0 0 1,0-1 0,1 1 0,-1 0 0,0-1 0,0 1 0,0-1 0,1 1 0,-1-1 0,0 1 0,1-1-1,-1 0 1,0 1 0,1-1 0,-1 0 0,1 0 0,-1 1 0,0-2 0,19-7 203,36 0-1685,-32 9-5341</inkml:trace>
+</inkml:ink>
+</file>
+
+<file path=ppt/ink/ink146.xml><?xml version="1.0" encoding="utf-8"?>
+<inkml:ink xmlns:inkml="http://www.w3.org/2003/InkML">
+  <inkml:definitions>
+    <inkml:context xml:id="ctx0">
+      <inkml:inkSource xml:id="inkSrc0">
+        <inkml:traceFormat>
+          <inkml:channel name="X" type="integer" min="-2.14748E9" max="2.14748E9" units="cm"/>
+          <inkml:channel name="Y" type="integer" min="-2.14748E9" max="2.14748E9" units="cm"/>
+        </inkml:traceFormat>
+        <inkml:channelProperties>
+          <inkml:channelProperty channel="X" name="resolution" value="1000" units="1/cm"/>
+          <inkml:channelProperty channel="Y" name="resolution" value="1000" units="1/cm"/>
+        </inkml:channelProperties>
+      </inkml:inkSource>
+      <inkml:timestamp xml:id="ts0" timeString="2023-05-25T02:50:23.322"/>
+    </inkml:context>
+    <inkml:brush xml:id="br0">
+      <inkml:brushProperty name="width" value="0.3" units="cm"/>
+      <inkml:brushProperty name="height" value="0.6" units="cm"/>
+      <inkml:brushProperty name="color" value="#FFFC00"/>
+      <inkml:brushProperty name="tip" value="rectangle"/>
+      <inkml:brushProperty name="rasterOp" value="maskPen"/>
+      <inkml:brushProperty name="ignorePressure" value="1"/>
+    </inkml:brush>
+  </inkml:definitions>
+  <inkml:trace contextRef="#ctx0" brushRef="#br0">0 27,'805'0,"-785"-1,0-1,33-8,-32 6,1 0,23-1,364 4,-195 3,-184-1,57 11,-56-7,54 3,46-10,100 4,-100 24,-87-19,4 1,93 3,-28-13,138 4,-166 10,-54-6,59 3,661-10,-732-1,1 0,33-8,27-2,-7 11,0 3,96 17,-103-14,79-2,61 5,-151-2,97 13,165-1,-142-21,266 5,-413 1,1 2,45 13,-47-11,-1-1,52 6,-63-11,0 0,0 0,0-1,0-1,0 0,21-4,-20-1</inkml:trace>
+</inkml:ink>
+</file>
+
+<file path=ppt/ink/ink147.xml><?xml version="1.0" encoding="utf-8"?>
+<inkml:ink xmlns:inkml="http://www.w3.org/2003/InkML">
+  <inkml:definitions>
+    <inkml:context xml:id="ctx0">
+      <inkml:inkSource xml:id="inkSrc0">
+        <inkml:traceFormat>
+          <inkml:channel name="X" type="integer" min="-2.14748E9" max="2.14748E9" units="cm"/>
+          <inkml:channel name="Y" type="integer" min="-2.14748E9" max="2.14748E9" units="cm"/>
+          <inkml:channel name="F" type="integer" max="32767" units="dev"/>
+        </inkml:traceFormat>
+        <inkml:channelProperties>
+          <inkml:channelProperty channel="X" name="resolution" value="1000" units="1/cm"/>
+          <inkml:channelProperty channel="Y" name="resolution" value="1000" units="1/cm"/>
+          <inkml:channelProperty channel="F" name="resolution" value="0" units="1/dev"/>
+        </inkml:channelProperties>
+      </inkml:inkSource>
+      <inkml:timestamp xml:id="ts0" timeString="2023-05-25T02:50:31.323"/>
+    </inkml:context>
+    <inkml:brush xml:id="br0">
+      <inkml:brushProperty name="width" value="0.05" units="cm"/>
+      <inkml:brushProperty name="height" value="0.05" units="cm"/>
+      <inkml:brushProperty name="color" value="#E71224"/>
+    </inkml:brush>
+  </inkml:definitions>
+  <inkml:trace contextRef="#ctx0" brushRef="#br0">0 1184 24575,'79'11'0,"-16"-1"0,60-3 0,0-6 0,0-5 0,-1-5 0,156-31 0,-226 29 0,11 0 0,0-3 0,100-37 0,-151 45 0,-1 0 0,0 0 0,0-1 0,0-1 0,-1 0 0,0 0 0,-1-1 0,0 0 0,0-1 0,-1 0 0,0 0 0,-1-1 0,0 0 0,0 0 0,-1-1 0,-1 0 0,0 0 0,-1 0 0,0 0 0,-1-1 0,0 0 0,-1 1 0,-1-1 0,0 0 0,0 0 0,-1 0 0,-1 0 0,-2-13 0,-15-71 0,-4 1 0,-5 1 0,-58-139 0,75 207 0,5 13 0,0 0 0,0 1 0,-1 0 0,-1 0 0,0 1 0,-1-1 0,-1 2 0,1-1 0,-20-18 0,27 29-27,0 1 0,0-1-1,0 0 1,0 0 0,0 0-1,0 0 1,1 0 0,-1 0 0,0 0-1,0 0 1,1 0 0,-1 0-1,1 0 1,-1 0 0,1-1-1,-1 1 1,1 0 0,0 0-1,0 0 1,0-1 0,-1 1 0,1 0-1,0 0 1,1-1 0,-1 1-1,0 0 1,0 0 0,0-1-1,1 1 1,-1 0 0,1 0-1,-1 0 1,1-1 0,-1 1 0,1 0-1,0 0 1,-1 0 0,1 0-1,0 0 1,0 0 0,0 0-1,0 1 1,0-1 0,0 0-1,0 0 1,0 1 0,0-1 0,0 0-1,2 0 1,10-7-6799</inkml:trace>
+</inkml:ink>
+</file>
+
+<file path=ppt/ink/ink148.xml><?xml version="1.0" encoding="utf-8"?>
+<inkml:ink xmlns:inkml="http://www.w3.org/2003/InkML">
+  <inkml:definitions>
+    <inkml:context xml:id="ctx0">
+      <inkml:inkSource xml:id="inkSrc0">
+        <inkml:traceFormat>
+          <inkml:channel name="X" type="integer" min="-2.14748E9" max="2.14748E9" units="cm"/>
+          <inkml:channel name="Y" type="integer" min="-2.14748E9" max="2.14748E9" units="cm"/>
+          <inkml:channel name="F" type="integer" max="32767" units="dev"/>
+        </inkml:traceFormat>
+        <inkml:channelProperties>
+          <inkml:channelProperty channel="X" name="resolution" value="1000" units="1/cm"/>
+          <inkml:channelProperty channel="Y" name="resolution" value="1000" units="1/cm"/>
+          <inkml:channelProperty channel="F" name="resolution" value="0" units="1/dev"/>
+        </inkml:channelProperties>
+      </inkml:inkSource>
+      <inkml:timestamp xml:id="ts0" timeString="2023-05-25T02:50:32.784"/>
+    </inkml:context>
+    <inkml:brush xml:id="br0">
+      <inkml:brushProperty name="width" value="0.05" units="cm"/>
+      <inkml:brushProperty name="height" value="0.05" units="cm"/>
+      <inkml:brushProperty name="color" value="#E71224"/>
+    </inkml:brush>
+  </inkml:definitions>
+  <inkml:trace contextRef="#ctx0" brushRef="#br0">2 652 24575,'-2'-125'0,"4"-138"0,1 241 0,0 1 0,2 0 0,10-34 0,5-17 0,-16 51 0,-4 17 0,1 0 0,-1 0 0,1 0 0,0 0 0,0 0 0,1 0 0,-1 0 0,1 0 0,3-5 0,-4 8 0,0 0 0,1 1 0,-1-1 0,1 0 0,-1 1 0,0-1 0,1 1 0,-1-1 0,1 1 0,-1 0 0,1 0 0,-1-1 0,1 1 0,-1 0 0,1 0 0,-1 0 0,1 1 0,-1-1 0,1 0 0,-1 1 0,1-1 0,-1 1 0,1-1 0,-1 1 0,1 0 0,-1-1 0,0 1 0,0 0 0,1 0 0,-1 0 0,1 1 0,15 9 0,-1 1 0,-1 1 0,0 0 0,16 18 0,35 30 0,77 34 0,-105-72 0,-1 1 0,0 1 0,-2 2 0,47 47 0,-75-66-117,0 0-133,1 0 1,-2 1-1,1-1 0,6 13 1,-5-3-6577</inkml:trace>
 </inkml:ink>
 </file>
 
@@ -6814,7 +8150,7 @@
           <a:p>
             <a:fld id="{F37D28C0-BEB6-42B0-A203-EEE1023219C4}" type="datetimeFigureOut">
               <a:rPr lang="en-NZ" smtClean="0"/>
-              <a:t>23/05/2023</a:t>
+              <a:t>25/05/2023</a:t>
             </a:fld>
             <a:endParaRPr lang="en-NZ"/>
           </a:p>
@@ -8137,31 +9473,22 @@
           <a:bodyPr/>
           <a:lstStyle/>
           <a:p>
-            <a:pPr marL="0" marR="0" lvl="0" indent="0" algn="l" defTabSz="914400" rtl="0" eaLnBrk="1" fontAlgn="auto" latinLnBrk="0" hangingPunct="1">
+            <a:pPr>
               <a:lnSpc>
-                <a:spcPct val="100000"/>
+                <a:spcPct val="115000"/>
               </a:lnSpc>
-              <a:spcBef>
-                <a:spcPts val="0"/>
-              </a:spcBef>
-              <a:spcAft>
-                <a:spcPts val="0"/>
-              </a:spcAft>
-              <a:buClrTx/>
-              <a:buSzTx/>
-              <a:buFontTx/>
-              <a:buNone/>
-              <a:tabLst/>
-              <a:defRPr/>
             </a:pPr>
             <a:r>
               <a:rPr lang="en-NZ" i="1" dirty="0">
                 <a:latin typeface="Arial" panose="020B0604020202020204" pitchFamily="34" charset="0"/>
                 <a:ea typeface="Arial" panose="020B0604020202020204" pitchFamily="34" charset="0"/>
               </a:rPr>
-              <a:t>Show testing for your assembled outcome below.  This should include a test plan followed by screenshot proof.  </a:t>
+              <a:t>You must show the results of testing. For each component, include a screenshot proving it works.  You can also include notes about each test. </a:t>
             </a:r>
-            <a:endParaRPr lang="en-NZ" dirty="0"/>
+            <a:endParaRPr lang="en-NZ" dirty="0">
+              <a:latin typeface="Arial" panose="020B0604020202020204" pitchFamily="34" charset="0"/>
+              <a:ea typeface="Arial" panose="020B0604020202020204" pitchFamily="34" charset="0"/>
+            </a:endParaRPr>
           </a:p>
         </p:txBody>
       </p:sp>
@@ -8191,7 +9518,7 @@
     </p:spTree>
     <p:extLst>
       <p:ext uri="{BB962C8B-B14F-4D97-AF65-F5344CB8AC3E}">
-        <p14:creationId xmlns:p14="http://schemas.microsoft.com/office/powerpoint/2010/main" val="234755665"/>
+        <p14:creationId xmlns:p14="http://schemas.microsoft.com/office/powerpoint/2010/main" val="3503728687"/>
       </p:ext>
     </p:extLst>
   </p:cSld>
@@ -8289,6 +9616,540 @@
 </file>
 
 <file path=ppt/notesSlides/notesSlide20.xml><?xml version="1.0" encoding="utf-8"?>
+<p:notes xmlns:a="http://schemas.openxmlformats.org/drawingml/2006/main" xmlns:r="http://schemas.openxmlformats.org/officeDocument/2006/relationships" xmlns:p="http://schemas.openxmlformats.org/presentationml/2006/main" showMasterSp="0" showMasterPhAnim="0">
+  <p:cSld>
+    <p:spTree>
+      <p:nvGrpSpPr>
+        <p:cNvPr id="1" name="Shape 82"/>
+        <p:cNvGrpSpPr/>
+        <p:nvPr/>
+      </p:nvGrpSpPr>
+      <p:grpSpPr>
+        <a:xfrm>
+          <a:off x="0" y="0"/>
+          <a:ext cx="0" cy="0"/>
+          <a:chOff x="0" y="0"/>
+          <a:chExt cx="0" cy="0"/>
+        </a:xfrm>
+      </p:grpSpPr>
+      <p:sp>
+        <p:nvSpPr>
+          <p:cNvPr id="83" name="Google Shape;83;g5f5670a123_0_13:notes"/>
+          <p:cNvSpPr>
+            <a:spLocks noGrp="1" noRot="1" noChangeAspect="1"/>
+          </p:cNvSpPr>
+          <p:nvPr>
+            <p:ph type="sldImg" idx="2"/>
+          </p:nvPr>
+        </p:nvSpPr>
+        <p:spPr>
+          <a:xfrm>
+            <a:off x="381000" y="685800"/>
+            <a:ext cx="6096000" cy="3429000"/>
+          </a:xfrm>
+          <a:custGeom>
+            <a:avLst/>
+            <a:gdLst/>
+            <a:ahLst/>
+            <a:cxnLst/>
+            <a:rect l="l" t="t" r="r" b="b"/>
+            <a:pathLst>
+              <a:path w="120000" h="120000" extrusionOk="0">
+                <a:moveTo>
+                  <a:pt x="0" y="0"/>
+                </a:moveTo>
+                <a:lnTo>
+                  <a:pt x="120000" y="0"/>
+                </a:lnTo>
+                <a:lnTo>
+                  <a:pt x="120000" y="120000"/>
+                </a:lnTo>
+                <a:lnTo>
+                  <a:pt x="0" y="120000"/>
+                </a:lnTo>
+                <a:close/>
+              </a:path>
+            </a:pathLst>
+          </a:custGeom>
+        </p:spPr>
+      </p:sp>
+      <p:sp>
+        <p:nvSpPr>
+          <p:cNvPr id="84" name="Google Shape;84;g5f5670a123_0_13:notes"/>
+          <p:cNvSpPr txBox="1">
+            <a:spLocks noGrp="1"/>
+          </p:cNvSpPr>
+          <p:nvPr>
+            <p:ph type="body" idx="1"/>
+          </p:nvPr>
+        </p:nvSpPr>
+        <p:spPr>
+          <a:xfrm>
+            <a:off x="685800" y="4343400"/>
+            <a:ext cx="5486400" cy="4114800"/>
+          </a:xfrm>
+          <a:prstGeom prst="rect">
+            <a:avLst/>
+          </a:prstGeom>
+        </p:spPr>
+        <p:txBody>
+          <a:bodyPr spcFirstLastPara="1" wrap="square" lIns="91425" tIns="91425" rIns="91425" bIns="91425" anchor="t" anchorCtr="0">
+            <a:noAutofit/>
+          </a:bodyPr>
+          <a:lstStyle/>
+          <a:p>
+            <a:pPr marL="0" lvl="0" indent="0" algn="l" rtl="0">
+              <a:spcBef>
+                <a:spcPts val="0"/>
+              </a:spcBef>
+              <a:spcAft>
+                <a:spcPts val="0"/>
+              </a:spcAft>
+              <a:buNone/>
+            </a:pPr>
+            <a:endParaRPr/>
+          </a:p>
+        </p:txBody>
+      </p:sp>
+    </p:spTree>
+    <p:extLst>
+      <p:ext uri="{BB962C8B-B14F-4D97-AF65-F5344CB8AC3E}">
+        <p14:creationId xmlns:p14="http://schemas.microsoft.com/office/powerpoint/2010/main" val="1552926923"/>
+      </p:ext>
+    </p:extLst>
+  </p:cSld>
+  <p:clrMapOvr>
+    <a:masterClrMapping/>
+  </p:clrMapOvr>
+</p:notes>
+</file>
+
+<file path=ppt/notesSlides/notesSlide21.xml><?xml version="1.0" encoding="utf-8"?>
+<p:notes xmlns:a="http://schemas.openxmlformats.org/drawingml/2006/main" xmlns:r="http://schemas.openxmlformats.org/officeDocument/2006/relationships" xmlns:p="http://schemas.openxmlformats.org/presentationml/2006/main" showMasterSp="0" showMasterPhAnim="0">
+  <p:cSld>
+    <p:spTree>
+      <p:nvGrpSpPr>
+        <p:cNvPr id="1" name="Shape 82"/>
+        <p:cNvGrpSpPr/>
+        <p:nvPr/>
+      </p:nvGrpSpPr>
+      <p:grpSpPr>
+        <a:xfrm>
+          <a:off x="0" y="0"/>
+          <a:ext cx="0" cy="0"/>
+          <a:chOff x="0" y="0"/>
+          <a:chExt cx="0" cy="0"/>
+        </a:xfrm>
+      </p:grpSpPr>
+      <p:sp>
+        <p:nvSpPr>
+          <p:cNvPr id="83" name="Google Shape;83;g5f5670a123_0_13:notes"/>
+          <p:cNvSpPr>
+            <a:spLocks noGrp="1" noRot="1" noChangeAspect="1"/>
+          </p:cNvSpPr>
+          <p:nvPr>
+            <p:ph type="sldImg" idx="2"/>
+          </p:nvPr>
+        </p:nvSpPr>
+        <p:spPr>
+          <a:xfrm>
+            <a:off x="381000" y="685800"/>
+            <a:ext cx="6096000" cy="3429000"/>
+          </a:xfrm>
+          <a:custGeom>
+            <a:avLst/>
+            <a:gdLst/>
+            <a:ahLst/>
+            <a:cxnLst/>
+            <a:rect l="l" t="t" r="r" b="b"/>
+            <a:pathLst>
+              <a:path w="120000" h="120000" extrusionOk="0">
+                <a:moveTo>
+                  <a:pt x="0" y="0"/>
+                </a:moveTo>
+                <a:lnTo>
+                  <a:pt x="120000" y="0"/>
+                </a:lnTo>
+                <a:lnTo>
+                  <a:pt x="120000" y="120000"/>
+                </a:lnTo>
+                <a:lnTo>
+                  <a:pt x="0" y="120000"/>
+                </a:lnTo>
+                <a:close/>
+              </a:path>
+            </a:pathLst>
+          </a:custGeom>
+        </p:spPr>
+      </p:sp>
+      <p:sp>
+        <p:nvSpPr>
+          <p:cNvPr id="84" name="Google Shape;84;g5f5670a123_0_13:notes"/>
+          <p:cNvSpPr txBox="1">
+            <a:spLocks noGrp="1"/>
+          </p:cNvSpPr>
+          <p:nvPr>
+            <p:ph type="body" idx="1"/>
+          </p:nvPr>
+        </p:nvSpPr>
+        <p:spPr>
+          <a:xfrm>
+            <a:off x="685800" y="4343400"/>
+            <a:ext cx="5486400" cy="4114800"/>
+          </a:xfrm>
+          <a:prstGeom prst="rect">
+            <a:avLst/>
+          </a:prstGeom>
+        </p:spPr>
+        <p:txBody>
+          <a:bodyPr spcFirstLastPara="1" wrap="square" lIns="91425" tIns="91425" rIns="91425" bIns="91425" anchor="t" anchorCtr="0">
+            <a:noAutofit/>
+          </a:bodyPr>
+          <a:lstStyle/>
+          <a:p>
+            <a:pPr marL="0" lvl="0" indent="0" algn="l" rtl="0">
+              <a:spcBef>
+                <a:spcPts val="0"/>
+              </a:spcBef>
+              <a:spcAft>
+                <a:spcPts val="0"/>
+              </a:spcAft>
+              <a:buNone/>
+            </a:pPr>
+            <a:endParaRPr/>
+          </a:p>
+        </p:txBody>
+      </p:sp>
+    </p:spTree>
+    <p:extLst>
+      <p:ext uri="{BB962C8B-B14F-4D97-AF65-F5344CB8AC3E}">
+        <p14:creationId xmlns:p14="http://schemas.microsoft.com/office/powerpoint/2010/main" val="63686127"/>
+      </p:ext>
+    </p:extLst>
+  </p:cSld>
+  <p:clrMapOvr>
+    <a:masterClrMapping/>
+  </p:clrMapOvr>
+</p:notes>
+</file>
+
+<file path=ppt/notesSlides/notesSlide22.xml><?xml version="1.0" encoding="utf-8"?>
+<p:notes xmlns:a="http://schemas.openxmlformats.org/drawingml/2006/main" xmlns:r="http://schemas.openxmlformats.org/officeDocument/2006/relationships" xmlns:p="http://schemas.openxmlformats.org/presentationml/2006/main">
+  <p:cSld>
+    <p:spTree>
+      <p:nvGrpSpPr>
+        <p:cNvPr id="1" name=""/>
+        <p:cNvGrpSpPr/>
+        <p:nvPr/>
+      </p:nvGrpSpPr>
+      <p:grpSpPr>
+        <a:xfrm>
+          <a:off x="0" y="0"/>
+          <a:ext cx="0" cy="0"/>
+          <a:chOff x="0" y="0"/>
+          <a:chExt cx="0" cy="0"/>
+        </a:xfrm>
+      </p:grpSpPr>
+      <p:sp>
+        <p:nvSpPr>
+          <p:cNvPr id="2" name="Slide Image Placeholder 1"/>
+          <p:cNvSpPr>
+            <a:spLocks noGrp="1" noRot="1" noChangeAspect="1"/>
+          </p:cNvSpPr>
+          <p:nvPr>
+            <p:ph type="sldImg"/>
+          </p:nvPr>
+        </p:nvSpPr>
+        <p:spPr/>
+      </p:sp>
+      <p:sp>
+        <p:nvSpPr>
+          <p:cNvPr id="3" name="Notes Placeholder 2"/>
+          <p:cNvSpPr>
+            <a:spLocks noGrp="1"/>
+          </p:cNvSpPr>
+          <p:nvPr>
+            <p:ph type="body" idx="1"/>
+          </p:nvPr>
+        </p:nvSpPr>
+        <p:spPr/>
+        <p:txBody>
+          <a:bodyPr/>
+          <a:lstStyle/>
+          <a:p>
+            <a:pPr>
+              <a:lnSpc>
+                <a:spcPct val="115000"/>
+              </a:lnSpc>
+            </a:pPr>
+            <a:r>
+              <a:rPr lang="en-NZ" i="1" dirty="0">
+                <a:latin typeface="Arial" panose="020B0604020202020204" pitchFamily="34" charset="0"/>
+                <a:ea typeface="Arial" panose="020B0604020202020204" pitchFamily="34" charset="0"/>
+              </a:rPr>
+              <a:t>You must show the results of testing. For each component, include a screenshot proving it works.  You can also include notes about each test. </a:t>
+            </a:r>
+            <a:endParaRPr lang="en-NZ" dirty="0">
+              <a:latin typeface="Arial" panose="020B0604020202020204" pitchFamily="34" charset="0"/>
+              <a:ea typeface="Arial" panose="020B0604020202020204" pitchFamily="34" charset="0"/>
+            </a:endParaRPr>
+          </a:p>
+        </p:txBody>
+      </p:sp>
+      <p:sp>
+        <p:nvSpPr>
+          <p:cNvPr id="4" name="Slide Number Placeholder 3"/>
+          <p:cNvSpPr>
+            <a:spLocks noGrp="1"/>
+          </p:cNvSpPr>
+          <p:nvPr>
+            <p:ph type="sldNum" sz="quarter" idx="5"/>
+          </p:nvPr>
+        </p:nvSpPr>
+        <p:spPr/>
+        <p:txBody>
+          <a:bodyPr/>
+          <a:lstStyle/>
+          <a:p>
+            <a:fld id="{D89B2B17-F4B1-4A14-AF99-5A366D45E74A}" type="slidenum">
+              <a:rPr lang="en-NZ" smtClean="0"/>
+              <a:t>24</a:t>
+            </a:fld>
+            <a:endParaRPr lang="en-NZ"/>
+          </a:p>
+        </p:txBody>
+      </p:sp>
+    </p:spTree>
+    <p:extLst>
+      <p:ext uri="{BB962C8B-B14F-4D97-AF65-F5344CB8AC3E}">
+        <p14:creationId xmlns:p14="http://schemas.microsoft.com/office/powerpoint/2010/main" val="3208988677"/>
+      </p:ext>
+    </p:extLst>
+  </p:cSld>
+  <p:clrMapOvr>
+    <a:masterClrMapping/>
+  </p:clrMapOvr>
+</p:notes>
+</file>
+
+<file path=ppt/notesSlides/notesSlide23.xml><?xml version="1.0" encoding="utf-8"?>
+<p:notes xmlns:a="http://schemas.openxmlformats.org/drawingml/2006/main" xmlns:r="http://schemas.openxmlformats.org/officeDocument/2006/relationships" xmlns:p="http://schemas.openxmlformats.org/presentationml/2006/main" showMasterSp="0" showMasterPhAnim="0">
+  <p:cSld>
+    <p:spTree>
+      <p:nvGrpSpPr>
+        <p:cNvPr id="1" name="Shape 82"/>
+        <p:cNvGrpSpPr/>
+        <p:nvPr/>
+      </p:nvGrpSpPr>
+      <p:grpSpPr>
+        <a:xfrm>
+          <a:off x="0" y="0"/>
+          <a:ext cx="0" cy="0"/>
+          <a:chOff x="0" y="0"/>
+          <a:chExt cx="0" cy="0"/>
+        </a:xfrm>
+      </p:grpSpPr>
+      <p:sp>
+        <p:nvSpPr>
+          <p:cNvPr id="83" name="Google Shape;83;g5f5670a123_0_13:notes"/>
+          <p:cNvSpPr>
+            <a:spLocks noGrp="1" noRot="1" noChangeAspect="1"/>
+          </p:cNvSpPr>
+          <p:nvPr>
+            <p:ph type="sldImg" idx="2"/>
+          </p:nvPr>
+        </p:nvSpPr>
+        <p:spPr>
+          <a:xfrm>
+            <a:off x="381000" y="685800"/>
+            <a:ext cx="6096000" cy="3429000"/>
+          </a:xfrm>
+          <a:custGeom>
+            <a:avLst/>
+            <a:gdLst/>
+            <a:ahLst/>
+            <a:cxnLst/>
+            <a:rect l="l" t="t" r="r" b="b"/>
+            <a:pathLst>
+              <a:path w="120000" h="120000" extrusionOk="0">
+                <a:moveTo>
+                  <a:pt x="0" y="0"/>
+                </a:moveTo>
+                <a:lnTo>
+                  <a:pt x="120000" y="0"/>
+                </a:lnTo>
+                <a:lnTo>
+                  <a:pt x="120000" y="120000"/>
+                </a:lnTo>
+                <a:lnTo>
+                  <a:pt x="0" y="120000"/>
+                </a:lnTo>
+                <a:close/>
+              </a:path>
+            </a:pathLst>
+          </a:custGeom>
+        </p:spPr>
+      </p:sp>
+      <p:sp>
+        <p:nvSpPr>
+          <p:cNvPr id="84" name="Google Shape;84;g5f5670a123_0_13:notes"/>
+          <p:cNvSpPr txBox="1">
+            <a:spLocks noGrp="1"/>
+          </p:cNvSpPr>
+          <p:nvPr>
+            <p:ph type="body" idx="1"/>
+          </p:nvPr>
+        </p:nvSpPr>
+        <p:spPr>
+          <a:xfrm>
+            <a:off x="685800" y="4343400"/>
+            <a:ext cx="5486400" cy="4114800"/>
+          </a:xfrm>
+          <a:prstGeom prst="rect">
+            <a:avLst/>
+          </a:prstGeom>
+        </p:spPr>
+        <p:txBody>
+          <a:bodyPr spcFirstLastPara="1" wrap="square" lIns="91425" tIns="91425" rIns="91425" bIns="91425" anchor="t" anchorCtr="0">
+            <a:noAutofit/>
+          </a:bodyPr>
+          <a:lstStyle/>
+          <a:p>
+            <a:pPr marL="0" lvl="0" indent="0" algn="l" rtl="0">
+              <a:spcBef>
+                <a:spcPts val="0"/>
+              </a:spcBef>
+              <a:spcAft>
+                <a:spcPts val="0"/>
+              </a:spcAft>
+              <a:buNone/>
+            </a:pPr>
+            <a:endParaRPr/>
+          </a:p>
+        </p:txBody>
+      </p:sp>
+    </p:spTree>
+    <p:extLst>
+      <p:ext uri="{BB962C8B-B14F-4D97-AF65-F5344CB8AC3E}">
+        <p14:creationId xmlns:p14="http://schemas.microsoft.com/office/powerpoint/2010/main" val="3919937398"/>
+      </p:ext>
+    </p:extLst>
+  </p:cSld>
+  <p:clrMapOvr>
+    <a:masterClrMapping/>
+  </p:clrMapOvr>
+</p:notes>
+</file>
+
+<file path=ppt/notesSlides/notesSlide24.xml><?xml version="1.0" encoding="utf-8"?>
+<p:notes xmlns:a="http://schemas.openxmlformats.org/drawingml/2006/main" xmlns:r="http://schemas.openxmlformats.org/officeDocument/2006/relationships" xmlns:p="http://schemas.openxmlformats.org/presentationml/2006/main">
+  <p:cSld>
+    <p:spTree>
+      <p:nvGrpSpPr>
+        <p:cNvPr id="1" name=""/>
+        <p:cNvGrpSpPr/>
+        <p:nvPr/>
+      </p:nvGrpSpPr>
+      <p:grpSpPr>
+        <a:xfrm>
+          <a:off x="0" y="0"/>
+          <a:ext cx="0" cy="0"/>
+          <a:chOff x="0" y="0"/>
+          <a:chExt cx="0" cy="0"/>
+        </a:xfrm>
+      </p:grpSpPr>
+      <p:sp>
+        <p:nvSpPr>
+          <p:cNvPr id="2" name="Slide Image Placeholder 1"/>
+          <p:cNvSpPr>
+            <a:spLocks noGrp="1" noRot="1" noChangeAspect="1"/>
+          </p:cNvSpPr>
+          <p:nvPr>
+            <p:ph type="sldImg"/>
+          </p:nvPr>
+        </p:nvSpPr>
+        <p:spPr/>
+      </p:sp>
+      <p:sp>
+        <p:nvSpPr>
+          <p:cNvPr id="3" name="Notes Placeholder 2"/>
+          <p:cNvSpPr>
+            <a:spLocks noGrp="1"/>
+          </p:cNvSpPr>
+          <p:nvPr>
+            <p:ph type="body" idx="1"/>
+          </p:nvPr>
+        </p:nvSpPr>
+        <p:spPr/>
+        <p:txBody>
+          <a:bodyPr/>
+          <a:lstStyle/>
+          <a:p>
+            <a:pPr marL="0" marR="0" lvl="0" indent="0" algn="l" defTabSz="914400" rtl="0" eaLnBrk="1" fontAlgn="auto" latinLnBrk="0" hangingPunct="1">
+              <a:lnSpc>
+                <a:spcPct val="100000"/>
+              </a:lnSpc>
+              <a:spcBef>
+                <a:spcPts val="0"/>
+              </a:spcBef>
+              <a:spcAft>
+                <a:spcPts val="0"/>
+              </a:spcAft>
+              <a:buClrTx/>
+              <a:buSzTx/>
+              <a:buFontTx/>
+              <a:buNone/>
+              <a:tabLst/>
+              <a:defRPr/>
+            </a:pPr>
+            <a:r>
+              <a:rPr lang="en-NZ" i="1" dirty="0">
+                <a:latin typeface="Arial" panose="020B0604020202020204" pitchFamily="34" charset="0"/>
+                <a:ea typeface="Arial" panose="020B0604020202020204" pitchFamily="34" charset="0"/>
+              </a:rPr>
+              <a:t>Show testing for your assembled outcome below.  This should include a test plan followed by screenshot proof.  </a:t>
+            </a:r>
+            <a:endParaRPr lang="en-NZ" dirty="0"/>
+          </a:p>
+        </p:txBody>
+      </p:sp>
+      <p:sp>
+        <p:nvSpPr>
+          <p:cNvPr id="4" name="Slide Number Placeholder 3"/>
+          <p:cNvSpPr>
+            <a:spLocks noGrp="1"/>
+          </p:cNvSpPr>
+          <p:nvPr>
+            <p:ph type="sldNum" sz="quarter" idx="5"/>
+          </p:nvPr>
+        </p:nvSpPr>
+        <p:spPr/>
+        <p:txBody>
+          <a:bodyPr/>
+          <a:lstStyle/>
+          <a:p>
+            <a:fld id="{D89B2B17-F4B1-4A14-AF99-5A366D45E74A}" type="slidenum">
+              <a:rPr lang="en-NZ" smtClean="0"/>
+              <a:t>26</a:t>
+            </a:fld>
+            <a:endParaRPr lang="en-NZ"/>
+          </a:p>
+        </p:txBody>
+      </p:sp>
+    </p:spTree>
+    <p:extLst>
+      <p:ext uri="{BB962C8B-B14F-4D97-AF65-F5344CB8AC3E}">
+        <p14:creationId xmlns:p14="http://schemas.microsoft.com/office/powerpoint/2010/main" val="234755665"/>
+      </p:ext>
+    </p:extLst>
+  </p:cSld>
+  <p:clrMapOvr>
+    <a:masterClrMapping/>
+  </p:clrMapOvr>
+</p:notes>
+</file>
+
+<file path=ppt/notesSlides/notesSlide25.xml><?xml version="1.0" encoding="utf-8"?>
 <p:notes xmlns:a="http://schemas.openxmlformats.org/drawingml/2006/main" xmlns:r="http://schemas.openxmlformats.org/officeDocument/2006/relationships" xmlns:p="http://schemas.openxmlformats.org/presentationml/2006/main">
   <p:cSld>
     <p:spTree>
@@ -8383,7 +10244,7 @@
           <a:p>
             <a:fld id="{D89B2B17-F4B1-4A14-AF99-5A366D45E74A}" type="slidenum">
               <a:rPr lang="en-NZ" smtClean="0"/>
-              <a:t>23</a:t>
+              <a:t>28</a:t>
             </a:fld>
             <a:endParaRPr lang="en-NZ"/>
           </a:p>
@@ -8402,7 +10263,7 @@
 </p:notes>
 </file>
 
-<file path=ppt/notesSlides/notesSlide21.xml><?xml version="1.0" encoding="utf-8"?>
+<file path=ppt/notesSlides/notesSlide26.xml><?xml version="1.0" encoding="utf-8"?>
 <p:notes xmlns:a="http://schemas.openxmlformats.org/drawingml/2006/main" xmlns:r="http://schemas.openxmlformats.org/officeDocument/2006/relationships" xmlns:p="http://schemas.openxmlformats.org/presentationml/2006/main">
   <p:cSld>
     <p:spTree>
@@ -8492,7 +10353,7 @@
           <a:p>
             <a:fld id="{D89B2B17-F4B1-4A14-AF99-5A366D45E74A}" type="slidenum">
               <a:rPr lang="en-NZ" smtClean="0"/>
-              <a:t>24</a:t>
+              <a:t>29</a:t>
             </a:fld>
             <a:endParaRPr lang="en-NZ"/>
           </a:p>
@@ -9457,7 +11318,7 @@
           <a:p>
             <a:fld id="{9C4A4F43-1C06-40E6-8F87-8B286982E50E}" type="datetimeFigureOut">
               <a:rPr lang="en-NZ" smtClean="0"/>
-              <a:t>23/05/2023</a:t>
+              <a:t>25/05/2023</a:t>
             </a:fld>
             <a:endParaRPr lang="en-NZ" dirty="0"/>
           </a:p>
@@ -9657,7 +11518,7 @@
           <a:p>
             <a:fld id="{9C4A4F43-1C06-40E6-8F87-8B286982E50E}" type="datetimeFigureOut">
               <a:rPr lang="en-NZ" smtClean="0"/>
-              <a:t>23/05/2023</a:t>
+              <a:t>25/05/2023</a:t>
             </a:fld>
             <a:endParaRPr lang="en-NZ" dirty="0"/>
           </a:p>
@@ -9867,7 +11728,7 @@
           <a:p>
             <a:fld id="{9C4A4F43-1C06-40E6-8F87-8B286982E50E}" type="datetimeFigureOut">
               <a:rPr lang="en-NZ" smtClean="0"/>
-              <a:t>23/05/2023</a:t>
+              <a:t>25/05/2023</a:t>
             </a:fld>
             <a:endParaRPr lang="en-NZ" dirty="0"/>
           </a:p>
@@ -10426,7 +12287,7 @@
           <a:p>
             <a:fld id="{9C4A4F43-1C06-40E6-8F87-8B286982E50E}" type="datetimeFigureOut">
               <a:rPr lang="en-NZ" smtClean="0"/>
-              <a:t>23/05/2023</a:t>
+              <a:t>25/05/2023</a:t>
             </a:fld>
             <a:endParaRPr lang="en-NZ" dirty="0"/>
           </a:p>
@@ -10702,7 +12563,7 @@
           <a:p>
             <a:fld id="{9C4A4F43-1C06-40E6-8F87-8B286982E50E}" type="datetimeFigureOut">
               <a:rPr lang="en-NZ" smtClean="0"/>
-              <a:t>23/05/2023</a:t>
+              <a:t>25/05/2023</a:t>
             </a:fld>
             <a:endParaRPr lang="en-NZ" dirty="0"/>
           </a:p>
@@ -10970,7 +12831,7 @@
           <a:p>
             <a:fld id="{9C4A4F43-1C06-40E6-8F87-8B286982E50E}" type="datetimeFigureOut">
               <a:rPr lang="en-NZ" smtClean="0"/>
-              <a:t>23/05/2023</a:t>
+              <a:t>25/05/2023</a:t>
             </a:fld>
             <a:endParaRPr lang="en-NZ" dirty="0"/>
           </a:p>
@@ -11385,7 +13246,7 @@
           <a:p>
             <a:fld id="{9C4A4F43-1C06-40E6-8F87-8B286982E50E}" type="datetimeFigureOut">
               <a:rPr lang="en-NZ" smtClean="0"/>
-              <a:t>23/05/2023</a:t>
+              <a:t>25/05/2023</a:t>
             </a:fld>
             <a:endParaRPr lang="en-NZ" dirty="0"/>
           </a:p>
@@ -11527,7 +13388,7 @@
           <a:p>
             <a:fld id="{9C4A4F43-1C06-40E6-8F87-8B286982E50E}" type="datetimeFigureOut">
               <a:rPr lang="en-NZ" smtClean="0"/>
-              <a:t>23/05/2023</a:t>
+              <a:t>25/05/2023</a:t>
             </a:fld>
             <a:endParaRPr lang="en-NZ" dirty="0"/>
           </a:p>
@@ -11640,7 +13501,7 @@
           <a:p>
             <a:fld id="{9C4A4F43-1C06-40E6-8F87-8B286982E50E}" type="datetimeFigureOut">
               <a:rPr lang="en-NZ" smtClean="0"/>
-              <a:t>23/05/2023</a:t>
+              <a:t>25/05/2023</a:t>
             </a:fld>
             <a:endParaRPr lang="en-NZ" dirty="0"/>
           </a:p>
@@ -11953,7 +13814,7 @@
           <a:p>
             <a:fld id="{9C4A4F43-1C06-40E6-8F87-8B286982E50E}" type="datetimeFigureOut">
               <a:rPr lang="en-NZ" smtClean="0"/>
-              <a:t>23/05/2023</a:t>
+              <a:t>25/05/2023</a:t>
             </a:fld>
             <a:endParaRPr lang="en-NZ" dirty="0"/>
           </a:p>
@@ -12242,7 +14103,7 @@
           <a:p>
             <a:fld id="{9C4A4F43-1C06-40E6-8F87-8B286982E50E}" type="datetimeFigureOut">
               <a:rPr lang="en-NZ" smtClean="0"/>
-              <a:t>23/05/2023</a:t>
+              <a:t>25/05/2023</a:t>
             </a:fld>
             <a:endParaRPr lang="en-NZ" dirty="0"/>
           </a:p>
@@ -12485,7 +14346,7 @@
           <a:p>
             <a:fld id="{9C4A4F43-1C06-40E6-8F87-8B286982E50E}" type="datetimeFigureOut">
               <a:rPr lang="en-NZ" smtClean="0"/>
-              <a:t>23/05/2023</a:t>
+              <a:t>25/05/2023</a:t>
             </a:fld>
             <a:endParaRPr lang="en-NZ" dirty="0"/>
           </a:p>
@@ -19547,8 +21408,8 @@
           </a:prstGeom>
         </p:spPr>
       </p:pic>
-      <mc:AlternateContent xmlns:mc="http://schemas.openxmlformats.org/markup-compatibility/2006">
-        <mc:Choice xmlns:p14="http://schemas.microsoft.com/office/powerpoint/2010/main" Requires="p14">
+      <mc:AlternateContent xmlns:mc="http://schemas.openxmlformats.org/markup-compatibility/2006" xmlns:p14="http://schemas.microsoft.com/office/powerpoint/2010/main">
+        <mc:Choice Requires="p14">
           <p:contentPart p14:bwMode="auto" r:id="rId5">
             <p14:nvContentPartPr>
               <p14:cNvPr id="8" name="Ink 7">
@@ -19567,7 +21428,7 @@
             </p14:xfrm>
           </p:contentPart>
         </mc:Choice>
-        <mc:Fallback>
+        <mc:Fallback xmlns="">
           <p:pic>
             <p:nvPicPr>
               <p:cNvPr id="8" name="Ink 7">
@@ -19598,8 +21459,8 @@
           </p:pic>
         </mc:Fallback>
       </mc:AlternateContent>
-      <mc:AlternateContent xmlns:mc="http://schemas.openxmlformats.org/markup-compatibility/2006">
-        <mc:Choice xmlns:p14="http://schemas.microsoft.com/office/powerpoint/2010/main" Requires="p14">
+      <mc:AlternateContent xmlns:mc="http://schemas.openxmlformats.org/markup-compatibility/2006" xmlns:p14="http://schemas.microsoft.com/office/powerpoint/2010/main">
+        <mc:Choice Requires="p14">
           <p:contentPart p14:bwMode="auto" r:id="rId7">
             <p14:nvContentPartPr>
               <p14:cNvPr id="9" name="Ink 8">
@@ -19618,7 +21479,7 @@
             </p14:xfrm>
           </p:contentPart>
         </mc:Choice>
-        <mc:Fallback>
+        <mc:Fallback xmlns="">
           <p:pic>
             <p:nvPicPr>
               <p:cNvPr id="9" name="Ink 8">
@@ -19679,8 +21540,8 @@
           </a:prstGeom>
         </p:spPr>
       </p:pic>
-      <mc:AlternateContent xmlns:mc="http://schemas.openxmlformats.org/markup-compatibility/2006">
-        <mc:Choice xmlns:p14="http://schemas.microsoft.com/office/powerpoint/2010/main" Requires="p14">
+      <mc:AlternateContent xmlns:mc="http://schemas.openxmlformats.org/markup-compatibility/2006" xmlns:p14="http://schemas.microsoft.com/office/powerpoint/2010/main">
+        <mc:Choice Requires="p14">
           <p:contentPart p14:bwMode="auto" r:id="rId10">
             <p14:nvContentPartPr>
               <p14:cNvPr id="30" name="Ink 29">
@@ -19699,7 +21560,7 @@
             </p14:xfrm>
           </p:contentPart>
         </mc:Choice>
-        <mc:Fallback>
+        <mc:Fallback xmlns="">
           <p:pic>
             <p:nvPicPr>
               <p:cNvPr id="30" name="Ink 29">
@@ -19730,8 +21591,8 @@
           </p:pic>
         </mc:Fallback>
       </mc:AlternateContent>
-      <mc:AlternateContent xmlns:mc="http://schemas.openxmlformats.org/markup-compatibility/2006">
-        <mc:Choice xmlns:p14="http://schemas.microsoft.com/office/powerpoint/2010/main" Requires="p14">
+      <mc:AlternateContent xmlns:mc="http://schemas.openxmlformats.org/markup-compatibility/2006" xmlns:p14="http://schemas.microsoft.com/office/powerpoint/2010/main">
+        <mc:Choice Requires="p14">
           <p:contentPart p14:bwMode="auto" r:id="rId12">
             <p14:nvContentPartPr>
               <p14:cNvPr id="32" name="Ink 31">
@@ -19750,7 +21611,7 @@
             </p14:xfrm>
           </p:contentPart>
         </mc:Choice>
-        <mc:Fallback>
+        <mc:Fallback xmlns="">
           <p:pic>
             <p:nvPicPr>
               <p:cNvPr id="32" name="Ink 31">
@@ -19781,8 +21642,8 @@
           </p:pic>
         </mc:Fallback>
       </mc:AlternateContent>
-      <mc:AlternateContent xmlns:mc="http://schemas.openxmlformats.org/markup-compatibility/2006">
-        <mc:Choice xmlns:p14="http://schemas.microsoft.com/office/powerpoint/2010/main" Requires="p14">
+      <mc:AlternateContent xmlns:mc="http://schemas.openxmlformats.org/markup-compatibility/2006" xmlns:p14="http://schemas.microsoft.com/office/powerpoint/2010/main">
+        <mc:Choice Requires="p14">
           <p:contentPart p14:bwMode="auto" r:id="rId14">
             <p14:nvContentPartPr>
               <p14:cNvPr id="33" name="Ink 32">
@@ -19801,7 +21662,7 @@
             </p14:xfrm>
           </p:contentPart>
         </mc:Choice>
-        <mc:Fallback>
+        <mc:Fallback xmlns="">
           <p:pic>
             <p:nvPicPr>
               <p:cNvPr id="33" name="Ink 32">
@@ -19862,8 +21723,8 @@
           </a:prstGeom>
         </p:spPr>
       </p:pic>
-      <mc:AlternateContent xmlns:mc="http://schemas.openxmlformats.org/markup-compatibility/2006">
-        <mc:Choice xmlns:p14="http://schemas.microsoft.com/office/powerpoint/2010/main" Requires="p14">
+      <mc:AlternateContent xmlns:mc="http://schemas.openxmlformats.org/markup-compatibility/2006" xmlns:p14="http://schemas.microsoft.com/office/powerpoint/2010/main">
+        <mc:Choice Requires="p14">
           <p:contentPart p14:bwMode="auto" r:id="rId17">
             <p14:nvContentPartPr>
               <p14:cNvPr id="39" name="Ink 38">
@@ -19882,7 +21743,7 @@
             </p14:xfrm>
           </p:contentPart>
         </mc:Choice>
-        <mc:Fallback>
+        <mc:Fallback xmlns="">
           <p:pic>
             <p:nvPicPr>
               <p:cNvPr id="39" name="Ink 38">
@@ -19913,8 +21774,8 @@
           </p:pic>
         </mc:Fallback>
       </mc:AlternateContent>
-      <mc:AlternateContent xmlns:mc="http://schemas.openxmlformats.org/markup-compatibility/2006">
-        <mc:Choice xmlns:p14="http://schemas.microsoft.com/office/powerpoint/2010/main" Requires="p14">
+      <mc:AlternateContent xmlns:mc="http://schemas.openxmlformats.org/markup-compatibility/2006" xmlns:p14="http://schemas.microsoft.com/office/powerpoint/2010/main">
+        <mc:Choice Requires="p14">
           <p:contentPart p14:bwMode="auto" r:id="rId19">
             <p14:nvContentPartPr>
               <p14:cNvPr id="40" name="Ink 39">
@@ -19933,7 +21794,7 @@
             </p14:xfrm>
           </p:contentPart>
         </mc:Choice>
-        <mc:Fallback>
+        <mc:Fallback xmlns="">
           <p:pic>
             <p:nvPicPr>
               <p:cNvPr id="40" name="Ink 39">
@@ -19964,8 +21825,8 @@
           </p:pic>
         </mc:Fallback>
       </mc:AlternateContent>
-      <mc:AlternateContent xmlns:mc="http://schemas.openxmlformats.org/markup-compatibility/2006">
-        <mc:Choice xmlns:p14="http://schemas.microsoft.com/office/powerpoint/2010/main" Requires="p14">
+      <mc:AlternateContent xmlns:mc="http://schemas.openxmlformats.org/markup-compatibility/2006" xmlns:p14="http://schemas.microsoft.com/office/powerpoint/2010/main">
+        <mc:Choice Requires="p14">
           <p:contentPart p14:bwMode="auto" r:id="rId21">
             <p14:nvContentPartPr>
               <p14:cNvPr id="41" name="Ink 40">
@@ -19984,7 +21845,7 @@
             </p14:xfrm>
           </p:contentPart>
         </mc:Choice>
-        <mc:Fallback>
+        <mc:Fallback xmlns="">
           <p:pic>
             <p:nvPicPr>
               <p:cNvPr id="41" name="Ink 40">
@@ -20045,8 +21906,8 @@
           </a:prstGeom>
         </p:spPr>
       </p:pic>
-      <mc:AlternateContent xmlns:mc="http://schemas.openxmlformats.org/markup-compatibility/2006">
-        <mc:Choice xmlns:p14="http://schemas.microsoft.com/office/powerpoint/2010/main" Requires="p14">
+      <mc:AlternateContent xmlns:mc="http://schemas.openxmlformats.org/markup-compatibility/2006" xmlns:p14="http://schemas.microsoft.com/office/powerpoint/2010/main">
+        <mc:Choice Requires="p14">
           <p:contentPart p14:bwMode="auto" r:id="rId24">
             <p14:nvContentPartPr>
               <p14:cNvPr id="43" name="Ink 42">
@@ -20065,7 +21926,7 @@
             </p14:xfrm>
           </p:contentPart>
         </mc:Choice>
-        <mc:Fallback>
+        <mc:Fallback xmlns="">
           <p:pic>
             <p:nvPicPr>
               <p:cNvPr id="43" name="Ink 42">
@@ -20096,8 +21957,8 @@
           </p:pic>
         </mc:Fallback>
       </mc:AlternateContent>
-      <mc:AlternateContent xmlns:mc="http://schemas.openxmlformats.org/markup-compatibility/2006">
-        <mc:Choice xmlns:p14="http://schemas.microsoft.com/office/powerpoint/2010/main" Requires="p14">
+      <mc:AlternateContent xmlns:mc="http://schemas.openxmlformats.org/markup-compatibility/2006" xmlns:p14="http://schemas.microsoft.com/office/powerpoint/2010/main">
+        <mc:Choice Requires="p14">
           <p:contentPart p14:bwMode="auto" r:id="rId26">
             <p14:nvContentPartPr>
               <p14:cNvPr id="45" name="Ink 44">
@@ -20116,7 +21977,7 @@
             </p14:xfrm>
           </p:contentPart>
         </mc:Choice>
-        <mc:Fallback>
+        <mc:Fallback xmlns="">
           <p:pic>
             <p:nvPicPr>
               <p:cNvPr id="45" name="Ink 44">
@@ -20147,8 +22008,8 @@
           </p:pic>
         </mc:Fallback>
       </mc:AlternateContent>
-      <mc:AlternateContent xmlns:mc="http://schemas.openxmlformats.org/markup-compatibility/2006">
-        <mc:Choice xmlns:p14="http://schemas.microsoft.com/office/powerpoint/2010/main" Requires="p14">
+      <mc:AlternateContent xmlns:mc="http://schemas.openxmlformats.org/markup-compatibility/2006" xmlns:p14="http://schemas.microsoft.com/office/powerpoint/2010/main">
+        <mc:Choice Requires="p14">
           <p:contentPart p14:bwMode="auto" r:id="rId28">
             <p14:nvContentPartPr>
               <p14:cNvPr id="46" name="Ink 45">
@@ -20167,7 +22028,7 @@
             </p14:xfrm>
           </p:contentPart>
         </mc:Choice>
-        <mc:Fallback>
+        <mc:Fallback xmlns="">
           <p:pic>
             <p:nvPicPr>
               <p:cNvPr id="46" name="Ink 45">
@@ -20228,8 +22089,8 @@
           </a:prstGeom>
         </p:spPr>
       </p:pic>
-      <mc:AlternateContent xmlns:mc="http://schemas.openxmlformats.org/markup-compatibility/2006">
-        <mc:Choice xmlns:p14="http://schemas.microsoft.com/office/powerpoint/2010/main" Requires="p14">
+      <mc:AlternateContent xmlns:mc="http://schemas.openxmlformats.org/markup-compatibility/2006" xmlns:p14="http://schemas.microsoft.com/office/powerpoint/2010/main">
+        <mc:Choice Requires="p14">
           <p:contentPart p14:bwMode="auto" r:id="rId31">
             <p14:nvContentPartPr>
               <p14:cNvPr id="48" name="Ink 47">
@@ -20248,7 +22109,7 @@
             </p14:xfrm>
           </p:contentPart>
         </mc:Choice>
-        <mc:Fallback>
+        <mc:Fallback xmlns="">
           <p:pic>
             <p:nvPicPr>
               <p:cNvPr id="48" name="Ink 47">
@@ -20279,8 +22140,8 @@
           </p:pic>
         </mc:Fallback>
       </mc:AlternateContent>
-      <mc:AlternateContent xmlns:mc="http://schemas.openxmlformats.org/markup-compatibility/2006">
-        <mc:Choice xmlns:p14="http://schemas.microsoft.com/office/powerpoint/2010/main" Requires="p14">
+      <mc:AlternateContent xmlns:mc="http://schemas.openxmlformats.org/markup-compatibility/2006" xmlns:p14="http://schemas.microsoft.com/office/powerpoint/2010/main">
+        <mc:Choice Requires="p14">
           <p:contentPart p14:bwMode="auto" r:id="rId33">
             <p14:nvContentPartPr>
               <p14:cNvPr id="49" name="Ink 48">
@@ -20299,7 +22160,7 @@
             </p14:xfrm>
           </p:contentPart>
         </mc:Choice>
-        <mc:Fallback>
+        <mc:Fallback xmlns="">
           <p:pic>
             <p:nvPicPr>
               <p:cNvPr id="49" name="Ink 48">
@@ -20350,8 +22211,8 @@
             <a:chExt cx="1598760" cy="1517040"/>
           </a:xfrm>
         </p:grpSpPr>
-        <mc:AlternateContent xmlns:mc="http://schemas.openxmlformats.org/markup-compatibility/2006">
-          <mc:Choice xmlns:p14="http://schemas.microsoft.com/office/powerpoint/2010/main" Requires="p14">
+        <mc:AlternateContent xmlns:mc="http://schemas.openxmlformats.org/markup-compatibility/2006" xmlns:p14="http://schemas.microsoft.com/office/powerpoint/2010/main">
+          <mc:Choice Requires="p14">
             <p:contentPart p14:bwMode="auto" r:id="rId35">
               <p14:nvContentPartPr>
                 <p14:cNvPr id="10" name="Ink 9">
@@ -20370,7 +22231,7 @@
               </p14:xfrm>
             </p:contentPart>
           </mc:Choice>
-          <mc:Fallback>
+          <mc:Fallback xmlns="">
             <p:pic>
               <p:nvPicPr>
                 <p:cNvPr id="10" name="Ink 9">
@@ -20401,8 +22262,8 @@
             </p:pic>
           </mc:Fallback>
         </mc:AlternateContent>
-        <mc:AlternateContent xmlns:mc="http://schemas.openxmlformats.org/markup-compatibility/2006">
-          <mc:Choice xmlns:p14="http://schemas.microsoft.com/office/powerpoint/2010/main" Requires="p14">
+        <mc:AlternateContent xmlns:mc="http://schemas.openxmlformats.org/markup-compatibility/2006" xmlns:p14="http://schemas.microsoft.com/office/powerpoint/2010/main">
+          <mc:Choice Requires="p14">
             <p:contentPart p14:bwMode="auto" r:id="rId37">
               <p14:nvContentPartPr>
                 <p14:cNvPr id="11" name="Ink 10">
@@ -20421,7 +22282,7 @@
               </p14:xfrm>
             </p:contentPart>
           </mc:Choice>
-          <mc:Fallback>
+          <mc:Fallback xmlns="">
             <p:pic>
               <p:nvPicPr>
                 <p:cNvPr id="11" name="Ink 10">
@@ -20452,8 +22313,8 @@
             </p:pic>
           </mc:Fallback>
         </mc:AlternateContent>
-        <mc:AlternateContent xmlns:mc="http://schemas.openxmlformats.org/markup-compatibility/2006">
-          <mc:Choice xmlns:p14="http://schemas.microsoft.com/office/powerpoint/2010/main" Requires="p14">
+        <mc:AlternateContent xmlns:mc="http://schemas.openxmlformats.org/markup-compatibility/2006" xmlns:p14="http://schemas.microsoft.com/office/powerpoint/2010/main">
+          <mc:Choice Requires="p14">
             <p:contentPart p14:bwMode="auto" r:id="rId39">
               <p14:nvContentPartPr>
                 <p14:cNvPr id="13" name="Ink 12">
@@ -20472,7 +22333,7 @@
               </p14:xfrm>
             </p:contentPart>
           </mc:Choice>
-          <mc:Fallback>
+          <mc:Fallback xmlns="">
             <p:pic>
               <p:nvPicPr>
                 <p:cNvPr id="13" name="Ink 12">
@@ -20503,8 +22364,8 @@
             </p:pic>
           </mc:Fallback>
         </mc:AlternateContent>
-        <mc:AlternateContent xmlns:mc="http://schemas.openxmlformats.org/markup-compatibility/2006">
-          <mc:Choice xmlns:p14="http://schemas.microsoft.com/office/powerpoint/2010/main" Requires="p14">
+        <mc:AlternateContent xmlns:mc="http://schemas.openxmlformats.org/markup-compatibility/2006" xmlns:p14="http://schemas.microsoft.com/office/powerpoint/2010/main">
+          <mc:Choice Requires="p14">
             <p:contentPart p14:bwMode="auto" r:id="rId41">
               <p14:nvContentPartPr>
                 <p14:cNvPr id="50" name="Ink 49">
@@ -20523,7 +22384,7 @@
               </p14:xfrm>
             </p:contentPart>
           </mc:Choice>
-          <mc:Fallback>
+          <mc:Fallback xmlns="">
             <p:pic>
               <p:nvPicPr>
                 <p:cNvPr id="50" name="Ink 49">
@@ -21221,12 +23082,1792 @@
           </a:prstGeom>
         </p:spPr>
       </p:pic>
+    </p:spTree>
+    <p:extLst>
+      <p:ext uri="{BB962C8B-B14F-4D97-AF65-F5344CB8AC3E}">
+        <p14:creationId xmlns:p14="http://schemas.microsoft.com/office/powerpoint/2010/main" val="2158505148"/>
+      </p:ext>
+    </p:extLst>
+  </p:cSld>
+  <p:clrMapOvr>
+    <a:masterClrMapping/>
+  </p:clrMapOvr>
+</p:sld>
+</file>
+
+<file path=ppt/slides/slide21.xml><?xml version="1.0" encoding="utf-8"?>
+<p:sld xmlns:a="http://schemas.openxmlformats.org/drawingml/2006/main" xmlns:r="http://schemas.openxmlformats.org/officeDocument/2006/relationships" xmlns:p="http://schemas.openxmlformats.org/presentationml/2006/main">
+  <p:cSld>
+    <p:spTree>
+      <p:nvGrpSpPr>
+        <p:cNvPr id="1" name=""/>
+        <p:cNvGrpSpPr/>
+        <p:nvPr/>
+      </p:nvGrpSpPr>
+      <p:grpSpPr>
+        <a:xfrm>
+          <a:off x="0" y="0"/>
+          <a:ext cx="0" cy="0"/>
+          <a:chOff x="0" y="0"/>
+          <a:chExt cx="0" cy="0"/>
+        </a:xfrm>
+      </p:grpSpPr>
       <p:sp>
         <p:nvSpPr>
-          <p:cNvPr id="5" name="TextBox 4">
+          <p:cNvPr id="2" name="Title 1">
             <a:extLst>
               <a:ext uri="{FF2B5EF4-FFF2-40B4-BE49-F238E27FC236}">
-                <a16:creationId xmlns:a16="http://schemas.microsoft.com/office/drawing/2014/main" id="{A0BFCE5A-B65A-DC08-1497-B7A9DDD1CDB2}"/>
+                <a16:creationId xmlns:a16="http://schemas.microsoft.com/office/drawing/2014/main" id="{1CC5D32F-7C18-4D00-8D54-2FB046F0A206}"/>
+              </a:ext>
+            </a:extLst>
+          </p:cNvPr>
+          <p:cNvSpPr>
+            <a:spLocks noGrp="1"/>
+          </p:cNvSpPr>
+          <p:nvPr>
+            <p:ph type="title"/>
+          </p:nvPr>
+        </p:nvSpPr>
+        <p:spPr>
+          <a:xfrm>
+            <a:off x="838200" y="518160"/>
+            <a:ext cx="10515600" cy="562928"/>
+          </a:xfrm>
+        </p:spPr>
+        <p:txBody>
+          <a:bodyPr>
+            <a:normAutofit fontScale="90000"/>
+          </a:bodyPr>
+          <a:lstStyle/>
+          <a:p>
+            <a:r>
+              <a:rPr lang="en-NZ" dirty="0"/>
+              <a:t>Delete Function: Test Plan </a:t>
+            </a:r>
+          </a:p>
+        </p:txBody>
+      </p:sp>
+      <p:graphicFrame>
+        <p:nvGraphicFramePr>
+          <p:cNvPr id="6" name="Google Shape;92;p19">
+            <a:extLst>
+              <a:ext uri="{FF2B5EF4-FFF2-40B4-BE49-F238E27FC236}">
+                <a16:creationId xmlns:a16="http://schemas.microsoft.com/office/drawing/2014/main" id="{A956953F-8BB8-0D4B-F53B-F22A4BD99317}"/>
+              </a:ext>
+            </a:extLst>
+          </p:cNvPr>
+          <p:cNvGraphicFramePr/>
+          <p:nvPr>
+            <p:extLst>
+              <p:ext uri="{D42A27DB-BD31-4B8C-83A1-F6EECF244321}">
+                <p14:modId xmlns:p14="http://schemas.microsoft.com/office/powerpoint/2010/main" val="2343719387"/>
+              </p:ext>
+            </p:extLst>
+          </p:nvPr>
+        </p:nvGraphicFramePr>
+        <p:xfrm>
+          <a:off x="415600" y="1081088"/>
+          <a:ext cx="11360799" cy="2986880"/>
+        </p:xfrm>
+        <a:graphic>
+          <a:graphicData uri="http://schemas.openxmlformats.org/drawingml/2006/table">
+            <a:tbl>
+              <a:tblPr>
+                <a:noFill/>
+              </a:tblPr>
+              <a:tblGrid>
+                <a:gridCol w="3786933">
+                  <a:extLst>
+                    <a:ext uri="{9D8B030D-6E8A-4147-A177-3AD203B41FA5}">
+                      <a16:colId xmlns:a16="http://schemas.microsoft.com/office/drawing/2014/main" val="3053296164"/>
+                    </a:ext>
+                  </a:extLst>
+                </a:gridCol>
+                <a:gridCol w="3786933">
+                  <a:extLst>
+                    <a:ext uri="{9D8B030D-6E8A-4147-A177-3AD203B41FA5}">
+                      <a16:colId xmlns:a16="http://schemas.microsoft.com/office/drawing/2014/main" val="20000"/>
+                    </a:ext>
+                  </a:extLst>
+                </a:gridCol>
+                <a:gridCol w="3786933">
+                  <a:extLst>
+                    <a:ext uri="{9D8B030D-6E8A-4147-A177-3AD203B41FA5}">
+                      <a16:colId xmlns:a16="http://schemas.microsoft.com/office/drawing/2014/main" val="20001"/>
+                    </a:ext>
+                  </a:extLst>
+                </a:gridCol>
+              </a:tblGrid>
+              <a:tr h="609560">
+                <a:tc>
+                  <a:txBody>
+                    <a:bodyPr/>
+                    <a:lstStyle/>
+                    <a:p>
+                      <a:pPr marL="0" lvl="0" indent="0" algn="l" rtl="0">
+                        <a:spcBef>
+                          <a:spcPts val="0"/>
+                        </a:spcBef>
+                        <a:spcAft>
+                          <a:spcPts val="0"/>
+                        </a:spcAft>
+                        <a:buNone/>
+                      </a:pPr>
+                      <a:r>
+                        <a:rPr lang="en-NZ" sz="1800" b="1" dirty="0"/>
+                        <a:t>What Program Should Ask</a:t>
+                      </a:r>
+                      <a:endParaRPr sz="1800" b="1" dirty="0"/>
+                    </a:p>
+                  </a:txBody>
+                  <a:tcPr marL="121900" marR="121900" marT="121900" marB="121900">
+                    <a:solidFill>
+                      <a:srgbClr val="CCCCCC"/>
+                    </a:solidFill>
+                  </a:tcPr>
+                </a:tc>
+                <a:tc>
+                  <a:txBody>
+                    <a:bodyPr/>
+                    <a:lstStyle/>
+                    <a:p>
+                      <a:pPr marL="0" lvl="0" indent="0" algn="l" rtl="0">
+                        <a:spcBef>
+                          <a:spcPts val="0"/>
+                        </a:spcBef>
+                        <a:spcAft>
+                          <a:spcPts val="0"/>
+                        </a:spcAft>
+                        <a:buNone/>
+                      </a:pPr>
+                      <a:r>
+                        <a:rPr lang="en" sz="1800" b="1" dirty="0"/>
+                        <a:t>Test Cases - input</a:t>
+                      </a:r>
+                      <a:endParaRPr sz="1800" b="1" dirty="0"/>
+                    </a:p>
+                  </a:txBody>
+                  <a:tcPr marL="121900" marR="121900" marT="121900" marB="121900">
+                    <a:solidFill>
+                      <a:srgbClr val="CCCCCC"/>
+                    </a:solidFill>
+                  </a:tcPr>
+                </a:tc>
+                <a:tc>
+                  <a:txBody>
+                    <a:bodyPr/>
+                    <a:lstStyle/>
+                    <a:p>
+                      <a:pPr marL="0" lvl="0" indent="0" algn="l" rtl="0">
+                        <a:spcBef>
+                          <a:spcPts val="0"/>
+                        </a:spcBef>
+                        <a:spcAft>
+                          <a:spcPts val="0"/>
+                        </a:spcAft>
+                        <a:buNone/>
+                      </a:pPr>
+                      <a:r>
+                        <a:rPr lang="en" sz="1800" b="1" dirty="0"/>
+                        <a:t>Expected output</a:t>
+                      </a:r>
+                      <a:endParaRPr sz="1800" b="1" dirty="0"/>
+                    </a:p>
+                  </a:txBody>
+                  <a:tcPr marL="121900" marR="121900" marT="121900" marB="121900">
+                    <a:solidFill>
+                      <a:srgbClr val="CCCCCC"/>
+                    </a:solidFill>
+                  </a:tcPr>
+                </a:tc>
+                <a:extLst>
+                  <a:ext uri="{0D108BD9-81ED-4DB2-BD59-A6C34878D82A}">
+                    <a16:rowId xmlns:a16="http://schemas.microsoft.com/office/drawing/2014/main" val="10000"/>
+                  </a:ext>
+                </a:extLst>
+              </a:tr>
+              <a:tr h="609560">
+                <a:tc>
+                  <a:txBody>
+                    <a:bodyPr/>
+                    <a:lstStyle/>
+                    <a:p>
+                      <a:pPr marL="0" lvl="0" indent="0" algn="l" rtl="0">
+                        <a:spcBef>
+                          <a:spcPts val="0"/>
+                        </a:spcBef>
+                        <a:spcAft>
+                          <a:spcPts val="0"/>
+                        </a:spcAft>
+                        <a:buNone/>
+                      </a:pPr>
+                      <a:r>
+                        <a:rPr lang="en-NZ" sz="1800" dirty="0"/>
+                        <a:t>Asking the user what creature, they want to delete.</a:t>
+                      </a:r>
+                      <a:endParaRPr sz="1800" dirty="0"/>
+                    </a:p>
+                  </a:txBody>
+                  <a:tcPr marL="121900" marR="121900" marT="121900" marB="121900"/>
+                </a:tc>
+                <a:tc>
+                  <a:txBody>
+                    <a:bodyPr/>
+                    <a:lstStyle/>
+                    <a:p>
+                      <a:pPr marL="0" lvl="0" indent="0" algn="l" rtl="0">
+                        <a:spcBef>
+                          <a:spcPts val="0"/>
+                        </a:spcBef>
+                        <a:spcAft>
+                          <a:spcPts val="0"/>
+                        </a:spcAft>
+                        <a:buNone/>
+                      </a:pPr>
+                      <a:r>
+                        <a:rPr lang="en-NZ" sz="1800" dirty="0" err="1"/>
+                        <a:t>Rotthing</a:t>
+                      </a:r>
+                      <a:r>
+                        <a:rPr lang="en-NZ" sz="1800" dirty="0"/>
+                        <a:t> (Dictionary Creature)</a:t>
+                      </a:r>
+                      <a:endParaRPr sz="1800" dirty="0"/>
+                    </a:p>
+                  </a:txBody>
+                  <a:tcPr marL="121900" marR="121900" marT="121900" marB="121900"/>
+                </a:tc>
+                <a:tc>
+                  <a:txBody>
+                    <a:bodyPr/>
+                    <a:lstStyle/>
+                    <a:p>
+                      <a:pPr marL="0" lvl="0" indent="0" algn="l" rtl="0">
+                        <a:spcBef>
+                          <a:spcPts val="0"/>
+                        </a:spcBef>
+                        <a:spcAft>
+                          <a:spcPts val="0"/>
+                        </a:spcAft>
+                        <a:buNone/>
+                      </a:pPr>
+                      <a:r>
+                        <a:rPr lang="en-NZ" sz="1800" dirty="0"/>
+                        <a:t>“</a:t>
+                      </a:r>
+                      <a:r>
+                        <a:rPr lang="en-NZ" sz="1800" dirty="0" err="1"/>
+                        <a:t>Rotthing</a:t>
+                      </a:r>
+                      <a:r>
+                        <a:rPr lang="en-NZ" sz="1800" dirty="0"/>
+                        <a:t> deleted from the current session” </a:t>
+                      </a:r>
+                      <a:endParaRPr sz="1800" dirty="0"/>
+                    </a:p>
+                  </a:txBody>
+                  <a:tcPr marL="121900" marR="121900" marT="121900" marB="121900"/>
+                </a:tc>
+                <a:extLst>
+                  <a:ext uri="{0D108BD9-81ED-4DB2-BD59-A6C34878D82A}">
+                    <a16:rowId xmlns:a16="http://schemas.microsoft.com/office/drawing/2014/main" val="10001"/>
+                  </a:ext>
+                </a:extLst>
+              </a:tr>
+              <a:tr h="609560">
+                <a:tc>
+                  <a:txBody>
+                    <a:bodyPr/>
+                    <a:lstStyle/>
+                    <a:p>
+                      <a:pPr marL="0" marR="0" lvl="0" indent="0" algn="l" defTabSz="914400" rtl="0" eaLnBrk="1" fontAlgn="auto" latinLnBrk="0" hangingPunct="1">
+                        <a:lnSpc>
+                          <a:spcPct val="100000"/>
+                        </a:lnSpc>
+                        <a:spcBef>
+                          <a:spcPts val="0"/>
+                        </a:spcBef>
+                        <a:spcAft>
+                          <a:spcPts val="0"/>
+                        </a:spcAft>
+                        <a:buClrTx/>
+                        <a:buSzTx/>
+                        <a:buFontTx/>
+                        <a:buNone/>
+                        <a:tabLst/>
+                        <a:defRPr/>
+                      </a:pPr>
+                      <a:r>
+                        <a:rPr lang="en-GB" sz="1800" dirty="0"/>
+                        <a:t>Asking the user what creature, they want to delete.</a:t>
+                      </a:r>
+                    </a:p>
+                  </a:txBody>
+                  <a:tcPr marL="121900" marR="121900" marT="121900" marB="121900"/>
+                </a:tc>
+                <a:tc>
+                  <a:txBody>
+                    <a:bodyPr/>
+                    <a:lstStyle/>
+                    <a:p>
+                      <a:pPr marL="0" lvl="0" indent="0" algn="l" rtl="0">
+                        <a:spcBef>
+                          <a:spcPts val="0"/>
+                        </a:spcBef>
+                        <a:spcAft>
+                          <a:spcPts val="0"/>
+                        </a:spcAft>
+                        <a:buNone/>
+                      </a:pPr>
+                      <a:r>
+                        <a:rPr lang="en-NZ" sz="1800" dirty="0"/>
+                        <a:t>joe (Session Creature)</a:t>
+                      </a:r>
+                      <a:endParaRPr sz="1800" dirty="0"/>
+                    </a:p>
+                  </a:txBody>
+                  <a:tcPr marL="121900" marR="121900" marT="121900" marB="121900"/>
+                </a:tc>
+                <a:tc>
+                  <a:txBody>
+                    <a:bodyPr/>
+                    <a:lstStyle/>
+                    <a:p>
+                      <a:pPr marL="0" marR="0" lvl="0" indent="0" algn="l" defTabSz="914400" rtl="0" eaLnBrk="1" fontAlgn="auto" latinLnBrk="0" hangingPunct="1">
+                        <a:lnSpc>
+                          <a:spcPct val="100000"/>
+                        </a:lnSpc>
+                        <a:spcBef>
+                          <a:spcPts val="0"/>
+                        </a:spcBef>
+                        <a:spcAft>
+                          <a:spcPts val="0"/>
+                        </a:spcAft>
+                        <a:buClrTx/>
+                        <a:buSzTx/>
+                        <a:buFontTx/>
+                        <a:buNone/>
+                        <a:tabLst/>
+                        <a:defRPr/>
+                      </a:pPr>
+                      <a:r>
+                        <a:rPr lang="en-GB" sz="1800" dirty="0"/>
+                        <a:t>“Joe deleted from the current session” </a:t>
+                      </a:r>
+                    </a:p>
+                  </a:txBody>
+                  <a:tcPr marL="121900" marR="121900" marT="121900" marB="121900"/>
+                </a:tc>
+                <a:extLst>
+                  <a:ext uri="{0D108BD9-81ED-4DB2-BD59-A6C34878D82A}">
+                    <a16:rowId xmlns:a16="http://schemas.microsoft.com/office/drawing/2014/main" val="14414870"/>
+                  </a:ext>
+                </a:extLst>
+              </a:tr>
+              <a:tr h="611605">
+                <a:tc>
+                  <a:txBody>
+                    <a:bodyPr/>
+                    <a:lstStyle/>
+                    <a:p>
+                      <a:pPr marL="0" marR="0" lvl="0" indent="0" algn="l" defTabSz="914400" rtl="0" eaLnBrk="1" fontAlgn="auto" latinLnBrk="0" hangingPunct="1">
+                        <a:lnSpc>
+                          <a:spcPct val="100000"/>
+                        </a:lnSpc>
+                        <a:spcBef>
+                          <a:spcPts val="0"/>
+                        </a:spcBef>
+                        <a:spcAft>
+                          <a:spcPts val="0"/>
+                        </a:spcAft>
+                        <a:buClrTx/>
+                        <a:buSzTx/>
+                        <a:buFontTx/>
+                        <a:buNone/>
+                        <a:tabLst/>
+                        <a:defRPr/>
+                      </a:pPr>
+                      <a:r>
+                        <a:rPr lang="en-GB" sz="1800" dirty="0"/>
+                        <a:t>Asking the user what creature, they want to delete.</a:t>
+                      </a:r>
+                    </a:p>
+                  </a:txBody>
+                  <a:tcPr marL="121900" marR="121900" marT="121900" marB="121900"/>
+                </a:tc>
+                <a:tc>
+                  <a:txBody>
+                    <a:bodyPr/>
+                    <a:lstStyle/>
+                    <a:p>
+                      <a:pPr marL="0" lvl="0" indent="0" algn="l" rtl="0">
+                        <a:spcBef>
+                          <a:spcPts val="0"/>
+                        </a:spcBef>
+                        <a:spcAft>
+                          <a:spcPts val="0"/>
+                        </a:spcAft>
+                        <a:buNone/>
+                      </a:pPr>
+                      <a:r>
+                        <a:rPr lang="en-NZ" sz="1800" dirty="0"/>
+                        <a:t>(User presses cancel button)</a:t>
+                      </a:r>
+                    </a:p>
+                  </a:txBody>
+                  <a:tcPr marL="121900" marR="121900" marT="121900" marB="121900"/>
+                </a:tc>
+                <a:tc>
+                  <a:txBody>
+                    <a:bodyPr/>
+                    <a:lstStyle/>
+                    <a:p>
+                      <a:pPr marL="0" marR="0" lvl="0" indent="0" algn="l" defTabSz="914400" rtl="0" eaLnBrk="1" fontAlgn="auto" latinLnBrk="0" hangingPunct="1">
+                        <a:lnSpc>
+                          <a:spcPct val="100000"/>
+                        </a:lnSpc>
+                        <a:spcBef>
+                          <a:spcPts val="0"/>
+                        </a:spcBef>
+                        <a:spcAft>
+                          <a:spcPts val="0"/>
+                        </a:spcAft>
+                        <a:buClrTx/>
+                        <a:buSzTx/>
+                        <a:buFontTx/>
+                        <a:buNone/>
+                        <a:tabLst/>
+                        <a:defRPr/>
+                      </a:pPr>
+                      <a:r>
+                        <a:rPr lang="en-GB" sz="1800" dirty="0"/>
+                        <a:t>Program returns to main menu</a:t>
+                      </a:r>
+                    </a:p>
+                  </a:txBody>
+                  <a:tcPr marL="121900" marR="121900" marT="121900" marB="121900"/>
+                </a:tc>
+                <a:extLst>
+                  <a:ext uri="{0D108BD9-81ED-4DB2-BD59-A6C34878D82A}">
+                    <a16:rowId xmlns:a16="http://schemas.microsoft.com/office/drawing/2014/main" val="3777057556"/>
+                  </a:ext>
+                </a:extLst>
+              </a:tr>
+            </a:tbl>
+          </a:graphicData>
+        </a:graphic>
+      </p:graphicFrame>
+    </p:spTree>
+    <p:extLst>
+      <p:ext uri="{BB962C8B-B14F-4D97-AF65-F5344CB8AC3E}">
+        <p14:creationId xmlns:p14="http://schemas.microsoft.com/office/powerpoint/2010/main" val="1198325329"/>
+      </p:ext>
+    </p:extLst>
+  </p:cSld>
+  <p:clrMapOvr>
+    <a:masterClrMapping/>
+  </p:clrMapOvr>
+</p:sld>
+</file>
+
+<file path=ppt/slides/slide22.xml><?xml version="1.0" encoding="utf-8"?>
+<p:sld xmlns:a="http://schemas.openxmlformats.org/drawingml/2006/main" xmlns:r="http://schemas.openxmlformats.org/officeDocument/2006/relationships" xmlns:p="http://schemas.openxmlformats.org/presentationml/2006/main">
+  <p:cSld>
+    <p:spTree>
+      <p:nvGrpSpPr>
+        <p:cNvPr id="1" name="Shape 85"/>
+        <p:cNvGrpSpPr/>
+        <p:nvPr/>
+      </p:nvGrpSpPr>
+      <p:grpSpPr>
+        <a:xfrm>
+          <a:off x="0" y="0"/>
+          <a:ext cx="0" cy="0"/>
+          <a:chOff x="0" y="0"/>
+          <a:chExt cx="0" cy="0"/>
+        </a:xfrm>
+      </p:grpSpPr>
+      <p:sp>
+        <p:nvSpPr>
+          <p:cNvPr id="86" name="Google Shape;86;p18"/>
+          <p:cNvSpPr txBox="1">
+            <a:spLocks noGrp="1"/>
+          </p:cNvSpPr>
+          <p:nvPr>
+            <p:ph type="title"/>
+          </p:nvPr>
+        </p:nvSpPr>
+        <p:spPr>
+          <a:xfrm>
+            <a:off x="0" y="0"/>
+            <a:ext cx="11360800" cy="763600"/>
+          </a:xfrm>
+          <a:prstGeom prst="rect">
+            <a:avLst/>
+          </a:prstGeom>
+        </p:spPr>
+        <p:txBody>
+          <a:bodyPr spcFirstLastPara="1" vert="horz" wrap="square" lIns="121900" tIns="121900" rIns="121900" bIns="121900" rtlCol="0" anchor="t" anchorCtr="0">
+            <a:noAutofit/>
+          </a:bodyPr>
+          <a:lstStyle/>
+          <a:p>
+            <a:r>
+              <a:rPr lang="en" sz="4000" dirty="0"/>
+              <a:t>Component 4 Delete Creature: Testing</a:t>
+            </a:r>
+            <a:endParaRPr sz="4000" dirty="0"/>
+          </a:p>
+        </p:txBody>
+      </p:sp>
+      <p:pic>
+        <p:nvPicPr>
+          <p:cNvPr id="2" name="Picture 1">
+            <a:extLst>
+              <a:ext uri="{FF2B5EF4-FFF2-40B4-BE49-F238E27FC236}">
+                <a16:creationId xmlns:a16="http://schemas.microsoft.com/office/drawing/2014/main" id="{41789987-157B-6AF1-73A5-E97CF463F41E}"/>
+              </a:ext>
+            </a:extLst>
+          </p:cNvPr>
+          <p:cNvPicPr>
+            <a:picLocks noChangeAspect="1"/>
+          </p:cNvPicPr>
+          <p:nvPr/>
+        </p:nvPicPr>
+        <p:blipFill>
+          <a:blip r:embed="rId3"/>
+          <a:stretch>
+            <a:fillRect/>
+          </a:stretch>
+        </p:blipFill>
+        <p:spPr>
+          <a:xfrm>
+            <a:off x="6747029" y="636207"/>
+            <a:ext cx="2168850" cy="855242"/>
+          </a:xfrm>
+          <a:prstGeom prst="rect">
+            <a:avLst/>
+          </a:prstGeom>
+        </p:spPr>
+      </p:pic>
+      <p:pic>
+        <p:nvPicPr>
+          <p:cNvPr id="4" name="Picture 3">
+            <a:extLst>
+              <a:ext uri="{FF2B5EF4-FFF2-40B4-BE49-F238E27FC236}">
+                <a16:creationId xmlns:a16="http://schemas.microsoft.com/office/drawing/2014/main" id="{29566F9D-854F-7602-6808-9F98EA02D3B8}"/>
+              </a:ext>
+            </a:extLst>
+          </p:cNvPr>
+          <p:cNvPicPr>
+            <a:picLocks noChangeAspect="1"/>
+          </p:cNvPicPr>
+          <p:nvPr/>
+        </p:nvPicPr>
+        <p:blipFill>
+          <a:blip r:embed="rId4"/>
+          <a:stretch>
+            <a:fillRect/>
+          </a:stretch>
+        </p:blipFill>
+        <p:spPr>
+          <a:xfrm>
+            <a:off x="8915879" y="448575"/>
+            <a:ext cx="3300555" cy="1106714"/>
+          </a:xfrm>
+          <a:prstGeom prst="rect">
+            <a:avLst/>
+          </a:prstGeom>
+        </p:spPr>
+      </p:pic>
+      <p:pic>
+        <p:nvPicPr>
+          <p:cNvPr id="7" name="Picture 6">
+            <a:extLst>
+              <a:ext uri="{FF2B5EF4-FFF2-40B4-BE49-F238E27FC236}">
+                <a16:creationId xmlns:a16="http://schemas.microsoft.com/office/drawing/2014/main" id="{850DC503-7918-CDF1-23CA-9B704A02981B}"/>
+              </a:ext>
+            </a:extLst>
+          </p:cNvPr>
+          <p:cNvPicPr>
+            <a:picLocks noChangeAspect="1"/>
+          </p:cNvPicPr>
+          <p:nvPr/>
+        </p:nvPicPr>
+        <p:blipFill>
+          <a:blip r:embed="rId5"/>
+          <a:stretch>
+            <a:fillRect/>
+          </a:stretch>
+        </p:blipFill>
+        <p:spPr>
+          <a:xfrm>
+            <a:off x="0" y="636207"/>
+            <a:ext cx="6676008" cy="1770232"/>
+          </a:xfrm>
+          <a:prstGeom prst="rect">
+            <a:avLst/>
+          </a:prstGeom>
+        </p:spPr>
+      </p:pic>
+      <mc:AlternateContent xmlns:mc="http://schemas.openxmlformats.org/markup-compatibility/2006" xmlns:p14="http://schemas.microsoft.com/office/powerpoint/2010/main">
+        <mc:Choice Requires="p14">
+          <p:contentPart p14:bwMode="auto" r:id="rId6">
+            <p14:nvContentPartPr>
+              <p14:cNvPr id="9" name="Ink 8">
+                <a:extLst>
+                  <a:ext uri="{FF2B5EF4-FFF2-40B4-BE49-F238E27FC236}">
+                    <a16:creationId xmlns:a16="http://schemas.microsoft.com/office/drawing/2014/main" id="{1C43E47F-5D7F-F560-0BE3-A45B01701D73}"/>
+                  </a:ext>
+                </a:extLst>
+              </p14:cNvPr>
+              <p14:cNvContentPartPr/>
+              <p14:nvPr/>
+            </p14:nvContentPartPr>
+            <p14:xfrm>
+              <a:off x="4003934" y="1231976"/>
+              <a:ext cx="551160" cy="19800"/>
+            </p14:xfrm>
+          </p:contentPart>
+        </mc:Choice>
+        <mc:Fallback xmlns="">
+          <p:pic>
+            <p:nvPicPr>
+              <p:cNvPr id="9" name="Ink 8">
+                <a:extLst>
+                  <a:ext uri="{FF2B5EF4-FFF2-40B4-BE49-F238E27FC236}">
+                    <a16:creationId xmlns:a16="http://schemas.microsoft.com/office/drawing/2014/main" id="{1C43E47F-5D7F-F560-0BE3-A45B01701D73}"/>
+                  </a:ext>
+                </a:extLst>
+              </p:cNvPr>
+              <p:cNvPicPr/>
+              <p:nvPr/>
+            </p:nvPicPr>
+            <p:blipFill>
+              <a:blip r:embed="rId7"/>
+              <a:stretch>
+                <a:fillRect/>
+              </a:stretch>
+            </p:blipFill>
+            <p:spPr>
+              <a:xfrm>
+                <a:off x="3994934" y="1223336"/>
+                <a:ext cx="568800" cy="37440"/>
+              </a:xfrm>
+              <a:prstGeom prst="rect">
+                <a:avLst/>
+              </a:prstGeom>
+            </p:spPr>
+          </p:pic>
+        </mc:Fallback>
+      </mc:AlternateContent>
+      <mc:AlternateContent xmlns:mc="http://schemas.openxmlformats.org/markup-compatibility/2006" xmlns:p14="http://schemas.microsoft.com/office/powerpoint/2010/main">
+        <mc:Choice Requires="p14">
+          <p:contentPart p14:bwMode="auto" r:id="rId8">
+            <p14:nvContentPartPr>
+              <p14:cNvPr id="11" name="Ink 10">
+                <a:extLst>
+                  <a:ext uri="{FF2B5EF4-FFF2-40B4-BE49-F238E27FC236}">
+                    <a16:creationId xmlns:a16="http://schemas.microsoft.com/office/drawing/2014/main" id="{74F22D87-0951-ADE4-CD55-082C106562D9}"/>
+                  </a:ext>
+                </a:extLst>
+              </p14:cNvPr>
+              <p14:cNvContentPartPr/>
+              <p14:nvPr/>
+            </p14:nvContentPartPr>
+            <p14:xfrm>
+              <a:off x="6694574" y="914096"/>
+              <a:ext cx="836280" cy="354960"/>
+            </p14:xfrm>
+          </p:contentPart>
+        </mc:Choice>
+        <mc:Fallback xmlns="">
+          <p:pic>
+            <p:nvPicPr>
+              <p:cNvPr id="11" name="Ink 10">
+                <a:extLst>
+                  <a:ext uri="{FF2B5EF4-FFF2-40B4-BE49-F238E27FC236}">
+                    <a16:creationId xmlns:a16="http://schemas.microsoft.com/office/drawing/2014/main" id="{74F22D87-0951-ADE4-CD55-082C106562D9}"/>
+                  </a:ext>
+                </a:extLst>
+              </p:cNvPr>
+              <p:cNvPicPr/>
+              <p:nvPr/>
+            </p:nvPicPr>
+            <p:blipFill>
+              <a:blip r:embed="rId9"/>
+              <a:stretch>
+                <a:fillRect/>
+              </a:stretch>
+            </p:blipFill>
+            <p:spPr>
+              <a:xfrm>
+                <a:off x="6685574" y="905096"/>
+                <a:ext cx="853920" cy="372600"/>
+              </a:xfrm>
+              <a:prstGeom prst="rect">
+                <a:avLst/>
+              </a:prstGeom>
+            </p:spPr>
+          </p:pic>
+        </mc:Fallback>
+      </mc:AlternateContent>
+      <mc:AlternateContent xmlns:mc="http://schemas.openxmlformats.org/markup-compatibility/2006" xmlns:p14="http://schemas.microsoft.com/office/powerpoint/2010/main">
+        <mc:Choice Requires="p14">
+          <p:contentPart p14:bwMode="auto" r:id="rId10">
+            <p14:nvContentPartPr>
+              <p14:cNvPr id="13" name="Ink 12">
+                <a:extLst>
+                  <a:ext uri="{FF2B5EF4-FFF2-40B4-BE49-F238E27FC236}">
+                    <a16:creationId xmlns:a16="http://schemas.microsoft.com/office/drawing/2014/main" id="{B186D217-053A-218C-E92A-C74DEE2ED14E}"/>
+                  </a:ext>
+                </a:extLst>
+              </p14:cNvPr>
+              <p14:cNvContentPartPr/>
+              <p14:nvPr/>
+            </p14:nvContentPartPr>
+            <p14:xfrm>
+              <a:off x="7199654" y="1204616"/>
+              <a:ext cx="169920" cy="207720"/>
+            </p14:xfrm>
+          </p:contentPart>
+        </mc:Choice>
+        <mc:Fallback xmlns="">
+          <p:pic>
+            <p:nvPicPr>
+              <p:cNvPr id="13" name="Ink 12">
+                <a:extLst>
+                  <a:ext uri="{FF2B5EF4-FFF2-40B4-BE49-F238E27FC236}">
+                    <a16:creationId xmlns:a16="http://schemas.microsoft.com/office/drawing/2014/main" id="{B186D217-053A-218C-E92A-C74DEE2ED14E}"/>
+                  </a:ext>
+                </a:extLst>
+              </p:cNvPr>
+              <p:cNvPicPr/>
+              <p:nvPr/>
+            </p:nvPicPr>
+            <p:blipFill>
+              <a:blip r:embed="rId11"/>
+              <a:stretch>
+                <a:fillRect/>
+              </a:stretch>
+            </p:blipFill>
+            <p:spPr>
+              <a:xfrm>
+                <a:off x="7190654" y="1195976"/>
+                <a:ext cx="187560" cy="225360"/>
+              </a:xfrm>
+              <a:prstGeom prst="rect">
+                <a:avLst/>
+              </a:prstGeom>
+            </p:spPr>
+          </p:pic>
+        </mc:Fallback>
+      </mc:AlternateContent>
+      <p:pic>
+        <p:nvPicPr>
+          <p:cNvPr id="16" name="Picture 15">
+            <a:extLst>
+              <a:ext uri="{FF2B5EF4-FFF2-40B4-BE49-F238E27FC236}">
+                <a16:creationId xmlns:a16="http://schemas.microsoft.com/office/drawing/2014/main" id="{5E60C2F5-52A2-55FF-F2FC-3A3F52351A87}"/>
+              </a:ext>
+            </a:extLst>
+          </p:cNvPr>
+          <p:cNvPicPr>
+            <a:picLocks noChangeAspect="1"/>
+          </p:cNvPicPr>
+          <p:nvPr/>
+        </p:nvPicPr>
+        <p:blipFill>
+          <a:blip r:embed="rId12"/>
+          <a:stretch>
+            <a:fillRect/>
+          </a:stretch>
+        </p:blipFill>
+        <p:spPr>
+          <a:xfrm>
+            <a:off x="6676008" y="1491449"/>
+            <a:ext cx="2097764" cy="855242"/>
+          </a:xfrm>
+          <a:prstGeom prst="rect">
+            <a:avLst/>
+          </a:prstGeom>
+        </p:spPr>
+      </p:pic>
+      <mc:AlternateContent xmlns:mc="http://schemas.openxmlformats.org/markup-compatibility/2006" xmlns:p14="http://schemas.microsoft.com/office/powerpoint/2010/main">
+        <mc:Choice Requires="p14">
+          <p:contentPart p14:bwMode="auto" r:id="rId13">
+            <p14:nvContentPartPr>
+              <p14:cNvPr id="17" name="Ink 16">
+                <a:extLst>
+                  <a:ext uri="{FF2B5EF4-FFF2-40B4-BE49-F238E27FC236}">
+                    <a16:creationId xmlns:a16="http://schemas.microsoft.com/office/drawing/2014/main" id="{5522B931-E59C-E071-26B6-FE3711C50ACD}"/>
+                  </a:ext>
+                </a:extLst>
+              </p14:cNvPr>
+              <p14:cNvContentPartPr/>
+              <p14:nvPr/>
+            </p14:nvContentPartPr>
+            <p14:xfrm>
+              <a:off x="7384089" y="1017965"/>
+              <a:ext cx="2051280" cy="284760"/>
+            </p14:xfrm>
+          </p:contentPart>
+        </mc:Choice>
+        <mc:Fallback xmlns="">
+          <p:pic>
+            <p:nvPicPr>
+              <p:cNvPr id="17" name="Ink 16">
+                <a:extLst>
+                  <a:ext uri="{FF2B5EF4-FFF2-40B4-BE49-F238E27FC236}">
+                    <a16:creationId xmlns:a16="http://schemas.microsoft.com/office/drawing/2014/main" id="{5522B931-E59C-E071-26B6-FE3711C50ACD}"/>
+                  </a:ext>
+                </a:extLst>
+              </p:cNvPr>
+              <p:cNvPicPr/>
+              <p:nvPr/>
+            </p:nvPicPr>
+            <p:blipFill>
+              <a:blip r:embed="rId14"/>
+              <a:stretch>
+                <a:fillRect/>
+              </a:stretch>
+            </p:blipFill>
+            <p:spPr>
+              <a:xfrm>
+                <a:off x="7375089" y="1009325"/>
+                <a:ext cx="2068920" cy="302400"/>
+              </a:xfrm>
+              <a:prstGeom prst="rect">
+                <a:avLst/>
+              </a:prstGeom>
+            </p:spPr>
+          </p:pic>
+        </mc:Fallback>
+      </mc:AlternateContent>
+      <mc:AlternateContent xmlns:mc="http://schemas.openxmlformats.org/markup-compatibility/2006" xmlns:p14="http://schemas.microsoft.com/office/powerpoint/2010/main">
+        <mc:Choice Requires="p14">
+          <p:contentPart p14:bwMode="auto" r:id="rId15">
+            <p14:nvContentPartPr>
+              <p14:cNvPr id="18" name="Ink 17">
+                <a:extLst>
+                  <a:ext uri="{FF2B5EF4-FFF2-40B4-BE49-F238E27FC236}">
+                    <a16:creationId xmlns:a16="http://schemas.microsoft.com/office/drawing/2014/main" id="{8CE95F20-5791-317C-6E17-2BFA214D98BA}"/>
+                  </a:ext>
+                </a:extLst>
+              </p14:cNvPr>
+              <p14:cNvContentPartPr/>
+              <p14:nvPr/>
+            </p14:nvContentPartPr>
+            <p14:xfrm>
+              <a:off x="4304649" y="1776845"/>
+              <a:ext cx="250920" cy="59760"/>
+            </p14:xfrm>
+          </p:contentPart>
+        </mc:Choice>
+        <mc:Fallback xmlns="">
+          <p:pic>
+            <p:nvPicPr>
+              <p:cNvPr id="18" name="Ink 17">
+                <a:extLst>
+                  <a:ext uri="{FF2B5EF4-FFF2-40B4-BE49-F238E27FC236}">
+                    <a16:creationId xmlns:a16="http://schemas.microsoft.com/office/drawing/2014/main" id="{8CE95F20-5791-317C-6E17-2BFA214D98BA}"/>
+                  </a:ext>
+                </a:extLst>
+              </p:cNvPr>
+              <p:cNvPicPr/>
+              <p:nvPr/>
+            </p:nvPicPr>
+            <p:blipFill>
+              <a:blip r:embed="rId16"/>
+              <a:stretch>
+                <a:fillRect/>
+              </a:stretch>
+            </p:blipFill>
+            <p:spPr>
+              <a:xfrm>
+                <a:off x="4295649" y="1767845"/>
+                <a:ext cx="268560" cy="77400"/>
+              </a:xfrm>
+              <a:prstGeom prst="rect">
+                <a:avLst/>
+              </a:prstGeom>
+            </p:spPr>
+          </p:pic>
+        </mc:Fallback>
+      </mc:AlternateContent>
+      <mc:AlternateContent xmlns:mc="http://schemas.openxmlformats.org/markup-compatibility/2006" xmlns:p14="http://schemas.microsoft.com/office/powerpoint/2010/main">
+        <mc:Choice Requires="p14">
+          <p:contentPart p14:bwMode="auto" r:id="rId17">
+            <p14:nvContentPartPr>
+              <p14:cNvPr id="21" name="Ink 20">
+                <a:extLst>
+                  <a:ext uri="{FF2B5EF4-FFF2-40B4-BE49-F238E27FC236}">
+                    <a16:creationId xmlns:a16="http://schemas.microsoft.com/office/drawing/2014/main" id="{A878525C-E76B-25E1-F8B4-DBA14DCD4564}"/>
+                  </a:ext>
+                </a:extLst>
+              </p14:cNvPr>
+              <p14:cNvContentPartPr/>
+              <p14:nvPr/>
+            </p14:nvContentPartPr>
+            <p14:xfrm>
+              <a:off x="7036689" y="2093645"/>
+              <a:ext cx="340560" cy="279720"/>
+            </p14:xfrm>
+          </p:contentPart>
+        </mc:Choice>
+        <mc:Fallback xmlns="">
+          <p:pic>
+            <p:nvPicPr>
+              <p:cNvPr id="21" name="Ink 20">
+                <a:extLst>
+                  <a:ext uri="{FF2B5EF4-FFF2-40B4-BE49-F238E27FC236}">
+                    <a16:creationId xmlns:a16="http://schemas.microsoft.com/office/drawing/2014/main" id="{A878525C-E76B-25E1-F8B4-DBA14DCD4564}"/>
+                  </a:ext>
+                </a:extLst>
+              </p:cNvPr>
+              <p:cNvPicPr/>
+              <p:nvPr/>
+            </p:nvPicPr>
+            <p:blipFill>
+              <a:blip r:embed="rId18"/>
+              <a:stretch>
+                <a:fillRect/>
+              </a:stretch>
+            </p:blipFill>
+            <p:spPr>
+              <a:xfrm>
+                <a:off x="7028049" y="2085005"/>
+                <a:ext cx="358200" cy="297360"/>
+              </a:xfrm>
+              <a:prstGeom prst="rect">
+                <a:avLst/>
+              </a:prstGeom>
+            </p:spPr>
+          </p:pic>
+        </mc:Fallback>
+      </mc:AlternateContent>
+      <p:pic>
+        <p:nvPicPr>
+          <p:cNvPr id="23" name="Picture 22">
+            <a:extLst>
+              <a:ext uri="{FF2B5EF4-FFF2-40B4-BE49-F238E27FC236}">
+                <a16:creationId xmlns:a16="http://schemas.microsoft.com/office/drawing/2014/main" id="{9D244030-C499-B0EF-AF7A-EF9A8D924B24}"/>
+              </a:ext>
+            </a:extLst>
+          </p:cNvPr>
+          <p:cNvPicPr>
+            <a:picLocks noChangeAspect="1"/>
+          </p:cNvPicPr>
+          <p:nvPr/>
+        </p:nvPicPr>
+        <p:blipFill>
+          <a:blip r:embed="rId19"/>
+          <a:stretch>
+            <a:fillRect/>
+          </a:stretch>
+        </p:blipFill>
+        <p:spPr>
+          <a:xfrm>
+            <a:off x="8801979" y="1555289"/>
+            <a:ext cx="3352094" cy="1125629"/>
+          </a:xfrm>
+          <a:prstGeom prst="rect">
+            <a:avLst/>
+          </a:prstGeom>
+        </p:spPr>
+      </p:pic>
+      <p:grpSp>
+        <p:nvGrpSpPr>
+          <p:cNvPr id="26" name="Group 25">
+            <a:extLst>
+              <a:ext uri="{FF2B5EF4-FFF2-40B4-BE49-F238E27FC236}">
+                <a16:creationId xmlns:a16="http://schemas.microsoft.com/office/drawing/2014/main" id="{03E0ED48-7C0D-B62E-24E1-67F6BF56537E}"/>
+              </a:ext>
+            </a:extLst>
+          </p:cNvPr>
+          <p:cNvGrpSpPr/>
+          <p:nvPr/>
+        </p:nvGrpSpPr>
+        <p:grpSpPr>
+          <a:xfrm>
+            <a:off x="6096000" y="1749305"/>
+            <a:ext cx="3562560" cy="688680"/>
+            <a:chOff x="6107169" y="1759565"/>
+            <a:chExt cx="3562560" cy="688680"/>
+          </a:xfrm>
+        </p:grpSpPr>
+        <mc:AlternateContent xmlns:mc="http://schemas.openxmlformats.org/markup-compatibility/2006" xmlns:p14="http://schemas.microsoft.com/office/powerpoint/2010/main">
+          <mc:Choice Requires="p14">
+            <p:contentPart p14:bwMode="auto" r:id="rId20">
+              <p14:nvContentPartPr>
+                <p14:cNvPr id="19" name="Ink 18">
+                  <a:extLst>
+                    <a:ext uri="{FF2B5EF4-FFF2-40B4-BE49-F238E27FC236}">
+                      <a16:creationId xmlns:a16="http://schemas.microsoft.com/office/drawing/2014/main" id="{2404B17E-E066-9AEE-0852-39B0C46F77FE}"/>
+                    </a:ext>
+                  </a:extLst>
+                </p14:cNvPr>
+                <p14:cNvContentPartPr/>
+                <p14:nvPr/>
+              </p14:nvContentPartPr>
+              <p14:xfrm>
+                <a:off x="6624489" y="1820045"/>
+                <a:ext cx="415800" cy="260640"/>
+              </p14:xfrm>
+            </p:contentPart>
+          </mc:Choice>
+          <mc:Fallback xmlns="">
+            <p:pic>
+              <p:nvPicPr>
+                <p:cNvPr id="19" name="Ink 18">
+                  <a:extLst>
+                    <a:ext uri="{FF2B5EF4-FFF2-40B4-BE49-F238E27FC236}">
+                      <a16:creationId xmlns:a16="http://schemas.microsoft.com/office/drawing/2014/main" id="{2404B17E-E066-9AEE-0852-39B0C46F77FE}"/>
+                    </a:ext>
+                  </a:extLst>
+                </p:cNvPr>
+                <p:cNvPicPr/>
+                <p:nvPr/>
+              </p:nvPicPr>
+              <p:blipFill>
+                <a:blip r:embed="rId21"/>
+                <a:stretch>
+                  <a:fillRect/>
+                </a:stretch>
+              </p:blipFill>
+              <p:spPr>
+                <a:xfrm>
+                  <a:off x="6615849" y="1811405"/>
+                  <a:ext cx="433440" cy="278280"/>
+                </a:xfrm>
+                <a:prstGeom prst="rect">
+                  <a:avLst/>
+                </a:prstGeom>
+              </p:spPr>
+            </p:pic>
+          </mc:Fallback>
+        </mc:AlternateContent>
+        <mc:AlternateContent xmlns:mc="http://schemas.openxmlformats.org/markup-compatibility/2006" xmlns:p14="http://schemas.microsoft.com/office/powerpoint/2010/main">
+          <mc:Choice Requires="p14">
+            <p:contentPart p14:bwMode="auto" r:id="rId22">
+              <p14:nvContentPartPr>
+                <p14:cNvPr id="20" name="Ink 19">
+                  <a:extLst>
+                    <a:ext uri="{FF2B5EF4-FFF2-40B4-BE49-F238E27FC236}">
+                      <a16:creationId xmlns:a16="http://schemas.microsoft.com/office/drawing/2014/main" id="{23B4A3EE-CC8C-1C5F-7EA6-3E0321789EDF}"/>
+                    </a:ext>
+                  </a:extLst>
+                </p14:cNvPr>
+                <p14:cNvContentPartPr/>
+                <p14:nvPr/>
+              </p14:nvContentPartPr>
+              <p14:xfrm>
+                <a:off x="6107169" y="1759565"/>
+                <a:ext cx="525960" cy="168840"/>
+              </p14:xfrm>
+            </p:contentPart>
+          </mc:Choice>
+          <mc:Fallback xmlns="">
+            <p:pic>
+              <p:nvPicPr>
+                <p:cNvPr id="20" name="Ink 19">
+                  <a:extLst>
+                    <a:ext uri="{FF2B5EF4-FFF2-40B4-BE49-F238E27FC236}">
+                      <a16:creationId xmlns:a16="http://schemas.microsoft.com/office/drawing/2014/main" id="{23B4A3EE-CC8C-1C5F-7EA6-3E0321789EDF}"/>
+                    </a:ext>
+                  </a:extLst>
+                </p:cNvPr>
+                <p:cNvPicPr/>
+                <p:nvPr/>
+              </p:nvPicPr>
+              <p:blipFill>
+                <a:blip r:embed="rId23"/>
+                <a:stretch>
+                  <a:fillRect/>
+                </a:stretch>
+              </p:blipFill>
+              <p:spPr>
+                <a:xfrm>
+                  <a:off x="6098529" y="1750565"/>
+                  <a:ext cx="543600" cy="186480"/>
+                </a:xfrm>
+                <a:prstGeom prst="rect">
+                  <a:avLst/>
+                </a:prstGeom>
+              </p:spPr>
+            </p:pic>
+          </mc:Fallback>
+        </mc:AlternateContent>
+        <mc:AlternateContent xmlns:mc="http://schemas.openxmlformats.org/markup-compatibility/2006" xmlns:p14="http://schemas.microsoft.com/office/powerpoint/2010/main">
+          <mc:Choice Requires="p14">
+            <p:contentPart p14:bwMode="auto" r:id="rId24">
+              <p14:nvContentPartPr>
+                <p14:cNvPr id="24" name="Ink 23">
+                  <a:extLst>
+                    <a:ext uri="{FF2B5EF4-FFF2-40B4-BE49-F238E27FC236}">
+                      <a16:creationId xmlns:a16="http://schemas.microsoft.com/office/drawing/2014/main" id="{A11F8004-75FA-1F61-046F-86FECF604D73}"/>
+                    </a:ext>
+                  </a:extLst>
+                </p14:cNvPr>
+                <p14:cNvContentPartPr/>
+                <p14:nvPr/>
+              </p14:nvContentPartPr>
+              <p14:xfrm>
+                <a:off x="7358169" y="2027045"/>
+                <a:ext cx="1580760" cy="173520"/>
+              </p14:xfrm>
+            </p:contentPart>
+          </mc:Choice>
+          <mc:Fallback xmlns="">
+            <p:pic>
+              <p:nvPicPr>
+                <p:cNvPr id="24" name="Ink 23">
+                  <a:extLst>
+                    <a:ext uri="{FF2B5EF4-FFF2-40B4-BE49-F238E27FC236}">
+                      <a16:creationId xmlns:a16="http://schemas.microsoft.com/office/drawing/2014/main" id="{A11F8004-75FA-1F61-046F-86FECF604D73}"/>
+                    </a:ext>
+                  </a:extLst>
+                </p:cNvPr>
+                <p:cNvPicPr/>
+                <p:nvPr/>
+              </p:nvPicPr>
+              <p:blipFill>
+                <a:blip r:embed="rId25"/>
+                <a:stretch>
+                  <a:fillRect/>
+                </a:stretch>
+              </p:blipFill>
+              <p:spPr>
+                <a:xfrm>
+                  <a:off x="7349529" y="2018405"/>
+                  <a:ext cx="1598400" cy="191160"/>
+                </a:xfrm>
+                <a:prstGeom prst="rect">
+                  <a:avLst/>
+                </a:prstGeom>
+              </p:spPr>
+            </p:pic>
+          </mc:Fallback>
+        </mc:AlternateContent>
+        <mc:AlternateContent xmlns:mc="http://schemas.openxmlformats.org/markup-compatibility/2006" xmlns:p14="http://schemas.microsoft.com/office/powerpoint/2010/main">
+          <mc:Choice Requires="p14">
+            <p:contentPart p14:bwMode="auto" r:id="rId26">
+              <p14:nvContentPartPr>
+                <p14:cNvPr id="25" name="Ink 24">
+                  <a:extLst>
+                    <a:ext uri="{FF2B5EF4-FFF2-40B4-BE49-F238E27FC236}">
+                      <a16:creationId xmlns:a16="http://schemas.microsoft.com/office/drawing/2014/main" id="{60FAF760-2DF7-5D9B-A647-4820CF93ABBE}"/>
+                    </a:ext>
+                  </a:extLst>
+                </p14:cNvPr>
+                <p14:cNvContentPartPr/>
+                <p14:nvPr/>
+              </p14:nvContentPartPr>
+              <p14:xfrm>
+                <a:off x="8862249" y="2086805"/>
+                <a:ext cx="807480" cy="361440"/>
+              </p14:xfrm>
+            </p:contentPart>
+          </mc:Choice>
+          <mc:Fallback xmlns="">
+            <p:pic>
+              <p:nvPicPr>
+                <p:cNvPr id="25" name="Ink 24">
+                  <a:extLst>
+                    <a:ext uri="{FF2B5EF4-FFF2-40B4-BE49-F238E27FC236}">
+                      <a16:creationId xmlns:a16="http://schemas.microsoft.com/office/drawing/2014/main" id="{60FAF760-2DF7-5D9B-A647-4820CF93ABBE}"/>
+                    </a:ext>
+                  </a:extLst>
+                </p:cNvPr>
+                <p:cNvPicPr/>
+                <p:nvPr/>
+              </p:nvPicPr>
+              <p:blipFill>
+                <a:blip r:embed="rId27"/>
+                <a:stretch>
+                  <a:fillRect/>
+                </a:stretch>
+              </p:blipFill>
+              <p:spPr>
+                <a:xfrm>
+                  <a:off x="8853609" y="2078165"/>
+                  <a:ext cx="825120" cy="379080"/>
+                </a:xfrm>
+                <a:prstGeom prst="rect">
+                  <a:avLst/>
+                </a:prstGeom>
+              </p:spPr>
+            </p:pic>
+          </mc:Fallback>
+        </mc:AlternateContent>
+      </p:grpSp>
+      <p:pic>
+        <p:nvPicPr>
+          <p:cNvPr id="28" name="Picture 27">
+            <a:extLst>
+              <a:ext uri="{FF2B5EF4-FFF2-40B4-BE49-F238E27FC236}">
+                <a16:creationId xmlns:a16="http://schemas.microsoft.com/office/drawing/2014/main" id="{A93ED419-BB04-E1D7-D136-9DDE462A8B17}"/>
+              </a:ext>
+            </a:extLst>
+          </p:cNvPr>
+          <p:cNvPicPr>
+            <a:picLocks noChangeAspect="1"/>
+          </p:cNvPicPr>
+          <p:nvPr/>
+        </p:nvPicPr>
+        <p:blipFill>
+          <a:blip r:embed="rId28"/>
+          <a:stretch>
+            <a:fillRect/>
+          </a:stretch>
+        </p:blipFill>
+        <p:spPr>
+          <a:xfrm>
+            <a:off x="2200744" y="1935027"/>
+            <a:ext cx="2224607" cy="472039"/>
+          </a:xfrm>
+          <a:prstGeom prst="rect">
+            <a:avLst/>
+          </a:prstGeom>
+        </p:spPr>
+      </p:pic>
+      <p:pic>
+        <p:nvPicPr>
+          <p:cNvPr id="29" name="Picture 28">
+            <a:extLst>
+              <a:ext uri="{FF2B5EF4-FFF2-40B4-BE49-F238E27FC236}">
+                <a16:creationId xmlns:a16="http://schemas.microsoft.com/office/drawing/2014/main" id="{72D391EB-4FDA-3CD9-4598-E420A380353B}"/>
+              </a:ext>
+            </a:extLst>
+          </p:cNvPr>
+          <p:cNvPicPr>
+            <a:picLocks noChangeAspect="1"/>
+          </p:cNvPicPr>
+          <p:nvPr/>
+        </p:nvPicPr>
+        <p:blipFill>
+          <a:blip r:embed="rId29"/>
+          <a:stretch>
+            <a:fillRect/>
+          </a:stretch>
+        </p:blipFill>
+        <p:spPr>
+          <a:xfrm>
+            <a:off x="2200744" y="2849850"/>
+            <a:ext cx="2445934" cy="988512"/>
+          </a:xfrm>
+          <a:prstGeom prst="rect">
+            <a:avLst/>
+          </a:prstGeom>
+        </p:spPr>
+      </p:pic>
+      <p:grpSp>
+        <p:nvGrpSpPr>
+          <p:cNvPr id="64" name="Group 63">
+            <a:extLst>
+              <a:ext uri="{FF2B5EF4-FFF2-40B4-BE49-F238E27FC236}">
+                <a16:creationId xmlns:a16="http://schemas.microsoft.com/office/drawing/2014/main" id="{69D8FF71-01FC-6AAE-DFF6-0641BE946304}"/>
+              </a:ext>
+            </a:extLst>
+          </p:cNvPr>
+          <p:cNvGrpSpPr/>
+          <p:nvPr/>
+        </p:nvGrpSpPr>
+        <p:grpSpPr>
+          <a:xfrm>
+            <a:off x="2665209" y="2294525"/>
+            <a:ext cx="419400" cy="693360"/>
+            <a:chOff x="2665209" y="2294525"/>
+            <a:chExt cx="419400" cy="693360"/>
+          </a:xfrm>
+        </p:grpSpPr>
+        <mc:AlternateContent xmlns:mc="http://schemas.openxmlformats.org/markup-compatibility/2006" xmlns:p14="http://schemas.microsoft.com/office/powerpoint/2010/main">
+          <mc:Choice Requires="p14">
+            <p:contentPart p14:bwMode="auto" r:id="rId30">
+              <p14:nvContentPartPr>
+                <p14:cNvPr id="30" name="Ink 29">
+                  <a:extLst>
+                    <a:ext uri="{FF2B5EF4-FFF2-40B4-BE49-F238E27FC236}">
+                      <a16:creationId xmlns:a16="http://schemas.microsoft.com/office/drawing/2014/main" id="{9624C1BB-7F08-BBD2-78AD-867F7811B50F}"/>
+                    </a:ext>
+                  </a:extLst>
+                </p14:cNvPr>
+                <p14:cNvContentPartPr/>
+                <p14:nvPr/>
+              </p14:nvContentPartPr>
+              <p14:xfrm>
+                <a:off x="2665209" y="2294525"/>
+                <a:ext cx="280800" cy="569880"/>
+              </p14:xfrm>
+            </p:contentPart>
+          </mc:Choice>
+          <mc:Fallback xmlns="">
+            <p:pic>
+              <p:nvPicPr>
+                <p:cNvPr id="30" name="Ink 29">
+                  <a:extLst>
+                    <a:ext uri="{FF2B5EF4-FFF2-40B4-BE49-F238E27FC236}">
+                      <a16:creationId xmlns:a16="http://schemas.microsoft.com/office/drawing/2014/main" id="{9624C1BB-7F08-BBD2-78AD-867F7811B50F}"/>
+                    </a:ext>
+                  </a:extLst>
+                </p:cNvPr>
+                <p:cNvPicPr/>
+                <p:nvPr/>
+              </p:nvPicPr>
+              <p:blipFill>
+                <a:blip r:embed="rId31"/>
+                <a:stretch>
+                  <a:fillRect/>
+                </a:stretch>
+              </p:blipFill>
+              <p:spPr>
+                <a:xfrm>
+                  <a:off x="2656569" y="2285885"/>
+                  <a:ext cx="298440" cy="587520"/>
+                </a:xfrm>
+                <a:prstGeom prst="rect">
+                  <a:avLst/>
+                </a:prstGeom>
+              </p:spPr>
+            </p:pic>
+          </mc:Fallback>
+        </mc:AlternateContent>
+        <mc:AlternateContent xmlns:mc="http://schemas.openxmlformats.org/markup-compatibility/2006" xmlns:p14="http://schemas.microsoft.com/office/powerpoint/2010/main">
+          <mc:Choice Requires="p14">
+            <p:contentPart p14:bwMode="auto" r:id="rId32">
+              <p14:nvContentPartPr>
+                <p14:cNvPr id="31" name="Ink 30">
+                  <a:extLst>
+                    <a:ext uri="{FF2B5EF4-FFF2-40B4-BE49-F238E27FC236}">
+                      <a16:creationId xmlns:a16="http://schemas.microsoft.com/office/drawing/2014/main" id="{4A64D418-6CB4-927D-ED54-E1329CC90AC5}"/>
+                    </a:ext>
+                  </a:extLst>
+                </p14:cNvPr>
+                <p14:cNvContentPartPr/>
+                <p14:nvPr/>
+              </p14:nvContentPartPr>
+              <p14:xfrm>
+                <a:off x="2854209" y="2768285"/>
+                <a:ext cx="230400" cy="219600"/>
+              </p14:xfrm>
+            </p:contentPart>
+          </mc:Choice>
+          <mc:Fallback xmlns="">
+            <p:pic>
+              <p:nvPicPr>
+                <p:cNvPr id="31" name="Ink 30">
+                  <a:extLst>
+                    <a:ext uri="{FF2B5EF4-FFF2-40B4-BE49-F238E27FC236}">
+                      <a16:creationId xmlns:a16="http://schemas.microsoft.com/office/drawing/2014/main" id="{4A64D418-6CB4-927D-ED54-E1329CC90AC5}"/>
+                    </a:ext>
+                  </a:extLst>
+                </p:cNvPr>
+                <p:cNvPicPr/>
+                <p:nvPr/>
+              </p:nvPicPr>
+              <p:blipFill>
+                <a:blip r:embed="rId33"/>
+                <a:stretch>
+                  <a:fillRect/>
+                </a:stretch>
+              </p:blipFill>
+              <p:spPr>
+                <a:xfrm>
+                  <a:off x="2845569" y="2759645"/>
+                  <a:ext cx="248040" cy="237240"/>
+                </a:xfrm>
+                <a:prstGeom prst="rect">
+                  <a:avLst/>
+                </a:prstGeom>
+              </p:spPr>
+            </p:pic>
+          </mc:Fallback>
+        </mc:AlternateContent>
+      </p:grpSp>
+      <p:grpSp>
+        <p:nvGrpSpPr>
+          <p:cNvPr id="67" name="Group 66">
+            <a:extLst>
+              <a:ext uri="{FF2B5EF4-FFF2-40B4-BE49-F238E27FC236}">
+                <a16:creationId xmlns:a16="http://schemas.microsoft.com/office/drawing/2014/main" id="{66CC20DF-82C8-597E-C716-0606545209E7}"/>
+              </a:ext>
+            </a:extLst>
+          </p:cNvPr>
+          <p:cNvGrpSpPr/>
+          <p:nvPr/>
+        </p:nvGrpSpPr>
+        <p:grpSpPr>
+          <a:xfrm>
+            <a:off x="3731529" y="3535805"/>
+            <a:ext cx="1629720" cy="287280"/>
+            <a:chOff x="3731529" y="3535805"/>
+            <a:chExt cx="1629720" cy="287280"/>
+          </a:xfrm>
+        </p:grpSpPr>
+        <mc:AlternateContent xmlns:mc="http://schemas.openxmlformats.org/markup-compatibility/2006" xmlns:p14="http://schemas.microsoft.com/office/powerpoint/2010/main">
+          <mc:Choice Requires="p14">
+            <p:contentPart p14:bwMode="auto" r:id="rId34">
+              <p14:nvContentPartPr>
+                <p14:cNvPr id="65" name="Ink 64">
+                  <a:extLst>
+                    <a:ext uri="{FF2B5EF4-FFF2-40B4-BE49-F238E27FC236}">
+                      <a16:creationId xmlns:a16="http://schemas.microsoft.com/office/drawing/2014/main" id="{657FC78D-A285-FCDF-B722-B8D9453036DF}"/>
+                    </a:ext>
+                  </a:extLst>
+                </p14:cNvPr>
+                <p14:cNvContentPartPr/>
+                <p14:nvPr/>
+              </p14:nvContentPartPr>
+              <p14:xfrm>
+                <a:off x="3731529" y="3535805"/>
+                <a:ext cx="617400" cy="287280"/>
+              </p14:xfrm>
+            </p:contentPart>
+          </mc:Choice>
+          <mc:Fallback xmlns="">
+            <p:pic>
+              <p:nvPicPr>
+                <p:cNvPr id="65" name="Ink 64">
+                  <a:extLst>
+                    <a:ext uri="{FF2B5EF4-FFF2-40B4-BE49-F238E27FC236}">
+                      <a16:creationId xmlns:a16="http://schemas.microsoft.com/office/drawing/2014/main" id="{657FC78D-A285-FCDF-B722-B8D9453036DF}"/>
+                    </a:ext>
+                  </a:extLst>
+                </p:cNvPr>
+                <p:cNvPicPr/>
+                <p:nvPr/>
+              </p:nvPicPr>
+              <p:blipFill>
+                <a:blip r:embed="rId35"/>
+                <a:stretch>
+                  <a:fillRect/>
+                </a:stretch>
+              </p:blipFill>
+              <p:spPr>
+                <a:xfrm>
+                  <a:off x="3722889" y="3526805"/>
+                  <a:ext cx="635040" cy="304920"/>
+                </a:xfrm>
+                <a:prstGeom prst="rect">
+                  <a:avLst/>
+                </a:prstGeom>
+              </p:spPr>
+            </p:pic>
+          </mc:Fallback>
+        </mc:AlternateContent>
+        <mc:AlternateContent xmlns:mc="http://schemas.openxmlformats.org/markup-compatibility/2006" xmlns:p14="http://schemas.microsoft.com/office/powerpoint/2010/main">
+          <mc:Choice Requires="p14">
+            <p:contentPart p14:bwMode="auto" r:id="rId36">
+              <p14:nvContentPartPr>
+                <p14:cNvPr id="66" name="Ink 65">
+                  <a:extLst>
+                    <a:ext uri="{FF2B5EF4-FFF2-40B4-BE49-F238E27FC236}">
+                      <a16:creationId xmlns:a16="http://schemas.microsoft.com/office/drawing/2014/main" id="{37539E64-4EE1-0EDF-2EE5-946F417CFA29}"/>
+                    </a:ext>
+                  </a:extLst>
+                </p14:cNvPr>
+                <p14:cNvContentPartPr/>
+                <p14:nvPr/>
+              </p14:nvContentPartPr>
+              <p14:xfrm>
+                <a:off x="4261089" y="3639485"/>
+                <a:ext cx="1100160" cy="52920"/>
+              </p14:xfrm>
+            </p:contentPart>
+          </mc:Choice>
+          <mc:Fallback xmlns="">
+            <p:pic>
+              <p:nvPicPr>
+                <p:cNvPr id="66" name="Ink 65">
+                  <a:extLst>
+                    <a:ext uri="{FF2B5EF4-FFF2-40B4-BE49-F238E27FC236}">
+                      <a16:creationId xmlns:a16="http://schemas.microsoft.com/office/drawing/2014/main" id="{37539E64-4EE1-0EDF-2EE5-946F417CFA29}"/>
+                    </a:ext>
+                  </a:extLst>
+                </p:cNvPr>
+                <p:cNvPicPr/>
+                <p:nvPr/>
+              </p:nvPicPr>
+              <p:blipFill>
+                <a:blip r:embed="rId37"/>
+                <a:stretch>
+                  <a:fillRect/>
+                </a:stretch>
+              </p:blipFill>
+              <p:spPr>
+                <a:xfrm>
+                  <a:off x="4252449" y="3630485"/>
+                  <a:ext cx="1117800" cy="70560"/>
+                </a:xfrm>
+                <a:prstGeom prst="rect">
+                  <a:avLst/>
+                </a:prstGeom>
+              </p:spPr>
+            </p:pic>
+          </mc:Fallback>
+        </mc:AlternateContent>
+      </p:grpSp>
+      <p:pic>
+        <p:nvPicPr>
+          <p:cNvPr id="68" name="Picture 67">
+            <a:extLst>
+              <a:ext uri="{FF2B5EF4-FFF2-40B4-BE49-F238E27FC236}">
+                <a16:creationId xmlns:a16="http://schemas.microsoft.com/office/drawing/2014/main" id="{9874341D-1E19-A9BB-5B2B-8193B6098760}"/>
+              </a:ext>
+            </a:extLst>
+          </p:cNvPr>
+          <p:cNvPicPr>
+            <a:picLocks noChangeAspect="1"/>
+          </p:cNvPicPr>
+          <p:nvPr/>
+        </p:nvPicPr>
+        <p:blipFill>
+          <a:blip r:embed="rId38"/>
+          <a:stretch>
+            <a:fillRect/>
+          </a:stretch>
+        </p:blipFill>
+        <p:spPr>
+          <a:xfrm>
+            <a:off x="5566508" y="2927695"/>
+            <a:ext cx="3621481" cy="1205358"/>
+          </a:xfrm>
+          <a:prstGeom prst="rect">
+            <a:avLst/>
+          </a:prstGeom>
+        </p:spPr>
+      </p:pic>
+      <p:grpSp>
+        <p:nvGrpSpPr>
+          <p:cNvPr id="71" name="Group 70">
+            <a:extLst>
+              <a:ext uri="{FF2B5EF4-FFF2-40B4-BE49-F238E27FC236}">
+                <a16:creationId xmlns:a16="http://schemas.microsoft.com/office/drawing/2014/main" id="{ACF87B1B-BCDA-0D06-2E35-19D0913E7A22}"/>
+              </a:ext>
+            </a:extLst>
+          </p:cNvPr>
+          <p:cNvGrpSpPr/>
+          <p:nvPr/>
+        </p:nvGrpSpPr>
+        <p:grpSpPr>
+          <a:xfrm>
+            <a:off x="5296449" y="3566045"/>
+            <a:ext cx="416880" cy="144360"/>
+            <a:chOff x="5296449" y="3566045"/>
+            <a:chExt cx="416880" cy="144360"/>
+          </a:xfrm>
+        </p:grpSpPr>
+        <mc:AlternateContent xmlns:mc="http://schemas.openxmlformats.org/markup-compatibility/2006" xmlns:p14="http://schemas.microsoft.com/office/powerpoint/2010/main">
+          <mc:Choice Requires="p14">
+            <p:contentPart p14:bwMode="auto" r:id="rId39">
+              <p14:nvContentPartPr>
+                <p14:cNvPr id="69" name="Ink 68">
+                  <a:extLst>
+                    <a:ext uri="{FF2B5EF4-FFF2-40B4-BE49-F238E27FC236}">
+                      <a16:creationId xmlns:a16="http://schemas.microsoft.com/office/drawing/2014/main" id="{7C77CD20-A553-A7E9-E6AF-E28B7B6C00F0}"/>
+                    </a:ext>
+                  </a:extLst>
+                </p14:cNvPr>
+                <p14:cNvContentPartPr/>
+                <p14:nvPr/>
+              </p14:nvContentPartPr>
+              <p14:xfrm>
+                <a:off x="5296449" y="3648845"/>
+                <a:ext cx="275400" cy="9000"/>
+              </p14:xfrm>
+            </p:contentPart>
+          </mc:Choice>
+          <mc:Fallback xmlns="">
+            <p:pic>
+              <p:nvPicPr>
+                <p:cNvPr id="69" name="Ink 68">
+                  <a:extLst>
+                    <a:ext uri="{FF2B5EF4-FFF2-40B4-BE49-F238E27FC236}">
+                      <a16:creationId xmlns:a16="http://schemas.microsoft.com/office/drawing/2014/main" id="{7C77CD20-A553-A7E9-E6AF-E28B7B6C00F0}"/>
+                    </a:ext>
+                  </a:extLst>
+                </p:cNvPr>
+                <p:cNvPicPr/>
+                <p:nvPr/>
+              </p:nvPicPr>
+              <p:blipFill>
+                <a:blip r:embed="rId40"/>
+                <a:stretch>
+                  <a:fillRect/>
+                </a:stretch>
+              </p:blipFill>
+              <p:spPr>
+                <a:xfrm>
+                  <a:off x="5287449" y="3640205"/>
+                  <a:ext cx="293040" cy="26640"/>
+                </a:xfrm>
+                <a:prstGeom prst="rect">
+                  <a:avLst/>
+                </a:prstGeom>
+              </p:spPr>
+            </p:pic>
+          </mc:Fallback>
+        </mc:AlternateContent>
+        <mc:AlternateContent xmlns:mc="http://schemas.openxmlformats.org/markup-compatibility/2006" xmlns:p14="http://schemas.microsoft.com/office/powerpoint/2010/main">
+          <mc:Choice Requires="p14">
+            <p:contentPart p14:bwMode="auto" r:id="rId41">
+              <p14:nvContentPartPr>
+                <p14:cNvPr id="70" name="Ink 69">
+                  <a:extLst>
+                    <a:ext uri="{FF2B5EF4-FFF2-40B4-BE49-F238E27FC236}">
+                      <a16:creationId xmlns:a16="http://schemas.microsoft.com/office/drawing/2014/main" id="{5CA11E03-81B3-F75D-BA5C-2350E7EFE6FA}"/>
+                    </a:ext>
+                  </a:extLst>
+                </p14:cNvPr>
+                <p14:cNvContentPartPr/>
+                <p14:nvPr/>
+              </p14:nvContentPartPr>
+              <p14:xfrm>
+                <a:off x="5458449" y="3566045"/>
+                <a:ext cx="254880" cy="144360"/>
+              </p14:xfrm>
+            </p:contentPart>
+          </mc:Choice>
+          <mc:Fallback xmlns="">
+            <p:pic>
+              <p:nvPicPr>
+                <p:cNvPr id="70" name="Ink 69">
+                  <a:extLst>
+                    <a:ext uri="{FF2B5EF4-FFF2-40B4-BE49-F238E27FC236}">
+                      <a16:creationId xmlns:a16="http://schemas.microsoft.com/office/drawing/2014/main" id="{5CA11E03-81B3-F75D-BA5C-2350E7EFE6FA}"/>
+                    </a:ext>
+                  </a:extLst>
+                </p:cNvPr>
+                <p:cNvPicPr/>
+                <p:nvPr/>
+              </p:nvPicPr>
+              <p:blipFill>
+                <a:blip r:embed="rId42"/>
+                <a:stretch>
+                  <a:fillRect/>
+                </a:stretch>
+              </p:blipFill>
+              <p:spPr>
+                <a:xfrm>
+                  <a:off x="5449809" y="3557045"/>
+                  <a:ext cx="272520" cy="162000"/>
+                </a:xfrm>
+                <a:prstGeom prst="rect">
+                  <a:avLst/>
+                </a:prstGeom>
+              </p:spPr>
+            </p:pic>
+          </mc:Fallback>
+        </mc:AlternateContent>
+      </p:grpSp>
+      <mc:AlternateContent xmlns:mc="http://schemas.openxmlformats.org/markup-compatibility/2006" xmlns:p14="http://schemas.microsoft.com/office/powerpoint/2010/main">
+        <mc:Choice Requires="p14">
+          <p:contentPart p14:bwMode="auto" r:id="rId43">
+            <p14:nvContentPartPr>
+              <p14:cNvPr id="72" name="Ink 71">
+                <a:extLst>
+                  <a:ext uri="{FF2B5EF4-FFF2-40B4-BE49-F238E27FC236}">
+                    <a16:creationId xmlns:a16="http://schemas.microsoft.com/office/drawing/2014/main" id="{4A17B973-445D-F070-B99C-52A1F4CF73E5}"/>
+                  </a:ext>
+                </a:extLst>
+              </p14:cNvPr>
+              <p14:cNvContentPartPr/>
+              <p14:nvPr/>
+            </p14:nvContentPartPr>
+            <p14:xfrm>
+              <a:off x="5400129" y="2311805"/>
+              <a:ext cx="550440" cy="494640"/>
+            </p14:xfrm>
+          </p:contentPart>
+        </mc:Choice>
+        <mc:Fallback xmlns="">
+          <p:pic>
+            <p:nvPicPr>
+              <p:cNvPr id="72" name="Ink 71">
+                <a:extLst>
+                  <a:ext uri="{FF2B5EF4-FFF2-40B4-BE49-F238E27FC236}">
+                    <a16:creationId xmlns:a16="http://schemas.microsoft.com/office/drawing/2014/main" id="{4A17B973-445D-F070-B99C-52A1F4CF73E5}"/>
+                  </a:ext>
+                </a:extLst>
+              </p:cNvPr>
+              <p:cNvPicPr/>
+              <p:nvPr/>
+            </p:nvPicPr>
+            <p:blipFill>
+              <a:blip r:embed="rId44"/>
+              <a:stretch>
+                <a:fillRect/>
+              </a:stretch>
+            </p:blipFill>
+            <p:spPr>
+              <a:xfrm>
+                <a:off x="5391129" y="2303165"/>
+                <a:ext cx="568080" cy="512280"/>
+              </a:xfrm>
+              <a:prstGeom prst="rect">
+                <a:avLst/>
+              </a:prstGeom>
+            </p:spPr>
+          </p:pic>
+        </mc:Fallback>
+      </mc:AlternateContent>
+      <mc:AlternateContent xmlns:mc="http://schemas.openxmlformats.org/markup-compatibility/2006" xmlns:p14="http://schemas.microsoft.com/office/powerpoint/2010/main">
+        <mc:Choice Requires="p14">
+          <p:contentPart p14:bwMode="auto" r:id="rId45">
+            <p14:nvContentPartPr>
+              <p14:cNvPr id="73" name="Ink 72">
+                <a:extLst>
+                  <a:ext uri="{FF2B5EF4-FFF2-40B4-BE49-F238E27FC236}">
+                    <a16:creationId xmlns:a16="http://schemas.microsoft.com/office/drawing/2014/main" id="{2616B738-3C03-DD8F-9043-2F8AFA683E29}"/>
+                  </a:ext>
+                </a:extLst>
+              </p14:cNvPr>
+              <p14:cNvContentPartPr/>
+              <p14:nvPr/>
+            </p14:nvContentPartPr>
+            <p14:xfrm>
+              <a:off x="5718369" y="2646605"/>
+              <a:ext cx="244080" cy="223200"/>
+            </p14:xfrm>
+          </p:contentPart>
+        </mc:Choice>
+        <mc:Fallback xmlns="">
+          <p:pic>
+            <p:nvPicPr>
+              <p:cNvPr id="73" name="Ink 72">
+                <a:extLst>
+                  <a:ext uri="{FF2B5EF4-FFF2-40B4-BE49-F238E27FC236}">
+                    <a16:creationId xmlns:a16="http://schemas.microsoft.com/office/drawing/2014/main" id="{2616B738-3C03-DD8F-9043-2F8AFA683E29}"/>
+                  </a:ext>
+                </a:extLst>
+              </p:cNvPr>
+              <p:cNvPicPr/>
+              <p:nvPr/>
+            </p:nvPicPr>
+            <p:blipFill>
+              <a:blip r:embed="rId46"/>
+              <a:stretch>
+                <a:fillRect/>
+              </a:stretch>
+            </p:blipFill>
+            <p:spPr>
+              <a:xfrm>
+                <a:off x="5709729" y="2637965"/>
+                <a:ext cx="261720" cy="240840"/>
+              </a:xfrm>
+              <a:prstGeom prst="rect">
+                <a:avLst/>
+              </a:prstGeom>
+            </p:spPr>
+          </p:pic>
+        </mc:Fallback>
+      </mc:AlternateContent>
+      <p:sp>
+        <p:nvSpPr>
+          <p:cNvPr id="74" name="TextBox 73">
+            <a:extLst>
+              <a:ext uri="{FF2B5EF4-FFF2-40B4-BE49-F238E27FC236}">
+                <a16:creationId xmlns:a16="http://schemas.microsoft.com/office/drawing/2014/main" id="{285C6300-BFDF-E667-4FF5-0E989B5BFD5A}"/>
               </a:ext>
             </a:extLst>
           </p:cNvPr>
@@ -21235,8 +24876,8 @@
         </p:nvSpPr>
         <p:spPr>
           <a:xfrm>
-            <a:off x="3053751" y="1190445"/>
-            <a:ext cx="1302589" cy="646331"/>
+            <a:off x="2390954" y="5081141"/>
+            <a:ext cx="7410091" cy="369332"/>
           </a:xfrm>
           <a:prstGeom prst="rect">
             <a:avLst/>
@@ -21251,11 +24892,7 @@
           <a:p>
             <a:r>
               <a:rPr lang="en-NZ" dirty="0"/>
-              <a:t>Make this </a:t>
-            </a:r>
-            <a:r>
-              <a:rPr lang="en-NZ"/>
-              <a:t>finished bro</a:t>
+              <a:t>The delete function works as expected and has been tested comprehensively </a:t>
             </a:r>
           </a:p>
         </p:txBody>
@@ -21263,7 +24900,7 @@
     </p:spTree>
     <p:extLst>
       <p:ext uri="{BB962C8B-B14F-4D97-AF65-F5344CB8AC3E}">
-        <p14:creationId xmlns:p14="http://schemas.microsoft.com/office/powerpoint/2010/main" val="2158505148"/>
+        <p14:creationId xmlns:p14="http://schemas.microsoft.com/office/powerpoint/2010/main" val="4125113511"/>
       </p:ext>
     </p:extLst>
   </p:cSld>
@@ -21273,7 +24910,1036 @@
 </p:sld>
 </file>
 
-<file path=ppt/slides/slide21.xml><?xml version="1.0" encoding="utf-8"?>
+<file path=ppt/slides/slide23.xml><?xml version="1.0" encoding="utf-8"?>
+<p:sld xmlns:a="http://schemas.openxmlformats.org/drawingml/2006/main" xmlns:r="http://schemas.openxmlformats.org/officeDocument/2006/relationships" xmlns:p="http://schemas.openxmlformats.org/presentationml/2006/main">
+  <p:cSld>
+    <p:spTree>
+      <p:nvGrpSpPr>
+        <p:cNvPr id="1" name="Shape 85"/>
+        <p:cNvGrpSpPr/>
+        <p:nvPr/>
+      </p:nvGrpSpPr>
+      <p:grpSpPr>
+        <a:xfrm>
+          <a:off x="0" y="0"/>
+          <a:ext cx="0" cy="0"/>
+          <a:chOff x="0" y="0"/>
+          <a:chExt cx="0" cy="0"/>
+        </a:xfrm>
+      </p:grpSpPr>
+      <p:sp>
+        <p:nvSpPr>
+          <p:cNvPr id="86" name="Google Shape;86;p18"/>
+          <p:cNvSpPr txBox="1">
+            <a:spLocks noGrp="1"/>
+          </p:cNvSpPr>
+          <p:nvPr>
+            <p:ph type="title"/>
+          </p:nvPr>
+        </p:nvSpPr>
+        <p:spPr>
+          <a:xfrm>
+            <a:off x="415600" y="349527"/>
+            <a:ext cx="11360800" cy="763600"/>
+          </a:xfrm>
+          <a:prstGeom prst="rect">
+            <a:avLst/>
+          </a:prstGeom>
+        </p:spPr>
+        <p:txBody>
+          <a:bodyPr spcFirstLastPara="1" vert="horz" wrap="square" lIns="121900" tIns="121900" rIns="121900" bIns="121900" rtlCol="0" anchor="t" anchorCtr="0">
+            <a:noAutofit/>
+          </a:bodyPr>
+          <a:lstStyle/>
+          <a:p>
+            <a:r>
+              <a:rPr lang="en" sz="4000" dirty="0"/>
+              <a:t>Component 5 (Print to Console [06_printConsole])</a:t>
+            </a:r>
+            <a:endParaRPr sz="4000" dirty="0"/>
+          </a:p>
+        </p:txBody>
+      </p:sp>
+      <p:pic>
+        <p:nvPicPr>
+          <p:cNvPr id="3" name="Picture 2">
+            <a:extLst>
+              <a:ext uri="{FF2B5EF4-FFF2-40B4-BE49-F238E27FC236}">
+                <a16:creationId xmlns:a16="http://schemas.microsoft.com/office/drawing/2014/main" id="{F07C0BE9-58E5-21E8-2D2D-AF5E119D97FC}"/>
+              </a:ext>
+            </a:extLst>
+          </p:cNvPr>
+          <p:cNvPicPr>
+            <a:picLocks noChangeAspect="1"/>
+          </p:cNvPicPr>
+          <p:nvPr/>
+        </p:nvPicPr>
+        <p:blipFill>
+          <a:blip r:embed="rId3"/>
+          <a:stretch>
+            <a:fillRect/>
+          </a:stretch>
+        </p:blipFill>
+        <p:spPr>
+          <a:xfrm>
+            <a:off x="4781366" y="1995287"/>
+            <a:ext cx="2629267" cy="2867425"/>
+          </a:xfrm>
+          <a:prstGeom prst="rect">
+            <a:avLst/>
+          </a:prstGeom>
+        </p:spPr>
+      </p:pic>
+    </p:spTree>
+    <p:extLst>
+      <p:ext uri="{BB962C8B-B14F-4D97-AF65-F5344CB8AC3E}">
+        <p14:creationId xmlns:p14="http://schemas.microsoft.com/office/powerpoint/2010/main" val="3895723187"/>
+      </p:ext>
+    </p:extLst>
+  </p:cSld>
+  <p:clrMapOvr>
+    <a:masterClrMapping/>
+  </p:clrMapOvr>
+</p:sld>
+</file>
+
+<file path=ppt/slides/slide24.xml><?xml version="1.0" encoding="utf-8"?>
+<p:sld xmlns:a="http://schemas.openxmlformats.org/drawingml/2006/main" xmlns:r="http://schemas.openxmlformats.org/officeDocument/2006/relationships" xmlns:p="http://schemas.openxmlformats.org/presentationml/2006/main">
+  <p:cSld>
+    <p:spTree>
+      <p:nvGrpSpPr>
+        <p:cNvPr id="1" name=""/>
+        <p:cNvGrpSpPr/>
+        <p:nvPr/>
+      </p:nvGrpSpPr>
+      <p:grpSpPr>
+        <a:xfrm>
+          <a:off x="0" y="0"/>
+          <a:ext cx="0" cy="0"/>
+          <a:chOff x="0" y="0"/>
+          <a:chExt cx="0" cy="0"/>
+        </a:xfrm>
+      </p:grpSpPr>
+      <p:sp>
+        <p:nvSpPr>
+          <p:cNvPr id="2" name="Title 1">
+            <a:extLst>
+              <a:ext uri="{FF2B5EF4-FFF2-40B4-BE49-F238E27FC236}">
+                <a16:creationId xmlns:a16="http://schemas.microsoft.com/office/drawing/2014/main" id="{1CC5D32F-7C18-4D00-8D54-2FB046F0A206}"/>
+              </a:ext>
+            </a:extLst>
+          </p:cNvPr>
+          <p:cNvSpPr>
+            <a:spLocks noGrp="1"/>
+          </p:cNvSpPr>
+          <p:nvPr>
+            <p:ph type="title"/>
+          </p:nvPr>
+        </p:nvSpPr>
+        <p:spPr>
+          <a:xfrm>
+            <a:off x="838200" y="518160"/>
+            <a:ext cx="10515600" cy="562928"/>
+          </a:xfrm>
+        </p:spPr>
+        <p:txBody>
+          <a:bodyPr>
+            <a:normAutofit fontScale="90000"/>
+          </a:bodyPr>
+          <a:lstStyle/>
+          <a:p>
+            <a:r>
+              <a:rPr lang="en-NZ" dirty="0"/>
+              <a:t>Print to Console Function: Test Plan </a:t>
+            </a:r>
+          </a:p>
+        </p:txBody>
+      </p:sp>
+      <p:graphicFrame>
+        <p:nvGraphicFramePr>
+          <p:cNvPr id="6" name="Google Shape;92;p19">
+            <a:extLst>
+              <a:ext uri="{FF2B5EF4-FFF2-40B4-BE49-F238E27FC236}">
+                <a16:creationId xmlns:a16="http://schemas.microsoft.com/office/drawing/2014/main" id="{A956953F-8BB8-0D4B-F53B-F22A4BD99317}"/>
+              </a:ext>
+            </a:extLst>
+          </p:cNvPr>
+          <p:cNvGraphicFramePr/>
+          <p:nvPr>
+            <p:extLst>
+              <p:ext uri="{D42A27DB-BD31-4B8C-83A1-F6EECF244321}">
+                <p14:modId xmlns:p14="http://schemas.microsoft.com/office/powerpoint/2010/main" val="3903794847"/>
+              </p:ext>
+            </p:extLst>
+          </p:nvPr>
+        </p:nvGraphicFramePr>
+        <p:xfrm>
+          <a:off x="415600" y="1081088"/>
+          <a:ext cx="11360799" cy="1676320"/>
+        </p:xfrm>
+        <a:graphic>
+          <a:graphicData uri="http://schemas.openxmlformats.org/drawingml/2006/table">
+            <a:tbl>
+              <a:tblPr>
+                <a:noFill/>
+              </a:tblPr>
+              <a:tblGrid>
+                <a:gridCol w="3786933">
+                  <a:extLst>
+                    <a:ext uri="{9D8B030D-6E8A-4147-A177-3AD203B41FA5}">
+                      <a16:colId xmlns:a16="http://schemas.microsoft.com/office/drawing/2014/main" val="3053296164"/>
+                    </a:ext>
+                  </a:extLst>
+                </a:gridCol>
+                <a:gridCol w="3786933">
+                  <a:extLst>
+                    <a:ext uri="{9D8B030D-6E8A-4147-A177-3AD203B41FA5}">
+                      <a16:colId xmlns:a16="http://schemas.microsoft.com/office/drawing/2014/main" val="20000"/>
+                    </a:ext>
+                  </a:extLst>
+                </a:gridCol>
+                <a:gridCol w="3786933">
+                  <a:extLst>
+                    <a:ext uri="{9D8B030D-6E8A-4147-A177-3AD203B41FA5}">
+                      <a16:colId xmlns:a16="http://schemas.microsoft.com/office/drawing/2014/main" val="20001"/>
+                    </a:ext>
+                  </a:extLst>
+                </a:gridCol>
+              </a:tblGrid>
+              <a:tr h="609560">
+                <a:tc>
+                  <a:txBody>
+                    <a:bodyPr/>
+                    <a:lstStyle/>
+                    <a:p>
+                      <a:pPr marL="0" lvl="0" indent="0" algn="l" rtl="0">
+                        <a:spcBef>
+                          <a:spcPts val="0"/>
+                        </a:spcBef>
+                        <a:spcAft>
+                          <a:spcPts val="0"/>
+                        </a:spcAft>
+                        <a:buNone/>
+                      </a:pPr>
+                      <a:r>
+                        <a:rPr lang="en-NZ" sz="1800" b="1" dirty="0"/>
+                        <a:t>What Program Should Ask</a:t>
+                      </a:r>
+                      <a:endParaRPr sz="1800" b="1" dirty="0"/>
+                    </a:p>
+                  </a:txBody>
+                  <a:tcPr marL="121900" marR="121900" marT="121900" marB="121900">
+                    <a:solidFill>
+                      <a:srgbClr val="CCCCCC"/>
+                    </a:solidFill>
+                  </a:tcPr>
+                </a:tc>
+                <a:tc>
+                  <a:txBody>
+                    <a:bodyPr/>
+                    <a:lstStyle/>
+                    <a:p>
+                      <a:pPr marL="0" lvl="0" indent="0" algn="l" rtl="0">
+                        <a:spcBef>
+                          <a:spcPts val="0"/>
+                        </a:spcBef>
+                        <a:spcAft>
+                          <a:spcPts val="0"/>
+                        </a:spcAft>
+                        <a:buNone/>
+                      </a:pPr>
+                      <a:r>
+                        <a:rPr lang="en" sz="1800" b="1" dirty="0"/>
+                        <a:t>Test Cases - input</a:t>
+                      </a:r>
+                      <a:endParaRPr sz="1800" b="1" dirty="0"/>
+                    </a:p>
+                  </a:txBody>
+                  <a:tcPr marL="121900" marR="121900" marT="121900" marB="121900">
+                    <a:solidFill>
+                      <a:srgbClr val="CCCCCC"/>
+                    </a:solidFill>
+                  </a:tcPr>
+                </a:tc>
+                <a:tc>
+                  <a:txBody>
+                    <a:bodyPr/>
+                    <a:lstStyle/>
+                    <a:p>
+                      <a:pPr marL="0" lvl="0" indent="0" algn="l" rtl="0">
+                        <a:spcBef>
+                          <a:spcPts val="0"/>
+                        </a:spcBef>
+                        <a:spcAft>
+                          <a:spcPts val="0"/>
+                        </a:spcAft>
+                        <a:buNone/>
+                      </a:pPr>
+                      <a:r>
+                        <a:rPr lang="en" sz="1800" b="1" dirty="0"/>
+                        <a:t>Expected output</a:t>
+                      </a:r>
+                      <a:endParaRPr sz="1800" b="1" dirty="0"/>
+                    </a:p>
+                  </a:txBody>
+                  <a:tcPr marL="121900" marR="121900" marT="121900" marB="121900">
+                    <a:solidFill>
+                      <a:srgbClr val="CCCCCC"/>
+                    </a:solidFill>
+                  </a:tcPr>
+                </a:tc>
+                <a:extLst>
+                  <a:ext uri="{0D108BD9-81ED-4DB2-BD59-A6C34878D82A}">
+                    <a16:rowId xmlns:a16="http://schemas.microsoft.com/office/drawing/2014/main" val="10000"/>
+                  </a:ext>
+                </a:extLst>
+              </a:tr>
+              <a:tr h="609560">
+                <a:tc>
+                  <a:txBody>
+                    <a:bodyPr/>
+                    <a:lstStyle/>
+                    <a:p>
+                      <a:pPr marL="0" lvl="0" indent="0" algn="l" rtl="0">
+                        <a:spcBef>
+                          <a:spcPts val="0"/>
+                        </a:spcBef>
+                        <a:spcAft>
+                          <a:spcPts val="0"/>
+                        </a:spcAft>
+                        <a:buNone/>
+                      </a:pPr>
+                      <a:r>
+                        <a:rPr lang="en-NZ" sz="1800" dirty="0"/>
+                        <a:t>Press ‘ok’ to print the list of creatures to console</a:t>
+                      </a:r>
+                      <a:endParaRPr sz="1800" dirty="0"/>
+                    </a:p>
+                  </a:txBody>
+                  <a:tcPr marL="121900" marR="121900" marT="121900" marB="121900"/>
+                </a:tc>
+                <a:tc>
+                  <a:txBody>
+                    <a:bodyPr/>
+                    <a:lstStyle/>
+                    <a:p>
+                      <a:pPr marL="0" lvl="0" indent="0" algn="l" rtl="0">
+                        <a:spcBef>
+                          <a:spcPts val="0"/>
+                        </a:spcBef>
+                        <a:spcAft>
+                          <a:spcPts val="0"/>
+                        </a:spcAft>
+                        <a:buNone/>
+                      </a:pPr>
+                      <a:r>
+                        <a:rPr lang="en-NZ" sz="1800" dirty="0"/>
+                        <a:t>User presses ‘OK’</a:t>
+                      </a:r>
+                      <a:endParaRPr sz="1800" dirty="0"/>
+                    </a:p>
+                  </a:txBody>
+                  <a:tcPr marL="121900" marR="121900" marT="121900" marB="121900"/>
+                </a:tc>
+                <a:tc>
+                  <a:txBody>
+                    <a:bodyPr/>
+                    <a:lstStyle/>
+                    <a:p>
+                      <a:pPr marL="0" lvl="0" indent="0" algn="l" rtl="0">
+                        <a:spcBef>
+                          <a:spcPts val="0"/>
+                        </a:spcBef>
+                        <a:spcAft>
+                          <a:spcPts val="0"/>
+                        </a:spcAft>
+                        <a:buNone/>
+                      </a:pPr>
+                      <a:r>
+                        <a:rPr lang="en-NZ" sz="1800" dirty="0"/>
+                        <a:t>Prints creatures both </a:t>
+                      </a:r>
+                      <a:r>
+                        <a:rPr lang="en-NZ" sz="1800" b="1" dirty="0"/>
+                        <a:t>dictionary and session </a:t>
+                      </a:r>
+                      <a:r>
+                        <a:rPr lang="en-NZ" sz="1800" dirty="0"/>
+                        <a:t>to console and returns to main menu</a:t>
+                      </a:r>
+                      <a:endParaRPr sz="1800" dirty="0"/>
+                    </a:p>
+                  </a:txBody>
+                  <a:tcPr marL="121900" marR="121900" marT="121900" marB="121900"/>
+                </a:tc>
+                <a:extLst>
+                  <a:ext uri="{0D108BD9-81ED-4DB2-BD59-A6C34878D82A}">
+                    <a16:rowId xmlns:a16="http://schemas.microsoft.com/office/drawing/2014/main" val="10001"/>
+                  </a:ext>
+                </a:extLst>
+              </a:tr>
+            </a:tbl>
+          </a:graphicData>
+        </a:graphic>
+      </p:graphicFrame>
+    </p:spTree>
+    <p:extLst>
+      <p:ext uri="{BB962C8B-B14F-4D97-AF65-F5344CB8AC3E}">
+        <p14:creationId xmlns:p14="http://schemas.microsoft.com/office/powerpoint/2010/main" val="3946387443"/>
+      </p:ext>
+    </p:extLst>
+  </p:cSld>
+  <p:clrMapOvr>
+    <a:masterClrMapping/>
+  </p:clrMapOvr>
+</p:sld>
+</file>
+
+<file path=ppt/slides/slide25.xml><?xml version="1.0" encoding="utf-8"?>
+<p:sld xmlns:a="http://schemas.openxmlformats.org/drawingml/2006/main" xmlns:r="http://schemas.openxmlformats.org/officeDocument/2006/relationships" xmlns:p="http://schemas.openxmlformats.org/presentationml/2006/main">
+  <p:cSld>
+    <p:spTree>
+      <p:nvGrpSpPr>
+        <p:cNvPr id="1" name="Shape 85"/>
+        <p:cNvGrpSpPr/>
+        <p:nvPr/>
+      </p:nvGrpSpPr>
+      <p:grpSpPr>
+        <a:xfrm>
+          <a:off x="0" y="0"/>
+          <a:ext cx="0" cy="0"/>
+          <a:chOff x="0" y="0"/>
+          <a:chExt cx="0" cy="0"/>
+        </a:xfrm>
+      </p:grpSpPr>
+      <p:sp>
+        <p:nvSpPr>
+          <p:cNvPr id="86" name="Google Shape;86;p18"/>
+          <p:cNvSpPr txBox="1">
+            <a:spLocks noGrp="1"/>
+          </p:cNvSpPr>
+          <p:nvPr>
+            <p:ph type="title"/>
+          </p:nvPr>
+        </p:nvSpPr>
+        <p:spPr>
+          <a:xfrm>
+            <a:off x="0" y="0"/>
+            <a:ext cx="11360800" cy="763600"/>
+          </a:xfrm>
+          <a:prstGeom prst="rect">
+            <a:avLst/>
+          </a:prstGeom>
+        </p:spPr>
+        <p:txBody>
+          <a:bodyPr spcFirstLastPara="1" vert="horz" wrap="square" lIns="121900" tIns="121900" rIns="121900" bIns="121900" rtlCol="0" anchor="t" anchorCtr="0">
+            <a:noAutofit/>
+          </a:bodyPr>
+          <a:lstStyle/>
+          <a:p>
+            <a:r>
+              <a:rPr lang="en" sz="2800" dirty="0"/>
+              <a:t>Component 5 (Print to Console [06_printConsole]) - Testing</a:t>
+            </a:r>
+            <a:endParaRPr sz="2800" dirty="0"/>
+          </a:p>
+        </p:txBody>
+      </p:sp>
+      <p:pic>
+        <p:nvPicPr>
+          <p:cNvPr id="4" name="Picture 3">
+            <a:extLst>
+              <a:ext uri="{FF2B5EF4-FFF2-40B4-BE49-F238E27FC236}">
+                <a16:creationId xmlns:a16="http://schemas.microsoft.com/office/drawing/2014/main" id="{D0331189-0AE6-53E3-7526-C1E9A2D42752}"/>
+              </a:ext>
+            </a:extLst>
+          </p:cNvPr>
+          <p:cNvPicPr>
+            <a:picLocks noChangeAspect="1"/>
+          </p:cNvPicPr>
+          <p:nvPr/>
+        </p:nvPicPr>
+        <p:blipFill>
+          <a:blip r:embed="rId3"/>
+          <a:stretch>
+            <a:fillRect/>
+          </a:stretch>
+        </p:blipFill>
+        <p:spPr>
+          <a:xfrm>
+            <a:off x="239714" y="2212559"/>
+            <a:ext cx="6487430" cy="2200582"/>
+          </a:xfrm>
+          <a:prstGeom prst="rect">
+            <a:avLst/>
+          </a:prstGeom>
+        </p:spPr>
+      </p:pic>
+      <p:pic>
+        <p:nvPicPr>
+          <p:cNvPr id="6" name="Picture 5">
+            <a:extLst>
+              <a:ext uri="{FF2B5EF4-FFF2-40B4-BE49-F238E27FC236}">
+                <a16:creationId xmlns:a16="http://schemas.microsoft.com/office/drawing/2014/main" id="{E0E51E4D-4AB9-91DF-AAB8-BCEF141EB541}"/>
+              </a:ext>
+            </a:extLst>
+          </p:cNvPr>
+          <p:cNvPicPr>
+            <a:picLocks noChangeAspect="1"/>
+          </p:cNvPicPr>
+          <p:nvPr/>
+        </p:nvPicPr>
+        <p:blipFill>
+          <a:blip r:embed="rId4"/>
+          <a:stretch>
+            <a:fillRect/>
+          </a:stretch>
+        </p:blipFill>
+        <p:spPr>
+          <a:xfrm>
+            <a:off x="6727144" y="2212559"/>
+            <a:ext cx="5288724" cy="4015617"/>
+          </a:xfrm>
+          <a:prstGeom prst="rect">
+            <a:avLst/>
+          </a:prstGeom>
+        </p:spPr>
+      </p:pic>
+      <p:pic>
+        <p:nvPicPr>
+          <p:cNvPr id="8" name="Picture 7">
+            <a:extLst>
+              <a:ext uri="{FF2B5EF4-FFF2-40B4-BE49-F238E27FC236}">
+                <a16:creationId xmlns:a16="http://schemas.microsoft.com/office/drawing/2014/main" id="{0FE98856-8338-86B6-1C63-192AF01CFF89}"/>
+              </a:ext>
+            </a:extLst>
+          </p:cNvPr>
+          <p:cNvPicPr>
+            <a:picLocks noChangeAspect="1"/>
+          </p:cNvPicPr>
+          <p:nvPr/>
+        </p:nvPicPr>
+        <p:blipFill>
+          <a:blip r:embed="rId5"/>
+          <a:stretch>
+            <a:fillRect/>
+          </a:stretch>
+        </p:blipFill>
+        <p:spPr>
+          <a:xfrm>
+            <a:off x="0" y="523001"/>
+            <a:ext cx="9377265" cy="1391218"/>
+          </a:xfrm>
+          <a:prstGeom prst="rect">
+            <a:avLst/>
+          </a:prstGeom>
+        </p:spPr>
+      </p:pic>
+      <mc:AlternateContent xmlns:mc="http://schemas.openxmlformats.org/markup-compatibility/2006">
+        <mc:Choice xmlns:p14="http://schemas.microsoft.com/office/powerpoint/2010/main" Requires="p14">
+          <p:contentPart p14:bwMode="auto" r:id="rId6">
+            <p14:nvContentPartPr>
+              <p14:cNvPr id="9" name="Ink 8">
+                <a:extLst>
+                  <a:ext uri="{FF2B5EF4-FFF2-40B4-BE49-F238E27FC236}">
+                    <a16:creationId xmlns:a16="http://schemas.microsoft.com/office/drawing/2014/main" id="{FE047E98-BA55-7470-C39C-3AFDF5DFE6C8}"/>
+                  </a:ext>
+                </a:extLst>
+              </p14:cNvPr>
+              <p14:cNvContentPartPr/>
+              <p14:nvPr/>
+            </p14:nvContentPartPr>
+            <p14:xfrm>
+              <a:off x="1660967" y="1669952"/>
+              <a:ext cx="359640" cy="855360"/>
+            </p14:xfrm>
+          </p:contentPart>
+        </mc:Choice>
+        <mc:Fallback>
+          <p:pic>
+            <p:nvPicPr>
+              <p:cNvPr id="9" name="Ink 8">
+                <a:extLst>
+                  <a:ext uri="{FF2B5EF4-FFF2-40B4-BE49-F238E27FC236}">
+                    <a16:creationId xmlns:a16="http://schemas.microsoft.com/office/drawing/2014/main" id="{FE047E98-BA55-7470-C39C-3AFDF5DFE6C8}"/>
+                  </a:ext>
+                </a:extLst>
+              </p:cNvPr>
+              <p:cNvPicPr/>
+              <p:nvPr/>
+            </p:nvPicPr>
+            <p:blipFill>
+              <a:blip r:embed="rId7"/>
+              <a:stretch>
+                <a:fillRect/>
+              </a:stretch>
+            </p:blipFill>
+            <p:spPr>
+              <a:xfrm>
+                <a:off x="1651967" y="1661312"/>
+                <a:ext cx="377280" cy="873000"/>
+              </a:xfrm>
+              <a:prstGeom prst="rect">
+                <a:avLst/>
+              </a:prstGeom>
+            </p:spPr>
+          </p:pic>
+        </mc:Fallback>
+      </mc:AlternateContent>
+      <mc:AlternateContent xmlns:mc="http://schemas.openxmlformats.org/markup-compatibility/2006">
+        <mc:Choice xmlns:p14="http://schemas.microsoft.com/office/powerpoint/2010/main" Requires="p14">
+          <p:contentPart p14:bwMode="auto" r:id="rId8">
+            <p14:nvContentPartPr>
+              <p14:cNvPr id="10" name="Ink 9">
+                <a:extLst>
+                  <a:ext uri="{FF2B5EF4-FFF2-40B4-BE49-F238E27FC236}">
+                    <a16:creationId xmlns:a16="http://schemas.microsoft.com/office/drawing/2014/main" id="{DCE1E3C1-5FCE-8C4A-00E7-5271BCDD6652}"/>
+                  </a:ext>
+                </a:extLst>
+              </p14:cNvPr>
+              <p14:cNvContentPartPr/>
+              <p14:nvPr/>
+            </p14:nvContentPartPr>
+            <p14:xfrm>
+              <a:off x="1876247" y="2325872"/>
+              <a:ext cx="181080" cy="203760"/>
+            </p14:xfrm>
+          </p:contentPart>
+        </mc:Choice>
+        <mc:Fallback>
+          <p:pic>
+            <p:nvPicPr>
+              <p:cNvPr id="10" name="Ink 9">
+                <a:extLst>
+                  <a:ext uri="{FF2B5EF4-FFF2-40B4-BE49-F238E27FC236}">
+                    <a16:creationId xmlns:a16="http://schemas.microsoft.com/office/drawing/2014/main" id="{DCE1E3C1-5FCE-8C4A-00E7-5271BCDD6652}"/>
+                  </a:ext>
+                </a:extLst>
+              </p:cNvPr>
+              <p:cNvPicPr/>
+              <p:nvPr/>
+            </p:nvPicPr>
+            <p:blipFill>
+              <a:blip r:embed="rId9"/>
+              <a:stretch>
+                <a:fillRect/>
+              </a:stretch>
+            </p:blipFill>
+            <p:spPr>
+              <a:xfrm>
+                <a:off x="1867247" y="2317232"/>
+                <a:ext cx="198720" cy="221400"/>
+              </a:xfrm>
+              <a:prstGeom prst="rect">
+                <a:avLst/>
+              </a:prstGeom>
+            </p:spPr>
+          </p:pic>
+        </mc:Fallback>
+      </mc:AlternateContent>
+      <p:grpSp>
+        <p:nvGrpSpPr>
+          <p:cNvPr id="13" name="Group 12">
+            <a:extLst>
+              <a:ext uri="{FF2B5EF4-FFF2-40B4-BE49-F238E27FC236}">
+                <a16:creationId xmlns:a16="http://schemas.microsoft.com/office/drawing/2014/main" id="{D4147743-6550-62B2-111F-D416CB3DB53B}"/>
+              </a:ext>
+            </a:extLst>
+          </p:cNvPr>
+          <p:cNvGrpSpPr/>
+          <p:nvPr/>
+        </p:nvGrpSpPr>
+        <p:grpSpPr>
+          <a:xfrm>
+            <a:off x="3189527" y="3963872"/>
+            <a:ext cx="3241440" cy="460080"/>
+            <a:chOff x="3189527" y="3963872"/>
+            <a:chExt cx="3241440" cy="460080"/>
+          </a:xfrm>
+        </p:grpSpPr>
+        <mc:AlternateContent xmlns:mc="http://schemas.openxmlformats.org/markup-compatibility/2006">
+          <mc:Choice xmlns:p14="http://schemas.microsoft.com/office/powerpoint/2010/main" Requires="p14">
+            <p:contentPart p14:bwMode="auto" r:id="rId10">
+              <p14:nvContentPartPr>
+                <p14:cNvPr id="11" name="Ink 10">
+                  <a:extLst>
+                    <a:ext uri="{FF2B5EF4-FFF2-40B4-BE49-F238E27FC236}">
+                      <a16:creationId xmlns:a16="http://schemas.microsoft.com/office/drawing/2014/main" id="{3811FDBA-4E64-2BDF-7D11-61E2D2197624}"/>
+                    </a:ext>
+                  </a:extLst>
+                </p14:cNvPr>
+                <p14:cNvContentPartPr/>
+                <p14:nvPr/>
+              </p14:nvContentPartPr>
+              <p14:xfrm>
+                <a:off x="3189527" y="3963872"/>
+                <a:ext cx="803880" cy="460080"/>
+              </p14:xfrm>
+            </p:contentPart>
+          </mc:Choice>
+          <mc:Fallback>
+            <p:pic>
+              <p:nvPicPr>
+                <p:cNvPr id="11" name="Ink 10">
+                  <a:extLst>
+                    <a:ext uri="{FF2B5EF4-FFF2-40B4-BE49-F238E27FC236}">
+                      <a16:creationId xmlns:a16="http://schemas.microsoft.com/office/drawing/2014/main" id="{3811FDBA-4E64-2BDF-7D11-61E2D2197624}"/>
+                    </a:ext>
+                  </a:extLst>
+                </p:cNvPr>
+                <p:cNvPicPr/>
+                <p:nvPr/>
+              </p:nvPicPr>
+              <p:blipFill>
+                <a:blip r:embed="rId11"/>
+                <a:stretch>
+                  <a:fillRect/>
+                </a:stretch>
+              </p:blipFill>
+              <p:spPr>
+                <a:xfrm>
+                  <a:off x="3180527" y="3955232"/>
+                  <a:ext cx="821520" cy="477720"/>
+                </a:xfrm>
+                <a:prstGeom prst="rect">
+                  <a:avLst/>
+                </a:prstGeom>
+              </p:spPr>
+            </p:pic>
+          </mc:Fallback>
+        </mc:AlternateContent>
+        <mc:AlternateContent xmlns:mc="http://schemas.openxmlformats.org/markup-compatibility/2006">
+          <mc:Choice xmlns:p14="http://schemas.microsoft.com/office/powerpoint/2010/main" Requires="p14">
+            <p:contentPart p14:bwMode="auto" r:id="rId12">
+              <p14:nvContentPartPr>
+                <p14:cNvPr id="12" name="Ink 11">
+                  <a:extLst>
+                    <a:ext uri="{FF2B5EF4-FFF2-40B4-BE49-F238E27FC236}">
+                      <a16:creationId xmlns:a16="http://schemas.microsoft.com/office/drawing/2014/main" id="{539D30D9-6EB5-0660-3D7B-0516AC707CE5}"/>
+                    </a:ext>
+                  </a:extLst>
+                </p14:cNvPr>
+                <p14:cNvContentPartPr/>
+                <p14:nvPr/>
+              </p14:nvContentPartPr>
+              <p14:xfrm>
+                <a:off x="3834647" y="4161872"/>
+                <a:ext cx="2596320" cy="230040"/>
+              </p14:xfrm>
+            </p:contentPart>
+          </mc:Choice>
+          <mc:Fallback>
+            <p:pic>
+              <p:nvPicPr>
+                <p:cNvPr id="12" name="Ink 11">
+                  <a:extLst>
+                    <a:ext uri="{FF2B5EF4-FFF2-40B4-BE49-F238E27FC236}">
+                      <a16:creationId xmlns:a16="http://schemas.microsoft.com/office/drawing/2014/main" id="{539D30D9-6EB5-0660-3D7B-0516AC707CE5}"/>
+                    </a:ext>
+                  </a:extLst>
+                </p:cNvPr>
+                <p:cNvPicPr/>
+                <p:nvPr/>
+              </p:nvPicPr>
+              <p:blipFill>
+                <a:blip r:embed="rId13"/>
+                <a:stretch>
+                  <a:fillRect/>
+                </a:stretch>
+              </p:blipFill>
+              <p:spPr>
+                <a:xfrm>
+                  <a:off x="3825647" y="4153232"/>
+                  <a:ext cx="2613960" cy="247680"/>
+                </a:xfrm>
+                <a:prstGeom prst="rect">
+                  <a:avLst/>
+                </a:prstGeom>
+              </p:spPr>
+            </p:pic>
+          </mc:Fallback>
+        </mc:AlternateContent>
+      </p:grpSp>
+      <mc:AlternateContent xmlns:mc="http://schemas.openxmlformats.org/markup-compatibility/2006">
+        <mc:Choice xmlns:p14="http://schemas.microsoft.com/office/powerpoint/2010/main" Requires="p14">
+          <p:contentPart p14:bwMode="auto" r:id="rId14">
+            <p14:nvContentPartPr>
+              <p14:cNvPr id="14" name="Ink 13">
+                <a:extLst>
+                  <a:ext uri="{FF2B5EF4-FFF2-40B4-BE49-F238E27FC236}">
+                    <a16:creationId xmlns:a16="http://schemas.microsoft.com/office/drawing/2014/main" id="{D1882B94-3328-6829-D05C-2762E11D9525}"/>
+                  </a:ext>
+                </a:extLst>
+              </p14:cNvPr>
+              <p14:cNvContentPartPr/>
+              <p14:nvPr/>
+            </p14:nvContentPartPr>
+            <p14:xfrm>
+              <a:off x="6232607" y="4254752"/>
+              <a:ext cx="439920" cy="324720"/>
+            </p14:xfrm>
+          </p:contentPart>
+        </mc:Choice>
+        <mc:Fallback>
+          <p:pic>
+            <p:nvPicPr>
+              <p:cNvPr id="14" name="Ink 13">
+                <a:extLst>
+                  <a:ext uri="{FF2B5EF4-FFF2-40B4-BE49-F238E27FC236}">
+                    <a16:creationId xmlns:a16="http://schemas.microsoft.com/office/drawing/2014/main" id="{D1882B94-3328-6829-D05C-2762E11D9525}"/>
+                  </a:ext>
+                </a:extLst>
+              </p:cNvPr>
+              <p:cNvPicPr/>
+              <p:nvPr/>
+            </p:nvPicPr>
+            <p:blipFill>
+              <a:blip r:embed="rId15"/>
+              <a:stretch>
+                <a:fillRect/>
+              </a:stretch>
+            </p:blipFill>
+            <p:spPr>
+              <a:xfrm>
+                <a:off x="6223607" y="4245752"/>
+                <a:ext cx="457560" cy="342360"/>
+              </a:xfrm>
+              <a:prstGeom prst="rect">
+                <a:avLst/>
+              </a:prstGeom>
+            </p:spPr>
+          </p:pic>
+        </mc:Fallback>
+      </mc:AlternateContent>
+      <mc:AlternateContent xmlns:mc="http://schemas.openxmlformats.org/markup-compatibility/2006">
+        <mc:Choice xmlns:p14="http://schemas.microsoft.com/office/powerpoint/2010/main" Requires="p14">
+          <p:contentPart p14:bwMode="auto" r:id="rId16">
+            <p14:nvContentPartPr>
+              <p14:cNvPr id="15" name="Ink 14">
+                <a:extLst>
+                  <a:ext uri="{FF2B5EF4-FFF2-40B4-BE49-F238E27FC236}">
+                    <a16:creationId xmlns:a16="http://schemas.microsoft.com/office/drawing/2014/main" id="{89C5805B-137A-0CAF-DA6B-4ACF7D509E81}"/>
+                  </a:ext>
+                </a:extLst>
+              </p14:cNvPr>
+              <p14:cNvContentPartPr/>
+              <p14:nvPr/>
+            </p14:nvContentPartPr>
+            <p14:xfrm>
+              <a:off x="6857927" y="5803112"/>
+              <a:ext cx="2281680" cy="76680"/>
+            </p14:xfrm>
+          </p:contentPart>
+        </mc:Choice>
+        <mc:Fallback>
+          <p:pic>
+            <p:nvPicPr>
+              <p:cNvPr id="15" name="Ink 14">
+                <a:extLst>
+                  <a:ext uri="{FF2B5EF4-FFF2-40B4-BE49-F238E27FC236}">
+                    <a16:creationId xmlns:a16="http://schemas.microsoft.com/office/drawing/2014/main" id="{89C5805B-137A-0CAF-DA6B-4ACF7D509E81}"/>
+                  </a:ext>
+                </a:extLst>
+              </p:cNvPr>
+              <p:cNvPicPr/>
+              <p:nvPr/>
+            </p:nvPicPr>
+            <p:blipFill>
+              <a:blip r:embed="rId17"/>
+              <a:stretch>
+                <a:fillRect/>
+              </a:stretch>
+            </p:blipFill>
+            <p:spPr>
+              <a:xfrm>
+                <a:off x="6803927" y="5695112"/>
+                <a:ext cx="2389320" cy="292320"/>
+              </a:xfrm>
+              <a:prstGeom prst="rect">
+                <a:avLst/>
+              </a:prstGeom>
+            </p:spPr>
+          </p:pic>
+        </mc:Fallback>
+      </mc:AlternateContent>
+      <p:grpSp>
+        <p:nvGrpSpPr>
+          <p:cNvPr id="18" name="Group 17">
+            <a:extLst>
+              <a:ext uri="{FF2B5EF4-FFF2-40B4-BE49-F238E27FC236}">
+                <a16:creationId xmlns:a16="http://schemas.microsoft.com/office/drawing/2014/main" id="{B869E95C-8E59-C63E-9FD9-E79979C8A300}"/>
+              </a:ext>
+            </a:extLst>
+          </p:cNvPr>
+          <p:cNvGrpSpPr/>
+          <p:nvPr/>
+        </p:nvGrpSpPr>
+        <p:grpSpPr>
+          <a:xfrm>
+            <a:off x="9470447" y="4439792"/>
+            <a:ext cx="606600" cy="609480"/>
+            <a:chOff x="9470447" y="4439792"/>
+            <a:chExt cx="606600" cy="609480"/>
+          </a:xfrm>
+        </p:grpSpPr>
+        <mc:AlternateContent xmlns:mc="http://schemas.openxmlformats.org/markup-compatibility/2006">
+          <mc:Choice xmlns:p14="http://schemas.microsoft.com/office/powerpoint/2010/main" Requires="p14">
+            <p:contentPart p14:bwMode="auto" r:id="rId18">
+              <p14:nvContentPartPr>
+                <p14:cNvPr id="16" name="Ink 15">
+                  <a:extLst>
+                    <a:ext uri="{FF2B5EF4-FFF2-40B4-BE49-F238E27FC236}">
+                      <a16:creationId xmlns:a16="http://schemas.microsoft.com/office/drawing/2014/main" id="{6721E170-1A55-C808-1A61-B6BE0B8D585B}"/>
+                    </a:ext>
+                  </a:extLst>
+                </p14:cNvPr>
+                <p14:cNvContentPartPr/>
+                <p14:nvPr/>
+              </p14:nvContentPartPr>
+              <p14:xfrm>
+                <a:off x="9470447" y="4612232"/>
+                <a:ext cx="514080" cy="437040"/>
+              </p14:xfrm>
+            </p:contentPart>
+          </mc:Choice>
+          <mc:Fallback>
+            <p:pic>
+              <p:nvPicPr>
+                <p:cNvPr id="16" name="Ink 15">
+                  <a:extLst>
+                    <a:ext uri="{FF2B5EF4-FFF2-40B4-BE49-F238E27FC236}">
+                      <a16:creationId xmlns:a16="http://schemas.microsoft.com/office/drawing/2014/main" id="{6721E170-1A55-C808-1A61-B6BE0B8D585B}"/>
+                    </a:ext>
+                  </a:extLst>
+                </p:cNvPr>
+                <p:cNvPicPr/>
+                <p:nvPr/>
+              </p:nvPicPr>
+              <p:blipFill>
+                <a:blip r:embed="rId19"/>
+                <a:stretch>
+                  <a:fillRect/>
+                </a:stretch>
+              </p:blipFill>
+              <p:spPr>
+                <a:xfrm>
+                  <a:off x="9461447" y="4603232"/>
+                  <a:ext cx="531720" cy="454680"/>
+                </a:xfrm>
+                <a:prstGeom prst="rect">
+                  <a:avLst/>
+                </a:prstGeom>
+              </p:spPr>
+            </p:pic>
+          </mc:Fallback>
+        </mc:AlternateContent>
+        <mc:AlternateContent xmlns:mc="http://schemas.openxmlformats.org/markup-compatibility/2006">
+          <mc:Choice xmlns:p14="http://schemas.microsoft.com/office/powerpoint/2010/main" Requires="p14">
+            <p:contentPart p14:bwMode="auto" r:id="rId20">
+              <p14:nvContentPartPr>
+                <p14:cNvPr id="17" name="Ink 16">
+                  <a:extLst>
+                    <a:ext uri="{FF2B5EF4-FFF2-40B4-BE49-F238E27FC236}">
+                      <a16:creationId xmlns:a16="http://schemas.microsoft.com/office/drawing/2014/main" id="{06780DBF-0057-CCDA-4502-308A8BFB2A6E}"/>
+                    </a:ext>
+                  </a:extLst>
+                </p14:cNvPr>
+                <p14:cNvContentPartPr/>
+                <p14:nvPr/>
+              </p14:nvContentPartPr>
+              <p14:xfrm>
+                <a:off x="9824687" y="4439792"/>
+                <a:ext cx="252360" cy="235080"/>
+              </p14:xfrm>
+            </p:contentPart>
+          </mc:Choice>
+          <mc:Fallback>
+            <p:pic>
+              <p:nvPicPr>
+                <p:cNvPr id="17" name="Ink 16">
+                  <a:extLst>
+                    <a:ext uri="{FF2B5EF4-FFF2-40B4-BE49-F238E27FC236}">
+                      <a16:creationId xmlns:a16="http://schemas.microsoft.com/office/drawing/2014/main" id="{06780DBF-0057-CCDA-4502-308A8BFB2A6E}"/>
+                    </a:ext>
+                  </a:extLst>
+                </p:cNvPr>
+                <p:cNvPicPr/>
+                <p:nvPr/>
+              </p:nvPicPr>
+              <p:blipFill>
+                <a:blip r:embed="rId21"/>
+                <a:stretch>
+                  <a:fillRect/>
+                </a:stretch>
+              </p:blipFill>
+              <p:spPr>
+                <a:xfrm>
+                  <a:off x="9815687" y="4430792"/>
+                  <a:ext cx="270000" cy="252720"/>
+                </a:xfrm>
+                <a:prstGeom prst="rect">
+                  <a:avLst/>
+                </a:prstGeom>
+              </p:spPr>
+            </p:pic>
+          </mc:Fallback>
+        </mc:AlternateContent>
+      </p:grpSp>
+      <p:sp>
+        <p:nvSpPr>
+          <p:cNvPr id="19" name="TextBox 18">
+            <a:extLst>
+              <a:ext uri="{FF2B5EF4-FFF2-40B4-BE49-F238E27FC236}">
+                <a16:creationId xmlns:a16="http://schemas.microsoft.com/office/drawing/2014/main" id="{D132C8DF-93B5-A451-2F88-FD1AC6A9B175}"/>
+              </a:ext>
+            </a:extLst>
+          </p:cNvPr>
+          <p:cNvSpPr txBox="1"/>
+          <p:nvPr/>
+        </p:nvSpPr>
+        <p:spPr>
+          <a:xfrm>
+            <a:off x="429208" y="4674872"/>
+            <a:ext cx="4655976" cy="1754326"/>
+          </a:xfrm>
+          <a:prstGeom prst="rect">
+            <a:avLst/>
+          </a:prstGeom>
+          <a:noFill/>
+        </p:spPr>
+        <p:txBody>
+          <a:bodyPr wrap="square" rtlCol="0">
+            <a:spAutoFit/>
+          </a:bodyPr>
+          <a:lstStyle/>
+          <a:p>
+            <a:r>
+              <a:rPr lang="en-NZ" dirty="0"/>
+              <a:t>When the print creature function is launched from the main menu and the user presses ‘ok’ it prints the list of creatures to the console as expected from the program brief.</a:t>
+            </a:r>
+          </a:p>
+          <a:p>
+            <a:r>
+              <a:rPr lang="en-NZ" dirty="0"/>
+              <a:t>It prints both from the dictionary and the temporary creatures.</a:t>
+            </a:r>
+          </a:p>
+        </p:txBody>
+      </p:sp>
+    </p:spTree>
+    <p:extLst>
+      <p:ext uri="{BB962C8B-B14F-4D97-AF65-F5344CB8AC3E}">
+        <p14:creationId xmlns:p14="http://schemas.microsoft.com/office/powerpoint/2010/main" val="915973975"/>
+      </p:ext>
+    </p:extLst>
+  </p:cSld>
+  <p:clrMapOvr>
+    <a:masterClrMapping/>
+  </p:clrMapOvr>
+</p:sld>
+</file>
+
+<file path=ppt/slides/slide26.xml><?xml version="1.0" encoding="utf-8"?>
 <p:sld xmlns:a="http://schemas.openxmlformats.org/drawingml/2006/main" xmlns:r="http://schemas.openxmlformats.org/officeDocument/2006/relationships" xmlns:p="http://schemas.openxmlformats.org/presentationml/2006/main">
   <p:cSld>
     <p:spTree>
@@ -21387,7 +26053,7 @@
 </p:sld>
 </file>
 
-<file path=ppt/slides/slide22.xml><?xml version="1.0" encoding="utf-8"?>
+<file path=ppt/slides/slide27.xml><?xml version="1.0" encoding="utf-8"?>
 <p:sld xmlns:a="http://schemas.openxmlformats.org/drawingml/2006/main" xmlns:r="http://schemas.openxmlformats.org/officeDocument/2006/relationships" xmlns:p="http://schemas.openxmlformats.org/presentationml/2006/main">
   <p:cSld>
     <p:spTree>
@@ -21698,7 +26364,7 @@
 </p:sld>
 </file>
 
-<file path=ppt/slides/slide23.xml><?xml version="1.0" encoding="utf-8"?>
+<file path=ppt/slides/slide28.xml><?xml version="1.0" encoding="utf-8"?>
 <p:sld xmlns:a="http://schemas.openxmlformats.org/drawingml/2006/main" xmlns:r="http://schemas.openxmlformats.org/officeDocument/2006/relationships" xmlns:p="http://schemas.openxmlformats.org/presentationml/2006/main">
   <p:cSld>
     <p:spTree>
@@ -21812,7 +26478,7 @@
 </p:sld>
 </file>
 
-<file path=ppt/slides/slide24.xml><?xml version="1.0" encoding="utf-8"?>
+<file path=ppt/slides/slide29.xml><?xml version="1.0" encoding="utf-8"?>
 <p:sld xmlns:a="http://schemas.openxmlformats.org/drawingml/2006/main" xmlns:r="http://schemas.openxmlformats.org/officeDocument/2006/relationships" xmlns:p="http://schemas.openxmlformats.org/presentationml/2006/main">
   <p:cSld>
     <p:spTree>
@@ -24213,36 +28879,6 @@
       </p:sp>
       <p:pic>
         <p:nvPicPr>
-          <p:cNvPr id="27" name="Picture 26">
-            <a:extLst>
-              <a:ext uri="{FF2B5EF4-FFF2-40B4-BE49-F238E27FC236}">
-                <a16:creationId xmlns:a16="http://schemas.microsoft.com/office/drawing/2014/main" id="{EF961DCB-2719-07B3-CBE0-FD05E6FC51D6}"/>
-              </a:ext>
-            </a:extLst>
-          </p:cNvPr>
-          <p:cNvPicPr>
-            <a:picLocks noChangeAspect="1"/>
-          </p:cNvPicPr>
-          <p:nvPr/>
-        </p:nvPicPr>
-        <p:blipFill>
-          <a:blip r:embed="rId3"/>
-          <a:stretch>
-            <a:fillRect/>
-          </a:stretch>
-        </p:blipFill>
-        <p:spPr>
-          <a:xfrm>
-            <a:off x="-400957" y="7636028"/>
-            <a:ext cx="6496957" cy="3019846"/>
-          </a:xfrm>
-          <a:prstGeom prst="rect">
-            <a:avLst/>
-          </a:prstGeom>
-        </p:spPr>
-      </p:pic>
-      <p:pic>
-        <p:nvPicPr>
           <p:cNvPr id="8" name="Picture 7">
             <a:extLst>
               <a:ext uri="{FF2B5EF4-FFF2-40B4-BE49-F238E27FC236}">
@@ -24256,7 +28892,7 @@
           <p:nvPr/>
         </p:nvPicPr>
         <p:blipFill>
-          <a:blip r:embed="rId4"/>
+          <a:blip r:embed="rId3"/>
           <a:stretch>
             <a:fillRect/>
           </a:stretch>
@@ -24286,7 +28922,7 @@
           <p:nvPr/>
         </p:nvPicPr>
         <p:blipFill>
-          <a:blip r:embed="rId5"/>
+          <a:blip r:embed="rId4"/>
           <a:stretch>
             <a:fillRect/>
           </a:stretch>
@@ -24303,7 +28939,7 @@
       </p:pic>
       <mc:AlternateContent xmlns:mc="http://schemas.openxmlformats.org/markup-compatibility/2006" xmlns:p14="http://schemas.microsoft.com/office/powerpoint/2010/main">
         <mc:Choice Requires="p14">
-          <p:contentPart p14:bwMode="auto" r:id="rId6">
+          <p:contentPart p14:bwMode="auto" r:id="rId5">
             <p14:nvContentPartPr>
               <p14:cNvPr id="14" name="Ink 13">
                 <a:extLst>

--- a/2.7 and 2.8 Documentation Template.pptx
+++ b/2.7 and 2.8 Documentation Template.pptx
@@ -5,7 +5,7 @@
     <p:sldMasterId id="2147483648" r:id="rId3"/>
   </p:sldMasterIdLst>
   <p:notesMasterIdLst>
-    <p:notesMasterId r:id="rId33"/>
+    <p:notesMasterId r:id="rId34"/>
   </p:notesMasterIdLst>
   <p:sldIdLst>
     <p:sldId id="256" r:id="rId4"/>
@@ -35,8 +35,9 @@
     <p:sldId id="294" r:id="rId28"/>
     <p:sldId id="263" r:id="rId29"/>
     <p:sldId id="270" r:id="rId30"/>
-    <p:sldId id="261" r:id="rId31"/>
-    <p:sldId id="266" r:id="rId32"/>
+    <p:sldId id="295" r:id="rId31"/>
+    <p:sldId id="261" r:id="rId32"/>
+    <p:sldId id="266" r:id="rId33"/>
   </p:sldIdLst>
   <p:sldSz cx="12192000" cy="6858000"/>
   <p:notesSz cx="6858000" cy="9144000"/>
@@ -146,7 +147,7 @@
 <file path=ppt/revisionInfo.xml><?xml version="1.0" encoding="utf-8"?>
 <p1510:revInfo xmlns:a="http://schemas.openxmlformats.org/drawingml/2006/main" xmlns:r="http://schemas.openxmlformats.org/officeDocument/2006/relationships" xmlns:p1510="http://schemas.microsoft.com/office/powerpoint/2015/10/main">
   <p1510:revLst>
-    <p1510:client id="{3280C464-2C29-43A4-BF5A-CE909B5BB16A}" v="114" dt="2023-05-25T02:50:37.337"/>
+    <p1510:client id="{3280C464-2C29-43A4-BF5A-CE909B5BB16A}" v="122" dt="2023-05-25T21:31:35.218"/>
   </p1510:revLst>
 </p1510:revInfo>
 </file>
@@ -156,7 +157,7 @@
   <pc:docChgLst>
     <pc:chgData name="Jack Percy" userId="b9a97963-9b08-4684-92e4-b02ce1d032f1" providerId="ADAL" clId="{3280C464-2C29-43A4-BF5A-CE909B5BB16A}"/>
     <pc:docChg chg="undo custSel addSld delSld modSld sldOrd">
-      <pc:chgData name="Jack Percy" userId="b9a97963-9b08-4684-92e4-b02ce1d032f1" providerId="ADAL" clId="{3280C464-2C29-43A4-BF5A-CE909B5BB16A}" dt="2023-05-25T03:04:39.118" v="6633" actId="20577"/>
+      <pc:chgData name="Jack Percy" userId="b9a97963-9b08-4684-92e4-b02ce1d032f1" providerId="ADAL" clId="{3280C464-2C29-43A4-BF5A-CE909B5BB16A}" dt="2023-05-25T21:31:35.218" v="6737"/>
       <pc:docMkLst>
         <pc:docMk/>
       </pc:docMkLst>
@@ -218,6 +219,29 @@
             <pc:docMk/>
             <pc:sldMk cId="0" sldId="269"/>
             <ac:graphicFrameMk id="92" creationId="{00000000-0000-0000-0000-000000000000}"/>
+          </ac:graphicFrameMkLst>
+        </pc:graphicFrameChg>
+      </pc:sldChg>
+      <pc:sldChg chg="modSp mod">
+        <pc:chgData name="Jack Percy" userId="b9a97963-9b08-4684-92e4-b02ce1d032f1" providerId="ADAL" clId="{3280C464-2C29-43A4-BF5A-CE909B5BB16A}" dt="2023-05-25T21:30:58.229" v="6721" actId="20577"/>
+        <pc:sldMkLst>
+          <pc:docMk/>
+          <pc:sldMk cId="1053444694" sldId="270"/>
+        </pc:sldMkLst>
+        <pc:spChg chg="mod">
+          <ac:chgData name="Jack Percy" userId="b9a97963-9b08-4684-92e4-b02ce1d032f1" providerId="ADAL" clId="{3280C464-2C29-43A4-BF5A-CE909B5BB16A}" dt="2023-05-25T21:30:58.229" v="6721" actId="20577"/>
+          <ac:spMkLst>
+            <pc:docMk/>
+            <pc:sldMk cId="1053444694" sldId="270"/>
+            <ac:spMk id="2" creationId="{0D168B5A-EFF4-4803-8DA6-5994B306EBAF}"/>
+          </ac:spMkLst>
+        </pc:spChg>
+        <pc:graphicFrameChg chg="mod modGraphic">
+          <ac:chgData name="Jack Percy" userId="b9a97963-9b08-4684-92e4-b02ce1d032f1" providerId="ADAL" clId="{3280C464-2C29-43A4-BF5A-CE909B5BB16A}" dt="2023-05-25T21:29:55.261" v="6715"/>
+          <ac:graphicFrameMkLst>
+            <pc:docMk/>
+            <pc:sldMk cId="1053444694" sldId="270"/>
+            <ac:graphicFrameMk id="4" creationId="{54A393A9-6C94-409B-BDCB-65C4ABAA2DD1}"/>
           </ac:graphicFrameMkLst>
         </pc:graphicFrameChg>
       </pc:sldChg>
@@ -2044,13 +2068,13 @@
         </pc:picChg>
       </pc:sldChg>
       <pc:sldChg chg="addSp delSp modSp add mod">
-        <pc:chgData name="Jack Percy" userId="b9a97963-9b08-4684-92e4-b02ce1d032f1" providerId="ADAL" clId="{3280C464-2C29-43A4-BF5A-CE909B5BB16A}" dt="2023-05-23T00:25:57.793" v="3326" actId="9405"/>
+        <pc:chgData name="Jack Percy" userId="b9a97963-9b08-4684-92e4-b02ce1d032f1" providerId="ADAL" clId="{3280C464-2C29-43A4-BF5A-CE909B5BB16A}" dt="2023-05-25T21:08:38.826" v="6636" actId="20577"/>
         <pc:sldMkLst>
           <pc:docMk/>
           <pc:sldMk cId="3014001283" sldId="283"/>
         </pc:sldMkLst>
         <pc:spChg chg="mod">
-          <ac:chgData name="Jack Percy" userId="b9a97963-9b08-4684-92e4-b02ce1d032f1" providerId="ADAL" clId="{3280C464-2C29-43A4-BF5A-CE909B5BB16A}" dt="2023-05-23T00:25:11.700" v="3311" actId="20577"/>
+          <ac:chgData name="Jack Percy" userId="b9a97963-9b08-4684-92e4-b02ce1d032f1" providerId="ADAL" clId="{3280C464-2C29-43A4-BF5A-CE909B5BB16A}" dt="2023-05-25T21:08:38.826" v="6636" actId="20577"/>
           <ac:spMkLst>
             <pc:docMk/>
             <pc:sldMk cId="3014001283" sldId="283"/>
@@ -3884,6 +3908,29 @@
             <ac:inkMk id="17" creationId="{06780DBF-0057-CCDA-4502-308A8BFB2A6E}"/>
           </ac:inkMkLst>
         </pc:inkChg>
+      </pc:sldChg>
+      <pc:sldChg chg="modSp add mod">
+        <pc:chgData name="Jack Percy" userId="b9a97963-9b08-4684-92e4-b02ce1d032f1" providerId="ADAL" clId="{3280C464-2C29-43A4-BF5A-CE909B5BB16A}" dt="2023-05-25T21:31:35.218" v="6737"/>
+        <pc:sldMkLst>
+          <pc:docMk/>
+          <pc:sldMk cId="3558182562" sldId="295"/>
+        </pc:sldMkLst>
+        <pc:spChg chg="mod">
+          <ac:chgData name="Jack Percy" userId="b9a97963-9b08-4684-92e4-b02ce1d032f1" providerId="ADAL" clId="{3280C464-2C29-43A4-BF5A-CE909B5BB16A}" dt="2023-05-25T21:31:06.447" v="6724" actId="20577"/>
+          <ac:spMkLst>
+            <pc:docMk/>
+            <pc:sldMk cId="3558182562" sldId="295"/>
+            <ac:spMk id="2" creationId="{0D168B5A-EFF4-4803-8DA6-5994B306EBAF}"/>
+          </ac:spMkLst>
+        </pc:spChg>
+        <pc:graphicFrameChg chg="mod modGraphic">
+          <ac:chgData name="Jack Percy" userId="b9a97963-9b08-4684-92e4-b02ce1d032f1" providerId="ADAL" clId="{3280C464-2C29-43A4-BF5A-CE909B5BB16A}" dt="2023-05-25T21:31:35.218" v="6737"/>
+          <ac:graphicFrameMkLst>
+            <pc:docMk/>
+            <pc:sldMk cId="3558182562" sldId="295"/>
+            <ac:graphicFrameMk id="4" creationId="{54A393A9-6C94-409B-BDCB-65C4ABAA2DD1}"/>
+          </ac:graphicFrameMkLst>
+        </pc:graphicFrameChg>
       </pc:sldChg>
     </pc:docChg>
   </pc:docChgLst>
@@ -8150,7 +8197,7 @@
           <a:p>
             <a:fld id="{F37D28C0-BEB6-42B0-A203-EEE1023219C4}" type="datetimeFigureOut">
               <a:rPr lang="en-NZ" smtClean="0"/>
-              <a:t>25/05/2023</a:t>
+              <a:t>26/05/2023</a:t>
             </a:fld>
             <a:endParaRPr lang="en-NZ"/>
           </a:p>
@@ -10244,7 +10291,7 @@
           <a:p>
             <a:fld id="{D89B2B17-F4B1-4A14-AF99-5A366D45E74A}" type="slidenum">
               <a:rPr lang="en-NZ" smtClean="0"/>
-              <a:t>28</a:t>
+              <a:t>29</a:t>
             </a:fld>
             <a:endParaRPr lang="en-NZ"/>
           </a:p>
@@ -10353,7 +10400,7 @@
           <a:p>
             <a:fld id="{D89B2B17-F4B1-4A14-AF99-5A366D45E74A}" type="slidenum">
               <a:rPr lang="en-NZ" smtClean="0"/>
-              <a:t>29</a:t>
+              <a:t>30</a:t>
             </a:fld>
             <a:endParaRPr lang="en-NZ"/>
           </a:p>
@@ -11318,7 +11365,7 @@
           <a:p>
             <a:fld id="{9C4A4F43-1C06-40E6-8F87-8B286982E50E}" type="datetimeFigureOut">
               <a:rPr lang="en-NZ" smtClean="0"/>
-              <a:t>25/05/2023</a:t>
+              <a:t>26/05/2023</a:t>
             </a:fld>
             <a:endParaRPr lang="en-NZ" dirty="0"/>
           </a:p>
@@ -11518,7 +11565,7 @@
           <a:p>
             <a:fld id="{9C4A4F43-1C06-40E6-8F87-8B286982E50E}" type="datetimeFigureOut">
               <a:rPr lang="en-NZ" smtClean="0"/>
-              <a:t>25/05/2023</a:t>
+              <a:t>26/05/2023</a:t>
             </a:fld>
             <a:endParaRPr lang="en-NZ" dirty="0"/>
           </a:p>
@@ -11728,7 +11775,7 @@
           <a:p>
             <a:fld id="{9C4A4F43-1C06-40E6-8F87-8B286982E50E}" type="datetimeFigureOut">
               <a:rPr lang="en-NZ" smtClean="0"/>
-              <a:t>25/05/2023</a:t>
+              <a:t>26/05/2023</a:t>
             </a:fld>
             <a:endParaRPr lang="en-NZ" dirty="0"/>
           </a:p>
@@ -12287,7 +12334,7 @@
           <a:p>
             <a:fld id="{9C4A4F43-1C06-40E6-8F87-8B286982E50E}" type="datetimeFigureOut">
               <a:rPr lang="en-NZ" smtClean="0"/>
-              <a:t>25/05/2023</a:t>
+              <a:t>26/05/2023</a:t>
             </a:fld>
             <a:endParaRPr lang="en-NZ" dirty="0"/>
           </a:p>
@@ -12563,7 +12610,7 @@
           <a:p>
             <a:fld id="{9C4A4F43-1C06-40E6-8F87-8B286982E50E}" type="datetimeFigureOut">
               <a:rPr lang="en-NZ" smtClean="0"/>
-              <a:t>25/05/2023</a:t>
+              <a:t>26/05/2023</a:t>
             </a:fld>
             <a:endParaRPr lang="en-NZ" dirty="0"/>
           </a:p>
@@ -12831,7 +12878,7 @@
           <a:p>
             <a:fld id="{9C4A4F43-1C06-40E6-8F87-8B286982E50E}" type="datetimeFigureOut">
               <a:rPr lang="en-NZ" smtClean="0"/>
-              <a:t>25/05/2023</a:t>
+              <a:t>26/05/2023</a:t>
             </a:fld>
             <a:endParaRPr lang="en-NZ" dirty="0"/>
           </a:p>
@@ -13246,7 +13293,7 @@
           <a:p>
             <a:fld id="{9C4A4F43-1C06-40E6-8F87-8B286982E50E}" type="datetimeFigureOut">
               <a:rPr lang="en-NZ" smtClean="0"/>
-              <a:t>25/05/2023</a:t>
+              <a:t>26/05/2023</a:t>
             </a:fld>
             <a:endParaRPr lang="en-NZ" dirty="0"/>
           </a:p>
@@ -13388,7 +13435,7 @@
           <a:p>
             <a:fld id="{9C4A4F43-1C06-40E6-8F87-8B286982E50E}" type="datetimeFigureOut">
               <a:rPr lang="en-NZ" smtClean="0"/>
-              <a:t>25/05/2023</a:t>
+              <a:t>26/05/2023</a:t>
             </a:fld>
             <a:endParaRPr lang="en-NZ" dirty="0"/>
           </a:p>
@@ -13501,7 +13548,7 @@
           <a:p>
             <a:fld id="{9C4A4F43-1C06-40E6-8F87-8B286982E50E}" type="datetimeFigureOut">
               <a:rPr lang="en-NZ" smtClean="0"/>
-              <a:t>25/05/2023</a:t>
+              <a:t>26/05/2023</a:t>
             </a:fld>
             <a:endParaRPr lang="en-NZ" dirty="0"/>
           </a:p>
@@ -13814,7 +13861,7 @@
           <a:p>
             <a:fld id="{9C4A4F43-1C06-40E6-8F87-8B286982E50E}" type="datetimeFigureOut">
               <a:rPr lang="en-NZ" smtClean="0"/>
-              <a:t>25/05/2023</a:t>
+              <a:t>26/05/2023</a:t>
             </a:fld>
             <a:endParaRPr lang="en-NZ" dirty="0"/>
           </a:p>
@@ -14103,7 +14150,7 @@
           <a:p>
             <a:fld id="{9C4A4F43-1C06-40E6-8F87-8B286982E50E}" type="datetimeFigureOut">
               <a:rPr lang="en-NZ" smtClean="0"/>
-              <a:t>25/05/2023</a:t>
+              <a:t>26/05/2023</a:t>
             </a:fld>
             <a:endParaRPr lang="en-NZ" dirty="0"/>
           </a:p>
@@ -14346,7 +14393,7 @@
           <a:p>
             <a:fld id="{9C4A4F43-1C06-40E6-8F87-8B286982E50E}" type="datetimeFigureOut">
               <a:rPr lang="en-NZ" smtClean="0"/>
-              <a:t>25/05/2023</a:t>
+              <a:t>26/05/2023</a:t>
             </a:fld>
             <a:endParaRPr lang="en-NZ" dirty="0"/>
           </a:p>
@@ -18352,7 +18399,7 @@
           <a:p>
             <a:r>
               <a:rPr lang="en-NZ" dirty="0"/>
-              <a:t>Search Menu Function: Testing (1/2)</a:t>
+              <a:t>3) Search Menu Function: Testing (1/2)</a:t>
             </a:r>
           </a:p>
         </p:txBody>
@@ -25435,8 +25482,8 @@
           </a:prstGeom>
         </p:spPr>
       </p:pic>
-      <mc:AlternateContent xmlns:mc="http://schemas.openxmlformats.org/markup-compatibility/2006">
-        <mc:Choice xmlns:p14="http://schemas.microsoft.com/office/powerpoint/2010/main" Requires="p14">
+      <mc:AlternateContent xmlns:mc="http://schemas.openxmlformats.org/markup-compatibility/2006" xmlns:p14="http://schemas.microsoft.com/office/powerpoint/2010/main">
+        <mc:Choice Requires="p14">
           <p:contentPart p14:bwMode="auto" r:id="rId6">
             <p14:nvContentPartPr>
               <p14:cNvPr id="9" name="Ink 8">
@@ -25455,7 +25502,7 @@
             </p14:xfrm>
           </p:contentPart>
         </mc:Choice>
-        <mc:Fallback>
+        <mc:Fallback xmlns="">
           <p:pic>
             <p:nvPicPr>
               <p:cNvPr id="9" name="Ink 8">
@@ -25486,8 +25533,8 @@
           </p:pic>
         </mc:Fallback>
       </mc:AlternateContent>
-      <mc:AlternateContent xmlns:mc="http://schemas.openxmlformats.org/markup-compatibility/2006">
-        <mc:Choice xmlns:p14="http://schemas.microsoft.com/office/powerpoint/2010/main" Requires="p14">
+      <mc:AlternateContent xmlns:mc="http://schemas.openxmlformats.org/markup-compatibility/2006" xmlns:p14="http://schemas.microsoft.com/office/powerpoint/2010/main">
+        <mc:Choice Requires="p14">
           <p:contentPart p14:bwMode="auto" r:id="rId8">
             <p14:nvContentPartPr>
               <p14:cNvPr id="10" name="Ink 9">
@@ -25506,7 +25553,7 @@
             </p14:xfrm>
           </p:contentPart>
         </mc:Choice>
-        <mc:Fallback>
+        <mc:Fallback xmlns="">
           <p:pic>
             <p:nvPicPr>
               <p:cNvPr id="10" name="Ink 9">
@@ -25557,8 +25604,8 @@
             <a:chExt cx="3241440" cy="460080"/>
           </a:xfrm>
         </p:grpSpPr>
-        <mc:AlternateContent xmlns:mc="http://schemas.openxmlformats.org/markup-compatibility/2006">
-          <mc:Choice xmlns:p14="http://schemas.microsoft.com/office/powerpoint/2010/main" Requires="p14">
+        <mc:AlternateContent xmlns:mc="http://schemas.openxmlformats.org/markup-compatibility/2006" xmlns:p14="http://schemas.microsoft.com/office/powerpoint/2010/main">
+          <mc:Choice Requires="p14">
             <p:contentPart p14:bwMode="auto" r:id="rId10">
               <p14:nvContentPartPr>
                 <p14:cNvPr id="11" name="Ink 10">
@@ -25577,7 +25624,7 @@
               </p14:xfrm>
             </p:contentPart>
           </mc:Choice>
-          <mc:Fallback>
+          <mc:Fallback xmlns="">
             <p:pic>
               <p:nvPicPr>
                 <p:cNvPr id="11" name="Ink 10">
@@ -25608,8 +25655,8 @@
             </p:pic>
           </mc:Fallback>
         </mc:AlternateContent>
-        <mc:AlternateContent xmlns:mc="http://schemas.openxmlformats.org/markup-compatibility/2006">
-          <mc:Choice xmlns:p14="http://schemas.microsoft.com/office/powerpoint/2010/main" Requires="p14">
+        <mc:AlternateContent xmlns:mc="http://schemas.openxmlformats.org/markup-compatibility/2006" xmlns:p14="http://schemas.microsoft.com/office/powerpoint/2010/main">
+          <mc:Choice Requires="p14">
             <p:contentPart p14:bwMode="auto" r:id="rId12">
               <p14:nvContentPartPr>
                 <p14:cNvPr id="12" name="Ink 11">
@@ -25628,7 +25675,7 @@
               </p14:xfrm>
             </p:contentPart>
           </mc:Choice>
-          <mc:Fallback>
+          <mc:Fallback xmlns="">
             <p:pic>
               <p:nvPicPr>
                 <p:cNvPr id="12" name="Ink 11">
@@ -25660,8 +25707,8 @@
           </mc:Fallback>
         </mc:AlternateContent>
       </p:grpSp>
-      <mc:AlternateContent xmlns:mc="http://schemas.openxmlformats.org/markup-compatibility/2006">
-        <mc:Choice xmlns:p14="http://schemas.microsoft.com/office/powerpoint/2010/main" Requires="p14">
+      <mc:AlternateContent xmlns:mc="http://schemas.openxmlformats.org/markup-compatibility/2006" xmlns:p14="http://schemas.microsoft.com/office/powerpoint/2010/main">
+        <mc:Choice Requires="p14">
           <p:contentPart p14:bwMode="auto" r:id="rId14">
             <p14:nvContentPartPr>
               <p14:cNvPr id="14" name="Ink 13">
@@ -25680,7 +25727,7 @@
             </p14:xfrm>
           </p:contentPart>
         </mc:Choice>
-        <mc:Fallback>
+        <mc:Fallback xmlns="">
           <p:pic>
             <p:nvPicPr>
               <p:cNvPr id="14" name="Ink 13">
@@ -25711,8 +25758,8 @@
           </p:pic>
         </mc:Fallback>
       </mc:AlternateContent>
-      <mc:AlternateContent xmlns:mc="http://schemas.openxmlformats.org/markup-compatibility/2006">
-        <mc:Choice xmlns:p14="http://schemas.microsoft.com/office/powerpoint/2010/main" Requires="p14">
+      <mc:AlternateContent xmlns:mc="http://schemas.openxmlformats.org/markup-compatibility/2006" xmlns:p14="http://schemas.microsoft.com/office/powerpoint/2010/main">
+        <mc:Choice Requires="p14">
           <p:contentPart p14:bwMode="auto" r:id="rId16">
             <p14:nvContentPartPr>
               <p14:cNvPr id="15" name="Ink 14">
@@ -25731,7 +25778,7 @@
             </p14:xfrm>
           </p:contentPart>
         </mc:Choice>
-        <mc:Fallback>
+        <mc:Fallback xmlns="">
           <p:pic>
             <p:nvPicPr>
               <p:cNvPr id="15" name="Ink 14">
@@ -25782,8 +25829,8 @@
             <a:chExt cx="606600" cy="609480"/>
           </a:xfrm>
         </p:grpSpPr>
-        <mc:AlternateContent xmlns:mc="http://schemas.openxmlformats.org/markup-compatibility/2006">
-          <mc:Choice xmlns:p14="http://schemas.microsoft.com/office/powerpoint/2010/main" Requires="p14">
+        <mc:AlternateContent xmlns:mc="http://schemas.openxmlformats.org/markup-compatibility/2006" xmlns:p14="http://schemas.microsoft.com/office/powerpoint/2010/main">
+          <mc:Choice Requires="p14">
             <p:contentPart p14:bwMode="auto" r:id="rId18">
               <p14:nvContentPartPr>
                 <p14:cNvPr id="16" name="Ink 15">
@@ -25802,7 +25849,7 @@
               </p14:xfrm>
             </p:contentPart>
           </mc:Choice>
-          <mc:Fallback>
+          <mc:Fallback xmlns="">
             <p:pic>
               <p:nvPicPr>
                 <p:cNvPr id="16" name="Ink 15">
@@ -25833,8 +25880,8 @@
             </p:pic>
           </mc:Fallback>
         </mc:AlternateContent>
-        <mc:AlternateContent xmlns:mc="http://schemas.openxmlformats.org/markup-compatibility/2006">
-          <mc:Choice xmlns:p14="http://schemas.microsoft.com/office/powerpoint/2010/main" Requires="p14">
+        <mc:AlternateContent xmlns:mc="http://schemas.openxmlformats.org/markup-compatibility/2006" xmlns:p14="http://schemas.microsoft.com/office/powerpoint/2010/main">
+          <mc:Choice Requires="p14">
             <p:contentPart p14:bwMode="auto" r:id="rId20">
               <p14:nvContentPartPr>
                 <p14:cNvPr id="17" name="Ink 16">
@@ -25853,7 +25900,7 @@
               </p14:xfrm>
             </p:contentPart>
           </mc:Choice>
-          <mc:Fallback>
+          <mc:Fallback xmlns="">
             <p:pic>
               <p:nvPicPr>
                 <p:cNvPr id="17" name="Ink 16">
@@ -26088,7 +26135,7 @@
         </p:nvSpPr>
         <p:spPr>
           <a:xfrm>
-            <a:off x="838200" y="365125"/>
+            <a:off x="838200" y="0"/>
             <a:ext cx="10515600" cy="640715"/>
           </a:xfrm>
         </p:spPr>
@@ -26108,7 +26155,7 @@
             </a:pPr>
             <a:r>
               <a:rPr lang="en-NZ" sz="4000" dirty="0"/>
-              <a:t>Address relevant Implications:</a:t>
+              <a:t>Address relevant Implications: (1/2)</a:t>
             </a:r>
           </a:p>
         </p:txBody>
@@ -26128,14 +26175,14 @@
           <p:nvPr>
             <p:extLst>
               <p:ext uri="{D42A27DB-BD31-4B8C-83A1-F6EECF244321}">
-                <p14:modId xmlns:p14="http://schemas.microsoft.com/office/powerpoint/2010/main" val="2093828405"/>
+                <p14:modId xmlns:p14="http://schemas.microsoft.com/office/powerpoint/2010/main" val="534056485"/>
               </p:ext>
             </p:extLst>
           </p:nvPr>
         </p:nvGraphicFramePr>
         <p:xfrm>
-          <a:off x="782320" y="1213485"/>
-          <a:ext cx="10627360" cy="2672080"/>
+          <a:off x="782320" y="640715"/>
+          <a:ext cx="10627360" cy="5857240"/>
         </p:xfrm>
         <a:graphic>
           <a:graphicData uri="http://schemas.openxmlformats.org/drawingml/2006/table">
@@ -26229,31 +26276,7 @@
                           <a:ea typeface="+mn-ea"/>
                           <a:cs typeface="+mn-cs"/>
                         </a:rPr>
-                        <a:t>In this project, a graphical interface can make it easier for users to manipulate and visualize data, reducing the time and effort required to </a:t>
-                      </a:r>
-                      <a:r>
-                        <a:rPr lang="en-GB" sz="1800" b="0" i="0" kern="1200" dirty="0" err="1">
-                          <a:solidFill>
-                            <a:schemeClr val="dk1"/>
-                          </a:solidFill>
-                          <a:effectLst/>
-                          <a:latin typeface="+mn-lt"/>
-                          <a:ea typeface="+mn-ea"/>
-                          <a:cs typeface="+mn-cs"/>
-                        </a:rPr>
-                        <a:t>analyze</a:t>
-                      </a:r>
-                      <a:r>
-                        <a:rPr lang="en-GB" sz="1800" b="0" i="0" kern="1200" dirty="0">
-                          <a:solidFill>
-                            <a:schemeClr val="dk1"/>
-                          </a:solidFill>
-                          <a:effectLst/>
-                          <a:latin typeface="+mn-lt"/>
-                          <a:ea typeface="+mn-ea"/>
-                          <a:cs typeface="+mn-cs"/>
-                        </a:rPr>
-                        <a:t> and understand complex information. It can also make it easier to identify and resolve errors, reducing the risk of data loss or corruption.</a:t>
+                        <a:t>In this project, a graphical interface can make it easier for users to manipulate and visualize data, reducing the time and effort required to analyse and understand complex information. It can also make it easier to identify and resolve errors, reducing the risk of data loss or corruption.</a:t>
                       </a:r>
                       <a:endParaRPr lang="en-NZ" dirty="0"/>
                     </a:p>
@@ -26272,32 +26295,28 @@
                     <a:bodyPr/>
                     <a:lstStyle/>
                     <a:p>
-                      <a:endParaRPr lang="en-NZ" dirty="0"/>
+                      <a:pPr marL="0" marR="0" lvl="0" indent="0" algn="l" defTabSz="914400" rtl="0" eaLnBrk="1" fontAlgn="auto" latinLnBrk="0" hangingPunct="1">
+                        <a:lnSpc>
+                          <a:spcPct val="100000"/>
+                        </a:lnSpc>
+                        <a:spcBef>
+                          <a:spcPts val="0"/>
+                        </a:spcBef>
+                        <a:spcAft>
+                          <a:spcPts val="0"/>
+                        </a:spcAft>
+                        <a:buClrTx/>
+                        <a:buSzTx/>
+                        <a:buFontTx/>
+                        <a:buNone/>
+                        <a:tabLst/>
+                        <a:defRPr/>
+                      </a:pPr>
+                      <a:r>
+                        <a:rPr lang="en-NZ" dirty="0"/>
+                        <a:t>Functionality</a:t>
+                      </a:r>
                     </a:p>
-                  </a:txBody>
-                  <a:tcPr/>
-                </a:tc>
-                <a:tc>
-                  <a:txBody>
-                    <a:bodyPr/>
-                    <a:lstStyle/>
-                    <a:p>
-                      <a:endParaRPr lang="en-NZ" dirty="0"/>
-                    </a:p>
-                  </a:txBody>
-                  <a:tcPr/>
-                </a:tc>
-                <a:extLst>
-                  <a:ext uri="{0D108BD9-81ED-4DB2-BD59-A6C34878D82A}">
-                    <a16:rowId xmlns:a16="http://schemas.microsoft.com/office/drawing/2014/main" val="845002142"/>
-                  </a:ext>
-                </a:extLst>
-              </a:tr>
-              <a:tr h="370840">
-                <a:tc>
-                  <a:txBody>
-                    <a:bodyPr/>
-                    <a:lstStyle/>
                     <a:p>
                       <a:endParaRPr lang="en-NZ" dirty="0"/>
                     </a:p>
@@ -26309,24 +26328,66 @@
                     <a:bodyPr/>
                     <a:lstStyle/>
                     <a:p>
-                      <a:endParaRPr lang="en-NZ" dirty="0"/>
+                      <a:pPr marL="0" marR="0" lvl="0" indent="0" algn="l" defTabSz="914400" rtl="0" eaLnBrk="1" fontAlgn="auto" latinLnBrk="0" hangingPunct="1">
+                        <a:lnSpc>
+                          <a:spcPct val="100000"/>
+                        </a:lnSpc>
+                        <a:spcBef>
+                          <a:spcPts val="0"/>
+                        </a:spcBef>
+                        <a:spcAft>
+                          <a:spcPts val="0"/>
+                        </a:spcAft>
+                        <a:buClrTx/>
+                        <a:buSzTx/>
+                        <a:buFontTx/>
+                        <a:buNone/>
+                        <a:tabLst/>
+                        <a:defRPr/>
+                      </a:pPr>
+                      <a:r>
+                        <a:rPr lang="en-NZ" dirty="0"/>
+                        <a:t>After testing the code to see if it works fine I found that all functions worked as expected from testing them to the fullest extent. All error messages for the user work fine so they know what mistake they made and the code doesn’t crash when the program is doing what it requires to do.</a:t>
+                      </a:r>
                     </a:p>
                   </a:txBody>
                   <a:tcPr/>
                 </a:tc>
                 <a:extLst>
                   <a:ext uri="{0D108BD9-81ED-4DB2-BD59-A6C34878D82A}">
-                    <a16:rowId xmlns:a16="http://schemas.microsoft.com/office/drawing/2014/main" val="1686164491"/>
+                    <a16:rowId xmlns:a16="http://schemas.microsoft.com/office/drawing/2014/main" val="845002142"/>
                   </a:ext>
                 </a:extLst>
               </a:tr>
-              <a:tr h="370840">
+              <a:tr h="402022">
                 <a:tc>
                   <a:txBody>
                     <a:bodyPr/>
                     <a:lstStyle/>
                     <a:p>
-                      <a:endParaRPr lang="en-NZ" dirty="0"/>
+                      <a:pPr marL="0" marR="0" lvl="0" indent="0" algn="l" defTabSz="914400" rtl="0" eaLnBrk="1" fontAlgn="auto" latinLnBrk="0" hangingPunct="1">
+                        <a:lnSpc>
+                          <a:spcPct val="100000"/>
+                        </a:lnSpc>
+                        <a:spcBef>
+                          <a:spcPts val="0"/>
+                        </a:spcBef>
+                        <a:spcAft>
+                          <a:spcPts val="0"/>
+                        </a:spcAft>
+                        <a:buClrTx/>
+                        <a:buSzTx/>
+                        <a:buFontTx/>
+                        <a:buNone/>
+                        <a:tabLst/>
+                        <a:defRPr/>
+                      </a:pPr>
+                      <a:r>
+                        <a:rPr lang="en-NZ" sz="1800" dirty="0">
+                          <a:latin typeface="Helvetica" pitchFamily="2" charset="0"/>
+                        </a:rPr>
+                        <a:t>Intellectual Property/Copyright</a:t>
+                      </a:r>
                     </a:p>
                   </a:txBody>
                   <a:tcPr/>
@@ -26336,6 +26397,10 @@
                     <a:bodyPr/>
                     <a:lstStyle/>
                     <a:p>
+                      <a:r>
+                        <a:rPr lang="en-GB" dirty="0"/>
+                        <a:t>By guaranteeing that all monster cards included in the catalogue are original works, I addressed the implications of intellectual property and copyright in my final programme conclusion. I did not improperly use or misappropriate any copyrighted content. In order to show transparency and adherence to licences and terms of use, I also detailed the creation of the monster cards, including any external libraries or resources used. My programme encourages ethical development practises and averts any potential legal concerns associated with the unauthorised use of copyrighted material by respecting intellectual property rights and copyright.</a:t>
+                      </a:r>
                       <a:endParaRPr lang="en-NZ" dirty="0"/>
                     </a:p>
                   </a:txBody>
@@ -26343,7 +26408,7 @@
                 </a:tc>
                 <a:extLst>
                   <a:ext uri="{0D108BD9-81ED-4DB2-BD59-A6C34878D82A}">
-                    <a16:rowId xmlns:a16="http://schemas.microsoft.com/office/drawing/2014/main" val="1038612699"/>
+                    <a16:rowId xmlns:a16="http://schemas.microsoft.com/office/drawing/2014/main" val="1686164491"/>
                   </a:ext>
                 </a:extLst>
               </a:tr>
@@ -26365,6 +26430,220 @@
 </file>
 
 <file path=ppt/slides/slide28.xml><?xml version="1.0" encoding="utf-8"?>
+<p:sld xmlns:a="http://schemas.openxmlformats.org/drawingml/2006/main" xmlns:r="http://schemas.openxmlformats.org/officeDocument/2006/relationships" xmlns:p="http://schemas.openxmlformats.org/presentationml/2006/main">
+  <p:cSld>
+    <p:spTree>
+      <p:nvGrpSpPr>
+        <p:cNvPr id="1" name=""/>
+        <p:cNvGrpSpPr/>
+        <p:nvPr/>
+      </p:nvGrpSpPr>
+      <p:grpSpPr>
+        <a:xfrm>
+          <a:off x="0" y="0"/>
+          <a:ext cx="0" cy="0"/>
+          <a:chOff x="0" y="0"/>
+          <a:chExt cx="0" cy="0"/>
+        </a:xfrm>
+      </p:grpSpPr>
+      <p:sp>
+        <p:nvSpPr>
+          <p:cNvPr id="2" name="Title 1">
+            <a:extLst>
+              <a:ext uri="{FF2B5EF4-FFF2-40B4-BE49-F238E27FC236}">
+                <a16:creationId xmlns:a16="http://schemas.microsoft.com/office/drawing/2014/main" id="{0D168B5A-EFF4-4803-8DA6-5994B306EBAF}"/>
+              </a:ext>
+            </a:extLst>
+          </p:cNvPr>
+          <p:cNvSpPr>
+            <a:spLocks noGrp="1"/>
+          </p:cNvSpPr>
+          <p:nvPr>
+            <p:ph type="title"/>
+          </p:nvPr>
+        </p:nvSpPr>
+        <p:spPr>
+          <a:xfrm>
+            <a:off x="838200" y="0"/>
+            <a:ext cx="10515600" cy="640715"/>
+          </a:xfrm>
+        </p:spPr>
+        <p:txBody>
+          <a:bodyPr>
+            <a:normAutofit fontScale="90000"/>
+          </a:bodyPr>
+          <a:lstStyle/>
+          <a:p>
+            <a:pPr>
+              <a:lnSpc>
+                <a:spcPct val="115000"/>
+              </a:lnSpc>
+              <a:spcAft>
+                <a:spcPts val="0"/>
+              </a:spcAft>
+            </a:pPr>
+            <a:r>
+              <a:rPr lang="en-NZ" sz="4000" dirty="0"/>
+              <a:t>Address relevant Implications: (2/2)</a:t>
+            </a:r>
+          </a:p>
+        </p:txBody>
+      </p:sp>
+      <p:graphicFrame>
+        <p:nvGraphicFramePr>
+          <p:cNvPr id="4" name="Table 4">
+            <a:extLst>
+              <a:ext uri="{FF2B5EF4-FFF2-40B4-BE49-F238E27FC236}">
+                <a16:creationId xmlns:a16="http://schemas.microsoft.com/office/drawing/2014/main" id="{54A393A9-6C94-409B-BDCB-65C4ABAA2DD1}"/>
+              </a:ext>
+            </a:extLst>
+          </p:cNvPr>
+          <p:cNvGraphicFramePr>
+            <a:graphicFrameLocks noGrp="1"/>
+          </p:cNvGraphicFramePr>
+          <p:nvPr>
+            <p:extLst>
+              <p:ext uri="{D42A27DB-BD31-4B8C-83A1-F6EECF244321}">
+                <p14:modId xmlns:p14="http://schemas.microsoft.com/office/powerpoint/2010/main" val="1025798029"/>
+              </p:ext>
+            </p:extLst>
+          </p:nvPr>
+        </p:nvGraphicFramePr>
+        <p:xfrm>
+          <a:off x="782320" y="640715"/>
+          <a:ext cx="10627360" cy="3479800"/>
+        </p:xfrm>
+        <a:graphic>
+          <a:graphicData uri="http://schemas.openxmlformats.org/drawingml/2006/table">
+            <a:tbl>
+              <a:tblPr firstRow="1" bandRow="1">
+                <a:tableStyleId>{5C22544A-7EE6-4342-B048-85BDC9FD1C3A}</a:tableStyleId>
+              </a:tblPr>
+              <a:tblGrid>
+                <a:gridCol w="3505200">
+                  <a:extLst>
+                    <a:ext uri="{9D8B030D-6E8A-4147-A177-3AD203B41FA5}">
+                      <a16:colId xmlns:a16="http://schemas.microsoft.com/office/drawing/2014/main" val="2849256304"/>
+                    </a:ext>
+                  </a:extLst>
+                </a:gridCol>
+                <a:gridCol w="7122160">
+                  <a:extLst>
+                    <a:ext uri="{9D8B030D-6E8A-4147-A177-3AD203B41FA5}">
+                      <a16:colId xmlns:a16="http://schemas.microsoft.com/office/drawing/2014/main" val="2106481727"/>
+                    </a:ext>
+                  </a:extLst>
+                </a:gridCol>
+              </a:tblGrid>
+              <a:tr h="370840">
+                <a:tc>
+                  <a:txBody>
+                    <a:bodyPr/>
+                    <a:lstStyle/>
+                    <a:p>
+                      <a:r>
+                        <a:rPr lang="en-NZ" dirty="0"/>
+                        <a:t>Relevant implication</a:t>
+                      </a:r>
+                    </a:p>
+                  </a:txBody>
+                  <a:tcPr/>
+                </a:tc>
+                <a:tc>
+                  <a:txBody>
+                    <a:bodyPr/>
+                    <a:lstStyle/>
+                    <a:p>
+                      <a:r>
+                        <a:rPr lang="en-NZ" dirty="0"/>
+                        <a:t>Explain how your final outcome </a:t>
+                      </a:r>
+                      <a:r>
+                        <a:rPr lang="en-NZ" b="1" i="1" dirty="0"/>
+                        <a:t>addresses</a:t>
+                      </a:r>
+                      <a:r>
+                        <a:rPr lang="en-NZ" dirty="0"/>
+                        <a:t> each implication</a:t>
+                      </a:r>
+                    </a:p>
+                  </a:txBody>
+                  <a:tcPr/>
+                </a:tc>
+                <a:extLst>
+                  <a:ext uri="{0D108BD9-81ED-4DB2-BD59-A6C34878D82A}">
+                    <a16:rowId xmlns:a16="http://schemas.microsoft.com/office/drawing/2014/main" val="2286542890"/>
+                  </a:ext>
+                </a:extLst>
+              </a:tr>
+              <a:tr h="370840">
+                <a:tc>
+                  <a:txBody>
+                    <a:bodyPr/>
+                    <a:lstStyle/>
+                    <a:p>
+                      <a:r>
+                        <a:rPr lang="en-NZ" dirty="0"/>
+                        <a:t>Aesthetics</a:t>
+                      </a:r>
+                    </a:p>
+                  </a:txBody>
+                  <a:tcPr/>
+                </a:tc>
+                <a:tc>
+                  <a:txBody>
+                    <a:bodyPr/>
+                    <a:lstStyle/>
+                    <a:p>
+                      <a:r>
+                        <a:rPr lang="en-GB" dirty="0"/>
+                        <a:t>I addressed the aesthetic implications in my program's final product by implementing a graphical user interface (GUI) using the </a:t>
+                      </a:r>
+                      <a:r>
+                        <a:rPr lang="en-GB" dirty="0" err="1"/>
+                        <a:t>easyGUI</a:t>
+                      </a:r>
+                      <a:r>
+                        <a:rPr lang="en-GB" dirty="0"/>
+                        <a:t> library. The GUI offers an aesthetically pleasing and approachable interface for communicating with the programme. I concentrated on making a simple and clear design, making sure that the UI elements are organised and simple to understand. The GUI's usage of buttons, text boxes, and menus enables easy user input and navigation. In an effort to produce a visually appealing experience, I also paid close attention to the layout and colour palette overall. By integrating a GUI using </a:t>
+                      </a:r>
+                      <a:r>
+                        <a:rPr lang="en-GB" dirty="0" err="1"/>
+                        <a:t>easyGUI</a:t>
+                      </a:r>
+                      <a:r>
+                        <a:rPr lang="en-GB"/>
+                        <a:t>, my programme not only boosts its visual appeal but also enriches the user experience by facilitating easier and more fun interaction.</a:t>
+                      </a:r>
+                      <a:endParaRPr lang="en-NZ" dirty="0"/>
+                    </a:p>
+                  </a:txBody>
+                  <a:tcPr/>
+                </a:tc>
+                <a:extLst>
+                  <a:ext uri="{0D108BD9-81ED-4DB2-BD59-A6C34878D82A}">
+                    <a16:rowId xmlns:a16="http://schemas.microsoft.com/office/drawing/2014/main" val="2636529970"/>
+                  </a:ext>
+                </a:extLst>
+              </a:tr>
+            </a:tbl>
+          </a:graphicData>
+        </a:graphic>
+      </p:graphicFrame>
+    </p:spTree>
+    <p:extLst>
+      <p:ext uri="{BB962C8B-B14F-4D97-AF65-F5344CB8AC3E}">
+        <p14:creationId xmlns:p14="http://schemas.microsoft.com/office/powerpoint/2010/main" val="3558182562"/>
+      </p:ext>
+    </p:extLst>
+  </p:cSld>
+  <p:clrMapOvr>
+    <a:masterClrMapping/>
+  </p:clrMapOvr>
+</p:sld>
+</file>
+
+<file path=ppt/slides/slide29.xml><?xml version="1.0" encoding="utf-8"?>
 <p:sld xmlns:a="http://schemas.openxmlformats.org/drawingml/2006/main" xmlns:r="http://schemas.openxmlformats.org/officeDocument/2006/relationships" xmlns:p="http://schemas.openxmlformats.org/presentationml/2006/main">
   <p:cSld>
     <p:spTree>
@@ -26469,107 +26748,6 @@
     <p:extLst>
       <p:ext uri="{BB962C8B-B14F-4D97-AF65-F5344CB8AC3E}">
         <p14:creationId xmlns:p14="http://schemas.microsoft.com/office/powerpoint/2010/main" val="1357549755"/>
-      </p:ext>
-    </p:extLst>
-  </p:cSld>
-  <p:clrMapOvr>
-    <a:masterClrMapping/>
-  </p:clrMapOvr>
-</p:sld>
-</file>
-
-<file path=ppt/slides/slide29.xml><?xml version="1.0" encoding="utf-8"?>
-<p:sld xmlns:a="http://schemas.openxmlformats.org/drawingml/2006/main" xmlns:r="http://schemas.openxmlformats.org/officeDocument/2006/relationships" xmlns:p="http://schemas.openxmlformats.org/presentationml/2006/main">
-  <p:cSld>
-    <p:spTree>
-      <p:nvGrpSpPr>
-        <p:cNvPr id="1" name=""/>
-        <p:cNvGrpSpPr/>
-        <p:nvPr/>
-      </p:nvGrpSpPr>
-      <p:grpSpPr>
-        <a:xfrm>
-          <a:off x="0" y="0"/>
-          <a:ext cx="0" cy="0"/>
-          <a:chOff x="0" y="0"/>
-          <a:chExt cx="0" cy="0"/>
-        </a:xfrm>
-      </p:grpSpPr>
-      <p:sp>
-        <p:nvSpPr>
-          <p:cNvPr id="2" name="Title 1">
-            <a:extLst>
-              <a:ext uri="{FF2B5EF4-FFF2-40B4-BE49-F238E27FC236}">
-                <a16:creationId xmlns:a16="http://schemas.microsoft.com/office/drawing/2014/main" id="{0AC904DD-5A10-446B-A89E-8DA5AC00DE23}"/>
-              </a:ext>
-            </a:extLst>
-          </p:cNvPr>
-          <p:cNvSpPr>
-            <a:spLocks noGrp="1"/>
-          </p:cNvSpPr>
-          <p:nvPr>
-            <p:ph type="title"/>
-          </p:nvPr>
-        </p:nvSpPr>
-        <p:spPr>
-          <a:xfrm>
-            <a:off x="838200" y="365125"/>
-            <a:ext cx="10515600" cy="721995"/>
-          </a:xfrm>
-        </p:spPr>
-        <p:txBody>
-          <a:bodyPr>
-            <a:normAutofit/>
-          </a:bodyPr>
-          <a:lstStyle/>
-          <a:p>
-            <a:r>
-              <a:rPr lang="en-NZ" sz="4000" dirty="0"/>
-              <a:t>Final Discussion:</a:t>
-            </a:r>
-          </a:p>
-        </p:txBody>
-      </p:sp>
-      <p:sp>
-        <p:nvSpPr>
-          <p:cNvPr id="3" name="Rectangle 2">
-            <a:extLst>
-              <a:ext uri="{FF2B5EF4-FFF2-40B4-BE49-F238E27FC236}">
-                <a16:creationId xmlns:a16="http://schemas.microsoft.com/office/drawing/2014/main" id="{6385A117-1109-4CFD-B531-10565CC9D864}"/>
-              </a:ext>
-            </a:extLst>
-          </p:cNvPr>
-          <p:cNvSpPr/>
-          <p:nvPr/>
-        </p:nvSpPr>
-        <p:spPr>
-          <a:xfrm>
-            <a:off x="838200" y="1087120"/>
-            <a:ext cx="8353926" cy="646331"/>
-          </a:xfrm>
-          <a:prstGeom prst="rect">
-            <a:avLst/>
-          </a:prstGeom>
-        </p:spPr>
-        <p:txBody>
-          <a:bodyPr wrap="square">
-            <a:spAutoFit/>
-          </a:bodyPr>
-          <a:lstStyle/>
-          <a:p>
-            <a:r>
-              <a:rPr lang="en-NZ" i="1" dirty="0">
-                <a:latin typeface="Arial" panose="020B0604020202020204" pitchFamily="34" charset="0"/>
-              </a:rPr>
-              <a:t>Discuss how the information from planning, testing and trialling of components assisted in the development of a high-quality outcome.</a:t>
-            </a:r>
-          </a:p>
-        </p:txBody>
-      </p:sp>
-    </p:spTree>
-    <p:extLst>
-      <p:ext uri="{BB962C8B-B14F-4D97-AF65-F5344CB8AC3E}">
-        <p14:creationId xmlns:p14="http://schemas.microsoft.com/office/powerpoint/2010/main" val="2276153040"/>
       </p:ext>
     </p:extLst>
   </p:cSld>
@@ -26870,6 +27048,107 @@
     <p:extLst>
       <p:ext uri="{BB962C8B-B14F-4D97-AF65-F5344CB8AC3E}">
         <p14:creationId xmlns:p14="http://schemas.microsoft.com/office/powerpoint/2010/main" val="975627948"/>
+      </p:ext>
+    </p:extLst>
+  </p:cSld>
+  <p:clrMapOvr>
+    <a:masterClrMapping/>
+  </p:clrMapOvr>
+</p:sld>
+</file>
+
+<file path=ppt/slides/slide30.xml><?xml version="1.0" encoding="utf-8"?>
+<p:sld xmlns:a="http://schemas.openxmlformats.org/drawingml/2006/main" xmlns:r="http://schemas.openxmlformats.org/officeDocument/2006/relationships" xmlns:p="http://schemas.openxmlformats.org/presentationml/2006/main">
+  <p:cSld>
+    <p:spTree>
+      <p:nvGrpSpPr>
+        <p:cNvPr id="1" name=""/>
+        <p:cNvGrpSpPr/>
+        <p:nvPr/>
+      </p:nvGrpSpPr>
+      <p:grpSpPr>
+        <a:xfrm>
+          <a:off x="0" y="0"/>
+          <a:ext cx="0" cy="0"/>
+          <a:chOff x="0" y="0"/>
+          <a:chExt cx="0" cy="0"/>
+        </a:xfrm>
+      </p:grpSpPr>
+      <p:sp>
+        <p:nvSpPr>
+          <p:cNvPr id="2" name="Title 1">
+            <a:extLst>
+              <a:ext uri="{FF2B5EF4-FFF2-40B4-BE49-F238E27FC236}">
+                <a16:creationId xmlns:a16="http://schemas.microsoft.com/office/drawing/2014/main" id="{0AC904DD-5A10-446B-A89E-8DA5AC00DE23}"/>
+              </a:ext>
+            </a:extLst>
+          </p:cNvPr>
+          <p:cNvSpPr>
+            <a:spLocks noGrp="1"/>
+          </p:cNvSpPr>
+          <p:nvPr>
+            <p:ph type="title"/>
+          </p:nvPr>
+        </p:nvSpPr>
+        <p:spPr>
+          <a:xfrm>
+            <a:off x="838200" y="365125"/>
+            <a:ext cx="10515600" cy="721995"/>
+          </a:xfrm>
+        </p:spPr>
+        <p:txBody>
+          <a:bodyPr>
+            <a:normAutofit/>
+          </a:bodyPr>
+          <a:lstStyle/>
+          <a:p>
+            <a:r>
+              <a:rPr lang="en-NZ" sz="4000" dirty="0"/>
+              <a:t>Final Discussion:</a:t>
+            </a:r>
+          </a:p>
+        </p:txBody>
+      </p:sp>
+      <p:sp>
+        <p:nvSpPr>
+          <p:cNvPr id="3" name="Rectangle 2">
+            <a:extLst>
+              <a:ext uri="{FF2B5EF4-FFF2-40B4-BE49-F238E27FC236}">
+                <a16:creationId xmlns:a16="http://schemas.microsoft.com/office/drawing/2014/main" id="{6385A117-1109-4CFD-B531-10565CC9D864}"/>
+              </a:ext>
+            </a:extLst>
+          </p:cNvPr>
+          <p:cNvSpPr/>
+          <p:nvPr/>
+        </p:nvSpPr>
+        <p:spPr>
+          <a:xfrm>
+            <a:off x="838200" y="1087120"/>
+            <a:ext cx="8353926" cy="646331"/>
+          </a:xfrm>
+          <a:prstGeom prst="rect">
+            <a:avLst/>
+          </a:prstGeom>
+        </p:spPr>
+        <p:txBody>
+          <a:bodyPr wrap="square">
+            <a:spAutoFit/>
+          </a:bodyPr>
+          <a:lstStyle/>
+          <a:p>
+            <a:r>
+              <a:rPr lang="en-NZ" i="1" dirty="0">
+                <a:latin typeface="Arial" panose="020B0604020202020204" pitchFamily="34" charset="0"/>
+              </a:rPr>
+              <a:t>Discuss how the information from planning, testing and trialling of components assisted in the development of a high-quality outcome.</a:t>
+            </a:r>
+          </a:p>
+        </p:txBody>
+      </p:sp>
+    </p:spTree>
+    <p:extLst>
+      <p:ext uri="{BB962C8B-B14F-4D97-AF65-F5344CB8AC3E}">
+        <p14:creationId xmlns:p14="http://schemas.microsoft.com/office/powerpoint/2010/main" val="2276153040"/>
       </p:ext>
     </p:extLst>
   </p:cSld>
@@ -31688,6 +31967,15 @@
 </file>
 
 <file path=customXml/item1.xml><?xml version="1.0" encoding="utf-8"?>
+<?mso-contentType ?>
+<FormTemplates xmlns="http://schemas.microsoft.com/sharepoint/v3/contenttype/forms">
+  <Display>DocumentLibraryForm</Display>
+  <Edit>DocumentLibraryForm</Edit>
+  <New>DocumentLibraryForm</New>
+</FormTemplates>
+</file>
+
+<file path=customXml/item2.xml><?xml version="1.0" encoding="utf-8"?>
 <ct:contentTypeSchema xmlns:ct="http://schemas.microsoft.com/office/2006/metadata/contentType" xmlns:ma="http://schemas.microsoft.com/office/2006/metadata/properties/metaAttributes" ct:_="" ma:_="" ma:contentTypeName="Document" ma:contentTypeID="0x010100B37AA4149E3FCE42B2F0D36F55263BE7" ma:contentTypeVersion="3" ma:contentTypeDescription="Create a new document." ma:contentTypeScope="" ma:versionID="f7f1c092f231b6630c24ec1f654af881">
   <xsd:schema xmlns:xsd="http://www.w3.org/2001/XMLSchema" xmlns:xs="http://www.w3.org/2001/XMLSchema" xmlns:p="http://schemas.microsoft.com/office/2006/metadata/properties" xmlns:ns2="205ad105-7c38-4030-89bf-bb8828f957ce" targetNamespace="http://schemas.microsoft.com/office/2006/metadata/properties" ma:root="true" ma:fieldsID="4b98ef4347ca2c9d6ddeb86b863b8840" ns2:_="">
     <xsd:import namespace="205ad105-7c38-4030-89bf-bb8828f957ce"/>
@@ -31825,16 +32113,15 @@
 </ct:contentTypeSchema>
 </file>
 
-<file path=customXml/item2.xml><?xml version="1.0" encoding="utf-8"?>
-<?mso-contentType ?>
-<FormTemplates xmlns="http://schemas.microsoft.com/sharepoint/v3/contenttype/forms">
-  <Display>DocumentLibraryForm</Display>
-  <Edit>DocumentLibraryForm</Edit>
-  <New>DocumentLibraryForm</New>
-</FormTemplates>
+<file path=customXml/itemProps1.xml><?xml version="1.0" encoding="utf-8"?>
+<ds:datastoreItem xmlns:ds="http://schemas.openxmlformats.org/officeDocument/2006/customXml" ds:itemID="{2025CDDF-CD31-423A-BEB8-DE00B73966BF}">
+  <ds:schemaRefs>
+    <ds:schemaRef ds:uri="http://schemas.microsoft.com/sharepoint/v3/contenttype/forms"/>
+  </ds:schemaRefs>
+</ds:datastoreItem>
 </file>
 
-<file path=customXml/itemProps1.xml><?xml version="1.0" encoding="utf-8"?>
+<file path=customXml/itemProps2.xml><?xml version="1.0" encoding="utf-8"?>
 <ds:datastoreItem xmlns:ds="http://schemas.openxmlformats.org/officeDocument/2006/customXml" ds:itemID="{F118AE1B-89AB-4E8D-A474-F3B1187AE7D6}">
   <ds:schemaRefs>
     <ds:schemaRef ds:uri="http://schemas.microsoft.com/office/2006/metadata/contentType"/>
@@ -31850,12 +32137,4 @@
     <ds:schemaRef ds:uri="http://schemas.microsoft.com/internal/obd"/>
   </ds:schemaRefs>
 </ds:datastoreItem>
-</file>
-
-<file path=customXml/itemProps2.xml><?xml version="1.0" encoding="utf-8"?>
-<ds:datastoreItem xmlns:ds="http://schemas.openxmlformats.org/officeDocument/2006/customXml" ds:itemID="{2025CDDF-CD31-423A-BEB8-DE00B73966BF}">
-  <ds:schemaRefs>
-    <ds:schemaRef ds:uri="http://schemas.microsoft.com/sharepoint/v3/contenttype/forms"/>
-  </ds:schemaRefs>
-</ds:datastoreItem>
 </file>
--- a/2.7 and 2.8 Documentation Template.pptx
+++ b/2.7 and 2.8 Documentation Template.pptx
@@ -5,7 +5,7 @@
     <p:sldMasterId id="2147483648" r:id="rId3"/>
   </p:sldMasterIdLst>
   <p:notesMasterIdLst>
-    <p:notesMasterId r:id="rId34"/>
+    <p:notesMasterId r:id="rId41"/>
   </p:notesMasterIdLst>
   <p:sldIdLst>
     <p:sldId id="256" r:id="rId4"/>
@@ -33,11 +33,18 @@
     <p:sldId id="292" r:id="rId26"/>
     <p:sldId id="293" r:id="rId27"/>
     <p:sldId id="294" r:id="rId28"/>
-    <p:sldId id="263" r:id="rId29"/>
-    <p:sldId id="270" r:id="rId30"/>
-    <p:sldId id="295" r:id="rId31"/>
-    <p:sldId id="261" r:id="rId32"/>
-    <p:sldId id="266" r:id="rId33"/>
+    <p:sldId id="297" r:id="rId29"/>
+    <p:sldId id="298" r:id="rId30"/>
+    <p:sldId id="299" r:id="rId31"/>
+    <p:sldId id="300" r:id="rId32"/>
+    <p:sldId id="301" r:id="rId33"/>
+    <p:sldId id="270" r:id="rId34"/>
+    <p:sldId id="295" r:id="rId35"/>
+    <p:sldId id="261" r:id="rId36"/>
+    <p:sldId id="296" r:id="rId37"/>
+    <p:sldId id="303" r:id="rId38"/>
+    <p:sldId id="302" r:id="rId39"/>
+    <p:sldId id="266" r:id="rId40"/>
   </p:sldIdLst>
   <p:sldSz cx="12192000" cy="6858000"/>
   <p:notesSz cx="6858000" cy="9144000"/>
@@ -147,7 +154,7 @@
 <file path=ppt/revisionInfo.xml><?xml version="1.0" encoding="utf-8"?>
 <p1510:revInfo xmlns:a="http://schemas.openxmlformats.org/drawingml/2006/main" xmlns:r="http://schemas.openxmlformats.org/officeDocument/2006/relationships" xmlns:p1510="http://schemas.microsoft.com/office/powerpoint/2015/10/main">
   <p1510:revLst>
-    <p1510:client id="{3280C464-2C29-43A4-BF5A-CE909B5BB16A}" v="122" dt="2023-05-25T21:31:35.218"/>
+    <p1510:client id="{3280C464-2C29-43A4-BF5A-CE909B5BB16A}" v="179" dt="2023-05-28T03:33:02.634"/>
   </p1510:revLst>
 </p1510:revInfo>
 </file>
@@ -157,7 +164,7 @@
   <pc:docChgLst>
     <pc:chgData name="Jack Percy" userId="b9a97963-9b08-4684-92e4-b02ce1d032f1" providerId="ADAL" clId="{3280C464-2C29-43A4-BF5A-CE909B5BB16A}"/>
     <pc:docChg chg="undo custSel addSld delSld modSld sldOrd">
-      <pc:chgData name="Jack Percy" userId="b9a97963-9b08-4684-92e4-b02ce1d032f1" providerId="ADAL" clId="{3280C464-2C29-43A4-BF5A-CE909B5BB16A}" dt="2023-05-25T21:31:35.218" v="6737"/>
+      <pc:chgData name="Jack Percy" userId="b9a97963-9b08-4684-92e4-b02ce1d032f1" providerId="ADAL" clId="{3280C464-2C29-43A4-BF5A-CE909B5BB16A}" dt="2023-05-28T03:33:45.674" v="11932" actId="20577"/>
       <pc:docMkLst>
         <pc:docMk/>
       </pc:docMkLst>
@@ -191,6 +198,107 @@
           </ac:picMkLst>
         </pc:picChg>
       </pc:sldChg>
+      <pc:sldChg chg="addSp modSp mod">
+        <pc:chgData name="Jack Percy" userId="b9a97963-9b08-4684-92e4-b02ce1d032f1" providerId="ADAL" clId="{3280C464-2C29-43A4-BF5A-CE909B5BB16A}" dt="2023-05-25T22:15:27.934" v="7501" actId="14100"/>
+        <pc:sldMkLst>
+          <pc:docMk/>
+          <pc:sldMk cId="1357549755" sldId="261"/>
+        </pc:sldMkLst>
+        <pc:spChg chg="mod">
+          <ac:chgData name="Jack Percy" userId="b9a97963-9b08-4684-92e4-b02ce1d032f1" providerId="ADAL" clId="{3280C464-2C29-43A4-BF5A-CE909B5BB16A}" dt="2023-05-25T21:34:20.357" v="6750" actId="1076"/>
+          <ac:spMkLst>
+            <pc:docMk/>
+            <pc:sldMk cId="1357549755" sldId="261"/>
+            <ac:spMk id="2" creationId="{D62183D5-E1F8-4917-B0BA-FC2E62047445}"/>
+          </ac:spMkLst>
+        </pc:spChg>
+        <pc:spChg chg="mod">
+          <ac:chgData name="Jack Percy" userId="b9a97963-9b08-4684-92e4-b02ce1d032f1" providerId="ADAL" clId="{3280C464-2C29-43A4-BF5A-CE909B5BB16A}" dt="2023-05-25T21:34:35.890" v="6753" actId="207"/>
+          <ac:spMkLst>
+            <pc:docMk/>
+            <pc:sldMk cId="1357549755" sldId="261"/>
+            <ac:spMk id="3" creationId="{A89172B1-B985-48A3-8018-FC6FF45BCE4F}"/>
+          </ac:spMkLst>
+        </pc:spChg>
+        <pc:picChg chg="add mod">
+          <ac:chgData name="Jack Percy" userId="b9a97963-9b08-4684-92e4-b02ce1d032f1" providerId="ADAL" clId="{3280C464-2C29-43A4-BF5A-CE909B5BB16A}" dt="2023-05-25T22:15:24.213" v="7500" actId="14100"/>
+          <ac:picMkLst>
+            <pc:docMk/>
+            <pc:sldMk cId="1357549755" sldId="261"/>
+            <ac:picMk id="5" creationId="{066679B1-18D2-3ACB-30CF-2B00F4F40A1A}"/>
+          </ac:picMkLst>
+        </pc:picChg>
+        <pc:picChg chg="add mod">
+          <ac:chgData name="Jack Percy" userId="b9a97963-9b08-4684-92e4-b02ce1d032f1" providerId="ADAL" clId="{3280C464-2C29-43A4-BF5A-CE909B5BB16A}" dt="2023-05-25T22:15:24.213" v="7500" actId="14100"/>
+          <ac:picMkLst>
+            <pc:docMk/>
+            <pc:sldMk cId="1357549755" sldId="261"/>
+            <ac:picMk id="7" creationId="{AE522233-29B6-F1E5-A0A5-F59E29A62F92}"/>
+          </ac:picMkLst>
+        </pc:picChg>
+        <pc:picChg chg="add mod">
+          <ac:chgData name="Jack Percy" userId="b9a97963-9b08-4684-92e4-b02ce1d032f1" providerId="ADAL" clId="{3280C464-2C29-43A4-BF5A-CE909B5BB16A}" dt="2023-05-25T22:15:27.934" v="7501" actId="14100"/>
+          <ac:picMkLst>
+            <pc:docMk/>
+            <pc:sldMk cId="1357549755" sldId="261"/>
+            <ac:picMk id="9" creationId="{ACF641A3-1788-2503-EA86-1831965F68A7}"/>
+          </ac:picMkLst>
+        </pc:picChg>
+      </pc:sldChg>
+      <pc:sldChg chg="modSp del mod">
+        <pc:chgData name="Jack Percy" userId="b9a97963-9b08-4684-92e4-b02ce1d032f1" providerId="ADAL" clId="{3280C464-2C29-43A4-BF5A-CE909B5BB16A}" dt="2023-05-28T02:00:03.992" v="10096" actId="2696"/>
+        <pc:sldMkLst>
+          <pc:docMk/>
+          <pc:sldMk cId="1084233196" sldId="263"/>
+        </pc:sldMkLst>
+        <pc:spChg chg="mod">
+          <ac:chgData name="Jack Percy" userId="b9a97963-9b08-4684-92e4-b02ce1d032f1" providerId="ADAL" clId="{3280C464-2C29-43A4-BF5A-CE909B5BB16A}" dt="2023-05-25T22:20:08.397" v="7502" actId="1076"/>
+          <ac:spMkLst>
+            <pc:docMk/>
+            <pc:sldMk cId="1084233196" sldId="263"/>
+            <ac:spMk id="3" creationId="{DB8F61FF-932E-477F-82DD-3F6BB93999C0}"/>
+          </ac:spMkLst>
+        </pc:spChg>
+      </pc:sldChg>
+      <pc:sldChg chg="addSp modSp mod">
+        <pc:chgData name="Jack Percy" userId="b9a97963-9b08-4684-92e4-b02ce1d032f1" providerId="ADAL" clId="{3280C464-2C29-43A4-BF5A-CE909B5BB16A}" dt="2023-05-28T03:33:45.674" v="11932" actId="20577"/>
+        <pc:sldMkLst>
+          <pc:docMk/>
+          <pc:sldMk cId="2276153040" sldId="266"/>
+        </pc:sldMkLst>
+        <pc:spChg chg="mod">
+          <ac:chgData name="Jack Percy" userId="b9a97963-9b08-4684-92e4-b02ce1d032f1" providerId="ADAL" clId="{3280C464-2C29-43A4-BF5A-CE909B5BB16A}" dt="2023-05-28T02:46:14.095" v="10574" actId="1076"/>
+          <ac:spMkLst>
+            <pc:docMk/>
+            <pc:sldMk cId="2276153040" sldId="266"/>
+            <ac:spMk id="2" creationId="{0AC904DD-5A10-446B-A89E-8DA5AC00DE23}"/>
+          </ac:spMkLst>
+        </pc:spChg>
+        <pc:spChg chg="mod">
+          <ac:chgData name="Jack Percy" userId="b9a97963-9b08-4684-92e4-b02ce1d032f1" providerId="ADAL" clId="{3280C464-2C29-43A4-BF5A-CE909B5BB16A}" dt="2023-05-28T02:46:16.090" v="10575" actId="1076"/>
+          <ac:spMkLst>
+            <pc:docMk/>
+            <pc:sldMk cId="2276153040" sldId="266"/>
+            <ac:spMk id="3" creationId="{6385A117-1109-4CFD-B531-10565CC9D864}"/>
+          </ac:spMkLst>
+        </pc:spChg>
+        <pc:spChg chg="add mod">
+          <ac:chgData name="Jack Percy" userId="b9a97963-9b08-4684-92e4-b02ce1d032f1" providerId="ADAL" clId="{3280C464-2C29-43A4-BF5A-CE909B5BB16A}" dt="2023-05-28T03:33:45.674" v="11932" actId="20577"/>
+          <ac:spMkLst>
+            <pc:docMk/>
+            <pc:sldMk cId="2276153040" sldId="266"/>
+            <ac:spMk id="4" creationId="{C8547D41-1EF1-E050-D8FE-BC633241079F}"/>
+          </ac:spMkLst>
+        </pc:spChg>
+        <pc:picChg chg="add mod">
+          <ac:chgData name="Jack Percy" userId="b9a97963-9b08-4684-92e4-b02ce1d032f1" providerId="ADAL" clId="{3280C464-2C29-43A4-BF5A-CE909B5BB16A}" dt="2023-05-28T03:33:26.772" v="11818" actId="1076"/>
+          <ac:picMkLst>
+            <pc:docMk/>
+            <pc:sldMk cId="2276153040" sldId="266"/>
+            <ac:picMk id="5" creationId="{13B07705-8988-4080-86BB-CCA5D43AC9EB}"/>
+          </ac:picMkLst>
+        </pc:picChg>
+      </pc:sldChg>
       <pc:sldChg chg="delSp modSp mod">
         <pc:chgData name="Jack Percy" userId="b9a97963-9b08-4684-92e4-b02ce1d032f1" providerId="ADAL" clId="{3280C464-2C29-43A4-BF5A-CE909B5BB16A}" dt="2023-05-11T03:04:02.301" v="838" actId="20577"/>
         <pc:sldMkLst>
@@ -246,7 +354,7 @@
         </pc:graphicFrameChg>
       </pc:sldChg>
       <pc:sldChg chg="addSp delSp modSp mod ord">
-        <pc:chgData name="Jack Percy" userId="b9a97963-9b08-4684-92e4-b02ce1d032f1" providerId="ADAL" clId="{3280C464-2C29-43A4-BF5A-CE909B5BB16A}" dt="2023-05-23T08:30:59.599" v="4709" actId="1076"/>
+        <pc:chgData name="Jack Percy" userId="b9a97963-9b08-4684-92e4-b02ce1d032f1" providerId="ADAL" clId="{3280C464-2C29-43A4-BF5A-CE909B5BB16A}" dt="2023-05-25T22:21:03.595" v="7607"/>
         <pc:sldMkLst>
           <pc:docMk/>
           <pc:sldMk cId="270828811" sldId="273"/>
@@ -268,7 +376,7 @@
           </ac:spMkLst>
         </pc:spChg>
         <pc:graphicFrameChg chg="add mod modGraphic">
-          <ac:chgData name="Jack Percy" userId="b9a97963-9b08-4684-92e4-b02ce1d032f1" providerId="ADAL" clId="{3280C464-2C29-43A4-BF5A-CE909B5BB16A}" dt="2023-05-23T08:30:59.599" v="4709" actId="1076"/>
+          <ac:chgData name="Jack Percy" userId="b9a97963-9b08-4684-92e4-b02ce1d032f1" providerId="ADAL" clId="{3280C464-2C29-43A4-BF5A-CE909B5BB16A}" dt="2023-05-25T22:21:03.595" v="7607"/>
           <ac:graphicFrameMkLst>
             <pc:docMk/>
             <pc:sldMk cId="270828811" sldId="273"/>
@@ -1894,8 +2002,8 @@
           </ac:inkMkLst>
         </pc:inkChg>
       </pc:sldChg>
-      <pc:sldChg chg="addSp modSp add mod ord">
-        <pc:chgData name="Jack Percy" userId="b9a97963-9b08-4684-92e4-b02ce1d032f1" providerId="ADAL" clId="{3280C464-2C29-43A4-BF5A-CE909B5BB16A}" dt="2023-05-14T21:52:28.964" v="2231"/>
+      <pc:sldChg chg="addSp delSp modSp add mod ord">
+        <pc:chgData name="Jack Percy" userId="b9a97963-9b08-4684-92e4-b02ce1d032f1" providerId="ADAL" clId="{3280C464-2C29-43A4-BF5A-CE909B5BB16A}" dt="2023-05-28T03:21:38.435" v="11308" actId="20577"/>
         <pc:sldMkLst>
           <pc:docMk/>
           <pc:sldMk cId="3798808607" sldId="280"/>
@@ -1908,8 +2016,24 @@
             <ac:spMk id="2" creationId="{1CC5D32F-7C18-4D00-8D54-2FB046F0A206}"/>
           </ac:spMkLst>
         </pc:spChg>
+        <pc:spChg chg="del">
+          <ac:chgData name="Jack Percy" userId="b9a97963-9b08-4684-92e4-b02ce1d032f1" providerId="ADAL" clId="{3280C464-2C29-43A4-BF5A-CE909B5BB16A}" dt="2023-05-28T03:19:39.554" v="10755" actId="478"/>
+          <ac:spMkLst>
+            <pc:docMk/>
+            <pc:sldMk cId="3798808607" sldId="280"/>
+            <ac:spMk id="4" creationId="{8CD07A82-A944-4A9B-9A52-515DAC30878A}"/>
+          </ac:spMkLst>
+        </pc:spChg>
+        <pc:spChg chg="add mod">
+          <ac:chgData name="Jack Percy" userId="b9a97963-9b08-4684-92e4-b02ce1d032f1" providerId="ADAL" clId="{3280C464-2C29-43A4-BF5A-CE909B5BB16A}" dt="2023-05-28T03:21:38.435" v="11308" actId="20577"/>
+          <ac:spMkLst>
+            <pc:docMk/>
+            <pc:sldMk cId="3798808607" sldId="280"/>
+            <ac:spMk id="5" creationId="{D2CE851B-7D43-17FD-9F79-E4C95D3FC82B}"/>
+          </ac:spMkLst>
+        </pc:spChg>
         <pc:graphicFrameChg chg="add mod modGraphic">
-          <ac:chgData name="Jack Percy" userId="b9a97963-9b08-4684-92e4-b02ce1d032f1" providerId="ADAL" clId="{3280C464-2C29-43A4-BF5A-CE909B5BB16A}" dt="2023-05-14T21:45:25.044" v="2170" actId="20577"/>
+          <ac:chgData name="Jack Percy" userId="b9a97963-9b08-4684-92e4-b02ce1d032f1" providerId="ADAL" clId="{3280C464-2C29-43A4-BF5A-CE909B5BB16A}" dt="2023-05-28T03:19:41.838" v="10756" actId="1076"/>
           <ac:graphicFrameMkLst>
             <pc:docMk/>
             <pc:sldMk cId="3798808607" sldId="280"/>
@@ -3931,6 +4055,1130 @@
             <ac:graphicFrameMk id="4" creationId="{54A393A9-6C94-409B-BDCB-65C4ABAA2DD1}"/>
           </ac:graphicFrameMkLst>
         </pc:graphicFrameChg>
+      </pc:sldChg>
+      <pc:sldChg chg="addSp delSp modSp add mod">
+        <pc:chgData name="Jack Percy" userId="b9a97963-9b08-4684-92e4-b02ce1d032f1" providerId="ADAL" clId="{3280C464-2C29-43A4-BF5A-CE909B5BB16A}" dt="2023-05-28T02:00:27.361" v="10133" actId="20577"/>
+        <pc:sldMkLst>
+          <pc:docMk/>
+          <pc:sldMk cId="1874883741" sldId="296"/>
+        </pc:sldMkLst>
+        <pc:spChg chg="mod">
+          <ac:chgData name="Jack Percy" userId="b9a97963-9b08-4684-92e4-b02ce1d032f1" providerId="ADAL" clId="{3280C464-2C29-43A4-BF5A-CE909B5BB16A}" dt="2023-05-25T21:42:07.156" v="6763" actId="20577"/>
+          <ac:spMkLst>
+            <pc:docMk/>
+            <pc:sldMk cId="1874883741" sldId="296"/>
+            <ac:spMk id="2" creationId="{D62183D5-E1F8-4917-B0BA-FC2E62047445}"/>
+          </ac:spMkLst>
+        </pc:spChg>
+        <pc:spChg chg="mod">
+          <ac:chgData name="Jack Percy" userId="b9a97963-9b08-4684-92e4-b02ce1d032f1" providerId="ADAL" clId="{3280C464-2C29-43A4-BF5A-CE909B5BB16A}" dt="2023-05-28T02:00:27.361" v="10133" actId="20577"/>
+          <ac:spMkLst>
+            <pc:docMk/>
+            <pc:sldMk cId="1874883741" sldId="296"/>
+            <ac:spMk id="3" creationId="{A89172B1-B985-48A3-8018-FC6FF45BCE4F}"/>
+          </ac:spMkLst>
+        </pc:spChg>
+        <pc:spChg chg="add mod">
+          <ac:chgData name="Jack Percy" userId="b9a97963-9b08-4684-92e4-b02ce1d032f1" providerId="ADAL" clId="{3280C464-2C29-43A4-BF5A-CE909B5BB16A}" dt="2023-05-25T22:06:02.607" v="6769" actId="1582"/>
+          <ac:spMkLst>
+            <pc:docMk/>
+            <pc:sldMk cId="1874883741" sldId="296"/>
+            <ac:spMk id="8" creationId="{FD668044-5DF4-88DD-03C7-1E6FB51F48F5}"/>
+          </ac:spMkLst>
+        </pc:spChg>
+        <pc:picChg chg="del">
+          <ac:chgData name="Jack Percy" userId="b9a97963-9b08-4684-92e4-b02ce1d032f1" providerId="ADAL" clId="{3280C464-2C29-43A4-BF5A-CE909B5BB16A}" dt="2023-05-25T21:42:02.204" v="6759" actId="478"/>
+          <ac:picMkLst>
+            <pc:docMk/>
+            <pc:sldMk cId="1874883741" sldId="296"/>
+            <ac:picMk id="5" creationId="{066679B1-18D2-3ACB-30CF-2B00F4F40A1A}"/>
+          </ac:picMkLst>
+        </pc:picChg>
+        <pc:picChg chg="add mod">
+          <ac:chgData name="Jack Percy" userId="b9a97963-9b08-4684-92e4-b02ce1d032f1" providerId="ADAL" clId="{3280C464-2C29-43A4-BF5A-CE909B5BB16A}" dt="2023-05-25T21:47:37.561" v="6765" actId="1076"/>
+          <ac:picMkLst>
+            <pc:docMk/>
+            <pc:sldMk cId="1874883741" sldId="296"/>
+            <ac:picMk id="6" creationId="{20CF6EB5-A988-F9BB-2992-5DDD0D93470C}"/>
+          </ac:picMkLst>
+        </pc:picChg>
+        <pc:picChg chg="del">
+          <ac:chgData name="Jack Percy" userId="b9a97963-9b08-4684-92e4-b02ce1d032f1" providerId="ADAL" clId="{3280C464-2C29-43A4-BF5A-CE909B5BB16A}" dt="2023-05-25T21:42:05.059" v="6761" actId="478"/>
+          <ac:picMkLst>
+            <pc:docMk/>
+            <pc:sldMk cId="1874883741" sldId="296"/>
+            <ac:picMk id="7" creationId="{AE522233-29B6-F1E5-A0A5-F59E29A62F92}"/>
+          </ac:picMkLst>
+        </pc:picChg>
+        <pc:picChg chg="del">
+          <ac:chgData name="Jack Percy" userId="b9a97963-9b08-4684-92e4-b02ce1d032f1" providerId="ADAL" clId="{3280C464-2C29-43A4-BF5A-CE909B5BB16A}" dt="2023-05-25T21:42:03.570" v="6760" actId="478"/>
+          <ac:picMkLst>
+            <pc:docMk/>
+            <pc:sldMk cId="1874883741" sldId="296"/>
+            <ac:picMk id="9" creationId="{ACF641A3-1788-2503-EA86-1831965F68A7}"/>
+          </ac:picMkLst>
+        </pc:picChg>
+      </pc:sldChg>
+      <pc:sldChg chg="addSp delSp modSp add mod ord">
+        <pc:chgData name="Jack Percy" userId="b9a97963-9b08-4684-92e4-b02ce1d032f1" providerId="ADAL" clId="{3280C464-2C29-43A4-BF5A-CE909B5BB16A}" dt="2023-05-28T01:25:37.728" v="8618" actId="20577"/>
+        <pc:sldMkLst>
+          <pc:docMk/>
+          <pc:sldMk cId="1082230929" sldId="297"/>
+        </pc:sldMkLst>
+        <pc:spChg chg="mod">
+          <ac:chgData name="Jack Percy" userId="b9a97963-9b08-4684-92e4-b02ce1d032f1" providerId="ADAL" clId="{3280C464-2C29-43A4-BF5A-CE909B5BB16A}" dt="2023-05-28T01:25:37.728" v="8618" actId="20577"/>
+          <ac:spMkLst>
+            <pc:docMk/>
+            <pc:sldMk cId="1082230929" sldId="297"/>
+            <ac:spMk id="2" creationId="{183CAE4A-E189-4CAA-B3F5-7E97BC5188E3}"/>
+          </ac:spMkLst>
+        </pc:spChg>
+        <pc:spChg chg="del mod">
+          <ac:chgData name="Jack Percy" userId="b9a97963-9b08-4684-92e4-b02ce1d032f1" providerId="ADAL" clId="{3280C464-2C29-43A4-BF5A-CE909B5BB16A}" dt="2023-05-28T01:01:32.860" v="7633"/>
+          <ac:spMkLst>
+            <pc:docMk/>
+            <pc:sldMk cId="1082230929" sldId="297"/>
+            <ac:spMk id="3" creationId="{DB8F61FF-932E-477F-82DD-3F6BB93999C0}"/>
+          </ac:spMkLst>
+        </pc:spChg>
+        <pc:graphicFrameChg chg="add mod modGraphic">
+          <ac:chgData name="Jack Percy" userId="b9a97963-9b08-4684-92e4-b02ce1d032f1" providerId="ADAL" clId="{3280C464-2C29-43A4-BF5A-CE909B5BB16A}" dt="2023-05-28T01:17:15.053" v="8190" actId="20577"/>
+          <ac:graphicFrameMkLst>
+            <pc:docMk/>
+            <pc:sldMk cId="1082230929" sldId="297"/>
+            <ac:graphicFrameMk id="4" creationId="{1924472A-B52F-7F83-7542-4283DA4B7733}"/>
+          </ac:graphicFrameMkLst>
+        </pc:graphicFrameChg>
+        <pc:picChg chg="add del mod">
+          <ac:chgData name="Jack Percy" userId="b9a97963-9b08-4684-92e4-b02ce1d032f1" providerId="ADAL" clId="{3280C464-2C29-43A4-BF5A-CE909B5BB16A}" dt="2023-05-28T01:14:13.996" v="8070" actId="478"/>
+          <ac:picMkLst>
+            <pc:docMk/>
+            <pc:sldMk cId="1082230929" sldId="297"/>
+            <ac:picMk id="6" creationId="{6B96AB75-8063-71B3-55DE-9A302209C608}"/>
+          </ac:picMkLst>
+        </pc:picChg>
+        <pc:picChg chg="add del mod">
+          <ac:chgData name="Jack Percy" userId="b9a97963-9b08-4684-92e4-b02ce1d032f1" providerId="ADAL" clId="{3280C464-2C29-43A4-BF5A-CE909B5BB16A}" dt="2023-05-28T01:14:14.358" v="8071" actId="478"/>
+          <ac:picMkLst>
+            <pc:docMk/>
+            <pc:sldMk cId="1082230929" sldId="297"/>
+            <ac:picMk id="8" creationId="{FAFB2BC7-A0CF-D9CA-C1E0-9E7C1BBE7F8A}"/>
+          </ac:picMkLst>
+        </pc:picChg>
+        <pc:picChg chg="add del mod">
+          <ac:chgData name="Jack Percy" userId="b9a97963-9b08-4684-92e4-b02ce1d032f1" providerId="ADAL" clId="{3280C464-2C29-43A4-BF5A-CE909B5BB16A}" dt="2023-05-28T01:05:42.948" v="7943" actId="478"/>
+          <ac:picMkLst>
+            <pc:docMk/>
+            <pc:sldMk cId="1082230929" sldId="297"/>
+            <ac:picMk id="10" creationId="{EF710885-FA23-2E90-DE2C-25AEE9439D60}"/>
+          </ac:picMkLst>
+        </pc:picChg>
+        <pc:picChg chg="add del mod">
+          <ac:chgData name="Jack Percy" userId="b9a97963-9b08-4684-92e4-b02ce1d032f1" providerId="ADAL" clId="{3280C464-2C29-43A4-BF5A-CE909B5BB16A}" dt="2023-05-28T01:14:13.619" v="8069" actId="478"/>
+          <ac:picMkLst>
+            <pc:docMk/>
+            <pc:sldMk cId="1082230929" sldId="297"/>
+            <ac:picMk id="12" creationId="{749F7BD0-5631-71F3-2F25-7BEAF1658A01}"/>
+          </ac:picMkLst>
+        </pc:picChg>
+      </pc:sldChg>
+      <pc:sldChg chg="addSp delSp modSp add mod">
+        <pc:chgData name="Jack Percy" userId="b9a97963-9b08-4684-92e4-b02ce1d032f1" providerId="ADAL" clId="{3280C464-2C29-43A4-BF5A-CE909B5BB16A}" dt="2023-05-28T02:01:01.371" v="10139" actId="313"/>
+        <pc:sldMkLst>
+          <pc:docMk/>
+          <pc:sldMk cId="1495221946" sldId="298"/>
+        </pc:sldMkLst>
+        <pc:spChg chg="mod">
+          <ac:chgData name="Jack Percy" userId="b9a97963-9b08-4684-92e4-b02ce1d032f1" providerId="ADAL" clId="{3280C464-2C29-43A4-BF5A-CE909B5BB16A}" dt="2023-05-28T02:01:01.371" v="10139" actId="313"/>
+          <ac:spMkLst>
+            <pc:docMk/>
+            <pc:sldMk cId="1495221946" sldId="298"/>
+            <ac:spMk id="2" creationId="{183CAE4A-E189-4CAA-B3F5-7E97BC5188E3}"/>
+          </ac:spMkLst>
+        </pc:spChg>
+        <pc:spChg chg="add mod">
+          <ac:chgData name="Jack Percy" userId="b9a97963-9b08-4684-92e4-b02ce1d032f1" providerId="ADAL" clId="{3280C464-2C29-43A4-BF5A-CE909B5BB16A}" dt="2023-05-28T01:20:52.789" v="8240" actId="1076"/>
+          <ac:spMkLst>
+            <pc:docMk/>
+            <pc:sldMk cId="1495221946" sldId="298"/>
+            <ac:spMk id="15" creationId="{7A3BCD80-5F72-2F08-D669-3A70B54FE8FE}"/>
+          </ac:spMkLst>
+        </pc:spChg>
+        <pc:spChg chg="add mod">
+          <ac:chgData name="Jack Percy" userId="b9a97963-9b08-4684-92e4-b02ce1d032f1" providerId="ADAL" clId="{3280C464-2C29-43A4-BF5A-CE909B5BB16A}" dt="2023-05-28T01:20:52.789" v="8240" actId="1076"/>
+          <ac:spMkLst>
+            <pc:docMk/>
+            <pc:sldMk cId="1495221946" sldId="298"/>
+            <ac:spMk id="16" creationId="{137803C1-06F4-26D6-4E91-88D982805591}"/>
+          </ac:spMkLst>
+        </pc:spChg>
+        <pc:spChg chg="add mod">
+          <ac:chgData name="Jack Percy" userId="b9a97963-9b08-4684-92e4-b02ce1d032f1" providerId="ADAL" clId="{3280C464-2C29-43A4-BF5A-CE909B5BB16A}" dt="2023-05-28T01:20:52.789" v="8240" actId="1076"/>
+          <ac:spMkLst>
+            <pc:docMk/>
+            <pc:sldMk cId="1495221946" sldId="298"/>
+            <ac:spMk id="17" creationId="{22D91FC7-DC6D-49B5-04A5-D933150B96E6}"/>
+          </ac:spMkLst>
+        </pc:spChg>
+        <pc:spChg chg="add mod">
+          <ac:chgData name="Jack Percy" userId="b9a97963-9b08-4684-92e4-b02ce1d032f1" providerId="ADAL" clId="{3280C464-2C29-43A4-BF5A-CE909B5BB16A}" dt="2023-05-28T01:20:52.789" v="8240" actId="1076"/>
+          <ac:spMkLst>
+            <pc:docMk/>
+            <pc:sldMk cId="1495221946" sldId="298"/>
+            <ac:spMk id="18" creationId="{160DF6C0-A6F4-4244-9FB8-8FB48190A79A}"/>
+          </ac:spMkLst>
+        </pc:spChg>
+        <pc:spChg chg="add mod">
+          <ac:chgData name="Jack Percy" userId="b9a97963-9b08-4684-92e4-b02ce1d032f1" providerId="ADAL" clId="{3280C464-2C29-43A4-BF5A-CE909B5BB16A}" dt="2023-05-28T01:20:52.789" v="8240" actId="1076"/>
+          <ac:spMkLst>
+            <pc:docMk/>
+            <pc:sldMk cId="1495221946" sldId="298"/>
+            <ac:spMk id="19" creationId="{53BE23D7-C064-E1B6-7C3D-5529BE458EB7}"/>
+          </ac:spMkLst>
+        </pc:spChg>
+        <pc:spChg chg="add mod">
+          <ac:chgData name="Jack Percy" userId="b9a97963-9b08-4684-92e4-b02ce1d032f1" providerId="ADAL" clId="{3280C464-2C29-43A4-BF5A-CE909B5BB16A}" dt="2023-05-28T01:21:02.235" v="8244" actId="1076"/>
+          <ac:spMkLst>
+            <pc:docMk/>
+            <pc:sldMk cId="1495221946" sldId="298"/>
+            <ac:spMk id="20" creationId="{6254B00F-00B6-2EB3-DB17-B7F574A5EBF6}"/>
+          </ac:spMkLst>
+        </pc:spChg>
+        <pc:spChg chg="add mod">
+          <ac:chgData name="Jack Percy" userId="b9a97963-9b08-4684-92e4-b02ce1d032f1" providerId="ADAL" clId="{3280C464-2C29-43A4-BF5A-CE909B5BB16A}" dt="2023-05-28T01:20:23.501" v="8236" actId="571"/>
+          <ac:spMkLst>
+            <pc:docMk/>
+            <pc:sldMk cId="1495221946" sldId="298"/>
+            <ac:spMk id="28" creationId="{F0EA0D86-037C-D43F-A1A4-A75CC5053DD8}"/>
+          </ac:spMkLst>
+        </pc:spChg>
+        <pc:spChg chg="add mod">
+          <ac:chgData name="Jack Percy" userId="b9a97963-9b08-4684-92e4-b02ce1d032f1" providerId="ADAL" clId="{3280C464-2C29-43A4-BF5A-CE909B5BB16A}" dt="2023-05-28T01:20:23.501" v="8236" actId="571"/>
+          <ac:spMkLst>
+            <pc:docMk/>
+            <pc:sldMk cId="1495221946" sldId="298"/>
+            <ac:spMk id="29" creationId="{B8CACDF9-CC8E-867E-A23E-1AD7DDCCC3ED}"/>
+          </ac:spMkLst>
+        </pc:spChg>
+        <pc:spChg chg="add mod">
+          <ac:chgData name="Jack Percy" userId="b9a97963-9b08-4684-92e4-b02ce1d032f1" providerId="ADAL" clId="{3280C464-2C29-43A4-BF5A-CE909B5BB16A}" dt="2023-05-28T01:20:23.501" v="8236" actId="571"/>
+          <ac:spMkLst>
+            <pc:docMk/>
+            <pc:sldMk cId="1495221946" sldId="298"/>
+            <ac:spMk id="30" creationId="{EC2252E7-E9D7-FDA0-FFF2-A52E89126324}"/>
+          </ac:spMkLst>
+        </pc:spChg>
+        <pc:spChg chg="add mod">
+          <ac:chgData name="Jack Percy" userId="b9a97963-9b08-4684-92e4-b02ce1d032f1" providerId="ADAL" clId="{3280C464-2C29-43A4-BF5A-CE909B5BB16A}" dt="2023-05-28T01:20:23.501" v="8236" actId="571"/>
+          <ac:spMkLst>
+            <pc:docMk/>
+            <pc:sldMk cId="1495221946" sldId="298"/>
+            <ac:spMk id="31" creationId="{3C1D77D6-8004-FBD4-F89F-5BF7A04A3635}"/>
+          </ac:spMkLst>
+        </pc:spChg>
+        <pc:spChg chg="add mod">
+          <ac:chgData name="Jack Percy" userId="b9a97963-9b08-4684-92e4-b02ce1d032f1" providerId="ADAL" clId="{3280C464-2C29-43A4-BF5A-CE909B5BB16A}" dt="2023-05-28T01:20:23.501" v="8236" actId="571"/>
+          <ac:spMkLst>
+            <pc:docMk/>
+            <pc:sldMk cId="1495221946" sldId="298"/>
+            <ac:spMk id="32" creationId="{0556A0D2-F061-1A03-E038-AAE5229F6AEE}"/>
+          </ac:spMkLst>
+        </pc:spChg>
+        <pc:spChg chg="add mod">
+          <ac:chgData name="Jack Percy" userId="b9a97963-9b08-4684-92e4-b02ce1d032f1" providerId="ADAL" clId="{3280C464-2C29-43A4-BF5A-CE909B5BB16A}" dt="2023-05-28T01:24:02.389" v="8579" actId="20577"/>
+          <ac:spMkLst>
+            <pc:docMk/>
+            <pc:sldMk cId="1495221946" sldId="298"/>
+            <ac:spMk id="33" creationId="{838B5B86-1E13-7734-2F29-D78867D535DA}"/>
+          </ac:spMkLst>
+        </pc:spChg>
+        <pc:spChg chg="add mod">
+          <ac:chgData name="Jack Percy" userId="b9a97963-9b08-4684-92e4-b02ce1d032f1" providerId="ADAL" clId="{3280C464-2C29-43A4-BF5A-CE909B5BB16A}" dt="2023-05-28T01:23:00.836" v="8492" actId="1076"/>
+          <ac:spMkLst>
+            <pc:docMk/>
+            <pc:sldMk cId="1495221946" sldId="298"/>
+            <ac:spMk id="34" creationId="{7F5DA4CE-6AAE-FCF7-CE36-C2DE20F65140}"/>
+          </ac:spMkLst>
+        </pc:spChg>
+        <pc:spChg chg="add mod">
+          <ac:chgData name="Jack Percy" userId="b9a97963-9b08-4684-92e4-b02ce1d032f1" providerId="ADAL" clId="{3280C464-2C29-43A4-BF5A-CE909B5BB16A}" dt="2023-05-28T01:23:07.878" v="8495" actId="14100"/>
+          <ac:spMkLst>
+            <pc:docMk/>
+            <pc:sldMk cId="1495221946" sldId="298"/>
+            <ac:spMk id="35" creationId="{702E588D-C50D-3298-838E-1BF76C844EE0}"/>
+          </ac:spMkLst>
+        </pc:spChg>
+        <pc:spChg chg="add del mod">
+          <ac:chgData name="Jack Percy" userId="b9a97963-9b08-4684-92e4-b02ce1d032f1" providerId="ADAL" clId="{3280C464-2C29-43A4-BF5A-CE909B5BB16A}" dt="2023-05-28T01:23:16.934" v="8500" actId="21"/>
+          <ac:spMkLst>
+            <pc:docMk/>
+            <pc:sldMk cId="1495221946" sldId="298"/>
+            <ac:spMk id="36" creationId="{172BC5E9-3B7A-E4A9-853F-BDDE714E97BB}"/>
+          </ac:spMkLst>
+        </pc:spChg>
+        <pc:spChg chg="add mod">
+          <ac:chgData name="Jack Percy" userId="b9a97963-9b08-4684-92e4-b02ce1d032f1" providerId="ADAL" clId="{3280C464-2C29-43A4-BF5A-CE909B5BB16A}" dt="2023-05-28T01:23:27.729" v="8505" actId="14100"/>
+          <ac:spMkLst>
+            <pc:docMk/>
+            <pc:sldMk cId="1495221946" sldId="298"/>
+            <ac:spMk id="37" creationId="{C0CB327C-9236-5EC1-8251-946FB8E07B95}"/>
+          </ac:spMkLst>
+        </pc:spChg>
+        <pc:spChg chg="add mod">
+          <ac:chgData name="Jack Percy" userId="b9a97963-9b08-4684-92e4-b02ce1d032f1" providerId="ADAL" clId="{3280C464-2C29-43A4-BF5A-CE909B5BB16A}" dt="2023-05-28T01:23:31.731" v="8507" actId="1076"/>
+          <ac:spMkLst>
+            <pc:docMk/>
+            <pc:sldMk cId="1495221946" sldId="298"/>
+            <ac:spMk id="38" creationId="{16D0BE1A-A6F8-4A14-6BB6-2F6DA493447D}"/>
+          </ac:spMkLst>
+        </pc:spChg>
+        <pc:spChg chg="add mod">
+          <ac:chgData name="Jack Percy" userId="b9a97963-9b08-4684-92e4-b02ce1d032f1" providerId="ADAL" clId="{3280C464-2C29-43A4-BF5A-CE909B5BB16A}" dt="2023-05-28T01:23:35.081" v="8509" actId="1076"/>
+          <ac:spMkLst>
+            <pc:docMk/>
+            <pc:sldMk cId="1495221946" sldId="298"/>
+            <ac:spMk id="39" creationId="{BF1943AA-C940-93A1-2380-ECB69E21910F}"/>
+          </ac:spMkLst>
+        </pc:spChg>
+        <pc:spChg chg="add mod">
+          <ac:chgData name="Jack Percy" userId="b9a97963-9b08-4684-92e4-b02ce1d032f1" providerId="ADAL" clId="{3280C464-2C29-43A4-BF5A-CE909B5BB16A}" dt="2023-05-28T01:23:40.535" v="8512" actId="14100"/>
+          <ac:spMkLst>
+            <pc:docMk/>
+            <pc:sldMk cId="1495221946" sldId="298"/>
+            <ac:spMk id="40" creationId="{E3BBB5AC-E22B-7E99-34F0-A1EED4C4F38F}"/>
+          </ac:spMkLst>
+        </pc:spChg>
+        <pc:spChg chg="add mod">
+          <ac:chgData name="Jack Percy" userId="b9a97963-9b08-4684-92e4-b02ce1d032f1" providerId="ADAL" clId="{3280C464-2C29-43A4-BF5A-CE909B5BB16A}" dt="2023-05-28T01:24:00.697" v="8578" actId="1076"/>
+          <ac:spMkLst>
+            <pc:docMk/>
+            <pc:sldMk cId="1495221946" sldId="298"/>
+            <ac:spMk id="41" creationId="{809F1F48-4CBF-FCA6-6A50-D091CED160EE}"/>
+          </ac:spMkLst>
+        </pc:spChg>
+        <pc:graphicFrameChg chg="del">
+          <ac:chgData name="Jack Percy" userId="b9a97963-9b08-4684-92e4-b02ce1d032f1" providerId="ADAL" clId="{3280C464-2C29-43A4-BF5A-CE909B5BB16A}" dt="2023-05-28T01:14:09.464" v="8068" actId="478"/>
+          <ac:graphicFrameMkLst>
+            <pc:docMk/>
+            <pc:sldMk cId="1495221946" sldId="298"/>
+            <ac:graphicFrameMk id="4" creationId="{1924472A-B52F-7F83-7542-4283DA4B7733}"/>
+          </ac:graphicFrameMkLst>
+        </pc:graphicFrameChg>
+        <pc:picChg chg="add mod">
+          <ac:chgData name="Jack Percy" userId="b9a97963-9b08-4684-92e4-b02ce1d032f1" providerId="ADAL" clId="{3280C464-2C29-43A4-BF5A-CE909B5BB16A}" dt="2023-05-28T01:20:52.789" v="8240" actId="1076"/>
+          <ac:picMkLst>
+            <pc:docMk/>
+            <pc:sldMk cId="1495221946" sldId="298"/>
+            <ac:picMk id="5" creationId="{75582B41-13D3-0D4F-1A5E-B86E0D5E2C9C}"/>
+          </ac:picMkLst>
+        </pc:picChg>
+        <pc:picChg chg="mod">
+          <ac:chgData name="Jack Percy" userId="b9a97963-9b08-4684-92e4-b02ce1d032f1" providerId="ADAL" clId="{3280C464-2C29-43A4-BF5A-CE909B5BB16A}" dt="2023-05-28T01:20:52.789" v="8240" actId="1076"/>
+          <ac:picMkLst>
+            <pc:docMk/>
+            <pc:sldMk cId="1495221946" sldId="298"/>
+            <ac:picMk id="6" creationId="{6B96AB75-8063-71B3-55DE-9A302209C608}"/>
+          </ac:picMkLst>
+        </pc:picChg>
+        <pc:picChg chg="mod">
+          <ac:chgData name="Jack Percy" userId="b9a97963-9b08-4684-92e4-b02ce1d032f1" providerId="ADAL" clId="{3280C464-2C29-43A4-BF5A-CE909B5BB16A}" dt="2023-05-28T01:20:52.789" v="8240" actId="1076"/>
+          <ac:picMkLst>
+            <pc:docMk/>
+            <pc:sldMk cId="1495221946" sldId="298"/>
+            <ac:picMk id="8" creationId="{FAFB2BC7-A0CF-D9CA-C1E0-9E7C1BBE7F8A}"/>
+          </ac:picMkLst>
+        </pc:picChg>
+        <pc:picChg chg="add mod">
+          <ac:chgData name="Jack Percy" userId="b9a97963-9b08-4684-92e4-b02ce1d032f1" providerId="ADAL" clId="{3280C464-2C29-43A4-BF5A-CE909B5BB16A}" dt="2023-05-28T01:20:52.789" v="8240" actId="1076"/>
+          <ac:picMkLst>
+            <pc:docMk/>
+            <pc:sldMk cId="1495221946" sldId="298"/>
+            <ac:picMk id="9" creationId="{CFCDE307-FB57-F331-F644-3FBC45C82984}"/>
+          </ac:picMkLst>
+        </pc:picChg>
+        <pc:picChg chg="add mod">
+          <ac:chgData name="Jack Percy" userId="b9a97963-9b08-4684-92e4-b02ce1d032f1" providerId="ADAL" clId="{3280C464-2C29-43A4-BF5A-CE909B5BB16A}" dt="2023-05-28T01:20:52.789" v="8240" actId="1076"/>
+          <ac:picMkLst>
+            <pc:docMk/>
+            <pc:sldMk cId="1495221946" sldId="298"/>
+            <ac:picMk id="11" creationId="{0EFEABDD-A6E9-EF3B-AE1A-94EB242F09F0}"/>
+          </ac:picMkLst>
+        </pc:picChg>
+        <pc:picChg chg="mod">
+          <ac:chgData name="Jack Percy" userId="b9a97963-9b08-4684-92e4-b02ce1d032f1" providerId="ADAL" clId="{3280C464-2C29-43A4-BF5A-CE909B5BB16A}" dt="2023-05-28T01:20:52.789" v="8240" actId="1076"/>
+          <ac:picMkLst>
+            <pc:docMk/>
+            <pc:sldMk cId="1495221946" sldId="298"/>
+            <ac:picMk id="12" creationId="{749F7BD0-5631-71F3-2F25-7BEAF1658A01}"/>
+          </ac:picMkLst>
+        </pc:picChg>
+        <pc:picChg chg="add mod">
+          <ac:chgData name="Jack Percy" userId="b9a97963-9b08-4684-92e4-b02ce1d032f1" providerId="ADAL" clId="{3280C464-2C29-43A4-BF5A-CE909B5BB16A}" dt="2023-05-28T01:20:52.789" v="8240" actId="1076"/>
+          <ac:picMkLst>
+            <pc:docMk/>
+            <pc:sldMk cId="1495221946" sldId="298"/>
+            <ac:picMk id="14" creationId="{8F933DDD-A189-6385-072D-B8E4313CB17C}"/>
+          </ac:picMkLst>
+        </pc:picChg>
+        <pc:picChg chg="add mod">
+          <ac:chgData name="Jack Percy" userId="b9a97963-9b08-4684-92e4-b02ce1d032f1" providerId="ADAL" clId="{3280C464-2C29-43A4-BF5A-CE909B5BB16A}" dt="2023-05-28T01:20:23.501" v="8236" actId="571"/>
+          <ac:picMkLst>
+            <pc:docMk/>
+            <pc:sldMk cId="1495221946" sldId="298"/>
+            <ac:picMk id="21" creationId="{0BB7A39F-6481-988E-D311-753E8D6C61CE}"/>
+          </ac:picMkLst>
+        </pc:picChg>
+        <pc:picChg chg="add mod">
+          <ac:chgData name="Jack Percy" userId="b9a97963-9b08-4684-92e4-b02ce1d032f1" providerId="ADAL" clId="{3280C464-2C29-43A4-BF5A-CE909B5BB16A}" dt="2023-05-28T01:20:23.501" v="8236" actId="571"/>
+          <ac:picMkLst>
+            <pc:docMk/>
+            <pc:sldMk cId="1495221946" sldId="298"/>
+            <ac:picMk id="22" creationId="{0C81160C-9DE7-8576-BB3B-2C072DCD0DA6}"/>
+          </ac:picMkLst>
+        </pc:picChg>
+        <pc:picChg chg="add mod">
+          <ac:chgData name="Jack Percy" userId="b9a97963-9b08-4684-92e4-b02ce1d032f1" providerId="ADAL" clId="{3280C464-2C29-43A4-BF5A-CE909B5BB16A}" dt="2023-05-28T01:20:23.501" v="8236" actId="571"/>
+          <ac:picMkLst>
+            <pc:docMk/>
+            <pc:sldMk cId="1495221946" sldId="298"/>
+            <ac:picMk id="23" creationId="{A10E2615-CA69-8C4D-00DA-998D0C259826}"/>
+          </ac:picMkLst>
+        </pc:picChg>
+        <pc:picChg chg="add mod">
+          <ac:chgData name="Jack Percy" userId="b9a97963-9b08-4684-92e4-b02ce1d032f1" providerId="ADAL" clId="{3280C464-2C29-43A4-BF5A-CE909B5BB16A}" dt="2023-05-28T01:20:23.501" v="8236" actId="571"/>
+          <ac:picMkLst>
+            <pc:docMk/>
+            <pc:sldMk cId="1495221946" sldId="298"/>
+            <ac:picMk id="24" creationId="{07CE9274-0ABB-463B-A196-A68A0E3074F6}"/>
+          </ac:picMkLst>
+        </pc:picChg>
+        <pc:picChg chg="add mod">
+          <ac:chgData name="Jack Percy" userId="b9a97963-9b08-4684-92e4-b02ce1d032f1" providerId="ADAL" clId="{3280C464-2C29-43A4-BF5A-CE909B5BB16A}" dt="2023-05-28T01:20:23.501" v="8236" actId="571"/>
+          <ac:picMkLst>
+            <pc:docMk/>
+            <pc:sldMk cId="1495221946" sldId="298"/>
+            <ac:picMk id="25" creationId="{CCA80E78-B2C0-E461-66B3-722C4DFDEB13}"/>
+          </ac:picMkLst>
+        </pc:picChg>
+        <pc:picChg chg="add mod">
+          <ac:chgData name="Jack Percy" userId="b9a97963-9b08-4684-92e4-b02ce1d032f1" providerId="ADAL" clId="{3280C464-2C29-43A4-BF5A-CE909B5BB16A}" dt="2023-05-28T01:20:23.501" v="8236" actId="571"/>
+          <ac:picMkLst>
+            <pc:docMk/>
+            <pc:sldMk cId="1495221946" sldId="298"/>
+            <ac:picMk id="26" creationId="{C8605B11-1168-475F-045F-BFEDCB971DD3}"/>
+          </ac:picMkLst>
+        </pc:picChg>
+        <pc:picChg chg="add mod">
+          <ac:chgData name="Jack Percy" userId="b9a97963-9b08-4684-92e4-b02ce1d032f1" providerId="ADAL" clId="{3280C464-2C29-43A4-BF5A-CE909B5BB16A}" dt="2023-05-28T01:20:23.501" v="8236" actId="571"/>
+          <ac:picMkLst>
+            <pc:docMk/>
+            <pc:sldMk cId="1495221946" sldId="298"/>
+            <ac:picMk id="27" creationId="{9E7CE347-B153-7CB3-1B7D-918637060295}"/>
+          </ac:picMkLst>
+        </pc:picChg>
+      </pc:sldChg>
+      <pc:sldChg chg="new del">
+        <pc:chgData name="Jack Percy" userId="b9a97963-9b08-4684-92e4-b02ce1d032f1" providerId="ADAL" clId="{3280C464-2C29-43A4-BF5A-CE909B5BB16A}" dt="2023-05-28T01:03:57.322" v="7744" actId="680"/>
+        <pc:sldMkLst>
+          <pc:docMk/>
+          <pc:sldMk cId="3135645870" sldId="298"/>
+        </pc:sldMkLst>
+      </pc:sldChg>
+      <pc:sldChg chg="new del">
+        <pc:chgData name="Jack Percy" userId="b9a97963-9b08-4684-92e4-b02ce1d032f1" providerId="ADAL" clId="{3280C464-2C29-43A4-BF5A-CE909B5BB16A}" dt="2023-05-28T01:03:51.717" v="7736" actId="680"/>
+        <pc:sldMkLst>
+          <pc:docMk/>
+          <pc:sldMk cId="4085699535" sldId="298"/>
+        </pc:sldMkLst>
+      </pc:sldChg>
+      <pc:sldChg chg="new del">
+        <pc:chgData name="Jack Percy" userId="b9a97963-9b08-4684-92e4-b02ce1d032f1" providerId="ADAL" clId="{3280C464-2C29-43A4-BF5A-CE909B5BB16A}" dt="2023-05-28T01:17:23.251" v="8191" actId="2696"/>
+        <pc:sldMkLst>
+          <pc:docMk/>
+          <pc:sldMk cId="3160677687" sldId="299"/>
+        </pc:sldMkLst>
+      </pc:sldChg>
+      <pc:sldChg chg="modSp add mod ord">
+        <pc:chgData name="Jack Percy" userId="b9a97963-9b08-4684-92e4-b02ce1d032f1" providerId="ADAL" clId="{3280C464-2C29-43A4-BF5A-CE909B5BB16A}" dt="2023-05-28T01:49:02.989" v="9437" actId="20577"/>
+        <pc:sldMkLst>
+          <pc:docMk/>
+          <pc:sldMk cId="4185631234" sldId="299"/>
+        </pc:sldMkLst>
+        <pc:spChg chg="mod">
+          <ac:chgData name="Jack Percy" userId="b9a97963-9b08-4684-92e4-b02ce1d032f1" providerId="ADAL" clId="{3280C464-2C29-43A4-BF5A-CE909B5BB16A}" dt="2023-05-28T01:26:12.563" v="8656" actId="20577"/>
+          <ac:spMkLst>
+            <pc:docMk/>
+            <pc:sldMk cId="4185631234" sldId="299"/>
+            <ac:spMk id="2" creationId="{183CAE4A-E189-4CAA-B3F5-7E97BC5188E3}"/>
+          </ac:spMkLst>
+        </pc:spChg>
+        <pc:graphicFrameChg chg="modGraphic">
+          <ac:chgData name="Jack Percy" userId="b9a97963-9b08-4684-92e4-b02ce1d032f1" providerId="ADAL" clId="{3280C464-2C29-43A4-BF5A-CE909B5BB16A}" dt="2023-05-28T01:49:02.989" v="9437" actId="20577"/>
+          <ac:graphicFrameMkLst>
+            <pc:docMk/>
+            <pc:sldMk cId="4185631234" sldId="299"/>
+            <ac:graphicFrameMk id="4" creationId="{1924472A-B52F-7F83-7542-4283DA4B7733}"/>
+          </ac:graphicFrameMkLst>
+        </pc:graphicFrameChg>
+      </pc:sldChg>
+      <pc:sldChg chg="addSp delSp modSp add mod">
+        <pc:chgData name="Jack Percy" userId="b9a97963-9b08-4684-92e4-b02ce1d032f1" providerId="ADAL" clId="{3280C464-2C29-43A4-BF5A-CE909B5BB16A}" dt="2023-05-28T01:48:29.795" v="9366" actId="1076"/>
+        <pc:sldMkLst>
+          <pc:docMk/>
+          <pc:sldMk cId="1798417511" sldId="300"/>
+        </pc:sldMkLst>
+        <pc:spChg chg="mod">
+          <ac:chgData name="Jack Percy" userId="b9a97963-9b08-4684-92e4-b02ce1d032f1" providerId="ADAL" clId="{3280C464-2C29-43A4-BF5A-CE909B5BB16A}" dt="2023-05-28T01:40:45.353" v="8996" actId="1076"/>
+          <ac:spMkLst>
+            <pc:docMk/>
+            <pc:sldMk cId="1798417511" sldId="300"/>
+            <ac:spMk id="2" creationId="{183CAE4A-E189-4CAA-B3F5-7E97BC5188E3}"/>
+          </ac:spMkLst>
+        </pc:spChg>
+        <pc:spChg chg="add del mod">
+          <ac:chgData name="Jack Percy" userId="b9a97963-9b08-4684-92e4-b02ce1d032f1" providerId="ADAL" clId="{3280C464-2C29-43A4-BF5A-CE909B5BB16A}" dt="2023-05-28T01:26:59.778" v="8731" actId="478"/>
+          <ac:spMkLst>
+            <pc:docMk/>
+            <pc:sldMk cId="1798417511" sldId="300"/>
+            <ac:spMk id="3" creationId="{F608A3F4-2968-7B7C-4E02-BF6981484D97}"/>
+          </ac:spMkLst>
+        </pc:spChg>
+        <pc:spChg chg="add mod">
+          <ac:chgData name="Jack Percy" userId="b9a97963-9b08-4684-92e4-b02ce1d032f1" providerId="ADAL" clId="{3280C464-2C29-43A4-BF5A-CE909B5BB16A}" dt="2023-05-28T01:41:33.085" v="9017" actId="1076"/>
+          <ac:spMkLst>
+            <pc:docMk/>
+            <pc:sldMk cId="1798417511" sldId="300"/>
+            <ac:spMk id="39" creationId="{9E995EB5-2BCE-2F6F-F56C-8745138E4118}"/>
+          </ac:spMkLst>
+        </pc:spChg>
+        <pc:spChg chg="add mod">
+          <ac:chgData name="Jack Percy" userId="b9a97963-9b08-4684-92e4-b02ce1d032f1" providerId="ADAL" clId="{3280C464-2C29-43A4-BF5A-CE909B5BB16A}" dt="2023-05-28T01:41:30.974" v="9016" actId="1076"/>
+          <ac:spMkLst>
+            <pc:docMk/>
+            <pc:sldMk cId="1798417511" sldId="300"/>
+            <ac:spMk id="40" creationId="{DCF8F894-BC2E-FB43-7B72-577F1960732A}"/>
+          </ac:spMkLst>
+        </pc:spChg>
+        <pc:spChg chg="add mod">
+          <ac:chgData name="Jack Percy" userId="b9a97963-9b08-4684-92e4-b02ce1d032f1" providerId="ADAL" clId="{3280C464-2C29-43A4-BF5A-CE909B5BB16A}" dt="2023-05-28T01:41:42.316" v="9021" actId="14100"/>
+          <ac:spMkLst>
+            <pc:docMk/>
+            <pc:sldMk cId="1798417511" sldId="300"/>
+            <ac:spMk id="41" creationId="{18F4CEF3-F0C5-FBEF-D9F7-D22796402CDA}"/>
+          </ac:spMkLst>
+        </pc:spChg>
+        <pc:spChg chg="add mod">
+          <ac:chgData name="Jack Percy" userId="b9a97963-9b08-4684-92e4-b02ce1d032f1" providerId="ADAL" clId="{3280C464-2C29-43A4-BF5A-CE909B5BB16A}" dt="2023-05-28T01:41:46.302" v="9023" actId="1076"/>
+          <ac:spMkLst>
+            <pc:docMk/>
+            <pc:sldMk cId="1798417511" sldId="300"/>
+            <ac:spMk id="42" creationId="{4CB44376-E462-8CA4-2806-8589509DF48A}"/>
+          </ac:spMkLst>
+        </pc:spChg>
+        <pc:spChg chg="add mod">
+          <ac:chgData name="Jack Percy" userId="b9a97963-9b08-4684-92e4-b02ce1d032f1" providerId="ADAL" clId="{3280C464-2C29-43A4-BF5A-CE909B5BB16A}" dt="2023-05-28T01:41:50.643" v="9025" actId="1076"/>
+          <ac:spMkLst>
+            <pc:docMk/>
+            <pc:sldMk cId="1798417511" sldId="300"/>
+            <ac:spMk id="43" creationId="{5C7F8DA6-CE1A-1BEB-6EB0-D7EC19B9B0EA}"/>
+          </ac:spMkLst>
+        </pc:spChg>
+        <pc:spChg chg="add mod">
+          <ac:chgData name="Jack Percy" userId="b9a97963-9b08-4684-92e4-b02ce1d032f1" providerId="ADAL" clId="{3280C464-2C29-43A4-BF5A-CE909B5BB16A}" dt="2023-05-28T01:41:56.272" v="9027" actId="1076"/>
+          <ac:spMkLst>
+            <pc:docMk/>
+            <pc:sldMk cId="1798417511" sldId="300"/>
+            <ac:spMk id="44" creationId="{7A04ACCC-CFC5-314A-8D42-619E905B1DB1}"/>
+          </ac:spMkLst>
+        </pc:spChg>
+        <pc:spChg chg="add mod">
+          <ac:chgData name="Jack Percy" userId="b9a97963-9b08-4684-92e4-b02ce1d032f1" providerId="ADAL" clId="{3280C464-2C29-43A4-BF5A-CE909B5BB16A}" dt="2023-05-28T01:42:00.463" v="9029" actId="1076"/>
+          <ac:spMkLst>
+            <pc:docMk/>
+            <pc:sldMk cId="1798417511" sldId="300"/>
+            <ac:spMk id="45" creationId="{FA8647CA-7894-F5D6-E008-C08C3C75A9D7}"/>
+          </ac:spMkLst>
+        </pc:spChg>
+        <pc:spChg chg="add mod">
+          <ac:chgData name="Jack Percy" userId="b9a97963-9b08-4684-92e4-b02ce1d032f1" providerId="ADAL" clId="{3280C464-2C29-43A4-BF5A-CE909B5BB16A}" dt="2023-05-28T01:42:06.989" v="9031" actId="1076"/>
+          <ac:spMkLst>
+            <pc:docMk/>
+            <pc:sldMk cId="1798417511" sldId="300"/>
+            <ac:spMk id="46" creationId="{595B89E2-761B-69D8-F3AB-E7717D705BFE}"/>
+          </ac:spMkLst>
+        </pc:spChg>
+        <pc:spChg chg="add mod">
+          <ac:chgData name="Jack Percy" userId="b9a97963-9b08-4684-92e4-b02ce1d032f1" providerId="ADAL" clId="{3280C464-2C29-43A4-BF5A-CE909B5BB16A}" dt="2023-05-28T01:42:19.869" v="9041" actId="14100"/>
+          <ac:spMkLst>
+            <pc:docMk/>
+            <pc:sldMk cId="1798417511" sldId="300"/>
+            <ac:spMk id="47" creationId="{823BC825-FD14-E143-4832-12F1D19AF264}"/>
+          </ac:spMkLst>
+        </pc:spChg>
+        <pc:spChg chg="add mod">
+          <ac:chgData name="Jack Percy" userId="b9a97963-9b08-4684-92e4-b02ce1d032f1" providerId="ADAL" clId="{3280C464-2C29-43A4-BF5A-CE909B5BB16A}" dt="2023-05-28T01:42:15.430" v="9037" actId="14100"/>
+          <ac:spMkLst>
+            <pc:docMk/>
+            <pc:sldMk cId="1798417511" sldId="300"/>
+            <ac:spMk id="48" creationId="{2B1745E3-A188-4CA9-8118-51C858FDE05E}"/>
+          </ac:spMkLst>
+        </pc:spChg>
+        <pc:spChg chg="add mod">
+          <ac:chgData name="Jack Percy" userId="b9a97963-9b08-4684-92e4-b02ce1d032f1" providerId="ADAL" clId="{3280C464-2C29-43A4-BF5A-CE909B5BB16A}" dt="2023-05-28T01:42:29.805" v="9047" actId="14100"/>
+          <ac:spMkLst>
+            <pc:docMk/>
+            <pc:sldMk cId="1798417511" sldId="300"/>
+            <ac:spMk id="49" creationId="{6AD4759F-B824-1226-CD94-62E04F369FEF}"/>
+          </ac:spMkLst>
+        </pc:spChg>
+        <pc:spChg chg="add mod">
+          <ac:chgData name="Jack Percy" userId="b9a97963-9b08-4684-92e4-b02ce1d032f1" providerId="ADAL" clId="{3280C464-2C29-43A4-BF5A-CE909B5BB16A}" dt="2023-05-28T01:42:32.735" v="9049" actId="1076"/>
+          <ac:spMkLst>
+            <pc:docMk/>
+            <pc:sldMk cId="1798417511" sldId="300"/>
+            <ac:spMk id="50" creationId="{3F703B94-F06C-63D6-4D68-A293A5950E06}"/>
+          </ac:spMkLst>
+        </pc:spChg>
+        <pc:spChg chg="add mod">
+          <ac:chgData name="Jack Percy" userId="b9a97963-9b08-4684-92e4-b02ce1d032f1" providerId="ADAL" clId="{3280C464-2C29-43A4-BF5A-CE909B5BB16A}" dt="2023-05-28T01:47:55.565" v="9223" actId="20577"/>
+          <ac:spMkLst>
+            <pc:docMk/>
+            <pc:sldMk cId="1798417511" sldId="300"/>
+            <ac:spMk id="51" creationId="{C366FF08-D177-3E9E-80D1-AB01EAC095A9}"/>
+          </ac:spMkLst>
+        </pc:spChg>
+        <pc:spChg chg="add mod">
+          <ac:chgData name="Jack Percy" userId="b9a97963-9b08-4684-92e4-b02ce1d032f1" providerId="ADAL" clId="{3280C464-2C29-43A4-BF5A-CE909B5BB16A}" dt="2023-05-28T01:48:29.795" v="9366" actId="1076"/>
+          <ac:spMkLst>
+            <pc:docMk/>
+            <pc:sldMk cId="1798417511" sldId="300"/>
+            <ac:spMk id="52" creationId="{75C37C4E-6F60-524E-CAB4-AC272F1D271C}"/>
+          </ac:spMkLst>
+        </pc:spChg>
+        <pc:graphicFrameChg chg="del">
+          <ac:chgData name="Jack Percy" userId="b9a97963-9b08-4684-92e4-b02ce1d032f1" providerId="ADAL" clId="{3280C464-2C29-43A4-BF5A-CE909B5BB16A}" dt="2023-05-28T01:26:53.024" v="8724" actId="478"/>
+          <ac:graphicFrameMkLst>
+            <pc:docMk/>
+            <pc:sldMk cId="1798417511" sldId="300"/>
+            <ac:graphicFrameMk id="4" creationId="{1924472A-B52F-7F83-7542-4283DA4B7733}"/>
+          </ac:graphicFrameMkLst>
+        </pc:graphicFrameChg>
+        <pc:picChg chg="add mod">
+          <ac:chgData name="Jack Percy" userId="b9a97963-9b08-4684-92e4-b02ce1d032f1" providerId="ADAL" clId="{3280C464-2C29-43A4-BF5A-CE909B5BB16A}" dt="2023-05-28T01:41:19.053" v="9013" actId="1076"/>
+          <ac:picMkLst>
+            <pc:docMk/>
+            <pc:sldMk cId="1798417511" sldId="300"/>
+            <ac:picMk id="6" creationId="{35E1D6A6-61D7-E58C-C6AE-53DF47635190}"/>
+          </ac:picMkLst>
+        </pc:picChg>
+        <pc:picChg chg="add del mod">
+          <ac:chgData name="Jack Percy" userId="b9a97963-9b08-4684-92e4-b02ce1d032f1" providerId="ADAL" clId="{3280C464-2C29-43A4-BF5A-CE909B5BB16A}" dt="2023-05-28T01:41:19.053" v="9013" actId="1076"/>
+          <ac:picMkLst>
+            <pc:docMk/>
+            <pc:sldMk cId="1798417511" sldId="300"/>
+            <ac:picMk id="8" creationId="{F8D2E645-B7DD-5A31-C1D4-2393EA29E4D5}"/>
+          </ac:picMkLst>
+        </pc:picChg>
+        <pc:picChg chg="add mod">
+          <ac:chgData name="Jack Percy" userId="b9a97963-9b08-4684-92e4-b02ce1d032f1" providerId="ADAL" clId="{3280C464-2C29-43A4-BF5A-CE909B5BB16A}" dt="2023-05-28T01:41:19.053" v="9013" actId="1076"/>
+          <ac:picMkLst>
+            <pc:docMk/>
+            <pc:sldMk cId="1798417511" sldId="300"/>
+            <ac:picMk id="10" creationId="{4EA40FFC-3D26-A2F9-EF02-DC0F950F869C}"/>
+          </ac:picMkLst>
+        </pc:picChg>
+        <pc:picChg chg="add mod">
+          <ac:chgData name="Jack Percy" userId="b9a97963-9b08-4684-92e4-b02ce1d032f1" providerId="ADAL" clId="{3280C464-2C29-43A4-BF5A-CE909B5BB16A}" dt="2023-05-28T01:41:19.053" v="9013" actId="1076"/>
+          <ac:picMkLst>
+            <pc:docMk/>
+            <pc:sldMk cId="1798417511" sldId="300"/>
+            <ac:picMk id="12" creationId="{ADE59E6D-05DB-F7B1-3EA5-61A8DC2C297A}"/>
+          </ac:picMkLst>
+        </pc:picChg>
+        <pc:picChg chg="add mod">
+          <ac:chgData name="Jack Percy" userId="b9a97963-9b08-4684-92e4-b02ce1d032f1" providerId="ADAL" clId="{3280C464-2C29-43A4-BF5A-CE909B5BB16A}" dt="2023-05-28T01:41:19.053" v="9013" actId="1076"/>
+          <ac:picMkLst>
+            <pc:docMk/>
+            <pc:sldMk cId="1798417511" sldId="300"/>
+            <ac:picMk id="13" creationId="{CD7E1199-0F75-FF6F-74CC-494D64979C5B}"/>
+          </ac:picMkLst>
+        </pc:picChg>
+        <pc:picChg chg="add mod">
+          <ac:chgData name="Jack Percy" userId="b9a97963-9b08-4684-92e4-b02ce1d032f1" providerId="ADAL" clId="{3280C464-2C29-43A4-BF5A-CE909B5BB16A}" dt="2023-05-28T01:42:17.255" v="9039" actId="1076"/>
+          <ac:picMkLst>
+            <pc:docMk/>
+            <pc:sldMk cId="1798417511" sldId="300"/>
+            <ac:picMk id="15" creationId="{68AF3526-AF30-DA1C-A602-CC901F0EF686}"/>
+          </ac:picMkLst>
+        </pc:picChg>
+        <pc:picChg chg="add mod">
+          <ac:chgData name="Jack Percy" userId="b9a97963-9b08-4684-92e4-b02ce1d032f1" providerId="ADAL" clId="{3280C464-2C29-43A4-BF5A-CE909B5BB16A}" dt="2023-05-28T01:41:19.053" v="9013" actId="1076"/>
+          <ac:picMkLst>
+            <pc:docMk/>
+            <pc:sldMk cId="1798417511" sldId="300"/>
+            <ac:picMk id="17" creationId="{94429E6D-7BF9-494A-2E35-1CD37A404F9A}"/>
+          </ac:picMkLst>
+        </pc:picChg>
+        <pc:picChg chg="add del mod">
+          <ac:chgData name="Jack Percy" userId="b9a97963-9b08-4684-92e4-b02ce1d032f1" providerId="ADAL" clId="{3280C464-2C29-43A4-BF5A-CE909B5BB16A}" dt="2023-05-28T01:41:10.151" v="9007" actId="478"/>
+          <ac:picMkLst>
+            <pc:docMk/>
+            <pc:sldMk cId="1798417511" sldId="300"/>
+            <ac:picMk id="18" creationId="{B1B1F89A-CAE1-AB87-C5B0-C84701B0CFCE}"/>
+          </ac:picMkLst>
+        </pc:picChg>
+        <pc:picChg chg="add del mod">
+          <ac:chgData name="Jack Percy" userId="b9a97963-9b08-4684-92e4-b02ce1d032f1" providerId="ADAL" clId="{3280C464-2C29-43A4-BF5A-CE909B5BB16A}" dt="2023-05-28T01:41:09.763" v="9006" actId="478"/>
+          <ac:picMkLst>
+            <pc:docMk/>
+            <pc:sldMk cId="1798417511" sldId="300"/>
+            <ac:picMk id="19" creationId="{1C1E4B41-6FCE-0F90-58F1-98F60814FF1D}"/>
+          </ac:picMkLst>
+        </pc:picChg>
+        <pc:picChg chg="add del mod">
+          <ac:chgData name="Jack Percy" userId="b9a97963-9b08-4684-92e4-b02ce1d032f1" providerId="ADAL" clId="{3280C464-2C29-43A4-BF5A-CE909B5BB16A}" dt="2023-05-28T01:41:11.090" v="9008" actId="478"/>
+          <ac:picMkLst>
+            <pc:docMk/>
+            <pc:sldMk cId="1798417511" sldId="300"/>
+            <ac:picMk id="20" creationId="{68CA8C88-2BEC-8EEC-8AE1-FDA1DD39D7BF}"/>
+          </ac:picMkLst>
+        </pc:picChg>
+        <pc:picChg chg="add del mod">
+          <ac:chgData name="Jack Percy" userId="b9a97963-9b08-4684-92e4-b02ce1d032f1" providerId="ADAL" clId="{3280C464-2C29-43A4-BF5A-CE909B5BB16A}" dt="2023-05-28T01:41:11.528" v="9009" actId="478"/>
+          <ac:picMkLst>
+            <pc:docMk/>
+            <pc:sldMk cId="1798417511" sldId="300"/>
+            <ac:picMk id="21" creationId="{2708120A-867B-8BC8-D070-9A8343F0C9E3}"/>
+          </ac:picMkLst>
+        </pc:picChg>
+        <pc:picChg chg="add del mod">
+          <ac:chgData name="Jack Percy" userId="b9a97963-9b08-4684-92e4-b02ce1d032f1" providerId="ADAL" clId="{3280C464-2C29-43A4-BF5A-CE909B5BB16A}" dt="2023-05-28T01:41:11.968" v="9010" actId="478"/>
+          <ac:picMkLst>
+            <pc:docMk/>
+            <pc:sldMk cId="1798417511" sldId="300"/>
+            <ac:picMk id="22" creationId="{13975306-8103-2B53-B9AC-72598E187DC2}"/>
+          </ac:picMkLst>
+        </pc:picChg>
+        <pc:picChg chg="add del mod">
+          <ac:chgData name="Jack Percy" userId="b9a97963-9b08-4684-92e4-b02ce1d032f1" providerId="ADAL" clId="{3280C464-2C29-43A4-BF5A-CE909B5BB16A}" dt="2023-05-28T01:41:12.898" v="9012" actId="478"/>
+          <ac:picMkLst>
+            <pc:docMk/>
+            <pc:sldMk cId="1798417511" sldId="300"/>
+            <ac:picMk id="23" creationId="{6B192321-B9EA-62E7-05E3-F9DC0D86A510}"/>
+          </ac:picMkLst>
+        </pc:picChg>
+        <pc:picChg chg="add del mod">
+          <ac:chgData name="Jack Percy" userId="b9a97963-9b08-4684-92e4-b02ce1d032f1" providerId="ADAL" clId="{3280C464-2C29-43A4-BF5A-CE909B5BB16A}" dt="2023-05-28T01:41:12.476" v="9011" actId="478"/>
+          <ac:picMkLst>
+            <pc:docMk/>
+            <pc:sldMk cId="1798417511" sldId="300"/>
+            <ac:picMk id="24" creationId="{44B08EC7-038B-5AF9-5440-2CD99D4EFB01}"/>
+          </ac:picMkLst>
+        </pc:picChg>
+        <pc:picChg chg="add mod">
+          <ac:chgData name="Jack Percy" userId="b9a97963-9b08-4684-92e4-b02ce1d032f1" providerId="ADAL" clId="{3280C464-2C29-43A4-BF5A-CE909B5BB16A}" dt="2023-05-28T01:40:37.241" v="8994" actId="571"/>
+          <ac:picMkLst>
+            <pc:docMk/>
+            <pc:sldMk cId="1798417511" sldId="300"/>
+            <ac:picMk id="25" creationId="{6F92B2DB-3FE4-4D10-D8B0-17189BB7F1B7}"/>
+          </ac:picMkLst>
+        </pc:picChg>
+        <pc:picChg chg="add mod">
+          <ac:chgData name="Jack Percy" userId="b9a97963-9b08-4684-92e4-b02ce1d032f1" providerId="ADAL" clId="{3280C464-2C29-43A4-BF5A-CE909B5BB16A}" dt="2023-05-28T01:40:37.241" v="8994" actId="571"/>
+          <ac:picMkLst>
+            <pc:docMk/>
+            <pc:sldMk cId="1798417511" sldId="300"/>
+            <ac:picMk id="26" creationId="{F2538AF9-1B1B-3056-EE1C-0B0934555689}"/>
+          </ac:picMkLst>
+        </pc:picChg>
+        <pc:picChg chg="add mod">
+          <ac:chgData name="Jack Percy" userId="b9a97963-9b08-4684-92e4-b02ce1d032f1" providerId="ADAL" clId="{3280C464-2C29-43A4-BF5A-CE909B5BB16A}" dt="2023-05-28T01:40:37.241" v="8994" actId="571"/>
+          <ac:picMkLst>
+            <pc:docMk/>
+            <pc:sldMk cId="1798417511" sldId="300"/>
+            <ac:picMk id="27" creationId="{EEB84E5C-7C60-3A7D-45AE-F9136AB6E6AC}"/>
+          </ac:picMkLst>
+        </pc:picChg>
+        <pc:picChg chg="add mod">
+          <ac:chgData name="Jack Percy" userId="b9a97963-9b08-4684-92e4-b02ce1d032f1" providerId="ADAL" clId="{3280C464-2C29-43A4-BF5A-CE909B5BB16A}" dt="2023-05-28T01:40:37.241" v="8994" actId="571"/>
+          <ac:picMkLst>
+            <pc:docMk/>
+            <pc:sldMk cId="1798417511" sldId="300"/>
+            <ac:picMk id="28" creationId="{7EF71BA7-765A-0ED7-63AF-5A96B3C5247A}"/>
+          </ac:picMkLst>
+        </pc:picChg>
+        <pc:picChg chg="add mod">
+          <ac:chgData name="Jack Percy" userId="b9a97963-9b08-4684-92e4-b02ce1d032f1" providerId="ADAL" clId="{3280C464-2C29-43A4-BF5A-CE909B5BB16A}" dt="2023-05-28T01:40:37.241" v="8994" actId="571"/>
+          <ac:picMkLst>
+            <pc:docMk/>
+            <pc:sldMk cId="1798417511" sldId="300"/>
+            <ac:picMk id="29" creationId="{D6223E94-9749-06FF-498A-01AC9C86897C}"/>
+          </ac:picMkLst>
+        </pc:picChg>
+        <pc:picChg chg="add mod">
+          <ac:chgData name="Jack Percy" userId="b9a97963-9b08-4684-92e4-b02ce1d032f1" providerId="ADAL" clId="{3280C464-2C29-43A4-BF5A-CE909B5BB16A}" dt="2023-05-28T01:40:37.241" v="8994" actId="571"/>
+          <ac:picMkLst>
+            <pc:docMk/>
+            <pc:sldMk cId="1798417511" sldId="300"/>
+            <ac:picMk id="30" creationId="{66271D61-5E79-5916-1618-F46A31E4E411}"/>
+          </ac:picMkLst>
+        </pc:picChg>
+        <pc:picChg chg="add mod">
+          <ac:chgData name="Jack Percy" userId="b9a97963-9b08-4684-92e4-b02ce1d032f1" providerId="ADAL" clId="{3280C464-2C29-43A4-BF5A-CE909B5BB16A}" dt="2023-05-28T01:40:37.241" v="8994" actId="571"/>
+          <ac:picMkLst>
+            <pc:docMk/>
+            <pc:sldMk cId="1798417511" sldId="300"/>
+            <ac:picMk id="31" creationId="{6127B15D-BC4A-E477-3818-7DB758D0D268}"/>
+          </ac:picMkLst>
+        </pc:picChg>
+        <pc:picChg chg="add mod">
+          <ac:chgData name="Jack Percy" userId="b9a97963-9b08-4684-92e4-b02ce1d032f1" providerId="ADAL" clId="{3280C464-2C29-43A4-BF5A-CE909B5BB16A}" dt="2023-05-28T01:41:03.208" v="9004" actId="571"/>
+          <ac:picMkLst>
+            <pc:docMk/>
+            <pc:sldMk cId="1798417511" sldId="300"/>
+            <ac:picMk id="32" creationId="{4DFB705E-1DE3-9D2E-678F-AA80B42F625C}"/>
+          </ac:picMkLst>
+        </pc:picChg>
+        <pc:picChg chg="add mod">
+          <ac:chgData name="Jack Percy" userId="b9a97963-9b08-4684-92e4-b02ce1d032f1" providerId="ADAL" clId="{3280C464-2C29-43A4-BF5A-CE909B5BB16A}" dt="2023-05-28T01:41:03.208" v="9004" actId="571"/>
+          <ac:picMkLst>
+            <pc:docMk/>
+            <pc:sldMk cId="1798417511" sldId="300"/>
+            <ac:picMk id="33" creationId="{CB91B324-7409-CBF8-7159-6B46EBBA720A}"/>
+          </ac:picMkLst>
+        </pc:picChg>
+        <pc:picChg chg="add mod">
+          <ac:chgData name="Jack Percy" userId="b9a97963-9b08-4684-92e4-b02ce1d032f1" providerId="ADAL" clId="{3280C464-2C29-43A4-BF5A-CE909B5BB16A}" dt="2023-05-28T01:41:03.208" v="9004" actId="571"/>
+          <ac:picMkLst>
+            <pc:docMk/>
+            <pc:sldMk cId="1798417511" sldId="300"/>
+            <ac:picMk id="34" creationId="{E3EB013D-9707-ED22-D0AB-EDA514EC8EC8}"/>
+          </ac:picMkLst>
+        </pc:picChg>
+        <pc:picChg chg="add mod">
+          <ac:chgData name="Jack Percy" userId="b9a97963-9b08-4684-92e4-b02ce1d032f1" providerId="ADAL" clId="{3280C464-2C29-43A4-BF5A-CE909B5BB16A}" dt="2023-05-28T01:41:03.208" v="9004" actId="571"/>
+          <ac:picMkLst>
+            <pc:docMk/>
+            <pc:sldMk cId="1798417511" sldId="300"/>
+            <ac:picMk id="35" creationId="{9745E0B7-4D9D-5E20-E18F-2AE3CE3615C0}"/>
+          </ac:picMkLst>
+        </pc:picChg>
+        <pc:picChg chg="add mod">
+          <ac:chgData name="Jack Percy" userId="b9a97963-9b08-4684-92e4-b02ce1d032f1" providerId="ADAL" clId="{3280C464-2C29-43A4-BF5A-CE909B5BB16A}" dt="2023-05-28T01:41:03.208" v="9004" actId="571"/>
+          <ac:picMkLst>
+            <pc:docMk/>
+            <pc:sldMk cId="1798417511" sldId="300"/>
+            <ac:picMk id="36" creationId="{40DF2163-9D46-8F97-F75B-BBA40D2D5AC1}"/>
+          </ac:picMkLst>
+        </pc:picChg>
+        <pc:picChg chg="add mod">
+          <ac:chgData name="Jack Percy" userId="b9a97963-9b08-4684-92e4-b02ce1d032f1" providerId="ADAL" clId="{3280C464-2C29-43A4-BF5A-CE909B5BB16A}" dt="2023-05-28T01:41:03.208" v="9004" actId="571"/>
+          <ac:picMkLst>
+            <pc:docMk/>
+            <pc:sldMk cId="1798417511" sldId="300"/>
+            <ac:picMk id="37" creationId="{A1BCD88F-F41C-247A-3031-6AEC3B266C72}"/>
+          </ac:picMkLst>
+        </pc:picChg>
+        <pc:picChg chg="add mod">
+          <ac:chgData name="Jack Percy" userId="b9a97963-9b08-4684-92e4-b02ce1d032f1" providerId="ADAL" clId="{3280C464-2C29-43A4-BF5A-CE909B5BB16A}" dt="2023-05-28T01:41:03.208" v="9004" actId="571"/>
+          <ac:picMkLst>
+            <pc:docMk/>
+            <pc:sldMk cId="1798417511" sldId="300"/>
+            <ac:picMk id="38" creationId="{909177C2-04F8-521A-0467-A2C3DBF8C625}"/>
+          </ac:picMkLst>
+        </pc:picChg>
+      </pc:sldChg>
+      <pc:sldChg chg="addSp delSp modSp add mod ord">
+        <pc:chgData name="Jack Percy" userId="b9a97963-9b08-4684-92e4-b02ce1d032f1" providerId="ADAL" clId="{3280C464-2C29-43A4-BF5A-CE909B5BB16A}" dt="2023-05-28T01:56:18.540" v="10095" actId="20577"/>
+        <pc:sldMkLst>
+          <pc:docMk/>
+          <pc:sldMk cId="1603488026" sldId="301"/>
+        </pc:sldMkLst>
+        <pc:spChg chg="mod">
+          <ac:chgData name="Jack Percy" userId="b9a97963-9b08-4684-92e4-b02ce1d032f1" providerId="ADAL" clId="{3280C464-2C29-43A4-BF5A-CE909B5BB16A}" dt="2023-05-28T01:49:27.328" v="9468" actId="20577"/>
+          <ac:spMkLst>
+            <pc:docMk/>
+            <pc:sldMk cId="1603488026" sldId="301"/>
+            <ac:spMk id="2" creationId="{183CAE4A-E189-4CAA-B3F5-7E97BC5188E3}"/>
+          </ac:spMkLst>
+        </pc:spChg>
+        <pc:spChg chg="add mod">
+          <ac:chgData name="Jack Percy" userId="b9a97963-9b08-4684-92e4-b02ce1d032f1" providerId="ADAL" clId="{3280C464-2C29-43A4-BF5A-CE909B5BB16A}" dt="2023-05-28T01:51:03.676" v="9588" actId="1076"/>
+          <ac:spMkLst>
+            <pc:docMk/>
+            <pc:sldMk cId="1603488026" sldId="301"/>
+            <ac:spMk id="11" creationId="{B287A1AD-8A47-3173-90FE-9EB29FB7A847}"/>
+          </ac:spMkLst>
+        </pc:spChg>
+        <pc:spChg chg="add del mod">
+          <ac:chgData name="Jack Percy" userId="b9a97963-9b08-4684-92e4-b02ce1d032f1" providerId="ADAL" clId="{3280C464-2C29-43A4-BF5A-CE909B5BB16A}" dt="2023-05-28T01:51:07.141" v="9591" actId="21"/>
+          <ac:spMkLst>
+            <pc:docMk/>
+            <pc:sldMk cId="1603488026" sldId="301"/>
+            <ac:spMk id="12" creationId="{9A4912C2-BF6C-2510-D52C-DF348DDD7B18}"/>
+          </ac:spMkLst>
+        </pc:spChg>
+        <pc:spChg chg="add mod">
+          <ac:chgData name="Jack Percy" userId="b9a97963-9b08-4684-92e4-b02ce1d032f1" providerId="ADAL" clId="{3280C464-2C29-43A4-BF5A-CE909B5BB16A}" dt="2023-05-28T01:51:08.277" v="9592"/>
+          <ac:spMkLst>
+            <pc:docMk/>
+            <pc:sldMk cId="1603488026" sldId="301"/>
+            <ac:spMk id="13" creationId="{37673CF8-3FA4-7A70-8505-6ECC7645E0FC}"/>
+          </ac:spMkLst>
+        </pc:spChg>
+        <pc:spChg chg="add mod">
+          <ac:chgData name="Jack Percy" userId="b9a97963-9b08-4684-92e4-b02ce1d032f1" providerId="ADAL" clId="{3280C464-2C29-43A4-BF5A-CE909B5BB16A}" dt="2023-05-28T01:51:19.353" v="9600" actId="1076"/>
+          <ac:spMkLst>
+            <pc:docMk/>
+            <pc:sldMk cId="1603488026" sldId="301"/>
+            <ac:spMk id="14" creationId="{2D1E26B9-BC05-17D1-11C5-14E3F62932F0}"/>
+          </ac:spMkLst>
+        </pc:spChg>
+        <pc:spChg chg="add mod">
+          <ac:chgData name="Jack Percy" userId="b9a97963-9b08-4684-92e4-b02ce1d032f1" providerId="ADAL" clId="{3280C464-2C29-43A4-BF5A-CE909B5BB16A}" dt="2023-05-28T01:54:52.606" v="9833" actId="20577"/>
+          <ac:spMkLst>
+            <pc:docMk/>
+            <pc:sldMk cId="1603488026" sldId="301"/>
+            <ac:spMk id="15" creationId="{8650C27D-6072-421E-C3A0-DBAC9DC5F010}"/>
+          </ac:spMkLst>
+        </pc:spChg>
+        <pc:spChg chg="add mod">
+          <ac:chgData name="Jack Percy" userId="b9a97963-9b08-4684-92e4-b02ce1d032f1" providerId="ADAL" clId="{3280C464-2C29-43A4-BF5A-CE909B5BB16A}" dt="2023-05-28T01:55:01.089" v="9835" actId="1076"/>
+          <ac:spMkLst>
+            <pc:docMk/>
+            <pc:sldMk cId="1603488026" sldId="301"/>
+            <ac:spMk id="18" creationId="{9AF777DB-4F93-D683-05EA-D3070E402FDF}"/>
+          </ac:spMkLst>
+        </pc:spChg>
+        <pc:spChg chg="add mod">
+          <ac:chgData name="Jack Percy" userId="b9a97963-9b08-4684-92e4-b02ce1d032f1" providerId="ADAL" clId="{3280C464-2C29-43A4-BF5A-CE909B5BB16A}" dt="2023-05-28T01:55:03.992" v="9837" actId="1076"/>
+          <ac:spMkLst>
+            <pc:docMk/>
+            <pc:sldMk cId="1603488026" sldId="301"/>
+            <ac:spMk id="19" creationId="{42CD01B8-C2FF-EB53-B3E9-86DD6BD20B9E}"/>
+          </ac:spMkLst>
+        </pc:spChg>
+        <pc:spChg chg="add del mod">
+          <ac:chgData name="Jack Percy" userId="b9a97963-9b08-4684-92e4-b02ce1d032f1" providerId="ADAL" clId="{3280C464-2C29-43A4-BF5A-CE909B5BB16A}" dt="2023-05-28T01:55:19.246" v="9843" actId="478"/>
+          <ac:spMkLst>
+            <pc:docMk/>
+            <pc:sldMk cId="1603488026" sldId="301"/>
+            <ac:spMk id="20" creationId="{65A59B70-E475-F4D1-1190-F403ECCFBF3B}"/>
+          </ac:spMkLst>
+        </pc:spChg>
+        <pc:spChg chg="add del mod">
+          <ac:chgData name="Jack Percy" userId="b9a97963-9b08-4684-92e4-b02ce1d032f1" providerId="ADAL" clId="{3280C464-2C29-43A4-BF5A-CE909B5BB16A}" dt="2023-05-28T01:55:29.155" v="9846" actId="478"/>
+          <ac:spMkLst>
+            <pc:docMk/>
+            <pc:sldMk cId="1603488026" sldId="301"/>
+            <ac:spMk id="22" creationId="{85B90279-9173-D135-AE0D-411B6E7E09C7}"/>
+          </ac:spMkLst>
+        </pc:spChg>
+        <pc:spChg chg="add del mod">
+          <ac:chgData name="Jack Percy" userId="b9a97963-9b08-4684-92e4-b02ce1d032f1" providerId="ADAL" clId="{3280C464-2C29-43A4-BF5A-CE909B5BB16A}" dt="2023-05-28T01:55:32.911" v="9848" actId="478"/>
+          <ac:spMkLst>
+            <pc:docMk/>
+            <pc:sldMk cId="1603488026" sldId="301"/>
+            <ac:spMk id="23" creationId="{922BA821-06F3-616A-E019-C5E4E59A23C0}"/>
+          </ac:spMkLst>
+        </pc:spChg>
+        <pc:spChg chg="add mod">
+          <ac:chgData name="Jack Percy" userId="b9a97963-9b08-4684-92e4-b02ce1d032f1" providerId="ADAL" clId="{3280C464-2C29-43A4-BF5A-CE909B5BB16A}" dt="2023-05-28T01:56:18.540" v="10095" actId="20577"/>
+          <ac:spMkLst>
+            <pc:docMk/>
+            <pc:sldMk cId="1603488026" sldId="301"/>
+            <ac:spMk id="24" creationId="{413E93EB-DCE0-B3B5-1001-9F81C2E0575D}"/>
+          </ac:spMkLst>
+        </pc:spChg>
+        <pc:graphicFrameChg chg="modGraphic">
+          <ac:chgData name="Jack Percy" userId="b9a97963-9b08-4684-92e4-b02ce1d032f1" providerId="ADAL" clId="{3280C464-2C29-43A4-BF5A-CE909B5BB16A}" dt="2023-05-28T01:50:10.220" v="9574" actId="2164"/>
+          <ac:graphicFrameMkLst>
+            <pc:docMk/>
+            <pc:sldMk cId="1603488026" sldId="301"/>
+            <ac:graphicFrameMk id="4" creationId="{1924472A-B52F-7F83-7542-4283DA4B7733}"/>
+          </ac:graphicFrameMkLst>
+        </pc:graphicFrameChg>
+        <pc:picChg chg="add mod">
+          <ac:chgData name="Jack Percy" userId="b9a97963-9b08-4684-92e4-b02ce1d032f1" providerId="ADAL" clId="{3280C464-2C29-43A4-BF5A-CE909B5BB16A}" dt="2023-05-28T01:50:42.448" v="9582" actId="14100"/>
+          <ac:picMkLst>
+            <pc:docMk/>
+            <pc:sldMk cId="1603488026" sldId="301"/>
+            <ac:picMk id="5" creationId="{BFE1B0D7-CC24-9CAF-72F6-C2E831C8C528}"/>
+          </ac:picMkLst>
+        </pc:picChg>
+        <pc:picChg chg="add mod">
+          <ac:chgData name="Jack Percy" userId="b9a97963-9b08-4684-92e4-b02ce1d032f1" providerId="ADAL" clId="{3280C464-2C29-43A4-BF5A-CE909B5BB16A}" dt="2023-05-28T01:55:06.392" v="9840" actId="1076"/>
+          <ac:picMkLst>
+            <pc:docMk/>
+            <pc:sldMk cId="1603488026" sldId="301"/>
+            <ac:picMk id="7" creationId="{486A3507-AF68-CFE9-A357-3310CCB8D5DF}"/>
+          </ac:picMkLst>
+        </pc:picChg>
+        <pc:picChg chg="add del mod">
+          <ac:chgData name="Jack Percy" userId="b9a97963-9b08-4684-92e4-b02ce1d032f1" providerId="ADAL" clId="{3280C464-2C29-43A4-BF5A-CE909B5BB16A}" dt="2023-05-28T01:51:42.902" v="9606" actId="478"/>
+          <ac:picMkLst>
+            <pc:docMk/>
+            <pc:sldMk cId="1603488026" sldId="301"/>
+            <ac:picMk id="9" creationId="{5DB489C6-BA67-A6C5-199B-22F51EE1790A}"/>
+          </ac:picMkLst>
+        </pc:picChg>
+        <pc:picChg chg="add mod">
+          <ac:chgData name="Jack Percy" userId="b9a97963-9b08-4684-92e4-b02ce1d032f1" providerId="ADAL" clId="{3280C464-2C29-43A4-BF5A-CE909B5BB16A}" dt="2023-05-28T01:50:58.191" v="9586" actId="1076"/>
+          <ac:picMkLst>
+            <pc:docMk/>
+            <pc:sldMk cId="1603488026" sldId="301"/>
+            <ac:picMk id="10" creationId="{D0B99C63-423B-FC75-A6ED-D23DBD480CE5}"/>
+          </ac:picMkLst>
+        </pc:picChg>
+        <pc:picChg chg="add mod">
+          <ac:chgData name="Jack Percy" userId="b9a97963-9b08-4684-92e4-b02ce1d032f1" providerId="ADAL" clId="{3280C464-2C29-43A4-BF5A-CE909B5BB16A}" dt="2023-05-28T01:52:10.635" v="9611" actId="1076"/>
+          <ac:picMkLst>
+            <pc:docMk/>
+            <pc:sldMk cId="1603488026" sldId="301"/>
+            <ac:picMk id="17" creationId="{7AF8A559-DA19-B41C-1D54-6D444E40ED9C}"/>
+          </ac:picMkLst>
+        </pc:picChg>
+        <pc:inkChg chg="add">
+          <ac:chgData name="Jack Percy" userId="b9a97963-9b08-4684-92e4-b02ce1d032f1" providerId="ADAL" clId="{3280C464-2C29-43A4-BF5A-CE909B5BB16A}" dt="2023-05-28T01:55:24.246" v="9844" actId="9405"/>
+          <ac:inkMkLst>
+            <pc:docMk/>
+            <pc:sldMk cId="1603488026" sldId="301"/>
+            <ac:inkMk id="21" creationId="{DDF24889-176F-F9A5-2827-64E1461BE848}"/>
+          </ac:inkMkLst>
+        </pc:inkChg>
+      </pc:sldChg>
+      <pc:sldChg chg="addSp modSp new mod ord">
+        <pc:chgData name="Jack Percy" userId="b9a97963-9b08-4684-92e4-b02ce1d032f1" providerId="ADAL" clId="{3280C464-2C29-43A4-BF5A-CE909B5BB16A}" dt="2023-05-28T02:19:48.476" v="10570" actId="20577"/>
+        <pc:sldMkLst>
+          <pc:docMk/>
+          <pc:sldMk cId="2509622654" sldId="302"/>
+        </pc:sldMkLst>
+        <pc:spChg chg="mod">
+          <ac:chgData name="Jack Percy" userId="b9a97963-9b08-4684-92e4-b02ce1d032f1" providerId="ADAL" clId="{3280C464-2C29-43A4-BF5A-CE909B5BB16A}" dt="2023-05-28T02:18:33.735" v="10378" actId="20577"/>
+          <ac:spMkLst>
+            <pc:docMk/>
+            <pc:sldMk cId="2509622654" sldId="302"/>
+            <ac:spMk id="2" creationId="{204241F8-0A76-6BED-E884-25688A4731CB}"/>
+          </ac:spMkLst>
+        </pc:spChg>
+        <pc:spChg chg="mod">
+          <ac:chgData name="Jack Percy" userId="b9a97963-9b08-4684-92e4-b02ce1d032f1" providerId="ADAL" clId="{3280C464-2C29-43A4-BF5A-CE909B5BB16A}" dt="2023-05-28T02:18:32.603" v="10377" actId="1076"/>
+          <ac:spMkLst>
+            <pc:docMk/>
+            <pc:sldMk cId="2509622654" sldId="302"/>
+            <ac:spMk id="3" creationId="{47FEC4B8-0585-F27D-BF35-84D6B1F976C3}"/>
+          </ac:spMkLst>
+        </pc:spChg>
+        <pc:spChg chg="add mod">
+          <ac:chgData name="Jack Percy" userId="b9a97963-9b08-4684-92e4-b02ce1d032f1" providerId="ADAL" clId="{3280C464-2C29-43A4-BF5A-CE909B5BB16A}" dt="2023-05-28T02:19:22.725" v="10464" actId="1076"/>
+          <ac:spMkLst>
+            <pc:docMk/>
+            <pc:sldMk cId="2509622654" sldId="302"/>
+            <ac:spMk id="6" creationId="{F62EEDF5-E806-38C1-7D5E-508DC5236443}"/>
+          </ac:spMkLst>
+        </pc:spChg>
+        <pc:spChg chg="add mod">
+          <ac:chgData name="Jack Percy" userId="b9a97963-9b08-4684-92e4-b02ce1d032f1" providerId="ADAL" clId="{3280C464-2C29-43A4-BF5A-CE909B5BB16A}" dt="2023-05-28T02:19:48.476" v="10570" actId="20577"/>
+          <ac:spMkLst>
+            <pc:docMk/>
+            <pc:sldMk cId="2509622654" sldId="302"/>
+            <ac:spMk id="9" creationId="{352B6051-9701-8FFF-E307-DFE642FE0359}"/>
+          </ac:spMkLst>
+        </pc:spChg>
+        <pc:picChg chg="add mod">
+          <ac:chgData name="Jack Percy" userId="b9a97963-9b08-4684-92e4-b02ce1d032f1" providerId="ADAL" clId="{3280C464-2C29-43A4-BF5A-CE909B5BB16A}" dt="2023-05-28T02:18:44.181" v="10380" actId="1076"/>
+          <ac:picMkLst>
+            <pc:docMk/>
+            <pc:sldMk cId="2509622654" sldId="302"/>
+            <ac:picMk id="5" creationId="{E0C16C0B-B53D-8D9C-EC8D-16D776B5AE49}"/>
+          </ac:picMkLst>
+        </pc:picChg>
+        <pc:picChg chg="add mod">
+          <ac:chgData name="Jack Percy" userId="b9a97963-9b08-4684-92e4-b02ce1d032f1" providerId="ADAL" clId="{3280C464-2C29-43A4-BF5A-CE909B5BB16A}" dt="2023-05-28T02:19:10.315" v="10463" actId="1076"/>
+          <ac:picMkLst>
+            <pc:docMk/>
+            <pc:sldMk cId="2509622654" sldId="302"/>
+            <ac:picMk id="8" creationId="{47506A9D-FB0C-D5D9-8AB6-33EF43FEBF97}"/>
+          </ac:picMkLst>
+        </pc:picChg>
+      </pc:sldChg>
+      <pc:sldChg chg="addSp delSp modSp add mod ord">
+        <pc:chgData name="Jack Percy" userId="b9a97963-9b08-4684-92e4-b02ce1d032f1" providerId="ADAL" clId="{3280C464-2C29-43A4-BF5A-CE909B5BB16A}" dt="2023-05-28T02:56:26.986" v="10754"/>
+        <pc:sldMkLst>
+          <pc:docMk/>
+          <pc:sldMk cId="3266175572" sldId="303"/>
+        </pc:sldMkLst>
+        <pc:spChg chg="mod">
+          <ac:chgData name="Jack Percy" userId="b9a97963-9b08-4684-92e4-b02ce1d032f1" providerId="ADAL" clId="{3280C464-2C29-43A4-BF5A-CE909B5BB16A}" dt="2023-05-28T02:56:14.905" v="10752" actId="20577"/>
+          <ac:spMkLst>
+            <pc:docMk/>
+            <pc:sldMk cId="3266175572" sldId="303"/>
+            <ac:spMk id="2" creationId="{D62183D5-E1F8-4917-B0BA-FC2E62047445}"/>
+          </ac:spMkLst>
+        </pc:spChg>
+        <pc:picChg chg="del">
+          <ac:chgData name="Jack Percy" userId="b9a97963-9b08-4684-92e4-b02ce1d032f1" providerId="ADAL" clId="{3280C464-2C29-43A4-BF5A-CE909B5BB16A}" dt="2023-05-28T02:55:50.599" v="10718" actId="478"/>
+          <ac:picMkLst>
+            <pc:docMk/>
+            <pc:sldMk cId="3266175572" sldId="303"/>
+            <ac:picMk id="5" creationId="{066679B1-18D2-3ACB-30CF-2B00F4F40A1A}"/>
+          </ac:picMkLst>
+        </pc:picChg>
+        <pc:picChg chg="add mod">
+          <ac:chgData name="Jack Percy" userId="b9a97963-9b08-4684-92e4-b02ce1d032f1" providerId="ADAL" clId="{3280C464-2C29-43A4-BF5A-CE909B5BB16A}" dt="2023-05-28T02:56:06.393" v="10722" actId="1076"/>
+          <ac:picMkLst>
+            <pc:docMk/>
+            <pc:sldMk cId="3266175572" sldId="303"/>
+            <ac:picMk id="6" creationId="{DCFA7941-079D-92B8-42CC-C89EF5C603A5}"/>
+          </ac:picMkLst>
+        </pc:picChg>
+        <pc:picChg chg="del">
+          <ac:chgData name="Jack Percy" userId="b9a97963-9b08-4684-92e4-b02ce1d032f1" providerId="ADAL" clId="{3280C464-2C29-43A4-BF5A-CE909B5BB16A}" dt="2023-05-28T02:55:51.699" v="10720" actId="478"/>
+          <ac:picMkLst>
+            <pc:docMk/>
+            <pc:sldMk cId="3266175572" sldId="303"/>
+            <ac:picMk id="7" creationId="{AE522233-29B6-F1E5-A0A5-F59E29A62F92}"/>
+          </ac:picMkLst>
+        </pc:picChg>
+        <pc:picChg chg="del">
+          <ac:chgData name="Jack Percy" userId="b9a97963-9b08-4684-92e4-b02ce1d032f1" providerId="ADAL" clId="{3280C464-2C29-43A4-BF5A-CE909B5BB16A}" dt="2023-05-28T02:55:50.981" v="10719" actId="478"/>
+          <ac:picMkLst>
+            <pc:docMk/>
+            <pc:sldMk cId="3266175572" sldId="303"/>
+            <ac:picMk id="9" creationId="{ACF641A3-1788-2503-EA86-1831965F68A7}"/>
+          </ac:picMkLst>
+        </pc:picChg>
+      </pc:sldChg>
+      <pc:sldChg chg="delSp modSp add del mod ord">
+        <pc:chgData name="Jack Percy" userId="b9a97963-9b08-4684-92e4-b02ce1d032f1" providerId="ADAL" clId="{3280C464-2C29-43A4-BF5A-CE909B5BB16A}" dt="2023-05-28T02:51:15.288" v="10668" actId="2696"/>
+        <pc:sldMkLst>
+          <pc:docMk/>
+          <pc:sldMk cId="3865724210" sldId="303"/>
+        </pc:sldMkLst>
+        <pc:spChg chg="mod">
+          <ac:chgData name="Jack Percy" userId="b9a97963-9b08-4684-92e4-b02ce1d032f1" providerId="ADAL" clId="{3280C464-2C29-43A4-BF5A-CE909B5BB16A}" dt="2023-05-28T02:50:13.307" v="10642" actId="20577"/>
+          <ac:spMkLst>
+            <pc:docMk/>
+            <pc:sldMk cId="3865724210" sldId="303"/>
+            <ac:spMk id="2" creationId="{0AC904DD-5A10-446B-A89E-8DA5AC00DE23}"/>
+          </ac:spMkLst>
+        </pc:spChg>
+        <pc:spChg chg="del">
+          <ac:chgData name="Jack Percy" userId="b9a97963-9b08-4684-92e4-b02ce1d032f1" providerId="ADAL" clId="{3280C464-2C29-43A4-BF5A-CE909B5BB16A}" dt="2023-05-28T02:50:15.981" v="10643" actId="478"/>
+          <ac:spMkLst>
+            <pc:docMk/>
+            <pc:sldMk cId="3865724210" sldId="303"/>
+            <ac:spMk id="3" creationId="{6385A117-1109-4CFD-B531-10565CC9D864}"/>
+          </ac:spMkLst>
+        </pc:spChg>
+        <pc:spChg chg="mod">
+          <ac:chgData name="Jack Percy" userId="b9a97963-9b08-4684-92e4-b02ce1d032f1" providerId="ADAL" clId="{3280C464-2C29-43A4-BF5A-CE909B5BB16A}" dt="2023-05-28T02:51:10.511" v="10667" actId="20577"/>
+          <ac:spMkLst>
+            <pc:docMk/>
+            <pc:sldMk cId="3865724210" sldId="303"/>
+            <ac:spMk id="4" creationId="{C8547D41-1EF1-E050-D8FE-BC633241079F}"/>
+          </ac:spMkLst>
+        </pc:spChg>
       </pc:sldChg>
     </pc:docChg>
   </pc:docChgLst>
@@ -5507,6 +6755,35 @@
     </inkml:brush>
   </inkml:definitions>
   <inkml:trace contextRef="#ctx0" brushRef="#br0">2 652 24575,'-2'-125'0,"4"-138"0,1 241 0,0 1 0,2 0 0,10-34 0,5-17 0,-16 51 0,-4 17 0,1 0 0,-1 0 0,1 0 0,0 0 0,0 0 0,1 0 0,-1 0 0,1 0 0,3-5 0,-4 8 0,0 0 0,1 1 0,-1-1 0,1 0 0,-1 1 0,0-1 0,1 1 0,-1-1 0,1 1 0,-1 0 0,1 0 0,-1-1 0,1 1 0,-1 0 0,1 0 0,-1 0 0,1 1 0,-1-1 0,1 0 0,-1 1 0,1-1 0,-1 1 0,1-1 0,-1 1 0,1 0 0,-1-1 0,0 1 0,0 0 0,1 0 0,-1 0 0,1 1 0,15 9 0,-1 1 0,-1 1 0,0 0 0,16 18 0,35 30 0,77 34 0,-105-72 0,-1 1 0,0 1 0,-2 2 0,47 47 0,-75-66-117,0 0-133,1 0 1,-2 1-1,1-1 0,6 13 1,-5-3-6577</inkml:trace>
+</inkml:ink>
+</file>
+
+<file path=ppt/ink/ink149.xml><?xml version="1.0" encoding="utf-8"?>
+<inkml:ink xmlns:inkml="http://www.w3.org/2003/InkML">
+  <inkml:definitions>
+    <inkml:context xml:id="ctx0">
+      <inkml:inkSource xml:id="inkSrc0">
+        <inkml:traceFormat>
+          <inkml:channel name="X" type="integer" min="-2.14748E9" max="2.14748E9" units="cm"/>
+          <inkml:channel name="Y" type="integer" min="-2.14748E9" max="2.14748E9" units="cm"/>
+        </inkml:traceFormat>
+        <inkml:channelProperties>
+          <inkml:channelProperty channel="X" name="resolution" value="1000" units="1/cm"/>
+          <inkml:channelProperty channel="Y" name="resolution" value="1000" units="1/cm"/>
+        </inkml:channelProperties>
+      </inkml:inkSource>
+      <inkml:timestamp xml:id="ts0" timeString="2023-05-28T01:55:24.244"/>
+    </inkml:context>
+    <inkml:brush xml:id="br0">
+      <inkml:brushProperty name="width" value="0.3" units="cm"/>
+      <inkml:brushProperty name="height" value="0.6" units="cm"/>
+      <inkml:brushProperty name="color" value="#FFFC00"/>
+      <inkml:brushProperty name="tip" value="rectangle"/>
+      <inkml:brushProperty name="rasterOp" value="maskPen"/>
+      <inkml:brushProperty name="ignorePressure" value="1"/>
+    </inkml:brush>
+  </inkml:definitions>
+  <inkml:trace contextRef="#ctx0" brushRef="#br0">0 0,'86'2,"120"17,-125-12,156-6,-105-4,662 3,-778 1,0 1,1 1,19 5,38 5,11 0,-61-8,1-1,25 1,11-4,-14-1,-1 2,65 11,-48-5,0-2,1-3,72-7,-12 1,1331 3,-1434 2,-1 0,34 8,-32-6,0 0,24 1,671-3,-349-5,1405 3,-1753-1,1-1,33-8,-32 6,0 0,24-1,406 4,-216 2,-214-2,-1-1,43-11,-12 2,0 1,-23 4,-1 2,47-3,-22 8,-30-1</inkml:trace>
 </inkml:ink>
 </file>
 
@@ -10186,7 +11463,7 @@
     </p:spTree>
     <p:extLst>
       <p:ext uri="{BB962C8B-B14F-4D97-AF65-F5344CB8AC3E}">
-        <p14:creationId xmlns:p14="http://schemas.microsoft.com/office/powerpoint/2010/main" val="234755665"/>
+        <p14:creationId xmlns:p14="http://schemas.microsoft.com/office/powerpoint/2010/main" val="3650294004"/>
       </p:ext>
     </p:extLst>
   </p:cSld>
@@ -10197,6 +11474,438 @@
 </file>
 
 <file path=ppt/notesSlides/notesSlide25.xml><?xml version="1.0" encoding="utf-8"?>
+<p:notes xmlns:a="http://schemas.openxmlformats.org/drawingml/2006/main" xmlns:r="http://schemas.openxmlformats.org/officeDocument/2006/relationships" xmlns:p="http://schemas.openxmlformats.org/presentationml/2006/main">
+  <p:cSld>
+    <p:spTree>
+      <p:nvGrpSpPr>
+        <p:cNvPr id="1" name=""/>
+        <p:cNvGrpSpPr/>
+        <p:nvPr/>
+      </p:nvGrpSpPr>
+      <p:grpSpPr>
+        <a:xfrm>
+          <a:off x="0" y="0"/>
+          <a:ext cx="0" cy="0"/>
+          <a:chOff x="0" y="0"/>
+          <a:chExt cx="0" cy="0"/>
+        </a:xfrm>
+      </p:grpSpPr>
+      <p:sp>
+        <p:nvSpPr>
+          <p:cNvPr id="2" name="Slide Image Placeholder 1"/>
+          <p:cNvSpPr>
+            <a:spLocks noGrp="1" noRot="1" noChangeAspect="1"/>
+          </p:cNvSpPr>
+          <p:nvPr>
+            <p:ph type="sldImg"/>
+          </p:nvPr>
+        </p:nvSpPr>
+        <p:spPr/>
+      </p:sp>
+      <p:sp>
+        <p:nvSpPr>
+          <p:cNvPr id="3" name="Notes Placeholder 2"/>
+          <p:cNvSpPr>
+            <a:spLocks noGrp="1"/>
+          </p:cNvSpPr>
+          <p:nvPr>
+            <p:ph type="body" idx="1"/>
+          </p:nvPr>
+        </p:nvSpPr>
+        <p:spPr/>
+        <p:txBody>
+          <a:bodyPr/>
+          <a:lstStyle/>
+          <a:p>
+            <a:pPr marL="0" marR="0" lvl="0" indent="0" algn="l" defTabSz="914400" rtl="0" eaLnBrk="1" fontAlgn="auto" latinLnBrk="0" hangingPunct="1">
+              <a:lnSpc>
+                <a:spcPct val="100000"/>
+              </a:lnSpc>
+              <a:spcBef>
+                <a:spcPts val="0"/>
+              </a:spcBef>
+              <a:spcAft>
+                <a:spcPts val="0"/>
+              </a:spcAft>
+              <a:buClrTx/>
+              <a:buSzTx/>
+              <a:buFontTx/>
+              <a:buNone/>
+              <a:tabLst/>
+              <a:defRPr/>
+            </a:pPr>
+            <a:r>
+              <a:rPr lang="en-NZ" i="1" dirty="0">
+                <a:latin typeface="Arial" panose="020B0604020202020204" pitchFamily="34" charset="0"/>
+                <a:ea typeface="Arial" panose="020B0604020202020204" pitchFamily="34" charset="0"/>
+              </a:rPr>
+              <a:t>Show testing for your assembled outcome below.  This should include a test plan followed by screenshot proof.  </a:t>
+            </a:r>
+            <a:endParaRPr lang="en-NZ" dirty="0"/>
+          </a:p>
+        </p:txBody>
+      </p:sp>
+      <p:sp>
+        <p:nvSpPr>
+          <p:cNvPr id="4" name="Slide Number Placeholder 3"/>
+          <p:cNvSpPr>
+            <a:spLocks noGrp="1"/>
+          </p:cNvSpPr>
+          <p:nvPr>
+            <p:ph type="sldNum" sz="quarter" idx="5"/>
+          </p:nvPr>
+        </p:nvSpPr>
+        <p:spPr/>
+        <p:txBody>
+          <a:bodyPr/>
+          <a:lstStyle/>
+          <a:p>
+            <a:fld id="{D89B2B17-F4B1-4A14-AF99-5A366D45E74A}" type="slidenum">
+              <a:rPr lang="en-NZ" smtClean="0"/>
+              <a:t>27</a:t>
+            </a:fld>
+            <a:endParaRPr lang="en-NZ"/>
+          </a:p>
+        </p:txBody>
+      </p:sp>
+    </p:spTree>
+    <p:extLst>
+      <p:ext uri="{BB962C8B-B14F-4D97-AF65-F5344CB8AC3E}">
+        <p14:creationId xmlns:p14="http://schemas.microsoft.com/office/powerpoint/2010/main" val="3009460668"/>
+      </p:ext>
+    </p:extLst>
+  </p:cSld>
+  <p:clrMapOvr>
+    <a:masterClrMapping/>
+  </p:clrMapOvr>
+</p:notes>
+</file>
+
+<file path=ppt/notesSlides/notesSlide26.xml><?xml version="1.0" encoding="utf-8"?>
+<p:notes xmlns:a="http://schemas.openxmlformats.org/drawingml/2006/main" xmlns:r="http://schemas.openxmlformats.org/officeDocument/2006/relationships" xmlns:p="http://schemas.openxmlformats.org/presentationml/2006/main">
+  <p:cSld>
+    <p:spTree>
+      <p:nvGrpSpPr>
+        <p:cNvPr id="1" name=""/>
+        <p:cNvGrpSpPr/>
+        <p:nvPr/>
+      </p:nvGrpSpPr>
+      <p:grpSpPr>
+        <a:xfrm>
+          <a:off x="0" y="0"/>
+          <a:ext cx="0" cy="0"/>
+          <a:chOff x="0" y="0"/>
+          <a:chExt cx="0" cy="0"/>
+        </a:xfrm>
+      </p:grpSpPr>
+      <p:sp>
+        <p:nvSpPr>
+          <p:cNvPr id="2" name="Slide Image Placeholder 1"/>
+          <p:cNvSpPr>
+            <a:spLocks noGrp="1" noRot="1" noChangeAspect="1"/>
+          </p:cNvSpPr>
+          <p:nvPr>
+            <p:ph type="sldImg"/>
+          </p:nvPr>
+        </p:nvSpPr>
+        <p:spPr/>
+      </p:sp>
+      <p:sp>
+        <p:nvSpPr>
+          <p:cNvPr id="3" name="Notes Placeholder 2"/>
+          <p:cNvSpPr>
+            <a:spLocks noGrp="1"/>
+          </p:cNvSpPr>
+          <p:nvPr>
+            <p:ph type="body" idx="1"/>
+          </p:nvPr>
+        </p:nvSpPr>
+        <p:spPr/>
+        <p:txBody>
+          <a:bodyPr/>
+          <a:lstStyle/>
+          <a:p>
+            <a:pPr marL="0" marR="0" lvl="0" indent="0" algn="l" defTabSz="914400" rtl="0" eaLnBrk="1" fontAlgn="auto" latinLnBrk="0" hangingPunct="1">
+              <a:lnSpc>
+                <a:spcPct val="100000"/>
+              </a:lnSpc>
+              <a:spcBef>
+                <a:spcPts val="0"/>
+              </a:spcBef>
+              <a:spcAft>
+                <a:spcPts val="0"/>
+              </a:spcAft>
+              <a:buClrTx/>
+              <a:buSzTx/>
+              <a:buFontTx/>
+              <a:buNone/>
+              <a:tabLst/>
+              <a:defRPr/>
+            </a:pPr>
+            <a:r>
+              <a:rPr lang="en-NZ" i="1" dirty="0">
+                <a:latin typeface="Arial" panose="020B0604020202020204" pitchFamily="34" charset="0"/>
+                <a:ea typeface="Arial" panose="020B0604020202020204" pitchFamily="34" charset="0"/>
+              </a:rPr>
+              <a:t>Show testing for your assembled outcome below.  This should include a test plan followed by screenshot proof.  </a:t>
+            </a:r>
+            <a:endParaRPr lang="en-NZ" dirty="0"/>
+          </a:p>
+        </p:txBody>
+      </p:sp>
+      <p:sp>
+        <p:nvSpPr>
+          <p:cNvPr id="4" name="Slide Number Placeholder 3"/>
+          <p:cNvSpPr>
+            <a:spLocks noGrp="1"/>
+          </p:cNvSpPr>
+          <p:nvPr>
+            <p:ph type="sldNum" sz="quarter" idx="5"/>
+          </p:nvPr>
+        </p:nvSpPr>
+        <p:spPr/>
+        <p:txBody>
+          <a:bodyPr/>
+          <a:lstStyle/>
+          <a:p>
+            <a:fld id="{D89B2B17-F4B1-4A14-AF99-5A366D45E74A}" type="slidenum">
+              <a:rPr lang="en-NZ" smtClean="0"/>
+              <a:t>28</a:t>
+            </a:fld>
+            <a:endParaRPr lang="en-NZ"/>
+          </a:p>
+        </p:txBody>
+      </p:sp>
+    </p:spTree>
+    <p:extLst>
+      <p:ext uri="{BB962C8B-B14F-4D97-AF65-F5344CB8AC3E}">
+        <p14:creationId xmlns:p14="http://schemas.microsoft.com/office/powerpoint/2010/main" val="4279667415"/>
+      </p:ext>
+    </p:extLst>
+  </p:cSld>
+  <p:clrMapOvr>
+    <a:masterClrMapping/>
+  </p:clrMapOvr>
+</p:notes>
+</file>
+
+<file path=ppt/notesSlides/notesSlide27.xml><?xml version="1.0" encoding="utf-8"?>
+<p:notes xmlns:a="http://schemas.openxmlformats.org/drawingml/2006/main" xmlns:r="http://schemas.openxmlformats.org/officeDocument/2006/relationships" xmlns:p="http://schemas.openxmlformats.org/presentationml/2006/main">
+  <p:cSld>
+    <p:spTree>
+      <p:nvGrpSpPr>
+        <p:cNvPr id="1" name=""/>
+        <p:cNvGrpSpPr/>
+        <p:nvPr/>
+      </p:nvGrpSpPr>
+      <p:grpSpPr>
+        <a:xfrm>
+          <a:off x="0" y="0"/>
+          <a:ext cx="0" cy="0"/>
+          <a:chOff x="0" y="0"/>
+          <a:chExt cx="0" cy="0"/>
+        </a:xfrm>
+      </p:grpSpPr>
+      <p:sp>
+        <p:nvSpPr>
+          <p:cNvPr id="2" name="Slide Image Placeholder 1"/>
+          <p:cNvSpPr>
+            <a:spLocks noGrp="1" noRot="1" noChangeAspect="1"/>
+          </p:cNvSpPr>
+          <p:nvPr>
+            <p:ph type="sldImg"/>
+          </p:nvPr>
+        </p:nvSpPr>
+        <p:spPr/>
+      </p:sp>
+      <p:sp>
+        <p:nvSpPr>
+          <p:cNvPr id="3" name="Notes Placeholder 2"/>
+          <p:cNvSpPr>
+            <a:spLocks noGrp="1"/>
+          </p:cNvSpPr>
+          <p:nvPr>
+            <p:ph type="body" idx="1"/>
+          </p:nvPr>
+        </p:nvSpPr>
+        <p:spPr/>
+        <p:txBody>
+          <a:bodyPr/>
+          <a:lstStyle/>
+          <a:p>
+            <a:pPr marL="0" marR="0" lvl="0" indent="0" algn="l" defTabSz="914400" rtl="0" eaLnBrk="1" fontAlgn="auto" latinLnBrk="0" hangingPunct="1">
+              <a:lnSpc>
+                <a:spcPct val="100000"/>
+              </a:lnSpc>
+              <a:spcBef>
+                <a:spcPts val="0"/>
+              </a:spcBef>
+              <a:spcAft>
+                <a:spcPts val="0"/>
+              </a:spcAft>
+              <a:buClrTx/>
+              <a:buSzTx/>
+              <a:buFontTx/>
+              <a:buNone/>
+              <a:tabLst/>
+              <a:defRPr/>
+            </a:pPr>
+            <a:r>
+              <a:rPr lang="en-NZ" i="1" dirty="0">
+                <a:latin typeface="Arial" panose="020B0604020202020204" pitchFamily="34" charset="0"/>
+                <a:ea typeface="Arial" panose="020B0604020202020204" pitchFamily="34" charset="0"/>
+              </a:rPr>
+              <a:t>Show testing for your assembled outcome below.  This should include a test plan followed by screenshot proof.  </a:t>
+            </a:r>
+            <a:endParaRPr lang="en-NZ" dirty="0"/>
+          </a:p>
+        </p:txBody>
+      </p:sp>
+      <p:sp>
+        <p:nvSpPr>
+          <p:cNvPr id="4" name="Slide Number Placeholder 3"/>
+          <p:cNvSpPr>
+            <a:spLocks noGrp="1"/>
+          </p:cNvSpPr>
+          <p:nvPr>
+            <p:ph type="sldNum" sz="quarter" idx="5"/>
+          </p:nvPr>
+        </p:nvSpPr>
+        <p:spPr/>
+        <p:txBody>
+          <a:bodyPr/>
+          <a:lstStyle/>
+          <a:p>
+            <a:fld id="{D89B2B17-F4B1-4A14-AF99-5A366D45E74A}" type="slidenum">
+              <a:rPr lang="en-NZ" smtClean="0"/>
+              <a:t>29</a:t>
+            </a:fld>
+            <a:endParaRPr lang="en-NZ"/>
+          </a:p>
+        </p:txBody>
+      </p:sp>
+    </p:spTree>
+    <p:extLst>
+      <p:ext uri="{BB962C8B-B14F-4D97-AF65-F5344CB8AC3E}">
+        <p14:creationId xmlns:p14="http://schemas.microsoft.com/office/powerpoint/2010/main" val="1581447619"/>
+      </p:ext>
+    </p:extLst>
+  </p:cSld>
+  <p:clrMapOvr>
+    <a:masterClrMapping/>
+  </p:clrMapOvr>
+</p:notes>
+</file>
+
+<file path=ppt/notesSlides/notesSlide28.xml><?xml version="1.0" encoding="utf-8"?>
+<p:notes xmlns:a="http://schemas.openxmlformats.org/drawingml/2006/main" xmlns:r="http://schemas.openxmlformats.org/officeDocument/2006/relationships" xmlns:p="http://schemas.openxmlformats.org/presentationml/2006/main">
+  <p:cSld>
+    <p:spTree>
+      <p:nvGrpSpPr>
+        <p:cNvPr id="1" name=""/>
+        <p:cNvGrpSpPr/>
+        <p:nvPr/>
+      </p:nvGrpSpPr>
+      <p:grpSpPr>
+        <a:xfrm>
+          <a:off x="0" y="0"/>
+          <a:ext cx="0" cy="0"/>
+          <a:chOff x="0" y="0"/>
+          <a:chExt cx="0" cy="0"/>
+        </a:xfrm>
+      </p:grpSpPr>
+      <p:sp>
+        <p:nvSpPr>
+          <p:cNvPr id="2" name="Slide Image Placeholder 1"/>
+          <p:cNvSpPr>
+            <a:spLocks noGrp="1" noRot="1" noChangeAspect="1"/>
+          </p:cNvSpPr>
+          <p:nvPr>
+            <p:ph type="sldImg"/>
+          </p:nvPr>
+        </p:nvSpPr>
+        <p:spPr/>
+      </p:sp>
+      <p:sp>
+        <p:nvSpPr>
+          <p:cNvPr id="3" name="Notes Placeholder 2"/>
+          <p:cNvSpPr>
+            <a:spLocks noGrp="1"/>
+          </p:cNvSpPr>
+          <p:nvPr>
+            <p:ph type="body" idx="1"/>
+          </p:nvPr>
+        </p:nvSpPr>
+        <p:spPr/>
+        <p:txBody>
+          <a:bodyPr/>
+          <a:lstStyle/>
+          <a:p>
+            <a:pPr marL="0" marR="0" lvl="0" indent="0" algn="l" defTabSz="914400" rtl="0" eaLnBrk="1" fontAlgn="auto" latinLnBrk="0" hangingPunct="1">
+              <a:lnSpc>
+                <a:spcPct val="100000"/>
+              </a:lnSpc>
+              <a:spcBef>
+                <a:spcPts val="0"/>
+              </a:spcBef>
+              <a:spcAft>
+                <a:spcPts val="0"/>
+              </a:spcAft>
+              <a:buClrTx/>
+              <a:buSzTx/>
+              <a:buFontTx/>
+              <a:buNone/>
+              <a:tabLst/>
+              <a:defRPr/>
+            </a:pPr>
+            <a:r>
+              <a:rPr lang="en-NZ" i="1" dirty="0">
+                <a:latin typeface="Arial" panose="020B0604020202020204" pitchFamily="34" charset="0"/>
+                <a:ea typeface="Arial" panose="020B0604020202020204" pitchFamily="34" charset="0"/>
+              </a:rPr>
+              <a:t>Show testing for your assembled outcome below.  This should include a test plan followed by screenshot proof.  </a:t>
+            </a:r>
+            <a:endParaRPr lang="en-NZ" dirty="0"/>
+          </a:p>
+        </p:txBody>
+      </p:sp>
+      <p:sp>
+        <p:nvSpPr>
+          <p:cNvPr id="4" name="Slide Number Placeholder 3"/>
+          <p:cNvSpPr>
+            <a:spLocks noGrp="1"/>
+          </p:cNvSpPr>
+          <p:nvPr>
+            <p:ph type="sldNum" sz="quarter" idx="5"/>
+          </p:nvPr>
+        </p:nvSpPr>
+        <p:spPr/>
+        <p:txBody>
+          <a:bodyPr/>
+          <a:lstStyle/>
+          <a:p>
+            <a:fld id="{D89B2B17-F4B1-4A14-AF99-5A366D45E74A}" type="slidenum">
+              <a:rPr lang="en-NZ" smtClean="0"/>
+              <a:t>30</a:t>
+            </a:fld>
+            <a:endParaRPr lang="en-NZ"/>
+          </a:p>
+        </p:txBody>
+      </p:sp>
+    </p:spTree>
+    <p:extLst>
+      <p:ext uri="{BB962C8B-B14F-4D97-AF65-F5344CB8AC3E}">
+        <p14:creationId xmlns:p14="http://schemas.microsoft.com/office/powerpoint/2010/main" val="465236255"/>
+      </p:ext>
+    </p:extLst>
+  </p:cSld>
+  <p:clrMapOvr>
+    <a:masterClrMapping/>
+  </p:clrMapOvr>
+</p:notes>
+</file>
+
+<file path=ppt/notesSlides/notesSlide29.xml><?xml version="1.0" encoding="utf-8"?>
 <p:notes xmlns:a="http://schemas.openxmlformats.org/drawingml/2006/main" xmlns:r="http://schemas.openxmlformats.org/officeDocument/2006/relationships" xmlns:p="http://schemas.openxmlformats.org/presentationml/2006/main">
   <p:cSld>
     <p:spTree>
@@ -10291,7 +12000,7 @@
           <a:p>
             <a:fld id="{D89B2B17-F4B1-4A14-AF99-5A366D45E74A}" type="slidenum">
               <a:rPr lang="en-NZ" smtClean="0"/>
-              <a:t>29</a:t>
+              <a:t>33</a:t>
             </a:fld>
             <a:endParaRPr lang="en-NZ"/>
           </a:p>
@@ -10301,115 +12010,6 @@
     <p:extLst>
       <p:ext uri="{BB962C8B-B14F-4D97-AF65-F5344CB8AC3E}">
         <p14:creationId xmlns:p14="http://schemas.microsoft.com/office/powerpoint/2010/main" val="1431557508"/>
-      </p:ext>
-    </p:extLst>
-  </p:cSld>
-  <p:clrMapOvr>
-    <a:masterClrMapping/>
-  </p:clrMapOvr>
-</p:notes>
-</file>
-
-<file path=ppt/notesSlides/notesSlide26.xml><?xml version="1.0" encoding="utf-8"?>
-<p:notes xmlns:a="http://schemas.openxmlformats.org/drawingml/2006/main" xmlns:r="http://schemas.openxmlformats.org/officeDocument/2006/relationships" xmlns:p="http://schemas.openxmlformats.org/presentationml/2006/main">
-  <p:cSld>
-    <p:spTree>
-      <p:nvGrpSpPr>
-        <p:cNvPr id="1" name=""/>
-        <p:cNvGrpSpPr/>
-        <p:nvPr/>
-      </p:nvGrpSpPr>
-      <p:grpSpPr>
-        <a:xfrm>
-          <a:off x="0" y="0"/>
-          <a:ext cx="0" cy="0"/>
-          <a:chOff x="0" y="0"/>
-          <a:chExt cx="0" cy="0"/>
-        </a:xfrm>
-      </p:grpSpPr>
-      <p:sp>
-        <p:nvSpPr>
-          <p:cNvPr id="2" name="Slide Image Placeholder 1"/>
-          <p:cNvSpPr>
-            <a:spLocks noGrp="1" noRot="1" noChangeAspect="1"/>
-          </p:cNvSpPr>
-          <p:nvPr>
-            <p:ph type="sldImg"/>
-          </p:nvPr>
-        </p:nvSpPr>
-        <p:spPr/>
-      </p:sp>
-      <p:sp>
-        <p:nvSpPr>
-          <p:cNvPr id="3" name="Notes Placeholder 2"/>
-          <p:cNvSpPr>
-            <a:spLocks noGrp="1"/>
-          </p:cNvSpPr>
-          <p:nvPr>
-            <p:ph type="body" idx="1"/>
-          </p:nvPr>
-        </p:nvSpPr>
-        <p:spPr/>
-        <p:txBody>
-          <a:bodyPr/>
-          <a:lstStyle/>
-          <a:p>
-            <a:pPr marL="0" marR="0" lvl="0" indent="0" algn="l" defTabSz="914400" rtl="0" eaLnBrk="1" fontAlgn="auto" latinLnBrk="0" hangingPunct="1">
-              <a:lnSpc>
-                <a:spcPct val="100000"/>
-              </a:lnSpc>
-              <a:spcBef>
-                <a:spcPts val="0"/>
-              </a:spcBef>
-              <a:spcAft>
-                <a:spcPts val="0"/>
-              </a:spcAft>
-              <a:buClrTx/>
-              <a:buSzTx/>
-              <a:buFontTx/>
-              <a:buNone/>
-              <a:tabLst/>
-              <a:defRPr/>
-            </a:pPr>
-            <a:r>
-              <a:rPr lang="en-NZ" i="1" dirty="0">
-                <a:latin typeface="Arial" panose="020B0604020202020204" pitchFamily="34" charset="0"/>
-              </a:rPr>
-              <a:t>Discuss how the information from planning, testing and trialling of components assisted in the development of a high-quality outcome.</a:t>
-            </a:r>
-          </a:p>
-          <a:p>
-            <a:endParaRPr lang="en-NZ" dirty="0"/>
-          </a:p>
-        </p:txBody>
-      </p:sp>
-      <p:sp>
-        <p:nvSpPr>
-          <p:cNvPr id="4" name="Slide Number Placeholder 3"/>
-          <p:cNvSpPr>
-            <a:spLocks noGrp="1"/>
-          </p:cNvSpPr>
-          <p:nvPr>
-            <p:ph type="sldNum" sz="quarter" idx="5"/>
-          </p:nvPr>
-        </p:nvSpPr>
-        <p:spPr/>
-        <p:txBody>
-          <a:bodyPr/>
-          <a:lstStyle/>
-          <a:p>
-            <a:fld id="{D89B2B17-F4B1-4A14-AF99-5A366D45E74A}" type="slidenum">
-              <a:rPr lang="en-NZ" smtClean="0"/>
-              <a:t>30</a:t>
-            </a:fld>
-            <a:endParaRPr lang="en-NZ"/>
-          </a:p>
-        </p:txBody>
-      </p:sp>
-    </p:spTree>
-    <p:extLst>
-      <p:ext uri="{BB962C8B-B14F-4D97-AF65-F5344CB8AC3E}">
-        <p14:creationId xmlns:p14="http://schemas.microsoft.com/office/powerpoint/2010/main" val="1738331893"/>
       </p:ext>
     </p:extLst>
   </p:cSld>
@@ -10544,6 +12144,343 @@
     <p:extLst>
       <p:ext uri="{BB962C8B-B14F-4D97-AF65-F5344CB8AC3E}">
         <p14:creationId xmlns:p14="http://schemas.microsoft.com/office/powerpoint/2010/main" val="992946406"/>
+      </p:ext>
+    </p:extLst>
+  </p:cSld>
+  <p:clrMapOvr>
+    <a:masterClrMapping/>
+  </p:clrMapOvr>
+</p:notes>
+</file>
+
+<file path=ppt/notesSlides/notesSlide30.xml><?xml version="1.0" encoding="utf-8"?>
+<p:notes xmlns:a="http://schemas.openxmlformats.org/drawingml/2006/main" xmlns:r="http://schemas.openxmlformats.org/officeDocument/2006/relationships" xmlns:p="http://schemas.openxmlformats.org/presentationml/2006/main">
+  <p:cSld>
+    <p:spTree>
+      <p:nvGrpSpPr>
+        <p:cNvPr id="1" name=""/>
+        <p:cNvGrpSpPr/>
+        <p:nvPr/>
+      </p:nvGrpSpPr>
+      <p:grpSpPr>
+        <a:xfrm>
+          <a:off x="0" y="0"/>
+          <a:ext cx="0" cy="0"/>
+          <a:chOff x="0" y="0"/>
+          <a:chExt cx="0" cy="0"/>
+        </a:xfrm>
+      </p:grpSpPr>
+      <p:sp>
+        <p:nvSpPr>
+          <p:cNvPr id="2" name="Slide Image Placeholder 1"/>
+          <p:cNvSpPr>
+            <a:spLocks noGrp="1" noRot="1" noChangeAspect="1"/>
+          </p:cNvSpPr>
+          <p:nvPr>
+            <p:ph type="sldImg"/>
+          </p:nvPr>
+        </p:nvSpPr>
+        <p:spPr/>
+      </p:sp>
+      <p:sp>
+        <p:nvSpPr>
+          <p:cNvPr id="3" name="Notes Placeholder 2"/>
+          <p:cNvSpPr>
+            <a:spLocks noGrp="1"/>
+          </p:cNvSpPr>
+          <p:nvPr>
+            <p:ph type="body" idx="1"/>
+          </p:nvPr>
+        </p:nvSpPr>
+        <p:spPr/>
+        <p:txBody>
+          <a:bodyPr/>
+          <a:lstStyle/>
+          <a:p>
+            <a:pPr marL="0" marR="0" lvl="0" indent="0" algn="l" defTabSz="914400" rtl="0" eaLnBrk="1" fontAlgn="auto" latinLnBrk="0" hangingPunct="1">
+              <a:lnSpc>
+                <a:spcPct val="100000"/>
+              </a:lnSpc>
+              <a:spcBef>
+                <a:spcPts val="0"/>
+              </a:spcBef>
+              <a:spcAft>
+                <a:spcPts val="0"/>
+              </a:spcAft>
+              <a:buClrTx/>
+              <a:buSzTx/>
+              <a:buFontTx/>
+              <a:buNone/>
+              <a:tabLst/>
+              <a:defRPr/>
+            </a:pPr>
+            <a:r>
+              <a:rPr lang="en-NZ" i="1" dirty="0">
+                <a:latin typeface="Arial" panose="020B0604020202020204" pitchFamily="34" charset="0"/>
+                <a:ea typeface="Arial" panose="020B0604020202020204" pitchFamily="34" charset="0"/>
+              </a:rPr>
+              <a:t>Your version control evidence should go here.  This could be in the form of screenshots (both of your GitHub repository as well as your local project folder) as evidence of your incremental development.</a:t>
+            </a:r>
+            <a:endParaRPr lang="en-NZ" dirty="0">
+              <a:latin typeface="Arial" panose="020B0604020202020204" pitchFamily="34" charset="0"/>
+              <a:ea typeface="Arial" panose="020B0604020202020204" pitchFamily="34" charset="0"/>
+            </a:endParaRPr>
+          </a:p>
+          <a:p>
+            <a:endParaRPr lang="en-NZ" dirty="0"/>
+          </a:p>
+        </p:txBody>
+      </p:sp>
+      <p:sp>
+        <p:nvSpPr>
+          <p:cNvPr id="4" name="Slide Number Placeholder 3"/>
+          <p:cNvSpPr>
+            <a:spLocks noGrp="1"/>
+          </p:cNvSpPr>
+          <p:nvPr>
+            <p:ph type="sldNum" sz="quarter" idx="5"/>
+          </p:nvPr>
+        </p:nvSpPr>
+        <p:spPr/>
+        <p:txBody>
+          <a:bodyPr/>
+          <a:lstStyle/>
+          <a:p>
+            <a:fld id="{D89B2B17-F4B1-4A14-AF99-5A366D45E74A}" type="slidenum">
+              <a:rPr lang="en-NZ" smtClean="0"/>
+              <a:t>34</a:t>
+            </a:fld>
+            <a:endParaRPr lang="en-NZ"/>
+          </a:p>
+        </p:txBody>
+      </p:sp>
+    </p:spTree>
+    <p:extLst>
+      <p:ext uri="{BB962C8B-B14F-4D97-AF65-F5344CB8AC3E}">
+        <p14:creationId xmlns:p14="http://schemas.microsoft.com/office/powerpoint/2010/main" val="2363416184"/>
+      </p:ext>
+    </p:extLst>
+  </p:cSld>
+  <p:clrMapOvr>
+    <a:masterClrMapping/>
+  </p:clrMapOvr>
+</p:notes>
+</file>
+
+<file path=ppt/notesSlides/notesSlide31.xml><?xml version="1.0" encoding="utf-8"?>
+<p:notes xmlns:a="http://schemas.openxmlformats.org/drawingml/2006/main" xmlns:r="http://schemas.openxmlformats.org/officeDocument/2006/relationships" xmlns:p="http://schemas.openxmlformats.org/presentationml/2006/main">
+  <p:cSld>
+    <p:spTree>
+      <p:nvGrpSpPr>
+        <p:cNvPr id="1" name=""/>
+        <p:cNvGrpSpPr/>
+        <p:nvPr/>
+      </p:nvGrpSpPr>
+      <p:grpSpPr>
+        <a:xfrm>
+          <a:off x="0" y="0"/>
+          <a:ext cx="0" cy="0"/>
+          <a:chOff x="0" y="0"/>
+          <a:chExt cx="0" cy="0"/>
+        </a:xfrm>
+      </p:grpSpPr>
+      <p:sp>
+        <p:nvSpPr>
+          <p:cNvPr id="2" name="Slide Image Placeholder 1"/>
+          <p:cNvSpPr>
+            <a:spLocks noGrp="1" noRot="1" noChangeAspect="1"/>
+          </p:cNvSpPr>
+          <p:nvPr>
+            <p:ph type="sldImg"/>
+          </p:nvPr>
+        </p:nvSpPr>
+        <p:spPr/>
+      </p:sp>
+      <p:sp>
+        <p:nvSpPr>
+          <p:cNvPr id="3" name="Notes Placeholder 2"/>
+          <p:cNvSpPr>
+            <a:spLocks noGrp="1"/>
+          </p:cNvSpPr>
+          <p:nvPr>
+            <p:ph type="body" idx="1"/>
+          </p:nvPr>
+        </p:nvSpPr>
+        <p:spPr/>
+        <p:txBody>
+          <a:bodyPr/>
+          <a:lstStyle/>
+          <a:p>
+            <a:pPr marL="0" marR="0" lvl="0" indent="0" algn="l" defTabSz="914400" rtl="0" eaLnBrk="1" fontAlgn="auto" latinLnBrk="0" hangingPunct="1">
+              <a:lnSpc>
+                <a:spcPct val="100000"/>
+              </a:lnSpc>
+              <a:spcBef>
+                <a:spcPts val="0"/>
+              </a:spcBef>
+              <a:spcAft>
+                <a:spcPts val="0"/>
+              </a:spcAft>
+              <a:buClrTx/>
+              <a:buSzTx/>
+              <a:buFontTx/>
+              <a:buNone/>
+              <a:tabLst/>
+              <a:defRPr/>
+            </a:pPr>
+            <a:r>
+              <a:rPr lang="en-NZ" i="1" dirty="0">
+                <a:latin typeface="Arial" panose="020B0604020202020204" pitchFamily="34" charset="0"/>
+                <a:ea typeface="Arial" panose="020B0604020202020204" pitchFamily="34" charset="0"/>
+              </a:rPr>
+              <a:t>Your version control evidence should go here.  This could be in the form of screenshots (both of your GitHub repository as well as your local project folder) as evidence of your incremental development.</a:t>
+            </a:r>
+            <a:endParaRPr lang="en-NZ" dirty="0">
+              <a:latin typeface="Arial" panose="020B0604020202020204" pitchFamily="34" charset="0"/>
+              <a:ea typeface="Arial" panose="020B0604020202020204" pitchFamily="34" charset="0"/>
+            </a:endParaRPr>
+          </a:p>
+          <a:p>
+            <a:endParaRPr lang="en-NZ" dirty="0"/>
+          </a:p>
+        </p:txBody>
+      </p:sp>
+      <p:sp>
+        <p:nvSpPr>
+          <p:cNvPr id="4" name="Slide Number Placeholder 3"/>
+          <p:cNvSpPr>
+            <a:spLocks noGrp="1"/>
+          </p:cNvSpPr>
+          <p:nvPr>
+            <p:ph type="sldNum" sz="quarter" idx="5"/>
+          </p:nvPr>
+        </p:nvSpPr>
+        <p:spPr/>
+        <p:txBody>
+          <a:bodyPr/>
+          <a:lstStyle/>
+          <a:p>
+            <a:fld id="{D89B2B17-F4B1-4A14-AF99-5A366D45E74A}" type="slidenum">
+              <a:rPr lang="en-NZ" smtClean="0"/>
+              <a:t>35</a:t>
+            </a:fld>
+            <a:endParaRPr lang="en-NZ"/>
+          </a:p>
+        </p:txBody>
+      </p:sp>
+    </p:spTree>
+    <p:extLst>
+      <p:ext uri="{BB962C8B-B14F-4D97-AF65-F5344CB8AC3E}">
+        <p14:creationId xmlns:p14="http://schemas.microsoft.com/office/powerpoint/2010/main" val="3590539639"/>
+      </p:ext>
+    </p:extLst>
+  </p:cSld>
+  <p:clrMapOvr>
+    <a:masterClrMapping/>
+  </p:clrMapOvr>
+</p:notes>
+</file>
+
+<file path=ppt/notesSlides/notesSlide32.xml><?xml version="1.0" encoding="utf-8"?>
+<p:notes xmlns:a="http://schemas.openxmlformats.org/drawingml/2006/main" xmlns:r="http://schemas.openxmlformats.org/officeDocument/2006/relationships" xmlns:p="http://schemas.openxmlformats.org/presentationml/2006/main">
+  <p:cSld>
+    <p:spTree>
+      <p:nvGrpSpPr>
+        <p:cNvPr id="1" name=""/>
+        <p:cNvGrpSpPr/>
+        <p:nvPr/>
+      </p:nvGrpSpPr>
+      <p:grpSpPr>
+        <a:xfrm>
+          <a:off x="0" y="0"/>
+          <a:ext cx="0" cy="0"/>
+          <a:chOff x="0" y="0"/>
+          <a:chExt cx="0" cy="0"/>
+        </a:xfrm>
+      </p:grpSpPr>
+      <p:sp>
+        <p:nvSpPr>
+          <p:cNvPr id="2" name="Slide Image Placeholder 1"/>
+          <p:cNvSpPr>
+            <a:spLocks noGrp="1" noRot="1" noChangeAspect="1"/>
+          </p:cNvSpPr>
+          <p:nvPr>
+            <p:ph type="sldImg"/>
+          </p:nvPr>
+        </p:nvSpPr>
+        <p:spPr/>
+      </p:sp>
+      <p:sp>
+        <p:nvSpPr>
+          <p:cNvPr id="3" name="Notes Placeholder 2"/>
+          <p:cNvSpPr>
+            <a:spLocks noGrp="1"/>
+          </p:cNvSpPr>
+          <p:nvPr>
+            <p:ph type="body" idx="1"/>
+          </p:nvPr>
+        </p:nvSpPr>
+        <p:spPr/>
+        <p:txBody>
+          <a:bodyPr/>
+          <a:lstStyle/>
+          <a:p>
+            <a:pPr marL="0" marR="0" lvl="0" indent="0" algn="l" defTabSz="914400" rtl="0" eaLnBrk="1" fontAlgn="auto" latinLnBrk="0" hangingPunct="1">
+              <a:lnSpc>
+                <a:spcPct val="100000"/>
+              </a:lnSpc>
+              <a:spcBef>
+                <a:spcPts val="0"/>
+              </a:spcBef>
+              <a:spcAft>
+                <a:spcPts val="0"/>
+              </a:spcAft>
+              <a:buClrTx/>
+              <a:buSzTx/>
+              <a:buFontTx/>
+              <a:buNone/>
+              <a:tabLst/>
+              <a:defRPr/>
+            </a:pPr>
+            <a:r>
+              <a:rPr lang="en-NZ" i="1" dirty="0">
+                <a:latin typeface="Arial" panose="020B0604020202020204" pitchFamily="34" charset="0"/>
+              </a:rPr>
+              <a:t>Discuss how the information from planning, testing and trialling of components assisted in the development of a high-quality outcome.</a:t>
+            </a:r>
+          </a:p>
+          <a:p>
+            <a:endParaRPr lang="en-NZ" dirty="0"/>
+          </a:p>
+        </p:txBody>
+      </p:sp>
+      <p:sp>
+        <p:nvSpPr>
+          <p:cNvPr id="4" name="Slide Number Placeholder 3"/>
+          <p:cNvSpPr>
+            <a:spLocks noGrp="1"/>
+          </p:cNvSpPr>
+          <p:nvPr>
+            <p:ph type="sldNum" sz="quarter" idx="5"/>
+          </p:nvPr>
+        </p:nvSpPr>
+        <p:spPr/>
+        <p:txBody>
+          <a:bodyPr/>
+          <a:lstStyle/>
+          <a:p>
+            <a:fld id="{D89B2B17-F4B1-4A14-AF99-5A366D45E74A}" type="slidenum">
+              <a:rPr lang="en-NZ" smtClean="0"/>
+              <a:t>37</a:t>
+            </a:fld>
+            <a:endParaRPr lang="en-NZ"/>
+          </a:p>
+        </p:txBody>
+      </p:sp>
+    </p:spTree>
+    <p:extLst>
+      <p:ext uri="{BB962C8B-B14F-4D97-AF65-F5344CB8AC3E}">
+        <p14:creationId xmlns:p14="http://schemas.microsoft.com/office/powerpoint/2010/main" val="1738331893"/>
       </p:ext>
     </p:extLst>
   </p:cSld>
@@ -17413,56 +19350,6 @@
           </a:p>
         </p:txBody>
       </p:sp>
-      <p:sp>
-        <p:nvSpPr>
-          <p:cNvPr id="4" name="TextBox 3">
-            <a:extLst>
-              <a:ext uri="{FF2B5EF4-FFF2-40B4-BE49-F238E27FC236}">
-                <a16:creationId xmlns:a16="http://schemas.microsoft.com/office/drawing/2014/main" id="{8CD07A82-A944-4A9B-9A52-515DAC30878A}"/>
-              </a:ext>
-            </a:extLst>
-          </p:cNvPr>
-          <p:cNvSpPr txBox="1"/>
-          <p:nvPr/>
-        </p:nvSpPr>
-        <p:spPr>
-          <a:xfrm>
-            <a:off x="660400" y="1030288"/>
-            <a:ext cx="10693400" cy="923330"/>
-          </a:xfrm>
-          <a:prstGeom prst="rect">
-            <a:avLst/>
-          </a:prstGeom>
-          <a:noFill/>
-        </p:spPr>
-        <p:txBody>
-          <a:bodyPr wrap="square">
-            <a:spAutoFit/>
-          </a:bodyPr>
-          <a:lstStyle/>
-          <a:p>
-            <a:r>
-              <a:rPr lang="en-NZ" i="1" dirty="0"/>
-              <a:t>NOTE: Trialling needs to happen for </a:t>
-            </a:r>
-            <a:r>
-              <a:rPr lang="en-NZ" b="1" i="1" dirty="0"/>
-              <a:t>at least 2 </a:t>
-            </a:r>
-            <a:r>
-              <a:rPr lang="en-NZ" i="1" dirty="0"/>
-              <a:t>of your components but is not necessary for ALL components.</a:t>
-            </a:r>
-          </a:p>
-          <a:p>
-            <a:r>
-              <a:rPr lang="en" i="1" dirty="0"/>
-              <a:t>Trialling is not the same as testing. Trialling is about finding different ways of building the same component. Show evidence of  your trialling  here. Select one of your trials for further development and give reasons for your choice. </a:t>
-            </a:r>
-            <a:endParaRPr lang="en-NZ" dirty="0"/>
-          </a:p>
-        </p:txBody>
-      </p:sp>
       <p:graphicFrame>
         <p:nvGraphicFramePr>
           <p:cNvPr id="3" name="Table 4">
@@ -17478,13 +19365,13 @@
           <p:nvPr>
             <p:extLst>
               <p:ext uri="{D42A27DB-BD31-4B8C-83A1-F6EECF244321}">
-                <p14:modId xmlns:p14="http://schemas.microsoft.com/office/powerpoint/2010/main" val="1414174113"/>
+                <p14:modId xmlns:p14="http://schemas.microsoft.com/office/powerpoint/2010/main" val="3068674907"/>
               </p:ext>
             </p:extLst>
           </p:nvPr>
         </p:nvGraphicFramePr>
         <p:xfrm>
-          <a:off x="749300" y="2020989"/>
+          <a:off x="749300" y="868464"/>
           <a:ext cx="10515600" cy="4231758"/>
         </p:xfrm>
         <a:graphic>
@@ -17642,7 +19529,7 @@
                           <a:ea typeface="+mn-ea"/>
                           <a:cs typeface="+mn-cs"/>
                         </a:rPr>
-                        <a:t>Make the language used in the message boxes more general and cool. This will be used in the final program.</a:t>
+                        <a:t>Make the language used in the message boxes more general and cool. This will be used in the final program as it works the best and is the most fir for purpose version of this function.</a:t>
                       </a:r>
                       <a:endParaRPr lang="en-NZ" dirty="0"/>
                     </a:p>
@@ -17659,6 +19546,53 @@
           </a:graphicData>
         </a:graphic>
       </p:graphicFrame>
+      <p:sp>
+        <p:nvSpPr>
+          <p:cNvPr id="5" name="TextBox 4">
+            <a:extLst>
+              <a:ext uri="{FF2B5EF4-FFF2-40B4-BE49-F238E27FC236}">
+                <a16:creationId xmlns:a16="http://schemas.microsoft.com/office/drawing/2014/main" id="{D2CE851B-7D43-17FD-9F79-E4C95D3FC82B}"/>
+              </a:ext>
+            </a:extLst>
+          </p:cNvPr>
+          <p:cNvSpPr txBox="1"/>
+          <p:nvPr/>
+        </p:nvSpPr>
+        <p:spPr>
+          <a:xfrm>
+            <a:off x="749300" y="5041970"/>
+            <a:ext cx="10515600" cy="1477328"/>
+          </a:xfrm>
+          <a:prstGeom prst="rect">
+            <a:avLst/>
+          </a:prstGeom>
+          <a:noFill/>
+        </p:spPr>
+        <p:txBody>
+          <a:bodyPr wrap="square" rtlCol="0">
+            <a:spAutoFit/>
+          </a:bodyPr>
+          <a:lstStyle/>
+          <a:p>
+            <a:r>
+              <a:rPr lang="en-NZ" dirty="0"/>
+              <a:t>End user feedback:</a:t>
+            </a:r>
+          </a:p>
+          <a:p>
+            <a:r>
+              <a:rPr lang="en-NZ" dirty="0"/>
+              <a:t>Michael (Older brother no python experience):</a:t>
+            </a:r>
+          </a:p>
+          <a:p>
+            <a:r>
+              <a:rPr lang="en-NZ" dirty="0"/>
+              <a:t>From using all the versions and giving feedback to the first few versions to make sure its easier for everyone to use such as being able to confirm the creatures stats before adding it to the program just in case the end user like me made a mistake and needs to adjust one of these variables fin the creature.</a:t>
+            </a:r>
+          </a:p>
+        </p:txBody>
+      </p:sp>
     </p:spTree>
     <p:extLst>
       <p:ext uri="{BB962C8B-B14F-4D97-AF65-F5344CB8AC3E}">
@@ -20483,14 +22417,14 @@
           <p:nvPr>
             <p:extLst>
               <p:ext uri="{D42A27DB-BD31-4B8C-83A1-F6EECF244321}">
-                <p14:modId xmlns:p14="http://schemas.microsoft.com/office/powerpoint/2010/main" val="101235634"/>
+                <p14:modId xmlns:p14="http://schemas.microsoft.com/office/powerpoint/2010/main" val="1607579167"/>
               </p:ext>
             </p:extLst>
           </p:nvPr>
         </p:nvGraphicFramePr>
         <p:xfrm>
           <a:off x="749300" y="1267010"/>
-          <a:ext cx="10515600" cy="4610986"/>
+          <a:ext cx="10515600" cy="4885306"/>
         </p:xfrm>
         <a:graphic>
           <a:graphicData uri="http://schemas.openxmlformats.org/drawingml/2006/table">
@@ -20631,7 +22565,19 @@
                     <a:p>
                       <a:r>
                         <a:rPr lang="en-GB" dirty="0"/>
-                        <a:t>Based on previous versions, this version of the program allows the user to search for the creature and if the user accidentally doesn’t write the creatures name with a capital it will still be able to find the creature. This addition of the function also allows the user to edit the stats of the creature they are searching for.</a:t>
+                        <a:t>Based on previous versions, this version of the program allows the user to search for the creature and if the user accidentally doesn’t write the creatures name with a capital it will still be able to find the creature. This addition of the function also allows the user to edit the stats of the creature they are searching for. </a:t>
+                      </a:r>
+                      <a:r>
+                        <a:rPr lang="en-GB" sz="1800" i="1" kern="1200" dirty="0">
+                          <a:solidFill>
+                            <a:schemeClr val="tx1"/>
+                          </a:solidFill>
+                          <a:effectLst/>
+                          <a:latin typeface="+mn-lt"/>
+                          <a:ea typeface="+mn-ea"/>
+                          <a:cs typeface="+mn-cs"/>
+                        </a:rPr>
+                        <a:t>This will be used in the final program as it works the best and is the most fir for purpose version of this function.</a:t>
                       </a:r>
                       <a:endParaRPr lang="en-NZ" dirty="0"/>
                     </a:p>
@@ -26033,64 +27979,545 @@
           <a:p>
             <a:r>
               <a:rPr lang="en-NZ" sz="4000" dirty="0"/>
-              <a:t>Assembled Outcome Testing:</a:t>
+              <a:t>Assembled Outcome Testing Main Menu and Search </a:t>
+            </a:r>
+            <a:r>
+              <a:rPr lang="en-NZ" sz="4000" dirty="0" err="1"/>
+              <a:t>Funtion</a:t>
+            </a:r>
+            <a:r>
+              <a:rPr lang="en-NZ" sz="4000" dirty="0"/>
+              <a:t>:</a:t>
             </a:r>
           </a:p>
         </p:txBody>
       </p:sp>
-      <p:sp>
-        <p:nvSpPr>
-          <p:cNvPr id="3" name="Rectangle 2">
+      <p:graphicFrame>
+        <p:nvGraphicFramePr>
+          <p:cNvPr id="4" name="Google Shape;92;p19">
             <a:extLst>
               <a:ext uri="{FF2B5EF4-FFF2-40B4-BE49-F238E27FC236}">
-                <a16:creationId xmlns:a16="http://schemas.microsoft.com/office/drawing/2014/main" id="{DB8F61FF-932E-477F-82DD-3F6BB93999C0}"/>
+                <a16:creationId xmlns:a16="http://schemas.microsoft.com/office/drawing/2014/main" id="{1924472A-B52F-7F83-7542-4283DA4B7733}"/>
               </a:ext>
             </a:extLst>
           </p:cNvPr>
-          <p:cNvSpPr/>
-          <p:nvPr/>
-        </p:nvSpPr>
-        <p:spPr>
-          <a:xfrm>
-            <a:off x="838199" y="1089283"/>
-            <a:ext cx="8767813" cy="702372"/>
-          </a:xfrm>
-          <a:prstGeom prst="rect">
-            <a:avLst/>
-          </a:prstGeom>
-        </p:spPr>
-        <p:txBody>
-          <a:bodyPr wrap="square">
-            <a:spAutoFit/>
-          </a:bodyPr>
-          <a:lstStyle/>
-          <a:p>
-            <a:pPr>
-              <a:lnSpc>
-                <a:spcPct val="115000"/>
-              </a:lnSpc>
-              <a:spcAft>
-                <a:spcPts val="0"/>
-              </a:spcAft>
-            </a:pPr>
-            <a:r>
-              <a:rPr lang="en-NZ" i="1" dirty="0">
-                <a:latin typeface="Arial" panose="020B0604020202020204" pitchFamily="34" charset="0"/>
-                <a:ea typeface="Arial" panose="020B0604020202020204" pitchFamily="34" charset="0"/>
-              </a:rPr>
-              <a:t>Show testing for your assembled outcome below.  This should include a test plan followed by screenshot proof.  </a:t>
-            </a:r>
-            <a:endParaRPr lang="en-NZ" dirty="0">
-              <a:latin typeface="Arial" panose="020B0604020202020204" pitchFamily="34" charset="0"/>
-              <a:ea typeface="Arial" panose="020B0604020202020204" pitchFamily="34" charset="0"/>
-            </a:endParaRPr>
-          </a:p>
-        </p:txBody>
-      </p:sp>
+          <p:cNvGraphicFramePr/>
+          <p:nvPr>
+            <p:extLst>
+              <p:ext uri="{D42A27DB-BD31-4B8C-83A1-F6EECF244321}">
+                <p14:modId xmlns:p14="http://schemas.microsoft.com/office/powerpoint/2010/main" val="241230465"/>
+              </p:ext>
+            </p:extLst>
+          </p:nvPr>
+        </p:nvGraphicFramePr>
+        <p:xfrm>
+          <a:off x="415600" y="1081088"/>
+          <a:ext cx="11360799" cy="3870760"/>
+        </p:xfrm>
+        <a:graphic>
+          <a:graphicData uri="http://schemas.openxmlformats.org/drawingml/2006/table">
+            <a:tbl>
+              <a:tblPr>
+                <a:noFill/>
+              </a:tblPr>
+              <a:tblGrid>
+                <a:gridCol w="3786933">
+                  <a:extLst>
+                    <a:ext uri="{9D8B030D-6E8A-4147-A177-3AD203B41FA5}">
+                      <a16:colId xmlns:a16="http://schemas.microsoft.com/office/drawing/2014/main" val="3053296164"/>
+                    </a:ext>
+                  </a:extLst>
+                </a:gridCol>
+                <a:gridCol w="3786933">
+                  <a:extLst>
+                    <a:ext uri="{9D8B030D-6E8A-4147-A177-3AD203B41FA5}">
+                      <a16:colId xmlns:a16="http://schemas.microsoft.com/office/drawing/2014/main" val="20000"/>
+                    </a:ext>
+                  </a:extLst>
+                </a:gridCol>
+                <a:gridCol w="3786933">
+                  <a:extLst>
+                    <a:ext uri="{9D8B030D-6E8A-4147-A177-3AD203B41FA5}">
+                      <a16:colId xmlns:a16="http://schemas.microsoft.com/office/drawing/2014/main" val="20001"/>
+                    </a:ext>
+                  </a:extLst>
+                </a:gridCol>
+              </a:tblGrid>
+              <a:tr h="609560">
+                <a:tc>
+                  <a:txBody>
+                    <a:bodyPr/>
+                    <a:lstStyle/>
+                    <a:p>
+                      <a:pPr marL="0" lvl="0" indent="0" algn="l" rtl="0">
+                        <a:spcBef>
+                          <a:spcPts val="0"/>
+                        </a:spcBef>
+                        <a:spcAft>
+                          <a:spcPts val="0"/>
+                        </a:spcAft>
+                        <a:buNone/>
+                      </a:pPr>
+                      <a:r>
+                        <a:rPr lang="en-NZ" sz="1800" b="1" dirty="0"/>
+                        <a:t>What Program Should Ask</a:t>
+                      </a:r>
+                      <a:endParaRPr sz="1800" b="1" dirty="0"/>
+                    </a:p>
+                  </a:txBody>
+                  <a:tcPr marL="121900" marR="121900" marT="121900" marB="121900">
+                    <a:solidFill>
+                      <a:srgbClr val="CCCCCC"/>
+                    </a:solidFill>
+                  </a:tcPr>
+                </a:tc>
+                <a:tc>
+                  <a:txBody>
+                    <a:bodyPr/>
+                    <a:lstStyle/>
+                    <a:p>
+                      <a:pPr marL="0" lvl="0" indent="0" algn="l" rtl="0">
+                        <a:spcBef>
+                          <a:spcPts val="0"/>
+                        </a:spcBef>
+                        <a:spcAft>
+                          <a:spcPts val="0"/>
+                        </a:spcAft>
+                        <a:buNone/>
+                      </a:pPr>
+                      <a:r>
+                        <a:rPr lang="en" sz="1800" b="1" dirty="0"/>
+                        <a:t>Test Cases - input</a:t>
+                      </a:r>
+                      <a:endParaRPr sz="1800" b="1" dirty="0"/>
+                    </a:p>
+                  </a:txBody>
+                  <a:tcPr marL="121900" marR="121900" marT="121900" marB="121900">
+                    <a:solidFill>
+                      <a:srgbClr val="CCCCCC"/>
+                    </a:solidFill>
+                  </a:tcPr>
+                </a:tc>
+                <a:tc>
+                  <a:txBody>
+                    <a:bodyPr/>
+                    <a:lstStyle/>
+                    <a:p>
+                      <a:pPr marL="0" lvl="0" indent="0" algn="l" rtl="0">
+                        <a:spcBef>
+                          <a:spcPts val="0"/>
+                        </a:spcBef>
+                        <a:spcAft>
+                          <a:spcPts val="0"/>
+                        </a:spcAft>
+                        <a:buNone/>
+                      </a:pPr>
+                      <a:r>
+                        <a:rPr lang="en" sz="1800" b="1" dirty="0"/>
+                        <a:t>Expected output</a:t>
+                      </a:r>
+                      <a:endParaRPr sz="1800" b="1" dirty="0"/>
+                    </a:p>
+                  </a:txBody>
+                  <a:tcPr marL="121900" marR="121900" marT="121900" marB="121900">
+                    <a:solidFill>
+                      <a:srgbClr val="CCCCCC"/>
+                    </a:solidFill>
+                  </a:tcPr>
+                </a:tc>
+                <a:extLst>
+                  <a:ext uri="{0D108BD9-81ED-4DB2-BD59-A6C34878D82A}">
+                    <a16:rowId xmlns:a16="http://schemas.microsoft.com/office/drawing/2014/main" val="10000"/>
+                  </a:ext>
+                </a:extLst>
+              </a:tr>
+              <a:tr h="609560">
+                <a:tc>
+                  <a:txBody>
+                    <a:bodyPr/>
+                    <a:lstStyle/>
+                    <a:p>
+                      <a:pPr marL="0" lvl="0" indent="0" algn="l" rtl="0">
+                        <a:spcBef>
+                          <a:spcPts val="0"/>
+                        </a:spcBef>
+                        <a:spcAft>
+                          <a:spcPts val="0"/>
+                        </a:spcAft>
+                        <a:buNone/>
+                      </a:pPr>
+                      <a:r>
+                        <a:rPr lang="en-NZ" sz="1800" dirty="0"/>
+                        <a:t>Run Program:</a:t>
+                      </a:r>
+                    </a:p>
+                    <a:p>
+                      <a:pPr marL="0" lvl="0" indent="0" algn="l" rtl="0">
+                        <a:spcBef>
+                          <a:spcPts val="0"/>
+                        </a:spcBef>
+                        <a:spcAft>
+                          <a:spcPts val="0"/>
+                        </a:spcAft>
+                        <a:buNone/>
+                      </a:pPr>
+                      <a:r>
+                        <a:rPr lang="en-NZ" sz="1800" dirty="0"/>
+                        <a:t>Ask user what they want to do </a:t>
+                      </a:r>
+                    </a:p>
+                    <a:p>
+                      <a:pPr marL="0" lvl="0" indent="0" algn="l" rtl="0">
+                        <a:spcBef>
+                          <a:spcPts val="0"/>
+                        </a:spcBef>
+                        <a:spcAft>
+                          <a:spcPts val="0"/>
+                        </a:spcAft>
+                        <a:buNone/>
+                      </a:pPr>
+                      <a:r>
+                        <a:rPr lang="en-NZ" sz="1800" dirty="0"/>
+                        <a:t>(Main Menu)</a:t>
+                      </a:r>
+                      <a:endParaRPr sz="1800" dirty="0"/>
+                    </a:p>
+                  </a:txBody>
+                  <a:tcPr marL="121900" marR="121900" marT="121900" marB="121900"/>
+                </a:tc>
+                <a:tc>
+                  <a:txBody>
+                    <a:bodyPr/>
+                    <a:lstStyle/>
+                    <a:p>
+                      <a:pPr marL="0" lvl="0" indent="0" algn="l" rtl="0">
+                        <a:spcBef>
+                          <a:spcPts val="0"/>
+                        </a:spcBef>
+                        <a:spcAft>
+                          <a:spcPts val="0"/>
+                        </a:spcAft>
+                        <a:buNone/>
+                      </a:pPr>
+                      <a:r>
+                        <a:rPr lang="en-NZ" sz="1800" dirty="0"/>
+                        <a:t>User presses ‘Search’</a:t>
+                      </a:r>
+                      <a:endParaRPr sz="1800" dirty="0"/>
+                    </a:p>
+                  </a:txBody>
+                  <a:tcPr marL="121900" marR="121900" marT="121900" marB="121900"/>
+                </a:tc>
+                <a:tc>
+                  <a:txBody>
+                    <a:bodyPr/>
+                    <a:lstStyle/>
+                    <a:p>
+                      <a:pPr marL="0" lvl="0" indent="0" algn="l" rtl="0">
+                        <a:spcBef>
+                          <a:spcPts val="0"/>
+                        </a:spcBef>
+                        <a:spcAft>
+                          <a:spcPts val="0"/>
+                        </a:spcAft>
+                        <a:buNone/>
+                      </a:pPr>
+                      <a:r>
+                        <a:rPr lang="en-NZ" sz="1800" dirty="0"/>
+                        <a:t>Launches Search</a:t>
+                      </a:r>
+                    </a:p>
+                    <a:p>
+                      <a:pPr marL="0" lvl="0" indent="0" algn="l" rtl="0">
+                        <a:spcBef>
+                          <a:spcPts val="0"/>
+                        </a:spcBef>
+                        <a:spcAft>
+                          <a:spcPts val="0"/>
+                        </a:spcAft>
+                        <a:buNone/>
+                      </a:pPr>
+                      <a:endParaRPr lang="en-NZ" sz="1800" dirty="0"/>
+                    </a:p>
+                    <a:p>
+                      <a:pPr marL="0" lvl="0" indent="0" algn="l" rtl="0">
+                        <a:spcBef>
+                          <a:spcPts val="0"/>
+                        </a:spcBef>
+                        <a:spcAft>
+                          <a:spcPts val="0"/>
+                        </a:spcAft>
+                        <a:buNone/>
+                      </a:pPr>
+                      <a:endParaRPr lang="en-NZ" sz="1800" dirty="0"/>
+                    </a:p>
+                  </a:txBody>
+                  <a:tcPr marL="121900" marR="121900" marT="121900" marB="121900"/>
+                </a:tc>
+                <a:extLst>
+                  <a:ext uri="{0D108BD9-81ED-4DB2-BD59-A6C34878D82A}">
+                    <a16:rowId xmlns:a16="http://schemas.microsoft.com/office/drawing/2014/main" val="10001"/>
+                  </a:ext>
+                </a:extLst>
+              </a:tr>
+              <a:tr h="609560">
+                <a:tc>
+                  <a:txBody>
+                    <a:bodyPr/>
+                    <a:lstStyle/>
+                    <a:p>
+                      <a:pPr marL="0" lvl="0" indent="0" algn="l" rtl="0">
+                        <a:spcBef>
+                          <a:spcPts val="0"/>
+                        </a:spcBef>
+                        <a:spcAft>
+                          <a:spcPts val="0"/>
+                        </a:spcAft>
+                        <a:buNone/>
+                      </a:pPr>
+                      <a:r>
+                        <a:rPr lang="en-NZ" sz="1800" dirty="0"/>
+                        <a:t>Asks user what to search for</a:t>
+                      </a:r>
+                      <a:endParaRPr sz="1800" dirty="0"/>
+                    </a:p>
+                  </a:txBody>
+                  <a:tcPr marL="121900" marR="121900" marT="121900" marB="121900"/>
+                </a:tc>
+                <a:tc>
+                  <a:txBody>
+                    <a:bodyPr/>
+                    <a:lstStyle/>
+                    <a:p>
+                      <a:pPr marL="0" marR="0" lvl="0" indent="0" algn="l" defTabSz="914400" rtl="0" eaLnBrk="1" fontAlgn="auto" latinLnBrk="0" hangingPunct="1">
+                        <a:lnSpc>
+                          <a:spcPct val="100000"/>
+                        </a:lnSpc>
+                        <a:spcBef>
+                          <a:spcPts val="0"/>
+                        </a:spcBef>
+                        <a:spcAft>
+                          <a:spcPts val="0"/>
+                        </a:spcAft>
+                        <a:buClrTx/>
+                        <a:buSzTx/>
+                        <a:buFontTx/>
+                        <a:buNone/>
+                        <a:tabLst/>
+                        <a:defRPr/>
+                      </a:pPr>
+                      <a:r>
+                        <a:rPr lang="en-NZ" sz="1800" dirty="0"/>
+                        <a:t>Searches ‘</a:t>
+                      </a:r>
+                      <a:r>
+                        <a:rPr lang="en-NZ" sz="1800" dirty="0" err="1"/>
+                        <a:t>Rotthing</a:t>
+                      </a:r>
+                      <a:r>
+                        <a:rPr lang="en-NZ" sz="1800" dirty="0"/>
+                        <a:t>’</a:t>
+                      </a:r>
+                    </a:p>
+                    <a:p>
+                      <a:pPr marL="0" lvl="0" indent="0" algn="l" rtl="0">
+                        <a:spcBef>
+                          <a:spcPts val="0"/>
+                        </a:spcBef>
+                        <a:spcAft>
+                          <a:spcPts val="0"/>
+                        </a:spcAft>
+                        <a:buNone/>
+                      </a:pPr>
+                      <a:endParaRPr sz="1800" dirty="0"/>
+                    </a:p>
+                  </a:txBody>
+                  <a:tcPr marL="121900" marR="121900" marT="121900" marB="121900"/>
+                </a:tc>
+                <a:tc>
+                  <a:txBody>
+                    <a:bodyPr/>
+                    <a:lstStyle/>
+                    <a:p>
+                      <a:pPr marL="0" lvl="0" indent="0" algn="l" rtl="0">
+                        <a:spcBef>
+                          <a:spcPts val="0"/>
+                        </a:spcBef>
+                        <a:spcAft>
+                          <a:spcPts val="0"/>
+                        </a:spcAft>
+                        <a:buNone/>
+                      </a:pPr>
+                      <a:r>
+                        <a:rPr lang="en-NZ" sz="1800" dirty="0"/>
+                        <a:t>Displays stats</a:t>
+                      </a:r>
+                    </a:p>
+                  </a:txBody>
+                  <a:tcPr marL="121900" marR="121900" marT="121900" marB="121900"/>
+                </a:tc>
+                <a:extLst>
+                  <a:ext uri="{0D108BD9-81ED-4DB2-BD59-A6C34878D82A}">
+                    <a16:rowId xmlns:a16="http://schemas.microsoft.com/office/drawing/2014/main" val="2158107402"/>
+                  </a:ext>
+                </a:extLst>
+              </a:tr>
+              <a:tr h="609560">
+                <a:tc>
+                  <a:txBody>
+                    <a:bodyPr/>
+                    <a:lstStyle/>
+                    <a:p>
+                      <a:pPr marL="0" lvl="0" indent="0" algn="l" rtl="0">
+                        <a:spcBef>
+                          <a:spcPts val="0"/>
+                        </a:spcBef>
+                        <a:spcAft>
+                          <a:spcPts val="0"/>
+                        </a:spcAft>
+                        <a:buNone/>
+                      </a:pPr>
+                      <a:r>
+                        <a:rPr lang="en-NZ" sz="1800" dirty="0"/>
+                        <a:t>What would you like to do?</a:t>
+                      </a:r>
+                    </a:p>
+                  </a:txBody>
+                  <a:tcPr marL="121900" marR="121900" marT="121900" marB="121900"/>
+                </a:tc>
+                <a:tc>
+                  <a:txBody>
+                    <a:bodyPr/>
+                    <a:lstStyle/>
+                    <a:p>
+                      <a:pPr marL="0" lvl="0" indent="0" algn="l" rtl="0">
+                        <a:spcBef>
+                          <a:spcPts val="0"/>
+                        </a:spcBef>
+                        <a:spcAft>
+                          <a:spcPts val="0"/>
+                        </a:spcAft>
+                        <a:buNone/>
+                      </a:pPr>
+                      <a:r>
+                        <a:rPr lang="en-NZ" sz="1800" dirty="0"/>
+                        <a:t>User ‘Edit stats’ and changes speed to 25 </a:t>
+                      </a:r>
+                      <a:endParaRPr sz="1800" dirty="0"/>
+                    </a:p>
+                  </a:txBody>
+                  <a:tcPr marL="121900" marR="121900" marT="121900" marB="121900"/>
+                </a:tc>
+                <a:tc>
+                  <a:txBody>
+                    <a:bodyPr/>
+                    <a:lstStyle/>
+                    <a:p>
+                      <a:pPr marL="0" lvl="0" indent="0" algn="l" rtl="0">
+                        <a:spcBef>
+                          <a:spcPts val="0"/>
+                        </a:spcBef>
+                        <a:spcAft>
+                          <a:spcPts val="0"/>
+                        </a:spcAft>
+                        <a:buNone/>
+                      </a:pPr>
+                      <a:r>
+                        <a:rPr lang="en-NZ" sz="1800" dirty="0"/>
+                        <a:t>Shows new stats</a:t>
+                      </a:r>
+                    </a:p>
+                  </a:txBody>
+                  <a:tcPr marL="121900" marR="121900" marT="121900" marB="121900"/>
+                </a:tc>
+                <a:extLst>
+                  <a:ext uri="{0D108BD9-81ED-4DB2-BD59-A6C34878D82A}">
+                    <a16:rowId xmlns:a16="http://schemas.microsoft.com/office/drawing/2014/main" val="701500150"/>
+                  </a:ext>
+                </a:extLst>
+              </a:tr>
+              <a:tr h="609560">
+                <a:tc>
+                  <a:txBody>
+                    <a:bodyPr/>
+                    <a:lstStyle/>
+                    <a:p>
+                      <a:pPr marL="0" lvl="0" indent="0" algn="l" rtl="0">
+                        <a:spcBef>
+                          <a:spcPts val="0"/>
+                        </a:spcBef>
+                        <a:spcAft>
+                          <a:spcPts val="0"/>
+                        </a:spcAft>
+                        <a:buNone/>
+                      </a:pPr>
+                      <a:r>
+                        <a:rPr lang="en-NZ" sz="1800" dirty="0"/>
+                        <a:t>Asks use what they want to do</a:t>
+                      </a:r>
+                    </a:p>
+                  </a:txBody>
+                  <a:tcPr marL="121900" marR="121900" marT="121900" marB="121900"/>
+                </a:tc>
+                <a:tc>
+                  <a:txBody>
+                    <a:bodyPr/>
+                    <a:lstStyle/>
+                    <a:p>
+                      <a:pPr marL="0" lvl="0" indent="0" algn="l" rtl="0">
+                        <a:spcBef>
+                          <a:spcPts val="0"/>
+                        </a:spcBef>
+                        <a:spcAft>
+                          <a:spcPts val="0"/>
+                        </a:spcAft>
+                        <a:buNone/>
+                      </a:pPr>
+                      <a:r>
+                        <a:rPr lang="en-NZ" sz="1800" dirty="0"/>
+                        <a:t>Return to main menu</a:t>
+                      </a:r>
+                      <a:endParaRPr sz="1800" dirty="0"/>
+                    </a:p>
+                  </a:txBody>
+                  <a:tcPr marL="121900" marR="121900" marT="121900" marB="121900"/>
+                </a:tc>
+                <a:tc>
+                  <a:txBody>
+                    <a:bodyPr/>
+                    <a:lstStyle/>
+                    <a:p>
+                      <a:pPr marL="0" lvl="0" indent="0" algn="l" rtl="0">
+                        <a:spcBef>
+                          <a:spcPts val="0"/>
+                        </a:spcBef>
+                        <a:spcAft>
+                          <a:spcPts val="0"/>
+                        </a:spcAft>
+                        <a:buNone/>
+                      </a:pPr>
+                      <a:r>
+                        <a:rPr lang="en-NZ" sz="1800" dirty="0"/>
+                        <a:t>Returns to main menu</a:t>
+                      </a:r>
+                    </a:p>
+                  </a:txBody>
+                  <a:tcPr marL="121900" marR="121900" marT="121900" marB="121900"/>
+                </a:tc>
+                <a:extLst>
+                  <a:ext uri="{0D108BD9-81ED-4DB2-BD59-A6C34878D82A}">
+                    <a16:rowId xmlns:a16="http://schemas.microsoft.com/office/drawing/2014/main" val="1720883273"/>
+                  </a:ext>
+                </a:extLst>
+              </a:tr>
+            </a:tbl>
+          </a:graphicData>
+        </a:graphic>
+      </p:graphicFrame>
     </p:spTree>
     <p:extLst>
       <p:ext uri="{BB962C8B-B14F-4D97-AF65-F5344CB8AC3E}">
-        <p14:creationId xmlns:p14="http://schemas.microsoft.com/office/powerpoint/2010/main" val="1084233196"/>
+        <p14:creationId xmlns:p14="http://schemas.microsoft.com/office/powerpoint/2010/main" val="1082230929"/>
       </p:ext>
     </p:extLst>
   </p:cSld>
@@ -26122,7 +28549,7 @@
           <p:cNvPr id="2" name="Title 1">
             <a:extLst>
               <a:ext uri="{FF2B5EF4-FFF2-40B4-BE49-F238E27FC236}">
-                <a16:creationId xmlns:a16="http://schemas.microsoft.com/office/drawing/2014/main" id="{0D168B5A-EFF4-4803-8DA6-5994B306EBAF}"/>
+                <a16:creationId xmlns:a16="http://schemas.microsoft.com/office/drawing/2014/main" id="{183CAE4A-E189-4CAA-B3F5-7E97BC5188E3}"/>
               </a:ext>
             </a:extLst>
           </p:cNvPr>
@@ -26135,291 +28562,988 @@
         </p:nvSpPr>
         <p:spPr>
           <a:xfrm>
-            <a:off x="838200" y="0"/>
-            <a:ext cx="10515600" cy="640715"/>
+            <a:off x="-10762" y="-63364"/>
+            <a:ext cx="10515600" cy="583248"/>
           </a:xfrm>
         </p:spPr>
         <p:txBody>
           <a:bodyPr>
-            <a:normAutofit fontScale="90000"/>
+            <a:noAutofit/>
           </a:bodyPr>
           <a:lstStyle/>
           <a:p>
-            <a:pPr>
-              <a:lnSpc>
-                <a:spcPct val="115000"/>
-              </a:lnSpc>
-              <a:spcAft>
-                <a:spcPts val="0"/>
-              </a:spcAft>
-            </a:pPr>
             <a:r>
-              <a:rPr lang="en-NZ" sz="4000" dirty="0"/>
-              <a:t>Address relevant Implications: (1/2)</a:t>
+              <a:rPr lang="en-NZ" sz="3200" dirty="0"/>
+              <a:t>Assembled Outcome Testing  Main Menu and Search Function:</a:t>
             </a:r>
           </a:p>
         </p:txBody>
       </p:sp>
-      <p:graphicFrame>
-        <p:nvGraphicFramePr>
-          <p:cNvPr id="4" name="Table 4">
+      <p:pic>
+        <p:nvPicPr>
+          <p:cNvPr id="6" name="Picture 5">
             <a:extLst>
               <a:ext uri="{FF2B5EF4-FFF2-40B4-BE49-F238E27FC236}">
-                <a16:creationId xmlns:a16="http://schemas.microsoft.com/office/drawing/2014/main" id="{54A393A9-6C94-409B-BDCB-65C4ABAA2DD1}"/>
+                <a16:creationId xmlns:a16="http://schemas.microsoft.com/office/drawing/2014/main" id="{6B96AB75-8063-71B3-55DE-9A302209C608}"/>
               </a:ext>
             </a:extLst>
           </p:cNvPr>
-          <p:cNvGraphicFramePr>
-            <a:graphicFrameLocks noGrp="1"/>
-          </p:cNvGraphicFramePr>
-          <p:nvPr>
-            <p:extLst>
-              <p:ext uri="{D42A27DB-BD31-4B8C-83A1-F6EECF244321}">
-                <p14:modId xmlns:p14="http://schemas.microsoft.com/office/powerpoint/2010/main" val="534056485"/>
-              </p:ext>
-            </p:extLst>
-          </p:nvPr>
-        </p:nvGraphicFramePr>
-        <p:xfrm>
-          <a:off x="782320" y="640715"/>
-          <a:ext cx="10627360" cy="5857240"/>
-        </p:xfrm>
-        <a:graphic>
-          <a:graphicData uri="http://schemas.openxmlformats.org/drawingml/2006/table">
-            <a:tbl>
-              <a:tblPr firstRow="1" bandRow="1">
-                <a:tableStyleId>{5C22544A-7EE6-4342-B048-85BDC9FD1C3A}</a:tableStyleId>
-              </a:tblPr>
-              <a:tblGrid>
-                <a:gridCol w="3505200">
-                  <a:extLst>
-                    <a:ext uri="{9D8B030D-6E8A-4147-A177-3AD203B41FA5}">
-                      <a16:colId xmlns:a16="http://schemas.microsoft.com/office/drawing/2014/main" val="2849256304"/>
-                    </a:ext>
-                  </a:extLst>
-                </a:gridCol>
-                <a:gridCol w="7122160">
-                  <a:extLst>
-                    <a:ext uri="{9D8B030D-6E8A-4147-A177-3AD203B41FA5}">
-                      <a16:colId xmlns:a16="http://schemas.microsoft.com/office/drawing/2014/main" val="2106481727"/>
-                    </a:ext>
-                  </a:extLst>
-                </a:gridCol>
-              </a:tblGrid>
-              <a:tr h="370840">
-                <a:tc>
-                  <a:txBody>
-                    <a:bodyPr/>
-                    <a:lstStyle/>
-                    <a:p>
-                      <a:r>
-                        <a:rPr lang="en-NZ" dirty="0"/>
-                        <a:t>Relevant implication</a:t>
-                      </a:r>
-                    </a:p>
-                  </a:txBody>
-                  <a:tcPr/>
-                </a:tc>
-                <a:tc>
-                  <a:txBody>
-                    <a:bodyPr/>
-                    <a:lstStyle/>
-                    <a:p>
-                      <a:r>
-                        <a:rPr lang="en-NZ" dirty="0"/>
-                        <a:t>Explain how your final outcome </a:t>
-                      </a:r>
-                      <a:r>
-                        <a:rPr lang="en-NZ" b="1" i="1" dirty="0"/>
-                        <a:t>addresses</a:t>
-                      </a:r>
-                      <a:r>
-                        <a:rPr lang="en-NZ" dirty="0"/>
-                        <a:t> each implication</a:t>
-                      </a:r>
-                    </a:p>
-                  </a:txBody>
-                  <a:tcPr/>
-                </a:tc>
-                <a:extLst>
-                  <a:ext uri="{0D108BD9-81ED-4DB2-BD59-A6C34878D82A}">
-                    <a16:rowId xmlns:a16="http://schemas.microsoft.com/office/drawing/2014/main" val="2286542890"/>
-                  </a:ext>
-                </a:extLst>
-              </a:tr>
-              <a:tr h="370840">
-                <a:tc>
-                  <a:txBody>
-                    <a:bodyPr/>
-                    <a:lstStyle/>
-                    <a:p>
-                      <a:r>
-                        <a:rPr lang="en-NZ" dirty="0"/>
-                        <a:t>Using graphical interfaces</a:t>
-                      </a:r>
-                    </a:p>
-                  </a:txBody>
-                  <a:tcPr/>
-                </a:tc>
-                <a:tc>
-                  <a:txBody>
-                    <a:bodyPr/>
-                    <a:lstStyle/>
-                    <a:p>
-                      <a:r>
-                        <a:rPr lang="en-GB" sz="1800" b="0" i="0" kern="1200" dirty="0">
-                          <a:solidFill>
-                            <a:schemeClr val="dk1"/>
-                          </a:solidFill>
-                          <a:effectLst/>
-                          <a:latin typeface="+mn-lt"/>
-                          <a:ea typeface="+mn-ea"/>
-                          <a:cs typeface="+mn-cs"/>
-                        </a:rPr>
-                        <a:t>In this project, a graphical interface can make it easier for users to manipulate and visualize data, reducing the time and effort required to analyse and understand complex information. It can also make it easier to identify and resolve errors, reducing the risk of data loss or corruption.</a:t>
-                      </a:r>
-                      <a:endParaRPr lang="en-NZ" dirty="0"/>
-                    </a:p>
-                  </a:txBody>
-                  <a:tcPr/>
-                </a:tc>
-                <a:extLst>
-                  <a:ext uri="{0D108BD9-81ED-4DB2-BD59-A6C34878D82A}">
-                    <a16:rowId xmlns:a16="http://schemas.microsoft.com/office/drawing/2014/main" val="2636529970"/>
-                  </a:ext>
-                </a:extLst>
-              </a:tr>
-              <a:tr h="370840">
-                <a:tc>
-                  <a:txBody>
-                    <a:bodyPr/>
-                    <a:lstStyle/>
-                    <a:p>
-                      <a:pPr marL="0" marR="0" lvl="0" indent="0" algn="l" defTabSz="914400" rtl="0" eaLnBrk="1" fontAlgn="auto" latinLnBrk="0" hangingPunct="1">
-                        <a:lnSpc>
-                          <a:spcPct val="100000"/>
-                        </a:lnSpc>
-                        <a:spcBef>
-                          <a:spcPts val="0"/>
-                        </a:spcBef>
-                        <a:spcAft>
-                          <a:spcPts val="0"/>
-                        </a:spcAft>
-                        <a:buClrTx/>
-                        <a:buSzTx/>
-                        <a:buFontTx/>
-                        <a:buNone/>
-                        <a:tabLst/>
-                        <a:defRPr/>
-                      </a:pPr>
-                      <a:r>
-                        <a:rPr lang="en-NZ" dirty="0"/>
-                        <a:t>Functionality</a:t>
-                      </a:r>
-                    </a:p>
-                    <a:p>
-                      <a:endParaRPr lang="en-NZ" dirty="0"/>
-                    </a:p>
-                  </a:txBody>
-                  <a:tcPr/>
-                </a:tc>
-                <a:tc>
-                  <a:txBody>
-                    <a:bodyPr/>
-                    <a:lstStyle/>
-                    <a:p>
-                      <a:pPr marL="0" marR="0" lvl="0" indent="0" algn="l" defTabSz="914400" rtl="0" eaLnBrk="1" fontAlgn="auto" latinLnBrk="0" hangingPunct="1">
-                        <a:lnSpc>
-                          <a:spcPct val="100000"/>
-                        </a:lnSpc>
-                        <a:spcBef>
-                          <a:spcPts val="0"/>
-                        </a:spcBef>
-                        <a:spcAft>
-                          <a:spcPts val="0"/>
-                        </a:spcAft>
-                        <a:buClrTx/>
-                        <a:buSzTx/>
-                        <a:buFontTx/>
-                        <a:buNone/>
-                        <a:tabLst/>
-                        <a:defRPr/>
-                      </a:pPr>
-                      <a:r>
-                        <a:rPr lang="en-NZ" dirty="0"/>
-                        <a:t>After testing the code to see if it works fine I found that all functions worked as expected from testing them to the fullest extent. All error messages for the user work fine so they know what mistake they made and the code doesn’t crash when the program is doing what it requires to do.</a:t>
-                      </a:r>
-                    </a:p>
-                  </a:txBody>
-                  <a:tcPr/>
-                </a:tc>
-                <a:extLst>
-                  <a:ext uri="{0D108BD9-81ED-4DB2-BD59-A6C34878D82A}">
-                    <a16:rowId xmlns:a16="http://schemas.microsoft.com/office/drawing/2014/main" val="845002142"/>
-                  </a:ext>
-                </a:extLst>
-              </a:tr>
-              <a:tr h="402022">
-                <a:tc>
-                  <a:txBody>
-                    <a:bodyPr/>
-                    <a:lstStyle/>
-                    <a:p>
-                      <a:pPr marL="0" marR="0" lvl="0" indent="0" algn="l" defTabSz="914400" rtl="0" eaLnBrk="1" fontAlgn="auto" latinLnBrk="0" hangingPunct="1">
-                        <a:lnSpc>
-                          <a:spcPct val="100000"/>
-                        </a:lnSpc>
-                        <a:spcBef>
-                          <a:spcPts val="0"/>
-                        </a:spcBef>
-                        <a:spcAft>
-                          <a:spcPts val="0"/>
-                        </a:spcAft>
-                        <a:buClrTx/>
-                        <a:buSzTx/>
-                        <a:buFontTx/>
-                        <a:buNone/>
-                        <a:tabLst/>
-                        <a:defRPr/>
-                      </a:pPr>
-                      <a:r>
-                        <a:rPr lang="en-NZ" sz="1800" dirty="0">
-                          <a:latin typeface="Helvetica" pitchFamily="2" charset="0"/>
-                        </a:rPr>
-                        <a:t>Intellectual Property/Copyright</a:t>
-                      </a:r>
-                    </a:p>
-                  </a:txBody>
-                  <a:tcPr/>
-                </a:tc>
-                <a:tc>
-                  <a:txBody>
-                    <a:bodyPr/>
-                    <a:lstStyle/>
-                    <a:p>
-                      <a:r>
-                        <a:rPr lang="en-GB" dirty="0"/>
-                        <a:t>By guaranteeing that all monster cards included in the catalogue are original works, I addressed the implications of intellectual property and copyright in my final programme conclusion. I did not improperly use or misappropriate any copyrighted content. In order to show transparency and adherence to licences and terms of use, I also detailed the creation of the monster cards, including any external libraries or resources used. My programme encourages ethical development practises and averts any potential legal concerns associated with the unauthorised use of copyrighted material by respecting intellectual property rights and copyright.</a:t>
-                      </a:r>
-                      <a:endParaRPr lang="en-NZ" dirty="0"/>
-                    </a:p>
-                  </a:txBody>
-                  <a:tcPr/>
-                </a:tc>
-                <a:extLst>
-                  <a:ext uri="{0D108BD9-81ED-4DB2-BD59-A6C34878D82A}">
-                    <a16:rowId xmlns:a16="http://schemas.microsoft.com/office/drawing/2014/main" val="1686164491"/>
-                  </a:ext>
-                </a:extLst>
-              </a:tr>
-            </a:tbl>
-          </a:graphicData>
-        </a:graphic>
-      </p:graphicFrame>
+          <p:cNvPicPr>
+            <a:picLocks noChangeAspect="1"/>
+          </p:cNvPicPr>
+          <p:nvPr/>
+        </p:nvPicPr>
+        <p:blipFill>
+          <a:blip r:embed="rId3"/>
+          <a:stretch>
+            <a:fillRect/>
+          </a:stretch>
+        </p:blipFill>
+        <p:spPr>
+          <a:xfrm>
+            <a:off x="3590726" y="521909"/>
+            <a:ext cx="3323962" cy="1294508"/>
+          </a:xfrm>
+          <a:prstGeom prst="rect">
+            <a:avLst/>
+          </a:prstGeom>
+        </p:spPr>
+      </p:pic>
+      <p:pic>
+        <p:nvPicPr>
+          <p:cNvPr id="8" name="Picture 7">
+            <a:extLst>
+              <a:ext uri="{FF2B5EF4-FFF2-40B4-BE49-F238E27FC236}">
+                <a16:creationId xmlns:a16="http://schemas.microsoft.com/office/drawing/2014/main" id="{FAFB2BC7-A0CF-D9CA-C1E0-9E7C1BBE7F8A}"/>
+              </a:ext>
+            </a:extLst>
+          </p:cNvPr>
+          <p:cNvPicPr>
+            <a:picLocks noChangeAspect="1"/>
+          </p:cNvPicPr>
+          <p:nvPr/>
+        </p:nvPicPr>
+        <p:blipFill>
+          <a:blip r:embed="rId4"/>
+          <a:stretch>
+            <a:fillRect/>
+          </a:stretch>
+        </p:blipFill>
+        <p:spPr>
+          <a:xfrm>
+            <a:off x="6881828" y="433005"/>
+            <a:ext cx="3395848" cy="1439599"/>
+          </a:xfrm>
+          <a:prstGeom prst="rect">
+            <a:avLst/>
+          </a:prstGeom>
+        </p:spPr>
+      </p:pic>
+      <p:pic>
+        <p:nvPicPr>
+          <p:cNvPr id="12" name="Picture 11">
+            <a:extLst>
+              <a:ext uri="{FF2B5EF4-FFF2-40B4-BE49-F238E27FC236}">
+                <a16:creationId xmlns:a16="http://schemas.microsoft.com/office/drawing/2014/main" id="{749F7BD0-5631-71F3-2F25-7BEAF1658A01}"/>
+              </a:ext>
+            </a:extLst>
+          </p:cNvPr>
+          <p:cNvPicPr>
+            <a:picLocks noChangeAspect="1"/>
+          </p:cNvPicPr>
+          <p:nvPr/>
+        </p:nvPicPr>
+        <p:blipFill>
+          <a:blip r:embed="rId5"/>
+          <a:stretch>
+            <a:fillRect/>
+          </a:stretch>
+        </p:blipFill>
+        <p:spPr>
+          <a:xfrm>
+            <a:off x="-10762" y="452489"/>
+            <a:ext cx="3601488" cy="1225581"/>
+          </a:xfrm>
+          <a:prstGeom prst="rect">
+            <a:avLst/>
+          </a:prstGeom>
+        </p:spPr>
+      </p:pic>
+      <p:pic>
+        <p:nvPicPr>
+          <p:cNvPr id="5" name="Picture 4">
+            <a:extLst>
+              <a:ext uri="{FF2B5EF4-FFF2-40B4-BE49-F238E27FC236}">
+                <a16:creationId xmlns:a16="http://schemas.microsoft.com/office/drawing/2014/main" id="{75582B41-13D3-0D4F-1A5E-B86E0D5E2C9C}"/>
+              </a:ext>
+            </a:extLst>
+          </p:cNvPr>
+          <p:cNvPicPr>
+            <a:picLocks noChangeAspect="1"/>
+          </p:cNvPicPr>
+          <p:nvPr/>
+        </p:nvPicPr>
+        <p:blipFill>
+          <a:blip r:embed="rId6"/>
+          <a:stretch>
+            <a:fillRect/>
+          </a:stretch>
+        </p:blipFill>
+        <p:spPr>
+          <a:xfrm>
+            <a:off x="-10762" y="1980478"/>
+            <a:ext cx="4516433" cy="1523215"/>
+          </a:xfrm>
+          <a:prstGeom prst="rect">
+            <a:avLst/>
+          </a:prstGeom>
+        </p:spPr>
+      </p:pic>
+      <p:pic>
+        <p:nvPicPr>
+          <p:cNvPr id="9" name="Picture 8">
+            <a:extLst>
+              <a:ext uri="{FF2B5EF4-FFF2-40B4-BE49-F238E27FC236}">
+                <a16:creationId xmlns:a16="http://schemas.microsoft.com/office/drawing/2014/main" id="{CFCDE307-FB57-F331-F644-3FBC45C82984}"/>
+              </a:ext>
+            </a:extLst>
+          </p:cNvPr>
+          <p:cNvPicPr>
+            <a:picLocks noChangeAspect="1"/>
+          </p:cNvPicPr>
+          <p:nvPr/>
+        </p:nvPicPr>
+        <p:blipFill>
+          <a:blip r:embed="rId7"/>
+          <a:stretch>
+            <a:fillRect/>
+          </a:stretch>
+        </p:blipFill>
+        <p:spPr>
+          <a:xfrm>
+            <a:off x="4479898" y="2034153"/>
+            <a:ext cx="3677163" cy="1476581"/>
+          </a:xfrm>
+          <a:prstGeom prst="rect">
+            <a:avLst/>
+          </a:prstGeom>
+        </p:spPr>
+      </p:pic>
+      <p:pic>
+        <p:nvPicPr>
+          <p:cNvPr id="11" name="Picture 10">
+            <a:extLst>
+              <a:ext uri="{FF2B5EF4-FFF2-40B4-BE49-F238E27FC236}">
+                <a16:creationId xmlns:a16="http://schemas.microsoft.com/office/drawing/2014/main" id="{0EFEABDD-A6E9-EF3B-AE1A-94EB242F09F0}"/>
+              </a:ext>
+            </a:extLst>
+          </p:cNvPr>
+          <p:cNvPicPr>
+            <a:picLocks noChangeAspect="1"/>
+          </p:cNvPicPr>
+          <p:nvPr/>
+        </p:nvPicPr>
+        <p:blipFill>
+          <a:blip r:embed="rId8"/>
+          <a:stretch>
+            <a:fillRect/>
+          </a:stretch>
+        </p:blipFill>
+        <p:spPr>
+          <a:xfrm>
+            <a:off x="8157061" y="2022323"/>
+            <a:ext cx="3480702" cy="1481370"/>
+          </a:xfrm>
+          <a:prstGeom prst="rect">
+            <a:avLst/>
+          </a:prstGeom>
+        </p:spPr>
+      </p:pic>
+      <p:pic>
+        <p:nvPicPr>
+          <p:cNvPr id="14" name="Picture 13">
+            <a:extLst>
+              <a:ext uri="{FF2B5EF4-FFF2-40B4-BE49-F238E27FC236}">
+                <a16:creationId xmlns:a16="http://schemas.microsoft.com/office/drawing/2014/main" id="{8F933DDD-A189-6385-072D-B8E4313CB17C}"/>
+              </a:ext>
+            </a:extLst>
+          </p:cNvPr>
+          <p:cNvPicPr>
+            <a:picLocks noChangeAspect="1"/>
+          </p:cNvPicPr>
+          <p:nvPr/>
+        </p:nvPicPr>
+        <p:blipFill>
+          <a:blip r:embed="rId9"/>
+          <a:stretch>
+            <a:fillRect/>
+          </a:stretch>
+        </p:blipFill>
+        <p:spPr>
+          <a:xfrm>
+            <a:off x="-10762" y="3602276"/>
+            <a:ext cx="5377640" cy="1866684"/>
+          </a:xfrm>
+          <a:prstGeom prst="rect">
+            <a:avLst/>
+          </a:prstGeom>
+        </p:spPr>
+      </p:pic>
+      <p:sp>
+        <p:nvSpPr>
+          <p:cNvPr id="15" name="Arrow: Right 14">
+            <a:extLst>
+              <a:ext uri="{FF2B5EF4-FFF2-40B4-BE49-F238E27FC236}">
+                <a16:creationId xmlns:a16="http://schemas.microsoft.com/office/drawing/2014/main" id="{7A3BCD80-5F72-2F08-D669-3A70B54FE8FE}"/>
+              </a:ext>
+            </a:extLst>
+          </p:cNvPr>
+          <p:cNvSpPr/>
+          <p:nvPr/>
+        </p:nvSpPr>
+        <p:spPr>
+          <a:xfrm>
+            <a:off x="3113438" y="1100055"/>
+            <a:ext cx="591588" cy="217845"/>
+          </a:xfrm>
+          <a:prstGeom prst="rightArrow">
+            <a:avLst/>
+          </a:prstGeom>
+          <a:solidFill>
+            <a:srgbClr val="FF0000"/>
+          </a:solidFill>
+        </p:spPr>
+        <p:style>
+          <a:lnRef idx="2">
+            <a:schemeClr val="accent1">
+              <a:shade val="50000"/>
+            </a:schemeClr>
+          </a:lnRef>
+          <a:fillRef idx="1">
+            <a:schemeClr val="accent1"/>
+          </a:fillRef>
+          <a:effectRef idx="0">
+            <a:schemeClr val="accent1"/>
+          </a:effectRef>
+          <a:fontRef idx="minor">
+            <a:schemeClr val="lt1"/>
+          </a:fontRef>
+        </p:style>
+        <p:txBody>
+          <a:bodyPr rtlCol="0" anchor="ctr"/>
+          <a:lstStyle/>
+          <a:p>
+            <a:pPr algn="ctr"/>
+            <a:endParaRPr lang="en-NZ"/>
+          </a:p>
+        </p:txBody>
+      </p:sp>
+      <p:sp>
+        <p:nvSpPr>
+          <p:cNvPr id="16" name="Arrow: Right 15">
+            <a:extLst>
+              <a:ext uri="{FF2B5EF4-FFF2-40B4-BE49-F238E27FC236}">
+                <a16:creationId xmlns:a16="http://schemas.microsoft.com/office/drawing/2014/main" id="{137803C1-06F4-26D6-4E91-88D982805591}"/>
+              </a:ext>
+            </a:extLst>
+          </p:cNvPr>
+          <p:cNvSpPr/>
+          <p:nvPr/>
+        </p:nvSpPr>
+        <p:spPr>
+          <a:xfrm>
+            <a:off x="6333663" y="1100055"/>
+            <a:ext cx="591588" cy="217845"/>
+          </a:xfrm>
+          <a:prstGeom prst="rightArrow">
+            <a:avLst/>
+          </a:prstGeom>
+          <a:solidFill>
+            <a:srgbClr val="FF0000"/>
+          </a:solidFill>
+        </p:spPr>
+        <p:style>
+          <a:lnRef idx="2">
+            <a:schemeClr val="accent1">
+              <a:shade val="50000"/>
+            </a:schemeClr>
+          </a:lnRef>
+          <a:fillRef idx="1">
+            <a:schemeClr val="accent1"/>
+          </a:fillRef>
+          <a:effectRef idx="0">
+            <a:schemeClr val="accent1"/>
+          </a:effectRef>
+          <a:fontRef idx="minor">
+            <a:schemeClr val="lt1"/>
+          </a:fontRef>
+        </p:style>
+        <p:txBody>
+          <a:bodyPr rtlCol="0" anchor="ctr"/>
+          <a:lstStyle/>
+          <a:p>
+            <a:pPr algn="ctr"/>
+            <a:endParaRPr lang="en-NZ"/>
+          </a:p>
+        </p:txBody>
+      </p:sp>
+      <p:sp>
+        <p:nvSpPr>
+          <p:cNvPr id="17" name="Arrow: Right 16">
+            <a:extLst>
+              <a:ext uri="{FF2B5EF4-FFF2-40B4-BE49-F238E27FC236}">
+                <a16:creationId xmlns:a16="http://schemas.microsoft.com/office/drawing/2014/main" id="{22D91FC7-DC6D-49B5-04A5-D933150B96E6}"/>
+              </a:ext>
+            </a:extLst>
+          </p:cNvPr>
+          <p:cNvSpPr/>
+          <p:nvPr/>
+        </p:nvSpPr>
+        <p:spPr>
+          <a:xfrm rot="21100528" flipH="1">
+            <a:off x="3297292" y="1774957"/>
+            <a:ext cx="3877969" cy="374113"/>
+          </a:xfrm>
+          <a:prstGeom prst="rightArrow">
+            <a:avLst/>
+          </a:prstGeom>
+          <a:solidFill>
+            <a:srgbClr val="FF0000"/>
+          </a:solidFill>
+        </p:spPr>
+        <p:style>
+          <a:lnRef idx="2">
+            <a:schemeClr val="accent1">
+              <a:shade val="50000"/>
+            </a:schemeClr>
+          </a:lnRef>
+          <a:fillRef idx="1">
+            <a:schemeClr val="accent1"/>
+          </a:fillRef>
+          <a:effectRef idx="0">
+            <a:schemeClr val="accent1"/>
+          </a:effectRef>
+          <a:fontRef idx="minor">
+            <a:schemeClr val="lt1"/>
+          </a:fontRef>
+        </p:style>
+        <p:txBody>
+          <a:bodyPr rtlCol="0" anchor="ctr"/>
+          <a:lstStyle/>
+          <a:p>
+            <a:pPr algn="ctr"/>
+            <a:endParaRPr lang="en-NZ"/>
+          </a:p>
+        </p:txBody>
+      </p:sp>
+      <p:sp>
+        <p:nvSpPr>
+          <p:cNvPr id="18" name="Arrow: Right 17">
+            <a:extLst>
+              <a:ext uri="{FF2B5EF4-FFF2-40B4-BE49-F238E27FC236}">
+                <a16:creationId xmlns:a16="http://schemas.microsoft.com/office/drawing/2014/main" id="{160DF6C0-A6F4-4244-9FB8-8FB48190A79A}"/>
+              </a:ext>
+            </a:extLst>
+          </p:cNvPr>
+          <p:cNvSpPr/>
+          <p:nvPr/>
+        </p:nvSpPr>
+        <p:spPr>
+          <a:xfrm>
+            <a:off x="4013417" y="2797205"/>
+            <a:ext cx="591588" cy="217845"/>
+          </a:xfrm>
+          <a:prstGeom prst="rightArrow">
+            <a:avLst/>
+          </a:prstGeom>
+          <a:solidFill>
+            <a:srgbClr val="FF0000"/>
+          </a:solidFill>
+        </p:spPr>
+        <p:style>
+          <a:lnRef idx="2">
+            <a:schemeClr val="accent1">
+              <a:shade val="50000"/>
+            </a:schemeClr>
+          </a:lnRef>
+          <a:fillRef idx="1">
+            <a:schemeClr val="accent1"/>
+          </a:fillRef>
+          <a:effectRef idx="0">
+            <a:schemeClr val="accent1"/>
+          </a:effectRef>
+          <a:fontRef idx="minor">
+            <a:schemeClr val="lt1"/>
+          </a:fontRef>
+        </p:style>
+        <p:txBody>
+          <a:bodyPr rtlCol="0" anchor="ctr"/>
+          <a:lstStyle/>
+          <a:p>
+            <a:pPr algn="ctr"/>
+            <a:endParaRPr lang="en-NZ"/>
+          </a:p>
+        </p:txBody>
+      </p:sp>
+      <p:sp>
+        <p:nvSpPr>
+          <p:cNvPr id="19" name="Arrow: Right 18">
+            <a:extLst>
+              <a:ext uri="{FF2B5EF4-FFF2-40B4-BE49-F238E27FC236}">
+                <a16:creationId xmlns:a16="http://schemas.microsoft.com/office/drawing/2014/main" id="{53BE23D7-C064-E1B6-7C3D-5529BE458EB7}"/>
+              </a:ext>
+            </a:extLst>
+          </p:cNvPr>
+          <p:cNvSpPr/>
+          <p:nvPr/>
+        </p:nvSpPr>
+        <p:spPr>
+          <a:xfrm>
+            <a:off x="7861267" y="2906127"/>
+            <a:ext cx="591588" cy="217845"/>
+          </a:xfrm>
+          <a:prstGeom prst="rightArrow">
+            <a:avLst/>
+          </a:prstGeom>
+          <a:solidFill>
+            <a:srgbClr val="FF0000"/>
+          </a:solidFill>
+        </p:spPr>
+        <p:style>
+          <a:lnRef idx="2">
+            <a:schemeClr val="accent1">
+              <a:shade val="50000"/>
+            </a:schemeClr>
+          </a:lnRef>
+          <a:fillRef idx="1">
+            <a:schemeClr val="accent1"/>
+          </a:fillRef>
+          <a:effectRef idx="0">
+            <a:schemeClr val="accent1"/>
+          </a:effectRef>
+          <a:fontRef idx="minor">
+            <a:schemeClr val="lt1"/>
+          </a:fontRef>
+        </p:style>
+        <p:txBody>
+          <a:bodyPr rtlCol="0" anchor="ctr"/>
+          <a:lstStyle/>
+          <a:p>
+            <a:pPr algn="ctr"/>
+            <a:endParaRPr lang="en-NZ"/>
+          </a:p>
+        </p:txBody>
+      </p:sp>
+      <p:sp>
+        <p:nvSpPr>
+          <p:cNvPr id="20" name="Arrow: Right 19">
+            <a:extLst>
+              <a:ext uri="{FF2B5EF4-FFF2-40B4-BE49-F238E27FC236}">
+                <a16:creationId xmlns:a16="http://schemas.microsoft.com/office/drawing/2014/main" id="{6254B00F-00B6-2EB3-DB17-B7F574A5EBF6}"/>
+              </a:ext>
+            </a:extLst>
+          </p:cNvPr>
+          <p:cNvSpPr/>
+          <p:nvPr/>
+        </p:nvSpPr>
+        <p:spPr>
+          <a:xfrm rot="10396741" flipV="1">
+            <a:off x="4848677" y="3573436"/>
+            <a:ext cx="3561561" cy="295985"/>
+          </a:xfrm>
+          <a:prstGeom prst="rightArrow">
+            <a:avLst/>
+          </a:prstGeom>
+          <a:solidFill>
+            <a:srgbClr val="FF0000"/>
+          </a:solidFill>
+        </p:spPr>
+        <p:style>
+          <a:lnRef idx="2">
+            <a:schemeClr val="accent1">
+              <a:shade val="50000"/>
+            </a:schemeClr>
+          </a:lnRef>
+          <a:fillRef idx="1">
+            <a:schemeClr val="accent1"/>
+          </a:fillRef>
+          <a:effectRef idx="0">
+            <a:schemeClr val="accent1"/>
+          </a:effectRef>
+          <a:fontRef idx="minor">
+            <a:schemeClr val="lt1"/>
+          </a:fontRef>
+        </p:style>
+        <p:txBody>
+          <a:bodyPr rtlCol="0" anchor="ctr"/>
+          <a:lstStyle/>
+          <a:p>
+            <a:pPr algn="ctr"/>
+            <a:endParaRPr lang="en-NZ"/>
+          </a:p>
+        </p:txBody>
+      </p:sp>
+      <p:sp>
+        <p:nvSpPr>
+          <p:cNvPr id="33" name="TextBox 32">
+            <a:extLst>
+              <a:ext uri="{FF2B5EF4-FFF2-40B4-BE49-F238E27FC236}">
+                <a16:creationId xmlns:a16="http://schemas.microsoft.com/office/drawing/2014/main" id="{838B5B86-1E13-7734-2F29-D78867D535DA}"/>
+              </a:ext>
+            </a:extLst>
+          </p:cNvPr>
+          <p:cNvSpPr txBox="1"/>
+          <p:nvPr/>
+        </p:nvSpPr>
+        <p:spPr>
+          <a:xfrm>
+            <a:off x="5969902" y="3963313"/>
+            <a:ext cx="5219700" cy="1754326"/>
+          </a:xfrm>
+          <a:prstGeom prst="rect">
+            <a:avLst/>
+          </a:prstGeom>
+          <a:noFill/>
+        </p:spPr>
+        <p:txBody>
+          <a:bodyPr wrap="square" rtlCol="0">
+            <a:spAutoFit/>
+          </a:bodyPr>
+          <a:lstStyle/>
+          <a:p>
+            <a:r>
+              <a:rPr lang="en-NZ" dirty="0"/>
+              <a:t>This testing on the assembled outcome based on the test plan from the previous slide shows that the search function and main menu function, which are two separate functions work together seamlessly with no errors.</a:t>
+            </a:r>
+          </a:p>
+          <a:p>
+            <a:r>
+              <a:rPr lang="en-NZ" dirty="0"/>
+              <a:t>The red boxes show cases the user input.</a:t>
+            </a:r>
+          </a:p>
+        </p:txBody>
+      </p:sp>
+      <p:sp>
+        <p:nvSpPr>
+          <p:cNvPr id="34" name="Rectangle 33">
+            <a:extLst>
+              <a:ext uri="{FF2B5EF4-FFF2-40B4-BE49-F238E27FC236}">
+                <a16:creationId xmlns:a16="http://schemas.microsoft.com/office/drawing/2014/main" id="{7F5DA4CE-6AAE-FCF7-CE36-C2DE20F65140}"/>
+              </a:ext>
+            </a:extLst>
+          </p:cNvPr>
+          <p:cNvSpPr/>
+          <p:nvPr/>
+        </p:nvSpPr>
+        <p:spPr>
+          <a:xfrm>
+            <a:off x="1080320" y="1496201"/>
+            <a:ext cx="409575" cy="181870"/>
+          </a:xfrm>
+          <a:prstGeom prst="rect">
+            <a:avLst/>
+          </a:prstGeom>
+          <a:noFill/>
+          <a:ln w="38100">
+            <a:solidFill>
+              <a:srgbClr val="FF0000"/>
+            </a:solidFill>
+          </a:ln>
+        </p:spPr>
+        <p:style>
+          <a:lnRef idx="2">
+            <a:schemeClr val="accent1">
+              <a:shade val="50000"/>
+            </a:schemeClr>
+          </a:lnRef>
+          <a:fillRef idx="1">
+            <a:schemeClr val="accent1"/>
+          </a:fillRef>
+          <a:effectRef idx="0">
+            <a:schemeClr val="accent1"/>
+          </a:effectRef>
+          <a:fontRef idx="minor">
+            <a:schemeClr val="lt1"/>
+          </a:fontRef>
+        </p:style>
+        <p:txBody>
+          <a:bodyPr rtlCol="0" anchor="ctr"/>
+          <a:lstStyle/>
+          <a:p>
+            <a:pPr algn="ctr"/>
+            <a:endParaRPr lang="en-NZ"/>
+          </a:p>
+        </p:txBody>
+      </p:sp>
+      <p:sp>
+        <p:nvSpPr>
+          <p:cNvPr id="35" name="Rectangle 34">
+            <a:extLst>
+              <a:ext uri="{FF2B5EF4-FFF2-40B4-BE49-F238E27FC236}">
+                <a16:creationId xmlns:a16="http://schemas.microsoft.com/office/drawing/2014/main" id="{702E588D-C50D-3298-838E-1BF76C844EE0}"/>
+              </a:ext>
+            </a:extLst>
+          </p:cNvPr>
+          <p:cNvSpPr/>
+          <p:nvPr/>
+        </p:nvSpPr>
+        <p:spPr>
+          <a:xfrm>
+            <a:off x="3736665" y="1152804"/>
+            <a:ext cx="743233" cy="236236"/>
+          </a:xfrm>
+          <a:prstGeom prst="rect">
+            <a:avLst/>
+          </a:prstGeom>
+          <a:noFill/>
+          <a:ln w="38100">
+            <a:solidFill>
+              <a:srgbClr val="FF0000"/>
+            </a:solidFill>
+          </a:ln>
+        </p:spPr>
+        <p:style>
+          <a:lnRef idx="2">
+            <a:schemeClr val="accent1">
+              <a:shade val="50000"/>
+            </a:schemeClr>
+          </a:lnRef>
+          <a:fillRef idx="1">
+            <a:schemeClr val="accent1"/>
+          </a:fillRef>
+          <a:effectRef idx="0">
+            <a:schemeClr val="accent1"/>
+          </a:effectRef>
+          <a:fontRef idx="minor">
+            <a:schemeClr val="lt1"/>
+          </a:fontRef>
+        </p:style>
+        <p:txBody>
+          <a:bodyPr rtlCol="0" anchor="ctr"/>
+          <a:lstStyle/>
+          <a:p>
+            <a:pPr algn="ctr"/>
+            <a:endParaRPr lang="en-NZ"/>
+          </a:p>
+        </p:txBody>
+      </p:sp>
+      <p:sp>
+        <p:nvSpPr>
+          <p:cNvPr id="36" name="Rectangle 35">
+            <a:extLst>
+              <a:ext uri="{FF2B5EF4-FFF2-40B4-BE49-F238E27FC236}">
+                <a16:creationId xmlns:a16="http://schemas.microsoft.com/office/drawing/2014/main" id="{172BC5E9-3B7A-E4A9-853F-BDDE714E97BB}"/>
+              </a:ext>
+            </a:extLst>
+          </p:cNvPr>
+          <p:cNvSpPr/>
+          <p:nvPr/>
+        </p:nvSpPr>
+        <p:spPr>
+          <a:xfrm>
+            <a:off x="6915034" y="596258"/>
+            <a:ext cx="1156053" cy="735881"/>
+          </a:xfrm>
+          <a:prstGeom prst="rect">
+            <a:avLst/>
+          </a:prstGeom>
+          <a:noFill/>
+          <a:ln w="38100">
+            <a:solidFill>
+              <a:srgbClr val="FF0000"/>
+            </a:solidFill>
+          </a:ln>
+        </p:spPr>
+        <p:style>
+          <a:lnRef idx="2">
+            <a:schemeClr val="accent1">
+              <a:shade val="50000"/>
+            </a:schemeClr>
+          </a:lnRef>
+          <a:fillRef idx="1">
+            <a:schemeClr val="accent1"/>
+          </a:fillRef>
+          <a:effectRef idx="0">
+            <a:schemeClr val="accent1"/>
+          </a:effectRef>
+          <a:fontRef idx="minor">
+            <a:schemeClr val="lt1"/>
+          </a:fontRef>
+        </p:style>
+        <p:txBody>
+          <a:bodyPr rtlCol="0" anchor="ctr"/>
+          <a:lstStyle/>
+          <a:p>
+            <a:pPr algn="ctr"/>
+            <a:endParaRPr lang="en-NZ"/>
+          </a:p>
+        </p:txBody>
+      </p:sp>
+      <p:sp>
+        <p:nvSpPr>
+          <p:cNvPr id="37" name="Rectangle 36">
+            <a:extLst>
+              <a:ext uri="{FF2B5EF4-FFF2-40B4-BE49-F238E27FC236}">
+                <a16:creationId xmlns:a16="http://schemas.microsoft.com/office/drawing/2014/main" id="{C0CB327C-9236-5EC1-8251-946FB8E07B95}"/>
+              </a:ext>
+            </a:extLst>
+          </p:cNvPr>
+          <p:cNvSpPr/>
+          <p:nvPr/>
+        </p:nvSpPr>
+        <p:spPr>
+          <a:xfrm>
+            <a:off x="8071087" y="1634002"/>
+            <a:ext cx="525094" cy="320633"/>
+          </a:xfrm>
+          <a:prstGeom prst="rect">
+            <a:avLst/>
+          </a:prstGeom>
+          <a:noFill/>
+          <a:ln w="38100">
+            <a:solidFill>
+              <a:srgbClr val="FF0000"/>
+            </a:solidFill>
+          </a:ln>
+        </p:spPr>
+        <p:style>
+          <a:lnRef idx="2">
+            <a:schemeClr val="accent1">
+              <a:shade val="50000"/>
+            </a:schemeClr>
+          </a:lnRef>
+          <a:fillRef idx="1">
+            <a:schemeClr val="accent1"/>
+          </a:fillRef>
+          <a:effectRef idx="0">
+            <a:schemeClr val="accent1"/>
+          </a:effectRef>
+          <a:fontRef idx="minor">
+            <a:schemeClr val="lt1"/>
+          </a:fontRef>
+        </p:style>
+        <p:txBody>
+          <a:bodyPr rtlCol="0" anchor="ctr"/>
+          <a:lstStyle/>
+          <a:p>
+            <a:pPr algn="ctr"/>
+            <a:endParaRPr lang="en-NZ"/>
+          </a:p>
+        </p:txBody>
+      </p:sp>
+      <p:sp>
+        <p:nvSpPr>
+          <p:cNvPr id="38" name="Rectangle 37">
+            <a:extLst>
+              <a:ext uri="{FF2B5EF4-FFF2-40B4-BE49-F238E27FC236}">
+                <a16:creationId xmlns:a16="http://schemas.microsoft.com/office/drawing/2014/main" id="{16D0BE1A-A6F8-4A14-6BB6-2F6DA493447D}"/>
+              </a:ext>
+            </a:extLst>
+          </p:cNvPr>
+          <p:cNvSpPr/>
+          <p:nvPr/>
+        </p:nvSpPr>
+        <p:spPr>
+          <a:xfrm>
+            <a:off x="1726991" y="3232351"/>
+            <a:ext cx="525094" cy="320633"/>
+          </a:xfrm>
+          <a:prstGeom prst="rect">
+            <a:avLst/>
+          </a:prstGeom>
+          <a:noFill/>
+          <a:ln w="38100">
+            <a:solidFill>
+              <a:srgbClr val="FF0000"/>
+            </a:solidFill>
+          </a:ln>
+        </p:spPr>
+        <p:style>
+          <a:lnRef idx="2">
+            <a:schemeClr val="accent1">
+              <a:shade val="50000"/>
+            </a:schemeClr>
+          </a:lnRef>
+          <a:fillRef idx="1">
+            <a:schemeClr val="accent1"/>
+          </a:fillRef>
+          <a:effectRef idx="0">
+            <a:schemeClr val="accent1"/>
+          </a:effectRef>
+          <a:fontRef idx="minor">
+            <a:schemeClr val="lt1"/>
+          </a:fontRef>
+        </p:style>
+        <p:txBody>
+          <a:bodyPr rtlCol="0" anchor="ctr"/>
+          <a:lstStyle/>
+          <a:p>
+            <a:pPr algn="ctr"/>
+            <a:endParaRPr lang="en-NZ"/>
+          </a:p>
+        </p:txBody>
+      </p:sp>
+      <p:sp>
+        <p:nvSpPr>
+          <p:cNvPr id="39" name="Rectangle 38">
+            <a:extLst>
+              <a:ext uri="{FF2B5EF4-FFF2-40B4-BE49-F238E27FC236}">
+                <a16:creationId xmlns:a16="http://schemas.microsoft.com/office/drawing/2014/main" id="{BF1943AA-C940-93A1-2380-ECB69E21910F}"/>
+              </a:ext>
+            </a:extLst>
+          </p:cNvPr>
+          <p:cNvSpPr/>
+          <p:nvPr/>
+        </p:nvSpPr>
+        <p:spPr>
+          <a:xfrm>
+            <a:off x="5120233" y="3123972"/>
+            <a:ext cx="525094" cy="320633"/>
+          </a:xfrm>
+          <a:prstGeom prst="rect">
+            <a:avLst/>
+          </a:prstGeom>
+          <a:noFill/>
+          <a:ln w="38100">
+            <a:solidFill>
+              <a:srgbClr val="FF0000"/>
+            </a:solidFill>
+          </a:ln>
+        </p:spPr>
+        <p:style>
+          <a:lnRef idx="2">
+            <a:schemeClr val="accent1">
+              <a:shade val="50000"/>
+            </a:schemeClr>
+          </a:lnRef>
+          <a:fillRef idx="1">
+            <a:schemeClr val="accent1"/>
+          </a:fillRef>
+          <a:effectRef idx="0">
+            <a:schemeClr val="accent1"/>
+          </a:effectRef>
+          <a:fontRef idx="minor">
+            <a:schemeClr val="lt1"/>
+          </a:fontRef>
+        </p:style>
+        <p:txBody>
+          <a:bodyPr rtlCol="0" anchor="ctr"/>
+          <a:lstStyle/>
+          <a:p>
+            <a:pPr algn="ctr"/>
+            <a:endParaRPr lang="en-NZ"/>
+          </a:p>
+        </p:txBody>
+      </p:sp>
+      <p:sp>
+        <p:nvSpPr>
+          <p:cNvPr id="40" name="Rectangle 39">
+            <a:extLst>
+              <a:ext uri="{FF2B5EF4-FFF2-40B4-BE49-F238E27FC236}">
+                <a16:creationId xmlns:a16="http://schemas.microsoft.com/office/drawing/2014/main" id="{E3BBB5AC-E22B-7E99-34F0-A1EED4C4F38F}"/>
+              </a:ext>
+            </a:extLst>
+          </p:cNvPr>
+          <p:cNvSpPr/>
+          <p:nvPr/>
+        </p:nvSpPr>
+        <p:spPr>
+          <a:xfrm>
+            <a:off x="9852835" y="3284288"/>
+            <a:ext cx="815960" cy="320633"/>
+          </a:xfrm>
+          <a:prstGeom prst="rect">
+            <a:avLst/>
+          </a:prstGeom>
+          <a:noFill/>
+          <a:ln w="38100">
+            <a:solidFill>
+              <a:srgbClr val="FF0000"/>
+            </a:solidFill>
+          </a:ln>
+        </p:spPr>
+        <p:style>
+          <a:lnRef idx="2">
+            <a:schemeClr val="accent1">
+              <a:shade val="50000"/>
+            </a:schemeClr>
+          </a:lnRef>
+          <a:fillRef idx="1">
+            <a:schemeClr val="accent1"/>
+          </a:fillRef>
+          <a:effectRef idx="0">
+            <a:schemeClr val="accent1"/>
+          </a:effectRef>
+          <a:fontRef idx="minor">
+            <a:schemeClr val="lt1"/>
+          </a:fontRef>
+        </p:style>
+        <p:txBody>
+          <a:bodyPr rtlCol="0" anchor="ctr"/>
+          <a:lstStyle/>
+          <a:p>
+            <a:pPr algn="ctr"/>
+            <a:endParaRPr lang="en-NZ"/>
+          </a:p>
+        </p:txBody>
+      </p:sp>
+      <p:sp>
+        <p:nvSpPr>
+          <p:cNvPr id="41" name="Rectangle 40">
+            <a:extLst>
+              <a:ext uri="{FF2B5EF4-FFF2-40B4-BE49-F238E27FC236}">
+                <a16:creationId xmlns:a16="http://schemas.microsoft.com/office/drawing/2014/main" id="{809F1F48-4CBF-FCA6-6A50-D091CED160EE}"/>
+              </a:ext>
+            </a:extLst>
+          </p:cNvPr>
+          <p:cNvSpPr/>
+          <p:nvPr/>
+        </p:nvSpPr>
+        <p:spPr>
+          <a:xfrm>
+            <a:off x="4505872" y="2730847"/>
+            <a:ext cx="815960" cy="320633"/>
+          </a:xfrm>
+          <a:prstGeom prst="rect">
+            <a:avLst/>
+          </a:prstGeom>
+          <a:noFill/>
+          <a:ln w="38100">
+            <a:solidFill>
+              <a:srgbClr val="FF0000"/>
+            </a:solidFill>
+          </a:ln>
+        </p:spPr>
+        <p:style>
+          <a:lnRef idx="2">
+            <a:schemeClr val="accent1">
+              <a:shade val="50000"/>
+            </a:schemeClr>
+          </a:lnRef>
+          <a:fillRef idx="1">
+            <a:schemeClr val="accent1"/>
+          </a:fillRef>
+          <a:effectRef idx="0">
+            <a:schemeClr val="accent1"/>
+          </a:effectRef>
+          <a:fontRef idx="minor">
+            <a:schemeClr val="lt1"/>
+          </a:fontRef>
+        </p:style>
+        <p:txBody>
+          <a:bodyPr rtlCol="0" anchor="ctr"/>
+          <a:lstStyle/>
+          <a:p>
+            <a:pPr algn="ctr"/>
+            <a:endParaRPr lang="en-NZ"/>
+          </a:p>
+        </p:txBody>
+      </p:sp>
     </p:spTree>
     <p:extLst>
       <p:ext uri="{BB962C8B-B14F-4D97-AF65-F5344CB8AC3E}">
-        <p14:creationId xmlns:p14="http://schemas.microsoft.com/office/powerpoint/2010/main" val="1053444694"/>
+        <p14:creationId xmlns:p14="http://schemas.microsoft.com/office/powerpoint/2010/main" val="1495221946"/>
       </p:ext>
     </p:extLst>
   </p:cSld>
@@ -26451,7 +29575,7 @@
           <p:cNvPr id="2" name="Title 1">
             <a:extLst>
               <a:ext uri="{FF2B5EF4-FFF2-40B4-BE49-F238E27FC236}">
-                <a16:creationId xmlns:a16="http://schemas.microsoft.com/office/drawing/2014/main" id="{0D168B5A-EFF4-4803-8DA6-5994B306EBAF}"/>
+                <a16:creationId xmlns:a16="http://schemas.microsoft.com/office/drawing/2014/main" id="{183CAE4A-E189-4CAA-B3F5-7E97BC5188E3}"/>
               </a:ext>
             </a:extLst>
           </p:cNvPr>
@@ -26464,8 +29588,8 @@
         </p:nvSpPr>
         <p:spPr>
           <a:xfrm>
-            <a:off x="838200" y="0"/>
-            <a:ext cx="10515600" cy="640715"/>
+            <a:off x="838199" y="406400"/>
+            <a:ext cx="10515600" cy="583248"/>
           </a:xfrm>
         </p:spPr>
         <p:txBody>
@@ -26474,155 +29598,437 @@
           </a:bodyPr>
           <a:lstStyle/>
           <a:p>
-            <a:pPr>
-              <a:lnSpc>
-                <a:spcPct val="115000"/>
-              </a:lnSpc>
-              <a:spcAft>
-                <a:spcPts val="0"/>
-              </a:spcAft>
-            </a:pPr>
             <a:r>
               <a:rPr lang="en-NZ" sz="4000" dirty="0"/>
-              <a:t>Address relevant Implications: (2/2)</a:t>
+              <a:t>Assembled Outcome Add creature, delete creature:</a:t>
             </a:r>
           </a:p>
         </p:txBody>
       </p:sp>
       <p:graphicFrame>
         <p:nvGraphicFramePr>
-          <p:cNvPr id="4" name="Table 4">
+          <p:cNvPr id="4" name="Google Shape;92;p19">
             <a:extLst>
               <a:ext uri="{FF2B5EF4-FFF2-40B4-BE49-F238E27FC236}">
-                <a16:creationId xmlns:a16="http://schemas.microsoft.com/office/drawing/2014/main" id="{54A393A9-6C94-409B-BDCB-65C4ABAA2DD1}"/>
+                <a16:creationId xmlns:a16="http://schemas.microsoft.com/office/drawing/2014/main" id="{1924472A-B52F-7F83-7542-4283DA4B7733}"/>
               </a:ext>
             </a:extLst>
           </p:cNvPr>
-          <p:cNvGraphicFramePr>
-            <a:graphicFrameLocks noGrp="1"/>
-          </p:cNvGraphicFramePr>
+          <p:cNvGraphicFramePr/>
           <p:nvPr>
             <p:extLst>
               <p:ext uri="{D42A27DB-BD31-4B8C-83A1-F6EECF244321}">
-                <p14:modId xmlns:p14="http://schemas.microsoft.com/office/powerpoint/2010/main" val="1025798029"/>
+                <p14:modId xmlns:p14="http://schemas.microsoft.com/office/powerpoint/2010/main" val="3282306160"/>
               </p:ext>
             </p:extLst>
           </p:nvPr>
         </p:nvGraphicFramePr>
         <p:xfrm>
-          <a:off x="782320" y="640715"/>
-          <a:ext cx="10627360" cy="3479800"/>
+          <a:off x="415600" y="1081088"/>
+          <a:ext cx="11360799" cy="3230680"/>
         </p:xfrm>
         <a:graphic>
           <a:graphicData uri="http://schemas.openxmlformats.org/drawingml/2006/table">
             <a:tbl>
-              <a:tblPr firstRow="1" bandRow="1">
-                <a:tableStyleId>{5C22544A-7EE6-4342-B048-85BDC9FD1C3A}</a:tableStyleId>
+              <a:tblPr>
+                <a:noFill/>
               </a:tblPr>
               <a:tblGrid>
-                <a:gridCol w="3505200">
+                <a:gridCol w="3786933">
                   <a:extLst>
                     <a:ext uri="{9D8B030D-6E8A-4147-A177-3AD203B41FA5}">
-                      <a16:colId xmlns:a16="http://schemas.microsoft.com/office/drawing/2014/main" val="2849256304"/>
+                      <a16:colId xmlns:a16="http://schemas.microsoft.com/office/drawing/2014/main" val="3053296164"/>
                     </a:ext>
                   </a:extLst>
                 </a:gridCol>
-                <a:gridCol w="7122160">
+                <a:gridCol w="3786933">
                   <a:extLst>
                     <a:ext uri="{9D8B030D-6E8A-4147-A177-3AD203B41FA5}">
-                      <a16:colId xmlns:a16="http://schemas.microsoft.com/office/drawing/2014/main" val="2106481727"/>
+                      <a16:colId xmlns:a16="http://schemas.microsoft.com/office/drawing/2014/main" val="20000"/>
+                    </a:ext>
+                  </a:extLst>
+                </a:gridCol>
+                <a:gridCol w="3786933">
+                  <a:extLst>
+                    <a:ext uri="{9D8B030D-6E8A-4147-A177-3AD203B41FA5}">
+                      <a16:colId xmlns:a16="http://schemas.microsoft.com/office/drawing/2014/main" val="20001"/>
                     </a:ext>
                   </a:extLst>
                 </a:gridCol>
               </a:tblGrid>
-              <a:tr h="370840">
+              <a:tr h="609560">
                 <a:tc>
                   <a:txBody>
                     <a:bodyPr/>
                     <a:lstStyle/>
                     <a:p>
+                      <a:pPr marL="0" lvl="0" indent="0" algn="l" rtl="0">
+                        <a:spcBef>
+                          <a:spcPts val="0"/>
+                        </a:spcBef>
+                        <a:spcAft>
+                          <a:spcPts val="0"/>
+                        </a:spcAft>
+                        <a:buNone/>
+                      </a:pPr>
                       <a:r>
-                        <a:rPr lang="en-NZ" dirty="0"/>
-                        <a:t>Relevant implication</a:t>
+                        <a:rPr lang="en-NZ" sz="1800" b="1" dirty="0"/>
+                        <a:t>What Program Should Ask</a:t>
                       </a:r>
+                      <a:endParaRPr sz="1800" b="1" dirty="0"/>
                     </a:p>
                   </a:txBody>
-                  <a:tcPr/>
+                  <a:tcPr marL="121900" marR="121900" marT="121900" marB="121900">
+                    <a:solidFill>
+                      <a:srgbClr val="CCCCCC"/>
+                    </a:solidFill>
+                  </a:tcPr>
                 </a:tc>
                 <a:tc>
                   <a:txBody>
                     <a:bodyPr/>
                     <a:lstStyle/>
                     <a:p>
+                      <a:pPr marL="0" lvl="0" indent="0" algn="l" rtl="0">
+                        <a:spcBef>
+                          <a:spcPts val="0"/>
+                        </a:spcBef>
+                        <a:spcAft>
+                          <a:spcPts val="0"/>
+                        </a:spcAft>
+                        <a:buNone/>
+                      </a:pPr>
                       <a:r>
-                        <a:rPr lang="en-NZ" dirty="0"/>
-                        <a:t>Explain how your final outcome </a:t>
+                        <a:rPr lang="en" sz="1800" b="1" dirty="0"/>
+                        <a:t>Test Cases - input</a:t>
                       </a:r>
-                      <a:r>
-                        <a:rPr lang="en-NZ" b="1" i="1" dirty="0"/>
-                        <a:t>addresses</a:t>
-                      </a:r>
-                      <a:r>
-                        <a:rPr lang="en-NZ" dirty="0"/>
-                        <a:t> each implication</a:t>
-                      </a:r>
+                      <a:endParaRPr sz="1800" b="1" dirty="0"/>
                     </a:p>
                   </a:txBody>
-                  <a:tcPr/>
-                </a:tc>
-                <a:extLst>
-                  <a:ext uri="{0D108BD9-81ED-4DB2-BD59-A6C34878D82A}">
-                    <a16:rowId xmlns:a16="http://schemas.microsoft.com/office/drawing/2014/main" val="2286542890"/>
-                  </a:ext>
-                </a:extLst>
-              </a:tr>
-              <a:tr h="370840">
-                <a:tc>
-                  <a:txBody>
-                    <a:bodyPr/>
-                    <a:lstStyle/>
-                    <a:p>
-                      <a:r>
-                        <a:rPr lang="en-NZ" dirty="0"/>
-                        <a:t>Aesthetics</a:t>
-                      </a:r>
-                    </a:p>
-                  </a:txBody>
-                  <a:tcPr/>
+                  <a:tcPr marL="121900" marR="121900" marT="121900" marB="121900">
+                    <a:solidFill>
+                      <a:srgbClr val="CCCCCC"/>
+                    </a:solidFill>
+                  </a:tcPr>
                 </a:tc>
                 <a:tc>
                   <a:txBody>
                     <a:bodyPr/>
                     <a:lstStyle/>
                     <a:p>
+                      <a:pPr marL="0" lvl="0" indent="0" algn="l" rtl="0">
+                        <a:spcBef>
+                          <a:spcPts val="0"/>
+                        </a:spcBef>
+                        <a:spcAft>
+                          <a:spcPts val="0"/>
+                        </a:spcAft>
+                        <a:buNone/>
+                      </a:pPr>
                       <a:r>
-                        <a:rPr lang="en-GB" dirty="0"/>
-                        <a:t>I addressed the aesthetic implications in my program's final product by implementing a graphical user interface (GUI) using the </a:t>
+                        <a:rPr lang="en" sz="1800" b="1" dirty="0"/>
+                        <a:t>Expected output</a:t>
                       </a:r>
-                      <a:r>
-                        <a:rPr lang="en-GB" dirty="0" err="1"/>
-                        <a:t>easyGUI</a:t>
-                      </a:r>
-                      <a:r>
-                        <a:rPr lang="en-GB" dirty="0"/>
-                        <a:t> library. The GUI offers an aesthetically pleasing and approachable interface for communicating with the programme. I concentrated on making a simple and clear design, making sure that the UI elements are organised and simple to understand. The GUI's usage of buttons, text boxes, and menus enables easy user input and navigation. In an effort to produce a visually appealing experience, I also paid close attention to the layout and colour palette overall. By integrating a GUI using </a:t>
-                      </a:r>
-                      <a:r>
-                        <a:rPr lang="en-GB" dirty="0" err="1"/>
-                        <a:t>easyGUI</a:t>
-                      </a:r>
-                      <a:r>
-                        <a:rPr lang="en-GB"/>
-                        <a:t>, my programme not only boosts its visual appeal but also enriches the user experience by facilitating easier and more fun interaction.</a:t>
-                      </a:r>
-                      <a:endParaRPr lang="en-NZ" dirty="0"/>
+                      <a:endParaRPr sz="1800" b="1" dirty="0"/>
                     </a:p>
                   </a:txBody>
-                  <a:tcPr/>
+                  <a:tcPr marL="121900" marR="121900" marT="121900" marB="121900">
+                    <a:solidFill>
+                      <a:srgbClr val="CCCCCC"/>
+                    </a:solidFill>
+                  </a:tcPr>
                 </a:tc>
                 <a:extLst>
                   <a:ext uri="{0D108BD9-81ED-4DB2-BD59-A6C34878D82A}">
-                    <a16:rowId xmlns:a16="http://schemas.microsoft.com/office/drawing/2014/main" val="2636529970"/>
+                    <a16:rowId xmlns:a16="http://schemas.microsoft.com/office/drawing/2014/main" val="10000"/>
+                  </a:ext>
+                </a:extLst>
+              </a:tr>
+              <a:tr h="609560">
+                <a:tc>
+                  <a:txBody>
+                    <a:bodyPr/>
+                    <a:lstStyle/>
+                    <a:p>
+                      <a:pPr marL="0" lvl="0" indent="0" algn="l" rtl="0">
+                        <a:spcBef>
+                          <a:spcPts val="0"/>
+                        </a:spcBef>
+                        <a:spcAft>
+                          <a:spcPts val="0"/>
+                        </a:spcAft>
+                        <a:buNone/>
+                      </a:pPr>
+                      <a:r>
+                        <a:rPr lang="en-NZ" sz="1800" dirty="0"/>
+                        <a:t>User clicks search on main menu</a:t>
+                      </a:r>
+                      <a:endParaRPr sz="1800" dirty="0"/>
+                    </a:p>
+                  </a:txBody>
+                  <a:tcPr marL="121900" marR="121900" marT="121900" marB="121900"/>
+                </a:tc>
+                <a:tc>
+                  <a:txBody>
+                    <a:bodyPr/>
+                    <a:lstStyle/>
+                    <a:p>
+                      <a:pPr marL="0" lvl="0" indent="0" algn="l" rtl="0">
+                        <a:spcBef>
+                          <a:spcPts val="0"/>
+                        </a:spcBef>
+                        <a:spcAft>
+                          <a:spcPts val="0"/>
+                        </a:spcAft>
+                        <a:buNone/>
+                      </a:pPr>
+                      <a:r>
+                        <a:rPr lang="en-NZ" sz="1800" dirty="0"/>
+                        <a:t>Adds creature called Joe and fills in all details</a:t>
+                      </a:r>
+                      <a:endParaRPr sz="1800" dirty="0"/>
+                    </a:p>
+                  </a:txBody>
+                  <a:tcPr marL="121900" marR="121900" marT="121900" marB="121900"/>
+                </a:tc>
+                <a:tc>
+                  <a:txBody>
+                    <a:bodyPr/>
+                    <a:lstStyle/>
+                    <a:p>
+                      <a:pPr marL="0" lvl="0" indent="0" algn="l" rtl="0">
+                        <a:spcBef>
+                          <a:spcPts val="0"/>
+                        </a:spcBef>
+                        <a:spcAft>
+                          <a:spcPts val="0"/>
+                        </a:spcAft>
+                        <a:buNone/>
+                      </a:pPr>
+                      <a:r>
+                        <a:rPr lang="en-NZ" sz="1800" dirty="0"/>
+                        <a:t>Displays details. Then returns to main menu from user input</a:t>
+                      </a:r>
+                    </a:p>
+                  </a:txBody>
+                  <a:tcPr marL="121900" marR="121900" marT="121900" marB="121900"/>
+                </a:tc>
+                <a:extLst>
+                  <a:ext uri="{0D108BD9-81ED-4DB2-BD59-A6C34878D82A}">
+                    <a16:rowId xmlns:a16="http://schemas.microsoft.com/office/drawing/2014/main" val="10001"/>
+                  </a:ext>
+                </a:extLst>
+              </a:tr>
+              <a:tr h="609560">
+                <a:tc>
+                  <a:txBody>
+                    <a:bodyPr/>
+                    <a:lstStyle/>
+                    <a:p>
+                      <a:pPr marL="0" lvl="0" indent="0" algn="l" rtl="0">
+                        <a:spcBef>
+                          <a:spcPts val="0"/>
+                        </a:spcBef>
+                        <a:spcAft>
+                          <a:spcPts val="0"/>
+                        </a:spcAft>
+                        <a:buNone/>
+                      </a:pPr>
+                      <a:r>
+                        <a:rPr lang="en-NZ" sz="1800" dirty="0"/>
+                        <a:t>Main Menu</a:t>
+                      </a:r>
+                      <a:endParaRPr sz="1800" dirty="0"/>
+                    </a:p>
+                  </a:txBody>
+                  <a:tcPr marL="121900" marR="121900" marT="121900" marB="121900"/>
+                </a:tc>
+                <a:tc>
+                  <a:txBody>
+                    <a:bodyPr/>
+                    <a:lstStyle/>
+                    <a:p>
+                      <a:pPr marL="0" lvl="0" indent="0" algn="l" rtl="0">
+                        <a:spcBef>
+                          <a:spcPts val="0"/>
+                        </a:spcBef>
+                        <a:spcAft>
+                          <a:spcPts val="0"/>
+                        </a:spcAft>
+                        <a:buNone/>
+                      </a:pPr>
+                      <a:r>
+                        <a:rPr lang="en-NZ" sz="1800" dirty="0"/>
+                        <a:t>User launches delete</a:t>
+                      </a:r>
+                      <a:endParaRPr sz="1800" dirty="0"/>
+                    </a:p>
+                  </a:txBody>
+                  <a:tcPr marL="121900" marR="121900" marT="121900" marB="121900"/>
+                </a:tc>
+                <a:tc>
+                  <a:txBody>
+                    <a:bodyPr/>
+                    <a:lstStyle/>
+                    <a:p>
+                      <a:pPr marL="0" lvl="0" indent="0" algn="l" rtl="0">
+                        <a:spcBef>
+                          <a:spcPts val="0"/>
+                        </a:spcBef>
+                        <a:spcAft>
+                          <a:spcPts val="0"/>
+                        </a:spcAft>
+                        <a:buNone/>
+                      </a:pPr>
+                      <a:r>
+                        <a:rPr lang="en-NZ" sz="1800" dirty="0"/>
+                        <a:t>Opens delete function seamlessly</a:t>
+                      </a:r>
+                    </a:p>
+                  </a:txBody>
+                  <a:tcPr marL="121900" marR="121900" marT="121900" marB="121900"/>
+                </a:tc>
+                <a:extLst>
+                  <a:ext uri="{0D108BD9-81ED-4DB2-BD59-A6C34878D82A}">
+                    <a16:rowId xmlns:a16="http://schemas.microsoft.com/office/drawing/2014/main" val="2158107402"/>
+                  </a:ext>
+                </a:extLst>
+              </a:tr>
+              <a:tr h="609560">
+                <a:tc>
+                  <a:txBody>
+                    <a:bodyPr/>
+                    <a:lstStyle/>
+                    <a:p>
+                      <a:pPr marL="0" lvl="0" indent="0" algn="l" rtl="0">
+                        <a:spcBef>
+                          <a:spcPts val="0"/>
+                        </a:spcBef>
+                        <a:spcAft>
+                          <a:spcPts val="0"/>
+                        </a:spcAft>
+                        <a:buNone/>
+                      </a:pPr>
+                      <a:r>
+                        <a:rPr lang="en-NZ" sz="1800" dirty="0"/>
+                        <a:t>What creature are you going to delete</a:t>
+                      </a:r>
+                    </a:p>
+                  </a:txBody>
+                  <a:tcPr marL="121900" marR="121900" marT="121900" marB="121900"/>
+                </a:tc>
+                <a:tc>
+                  <a:txBody>
+                    <a:bodyPr/>
+                    <a:lstStyle/>
+                    <a:p>
+                      <a:pPr marL="0" lvl="0" indent="0" algn="l" rtl="0">
+                        <a:spcBef>
+                          <a:spcPts val="0"/>
+                        </a:spcBef>
+                        <a:spcAft>
+                          <a:spcPts val="0"/>
+                        </a:spcAft>
+                        <a:buNone/>
+                      </a:pPr>
+                      <a:r>
+                        <a:rPr lang="en-NZ" sz="1800" dirty="0"/>
+                        <a:t>Joe</a:t>
+                      </a:r>
+                      <a:endParaRPr sz="1800" dirty="0"/>
+                    </a:p>
+                  </a:txBody>
+                  <a:tcPr marL="121900" marR="121900" marT="121900" marB="121900"/>
+                </a:tc>
+                <a:tc>
+                  <a:txBody>
+                    <a:bodyPr/>
+                    <a:lstStyle/>
+                    <a:p>
+                      <a:pPr marL="0" lvl="0" indent="0" algn="l" rtl="0">
+                        <a:spcBef>
+                          <a:spcPts val="0"/>
+                        </a:spcBef>
+                        <a:spcAft>
+                          <a:spcPts val="0"/>
+                        </a:spcAft>
+                        <a:buNone/>
+                      </a:pPr>
+                      <a:r>
+                        <a:rPr lang="en-NZ" sz="1800" dirty="0"/>
+                        <a:t>Deletes Joe</a:t>
+                      </a:r>
+                    </a:p>
+                  </a:txBody>
+                  <a:tcPr marL="121900" marR="121900" marT="121900" marB="121900"/>
+                </a:tc>
+                <a:extLst>
+                  <a:ext uri="{0D108BD9-81ED-4DB2-BD59-A6C34878D82A}">
+                    <a16:rowId xmlns:a16="http://schemas.microsoft.com/office/drawing/2014/main" val="701500150"/>
+                  </a:ext>
+                </a:extLst>
+              </a:tr>
+              <a:tr h="609560">
+                <a:tc>
+                  <a:txBody>
+                    <a:bodyPr/>
+                    <a:lstStyle/>
+                    <a:p>
+                      <a:pPr marL="0" lvl="0" indent="0" algn="l" rtl="0">
+                        <a:spcBef>
+                          <a:spcPts val="0"/>
+                        </a:spcBef>
+                        <a:spcAft>
+                          <a:spcPts val="0"/>
+                        </a:spcAft>
+                        <a:buNone/>
+                      </a:pPr>
+                      <a:endParaRPr lang="en-NZ" sz="1800" dirty="0"/>
+                    </a:p>
+                  </a:txBody>
+                  <a:tcPr marL="121900" marR="121900" marT="121900" marB="121900"/>
+                </a:tc>
+                <a:tc>
+                  <a:txBody>
+                    <a:bodyPr/>
+                    <a:lstStyle/>
+                    <a:p>
+                      <a:pPr marL="0" lvl="0" indent="0" algn="l" rtl="0">
+                        <a:spcBef>
+                          <a:spcPts val="0"/>
+                        </a:spcBef>
+                        <a:spcAft>
+                          <a:spcPts val="0"/>
+                        </a:spcAft>
+                        <a:buNone/>
+                      </a:pPr>
+                      <a:endParaRPr sz="1800" dirty="0"/>
+                    </a:p>
+                  </a:txBody>
+                  <a:tcPr marL="121900" marR="121900" marT="121900" marB="121900"/>
+                </a:tc>
+                <a:tc>
+                  <a:txBody>
+                    <a:bodyPr/>
+                    <a:lstStyle/>
+                    <a:p>
+                      <a:pPr marL="0" lvl="0" indent="0" algn="l" rtl="0">
+                        <a:spcBef>
+                          <a:spcPts val="0"/>
+                        </a:spcBef>
+                        <a:spcAft>
+                          <a:spcPts val="0"/>
+                        </a:spcAft>
+                        <a:buNone/>
+                      </a:pPr>
+                      <a:endParaRPr lang="en-NZ" sz="1800" dirty="0"/>
+                    </a:p>
+                  </a:txBody>
+                  <a:tcPr marL="121900" marR="121900" marT="121900" marB="121900"/>
+                </a:tc>
+                <a:extLst>
+                  <a:ext uri="{0D108BD9-81ED-4DB2-BD59-A6C34878D82A}">
+                    <a16:rowId xmlns:a16="http://schemas.microsoft.com/office/drawing/2014/main" val="1720883273"/>
                   </a:ext>
                 </a:extLst>
               </a:tr>
@@ -26633,7 +30039,7 @@
     </p:spTree>
     <p:extLst>
       <p:ext uri="{BB962C8B-B14F-4D97-AF65-F5344CB8AC3E}">
-        <p14:creationId xmlns:p14="http://schemas.microsoft.com/office/powerpoint/2010/main" val="3558182562"/>
+        <p14:creationId xmlns:p14="http://schemas.microsoft.com/office/powerpoint/2010/main" val="4185631234"/>
       </p:ext>
     </p:extLst>
   </p:cSld>
@@ -26665,7 +30071,7 @@
           <p:cNvPr id="2" name="Title 1">
             <a:extLst>
               <a:ext uri="{FF2B5EF4-FFF2-40B4-BE49-F238E27FC236}">
-                <a16:creationId xmlns:a16="http://schemas.microsoft.com/office/drawing/2014/main" id="{D62183D5-E1F8-4917-B0BA-FC2E62047445}"/>
+                <a16:creationId xmlns:a16="http://schemas.microsoft.com/office/drawing/2014/main" id="{183CAE4A-E189-4CAA-B3F5-7E97BC5188E3}"/>
               </a:ext>
             </a:extLst>
           </p:cNvPr>
@@ -26678,8 +30084,8 @@
         </p:nvSpPr>
         <p:spPr>
           <a:xfrm>
-            <a:off x="838200" y="365125"/>
-            <a:ext cx="10515600" cy="559435"/>
+            <a:off x="-28575" y="9525"/>
+            <a:ext cx="10515600" cy="583248"/>
           </a:xfrm>
         </p:spPr>
         <p:txBody>
@@ -26690,17 +30096,227 @@
           <a:p>
             <a:r>
               <a:rPr lang="en-NZ" sz="4000" dirty="0"/>
-              <a:t>Version Control Evidence:</a:t>
+              <a:t>Assembled Outcome Add creature, delete creature:</a:t>
             </a:r>
           </a:p>
         </p:txBody>
       </p:sp>
+      <p:pic>
+        <p:nvPicPr>
+          <p:cNvPr id="6" name="Picture 5">
+            <a:extLst>
+              <a:ext uri="{FF2B5EF4-FFF2-40B4-BE49-F238E27FC236}">
+                <a16:creationId xmlns:a16="http://schemas.microsoft.com/office/drawing/2014/main" id="{35E1D6A6-61D7-E58C-C6AE-53DF47635190}"/>
+              </a:ext>
+            </a:extLst>
+          </p:cNvPr>
+          <p:cNvPicPr>
+            <a:picLocks noChangeAspect="1"/>
+          </p:cNvPicPr>
+          <p:nvPr/>
+        </p:nvPicPr>
+        <p:blipFill>
+          <a:blip r:embed="rId3"/>
+          <a:stretch>
+            <a:fillRect/>
+          </a:stretch>
+        </p:blipFill>
+        <p:spPr>
+          <a:xfrm>
+            <a:off x="4577209" y="442761"/>
+            <a:ext cx="3705742" cy="1476581"/>
+          </a:xfrm>
+          <a:prstGeom prst="rect">
+            <a:avLst/>
+          </a:prstGeom>
+        </p:spPr>
+      </p:pic>
+      <p:pic>
+        <p:nvPicPr>
+          <p:cNvPr id="8" name="Picture 7">
+            <a:extLst>
+              <a:ext uri="{FF2B5EF4-FFF2-40B4-BE49-F238E27FC236}">
+                <a16:creationId xmlns:a16="http://schemas.microsoft.com/office/drawing/2014/main" id="{F8D2E645-B7DD-5A31-C1D4-2393EA29E4D5}"/>
+              </a:ext>
+            </a:extLst>
+          </p:cNvPr>
+          <p:cNvPicPr>
+            <a:picLocks noChangeAspect="1"/>
+          </p:cNvPicPr>
+          <p:nvPr/>
+        </p:nvPicPr>
+        <p:blipFill>
+          <a:blip r:embed="rId4"/>
+          <a:stretch>
+            <a:fillRect/>
+          </a:stretch>
+        </p:blipFill>
+        <p:spPr>
+          <a:xfrm>
+            <a:off x="0" y="442761"/>
+            <a:ext cx="4577209" cy="1548475"/>
+          </a:xfrm>
+          <a:prstGeom prst="rect">
+            <a:avLst/>
+          </a:prstGeom>
+        </p:spPr>
+      </p:pic>
+      <p:pic>
+        <p:nvPicPr>
+          <p:cNvPr id="10" name="Picture 9">
+            <a:extLst>
+              <a:ext uri="{FF2B5EF4-FFF2-40B4-BE49-F238E27FC236}">
+                <a16:creationId xmlns:a16="http://schemas.microsoft.com/office/drawing/2014/main" id="{4EA40FFC-3D26-A2F9-EF02-DC0F950F869C}"/>
+              </a:ext>
+            </a:extLst>
+          </p:cNvPr>
+          <p:cNvPicPr>
+            <a:picLocks noChangeAspect="1"/>
+          </p:cNvPicPr>
+          <p:nvPr/>
+        </p:nvPicPr>
+        <p:blipFill>
+          <a:blip r:embed="rId5"/>
+          <a:stretch>
+            <a:fillRect/>
+          </a:stretch>
+        </p:blipFill>
+        <p:spPr>
+          <a:xfrm>
+            <a:off x="0" y="1991236"/>
+            <a:ext cx="4185607" cy="1971886"/>
+          </a:xfrm>
+          <a:prstGeom prst="rect">
+            <a:avLst/>
+          </a:prstGeom>
+        </p:spPr>
+      </p:pic>
+      <p:pic>
+        <p:nvPicPr>
+          <p:cNvPr id="12" name="Picture 11">
+            <a:extLst>
+              <a:ext uri="{FF2B5EF4-FFF2-40B4-BE49-F238E27FC236}">
+                <a16:creationId xmlns:a16="http://schemas.microsoft.com/office/drawing/2014/main" id="{ADE59E6D-05DB-F7B1-3EA5-61A8DC2C297A}"/>
+              </a:ext>
+            </a:extLst>
+          </p:cNvPr>
+          <p:cNvPicPr>
+            <a:picLocks noChangeAspect="1"/>
+          </p:cNvPicPr>
+          <p:nvPr/>
+        </p:nvPicPr>
+        <p:blipFill>
+          <a:blip r:embed="rId6"/>
+          <a:stretch>
+            <a:fillRect/>
+          </a:stretch>
+        </p:blipFill>
+        <p:spPr>
+          <a:xfrm>
+            <a:off x="4181956" y="1991236"/>
+            <a:ext cx="4100995" cy="1411619"/>
+          </a:xfrm>
+          <a:prstGeom prst="rect">
+            <a:avLst/>
+          </a:prstGeom>
+        </p:spPr>
+      </p:pic>
+      <p:pic>
+        <p:nvPicPr>
+          <p:cNvPr id="13" name="Picture 12">
+            <a:extLst>
+              <a:ext uri="{FF2B5EF4-FFF2-40B4-BE49-F238E27FC236}">
+                <a16:creationId xmlns:a16="http://schemas.microsoft.com/office/drawing/2014/main" id="{CD7E1199-0F75-FF6F-74CC-494D64979C5B}"/>
+              </a:ext>
+            </a:extLst>
+          </p:cNvPr>
+          <p:cNvPicPr>
+            <a:picLocks noChangeAspect="1"/>
+          </p:cNvPicPr>
+          <p:nvPr/>
+        </p:nvPicPr>
+        <p:blipFill>
+          <a:blip r:embed="rId4"/>
+          <a:stretch>
+            <a:fillRect/>
+          </a:stretch>
+        </p:blipFill>
+        <p:spPr>
+          <a:xfrm>
+            <a:off x="7682359" y="2070640"/>
+            <a:ext cx="3937957" cy="1332215"/>
+          </a:xfrm>
+          <a:prstGeom prst="rect">
+            <a:avLst/>
+          </a:prstGeom>
+        </p:spPr>
+      </p:pic>
+      <p:pic>
+        <p:nvPicPr>
+          <p:cNvPr id="15" name="Picture 14">
+            <a:extLst>
+              <a:ext uri="{FF2B5EF4-FFF2-40B4-BE49-F238E27FC236}">
+                <a16:creationId xmlns:a16="http://schemas.microsoft.com/office/drawing/2014/main" id="{68AF3526-AF30-DA1C-A602-CC901F0EF686}"/>
+              </a:ext>
+            </a:extLst>
+          </p:cNvPr>
+          <p:cNvPicPr>
+            <a:picLocks noChangeAspect="1"/>
+          </p:cNvPicPr>
+          <p:nvPr/>
+        </p:nvPicPr>
+        <p:blipFill>
+          <a:blip r:embed="rId7"/>
+          <a:stretch>
+            <a:fillRect/>
+          </a:stretch>
+        </p:blipFill>
+        <p:spPr>
+          <a:xfrm>
+            <a:off x="0" y="3963122"/>
+            <a:ext cx="3667637" cy="1438476"/>
+          </a:xfrm>
+          <a:prstGeom prst="rect">
+            <a:avLst/>
+          </a:prstGeom>
+        </p:spPr>
+      </p:pic>
+      <p:pic>
+        <p:nvPicPr>
+          <p:cNvPr id="17" name="Picture 16">
+            <a:extLst>
+              <a:ext uri="{FF2B5EF4-FFF2-40B4-BE49-F238E27FC236}">
+                <a16:creationId xmlns:a16="http://schemas.microsoft.com/office/drawing/2014/main" id="{94429E6D-7BF9-494A-2E35-1CD37A404F9A}"/>
+              </a:ext>
+            </a:extLst>
+          </p:cNvPr>
+          <p:cNvPicPr>
+            <a:picLocks noChangeAspect="1"/>
+          </p:cNvPicPr>
+          <p:nvPr/>
+        </p:nvPicPr>
+        <p:blipFill>
+          <a:blip r:embed="rId8"/>
+          <a:stretch>
+            <a:fillRect/>
+          </a:stretch>
+        </p:blipFill>
+        <p:spPr>
+          <a:xfrm>
+            <a:off x="3667637" y="3963122"/>
+            <a:ext cx="4296161" cy="1438476"/>
+          </a:xfrm>
+          <a:prstGeom prst="rect">
+            <a:avLst/>
+          </a:prstGeom>
+        </p:spPr>
+      </p:pic>
       <p:sp>
         <p:nvSpPr>
-          <p:cNvPr id="3" name="Rectangle 2">
+          <p:cNvPr id="39" name="Arrow: Right 38">
             <a:extLst>
               <a:ext uri="{FF2B5EF4-FFF2-40B4-BE49-F238E27FC236}">
-                <a16:creationId xmlns:a16="http://schemas.microsoft.com/office/drawing/2014/main" id="{A89172B1-B985-48A3-8018-FC6FF45BCE4F}"/>
+                <a16:creationId xmlns:a16="http://schemas.microsoft.com/office/drawing/2014/main" id="{9E995EB5-2BCE-2F6F-F56C-8745138E4118}"/>
               </a:ext>
             </a:extLst>
           </p:cNvPr>
@@ -26709,45 +30325,686 @@
         </p:nvSpPr>
         <p:spPr>
           <a:xfrm>
-            <a:off x="675639" y="1081088"/>
-            <a:ext cx="9513815" cy="1020921"/>
+            <a:off x="4014196" y="1147135"/>
+            <a:ext cx="591588" cy="217845"/>
+          </a:xfrm>
+          <a:prstGeom prst="rightArrow">
+            <a:avLst/>
+          </a:prstGeom>
+          <a:solidFill>
+            <a:srgbClr val="FF0000"/>
+          </a:solidFill>
+        </p:spPr>
+        <p:style>
+          <a:lnRef idx="2">
+            <a:schemeClr val="accent1">
+              <a:shade val="50000"/>
+            </a:schemeClr>
+          </a:lnRef>
+          <a:fillRef idx="1">
+            <a:schemeClr val="accent1"/>
+          </a:fillRef>
+          <a:effectRef idx="0">
+            <a:schemeClr val="accent1"/>
+          </a:effectRef>
+          <a:fontRef idx="minor">
+            <a:schemeClr val="lt1"/>
+          </a:fontRef>
+        </p:style>
+        <p:txBody>
+          <a:bodyPr rtlCol="0" anchor="ctr"/>
+          <a:lstStyle/>
+          <a:p>
+            <a:pPr algn="ctr"/>
+            <a:endParaRPr lang="en-NZ"/>
+          </a:p>
+        </p:txBody>
+      </p:sp>
+      <p:sp>
+        <p:nvSpPr>
+          <p:cNvPr id="40" name="Rectangle 39">
+            <a:extLst>
+              <a:ext uri="{FF2B5EF4-FFF2-40B4-BE49-F238E27FC236}">
+                <a16:creationId xmlns:a16="http://schemas.microsoft.com/office/drawing/2014/main" id="{DCF8F894-BC2E-FB43-7B72-577F1960732A}"/>
+              </a:ext>
+            </a:extLst>
+          </p:cNvPr>
+          <p:cNvSpPr/>
+          <p:nvPr/>
+        </p:nvSpPr>
+        <p:spPr>
+          <a:xfrm>
+            <a:off x="1879029" y="1798918"/>
+            <a:ext cx="409575" cy="181870"/>
           </a:xfrm>
           <a:prstGeom prst="rect">
             <a:avLst/>
           </a:prstGeom>
+          <a:noFill/>
+          <a:ln w="38100">
+            <a:solidFill>
+              <a:srgbClr val="FF0000"/>
+            </a:solidFill>
+          </a:ln>
+        </p:spPr>
+        <p:style>
+          <a:lnRef idx="2">
+            <a:schemeClr val="accent1">
+              <a:shade val="50000"/>
+            </a:schemeClr>
+          </a:lnRef>
+          <a:fillRef idx="1">
+            <a:schemeClr val="accent1"/>
+          </a:fillRef>
+          <a:effectRef idx="0">
+            <a:schemeClr val="accent1"/>
+          </a:effectRef>
+          <a:fontRef idx="minor">
+            <a:schemeClr val="lt1"/>
+          </a:fontRef>
+        </p:style>
+        <p:txBody>
+          <a:bodyPr rtlCol="0" anchor="ctr"/>
+          <a:lstStyle/>
+          <a:p>
+            <a:pPr algn="ctr"/>
+            <a:endParaRPr lang="en-NZ"/>
+          </a:p>
+        </p:txBody>
+      </p:sp>
+      <p:sp>
+        <p:nvSpPr>
+          <p:cNvPr id="41" name="Arrow: Right 40">
+            <a:extLst>
+              <a:ext uri="{FF2B5EF4-FFF2-40B4-BE49-F238E27FC236}">
+                <a16:creationId xmlns:a16="http://schemas.microsoft.com/office/drawing/2014/main" id="{18F4CEF3-F0C5-FBEF-D9F7-D22796402CDA}"/>
+              </a:ext>
+            </a:extLst>
+          </p:cNvPr>
+          <p:cNvSpPr/>
+          <p:nvPr/>
+        </p:nvSpPr>
+        <p:spPr>
+          <a:xfrm rot="9478043">
+            <a:off x="3758763" y="1844753"/>
+            <a:ext cx="1179214" cy="297505"/>
+          </a:xfrm>
+          <a:prstGeom prst="rightArrow">
+            <a:avLst/>
+          </a:prstGeom>
+          <a:solidFill>
+            <a:srgbClr val="FF0000"/>
+          </a:solidFill>
+        </p:spPr>
+        <p:style>
+          <a:lnRef idx="2">
+            <a:schemeClr val="accent1">
+              <a:shade val="50000"/>
+            </a:schemeClr>
+          </a:lnRef>
+          <a:fillRef idx="1">
+            <a:schemeClr val="accent1"/>
+          </a:fillRef>
+          <a:effectRef idx="0">
+            <a:schemeClr val="accent1"/>
+          </a:effectRef>
+          <a:fontRef idx="minor">
+            <a:schemeClr val="lt1"/>
+          </a:fontRef>
+        </p:style>
+        <p:txBody>
+          <a:bodyPr rtlCol="0" anchor="ctr"/>
+          <a:lstStyle/>
+          <a:p>
+            <a:pPr algn="ctr"/>
+            <a:endParaRPr lang="en-NZ"/>
+          </a:p>
+        </p:txBody>
+      </p:sp>
+      <p:sp>
+        <p:nvSpPr>
+          <p:cNvPr id="42" name="Arrow: Right 41">
+            <a:extLst>
+              <a:ext uri="{FF2B5EF4-FFF2-40B4-BE49-F238E27FC236}">
+                <a16:creationId xmlns:a16="http://schemas.microsoft.com/office/drawing/2014/main" id="{4CB44376-E462-8CA4-2806-8589509DF48A}"/>
+              </a:ext>
+            </a:extLst>
+          </p:cNvPr>
+          <p:cNvSpPr/>
+          <p:nvPr/>
+        </p:nvSpPr>
+        <p:spPr>
+          <a:xfrm>
+            <a:off x="3918054" y="2817271"/>
+            <a:ext cx="591588" cy="217845"/>
+          </a:xfrm>
+          <a:prstGeom prst="rightArrow">
+            <a:avLst/>
+          </a:prstGeom>
+          <a:solidFill>
+            <a:srgbClr val="FF0000"/>
+          </a:solidFill>
+        </p:spPr>
+        <p:style>
+          <a:lnRef idx="2">
+            <a:schemeClr val="accent1">
+              <a:shade val="50000"/>
+            </a:schemeClr>
+          </a:lnRef>
+          <a:fillRef idx="1">
+            <a:schemeClr val="accent1"/>
+          </a:fillRef>
+          <a:effectRef idx="0">
+            <a:schemeClr val="accent1"/>
+          </a:effectRef>
+          <a:fontRef idx="minor">
+            <a:schemeClr val="lt1"/>
+          </a:fontRef>
+        </p:style>
+        <p:txBody>
+          <a:bodyPr rtlCol="0" anchor="ctr"/>
+          <a:lstStyle/>
+          <a:p>
+            <a:pPr algn="ctr"/>
+            <a:endParaRPr lang="en-NZ"/>
+          </a:p>
+        </p:txBody>
+      </p:sp>
+      <p:sp>
+        <p:nvSpPr>
+          <p:cNvPr id="43" name="Rectangle 42">
+            <a:extLst>
+              <a:ext uri="{FF2B5EF4-FFF2-40B4-BE49-F238E27FC236}">
+                <a16:creationId xmlns:a16="http://schemas.microsoft.com/office/drawing/2014/main" id="{5C7F8DA6-CE1A-1BEB-6EB0-D7EC19B9B0EA}"/>
+              </a:ext>
+            </a:extLst>
+          </p:cNvPr>
+          <p:cNvSpPr/>
+          <p:nvPr/>
+        </p:nvSpPr>
+        <p:spPr>
+          <a:xfrm>
+            <a:off x="1685832" y="3747046"/>
+            <a:ext cx="409575" cy="181870"/>
+          </a:xfrm>
+          <a:prstGeom prst="rect">
+            <a:avLst/>
+          </a:prstGeom>
+          <a:noFill/>
+          <a:ln w="38100">
+            <a:solidFill>
+              <a:srgbClr val="FF0000"/>
+            </a:solidFill>
+          </a:ln>
+        </p:spPr>
+        <p:style>
+          <a:lnRef idx="2">
+            <a:schemeClr val="accent1">
+              <a:shade val="50000"/>
+            </a:schemeClr>
+          </a:lnRef>
+          <a:fillRef idx="1">
+            <a:schemeClr val="accent1"/>
+          </a:fillRef>
+          <a:effectRef idx="0">
+            <a:schemeClr val="accent1"/>
+          </a:effectRef>
+          <a:fontRef idx="minor">
+            <a:schemeClr val="lt1"/>
+          </a:fontRef>
+        </p:style>
+        <p:txBody>
+          <a:bodyPr rtlCol="0" anchor="ctr"/>
+          <a:lstStyle/>
+          <a:p>
+            <a:pPr algn="ctr"/>
+            <a:endParaRPr lang="en-NZ"/>
+          </a:p>
+        </p:txBody>
+      </p:sp>
+      <p:sp>
+        <p:nvSpPr>
+          <p:cNvPr id="44" name="Rectangle 43">
+            <a:extLst>
+              <a:ext uri="{FF2B5EF4-FFF2-40B4-BE49-F238E27FC236}">
+                <a16:creationId xmlns:a16="http://schemas.microsoft.com/office/drawing/2014/main" id="{7A04ACCC-CFC5-314A-8D42-619E905B1DB1}"/>
+              </a:ext>
+            </a:extLst>
+          </p:cNvPr>
+          <p:cNvSpPr/>
+          <p:nvPr/>
+        </p:nvSpPr>
+        <p:spPr>
+          <a:xfrm>
+            <a:off x="6020505" y="3218444"/>
+            <a:ext cx="409575" cy="181870"/>
+          </a:xfrm>
+          <a:prstGeom prst="rect">
+            <a:avLst/>
+          </a:prstGeom>
+          <a:noFill/>
+          <a:ln w="38100">
+            <a:solidFill>
+              <a:srgbClr val="FF0000"/>
+            </a:solidFill>
+          </a:ln>
+        </p:spPr>
+        <p:style>
+          <a:lnRef idx="2">
+            <a:schemeClr val="accent1">
+              <a:shade val="50000"/>
+            </a:schemeClr>
+          </a:lnRef>
+          <a:fillRef idx="1">
+            <a:schemeClr val="accent1"/>
+          </a:fillRef>
+          <a:effectRef idx="0">
+            <a:schemeClr val="accent1"/>
+          </a:effectRef>
+          <a:fontRef idx="minor">
+            <a:schemeClr val="lt1"/>
+          </a:fontRef>
+        </p:style>
+        <p:txBody>
+          <a:bodyPr rtlCol="0" anchor="ctr"/>
+          <a:lstStyle/>
+          <a:p>
+            <a:pPr algn="ctr"/>
+            <a:endParaRPr lang="en-NZ"/>
+          </a:p>
+        </p:txBody>
+      </p:sp>
+      <p:sp>
+        <p:nvSpPr>
+          <p:cNvPr id="45" name="Arrow: Right 44">
+            <a:extLst>
+              <a:ext uri="{FF2B5EF4-FFF2-40B4-BE49-F238E27FC236}">
+                <a16:creationId xmlns:a16="http://schemas.microsoft.com/office/drawing/2014/main" id="{FA8647CA-7894-F5D6-E008-C08C3C75A9D7}"/>
+              </a:ext>
+            </a:extLst>
+          </p:cNvPr>
+          <p:cNvSpPr/>
+          <p:nvPr/>
+        </p:nvSpPr>
+        <p:spPr>
+          <a:xfrm>
+            <a:off x="7241280" y="2659938"/>
+            <a:ext cx="591588" cy="217845"/>
+          </a:xfrm>
+          <a:prstGeom prst="rightArrow">
+            <a:avLst/>
+          </a:prstGeom>
+          <a:solidFill>
+            <a:srgbClr val="FF0000"/>
+          </a:solidFill>
+        </p:spPr>
+        <p:style>
+          <a:lnRef idx="2">
+            <a:schemeClr val="accent1">
+              <a:shade val="50000"/>
+            </a:schemeClr>
+          </a:lnRef>
+          <a:fillRef idx="1">
+            <a:schemeClr val="accent1"/>
+          </a:fillRef>
+          <a:effectRef idx="0">
+            <a:schemeClr val="accent1"/>
+          </a:effectRef>
+          <a:fontRef idx="minor">
+            <a:schemeClr val="lt1"/>
+          </a:fontRef>
+        </p:style>
+        <p:txBody>
+          <a:bodyPr rtlCol="0" anchor="ctr"/>
+          <a:lstStyle/>
+          <a:p>
+            <a:pPr algn="ctr"/>
+            <a:endParaRPr lang="en-NZ"/>
+          </a:p>
+        </p:txBody>
+      </p:sp>
+      <p:sp>
+        <p:nvSpPr>
+          <p:cNvPr id="46" name="Rectangle 45">
+            <a:extLst>
+              <a:ext uri="{FF2B5EF4-FFF2-40B4-BE49-F238E27FC236}">
+                <a16:creationId xmlns:a16="http://schemas.microsoft.com/office/drawing/2014/main" id="{595B89E2-761B-69D8-F3AB-E7717D705BFE}"/>
+              </a:ext>
+            </a:extLst>
+          </p:cNvPr>
+          <p:cNvSpPr/>
+          <p:nvPr/>
+        </p:nvSpPr>
+        <p:spPr>
+          <a:xfrm>
+            <a:off x="9651337" y="3203709"/>
+            <a:ext cx="409575" cy="181870"/>
+          </a:xfrm>
+          <a:prstGeom prst="rect">
+            <a:avLst/>
+          </a:prstGeom>
+          <a:noFill/>
+          <a:ln w="38100">
+            <a:solidFill>
+              <a:srgbClr val="FF0000"/>
+            </a:solidFill>
+          </a:ln>
+        </p:spPr>
+        <p:style>
+          <a:lnRef idx="2">
+            <a:schemeClr val="accent1">
+              <a:shade val="50000"/>
+            </a:schemeClr>
+          </a:lnRef>
+          <a:fillRef idx="1">
+            <a:schemeClr val="accent1"/>
+          </a:fillRef>
+          <a:effectRef idx="0">
+            <a:schemeClr val="accent1"/>
+          </a:effectRef>
+          <a:fontRef idx="minor">
+            <a:schemeClr val="lt1"/>
+          </a:fontRef>
+        </p:style>
+        <p:txBody>
+          <a:bodyPr rtlCol="0" anchor="ctr"/>
+          <a:lstStyle/>
+          <a:p>
+            <a:pPr algn="ctr"/>
+            <a:endParaRPr lang="en-NZ"/>
+          </a:p>
+        </p:txBody>
+      </p:sp>
+      <p:sp>
+        <p:nvSpPr>
+          <p:cNvPr id="47" name="Rectangle 46">
+            <a:extLst>
+              <a:ext uri="{FF2B5EF4-FFF2-40B4-BE49-F238E27FC236}">
+                <a16:creationId xmlns:a16="http://schemas.microsoft.com/office/drawing/2014/main" id="{823BC825-FD14-E143-4832-12F1D19AF264}"/>
+              </a:ext>
+            </a:extLst>
+          </p:cNvPr>
+          <p:cNvSpPr/>
+          <p:nvPr/>
+        </p:nvSpPr>
+        <p:spPr>
+          <a:xfrm>
+            <a:off x="91630" y="4617613"/>
+            <a:ext cx="409575" cy="323850"/>
+          </a:xfrm>
+          <a:prstGeom prst="rect">
+            <a:avLst/>
+          </a:prstGeom>
+          <a:noFill/>
+          <a:ln w="38100">
+            <a:solidFill>
+              <a:srgbClr val="FF0000"/>
+            </a:solidFill>
+          </a:ln>
+        </p:spPr>
+        <p:style>
+          <a:lnRef idx="2">
+            <a:schemeClr val="accent1">
+              <a:shade val="50000"/>
+            </a:schemeClr>
+          </a:lnRef>
+          <a:fillRef idx="1">
+            <a:schemeClr val="accent1"/>
+          </a:fillRef>
+          <a:effectRef idx="0">
+            <a:schemeClr val="accent1"/>
+          </a:effectRef>
+          <a:fontRef idx="minor">
+            <a:schemeClr val="lt1"/>
+          </a:fontRef>
+        </p:style>
+        <p:txBody>
+          <a:bodyPr rtlCol="0" anchor="ctr"/>
+          <a:lstStyle/>
+          <a:p>
+            <a:pPr algn="ctr"/>
+            <a:endParaRPr lang="en-NZ"/>
+          </a:p>
+        </p:txBody>
+      </p:sp>
+      <p:sp>
+        <p:nvSpPr>
+          <p:cNvPr id="48" name="Rectangle 47">
+            <a:extLst>
+              <a:ext uri="{FF2B5EF4-FFF2-40B4-BE49-F238E27FC236}">
+                <a16:creationId xmlns:a16="http://schemas.microsoft.com/office/drawing/2014/main" id="{2B1745E3-A188-4CA9-8118-51C858FDE05E}"/>
+              </a:ext>
+            </a:extLst>
+          </p:cNvPr>
+          <p:cNvSpPr/>
+          <p:nvPr/>
+        </p:nvSpPr>
+        <p:spPr>
+          <a:xfrm>
+            <a:off x="609600" y="4947679"/>
+            <a:ext cx="409575" cy="323850"/>
+          </a:xfrm>
+          <a:prstGeom prst="rect">
+            <a:avLst/>
+          </a:prstGeom>
+          <a:noFill/>
+          <a:ln w="38100">
+            <a:solidFill>
+              <a:srgbClr val="FF0000"/>
+            </a:solidFill>
+          </a:ln>
+        </p:spPr>
+        <p:style>
+          <a:lnRef idx="2">
+            <a:schemeClr val="accent1">
+              <a:shade val="50000"/>
+            </a:schemeClr>
+          </a:lnRef>
+          <a:fillRef idx="1">
+            <a:schemeClr val="accent1"/>
+          </a:fillRef>
+          <a:effectRef idx="0">
+            <a:schemeClr val="accent1"/>
+          </a:effectRef>
+          <a:fontRef idx="minor">
+            <a:schemeClr val="lt1"/>
+          </a:fontRef>
+        </p:style>
+        <p:txBody>
+          <a:bodyPr rtlCol="0" anchor="ctr"/>
+          <a:lstStyle/>
+          <a:p>
+            <a:pPr algn="ctr"/>
+            <a:endParaRPr lang="en-NZ"/>
+          </a:p>
+        </p:txBody>
+      </p:sp>
+      <p:sp>
+        <p:nvSpPr>
+          <p:cNvPr id="49" name="Arrow: Right 48">
+            <a:extLst>
+              <a:ext uri="{FF2B5EF4-FFF2-40B4-BE49-F238E27FC236}">
+                <a16:creationId xmlns:a16="http://schemas.microsoft.com/office/drawing/2014/main" id="{6AD4759F-B824-1226-CD94-62E04F369FEF}"/>
+              </a:ext>
+            </a:extLst>
+          </p:cNvPr>
+          <p:cNvSpPr/>
+          <p:nvPr/>
+        </p:nvSpPr>
+        <p:spPr>
+          <a:xfrm rot="10203367">
+            <a:off x="3069466" y="3557760"/>
+            <a:ext cx="4901540" cy="297505"/>
+          </a:xfrm>
+          <a:prstGeom prst="rightArrow">
+            <a:avLst/>
+          </a:prstGeom>
+          <a:solidFill>
+            <a:srgbClr val="FF0000"/>
+          </a:solidFill>
+        </p:spPr>
+        <p:style>
+          <a:lnRef idx="2">
+            <a:schemeClr val="accent1">
+              <a:shade val="50000"/>
+            </a:schemeClr>
+          </a:lnRef>
+          <a:fillRef idx="1">
+            <a:schemeClr val="accent1"/>
+          </a:fillRef>
+          <a:effectRef idx="0">
+            <a:schemeClr val="accent1"/>
+          </a:effectRef>
+          <a:fontRef idx="minor">
+            <a:schemeClr val="lt1"/>
+          </a:fontRef>
+        </p:style>
+        <p:txBody>
+          <a:bodyPr rtlCol="0" anchor="ctr"/>
+          <a:lstStyle/>
+          <a:p>
+            <a:pPr algn="ctr"/>
+            <a:endParaRPr lang="en-NZ"/>
+          </a:p>
+        </p:txBody>
+      </p:sp>
+      <p:sp>
+        <p:nvSpPr>
+          <p:cNvPr id="50" name="Arrow: Right 49">
+            <a:extLst>
+              <a:ext uri="{FF2B5EF4-FFF2-40B4-BE49-F238E27FC236}">
+                <a16:creationId xmlns:a16="http://schemas.microsoft.com/office/drawing/2014/main" id="{3F703B94-F06C-63D6-4D68-A293A5950E06}"/>
+              </a:ext>
+            </a:extLst>
+          </p:cNvPr>
+          <p:cNvSpPr/>
+          <p:nvPr/>
+        </p:nvSpPr>
+        <p:spPr>
+          <a:xfrm>
+            <a:off x="3167679" y="4617613"/>
+            <a:ext cx="591588" cy="217845"/>
+          </a:xfrm>
+          <a:prstGeom prst="rightArrow">
+            <a:avLst/>
+          </a:prstGeom>
+          <a:solidFill>
+            <a:srgbClr val="FF0000"/>
+          </a:solidFill>
+        </p:spPr>
+        <p:style>
+          <a:lnRef idx="2">
+            <a:schemeClr val="accent1">
+              <a:shade val="50000"/>
+            </a:schemeClr>
+          </a:lnRef>
+          <a:fillRef idx="1">
+            <a:schemeClr val="accent1"/>
+          </a:fillRef>
+          <a:effectRef idx="0">
+            <a:schemeClr val="accent1"/>
+          </a:effectRef>
+          <a:fontRef idx="minor">
+            <a:schemeClr val="lt1"/>
+          </a:fontRef>
+        </p:style>
+        <p:txBody>
+          <a:bodyPr rtlCol="0" anchor="ctr"/>
+          <a:lstStyle/>
+          <a:p>
+            <a:pPr algn="ctr"/>
+            <a:endParaRPr lang="en-NZ"/>
+          </a:p>
+        </p:txBody>
+      </p:sp>
+      <p:sp>
+        <p:nvSpPr>
+          <p:cNvPr id="51" name="TextBox 50">
+            <a:extLst>
+              <a:ext uri="{FF2B5EF4-FFF2-40B4-BE49-F238E27FC236}">
+                <a16:creationId xmlns:a16="http://schemas.microsoft.com/office/drawing/2014/main" id="{C366FF08-D177-3E9E-80D1-AB01EAC095A9}"/>
+              </a:ext>
+            </a:extLst>
+          </p:cNvPr>
+          <p:cNvSpPr txBox="1"/>
+          <p:nvPr/>
+        </p:nvSpPr>
+        <p:spPr>
+          <a:xfrm>
+            <a:off x="6834069" y="4711689"/>
+            <a:ext cx="5219700" cy="2031325"/>
+          </a:xfrm>
+          <a:prstGeom prst="rect">
+            <a:avLst/>
+          </a:prstGeom>
+          <a:noFill/>
         </p:spPr>
         <p:txBody>
-          <a:bodyPr wrap="square">
+          <a:bodyPr wrap="square" rtlCol="0">
             <a:spAutoFit/>
           </a:bodyPr>
           <a:lstStyle/>
           <a:p>
-            <a:pPr>
-              <a:lnSpc>
-                <a:spcPct val="115000"/>
-              </a:lnSpc>
-              <a:spcAft>
-                <a:spcPts val="0"/>
-              </a:spcAft>
-            </a:pPr>
             <a:r>
-              <a:rPr lang="en-NZ" i="1" dirty="0">
-                <a:latin typeface="Arial" panose="020B0604020202020204" pitchFamily="34" charset="0"/>
-                <a:ea typeface="Arial" panose="020B0604020202020204" pitchFamily="34" charset="0"/>
-              </a:rPr>
-              <a:t>Your version control evidence should go here.  This could be in the form of screenshots (both of your GitHub repository as well as your local project folder) as evidence of your incremental development.</a:t>
+              <a:rPr lang="en-NZ" dirty="0"/>
+              <a:t>This testing on the assembled outcome based on the test plan from the previous slide shows that the Add creature and delete, which are two separate functions, work together seamlessly with no errors. For example for a user-added character the delete function is able to delete the creature</a:t>
             </a:r>
-            <a:endParaRPr lang="en-NZ" dirty="0">
-              <a:latin typeface="Arial" panose="020B0604020202020204" pitchFamily="34" charset="0"/>
-              <a:ea typeface="Arial" panose="020B0604020202020204" pitchFamily="34" charset="0"/>
-            </a:endParaRPr>
+          </a:p>
+          <a:p>
+            <a:r>
+              <a:rPr lang="en-NZ" dirty="0"/>
+              <a:t>The red boxes showcases the user input.</a:t>
+            </a:r>
+          </a:p>
+        </p:txBody>
+      </p:sp>
+      <p:sp>
+        <p:nvSpPr>
+          <p:cNvPr id="52" name="TextBox 51">
+            <a:extLst>
+              <a:ext uri="{FF2B5EF4-FFF2-40B4-BE49-F238E27FC236}">
+                <a16:creationId xmlns:a16="http://schemas.microsoft.com/office/drawing/2014/main" id="{75C37C4E-6F60-524E-CAB4-AC272F1D271C}"/>
+              </a:ext>
+            </a:extLst>
+          </p:cNvPr>
+          <p:cNvSpPr txBox="1"/>
+          <p:nvPr/>
+        </p:nvSpPr>
+        <p:spPr>
+          <a:xfrm>
+            <a:off x="8678184" y="389541"/>
+            <a:ext cx="2495550" cy="1754326"/>
+          </a:xfrm>
+          <a:prstGeom prst="rect">
+            <a:avLst/>
+          </a:prstGeom>
+          <a:noFill/>
+        </p:spPr>
+        <p:txBody>
+          <a:bodyPr wrap="square" rtlCol="0">
+            <a:spAutoFit/>
+          </a:bodyPr>
+          <a:lstStyle/>
+          <a:p>
+            <a:r>
+              <a:rPr lang="en-NZ" dirty="0"/>
+              <a:t>Missing dialogue boxes of the stats for the </a:t>
+            </a:r>
+            <a:r>
+              <a:rPr lang="en-NZ" dirty="0" err="1"/>
+              <a:t>creatue</a:t>
+            </a:r>
+            <a:r>
+              <a:rPr lang="en-NZ" dirty="0"/>
+              <a:t> as not required to showcase these functions working together.</a:t>
+            </a:r>
           </a:p>
         </p:txBody>
       </p:sp>
     </p:spTree>
     <p:extLst>
       <p:ext uri="{BB962C8B-B14F-4D97-AF65-F5344CB8AC3E}">
-        <p14:creationId xmlns:p14="http://schemas.microsoft.com/office/powerpoint/2010/main" val="1357549755"/>
+        <p14:creationId xmlns:p14="http://schemas.microsoft.com/office/powerpoint/2010/main" val="1798417511"/>
       </p:ext>
     </p:extLst>
   </p:cSld>
@@ -27079,6 +31336,2195 @@
           <p:cNvPr id="2" name="Title 1">
             <a:extLst>
               <a:ext uri="{FF2B5EF4-FFF2-40B4-BE49-F238E27FC236}">
+                <a16:creationId xmlns:a16="http://schemas.microsoft.com/office/drawing/2014/main" id="{183CAE4A-E189-4CAA-B3F5-7E97BC5188E3}"/>
+              </a:ext>
+            </a:extLst>
+          </p:cNvPr>
+          <p:cNvSpPr>
+            <a:spLocks noGrp="1"/>
+          </p:cNvSpPr>
+          <p:nvPr>
+            <p:ph type="title"/>
+          </p:nvPr>
+        </p:nvSpPr>
+        <p:spPr>
+          <a:xfrm>
+            <a:off x="838199" y="406400"/>
+            <a:ext cx="10515600" cy="583248"/>
+          </a:xfrm>
+        </p:spPr>
+        <p:txBody>
+          <a:bodyPr>
+            <a:normAutofit fontScale="90000"/>
+          </a:bodyPr>
+          <a:lstStyle/>
+          <a:p>
+            <a:r>
+              <a:rPr lang="en-NZ" sz="4000" dirty="0"/>
+              <a:t>Assembled Outcome print:</a:t>
+            </a:r>
+          </a:p>
+        </p:txBody>
+      </p:sp>
+      <p:graphicFrame>
+        <p:nvGraphicFramePr>
+          <p:cNvPr id="4" name="Google Shape;92;p19">
+            <a:extLst>
+              <a:ext uri="{FF2B5EF4-FFF2-40B4-BE49-F238E27FC236}">
+                <a16:creationId xmlns:a16="http://schemas.microsoft.com/office/drawing/2014/main" id="{1924472A-B52F-7F83-7542-4283DA4B7733}"/>
+              </a:ext>
+            </a:extLst>
+          </p:cNvPr>
+          <p:cNvGraphicFramePr/>
+          <p:nvPr>
+            <p:extLst>
+              <p:ext uri="{D42A27DB-BD31-4B8C-83A1-F6EECF244321}">
+                <p14:modId xmlns:p14="http://schemas.microsoft.com/office/powerpoint/2010/main" val="2143631985"/>
+              </p:ext>
+            </p:extLst>
+          </p:nvPr>
+        </p:nvGraphicFramePr>
+        <p:xfrm>
+          <a:off x="415600" y="1081088"/>
+          <a:ext cx="11360799" cy="1828680"/>
+        </p:xfrm>
+        <a:graphic>
+          <a:graphicData uri="http://schemas.openxmlformats.org/drawingml/2006/table">
+            <a:tbl>
+              <a:tblPr>
+                <a:noFill/>
+              </a:tblPr>
+              <a:tblGrid>
+                <a:gridCol w="3786933">
+                  <a:extLst>
+                    <a:ext uri="{9D8B030D-6E8A-4147-A177-3AD203B41FA5}">
+                      <a16:colId xmlns:a16="http://schemas.microsoft.com/office/drawing/2014/main" val="3053296164"/>
+                    </a:ext>
+                  </a:extLst>
+                </a:gridCol>
+                <a:gridCol w="3786933">
+                  <a:extLst>
+                    <a:ext uri="{9D8B030D-6E8A-4147-A177-3AD203B41FA5}">
+                      <a16:colId xmlns:a16="http://schemas.microsoft.com/office/drawing/2014/main" val="20000"/>
+                    </a:ext>
+                  </a:extLst>
+                </a:gridCol>
+                <a:gridCol w="3786933">
+                  <a:extLst>
+                    <a:ext uri="{9D8B030D-6E8A-4147-A177-3AD203B41FA5}">
+                      <a16:colId xmlns:a16="http://schemas.microsoft.com/office/drawing/2014/main" val="20001"/>
+                    </a:ext>
+                  </a:extLst>
+                </a:gridCol>
+              </a:tblGrid>
+              <a:tr h="609560">
+                <a:tc>
+                  <a:txBody>
+                    <a:bodyPr/>
+                    <a:lstStyle/>
+                    <a:p>
+                      <a:pPr marL="0" lvl="0" indent="0" algn="l" rtl="0">
+                        <a:spcBef>
+                          <a:spcPts val="0"/>
+                        </a:spcBef>
+                        <a:spcAft>
+                          <a:spcPts val="0"/>
+                        </a:spcAft>
+                        <a:buNone/>
+                      </a:pPr>
+                      <a:r>
+                        <a:rPr lang="en-NZ" sz="1800" b="1" dirty="0"/>
+                        <a:t>What Program Should Ask</a:t>
+                      </a:r>
+                      <a:endParaRPr sz="1800" b="1" dirty="0"/>
+                    </a:p>
+                  </a:txBody>
+                  <a:tcPr marL="121900" marR="121900" marT="121900" marB="121900">
+                    <a:solidFill>
+                      <a:srgbClr val="CCCCCC"/>
+                    </a:solidFill>
+                  </a:tcPr>
+                </a:tc>
+                <a:tc>
+                  <a:txBody>
+                    <a:bodyPr/>
+                    <a:lstStyle/>
+                    <a:p>
+                      <a:pPr marL="0" lvl="0" indent="0" algn="l" rtl="0">
+                        <a:spcBef>
+                          <a:spcPts val="0"/>
+                        </a:spcBef>
+                        <a:spcAft>
+                          <a:spcPts val="0"/>
+                        </a:spcAft>
+                        <a:buNone/>
+                      </a:pPr>
+                      <a:r>
+                        <a:rPr lang="en" sz="1800" b="1" dirty="0"/>
+                        <a:t>Test Cases - input</a:t>
+                      </a:r>
+                      <a:endParaRPr sz="1800" b="1" dirty="0"/>
+                    </a:p>
+                  </a:txBody>
+                  <a:tcPr marL="121900" marR="121900" marT="121900" marB="121900">
+                    <a:solidFill>
+                      <a:srgbClr val="CCCCCC"/>
+                    </a:solidFill>
+                  </a:tcPr>
+                </a:tc>
+                <a:tc>
+                  <a:txBody>
+                    <a:bodyPr/>
+                    <a:lstStyle/>
+                    <a:p>
+                      <a:pPr marL="0" lvl="0" indent="0" algn="l" rtl="0">
+                        <a:spcBef>
+                          <a:spcPts val="0"/>
+                        </a:spcBef>
+                        <a:spcAft>
+                          <a:spcPts val="0"/>
+                        </a:spcAft>
+                        <a:buNone/>
+                      </a:pPr>
+                      <a:r>
+                        <a:rPr lang="en" sz="1800" b="1" dirty="0"/>
+                        <a:t>Expected output</a:t>
+                      </a:r>
+                      <a:endParaRPr sz="1800" b="1" dirty="0"/>
+                    </a:p>
+                  </a:txBody>
+                  <a:tcPr marL="121900" marR="121900" marT="121900" marB="121900">
+                    <a:solidFill>
+                      <a:srgbClr val="CCCCCC"/>
+                    </a:solidFill>
+                  </a:tcPr>
+                </a:tc>
+                <a:extLst>
+                  <a:ext uri="{0D108BD9-81ED-4DB2-BD59-A6C34878D82A}">
+                    <a16:rowId xmlns:a16="http://schemas.microsoft.com/office/drawing/2014/main" val="10000"/>
+                  </a:ext>
+                </a:extLst>
+              </a:tr>
+              <a:tr h="609560">
+                <a:tc>
+                  <a:txBody>
+                    <a:bodyPr/>
+                    <a:lstStyle/>
+                    <a:p>
+                      <a:pPr marL="0" lvl="0" indent="0" algn="l" rtl="0">
+                        <a:spcBef>
+                          <a:spcPts val="0"/>
+                        </a:spcBef>
+                        <a:spcAft>
+                          <a:spcPts val="0"/>
+                        </a:spcAft>
+                        <a:buNone/>
+                      </a:pPr>
+                      <a:r>
+                        <a:rPr lang="en-NZ" sz="1800" dirty="0"/>
+                        <a:t>Main menu (options listed</a:t>
+                      </a:r>
+                      <a:endParaRPr sz="1800" dirty="0"/>
+                    </a:p>
+                  </a:txBody>
+                  <a:tcPr marL="121900" marR="121900" marT="121900" marB="121900"/>
+                </a:tc>
+                <a:tc>
+                  <a:txBody>
+                    <a:bodyPr/>
+                    <a:lstStyle/>
+                    <a:p>
+                      <a:pPr marL="0" lvl="0" indent="0" algn="l" rtl="0">
+                        <a:spcBef>
+                          <a:spcPts val="0"/>
+                        </a:spcBef>
+                        <a:spcAft>
+                          <a:spcPts val="0"/>
+                        </a:spcAft>
+                        <a:buNone/>
+                      </a:pPr>
+                      <a:r>
+                        <a:rPr lang="en-NZ" sz="1800" dirty="0"/>
+                        <a:t>Print</a:t>
+                      </a:r>
+                      <a:endParaRPr sz="1800" dirty="0"/>
+                    </a:p>
+                  </a:txBody>
+                  <a:tcPr marL="121900" marR="121900" marT="121900" marB="121900"/>
+                </a:tc>
+                <a:tc>
+                  <a:txBody>
+                    <a:bodyPr/>
+                    <a:lstStyle/>
+                    <a:p>
+                      <a:pPr marL="0" lvl="0" indent="0" algn="l" rtl="0">
+                        <a:spcBef>
+                          <a:spcPts val="0"/>
+                        </a:spcBef>
+                        <a:spcAft>
+                          <a:spcPts val="0"/>
+                        </a:spcAft>
+                        <a:buNone/>
+                      </a:pPr>
+                      <a:r>
+                        <a:rPr lang="en-NZ" sz="1800" dirty="0"/>
+                        <a:t>Print functions runs seamlessly</a:t>
+                      </a:r>
+                    </a:p>
+                  </a:txBody>
+                  <a:tcPr marL="121900" marR="121900" marT="121900" marB="121900"/>
+                </a:tc>
+                <a:extLst>
+                  <a:ext uri="{0D108BD9-81ED-4DB2-BD59-A6C34878D82A}">
+                    <a16:rowId xmlns:a16="http://schemas.microsoft.com/office/drawing/2014/main" val="10001"/>
+                  </a:ext>
+                </a:extLst>
+              </a:tr>
+              <a:tr h="609560">
+                <a:tc>
+                  <a:txBody>
+                    <a:bodyPr/>
+                    <a:lstStyle/>
+                    <a:p>
+                      <a:pPr marL="0" lvl="0" indent="0" algn="l" rtl="0">
+                        <a:spcBef>
+                          <a:spcPts val="0"/>
+                        </a:spcBef>
+                        <a:spcAft>
+                          <a:spcPts val="0"/>
+                        </a:spcAft>
+                        <a:buNone/>
+                      </a:pPr>
+                      <a:r>
+                        <a:rPr lang="en-NZ" sz="1800" dirty="0"/>
+                        <a:t>Returns to main menu</a:t>
+                      </a:r>
+                      <a:endParaRPr sz="1800" dirty="0"/>
+                    </a:p>
+                  </a:txBody>
+                  <a:tcPr marL="121900" marR="121900" marT="121900" marB="121900"/>
+                </a:tc>
+                <a:tc>
+                  <a:txBody>
+                    <a:bodyPr/>
+                    <a:lstStyle/>
+                    <a:p>
+                      <a:pPr marL="0" lvl="0" indent="0" algn="l" rtl="0">
+                        <a:spcBef>
+                          <a:spcPts val="0"/>
+                        </a:spcBef>
+                        <a:spcAft>
+                          <a:spcPts val="0"/>
+                        </a:spcAft>
+                        <a:buNone/>
+                      </a:pPr>
+                      <a:endParaRPr sz="1800" dirty="0"/>
+                    </a:p>
+                  </a:txBody>
+                  <a:tcPr marL="121900" marR="121900" marT="121900" marB="121900"/>
+                </a:tc>
+                <a:tc>
+                  <a:txBody>
+                    <a:bodyPr/>
+                    <a:lstStyle/>
+                    <a:p>
+                      <a:pPr marL="0" lvl="0" indent="0" algn="l" rtl="0">
+                        <a:spcBef>
+                          <a:spcPts val="0"/>
+                        </a:spcBef>
+                        <a:spcAft>
+                          <a:spcPts val="0"/>
+                        </a:spcAft>
+                        <a:buNone/>
+                      </a:pPr>
+                      <a:endParaRPr lang="en-NZ" sz="1800" dirty="0"/>
+                    </a:p>
+                  </a:txBody>
+                  <a:tcPr marL="121900" marR="121900" marT="121900" marB="121900"/>
+                </a:tc>
+                <a:extLst>
+                  <a:ext uri="{0D108BD9-81ED-4DB2-BD59-A6C34878D82A}">
+                    <a16:rowId xmlns:a16="http://schemas.microsoft.com/office/drawing/2014/main" val="2158107402"/>
+                  </a:ext>
+                </a:extLst>
+              </a:tr>
+            </a:tbl>
+          </a:graphicData>
+        </a:graphic>
+      </p:graphicFrame>
+      <p:pic>
+        <p:nvPicPr>
+          <p:cNvPr id="5" name="Picture 4">
+            <a:extLst>
+              <a:ext uri="{FF2B5EF4-FFF2-40B4-BE49-F238E27FC236}">
+                <a16:creationId xmlns:a16="http://schemas.microsoft.com/office/drawing/2014/main" id="{BFE1B0D7-CC24-9CAF-72F6-C2E831C8C528}"/>
+              </a:ext>
+            </a:extLst>
+          </p:cNvPr>
+          <p:cNvPicPr>
+            <a:picLocks noChangeAspect="1"/>
+          </p:cNvPicPr>
+          <p:nvPr/>
+        </p:nvPicPr>
+        <p:blipFill>
+          <a:blip r:embed="rId3"/>
+          <a:stretch>
+            <a:fillRect/>
+          </a:stretch>
+        </p:blipFill>
+        <p:spPr>
+          <a:xfrm>
+            <a:off x="0" y="3076421"/>
+            <a:ext cx="4410075" cy="1515759"/>
+          </a:xfrm>
+          <a:prstGeom prst="rect">
+            <a:avLst/>
+          </a:prstGeom>
+        </p:spPr>
+      </p:pic>
+      <p:pic>
+        <p:nvPicPr>
+          <p:cNvPr id="7" name="Picture 6">
+            <a:extLst>
+              <a:ext uri="{FF2B5EF4-FFF2-40B4-BE49-F238E27FC236}">
+                <a16:creationId xmlns:a16="http://schemas.microsoft.com/office/drawing/2014/main" id="{486A3507-AF68-CFE9-A357-3310CCB8D5DF}"/>
+              </a:ext>
+            </a:extLst>
+          </p:cNvPr>
+          <p:cNvPicPr>
+            <a:picLocks noChangeAspect="1"/>
+          </p:cNvPicPr>
+          <p:nvPr/>
+        </p:nvPicPr>
+        <p:blipFill>
+          <a:blip r:embed="rId4"/>
+          <a:stretch>
+            <a:fillRect/>
+          </a:stretch>
+        </p:blipFill>
+        <p:spPr>
+          <a:xfrm>
+            <a:off x="4385852" y="3081670"/>
+            <a:ext cx="3505029" cy="1190778"/>
+          </a:xfrm>
+          <a:prstGeom prst="rect">
+            <a:avLst/>
+          </a:prstGeom>
+        </p:spPr>
+      </p:pic>
+      <p:pic>
+        <p:nvPicPr>
+          <p:cNvPr id="10" name="Picture 9">
+            <a:extLst>
+              <a:ext uri="{FF2B5EF4-FFF2-40B4-BE49-F238E27FC236}">
+                <a16:creationId xmlns:a16="http://schemas.microsoft.com/office/drawing/2014/main" id="{D0B99C63-423B-FC75-A6ED-D23DBD480CE5}"/>
+              </a:ext>
+            </a:extLst>
+          </p:cNvPr>
+          <p:cNvPicPr>
+            <a:picLocks noChangeAspect="1"/>
+          </p:cNvPicPr>
+          <p:nvPr/>
+        </p:nvPicPr>
+        <p:blipFill>
+          <a:blip r:embed="rId3"/>
+          <a:stretch>
+            <a:fillRect/>
+          </a:stretch>
+        </p:blipFill>
+        <p:spPr>
+          <a:xfrm>
+            <a:off x="3581400" y="4758833"/>
+            <a:ext cx="4410075" cy="1515759"/>
+          </a:xfrm>
+          <a:prstGeom prst="rect">
+            <a:avLst/>
+          </a:prstGeom>
+        </p:spPr>
+      </p:pic>
+      <p:sp>
+        <p:nvSpPr>
+          <p:cNvPr id="11" name="Arrow: Right 10">
+            <a:extLst>
+              <a:ext uri="{FF2B5EF4-FFF2-40B4-BE49-F238E27FC236}">
+                <a16:creationId xmlns:a16="http://schemas.microsoft.com/office/drawing/2014/main" id="{B287A1AD-8A47-3173-90FE-9EB29FB7A847}"/>
+              </a:ext>
+            </a:extLst>
+          </p:cNvPr>
+          <p:cNvSpPr/>
+          <p:nvPr/>
+        </p:nvSpPr>
+        <p:spPr>
+          <a:xfrm>
+            <a:off x="4114281" y="3725377"/>
+            <a:ext cx="591588" cy="217845"/>
+          </a:xfrm>
+          <a:prstGeom prst="rightArrow">
+            <a:avLst/>
+          </a:prstGeom>
+          <a:solidFill>
+            <a:srgbClr val="FF0000"/>
+          </a:solidFill>
+        </p:spPr>
+        <p:style>
+          <a:lnRef idx="2">
+            <a:schemeClr val="accent1">
+              <a:shade val="50000"/>
+            </a:schemeClr>
+          </a:lnRef>
+          <a:fillRef idx="1">
+            <a:schemeClr val="accent1"/>
+          </a:fillRef>
+          <a:effectRef idx="0">
+            <a:schemeClr val="accent1"/>
+          </a:effectRef>
+          <a:fontRef idx="minor">
+            <a:schemeClr val="lt1"/>
+          </a:fontRef>
+        </p:style>
+        <p:txBody>
+          <a:bodyPr rtlCol="0" anchor="ctr"/>
+          <a:lstStyle/>
+          <a:p>
+            <a:pPr algn="ctr"/>
+            <a:endParaRPr lang="en-NZ"/>
+          </a:p>
+        </p:txBody>
+      </p:sp>
+      <p:sp>
+        <p:nvSpPr>
+          <p:cNvPr id="13" name="Arrow: Right 12">
+            <a:extLst>
+              <a:ext uri="{FF2B5EF4-FFF2-40B4-BE49-F238E27FC236}">
+                <a16:creationId xmlns:a16="http://schemas.microsoft.com/office/drawing/2014/main" id="{37673CF8-3FA4-7A70-8505-6ECC7645E0FC}"/>
+              </a:ext>
+            </a:extLst>
+          </p:cNvPr>
+          <p:cNvSpPr/>
+          <p:nvPr/>
+        </p:nvSpPr>
+        <p:spPr>
+          <a:xfrm>
+            <a:off x="7486133" y="3562887"/>
+            <a:ext cx="591588" cy="217845"/>
+          </a:xfrm>
+          <a:prstGeom prst="rightArrow">
+            <a:avLst/>
+          </a:prstGeom>
+          <a:solidFill>
+            <a:srgbClr val="FF0000"/>
+          </a:solidFill>
+        </p:spPr>
+        <p:style>
+          <a:lnRef idx="2">
+            <a:schemeClr val="accent1">
+              <a:shade val="50000"/>
+            </a:schemeClr>
+          </a:lnRef>
+          <a:fillRef idx="1">
+            <a:schemeClr val="accent1"/>
+          </a:fillRef>
+          <a:effectRef idx="0">
+            <a:schemeClr val="accent1"/>
+          </a:effectRef>
+          <a:fontRef idx="minor">
+            <a:schemeClr val="lt1"/>
+          </a:fontRef>
+        </p:style>
+        <p:txBody>
+          <a:bodyPr rtlCol="0" anchor="ctr"/>
+          <a:lstStyle/>
+          <a:p>
+            <a:pPr algn="ctr"/>
+            <a:endParaRPr lang="en-NZ"/>
+          </a:p>
+        </p:txBody>
+      </p:sp>
+      <p:sp>
+        <p:nvSpPr>
+          <p:cNvPr id="14" name="Arrow: Right 13">
+            <a:extLst>
+              <a:ext uri="{FF2B5EF4-FFF2-40B4-BE49-F238E27FC236}">
+                <a16:creationId xmlns:a16="http://schemas.microsoft.com/office/drawing/2014/main" id="{2D1E26B9-BC05-17D1-11C5-14E3F62932F0}"/>
+              </a:ext>
+            </a:extLst>
+          </p:cNvPr>
+          <p:cNvSpPr/>
+          <p:nvPr/>
+        </p:nvSpPr>
+        <p:spPr>
+          <a:xfrm rot="5400000">
+            <a:off x="6890743" y="4506666"/>
+            <a:ext cx="1190779" cy="337681"/>
+          </a:xfrm>
+          <a:prstGeom prst="rightArrow">
+            <a:avLst/>
+          </a:prstGeom>
+          <a:solidFill>
+            <a:srgbClr val="FF0000"/>
+          </a:solidFill>
+        </p:spPr>
+        <p:style>
+          <a:lnRef idx="2">
+            <a:schemeClr val="accent1">
+              <a:shade val="50000"/>
+            </a:schemeClr>
+          </a:lnRef>
+          <a:fillRef idx="1">
+            <a:schemeClr val="accent1"/>
+          </a:fillRef>
+          <a:effectRef idx="0">
+            <a:schemeClr val="accent1"/>
+          </a:effectRef>
+          <a:fontRef idx="minor">
+            <a:schemeClr val="lt1"/>
+          </a:fontRef>
+        </p:style>
+        <p:txBody>
+          <a:bodyPr rtlCol="0" anchor="ctr"/>
+          <a:lstStyle/>
+          <a:p>
+            <a:pPr algn="ctr"/>
+            <a:endParaRPr lang="en-NZ"/>
+          </a:p>
+        </p:txBody>
+      </p:sp>
+      <p:sp>
+        <p:nvSpPr>
+          <p:cNvPr id="15" name="TextBox 14">
+            <a:extLst>
+              <a:ext uri="{FF2B5EF4-FFF2-40B4-BE49-F238E27FC236}">
+                <a16:creationId xmlns:a16="http://schemas.microsoft.com/office/drawing/2014/main" id="{8650C27D-6072-421E-C3A0-DBAC9DC5F010}"/>
+              </a:ext>
+            </a:extLst>
+          </p:cNvPr>
+          <p:cNvSpPr txBox="1"/>
+          <p:nvPr/>
+        </p:nvSpPr>
+        <p:spPr>
+          <a:xfrm>
+            <a:off x="-44511" y="4700414"/>
+            <a:ext cx="3625911" cy="1815882"/>
+          </a:xfrm>
+          <a:prstGeom prst="rect">
+            <a:avLst/>
+          </a:prstGeom>
+          <a:noFill/>
+        </p:spPr>
+        <p:txBody>
+          <a:bodyPr wrap="square" rtlCol="0">
+            <a:spAutoFit/>
+          </a:bodyPr>
+          <a:lstStyle/>
+          <a:p>
+            <a:r>
+              <a:rPr lang="en-GB" sz="1400" dirty="0"/>
+              <a:t>Based on the test plan from the previous slide, this testing on the assembled outcome</a:t>
+            </a:r>
+            <a:r>
+              <a:rPr lang="en-NZ" sz="1400" dirty="0"/>
+              <a:t> shows that the main menu, print, and add creature, which are three separate functions, work together seamlessly with no errors. For example, the add creature function works with the print function as it displays the stats of the creature created using the add function </a:t>
+            </a:r>
+          </a:p>
+        </p:txBody>
+      </p:sp>
+      <p:pic>
+        <p:nvPicPr>
+          <p:cNvPr id="17" name="Picture 16">
+            <a:extLst>
+              <a:ext uri="{FF2B5EF4-FFF2-40B4-BE49-F238E27FC236}">
+                <a16:creationId xmlns:a16="http://schemas.microsoft.com/office/drawing/2014/main" id="{7AF8A559-DA19-B41C-1D54-6D444E40ED9C}"/>
+              </a:ext>
+            </a:extLst>
+          </p:cNvPr>
+          <p:cNvPicPr>
+            <a:picLocks noChangeAspect="1"/>
+          </p:cNvPicPr>
+          <p:nvPr/>
+        </p:nvPicPr>
+        <p:blipFill>
+          <a:blip r:embed="rId5"/>
+          <a:stretch>
+            <a:fillRect/>
+          </a:stretch>
+        </p:blipFill>
+        <p:spPr>
+          <a:xfrm>
+            <a:off x="8113568" y="2897697"/>
+            <a:ext cx="3613799" cy="2091049"/>
+          </a:xfrm>
+          <a:prstGeom prst="rect">
+            <a:avLst/>
+          </a:prstGeom>
+        </p:spPr>
+      </p:pic>
+      <p:sp>
+        <p:nvSpPr>
+          <p:cNvPr id="18" name="Rectangle 17">
+            <a:extLst>
+              <a:ext uri="{FF2B5EF4-FFF2-40B4-BE49-F238E27FC236}">
+                <a16:creationId xmlns:a16="http://schemas.microsoft.com/office/drawing/2014/main" id="{9AF777DB-4F93-D683-05EA-D3070E402FDF}"/>
+              </a:ext>
+            </a:extLst>
+          </p:cNvPr>
+          <p:cNvSpPr/>
+          <p:nvPr/>
+        </p:nvSpPr>
+        <p:spPr>
+          <a:xfrm>
+            <a:off x="2651945" y="4373492"/>
+            <a:ext cx="409575" cy="181870"/>
+          </a:xfrm>
+          <a:prstGeom prst="rect">
+            <a:avLst/>
+          </a:prstGeom>
+          <a:noFill/>
+          <a:ln w="38100">
+            <a:solidFill>
+              <a:srgbClr val="FF0000"/>
+            </a:solidFill>
+          </a:ln>
+        </p:spPr>
+        <p:style>
+          <a:lnRef idx="2">
+            <a:schemeClr val="accent1">
+              <a:shade val="50000"/>
+            </a:schemeClr>
+          </a:lnRef>
+          <a:fillRef idx="1">
+            <a:schemeClr val="accent1"/>
+          </a:fillRef>
+          <a:effectRef idx="0">
+            <a:schemeClr val="accent1"/>
+          </a:effectRef>
+          <a:fontRef idx="minor">
+            <a:schemeClr val="lt1"/>
+          </a:fontRef>
+        </p:style>
+        <p:txBody>
+          <a:bodyPr rtlCol="0" anchor="ctr"/>
+          <a:lstStyle/>
+          <a:p>
+            <a:pPr algn="ctr"/>
+            <a:endParaRPr lang="en-NZ"/>
+          </a:p>
+        </p:txBody>
+      </p:sp>
+      <p:sp>
+        <p:nvSpPr>
+          <p:cNvPr id="19" name="Rectangle 18">
+            <a:extLst>
+              <a:ext uri="{FF2B5EF4-FFF2-40B4-BE49-F238E27FC236}">
+                <a16:creationId xmlns:a16="http://schemas.microsoft.com/office/drawing/2014/main" id="{42CD01B8-C2FF-EB53-B3E9-86DD6BD20B9E}"/>
+              </a:ext>
+            </a:extLst>
+          </p:cNvPr>
+          <p:cNvSpPr/>
+          <p:nvPr/>
+        </p:nvSpPr>
+        <p:spPr>
+          <a:xfrm>
+            <a:off x="5891211" y="4075396"/>
+            <a:ext cx="409575" cy="181870"/>
+          </a:xfrm>
+          <a:prstGeom prst="rect">
+            <a:avLst/>
+          </a:prstGeom>
+          <a:noFill/>
+          <a:ln w="38100">
+            <a:solidFill>
+              <a:srgbClr val="FF0000"/>
+            </a:solidFill>
+          </a:ln>
+        </p:spPr>
+        <p:style>
+          <a:lnRef idx="2">
+            <a:schemeClr val="accent1">
+              <a:shade val="50000"/>
+            </a:schemeClr>
+          </a:lnRef>
+          <a:fillRef idx="1">
+            <a:schemeClr val="accent1"/>
+          </a:fillRef>
+          <a:effectRef idx="0">
+            <a:schemeClr val="accent1"/>
+          </a:effectRef>
+          <a:fontRef idx="minor">
+            <a:schemeClr val="lt1"/>
+          </a:fontRef>
+        </p:style>
+        <p:txBody>
+          <a:bodyPr rtlCol="0" anchor="ctr"/>
+          <a:lstStyle/>
+          <a:p>
+            <a:pPr algn="ctr"/>
+            <a:endParaRPr lang="en-NZ"/>
+          </a:p>
+        </p:txBody>
+      </p:sp>
+      <mc:AlternateContent xmlns:mc="http://schemas.openxmlformats.org/markup-compatibility/2006">
+        <mc:Choice xmlns:p14="http://schemas.microsoft.com/office/powerpoint/2010/main" Requires="p14">
+          <p:contentPart p14:bwMode="auto" r:id="rId6">
+            <p14:nvContentPartPr>
+              <p14:cNvPr id="21" name="Ink 20">
+                <a:extLst>
+                  <a:ext uri="{FF2B5EF4-FFF2-40B4-BE49-F238E27FC236}">
+                    <a16:creationId xmlns:a16="http://schemas.microsoft.com/office/drawing/2014/main" id="{DDF24889-176F-F9A5-2827-64E1461BE848}"/>
+                  </a:ext>
+                </a:extLst>
+              </p14:cNvPr>
+              <p14:cNvContentPartPr/>
+              <p14:nvPr/>
+            </p14:nvContentPartPr>
+            <p14:xfrm>
+              <a:off x="8172540" y="4781415"/>
+              <a:ext cx="3018600" cy="48960"/>
+            </p14:xfrm>
+          </p:contentPart>
+        </mc:Choice>
+        <mc:Fallback>
+          <p:pic>
+            <p:nvPicPr>
+              <p:cNvPr id="21" name="Ink 20">
+                <a:extLst>
+                  <a:ext uri="{FF2B5EF4-FFF2-40B4-BE49-F238E27FC236}">
+                    <a16:creationId xmlns:a16="http://schemas.microsoft.com/office/drawing/2014/main" id="{DDF24889-176F-F9A5-2827-64E1461BE848}"/>
+                  </a:ext>
+                </a:extLst>
+              </p:cNvPr>
+              <p:cNvPicPr/>
+              <p:nvPr/>
+            </p:nvPicPr>
+            <p:blipFill>
+              <a:blip r:embed="rId7"/>
+              <a:stretch>
+                <a:fillRect/>
+              </a:stretch>
+            </p:blipFill>
+            <p:spPr>
+              <a:xfrm>
+                <a:off x="8118540" y="4673415"/>
+                <a:ext cx="3126240" cy="264600"/>
+              </a:xfrm>
+              <a:prstGeom prst="rect">
+                <a:avLst/>
+              </a:prstGeom>
+            </p:spPr>
+          </p:pic>
+        </mc:Fallback>
+      </mc:AlternateContent>
+      <p:sp>
+        <p:nvSpPr>
+          <p:cNvPr id="24" name="TextBox 23">
+            <a:extLst>
+              <a:ext uri="{FF2B5EF4-FFF2-40B4-BE49-F238E27FC236}">
+                <a16:creationId xmlns:a16="http://schemas.microsoft.com/office/drawing/2014/main" id="{413E93EB-DCE0-B3B5-1001-9F81C2E0575D}"/>
+              </a:ext>
+            </a:extLst>
+          </p:cNvPr>
+          <p:cNvSpPr txBox="1"/>
+          <p:nvPr/>
+        </p:nvSpPr>
+        <p:spPr>
+          <a:xfrm>
+            <a:off x="8063236" y="4970896"/>
+            <a:ext cx="3625911" cy="954107"/>
+          </a:xfrm>
+          <a:prstGeom prst="rect">
+            <a:avLst/>
+          </a:prstGeom>
+          <a:noFill/>
+        </p:spPr>
+        <p:txBody>
+          <a:bodyPr wrap="square" rtlCol="0">
+            <a:spAutoFit/>
+          </a:bodyPr>
+          <a:lstStyle/>
+          <a:p>
+            <a:r>
+              <a:rPr lang="en-NZ" sz="1400" dirty="0"/>
+              <a:t>As seen above joe which is a creature made in the session is included with the full print of creatures showing that they work together in an assembled project.</a:t>
+            </a:r>
+          </a:p>
+        </p:txBody>
+      </p:sp>
+    </p:spTree>
+    <p:extLst>
+      <p:ext uri="{BB962C8B-B14F-4D97-AF65-F5344CB8AC3E}">
+        <p14:creationId xmlns:p14="http://schemas.microsoft.com/office/powerpoint/2010/main" val="1603488026"/>
+      </p:ext>
+    </p:extLst>
+  </p:cSld>
+  <p:clrMapOvr>
+    <a:masterClrMapping/>
+  </p:clrMapOvr>
+</p:sld>
+</file>
+
+<file path=ppt/slides/slide31.xml><?xml version="1.0" encoding="utf-8"?>
+<p:sld xmlns:a="http://schemas.openxmlformats.org/drawingml/2006/main" xmlns:r="http://schemas.openxmlformats.org/officeDocument/2006/relationships" xmlns:p="http://schemas.openxmlformats.org/presentationml/2006/main">
+  <p:cSld>
+    <p:spTree>
+      <p:nvGrpSpPr>
+        <p:cNvPr id="1" name=""/>
+        <p:cNvGrpSpPr/>
+        <p:nvPr/>
+      </p:nvGrpSpPr>
+      <p:grpSpPr>
+        <a:xfrm>
+          <a:off x="0" y="0"/>
+          <a:ext cx="0" cy="0"/>
+          <a:chOff x="0" y="0"/>
+          <a:chExt cx="0" cy="0"/>
+        </a:xfrm>
+      </p:grpSpPr>
+      <p:sp>
+        <p:nvSpPr>
+          <p:cNvPr id="2" name="Title 1">
+            <a:extLst>
+              <a:ext uri="{FF2B5EF4-FFF2-40B4-BE49-F238E27FC236}">
+                <a16:creationId xmlns:a16="http://schemas.microsoft.com/office/drawing/2014/main" id="{0D168B5A-EFF4-4803-8DA6-5994B306EBAF}"/>
+              </a:ext>
+            </a:extLst>
+          </p:cNvPr>
+          <p:cNvSpPr>
+            <a:spLocks noGrp="1"/>
+          </p:cNvSpPr>
+          <p:nvPr>
+            <p:ph type="title"/>
+          </p:nvPr>
+        </p:nvSpPr>
+        <p:spPr>
+          <a:xfrm>
+            <a:off x="838200" y="0"/>
+            <a:ext cx="10515600" cy="640715"/>
+          </a:xfrm>
+        </p:spPr>
+        <p:txBody>
+          <a:bodyPr>
+            <a:normAutofit fontScale="90000"/>
+          </a:bodyPr>
+          <a:lstStyle/>
+          <a:p>
+            <a:pPr>
+              <a:lnSpc>
+                <a:spcPct val="115000"/>
+              </a:lnSpc>
+              <a:spcAft>
+                <a:spcPts val="0"/>
+              </a:spcAft>
+            </a:pPr>
+            <a:r>
+              <a:rPr lang="en-NZ" sz="4000" dirty="0"/>
+              <a:t>Address relevant Implications: (1/2)</a:t>
+            </a:r>
+          </a:p>
+        </p:txBody>
+      </p:sp>
+      <p:graphicFrame>
+        <p:nvGraphicFramePr>
+          <p:cNvPr id="4" name="Table 4">
+            <a:extLst>
+              <a:ext uri="{FF2B5EF4-FFF2-40B4-BE49-F238E27FC236}">
+                <a16:creationId xmlns:a16="http://schemas.microsoft.com/office/drawing/2014/main" id="{54A393A9-6C94-409B-BDCB-65C4ABAA2DD1}"/>
+              </a:ext>
+            </a:extLst>
+          </p:cNvPr>
+          <p:cNvGraphicFramePr>
+            <a:graphicFrameLocks noGrp="1"/>
+          </p:cNvGraphicFramePr>
+          <p:nvPr>
+            <p:extLst>
+              <p:ext uri="{D42A27DB-BD31-4B8C-83A1-F6EECF244321}">
+                <p14:modId xmlns:p14="http://schemas.microsoft.com/office/powerpoint/2010/main" val="534056485"/>
+              </p:ext>
+            </p:extLst>
+          </p:nvPr>
+        </p:nvGraphicFramePr>
+        <p:xfrm>
+          <a:off x="782320" y="640715"/>
+          <a:ext cx="10627360" cy="5857240"/>
+        </p:xfrm>
+        <a:graphic>
+          <a:graphicData uri="http://schemas.openxmlformats.org/drawingml/2006/table">
+            <a:tbl>
+              <a:tblPr firstRow="1" bandRow="1">
+                <a:tableStyleId>{5C22544A-7EE6-4342-B048-85BDC9FD1C3A}</a:tableStyleId>
+              </a:tblPr>
+              <a:tblGrid>
+                <a:gridCol w="3505200">
+                  <a:extLst>
+                    <a:ext uri="{9D8B030D-6E8A-4147-A177-3AD203B41FA5}">
+                      <a16:colId xmlns:a16="http://schemas.microsoft.com/office/drawing/2014/main" val="2849256304"/>
+                    </a:ext>
+                  </a:extLst>
+                </a:gridCol>
+                <a:gridCol w="7122160">
+                  <a:extLst>
+                    <a:ext uri="{9D8B030D-6E8A-4147-A177-3AD203B41FA5}">
+                      <a16:colId xmlns:a16="http://schemas.microsoft.com/office/drawing/2014/main" val="2106481727"/>
+                    </a:ext>
+                  </a:extLst>
+                </a:gridCol>
+              </a:tblGrid>
+              <a:tr h="370840">
+                <a:tc>
+                  <a:txBody>
+                    <a:bodyPr/>
+                    <a:lstStyle/>
+                    <a:p>
+                      <a:r>
+                        <a:rPr lang="en-NZ" dirty="0"/>
+                        <a:t>Relevant implication</a:t>
+                      </a:r>
+                    </a:p>
+                  </a:txBody>
+                  <a:tcPr/>
+                </a:tc>
+                <a:tc>
+                  <a:txBody>
+                    <a:bodyPr/>
+                    <a:lstStyle/>
+                    <a:p>
+                      <a:r>
+                        <a:rPr lang="en-NZ" dirty="0"/>
+                        <a:t>Explain how your final outcome </a:t>
+                      </a:r>
+                      <a:r>
+                        <a:rPr lang="en-NZ" b="1" i="1" dirty="0"/>
+                        <a:t>addresses</a:t>
+                      </a:r>
+                      <a:r>
+                        <a:rPr lang="en-NZ" dirty="0"/>
+                        <a:t> each implication</a:t>
+                      </a:r>
+                    </a:p>
+                  </a:txBody>
+                  <a:tcPr/>
+                </a:tc>
+                <a:extLst>
+                  <a:ext uri="{0D108BD9-81ED-4DB2-BD59-A6C34878D82A}">
+                    <a16:rowId xmlns:a16="http://schemas.microsoft.com/office/drawing/2014/main" val="2286542890"/>
+                  </a:ext>
+                </a:extLst>
+              </a:tr>
+              <a:tr h="370840">
+                <a:tc>
+                  <a:txBody>
+                    <a:bodyPr/>
+                    <a:lstStyle/>
+                    <a:p>
+                      <a:r>
+                        <a:rPr lang="en-NZ" dirty="0"/>
+                        <a:t>Using graphical interfaces</a:t>
+                      </a:r>
+                    </a:p>
+                  </a:txBody>
+                  <a:tcPr/>
+                </a:tc>
+                <a:tc>
+                  <a:txBody>
+                    <a:bodyPr/>
+                    <a:lstStyle/>
+                    <a:p>
+                      <a:r>
+                        <a:rPr lang="en-GB" sz="1800" b="0" i="0" kern="1200" dirty="0">
+                          <a:solidFill>
+                            <a:schemeClr val="dk1"/>
+                          </a:solidFill>
+                          <a:effectLst/>
+                          <a:latin typeface="+mn-lt"/>
+                          <a:ea typeface="+mn-ea"/>
+                          <a:cs typeface="+mn-cs"/>
+                        </a:rPr>
+                        <a:t>In this project, a graphical interface can make it easier for users to manipulate and visualize data, reducing the time and effort required to analyse and understand complex information. It can also make it easier to identify and resolve errors, reducing the risk of data loss or corruption.</a:t>
+                      </a:r>
+                      <a:endParaRPr lang="en-NZ" dirty="0"/>
+                    </a:p>
+                  </a:txBody>
+                  <a:tcPr/>
+                </a:tc>
+                <a:extLst>
+                  <a:ext uri="{0D108BD9-81ED-4DB2-BD59-A6C34878D82A}">
+                    <a16:rowId xmlns:a16="http://schemas.microsoft.com/office/drawing/2014/main" val="2636529970"/>
+                  </a:ext>
+                </a:extLst>
+              </a:tr>
+              <a:tr h="370840">
+                <a:tc>
+                  <a:txBody>
+                    <a:bodyPr/>
+                    <a:lstStyle/>
+                    <a:p>
+                      <a:pPr marL="0" marR="0" lvl="0" indent="0" algn="l" defTabSz="914400" rtl="0" eaLnBrk="1" fontAlgn="auto" latinLnBrk="0" hangingPunct="1">
+                        <a:lnSpc>
+                          <a:spcPct val="100000"/>
+                        </a:lnSpc>
+                        <a:spcBef>
+                          <a:spcPts val="0"/>
+                        </a:spcBef>
+                        <a:spcAft>
+                          <a:spcPts val="0"/>
+                        </a:spcAft>
+                        <a:buClrTx/>
+                        <a:buSzTx/>
+                        <a:buFontTx/>
+                        <a:buNone/>
+                        <a:tabLst/>
+                        <a:defRPr/>
+                      </a:pPr>
+                      <a:r>
+                        <a:rPr lang="en-NZ" dirty="0"/>
+                        <a:t>Functionality</a:t>
+                      </a:r>
+                    </a:p>
+                    <a:p>
+                      <a:endParaRPr lang="en-NZ" dirty="0"/>
+                    </a:p>
+                  </a:txBody>
+                  <a:tcPr/>
+                </a:tc>
+                <a:tc>
+                  <a:txBody>
+                    <a:bodyPr/>
+                    <a:lstStyle/>
+                    <a:p>
+                      <a:pPr marL="0" marR="0" lvl="0" indent="0" algn="l" defTabSz="914400" rtl="0" eaLnBrk="1" fontAlgn="auto" latinLnBrk="0" hangingPunct="1">
+                        <a:lnSpc>
+                          <a:spcPct val="100000"/>
+                        </a:lnSpc>
+                        <a:spcBef>
+                          <a:spcPts val="0"/>
+                        </a:spcBef>
+                        <a:spcAft>
+                          <a:spcPts val="0"/>
+                        </a:spcAft>
+                        <a:buClrTx/>
+                        <a:buSzTx/>
+                        <a:buFontTx/>
+                        <a:buNone/>
+                        <a:tabLst/>
+                        <a:defRPr/>
+                      </a:pPr>
+                      <a:r>
+                        <a:rPr lang="en-NZ" dirty="0"/>
+                        <a:t>After testing the code to see if it works fine I found that all functions worked as expected from testing them to the fullest extent. All error messages for the user work fine so they know what mistake they made and the code doesn’t crash when the program is doing what it requires to do.</a:t>
+                      </a:r>
+                    </a:p>
+                  </a:txBody>
+                  <a:tcPr/>
+                </a:tc>
+                <a:extLst>
+                  <a:ext uri="{0D108BD9-81ED-4DB2-BD59-A6C34878D82A}">
+                    <a16:rowId xmlns:a16="http://schemas.microsoft.com/office/drawing/2014/main" val="845002142"/>
+                  </a:ext>
+                </a:extLst>
+              </a:tr>
+              <a:tr h="402022">
+                <a:tc>
+                  <a:txBody>
+                    <a:bodyPr/>
+                    <a:lstStyle/>
+                    <a:p>
+                      <a:pPr marL="0" marR="0" lvl="0" indent="0" algn="l" defTabSz="914400" rtl="0" eaLnBrk="1" fontAlgn="auto" latinLnBrk="0" hangingPunct="1">
+                        <a:lnSpc>
+                          <a:spcPct val="100000"/>
+                        </a:lnSpc>
+                        <a:spcBef>
+                          <a:spcPts val="0"/>
+                        </a:spcBef>
+                        <a:spcAft>
+                          <a:spcPts val="0"/>
+                        </a:spcAft>
+                        <a:buClrTx/>
+                        <a:buSzTx/>
+                        <a:buFontTx/>
+                        <a:buNone/>
+                        <a:tabLst/>
+                        <a:defRPr/>
+                      </a:pPr>
+                      <a:r>
+                        <a:rPr lang="en-NZ" sz="1800" dirty="0">
+                          <a:latin typeface="Helvetica" pitchFamily="2" charset="0"/>
+                        </a:rPr>
+                        <a:t>Intellectual Property/Copyright</a:t>
+                      </a:r>
+                    </a:p>
+                  </a:txBody>
+                  <a:tcPr/>
+                </a:tc>
+                <a:tc>
+                  <a:txBody>
+                    <a:bodyPr/>
+                    <a:lstStyle/>
+                    <a:p>
+                      <a:r>
+                        <a:rPr lang="en-GB" dirty="0"/>
+                        <a:t>By guaranteeing that all monster cards included in the catalogue are original works, I addressed the implications of intellectual property and copyright in my final programme conclusion. I did not improperly use or misappropriate any copyrighted content. In order to show transparency and adherence to licences and terms of use, I also detailed the creation of the monster cards, including any external libraries or resources used. My programme encourages ethical development practises and averts any potential legal concerns associated with the unauthorised use of copyrighted material by respecting intellectual property rights and copyright.</a:t>
+                      </a:r>
+                      <a:endParaRPr lang="en-NZ" dirty="0"/>
+                    </a:p>
+                  </a:txBody>
+                  <a:tcPr/>
+                </a:tc>
+                <a:extLst>
+                  <a:ext uri="{0D108BD9-81ED-4DB2-BD59-A6C34878D82A}">
+                    <a16:rowId xmlns:a16="http://schemas.microsoft.com/office/drawing/2014/main" val="1686164491"/>
+                  </a:ext>
+                </a:extLst>
+              </a:tr>
+            </a:tbl>
+          </a:graphicData>
+        </a:graphic>
+      </p:graphicFrame>
+    </p:spTree>
+    <p:extLst>
+      <p:ext uri="{BB962C8B-B14F-4D97-AF65-F5344CB8AC3E}">
+        <p14:creationId xmlns:p14="http://schemas.microsoft.com/office/powerpoint/2010/main" val="1053444694"/>
+      </p:ext>
+    </p:extLst>
+  </p:cSld>
+  <p:clrMapOvr>
+    <a:masterClrMapping/>
+  </p:clrMapOvr>
+</p:sld>
+</file>
+
+<file path=ppt/slides/slide32.xml><?xml version="1.0" encoding="utf-8"?>
+<p:sld xmlns:a="http://schemas.openxmlformats.org/drawingml/2006/main" xmlns:r="http://schemas.openxmlformats.org/officeDocument/2006/relationships" xmlns:p="http://schemas.openxmlformats.org/presentationml/2006/main">
+  <p:cSld>
+    <p:spTree>
+      <p:nvGrpSpPr>
+        <p:cNvPr id="1" name=""/>
+        <p:cNvGrpSpPr/>
+        <p:nvPr/>
+      </p:nvGrpSpPr>
+      <p:grpSpPr>
+        <a:xfrm>
+          <a:off x="0" y="0"/>
+          <a:ext cx="0" cy="0"/>
+          <a:chOff x="0" y="0"/>
+          <a:chExt cx="0" cy="0"/>
+        </a:xfrm>
+      </p:grpSpPr>
+      <p:sp>
+        <p:nvSpPr>
+          <p:cNvPr id="2" name="Title 1">
+            <a:extLst>
+              <a:ext uri="{FF2B5EF4-FFF2-40B4-BE49-F238E27FC236}">
+                <a16:creationId xmlns:a16="http://schemas.microsoft.com/office/drawing/2014/main" id="{0D168B5A-EFF4-4803-8DA6-5994B306EBAF}"/>
+              </a:ext>
+            </a:extLst>
+          </p:cNvPr>
+          <p:cNvSpPr>
+            <a:spLocks noGrp="1"/>
+          </p:cNvSpPr>
+          <p:nvPr>
+            <p:ph type="title"/>
+          </p:nvPr>
+        </p:nvSpPr>
+        <p:spPr>
+          <a:xfrm>
+            <a:off x="838200" y="0"/>
+            <a:ext cx="10515600" cy="640715"/>
+          </a:xfrm>
+        </p:spPr>
+        <p:txBody>
+          <a:bodyPr>
+            <a:normAutofit fontScale="90000"/>
+          </a:bodyPr>
+          <a:lstStyle/>
+          <a:p>
+            <a:pPr>
+              <a:lnSpc>
+                <a:spcPct val="115000"/>
+              </a:lnSpc>
+              <a:spcAft>
+                <a:spcPts val="0"/>
+              </a:spcAft>
+            </a:pPr>
+            <a:r>
+              <a:rPr lang="en-NZ" sz="4000" dirty="0"/>
+              <a:t>Address relevant Implications: (2/2)</a:t>
+            </a:r>
+          </a:p>
+        </p:txBody>
+      </p:sp>
+      <p:graphicFrame>
+        <p:nvGraphicFramePr>
+          <p:cNvPr id="4" name="Table 4">
+            <a:extLst>
+              <a:ext uri="{FF2B5EF4-FFF2-40B4-BE49-F238E27FC236}">
+                <a16:creationId xmlns:a16="http://schemas.microsoft.com/office/drawing/2014/main" id="{54A393A9-6C94-409B-BDCB-65C4ABAA2DD1}"/>
+              </a:ext>
+            </a:extLst>
+          </p:cNvPr>
+          <p:cNvGraphicFramePr>
+            <a:graphicFrameLocks noGrp="1"/>
+          </p:cNvGraphicFramePr>
+          <p:nvPr>
+            <p:extLst>
+              <p:ext uri="{D42A27DB-BD31-4B8C-83A1-F6EECF244321}">
+                <p14:modId xmlns:p14="http://schemas.microsoft.com/office/powerpoint/2010/main" val="1025798029"/>
+              </p:ext>
+            </p:extLst>
+          </p:nvPr>
+        </p:nvGraphicFramePr>
+        <p:xfrm>
+          <a:off x="782320" y="640715"/>
+          <a:ext cx="10627360" cy="3479800"/>
+        </p:xfrm>
+        <a:graphic>
+          <a:graphicData uri="http://schemas.openxmlformats.org/drawingml/2006/table">
+            <a:tbl>
+              <a:tblPr firstRow="1" bandRow="1">
+                <a:tableStyleId>{5C22544A-7EE6-4342-B048-85BDC9FD1C3A}</a:tableStyleId>
+              </a:tblPr>
+              <a:tblGrid>
+                <a:gridCol w="3505200">
+                  <a:extLst>
+                    <a:ext uri="{9D8B030D-6E8A-4147-A177-3AD203B41FA5}">
+                      <a16:colId xmlns:a16="http://schemas.microsoft.com/office/drawing/2014/main" val="2849256304"/>
+                    </a:ext>
+                  </a:extLst>
+                </a:gridCol>
+                <a:gridCol w="7122160">
+                  <a:extLst>
+                    <a:ext uri="{9D8B030D-6E8A-4147-A177-3AD203B41FA5}">
+                      <a16:colId xmlns:a16="http://schemas.microsoft.com/office/drawing/2014/main" val="2106481727"/>
+                    </a:ext>
+                  </a:extLst>
+                </a:gridCol>
+              </a:tblGrid>
+              <a:tr h="370840">
+                <a:tc>
+                  <a:txBody>
+                    <a:bodyPr/>
+                    <a:lstStyle/>
+                    <a:p>
+                      <a:r>
+                        <a:rPr lang="en-NZ" dirty="0"/>
+                        <a:t>Relevant implication</a:t>
+                      </a:r>
+                    </a:p>
+                  </a:txBody>
+                  <a:tcPr/>
+                </a:tc>
+                <a:tc>
+                  <a:txBody>
+                    <a:bodyPr/>
+                    <a:lstStyle/>
+                    <a:p>
+                      <a:r>
+                        <a:rPr lang="en-NZ" dirty="0"/>
+                        <a:t>Explain how your final outcome </a:t>
+                      </a:r>
+                      <a:r>
+                        <a:rPr lang="en-NZ" b="1" i="1" dirty="0"/>
+                        <a:t>addresses</a:t>
+                      </a:r>
+                      <a:r>
+                        <a:rPr lang="en-NZ" dirty="0"/>
+                        <a:t> each implication</a:t>
+                      </a:r>
+                    </a:p>
+                  </a:txBody>
+                  <a:tcPr/>
+                </a:tc>
+                <a:extLst>
+                  <a:ext uri="{0D108BD9-81ED-4DB2-BD59-A6C34878D82A}">
+                    <a16:rowId xmlns:a16="http://schemas.microsoft.com/office/drawing/2014/main" val="2286542890"/>
+                  </a:ext>
+                </a:extLst>
+              </a:tr>
+              <a:tr h="370840">
+                <a:tc>
+                  <a:txBody>
+                    <a:bodyPr/>
+                    <a:lstStyle/>
+                    <a:p>
+                      <a:r>
+                        <a:rPr lang="en-NZ" dirty="0"/>
+                        <a:t>Aesthetics</a:t>
+                      </a:r>
+                    </a:p>
+                  </a:txBody>
+                  <a:tcPr/>
+                </a:tc>
+                <a:tc>
+                  <a:txBody>
+                    <a:bodyPr/>
+                    <a:lstStyle/>
+                    <a:p>
+                      <a:r>
+                        <a:rPr lang="en-GB" dirty="0"/>
+                        <a:t>I addressed the aesthetic implications in my program's final product by implementing a graphical user interface (GUI) using the </a:t>
+                      </a:r>
+                      <a:r>
+                        <a:rPr lang="en-GB" dirty="0" err="1"/>
+                        <a:t>easyGUI</a:t>
+                      </a:r>
+                      <a:r>
+                        <a:rPr lang="en-GB" dirty="0"/>
+                        <a:t> library. The GUI offers an aesthetically pleasing and approachable interface for communicating with the programme. I concentrated on making a simple and clear design, making sure that the UI elements are organised and simple to understand. The GUI's usage of buttons, text boxes, and menus enables easy user input and navigation. In an effort to produce a visually appealing experience, I also paid close attention to the layout and colour palette overall. By integrating a GUI using </a:t>
+                      </a:r>
+                      <a:r>
+                        <a:rPr lang="en-GB" dirty="0" err="1"/>
+                        <a:t>easyGUI</a:t>
+                      </a:r>
+                      <a:r>
+                        <a:rPr lang="en-GB"/>
+                        <a:t>, my programme not only boosts its visual appeal but also enriches the user experience by facilitating easier and more fun interaction.</a:t>
+                      </a:r>
+                      <a:endParaRPr lang="en-NZ" dirty="0"/>
+                    </a:p>
+                  </a:txBody>
+                  <a:tcPr/>
+                </a:tc>
+                <a:extLst>
+                  <a:ext uri="{0D108BD9-81ED-4DB2-BD59-A6C34878D82A}">
+                    <a16:rowId xmlns:a16="http://schemas.microsoft.com/office/drawing/2014/main" val="2636529970"/>
+                  </a:ext>
+                </a:extLst>
+              </a:tr>
+            </a:tbl>
+          </a:graphicData>
+        </a:graphic>
+      </p:graphicFrame>
+    </p:spTree>
+    <p:extLst>
+      <p:ext uri="{BB962C8B-B14F-4D97-AF65-F5344CB8AC3E}">
+        <p14:creationId xmlns:p14="http://schemas.microsoft.com/office/powerpoint/2010/main" val="3558182562"/>
+      </p:ext>
+    </p:extLst>
+  </p:cSld>
+  <p:clrMapOvr>
+    <a:masterClrMapping/>
+  </p:clrMapOvr>
+</p:sld>
+</file>
+
+<file path=ppt/slides/slide33.xml><?xml version="1.0" encoding="utf-8"?>
+<p:sld xmlns:a="http://schemas.openxmlformats.org/drawingml/2006/main" xmlns:r="http://schemas.openxmlformats.org/officeDocument/2006/relationships" xmlns:p="http://schemas.openxmlformats.org/presentationml/2006/main">
+  <p:cSld>
+    <p:spTree>
+      <p:nvGrpSpPr>
+        <p:cNvPr id="1" name=""/>
+        <p:cNvGrpSpPr/>
+        <p:nvPr/>
+      </p:nvGrpSpPr>
+      <p:grpSpPr>
+        <a:xfrm>
+          <a:off x="0" y="0"/>
+          <a:ext cx="0" cy="0"/>
+          <a:chOff x="0" y="0"/>
+          <a:chExt cx="0" cy="0"/>
+        </a:xfrm>
+      </p:grpSpPr>
+      <p:sp>
+        <p:nvSpPr>
+          <p:cNvPr id="2" name="Title 1">
+            <a:extLst>
+              <a:ext uri="{FF2B5EF4-FFF2-40B4-BE49-F238E27FC236}">
+                <a16:creationId xmlns:a16="http://schemas.microsoft.com/office/drawing/2014/main" id="{D62183D5-E1F8-4917-B0BA-FC2E62047445}"/>
+              </a:ext>
+            </a:extLst>
+          </p:cNvPr>
+          <p:cNvSpPr>
+            <a:spLocks noGrp="1"/>
+          </p:cNvSpPr>
+          <p:nvPr>
+            <p:ph type="title"/>
+          </p:nvPr>
+        </p:nvSpPr>
+        <p:spPr>
+          <a:xfrm>
+            <a:off x="0" y="34943"/>
+            <a:ext cx="10515600" cy="559435"/>
+          </a:xfrm>
+        </p:spPr>
+        <p:txBody>
+          <a:bodyPr>
+            <a:normAutofit fontScale="90000"/>
+          </a:bodyPr>
+          <a:lstStyle/>
+          <a:p>
+            <a:r>
+              <a:rPr lang="en-NZ" sz="4000" dirty="0"/>
+              <a:t>Version Control Evidence(1/2):</a:t>
+            </a:r>
+          </a:p>
+        </p:txBody>
+      </p:sp>
+      <p:sp>
+        <p:nvSpPr>
+          <p:cNvPr id="3" name="Rectangle 2">
+            <a:extLst>
+              <a:ext uri="{FF2B5EF4-FFF2-40B4-BE49-F238E27FC236}">
+                <a16:creationId xmlns:a16="http://schemas.microsoft.com/office/drawing/2014/main" id="{A89172B1-B985-48A3-8018-FC6FF45BCE4F}"/>
+              </a:ext>
+            </a:extLst>
+          </p:cNvPr>
+          <p:cNvSpPr/>
+          <p:nvPr/>
+        </p:nvSpPr>
+        <p:spPr>
+          <a:xfrm>
+            <a:off x="771891" y="-1742949"/>
+            <a:ext cx="9513815" cy="1020921"/>
+          </a:xfrm>
+          <a:prstGeom prst="rect">
+            <a:avLst/>
+          </a:prstGeom>
+        </p:spPr>
+        <p:txBody>
+          <a:bodyPr wrap="square">
+            <a:spAutoFit/>
+          </a:bodyPr>
+          <a:lstStyle/>
+          <a:p>
+            <a:pPr>
+              <a:lnSpc>
+                <a:spcPct val="115000"/>
+              </a:lnSpc>
+              <a:spcAft>
+                <a:spcPts val="0"/>
+              </a:spcAft>
+            </a:pPr>
+            <a:r>
+              <a:rPr lang="en-NZ" i="1" dirty="0">
+                <a:solidFill>
+                  <a:schemeClr val="bg1"/>
+                </a:solidFill>
+                <a:latin typeface="Arial" panose="020B0604020202020204" pitchFamily="34" charset="0"/>
+                <a:ea typeface="Arial" panose="020B0604020202020204" pitchFamily="34" charset="0"/>
+              </a:rPr>
+              <a:t>Your version control evidence should go here.  This could be in the form of screenshots (both of your GitHub repository as well as your local project folder) as evidence of your incremental development.</a:t>
+            </a:r>
+            <a:endParaRPr lang="en-NZ" dirty="0">
+              <a:solidFill>
+                <a:schemeClr val="bg1"/>
+              </a:solidFill>
+              <a:latin typeface="Arial" panose="020B0604020202020204" pitchFamily="34" charset="0"/>
+              <a:ea typeface="Arial" panose="020B0604020202020204" pitchFamily="34" charset="0"/>
+            </a:endParaRPr>
+          </a:p>
+        </p:txBody>
+      </p:sp>
+      <p:pic>
+        <p:nvPicPr>
+          <p:cNvPr id="5" name="Picture 4">
+            <a:extLst>
+              <a:ext uri="{FF2B5EF4-FFF2-40B4-BE49-F238E27FC236}">
+                <a16:creationId xmlns:a16="http://schemas.microsoft.com/office/drawing/2014/main" id="{066679B1-18D2-3ACB-30CF-2B00F4F40A1A}"/>
+              </a:ext>
+            </a:extLst>
+          </p:cNvPr>
+          <p:cNvPicPr>
+            <a:picLocks noChangeAspect="1"/>
+          </p:cNvPicPr>
+          <p:nvPr/>
+        </p:nvPicPr>
+        <p:blipFill>
+          <a:blip r:embed="rId3"/>
+          <a:stretch>
+            <a:fillRect/>
+          </a:stretch>
+        </p:blipFill>
+        <p:spPr>
+          <a:xfrm>
+            <a:off x="514350" y="464708"/>
+            <a:ext cx="5117432" cy="5852113"/>
+          </a:xfrm>
+          <a:prstGeom prst="rect">
+            <a:avLst/>
+          </a:prstGeom>
+        </p:spPr>
+      </p:pic>
+      <p:pic>
+        <p:nvPicPr>
+          <p:cNvPr id="7" name="Picture 6">
+            <a:extLst>
+              <a:ext uri="{FF2B5EF4-FFF2-40B4-BE49-F238E27FC236}">
+                <a16:creationId xmlns:a16="http://schemas.microsoft.com/office/drawing/2014/main" id="{AE522233-29B6-F1E5-A0A5-F59E29A62F92}"/>
+              </a:ext>
+            </a:extLst>
+          </p:cNvPr>
+          <p:cNvPicPr>
+            <a:picLocks noChangeAspect="1"/>
+          </p:cNvPicPr>
+          <p:nvPr/>
+        </p:nvPicPr>
+        <p:blipFill>
+          <a:blip r:embed="rId4"/>
+          <a:stretch>
+            <a:fillRect/>
+          </a:stretch>
+        </p:blipFill>
+        <p:spPr>
+          <a:xfrm>
+            <a:off x="514350" y="6316821"/>
+            <a:ext cx="5117432" cy="449675"/>
+          </a:xfrm>
+          <a:prstGeom prst="rect">
+            <a:avLst/>
+          </a:prstGeom>
+        </p:spPr>
+      </p:pic>
+      <p:pic>
+        <p:nvPicPr>
+          <p:cNvPr id="9" name="Picture 8">
+            <a:extLst>
+              <a:ext uri="{FF2B5EF4-FFF2-40B4-BE49-F238E27FC236}">
+                <a16:creationId xmlns:a16="http://schemas.microsoft.com/office/drawing/2014/main" id="{ACF641A3-1788-2503-EA86-1831965F68A7}"/>
+              </a:ext>
+            </a:extLst>
+          </p:cNvPr>
+          <p:cNvPicPr>
+            <a:picLocks noChangeAspect="1"/>
+          </p:cNvPicPr>
+          <p:nvPr/>
+        </p:nvPicPr>
+        <p:blipFill>
+          <a:blip r:embed="rId5"/>
+          <a:stretch>
+            <a:fillRect/>
+          </a:stretch>
+        </p:blipFill>
+        <p:spPr>
+          <a:xfrm>
+            <a:off x="5631782" y="464709"/>
+            <a:ext cx="5315671" cy="6301788"/>
+          </a:xfrm>
+          <a:prstGeom prst="rect">
+            <a:avLst/>
+          </a:prstGeom>
+        </p:spPr>
+      </p:pic>
+    </p:spTree>
+    <p:extLst>
+      <p:ext uri="{BB962C8B-B14F-4D97-AF65-F5344CB8AC3E}">
+        <p14:creationId xmlns:p14="http://schemas.microsoft.com/office/powerpoint/2010/main" val="1357549755"/>
+      </p:ext>
+    </p:extLst>
+  </p:cSld>
+  <p:clrMapOvr>
+    <a:masterClrMapping/>
+  </p:clrMapOvr>
+</p:sld>
+</file>
+
+<file path=ppt/slides/slide34.xml><?xml version="1.0" encoding="utf-8"?>
+<p:sld xmlns:a="http://schemas.openxmlformats.org/drawingml/2006/main" xmlns:r="http://schemas.openxmlformats.org/officeDocument/2006/relationships" xmlns:p="http://schemas.openxmlformats.org/presentationml/2006/main">
+  <p:cSld>
+    <p:spTree>
+      <p:nvGrpSpPr>
+        <p:cNvPr id="1" name=""/>
+        <p:cNvGrpSpPr/>
+        <p:nvPr/>
+      </p:nvGrpSpPr>
+      <p:grpSpPr>
+        <a:xfrm>
+          <a:off x="0" y="0"/>
+          <a:ext cx="0" cy="0"/>
+          <a:chOff x="0" y="0"/>
+          <a:chExt cx="0" cy="0"/>
+        </a:xfrm>
+      </p:grpSpPr>
+      <p:sp>
+        <p:nvSpPr>
+          <p:cNvPr id="2" name="Title 1">
+            <a:extLst>
+              <a:ext uri="{FF2B5EF4-FFF2-40B4-BE49-F238E27FC236}">
+                <a16:creationId xmlns:a16="http://schemas.microsoft.com/office/drawing/2014/main" id="{D62183D5-E1F8-4917-B0BA-FC2E62047445}"/>
+              </a:ext>
+            </a:extLst>
+          </p:cNvPr>
+          <p:cNvSpPr>
+            <a:spLocks noGrp="1"/>
+          </p:cNvSpPr>
+          <p:nvPr>
+            <p:ph type="title"/>
+          </p:nvPr>
+        </p:nvSpPr>
+        <p:spPr>
+          <a:xfrm>
+            <a:off x="0" y="34943"/>
+            <a:ext cx="10515600" cy="559435"/>
+          </a:xfrm>
+        </p:spPr>
+        <p:txBody>
+          <a:bodyPr>
+            <a:normAutofit fontScale="90000"/>
+          </a:bodyPr>
+          <a:lstStyle/>
+          <a:p>
+            <a:r>
+              <a:rPr lang="en-NZ" sz="4000" dirty="0"/>
+              <a:t>Version Control Evidence(2/2):</a:t>
+            </a:r>
+          </a:p>
+        </p:txBody>
+      </p:sp>
+      <p:sp>
+        <p:nvSpPr>
+          <p:cNvPr id="3" name="Rectangle 2">
+            <a:extLst>
+              <a:ext uri="{FF2B5EF4-FFF2-40B4-BE49-F238E27FC236}">
+                <a16:creationId xmlns:a16="http://schemas.microsoft.com/office/drawing/2014/main" id="{A89172B1-B985-48A3-8018-FC6FF45BCE4F}"/>
+              </a:ext>
+            </a:extLst>
+          </p:cNvPr>
+          <p:cNvSpPr/>
+          <p:nvPr/>
+        </p:nvSpPr>
+        <p:spPr>
+          <a:xfrm>
+            <a:off x="1237186" y="3429000"/>
+            <a:ext cx="9513815" cy="1976567"/>
+          </a:xfrm>
+          <a:prstGeom prst="rect">
+            <a:avLst/>
+          </a:prstGeom>
+        </p:spPr>
+        <p:txBody>
+          <a:bodyPr wrap="square">
+            <a:spAutoFit/>
+          </a:bodyPr>
+          <a:lstStyle/>
+          <a:p>
+            <a:pPr>
+              <a:lnSpc>
+                <a:spcPct val="115000"/>
+              </a:lnSpc>
+              <a:spcAft>
+                <a:spcPts val="0"/>
+              </a:spcAft>
+            </a:pPr>
+            <a:r>
+              <a:rPr lang="en-NZ" dirty="0">
+                <a:latin typeface="Arial" panose="020B0604020202020204" pitchFamily="34" charset="0"/>
+                <a:ea typeface="Arial" panose="020B0604020202020204" pitchFamily="34" charset="0"/>
+              </a:rPr>
+              <a:t>From the images in the previous slide, you can see that my local files match my GitHub files you can also see the time stamps on the GitHub repository for when the changes to the files were published online. Above you can see a photo taken from my GitHub profile showing the number of commits (changes published to the repository) in the month of May, which is the month the project took place it shows that it was used shows consistent commits during the working week which showcases the program was created in an ongoing manner.</a:t>
+            </a:r>
+          </a:p>
+        </p:txBody>
+      </p:sp>
+      <p:pic>
+        <p:nvPicPr>
+          <p:cNvPr id="6" name="Picture 5">
+            <a:extLst>
+              <a:ext uri="{FF2B5EF4-FFF2-40B4-BE49-F238E27FC236}">
+                <a16:creationId xmlns:a16="http://schemas.microsoft.com/office/drawing/2014/main" id="{20CF6EB5-A988-F9BB-2992-5DDD0D93470C}"/>
+              </a:ext>
+            </a:extLst>
+          </p:cNvPr>
+          <p:cNvPicPr>
+            <a:picLocks noChangeAspect="1"/>
+          </p:cNvPicPr>
+          <p:nvPr/>
+        </p:nvPicPr>
+        <p:blipFill>
+          <a:blip r:embed="rId3"/>
+          <a:stretch>
+            <a:fillRect/>
+          </a:stretch>
+        </p:blipFill>
+        <p:spPr>
+          <a:xfrm>
+            <a:off x="1702483" y="771381"/>
+            <a:ext cx="8583223" cy="2057687"/>
+          </a:xfrm>
+          <a:prstGeom prst="rect">
+            <a:avLst/>
+          </a:prstGeom>
+        </p:spPr>
+      </p:pic>
+      <p:sp>
+        <p:nvSpPr>
+          <p:cNvPr id="8" name="Rectangle 7">
+            <a:extLst>
+              <a:ext uri="{FF2B5EF4-FFF2-40B4-BE49-F238E27FC236}">
+                <a16:creationId xmlns:a16="http://schemas.microsoft.com/office/drawing/2014/main" id="{FD668044-5DF4-88DD-03C7-1E6FB51F48F5}"/>
+              </a:ext>
+            </a:extLst>
+          </p:cNvPr>
+          <p:cNvSpPr/>
+          <p:nvPr/>
+        </p:nvSpPr>
+        <p:spPr>
+          <a:xfrm>
+            <a:off x="9124950" y="1276350"/>
+            <a:ext cx="876300" cy="1171575"/>
+          </a:xfrm>
+          <a:prstGeom prst="rect">
+            <a:avLst/>
+          </a:prstGeom>
+          <a:noFill/>
+          <a:ln w="57150">
+            <a:solidFill>
+              <a:srgbClr val="FF0000"/>
+            </a:solidFill>
+          </a:ln>
+        </p:spPr>
+        <p:style>
+          <a:lnRef idx="2">
+            <a:schemeClr val="accent1">
+              <a:shade val="50000"/>
+            </a:schemeClr>
+          </a:lnRef>
+          <a:fillRef idx="1">
+            <a:schemeClr val="accent1"/>
+          </a:fillRef>
+          <a:effectRef idx="0">
+            <a:schemeClr val="accent1"/>
+          </a:effectRef>
+          <a:fontRef idx="minor">
+            <a:schemeClr val="lt1"/>
+          </a:fontRef>
+        </p:style>
+        <p:txBody>
+          <a:bodyPr rtlCol="0" anchor="ctr"/>
+          <a:lstStyle/>
+          <a:p>
+            <a:pPr algn="ctr"/>
+            <a:endParaRPr lang="en-NZ"/>
+          </a:p>
+        </p:txBody>
+      </p:sp>
+    </p:spTree>
+    <p:extLst>
+      <p:ext uri="{BB962C8B-B14F-4D97-AF65-F5344CB8AC3E}">
+        <p14:creationId xmlns:p14="http://schemas.microsoft.com/office/powerpoint/2010/main" val="1874883741"/>
+      </p:ext>
+    </p:extLst>
+  </p:cSld>
+  <p:clrMapOvr>
+    <a:masterClrMapping/>
+  </p:clrMapOvr>
+</p:sld>
+</file>
+
+<file path=ppt/slides/slide35.xml><?xml version="1.0" encoding="utf-8"?>
+<p:sld xmlns:a="http://schemas.openxmlformats.org/drawingml/2006/main" xmlns:r="http://schemas.openxmlformats.org/officeDocument/2006/relationships" xmlns:p="http://schemas.openxmlformats.org/presentationml/2006/main">
+  <p:cSld>
+    <p:spTree>
+      <p:nvGrpSpPr>
+        <p:cNvPr id="1" name=""/>
+        <p:cNvGrpSpPr/>
+        <p:nvPr/>
+      </p:nvGrpSpPr>
+      <p:grpSpPr>
+        <a:xfrm>
+          <a:off x="0" y="0"/>
+          <a:ext cx="0" cy="0"/>
+          <a:chOff x="0" y="0"/>
+          <a:chExt cx="0" cy="0"/>
+        </a:xfrm>
+      </p:grpSpPr>
+      <p:sp>
+        <p:nvSpPr>
+          <p:cNvPr id="2" name="Title 1">
+            <a:extLst>
+              <a:ext uri="{FF2B5EF4-FFF2-40B4-BE49-F238E27FC236}">
+                <a16:creationId xmlns:a16="http://schemas.microsoft.com/office/drawing/2014/main" id="{D62183D5-E1F8-4917-B0BA-FC2E62047445}"/>
+              </a:ext>
+            </a:extLst>
+          </p:cNvPr>
+          <p:cNvSpPr>
+            <a:spLocks noGrp="1"/>
+          </p:cNvSpPr>
+          <p:nvPr>
+            <p:ph type="title"/>
+          </p:nvPr>
+        </p:nvSpPr>
+        <p:spPr>
+          <a:xfrm>
+            <a:off x="0" y="34943"/>
+            <a:ext cx="10515600" cy="559435"/>
+          </a:xfrm>
+        </p:spPr>
+        <p:txBody>
+          <a:bodyPr>
+            <a:normAutofit fontScale="90000"/>
+          </a:bodyPr>
+          <a:lstStyle/>
+          <a:p>
+            <a:r>
+              <a:rPr lang="en-NZ" sz="4000" dirty="0"/>
+              <a:t>Using proper naming </a:t>
+            </a:r>
+            <a:r>
+              <a:rPr lang="en-NZ" sz="4000" dirty="0" err="1"/>
+              <a:t>convetions</a:t>
+            </a:r>
+            <a:endParaRPr lang="en-NZ" sz="4000" dirty="0"/>
+          </a:p>
+        </p:txBody>
+      </p:sp>
+      <p:sp>
+        <p:nvSpPr>
+          <p:cNvPr id="3" name="Rectangle 2">
+            <a:extLst>
+              <a:ext uri="{FF2B5EF4-FFF2-40B4-BE49-F238E27FC236}">
+                <a16:creationId xmlns:a16="http://schemas.microsoft.com/office/drawing/2014/main" id="{A89172B1-B985-48A3-8018-FC6FF45BCE4F}"/>
+              </a:ext>
+            </a:extLst>
+          </p:cNvPr>
+          <p:cNvSpPr/>
+          <p:nvPr/>
+        </p:nvSpPr>
+        <p:spPr>
+          <a:xfrm>
+            <a:off x="771891" y="-1742949"/>
+            <a:ext cx="9513815" cy="1020921"/>
+          </a:xfrm>
+          <a:prstGeom prst="rect">
+            <a:avLst/>
+          </a:prstGeom>
+        </p:spPr>
+        <p:txBody>
+          <a:bodyPr wrap="square">
+            <a:spAutoFit/>
+          </a:bodyPr>
+          <a:lstStyle/>
+          <a:p>
+            <a:pPr>
+              <a:lnSpc>
+                <a:spcPct val="115000"/>
+              </a:lnSpc>
+              <a:spcAft>
+                <a:spcPts val="0"/>
+              </a:spcAft>
+            </a:pPr>
+            <a:r>
+              <a:rPr lang="en-NZ" i="1" dirty="0">
+                <a:solidFill>
+                  <a:schemeClr val="bg1"/>
+                </a:solidFill>
+                <a:latin typeface="Arial" panose="020B0604020202020204" pitchFamily="34" charset="0"/>
+                <a:ea typeface="Arial" panose="020B0604020202020204" pitchFamily="34" charset="0"/>
+              </a:rPr>
+              <a:t>Your version control evidence should go here.  This could be in the form of screenshots (both of your GitHub repository as well as your local project folder) as evidence of your incremental development.</a:t>
+            </a:r>
+            <a:endParaRPr lang="en-NZ" dirty="0">
+              <a:solidFill>
+                <a:schemeClr val="bg1"/>
+              </a:solidFill>
+              <a:latin typeface="Arial" panose="020B0604020202020204" pitchFamily="34" charset="0"/>
+              <a:ea typeface="Arial" panose="020B0604020202020204" pitchFamily="34" charset="0"/>
+            </a:endParaRPr>
+          </a:p>
+        </p:txBody>
+      </p:sp>
+      <p:pic>
+        <p:nvPicPr>
+          <p:cNvPr id="6" name="Picture 5">
+            <a:extLst>
+              <a:ext uri="{FF2B5EF4-FFF2-40B4-BE49-F238E27FC236}">
+                <a16:creationId xmlns:a16="http://schemas.microsoft.com/office/drawing/2014/main" id="{DCFA7941-079D-92B8-42CC-C89EF5C603A5}"/>
+              </a:ext>
+            </a:extLst>
+          </p:cNvPr>
+          <p:cNvPicPr>
+            <a:picLocks noChangeAspect="1"/>
+          </p:cNvPicPr>
+          <p:nvPr/>
+        </p:nvPicPr>
+        <p:blipFill>
+          <a:blip r:embed="rId3"/>
+          <a:stretch>
+            <a:fillRect/>
+          </a:stretch>
+        </p:blipFill>
+        <p:spPr>
+          <a:xfrm>
+            <a:off x="628384" y="888154"/>
+            <a:ext cx="3810532" cy="5934903"/>
+          </a:xfrm>
+          <a:prstGeom prst="rect">
+            <a:avLst/>
+          </a:prstGeom>
+        </p:spPr>
+      </p:pic>
+    </p:spTree>
+    <p:extLst>
+      <p:ext uri="{BB962C8B-B14F-4D97-AF65-F5344CB8AC3E}">
+        <p14:creationId xmlns:p14="http://schemas.microsoft.com/office/powerpoint/2010/main" val="3266175572"/>
+      </p:ext>
+    </p:extLst>
+  </p:cSld>
+  <p:clrMapOvr>
+    <a:masterClrMapping/>
+  </p:clrMapOvr>
+</p:sld>
+</file>
+
+<file path=ppt/slides/slide36.xml><?xml version="1.0" encoding="utf-8"?>
+<p:sld xmlns:a="http://schemas.openxmlformats.org/drawingml/2006/main" xmlns:r="http://schemas.openxmlformats.org/officeDocument/2006/relationships" xmlns:p="http://schemas.openxmlformats.org/presentationml/2006/main">
+  <p:cSld>
+    <p:spTree>
+      <p:nvGrpSpPr>
+        <p:cNvPr id="1" name=""/>
+        <p:cNvGrpSpPr/>
+        <p:nvPr/>
+      </p:nvGrpSpPr>
+      <p:grpSpPr>
+        <a:xfrm>
+          <a:off x="0" y="0"/>
+          <a:ext cx="0" cy="0"/>
+          <a:chOff x="0" y="0"/>
+          <a:chExt cx="0" cy="0"/>
+        </a:xfrm>
+      </p:grpSpPr>
+      <p:sp>
+        <p:nvSpPr>
+          <p:cNvPr id="2" name="Title 1">
+            <a:extLst>
+              <a:ext uri="{FF2B5EF4-FFF2-40B4-BE49-F238E27FC236}">
+                <a16:creationId xmlns:a16="http://schemas.microsoft.com/office/drawing/2014/main" id="{204241F8-0A76-6BED-E884-25688A4731CB}"/>
+              </a:ext>
+            </a:extLst>
+          </p:cNvPr>
+          <p:cNvSpPr>
+            <a:spLocks noGrp="1"/>
+          </p:cNvSpPr>
+          <p:nvPr>
+            <p:ph type="title"/>
+          </p:nvPr>
+        </p:nvSpPr>
+        <p:spPr/>
+        <p:txBody>
+          <a:bodyPr/>
+          <a:lstStyle/>
+          <a:p>
+            <a:r>
+              <a:rPr lang="en-NZ" dirty="0"/>
+              <a:t>PEP8 Standards</a:t>
+            </a:r>
+          </a:p>
+        </p:txBody>
+      </p:sp>
+      <p:sp>
+        <p:nvSpPr>
+          <p:cNvPr id="3" name="Text Placeholder 2">
+            <a:extLst>
+              <a:ext uri="{FF2B5EF4-FFF2-40B4-BE49-F238E27FC236}">
+                <a16:creationId xmlns:a16="http://schemas.microsoft.com/office/drawing/2014/main" id="{47FEC4B8-0585-F27D-BF35-84D6B1F976C3}"/>
+              </a:ext>
+            </a:extLst>
+          </p:cNvPr>
+          <p:cNvSpPr>
+            <a:spLocks noGrp="1"/>
+          </p:cNvSpPr>
+          <p:nvPr>
+            <p:ph type="body" idx="1"/>
+          </p:nvPr>
+        </p:nvSpPr>
+        <p:spPr>
+          <a:xfrm>
+            <a:off x="415600" y="1250883"/>
+            <a:ext cx="11360800" cy="4555200"/>
+          </a:xfrm>
+        </p:spPr>
+        <p:txBody>
+          <a:bodyPr/>
+          <a:lstStyle/>
+          <a:p>
+            <a:pPr marL="285750" indent="-285750">
+              <a:buFont typeface="Arial" panose="020B0604020202020204" pitchFamily="34" charset="0"/>
+              <a:buChar char="•"/>
+            </a:pPr>
+            <a:r>
+              <a:rPr lang="en-NZ" sz="2800" dirty="0">
+                <a:latin typeface="Arial"/>
+                <a:cs typeface="Arial"/>
+              </a:rPr>
+              <a:t>I tested my code to check for PEP8 standards for other coders to look at the code and be able to understand my code easier as the readability is enhanced it also helps with the aesthetics of the code. The way I tested was from using </a:t>
+            </a:r>
+            <a:r>
+              <a:rPr lang="en-NZ" sz="2800" dirty="0" err="1">
+                <a:latin typeface="Arial"/>
+                <a:cs typeface="Arial"/>
+              </a:rPr>
+              <a:t>PyCharms</a:t>
+            </a:r>
+            <a:r>
+              <a:rPr lang="en-NZ" sz="2800" dirty="0">
+                <a:latin typeface="Arial"/>
+                <a:cs typeface="Arial"/>
+              </a:rPr>
+              <a:t> direct PEP8 checker I also reduced my spacing line to the max character limit to fit PEP8 standards.</a:t>
+            </a:r>
+          </a:p>
+        </p:txBody>
+      </p:sp>
+      <p:pic>
+        <p:nvPicPr>
+          <p:cNvPr id="5" name="Picture 4">
+            <a:extLst>
+              <a:ext uri="{FF2B5EF4-FFF2-40B4-BE49-F238E27FC236}">
+                <a16:creationId xmlns:a16="http://schemas.microsoft.com/office/drawing/2014/main" id="{E0C16C0B-B53D-8D9C-EC8D-16D776B5AE49}"/>
+              </a:ext>
+            </a:extLst>
+          </p:cNvPr>
+          <p:cNvPicPr>
+            <a:picLocks noChangeAspect="1"/>
+          </p:cNvPicPr>
+          <p:nvPr/>
+        </p:nvPicPr>
+        <p:blipFill>
+          <a:blip r:embed="rId2"/>
+          <a:stretch>
+            <a:fillRect/>
+          </a:stretch>
+        </p:blipFill>
+        <p:spPr>
+          <a:xfrm>
+            <a:off x="1052452" y="4252888"/>
+            <a:ext cx="866896" cy="352474"/>
+          </a:xfrm>
+          <a:prstGeom prst="rect">
+            <a:avLst/>
+          </a:prstGeom>
+        </p:spPr>
+      </p:pic>
+      <p:sp>
+        <p:nvSpPr>
+          <p:cNvPr id="6" name="TextBox 5">
+            <a:extLst>
+              <a:ext uri="{FF2B5EF4-FFF2-40B4-BE49-F238E27FC236}">
+                <a16:creationId xmlns:a16="http://schemas.microsoft.com/office/drawing/2014/main" id="{F62EEDF5-E806-38C1-7D5E-508DC5236443}"/>
+              </a:ext>
+            </a:extLst>
+          </p:cNvPr>
+          <p:cNvSpPr txBox="1"/>
+          <p:nvPr/>
+        </p:nvSpPr>
+        <p:spPr>
+          <a:xfrm>
+            <a:off x="2181225" y="4105959"/>
+            <a:ext cx="3771900" cy="646331"/>
+          </a:xfrm>
+          <a:prstGeom prst="rect">
+            <a:avLst/>
+          </a:prstGeom>
+          <a:noFill/>
+        </p:spPr>
+        <p:txBody>
+          <a:bodyPr wrap="square" rtlCol="0">
+            <a:spAutoFit/>
+          </a:bodyPr>
+          <a:lstStyle/>
+          <a:p>
+            <a:r>
+              <a:rPr lang="en-NZ" dirty="0"/>
+              <a:t>As you can see from this image there is no PEP8 issues in my code</a:t>
+            </a:r>
+          </a:p>
+        </p:txBody>
+      </p:sp>
+      <p:pic>
+        <p:nvPicPr>
+          <p:cNvPr id="8" name="Picture 7">
+            <a:extLst>
+              <a:ext uri="{FF2B5EF4-FFF2-40B4-BE49-F238E27FC236}">
+                <a16:creationId xmlns:a16="http://schemas.microsoft.com/office/drawing/2014/main" id="{47506A9D-FB0C-D5D9-8AB6-33EF43FEBF97}"/>
+              </a:ext>
+            </a:extLst>
+          </p:cNvPr>
+          <p:cNvPicPr>
+            <a:picLocks noChangeAspect="1"/>
+          </p:cNvPicPr>
+          <p:nvPr/>
+        </p:nvPicPr>
+        <p:blipFill>
+          <a:blip r:embed="rId3"/>
+          <a:stretch>
+            <a:fillRect/>
+          </a:stretch>
+        </p:blipFill>
+        <p:spPr>
+          <a:xfrm>
+            <a:off x="1052452" y="5262878"/>
+            <a:ext cx="800212" cy="266737"/>
+          </a:xfrm>
+          <a:prstGeom prst="rect">
+            <a:avLst/>
+          </a:prstGeom>
+        </p:spPr>
+      </p:pic>
+      <p:sp>
+        <p:nvSpPr>
+          <p:cNvPr id="9" name="TextBox 8">
+            <a:extLst>
+              <a:ext uri="{FF2B5EF4-FFF2-40B4-BE49-F238E27FC236}">
+                <a16:creationId xmlns:a16="http://schemas.microsoft.com/office/drawing/2014/main" id="{352B6051-9701-8FFF-E307-DFE642FE0359}"/>
+              </a:ext>
+            </a:extLst>
+          </p:cNvPr>
+          <p:cNvSpPr txBox="1"/>
+          <p:nvPr/>
+        </p:nvSpPr>
+        <p:spPr>
+          <a:xfrm>
+            <a:off x="2038350" y="5073080"/>
+            <a:ext cx="3771900" cy="646331"/>
+          </a:xfrm>
+          <a:prstGeom prst="rect">
+            <a:avLst/>
+          </a:prstGeom>
+          <a:noFill/>
+        </p:spPr>
+        <p:txBody>
+          <a:bodyPr wrap="square" rtlCol="0">
+            <a:spAutoFit/>
+          </a:bodyPr>
+          <a:lstStyle/>
+          <a:p>
+            <a:r>
+              <a:rPr lang="en-NZ" dirty="0"/>
+              <a:t>If there were issues there would be a explanation point such is in this photo.</a:t>
+            </a:r>
+          </a:p>
+        </p:txBody>
+      </p:sp>
+    </p:spTree>
+    <p:extLst>
+      <p:ext uri="{BB962C8B-B14F-4D97-AF65-F5344CB8AC3E}">
+        <p14:creationId xmlns:p14="http://schemas.microsoft.com/office/powerpoint/2010/main" val="2509622654"/>
+      </p:ext>
+    </p:extLst>
+  </p:cSld>
+  <p:clrMapOvr>
+    <a:masterClrMapping/>
+  </p:clrMapOvr>
+</p:sld>
+</file>
+
+<file path=ppt/slides/slide37.xml><?xml version="1.0" encoding="utf-8"?>
+<p:sld xmlns:a="http://schemas.openxmlformats.org/drawingml/2006/main" xmlns:r="http://schemas.openxmlformats.org/officeDocument/2006/relationships" xmlns:p="http://schemas.openxmlformats.org/presentationml/2006/main">
+  <p:cSld>
+    <p:spTree>
+      <p:nvGrpSpPr>
+        <p:cNvPr id="1" name=""/>
+        <p:cNvGrpSpPr/>
+        <p:nvPr/>
+      </p:nvGrpSpPr>
+      <p:grpSpPr>
+        <a:xfrm>
+          <a:off x="0" y="0"/>
+          <a:ext cx="0" cy="0"/>
+          <a:chOff x="0" y="0"/>
+          <a:chExt cx="0" cy="0"/>
+        </a:xfrm>
+      </p:grpSpPr>
+      <p:sp>
+        <p:nvSpPr>
+          <p:cNvPr id="2" name="Title 1">
+            <a:extLst>
+              <a:ext uri="{FF2B5EF4-FFF2-40B4-BE49-F238E27FC236}">
                 <a16:creationId xmlns:a16="http://schemas.microsoft.com/office/drawing/2014/main" id="{0AC904DD-5A10-446B-A89E-8DA5AC00DE23}"/>
               </a:ext>
             </a:extLst>
@@ -27092,7 +33538,7 @@
         </p:nvSpPr>
         <p:spPr>
           <a:xfrm>
-            <a:off x="838200" y="365125"/>
+            <a:off x="0" y="0"/>
             <a:ext cx="10515600" cy="721995"/>
           </a:xfrm>
         </p:spPr>
@@ -27123,7 +33569,7 @@
         </p:nvSpPr>
         <p:spPr>
           <a:xfrm>
-            <a:off x="838200" y="1087120"/>
+            <a:off x="3838074" y="75664"/>
             <a:ext cx="8353926" cy="646331"/>
           </a:xfrm>
           <a:prstGeom prst="rect">
@@ -27145,6 +33591,132 @@
           </a:p>
         </p:txBody>
       </p:sp>
+      <p:sp>
+        <p:nvSpPr>
+          <p:cNvPr id="4" name="Rectangle 3">
+            <a:extLst>
+              <a:ext uri="{FF2B5EF4-FFF2-40B4-BE49-F238E27FC236}">
+                <a16:creationId xmlns:a16="http://schemas.microsoft.com/office/drawing/2014/main" id="{C8547D41-1EF1-E050-D8FE-BC633241079F}"/>
+              </a:ext>
+            </a:extLst>
+          </p:cNvPr>
+          <p:cNvSpPr/>
+          <p:nvPr/>
+        </p:nvSpPr>
+        <p:spPr>
+          <a:xfrm>
+            <a:off x="66424" y="721995"/>
+            <a:ext cx="12059151" cy="3785652"/>
+          </a:xfrm>
+          <a:prstGeom prst="rect">
+            <a:avLst/>
+          </a:prstGeom>
+        </p:spPr>
+        <p:txBody>
+          <a:bodyPr wrap="square">
+            <a:spAutoFit/>
+          </a:bodyPr>
+          <a:lstStyle/>
+          <a:p>
+            <a:r>
+              <a:rPr lang="en-GB" sz="1200" dirty="0">
+                <a:latin typeface="Arial" panose="020B0604020202020204" pitchFamily="34" charset="0"/>
+              </a:rPr>
+              <a:t>The planning, testing, and trialling of components were fundamental in the development of a high-quality outcome for the Monster Card Catalogue project. In the planning phase, the programmer established the project's objectives and requirements, which provided a clear roadmap for development. By decomposing the program into smaller components, such as user input, data storage, GUI, and card manipulation, the programmer could effectively manage and focus on individual tasks. This systematic approach ensured that each component was well-designed and fulfilled its intended purpose, contributing to the overall quality of the program.</a:t>
+            </a:r>
+          </a:p>
+          <a:p>
+            <a:endParaRPr lang="en-GB" sz="1200" dirty="0">
+              <a:latin typeface="Arial" panose="020B0604020202020204" pitchFamily="34" charset="0"/>
+            </a:endParaRPr>
+          </a:p>
+          <a:p>
+            <a:r>
+              <a:rPr lang="en-GB" sz="1200" dirty="0">
+                <a:latin typeface="Arial" panose="020B0604020202020204" pitchFamily="34" charset="0"/>
+              </a:rPr>
+              <a:t>During the development process, multiple components and techniques were </a:t>
+            </a:r>
+            <a:r>
+              <a:rPr lang="en-GB" sz="1200" dirty="0" err="1">
+                <a:latin typeface="Arial" panose="020B0604020202020204" pitchFamily="34" charset="0"/>
+              </a:rPr>
+              <a:t>trialed</a:t>
+            </a:r>
+            <a:r>
+              <a:rPr lang="en-GB" sz="1200" dirty="0">
+                <a:latin typeface="Arial" panose="020B0604020202020204" pitchFamily="34" charset="0"/>
+              </a:rPr>
+              <a:t> and tested. Different approaches were explored for user input, output display, and other functionalities. This iterative process allowed me to compare and evaluate various options, selecting the most suitable ones based on their effectiveness and usability. Feedback from testers, including classmates, family, and friends, provided valuable insights that helped improve the program's functionality, user experience, and overall quality. Incorporating the best components and techniques into the final program resulted in a refined solution that effectively addressed the project's requirements.</a:t>
+            </a:r>
+          </a:p>
+          <a:p>
+            <a:endParaRPr lang="en-GB" sz="1200" dirty="0">
+              <a:latin typeface="Arial" panose="020B0604020202020204" pitchFamily="34" charset="0"/>
+            </a:endParaRPr>
+          </a:p>
+          <a:p>
+            <a:r>
+              <a:rPr lang="en-GB" sz="1200" dirty="0">
+                <a:latin typeface="Arial" panose="020B0604020202020204" pitchFamily="34" charset="0"/>
+              </a:rPr>
+              <a:t>Version control tools, such as GitHub, were utilized to manage successive versions of the code and track changes made throughout the development process. This ensured my progress was recorded. Additionally, the I maintained comprehensive documentation, including appropriate variable and module names, comments, and adherence to coding conventions such as PEP8. These practices facilitated future maintenance, and the overall quality of the code. By leveraging planning, testing, and trialling, along with version control and documentation, the final program emerged as a high-quality outcome that met the specified requirements, underwent thorough testing, and demonstrated a well-structured and robust implementation.</a:t>
+            </a:r>
+          </a:p>
+          <a:p>
+            <a:endParaRPr lang="en-GB" sz="1200" dirty="0">
+              <a:latin typeface="Arial" panose="020B0604020202020204" pitchFamily="34" charset="0"/>
+            </a:endParaRPr>
+          </a:p>
+          <a:p>
+            <a:r>
+              <a:rPr lang="en-GB" sz="1200" dirty="0">
+                <a:latin typeface="Arial" panose="020B0604020202020204" pitchFamily="34" charset="0"/>
+              </a:rPr>
+              <a:t>From using Trello I was able to plan out my project and give myself time restrictions such as a deadline for each function so I am able to complete the project on time and give myself a visual representation on how time-sensitive the project is to make sure all is finished before the deadline. This helped me stay on track for time management and create program that meets all the requirements from planning out what needs to be in the code. In the photo below I created a way to visualize what needs to be in each function for the </a:t>
+            </a:r>
+            <a:r>
+              <a:rPr lang="en-GB" sz="1200">
+                <a:latin typeface="Arial" panose="020B0604020202020204" pitchFamily="34" charset="0"/>
+              </a:rPr>
+              <a:t>final project.</a:t>
+            </a:r>
+            <a:endParaRPr lang="en-NZ" sz="1200" dirty="0">
+              <a:latin typeface="Arial" panose="020B0604020202020204" pitchFamily="34" charset="0"/>
+            </a:endParaRPr>
+          </a:p>
+        </p:txBody>
+      </p:sp>
+      <p:pic>
+        <p:nvPicPr>
+          <p:cNvPr id="5" name="Picture 4">
+            <a:extLst>
+              <a:ext uri="{FF2B5EF4-FFF2-40B4-BE49-F238E27FC236}">
+                <a16:creationId xmlns:a16="http://schemas.microsoft.com/office/drawing/2014/main" id="{13B07705-8988-4080-86BB-CCA5D43AC9EB}"/>
+              </a:ext>
+            </a:extLst>
+          </p:cNvPr>
+          <p:cNvPicPr>
+            <a:picLocks noChangeAspect="1"/>
+          </p:cNvPicPr>
+          <p:nvPr/>
+        </p:nvPicPr>
+        <p:blipFill>
+          <a:blip r:embed="rId3"/>
+          <a:stretch>
+            <a:fillRect/>
+          </a:stretch>
+        </p:blipFill>
+        <p:spPr>
+          <a:xfrm>
+            <a:off x="2769445" y="4524376"/>
+            <a:ext cx="7117505" cy="2134136"/>
+          </a:xfrm>
+          <a:prstGeom prst="rect">
+            <a:avLst/>
+          </a:prstGeom>
+        </p:spPr>
+      </p:pic>
     </p:spTree>
     <p:extLst>
       <p:ext uri="{BB962C8B-B14F-4D97-AF65-F5344CB8AC3E}">
@@ -31967,15 +38539,6 @@
 </file>
 
 <file path=customXml/item1.xml><?xml version="1.0" encoding="utf-8"?>
-<?mso-contentType ?>
-<FormTemplates xmlns="http://schemas.microsoft.com/sharepoint/v3/contenttype/forms">
-  <Display>DocumentLibraryForm</Display>
-  <Edit>DocumentLibraryForm</Edit>
-  <New>DocumentLibraryForm</New>
-</FormTemplates>
-</file>
-
-<file path=customXml/item2.xml><?xml version="1.0" encoding="utf-8"?>
 <ct:contentTypeSchema xmlns:ct="http://schemas.microsoft.com/office/2006/metadata/contentType" xmlns:ma="http://schemas.microsoft.com/office/2006/metadata/properties/metaAttributes" ct:_="" ma:_="" ma:contentTypeName="Document" ma:contentTypeID="0x010100B37AA4149E3FCE42B2F0D36F55263BE7" ma:contentTypeVersion="3" ma:contentTypeDescription="Create a new document." ma:contentTypeScope="" ma:versionID="f7f1c092f231b6630c24ec1f654af881">
   <xsd:schema xmlns:xsd="http://www.w3.org/2001/XMLSchema" xmlns:xs="http://www.w3.org/2001/XMLSchema" xmlns:p="http://schemas.microsoft.com/office/2006/metadata/properties" xmlns:ns2="205ad105-7c38-4030-89bf-bb8828f957ce" targetNamespace="http://schemas.microsoft.com/office/2006/metadata/properties" ma:root="true" ma:fieldsID="4b98ef4347ca2c9d6ddeb86b863b8840" ns2:_="">
     <xsd:import namespace="205ad105-7c38-4030-89bf-bb8828f957ce"/>
@@ -32113,15 +38676,16 @@
 </ct:contentTypeSchema>
 </file>
 
-<file path=customXml/itemProps1.xml><?xml version="1.0" encoding="utf-8"?>
-<ds:datastoreItem xmlns:ds="http://schemas.openxmlformats.org/officeDocument/2006/customXml" ds:itemID="{2025CDDF-CD31-423A-BEB8-DE00B73966BF}">
-  <ds:schemaRefs>
-    <ds:schemaRef ds:uri="http://schemas.microsoft.com/sharepoint/v3/contenttype/forms"/>
-  </ds:schemaRefs>
-</ds:datastoreItem>
+<file path=customXml/item2.xml><?xml version="1.0" encoding="utf-8"?>
+<?mso-contentType ?>
+<FormTemplates xmlns="http://schemas.microsoft.com/sharepoint/v3/contenttype/forms">
+  <Display>DocumentLibraryForm</Display>
+  <Edit>DocumentLibraryForm</Edit>
+  <New>DocumentLibraryForm</New>
+</FormTemplates>
 </file>
 
-<file path=customXml/itemProps2.xml><?xml version="1.0" encoding="utf-8"?>
+<file path=customXml/itemProps1.xml><?xml version="1.0" encoding="utf-8"?>
 <ds:datastoreItem xmlns:ds="http://schemas.openxmlformats.org/officeDocument/2006/customXml" ds:itemID="{F118AE1B-89AB-4E8D-A474-F3B1187AE7D6}">
   <ds:schemaRefs>
     <ds:schemaRef ds:uri="http://schemas.microsoft.com/office/2006/metadata/contentType"/>
@@ -32137,4 +38701,12 @@
     <ds:schemaRef ds:uri="http://schemas.microsoft.com/internal/obd"/>
   </ds:schemaRefs>
 </ds:datastoreItem>
+</file>
+
+<file path=customXml/itemProps2.xml><?xml version="1.0" encoding="utf-8"?>
+<ds:datastoreItem xmlns:ds="http://schemas.openxmlformats.org/officeDocument/2006/customXml" ds:itemID="{2025CDDF-CD31-423A-BEB8-DE00B73966BF}">
+  <ds:schemaRefs>
+    <ds:schemaRef ds:uri="http://schemas.microsoft.com/sharepoint/v3/contenttype/forms"/>
+  </ds:schemaRefs>
+</ds:datastoreItem>
 </file>